--- a/songsTemplate.pptx
+++ b/songsTemplate.pptx
@@ -124,6 +124,66 @@
 </p:presentation>
 </file>
 
+<file path=ppt/changesInfos/changesInfo1.xml><?xml version="1.0" encoding="utf-8"?>
+<pc:chgInfo xmlns:a="http://schemas.openxmlformats.org/drawingml/2006/main" xmlns:r="http://schemas.openxmlformats.org/officeDocument/2006/relationships" xmlns:ac="http://schemas.microsoft.com/office/drawing/2013/main/command" xmlns:pc="http://schemas.microsoft.com/office/powerpoint/2013/main/command">
+  <pc:docChgLst>
+    <pc:chgData name="Venu Yalapala" userId="9feb8bbceceecaca" providerId="LiveId" clId="{282BCC90-DA09-49A0-BCEB-FBBFF0EE3CC4}"/>
+    <pc:docChg chg="undo custSel modSld">
+      <pc:chgData name="Venu Yalapala" userId="9feb8bbceceecaca" providerId="LiveId" clId="{282BCC90-DA09-49A0-BCEB-FBBFF0EE3CC4}" dt="2025-05-17T11:27:16.717" v="29"/>
+      <pc:docMkLst>
+        <pc:docMk/>
+      </pc:docMkLst>
+      <pc:sldChg chg="modSp mod">
+        <pc:chgData name="Venu Yalapala" userId="9feb8bbceceecaca" providerId="LiveId" clId="{282BCC90-DA09-49A0-BCEB-FBBFF0EE3CC4}" dt="2025-05-17T11:27:16.717" v="29"/>
+        <pc:sldMkLst>
+          <pc:docMk/>
+          <pc:sldMk cId="3342490066" sldId="256"/>
+        </pc:sldMkLst>
+        <pc:spChg chg="mod">
+          <ac:chgData name="Venu Yalapala" userId="9feb8bbceceecaca" providerId="LiveId" clId="{282BCC90-DA09-49A0-BCEB-FBBFF0EE3CC4}" dt="2025-05-17T11:27:16.717" v="29"/>
+          <ac:spMkLst>
+            <pc:docMk/>
+            <pc:sldMk cId="3342490066" sldId="256"/>
+            <ac:spMk id="12" creationId="{DD950E5A-63C0-4187-892B-9549599FCD15}"/>
+          </ac:spMkLst>
+        </pc:spChg>
+        <pc:spChg chg="mod">
+          <ac:chgData name="Venu Yalapala" userId="9feb8bbceceecaca" providerId="LiveId" clId="{282BCC90-DA09-49A0-BCEB-FBBFF0EE3CC4}" dt="2025-05-17T11:26:22.541" v="20" actId="20577"/>
+          <ac:spMkLst>
+            <pc:docMk/>
+            <pc:sldMk cId="3342490066" sldId="256"/>
+            <ac:spMk id="15" creationId="{F0C1A603-19B4-4631-AF63-7E26FCE0AA94}"/>
+          </ac:spMkLst>
+        </pc:spChg>
+      </pc:sldChg>
+      <pc:sldChg chg="modSp mod">
+        <pc:chgData name="Venu Yalapala" userId="9feb8bbceceecaca" providerId="LiveId" clId="{282BCC90-DA09-49A0-BCEB-FBBFF0EE3CC4}" dt="2025-05-17T11:27:02.678" v="26"/>
+        <pc:sldMkLst>
+          <pc:docMk/>
+          <pc:sldMk cId="3419142628" sldId="257"/>
+        </pc:sldMkLst>
+        <pc:spChg chg="mod">
+          <ac:chgData name="Venu Yalapala" userId="9feb8bbceceecaca" providerId="LiveId" clId="{282BCC90-DA09-49A0-BCEB-FBBFF0EE3CC4}" dt="2025-05-17T11:26:47.274" v="23"/>
+          <ac:spMkLst>
+            <pc:docMk/>
+            <pc:sldMk cId="3419142628" sldId="257"/>
+            <ac:spMk id="7" creationId="{C5F65C11-52F8-415B-A70B-C02268F6F4A1}"/>
+          </ac:spMkLst>
+        </pc:spChg>
+        <pc:spChg chg="mod">
+          <ac:chgData name="Venu Yalapala" userId="9feb8bbceceecaca" providerId="LiveId" clId="{282BCC90-DA09-49A0-BCEB-FBBFF0EE3CC4}" dt="2025-05-17T11:27:02.678" v="26"/>
+          <ac:spMkLst>
+            <pc:docMk/>
+            <pc:sldMk cId="3419142628" sldId="257"/>
+            <ac:spMk id="12" creationId="{DD950E5A-63C0-4187-892B-9549599FCD15}"/>
+          </ac:spMkLst>
+        </pc:spChg>
+      </pc:sldChg>
+    </pc:docChg>
+  </pc:docChgLst>
+</pc:chgInfo>
+</file>
+
 <file path=ppt/slideLayouts/slideLayout1.xml><?xml version="1.0" encoding="utf-8"?>
 <p:sldLayout xmlns:a="http://schemas.openxmlformats.org/drawingml/2006/main" xmlns:r="http://schemas.openxmlformats.org/officeDocument/2006/relationships" xmlns:p="http://schemas.openxmlformats.org/presentationml/2006/main" type="title" preserve="1">
   <p:cSld name="Title Slide">
@@ -255,7 +315,7 @@
           <a:p>
             <a:fld id="{F1102B08-ED9E-409F-B95F-09CAA1DAF6E0}" type="datetimeFigureOut">
               <a:rPr lang="en-IN" smtClean="0"/>
-              <a:t>10-05-2025</a:t>
+              <a:t>17-05-2025</a:t>
             </a:fld>
             <a:endParaRPr lang="en-IN"/>
           </a:p>
@@ -425,7 +485,7 @@
           <a:p>
             <a:fld id="{F1102B08-ED9E-409F-B95F-09CAA1DAF6E0}" type="datetimeFigureOut">
               <a:rPr lang="en-IN" smtClean="0"/>
-              <a:t>10-05-2025</a:t>
+              <a:t>17-05-2025</a:t>
             </a:fld>
             <a:endParaRPr lang="en-IN"/>
           </a:p>
@@ -605,7 +665,7 @@
           <a:p>
             <a:fld id="{F1102B08-ED9E-409F-B95F-09CAA1DAF6E0}" type="datetimeFigureOut">
               <a:rPr lang="en-IN" smtClean="0"/>
-              <a:t>10-05-2025</a:t>
+              <a:t>17-05-2025</a:t>
             </a:fld>
             <a:endParaRPr lang="en-IN"/>
           </a:p>
@@ -775,7 +835,7 @@
           <a:p>
             <a:fld id="{F1102B08-ED9E-409F-B95F-09CAA1DAF6E0}" type="datetimeFigureOut">
               <a:rPr lang="en-IN" smtClean="0"/>
-              <a:t>10-05-2025</a:t>
+              <a:t>17-05-2025</a:t>
             </a:fld>
             <a:endParaRPr lang="en-IN"/>
           </a:p>
@@ -1019,7 +1079,7 @@
           <a:p>
             <a:fld id="{F1102B08-ED9E-409F-B95F-09CAA1DAF6E0}" type="datetimeFigureOut">
               <a:rPr lang="en-IN" smtClean="0"/>
-              <a:t>10-05-2025</a:t>
+              <a:t>17-05-2025</a:t>
             </a:fld>
             <a:endParaRPr lang="en-IN"/>
           </a:p>
@@ -1251,7 +1311,7 @@
           <a:p>
             <a:fld id="{F1102B08-ED9E-409F-B95F-09CAA1DAF6E0}" type="datetimeFigureOut">
               <a:rPr lang="en-IN" smtClean="0"/>
-              <a:t>10-05-2025</a:t>
+              <a:t>17-05-2025</a:t>
             </a:fld>
             <a:endParaRPr lang="en-IN"/>
           </a:p>
@@ -1618,7 +1678,7 @@
           <a:p>
             <a:fld id="{F1102B08-ED9E-409F-B95F-09CAA1DAF6E0}" type="datetimeFigureOut">
               <a:rPr lang="en-IN" smtClean="0"/>
-              <a:t>10-05-2025</a:t>
+              <a:t>17-05-2025</a:t>
             </a:fld>
             <a:endParaRPr lang="en-IN"/>
           </a:p>
@@ -1736,7 +1796,7 @@
           <a:p>
             <a:fld id="{F1102B08-ED9E-409F-B95F-09CAA1DAF6E0}" type="datetimeFigureOut">
               <a:rPr lang="en-IN" smtClean="0"/>
-              <a:t>10-05-2025</a:t>
+              <a:t>17-05-2025</a:t>
             </a:fld>
             <a:endParaRPr lang="en-IN"/>
           </a:p>
@@ -1831,7 +1891,7 @@
           <a:p>
             <a:fld id="{F1102B08-ED9E-409F-B95F-09CAA1DAF6E0}" type="datetimeFigureOut">
               <a:rPr lang="en-IN" smtClean="0"/>
-              <a:t>10-05-2025</a:t>
+              <a:t>17-05-2025</a:t>
             </a:fld>
             <a:endParaRPr lang="en-IN"/>
           </a:p>
@@ -2108,7 +2168,7 @@
           <a:p>
             <a:fld id="{F1102B08-ED9E-409F-B95F-09CAA1DAF6E0}" type="datetimeFigureOut">
               <a:rPr lang="en-IN" smtClean="0"/>
-              <a:t>10-05-2025</a:t>
+              <a:t>17-05-2025</a:t>
             </a:fld>
             <a:endParaRPr lang="en-IN"/>
           </a:p>
@@ -2365,7 +2425,7 @@
           <a:p>
             <a:fld id="{F1102B08-ED9E-409F-B95F-09CAA1DAF6E0}" type="datetimeFigureOut">
               <a:rPr lang="en-IN" smtClean="0"/>
-              <a:t>10-05-2025</a:t>
+              <a:t>17-05-2025</a:t>
             </a:fld>
             <a:endParaRPr lang="en-IN"/>
           </a:p>
@@ -2578,7 +2638,7 @@
           <a:p>
             <a:fld id="{F1102B08-ED9E-409F-B95F-09CAA1DAF6E0}" type="datetimeFigureOut">
               <a:rPr lang="en-IN" smtClean="0"/>
-              <a:t>10-05-2025</a:t>
+              <a:t>17-05-2025</a:t>
             </a:fld>
             <a:endParaRPr lang="en-IN"/>
           </a:p>
@@ -3211,7 +3271,7 @@
           <p:spPr>
             <a:xfrm>
               <a:off x="-4706177" y="279538"/>
-              <a:ext cx="4883429" cy="6095258"/>
+              <a:ext cx="4883429" cy="5428409"/>
             </a:xfrm>
             <a:prstGeom prst="rect">
               <a:avLst/>
@@ -3234,7 +3294,59 @@
                   <a:latin typeface="Ramabhadra" panose="02000600000000000000" pitchFamily="2" charset="0"/>
                   <a:cs typeface="Ramabhadra" panose="02000600000000000000" pitchFamily="2" charset="0"/>
                 </a:rPr>
-                <a:t>ఎడబాయని నీ కృప</a:t>
+                <a:t>దేవా నా దేవా – నీవే నా కాపరి</a:t>
+              </a:r>
+              <a:br>
+                <a:rPr lang="te-IN" sz="2200" dirty="0">
+                  <a:latin typeface="Ramabhadra" panose="02000600000000000000" pitchFamily="2" charset="0"/>
+                  <a:cs typeface="Ramabhadra" panose="02000600000000000000" pitchFamily="2" charset="0"/>
+                </a:rPr>
+              </a:br>
+              <a:r>
+                <a:rPr lang="te-IN" sz="2200" dirty="0">
+                  <a:latin typeface="Ramabhadra" panose="02000600000000000000" pitchFamily="2" charset="0"/>
+                  <a:cs typeface="Ramabhadra" panose="02000600000000000000" pitchFamily="2" charset="0"/>
+                </a:rPr>
+                <a:t>నీ ప్రేమ నీ క్షమా – ఎంతో గొప్పది (2)</a:t>
+              </a:r>
+              <a:br>
+                <a:rPr lang="te-IN" sz="2200" dirty="0">
+                  <a:latin typeface="Ramabhadra" panose="02000600000000000000" pitchFamily="2" charset="0"/>
+                  <a:cs typeface="Ramabhadra" panose="02000600000000000000" pitchFamily="2" charset="0"/>
+                </a:rPr>
+              </a:br>
+              <a:r>
+                <a:rPr lang="te-IN" sz="2200" dirty="0">
+                  <a:latin typeface="Ramabhadra" panose="02000600000000000000" pitchFamily="2" charset="0"/>
+                  <a:cs typeface="Ramabhadra" panose="02000600000000000000" pitchFamily="2" charset="0"/>
+                </a:rPr>
+                <a:t>ఆరాధింతును హృదయాంతరంగములో</a:t>
+              </a:r>
+              <a:br>
+                <a:rPr lang="te-IN" sz="2200" dirty="0">
+                  <a:latin typeface="Ramabhadra" panose="02000600000000000000" pitchFamily="2" charset="0"/>
+                  <a:cs typeface="Ramabhadra" panose="02000600000000000000" pitchFamily="2" charset="0"/>
+                </a:rPr>
+              </a:br>
+              <a:r>
+                <a:rPr lang="te-IN" sz="2200" dirty="0">
+                  <a:latin typeface="Ramabhadra" panose="02000600000000000000" pitchFamily="2" charset="0"/>
+                  <a:cs typeface="Ramabhadra" panose="02000600000000000000" pitchFamily="2" charset="0"/>
+                </a:rPr>
+                <a:t>స్తుతించెదను నీ పాద సన్నిధిలో (2)</a:t>
+              </a:r>
+              <a:br>
+                <a:rPr lang="te-IN" sz="2200" dirty="0">
+                  <a:latin typeface="Ramabhadra" panose="02000600000000000000" pitchFamily="2" charset="0"/>
+                  <a:cs typeface="Ramabhadra" panose="02000600000000000000" pitchFamily="2" charset="0"/>
+                </a:rPr>
+              </a:br>
+              <a:r>
+                <a:rPr lang="te-IN" sz="2200" dirty="0">
+                  <a:latin typeface="Ramabhadra" panose="02000600000000000000" pitchFamily="2" charset="0"/>
+                  <a:cs typeface="Ramabhadra" panose="02000600000000000000" pitchFamily="2" charset="0"/>
+                </a:rPr>
+                <a:t>నీవే కదా దేవుడవు – (2)</a:t>
               </a:r>
             </a:p>
             <a:p>
@@ -3248,35 +3360,7 @@
                   <a:latin typeface="Ramabhadra" panose="02000600000000000000" pitchFamily="2" charset="0"/>
                   <a:cs typeface="Ramabhadra" panose="02000600000000000000" pitchFamily="2" charset="0"/>
                 </a:rPr>
-                <a:t>నను విడువదు ఎన్నటికీ (2)</a:t>
-              </a:r>
-            </a:p>
-            <a:p>
-              <a:pPr>
-                <a:lnSpc>
-                  <a:spcPts val="2600"/>
-                </a:lnSpc>
-              </a:pPr>
-              <a:r>
-                <a:rPr lang="te-IN" sz="2200" dirty="0">
-                  <a:latin typeface="Ramabhadra" panose="02000600000000000000" pitchFamily="2" charset="0"/>
-                  <a:cs typeface="Ramabhadra" panose="02000600000000000000" pitchFamily="2" charset="0"/>
-                </a:rPr>
-                <a:t>యేసయ్యా నీ ప్రేమానురాగం</a:t>
-              </a:r>
-            </a:p>
-            <a:p>
-              <a:pPr>
-                <a:lnSpc>
-                  <a:spcPts val="2600"/>
-                </a:lnSpc>
-              </a:pPr>
-              <a:r>
-                <a:rPr lang="te-IN" sz="2200" dirty="0">
-                  <a:latin typeface="Ramabhadra" panose="02000600000000000000" pitchFamily="2" charset="0"/>
-                  <a:cs typeface="Ramabhadra" panose="02000600000000000000" pitchFamily="2" charset="0"/>
-                </a:rPr>
-                <a:t>నను కాయును అనుక్షణం (2)</a:t>
+                <a:t>దేవా యేసు దేవా (4)     </a:t>
               </a:r>
             </a:p>
             <a:p>
@@ -3301,77 +3385,46 @@
                   <a:latin typeface="Ramabhadra" panose="02000600000000000000" pitchFamily="2" charset="0"/>
                   <a:cs typeface="Ramabhadra" panose="02000600000000000000" pitchFamily="2" charset="0"/>
                 </a:rPr>
-                <a:t>శోకపు లోయలలో – కష్టాల కడగండ్లలో</a:t>
-              </a:r>
-            </a:p>
-            <a:p>
-              <a:pPr>
-                <a:lnSpc>
-                  <a:spcPts val="2600"/>
-                </a:lnSpc>
-              </a:pPr>
-              <a:r>
+                <a:t>పాపము నుండి విడిపించినావు</a:t>
+              </a:r>
+              <a:br>
                 <a:rPr lang="te-IN" sz="2200" dirty="0">
                   <a:latin typeface="Ramabhadra" panose="02000600000000000000" pitchFamily="2" charset="0"/>
                   <a:cs typeface="Ramabhadra" panose="02000600000000000000" pitchFamily="2" charset="0"/>
                 </a:rPr>
-                <a:t>కడలేని కడలిలో – నిరాశ నిసృహలో (2)</a:t>
-              </a:r>
-            </a:p>
-            <a:p>
-              <a:pPr>
-                <a:lnSpc>
-                  <a:spcPts val="2600"/>
-                </a:lnSpc>
-              </a:pPr>
+              </a:br>
               <a:r>
                 <a:rPr lang="te-IN" sz="2200" dirty="0">
                   <a:latin typeface="Ramabhadra" panose="02000600000000000000" pitchFamily="2" charset="0"/>
                   <a:cs typeface="Ramabhadra" panose="02000600000000000000" pitchFamily="2" charset="0"/>
                 </a:rPr>
-                <a:t>అర్ధమేకాని ఈ జీవితం</a:t>
-              </a:r>
-            </a:p>
-            <a:p>
-              <a:pPr>
-                <a:lnSpc>
-                  <a:spcPts val="2600"/>
-                </a:lnSpc>
-              </a:pPr>
-              <a:r>
+                <a:t>పరిశుద్ధుని చేసి ప్రేమించినావు (2)</a:t>
+              </a:r>
+              <a:br>
                 <a:rPr lang="te-IN" sz="2200" dirty="0">
                   <a:latin typeface="Ramabhadra" panose="02000600000000000000" pitchFamily="2" charset="0"/>
                   <a:cs typeface="Ramabhadra" panose="02000600000000000000" pitchFamily="2" charset="0"/>
                 </a:rPr>
-                <a:t>ఇక వ్యర్థమని నేననుకొనగ (2)</a:t>
-              </a:r>
-            </a:p>
-            <a:p>
-              <a:pPr>
-                <a:lnSpc>
-                  <a:spcPts val="2600"/>
-                </a:lnSpc>
-              </a:pPr>
+              </a:br>
               <a:r>
                 <a:rPr lang="te-IN" sz="2200" dirty="0">
                   <a:latin typeface="Ramabhadra" panose="02000600000000000000" pitchFamily="2" charset="0"/>
                   <a:cs typeface="Ramabhadra" panose="02000600000000000000" pitchFamily="2" charset="0"/>
                 </a:rPr>
-                <a:t>కృపా కనికరముగల దేవా</a:t>
-              </a:r>
-            </a:p>
-            <a:p>
-              <a:pPr>
-                <a:lnSpc>
-                  <a:spcPts val="2600"/>
-                </a:lnSpc>
-              </a:pPr>
-              <a:r>
+                <a:t>నీవే కదా దేవుడవు – (2)</a:t>
+              </a:r>
+              <a:br>
                 <a:rPr lang="te-IN" sz="2200" dirty="0">
                   <a:latin typeface="Ramabhadra" panose="02000600000000000000" pitchFamily="2" charset="0"/>
                   <a:cs typeface="Ramabhadra" panose="02000600000000000000" pitchFamily="2" charset="0"/>
                 </a:rPr>
-                <a:t>నా కష్టాల కడలిని దాటించితివి (2)</a:t>
+              </a:br>
+              <a:r>
+                <a:rPr lang="te-IN" sz="2200" dirty="0">
+                  <a:latin typeface="Ramabhadra" panose="02000600000000000000" pitchFamily="2" charset="0"/>
+                  <a:cs typeface="Ramabhadra" panose="02000600000000000000" pitchFamily="2" charset="0"/>
+                </a:rPr>
+                <a:t>దేవా యేసు దేవా (4)       </a:t>
               </a:r>
             </a:p>
             <a:p>
@@ -3396,77 +3449,46 @@
                   <a:latin typeface="Ramabhadra" panose="02000600000000000000" pitchFamily="2" charset="0"/>
                   <a:cs typeface="Ramabhadra" panose="02000600000000000000" pitchFamily="2" charset="0"/>
                 </a:rPr>
-                <a:t>విశ్వాస పోరాటంలో – ఎదురాయె శోధనలు</a:t>
-              </a:r>
-            </a:p>
-            <a:p>
-              <a:pPr>
-                <a:lnSpc>
-                  <a:spcPts val="2600"/>
-                </a:lnSpc>
-              </a:pPr>
-              <a:r>
+                <a:t>పరిశుద్ధాత్మను నాలో నింపావు</a:t>
+              </a:r>
+              <a:br>
                 <a:rPr lang="te-IN" sz="2200" dirty="0">
                   <a:latin typeface="Ramabhadra" panose="02000600000000000000" pitchFamily="2" charset="0"/>
                   <a:cs typeface="Ramabhadra" panose="02000600000000000000" pitchFamily="2" charset="0"/>
                 </a:rPr>
-                <a:t>లోకాశల అలజడిలో – సడలితి విశ్వాసములో (2)</a:t>
-              </a:r>
-            </a:p>
-            <a:p>
-              <a:pPr>
-                <a:lnSpc>
-                  <a:spcPts val="2600"/>
-                </a:lnSpc>
-              </a:pPr>
+              </a:br>
               <a:r>
                 <a:rPr lang="te-IN" sz="2200" dirty="0">
                   <a:latin typeface="Ramabhadra" panose="02000600000000000000" pitchFamily="2" charset="0"/>
                   <a:cs typeface="Ramabhadra" panose="02000600000000000000" pitchFamily="2" charset="0"/>
                 </a:rPr>
-                <a:t>దుష్టుల క్షేమమునే చూచి</a:t>
-              </a:r>
-            </a:p>
-            <a:p>
-              <a:pPr>
-                <a:lnSpc>
-                  <a:spcPts val="2600"/>
-                </a:lnSpc>
-              </a:pPr>
-              <a:r>
+                <a:t>మట్టి దేహమును మహిమతో నింపావు (2)</a:t>
+              </a:r>
+              <a:br>
                 <a:rPr lang="te-IN" sz="2200" dirty="0">
                   <a:latin typeface="Ramabhadra" panose="02000600000000000000" pitchFamily="2" charset="0"/>
                   <a:cs typeface="Ramabhadra" panose="02000600000000000000" pitchFamily="2" charset="0"/>
                 </a:rPr>
-                <a:t>ఇక నీతి వ్యర్థమని అనుకొనగ (2)</a:t>
-              </a:r>
-            </a:p>
-            <a:p>
-              <a:pPr>
-                <a:lnSpc>
-                  <a:spcPts val="2600"/>
-                </a:lnSpc>
-              </a:pPr>
+              </a:br>
               <a:r>
                 <a:rPr lang="te-IN" sz="2200" dirty="0">
                   <a:latin typeface="Ramabhadra" panose="02000600000000000000" pitchFamily="2" charset="0"/>
                   <a:cs typeface="Ramabhadra" panose="02000600000000000000" pitchFamily="2" charset="0"/>
                 </a:rPr>
-                <a:t>దీర్ఘశాంతముగల దేవా</a:t>
-              </a:r>
-            </a:p>
-            <a:p>
-              <a:pPr>
-                <a:lnSpc>
-                  <a:spcPts val="2600"/>
-                </a:lnSpc>
-              </a:pPr>
-              <a:r>
+                <a:t>నీవే కదా దేవుడవు – (2)</a:t>
+              </a:r>
+              <a:br>
                 <a:rPr lang="te-IN" sz="2200" dirty="0">
                   <a:latin typeface="Ramabhadra" panose="02000600000000000000" pitchFamily="2" charset="0"/>
                   <a:cs typeface="Ramabhadra" panose="02000600000000000000" pitchFamily="2" charset="0"/>
                 </a:rPr>
-                <a:t>నా చేయి విడువక నడిపించితివి (2)</a:t>
+              </a:br>
+              <a:r>
+                <a:rPr lang="te-IN" sz="2200" dirty="0">
+                  <a:latin typeface="Ramabhadra" panose="02000600000000000000" pitchFamily="2" charset="0"/>
+                  <a:cs typeface="Ramabhadra" panose="02000600000000000000" pitchFamily="2" charset="0"/>
+                </a:rPr>
+                <a:t>దేవా యేసు దేవా (4)       </a:t>
               </a:r>
             </a:p>
           </p:txBody>
@@ -3548,7 +3570,7 @@
           <p:spPr>
             <a:xfrm>
               <a:off x="212633" y="229840"/>
-              <a:ext cx="4544669" cy="6427401"/>
+              <a:ext cx="4544669" cy="5427127"/>
             </a:xfrm>
             <a:prstGeom prst="rect">
               <a:avLst/>
@@ -3568,13 +3590,90 @@
               </a:pPr>
               <a:r>
                 <a:rPr lang="te-IN" sz="2000" dirty="0">
-                  <a:latin typeface="Ramabhadra" panose="02000600000000000000" pitchFamily="2" charset="0"/>
-                  <a:cs typeface="Ramabhadra" panose="02000600000000000000" pitchFamily="2" charset="0"/>
-                </a:rPr>
-                <a:t>సుమధుర స్వరముల గానాలతో –</a:t>
-              </a:r>
-              <a:endParaRPr lang="en-IN" sz="2000" dirty="0">
-                <a:latin typeface="Ramabhadra" panose="02000600000000000000" pitchFamily="2" charset="0"/>
+                  <a:latin typeface="Ramabhadra" panose="02000600000000000000"/>
+                  <a:cs typeface="Ramabhadra" panose="02000600000000000000" pitchFamily="2" charset="0"/>
+                </a:rPr>
+                <a:t>మహోన్నతుడా మా దేవా</a:t>
+              </a:r>
+            </a:p>
+            <a:p>
+              <a:pPr>
+                <a:lnSpc>
+                  <a:spcPts val="2600"/>
+                </a:lnSpc>
+              </a:pPr>
+              <a:r>
+                <a:rPr lang="te-IN" sz="2000" dirty="0">
+                  <a:latin typeface="Ramabhadra" panose="02000600000000000000"/>
+                  <a:cs typeface="Ramabhadra" panose="02000600000000000000" pitchFamily="2" charset="0"/>
+                </a:rPr>
+                <a:t>సహాయకుడా యెహోవా (2)</a:t>
+              </a:r>
+            </a:p>
+            <a:p>
+              <a:pPr>
+                <a:lnSpc>
+                  <a:spcPts val="2600"/>
+                </a:lnSpc>
+              </a:pPr>
+              <a:r>
+                <a:rPr lang="te-IN" sz="2000" dirty="0">
+                  <a:latin typeface="Ramabhadra" panose="02000600000000000000"/>
+                  <a:cs typeface="Ramabhadra" panose="02000600000000000000" pitchFamily="2" charset="0"/>
+                </a:rPr>
+                <a:t>ఉదయ కాలపు నైవేద్యము</a:t>
+              </a:r>
+            </a:p>
+            <a:p>
+              <a:pPr>
+                <a:lnSpc>
+                  <a:spcPts val="2600"/>
+                </a:lnSpc>
+              </a:pPr>
+              <a:r>
+                <a:rPr lang="te-IN" sz="2000" dirty="0">
+                  <a:latin typeface="Ramabhadra" panose="02000600000000000000"/>
+                  <a:cs typeface="Ramabhadra" panose="02000600000000000000" pitchFamily="2" charset="0"/>
+                </a:rPr>
+                <a:t>హృదయపూర్వక అర్పణము (2)</a:t>
+              </a:r>
+            </a:p>
+            <a:p>
+              <a:pPr>
+                <a:lnSpc>
+                  <a:spcPts val="2600"/>
+                </a:lnSpc>
+              </a:pPr>
+              <a:r>
+                <a:rPr lang="te-IN" sz="2000" dirty="0">
+                  <a:latin typeface="Ramabhadra" panose="02000600000000000000"/>
+                  <a:cs typeface="Ramabhadra" panose="02000600000000000000" pitchFamily="2" charset="0"/>
+                </a:rPr>
+                <a:t>మా స్తుతి నీకేనయ్యా</a:t>
+              </a:r>
+            </a:p>
+            <a:p>
+              <a:pPr>
+                <a:lnSpc>
+                  <a:spcPts val="2600"/>
+                </a:lnSpc>
+              </a:pPr>
+              <a:r>
+                <a:rPr lang="te-IN" sz="2000" dirty="0">
+                  <a:latin typeface="Ramabhadra" panose="02000600000000000000"/>
+                  <a:cs typeface="Ramabhadra" panose="02000600000000000000" pitchFamily="2" charset="0"/>
+                </a:rPr>
+                <a:t>ఆరాధింతునయ్యా (2</a:t>
+              </a:r>
+              <a:r>
+                <a:rPr lang="en-US" sz="2000" dirty="0">
+                  <a:latin typeface="Ramabhadra" panose="02000600000000000000"/>
+                  <a:cs typeface="Ramabhadra" panose="02000600000000000000" pitchFamily="2" charset="0"/>
+                </a:rPr>
+                <a:t>)</a:t>
+              </a:r>
+              <a:endParaRPr lang="te-IN" sz="2000" dirty="0">
+                <a:latin typeface="Ramabhadra" panose="02000600000000000000"/>
                 <a:cs typeface="Ramabhadra" panose="02000600000000000000" pitchFamily="2" charset="0"/>
               </a:endParaRPr>
             </a:p>
@@ -3584,29 +3683,8 @@
                   <a:spcPts val="2600"/>
                 </a:lnSpc>
               </a:pPr>
-              <a:r>
-                <a:rPr lang="te-IN" sz="2000" dirty="0">
-                  <a:latin typeface="Ramabhadra" panose="02000600000000000000" pitchFamily="2" charset="0"/>
-                  <a:cs typeface="Ramabhadra" panose="02000600000000000000" pitchFamily="2" charset="0"/>
-                </a:rPr>
-                <a:t>వేలాది దూతల గళములతో</a:t>
-              </a:r>
-            </a:p>
-            <a:p>
-              <a:pPr>
-                <a:lnSpc>
-                  <a:spcPts val="2600"/>
-                </a:lnSpc>
-              </a:pPr>
-              <a:r>
-                <a:rPr lang="te-IN" sz="2000" dirty="0">
-                  <a:latin typeface="Ramabhadra" panose="02000600000000000000" pitchFamily="2" charset="0"/>
-                  <a:cs typeface="Ramabhadra" panose="02000600000000000000" pitchFamily="2" charset="0"/>
-                </a:rPr>
-                <a:t>కొనియాడబడుచున్న నా యేసయ్యా –</a:t>
-              </a:r>
-              <a:endParaRPr lang="en-IN" sz="2000" dirty="0">
-                <a:latin typeface="Ramabhadra" panose="02000600000000000000" pitchFamily="2" charset="0"/>
+              <a:endParaRPr lang="te-IN" sz="2000" dirty="0">
+                <a:latin typeface="Ramabhadra" panose="02000600000000000000"/>
                 <a:cs typeface="Ramabhadra" panose="02000600000000000000" pitchFamily="2" charset="0"/>
               </a:endParaRPr>
             </a:p>
@@ -3618,10 +3696,10 @@
               </a:pPr>
               <a:r>
                 <a:rPr lang="te-IN" sz="2000" dirty="0">
-                  <a:latin typeface="Ramabhadra" panose="02000600000000000000" pitchFamily="2" charset="0"/>
-                  <a:cs typeface="Ramabhadra" panose="02000600000000000000" pitchFamily="2" charset="0"/>
-                </a:rPr>
-                <a:t>నీకే నా ఆరాధన (2)</a:t>
+                  <a:latin typeface="Ramabhadra" panose="02000600000000000000"/>
+                  <a:cs typeface="Ramabhadra" panose="02000600000000000000" pitchFamily="2" charset="0"/>
+                </a:rPr>
+                <a:t>అగ్నిని పోలిన నేత్రములు</a:t>
               </a:r>
             </a:p>
             <a:p>
@@ -3632,10 +3710,10 @@
               </a:pPr>
               <a:r>
                 <a:rPr lang="te-IN" sz="2000" dirty="0">
-                  <a:latin typeface="Ramabhadra" panose="02000600000000000000" pitchFamily="2" charset="0"/>
-                  <a:cs typeface="Ramabhadra" panose="02000600000000000000" pitchFamily="2" charset="0"/>
-                </a:rPr>
-                <a:t>మహదానందమే నాలో పరవశమే</a:t>
+                  <a:latin typeface="Ramabhadra" panose="02000600000000000000"/>
+                  <a:cs typeface="Ramabhadra" panose="02000600000000000000" pitchFamily="2" charset="0"/>
+                </a:rPr>
+                <a:t>అపరంజి వంటి పాదములు (2)</a:t>
               </a:r>
             </a:p>
             <a:p>
@@ -3646,10 +3724,24 @@
               </a:pPr>
               <a:r>
                 <a:rPr lang="te-IN" sz="2000" dirty="0">
-                  <a:latin typeface="Ramabhadra" panose="02000600000000000000" pitchFamily="2" charset="0"/>
-                  <a:cs typeface="Ramabhadra" panose="02000600000000000000" pitchFamily="2" charset="0"/>
-                </a:rPr>
-                <a:t>నిన్ను స్తుతించిన ప్రతీక్షణం (2)</a:t>
+                  <a:latin typeface="Ramabhadra" panose="02000600000000000000"/>
+                  <a:cs typeface="Ramabhadra" panose="02000600000000000000" pitchFamily="2" charset="0"/>
+                </a:rPr>
+                <a:t>అసమానమైన తేజో మహిమ</a:t>
+              </a:r>
+            </a:p>
+            <a:p>
+              <a:pPr>
+                <a:lnSpc>
+                  <a:spcPts val="2600"/>
+                </a:lnSpc>
+              </a:pPr>
+              <a:r>
+                <a:rPr lang="te-IN" sz="2000" dirty="0">
+                  <a:latin typeface="Ramabhadra" panose="02000600000000000000"/>
+                  <a:cs typeface="Ramabhadra" panose="02000600000000000000" pitchFamily="2" charset="0"/>
+                </a:rPr>
+                <a:t>కలిగిన ఓ ప్రభువా (2)</a:t>
               </a:r>
             </a:p>
             <a:p>
@@ -3659,7 +3751,7 @@
                 </a:lnSpc>
               </a:pPr>
               <a:endParaRPr lang="te-IN" sz="2000" dirty="0">
-                <a:latin typeface="Ramabhadra" panose="02000600000000000000" pitchFamily="2" charset="0"/>
+                <a:latin typeface="Ramabhadra" panose="02000600000000000000"/>
                 <a:cs typeface="Ramabhadra" panose="02000600000000000000" pitchFamily="2" charset="0"/>
               </a:endParaRPr>
             </a:p>
@@ -3671,15 +3763,11 @@
               </a:pPr>
               <a:r>
                 <a:rPr lang="te-IN" sz="2000" dirty="0">
-                  <a:latin typeface="Ramabhadra" panose="02000600000000000000" pitchFamily="2" charset="0"/>
-                  <a:cs typeface="Ramabhadra" panose="02000600000000000000" pitchFamily="2" charset="0"/>
-                </a:rPr>
-                <a:t>ఎడారి త్రోవలో నే నడిచినా – </a:t>
-              </a:r>
-              <a:endParaRPr lang="en-IN" sz="2000" dirty="0">
-                <a:latin typeface="Ramabhadra" panose="02000600000000000000" pitchFamily="2" charset="0"/>
-                <a:cs typeface="Ramabhadra" panose="02000600000000000000" pitchFamily="2" charset="0"/>
-              </a:endParaRPr>
+                  <a:latin typeface="Ramabhadra" panose="02000600000000000000"/>
+                  <a:cs typeface="Ramabhadra" panose="02000600000000000000" pitchFamily="2" charset="0"/>
+                </a:rPr>
+                <a:t>జలముల ధ్వని వంటి కంట స్వరం</a:t>
+              </a:r>
             </a:p>
             <a:p>
               <a:pPr>
@@ -3689,10 +3777,10 @@
               </a:pPr>
               <a:r>
                 <a:rPr lang="te-IN" sz="2000" dirty="0">
-                  <a:latin typeface="Ramabhadra" panose="02000600000000000000" pitchFamily="2" charset="0"/>
-                  <a:cs typeface="Ramabhadra" panose="02000600000000000000" pitchFamily="2" charset="0"/>
-                </a:rPr>
-                <a:t>ఎరుగని మార్గములో నను నడిపినా</a:t>
+                  <a:latin typeface="Ramabhadra" panose="02000600000000000000"/>
+                  <a:cs typeface="Ramabhadra" panose="02000600000000000000" pitchFamily="2" charset="0"/>
+                </a:rPr>
+                <a:t>నోటను రెండంచుల ఖడ్గం (2)</a:t>
               </a:r>
             </a:p>
             <a:p>
@@ -3703,15 +3791,11 @@
               </a:pPr>
               <a:r>
                 <a:rPr lang="te-IN" sz="2000" dirty="0">
-                  <a:latin typeface="Ramabhadra" panose="02000600000000000000" pitchFamily="2" charset="0"/>
-                  <a:cs typeface="Ramabhadra" panose="02000600000000000000" pitchFamily="2" charset="0"/>
-                </a:rPr>
-                <a:t>నా ముందు నడచిన జయవీరుడా – </a:t>
-              </a:r>
-              <a:endParaRPr lang="en-IN" sz="2000" dirty="0">
-                <a:latin typeface="Ramabhadra" panose="02000600000000000000" pitchFamily="2" charset="0"/>
-                <a:cs typeface="Ramabhadra" panose="02000600000000000000" pitchFamily="2" charset="0"/>
-              </a:endParaRPr>
+                  <a:latin typeface="Ramabhadra" panose="02000600000000000000"/>
+                  <a:cs typeface="Ramabhadra" panose="02000600000000000000" pitchFamily="2" charset="0"/>
+                </a:rPr>
+                <a:t>ఏడు నక్షత్రముల ఏడాత్మలను</a:t>
+              </a:r>
             </a:p>
             <a:p>
               <a:pPr>
@@ -3721,123 +3805,10 @@
               </a:pPr>
               <a:r>
                 <a:rPr lang="te-IN" sz="2000" dirty="0">
-                  <a:latin typeface="Ramabhadra" panose="02000600000000000000" pitchFamily="2" charset="0"/>
-                  <a:cs typeface="Ramabhadra" panose="02000600000000000000" pitchFamily="2" charset="0"/>
-                </a:rPr>
-                <a:t>నా విజయ సంకేతమా (2)</a:t>
-              </a:r>
-            </a:p>
-            <a:p>
-              <a:pPr>
-                <a:lnSpc>
-                  <a:spcPts val="2600"/>
-                </a:lnSpc>
-              </a:pPr>
-              <a:r>
-                <a:rPr lang="te-IN" sz="2000" dirty="0">
-                  <a:latin typeface="Ramabhadra" panose="02000600000000000000" pitchFamily="2" charset="0"/>
-                  <a:cs typeface="Ramabhadra" panose="02000600000000000000" pitchFamily="2" charset="0"/>
-                </a:rPr>
-                <a:t>నీవే నీవే – నా ఆనందము</a:t>
-              </a:r>
-            </a:p>
-            <a:p>
-              <a:pPr>
-                <a:lnSpc>
-                  <a:spcPts val="2600"/>
-                </a:lnSpc>
-              </a:pPr>
-              <a:r>
-                <a:rPr lang="te-IN" sz="2000" dirty="0">
-                  <a:latin typeface="Ramabhadra" panose="02000600000000000000" pitchFamily="2" charset="0"/>
-                  <a:cs typeface="Ramabhadra" panose="02000600000000000000" pitchFamily="2" charset="0"/>
-                </a:rPr>
-                <a:t>నీవే నీవే – నా ఆధారము (2)</a:t>
-              </a:r>
-            </a:p>
-            <a:p>
-              <a:pPr>
-                <a:lnSpc>
-                  <a:spcPts val="2600"/>
-                </a:lnSpc>
-              </a:pPr>
-              <a:endParaRPr lang="te-IN" sz="2000" dirty="0">
-                <a:latin typeface="Ramabhadra" panose="02000600000000000000" pitchFamily="2" charset="0"/>
-                <a:cs typeface="Ramabhadra" panose="02000600000000000000" pitchFamily="2" charset="0"/>
-              </a:endParaRPr>
-            </a:p>
-            <a:p>
-              <a:pPr>
-                <a:lnSpc>
-                  <a:spcPts val="2600"/>
-                </a:lnSpc>
-              </a:pPr>
-              <a:r>
-                <a:rPr lang="te-IN" sz="2000" dirty="0">
-                  <a:latin typeface="Ramabhadra" panose="02000600000000000000" pitchFamily="2" charset="0"/>
-                  <a:cs typeface="Ramabhadra" panose="02000600000000000000" pitchFamily="2" charset="0"/>
-                </a:rPr>
-                <a:t>సంపూర్ణమైన నీ చిత్తమే – అనుకూలమైన సంకల్పమే</a:t>
-              </a:r>
-            </a:p>
-            <a:p>
-              <a:pPr>
-                <a:lnSpc>
-                  <a:spcPts val="2600"/>
-                </a:lnSpc>
-              </a:pPr>
-              <a:r>
-                <a:rPr lang="te-IN" sz="2000" dirty="0">
-                  <a:latin typeface="Ramabhadra" panose="02000600000000000000" pitchFamily="2" charset="0"/>
-                  <a:cs typeface="Ramabhadra" panose="02000600000000000000" pitchFamily="2" charset="0"/>
-                </a:rPr>
-                <a:t>జరిగించుచున్నావు నను విడువక –</a:t>
-              </a:r>
-              <a:endParaRPr lang="en-IN" sz="2000" dirty="0">
-                <a:latin typeface="Ramabhadra" panose="02000600000000000000" pitchFamily="2" charset="0"/>
-                <a:cs typeface="Ramabhadra" panose="02000600000000000000" pitchFamily="2" charset="0"/>
-              </a:endParaRPr>
-            </a:p>
-            <a:p>
-              <a:pPr>
-                <a:lnSpc>
-                  <a:spcPts val="2600"/>
-                </a:lnSpc>
-              </a:pPr>
-              <a:r>
-                <a:rPr lang="te-IN" sz="2000" dirty="0">
-                  <a:latin typeface="Ramabhadra" panose="02000600000000000000" pitchFamily="2" charset="0"/>
-                  <a:cs typeface="Ramabhadra" panose="02000600000000000000" pitchFamily="2" charset="0"/>
-                </a:rPr>
-                <a:t>నా ధైర్యము నీవేగా (2)</a:t>
-              </a:r>
-            </a:p>
-            <a:p>
-              <a:pPr>
-                <a:lnSpc>
-                  <a:spcPts val="2600"/>
-                </a:lnSpc>
-              </a:pPr>
-              <a:r>
-                <a:rPr lang="te-IN" sz="2000" dirty="0">
-                  <a:latin typeface="Ramabhadra" panose="02000600000000000000" pitchFamily="2" charset="0"/>
-                  <a:cs typeface="Ramabhadra" panose="02000600000000000000" pitchFamily="2" charset="0"/>
-                </a:rPr>
-                <a:t>నీవే నీవే – నా జయగీతము</a:t>
-              </a:r>
-            </a:p>
-            <a:p>
-              <a:pPr>
-                <a:lnSpc>
-                  <a:spcPts val="2600"/>
-                </a:lnSpc>
-              </a:pPr>
-              <a:r>
-                <a:rPr lang="te-IN" sz="2000" dirty="0">
-                  <a:latin typeface="Ramabhadra" panose="02000600000000000000" pitchFamily="2" charset="0"/>
-                  <a:cs typeface="Ramabhadra" panose="02000600000000000000" pitchFamily="2" charset="0"/>
-                </a:rPr>
-                <a:t>నీవే నీవే – నా స్తుతిగీతము (2)</a:t>
+                  <a:latin typeface="Ramabhadra" panose="02000600000000000000"/>
+                  <a:cs typeface="Ramabhadra" panose="02000600000000000000" pitchFamily="2" charset="0"/>
+                </a:rPr>
+                <a:t>కలిగిన ఓ ప్రభువా (2)</a:t>
               </a:r>
             </a:p>
           </p:txBody>
@@ -4077,7 +4048,7 @@
           <p:spPr>
             <a:xfrm>
               <a:off x="345011" y="357759"/>
-              <a:ext cx="4640796" cy="6186309"/>
+              <a:ext cx="4640796" cy="5509200"/>
             </a:xfrm>
             <a:prstGeom prst="rect">
               <a:avLst/>
@@ -4098,7 +4069,7 @@
                   <a:latin typeface="Ramabhadra" panose="02000600000000000000" pitchFamily="2" charset="0"/>
                   <a:cs typeface="Ramabhadra" panose="02000600000000000000" pitchFamily="2" charset="0"/>
                 </a:rPr>
-                <a:t>అదిగో నా నావ బయలు దేరుచున్నది</a:t>
+                <a:t>శాశ్వతమైన ప్రేమ </a:t>
               </a:r>
             </a:p>
             <a:p>
@@ -4110,7 +4081,7 @@
                   <a:latin typeface="Ramabhadra" panose="02000600000000000000" pitchFamily="2" charset="0"/>
                   <a:cs typeface="Ramabhadra" panose="02000600000000000000" pitchFamily="2" charset="0"/>
                 </a:rPr>
-                <a:t>అందులో యేసు ఉన్నాడు</a:t>
+                <a:t>నను ఎడబాయని యేసు ప్రేమ</a:t>
               </a:r>
             </a:p>
             <a:p>
@@ -4122,7 +4093,19 @@
                   <a:latin typeface="Ramabhadra" panose="02000600000000000000" pitchFamily="2" charset="0"/>
                   <a:cs typeface="Ramabhadra" panose="02000600000000000000" pitchFamily="2" charset="0"/>
                 </a:rPr>
-                <a:t>నా నావలో క్రీస్తు ఉన్నాడు (2)</a:t>
+                <a:t>విడువక నాయెడ తన కృప చూపు ప్రేమ</a:t>
+              </a:r>
+            </a:p>
+            <a:p>
+              <a:pPr defTabSz="439781">
+                <a:defRPr/>
+              </a:pPr>
+              <a:r>
+                <a:rPr lang="te-IN" sz="2200" dirty="0">
+                  <a:latin typeface="Ramabhadra" panose="02000600000000000000" pitchFamily="2" charset="0"/>
+                  <a:cs typeface="Ramabhadra" panose="02000600000000000000" pitchFamily="2" charset="0"/>
+                </a:rPr>
+                <a:t>నన్నాదరించు ప్రేమ - నన్నాదుకొన్న ప్రేమ</a:t>
               </a:r>
             </a:p>
             <a:p>
@@ -4143,7 +4126,7 @@
                   <a:latin typeface="Ramabhadra" panose="02000600000000000000" pitchFamily="2" charset="0"/>
                   <a:cs typeface="Ramabhadra" panose="02000600000000000000" pitchFamily="2" charset="0"/>
                 </a:rPr>
-                <a:t>వరదలెన్ని వచ్చినా వణకను</a:t>
+                <a:t>యుగములు మారినను </a:t>
               </a:r>
             </a:p>
             <a:p>
@@ -4155,7 +4138,7 @@
                   <a:latin typeface="Ramabhadra" panose="02000600000000000000" pitchFamily="2" charset="0"/>
                   <a:cs typeface="Ramabhadra" panose="02000600000000000000" pitchFamily="2" charset="0"/>
                 </a:rPr>
-                <a:t>అలలెన్ని వచ్చినా అదరను (2)</a:t>
+                <a:t>తరములు తరళినను</a:t>
               </a:r>
             </a:p>
             <a:p>
@@ -4167,7 +4150,7 @@
                   <a:latin typeface="Ramabhadra" panose="02000600000000000000" pitchFamily="2" charset="0"/>
                   <a:cs typeface="Ramabhadra" panose="02000600000000000000" pitchFamily="2" charset="0"/>
                 </a:rPr>
-                <a:t>ఆగిపోయే అడ్డులొచ్చినా</a:t>
+                <a:t>రాజ్యములే కంపించిన  </a:t>
               </a:r>
             </a:p>
             <a:p>
@@ -4179,7 +4162,19 @@
                   <a:latin typeface="Ramabhadra" panose="02000600000000000000" pitchFamily="2" charset="0"/>
                   <a:cs typeface="Ramabhadra" panose="02000600000000000000" pitchFamily="2" charset="0"/>
                 </a:rPr>
-                <a:t>సాగిపోయే సహాయం మనకు ఆయనే (2)</a:t>
+                <a:t>భూ రాష్ట్రములె అంతరించిన</a:t>
+              </a:r>
+            </a:p>
+            <a:p>
+              <a:pPr defTabSz="439781">
+                <a:defRPr/>
+              </a:pPr>
+              <a:r>
+                <a:rPr lang="te-IN" sz="2200" dirty="0">
+                  <a:latin typeface="Ramabhadra" panose="02000600000000000000" pitchFamily="2" charset="0"/>
+                  <a:cs typeface="Ramabhadra" panose="02000600000000000000" pitchFamily="2" charset="0"/>
+                </a:rPr>
+                <a:t>మారని ప్రేమ అత్యంత ప్రేమ అవధులే లేని ప్రేమ</a:t>
               </a:r>
             </a:p>
             <a:p>
@@ -4200,7 +4195,7 @@
                   <a:latin typeface="Ramabhadra" panose="02000600000000000000" pitchFamily="2" charset="0"/>
                   <a:cs typeface="Ramabhadra" panose="02000600000000000000" pitchFamily="2" charset="0"/>
                 </a:rPr>
-                <a:t>నడిరాత్రి జాములో నడచినా</a:t>
+                <a:t>నా వారు వెలివేసినా నాకున్న వారే దూరమైన</a:t>
               </a:r>
             </a:p>
             <a:p>
@@ -4212,7 +4207,7 @@
                   <a:latin typeface="Ramabhadra" panose="02000600000000000000" pitchFamily="2" charset="0"/>
                   <a:cs typeface="Ramabhadra" panose="02000600000000000000" pitchFamily="2" charset="0"/>
                 </a:rPr>
-                <a:t>నది సముద్ర మధ్యలో నిలచినా (2)</a:t>
+                <a:t>తన బిడ్డను తల్లి మరచిన </a:t>
               </a:r>
             </a:p>
             <a:p>
@@ -4224,7 +4219,7 @@
                   <a:latin typeface="Ramabhadra" panose="02000600000000000000" pitchFamily="2" charset="0"/>
                   <a:cs typeface="Ramabhadra" panose="02000600000000000000" pitchFamily="2" charset="0"/>
                 </a:rPr>
-                <a:t>నడిపించును నా యేసు</a:t>
+                <a:t>నను ఎన్నటికి మరువననిన</a:t>
               </a:r>
             </a:p>
             <a:p>
@@ -4236,64 +4231,19 @@
                   <a:latin typeface="Ramabhadra" panose="02000600000000000000" pitchFamily="2" charset="0"/>
                   <a:cs typeface="Ramabhadra" panose="02000600000000000000" pitchFamily="2" charset="0"/>
                 </a:rPr>
-                <a:t>నన్నూ అద్దరికి చేర్చును (2)</a:t>
+                <a:t>అరచేతిలో నన్ను చెక్కుకొన్న ప్రేమ</a:t>
               </a:r>
             </a:p>
             <a:p>
               <a:pPr defTabSz="439781">
                 <a:defRPr/>
               </a:pPr>
-              <a:endParaRPr lang="te-IN" sz="2200" dirty="0">
-                <a:latin typeface="Ramabhadra" panose="02000600000000000000" pitchFamily="2" charset="0"/>
-                <a:cs typeface="Ramabhadra" panose="02000600000000000000" pitchFamily="2" charset="0"/>
-              </a:endParaRPr>
-            </a:p>
-            <a:p>
-              <a:pPr defTabSz="439781">
-                <a:defRPr/>
-              </a:pPr>
               <a:r>
                 <a:rPr lang="te-IN" sz="2200" dirty="0">
                   <a:latin typeface="Ramabhadra" panose="02000600000000000000" pitchFamily="2" charset="0"/>
                   <a:cs typeface="Ramabhadra" panose="02000600000000000000" pitchFamily="2" charset="0"/>
                 </a:rPr>
-                <a:t>లోతైన దారిలో పోవుచున్నది</a:t>
-              </a:r>
-            </a:p>
-            <a:p>
-              <a:pPr defTabSz="439781">
-                <a:defRPr/>
-              </a:pPr>
-              <a:r>
-                <a:rPr lang="te-IN" sz="2200" dirty="0">
-                  <a:latin typeface="Ramabhadra" panose="02000600000000000000" pitchFamily="2" charset="0"/>
-                  <a:cs typeface="Ramabhadra" panose="02000600000000000000" pitchFamily="2" charset="0"/>
-                </a:rPr>
-                <a:t>సుడిగుండాలెన్నో తిరుగుచున్నవి (2)</a:t>
-              </a:r>
-            </a:p>
-            <a:p>
-              <a:pPr defTabSz="439781">
-                <a:defRPr/>
-              </a:pPr>
-              <a:r>
-                <a:rPr lang="te-IN" sz="2200" dirty="0">
-                  <a:latin typeface="Ramabhadra" panose="02000600000000000000" pitchFamily="2" charset="0"/>
-                  <a:cs typeface="Ramabhadra" panose="02000600000000000000" pitchFamily="2" charset="0"/>
-                </a:rPr>
-                <a:t>సూర్యుడైన ఆగిపోవును</a:t>
-              </a:r>
-            </a:p>
-            <a:p>
-              <a:pPr defTabSz="439781">
-                <a:defRPr/>
-              </a:pPr>
-              <a:r>
-                <a:rPr lang="te-IN" sz="2200" dirty="0">
-                  <a:latin typeface="Ramabhadra" panose="02000600000000000000" pitchFamily="2" charset="0"/>
-                  <a:cs typeface="Ramabhadra" panose="02000600000000000000" pitchFamily="2" charset="0"/>
-                </a:rPr>
-                <a:t>చుక్కాని మాత్రం సాగిపోవును (2)</a:t>
+                <a:t> మరవని విడువని ప్రేమ</a:t>
               </a:r>
             </a:p>
           </p:txBody>
@@ -4396,7 +4346,7 @@
           <p:spPr>
             <a:xfrm>
               <a:off x="212729" y="306839"/>
-              <a:ext cx="4749801" cy="6109365"/>
+              <a:ext cx="4749801" cy="5401479"/>
             </a:xfrm>
             <a:prstGeom prst="rect">
               <a:avLst/>
@@ -4415,21 +4365,7 @@
                   <a:latin typeface="Ramabhadra" panose="02000600000000000000" pitchFamily="2" charset="0"/>
                   <a:cs typeface="Ramabhadra" panose="02000600000000000000" pitchFamily="2" charset="0"/>
                 </a:rPr>
-                <a:t>స్తోత్రబలి స్తోత్రబలి – </a:t>
-              </a:r>
-              <a:endParaRPr lang="en-IN" sz="2300" dirty="0">
-                <a:latin typeface="Ramabhadra" panose="02000600000000000000" pitchFamily="2" charset="0"/>
-                <a:cs typeface="Ramabhadra" panose="02000600000000000000" pitchFamily="2" charset="0"/>
-              </a:endParaRPr>
-            </a:p>
-            <a:p>
-              <a:pPr defTabSz="439781"/>
-              <a:r>
-                <a:rPr lang="te-IN" sz="2300" dirty="0">
-                  <a:latin typeface="Ramabhadra" panose="02000600000000000000" pitchFamily="2" charset="0"/>
-                  <a:cs typeface="Ramabhadra" panose="02000600000000000000" pitchFamily="2" charset="0"/>
-                </a:rPr>
-                <a:t>మంచిదేవా నీకేనయ్యా</a:t>
+                <a:t>జుంటి తేనె ధారల కన్నా</a:t>
               </a:r>
               <a:br>
                 <a:rPr lang="te-IN" sz="2300" dirty="0">
@@ -4442,21 +4378,46 @@
                   <a:latin typeface="Ramabhadra" panose="02000600000000000000" pitchFamily="2" charset="0"/>
                   <a:cs typeface="Ramabhadra" panose="02000600000000000000" pitchFamily="2" charset="0"/>
                 </a:rPr>
-                <a:t>శుభవేళ ఆనందమే –</a:t>
-              </a:r>
-              <a:endParaRPr lang="en-IN" sz="2300" dirty="0">
-                <a:latin typeface="Ramabhadra" panose="02000600000000000000" pitchFamily="2" charset="0"/>
-                <a:cs typeface="Ramabhadra" panose="02000600000000000000" pitchFamily="2" charset="0"/>
-              </a:endParaRPr>
-            </a:p>
-            <a:p>
-              <a:pPr defTabSz="439781"/>
-              <a:r>
+                <a:t>యేసు నామమే మధురం</a:t>
+              </a:r>
+              <a:br>
                 <a:rPr lang="te-IN" sz="2300" dirty="0">
                   <a:latin typeface="Ramabhadra" panose="02000600000000000000" pitchFamily="2" charset="0"/>
                   <a:cs typeface="Ramabhadra" panose="02000600000000000000" pitchFamily="2" charset="0"/>
                 </a:rPr>
-                <a:t>నా తండ్రి నీ చిరుపాదమే (2)</a:t>
+              </a:br>
+              <a:r>
+                <a:rPr lang="te-IN" sz="2300" dirty="0">
+                  <a:latin typeface="Ramabhadra" panose="02000600000000000000" pitchFamily="2" charset="0"/>
+                  <a:cs typeface="Ramabhadra" panose="02000600000000000000" pitchFamily="2" charset="0"/>
+                </a:rPr>
+                <a:t>యేసయ్య సన్నిధినే మరువజాలను (2)</a:t>
+              </a:r>
+              <a:br>
+                <a:rPr lang="te-IN" sz="2300" dirty="0">
+                  <a:latin typeface="Ramabhadra" panose="02000600000000000000" pitchFamily="2" charset="0"/>
+                  <a:cs typeface="Ramabhadra" panose="02000600000000000000" pitchFamily="2" charset="0"/>
+                </a:rPr>
+              </a:br>
+              <a:r>
+                <a:rPr lang="te-IN" sz="2300" dirty="0">
+                  <a:latin typeface="Ramabhadra" panose="02000600000000000000" pitchFamily="2" charset="0"/>
+                  <a:cs typeface="Ramabhadra" panose="02000600000000000000" pitchFamily="2" charset="0"/>
+                </a:rPr>
+                <a:t>జీవితకాలమంతా ఆనందించెదా</a:t>
+              </a:r>
+              <a:br>
+                <a:rPr lang="te-IN" sz="2300" dirty="0">
+                  <a:latin typeface="Ramabhadra" panose="02000600000000000000" pitchFamily="2" charset="0"/>
+                  <a:cs typeface="Ramabhadra" panose="02000600000000000000" pitchFamily="2" charset="0"/>
+                </a:rPr>
+              </a:br>
+              <a:r>
+                <a:rPr lang="te-IN" sz="2300" dirty="0">
+                  <a:latin typeface="Ramabhadra" panose="02000600000000000000" pitchFamily="2" charset="0"/>
+                  <a:cs typeface="Ramabhadra" panose="02000600000000000000" pitchFamily="2" charset="0"/>
+                </a:rPr>
+                <a:t>యేసయ్యనే ఆరాధించెదా (2)  </a:t>
               </a:r>
             </a:p>
             <a:p>
@@ -4473,7 +4434,7 @@
                   <a:latin typeface="Ramabhadra" panose="02000600000000000000" pitchFamily="2" charset="0"/>
                   <a:cs typeface="Ramabhadra" panose="02000600000000000000" pitchFamily="2" charset="0"/>
                 </a:rPr>
-                <a:t>నిన్నటి బాధలంతా నేటికి మాయమయ్యే (2)</a:t>
+                <a:t>యేసయ్య నామమే బహు పూజనీయము</a:t>
               </a:r>
               <a:br>
                 <a:rPr lang="te-IN" sz="2300" dirty="0">
@@ -4486,7 +4447,7 @@
                   <a:latin typeface="Ramabhadra" panose="02000600000000000000" pitchFamily="2" charset="0"/>
                   <a:cs typeface="Ramabhadra" panose="02000600000000000000" pitchFamily="2" charset="0"/>
                 </a:rPr>
-                <a:t>నెమ్మది ఉదయించె అది శాశ్వతమైనదయ్యా (2)</a:t>
+                <a:t>నాపై దృష్టి నిలిపి సంత్రుష్టిగా నను ఉంచి (2)</a:t>
               </a:r>
               <a:br>
                 <a:rPr lang="te-IN" sz="2300" dirty="0">
@@ -4499,7 +4460,20 @@
                   <a:latin typeface="Ramabhadra" panose="02000600000000000000" pitchFamily="2" charset="0"/>
                   <a:cs typeface="Ramabhadra" panose="02000600000000000000" pitchFamily="2" charset="0"/>
                 </a:rPr>
-                <a:t>కోటి కోటి స్తోత్రం డాడి (3)       </a:t>
+                <a:t>నన్నెంతగానో దీవించి</a:t>
+              </a:r>
+              <a:br>
+                <a:rPr lang="te-IN" sz="2300" dirty="0">
+                  <a:latin typeface="Ramabhadra" panose="02000600000000000000" pitchFamily="2" charset="0"/>
+                  <a:cs typeface="Ramabhadra" panose="02000600000000000000" pitchFamily="2" charset="0"/>
+                </a:rPr>
+              </a:br>
+              <a:r>
+                <a:rPr lang="te-IN" sz="2300" dirty="0">
+                  <a:latin typeface="Ramabhadra" panose="02000600000000000000" pitchFamily="2" charset="0"/>
+                  <a:cs typeface="Ramabhadra" panose="02000600000000000000" pitchFamily="2" charset="0"/>
+                </a:rPr>
+                <a:t>జీవజలపు ఊటలతో ఉజ్జీవింపజేసెనే (2) </a:t>
               </a:r>
             </a:p>
             <a:p>
@@ -4509,7 +4483,7 @@
                   <a:latin typeface="Ramabhadra" panose="02000600000000000000" pitchFamily="2" charset="0"/>
                   <a:cs typeface="Ramabhadra" panose="02000600000000000000" pitchFamily="2" charset="0"/>
                 </a:rPr>
-                <a:t>   </a:t>
+                <a:t> </a:t>
               </a:r>
             </a:p>
             <a:p>
@@ -4519,7 +4493,7 @@
                   <a:latin typeface="Ramabhadra" panose="02000600000000000000" pitchFamily="2" charset="0"/>
                   <a:cs typeface="Ramabhadra" panose="02000600000000000000" pitchFamily="2" charset="0"/>
                 </a:rPr>
-                <a:t>రేయంతా కాచితివి మరు దినమిచ్చితివి (2)</a:t>
+                <a:t>యేసయ్య నామమే బలమైన దుర్గము</a:t>
               </a:r>
               <a:br>
                 <a:rPr lang="te-IN" sz="2300" dirty="0">
@@ -4532,7 +4506,7 @@
                   <a:latin typeface="Ramabhadra" panose="02000600000000000000" pitchFamily="2" charset="0"/>
                   <a:cs typeface="Ramabhadra" panose="02000600000000000000" pitchFamily="2" charset="0"/>
                 </a:rPr>
-                <a:t>మరువని నా స్నేహమా నీతో కలసి సంతోషింతును (2)</a:t>
+                <a:t>నా తోడై నిలిచి క్షేమముగా నను దాచి (2)</a:t>
               </a:r>
               <a:br>
                 <a:rPr lang="te-IN" sz="2300" dirty="0">
@@ -4545,27 +4519,7 @@
                   <a:latin typeface="Ramabhadra" panose="02000600000000000000" pitchFamily="2" charset="0"/>
                   <a:cs typeface="Ramabhadra" panose="02000600000000000000" pitchFamily="2" charset="0"/>
                 </a:rPr>
-                <a:t>కోటి కోటి స్తోత్రం డాడి (3)     </a:t>
-              </a:r>
-            </a:p>
-            <a:p>
-              <a:pPr defTabSz="439781"/>
-              <a:r>
-                <a:rPr lang="te-IN" sz="2300" dirty="0">
-                  <a:latin typeface="Ramabhadra" panose="02000600000000000000" pitchFamily="2" charset="0"/>
-                  <a:cs typeface="Ramabhadra" panose="02000600000000000000" pitchFamily="2" charset="0"/>
-                </a:rPr>
-                <a:t>   </a:t>
-              </a:r>
-            </a:p>
-            <a:p>
-              <a:pPr defTabSz="439781"/>
-              <a:r>
-                <a:rPr lang="te-IN" sz="2300" dirty="0">
-                  <a:latin typeface="Ramabhadra" panose="02000600000000000000" pitchFamily="2" charset="0"/>
-                  <a:cs typeface="Ramabhadra" panose="02000600000000000000" pitchFamily="2" charset="0"/>
-                </a:rPr>
-                <a:t>నీ సేవ మార్గంలో ఉత్సాహం నొసగితివి (2)</a:t>
+                <a:t>నన్నెంతగానో కరుణించి</a:t>
               </a:r>
               <a:br>
                 <a:rPr lang="te-IN" sz="2300" dirty="0">
@@ -4578,20 +4532,7 @@
                   <a:latin typeface="Ramabhadra" panose="02000600000000000000" pitchFamily="2" charset="0"/>
                   <a:cs typeface="Ramabhadra" panose="02000600000000000000" pitchFamily="2" charset="0"/>
                 </a:rPr>
-                <a:t>ఉరికురికి పనిచేయ నాకు ఆరోగ్యమిచ్చితివి (2)</a:t>
-              </a:r>
-              <a:br>
-                <a:rPr lang="te-IN" sz="2300" dirty="0">
-                  <a:latin typeface="Ramabhadra" panose="02000600000000000000" pitchFamily="2" charset="0"/>
-                  <a:cs typeface="Ramabhadra" panose="02000600000000000000" pitchFamily="2" charset="0"/>
-                </a:rPr>
-              </a:br>
-              <a:r>
-                <a:rPr lang="te-IN" sz="2300" dirty="0">
-                  <a:latin typeface="Ramabhadra" panose="02000600000000000000" pitchFamily="2" charset="0"/>
-                  <a:cs typeface="Ramabhadra" panose="02000600000000000000" pitchFamily="2" charset="0"/>
-                </a:rPr>
-                <a:t>కోటి కోటి స్తోత్రం డాడి (3)   </a:t>
+                <a:t>పవిత్ర లేఖనాలతో ఉత్తేజింపజేసెనే (2)   </a:t>
               </a:r>
             </a:p>
           </p:txBody>

--- a/songsTemplate.pptx
+++ b/songsTemplate.pptx
@@ -4,9 +4,15 @@
   <p:sldMasterIdLst>
     <p:sldMasterId id="2147483660" r:id="rId1"/>
   </p:sldMasterIdLst>
+  <p:notesMasterIdLst>
+    <p:notesMasterId r:id="rId4"/>
+  </p:notesMasterIdLst>
+  <p:handoutMasterIdLst>
+    <p:handoutMasterId r:id="rId5"/>
+  </p:handoutMasterIdLst>
   <p:sldIdLst>
     <p:sldId id="256" r:id="rId2"/>
-    <p:sldId id="257" r:id="rId3"/>
+    <p:sldId id="258" r:id="rId3"/>
   </p:sldIdLst>
   <p:sldSz cx="9906000" cy="6858000" type="A4"/>
   <p:notesSz cx="6858000" cy="9144000"/>
@@ -128,42 +134,130 @@
 <pc:chgInfo xmlns:a="http://schemas.openxmlformats.org/drawingml/2006/main" xmlns:r="http://schemas.openxmlformats.org/officeDocument/2006/relationships" xmlns:ac="http://schemas.microsoft.com/office/drawing/2013/main/command" xmlns:pc="http://schemas.microsoft.com/office/powerpoint/2013/main/command">
   <pc:docChgLst>
     <pc:chgData name="Venu Yalapala" userId="9feb8bbceceecaca" providerId="LiveId" clId="{282BCC90-DA09-49A0-BCEB-FBBFF0EE3CC4}"/>
-    <pc:docChg chg="undo custSel modSld">
-      <pc:chgData name="Venu Yalapala" userId="9feb8bbceceecaca" providerId="LiveId" clId="{282BCC90-DA09-49A0-BCEB-FBBFF0EE3CC4}" dt="2025-05-17T11:27:16.717" v="29"/>
+    <pc:docChg chg="undo custSel addSld delSld modSld addMainMaster delMainMaster modMainMaster">
+      <pc:chgData name="Venu Yalapala" userId="9feb8bbceceecaca" providerId="LiveId" clId="{282BCC90-DA09-49A0-BCEB-FBBFF0EE3CC4}" dt="2025-05-24T18:36:49.092" v="294" actId="20577"/>
       <pc:docMkLst>
         <pc:docMk/>
       </pc:docMkLst>
-      <pc:sldChg chg="modSp mod">
-        <pc:chgData name="Venu Yalapala" userId="9feb8bbceceecaca" providerId="LiveId" clId="{282BCC90-DA09-49A0-BCEB-FBBFF0EE3CC4}" dt="2025-05-17T11:27:16.717" v="29"/>
+      <pc:sldChg chg="addSp delSp modSp mod modClrScheme chgLayout">
+        <pc:chgData name="Venu Yalapala" userId="9feb8bbceceecaca" providerId="LiveId" clId="{282BCC90-DA09-49A0-BCEB-FBBFF0EE3CC4}" dt="2025-05-24T18:36:49.092" v="294" actId="20577"/>
         <pc:sldMkLst>
           <pc:docMk/>
           <pc:sldMk cId="3342490066" sldId="256"/>
         </pc:sldMkLst>
+        <pc:spChg chg="add mod">
+          <ac:chgData name="Venu Yalapala" userId="9feb8bbceceecaca" providerId="LiveId" clId="{282BCC90-DA09-49A0-BCEB-FBBFF0EE3CC4}" dt="2025-05-24T18:36:49.092" v="294" actId="20577"/>
+          <ac:spMkLst>
+            <pc:docMk/>
+            <pc:sldMk cId="3342490066" sldId="256"/>
+            <ac:spMk id="2" creationId="{3677D164-3D42-4CA2-F7B4-A173B6736AD4}"/>
+          </ac:spMkLst>
+        </pc:spChg>
+        <pc:spChg chg="del">
+          <ac:chgData name="Venu Yalapala" userId="9feb8bbceceecaca" providerId="LiveId" clId="{282BCC90-DA09-49A0-BCEB-FBBFF0EE3CC4}" dt="2025-05-24T18:26:31.109" v="145" actId="478"/>
+          <ac:spMkLst>
+            <pc:docMk/>
+            <pc:sldMk cId="3342490066" sldId="256"/>
+            <ac:spMk id="2" creationId="{CEBA6011-CA21-438F-B7D1-377168C5DA16}"/>
+          </ac:spMkLst>
+        </pc:spChg>
+        <pc:spChg chg="add del mod ord">
+          <ac:chgData name="Venu Yalapala" userId="9feb8bbceceecaca" providerId="LiveId" clId="{282BCC90-DA09-49A0-BCEB-FBBFF0EE3CC4}" dt="2025-05-24T18:23:37.532" v="107" actId="700"/>
+          <ac:spMkLst>
+            <pc:docMk/>
+            <pc:sldMk cId="3342490066" sldId="256"/>
+            <ac:spMk id="3" creationId="{63D12E32-E886-89F9-989F-D40A4C55CB63}"/>
+          </ac:spMkLst>
+        </pc:spChg>
+        <pc:spChg chg="add del mod">
+          <ac:chgData name="Venu Yalapala" userId="9feb8bbceceecaca" providerId="LiveId" clId="{282BCC90-DA09-49A0-BCEB-FBBFF0EE3CC4}" dt="2025-05-24T18:19:37.497" v="91" actId="478"/>
+          <ac:spMkLst>
+            <pc:docMk/>
+            <pc:sldMk cId="3342490066" sldId="256"/>
+            <ac:spMk id="3" creationId="{EA9141BE-8028-646F-976E-AADC77C70E53}"/>
+          </ac:spMkLst>
+        </pc:spChg>
         <pc:spChg chg="mod">
-          <ac:chgData name="Venu Yalapala" userId="9feb8bbceceecaca" providerId="LiveId" clId="{282BCC90-DA09-49A0-BCEB-FBBFF0EE3CC4}" dt="2025-05-17T11:27:16.717" v="29"/>
+          <ac:chgData name="Venu Yalapala" userId="9feb8bbceceecaca" providerId="LiveId" clId="{282BCC90-DA09-49A0-BCEB-FBBFF0EE3CC4}" dt="2025-05-24T18:25:46.144" v="120" actId="14100"/>
+          <ac:spMkLst>
+            <pc:docMk/>
+            <pc:sldMk cId="3342490066" sldId="256"/>
+            <ac:spMk id="4" creationId="{7B702E0D-FD8D-4F00-8F9D-9ACEED91C763}"/>
+          </ac:spMkLst>
+        </pc:spChg>
+        <pc:spChg chg="add del">
+          <ac:chgData name="Venu Yalapala" userId="9feb8bbceceecaca" providerId="LiveId" clId="{282BCC90-DA09-49A0-BCEB-FBBFF0EE3CC4}" dt="2025-05-24T18:25:38.057" v="118" actId="11529"/>
+          <ac:spMkLst>
+            <pc:docMk/>
+            <pc:sldMk cId="3342490066" sldId="256"/>
+            <ac:spMk id="5" creationId="{B44EC04A-64E2-9651-8B31-E51135531375}"/>
+          </ac:spMkLst>
+        </pc:spChg>
+        <pc:spChg chg="del mod topLvl">
+          <ac:chgData name="Venu Yalapala" userId="9feb8bbceceecaca" providerId="LiveId" clId="{282BCC90-DA09-49A0-BCEB-FBBFF0EE3CC4}" dt="2025-05-24T18:29:18.609" v="191" actId="478"/>
+          <ac:spMkLst>
+            <pc:docMk/>
+            <pc:sldMk cId="3342490066" sldId="256"/>
+            <ac:spMk id="11" creationId="{0E606F7A-0439-43E4-A07F-A35A8691EB42}"/>
+          </ac:spMkLst>
+        </pc:spChg>
+        <pc:spChg chg="mod topLvl">
+          <ac:chgData name="Venu Yalapala" userId="9feb8bbceceecaca" providerId="LiveId" clId="{282BCC90-DA09-49A0-BCEB-FBBFF0EE3CC4}" dt="2025-05-24T18:34:41.399" v="257" actId="1076"/>
           <ac:spMkLst>
             <pc:docMk/>
             <pc:sldMk cId="3342490066" sldId="256"/>
             <ac:spMk id="12" creationId="{DD950E5A-63C0-4187-892B-9549599FCD15}"/>
           </ac:spMkLst>
         </pc:spChg>
-        <pc:spChg chg="mod">
-          <ac:chgData name="Venu Yalapala" userId="9feb8bbceceecaca" providerId="LiveId" clId="{282BCC90-DA09-49A0-BCEB-FBBFF0EE3CC4}" dt="2025-05-17T11:26:22.541" v="20" actId="20577"/>
+        <pc:spChg chg="mod topLvl">
+          <ac:chgData name="Venu Yalapala" userId="9feb8bbceceecaca" providerId="LiveId" clId="{282BCC90-DA09-49A0-BCEB-FBBFF0EE3CC4}" dt="2025-05-24T18:29:13.426" v="190" actId="165"/>
+          <ac:spMkLst>
+            <pc:docMk/>
+            <pc:sldMk cId="3342490066" sldId="256"/>
+            <ac:spMk id="13" creationId="{26F461D1-594E-4D24-8238-761378173A6A}"/>
+          </ac:spMkLst>
+        </pc:spChg>
+        <pc:spChg chg="del">
+          <ac:chgData name="Venu Yalapala" userId="9feb8bbceceecaca" providerId="LiveId" clId="{282BCC90-DA09-49A0-BCEB-FBBFF0EE3CC4}" dt="2025-05-24T18:26:31.109" v="145" actId="478"/>
+          <ac:spMkLst>
+            <pc:docMk/>
+            <pc:sldMk cId="3342490066" sldId="256"/>
+            <ac:spMk id="14" creationId="{AD044142-8A4B-48E2-8204-53A1EBC016D8}"/>
+          </ac:spMkLst>
+        </pc:spChg>
+        <pc:spChg chg="mod ord topLvl">
+          <ac:chgData name="Venu Yalapala" userId="9feb8bbceceecaca" providerId="LiveId" clId="{282BCC90-DA09-49A0-BCEB-FBBFF0EE3CC4}" dt="2025-05-24T18:34:46.258" v="258" actId="1076"/>
           <ac:spMkLst>
             <pc:docMk/>
             <pc:sldMk cId="3342490066" sldId="256"/>
             <ac:spMk id="15" creationId="{F0C1A603-19B4-4631-AF63-7E26FCE0AA94}"/>
           </ac:spMkLst>
         </pc:spChg>
+        <pc:grpChg chg="del mod">
+          <ac:chgData name="Venu Yalapala" userId="9feb8bbceceecaca" providerId="LiveId" clId="{282BCC90-DA09-49A0-BCEB-FBBFF0EE3CC4}" dt="2025-05-24T18:29:08.680" v="189" actId="478"/>
+          <ac:grpSpMkLst>
+            <pc:docMk/>
+            <pc:sldMk cId="3342490066" sldId="256"/>
+            <ac:grpSpMk id="9" creationId="{A7E1EC36-C610-4951-92FB-5FA9BAA559EC}"/>
+          </ac:grpSpMkLst>
+        </pc:grpChg>
+        <pc:grpChg chg="del">
+          <ac:chgData name="Venu Yalapala" userId="9feb8bbceceecaca" providerId="LiveId" clId="{282BCC90-DA09-49A0-BCEB-FBBFF0EE3CC4}" dt="2025-05-24T18:29:13.426" v="190" actId="165"/>
+          <ac:grpSpMkLst>
+            <pc:docMk/>
+            <pc:sldMk cId="3342490066" sldId="256"/>
+            <ac:grpSpMk id="10" creationId="{BD4861E3-0140-4666-A772-E1339125A35F}"/>
+          </ac:grpSpMkLst>
+        </pc:grpChg>
       </pc:sldChg>
-      <pc:sldChg chg="modSp mod">
-        <pc:chgData name="Venu Yalapala" userId="9feb8bbceceecaca" providerId="LiveId" clId="{282BCC90-DA09-49A0-BCEB-FBBFF0EE3CC4}" dt="2025-05-17T11:27:02.678" v="26"/>
+      <pc:sldChg chg="modSp del mod">
+        <pc:chgData name="Venu Yalapala" userId="9feb8bbceceecaca" providerId="LiveId" clId="{282BCC90-DA09-49A0-BCEB-FBBFF0EE3CC4}" dt="2025-05-24T18:36:45.212" v="293" actId="47"/>
         <pc:sldMkLst>
           <pc:docMk/>
           <pc:sldMk cId="3419142628" sldId="257"/>
         </pc:sldMkLst>
         <pc:spChg chg="mod">
-          <ac:chgData name="Venu Yalapala" userId="9feb8bbceceecaca" providerId="LiveId" clId="{282BCC90-DA09-49A0-BCEB-FBBFF0EE3CC4}" dt="2025-05-17T11:26:47.274" v="23"/>
+          <ac:chgData name="Venu Yalapala" userId="9feb8bbceceecaca" providerId="LiveId" clId="{282BCC90-DA09-49A0-BCEB-FBBFF0EE3CC4}" dt="2025-05-24T18:17:00.935" v="88" actId="1076"/>
           <ac:spMkLst>
             <pc:docMk/>
             <pc:sldMk cId="3419142628" sldId="257"/>
@@ -171,7 +265,7 @@
           </ac:spMkLst>
         </pc:spChg>
         <pc:spChg chg="mod">
-          <ac:chgData name="Venu Yalapala" userId="9feb8bbceceecaca" providerId="LiveId" clId="{282BCC90-DA09-49A0-BCEB-FBBFF0EE3CC4}" dt="2025-05-17T11:27:02.678" v="26"/>
+          <ac:chgData name="Venu Yalapala" userId="9feb8bbceceecaca" providerId="LiveId" clId="{282BCC90-DA09-49A0-BCEB-FBBFF0EE3CC4}" dt="2025-05-24T18:17:07.903" v="89" actId="1076"/>
           <ac:spMkLst>
             <pc:docMk/>
             <pc:sldMk cId="3419142628" sldId="257"/>
@@ -179,9 +273,923 @@
           </ac:spMkLst>
         </pc:spChg>
       </pc:sldChg>
+      <pc:sldChg chg="addSp delSp modSp new mod">
+        <pc:chgData name="Venu Yalapala" userId="9feb8bbceceecaca" providerId="LiveId" clId="{282BCC90-DA09-49A0-BCEB-FBBFF0EE3CC4}" dt="2025-05-24T18:36:40.400" v="292" actId="20577"/>
+        <pc:sldMkLst>
+          <pc:docMk/>
+          <pc:sldMk cId="2536218313" sldId="258"/>
+        </pc:sldMkLst>
+        <pc:spChg chg="del mod topLvl">
+          <ac:chgData name="Venu Yalapala" userId="9feb8bbceceecaca" providerId="LiveId" clId="{282BCC90-DA09-49A0-BCEB-FBBFF0EE3CC4}" dt="2025-05-24T18:35:13.540" v="262" actId="478"/>
+          <ac:spMkLst>
+            <pc:docMk/>
+            <pc:sldMk cId="2536218313" sldId="258"/>
+            <ac:spMk id="3" creationId="{283D215C-71CB-F31F-9E9E-DD53460DFFAF}"/>
+          </ac:spMkLst>
+        </pc:spChg>
+        <pc:spChg chg="mod topLvl">
+          <ac:chgData name="Venu Yalapala" userId="9feb8bbceceecaca" providerId="LiveId" clId="{282BCC90-DA09-49A0-BCEB-FBBFF0EE3CC4}" dt="2025-05-24T18:35:37.574" v="271" actId="1076"/>
+          <ac:spMkLst>
+            <pc:docMk/>
+            <pc:sldMk cId="2536218313" sldId="258"/>
+            <ac:spMk id="4" creationId="{FB41F474-87B0-C226-746A-F4BD47A88133}"/>
+          </ac:spMkLst>
+        </pc:spChg>
+        <pc:spChg chg="mod topLvl">
+          <ac:chgData name="Venu Yalapala" userId="9feb8bbceceecaca" providerId="LiveId" clId="{282BCC90-DA09-49A0-BCEB-FBBFF0EE3CC4}" dt="2025-05-24T18:36:37.213" v="291" actId="20577"/>
+          <ac:spMkLst>
+            <pc:docMk/>
+            <pc:sldMk cId="2536218313" sldId="258"/>
+            <ac:spMk id="5" creationId="{378DC577-39F5-A6AC-DF89-B2666B06ACF9}"/>
+          </ac:spMkLst>
+        </pc:spChg>
+        <pc:spChg chg="mod topLvl">
+          <ac:chgData name="Venu Yalapala" userId="9feb8bbceceecaca" providerId="LiveId" clId="{282BCC90-DA09-49A0-BCEB-FBBFF0EE3CC4}" dt="2025-05-24T18:36:09.456" v="285" actId="1037"/>
+          <ac:spMkLst>
+            <pc:docMk/>
+            <pc:sldMk cId="2536218313" sldId="258"/>
+            <ac:spMk id="7" creationId="{37D46B4B-CD57-310D-B542-FE6B01F388E7}"/>
+          </ac:spMkLst>
+        </pc:spChg>
+        <pc:spChg chg="del mod topLvl">
+          <ac:chgData name="Venu Yalapala" userId="9feb8bbceceecaca" providerId="LiveId" clId="{282BCC90-DA09-49A0-BCEB-FBBFF0EE3CC4}" dt="2025-05-24T18:35:57.934" v="278" actId="478"/>
+          <ac:spMkLst>
+            <pc:docMk/>
+            <pc:sldMk cId="2536218313" sldId="258"/>
+            <ac:spMk id="8" creationId="{C9BF4F91-E0EE-9A39-D724-D3D471354ACE}"/>
+          </ac:spMkLst>
+        </pc:spChg>
+        <pc:spChg chg="mod topLvl">
+          <ac:chgData name="Venu Yalapala" userId="9feb8bbceceecaca" providerId="LiveId" clId="{282BCC90-DA09-49A0-BCEB-FBBFF0EE3CC4}" dt="2025-05-24T18:36:40.400" v="292" actId="20577"/>
+          <ac:spMkLst>
+            <pc:docMk/>
+            <pc:sldMk cId="2536218313" sldId="258"/>
+            <ac:spMk id="9" creationId="{4DA14023-6190-39C5-C6B6-5C235D6210F9}"/>
+          </ac:spMkLst>
+        </pc:spChg>
+        <pc:grpChg chg="add del mod">
+          <ac:chgData name="Venu Yalapala" userId="9feb8bbceceecaca" providerId="LiveId" clId="{282BCC90-DA09-49A0-BCEB-FBBFF0EE3CC4}" dt="2025-05-24T18:35:11.103" v="261" actId="165"/>
+          <ac:grpSpMkLst>
+            <pc:docMk/>
+            <pc:sldMk cId="2536218313" sldId="258"/>
+            <ac:grpSpMk id="2" creationId="{0C4B62AE-AD81-EF6D-AAC3-16644B9928D8}"/>
+          </ac:grpSpMkLst>
+        </pc:grpChg>
+        <pc:grpChg chg="add del mod">
+          <ac:chgData name="Venu Yalapala" userId="9feb8bbceceecaca" providerId="LiveId" clId="{282BCC90-DA09-49A0-BCEB-FBBFF0EE3CC4}" dt="2025-05-24T18:35:55.487" v="277" actId="165"/>
+          <ac:grpSpMkLst>
+            <pc:docMk/>
+            <pc:sldMk cId="2536218313" sldId="258"/>
+            <ac:grpSpMk id="6" creationId="{9F87DAC6-1ED4-92C9-C0E9-CF74681B72EC}"/>
+          </ac:grpSpMkLst>
+        </pc:grpChg>
+      </pc:sldChg>
+      <pc:sldChg chg="new del">
+        <pc:chgData name="Venu Yalapala" userId="9feb8bbceceecaca" providerId="LiveId" clId="{282BCC90-DA09-49A0-BCEB-FBBFF0EE3CC4}" dt="2025-05-24T18:34:55.123" v="259" actId="47"/>
+        <pc:sldMkLst>
+          <pc:docMk/>
+          <pc:sldMk cId="1567017394" sldId="259"/>
+        </pc:sldMkLst>
+      </pc:sldChg>
+      <pc:sldMasterChg chg="addSldLayout modSldLayout">
+        <pc:chgData name="Venu Yalapala" userId="9feb8bbceceecaca" providerId="LiveId" clId="{282BCC90-DA09-49A0-BCEB-FBBFF0EE3CC4}" dt="2025-05-24T18:28:42.665" v="188" actId="1038"/>
+        <pc:sldMasterMkLst>
+          <pc:docMk/>
+          <pc:sldMasterMk cId="3399101397" sldId="2147483660"/>
+        </pc:sldMasterMkLst>
+        <pc:sldLayoutChg chg="addSp delSp modSp add mod modTransition">
+          <pc:chgData name="Venu Yalapala" userId="9feb8bbceceecaca" providerId="LiveId" clId="{282BCC90-DA09-49A0-BCEB-FBBFF0EE3CC4}" dt="2025-05-24T18:28:42.665" v="188" actId="1038"/>
+          <pc:sldLayoutMkLst>
+            <pc:docMk/>
+            <pc:sldMasterMk cId="3399101397" sldId="2147483660"/>
+            <pc:sldLayoutMk cId="4179781353" sldId="2147483672"/>
+          </pc:sldLayoutMkLst>
+          <pc:spChg chg="del">
+            <ac:chgData name="Venu Yalapala" userId="9feb8bbceceecaca" providerId="LiveId" clId="{282BCC90-DA09-49A0-BCEB-FBBFF0EE3CC4}" dt="2025-05-24T18:20:37.789" v="97" actId="478"/>
+            <ac:spMkLst>
+              <pc:docMk/>
+              <pc:sldMasterMk cId="3399101397" sldId="2147483660"/>
+              <pc:sldLayoutMk cId="4179781353" sldId="2147483672"/>
+              <ac:spMk id="2" creationId="{00000000-0000-0000-0000-000000000000}"/>
+            </ac:spMkLst>
+          </pc:spChg>
+          <pc:spChg chg="add mod">
+            <ac:chgData name="Venu Yalapala" userId="9feb8bbceceecaca" providerId="LiveId" clId="{282BCC90-DA09-49A0-BCEB-FBBFF0EE3CC4}" dt="2025-05-24T18:28:42.665" v="188" actId="1038"/>
+            <ac:spMkLst>
+              <pc:docMk/>
+              <pc:sldMasterMk cId="3399101397" sldId="2147483660"/>
+              <pc:sldLayoutMk cId="4179781353" sldId="2147483672"/>
+              <ac:spMk id="2" creationId="{E7134C41-B3A1-4819-B524-97527F10B2E1}"/>
+            </ac:spMkLst>
+          </pc:spChg>
+          <pc:spChg chg="del">
+            <ac:chgData name="Venu Yalapala" userId="9feb8bbceceecaca" providerId="LiveId" clId="{282BCC90-DA09-49A0-BCEB-FBBFF0EE3CC4}" dt="2025-05-24T18:20:37.789" v="97" actId="478"/>
+            <ac:spMkLst>
+              <pc:docMk/>
+              <pc:sldMasterMk cId="3399101397" sldId="2147483660"/>
+              <pc:sldLayoutMk cId="4179781353" sldId="2147483672"/>
+              <ac:spMk id="3" creationId="{00000000-0000-0000-0000-000000000000}"/>
+            </ac:spMkLst>
+          </pc:spChg>
+          <pc:spChg chg="add del mod">
+            <ac:chgData name="Venu Yalapala" userId="9feb8bbceceecaca" providerId="LiveId" clId="{282BCC90-DA09-49A0-BCEB-FBBFF0EE3CC4}" dt="2025-05-24T18:24:15.991" v="112"/>
+            <ac:spMkLst>
+              <pc:docMk/>
+              <pc:sldMasterMk cId="3399101397" sldId="2147483660"/>
+              <pc:sldLayoutMk cId="4179781353" sldId="2147483672"/>
+              <ac:spMk id="3" creationId="{63B817FE-7782-D297-9ADD-4F3FFF6BF554}"/>
+            </ac:spMkLst>
+          </pc:spChg>
+          <pc:spChg chg="del mod">
+            <ac:chgData name="Venu Yalapala" userId="9feb8bbceceecaca" providerId="LiveId" clId="{282BCC90-DA09-49A0-BCEB-FBBFF0EE3CC4}" dt="2025-05-24T18:24:15.991" v="112"/>
+            <ac:spMkLst>
+              <pc:docMk/>
+              <pc:sldMasterMk cId="3399101397" sldId="2147483660"/>
+              <pc:sldLayoutMk cId="4179781353" sldId="2147483672"/>
+              <ac:spMk id="4" creationId="{00000000-0000-0000-0000-000000000000}"/>
+            </ac:spMkLst>
+          </pc:spChg>
+          <pc:spChg chg="del">
+            <ac:chgData name="Venu Yalapala" userId="9feb8bbceceecaca" providerId="LiveId" clId="{282BCC90-DA09-49A0-BCEB-FBBFF0EE3CC4}" dt="2025-05-24T18:20:37.789" v="97" actId="478"/>
+            <ac:spMkLst>
+              <pc:docMk/>
+              <pc:sldMasterMk cId="3399101397" sldId="2147483660"/>
+              <pc:sldLayoutMk cId="4179781353" sldId="2147483672"/>
+              <ac:spMk id="5" creationId="{00000000-0000-0000-0000-000000000000}"/>
+            </ac:spMkLst>
+          </pc:spChg>
+          <pc:spChg chg="add del mod">
+            <ac:chgData name="Venu Yalapala" userId="9feb8bbceceecaca" providerId="LiveId" clId="{282BCC90-DA09-49A0-BCEB-FBBFF0EE3CC4}" dt="2025-05-24T18:24:15.991" v="112"/>
+            <ac:spMkLst>
+              <pc:docMk/>
+              <pc:sldMasterMk cId="3399101397" sldId="2147483660"/>
+              <pc:sldLayoutMk cId="4179781353" sldId="2147483672"/>
+              <ac:spMk id="5" creationId="{C39071B9-7440-CAC3-306B-1B0876708DA5}"/>
+            </ac:spMkLst>
+          </pc:spChg>
+          <pc:spChg chg="del">
+            <ac:chgData name="Venu Yalapala" userId="9feb8bbceceecaca" providerId="LiveId" clId="{282BCC90-DA09-49A0-BCEB-FBBFF0EE3CC4}" dt="2025-05-24T18:20:37.789" v="97" actId="478"/>
+            <ac:spMkLst>
+              <pc:docMk/>
+              <pc:sldMasterMk cId="3399101397" sldId="2147483660"/>
+              <pc:sldLayoutMk cId="4179781353" sldId="2147483672"/>
+              <ac:spMk id="6" creationId="{00000000-0000-0000-0000-000000000000}"/>
+            </ac:spMkLst>
+          </pc:spChg>
+          <pc:spChg chg="add mod">
+            <ac:chgData name="Venu Yalapala" userId="9feb8bbceceecaca" providerId="LiveId" clId="{282BCC90-DA09-49A0-BCEB-FBBFF0EE3CC4}" dt="2025-05-24T18:28:19.434" v="171" actId="1038"/>
+            <ac:spMkLst>
+              <pc:docMk/>
+              <pc:sldMasterMk cId="3399101397" sldId="2147483660"/>
+              <pc:sldLayoutMk cId="4179781353" sldId="2147483672"/>
+              <ac:spMk id="6" creationId="{7C27A430-915D-82F6-029F-807C646A6472}"/>
+            </ac:spMkLst>
+          </pc:spChg>
+          <pc:spChg chg="add mod">
+            <ac:chgData name="Venu Yalapala" userId="9feb8bbceceecaca" providerId="LiveId" clId="{282BCC90-DA09-49A0-BCEB-FBBFF0EE3CC4}" dt="2025-05-24T18:28:33.575" v="177" actId="1076"/>
+            <ac:spMkLst>
+              <pc:docMk/>
+              <pc:sldMasterMk cId="3399101397" sldId="2147483660"/>
+              <pc:sldLayoutMk cId="4179781353" sldId="2147483672"/>
+              <ac:spMk id="7" creationId="{0A1D0023-F5DF-8DC1-8B63-8D0A6DE75D18}"/>
+            </ac:spMkLst>
+          </pc:spChg>
+        </pc:sldLayoutChg>
+      </pc:sldMasterChg>
+      <pc:sldMasterChg chg="new del mod addSldLayout delSldLayout">
+        <pc:chgData name="Venu Yalapala" userId="9feb8bbceceecaca" providerId="LiveId" clId="{282BCC90-DA09-49A0-BCEB-FBBFF0EE3CC4}" dt="2025-05-24T18:20:27.743" v="95" actId="6938"/>
+        <pc:sldMasterMkLst>
+          <pc:docMk/>
+          <pc:sldMasterMk cId="1490840365" sldId="2147483672"/>
+        </pc:sldMasterMkLst>
+        <pc:sldLayoutChg chg="new del replId">
+          <pc:chgData name="Venu Yalapala" userId="9feb8bbceceecaca" providerId="LiveId" clId="{282BCC90-DA09-49A0-BCEB-FBBFF0EE3CC4}" dt="2025-05-24T18:20:27.743" v="95" actId="6938"/>
+          <pc:sldLayoutMkLst>
+            <pc:docMk/>
+            <pc:sldMasterMk cId="1490840365" sldId="2147483672"/>
+            <pc:sldLayoutMk cId="33536586" sldId="2147483673"/>
+          </pc:sldLayoutMkLst>
+        </pc:sldLayoutChg>
+        <pc:sldLayoutChg chg="new del replId">
+          <pc:chgData name="Venu Yalapala" userId="9feb8bbceceecaca" providerId="LiveId" clId="{282BCC90-DA09-49A0-BCEB-FBBFF0EE3CC4}" dt="2025-05-24T18:20:27.743" v="95" actId="6938"/>
+          <pc:sldLayoutMkLst>
+            <pc:docMk/>
+            <pc:sldMasterMk cId="1490840365" sldId="2147483672"/>
+            <pc:sldLayoutMk cId="1424343068" sldId="2147483674"/>
+          </pc:sldLayoutMkLst>
+        </pc:sldLayoutChg>
+        <pc:sldLayoutChg chg="new del replId">
+          <pc:chgData name="Venu Yalapala" userId="9feb8bbceceecaca" providerId="LiveId" clId="{282BCC90-DA09-49A0-BCEB-FBBFF0EE3CC4}" dt="2025-05-24T18:20:27.743" v="95" actId="6938"/>
+          <pc:sldLayoutMkLst>
+            <pc:docMk/>
+            <pc:sldMasterMk cId="1490840365" sldId="2147483672"/>
+            <pc:sldLayoutMk cId="2341600738" sldId="2147483675"/>
+          </pc:sldLayoutMkLst>
+        </pc:sldLayoutChg>
+        <pc:sldLayoutChg chg="new del replId">
+          <pc:chgData name="Venu Yalapala" userId="9feb8bbceceecaca" providerId="LiveId" clId="{282BCC90-DA09-49A0-BCEB-FBBFF0EE3CC4}" dt="2025-05-24T18:20:27.743" v="95" actId="6938"/>
+          <pc:sldLayoutMkLst>
+            <pc:docMk/>
+            <pc:sldMasterMk cId="1490840365" sldId="2147483672"/>
+            <pc:sldLayoutMk cId="997227328" sldId="2147483676"/>
+          </pc:sldLayoutMkLst>
+        </pc:sldLayoutChg>
+        <pc:sldLayoutChg chg="new del replId">
+          <pc:chgData name="Venu Yalapala" userId="9feb8bbceceecaca" providerId="LiveId" clId="{282BCC90-DA09-49A0-BCEB-FBBFF0EE3CC4}" dt="2025-05-24T18:20:27.743" v="95" actId="6938"/>
+          <pc:sldLayoutMkLst>
+            <pc:docMk/>
+            <pc:sldMasterMk cId="1490840365" sldId="2147483672"/>
+            <pc:sldLayoutMk cId="3081470762" sldId="2147483677"/>
+          </pc:sldLayoutMkLst>
+        </pc:sldLayoutChg>
+        <pc:sldLayoutChg chg="new del replId">
+          <pc:chgData name="Venu Yalapala" userId="9feb8bbceceecaca" providerId="LiveId" clId="{282BCC90-DA09-49A0-BCEB-FBBFF0EE3CC4}" dt="2025-05-24T18:20:27.743" v="95" actId="6938"/>
+          <pc:sldLayoutMkLst>
+            <pc:docMk/>
+            <pc:sldMasterMk cId="1490840365" sldId="2147483672"/>
+            <pc:sldLayoutMk cId="107860091" sldId="2147483678"/>
+          </pc:sldLayoutMkLst>
+        </pc:sldLayoutChg>
+        <pc:sldLayoutChg chg="new del replId">
+          <pc:chgData name="Venu Yalapala" userId="9feb8bbceceecaca" providerId="LiveId" clId="{282BCC90-DA09-49A0-BCEB-FBBFF0EE3CC4}" dt="2025-05-24T18:20:27.743" v="95" actId="6938"/>
+          <pc:sldLayoutMkLst>
+            <pc:docMk/>
+            <pc:sldMasterMk cId="1490840365" sldId="2147483672"/>
+            <pc:sldLayoutMk cId="3697464328" sldId="2147483679"/>
+          </pc:sldLayoutMkLst>
+        </pc:sldLayoutChg>
+        <pc:sldLayoutChg chg="new del replId">
+          <pc:chgData name="Venu Yalapala" userId="9feb8bbceceecaca" providerId="LiveId" clId="{282BCC90-DA09-49A0-BCEB-FBBFF0EE3CC4}" dt="2025-05-24T18:20:27.743" v="95" actId="6938"/>
+          <pc:sldLayoutMkLst>
+            <pc:docMk/>
+            <pc:sldMasterMk cId="1490840365" sldId="2147483672"/>
+            <pc:sldLayoutMk cId="3965622452" sldId="2147483680"/>
+          </pc:sldLayoutMkLst>
+        </pc:sldLayoutChg>
+        <pc:sldLayoutChg chg="new del replId">
+          <pc:chgData name="Venu Yalapala" userId="9feb8bbceceecaca" providerId="LiveId" clId="{282BCC90-DA09-49A0-BCEB-FBBFF0EE3CC4}" dt="2025-05-24T18:20:27.743" v="95" actId="6938"/>
+          <pc:sldLayoutMkLst>
+            <pc:docMk/>
+            <pc:sldMasterMk cId="1490840365" sldId="2147483672"/>
+            <pc:sldLayoutMk cId="3883155290" sldId="2147483681"/>
+          </pc:sldLayoutMkLst>
+        </pc:sldLayoutChg>
+        <pc:sldLayoutChg chg="new del replId">
+          <pc:chgData name="Venu Yalapala" userId="9feb8bbceceecaca" providerId="LiveId" clId="{282BCC90-DA09-49A0-BCEB-FBBFF0EE3CC4}" dt="2025-05-24T18:20:27.743" v="95" actId="6938"/>
+          <pc:sldLayoutMkLst>
+            <pc:docMk/>
+            <pc:sldMasterMk cId="1490840365" sldId="2147483672"/>
+            <pc:sldLayoutMk cId="20985350" sldId="2147483682"/>
+          </pc:sldLayoutMkLst>
+        </pc:sldLayoutChg>
+        <pc:sldLayoutChg chg="new del replId">
+          <pc:chgData name="Venu Yalapala" userId="9feb8bbceceecaca" providerId="LiveId" clId="{282BCC90-DA09-49A0-BCEB-FBBFF0EE3CC4}" dt="2025-05-24T18:20:27.743" v="95" actId="6938"/>
+          <pc:sldLayoutMkLst>
+            <pc:docMk/>
+            <pc:sldMasterMk cId="1490840365" sldId="2147483672"/>
+            <pc:sldLayoutMk cId="3399298553" sldId="2147483683"/>
+          </pc:sldLayoutMkLst>
+        </pc:sldLayoutChg>
+      </pc:sldMasterChg>
+      <pc:sldMasterChg chg="new del mod addSldLayout delSldLayout">
+        <pc:chgData name="Venu Yalapala" userId="9feb8bbceceecaca" providerId="LiveId" clId="{282BCC90-DA09-49A0-BCEB-FBBFF0EE3CC4}" dt="2025-05-24T18:20:19.603" v="93" actId="6938"/>
+        <pc:sldMasterMkLst>
+          <pc:docMk/>
+          <pc:sldMasterMk cId="2290366351" sldId="2147483672"/>
+        </pc:sldMasterMkLst>
+        <pc:sldLayoutChg chg="new del replId">
+          <pc:chgData name="Venu Yalapala" userId="9feb8bbceceecaca" providerId="LiveId" clId="{282BCC90-DA09-49A0-BCEB-FBBFF0EE3CC4}" dt="2025-05-24T18:20:19.603" v="93" actId="6938"/>
+          <pc:sldLayoutMkLst>
+            <pc:docMk/>
+            <pc:sldMasterMk cId="2290366351" sldId="2147483672"/>
+            <pc:sldLayoutMk cId="592935314" sldId="2147483673"/>
+          </pc:sldLayoutMkLst>
+        </pc:sldLayoutChg>
+        <pc:sldLayoutChg chg="new del replId">
+          <pc:chgData name="Venu Yalapala" userId="9feb8bbceceecaca" providerId="LiveId" clId="{282BCC90-DA09-49A0-BCEB-FBBFF0EE3CC4}" dt="2025-05-24T18:20:19.603" v="93" actId="6938"/>
+          <pc:sldLayoutMkLst>
+            <pc:docMk/>
+            <pc:sldMasterMk cId="2290366351" sldId="2147483672"/>
+            <pc:sldLayoutMk cId="1198058091" sldId="2147483674"/>
+          </pc:sldLayoutMkLst>
+        </pc:sldLayoutChg>
+        <pc:sldLayoutChg chg="new del replId">
+          <pc:chgData name="Venu Yalapala" userId="9feb8bbceceecaca" providerId="LiveId" clId="{282BCC90-DA09-49A0-BCEB-FBBFF0EE3CC4}" dt="2025-05-24T18:20:19.603" v="93" actId="6938"/>
+          <pc:sldLayoutMkLst>
+            <pc:docMk/>
+            <pc:sldMasterMk cId="2290366351" sldId="2147483672"/>
+            <pc:sldLayoutMk cId="1173148016" sldId="2147483675"/>
+          </pc:sldLayoutMkLst>
+        </pc:sldLayoutChg>
+        <pc:sldLayoutChg chg="new del replId">
+          <pc:chgData name="Venu Yalapala" userId="9feb8bbceceecaca" providerId="LiveId" clId="{282BCC90-DA09-49A0-BCEB-FBBFF0EE3CC4}" dt="2025-05-24T18:20:19.603" v="93" actId="6938"/>
+          <pc:sldLayoutMkLst>
+            <pc:docMk/>
+            <pc:sldMasterMk cId="2290366351" sldId="2147483672"/>
+            <pc:sldLayoutMk cId="1187333672" sldId="2147483676"/>
+          </pc:sldLayoutMkLst>
+        </pc:sldLayoutChg>
+        <pc:sldLayoutChg chg="new del replId">
+          <pc:chgData name="Venu Yalapala" userId="9feb8bbceceecaca" providerId="LiveId" clId="{282BCC90-DA09-49A0-BCEB-FBBFF0EE3CC4}" dt="2025-05-24T18:20:19.603" v="93" actId="6938"/>
+          <pc:sldLayoutMkLst>
+            <pc:docMk/>
+            <pc:sldMasterMk cId="2290366351" sldId="2147483672"/>
+            <pc:sldLayoutMk cId="3240622179" sldId="2147483677"/>
+          </pc:sldLayoutMkLst>
+        </pc:sldLayoutChg>
+        <pc:sldLayoutChg chg="new del replId">
+          <pc:chgData name="Venu Yalapala" userId="9feb8bbceceecaca" providerId="LiveId" clId="{282BCC90-DA09-49A0-BCEB-FBBFF0EE3CC4}" dt="2025-05-24T18:20:19.603" v="93" actId="6938"/>
+          <pc:sldLayoutMkLst>
+            <pc:docMk/>
+            <pc:sldMasterMk cId="2290366351" sldId="2147483672"/>
+            <pc:sldLayoutMk cId="1875733737" sldId="2147483678"/>
+          </pc:sldLayoutMkLst>
+        </pc:sldLayoutChg>
+        <pc:sldLayoutChg chg="new del replId">
+          <pc:chgData name="Venu Yalapala" userId="9feb8bbceceecaca" providerId="LiveId" clId="{282BCC90-DA09-49A0-BCEB-FBBFF0EE3CC4}" dt="2025-05-24T18:20:19.603" v="93" actId="6938"/>
+          <pc:sldLayoutMkLst>
+            <pc:docMk/>
+            <pc:sldMasterMk cId="2290366351" sldId="2147483672"/>
+            <pc:sldLayoutMk cId="429254961" sldId="2147483679"/>
+          </pc:sldLayoutMkLst>
+        </pc:sldLayoutChg>
+        <pc:sldLayoutChg chg="new del replId">
+          <pc:chgData name="Venu Yalapala" userId="9feb8bbceceecaca" providerId="LiveId" clId="{282BCC90-DA09-49A0-BCEB-FBBFF0EE3CC4}" dt="2025-05-24T18:20:19.603" v="93" actId="6938"/>
+          <pc:sldLayoutMkLst>
+            <pc:docMk/>
+            <pc:sldMasterMk cId="2290366351" sldId="2147483672"/>
+            <pc:sldLayoutMk cId="2215607639" sldId="2147483680"/>
+          </pc:sldLayoutMkLst>
+        </pc:sldLayoutChg>
+        <pc:sldLayoutChg chg="new del replId">
+          <pc:chgData name="Venu Yalapala" userId="9feb8bbceceecaca" providerId="LiveId" clId="{282BCC90-DA09-49A0-BCEB-FBBFF0EE3CC4}" dt="2025-05-24T18:20:19.603" v="93" actId="6938"/>
+          <pc:sldLayoutMkLst>
+            <pc:docMk/>
+            <pc:sldMasterMk cId="2290366351" sldId="2147483672"/>
+            <pc:sldLayoutMk cId="3502415082" sldId="2147483681"/>
+          </pc:sldLayoutMkLst>
+        </pc:sldLayoutChg>
+        <pc:sldLayoutChg chg="new del replId">
+          <pc:chgData name="Venu Yalapala" userId="9feb8bbceceecaca" providerId="LiveId" clId="{282BCC90-DA09-49A0-BCEB-FBBFF0EE3CC4}" dt="2025-05-24T18:20:19.603" v="93" actId="6938"/>
+          <pc:sldLayoutMkLst>
+            <pc:docMk/>
+            <pc:sldMasterMk cId="2290366351" sldId="2147483672"/>
+            <pc:sldLayoutMk cId="2208377938" sldId="2147483682"/>
+          </pc:sldLayoutMkLst>
+        </pc:sldLayoutChg>
+        <pc:sldLayoutChg chg="new del replId">
+          <pc:chgData name="Venu Yalapala" userId="9feb8bbceceecaca" providerId="LiveId" clId="{282BCC90-DA09-49A0-BCEB-FBBFF0EE3CC4}" dt="2025-05-24T18:20:19.603" v="93" actId="6938"/>
+          <pc:sldLayoutMkLst>
+            <pc:docMk/>
+            <pc:sldMasterMk cId="2290366351" sldId="2147483672"/>
+            <pc:sldLayoutMk cId="1723449142" sldId="2147483683"/>
+          </pc:sldLayoutMkLst>
+        </pc:sldLayoutChg>
+      </pc:sldMasterChg>
     </pc:docChg>
   </pc:docChgLst>
 </pc:chgInfo>
+</file>
+
+<file path=ppt/handoutMasters/handoutMaster1.xml><?xml version="1.0" encoding="utf-8"?>
+<p:handoutMaster xmlns:a="http://schemas.openxmlformats.org/drawingml/2006/main" xmlns:r="http://schemas.openxmlformats.org/officeDocument/2006/relationships" xmlns:p="http://schemas.openxmlformats.org/presentationml/2006/main">
+  <p:cSld>
+    <p:bg>
+      <p:bgRef idx="1001">
+        <a:schemeClr val="bg1"/>
+      </p:bgRef>
+    </p:bg>
+    <p:spTree>
+      <p:nvGrpSpPr>
+        <p:cNvPr id="1" name=""/>
+        <p:cNvGrpSpPr/>
+        <p:nvPr/>
+      </p:nvGrpSpPr>
+      <p:grpSpPr>
+        <a:xfrm>
+          <a:off x="0" y="0"/>
+          <a:ext cx="0" cy="0"/>
+          <a:chOff x="0" y="0"/>
+          <a:chExt cx="0" cy="0"/>
+        </a:xfrm>
+      </p:grpSpPr>
+      <p:sp>
+        <p:nvSpPr>
+          <p:cNvPr id="2" name="Header Placeholder 1">
+            <a:extLst>
+              <a:ext uri="{FF2B5EF4-FFF2-40B4-BE49-F238E27FC236}">
+                <a16:creationId xmlns:a16="http://schemas.microsoft.com/office/drawing/2014/main" id="{9D0E5EB0-C799-AA18-43C1-F8F32DD9D13F}"/>
+              </a:ext>
+            </a:extLst>
+          </p:cNvPr>
+          <p:cNvSpPr>
+            <a:spLocks noGrp="1"/>
+          </p:cNvSpPr>
+          <p:nvPr>
+            <p:ph type="hdr" sz="quarter"/>
+          </p:nvPr>
+        </p:nvSpPr>
+        <p:spPr>
+          <a:xfrm>
+            <a:off x="0" y="0"/>
+            <a:ext cx="2971800" cy="458788"/>
+          </a:xfrm>
+          <a:prstGeom prst="rect">
+            <a:avLst/>
+          </a:prstGeom>
+        </p:spPr>
+        <p:txBody>
+          <a:bodyPr vert="horz" lIns="91440" tIns="45720" rIns="91440" bIns="45720" rtlCol="0"/>
+          <a:lstStyle>
+            <a:lvl1pPr algn="l">
+              <a:defRPr sz="1200"/>
+            </a:lvl1pPr>
+          </a:lstStyle>
+          <a:p>
+            <a:endParaRPr lang="en-IN"/>
+          </a:p>
+        </p:txBody>
+      </p:sp>
+      <p:sp>
+        <p:nvSpPr>
+          <p:cNvPr id="3" name="Date Placeholder 2">
+            <a:extLst>
+              <a:ext uri="{FF2B5EF4-FFF2-40B4-BE49-F238E27FC236}">
+                <a16:creationId xmlns:a16="http://schemas.microsoft.com/office/drawing/2014/main" id="{748D9218-7AAF-B59C-033F-345031A9195A}"/>
+              </a:ext>
+            </a:extLst>
+          </p:cNvPr>
+          <p:cNvSpPr>
+            <a:spLocks noGrp="1"/>
+          </p:cNvSpPr>
+          <p:nvPr>
+            <p:ph type="dt" sz="quarter" idx="1"/>
+          </p:nvPr>
+        </p:nvSpPr>
+        <p:spPr>
+          <a:xfrm>
+            <a:off x="3884613" y="0"/>
+            <a:ext cx="2971800" cy="458788"/>
+          </a:xfrm>
+          <a:prstGeom prst="rect">
+            <a:avLst/>
+          </a:prstGeom>
+        </p:spPr>
+        <p:txBody>
+          <a:bodyPr vert="horz" lIns="91440" tIns="45720" rIns="91440" bIns="45720" rtlCol="0"/>
+          <a:lstStyle>
+            <a:lvl1pPr algn="r">
+              <a:defRPr sz="1200"/>
+            </a:lvl1pPr>
+          </a:lstStyle>
+          <a:p>
+            <a:fld id="{0EEBF99D-A94C-4ACE-ABB7-ED5902A7DBE5}" type="datetimeFigureOut">
+              <a:rPr lang="en-IN" smtClean="0"/>
+              <a:t>25-05-2025</a:t>
+            </a:fld>
+            <a:endParaRPr lang="en-IN"/>
+          </a:p>
+        </p:txBody>
+      </p:sp>
+      <p:sp>
+        <p:nvSpPr>
+          <p:cNvPr id="4" name="Footer Placeholder 3">
+            <a:extLst>
+              <a:ext uri="{FF2B5EF4-FFF2-40B4-BE49-F238E27FC236}">
+                <a16:creationId xmlns:a16="http://schemas.microsoft.com/office/drawing/2014/main" id="{519B03BA-038C-F74E-55B1-6757A6A644D2}"/>
+              </a:ext>
+            </a:extLst>
+          </p:cNvPr>
+          <p:cNvSpPr>
+            <a:spLocks noGrp="1"/>
+          </p:cNvSpPr>
+          <p:nvPr>
+            <p:ph type="ftr" sz="quarter" idx="2"/>
+          </p:nvPr>
+        </p:nvSpPr>
+        <p:spPr>
+          <a:xfrm>
+            <a:off x="0" y="8685213"/>
+            <a:ext cx="2971800" cy="458787"/>
+          </a:xfrm>
+          <a:prstGeom prst="rect">
+            <a:avLst/>
+          </a:prstGeom>
+        </p:spPr>
+        <p:txBody>
+          <a:bodyPr vert="horz" lIns="91440" tIns="45720" rIns="91440" bIns="45720" rtlCol="0" anchor="b"/>
+          <a:lstStyle>
+            <a:lvl1pPr algn="l">
+              <a:defRPr sz="1200"/>
+            </a:lvl1pPr>
+          </a:lstStyle>
+          <a:p>
+            <a:endParaRPr lang="en-IN"/>
+          </a:p>
+        </p:txBody>
+      </p:sp>
+      <p:sp>
+        <p:nvSpPr>
+          <p:cNvPr id="5" name="Slide Number Placeholder 4">
+            <a:extLst>
+              <a:ext uri="{FF2B5EF4-FFF2-40B4-BE49-F238E27FC236}">
+                <a16:creationId xmlns:a16="http://schemas.microsoft.com/office/drawing/2014/main" id="{2F00EAB0-7520-30DA-5458-87BAB908C379}"/>
+              </a:ext>
+            </a:extLst>
+          </p:cNvPr>
+          <p:cNvSpPr>
+            <a:spLocks noGrp="1"/>
+          </p:cNvSpPr>
+          <p:nvPr>
+            <p:ph type="sldNum" sz="quarter" idx="3"/>
+          </p:nvPr>
+        </p:nvSpPr>
+        <p:spPr>
+          <a:xfrm>
+            <a:off x="3884613" y="8685213"/>
+            <a:ext cx="2971800" cy="458787"/>
+          </a:xfrm>
+          <a:prstGeom prst="rect">
+            <a:avLst/>
+          </a:prstGeom>
+        </p:spPr>
+        <p:txBody>
+          <a:bodyPr vert="horz" lIns="91440" tIns="45720" rIns="91440" bIns="45720" rtlCol="0" anchor="b"/>
+          <a:lstStyle>
+            <a:lvl1pPr algn="r">
+              <a:defRPr sz="1200"/>
+            </a:lvl1pPr>
+          </a:lstStyle>
+          <a:p>
+            <a:fld id="{F0C15ED8-3065-4FED-9C60-127A7067C1D3}" type="slidenum">
+              <a:rPr lang="en-IN" smtClean="0"/>
+              <a:t>‹#›</a:t>
+            </a:fld>
+            <a:endParaRPr lang="en-IN"/>
+          </a:p>
+        </p:txBody>
+      </p:sp>
+    </p:spTree>
+    <p:extLst>
+      <p:ext uri="{BB962C8B-B14F-4D97-AF65-F5344CB8AC3E}">
+        <p14:creationId xmlns:p14="http://schemas.microsoft.com/office/powerpoint/2010/main" val="488035310"/>
+      </p:ext>
+    </p:extLst>
+  </p:cSld>
+  <p:clrMap bg1="lt1" tx1="dk1" bg2="lt2" tx2="dk2" accent1="accent1" accent2="accent2" accent3="accent3" accent4="accent4" accent5="accent5" accent6="accent6" hlink="hlink" folHlink="folHlink"/>
+  <p:hf hdr="0" ftr="0" dt="0"/>
+</p:handoutMaster>
+</file>
+
+<file path=ppt/notesMasters/notesMaster1.xml><?xml version="1.0" encoding="utf-8"?>
+<p:notesMaster xmlns:a="http://schemas.openxmlformats.org/drawingml/2006/main" xmlns:r="http://schemas.openxmlformats.org/officeDocument/2006/relationships" xmlns:p="http://schemas.openxmlformats.org/presentationml/2006/main">
+  <p:cSld>
+    <p:bg>
+      <p:bgRef idx="1001">
+        <a:schemeClr val="bg1"/>
+      </p:bgRef>
+    </p:bg>
+    <p:spTree>
+      <p:nvGrpSpPr>
+        <p:cNvPr id="1" name=""/>
+        <p:cNvGrpSpPr/>
+        <p:nvPr/>
+      </p:nvGrpSpPr>
+      <p:grpSpPr>
+        <a:xfrm>
+          <a:off x="0" y="0"/>
+          <a:ext cx="0" cy="0"/>
+          <a:chOff x="0" y="0"/>
+          <a:chExt cx="0" cy="0"/>
+        </a:xfrm>
+      </p:grpSpPr>
+      <p:sp>
+        <p:nvSpPr>
+          <p:cNvPr id="2" name="Header Placeholder 1"/>
+          <p:cNvSpPr>
+            <a:spLocks noGrp="1"/>
+          </p:cNvSpPr>
+          <p:nvPr>
+            <p:ph type="hdr" sz="quarter"/>
+          </p:nvPr>
+        </p:nvSpPr>
+        <p:spPr>
+          <a:xfrm>
+            <a:off x="0" y="0"/>
+            <a:ext cx="2971800" cy="458788"/>
+          </a:xfrm>
+          <a:prstGeom prst="rect">
+            <a:avLst/>
+          </a:prstGeom>
+        </p:spPr>
+        <p:txBody>
+          <a:bodyPr vert="horz" lIns="91440" tIns="45720" rIns="91440" bIns="45720" rtlCol="0"/>
+          <a:lstStyle>
+            <a:lvl1pPr algn="l">
+              <a:defRPr sz="1200"/>
+            </a:lvl1pPr>
+          </a:lstStyle>
+          <a:p>
+            <a:endParaRPr lang="en-IN"/>
+          </a:p>
+        </p:txBody>
+      </p:sp>
+      <p:sp>
+        <p:nvSpPr>
+          <p:cNvPr id="3" name="Date Placeholder 2"/>
+          <p:cNvSpPr>
+            <a:spLocks noGrp="1"/>
+          </p:cNvSpPr>
+          <p:nvPr>
+            <p:ph type="dt" idx="1"/>
+          </p:nvPr>
+        </p:nvSpPr>
+        <p:spPr>
+          <a:xfrm>
+            <a:off x="3884613" y="0"/>
+            <a:ext cx="2971800" cy="458788"/>
+          </a:xfrm>
+          <a:prstGeom prst="rect">
+            <a:avLst/>
+          </a:prstGeom>
+        </p:spPr>
+        <p:txBody>
+          <a:bodyPr vert="horz" lIns="91440" tIns="45720" rIns="91440" bIns="45720" rtlCol="0"/>
+          <a:lstStyle>
+            <a:lvl1pPr algn="r">
+              <a:defRPr sz="1200"/>
+            </a:lvl1pPr>
+          </a:lstStyle>
+          <a:p>
+            <a:fld id="{6EA7C7CE-6F0C-4E71-B520-9461545357C0}" type="datetimeFigureOut">
+              <a:rPr lang="en-IN" smtClean="0"/>
+              <a:t>25-05-2025</a:t>
+            </a:fld>
+            <a:endParaRPr lang="en-IN"/>
+          </a:p>
+        </p:txBody>
+      </p:sp>
+      <p:sp>
+        <p:nvSpPr>
+          <p:cNvPr id="4" name="Slide Image Placeholder 3"/>
+          <p:cNvSpPr>
+            <a:spLocks noGrp="1" noRot="1" noChangeAspect="1"/>
+          </p:cNvSpPr>
+          <p:nvPr>
+            <p:ph type="sldImg" idx="2"/>
+          </p:nvPr>
+        </p:nvSpPr>
+        <p:spPr>
+          <a:xfrm>
+            <a:off x="1200150" y="1143000"/>
+            <a:ext cx="4457700" cy="3086100"/>
+          </a:xfrm>
+          <a:prstGeom prst="rect">
+            <a:avLst/>
+          </a:prstGeom>
+          <a:noFill/>
+          <a:ln w="12700">
+            <a:solidFill>
+              <a:prstClr val="black"/>
+            </a:solidFill>
+          </a:ln>
+        </p:spPr>
+        <p:txBody>
+          <a:bodyPr vert="horz" lIns="91440" tIns="45720" rIns="91440" bIns="45720" rtlCol="0" anchor="ctr"/>
+          <a:lstStyle/>
+          <a:p>
+            <a:endParaRPr lang="en-IN"/>
+          </a:p>
+        </p:txBody>
+      </p:sp>
+      <p:sp>
+        <p:nvSpPr>
+          <p:cNvPr id="5" name="Notes Placeholder 4"/>
+          <p:cNvSpPr>
+            <a:spLocks noGrp="1"/>
+          </p:cNvSpPr>
+          <p:nvPr>
+            <p:ph type="body" sz="quarter" idx="3"/>
+          </p:nvPr>
+        </p:nvSpPr>
+        <p:spPr>
+          <a:xfrm>
+            <a:off x="685800" y="4400550"/>
+            <a:ext cx="5486400" cy="3600450"/>
+          </a:xfrm>
+          <a:prstGeom prst="rect">
+            <a:avLst/>
+          </a:prstGeom>
+        </p:spPr>
+        <p:txBody>
+          <a:bodyPr vert="horz" lIns="91440" tIns="45720" rIns="91440" bIns="45720" rtlCol="0"/>
+          <a:lstStyle/>
+          <a:p>
+            <a:pPr lvl="0"/>
+            <a:r>
+              <a:rPr lang="en-US"/>
+              <a:t>Click to edit Master text styles</a:t>
+            </a:r>
+          </a:p>
+          <a:p>
+            <a:pPr lvl="1"/>
+            <a:r>
+              <a:rPr lang="en-US"/>
+              <a:t>Second level</a:t>
+            </a:r>
+          </a:p>
+          <a:p>
+            <a:pPr lvl="2"/>
+            <a:r>
+              <a:rPr lang="en-US"/>
+              <a:t>Third level</a:t>
+            </a:r>
+          </a:p>
+          <a:p>
+            <a:pPr lvl="3"/>
+            <a:r>
+              <a:rPr lang="en-US"/>
+              <a:t>Fourth level</a:t>
+            </a:r>
+          </a:p>
+          <a:p>
+            <a:pPr lvl="4"/>
+            <a:r>
+              <a:rPr lang="en-US"/>
+              <a:t>Fifth level</a:t>
+            </a:r>
+            <a:endParaRPr lang="en-IN"/>
+          </a:p>
+        </p:txBody>
+      </p:sp>
+      <p:sp>
+        <p:nvSpPr>
+          <p:cNvPr id="6" name="Footer Placeholder 5"/>
+          <p:cNvSpPr>
+            <a:spLocks noGrp="1"/>
+          </p:cNvSpPr>
+          <p:nvPr>
+            <p:ph type="ftr" sz="quarter" idx="4"/>
+          </p:nvPr>
+        </p:nvSpPr>
+        <p:spPr>
+          <a:xfrm>
+            <a:off x="0" y="8685213"/>
+            <a:ext cx="2971800" cy="458787"/>
+          </a:xfrm>
+          <a:prstGeom prst="rect">
+            <a:avLst/>
+          </a:prstGeom>
+        </p:spPr>
+        <p:txBody>
+          <a:bodyPr vert="horz" lIns="91440" tIns="45720" rIns="91440" bIns="45720" rtlCol="0" anchor="b"/>
+          <a:lstStyle>
+            <a:lvl1pPr algn="l">
+              <a:defRPr sz="1200"/>
+            </a:lvl1pPr>
+          </a:lstStyle>
+          <a:p>
+            <a:endParaRPr lang="en-IN"/>
+          </a:p>
+        </p:txBody>
+      </p:sp>
+      <p:sp>
+        <p:nvSpPr>
+          <p:cNvPr id="7" name="Slide Number Placeholder 6"/>
+          <p:cNvSpPr>
+            <a:spLocks noGrp="1"/>
+          </p:cNvSpPr>
+          <p:nvPr>
+            <p:ph type="sldNum" sz="quarter" idx="5"/>
+          </p:nvPr>
+        </p:nvSpPr>
+        <p:spPr>
+          <a:xfrm>
+            <a:off x="3884613" y="8685213"/>
+            <a:ext cx="2971800" cy="458787"/>
+          </a:xfrm>
+          <a:prstGeom prst="rect">
+            <a:avLst/>
+          </a:prstGeom>
+        </p:spPr>
+        <p:txBody>
+          <a:bodyPr vert="horz" lIns="91440" tIns="45720" rIns="91440" bIns="45720" rtlCol="0" anchor="b"/>
+          <a:lstStyle>
+            <a:lvl1pPr algn="r">
+              <a:defRPr sz="1200"/>
+            </a:lvl1pPr>
+          </a:lstStyle>
+          <a:p>
+            <a:fld id="{50112C45-52B2-4A53-9C9D-3D2C781549A6}" type="slidenum">
+              <a:rPr lang="en-IN" smtClean="0"/>
+              <a:t>‹#›</a:t>
+            </a:fld>
+            <a:endParaRPr lang="en-IN"/>
+          </a:p>
+        </p:txBody>
+      </p:sp>
+    </p:spTree>
+    <p:extLst>
+      <p:ext uri="{BB962C8B-B14F-4D97-AF65-F5344CB8AC3E}">
+        <p14:creationId xmlns:p14="http://schemas.microsoft.com/office/powerpoint/2010/main" val="1226889487"/>
+      </p:ext>
+    </p:extLst>
+  </p:cSld>
+  <p:clrMap bg1="lt1" tx1="dk1" bg2="lt2" tx2="dk2" accent1="accent1" accent2="accent2" accent3="accent3" accent4="accent4" accent5="accent5" accent6="accent6" hlink="hlink" folHlink="folHlink"/>
+  <p:hf hdr="0" ftr="0" dt="0"/>
+  <p:notesStyle>
+    <a:lvl1pPr marL="0" algn="l" defTabSz="914400" rtl="0" eaLnBrk="1" latinLnBrk="0" hangingPunct="1">
+      <a:defRPr sz="1200" kern="1200">
+        <a:solidFill>
+          <a:schemeClr val="tx1"/>
+        </a:solidFill>
+        <a:latin typeface="+mn-lt"/>
+        <a:ea typeface="+mn-ea"/>
+        <a:cs typeface="+mn-cs"/>
+      </a:defRPr>
+    </a:lvl1pPr>
+    <a:lvl2pPr marL="457200" algn="l" defTabSz="914400" rtl="0" eaLnBrk="1" latinLnBrk="0" hangingPunct="1">
+      <a:defRPr sz="1200" kern="1200">
+        <a:solidFill>
+          <a:schemeClr val="tx1"/>
+        </a:solidFill>
+        <a:latin typeface="+mn-lt"/>
+        <a:ea typeface="+mn-ea"/>
+        <a:cs typeface="+mn-cs"/>
+      </a:defRPr>
+    </a:lvl2pPr>
+    <a:lvl3pPr marL="914400" algn="l" defTabSz="914400" rtl="0" eaLnBrk="1" latinLnBrk="0" hangingPunct="1">
+      <a:defRPr sz="1200" kern="1200">
+        <a:solidFill>
+          <a:schemeClr val="tx1"/>
+        </a:solidFill>
+        <a:latin typeface="+mn-lt"/>
+        <a:ea typeface="+mn-ea"/>
+        <a:cs typeface="+mn-cs"/>
+      </a:defRPr>
+    </a:lvl3pPr>
+    <a:lvl4pPr marL="1371600" algn="l" defTabSz="914400" rtl="0" eaLnBrk="1" latinLnBrk="0" hangingPunct="1">
+      <a:defRPr sz="1200" kern="1200">
+        <a:solidFill>
+          <a:schemeClr val="tx1"/>
+        </a:solidFill>
+        <a:latin typeface="+mn-lt"/>
+        <a:ea typeface="+mn-ea"/>
+        <a:cs typeface="+mn-cs"/>
+      </a:defRPr>
+    </a:lvl4pPr>
+    <a:lvl5pPr marL="1828800" algn="l" defTabSz="914400" rtl="0" eaLnBrk="1" latinLnBrk="0" hangingPunct="1">
+      <a:defRPr sz="1200" kern="1200">
+        <a:solidFill>
+          <a:schemeClr val="tx1"/>
+        </a:solidFill>
+        <a:latin typeface="+mn-lt"/>
+        <a:ea typeface="+mn-ea"/>
+        <a:cs typeface="+mn-cs"/>
+      </a:defRPr>
+    </a:lvl5pPr>
+    <a:lvl6pPr marL="2286000" algn="l" defTabSz="914400" rtl="0" eaLnBrk="1" latinLnBrk="0" hangingPunct="1">
+      <a:defRPr sz="1200" kern="1200">
+        <a:solidFill>
+          <a:schemeClr val="tx1"/>
+        </a:solidFill>
+        <a:latin typeface="+mn-lt"/>
+        <a:ea typeface="+mn-ea"/>
+        <a:cs typeface="+mn-cs"/>
+      </a:defRPr>
+    </a:lvl6pPr>
+    <a:lvl7pPr marL="2743200" algn="l" defTabSz="914400" rtl="0" eaLnBrk="1" latinLnBrk="0" hangingPunct="1">
+      <a:defRPr sz="1200" kern="1200">
+        <a:solidFill>
+          <a:schemeClr val="tx1"/>
+        </a:solidFill>
+        <a:latin typeface="+mn-lt"/>
+        <a:ea typeface="+mn-ea"/>
+        <a:cs typeface="+mn-cs"/>
+      </a:defRPr>
+    </a:lvl7pPr>
+    <a:lvl8pPr marL="3200400" algn="l" defTabSz="914400" rtl="0" eaLnBrk="1" latinLnBrk="0" hangingPunct="1">
+      <a:defRPr sz="1200" kern="1200">
+        <a:solidFill>
+          <a:schemeClr val="tx1"/>
+        </a:solidFill>
+        <a:latin typeface="+mn-lt"/>
+        <a:ea typeface="+mn-ea"/>
+        <a:cs typeface="+mn-cs"/>
+      </a:defRPr>
+    </a:lvl8pPr>
+    <a:lvl9pPr marL="3657600" algn="l" defTabSz="914400" rtl="0" eaLnBrk="1" latinLnBrk="0" hangingPunct="1">
+      <a:defRPr sz="1200" kern="1200">
+        <a:solidFill>
+          <a:schemeClr val="tx1"/>
+        </a:solidFill>
+        <a:latin typeface="+mn-lt"/>
+        <a:ea typeface="+mn-ea"/>
+        <a:cs typeface="+mn-cs"/>
+      </a:defRPr>
+    </a:lvl9pPr>
+  </p:notesStyle>
+</p:notesMaster>
 </file>
 
 <file path=ppt/slideLayouts/slideLayout1.xml><?xml version="1.0" encoding="utf-8"?>
@@ -315,7 +1323,7 @@
           <a:p>
             <a:fld id="{F1102B08-ED9E-409F-B95F-09CAA1DAF6E0}" type="datetimeFigureOut">
               <a:rPr lang="en-IN" smtClean="0"/>
-              <a:t>17-05-2025</a:t>
+              <a:t>25-05-2025</a:t>
             </a:fld>
             <a:endParaRPr lang="en-IN"/>
           </a:p>
@@ -377,6 +1385,263 @@
 </file>
 
 <file path=ppt/slideLayouts/slideLayout10.xml><?xml version="1.0" encoding="utf-8"?>
+<p:sldLayout xmlns:a="http://schemas.openxmlformats.org/drawingml/2006/main" xmlns:r="http://schemas.openxmlformats.org/officeDocument/2006/relationships" xmlns:p="http://schemas.openxmlformats.org/presentationml/2006/main" type="picTx" preserve="1">
+  <p:cSld name="Picture with Caption">
+    <p:spTree>
+      <p:nvGrpSpPr>
+        <p:cNvPr id="1" name=""/>
+        <p:cNvGrpSpPr/>
+        <p:nvPr/>
+      </p:nvGrpSpPr>
+      <p:grpSpPr>
+        <a:xfrm>
+          <a:off x="0" y="0"/>
+          <a:ext cx="0" cy="0"/>
+          <a:chOff x="0" y="0"/>
+          <a:chExt cx="0" cy="0"/>
+        </a:xfrm>
+      </p:grpSpPr>
+      <p:sp>
+        <p:nvSpPr>
+          <p:cNvPr id="2" name="Title 1"/>
+          <p:cNvSpPr>
+            <a:spLocks noGrp="1"/>
+          </p:cNvSpPr>
+          <p:nvPr>
+            <p:ph type="title"/>
+          </p:nvPr>
+        </p:nvSpPr>
+        <p:spPr>
+          <a:xfrm>
+            <a:off x="682328" y="457200"/>
+            <a:ext cx="3194943" cy="1600200"/>
+          </a:xfrm>
+        </p:spPr>
+        <p:txBody>
+          <a:bodyPr anchor="b"/>
+          <a:lstStyle>
+            <a:lvl1pPr>
+              <a:defRPr sz="3200"/>
+            </a:lvl1pPr>
+          </a:lstStyle>
+          <a:p>
+            <a:r>
+              <a:rPr lang="en-US"/>
+              <a:t>Click to edit Master title style</a:t>
+            </a:r>
+            <a:endParaRPr lang="en-US" dirty="0"/>
+          </a:p>
+        </p:txBody>
+      </p:sp>
+      <p:sp>
+        <p:nvSpPr>
+          <p:cNvPr id="3" name="Picture Placeholder 2"/>
+          <p:cNvSpPr>
+            <a:spLocks noGrp="1" noChangeAspect="1"/>
+          </p:cNvSpPr>
+          <p:nvPr>
+            <p:ph type="pic" idx="1"/>
+          </p:nvPr>
+        </p:nvSpPr>
+        <p:spPr>
+          <a:xfrm>
+            <a:off x="4211340" y="987427"/>
+            <a:ext cx="5014913" cy="4873625"/>
+          </a:xfrm>
+        </p:spPr>
+        <p:txBody>
+          <a:bodyPr anchor="t"/>
+          <a:lstStyle>
+            <a:lvl1pPr marL="0" indent="0">
+              <a:buNone/>
+              <a:defRPr sz="3200"/>
+            </a:lvl1pPr>
+            <a:lvl2pPr marL="457200" indent="0">
+              <a:buNone/>
+              <a:defRPr sz="2800"/>
+            </a:lvl2pPr>
+            <a:lvl3pPr marL="914400" indent="0">
+              <a:buNone/>
+              <a:defRPr sz="2400"/>
+            </a:lvl3pPr>
+            <a:lvl4pPr marL="1371600" indent="0">
+              <a:buNone/>
+              <a:defRPr sz="2000"/>
+            </a:lvl4pPr>
+            <a:lvl5pPr marL="1828800" indent="0">
+              <a:buNone/>
+              <a:defRPr sz="2000"/>
+            </a:lvl5pPr>
+            <a:lvl6pPr marL="2286000" indent="0">
+              <a:buNone/>
+              <a:defRPr sz="2000"/>
+            </a:lvl6pPr>
+            <a:lvl7pPr marL="2743200" indent="0">
+              <a:buNone/>
+              <a:defRPr sz="2000"/>
+            </a:lvl7pPr>
+            <a:lvl8pPr marL="3200400" indent="0">
+              <a:buNone/>
+              <a:defRPr sz="2000"/>
+            </a:lvl8pPr>
+            <a:lvl9pPr marL="3657600" indent="0">
+              <a:buNone/>
+              <a:defRPr sz="2000"/>
+            </a:lvl9pPr>
+          </a:lstStyle>
+          <a:p>
+            <a:r>
+              <a:rPr lang="en-US"/>
+              <a:t>Click icon to add picture</a:t>
+            </a:r>
+            <a:endParaRPr lang="en-US" dirty="0"/>
+          </a:p>
+        </p:txBody>
+      </p:sp>
+      <p:sp>
+        <p:nvSpPr>
+          <p:cNvPr id="4" name="Text Placeholder 3"/>
+          <p:cNvSpPr>
+            <a:spLocks noGrp="1"/>
+          </p:cNvSpPr>
+          <p:nvPr>
+            <p:ph type="body" sz="half" idx="2"/>
+          </p:nvPr>
+        </p:nvSpPr>
+        <p:spPr>
+          <a:xfrm>
+            <a:off x="682328" y="2057400"/>
+            <a:ext cx="3194943" cy="3811588"/>
+          </a:xfrm>
+        </p:spPr>
+        <p:txBody>
+          <a:bodyPr/>
+          <a:lstStyle>
+            <a:lvl1pPr marL="0" indent="0">
+              <a:buNone/>
+              <a:defRPr sz="1600"/>
+            </a:lvl1pPr>
+            <a:lvl2pPr marL="457200" indent="0">
+              <a:buNone/>
+              <a:defRPr sz="1400"/>
+            </a:lvl2pPr>
+            <a:lvl3pPr marL="914400" indent="0">
+              <a:buNone/>
+              <a:defRPr sz="1200"/>
+            </a:lvl3pPr>
+            <a:lvl4pPr marL="1371600" indent="0">
+              <a:buNone/>
+              <a:defRPr sz="1000"/>
+            </a:lvl4pPr>
+            <a:lvl5pPr marL="1828800" indent="0">
+              <a:buNone/>
+              <a:defRPr sz="1000"/>
+            </a:lvl5pPr>
+            <a:lvl6pPr marL="2286000" indent="0">
+              <a:buNone/>
+              <a:defRPr sz="1000"/>
+            </a:lvl6pPr>
+            <a:lvl7pPr marL="2743200" indent="0">
+              <a:buNone/>
+              <a:defRPr sz="1000"/>
+            </a:lvl7pPr>
+            <a:lvl8pPr marL="3200400" indent="0">
+              <a:buNone/>
+              <a:defRPr sz="1000"/>
+            </a:lvl8pPr>
+            <a:lvl9pPr marL="3657600" indent="0">
+              <a:buNone/>
+              <a:defRPr sz="1000"/>
+            </a:lvl9pPr>
+          </a:lstStyle>
+          <a:p>
+            <a:pPr lvl="0"/>
+            <a:r>
+              <a:rPr lang="en-US"/>
+              <a:t>Click to edit Master text styles</a:t>
+            </a:r>
+          </a:p>
+        </p:txBody>
+      </p:sp>
+      <p:sp>
+        <p:nvSpPr>
+          <p:cNvPr id="5" name="Date Placeholder 4"/>
+          <p:cNvSpPr>
+            <a:spLocks noGrp="1"/>
+          </p:cNvSpPr>
+          <p:nvPr>
+            <p:ph type="dt" sz="half" idx="10"/>
+          </p:nvPr>
+        </p:nvSpPr>
+        <p:spPr/>
+        <p:txBody>
+          <a:bodyPr/>
+          <a:lstStyle/>
+          <a:p>
+            <a:fld id="{F1102B08-ED9E-409F-B95F-09CAA1DAF6E0}" type="datetimeFigureOut">
+              <a:rPr lang="en-IN" smtClean="0"/>
+              <a:t>25-05-2025</a:t>
+            </a:fld>
+            <a:endParaRPr lang="en-IN"/>
+          </a:p>
+        </p:txBody>
+      </p:sp>
+      <p:sp>
+        <p:nvSpPr>
+          <p:cNvPr id="6" name="Footer Placeholder 5"/>
+          <p:cNvSpPr>
+            <a:spLocks noGrp="1"/>
+          </p:cNvSpPr>
+          <p:nvPr>
+            <p:ph type="ftr" sz="quarter" idx="11"/>
+          </p:nvPr>
+        </p:nvSpPr>
+        <p:spPr/>
+        <p:txBody>
+          <a:bodyPr/>
+          <a:lstStyle/>
+          <a:p>
+            <a:endParaRPr lang="en-IN"/>
+          </a:p>
+        </p:txBody>
+      </p:sp>
+      <p:sp>
+        <p:nvSpPr>
+          <p:cNvPr id="7" name="Slide Number Placeholder 6"/>
+          <p:cNvSpPr>
+            <a:spLocks noGrp="1"/>
+          </p:cNvSpPr>
+          <p:nvPr>
+            <p:ph type="sldNum" sz="quarter" idx="12"/>
+          </p:nvPr>
+        </p:nvSpPr>
+        <p:spPr/>
+        <p:txBody>
+          <a:bodyPr/>
+          <a:lstStyle/>
+          <a:p>
+            <a:fld id="{FFB8F3A4-3E22-4F35-B466-DE3DF09E7F44}" type="slidenum">
+              <a:rPr lang="en-IN" smtClean="0"/>
+              <a:t>‹#›</a:t>
+            </a:fld>
+            <a:endParaRPr lang="en-IN"/>
+          </a:p>
+        </p:txBody>
+      </p:sp>
+    </p:spTree>
+    <p:extLst>
+      <p:ext uri="{BB962C8B-B14F-4D97-AF65-F5344CB8AC3E}">
+        <p14:creationId xmlns:p14="http://schemas.microsoft.com/office/powerpoint/2010/main" val="3451578649"/>
+      </p:ext>
+    </p:extLst>
+  </p:cSld>
+  <p:clrMapOvr>
+    <a:masterClrMapping/>
+  </p:clrMapOvr>
+</p:sldLayout>
+</file>
+
+<file path=ppt/slideLayouts/slideLayout11.xml><?xml version="1.0" encoding="utf-8"?>
 <p:sldLayout xmlns:a="http://schemas.openxmlformats.org/drawingml/2006/main" xmlns:r="http://schemas.openxmlformats.org/officeDocument/2006/relationships" xmlns:p="http://schemas.openxmlformats.org/presentationml/2006/main" type="vertTx" preserve="1">
   <p:cSld name="Title and Vertical Text">
     <p:spTree>
@@ -485,7 +1750,7 @@
           <a:p>
             <a:fld id="{F1102B08-ED9E-409F-B95F-09CAA1DAF6E0}" type="datetimeFigureOut">
               <a:rPr lang="en-IN" smtClean="0"/>
-              <a:t>17-05-2025</a:t>
+              <a:t>25-05-2025</a:t>
             </a:fld>
             <a:endParaRPr lang="en-IN"/>
           </a:p>
@@ -546,7 +1811,7 @@
 </p:sldLayout>
 </file>
 
-<file path=ppt/slideLayouts/slideLayout11.xml><?xml version="1.0" encoding="utf-8"?>
+<file path=ppt/slideLayouts/slideLayout12.xml><?xml version="1.0" encoding="utf-8"?>
 <p:sldLayout xmlns:a="http://schemas.openxmlformats.org/drawingml/2006/main" xmlns:r="http://schemas.openxmlformats.org/officeDocument/2006/relationships" xmlns:p="http://schemas.openxmlformats.org/presentationml/2006/main" type="vertTitleAndTx" preserve="1">
   <p:cSld name="Vertical Title and Text">
     <p:spTree>
@@ -665,7 +1930,7 @@
           <a:p>
             <a:fld id="{F1102B08-ED9E-409F-B95F-09CAA1DAF6E0}" type="datetimeFigureOut">
               <a:rPr lang="en-IN" smtClean="0"/>
-              <a:t>17-05-2025</a:t>
+              <a:t>25-05-2025</a:t>
             </a:fld>
             <a:endParaRPr lang="en-IN"/>
           </a:p>
@@ -727,6 +1992,266 @@
 </file>
 
 <file path=ppt/slideLayouts/slideLayout2.xml><?xml version="1.0" encoding="utf-8"?>
+<p:sldLayout xmlns:a="http://schemas.openxmlformats.org/drawingml/2006/main" xmlns:r="http://schemas.openxmlformats.org/officeDocument/2006/relationships" xmlns:p="http://schemas.openxmlformats.org/presentationml/2006/main" preserve="1" userDrawn="1">
+  <p:cSld name="date-slide">
+    <p:spTree>
+      <p:nvGrpSpPr>
+        <p:cNvPr id="1" name=""/>
+        <p:cNvGrpSpPr/>
+        <p:nvPr/>
+      </p:nvGrpSpPr>
+      <p:grpSpPr>
+        <a:xfrm>
+          <a:off x="0" y="0"/>
+          <a:ext cx="0" cy="0"/>
+          <a:chOff x="0" y="0"/>
+          <a:chExt cx="0" cy="0"/>
+        </a:xfrm>
+      </p:grpSpPr>
+      <p:sp>
+        <p:nvSpPr>
+          <p:cNvPr id="2" name="Date Placeholder 3">
+            <a:extLst>
+              <a:ext uri="{FF2B5EF4-FFF2-40B4-BE49-F238E27FC236}">
+                <a16:creationId xmlns:a16="http://schemas.microsoft.com/office/drawing/2014/main" id="{E7134C41-B3A1-4819-B524-97527F10B2E1}"/>
+              </a:ext>
+            </a:extLst>
+          </p:cNvPr>
+          <p:cNvSpPr txBox="1">
+            <a:spLocks/>
+          </p:cNvSpPr>
+          <p:nvPr userDrawn="1"/>
+        </p:nvSpPr>
+        <p:spPr>
+          <a:xfrm>
+            <a:off x="8239660" y="6516796"/>
+            <a:ext cx="2228850" cy="365125"/>
+          </a:xfrm>
+          <a:prstGeom prst="rect">
+            <a:avLst/>
+          </a:prstGeom>
+        </p:spPr>
+        <p:txBody>
+          <a:bodyPr vert="horz" lIns="91440" tIns="45720" rIns="91440" bIns="45720" rtlCol="0" anchor="ctr"/>
+          <a:lstStyle>
+            <a:defPPr>
+              <a:defRPr lang="en-US"/>
+            </a:defPPr>
+            <a:lvl1pPr marL="0" algn="ctr" defTabSz="457200" rtl="0" eaLnBrk="1" latinLnBrk="0" hangingPunct="1">
+              <a:defRPr sz="1200" b="1" kern="1200">
+                <a:solidFill>
+                  <a:schemeClr val="tx1"/>
+                </a:solidFill>
+                <a:latin typeface="+mn-lt"/>
+                <a:ea typeface="+mn-ea"/>
+                <a:cs typeface="+mn-cs"/>
+              </a:defRPr>
+            </a:lvl1pPr>
+            <a:lvl2pPr marL="457200" algn="l" defTabSz="457200" rtl="0" eaLnBrk="1" latinLnBrk="0" hangingPunct="1">
+              <a:defRPr sz="1800" kern="1200">
+                <a:solidFill>
+                  <a:schemeClr val="tx1"/>
+                </a:solidFill>
+                <a:latin typeface="+mn-lt"/>
+                <a:ea typeface="+mn-ea"/>
+                <a:cs typeface="+mn-cs"/>
+              </a:defRPr>
+            </a:lvl2pPr>
+            <a:lvl3pPr marL="914400" algn="l" defTabSz="457200" rtl="0" eaLnBrk="1" latinLnBrk="0" hangingPunct="1">
+              <a:defRPr sz="1800" kern="1200">
+                <a:solidFill>
+                  <a:schemeClr val="tx1"/>
+                </a:solidFill>
+                <a:latin typeface="+mn-lt"/>
+                <a:ea typeface="+mn-ea"/>
+                <a:cs typeface="+mn-cs"/>
+              </a:defRPr>
+            </a:lvl3pPr>
+            <a:lvl4pPr marL="1371600" algn="l" defTabSz="457200" rtl="0" eaLnBrk="1" latinLnBrk="0" hangingPunct="1">
+              <a:defRPr sz="1800" kern="1200">
+                <a:solidFill>
+                  <a:schemeClr val="tx1"/>
+                </a:solidFill>
+                <a:latin typeface="+mn-lt"/>
+                <a:ea typeface="+mn-ea"/>
+                <a:cs typeface="+mn-cs"/>
+              </a:defRPr>
+            </a:lvl4pPr>
+            <a:lvl5pPr marL="1828800" algn="l" defTabSz="457200" rtl="0" eaLnBrk="1" latinLnBrk="0" hangingPunct="1">
+              <a:defRPr sz="1800" kern="1200">
+                <a:solidFill>
+                  <a:schemeClr val="tx1"/>
+                </a:solidFill>
+                <a:latin typeface="+mn-lt"/>
+                <a:ea typeface="+mn-ea"/>
+                <a:cs typeface="+mn-cs"/>
+              </a:defRPr>
+            </a:lvl5pPr>
+            <a:lvl6pPr marL="2286000" algn="l" defTabSz="457200" rtl="0" eaLnBrk="1" latinLnBrk="0" hangingPunct="1">
+              <a:defRPr sz="1800" kern="1200">
+                <a:solidFill>
+                  <a:schemeClr val="tx1"/>
+                </a:solidFill>
+                <a:latin typeface="+mn-lt"/>
+                <a:ea typeface="+mn-ea"/>
+                <a:cs typeface="+mn-cs"/>
+              </a:defRPr>
+            </a:lvl6pPr>
+            <a:lvl7pPr marL="2743200" algn="l" defTabSz="457200" rtl="0" eaLnBrk="1" latinLnBrk="0" hangingPunct="1">
+              <a:defRPr sz="1800" kern="1200">
+                <a:solidFill>
+                  <a:schemeClr val="tx1"/>
+                </a:solidFill>
+                <a:latin typeface="+mn-lt"/>
+                <a:ea typeface="+mn-ea"/>
+                <a:cs typeface="+mn-cs"/>
+              </a:defRPr>
+            </a:lvl7pPr>
+            <a:lvl8pPr marL="3200400" algn="l" defTabSz="457200" rtl="0" eaLnBrk="1" latinLnBrk="0" hangingPunct="1">
+              <a:defRPr sz="1800" kern="1200">
+                <a:solidFill>
+                  <a:schemeClr val="tx1"/>
+                </a:solidFill>
+                <a:latin typeface="+mn-lt"/>
+                <a:ea typeface="+mn-ea"/>
+                <a:cs typeface="+mn-cs"/>
+              </a:defRPr>
+            </a:lvl8pPr>
+            <a:lvl9pPr marL="3657600" algn="l" defTabSz="457200" rtl="0" eaLnBrk="1" latinLnBrk="0" hangingPunct="1">
+              <a:defRPr sz="1800" kern="1200">
+                <a:solidFill>
+                  <a:schemeClr val="tx1"/>
+                </a:solidFill>
+                <a:latin typeface="+mn-lt"/>
+                <a:ea typeface="+mn-ea"/>
+                <a:cs typeface="+mn-cs"/>
+              </a:defRPr>
+            </a:lvl9pPr>
+          </a:lstStyle>
+          <a:p>
+            <a:fld id="{F1102B08-ED9E-409F-B95F-09CAA1DAF6E0}" type="datetimeFigureOut">
+              <a:rPr lang="en-IN" b="0" smtClean="0"/>
+              <a:pPr/>
+              <a:t>25-05-2025</a:t>
+            </a:fld>
+            <a:endParaRPr lang="en-IN" b="0" dirty="0"/>
+          </a:p>
+        </p:txBody>
+      </p:sp>
+      <p:sp>
+        <p:nvSpPr>
+          <p:cNvPr id="6" name="Rectangle: Rounded Corners 5">
+            <a:extLst>
+              <a:ext uri="{FF2B5EF4-FFF2-40B4-BE49-F238E27FC236}">
+                <a16:creationId xmlns:a16="http://schemas.microsoft.com/office/drawing/2014/main" id="{7C27A430-915D-82F6-029F-807C646A6472}"/>
+              </a:ext>
+            </a:extLst>
+          </p:cNvPr>
+          <p:cNvSpPr/>
+          <p:nvPr userDrawn="1"/>
+        </p:nvSpPr>
+        <p:spPr>
+          <a:xfrm>
+            <a:off x="5029914" y="170915"/>
+            <a:ext cx="4657457" cy="6399085"/>
+          </a:xfrm>
+          <a:prstGeom prst="roundRect">
+            <a:avLst>
+              <a:gd name="adj" fmla="val 2366"/>
+            </a:avLst>
+          </a:prstGeom>
+          <a:noFill/>
+          <a:ln w="3175"/>
+        </p:spPr>
+        <p:style>
+          <a:lnRef idx="2">
+            <a:schemeClr val="accent1">
+              <a:shade val="15000"/>
+            </a:schemeClr>
+          </a:lnRef>
+          <a:fillRef idx="1">
+            <a:schemeClr val="accent1"/>
+          </a:fillRef>
+          <a:effectRef idx="0">
+            <a:schemeClr val="accent1"/>
+          </a:effectRef>
+          <a:fontRef idx="minor">
+            <a:schemeClr val="lt1"/>
+          </a:fontRef>
+        </p:style>
+        <p:txBody>
+          <a:bodyPr rtlCol="0" anchor="ctr"/>
+          <a:lstStyle/>
+          <a:p>
+            <a:pPr algn="ctr"/>
+            <a:endParaRPr lang="en-IN"/>
+          </a:p>
+        </p:txBody>
+      </p:sp>
+      <p:sp>
+        <p:nvSpPr>
+          <p:cNvPr id="7" name="Rectangle: Rounded Corners 6">
+            <a:extLst>
+              <a:ext uri="{FF2B5EF4-FFF2-40B4-BE49-F238E27FC236}">
+                <a16:creationId xmlns:a16="http://schemas.microsoft.com/office/drawing/2014/main" id="{0A1D0023-F5DF-8DC1-8B63-8D0A6DE75D18}"/>
+              </a:ext>
+            </a:extLst>
+          </p:cNvPr>
+          <p:cNvSpPr/>
+          <p:nvPr userDrawn="1"/>
+        </p:nvSpPr>
+        <p:spPr>
+          <a:xfrm>
+            <a:off x="235723" y="170915"/>
+            <a:ext cx="4657457" cy="6399085"/>
+          </a:xfrm>
+          <a:prstGeom prst="roundRect">
+            <a:avLst>
+              <a:gd name="adj" fmla="val 2366"/>
+            </a:avLst>
+          </a:prstGeom>
+          <a:noFill/>
+          <a:ln w="3175"/>
+        </p:spPr>
+        <p:style>
+          <a:lnRef idx="2">
+            <a:schemeClr val="accent1">
+              <a:shade val="15000"/>
+            </a:schemeClr>
+          </a:lnRef>
+          <a:fillRef idx="1">
+            <a:schemeClr val="accent1"/>
+          </a:fillRef>
+          <a:effectRef idx="0">
+            <a:schemeClr val="accent1"/>
+          </a:effectRef>
+          <a:fontRef idx="minor">
+            <a:schemeClr val="lt1"/>
+          </a:fontRef>
+        </p:style>
+        <p:txBody>
+          <a:bodyPr rtlCol="0" anchor="ctr"/>
+          <a:lstStyle/>
+          <a:p>
+            <a:pPr lvl="0" algn="ctr"/>
+            <a:endParaRPr lang="en-IN"/>
+          </a:p>
+        </p:txBody>
+      </p:sp>
+    </p:spTree>
+    <p:extLst>
+      <p:ext uri="{BB962C8B-B14F-4D97-AF65-F5344CB8AC3E}">
+        <p14:creationId xmlns:p14="http://schemas.microsoft.com/office/powerpoint/2010/main" val="4179781353"/>
+      </p:ext>
+    </p:extLst>
+  </p:cSld>
+  <p:clrMapOvr>
+    <a:masterClrMapping/>
+  </p:clrMapOvr>
+</p:sldLayout>
+</file>
+
+<file path=ppt/slideLayouts/slideLayout3.xml><?xml version="1.0" encoding="utf-8"?>
 <p:sldLayout xmlns:a="http://schemas.openxmlformats.org/drawingml/2006/main" xmlns:r="http://schemas.openxmlformats.org/officeDocument/2006/relationships" xmlns:p="http://schemas.openxmlformats.org/presentationml/2006/main" type="obj" preserve="1">
   <p:cSld name="Title and Content">
     <p:spTree>
@@ -835,7 +2360,7 @@
           <a:p>
             <a:fld id="{F1102B08-ED9E-409F-B95F-09CAA1DAF6E0}" type="datetimeFigureOut">
               <a:rPr lang="en-IN" smtClean="0"/>
-              <a:t>17-05-2025</a:t>
+              <a:t>25-05-2025</a:t>
             </a:fld>
             <a:endParaRPr lang="en-IN"/>
           </a:p>
@@ -896,7 +2421,7 @@
 </p:sldLayout>
 </file>
 
-<file path=ppt/slideLayouts/slideLayout3.xml><?xml version="1.0" encoding="utf-8"?>
+<file path=ppt/slideLayouts/slideLayout4.xml><?xml version="1.0" encoding="utf-8"?>
 <p:sldLayout xmlns:a="http://schemas.openxmlformats.org/drawingml/2006/main" xmlns:r="http://schemas.openxmlformats.org/officeDocument/2006/relationships" xmlns:p="http://schemas.openxmlformats.org/presentationml/2006/main" type="secHead" preserve="1">
   <p:cSld name="Section Header">
     <p:spTree>
@@ -1079,7 +2604,7 @@
           <a:p>
             <a:fld id="{F1102B08-ED9E-409F-B95F-09CAA1DAF6E0}" type="datetimeFigureOut">
               <a:rPr lang="en-IN" smtClean="0"/>
-              <a:t>17-05-2025</a:t>
+              <a:t>25-05-2025</a:t>
             </a:fld>
             <a:endParaRPr lang="en-IN"/>
           </a:p>
@@ -1140,7 +2665,7 @@
 </p:sldLayout>
 </file>
 
-<file path=ppt/slideLayouts/slideLayout4.xml><?xml version="1.0" encoding="utf-8"?>
+<file path=ppt/slideLayouts/slideLayout5.xml><?xml version="1.0" encoding="utf-8"?>
 <p:sldLayout xmlns:a="http://schemas.openxmlformats.org/drawingml/2006/main" xmlns:r="http://schemas.openxmlformats.org/officeDocument/2006/relationships" xmlns:p="http://schemas.openxmlformats.org/presentationml/2006/main" type="twoObj" preserve="1">
   <p:cSld name="Two Content">
     <p:spTree>
@@ -1311,7 +2836,7 @@
           <a:p>
             <a:fld id="{F1102B08-ED9E-409F-B95F-09CAA1DAF6E0}" type="datetimeFigureOut">
               <a:rPr lang="en-IN" smtClean="0"/>
-              <a:t>17-05-2025</a:t>
+              <a:t>25-05-2025</a:t>
             </a:fld>
             <a:endParaRPr lang="en-IN"/>
           </a:p>
@@ -1372,7 +2897,7 @@
 </p:sldLayout>
 </file>
 
-<file path=ppt/slideLayouts/slideLayout5.xml><?xml version="1.0" encoding="utf-8"?>
+<file path=ppt/slideLayouts/slideLayout6.xml><?xml version="1.0" encoding="utf-8"?>
 <p:sldLayout xmlns:a="http://schemas.openxmlformats.org/drawingml/2006/main" xmlns:r="http://schemas.openxmlformats.org/officeDocument/2006/relationships" xmlns:p="http://schemas.openxmlformats.org/presentationml/2006/main" type="twoTxTwoObj" preserve="1">
   <p:cSld name="Comparison">
     <p:spTree>
@@ -1678,7 +3203,7 @@
           <a:p>
             <a:fld id="{F1102B08-ED9E-409F-B95F-09CAA1DAF6E0}" type="datetimeFigureOut">
               <a:rPr lang="en-IN" smtClean="0"/>
-              <a:t>17-05-2025</a:t>
+              <a:t>25-05-2025</a:t>
             </a:fld>
             <a:endParaRPr lang="en-IN"/>
           </a:p>
@@ -1739,7 +3264,7 @@
 </p:sldLayout>
 </file>
 
-<file path=ppt/slideLayouts/slideLayout6.xml><?xml version="1.0" encoding="utf-8"?>
+<file path=ppt/slideLayouts/slideLayout7.xml><?xml version="1.0" encoding="utf-8"?>
 <p:sldLayout xmlns:a="http://schemas.openxmlformats.org/drawingml/2006/main" xmlns:r="http://schemas.openxmlformats.org/officeDocument/2006/relationships" xmlns:p="http://schemas.openxmlformats.org/presentationml/2006/main" type="titleOnly" preserve="1">
   <p:cSld name="Title Only">
     <p:spTree>
@@ -1796,7 +3321,7 @@
           <a:p>
             <a:fld id="{F1102B08-ED9E-409F-B95F-09CAA1DAF6E0}" type="datetimeFigureOut">
               <a:rPr lang="en-IN" smtClean="0"/>
-              <a:t>17-05-2025</a:t>
+              <a:t>25-05-2025</a:t>
             </a:fld>
             <a:endParaRPr lang="en-IN"/>
           </a:p>
@@ -1857,7 +3382,7 @@
 </p:sldLayout>
 </file>
 
-<file path=ppt/slideLayouts/slideLayout7.xml><?xml version="1.0" encoding="utf-8"?>
+<file path=ppt/slideLayouts/slideLayout8.xml><?xml version="1.0" encoding="utf-8"?>
 <p:sldLayout xmlns:a="http://schemas.openxmlformats.org/drawingml/2006/main" xmlns:r="http://schemas.openxmlformats.org/officeDocument/2006/relationships" xmlns:p="http://schemas.openxmlformats.org/presentationml/2006/main" type="blank" preserve="1">
   <p:cSld name="Blank">
     <p:spTree>
@@ -1891,7 +3416,7 @@
           <a:p>
             <a:fld id="{F1102B08-ED9E-409F-B95F-09CAA1DAF6E0}" type="datetimeFigureOut">
               <a:rPr lang="en-IN" smtClean="0"/>
-              <a:t>17-05-2025</a:t>
+              <a:t>25-05-2025</a:t>
             </a:fld>
             <a:endParaRPr lang="en-IN"/>
           </a:p>
@@ -1952,7 +3477,7 @@
 </p:sldLayout>
 </file>
 
-<file path=ppt/slideLayouts/slideLayout8.xml><?xml version="1.0" encoding="utf-8"?>
+<file path=ppt/slideLayouts/slideLayout9.xml><?xml version="1.0" encoding="utf-8"?>
 <p:sldLayout xmlns:a="http://schemas.openxmlformats.org/drawingml/2006/main" xmlns:r="http://schemas.openxmlformats.org/officeDocument/2006/relationships" xmlns:p="http://schemas.openxmlformats.org/presentationml/2006/main" type="objTx" preserve="1">
   <p:cSld name="Content with Caption">
     <p:spTree>
@@ -2168,7 +3693,7 @@
           <a:p>
             <a:fld id="{F1102B08-ED9E-409F-B95F-09CAA1DAF6E0}" type="datetimeFigureOut">
               <a:rPr lang="en-IN" smtClean="0"/>
-              <a:t>17-05-2025</a:t>
+              <a:t>25-05-2025</a:t>
             </a:fld>
             <a:endParaRPr lang="en-IN"/>
           </a:p>
@@ -2220,263 +3745,6 @@
     <p:extLst>
       <p:ext uri="{BB962C8B-B14F-4D97-AF65-F5344CB8AC3E}">
         <p14:creationId xmlns:p14="http://schemas.microsoft.com/office/powerpoint/2010/main" val="3166931178"/>
-      </p:ext>
-    </p:extLst>
-  </p:cSld>
-  <p:clrMapOvr>
-    <a:masterClrMapping/>
-  </p:clrMapOvr>
-</p:sldLayout>
-</file>
-
-<file path=ppt/slideLayouts/slideLayout9.xml><?xml version="1.0" encoding="utf-8"?>
-<p:sldLayout xmlns:a="http://schemas.openxmlformats.org/drawingml/2006/main" xmlns:r="http://schemas.openxmlformats.org/officeDocument/2006/relationships" xmlns:p="http://schemas.openxmlformats.org/presentationml/2006/main" type="picTx" preserve="1">
-  <p:cSld name="Picture with Caption">
-    <p:spTree>
-      <p:nvGrpSpPr>
-        <p:cNvPr id="1" name=""/>
-        <p:cNvGrpSpPr/>
-        <p:nvPr/>
-      </p:nvGrpSpPr>
-      <p:grpSpPr>
-        <a:xfrm>
-          <a:off x="0" y="0"/>
-          <a:ext cx="0" cy="0"/>
-          <a:chOff x="0" y="0"/>
-          <a:chExt cx="0" cy="0"/>
-        </a:xfrm>
-      </p:grpSpPr>
-      <p:sp>
-        <p:nvSpPr>
-          <p:cNvPr id="2" name="Title 1"/>
-          <p:cNvSpPr>
-            <a:spLocks noGrp="1"/>
-          </p:cNvSpPr>
-          <p:nvPr>
-            <p:ph type="title"/>
-          </p:nvPr>
-        </p:nvSpPr>
-        <p:spPr>
-          <a:xfrm>
-            <a:off x="682328" y="457200"/>
-            <a:ext cx="3194943" cy="1600200"/>
-          </a:xfrm>
-        </p:spPr>
-        <p:txBody>
-          <a:bodyPr anchor="b"/>
-          <a:lstStyle>
-            <a:lvl1pPr>
-              <a:defRPr sz="3200"/>
-            </a:lvl1pPr>
-          </a:lstStyle>
-          <a:p>
-            <a:r>
-              <a:rPr lang="en-US"/>
-              <a:t>Click to edit Master title style</a:t>
-            </a:r>
-            <a:endParaRPr lang="en-US" dirty="0"/>
-          </a:p>
-        </p:txBody>
-      </p:sp>
-      <p:sp>
-        <p:nvSpPr>
-          <p:cNvPr id="3" name="Picture Placeholder 2"/>
-          <p:cNvSpPr>
-            <a:spLocks noGrp="1" noChangeAspect="1"/>
-          </p:cNvSpPr>
-          <p:nvPr>
-            <p:ph type="pic" idx="1"/>
-          </p:nvPr>
-        </p:nvSpPr>
-        <p:spPr>
-          <a:xfrm>
-            <a:off x="4211340" y="987427"/>
-            <a:ext cx="5014913" cy="4873625"/>
-          </a:xfrm>
-        </p:spPr>
-        <p:txBody>
-          <a:bodyPr anchor="t"/>
-          <a:lstStyle>
-            <a:lvl1pPr marL="0" indent="0">
-              <a:buNone/>
-              <a:defRPr sz="3200"/>
-            </a:lvl1pPr>
-            <a:lvl2pPr marL="457200" indent="0">
-              <a:buNone/>
-              <a:defRPr sz="2800"/>
-            </a:lvl2pPr>
-            <a:lvl3pPr marL="914400" indent="0">
-              <a:buNone/>
-              <a:defRPr sz="2400"/>
-            </a:lvl3pPr>
-            <a:lvl4pPr marL="1371600" indent="0">
-              <a:buNone/>
-              <a:defRPr sz="2000"/>
-            </a:lvl4pPr>
-            <a:lvl5pPr marL="1828800" indent="0">
-              <a:buNone/>
-              <a:defRPr sz="2000"/>
-            </a:lvl5pPr>
-            <a:lvl6pPr marL="2286000" indent="0">
-              <a:buNone/>
-              <a:defRPr sz="2000"/>
-            </a:lvl6pPr>
-            <a:lvl7pPr marL="2743200" indent="0">
-              <a:buNone/>
-              <a:defRPr sz="2000"/>
-            </a:lvl7pPr>
-            <a:lvl8pPr marL="3200400" indent="0">
-              <a:buNone/>
-              <a:defRPr sz="2000"/>
-            </a:lvl8pPr>
-            <a:lvl9pPr marL="3657600" indent="0">
-              <a:buNone/>
-              <a:defRPr sz="2000"/>
-            </a:lvl9pPr>
-          </a:lstStyle>
-          <a:p>
-            <a:r>
-              <a:rPr lang="en-US"/>
-              <a:t>Click icon to add picture</a:t>
-            </a:r>
-            <a:endParaRPr lang="en-US" dirty="0"/>
-          </a:p>
-        </p:txBody>
-      </p:sp>
-      <p:sp>
-        <p:nvSpPr>
-          <p:cNvPr id="4" name="Text Placeholder 3"/>
-          <p:cNvSpPr>
-            <a:spLocks noGrp="1"/>
-          </p:cNvSpPr>
-          <p:nvPr>
-            <p:ph type="body" sz="half" idx="2"/>
-          </p:nvPr>
-        </p:nvSpPr>
-        <p:spPr>
-          <a:xfrm>
-            <a:off x="682328" y="2057400"/>
-            <a:ext cx="3194943" cy="3811588"/>
-          </a:xfrm>
-        </p:spPr>
-        <p:txBody>
-          <a:bodyPr/>
-          <a:lstStyle>
-            <a:lvl1pPr marL="0" indent="0">
-              <a:buNone/>
-              <a:defRPr sz="1600"/>
-            </a:lvl1pPr>
-            <a:lvl2pPr marL="457200" indent="0">
-              <a:buNone/>
-              <a:defRPr sz="1400"/>
-            </a:lvl2pPr>
-            <a:lvl3pPr marL="914400" indent="0">
-              <a:buNone/>
-              <a:defRPr sz="1200"/>
-            </a:lvl3pPr>
-            <a:lvl4pPr marL="1371600" indent="0">
-              <a:buNone/>
-              <a:defRPr sz="1000"/>
-            </a:lvl4pPr>
-            <a:lvl5pPr marL="1828800" indent="0">
-              <a:buNone/>
-              <a:defRPr sz="1000"/>
-            </a:lvl5pPr>
-            <a:lvl6pPr marL="2286000" indent="0">
-              <a:buNone/>
-              <a:defRPr sz="1000"/>
-            </a:lvl6pPr>
-            <a:lvl7pPr marL="2743200" indent="0">
-              <a:buNone/>
-              <a:defRPr sz="1000"/>
-            </a:lvl7pPr>
-            <a:lvl8pPr marL="3200400" indent="0">
-              <a:buNone/>
-              <a:defRPr sz="1000"/>
-            </a:lvl8pPr>
-            <a:lvl9pPr marL="3657600" indent="0">
-              <a:buNone/>
-              <a:defRPr sz="1000"/>
-            </a:lvl9pPr>
-          </a:lstStyle>
-          <a:p>
-            <a:pPr lvl="0"/>
-            <a:r>
-              <a:rPr lang="en-US"/>
-              <a:t>Click to edit Master text styles</a:t>
-            </a:r>
-          </a:p>
-        </p:txBody>
-      </p:sp>
-      <p:sp>
-        <p:nvSpPr>
-          <p:cNvPr id="5" name="Date Placeholder 4"/>
-          <p:cNvSpPr>
-            <a:spLocks noGrp="1"/>
-          </p:cNvSpPr>
-          <p:nvPr>
-            <p:ph type="dt" sz="half" idx="10"/>
-          </p:nvPr>
-        </p:nvSpPr>
-        <p:spPr/>
-        <p:txBody>
-          <a:bodyPr/>
-          <a:lstStyle/>
-          <a:p>
-            <a:fld id="{F1102B08-ED9E-409F-B95F-09CAA1DAF6E0}" type="datetimeFigureOut">
-              <a:rPr lang="en-IN" smtClean="0"/>
-              <a:t>17-05-2025</a:t>
-            </a:fld>
-            <a:endParaRPr lang="en-IN"/>
-          </a:p>
-        </p:txBody>
-      </p:sp>
-      <p:sp>
-        <p:nvSpPr>
-          <p:cNvPr id="6" name="Footer Placeholder 5"/>
-          <p:cNvSpPr>
-            <a:spLocks noGrp="1"/>
-          </p:cNvSpPr>
-          <p:nvPr>
-            <p:ph type="ftr" sz="quarter" idx="11"/>
-          </p:nvPr>
-        </p:nvSpPr>
-        <p:spPr/>
-        <p:txBody>
-          <a:bodyPr/>
-          <a:lstStyle/>
-          <a:p>
-            <a:endParaRPr lang="en-IN"/>
-          </a:p>
-        </p:txBody>
-      </p:sp>
-      <p:sp>
-        <p:nvSpPr>
-          <p:cNvPr id="7" name="Slide Number Placeholder 6"/>
-          <p:cNvSpPr>
-            <a:spLocks noGrp="1"/>
-          </p:cNvSpPr>
-          <p:nvPr>
-            <p:ph type="sldNum" sz="quarter" idx="12"/>
-          </p:nvPr>
-        </p:nvSpPr>
-        <p:spPr/>
-        <p:txBody>
-          <a:bodyPr/>
-          <a:lstStyle/>
-          <a:p>
-            <a:fld id="{FFB8F3A4-3E22-4F35-B466-DE3DF09E7F44}" type="slidenum">
-              <a:rPr lang="en-IN" smtClean="0"/>
-              <a:t>‹#›</a:t>
-            </a:fld>
-            <a:endParaRPr lang="en-IN"/>
-          </a:p>
-        </p:txBody>
-      </p:sp>
-    </p:spTree>
-    <p:extLst>
-      <p:ext uri="{BB962C8B-B14F-4D97-AF65-F5344CB8AC3E}">
-        <p14:creationId xmlns:p14="http://schemas.microsoft.com/office/powerpoint/2010/main" val="3451578649"/>
       </p:ext>
     </p:extLst>
   </p:cSld>
@@ -2638,7 +3906,7 @@
           <a:p>
             <a:fld id="{F1102B08-ED9E-409F-B95F-09CAA1DAF6E0}" type="datetimeFigureOut">
               <a:rPr lang="en-IN" smtClean="0"/>
-              <a:t>17-05-2025</a:t>
+              <a:t>25-05-2025</a:t>
             </a:fld>
             <a:endParaRPr lang="en-IN"/>
           </a:p>
@@ -2732,16 +4000,17 @@
   <p:clrMap bg1="lt1" tx1="dk1" bg2="lt2" tx2="dk2" accent1="accent1" accent2="accent2" accent3="accent3" accent4="accent4" accent5="accent5" accent6="accent6" hlink="hlink" folHlink="folHlink"/>
   <p:sldLayoutIdLst>
     <p:sldLayoutId id="2147483661" r:id="rId1"/>
-    <p:sldLayoutId id="2147483662" r:id="rId2"/>
-    <p:sldLayoutId id="2147483663" r:id="rId3"/>
-    <p:sldLayoutId id="2147483664" r:id="rId4"/>
-    <p:sldLayoutId id="2147483665" r:id="rId5"/>
-    <p:sldLayoutId id="2147483666" r:id="rId6"/>
-    <p:sldLayoutId id="2147483667" r:id="rId7"/>
-    <p:sldLayoutId id="2147483668" r:id="rId8"/>
-    <p:sldLayoutId id="2147483669" r:id="rId9"/>
-    <p:sldLayoutId id="2147483670" r:id="rId10"/>
-    <p:sldLayoutId id="2147483671" r:id="rId11"/>
+    <p:sldLayoutId id="2147483672" r:id="rId2"/>
+    <p:sldLayoutId id="2147483662" r:id="rId3"/>
+    <p:sldLayoutId id="2147483663" r:id="rId4"/>
+    <p:sldLayoutId id="2147483664" r:id="rId5"/>
+    <p:sldLayoutId id="2147483665" r:id="rId6"/>
+    <p:sldLayoutId id="2147483666" r:id="rId7"/>
+    <p:sldLayoutId id="2147483667" r:id="rId8"/>
+    <p:sldLayoutId id="2147483668" r:id="rId9"/>
+    <p:sldLayoutId id="2147483669" r:id="rId10"/>
+    <p:sldLayoutId id="2147483670" r:id="rId11"/>
+    <p:sldLayoutId id="2147483671" r:id="rId12"/>
   </p:sldLayoutIdLst>
   <p:txStyles>
     <p:titleStyle>
@@ -3043,783 +4312,510 @@
           <a:chExt cx="0" cy="0"/>
         </a:xfrm>
       </p:grpSpPr>
-      <p:grpSp>
-        <p:nvGrpSpPr>
-          <p:cNvPr id="9" name="Group 8">
+      <p:sp>
+        <p:nvSpPr>
+          <p:cNvPr id="12" name="TextBox 11">
             <a:extLst>
               <a:ext uri="{FF2B5EF4-FFF2-40B4-BE49-F238E27FC236}">
-                <a16:creationId xmlns:a16="http://schemas.microsoft.com/office/drawing/2014/main" id="{A7E1EC36-C610-4951-92FB-5FA9BAA559EC}"/>
+                <a16:creationId xmlns:a16="http://schemas.microsoft.com/office/drawing/2014/main" id="{DD950E5A-63C0-4187-892B-9549599FCD15}"/>
               </a:ext>
             </a:extLst>
           </p:cNvPr>
-          <p:cNvGrpSpPr/>
+          <p:cNvSpPr txBox="1"/>
           <p:nvPr/>
-        </p:nvGrpSpPr>
-        <p:grpSpPr>
+        </p:nvSpPr>
+        <p:spPr>
           <a:xfrm>
-            <a:off x="160868" y="182032"/>
-            <a:ext cx="4648200" cy="6493935"/>
-            <a:chOff x="160868" y="182032"/>
-            <a:chExt cx="4648200" cy="6493935"/>
+            <a:off x="5166926" y="265711"/>
+            <a:ext cx="4883429" cy="5493812"/>
           </a:xfrm>
-        </p:grpSpPr>
-        <p:sp>
-          <p:nvSpPr>
-            <p:cNvPr id="4" name="Rectangle 3">
-              <a:extLst>
-                <a:ext uri="{FF2B5EF4-FFF2-40B4-BE49-F238E27FC236}">
-                  <a16:creationId xmlns:a16="http://schemas.microsoft.com/office/drawing/2014/main" id="{7B702E0D-FD8D-4F00-8F9D-9ACEED91C763}"/>
-                </a:ext>
-              </a:extLst>
-            </p:cNvPr>
-            <p:cNvSpPr/>
-            <p:nvPr/>
-          </p:nvSpPr>
-          <p:spPr>
-            <a:xfrm>
-              <a:off x="160868" y="182032"/>
-              <a:ext cx="4648200" cy="6493935"/>
-            </a:xfrm>
-            <a:prstGeom prst="rect">
-              <a:avLst/>
-            </a:prstGeom>
-            <a:noFill/>
-            <a:ln w="19050" cmpd="thinThick">
-              <a:solidFill>
-                <a:schemeClr val="tx1">
-                  <a:lumMod val="50000"/>
-                  <a:lumOff val="50000"/>
-                </a:schemeClr>
-              </a:solidFill>
-            </a:ln>
-          </p:spPr>
-          <p:style>
-            <a:lnRef idx="2">
-              <a:schemeClr val="accent1">
-                <a:shade val="50000"/>
-              </a:schemeClr>
-            </a:lnRef>
-            <a:fillRef idx="1">
-              <a:schemeClr val="accent1"/>
-            </a:fillRef>
-            <a:effectRef idx="0">
-              <a:schemeClr val="accent1"/>
-            </a:effectRef>
-            <a:fontRef idx="minor">
-              <a:schemeClr val="lt1"/>
-            </a:fontRef>
-          </p:style>
-          <p:txBody>
-            <a:bodyPr rtlCol="0" anchor="ctr"/>
-            <a:lstStyle/>
-            <a:p>
-              <a:pPr algn="ctr"/>
-              <a:endParaRPr lang="en-IN"/>
-            </a:p>
-          </p:txBody>
-        </p:sp>
-        <p:sp>
-          <p:nvSpPr>
-            <p:cNvPr id="8" name="Oval 7">
-              <a:extLst>
-                <a:ext uri="{FF2B5EF4-FFF2-40B4-BE49-F238E27FC236}">
-                  <a16:creationId xmlns:a16="http://schemas.microsoft.com/office/drawing/2014/main" id="{B70ED263-63AA-434F-8E88-AB7AD897A1CD}"/>
-                </a:ext>
-              </a:extLst>
-            </p:cNvPr>
-            <p:cNvSpPr/>
-            <p:nvPr/>
-          </p:nvSpPr>
-          <p:spPr>
-            <a:xfrm>
-              <a:off x="4312694" y="309857"/>
-              <a:ext cx="390525" cy="390525"/>
-            </a:xfrm>
-            <a:prstGeom prst="ellipse">
-              <a:avLst/>
-            </a:prstGeom>
-            <a:noFill/>
-            <a:ln w="19050">
-              <a:solidFill>
-                <a:schemeClr val="tx1">
-                  <a:lumMod val="50000"/>
-                  <a:lumOff val="50000"/>
-                </a:schemeClr>
-              </a:solidFill>
-            </a:ln>
-          </p:spPr>
-          <p:style>
-            <a:lnRef idx="2">
-              <a:schemeClr val="accent1">
-                <a:shade val="50000"/>
-              </a:schemeClr>
-            </a:lnRef>
-            <a:fillRef idx="1">
-              <a:schemeClr val="accent1"/>
-            </a:fillRef>
-            <a:effectRef idx="0">
-              <a:schemeClr val="accent1"/>
-            </a:effectRef>
-            <a:fontRef idx="minor">
-              <a:schemeClr val="lt1"/>
-            </a:fontRef>
-          </p:style>
-          <p:txBody>
-            <a:bodyPr rtlCol="0" anchor="ctr"/>
-            <a:lstStyle/>
-            <a:p>
-              <a:pPr algn="ctr"/>
-              <a:r>
-                <a:rPr lang="en-IN" dirty="0">
-                  <a:solidFill>
-                    <a:schemeClr val="tx1"/>
-                  </a:solidFill>
-                </a:rPr>
-                <a:t>4</a:t>
-              </a:r>
-            </a:p>
-          </p:txBody>
-        </p:sp>
-      </p:grpSp>
-      <p:grpSp>
-        <p:nvGrpSpPr>
-          <p:cNvPr id="10" name="Group 9">
+          <a:prstGeom prst="rect">
+            <a:avLst/>
+          </a:prstGeom>
+          <a:noFill/>
+        </p:spPr>
+        <p:txBody>
+          <a:bodyPr wrap="square" rtlCol="0">
+            <a:spAutoFit/>
+          </a:bodyPr>
+          <a:lstStyle/>
+          <a:p>
+            <a:pPr>
+              <a:lnSpc>
+                <a:spcPct val="150000"/>
+              </a:lnSpc>
+            </a:pPr>
+            <a:r>
+              <a:rPr lang="te-IN" dirty="0">
+                <a:latin typeface="Anek Telugu SemiBold" pitchFamily="2" charset="0"/>
+                <a:cs typeface="Anek Telugu SemiBold" pitchFamily="2" charset="0"/>
+              </a:rPr>
+              <a:t>నీవు చేసిన మేళ్లకు</a:t>
+            </a:r>
+          </a:p>
+          <a:p>
+            <a:pPr>
+              <a:lnSpc>
+                <a:spcPct val="150000"/>
+              </a:lnSpc>
+            </a:pPr>
+            <a:r>
+              <a:rPr lang="te-IN" dirty="0">
+                <a:latin typeface="Anek Telugu SemiBold" pitchFamily="2" charset="0"/>
+                <a:cs typeface="Anek Telugu SemiBold" pitchFamily="2" charset="0"/>
+              </a:rPr>
+              <a:t>నీవు చూపిన కృపలకు (2)</a:t>
+            </a:r>
+          </a:p>
+          <a:p>
+            <a:pPr>
+              <a:lnSpc>
+                <a:spcPct val="150000"/>
+              </a:lnSpc>
+            </a:pPr>
+            <a:r>
+              <a:rPr lang="te-IN" dirty="0">
+                <a:latin typeface="Anek Telugu SemiBold" pitchFamily="2" charset="0"/>
+                <a:cs typeface="Anek Telugu SemiBold" pitchFamily="2" charset="0"/>
+              </a:rPr>
+              <a:t>వందనం యేసయ్యా (4)</a:t>
+            </a:r>
+          </a:p>
+          <a:p>
+            <a:pPr>
+              <a:lnSpc>
+                <a:spcPct val="150000"/>
+              </a:lnSpc>
+            </a:pPr>
+            <a:endParaRPr lang="te-IN" dirty="0">
+              <a:latin typeface="Anek Telugu SemiBold" pitchFamily="2" charset="0"/>
+              <a:cs typeface="Anek Telugu SemiBold" pitchFamily="2" charset="0"/>
+            </a:endParaRPr>
+          </a:p>
+          <a:p>
+            <a:pPr>
+              <a:lnSpc>
+                <a:spcPct val="150000"/>
+              </a:lnSpc>
+            </a:pPr>
+            <a:r>
+              <a:rPr lang="te-IN" dirty="0">
+                <a:latin typeface="Anek Telugu SemiBold" pitchFamily="2" charset="0"/>
+                <a:cs typeface="Anek Telugu SemiBold" pitchFamily="2" charset="0"/>
+              </a:rPr>
+              <a:t>ఏపాటివాడనని నేను</a:t>
+            </a:r>
+          </a:p>
+          <a:p>
+            <a:pPr>
+              <a:lnSpc>
+                <a:spcPct val="150000"/>
+              </a:lnSpc>
+            </a:pPr>
+            <a:r>
+              <a:rPr lang="te-IN" dirty="0">
+                <a:latin typeface="Anek Telugu SemiBold" pitchFamily="2" charset="0"/>
+                <a:cs typeface="Anek Telugu SemiBold" pitchFamily="2" charset="0"/>
+              </a:rPr>
+              <a:t>నన్నెంతగానో ప్రేమించావు</a:t>
+            </a:r>
+          </a:p>
+          <a:p>
+            <a:pPr>
+              <a:lnSpc>
+                <a:spcPct val="150000"/>
+              </a:lnSpc>
+            </a:pPr>
+            <a:r>
+              <a:rPr lang="te-IN" dirty="0">
+                <a:latin typeface="Anek Telugu SemiBold" pitchFamily="2" charset="0"/>
+                <a:cs typeface="Anek Telugu SemiBold" pitchFamily="2" charset="0"/>
+              </a:rPr>
+              <a:t>అంచెలంచెలుగా హెచ్చించి</a:t>
+            </a:r>
+          </a:p>
+          <a:p>
+            <a:pPr>
+              <a:lnSpc>
+                <a:spcPct val="150000"/>
+              </a:lnSpc>
+            </a:pPr>
+            <a:r>
+              <a:rPr lang="te-IN" dirty="0">
+                <a:latin typeface="Anek Telugu SemiBold" pitchFamily="2" charset="0"/>
+                <a:cs typeface="Anek Telugu SemiBold" pitchFamily="2" charset="0"/>
+              </a:rPr>
+              <a:t>నన్నెంతగానో దీవించావు (2)</a:t>
+            </a:r>
+          </a:p>
+          <a:p>
+            <a:pPr>
+              <a:lnSpc>
+                <a:spcPct val="150000"/>
+              </a:lnSpc>
+            </a:pPr>
+            <a:endParaRPr lang="te-IN" dirty="0">
+              <a:latin typeface="Anek Telugu SemiBold" pitchFamily="2" charset="0"/>
+              <a:cs typeface="Anek Telugu SemiBold" pitchFamily="2" charset="0"/>
+            </a:endParaRPr>
+          </a:p>
+          <a:p>
+            <a:pPr>
+              <a:lnSpc>
+                <a:spcPct val="150000"/>
+              </a:lnSpc>
+            </a:pPr>
+            <a:r>
+              <a:rPr lang="te-IN" dirty="0">
+                <a:latin typeface="Anek Telugu SemiBold" pitchFamily="2" charset="0"/>
+                <a:cs typeface="Anek Telugu SemiBold" pitchFamily="2" charset="0"/>
+              </a:rPr>
+              <a:t>బలహీనుడనైన నన్ను</a:t>
+            </a:r>
+          </a:p>
+          <a:p>
+            <a:pPr>
+              <a:lnSpc>
+                <a:spcPct val="150000"/>
+              </a:lnSpc>
+            </a:pPr>
+            <a:r>
+              <a:rPr lang="te-IN" dirty="0">
+                <a:latin typeface="Anek Telugu SemiBold" pitchFamily="2" charset="0"/>
+                <a:cs typeface="Anek Telugu SemiBold" pitchFamily="2" charset="0"/>
+              </a:rPr>
+              <a:t>నీవెంతగానో బలపరచావు</a:t>
+            </a:r>
+          </a:p>
+          <a:p>
+            <a:pPr>
+              <a:lnSpc>
+                <a:spcPct val="150000"/>
+              </a:lnSpc>
+            </a:pPr>
+            <a:r>
+              <a:rPr lang="te-IN" dirty="0">
+                <a:latin typeface="Anek Telugu SemiBold" pitchFamily="2" charset="0"/>
+                <a:cs typeface="Anek Telugu SemiBold" pitchFamily="2" charset="0"/>
+              </a:rPr>
+              <a:t>క్రీస్తేసు మహిమైశ్వర్యములో</a:t>
+            </a:r>
+          </a:p>
+          <a:p>
+            <a:pPr>
+              <a:lnSpc>
+                <a:spcPct val="150000"/>
+              </a:lnSpc>
+            </a:pPr>
+            <a:r>
+              <a:rPr lang="te-IN" dirty="0">
+                <a:latin typeface="Anek Telugu SemiBold" pitchFamily="2" charset="0"/>
+                <a:cs typeface="Anek Telugu SemiBold" pitchFamily="2" charset="0"/>
+              </a:rPr>
+              <a:t>ప్రతి అవసరమును తీర్చావు (2)</a:t>
+            </a:r>
+          </a:p>
+        </p:txBody>
+      </p:sp>
+      <p:sp>
+        <p:nvSpPr>
+          <p:cNvPr id="15" name="TextBox 14">
             <a:extLst>
               <a:ext uri="{FF2B5EF4-FFF2-40B4-BE49-F238E27FC236}">
-                <a16:creationId xmlns:a16="http://schemas.microsoft.com/office/drawing/2014/main" id="{BD4861E3-0140-4666-A772-E1339125A35F}"/>
+                <a16:creationId xmlns:a16="http://schemas.microsoft.com/office/drawing/2014/main" id="{F0C1A603-19B4-4631-AF63-7E26FCE0AA94}"/>
               </a:ext>
             </a:extLst>
           </p:cNvPr>
-          <p:cNvGrpSpPr/>
+          <p:cNvSpPr txBox="1"/>
           <p:nvPr/>
-        </p:nvGrpSpPr>
-        <p:grpSpPr>
+        </p:nvSpPr>
+        <p:spPr>
           <a:xfrm>
-            <a:off x="237293" y="182031"/>
-            <a:ext cx="9515245" cy="6493935"/>
-            <a:chOff x="-4706177" y="182032"/>
-            <a:chExt cx="9515245" cy="6493935"/>
+            <a:off x="350648" y="265711"/>
+            <a:ext cx="4544669" cy="5262979"/>
           </a:xfrm>
-        </p:grpSpPr>
-        <p:sp>
-          <p:nvSpPr>
-            <p:cNvPr id="11" name="Rectangle 10">
-              <a:extLst>
-                <a:ext uri="{FF2B5EF4-FFF2-40B4-BE49-F238E27FC236}">
-                  <a16:creationId xmlns:a16="http://schemas.microsoft.com/office/drawing/2014/main" id="{0E606F7A-0439-43E4-A07F-A35A8691EB42}"/>
-                </a:ext>
-              </a:extLst>
-            </p:cNvPr>
-            <p:cNvSpPr/>
-            <p:nvPr/>
-          </p:nvSpPr>
-          <p:spPr>
-            <a:xfrm>
-              <a:off x="160868" y="182032"/>
-              <a:ext cx="4648200" cy="6493935"/>
-            </a:xfrm>
-            <a:prstGeom prst="rect">
-              <a:avLst/>
-            </a:prstGeom>
-            <a:noFill/>
-            <a:ln w="19050" cmpd="thinThick">
-              <a:solidFill>
-                <a:schemeClr val="tx1">
-                  <a:lumMod val="50000"/>
-                  <a:lumOff val="50000"/>
-                </a:schemeClr>
-              </a:solidFill>
-            </a:ln>
-          </p:spPr>
-          <p:style>
-            <a:lnRef idx="2">
-              <a:schemeClr val="accent1">
-                <a:shade val="50000"/>
-              </a:schemeClr>
-            </a:lnRef>
-            <a:fillRef idx="1">
-              <a:schemeClr val="accent1"/>
-            </a:fillRef>
-            <a:effectRef idx="0">
-              <a:schemeClr val="accent1"/>
-            </a:effectRef>
-            <a:fontRef idx="minor">
-              <a:schemeClr val="lt1"/>
-            </a:fontRef>
-          </p:style>
-          <p:txBody>
-            <a:bodyPr rtlCol="0" anchor="ctr"/>
-            <a:lstStyle/>
-            <a:p>
-              <a:pPr algn="ctr"/>
-              <a:endParaRPr lang="en-IN"/>
-            </a:p>
-          </p:txBody>
-        </p:sp>
-        <p:sp>
-          <p:nvSpPr>
-            <p:cNvPr id="12" name="TextBox 11">
-              <a:extLst>
-                <a:ext uri="{FF2B5EF4-FFF2-40B4-BE49-F238E27FC236}">
-                  <a16:creationId xmlns:a16="http://schemas.microsoft.com/office/drawing/2014/main" id="{DD950E5A-63C0-4187-892B-9549599FCD15}"/>
-                </a:ext>
-              </a:extLst>
-            </p:cNvPr>
-            <p:cNvSpPr txBox="1"/>
-            <p:nvPr/>
-          </p:nvSpPr>
-          <p:spPr>
-            <a:xfrm>
-              <a:off x="-4706177" y="279538"/>
-              <a:ext cx="4883429" cy="5428409"/>
-            </a:xfrm>
-            <a:prstGeom prst="rect">
-              <a:avLst/>
-            </a:prstGeom>
-            <a:noFill/>
-          </p:spPr>
-          <p:txBody>
-            <a:bodyPr wrap="square" rtlCol="0">
-              <a:spAutoFit/>
-            </a:bodyPr>
-            <a:lstStyle/>
-            <a:p>
-              <a:pPr>
-                <a:lnSpc>
-                  <a:spcPts val="2600"/>
-                </a:lnSpc>
-              </a:pPr>
-              <a:r>
-                <a:rPr lang="te-IN" sz="2200" dirty="0">
-                  <a:latin typeface="Ramabhadra" panose="02000600000000000000" pitchFamily="2" charset="0"/>
-                  <a:cs typeface="Ramabhadra" panose="02000600000000000000" pitchFamily="2" charset="0"/>
-                </a:rPr>
-                <a:t>దేవా నా దేవా – నీవే నా కాపరి</a:t>
-              </a:r>
-              <a:br>
-                <a:rPr lang="te-IN" sz="2200" dirty="0">
-                  <a:latin typeface="Ramabhadra" panose="02000600000000000000" pitchFamily="2" charset="0"/>
-                  <a:cs typeface="Ramabhadra" panose="02000600000000000000" pitchFamily="2" charset="0"/>
-                </a:rPr>
-              </a:br>
-              <a:r>
-                <a:rPr lang="te-IN" sz="2200" dirty="0">
-                  <a:latin typeface="Ramabhadra" panose="02000600000000000000" pitchFamily="2" charset="0"/>
-                  <a:cs typeface="Ramabhadra" panose="02000600000000000000" pitchFamily="2" charset="0"/>
-                </a:rPr>
-                <a:t>నీ ప్రేమ నీ క్షమా – ఎంతో గొప్పది (2)</a:t>
-              </a:r>
-              <a:br>
-                <a:rPr lang="te-IN" sz="2200" dirty="0">
-                  <a:latin typeface="Ramabhadra" panose="02000600000000000000" pitchFamily="2" charset="0"/>
-                  <a:cs typeface="Ramabhadra" panose="02000600000000000000" pitchFamily="2" charset="0"/>
-                </a:rPr>
-              </a:br>
-              <a:r>
-                <a:rPr lang="te-IN" sz="2200" dirty="0">
-                  <a:latin typeface="Ramabhadra" panose="02000600000000000000" pitchFamily="2" charset="0"/>
-                  <a:cs typeface="Ramabhadra" panose="02000600000000000000" pitchFamily="2" charset="0"/>
-                </a:rPr>
-                <a:t>ఆరాధింతును హృదయాంతరంగములో</a:t>
-              </a:r>
-              <a:br>
-                <a:rPr lang="te-IN" sz="2200" dirty="0">
-                  <a:latin typeface="Ramabhadra" panose="02000600000000000000" pitchFamily="2" charset="0"/>
-                  <a:cs typeface="Ramabhadra" panose="02000600000000000000" pitchFamily="2" charset="0"/>
-                </a:rPr>
-              </a:br>
-              <a:r>
-                <a:rPr lang="te-IN" sz="2200" dirty="0">
-                  <a:latin typeface="Ramabhadra" panose="02000600000000000000" pitchFamily="2" charset="0"/>
-                  <a:cs typeface="Ramabhadra" panose="02000600000000000000" pitchFamily="2" charset="0"/>
-                </a:rPr>
-                <a:t>స్తుతించెదను నీ పాద సన్నిధిలో (2)</a:t>
-              </a:r>
-              <a:br>
-                <a:rPr lang="te-IN" sz="2200" dirty="0">
-                  <a:latin typeface="Ramabhadra" panose="02000600000000000000" pitchFamily="2" charset="0"/>
-                  <a:cs typeface="Ramabhadra" panose="02000600000000000000" pitchFamily="2" charset="0"/>
-                </a:rPr>
-              </a:br>
-              <a:r>
-                <a:rPr lang="te-IN" sz="2200" dirty="0">
-                  <a:latin typeface="Ramabhadra" panose="02000600000000000000" pitchFamily="2" charset="0"/>
-                  <a:cs typeface="Ramabhadra" panose="02000600000000000000" pitchFamily="2" charset="0"/>
-                </a:rPr>
-                <a:t>నీవే కదా దేవుడవు – (2)</a:t>
-              </a:r>
-            </a:p>
-            <a:p>
-              <a:pPr>
-                <a:lnSpc>
-                  <a:spcPts val="2600"/>
-                </a:lnSpc>
-              </a:pPr>
-              <a:r>
-                <a:rPr lang="te-IN" sz="2200" dirty="0">
-                  <a:latin typeface="Ramabhadra" panose="02000600000000000000" pitchFamily="2" charset="0"/>
-                  <a:cs typeface="Ramabhadra" panose="02000600000000000000" pitchFamily="2" charset="0"/>
-                </a:rPr>
-                <a:t>దేవా యేసు దేవా (4)     </a:t>
-              </a:r>
-            </a:p>
-            <a:p>
-              <a:pPr>
-                <a:lnSpc>
-                  <a:spcPts val="2600"/>
-                </a:lnSpc>
-              </a:pPr>
-              <a:endParaRPr lang="te-IN" sz="2200" dirty="0">
-                <a:latin typeface="Ramabhadra" panose="02000600000000000000" pitchFamily="2" charset="0"/>
-                <a:cs typeface="Ramabhadra" panose="02000600000000000000" pitchFamily="2" charset="0"/>
-              </a:endParaRPr>
-            </a:p>
-            <a:p>
-              <a:pPr>
-                <a:lnSpc>
-                  <a:spcPts val="2600"/>
-                </a:lnSpc>
-              </a:pPr>
-              <a:r>
-                <a:rPr lang="te-IN" sz="2200" dirty="0">
-                  <a:latin typeface="Ramabhadra" panose="02000600000000000000" pitchFamily="2" charset="0"/>
-                  <a:cs typeface="Ramabhadra" panose="02000600000000000000" pitchFamily="2" charset="0"/>
-                </a:rPr>
-                <a:t>పాపము నుండి విడిపించినావు</a:t>
-              </a:r>
-              <a:br>
-                <a:rPr lang="te-IN" sz="2200" dirty="0">
-                  <a:latin typeface="Ramabhadra" panose="02000600000000000000" pitchFamily="2" charset="0"/>
-                  <a:cs typeface="Ramabhadra" panose="02000600000000000000" pitchFamily="2" charset="0"/>
-                </a:rPr>
-              </a:br>
-              <a:r>
-                <a:rPr lang="te-IN" sz="2200" dirty="0">
-                  <a:latin typeface="Ramabhadra" panose="02000600000000000000" pitchFamily="2" charset="0"/>
-                  <a:cs typeface="Ramabhadra" panose="02000600000000000000" pitchFamily="2" charset="0"/>
-                </a:rPr>
-                <a:t>పరిశుద్ధుని చేసి ప్రేమించినావు (2)</a:t>
-              </a:r>
-              <a:br>
-                <a:rPr lang="te-IN" sz="2200" dirty="0">
-                  <a:latin typeface="Ramabhadra" panose="02000600000000000000" pitchFamily="2" charset="0"/>
-                  <a:cs typeface="Ramabhadra" panose="02000600000000000000" pitchFamily="2" charset="0"/>
-                </a:rPr>
-              </a:br>
-              <a:r>
-                <a:rPr lang="te-IN" sz="2200" dirty="0">
-                  <a:latin typeface="Ramabhadra" panose="02000600000000000000" pitchFamily="2" charset="0"/>
-                  <a:cs typeface="Ramabhadra" panose="02000600000000000000" pitchFamily="2" charset="0"/>
-                </a:rPr>
-                <a:t>నీవే కదా దేవుడవు – (2)</a:t>
-              </a:r>
-              <a:br>
-                <a:rPr lang="te-IN" sz="2200" dirty="0">
-                  <a:latin typeface="Ramabhadra" panose="02000600000000000000" pitchFamily="2" charset="0"/>
-                  <a:cs typeface="Ramabhadra" panose="02000600000000000000" pitchFamily="2" charset="0"/>
-                </a:rPr>
-              </a:br>
-              <a:r>
-                <a:rPr lang="te-IN" sz="2200" dirty="0">
-                  <a:latin typeface="Ramabhadra" panose="02000600000000000000" pitchFamily="2" charset="0"/>
-                  <a:cs typeface="Ramabhadra" panose="02000600000000000000" pitchFamily="2" charset="0"/>
-                </a:rPr>
-                <a:t>దేవా యేసు దేవా (4)       </a:t>
-              </a:r>
-            </a:p>
-            <a:p>
-              <a:pPr>
-                <a:lnSpc>
-                  <a:spcPts val="2600"/>
-                </a:lnSpc>
-              </a:pPr>
-              <a:endParaRPr lang="te-IN" sz="2200" dirty="0">
-                <a:latin typeface="Ramabhadra" panose="02000600000000000000" pitchFamily="2" charset="0"/>
-                <a:cs typeface="Ramabhadra" panose="02000600000000000000" pitchFamily="2" charset="0"/>
-              </a:endParaRPr>
-            </a:p>
-            <a:p>
-              <a:pPr>
-                <a:lnSpc>
-                  <a:spcPts val="2600"/>
-                </a:lnSpc>
-              </a:pPr>
-              <a:r>
-                <a:rPr lang="te-IN" sz="2200" dirty="0">
-                  <a:latin typeface="Ramabhadra" panose="02000600000000000000" pitchFamily="2" charset="0"/>
-                  <a:cs typeface="Ramabhadra" panose="02000600000000000000" pitchFamily="2" charset="0"/>
-                </a:rPr>
-                <a:t>పరిశుద్ధాత్మను నాలో నింపావు</a:t>
-              </a:r>
-              <a:br>
-                <a:rPr lang="te-IN" sz="2200" dirty="0">
-                  <a:latin typeface="Ramabhadra" panose="02000600000000000000" pitchFamily="2" charset="0"/>
-                  <a:cs typeface="Ramabhadra" panose="02000600000000000000" pitchFamily="2" charset="0"/>
-                </a:rPr>
-              </a:br>
-              <a:r>
-                <a:rPr lang="te-IN" sz="2200" dirty="0">
-                  <a:latin typeface="Ramabhadra" panose="02000600000000000000" pitchFamily="2" charset="0"/>
-                  <a:cs typeface="Ramabhadra" panose="02000600000000000000" pitchFamily="2" charset="0"/>
-                </a:rPr>
-                <a:t>మట్టి దేహమును మహిమతో నింపావు (2)</a:t>
-              </a:r>
-              <a:br>
-                <a:rPr lang="te-IN" sz="2200" dirty="0">
-                  <a:latin typeface="Ramabhadra" panose="02000600000000000000" pitchFamily="2" charset="0"/>
-                  <a:cs typeface="Ramabhadra" panose="02000600000000000000" pitchFamily="2" charset="0"/>
-                </a:rPr>
-              </a:br>
-              <a:r>
-                <a:rPr lang="te-IN" sz="2200" dirty="0">
-                  <a:latin typeface="Ramabhadra" panose="02000600000000000000" pitchFamily="2" charset="0"/>
-                  <a:cs typeface="Ramabhadra" panose="02000600000000000000" pitchFamily="2" charset="0"/>
-                </a:rPr>
-                <a:t>నీవే కదా దేవుడవు – (2)</a:t>
-              </a:r>
-              <a:br>
-                <a:rPr lang="te-IN" sz="2200" dirty="0">
-                  <a:latin typeface="Ramabhadra" panose="02000600000000000000" pitchFamily="2" charset="0"/>
-                  <a:cs typeface="Ramabhadra" panose="02000600000000000000" pitchFamily="2" charset="0"/>
-                </a:rPr>
-              </a:br>
-              <a:r>
-                <a:rPr lang="te-IN" sz="2200" dirty="0">
-                  <a:latin typeface="Ramabhadra" panose="02000600000000000000" pitchFamily="2" charset="0"/>
-                  <a:cs typeface="Ramabhadra" panose="02000600000000000000" pitchFamily="2" charset="0"/>
-                </a:rPr>
-                <a:t>దేవా యేసు దేవా (4)       </a:t>
-              </a:r>
-            </a:p>
-          </p:txBody>
-        </p:sp>
-        <p:sp>
-          <p:nvSpPr>
-            <p:cNvPr id="13" name="Oval 12">
-              <a:extLst>
-                <a:ext uri="{FF2B5EF4-FFF2-40B4-BE49-F238E27FC236}">
-                  <a16:creationId xmlns:a16="http://schemas.microsoft.com/office/drawing/2014/main" id="{26F461D1-594E-4D24-8238-761378173A6A}"/>
-                </a:ext>
-              </a:extLst>
-            </p:cNvPr>
-            <p:cNvSpPr/>
-            <p:nvPr/>
-          </p:nvSpPr>
-          <p:spPr>
-            <a:xfrm>
-              <a:off x="4224907" y="326430"/>
-              <a:ext cx="390525" cy="390525"/>
-            </a:xfrm>
-            <a:prstGeom prst="ellipse">
-              <a:avLst/>
-            </a:prstGeom>
-            <a:noFill/>
-            <a:ln w="19050">
-              <a:solidFill>
-                <a:schemeClr val="tx1">
-                  <a:lumMod val="50000"/>
-                  <a:lumOff val="50000"/>
-                </a:schemeClr>
-              </a:solidFill>
-            </a:ln>
-          </p:spPr>
-          <p:style>
-            <a:lnRef idx="2">
-              <a:schemeClr val="accent1">
-                <a:shade val="50000"/>
-              </a:schemeClr>
-            </a:lnRef>
-            <a:fillRef idx="1">
-              <a:schemeClr val="accent1"/>
-            </a:fillRef>
-            <a:effectRef idx="0">
-              <a:schemeClr val="accent1"/>
-            </a:effectRef>
-            <a:fontRef idx="minor">
-              <a:schemeClr val="lt1"/>
-            </a:fontRef>
-          </p:style>
-          <p:txBody>
-            <a:bodyPr rtlCol="0" anchor="ctr"/>
-            <a:lstStyle/>
-            <a:p>
-              <a:pPr algn="ctr"/>
-              <a:r>
-                <a:rPr lang="en-IN" dirty="0">
-                  <a:solidFill>
-                    <a:schemeClr val="tx1"/>
-                  </a:solidFill>
-                </a:rPr>
-                <a:t>1</a:t>
-              </a:r>
-            </a:p>
-          </p:txBody>
-        </p:sp>
-        <p:sp>
-          <p:nvSpPr>
-            <p:cNvPr id="15" name="TextBox 14">
-              <a:extLst>
-                <a:ext uri="{FF2B5EF4-FFF2-40B4-BE49-F238E27FC236}">
-                  <a16:creationId xmlns:a16="http://schemas.microsoft.com/office/drawing/2014/main" id="{F0C1A603-19B4-4631-AF63-7E26FCE0AA94}"/>
-                </a:ext>
-              </a:extLst>
-            </p:cNvPr>
-            <p:cNvSpPr txBox="1"/>
-            <p:nvPr/>
-          </p:nvSpPr>
-          <p:spPr>
-            <a:xfrm>
-              <a:off x="212633" y="229840"/>
-              <a:ext cx="4544669" cy="5427127"/>
-            </a:xfrm>
-            <a:prstGeom prst="rect">
-              <a:avLst/>
-            </a:prstGeom>
-            <a:noFill/>
-          </p:spPr>
-          <p:txBody>
-            <a:bodyPr wrap="square" rtlCol="0">
-              <a:spAutoFit/>
-            </a:bodyPr>
-            <a:lstStyle/>
-            <a:p>
-              <a:pPr>
-                <a:lnSpc>
-                  <a:spcPts val="2600"/>
-                </a:lnSpc>
-              </a:pPr>
-              <a:r>
-                <a:rPr lang="te-IN" sz="2000" dirty="0">
-                  <a:latin typeface="Ramabhadra" panose="02000600000000000000"/>
-                  <a:cs typeface="Ramabhadra" panose="02000600000000000000" pitchFamily="2" charset="0"/>
-                </a:rPr>
-                <a:t>మహోన్నతుడా మా దేవా</a:t>
-              </a:r>
-            </a:p>
-            <a:p>
-              <a:pPr>
-                <a:lnSpc>
-                  <a:spcPts val="2600"/>
-                </a:lnSpc>
-              </a:pPr>
-              <a:r>
-                <a:rPr lang="te-IN" sz="2000" dirty="0">
-                  <a:latin typeface="Ramabhadra" panose="02000600000000000000"/>
-                  <a:cs typeface="Ramabhadra" panose="02000600000000000000" pitchFamily="2" charset="0"/>
-                </a:rPr>
-                <a:t>సహాయకుడా యెహోవా (2)</a:t>
-              </a:r>
-            </a:p>
-            <a:p>
-              <a:pPr>
-                <a:lnSpc>
-                  <a:spcPts val="2600"/>
-                </a:lnSpc>
-              </a:pPr>
-              <a:r>
-                <a:rPr lang="te-IN" sz="2000" dirty="0">
-                  <a:latin typeface="Ramabhadra" panose="02000600000000000000"/>
-                  <a:cs typeface="Ramabhadra" panose="02000600000000000000" pitchFamily="2" charset="0"/>
-                </a:rPr>
-                <a:t>ఉదయ కాలపు నైవేద్యము</a:t>
-              </a:r>
-            </a:p>
-            <a:p>
-              <a:pPr>
-                <a:lnSpc>
-                  <a:spcPts val="2600"/>
-                </a:lnSpc>
-              </a:pPr>
-              <a:r>
-                <a:rPr lang="te-IN" sz="2000" dirty="0">
-                  <a:latin typeface="Ramabhadra" panose="02000600000000000000"/>
-                  <a:cs typeface="Ramabhadra" panose="02000600000000000000" pitchFamily="2" charset="0"/>
-                </a:rPr>
-                <a:t>హృదయపూర్వక అర్పణము (2)</a:t>
-              </a:r>
-            </a:p>
-            <a:p>
-              <a:pPr>
-                <a:lnSpc>
-                  <a:spcPts val="2600"/>
-                </a:lnSpc>
-              </a:pPr>
-              <a:r>
-                <a:rPr lang="te-IN" sz="2000" dirty="0">
-                  <a:latin typeface="Ramabhadra" panose="02000600000000000000"/>
-                  <a:cs typeface="Ramabhadra" panose="02000600000000000000" pitchFamily="2" charset="0"/>
-                </a:rPr>
-                <a:t>మా స్తుతి నీకేనయ్యా</a:t>
-              </a:r>
-            </a:p>
-            <a:p>
-              <a:pPr>
-                <a:lnSpc>
-                  <a:spcPts val="2600"/>
-                </a:lnSpc>
-              </a:pPr>
-              <a:r>
-                <a:rPr lang="te-IN" sz="2000" dirty="0">
-                  <a:latin typeface="Ramabhadra" panose="02000600000000000000"/>
-                  <a:cs typeface="Ramabhadra" panose="02000600000000000000" pitchFamily="2" charset="0"/>
-                </a:rPr>
-                <a:t>ఆరాధింతునయ్యా (2</a:t>
-              </a:r>
-              <a:r>
-                <a:rPr lang="en-US" sz="2000" dirty="0">
-                  <a:latin typeface="Ramabhadra" panose="02000600000000000000"/>
-                  <a:cs typeface="Ramabhadra" panose="02000600000000000000" pitchFamily="2" charset="0"/>
-                </a:rPr>
-                <a:t>)</a:t>
-              </a:r>
-              <a:endParaRPr lang="te-IN" sz="2000" dirty="0">
-                <a:latin typeface="Ramabhadra" panose="02000600000000000000"/>
-                <a:cs typeface="Ramabhadra" panose="02000600000000000000" pitchFamily="2" charset="0"/>
-              </a:endParaRPr>
-            </a:p>
-            <a:p>
-              <a:pPr>
-                <a:lnSpc>
-                  <a:spcPts val="2600"/>
-                </a:lnSpc>
-              </a:pPr>
-              <a:endParaRPr lang="te-IN" sz="2000" dirty="0">
-                <a:latin typeface="Ramabhadra" panose="02000600000000000000"/>
-                <a:cs typeface="Ramabhadra" panose="02000600000000000000" pitchFamily="2" charset="0"/>
-              </a:endParaRPr>
-            </a:p>
-            <a:p>
-              <a:pPr>
-                <a:lnSpc>
-                  <a:spcPts val="2600"/>
-                </a:lnSpc>
-              </a:pPr>
-              <a:r>
-                <a:rPr lang="te-IN" sz="2000" dirty="0">
-                  <a:latin typeface="Ramabhadra" panose="02000600000000000000"/>
-                  <a:cs typeface="Ramabhadra" panose="02000600000000000000" pitchFamily="2" charset="0"/>
-                </a:rPr>
-                <a:t>అగ్నిని పోలిన నేత్రములు</a:t>
-              </a:r>
-            </a:p>
-            <a:p>
-              <a:pPr>
-                <a:lnSpc>
-                  <a:spcPts val="2600"/>
-                </a:lnSpc>
-              </a:pPr>
-              <a:r>
-                <a:rPr lang="te-IN" sz="2000" dirty="0">
-                  <a:latin typeface="Ramabhadra" panose="02000600000000000000"/>
-                  <a:cs typeface="Ramabhadra" panose="02000600000000000000" pitchFamily="2" charset="0"/>
-                </a:rPr>
-                <a:t>అపరంజి వంటి పాదములు (2)</a:t>
-              </a:r>
-            </a:p>
-            <a:p>
-              <a:pPr>
-                <a:lnSpc>
-                  <a:spcPts val="2600"/>
-                </a:lnSpc>
-              </a:pPr>
-              <a:r>
-                <a:rPr lang="te-IN" sz="2000" dirty="0">
-                  <a:latin typeface="Ramabhadra" panose="02000600000000000000"/>
-                  <a:cs typeface="Ramabhadra" panose="02000600000000000000" pitchFamily="2" charset="0"/>
-                </a:rPr>
-                <a:t>అసమానమైన తేజో మహిమ</a:t>
-              </a:r>
-            </a:p>
-            <a:p>
-              <a:pPr>
-                <a:lnSpc>
-                  <a:spcPts val="2600"/>
-                </a:lnSpc>
-              </a:pPr>
-              <a:r>
-                <a:rPr lang="te-IN" sz="2000" dirty="0">
-                  <a:latin typeface="Ramabhadra" panose="02000600000000000000"/>
-                  <a:cs typeface="Ramabhadra" panose="02000600000000000000" pitchFamily="2" charset="0"/>
-                </a:rPr>
-                <a:t>కలిగిన ఓ ప్రభువా (2)</a:t>
-              </a:r>
-            </a:p>
-            <a:p>
-              <a:pPr>
-                <a:lnSpc>
-                  <a:spcPts val="2600"/>
-                </a:lnSpc>
-              </a:pPr>
-              <a:endParaRPr lang="te-IN" sz="2000" dirty="0">
-                <a:latin typeface="Ramabhadra" panose="02000600000000000000"/>
-                <a:cs typeface="Ramabhadra" panose="02000600000000000000" pitchFamily="2" charset="0"/>
-              </a:endParaRPr>
-            </a:p>
-            <a:p>
-              <a:pPr>
-                <a:lnSpc>
-                  <a:spcPts val="2600"/>
-                </a:lnSpc>
-              </a:pPr>
-              <a:r>
-                <a:rPr lang="te-IN" sz="2000" dirty="0">
-                  <a:latin typeface="Ramabhadra" panose="02000600000000000000"/>
-                  <a:cs typeface="Ramabhadra" panose="02000600000000000000" pitchFamily="2" charset="0"/>
-                </a:rPr>
-                <a:t>జలముల ధ్వని వంటి కంట స్వరం</a:t>
-              </a:r>
-            </a:p>
-            <a:p>
-              <a:pPr>
-                <a:lnSpc>
-                  <a:spcPts val="2600"/>
-                </a:lnSpc>
-              </a:pPr>
-              <a:r>
-                <a:rPr lang="te-IN" sz="2000" dirty="0">
-                  <a:latin typeface="Ramabhadra" panose="02000600000000000000"/>
-                  <a:cs typeface="Ramabhadra" panose="02000600000000000000" pitchFamily="2" charset="0"/>
-                </a:rPr>
-                <a:t>నోటను రెండంచుల ఖడ్గం (2)</a:t>
-              </a:r>
-            </a:p>
-            <a:p>
-              <a:pPr>
-                <a:lnSpc>
-                  <a:spcPts val="2600"/>
-                </a:lnSpc>
-              </a:pPr>
-              <a:r>
-                <a:rPr lang="te-IN" sz="2000" dirty="0">
-                  <a:latin typeface="Ramabhadra" panose="02000600000000000000"/>
-                  <a:cs typeface="Ramabhadra" panose="02000600000000000000" pitchFamily="2" charset="0"/>
-                </a:rPr>
-                <a:t>ఏడు నక్షత్రముల ఏడాత్మలను</a:t>
-              </a:r>
-            </a:p>
-            <a:p>
-              <a:pPr>
-                <a:lnSpc>
-                  <a:spcPts val="2600"/>
-                </a:lnSpc>
-              </a:pPr>
-              <a:r>
-                <a:rPr lang="te-IN" sz="2000" dirty="0">
-                  <a:latin typeface="Ramabhadra" panose="02000600000000000000"/>
-                  <a:cs typeface="Ramabhadra" panose="02000600000000000000" pitchFamily="2" charset="0"/>
-                </a:rPr>
-                <a:t>కలిగిన ఓ ప్రభువా (2)</a:t>
-              </a:r>
-            </a:p>
-          </p:txBody>
-        </p:sp>
-      </p:grpSp>
-      <p:sp>
-        <p:nvSpPr>
-          <p:cNvPr id="2" name="Rectangle 1">
+          <a:prstGeom prst="rect">
+            <a:avLst/>
+          </a:prstGeom>
+          <a:noFill/>
+        </p:spPr>
+        <p:txBody>
+          <a:bodyPr wrap="square" rtlCol="0">
+            <a:spAutoFit/>
+          </a:bodyPr>
+          <a:lstStyle/>
+          <a:p>
+            <a:pPr>
+              <a:lnSpc>
+                <a:spcPct val="150000"/>
+              </a:lnSpc>
+            </a:pPr>
+            <a:r>
+              <a:rPr lang="te-IN" sz="1400" b="1" dirty="0">
+                <a:latin typeface="Anek Telugu SemiBold" pitchFamily="2" charset="0"/>
+                <a:cs typeface="Anek Telugu SemiBold" pitchFamily="2" charset="0"/>
+              </a:rPr>
+              <a:t>ప్రార్థన వలనే పయనము – ప్రార్థనే ప్రాకారము</a:t>
+            </a:r>
+          </a:p>
+          <a:p>
+            <a:pPr>
+              <a:lnSpc>
+                <a:spcPct val="150000"/>
+              </a:lnSpc>
+            </a:pPr>
+            <a:r>
+              <a:rPr lang="te-IN" sz="1400" b="1" dirty="0">
+                <a:latin typeface="Anek Telugu SemiBold" pitchFamily="2" charset="0"/>
+                <a:cs typeface="Anek Telugu SemiBold" pitchFamily="2" charset="0"/>
+              </a:rPr>
+              <a:t>ప్రార్థనే ప్రాధాన్యము – ప్రార్థన లేనిదే పరాజయం (2)</a:t>
+            </a:r>
+          </a:p>
+          <a:p>
+            <a:pPr>
+              <a:lnSpc>
+                <a:spcPct val="150000"/>
+              </a:lnSpc>
+            </a:pPr>
+            <a:r>
+              <a:rPr lang="te-IN" sz="1400" b="1" dirty="0">
+                <a:latin typeface="Anek Telugu SemiBold" pitchFamily="2" charset="0"/>
+                <a:cs typeface="Anek Telugu SemiBold" pitchFamily="2" charset="0"/>
+              </a:rPr>
+              <a:t>ప్రభువా ప్రార్థన నేర్పయ్యా</a:t>
+            </a:r>
+          </a:p>
+          <a:p>
+            <a:pPr>
+              <a:lnSpc>
+                <a:spcPct val="150000"/>
+              </a:lnSpc>
+            </a:pPr>
+            <a:r>
+              <a:rPr lang="te-IN" sz="1400" b="1" dirty="0">
+                <a:latin typeface="Anek Telugu SemiBold" pitchFamily="2" charset="0"/>
+                <a:cs typeface="Anek Telugu SemiBold" pitchFamily="2" charset="0"/>
+              </a:rPr>
+              <a:t>ప్రార్ధించకుండా నే ఉండలేనయ్యా (2)</a:t>
+            </a:r>
+          </a:p>
+          <a:p>
+            <a:pPr>
+              <a:lnSpc>
+                <a:spcPct val="150000"/>
+              </a:lnSpc>
+            </a:pPr>
+            <a:r>
+              <a:rPr lang="te-IN" sz="1400" b="1" dirty="0">
+                <a:latin typeface="Anek Telugu SemiBold" pitchFamily="2" charset="0"/>
+                <a:cs typeface="Anek Telugu SemiBold" pitchFamily="2" charset="0"/>
+              </a:rPr>
+              <a:t>నీ పాదాలు తడపకుండా</a:t>
+            </a:r>
+          </a:p>
+          <a:p>
+            <a:pPr>
+              <a:lnSpc>
+                <a:spcPct val="150000"/>
+              </a:lnSpc>
+            </a:pPr>
+            <a:r>
+              <a:rPr lang="te-IN" sz="1400" b="1" dirty="0">
+                <a:latin typeface="Anek Telugu SemiBold" pitchFamily="2" charset="0"/>
+                <a:cs typeface="Anek Telugu SemiBold" pitchFamily="2" charset="0"/>
+              </a:rPr>
+              <a:t>నా పయనం సాగదయ్యా (2)</a:t>
+            </a:r>
+          </a:p>
+          <a:p>
+            <a:pPr>
+              <a:lnSpc>
+                <a:spcPct val="150000"/>
+              </a:lnSpc>
+            </a:pPr>
+            <a:endParaRPr lang="te-IN" sz="1400" b="1" dirty="0">
+              <a:latin typeface="Anek Telugu SemiBold" pitchFamily="2" charset="0"/>
+              <a:cs typeface="Anek Telugu SemiBold" pitchFamily="2" charset="0"/>
+            </a:endParaRPr>
+          </a:p>
+          <a:p>
+            <a:pPr>
+              <a:lnSpc>
+                <a:spcPct val="150000"/>
+              </a:lnSpc>
+            </a:pPr>
+            <a:r>
+              <a:rPr lang="te-IN" sz="1400" b="1" dirty="0">
+                <a:latin typeface="Anek Telugu SemiBold" pitchFamily="2" charset="0"/>
+                <a:cs typeface="Anek Telugu SemiBold" pitchFamily="2" charset="0"/>
+              </a:rPr>
+              <a:t>ప్రార్ధనలో నాటునది – పెల్లగించుట అసాధ్యము</a:t>
+            </a:r>
+          </a:p>
+          <a:p>
+            <a:pPr>
+              <a:lnSpc>
+                <a:spcPct val="150000"/>
+              </a:lnSpc>
+            </a:pPr>
+            <a:r>
+              <a:rPr lang="te-IN" sz="1400" b="1" dirty="0">
+                <a:latin typeface="Anek Telugu SemiBold" pitchFamily="2" charset="0"/>
+                <a:cs typeface="Anek Telugu SemiBold" pitchFamily="2" charset="0"/>
+              </a:rPr>
+              <a:t>ప్రార్ధనలో పోరాడునది –</a:t>
+            </a:r>
+            <a:r>
+              <a:rPr lang="en-US" sz="1400" b="1" dirty="0">
+                <a:latin typeface="Anek Telugu SemiBold" pitchFamily="2" charset="0"/>
+                <a:cs typeface="Anek Telugu SemiBold" pitchFamily="2" charset="0"/>
+              </a:rPr>
+              <a:t> </a:t>
+            </a:r>
+            <a:r>
+              <a:rPr lang="te-IN" sz="1400" b="1" dirty="0">
+                <a:latin typeface="Anek Telugu SemiBold" pitchFamily="2" charset="0"/>
+                <a:cs typeface="Anek Telugu SemiBold" pitchFamily="2" charset="0"/>
+              </a:rPr>
+              <a:t>పొందకపోవుట అసాధ్యము (2)</a:t>
+            </a:r>
+          </a:p>
+          <a:p>
+            <a:pPr>
+              <a:lnSpc>
+                <a:spcPct val="150000"/>
+              </a:lnSpc>
+            </a:pPr>
+            <a:r>
+              <a:rPr lang="te-IN" sz="1400" b="1" dirty="0">
+                <a:latin typeface="Anek Telugu SemiBold" pitchFamily="2" charset="0"/>
+                <a:cs typeface="Anek Telugu SemiBold" pitchFamily="2" charset="0"/>
+              </a:rPr>
+              <a:t>ప్రార్ధనలో ప్రాకులాడినది –</a:t>
+            </a:r>
+            <a:r>
+              <a:rPr lang="en-US" sz="1400" b="1" dirty="0">
+                <a:latin typeface="Anek Telugu SemiBold" pitchFamily="2" charset="0"/>
+                <a:cs typeface="Anek Telugu SemiBold" pitchFamily="2" charset="0"/>
+              </a:rPr>
+              <a:t> </a:t>
+            </a:r>
+            <a:r>
+              <a:rPr lang="te-IN" sz="1400" b="1" dirty="0">
+                <a:latin typeface="Anek Telugu SemiBold" pitchFamily="2" charset="0"/>
+                <a:cs typeface="Anek Telugu SemiBold" pitchFamily="2" charset="0"/>
+              </a:rPr>
+              <a:t>పతనమవ్వుట అసాధ్యము (2)</a:t>
+            </a:r>
+          </a:p>
+          <a:p>
+            <a:pPr>
+              <a:lnSpc>
+                <a:spcPct val="150000"/>
+              </a:lnSpc>
+            </a:pPr>
+            <a:r>
+              <a:rPr lang="te-IN" sz="1400" b="1" dirty="0">
+                <a:latin typeface="Anek Telugu SemiBold" pitchFamily="2" charset="0"/>
+                <a:cs typeface="Anek Telugu SemiBold" pitchFamily="2" charset="0"/>
+              </a:rPr>
+              <a:t>ప్రార్ధనలో పదునైనది –</a:t>
+            </a:r>
+            <a:r>
+              <a:rPr lang="en-US" sz="1400" b="1" dirty="0">
+                <a:latin typeface="Anek Telugu SemiBold" pitchFamily="2" charset="0"/>
+                <a:cs typeface="Anek Telugu SemiBold" pitchFamily="2" charset="0"/>
+              </a:rPr>
+              <a:t> </a:t>
+            </a:r>
+            <a:r>
+              <a:rPr lang="te-IN" sz="1400" b="1" dirty="0">
+                <a:latin typeface="Anek Telugu SemiBold" pitchFamily="2" charset="0"/>
+                <a:cs typeface="Anek Telugu SemiBold" pitchFamily="2" charset="0"/>
+              </a:rPr>
+              <a:t>పనిచేయకపోవుట అసాధ్యము (2)</a:t>
+            </a:r>
+            <a:endParaRPr lang="en-US" sz="1400" b="1" dirty="0">
+              <a:latin typeface="Anek Telugu SemiBold" pitchFamily="2" charset="0"/>
+              <a:cs typeface="Anek Telugu SemiBold" pitchFamily="2" charset="0"/>
+            </a:endParaRPr>
+          </a:p>
+          <a:p>
+            <a:pPr>
+              <a:lnSpc>
+                <a:spcPct val="150000"/>
+              </a:lnSpc>
+            </a:pPr>
+            <a:endParaRPr lang="te-IN" sz="1400" b="1" dirty="0">
+              <a:latin typeface="Anek Telugu SemiBold" pitchFamily="2" charset="0"/>
+              <a:cs typeface="Anek Telugu SemiBold" pitchFamily="2" charset="0"/>
+            </a:endParaRPr>
+          </a:p>
+          <a:p>
+            <a:pPr>
+              <a:lnSpc>
+                <a:spcPct val="150000"/>
+              </a:lnSpc>
+            </a:pPr>
+            <a:r>
+              <a:rPr lang="te-IN" sz="1400" b="1" dirty="0">
+                <a:latin typeface="Anek Telugu SemiBold" pitchFamily="2" charset="0"/>
+                <a:cs typeface="Anek Telugu SemiBold" pitchFamily="2" charset="0"/>
+              </a:rPr>
+              <a:t>ప్రార్ధనలో కనీళ్లు – కరిగిపోవుట అసాధ్యము</a:t>
+            </a:r>
+          </a:p>
+          <a:p>
+            <a:pPr>
+              <a:lnSpc>
+                <a:spcPct val="150000"/>
+              </a:lnSpc>
+            </a:pPr>
+            <a:r>
+              <a:rPr lang="te-IN" sz="1400" b="1" dirty="0">
+                <a:latin typeface="Anek Telugu SemiBold" pitchFamily="2" charset="0"/>
+                <a:cs typeface="Anek Telugu SemiBold" pitchFamily="2" charset="0"/>
+              </a:rPr>
+              <a:t>ప్రార్ధనలో మూల్గునది – మరుగైపోవుట అసాధ్యము (2)</a:t>
+            </a:r>
+          </a:p>
+          <a:p>
+            <a:pPr>
+              <a:lnSpc>
+                <a:spcPct val="150000"/>
+              </a:lnSpc>
+            </a:pPr>
+            <a:r>
+              <a:rPr lang="te-IN" sz="1400" b="1" dirty="0">
+                <a:latin typeface="Anek Telugu SemiBold" pitchFamily="2" charset="0"/>
+                <a:cs typeface="Anek Telugu SemiBold" pitchFamily="2" charset="0"/>
+              </a:rPr>
+              <a:t>ప్రార్ధనలో నలిగితే – నష్టపోవుట అసాధ్యము (2)</a:t>
+            </a:r>
+          </a:p>
+          <a:p>
+            <a:pPr>
+              <a:lnSpc>
+                <a:spcPct val="150000"/>
+              </a:lnSpc>
+            </a:pPr>
+            <a:r>
+              <a:rPr lang="te-IN" sz="1400" b="1" dirty="0">
+                <a:latin typeface="Anek Telugu SemiBold" pitchFamily="2" charset="0"/>
+                <a:cs typeface="Anek Telugu SemiBold" pitchFamily="2" charset="0"/>
+              </a:rPr>
+              <a:t>ప్రార్ధనలో పెనుగులాడితే – పడిపోవుట అసాధ్యము (2)</a:t>
+            </a:r>
+          </a:p>
+        </p:txBody>
+      </p:sp>
+      <p:sp>
+        <p:nvSpPr>
+          <p:cNvPr id="13" name="Oval 12">
             <a:extLst>
               <a:ext uri="{FF2B5EF4-FFF2-40B4-BE49-F238E27FC236}">
-                <a16:creationId xmlns:a16="http://schemas.microsoft.com/office/drawing/2014/main" id="{CEBA6011-CA21-438F-B7D1-377168C5DA16}"/>
+                <a16:creationId xmlns:a16="http://schemas.microsoft.com/office/drawing/2014/main" id="{26F461D1-594E-4D24-8238-761378173A6A}"/>
               </a:ext>
             </a:extLst>
           </p:cNvPr>
@@ -3828,15 +4824,20 @@
         </p:nvSpPr>
         <p:spPr>
           <a:xfrm>
-            <a:off x="7021458" y="6675966"/>
-            <a:ext cx="970017" cy="178310"/>
+            <a:off x="9168377" y="326429"/>
+            <a:ext cx="390525" cy="390525"/>
           </a:xfrm>
-          <a:prstGeom prst="rect">
+          <a:prstGeom prst="ellipse">
             <a:avLst/>
           </a:prstGeom>
           <a:noFill/>
-          <a:ln>
-            <a:noFill/>
+          <a:ln w="19050">
+            <a:solidFill>
+              <a:schemeClr val="tx1">
+                <a:lumMod val="50000"/>
+                <a:lumOff val="50000"/>
+              </a:schemeClr>
+            </a:solidFill>
           </a:ln>
         </p:spPr>
         <p:style>
@@ -3861,22 +4862,22 @@
           <a:p>
             <a:pPr algn="ctr"/>
             <a:r>
-              <a:rPr lang="en-IN" sz="1400" dirty="0">
+              <a:rPr lang="en-IN" dirty="0">
                 <a:solidFill>
                   <a:schemeClr val="tx1"/>
                 </a:solidFill>
               </a:rPr>
-              <a:t>130425</a:t>
-            </a:r>
-          </a:p>
-        </p:txBody>
-      </p:sp>
-      <p:sp>
-        <p:nvSpPr>
-          <p:cNvPr id="14" name="Rectangle 13">
+              <a:t>1</a:t>
+            </a:r>
+          </a:p>
+        </p:txBody>
+      </p:sp>
+      <p:sp>
+        <p:nvSpPr>
+          <p:cNvPr id="2" name="Oval 1">
             <a:extLst>
               <a:ext uri="{FF2B5EF4-FFF2-40B4-BE49-F238E27FC236}">
-                <a16:creationId xmlns:a16="http://schemas.microsoft.com/office/drawing/2014/main" id="{AD044142-8A4B-48E2-8204-53A1EBC016D8}"/>
+                <a16:creationId xmlns:a16="http://schemas.microsoft.com/office/drawing/2014/main" id="{3677D164-3D42-4CA2-F7B4-A173B6736AD4}"/>
               </a:ext>
             </a:extLst>
           </p:cNvPr>
@@ -3885,15 +4886,20 @@
         </p:nvSpPr>
         <p:spPr>
           <a:xfrm>
-            <a:off x="2010310" y="6670895"/>
-            <a:ext cx="970017" cy="178310"/>
+            <a:off x="4436286" y="265711"/>
+            <a:ext cx="390525" cy="390525"/>
           </a:xfrm>
-          <a:prstGeom prst="rect">
+          <a:prstGeom prst="ellipse">
             <a:avLst/>
           </a:prstGeom>
           <a:noFill/>
-          <a:ln>
-            <a:noFill/>
+          <a:ln w="19050">
+            <a:solidFill>
+              <a:schemeClr val="tx1">
+                <a:lumMod val="50000"/>
+                <a:lumOff val="50000"/>
+              </a:schemeClr>
+            </a:solidFill>
           </a:ln>
         </p:spPr>
         <p:style>
@@ -3918,12 +4924,12 @@
           <a:p>
             <a:pPr algn="ctr"/>
             <a:r>
-              <a:rPr lang="en-IN" sz="1400" dirty="0">
+              <a:rPr lang="en-IN" dirty="0">
                 <a:solidFill>
                   <a:schemeClr val="tx1"/>
                 </a:solidFill>
               </a:rPr>
-              <a:t>130425</a:t>
+              <a:t>4</a:t>
             </a:r>
           </a:p>
         </p:txBody>
@@ -3958,709 +4964,293 @@
           <a:chExt cx="0" cy="0"/>
         </a:xfrm>
       </p:grpSpPr>
-      <p:grpSp>
-        <p:nvGrpSpPr>
-          <p:cNvPr id="9" name="Group 8">
+      <p:sp>
+        <p:nvSpPr>
+          <p:cNvPr id="4" name="TextBox 3">
             <a:extLst>
               <a:ext uri="{FF2B5EF4-FFF2-40B4-BE49-F238E27FC236}">
-                <a16:creationId xmlns:a16="http://schemas.microsoft.com/office/drawing/2014/main" id="{A7E1EC36-C610-4951-92FB-5FA9BAA559EC}"/>
+                <a16:creationId xmlns:a16="http://schemas.microsoft.com/office/drawing/2014/main" id="{FB41F474-87B0-C226-746A-F4BD47A88133}"/>
               </a:ext>
             </a:extLst>
           </p:cNvPr>
-          <p:cNvGrpSpPr/>
+          <p:cNvSpPr txBox="1"/>
           <p:nvPr/>
-        </p:nvGrpSpPr>
-        <p:grpSpPr>
+        </p:nvSpPr>
+        <p:spPr>
           <a:xfrm>
-            <a:off x="160868" y="182032"/>
-            <a:ext cx="4824939" cy="6493935"/>
-            <a:chOff x="160868" y="182032"/>
-            <a:chExt cx="4824939" cy="6493935"/>
+            <a:off x="345011" y="199362"/>
+            <a:ext cx="4640796" cy="6324808"/>
           </a:xfrm>
-        </p:grpSpPr>
-        <p:sp>
-          <p:nvSpPr>
-            <p:cNvPr id="4" name="Rectangle 3">
-              <a:extLst>
-                <a:ext uri="{FF2B5EF4-FFF2-40B4-BE49-F238E27FC236}">
-                  <a16:creationId xmlns:a16="http://schemas.microsoft.com/office/drawing/2014/main" id="{7B702E0D-FD8D-4F00-8F9D-9ACEED91C763}"/>
-                </a:ext>
-              </a:extLst>
-            </p:cNvPr>
-            <p:cNvSpPr/>
-            <p:nvPr/>
-          </p:nvSpPr>
-          <p:spPr>
-            <a:xfrm>
-              <a:off x="160868" y="182032"/>
-              <a:ext cx="4648200" cy="6493935"/>
-            </a:xfrm>
-            <a:prstGeom prst="rect">
-              <a:avLst/>
-            </a:prstGeom>
-            <a:noFill/>
-            <a:ln w="19050" cmpd="thinThick">
-              <a:solidFill>
-                <a:schemeClr val="tx1">
-                  <a:lumMod val="50000"/>
-                  <a:lumOff val="50000"/>
-                </a:schemeClr>
-              </a:solidFill>
-            </a:ln>
-          </p:spPr>
-          <p:style>
-            <a:lnRef idx="2">
-              <a:schemeClr val="accent1">
-                <a:shade val="50000"/>
-              </a:schemeClr>
-            </a:lnRef>
-            <a:fillRef idx="1">
-              <a:schemeClr val="accent1"/>
-            </a:fillRef>
-            <a:effectRef idx="0">
-              <a:schemeClr val="accent1"/>
-            </a:effectRef>
-            <a:fontRef idx="minor">
-              <a:schemeClr val="lt1"/>
-            </a:fontRef>
-          </p:style>
-          <p:txBody>
-            <a:bodyPr rtlCol="0" anchor="ctr"/>
-            <a:lstStyle/>
-            <a:p>
-              <a:pPr algn="ctr"/>
-              <a:endParaRPr lang="en-IN"/>
-            </a:p>
-          </p:txBody>
-        </p:sp>
-        <p:sp>
-          <p:nvSpPr>
-            <p:cNvPr id="7" name="TextBox 6">
-              <a:extLst>
-                <a:ext uri="{FF2B5EF4-FFF2-40B4-BE49-F238E27FC236}">
-                  <a16:creationId xmlns:a16="http://schemas.microsoft.com/office/drawing/2014/main" id="{C5F65C11-52F8-415B-A70B-C02268F6F4A1}"/>
-                </a:ext>
-              </a:extLst>
-            </p:cNvPr>
-            <p:cNvSpPr txBox="1"/>
-            <p:nvPr/>
-          </p:nvSpPr>
-          <p:spPr>
-            <a:xfrm>
-              <a:off x="345011" y="357759"/>
-              <a:ext cx="4640796" cy="5509200"/>
-            </a:xfrm>
-            <a:prstGeom prst="rect">
-              <a:avLst/>
-            </a:prstGeom>
-            <a:noFill/>
-          </p:spPr>
-          <p:txBody>
-            <a:bodyPr wrap="square" rtlCol="0">
-              <a:spAutoFit/>
-            </a:bodyPr>
-            <a:lstStyle/>
-            <a:p>
-              <a:pPr defTabSz="439781">
-                <a:defRPr/>
-              </a:pPr>
-              <a:r>
-                <a:rPr lang="te-IN" sz="2200" dirty="0">
-                  <a:latin typeface="Ramabhadra" panose="02000600000000000000" pitchFamily="2" charset="0"/>
-                  <a:cs typeface="Ramabhadra" panose="02000600000000000000" pitchFamily="2" charset="0"/>
-                </a:rPr>
-                <a:t>శాశ్వతమైన ప్రేమ </a:t>
-              </a:r>
-            </a:p>
-            <a:p>
-              <a:pPr defTabSz="439781">
-                <a:defRPr/>
-              </a:pPr>
-              <a:r>
-                <a:rPr lang="te-IN" sz="2200" dirty="0">
-                  <a:latin typeface="Ramabhadra" panose="02000600000000000000" pitchFamily="2" charset="0"/>
-                  <a:cs typeface="Ramabhadra" panose="02000600000000000000" pitchFamily="2" charset="0"/>
-                </a:rPr>
-                <a:t>నను ఎడబాయని యేసు ప్రేమ</a:t>
-              </a:r>
-            </a:p>
-            <a:p>
-              <a:pPr defTabSz="439781">
-                <a:defRPr/>
-              </a:pPr>
-              <a:r>
-                <a:rPr lang="te-IN" sz="2200" dirty="0">
-                  <a:latin typeface="Ramabhadra" panose="02000600000000000000" pitchFamily="2" charset="0"/>
-                  <a:cs typeface="Ramabhadra" panose="02000600000000000000" pitchFamily="2" charset="0"/>
-                </a:rPr>
-                <a:t>విడువక నాయెడ తన కృప చూపు ప్రేమ</a:t>
-              </a:r>
-            </a:p>
-            <a:p>
-              <a:pPr defTabSz="439781">
-                <a:defRPr/>
-              </a:pPr>
-              <a:r>
-                <a:rPr lang="te-IN" sz="2200" dirty="0">
-                  <a:latin typeface="Ramabhadra" panose="02000600000000000000" pitchFamily="2" charset="0"/>
-                  <a:cs typeface="Ramabhadra" panose="02000600000000000000" pitchFamily="2" charset="0"/>
-                </a:rPr>
-                <a:t>నన్నాదరించు ప్రేమ - నన్నాదుకొన్న ప్రేమ</a:t>
-              </a:r>
-            </a:p>
-            <a:p>
-              <a:pPr defTabSz="439781">
-                <a:defRPr/>
-              </a:pPr>
-              <a:endParaRPr lang="te-IN" sz="2200" dirty="0">
-                <a:latin typeface="Ramabhadra" panose="02000600000000000000" pitchFamily="2" charset="0"/>
-                <a:cs typeface="Ramabhadra" panose="02000600000000000000" pitchFamily="2" charset="0"/>
-              </a:endParaRPr>
-            </a:p>
-            <a:p>
-              <a:pPr defTabSz="439781">
-                <a:defRPr/>
-              </a:pPr>
-              <a:r>
-                <a:rPr lang="te-IN" sz="2200" dirty="0">
-                  <a:latin typeface="Ramabhadra" panose="02000600000000000000" pitchFamily="2" charset="0"/>
-                  <a:cs typeface="Ramabhadra" panose="02000600000000000000" pitchFamily="2" charset="0"/>
-                </a:rPr>
-                <a:t>యుగములు మారినను </a:t>
-              </a:r>
-            </a:p>
-            <a:p>
-              <a:pPr defTabSz="439781">
-                <a:defRPr/>
-              </a:pPr>
-              <a:r>
-                <a:rPr lang="te-IN" sz="2200" dirty="0">
-                  <a:latin typeface="Ramabhadra" panose="02000600000000000000" pitchFamily="2" charset="0"/>
-                  <a:cs typeface="Ramabhadra" panose="02000600000000000000" pitchFamily="2" charset="0"/>
-                </a:rPr>
-                <a:t>తరములు తరళినను</a:t>
-              </a:r>
-            </a:p>
-            <a:p>
-              <a:pPr defTabSz="439781">
-                <a:defRPr/>
-              </a:pPr>
-              <a:r>
-                <a:rPr lang="te-IN" sz="2200" dirty="0">
-                  <a:latin typeface="Ramabhadra" panose="02000600000000000000" pitchFamily="2" charset="0"/>
-                  <a:cs typeface="Ramabhadra" panose="02000600000000000000" pitchFamily="2" charset="0"/>
-                </a:rPr>
-                <a:t>రాజ్యములే కంపించిన  </a:t>
-              </a:r>
-            </a:p>
-            <a:p>
-              <a:pPr defTabSz="439781">
-                <a:defRPr/>
-              </a:pPr>
-              <a:r>
-                <a:rPr lang="te-IN" sz="2200" dirty="0">
-                  <a:latin typeface="Ramabhadra" panose="02000600000000000000" pitchFamily="2" charset="0"/>
-                  <a:cs typeface="Ramabhadra" panose="02000600000000000000" pitchFamily="2" charset="0"/>
-                </a:rPr>
-                <a:t>భూ రాష్ట్రములె అంతరించిన</a:t>
-              </a:r>
-            </a:p>
-            <a:p>
-              <a:pPr defTabSz="439781">
-                <a:defRPr/>
-              </a:pPr>
-              <a:r>
-                <a:rPr lang="te-IN" sz="2200" dirty="0">
-                  <a:latin typeface="Ramabhadra" panose="02000600000000000000" pitchFamily="2" charset="0"/>
-                  <a:cs typeface="Ramabhadra" panose="02000600000000000000" pitchFamily="2" charset="0"/>
-                </a:rPr>
-                <a:t>మారని ప్రేమ అత్యంత ప్రేమ అవధులే లేని ప్రేమ</a:t>
-              </a:r>
-            </a:p>
-            <a:p>
-              <a:pPr defTabSz="439781">
-                <a:defRPr/>
-              </a:pPr>
-              <a:endParaRPr lang="te-IN" sz="2200" dirty="0">
-                <a:latin typeface="Ramabhadra" panose="02000600000000000000" pitchFamily="2" charset="0"/>
-                <a:cs typeface="Ramabhadra" panose="02000600000000000000" pitchFamily="2" charset="0"/>
-              </a:endParaRPr>
-            </a:p>
-            <a:p>
-              <a:pPr defTabSz="439781">
-                <a:defRPr/>
-              </a:pPr>
-              <a:r>
-                <a:rPr lang="te-IN" sz="2200" dirty="0">
-                  <a:latin typeface="Ramabhadra" panose="02000600000000000000" pitchFamily="2" charset="0"/>
-                  <a:cs typeface="Ramabhadra" panose="02000600000000000000" pitchFamily="2" charset="0"/>
-                </a:rPr>
-                <a:t>నా వారు వెలివేసినా నాకున్న వారే దూరమైన</a:t>
-              </a:r>
-            </a:p>
-            <a:p>
-              <a:pPr defTabSz="439781">
-                <a:defRPr/>
-              </a:pPr>
-              <a:r>
-                <a:rPr lang="te-IN" sz="2200" dirty="0">
-                  <a:latin typeface="Ramabhadra" panose="02000600000000000000" pitchFamily="2" charset="0"/>
-                  <a:cs typeface="Ramabhadra" panose="02000600000000000000" pitchFamily="2" charset="0"/>
-                </a:rPr>
-                <a:t>తన బిడ్డను తల్లి మరచిన </a:t>
-              </a:r>
-            </a:p>
-            <a:p>
-              <a:pPr defTabSz="439781">
-                <a:defRPr/>
-              </a:pPr>
-              <a:r>
-                <a:rPr lang="te-IN" sz="2200" dirty="0">
-                  <a:latin typeface="Ramabhadra" panose="02000600000000000000" pitchFamily="2" charset="0"/>
-                  <a:cs typeface="Ramabhadra" panose="02000600000000000000" pitchFamily="2" charset="0"/>
-                </a:rPr>
-                <a:t>నను ఎన్నటికి మరువననిన</a:t>
-              </a:r>
-            </a:p>
-            <a:p>
-              <a:pPr defTabSz="439781">
-                <a:defRPr/>
-              </a:pPr>
-              <a:r>
-                <a:rPr lang="te-IN" sz="2200" dirty="0">
-                  <a:latin typeface="Ramabhadra" panose="02000600000000000000" pitchFamily="2" charset="0"/>
-                  <a:cs typeface="Ramabhadra" panose="02000600000000000000" pitchFamily="2" charset="0"/>
-                </a:rPr>
-                <a:t>అరచేతిలో నన్ను చెక్కుకొన్న ప్రేమ</a:t>
-              </a:r>
-            </a:p>
-            <a:p>
-              <a:pPr defTabSz="439781">
-                <a:defRPr/>
-              </a:pPr>
-              <a:r>
-                <a:rPr lang="te-IN" sz="2200" dirty="0">
-                  <a:latin typeface="Ramabhadra" panose="02000600000000000000" pitchFamily="2" charset="0"/>
-                  <a:cs typeface="Ramabhadra" panose="02000600000000000000" pitchFamily="2" charset="0"/>
-                </a:rPr>
-                <a:t> మరవని విడువని ప్రేమ</a:t>
-              </a:r>
-            </a:p>
-          </p:txBody>
-        </p:sp>
-        <p:sp>
-          <p:nvSpPr>
-            <p:cNvPr id="8" name="Oval 7">
-              <a:extLst>
-                <a:ext uri="{FF2B5EF4-FFF2-40B4-BE49-F238E27FC236}">
-                  <a16:creationId xmlns:a16="http://schemas.microsoft.com/office/drawing/2014/main" id="{B70ED263-63AA-434F-8E88-AB7AD897A1CD}"/>
-                </a:ext>
-              </a:extLst>
-            </p:cNvPr>
-            <p:cNvSpPr/>
-            <p:nvPr/>
-          </p:nvSpPr>
-          <p:spPr>
-            <a:xfrm>
-              <a:off x="4252686" y="333830"/>
-              <a:ext cx="348645" cy="363200"/>
-            </a:xfrm>
-            <a:prstGeom prst="ellipse">
-              <a:avLst/>
-            </a:prstGeom>
-            <a:noFill/>
-            <a:ln w="19050">
-              <a:solidFill>
-                <a:schemeClr val="tx1">
-                  <a:lumMod val="50000"/>
-                  <a:lumOff val="50000"/>
-                </a:schemeClr>
-              </a:solidFill>
-            </a:ln>
-          </p:spPr>
-          <p:style>
-            <a:lnRef idx="2">
-              <a:schemeClr val="accent1">
-                <a:shade val="50000"/>
-              </a:schemeClr>
-            </a:lnRef>
-            <a:fillRef idx="1">
-              <a:schemeClr val="accent1"/>
-            </a:fillRef>
-            <a:effectRef idx="0">
-              <a:schemeClr val="accent1"/>
-            </a:effectRef>
-            <a:fontRef idx="minor">
-              <a:schemeClr val="lt1"/>
-            </a:fontRef>
-          </p:style>
-          <p:txBody>
-            <a:bodyPr rtlCol="0" anchor="ctr"/>
-            <a:lstStyle/>
-            <a:p>
-              <a:pPr algn="ctr"/>
-              <a:r>
-                <a:rPr lang="en-IN" dirty="0">
-                  <a:solidFill>
-                    <a:schemeClr val="tx1"/>
-                  </a:solidFill>
-                </a:rPr>
-                <a:t>2</a:t>
-              </a:r>
-            </a:p>
-          </p:txBody>
-        </p:sp>
-      </p:grpSp>
-      <p:grpSp>
-        <p:nvGrpSpPr>
-          <p:cNvPr id="10" name="Group 9">
+          <a:prstGeom prst="rect">
+            <a:avLst/>
+          </a:prstGeom>
+          <a:noFill/>
+        </p:spPr>
+        <p:txBody>
+          <a:bodyPr wrap="square" rtlCol="0">
+            <a:spAutoFit/>
+          </a:bodyPr>
+          <a:lstStyle/>
+          <a:p>
+            <a:pPr defTabSz="439781">
+              <a:lnSpc>
+                <a:spcPct val="150000"/>
+              </a:lnSpc>
+              <a:defRPr/>
+            </a:pPr>
+            <a:r>
+              <a:rPr lang="te-IN" sz="1500" dirty="0">
+                <a:latin typeface="Anek Telugu SemiBold" pitchFamily="2" charset="0"/>
+                <a:cs typeface="Anek Telugu SemiBold" pitchFamily="2" charset="0"/>
+              </a:rPr>
+              <a:t>అల్ఫా ఒమేగా అయినా మహిమాన్వితుడా</a:t>
+            </a:r>
+          </a:p>
+          <a:p>
+            <a:pPr defTabSz="439781">
+              <a:lnSpc>
+                <a:spcPct val="150000"/>
+              </a:lnSpc>
+              <a:defRPr/>
+            </a:pPr>
+            <a:r>
+              <a:rPr lang="te-IN" sz="1500" dirty="0">
+                <a:latin typeface="Anek Telugu SemiBold" pitchFamily="2" charset="0"/>
+                <a:cs typeface="Anek Telugu SemiBold" pitchFamily="2" charset="0"/>
+              </a:rPr>
+              <a:t>అద్వితీయ సత్యవంతుడా నిరంతరం స్తోత్రర్హుడా</a:t>
+            </a:r>
+          </a:p>
+          <a:p>
+            <a:pPr defTabSz="439781">
+              <a:lnSpc>
+                <a:spcPct val="150000"/>
+              </a:lnSpc>
+              <a:defRPr/>
+            </a:pPr>
+            <a:r>
+              <a:rPr lang="te-IN" sz="1500" dirty="0">
+                <a:latin typeface="Anek Telugu SemiBold" pitchFamily="2" charset="0"/>
+                <a:cs typeface="Anek Telugu SemiBold" pitchFamily="2" charset="0"/>
+              </a:rPr>
+              <a:t>రాత్రిలో కాంతి కిరణమా పగటిలో కృపానిలయమా</a:t>
+            </a:r>
+          </a:p>
+          <a:p>
+            <a:pPr defTabSz="439781">
+              <a:lnSpc>
+                <a:spcPct val="150000"/>
+              </a:lnSpc>
+              <a:defRPr/>
+            </a:pPr>
+            <a:r>
+              <a:rPr lang="te-IN" sz="1500" dirty="0">
+                <a:latin typeface="Anek Telugu SemiBold" pitchFamily="2" charset="0"/>
+                <a:cs typeface="Anek Telugu SemiBold" pitchFamily="2" charset="0"/>
+              </a:rPr>
+              <a:t>ముదిమి వరకు నన్నాదరించె సత్యవాక్యమా</a:t>
+            </a:r>
+          </a:p>
+          <a:p>
+            <a:pPr defTabSz="439781">
+              <a:lnSpc>
+                <a:spcPct val="150000"/>
+              </a:lnSpc>
+              <a:defRPr/>
+            </a:pPr>
+            <a:r>
+              <a:rPr lang="te-IN" sz="1500" dirty="0">
+                <a:latin typeface="Anek Telugu SemiBold" pitchFamily="2" charset="0"/>
+                <a:cs typeface="Anek Telugu SemiBold" pitchFamily="2" charset="0"/>
+              </a:rPr>
+              <a:t>నాతో స్నేహమై నా సౌక్యమై</a:t>
+            </a:r>
+          </a:p>
+          <a:p>
+            <a:pPr defTabSz="439781">
+              <a:lnSpc>
+                <a:spcPct val="150000"/>
+              </a:lnSpc>
+              <a:defRPr/>
+            </a:pPr>
+            <a:r>
+              <a:rPr lang="te-IN" sz="1500" dirty="0">
+                <a:latin typeface="Anek Telugu SemiBold" pitchFamily="2" charset="0"/>
+                <a:cs typeface="Anek Telugu SemiBold" pitchFamily="2" charset="0"/>
+              </a:rPr>
+              <a:t>నను నడిపించె నా యేసయ్య</a:t>
+            </a:r>
+          </a:p>
+          <a:p>
+            <a:pPr defTabSz="439781">
+              <a:lnSpc>
+                <a:spcPct val="150000"/>
+              </a:lnSpc>
+              <a:defRPr/>
+            </a:pPr>
+            <a:br>
+              <a:rPr lang="te-IN" sz="1500" dirty="0">
+                <a:latin typeface="Anek Telugu SemiBold" pitchFamily="2" charset="0"/>
+                <a:cs typeface="Anek Telugu SemiBold" pitchFamily="2" charset="0"/>
+              </a:rPr>
+            </a:br>
+            <a:r>
+              <a:rPr lang="te-IN" sz="1500" dirty="0">
+                <a:latin typeface="Anek Telugu SemiBold" pitchFamily="2" charset="0"/>
+                <a:cs typeface="Anek Telugu SemiBold" pitchFamily="2" charset="0"/>
+              </a:rPr>
+              <a:t>కనికర పూర్ణుడా నీ కృప బాహుల్యమే</a:t>
+            </a:r>
+          </a:p>
+          <a:p>
+            <a:pPr defTabSz="439781">
+              <a:lnSpc>
+                <a:spcPct val="150000"/>
+              </a:lnSpc>
+              <a:defRPr/>
+            </a:pPr>
+            <a:r>
+              <a:rPr lang="te-IN" sz="1500" dirty="0">
+                <a:latin typeface="Anek Telugu SemiBold" pitchFamily="2" charset="0"/>
+                <a:cs typeface="Anek Telugu SemiBold" pitchFamily="2" charset="0"/>
+              </a:rPr>
+              <a:t>ఉన్నతముగా నిను ఆరాధించుటకు</a:t>
+            </a:r>
+          </a:p>
+          <a:p>
+            <a:pPr defTabSz="439781">
+              <a:lnSpc>
+                <a:spcPct val="150000"/>
+              </a:lnSpc>
+              <a:defRPr/>
+            </a:pPr>
+            <a:r>
+              <a:rPr lang="te-IN" sz="1500" dirty="0">
+                <a:latin typeface="Anek Telugu SemiBold" pitchFamily="2" charset="0"/>
+                <a:cs typeface="Anek Telugu SemiBold" pitchFamily="2" charset="0"/>
+              </a:rPr>
+              <a:t>అనుక్షనమున నీ ముఖ కాంతిలో నిలిపి</a:t>
+            </a:r>
+          </a:p>
+          <a:p>
+            <a:pPr defTabSz="439781">
+              <a:lnSpc>
+                <a:spcPct val="150000"/>
+              </a:lnSpc>
+              <a:defRPr/>
+            </a:pPr>
+            <a:r>
+              <a:rPr lang="te-IN" sz="1500" dirty="0">
+                <a:latin typeface="Anek Telugu SemiBold" pitchFamily="2" charset="0"/>
+                <a:cs typeface="Anek Telugu SemiBold" pitchFamily="2" charset="0"/>
+              </a:rPr>
+              <a:t>నూతన వసంతములో చేర్చెను</a:t>
+            </a:r>
+          </a:p>
+          <a:p>
+            <a:pPr defTabSz="439781">
+              <a:lnSpc>
+                <a:spcPct val="150000"/>
+              </a:lnSpc>
+              <a:defRPr/>
+            </a:pPr>
+            <a:r>
+              <a:rPr lang="te-IN" sz="1500" dirty="0">
+                <a:latin typeface="Anek Telugu SemiBold" pitchFamily="2" charset="0"/>
+                <a:cs typeface="Anek Telugu SemiBold" pitchFamily="2" charset="0"/>
+              </a:rPr>
+              <a:t>జీవించెద నీ కొరకే హర్షించెద నీలోనే</a:t>
+            </a:r>
+          </a:p>
+          <a:p>
+            <a:pPr defTabSz="439781">
+              <a:lnSpc>
+                <a:spcPct val="150000"/>
+              </a:lnSpc>
+              <a:defRPr/>
+            </a:pPr>
+            <a:br>
+              <a:rPr lang="te-IN" sz="1500" dirty="0">
+                <a:latin typeface="Anek Telugu SemiBold" pitchFamily="2" charset="0"/>
+                <a:cs typeface="Anek Telugu SemiBold" pitchFamily="2" charset="0"/>
+              </a:rPr>
+            </a:br>
+            <a:r>
+              <a:rPr lang="te-IN" sz="1500" dirty="0">
+                <a:latin typeface="Anek Telugu SemiBold" pitchFamily="2" charset="0"/>
+                <a:cs typeface="Anek Telugu SemiBold" pitchFamily="2" charset="0"/>
+              </a:rPr>
+              <a:t>తేజోమాయుడా నీదివ్య సంకల్పమే</a:t>
+            </a:r>
+          </a:p>
+          <a:p>
+            <a:pPr defTabSz="439781">
+              <a:lnSpc>
+                <a:spcPct val="150000"/>
+              </a:lnSpc>
+              <a:defRPr/>
+            </a:pPr>
+            <a:r>
+              <a:rPr lang="te-IN" sz="1500" dirty="0">
+                <a:latin typeface="Anek Telugu SemiBold" pitchFamily="2" charset="0"/>
+                <a:cs typeface="Anek Telugu SemiBold" pitchFamily="2" charset="0"/>
+              </a:rPr>
+              <a:t>ఆశ్చర్యకరమైన వెలుగులో నడుపుటకు</a:t>
+            </a:r>
+          </a:p>
+          <a:p>
+            <a:pPr defTabSz="439781">
+              <a:lnSpc>
+                <a:spcPct val="150000"/>
+              </a:lnSpc>
+              <a:defRPr/>
+            </a:pPr>
+            <a:r>
+              <a:rPr lang="te-IN" sz="1500" dirty="0">
+                <a:latin typeface="Anek Telugu SemiBold" pitchFamily="2" charset="0"/>
+                <a:cs typeface="Anek Telugu SemiBold" pitchFamily="2" charset="0"/>
+              </a:rPr>
+              <a:t>ఆశ నిరాశల వలయాలు తప్పించి</a:t>
+            </a:r>
+          </a:p>
+          <a:p>
+            <a:pPr defTabSz="439781">
+              <a:lnSpc>
+                <a:spcPct val="150000"/>
+              </a:lnSpc>
+              <a:defRPr/>
+            </a:pPr>
+            <a:r>
+              <a:rPr lang="te-IN" sz="1500" dirty="0">
+                <a:latin typeface="Anek Telugu SemiBold" pitchFamily="2" charset="0"/>
+                <a:cs typeface="Anek Telugu SemiBold" pitchFamily="2" charset="0"/>
+              </a:rPr>
+              <a:t>అగ్నిజ్వాలగా ననుచేసెను</a:t>
+            </a:r>
+          </a:p>
+          <a:p>
+            <a:pPr defTabSz="439781">
+              <a:lnSpc>
+                <a:spcPct val="150000"/>
+              </a:lnSpc>
+              <a:defRPr/>
+            </a:pPr>
+            <a:r>
+              <a:rPr lang="te-IN" sz="1500" dirty="0">
+                <a:latin typeface="Anek Telugu SemiBold" pitchFamily="2" charset="0"/>
+                <a:cs typeface="Anek Telugu SemiBold" pitchFamily="2" charset="0"/>
+              </a:rPr>
+              <a:t>నా స్తుతి కీర్తన నీవే స్తుతి ఆరాధన నీకే</a:t>
+            </a:r>
+          </a:p>
+        </p:txBody>
+      </p:sp>
+      <p:sp>
+        <p:nvSpPr>
+          <p:cNvPr id="5" name="Oval 4">
             <a:extLst>
               <a:ext uri="{FF2B5EF4-FFF2-40B4-BE49-F238E27FC236}">
-                <a16:creationId xmlns:a16="http://schemas.microsoft.com/office/drawing/2014/main" id="{BD4861E3-0140-4666-A772-E1339125A35F}"/>
-              </a:ext>
-            </a:extLst>
-          </p:cNvPr>
-          <p:cNvGrpSpPr/>
-          <p:nvPr/>
-        </p:nvGrpSpPr>
-        <p:grpSpPr>
-          <a:xfrm>
-            <a:off x="5104338" y="182031"/>
-            <a:ext cx="4801662" cy="6493935"/>
-            <a:chOff x="160868" y="182032"/>
-            <a:chExt cx="4801662" cy="6493935"/>
-          </a:xfrm>
-        </p:grpSpPr>
-        <p:sp>
-          <p:nvSpPr>
-            <p:cNvPr id="12" name="TextBox 11">
-              <a:extLst>
-                <a:ext uri="{FF2B5EF4-FFF2-40B4-BE49-F238E27FC236}">
-                  <a16:creationId xmlns:a16="http://schemas.microsoft.com/office/drawing/2014/main" id="{DD950E5A-63C0-4187-892B-9549599FCD15}"/>
-                </a:ext>
-              </a:extLst>
-            </p:cNvPr>
-            <p:cNvSpPr txBox="1"/>
-            <p:nvPr/>
-          </p:nvSpPr>
-          <p:spPr>
-            <a:xfrm>
-              <a:off x="212729" y="306839"/>
-              <a:ext cx="4749801" cy="5401479"/>
-            </a:xfrm>
-            <a:prstGeom prst="rect">
-              <a:avLst/>
-            </a:prstGeom>
-            <a:noFill/>
-          </p:spPr>
-          <p:txBody>
-            <a:bodyPr wrap="square" rtlCol="0">
-              <a:spAutoFit/>
-            </a:bodyPr>
-            <a:lstStyle/>
-            <a:p>
-              <a:pPr defTabSz="439781"/>
-              <a:r>
-                <a:rPr lang="te-IN" sz="2300" dirty="0">
-                  <a:latin typeface="Ramabhadra" panose="02000600000000000000" pitchFamily="2" charset="0"/>
-                  <a:cs typeface="Ramabhadra" panose="02000600000000000000" pitchFamily="2" charset="0"/>
-                </a:rPr>
-                <a:t>జుంటి తేనె ధారల కన్నా</a:t>
-              </a:r>
-              <a:br>
-                <a:rPr lang="te-IN" sz="2300" dirty="0">
-                  <a:latin typeface="Ramabhadra" panose="02000600000000000000" pitchFamily="2" charset="0"/>
-                  <a:cs typeface="Ramabhadra" panose="02000600000000000000" pitchFamily="2" charset="0"/>
-                </a:rPr>
-              </a:br>
-              <a:r>
-                <a:rPr lang="te-IN" sz="2300" dirty="0">
-                  <a:latin typeface="Ramabhadra" panose="02000600000000000000" pitchFamily="2" charset="0"/>
-                  <a:cs typeface="Ramabhadra" panose="02000600000000000000" pitchFamily="2" charset="0"/>
-                </a:rPr>
-                <a:t>యేసు నామమే మధురం</a:t>
-              </a:r>
-              <a:br>
-                <a:rPr lang="te-IN" sz="2300" dirty="0">
-                  <a:latin typeface="Ramabhadra" panose="02000600000000000000" pitchFamily="2" charset="0"/>
-                  <a:cs typeface="Ramabhadra" panose="02000600000000000000" pitchFamily="2" charset="0"/>
-                </a:rPr>
-              </a:br>
-              <a:r>
-                <a:rPr lang="te-IN" sz="2300" dirty="0">
-                  <a:latin typeface="Ramabhadra" panose="02000600000000000000" pitchFamily="2" charset="0"/>
-                  <a:cs typeface="Ramabhadra" panose="02000600000000000000" pitchFamily="2" charset="0"/>
-                </a:rPr>
-                <a:t>యేసయ్య సన్నిధినే మరువజాలను (2)</a:t>
-              </a:r>
-              <a:br>
-                <a:rPr lang="te-IN" sz="2300" dirty="0">
-                  <a:latin typeface="Ramabhadra" panose="02000600000000000000" pitchFamily="2" charset="0"/>
-                  <a:cs typeface="Ramabhadra" panose="02000600000000000000" pitchFamily="2" charset="0"/>
-                </a:rPr>
-              </a:br>
-              <a:r>
-                <a:rPr lang="te-IN" sz="2300" dirty="0">
-                  <a:latin typeface="Ramabhadra" panose="02000600000000000000" pitchFamily="2" charset="0"/>
-                  <a:cs typeface="Ramabhadra" panose="02000600000000000000" pitchFamily="2" charset="0"/>
-                </a:rPr>
-                <a:t>జీవితకాలమంతా ఆనందించెదా</a:t>
-              </a:r>
-              <a:br>
-                <a:rPr lang="te-IN" sz="2300" dirty="0">
-                  <a:latin typeface="Ramabhadra" panose="02000600000000000000" pitchFamily="2" charset="0"/>
-                  <a:cs typeface="Ramabhadra" panose="02000600000000000000" pitchFamily="2" charset="0"/>
-                </a:rPr>
-              </a:br>
-              <a:r>
-                <a:rPr lang="te-IN" sz="2300" dirty="0">
-                  <a:latin typeface="Ramabhadra" panose="02000600000000000000" pitchFamily="2" charset="0"/>
-                  <a:cs typeface="Ramabhadra" panose="02000600000000000000" pitchFamily="2" charset="0"/>
-                </a:rPr>
-                <a:t>యేసయ్యనే ఆరాధించెదా (2)  </a:t>
-              </a:r>
-            </a:p>
-            <a:p>
-              <a:pPr defTabSz="439781"/>
-              <a:endParaRPr lang="te-IN" sz="2300" dirty="0">
-                <a:latin typeface="Ramabhadra" panose="02000600000000000000" pitchFamily="2" charset="0"/>
-                <a:cs typeface="Ramabhadra" panose="02000600000000000000" pitchFamily="2" charset="0"/>
-              </a:endParaRPr>
-            </a:p>
-            <a:p>
-              <a:pPr defTabSz="439781"/>
-              <a:r>
-                <a:rPr lang="te-IN" sz="2300" dirty="0">
-                  <a:latin typeface="Ramabhadra" panose="02000600000000000000" pitchFamily="2" charset="0"/>
-                  <a:cs typeface="Ramabhadra" panose="02000600000000000000" pitchFamily="2" charset="0"/>
-                </a:rPr>
-                <a:t>యేసయ్య నామమే బహు పూజనీయము</a:t>
-              </a:r>
-              <a:br>
-                <a:rPr lang="te-IN" sz="2300" dirty="0">
-                  <a:latin typeface="Ramabhadra" panose="02000600000000000000" pitchFamily="2" charset="0"/>
-                  <a:cs typeface="Ramabhadra" panose="02000600000000000000" pitchFamily="2" charset="0"/>
-                </a:rPr>
-              </a:br>
-              <a:r>
-                <a:rPr lang="te-IN" sz="2300" dirty="0">
-                  <a:latin typeface="Ramabhadra" panose="02000600000000000000" pitchFamily="2" charset="0"/>
-                  <a:cs typeface="Ramabhadra" panose="02000600000000000000" pitchFamily="2" charset="0"/>
-                </a:rPr>
-                <a:t>నాపై దృష్టి నిలిపి సంత్రుష్టిగా నను ఉంచి (2)</a:t>
-              </a:r>
-              <a:br>
-                <a:rPr lang="te-IN" sz="2300" dirty="0">
-                  <a:latin typeface="Ramabhadra" panose="02000600000000000000" pitchFamily="2" charset="0"/>
-                  <a:cs typeface="Ramabhadra" panose="02000600000000000000" pitchFamily="2" charset="0"/>
-                </a:rPr>
-              </a:br>
-              <a:r>
-                <a:rPr lang="te-IN" sz="2300" dirty="0">
-                  <a:latin typeface="Ramabhadra" panose="02000600000000000000" pitchFamily="2" charset="0"/>
-                  <a:cs typeface="Ramabhadra" panose="02000600000000000000" pitchFamily="2" charset="0"/>
-                </a:rPr>
-                <a:t>నన్నెంతగానో దీవించి</a:t>
-              </a:r>
-              <a:br>
-                <a:rPr lang="te-IN" sz="2300" dirty="0">
-                  <a:latin typeface="Ramabhadra" panose="02000600000000000000" pitchFamily="2" charset="0"/>
-                  <a:cs typeface="Ramabhadra" panose="02000600000000000000" pitchFamily="2" charset="0"/>
-                </a:rPr>
-              </a:br>
-              <a:r>
-                <a:rPr lang="te-IN" sz="2300" dirty="0">
-                  <a:latin typeface="Ramabhadra" panose="02000600000000000000" pitchFamily="2" charset="0"/>
-                  <a:cs typeface="Ramabhadra" panose="02000600000000000000" pitchFamily="2" charset="0"/>
-                </a:rPr>
-                <a:t>జీవజలపు ఊటలతో ఉజ్జీవింపజేసెనే (2) </a:t>
-              </a:r>
-            </a:p>
-            <a:p>
-              <a:pPr defTabSz="439781"/>
-              <a:r>
-                <a:rPr lang="te-IN" sz="2300" dirty="0">
-                  <a:latin typeface="Ramabhadra" panose="02000600000000000000" pitchFamily="2" charset="0"/>
-                  <a:cs typeface="Ramabhadra" panose="02000600000000000000" pitchFamily="2" charset="0"/>
-                </a:rPr>
-                <a:t> </a:t>
-              </a:r>
-            </a:p>
-            <a:p>
-              <a:pPr defTabSz="439781"/>
-              <a:r>
-                <a:rPr lang="te-IN" sz="2300" dirty="0">
-                  <a:latin typeface="Ramabhadra" panose="02000600000000000000" pitchFamily="2" charset="0"/>
-                  <a:cs typeface="Ramabhadra" panose="02000600000000000000" pitchFamily="2" charset="0"/>
-                </a:rPr>
-                <a:t>యేసయ్య నామమే బలమైన దుర్గము</a:t>
-              </a:r>
-              <a:br>
-                <a:rPr lang="te-IN" sz="2300" dirty="0">
-                  <a:latin typeface="Ramabhadra" panose="02000600000000000000" pitchFamily="2" charset="0"/>
-                  <a:cs typeface="Ramabhadra" panose="02000600000000000000" pitchFamily="2" charset="0"/>
-                </a:rPr>
-              </a:br>
-              <a:r>
-                <a:rPr lang="te-IN" sz="2300" dirty="0">
-                  <a:latin typeface="Ramabhadra" panose="02000600000000000000" pitchFamily="2" charset="0"/>
-                  <a:cs typeface="Ramabhadra" panose="02000600000000000000" pitchFamily="2" charset="0"/>
-                </a:rPr>
-                <a:t>నా తోడై నిలిచి క్షేమముగా నను దాచి (2)</a:t>
-              </a:r>
-              <a:br>
-                <a:rPr lang="te-IN" sz="2300" dirty="0">
-                  <a:latin typeface="Ramabhadra" panose="02000600000000000000" pitchFamily="2" charset="0"/>
-                  <a:cs typeface="Ramabhadra" panose="02000600000000000000" pitchFamily="2" charset="0"/>
-                </a:rPr>
-              </a:br>
-              <a:r>
-                <a:rPr lang="te-IN" sz="2300" dirty="0">
-                  <a:latin typeface="Ramabhadra" panose="02000600000000000000" pitchFamily="2" charset="0"/>
-                  <a:cs typeface="Ramabhadra" panose="02000600000000000000" pitchFamily="2" charset="0"/>
-                </a:rPr>
-                <a:t>నన్నెంతగానో కరుణించి</a:t>
-              </a:r>
-              <a:br>
-                <a:rPr lang="te-IN" sz="2300" dirty="0">
-                  <a:latin typeface="Ramabhadra" panose="02000600000000000000" pitchFamily="2" charset="0"/>
-                  <a:cs typeface="Ramabhadra" panose="02000600000000000000" pitchFamily="2" charset="0"/>
-                </a:rPr>
-              </a:br>
-              <a:r>
-                <a:rPr lang="te-IN" sz="2300" dirty="0">
-                  <a:latin typeface="Ramabhadra" panose="02000600000000000000" pitchFamily="2" charset="0"/>
-                  <a:cs typeface="Ramabhadra" panose="02000600000000000000" pitchFamily="2" charset="0"/>
-                </a:rPr>
-                <a:t>పవిత్ర లేఖనాలతో ఉత్తేజింపజేసెనే (2)   </a:t>
-              </a:r>
-            </a:p>
-          </p:txBody>
-        </p:sp>
-        <p:sp>
-          <p:nvSpPr>
-            <p:cNvPr id="11" name="Rectangle 10">
-              <a:extLst>
-                <a:ext uri="{FF2B5EF4-FFF2-40B4-BE49-F238E27FC236}">
-                  <a16:creationId xmlns:a16="http://schemas.microsoft.com/office/drawing/2014/main" id="{0E606F7A-0439-43E4-A07F-A35A8691EB42}"/>
-                </a:ext>
-              </a:extLst>
-            </p:cNvPr>
-            <p:cNvSpPr/>
-            <p:nvPr/>
-          </p:nvSpPr>
-          <p:spPr>
-            <a:xfrm>
-              <a:off x="160868" y="182032"/>
-              <a:ext cx="4648200" cy="6493935"/>
-            </a:xfrm>
-            <a:prstGeom prst="rect">
-              <a:avLst/>
-            </a:prstGeom>
-            <a:noFill/>
-            <a:ln w="19050" cmpd="thinThick">
-              <a:solidFill>
-                <a:schemeClr val="tx1">
-                  <a:lumMod val="50000"/>
-                  <a:lumOff val="50000"/>
-                </a:schemeClr>
-              </a:solidFill>
-            </a:ln>
-          </p:spPr>
-          <p:style>
-            <a:lnRef idx="2">
-              <a:schemeClr val="accent1">
-                <a:shade val="50000"/>
-              </a:schemeClr>
-            </a:lnRef>
-            <a:fillRef idx="1">
-              <a:schemeClr val="accent1"/>
-            </a:fillRef>
-            <a:effectRef idx="0">
-              <a:schemeClr val="accent1"/>
-            </a:effectRef>
-            <a:fontRef idx="minor">
-              <a:schemeClr val="lt1"/>
-            </a:fontRef>
-          </p:style>
-          <p:txBody>
-            <a:bodyPr rtlCol="0" anchor="ctr"/>
-            <a:lstStyle/>
-            <a:p>
-              <a:pPr algn="ctr"/>
-              <a:endParaRPr lang="en-IN"/>
-            </a:p>
-          </p:txBody>
-        </p:sp>
-        <p:sp>
-          <p:nvSpPr>
-            <p:cNvPr id="13" name="Oval 12">
-              <a:extLst>
-                <a:ext uri="{FF2B5EF4-FFF2-40B4-BE49-F238E27FC236}">
-                  <a16:creationId xmlns:a16="http://schemas.microsoft.com/office/drawing/2014/main" id="{26F461D1-594E-4D24-8238-761378173A6A}"/>
-                </a:ext>
-              </a:extLst>
-            </p:cNvPr>
-            <p:cNvSpPr/>
-            <p:nvPr/>
-          </p:nvSpPr>
-          <p:spPr>
-            <a:xfrm>
-              <a:off x="4300012" y="357760"/>
-              <a:ext cx="390525" cy="390525"/>
-            </a:xfrm>
-            <a:prstGeom prst="ellipse">
-              <a:avLst/>
-            </a:prstGeom>
-            <a:noFill/>
-            <a:ln w="19050">
-              <a:solidFill>
-                <a:schemeClr val="tx1">
-                  <a:lumMod val="50000"/>
-                  <a:lumOff val="50000"/>
-                </a:schemeClr>
-              </a:solidFill>
-            </a:ln>
-          </p:spPr>
-          <p:style>
-            <a:lnRef idx="2">
-              <a:schemeClr val="accent1">
-                <a:shade val="50000"/>
-              </a:schemeClr>
-            </a:lnRef>
-            <a:fillRef idx="1">
-              <a:schemeClr val="accent1"/>
-            </a:fillRef>
-            <a:effectRef idx="0">
-              <a:schemeClr val="accent1"/>
-            </a:effectRef>
-            <a:fontRef idx="minor">
-              <a:schemeClr val="lt1"/>
-            </a:fontRef>
-          </p:style>
-          <p:txBody>
-            <a:bodyPr rtlCol="0" anchor="ctr"/>
-            <a:lstStyle/>
-            <a:p>
-              <a:pPr algn="ctr"/>
-              <a:r>
-                <a:rPr lang="en-IN" dirty="0">
-                  <a:solidFill>
-                    <a:schemeClr val="tx1"/>
-                  </a:solidFill>
-                </a:rPr>
-                <a:t>3</a:t>
-              </a:r>
-            </a:p>
-          </p:txBody>
-        </p:sp>
-      </p:grpSp>
-      <p:sp>
-        <p:nvSpPr>
-          <p:cNvPr id="16" name="Rectangle 15">
-            <a:extLst>
-              <a:ext uri="{FF2B5EF4-FFF2-40B4-BE49-F238E27FC236}">
-                <a16:creationId xmlns:a16="http://schemas.microsoft.com/office/drawing/2014/main" id="{3FED3E2E-9809-49A6-A72F-F07A4D5B3E8A}"/>
+                <a16:creationId xmlns:a16="http://schemas.microsoft.com/office/drawing/2014/main" id="{378DC577-39F5-A6AC-DF89-B2666B06ACF9}"/>
               </a:ext>
             </a:extLst>
           </p:cNvPr>
@@ -4669,15 +5259,20 @@
         </p:nvSpPr>
         <p:spPr>
           <a:xfrm>
-            <a:off x="7021458" y="6675966"/>
-            <a:ext cx="970017" cy="178310"/>
+            <a:off x="4432053" y="296761"/>
+            <a:ext cx="379135" cy="363200"/>
           </a:xfrm>
-          <a:prstGeom prst="rect">
+          <a:prstGeom prst="ellipse">
             <a:avLst/>
           </a:prstGeom>
           <a:noFill/>
-          <a:ln>
-            <a:noFill/>
+          <a:ln w="19050">
+            <a:solidFill>
+              <a:schemeClr val="tx1">
+                <a:lumMod val="50000"/>
+                <a:lumOff val="50000"/>
+              </a:schemeClr>
+            </a:solidFill>
           </a:ln>
         </p:spPr>
         <p:style>
@@ -4702,22 +5297,259 @@
           <a:p>
             <a:pPr algn="ctr"/>
             <a:r>
-              <a:rPr lang="en-IN" sz="1400" dirty="0">
+              <a:rPr lang="en-IN" dirty="0">
                 <a:solidFill>
                   <a:schemeClr val="tx1"/>
                 </a:solidFill>
               </a:rPr>
-              <a:t>130425</a:t>
-            </a:r>
-          </a:p>
-        </p:txBody>
-      </p:sp>
-      <p:sp>
-        <p:nvSpPr>
-          <p:cNvPr id="17" name="Rectangle 16">
+              <a:t>2</a:t>
+            </a:r>
+          </a:p>
+        </p:txBody>
+      </p:sp>
+      <p:sp>
+        <p:nvSpPr>
+          <p:cNvPr id="7" name="TextBox 6">
             <a:extLst>
               <a:ext uri="{FF2B5EF4-FFF2-40B4-BE49-F238E27FC236}">
-                <a16:creationId xmlns:a16="http://schemas.microsoft.com/office/drawing/2014/main" id="{2923DFFB-527A-46C3-AD65-93B3832D9C56}"/>
+                <a16:creationId xmlns:a16="http://schemas.microsoft.com/office/drawing/2014/main" id="{37D46B4B-CD57-310D-B542-FE6B01F388E7}"/>
+              </a:ext>
+            </a:extLst>
+          </p:cNvPr>
+          <p:cNvSpPr txBox="1"/>
+          <p:nvPr/>
+        </p:nvSpPr>
+        <p:spPr>
+          <a:xfrm>
+            <a:off x="5113469" y="202171"/>
+            <a:ext cx="4749801" cy="5978560"/>
+          </a:xfrm>
+          <a:prstGeom prst="rect">
+            <a:avLst/>
+          </a:prstGeom>
+          <a:noFill/>
+        </p:spPr>
+        <p:txBody>
+          <a:bodyPr wrap="square" rtlCol="0">
+            <a:spAutoFit/>
+          </a:bodyPr>
+          <a:lstStyle/>
+          <a:p>
+            <a:pPr defTabSz="439781">
+              <a:lnSpc>
+                <a:spcPct val="150000"/>
+              </a:lnSpc>
+            </a:pPr>
+            <a:r>
+              <a:rPr lang="te-IN" sz="1700" dirty="0">
+                <a:latin typeface="Anek Telugu SemiBold" pitchFamily="2" charset="0"/>
+                <a:cs typeface="Anek Telugu SemiBold" pitchFamily="2" charset="0"/>
+              </a:rPr>
+              <a:t>యెహోవా ఆలకించుము దేవా</a:t>
+            </a:r>
+            <a:endParaRPr lang="en-US" sz="1700" dirty="0">
+              <a:latin typeface="Anek Telugu SemiBold" pitchFamily="2" charset="0"/>
+              <a:cs typeface="Anek Telugu SemiBold" pitchFamily="2" charset="0"/>
+            </a:endParaRPr>
+          </a:p>
+          <a:p>
+            <a:pPr defTabSz="439781">
+              <a:lnSpc>
+                <a:spcPct val="150000"/>
+              </a:lnSpc>
+            </a:pPr>
+            <a:r>
+              <a:rPr lang="te-IN" sz="1700" dirty="0">
+                <a:latin typeface="Anek Telugu SemiBold" pitchFamily="2" charset="0"/>
+                <a:cs typeface="Anek Telugu SemiBold" pitchFamily="2" charset="0"/>
+              </a:rPr>
+              <a:t>ఆశ్రయ దుర్గము నీవే  </a:t>
+            </a:r>
+          </a:p>
+          <a:p>
+            <a:pPr defTabSz="439781">
+              <a:lnSpc>
+                <a:spcPct val="150000"/>
+              </a:lnSpc>
+            </a:pPr>
+            <a:r>
+              <a:rPr lang="te-IN" sz="1700" dirty="0">
+                <a:latin typeface="Anek Telugu SemiBold" pitchFamily="2" charset="0"/>
+                <a:cs typeface="Anek Telugu SemiBold" pitchFamily="2" charset="0"/>
+              </a:rPr>
+              <a:t>మా రక్షణ శృంగము మా ఎతైన కోట </a:t>
+            </a:r>
+          </a:p>
+          <a:p>
+            <a:pPr defTabSz="439781">
+              <a:lnSpc>
+                <a:spcPct val="150000"/>
+              </a:lnSpc>
+            </a:pPr>
+            <a:r>
+              <a:rPr lang="te-IN" sz="1700" dirty="0">
+                <a:latin typeface="Anek Telugu SemiBold" pitchFamily="2" charset="0"/>
+                <a:cs typeface="Anek Telugu SemiBold" pitchFamily="2" charset="0"/>
+              </a:rPr>
+              <a:t>నేను ఎవరికి ఎన్నడు భయపడను</a:t>
+            </a:r>
+          </a:p>
+          <a:p>
+            <a:pPr defTabSz="439781">
+              <a:lnSpc>
+                <a:spcPct val="150000"/>
+              </a:lnSpc>
+            </a:pPr>
+            <a:r>
+              <a:rPr lang="te-IN" sz="1700" dirty="0">
+                <a:latin typeface="Anek Telugu SemiBold" pitchFamily="2" charset="0"/>
+                <a:cs typeface="Anek Telugu SemiBold" pitchFamily="2" charset="0"/>
+              </a:rPr>
+              <a:t>నేను ఎవరికి ఎన్నడు భయపడను</a:t>
+            </a:r>
+          </a:p>
+          <a:p>
+            <a:pPr defTabSz="439781">
+              <a:lnSpc>
+                <a:spcPct val="150000"/>
+              </a:lnSpc>
+            </a:pPr>
+            <a:endParaRPr lang="te-IN" sz="1700" dirty="0">
+              <a:latin typeface="Anek Telugu SemiBold" pitchFamily="2" charset="0"/>
+              <a:cs typeface="Anek Telugu SemiBold" pitchFamily="2" charset="0"/>
+            </a:endParaRPr>
+          </a:p>
+          <a:p>
+            <a:pPr defTabSz="439781">
+              <a:lnSpc>
+                <a:spcPct val="150000"/>
+              </a:lnSpc>
+            </a:pPr>
+            <a:r>
+              <a:rPr lang="te-IN" sz="1700" dirty="0">
+                <a:latin typeface="Anek Telugu SemiBold" pitchFamily="2" charset="0"/>
+                <a:cs typeface="Anek Telugu SemiBold" pitchFamily="2" charset="0"/>
+              </a:rPr>
+              <a:t>విరిగి నలిగిన హృదయము నీకు </a:t>
+            </a:r>
+          </a:p>
+          <a:p>
+            <a:pPr defTabSz="439781">
+              <a:lnSpc>
+                <a:spcPct val="150000"/>
+              </a:lnSpc>
+            </a:pPr>
+            <a:r>
+              <a:rPr lang="te-IN" sz="1700" dirty="0">
+                <a:latin typeface="Anek Telugu SemiBold" pitchFamily="2" charset="0"/>
+                <a:cs typeface="Anek Telugu SemiBold" pitchFamily="2" charset="0"/>
+              </a:rPr>
+              <a:t>ఇష్టమైన బలి కదా దేవా </a:t>
+            </a:r>
+          </a:p>
+          <a:p>
+            <a:pPr defTabSz="439781">
+              <a:lnSpc>
+                <a:spcPct val="150000"/>
+              </a:lnSpc>
+            </a:pPr>
+            <a:r>
+              <a:rPr lang="te-IN" sz="1700" dirty="0">
+                <a:latin typeface="Anek Telugu SemiBold" pitchFamily="2" charset="0"/>
+                <a:cs typeface="Anek Telugu SemiBold" pitchFamily="2" charset="0"/>
+              </a:rPr>
+              <a:t>నాదు హృదయము నర్పించెదను </a:t>
+            </a:r>
+          </a:p>
+          <a:p>
+            <a:pPr defTabSz="439781">
+              <a:lnSpc>
+                <a:spcPct val="150000"/>
+              </a:lnSpc>
+            </a:pPr>
+            <a:r>
+              <a:rPr lang="te-IN" sz="1700" dirty="0">
+                <a:latin typeface="Anek Telugu SemiBold" pitchFamily="2" charset="0"/>
+                <a:cs typeface="Anek Telugu SemiBold" pitchFamily="2" charset="0"/>
+              </a:rPr>
+              <a:t>నా సమస్తము నీదే దేవా </a:t>
+            </a:r>
+          </a:p>
+          <a:p>
+            <a:pPr defTabSz="439781">
+              <a:lnSpc>
+                <a:spcPct val="150000"/>
+              </a:lnSpc>
+            </a:pPr>
+            <a:endParaRPr lang="te-IN" sz="1700" dirty="0">
+              <a:latin typeface="Anek Telugu SemiBold" pitchFamily="2" charset="0"/>
+              <a:cs typeface="Anek Telugu SemiBold" pitchFamily="2" charset="0"/>
+            </a:endParaRPr>
+          </a:p>
+          <a:p>
+            <a:pPr defTabSz="439781">
+              <a:lnSpc>
+                <a:spcPct val="150000"/>
+              </a:lnSpc>
+            </a:pPr>
+            <a:r>
+              <a:rPr lang="te-IN" sz="1700" dirty="0">
+                <a:latin typeface="Anek Telugu SemiBold" pitchFamily="2" charset="0"/>
+                <a:cs typeface="Anek Telugu SemiBold" pitchFamily="2" charset="0"/>
+              </a:rPr>
+              <a:t>కారు చీకటిలో కాంతివలే </a:t>
+            </a:r>
+          </a:p>
+          <a:p>
+            <a:pPr defTabSz="439781">
+              <a:lnSpc>
+                <a:spcPct val="150000"/>
+              </a:lnSpc>
+            </a:pPr>
+            <a:r>
+              <a:rPr lang="te-IN" sz="1700" dirty="0">
+                <a:latin typeface="Anek Telugu SemiBold" pitchFamily="2" charset="0"/>
+                <a:cs typeface="Anek Telugu SemiBold" pitchFamily="2" charset="0"/>
+              </a:rPr>
+              <a:t>అడుగిడితివి మా బ్రతుకులలో </a:t>
+            </a:r>
+          </a:p>
+          <a:p>
+            <a:pPr defTabSz="439781">
+              <a:lnSpc>
+                <a:spcPct val="150000"/>
+              </a:lnSpc>
+            </a:pPr>
+            <a:r>
+              <a:rPr lang="te-IN" sz="1700" dirty="0">
+                <a:latin typeface="Anek Telugu SemiBold" pitchFamily="2" charset="0"/>
+                <a:cs typeface="Anek Telugu SemiBold" pitchFamily="2" charset="0"/>
+              </a:rPr>
+              <a:t>ఆత్మ దాహము తీర్చు ప్రభువా  </a:t>
+            </a:r>
+          </a:p>
+          <a:p>
+            <a:pPr defTabSz="439781">
+              <a:lnSpc>
+                <a:spcPct val="150000"/>
+              </a:lnSpc>
+            </a:pPr>
+            <a:r>
+              <a:rPr lang="te-IN" sz="1700" dirty="0">
+                <a:latin typeface="Anek Telugu SemiBold" pitchFamily="2" charset="0"/>
+                <a:cs typeface="Anek Telugu SemiBold" pitchFamily="2" charset="0"/>
+              </a:rPr>
+              <a:t>పరమ బాటలో నడిపించితివి</a:t>
+            </a:r>
+          </a:p>
+        </p:txBody>
+      </p:sp>
+      <p:sp>
+        <p:nvSpPr>
+          <p:cNvPr id="9" name="Oval 8">
+            <a:extLst>
+              <a:ext uri="{FF2B5EF4-FFF2-40B4-BE49-F238E27FC236}">
+                <a16:creationId xmlns:a16="http://schemas.microsoft.com/office/drawing/2014/main" id="{4DA14023-6190-39C5-C6B6-5C235D6210F9}"/>
               </a:ext>
             </a:extLst>
           </p:cNvPr>
@@ -4726,15 +5558,20 @@
         </p:nvSpPr>
         <p:spPr>
           <a:xfrm>
-            <a:off x="2010310" y="6670895"/>
-            <a:ext cx="970017" cy="178310"/>
+            <a:off x="9170464" y="283099"/>
+            <a:ext cx="390525" cy="390525"/>
           </a:xfrm>
-          <a:prstGeom prst="rect">
+          <a:prstGeom prst="ellipse">
             <a:avLst/>
           </a:prstGeom>
           <a:noFill/>
-          <a:ln>
-            <a:noFill/>
+          <a:ln w="19050">
+            <a:solidFill>
+              <a:schemeClr val="tx1">
+                <a:lumMod val="50000"/>
+                <a:lumOff val="50000"/>
+              </a:schemeClr>
+            </a:solidFill>
           </a:ln>
         </p:spPr>
         <p:style>
@@ -4759,12 +5596,12 @@
           <a:p>
             <a:pPr algn="ctr"/>
             <a:r>
-              <a:rPr lang="en-IN" sz="1400" dirty="0">
+              <a:rPr lang="en-IN" dirty="0">
                 <a:solidFill>
                   <a:schemeClr val="tx1"/>
                 </a:solidFill>
               </a:rPr>
-              <a:t>130425</a:t>
+              <a:t>3</a:t>
             </a:r>
           </a:p>
         </p:txBody>
@@ -4772,7 +5609,7 @@
     </p:spTree>
     <p:extLst>
       <p:ext uri="{BB962C8B-B14F-4D97-AF65-F5344CB8AC3E}">
-        <p14:creationId xmlns:p14="http://schemas.microsoft.com/office/powerpoint/2010/main" val="3419142628"/>
+        <p14:creationId xmlns:p14="http://schemas.microsoft.com/office/powerpoint/2010/main" val="2536218313"/>
       </p:ext>
     </p:extLst>
   </p:cSld>
@@ -5041,4 +5878,634 @@
     </a:ext>
   </a:extLst>
 </a:theme>
+</file>
+
+<file path=ppt/theme/theme2.xml><?xml version="1.0" encoding="utf-8"?>
+<a:theme xmlns:a="http://schemas.openxmlformats.org/drawingml/2006/main" name="Office Theme">
+  <a:themeElements>
+    <a:clrScheme name="Office">
+      <a:dk1>
+        <a:sysClr val="windowText" lastClr="000000"/>
+      </a:dk1>
+      <a:lt1>
+        <a:sysClr val="window" lastClr="FFFFFF"/>
+      </a:lt1>
+      <a:dk2>
+        <a:srgbClr val="0E2841"/>
+      </a:dk2>
+      <a:lt2>
+        <a:srgbClr val="E8E8E8"/>
+      </a:lt2>
+      <a:accent1>
+        <a:srgbClr val="156082"/>
+      </a:accent1>
+      <a:accent2>
+        <a:srgbClr val="E97132"/>
+      </a:accent2>
+      <a:accent3>
+        <a:srgbClr val="196B24"/>
+      </a:accent3>
+      <a:accent4>
+        <a:srgbClr val="0F9ED5"/>
+      </a:accent4>
+      <a:accent5>
+        <a:srgbClr val="A02B93"/>
+      </a:accent5>
+      <a:accent6>
+        <a:srgbClr val="4EA72E"/>
+      </a:accent6>
+      <a:hlink>
+        <a:srgbClr val="467886"/>
+      </a:hlink>
+      <a:folHlink>
+        <a:srgbClr val="96607D"/>
+      </a:folHlink>
+    </a:clrScheme>
+    <a:fontScheme name="Office">
+      <a:majorFont>
+        <a:latin typeface="Aptos Display" panose="02110004020202020204"/>
+        <a:ea typeface=""/>
+        <a:cs typeface=""/>
+        <a:font script="Jpan" typeface="游ゴシック Light"/>
+        <a:font script="Hang" typeface="맑은 고딕"/>
+        <a:font script="Hans" typeface="等线 Light"/>
+        <a:font script="Hant" typeface="新細明體"/>
+        <a:font script="Arab" typeface="Times New Roman"/>
+        <a:font script="Hebr" typeface="Times New Roman"/>
+        <a:font script="Thai" typeface="Angsana New"/>
+        <a:font script="Ethi" typeface="Nyala"/>
+        <a:font script="Beng" typeface="Vrinda"/>
+        <a:font script="Gujr" typeface="Shruti"/>
+        <a:font script="Khmr" typeface="MoolBoran"/>
+        <a:font script="Knda" typeface="Tunga"/>
+        <a:font script="Guru" typeface="Raavi"/>
+        <a:font script="Cans" typeface="Euphemia"/>
+        <a:font script="Cher" typeface="Plantagenet Cherokee"/>
+        <a:font script="Yiii" typeface="Microsoft Yi Baiti"/>
+        <a:font script="Tibt" typeface="Microsoft Himalaya"/>
+        <a:font script="Thaa" typeface="MV Boli"/>
+        <a:font script="Deva" typeface="Mangal"/>
+        <a:font script="Telu" typeface="Gautami"/>
+        <a:font script="Taml" typeface="Latha"/>
+        <a:font script="Syrc" typeface="Estrangelo Edessa"/>
+        <a:font script="Orya" typeface="Kalinga"/>
+        <a:font script="Mlym" typeface="Kartika"/>
+        <a:font script="Laoo" typeface="DokChampa"/>
+        <a:font script="Sinh" typeface="Iskoola Pota"/>
+        <a:font script="Mong" typeface="Mongolian Baiti"/>
+        <a:font script="Viet" typeface="Times New Roman"/>
+        <a:font script="Uigh" typeface="Microsoft Uighur"/>
+        <a:font script="Geor" typeface="Sylfaen"/>
+        <a:font script="Armn" typeface="Arial"/>
+        <a:font script="Bugi" typeface="Leelawadee UI"/>
+        <a:font script="Bopo" typeface="Microsoft JhengHei"/>
+        <a:font script="Java" typeface="Javanese Text"/>
+        <a:font script="Lisu" typeface="Segoe UI"/>
+        <a:font script="Mymr" typeface="Myanmar Text"/>
+        <a:font script="Nkoo" typeface="Ebrima"/>
+        <a:font script="Olck" typeface="Nirmala UI"/>
+        <a:font script="Osma" typeface="Ebrima"/>
+        <a:font script="Phag" typeface="Phagspa"/>
+        <a:font script="Syrn" typeface="Estrangelo Edessa"/>
+        <a:font script="Syrj" typeface="Estrangelo Edessa"/>
+        <a:font script="Syre" typeface="Estrangelo Edessa"/>
+        <a:font script="Sora" typeface="Nirmala UI"/>
+        <a:font script="Tale" typeface="Microsoft Tai Le"/>
+        <a:font script="Talu" typeface="Microsoft New Tai Lue"/>
+        <a:font script="Tfng" typeface="Ebrima"/>
+      </a:majorFont>
+      <a:minorFont>
+        <a:latin typeface="Aptos" panose="02110004020202020204"/>
+        <a:ea typeface=""/>
+        <a:cs typeface=""/>
+        <a:font script="Jpan" typeface="游ゴシック"/>
+        <a:font script="Hang" typeface="맑은 고딕"/>
+        <a:font script="Hans" typeface="等线"/>
+        <a:font script="Hant" typeface="新細明體"/>
+        <a:font script="Arab" typeface="Arial"/>
+        <a:font script="Hebr" typeface="Arial"/>
+        <a:font script="Thai" typeface="Cordia New"/>
+        <a:font script="Ethi" typeface="Nyala"/>
+        <a:font script="Beng" typeface="Vrinda"/>
+        <a:font script="Gujr" typeface="Shruti"/>
+        <a:font script="Khmr" typeface="DaunPenh"/>
+        <a:font script="Knda" typeface="Tunga"/>
+        <a:font script="Guru" typeface="Raavi"/>
+        <a:font script="Cans" typeface="Euphemia"/>
+        <a:font script="Cher" typeface="Plantagenet Cherokee"/>
+        <a:font script="Yiii" typeface="Microsoft Yi Baiti"/>
+        <a:font script="Tibt" typeface="Microsoft Himalaya"/>
+        <a:font script="Thaa" typeface="MV Boli"/>
+        <a:font script="Deva" typeface="Mangal"/>
+        <a:font script="Telu" typeface="Gautami"/>
+        <a:font script="Taml" typeface="Latha"/>
+        <a:font script="Syrc" typeface="Estrangelo Edessa"/>
+        <a:font script="Orya" typeface="Kalinga"/>
+        <a:font script="Mlym" typeface="Kartika"/>
+        <a:font script="Laoo" typeface="DokChampa"/>
+        <a:font script="Sinh" typeface="Iskoola Pota"/>
+        <a:font script="Mong" typeface="Mongolian Baiti"/>
+        <a:font script="Viet" typeface="Arial"/>
+        <a:font script="Uigh" typeface="Microsoft Uighur"/>
+        <a:font script="Geor" typeface="Sylfaen"/>
+        <a:font script="Armn" typeface="Arial"/>
+        <a:font script="Bugi" typeface="Leelawadee UI"/>
+        <a:font script="Bopo" typeface="Microsoft JhengHei"/>
+        <a:font script="Java" typeface="Javanese Text"/>
+        <a:font script="Lisu" typeface="Segoe UI"/>
+        <a:font script="Mymr" typeface="Myanmar Text"/>
+        <a:font script="Nkoo" typeface="Ebrima"/>
+        <a:font script="Olck" typeface="Nirmala UI"/>
+        <a:font script="Osma" typeface="Ebrima"/>
+        <a:font script="Phag" typeface="Phagspa"/>
+        <a:font script="Syrn" typeface="Estrangelo Edessa"/>
+        <a:font script="Syrj" typeface="Estrangelo Edessa"/>
+        <a:font script="Syre" typeface="Estrangelo Edessa"/>
+        <a:font script="Sora" typeface="Nirmala UI"/>
+        <a:font script="Tale" typeface="Microsoft Tai Le"/>
+        <a:font script="Talu" typeface="Microsoft New Tai Lue"/>
+        <a:font script="Tfng" typeface="Ebrima"/>
+      </a:minorFont>
+    </a:fontScheme>
+    <a:fmtScheme name="Office">
+      <a:fillStyleLst>
+        <a:solidFill>
+          <a:schemeClr val="phClr"/>
+        </a:solidFill>
+        <a:gradFill rotWithShape="1">
+          <a:gsLst>
+            <a:gs pos="0">
+              <a:schemeClr val="phClr">
+                <a:lumMod val="110000"/>
+                <a:satMod val="105000"/>
+                <a:tint val="67000"/>
+              </a:schemeClr>
+            </a:gs>
+            <a:gs pos="50000">
+              <a:schemeClr val="phClr">
+                <a:lumMod val="105000"/>
+                <a:satMod val="103000"/>
+                <a:tint val="73000"/>
+              </a:schemeClr>
+            </a:gs>
+            <a:gs pos="100000">
+              <a:schemeClr val="phClr">
+                <a:lumMod val="105000"/>
+                <a:satMod val="109000"/>
+                <a:tint val="81000"/>
+              </a:schemeClr>
+            </a:gs>
+          </a:gsLst>
+          <a:lin ang="5400000" scaled="0"/>
+        </a:gradFill>
+        <a:gradFill rotWithShape="1">
+          <a:gsLst>
+            <a:gs pos="0">
+              <a:schemeClr val="phClr">
+                <a:satMod val="103000"/>
+                <a:lumMod val="102000"/>
+                <a:tint val="94000"/>
+              </a:schemeClr>
+            </a:gs>
+            <a:gs pos="50000">
+              <a:schemeClr val="phClr">
+                <a:satMod val="110000"/>
+                <a:lumMod val="100000"/>
+                <a:shade val="100000"/>
+              </a:schemeClr>
+            </a:gs>
+            <a:gs pos="100000">
+              <a:schemeClr val="phClr">
+                <a:lumMod val="99000"/>
+                <a:satMod val="120000"/>
+                <a:shade val="78000"/>
+              </a:schemeClr>
+            </a:gs>
+          </a:gsLst>
+          <a:lin ang="5400000" scaled="0"/>
+        </a:gradFill>
+      </a:fillStyleLst>
+      <a:lnStyleLst>
+        <a:ln w="12700" cap="flat" cmpd="sng" algn="ctr">
+          <a:solidFill>
+            <a:schemeClr val="phClr"/>
+          </a:solidFill>
+          <a:prstDash val="solid"/>
+          <a:miter lim="800000"/>
+        </a:ln>
+        <a:ln w="19050" cap="flat" cmpd="sng" algn="ctr">
+          <a:solidFill>
+            <a:schemeClr val="phClr"/>
+          </a:solidFill>
+          <a:prstDash val="solid"/>
+          <a:miter lim="800000"/>
+        </a:ln>
+        <a:ln w="25400" cap="flat" cmpd="sng" algn="ctr">
+          <a:solidFill>
+            <a:schemeClr val="phClr"/>
+          </a:solidFill>
+          <a:prstDash val="solid"/>
+          <a:miter lim="800000"/>
+        </a:ln>
+      </a:lnStyleLst>
+      <a:effectStyleLst>
+        <a:effectStyle>
+          <a:effectLst/>
+        </a:effectStyle>
+        <a:effectStyle>
+          <a:effectLst/>
+        </a:effectStyle>
+        <a:effectStyle>
+          <a:effectLst>
+            <a:outerShdw blurRad="57150" dist="19050" dir="5400000" algn="ctr" rotWithShape="0">
+              <a:srgbClr val="000000">
+                <a:alpha val="63000"/>
+              </a:srgbClr>
+            </a:outerShdw>
+          </a:effectLst>
+        </a:effectStyle>
+      </a:effectStyleLst>
+      <a:bgFillStyleLst>
+        <a:solidFill>
+          <a:schemeClr val="phClr"/>
+        </a:solidFill>
+        <a:solidFill>
+          <a:schemeClr val="phClr">
+            <a:tint val="95000"/>
+            <a:satMod val="170000"/>
+          </a:schemeClr>
+        </a:solidFill>
+        <a:gradFill rotWithShape="1">
+          <a:gsLst>
+            <a:gs pos="0">
+              <a:schemeClr val="phClr">
+                <a:tint val="93000"/>
+                <a:satMod val="150000"/>
+                <a:shade val="98000"/>
+                <a:lumMod val="102000"/>
+              </a:schemeClr>
+            </a:gs>
+            <a:gs pos="50000">
+              <a:schemeClr val="phClr">
+                <a:tint val="98000"/>
+                <a:satMod val="130000"/>
+                <a:shade val="90000"/>
+                <a:lumMod val="103000"/>
+              </a:schemeClr>
+            </a:gs>
+            <a:gs pos="100000">
+              <a:schemeClr val="phClr">
+                <a:shade val="63000"/>
+                <a:satMod val="120000"/>
+              </a:schemeClr>
+            </a:gs>
+          </a:gsLst>
+          <a:lin ang="5400000" scaled="0"/>
+        </a:gradFill>
+      </a:bgFillStyleLst>
+    </a:fmtScheme>
+  </a:themeElements>
+  <a:objectDefaults>
+    <a:lnDef>
+      <a:spPr/>
+      <a:bodyPr/>
+      <a:lstStyle/>
+      <a:style>
+        <a:lnRef idx="2">
+          <a:schemeClr val="accent1"/>
+        </a:lnRef>
+        <a:fillRef idx="0">
+          <a:schemeClr val="accent1"/>
+        </a:fillRef>
+        <a:effectRef idx="1">
+          <a:schemeClr val="accent1"/>
+        </a:effectRef>
+        <a:fontRef idx="minor">
+          <a:schemeClr val="tx1"/>
+        </a:fontRef>
+      </a:style>
+    </a:lnDef>
+  </a:objectDefaults>
+  <a:extraClrSchemeLst/>
+  <a:extLst>
+    <a:ext uri="{05A4C25C-085E-4340-85A3-A5531E510DB2}">
+      <thm15:themeFamily xmlns:thm15="http://schemas.microsoft.com/office/thememl/2012/main" name="Office Theme" id="{2E142A2C-CD16-42D6-873A-C26D2A0506FA}" vid="{1BDDFF52-6CD6-40A5-AB3C-68EB2F1E4D0A}"/>
+    </a:ext>
+  </a:extLst>
+</a:theme>
+</file>
+
+<file path=ppt/theme/theme3.xml><?xml version="1.0" encoding="utf-8"?>
+<a:theme xmlns:a="http://schemas.openxmlformats.org/drawingml/2006/main" name="Office Theme">
+  <a:themeElements>
+    <a:clrScheme name="Office">
+      <a:dk1>
+        <a:sysClr val="windowText" lastClr="000000"/>
+      </a:dk1>
+      <a:lt1>
+        <a:sysClr val="window" lastClr="FFFFFF"/>
+      </a:lt1>
+      <a:dk2>
+        <a:srgbClr val="0E2841"/>
+      </a:dk2>
+      <a:lt2>
+        <a:srgbClr val="E8E8E8"/>
+      </a:lt2>
+      <a:accent1>
+        <a:srgbClr val="156082"/>
+      </a:accent1>
+      <a:accent2>
+        <a:srgbClr val="E97132"/>
+      </a:accent2>
+      <a:accent3>
+        <a:srgbClr val="196B24"/>
+      </a:accent3>
+      <a:accent4>
+        <a:srgbClr val="0F9ED5"/>
+      </a:accent4>
+      <a:accent5>
+        <a:srgbClr val="A02B93"/>
+      </a:accent5>
+      <a:accent6>
+        <a:srgbClr val="4EA72E"/>
+      </a:accent6>
+      <a:hlink>
+        <a:srgbClr val="467886"/>
+      </a:hlink>
+      <a:folHlink>
+        <a:srgbClr val="96607D"/>
+      </a:folHlink>
+    </a:clrScheme>
+    <a:fontScheme name="Office">
+      <a:majorFont>
+        <a:latin typeface="Aptos Display" panose="02110004020202020204"/>
+        <a:ea typeface=""/>
+        <a:cs typeface=""/>
+        <a:font script="Jpan" typeface="游ゴシック Light"/>
+        <a:font script="Hang" typeface="맑은 고딕"/>
+        <a:font script="Hans" typeface="等线 Light"/>
+        <a:font script="Hant" typeface="新細明體"/>
+        <a:font script="Arab" typeface="Times New Roman"/>
+        <a:font script="Hebr" typeface="Times New Roman"/>
+        <a:font script="Thai" typeface="Angsana New"/>
+        <a:font script="Ethi" typeface="Nyala"/>
+        <a:font script="Beng" typeface="Vrinda"/>
+        <a:font script="Gujr" typeface="Shruti"/>
+        <a:font script="Khmr" typeface="MoolBoran"/>
+        <a:font script="Knda" typeface="Tunga"/>
+        <a:font script="Guru" typeface="Raavi"/>
+        <a:font script="Cans" typeface="Euphemia"/>
+        <a:font script="Cher" typeface="Plantagenet Cherokee"/>
+        <a:font script="Yiii" typeface="Microsoft Yi Baiti"/>
+        <a:font script="Tibt" typeface="Microsoft Himalaya"/>
+        <a:font script="Thaa" typeface="MV Boli"/>
+        <a:font script="Deva" typeface="Mangal"/>
+        <a:font script="Telu" typeface="Gautami"/>
+        <a:font script="Taml" typeface="Latha"/>
+        <a:font script="Syrc" typeface="Estrangelo Edessa"/>
+        <a:font script="Orya" typeface="Kalinga"/>
+        <a:font script="Mlym" typeface="Kartika"/>
+        <a:font script="Laoo" typeface="DokChampa"/>
+        <a:font script="Sinh" typeface="Iskoola Pota"/>
+        <a:font script="Mong" typeface="Mongolian Baiti"/>
+        <a:font script="Viet" typeface="Times New Roman"/>
+        <a:font script="Uigh" typeface="Microsoft Uighur"/>
+        <a:font script="Geor" typeface="Sylfaen"/>
+        <a:font script="Armn" typeface="Arial"/>
+        <a:font script="Bugi" typeface="Leelawadee UI"/>
+        <a:font script="Bopo" typeface="Microsoft JhengHei"/>
+        <a:font script="Java" typeface="Javanese Text"/>
+        <a:font script="Lisu" typeface="Segoe UI"/>
+        <a:font script="Mymr" typeface="Myanmar Text"/>
+        <a:font script="Nkoo" typeface="Ebrima"/>
+        <a:font script="Olck" typeface="Nirmala UI"/>
+        <a:font script="Osma" typeface="Ebrima"/>
+        <a:font script="Phag" typeface="Phagspa"/>
+        <a:font script="Syrn" typeface="Estrangelo Edessa"/>
+        <a:font script="Syrj" typeface="Estrangelo Edessa"/>
+        <a:font script="Syre" typeface="Estrangelo Edessa"/>
+        <a:font script="Sora" typeface="Nirmala UI"/>
+        <a:font script="Tale" typeface="Microsoft Tai Le"/>
+        <a:font script="Talu" typeface="Microsoft New Tai Lue"/>
+        <a:font script="Tfng" typeface="Ebrima"/>
+      </a:majorFont>
+      <a:minorFont>
+        <a:latin typeface="Aptos" panose="02110004020202020204"/>
+        <a:ea typeface=""/>
+        <a:cs typeface=""/>
+        <a:font script="Jpan" typeface="游ゴシック"/>
+        <a:font script="Hang" typeface="맑은 고딕"/>
+        <a:font script="Hans" typeface="等线"/>
+        <a:font script="Hant" typeface="新細明體"/>
+        <a:font script="Arab" typeface="Arial"/>
+        <a:font script="Hebr" typeface="Arial"/>
+        <a:font script="Thai" typeface="Cordia New"/>
+        <a:font script="Ethi" typeface="Nyala"/>
+        <a:font script="Beng" typeface="Vrinda"/>
+        <a:font script="Gujr" typeface="Shruti"/>
+        <a:font script="Khmr" typeface="DaunPenh"/>
+        <a:font script="Knda" typeface="Tunga"/>
+        <a:font script="Guru" typeface="Raavi"/>
+        <a:font script="Cans" typeface="Euphemia"/>
+        <a:font script="Cher" typeface="Plantagenet Cherokee"/>
+        <a:font script="Yiii" typeface="Microsoft Yi Baiti"/>
+        <a:font script="Tibt" typeface="Microsoft Himalaya"/>
+        <a:font script="Thaa" typeface="MV Boli"/>
+        <a:font script="Deva" typeface="Mangal"/>
+        <a:font script="Telu" typeface="Gautami"/>
+        <a:font script="Taml" typeface="Latha"/>
+        <a:font script="Syrc" typeface="Estrangelo Edessa"/>
+        <a:font script="Orya" typeface="Kalinga"/>
+        <a:font script="Mlym" typeface="Kartika"/>
+        <a:font script="Laoo" typeface="DokChampa"/>
+        <a:font script="Sinh" typeface="Iskoola Pota"/>
+        <a:font script="Mong" typeface="Mongolian Baiti"/>
+        <a:font script="Viet" typeface="Arial"/>
+        <a:font script="Uigh" typeface="Microsoft Uighur"/>
+        <a:font script="Geor" typeface="Sylfaen"/>
+        <a:font script="Armn" typeface="Arial"/>
+        <a:font script="Bugi" typeface="Leelawadee UI"/>
+        <a:font script="Bopo" typeface="Microsoft JhengHei"/>
+        <a:font script="Java" typeface="Javanese Text"/>
+        <a:font script="Lisu" typeface="Segoe UI"/>
+        <a:font script="Mymr" typeface="Myanmar Text"/>
+        <a:font script="Nkoo" typeface="Ebrima"/>
+        <a:font script="Olck" typeface="Nirmala UI"/>
+        <a:font script="Osma" typeface="Ebrima"/>
+        <a:font script="Phag" typeface="Phagspa"/>
+        <a:font script="Syrn" typeface="Estrangelo Edessa"/>
+        <a:font script="Syrj" typeface="Estrangelo Edessa"/>
+        <a:font script="Syre" typeface="Estrangelo Edessa"/>
+        <a:font script="Sora" typeface="Nirmala UI"/>
+        <a:font script="Tale" typeface="Microsoft Tai Le"/>
+        <a:font script="Talu" typeface="Microsoft New Tai Lue"/>
+        <a:font script="Tfng" typeface="Ebrima"/>
+      </a:minorFont>
+    </a:fontScheme>
+    <a:fmtScheme name="Office">
+      <a:fillStyleLst>
+        <a:solidFill>
+          <a:schemeClr val="phClr"/>
+        </a:solidFill>
+        <a:gradFill rotWithShape="1">
+          <a:gsLst>
+            <a:gs pos="0">
+              <a:schemeClr val="phClr">
+                <a:lumMod val="110000"/>
+                <a:satMod val="105000"/>
+                <a:tint val="67000"/>
+              </a:schemeClr>
+            </a:gs>
+            <a:gs pos="50000">
+              <a:schemeClr val="phClr">
+                <a:lumMod val="105000"/>
+                <a:satMod val="103000"/>
+                <a:tint val="73000"/>
+              </a:schemeClr>
+            </a:gs>
+            <a:gs pos="100000">
+              <a:schemeClr val="phClr">
+                <a:lumMod val="105000"/>
+                <a:satMod val="109000"/>
+                <a:tint val="81000"/>
+              </a:schemeClr>
+            </a:gs>
+          </a:gsLst>
+          <a:lin ang="5400000" scaled="0"/>
+        </a:gradFill>
+        <a:gradFill rotWithShape="1">
+          <a:gsLst>
+            <a:gs pos="0">
+              <a:schemeClr val="phClr">
+                <a:satMod val="103000"/>
+                <a:lumMod val="102000"/>
+                <a:tint val="94000"/>
+              </a:schemeClr>
+            </a:gs>
+            <a:gs pos="50000">
+              <a:schemeClr val="phClr">
+                <a:satMod val="110000"/>
+                <a:lumMod val="100000"/>
+                <a:shade val="100000"/>
+              </a:schemeClr>
+            </a:gs>
+            <a:gs pos="100000">
+              <a:schemeClr val="phClr">
+                <a:lumMod val="99000"/>
+                <a:satMod val="120000"/>
+                <a:shade val="78000"/>
+              </a:schemeClr>
+            </a:gs>
+          </a:gsLst>
+          <a:lin ang="5400000" scaled="0"/>
+        </a:gradFill>
+      </a:fillStyleLst>
+      <a:lnStyleLst>
+        <a:ln w="12700" cap="flat" cmpd="sng" algn="ctr">
+          <a:solidFill>
+            <a:schemeClr val="phClr"/>
+          </a:solidFill>
+          <a:prstDash val="solid"/>
+          <a:miter lim="800000"/>
+        </a:ln>
+        <a:ln w="19050" cap="flat" cmpd="sng" algn="ctr">
+          <a:solidFill>
+            <a:schemeClr val="phClr"/>
+          </a:solidFill>
+          <a:prstDash val="solid"/>
+          <a:miter lim="800000"/>
+        </a:ln>
+        <a:ln w="25400" cap="flat" cmpd="sng" algn="ctr">
+          <a:solidFill>
+            <a:schemeClr val="phClr"/>
+          </a:solidFill>
+          <a:prstDash val="solid"/>
+          <a:miter lim="800000"/>
+        </a:ln>
+      </a:lnStyleLst>
+      <a:effectStyleLst>
+        <a:effectStyle>
+          <a:effectLst/>
+        </a:effectStyle>
+        <a:effectStyle>
+          <a:effectLst/>
+        </a:effectStyle>
+        <a:effectStyle>
+          <a:effectLst>
+            <a:outerShdw blurRad="57150" dist="19050" dir="5400000" algn="ctr" rotWithShape="0">
+              <a:srgbClr val="000000">
+                <a:alpha val="63000"/>
+              </a:srgbClr>
+            </a:outerShdw>
+          </a:effectLst>
+        </a:effectStyle>
+      </a:effectStyleLst>
+      <a:bgFillStyleLst>
+        <a:solidFill>
+          <a:schemeClr val="phClr"/>
+        </a:solidFill>
+        <a:solidFill>
+          <a:schemeClr val="phClr">
+            <a:tint val="95000"/>
+            <a:satMod val="170000"/>
+          </a:schemeClr>
+        </a:solidFill>
+        <a:gradFill rotWithShape="1">
+          <a:gsLst>
+            <a:gs pos="0">
+              <a:schemeClr val="phClr">
+                <a:tint val="93000"/>
+                <a:satMod val="150000"/>
+                <a:shade val="98000"/>
+                <a:lumMod val="102000"/>
+              </a:schemeClr>
+            </a:gs>
+            <a:gs pos="50000">
+              <a:schemeClr val="phClr">
+                <a:tint val="98000"/>
+                <a:satMod val="130000"/>
+                <a:shade val="90000"/>
+                <a:lumMod val="103000"/>
+              </a:schemeClr>
+            </a:gs>
+            <a:gs pos="100000">
+              <a:schemeClr val="phClr">
+                <a:shade val="63000"/>
+                <a:satMod val="120000"/>
+              </a:schemeClr>
+            </a:gs>
+          </a:gsLst>
+          <a:lin ang="5400000" scaled="0"/>
+        </a:gradFill>
+      </a:bgFillStyleLst>
+    </a:fmtScheme>
+  </a:themeElements>
+  <a:objectDefaults>
+    <a:lnDef>
+      <a:spPr/>
+      <a:bodyPr/>
+      <a:lstStyle/>
+      <a:style>
+        <a:lnRef idx="2">
+          <a:schemeClr val="accent1"/>
+        </a:lnRef>
+        <a:fillRef idx="0">
+          <a:schemeClr val="accent1"/>
+        </a:fillRef>
+        <a:effectRef idx="1">
+          <a:schemeClr val="accent1"/>
+        </a:effectRef>
+        <a:fontRef idx="minor">
+          <a:schemeClr val="tx1"/>
+        </a:fontRef>
+      </a:style>
+    </a:lnDef>
+  </a:objectDefaults>
+  <a:extraClrSchemeLst/>
+  <a:extLst>
+    <a:ext uri="{05A4C25C-085E-4340-85A3-A5531E510DB2}">
+      <thm15:themeFamily xmlns:thm15="http://schemas.microsoft.com/office/thememl/2012/main" name="Office Theme" id="{2E142A2C-CD16-42D6-873A-C26D2A0506FA}" vid="{1BDDFF52-6CD6-40A5-AB3C-68EB2F1E4D0A}"/>
+    </a:ext>
+  </a:extLst>
+</a:theme>
 </file>
--- a/songsTemplate.pptx
+++ b/songsTemplate.pptx
@@ -134,13 +134,13 @@
 <pc:chgInfo xmlns:a="http://schemas.openxmlformats.org/drawingml/2006/main" xmlns:r="http://schemas.openxmlformats.org/officeDocument/2006/relationships" xmlns:ac="http://schemas.microsoft.com/office/drawing/2013/main/command" xmlns:pc="http://schemas.microsoft.com/office/powerpoint/2013/main/command">
   <pc:docChgLst>
     <pc:chgData name="Venu Yalapala" userId="9feb8bbceceecaca" providerId="LiveId" clId="{282BCC90-DA09-49A0-BCEB-FBBFF0EE3CC4}"/>
-    <pc:docChg chg="undo custSel addSld delSld modSld addMainMaster delMainMaster modMainMaster">
-      <pc:chgData name="Venu Yalapala" userId="9feb8bbceceecaca" providerId="LiveId" clId="{282BCC90-DA09-49A0-BCEB-FBBFF0EE3CC4}" dt="2025-05-24T18:36:49.092" v="294" actId="20577"/>
+    <pc:docChg chg="undo redo custSel addSld delSld modSld addMainMaster delMainMaster modMainMaster">
+      <pc:chgData name="Venu Yalapala" userId="9feb8bbceceecaca" providerId="LiveId" clId="{282BCC90-DA09-49A0-BCEB-FBBFF0EE3CC4}" dt="2025-05-29T18:48:39.546" v="576" actId="113"/>
       <pc:docMkLst>
         <pc:docMk/>
       </pc:docMkLst>
       <pc:sldChg chg="addSp delSp modSp mod modClrScheme chgLayout">
-        <pc:chgData name="Venu Yalapala" userId="9feb8bbceceecaca" providerId="LiveId" clId="{282BCC90-DA09-49A0-BCEB-FBBFF0EE3CC4}" dt="2025-05-24T18:36:49.092" v="294" actId="20577"/>
+        <pc:chgData name="Venu Yalapala" userId="9feb8bbceceecaca" providerId="LiveId" clId="{282BCC90-DA09-49A0-BCEB-FBBFF0EE3CC4}" dt="2025-05-29T18:43:55.829" v="438" actId="1035"/>
         <pc:sldMkLst>
           <pc:docMk/>
           <pc:sldMk cId="3342490066" sldId="256"/>
@@ -202,7 +202,7 @@
           </ac:spMkLst>
         </pc:spChg>
         <pc:spChg chg="mod topLvl">
-          <ac:chgData name="Venu Yalapala" userId="9feb8bbceceecaca" providerId="LiveId" clId="{282BCC90-DA09-49A0-BCEB-FBBFF0EE3CC4}" dt="2025-05-24T18:34:41.399" v="257" actId="1076"/>
+          <ac:chgData name="Venu Yalapala" userId="9feb8bbceceecaca" providerId="LiveId" clId="{282BCC90-DA09-49A0-BCEB-FBBFF0EE3CC4}" dt="2025-05-29T18:40:05.335" v="325" actId="20577"/>
           <ac:spMkLst>
             <pc:docMk/>
             <pc:sldMk cId="3342490066" sldId="256"/>
@@ -226,7 +226,7 @@
           </ac:spMkLst>
         </pc:spChg>
         <pc:spChg chg="mod ord topLvl">
-          <ac:chgData name="Venu Yalapala" userId="9feb8bbceceecaca" providerId="LiveId" clId="{282BCC90-DA09-49A0-BCEB-FBBFF0EE3CC4}" dt="2025-05-24T18:34:46.258" v="258" actId="1076"/>
+          <ac:chgData name="Venu Yalapala" userId="9feb8bbceceecaca" providerId="LiveId" clId="{282BCC90-DA09-49A0-BCEB-FBBFF0EE3CC4}" dt="2025-05-29T18:43:55.829" v="438" actId="1035"/>
           <ac:spMkLst>
             <pc:docMk/>
             <pc:sldMk cId="3342490066" sldId="256"/>
@@ -274,7 +274,7 @@
         </pc:spChg>
       </pc:sldChg>
       <pc:sldChg chg="addSp delSp modSp new mod">
-        <pc:chgData name="Venu Yalapala" userId="9feb8bbceceecaca" providerId="LiveId" clId="{282BCC90-DA09-49A0-BCEB-FBBFF0EE3CC4}" dt="2025-05-24T18:36:40.400" v="292" actId="20577"/>
+        <pc:chgData name="Venu Yalapala" userId="9feb8bbceceecaca" providerId="LiveId" clId="{282BCC90-DA09-49A0-BCEB-FBBFF0EE3CC4}" dt="2025-05-29T18:48:39.546" v="576" actId="113"/>
         <pc:sldMkLst>
           <pc:docMk/>
           <pc:sldMk cId="2536218313" sldId="258"/>
@@ -288,7 +288,7 @@
           </ac:spMkLst>
         </pc:spChg>
         <pc:spChg chg="mod topLvl">
-          <ac:chgData name="Venu Yalapala" userId="9feb8bbceceecaca" providerId="LiveId" clId="{282BCC90-DA09-49A0-BCEB-FBBFF0EE3CC4}" dt="2025-05-24T18:35:37.574" v="271" actId="1076"/>
+          <ac:chgData name="Venu Yalapala" userId="9feb8bbceceecaca" providerId="LiveId" clId="{282BCC90-DA09-49A0-BCEB-FBBFF0EE3CC4}" dt="2025-05-29T18:48:27.303" v="575" actId="1035"/>
           <ac:spMkLst>
             <pc:docMk/>
             <pc:sldMk cId="2536218313" sldId="258"/>
@@ -304,7 +304,7 @@
           </ac:spMkLst>
         </pc:spChg>
         <pc:spChg chg="mod topLvl">
-          <ac:chgData name="Venu Yalapala" userId="9feb8bbceceecaca" providerId="LiveId" clId="{282BCC90-DA09-49A0-BCEB-FBBFF0EE3CC4}" dt="2025-05-24T18:36:09.456" v="285" actId="1037"/>
+          <ac:chgData name="Venu Yalapala" userId="9feb8bbceceecaca" providerId="LiveId" clId="{282BCC90-DA09-49A0-BCEB-FBBFF0EE3CC4}" dt="2025-05-29T18:48:39.546" v="576" actId="113"/>
           <ac:spMkLst>
             <pc:docMk/>
             <pc:sldMk cId="2536218313" sldId="258"/>
@@ -745,7 +745,7 @@
           <a:p>
             <a:fld id="{0EEBF99D-A94C-4ACE-ABB7-ED5902A7DBE5}" type="datetimeFigureOut">
               <a:rPr lang="en-IN" smtClean="0"/>
-              <a:t>25-05-2025</a:t>
+              <a:t>30-05-2025</a:t>
             </a:fld>
             <a:endParaRPr lang="en-IN"/>
           </a:p>
@@ -923,7 +923,7 @@
           <a:p>
             <a:fld id="{6EA7C7CE-6F0C-4E71-B520-9461545357C0}" type="datetimeFigureOut">
               <a:rPr lang="en-IN" smtClean="0"/>
-              <a:t>25-05-2025</a:t>
+              <a:t>30-05-2025</a:t>
             </a:fld>
             <a:endParaRPr lang="en-IN"/>
           </a:p>
@@ -1323,7 +1323,7 @@
           <a:p>
             <a:fld id="{F1102B08-ED9E-409F-B95F-09CAA1DAF6E0}" type="datetimeFigureOut">
               <a:rPr lang="en-IN" smtClean="0"/>
-              <a:t>25-05-2025</a:t>
+              <a:t>30-05-2025</a:t>
             </a:fld>
             <a:endParaRPr lang="en-IN"/>
           </a:p>
@@ -1580,7 +1580,7 @@
           <a:p>
             <a:fld id="{F1102B08-ED9E-409F-B95F-09CAA1DAF6E0}" type="datetimeFigureOut">
               <a:rPr lang="en-IN" smtClean="0"/>
-              <a:t>25-05-2025</a:t>
+              <a:t>30-05-2025</a:t>
             </a:fld>
             <a:endParaRPr lang="en-IN"/>
           </a:p>
@@ -1750,7 +1750,7 @@
           <a:p>
             <a:fld id="{F1102B08-ED9E-409F-B95F-09CAA1DAF6E0}" type="datetimeFigureOut">
               <a:rPr lang="en-IN" smtClean="0"/>
-              <a:t>25-05-2025</a:t>
+              <a:t>30-05-2025</a:t>
             </a:fld>
             <a:endParaRPr lang="en-IN"/>
           </a:p>
@@ -1930,7 +1930,7 @@
           <a:p>
             <a:fld id="{F1102B08-ED9E-409F-B95F-09CAA1DAF6E0}" type="datetimeFigureOut">
               <a:rPr lang="en-IN" smtClean="0"/>
-              <a:t>25-05-2025</a:t>
+              <a:t>30-05-2025</a:t>
             </a:fld>
             <a:endParaRPr lang="en-IN"/>
           </a:p>
@@ -2132,7 +2132,7 @@
             <a:fld id="{F1102B08-ED9E-409F-B95F-09CAA1DAF6E0}" type="datetimeFigureOut">
               <a:rPr lang="en-IN" b="0" smtClean="0"/>
               <a:pPr/>
-              <a:t>25-05-2025</a:t>
+              <a:t>30-05-2025</a:t>
             </a:fld>
             <a:endParaRPr lang="en-IN" b="0" dirty="0"/>
           </a:p>
@@ -2360,7 +2360,7 @@
           <a:p>
             <a:fld id="{F1102B08-ED9E-409F-B95F-09CAA1DAF6E0}" type="datetimeFigureOut">
               <a:rPr lang="en-IN" smtClean="0"/>
-              <a:t>25-05-2025</a:t>
+              <a:t>30-05-2025</a:t>
             </a:fld>
             <a:endParaRPr lang="en-IN"/>
           </a:p>
@@ -2604,7 +2604,7 @@
           <a:p>
             <a:fld id="{F1102B08-ED9E-409F-B95F-09CAA1DAF6E0}" type="datetimeFigureOut">
               <a:rPr lang="en-IN" smtClean="0"/>
-              <a:t>25-05-2025</a:t>
+              <a:t>30-05-2025</a:t>
             </a:fld>
             <a:endParaRPr lang="en-IN"/>
           </a:p>
@@ -2836,7 +2836,7 @@
           <a:p>
             <a:fld id="{F1102B08-ED9E-409F-B95F-09CAA1DAF6E0}" type="datetimeFigureOut">
               <a:rPr lang="en-IN" smtClean="0"/>
-              <a:t>25-05-2025</a:t>
+              <a:t>30-05-2025</a:t>
             </a:fld>
             <a:endParaRPr lang="en-IN"/>
           </a:p>
@@ -3203,7 +3203,7 @@
           <a:p>
             <a:fld id="{F1102B08-ED9E-409F-B95F-09CAA1DAF6E0}" type="datetimeFigureOut">
               <a:rPr lang="en-IN" smtClean="0"/>
-              <a:t>25-05-2025</a:t>
+              <a:t>30-05-2025</a:t>
             </a:fld>
             <a:endParaRPr lang="en-IN"/>
           </a:p>
@@ -3321,7 +3321,7 @@
           <a:p>
             <a:fld id="{F1102B08-ED9E-409F-B95F-09CAA1DAF6E0}" type="datetimeFigureOut">
               <a:rPr lang="en-IN" smtClean="0"/>
-              <a:t>25-05-2025</a:t>
+              <a:t>30-05-2025</a:t>
             </a:fld>
             <a:endParaRPr lang="en-IN"/>
           </a:p>
@@ -3416,7 +3416,7 @@
           <a:p>
             <a:fld id="{F1102B08-ED9E-409F-B95F-09CAA1DAF6E0}" type="datetimeFigureOut">
               <a:rPr lang="en-IN" smtClean="0"/>
-              <a:t>25-05-2025</a:t>
+              <a:t>30-05-2025</a:t>
             </a:fld>
             <a:endParaRPr lang="en-IN"/>
           </a:p>
@@ -3693,7 +3693,7 @@
           <a:p>
             <a:fld id="{F1102B08-ED9E-409F-B95F-09CAA1DAF6E0}" type="datetimeFigureOut">
               <a:rPr lang="en-IN" smtClean="0"/>
-              <a:t>25-05-2025</a:t>
+              <a:t>30-05-2025</a:t>
             </a:fld>
             <a:endParaRPr lang="en-IN"/>
           </a:p>
@@ -3906,7 +3906,7 @@
           <a:p>
             <a:fld id="{F1102B08-ED9E-409F-B95F-09CAA1DAF6E0}" type="datetimeFigureOut">
               <a:rPr lang="en-IN" smtClean="0"/>
-              <a:t>25-05-2025</a:t>
+              <a:t>30-05-2025</a:t>
             </a:fld>
             <a:endParaRPr lang="en-IN"/>
           </a:p>
@@ -4326,8 +4326,8 @@
         </p:nvSpPr>
         <p:spPr>
           <a:xfrm>
-            <a:off x="5166926" y="265711"/>
-            <a:ext cx="4883429" cy="5493812"/>
+            <a:off x="5215566" y="333806"/>
+            <a:ext cx="4883429" cy="6186309"/>
           </a:xfrm>
           <a:prstGeom prst="rect">
             <a:avLst/>
@@ -4346,11 +4346,11 @@
               </a:lnSpc>
             </a:pPr>
             <a:r>
-              <a:rPr lang="te-IN" dirty="0">
+              <a:rPr lang="te-IN" sz="1600" dirty="0">
                 <a:latin typeface="Anek Telugu SemiBold" pitchFamily="2" charset="0"/>
                 <a:cs typeface="Anek Telugu SemiBold" pitchFamily="2" charset="0"/>
               </a:rPr>
-              <a:t>నీవు చేసిన మేళ్లకు</a:t>
+              <a:t>ఆధారం నీవేనయ్యా (2)</a:t>
             </a:r>
           </a:p>
           <a:p>
@@ -4360,11 +4360,11 @@
               </a:lnSpc>
             </a:pPr>
             <a:r>
-              <a:rPr lang="te-IN" dirty="0">
+              <a:rPr lang="te-IN" sz="1600" dirty="0">
                 <a:latin typeface="Anek Telugu SemiBold" pitchFamily="2" charset="0"/>
                 <a:cs typeface="Anek Telugu SemiBold" pitchFamily="2" charset="0"/>
               </a:rPr>
-              <a:t>నీవు చూపిన కృపలకు (2)</a:t>
+              <a:t>కాలము మారినా కష్టాలు తీరినా</a:t>
             </a:r>
           </a:p>
           <a:p>
@@ -4374,11 +4374,11 @@
               </a:lnSpc>
             </a:pPr>
             <a:r>
-              <a:rPr lang="te-IN" dirty="0">
+              <a:rPr lang="te-IN" sz="1600" dirty="0">
                 <a:latin typeface="Anek Telugu SemiBold" pitchFamily="2" charset="0"/>
                 <a:cs typeface="Anek Telugu SemiBold" pitchFamily="2" charset="0"/>
               </a:rPr>
-              <a:t>వందనం యేసయ్యా (4)</a:t>
+              <a:t>కారణం నీవేనయ్యా</a:t>
             </a:r>
           </a:p>
           <a:p>
@@ -4387,10 +4387,13 @@
                 <a:spcPct val="150000"/>
               </a:lnSpc>
             </a:pPr>
-            <a:endParaRPr lang="te-IN" dirty="0">
-              <a:latin typeface="Anek Telugu SemiBold" pitchFamily="2" charset="0"/>
-              <a:cs typeface="Anek Telugu SemiBold" pitchFamily="2" charset="0"/>
-            </a:endParaRPr>
+            <a:r>
+              <a:rPr lang="te-IN" sz="1600" dirty="0">
+                <a:latin typeface="Anek Telugu SemiBold" pitchFamily="2" charset="0"/>
+                <a:cs typeface="Anek Telugu SemiBold" pitchFamily="2" charset="0"/>
+              </a:rPr>
+              <a:t>యేసయ్యా కారణం నీవేనయ్యా        </a:t>
+            </a:r>
           </a:p>
           <a:p>
             <a:pPr>
@@ -4398,13 +4401,10 @@
                 <a:spcPct val="150000"/>
               </a:lnSpc>
             </a:pPr>
-            <a:r>
-              <a:rPr lang="te-IN" dirty="0">
-                <a:latin typeface="Anek Telugu SemiBold" pitchFamily="2" charset="0"/>
-                <a:cs typeface="Anek Telugu SemiBold" pitchFamily="2" charset="0"/>
-              </a:rPr>
-              <a:t>ఏపాటివాడనని నేను</a:t>
-            </a:r>
+            <a:endParaRPr lang="te-IN" sz="1600" dirty="0">
+              <a:latin typeface="Anek Telugu SemiBold" pitchFamily="2" charset="0"/>
+              <a:cs typeface="Anek Telugu SemiBold" pitchFamily="2" charset="0"/>
+            </a:endParaRPr>
           </a:p>
           <a:p>
             <a:pPr>
@@ -4413,11 +4413,11 @@
               </a:lnSpc>
             </a:pPr>
             <a:r>
-              <a:rPr lang="te-IN" dirty="0">
+              <a:rPr lang="te-IN" sz="1600" dirty="0">
                 <a:latin typeface="Anek Telugu SemiBold" pitchFamily="2" charset="0"/>
                 <a:cs typeface="Anek Telugu SemiBold" pitchFamily="2" charset="0"/>
               </a:rPr>
-              <a:t>నన్నెంతగానో ప్రేమించావు</a:t>
+              <a:t>లోకంలో ఎన్నో జయాలు </a:t>
             </a:r>
           </a:p>
           <a:p>
@@ -4427,11 +4427,11 @@
               </a:lnSpc>
             </a:pPr>
             <a:r>
-              <a:rPr lang="te-IN" dirty="0">
+              <a:rPr lang="te-IN" sz="1600" dirty="0">
                 <a:latin typeface="Anek Telugu SemiBold" pitchFamily="2" charset="0"/>
                 <a:cs typeface="Anek Telugu SemiBold" pitchFamily="2" charset="0"/>
               </a:rPr>
-              <a:t>అంచెలంచెలుగా హెచ్చించి</a:t>
+              <a:t>చూసాను నేనింత కాలం (2)</a:t>
             </a:r>
           </a:p>
           <a:p>
@@ -4441,11 +4441,11 @@
               </a:lnSpc>
             </a:pPr>
             <a:r>
-              <a:rPr lang="te-IN" dirty="0">
+              <a:rPr lang="te-IN" sz="1600" dirty="0">
                 <a:latin typeface="Anek Telugu SemiBold" pitchFamily="2" charset="0"/>
                 <a:cs typeface="Anek Telugu SemiBold" pitchFamily="2" charset="0"/>
               </a:rPr>
-              <a:t>నన్నెంతగానో దీవించావు (2)</a:t>
+              <a:t>అయినను ఎందుకో నెమ్మది లేదు (2)</a:t>
             </a:r>
           </a:p>
           <a:p>
@@ -4454,10 +4454,13 @@
                 <a:spcPct val="150000"/>
               </a:lnSpc>
             </a:pPr>
-            <a:endParaRPr lang="te-IN" dirty="0">
-              <a:latin typeface="Anek Telugu SemiBold" pitchFamily="2" charset="0"/>
-              <a:cs typeface="Anek Telugu SemiBold" pitchFamily="2" charset="0"/>
-            </a:endParaRPr>
+            <a:r>
+              <a:rPr lang="te-IN" sz="1600" dirty="0">
+                <a:latin typeface="Anek Telugu SemiBold" pitchFamily="2" charset="0"/>
+                <a:cs typeface="Anek Telugu SemiBold" pitchFamily="2" charset="0"/>
+              </a:rPr>
+              <a:t>సమాధానం కొదువైనది యేసయ్యా </a:t>
+            </a:r>
           </a:p>
           <a:p>
             <a:pPr>
@@ -4466,11 +4469,11 @@
               </a:lnSpc>
             </a:pPr>
             <a:r>
-              <a:rPr lang="te-IN" dirty="0">
+              <a:rPr lang="te-IN" sz="1600" dirty="0">
                 <a:latin typeface="Anek Telugu SemiBold" pitchFamily="2" charset="0"/>
                 <a:cs typeface="Anek Telugu SemiBold" pitchFamily="2" charset="0"/>
               </a:rPr>
-              <a:t>బలహీనుడనైన నన్ను</a:t>
+              <a:t>సమాధానం కొదువైనది</a:t>
             </a:r>
           </a:p>
           <a:p>
@@ -4479,13 +4482,10 @@
                 <a:spcPct val="150000"/>
               </a:lnSpc>
             </a:pPr>
-            <a:r>
-              <a:rPr lang="te-IN" dirty="0">
-                <a:latin typeface="Anek Telugu SemiBold" pitchFamily="2" charset="0"/>
-                <a:cs typeface="Anek Telugu SemiBold" pitchFamily="2" charset="0"/>
-              </a:rPr>
-              <a:t>నీవెంతగానో బలపరచావు</a:t>
-            </a:r>
+            <a:endParaRPr lang="te-IN" sz="1600" dirty="0">
+              <a:latin typeface="Anek Telugu SemiBold" pitchFamily="2" charset="0"/>
+              <a:cs typeface="Anek Telugu SemiBold" pitchFamily="2" charset="0"/>
+            </a:endParaRPr>
           </a:p>
           <a:p>
             <a:pPr>
@@ -4494,11 +4494,11 @@
               </a:lnSpc>
             </a:pPr>
             <a:r>
-              <a:rPr lang="te-IN" dirty="0">
+              <a:rPr lang="te-IN" sz="1600" dirty="0">
                 <a:latin typeface="Anek Telugu SemiBold" pitchFamily="2" charset="0"/>
                 <a:cs typeface="Anek Telugu SemiBold" pitchFamily="2" charset="0"/>
               </a:rPr>
-              <a:t>క్రీస్తేసు మహిమైశ్వర్యములో</a:t>
+              <a:t>ఐశ్వర్యం కొదువేమి లేదు</a:t>
             </a:r>
           </a:p>
           <a:p>
@@ -4508,11 +4508,53 @@
               </a:lnSpc>
             </a:pPr>
             <a:r>
-              <a:rPr lang="te-IN" dirty="0">
+              <a:rPr lang="te-IN" sz="1600" dirty="0">
                 <a:latin typeface="Anek Telugu SemiBold" pitchFamily="2" charset="0"/>
                 <a:cs typeface="Anek Telugu SemiBold" pitchFamily="2" charset="0"/>
               </a:rPr>
-              <a:t>ప్రతి అవసరమును తీర్చావు (2)</a:t>
+              <a:t>కుటుంబములో కలతేమి లేదు (2)</a:t>
+            </a:r>
+          </a:p>
+          <a:p>
+            <a:pPr>
+              <a:lnSpc>
+                <a:spcPct val="150000"/>
+              </a:lnSpc>
+            </a:pPr>
+            <a:r>
+              <a:rPr lang="te-IN" sz="1600" dirty="0">
+                <a:latin typeface="Anek Telugu SemiBold" pitchFamily="2" charset="0"/>
+                <a:cs typeface="Anek Telugu SemiBold" pitchFamily="2" charset="0"/>
+              </a:rPr>
+              <a:t>అయినను ఎందుకో నెమ్మది లేదు (2)</a:t>
+            </a:r>
+          </a:p>
+          <a:p>
+            <a:pPr>
+              <a:lnSpc>
+                <a:spcPct val="150000"/>
+              </a:lnSpc>
+            </a:pPr>
+            <a:r>
+              <a:rPr lang="te-IN" sz="1600" dirty="0">
+                <a:latin typeface="Anek Telugu SemiBold" pitchFamily="2" charset="0"/>
+                <a:cs typeface="Anek Telugu SemiBold" pitchFamily="2" charset="0"/>
+              </a:rPr>
+              <a:t>సమాధానం కొదువైనది యేసయ్యా </a:t>
+            </a:r>
+          </a:p>
+          <a:p>
+            <a:pPr>
+              <a:lnSpc>
+                <a:spcPct val="150000"/>
+              </a:lnSpc>
+            </a:pPr>
+            <a:r>
+              <a:rPr lang="te-IN" sz="1600" dirty="0">
+                <a:latin typeface="Anek Telugu SemiBold" pitchFamily="2" charset="0"/>
+                <a:cs typeface="Anek Telugu SemiBold" pitchFamily="2" charset="0"/>
+              </a:rPr>
+              <a:t>సమాధానం కొదువైనది</a:t>
             </a:r>
           </a:p>
         </p:txBody>
@@ -4531,8 +4573,8 @@
         </p:nvSpPr>
         <p:spPr>
           <a:xfrm>
-            <a:off x="350648" y="265711"/>
-            <a:ext cx="4544669" cy="5262979"/>
+            <a:off x="417883" y="373287"/>
+            <a:ext cx="4544669" cy="5909310"/>
           </a:xfrm>
           <a:prstGeom prst="rect">
             <a:avLst/>
@@ -4551,11 +4593,11 @@
               </a:lnSpc>
             </a:pPr>
             <a:r>
-              <a:rPr lang="te-IN" sz="1400" b="1" dirty="0">
+              <a:rPr lang="te-IN" b="1" dirty="0">
                 <a:latin typeface="Anek Telugu SemiBold" pitchFamily="2" charset="0"/>
                 <a:cs typeface="Anek Telugu SemiBold" pitchFamily="2" charset="0"/>
               </a:rPr>
-              <a:t>ప్రార్థన వలనే పయనము – ప్రార్థనే ప్రాకారము</a:t>
+              <a:t>నేనున్న స్థితిలోనే సంతృప్తిని కలిగించు </a:t>
             </a:r>
           </a:p>
           <a:p>
@@ -4565,11 +4607,11 @@
               </a:lnSpc>
             </a:pPr>
             <a:r>
-              <a:rPr lang="te-IN" sz="1400" b="1" dirty="0">
+              <a:rPr lang="te-IN" b="1" dirty="0">
                 <a:latin typeface="Anek Telugu SemiBold" pitchFamily="2" charset="0"/>
                 <a:cs typeface="Anek Telugu SemiBold" pitchFamily="2" charset="0"/>
               </a:rPr>
-              <a:t>ప్రార్థనే ప్రాధాన్యము – ప్రార్థన లేనిదే పరాజయం (2)</a:t>
+              <a:t>ఏమున్న లేకున్న నీకొరకే బ్రతికించు (2)</a:t>
             </a:r>
           </a:p>
           <a:p>
@@ -4579,11 +4621,11 @@
               </a:lnSpc>
             </a:pPr>
             <a:r>
-              <a:rPr lang="te-IN" sz="1400" b="1" dirty="0">
+              <a:rPr lang="te-IN" b="1" dirty="0">
                 <a:latin typeface="Anek Telugu SemiBold" pitchFamily="2" charset="0"/>
                 <a:cs typeface="Anek Telugu SemiBold" pitchFamily="2" charset="0"/>
               </a:rPr>
-              <a:t>ప్రభువా ప్రార్థన నేర్పయ్యా</a:t>
+              <a:t>కష్టాలు ఎదురైనా నా యాత్రను సాగించు </a:t>
             </a:r>
           </a:p>
           <a:p>
@@ -4593,11 +4635,11 @@
               </a:lnSpc>
             </a:pPr>
             <a:r>
-              <a:rPr lang="te-IN" sz="1400" b="1" dirty="0">
+              <a:rPr lang="te-IN" b="1" dirty="0">
                 <a:latin typeface="Anek Telugu SemiBold" pitchFamily="2" charset="0"/>
                 <a:cs typeface="Anek Telugu SemiBold" pitchFamily="2" charset="0"/>
               </a:rPr>
-              <a:t>ప్రార్ధించకుండా నే ఉండలేనయ్యా (2)</a:t>
+              <a:t>నష్టాలలోనైనా స్తుతిచేయుట నేర్పించు (2)</a:t>
             </a:r>
           </a:p>
           <a:p>
@@ -4606,13 +4648,10 @@
                 <a:spcPct val="150000"/>
               </a:lnSpc>
             </a:pPr>
-            <a:r>
-              <a:rPr lang="te-IN" sz="1400" b="1" dirty="0">
-                <a:latin typeface="Anek Telugu SemiBold" pitchFamily="2" charset="0"/>
-                <a:cs typeface="Anek Telugu SemiBold" pitchFamily="2" charset="0"/>
-              </a:rPr>
-              <a:t>నీ పాదాలు తడపకుండా</a:t>
-            </a:r>
+            <a:endParaRPr lang="te-IN" b="1" dirty="0">
+              <a:latin typeface="Anek Telugu SemiBold" pitchFamily="2" charset="0"/>
+              <a:cs typeface="Anek Telugu SemiBold" pitchFamily="2" charset="0"/>
+            </a:endParaRPr>
           </a:p>
           <a:p>
             <a:pPr>
@@ -4621,11 +4660,11 @@
               </a:lnSpc>
             </a:pPr>
             <a:r>
-              <a:rPr lang="te-IN" sz="1400" b="1" dirty="0">
+              <a:rPr lang="te-IN" b="1" dirty="0">
                 <a:latin typeface="Anek Telugu SemiBold" pitchFamily="2" charset="0"/>
                 <a:cs typeface="Anek Telugu SemiBold" pitchFamily="2" charset="0"/>
               </a:rPr>
-              <a:t>నా పయనం సాగదయ్యా (2)</a:t>
+              <a:t>లోకములో నీ కొరకు</a:t>
             </a:r>
           </a:p>
           <a:p>
@@ -4634,10 +4673,13 @@
                 <a:spcPct val="150000"/>
               </a:lnSpc>
             </a:pPr>
-            <a:endParaRPr lang="te-IN" sz="1400" b="1" dirty="0">
-              <a:latin typeface="Anek Telugu SemiBold" pitchFamily="2" charset="0"/>
-              <a:cs typeface="Anek Telugu SemiBold" pitchFamily="2" charset="0"/>
-            </a:endParaRPr>
+            <a:r>
+              <a:rPr lang="te-IN" b="1" dirty="0">
+                <a:latin typeface="Anek Telugu SemiBold" pitchFamily="2" charset="0"/>
+                <a:cs typeface="Anek Telugu SemiBold" pitchFamily="2" charset="0"/>
+              </a:rPr>
+              <a:t>జ్యోతిగ నను వెలిగించు (2)</a:t>
+            </a:r>
           </a:p>
           <a:p>
             <a:pPr>
@@ -4646,11 +4688,11 @@
               </a:lnSpc>
             </a:pPr>
             <a:r>
-              <a:rPr lang="te-IN" sz="1400" b="1" dirty="0">
+              <a:rPr lang="te-IN" b="1" dirty="0">
                 <a:latin typeface="Anek Telugu SemiBold" pitchFamily="2" charset="0"/>
                 <a:cs typeface="Anek Telugu SemiBold" pitchFamily="2" charset="0"/>
               </a:rPr>
-              <a:t>ప్రార్ధనలో నాటునది – పెల్లగించుట అసాధ్యము</a:t>
+              <a:t>రెండవ రాకడవరకు</a:t>
             </a:r>
           </a:p>
           <a:p>
@@ -4660,25 +4702,11 @@
               </a:lnSpc>
             </a:pPr>
             <a:r>
-              <a:rPr lang="te-IN" sz="1400" b="1" dirty="0">
+              <a:rPr lang="te-IN" b="1" dirty="0">
                 <a:latin typeface="Anek Telugu SemiBold" pitchFamily="2" charset="0"/>
                 <a:cs typeface="Anek Telugu SemiBold" pitchFamily="2" charset="0"/>
               </a:rPr>
-              <a:t>ప్రార్ధనలో పోరాడునది –</a:t>
-            </a:r>
-            <a:r>
-              <a:rPr lang="en-US" sz="1400" b="1" dirty="0">
-                <a:latin typeface="Anek Telugu SemiBold" pitchFamily="2" charset="0"/>
-                <a:cs typeface="Anek Telugu SemiBold" pitchFamily="2" charset="0"/>
-              </a:rPr>
-              <a:t> </a:t>
-            </a:r>
-            <a:r>
-              <a:rPr lang="te-IN" sz="1400" b="1" dirty="0">
-                <a:latin typeface="Anek Telugu SemiBold" pitchFamily="2" charset="0"/>
-                <a:cs typeface="Anek Telugu SemiBold" pitchFamily="2" charset="0"/>
-              </a:rPr>
-              <a:t>పొందకపోవుట అసాధ్యము (2)</a:t>
+              <a:t>విడువక నను నడిపించు (2)</a:t>
             </a:r>
           </a:p>
           <a:p>
@@ -4687,27 +4715,10 @@
                 <a:spcPct val="150000"/>
               </a:lnSpc>
             </a:pPr>
-            <a:r>
-              <a:rPr lang="te-IN" sz="1400" b="1" dirty="0">
-                <a:latin typeface="Anek Telugu SemiBold" pitchFamily="2" charset="0"/>
-                <a:cs typeface="Anek Telugu SemiBold" pitchFamily="2" charset="0"/>
-              </a:rPr>
-              <a:t>ప్రార్ధనలో ప్రాకులాడినది –</a:t>
-            </a:r>
-            <a:r>
-              <a:rPr lang="en-US" sz="1400" b="1" dirty="0">
-                <a:latin typeface="Anek Telugu SemiBold" pitchFamily="2" charset="0"/>
-                <a:cs typeface="Anek Telugu SemiBold" pitchFamily="2" charset="0"/>
-              </a:rPr>
-              <a:t> </a:t>
-            </a:r>
-            <a:r>
-              <a:rPr lang="te-IN" sz="1400" b="1" dirty="0">
-                <a:latin typeface="Anek Telugu SemiBold" pitchFamily="2" charset="0"/>
-                <a:cs typeface="Anek Telugu SemiBold" pitchFamily="2" charset="0"/>
-              </a:rPr>
-              <a:t>పతనమవ్వుట అసాధ్యము (2)</a:t>
-            </a:r>
+            <a:endParaRPr lang="te-IN" b="1" dirty="0">
+              <a:latin typeface="Anek Telugu SemiBold" pitchFamily="2" charset="0"/>
+              <a:cs typeface="Anek Telugu SemiBold" pitchFamily="2" charset="0"/>
+            </a:endParaRPr>
           </a:p>
           <a:p>
             <a:pPr>
@@ -4716,30 +4727,12 @@
               </a:lnSpc>
             </a:pPr>
             <a:r>
-              <a:rPr lang="te-IN" sz="1400" b="1" dirty="0">
+              <a:rPr lang="te-IN" b="1" dirty="0">
                 <a:latin typeface="Anek Telugu SemiBold" pitchFamily="2" charset="0"/>
                 <a:cs typeface="Anek Telugu SemiBold" pitchFamily="2" charset="0"/>
               </a:rPr>
-              <a:t>ప్రార్ధనలో పదునైనది –</a:t>
-            </a:r>
-            <a:r>
-              <a:rPr lang="en-US" sz="1400" b="1" dirty="0">
-                <a:latin typeface="Anek Telugu SemiBold" pitchFamily="2" charset="0"/>
-                <a:cs typeface="Anek Telugu SemiBold" pitchFamily="2" charset="0"/>
-              </a:rPr>
-              <a:t> </a:t>
-            </a:r>
-            <a:r>
-              <a:rPr lang="te-IN" sz="1400" b="1" dirty="0">
-                <a:latin typeface="Anek Telugu SemiBold" pitchFamily="2" charset="0"/>
-                <a:cs typeface="Anek Telugu SemiBold" pitchFamily="2" charset="0"/>
-              </a:rPr>
-              <a:t>పనిచేయకపోవుట అసాధ్యము (2)</a:t>
-            </a:r>
-            <a:endParaRPr lang="en-US" sz="1400" b="1" dirty="0">
-              <a:latin typeface="Anek Telugu SemiBold" pitchFamily="2" charset="0"/>
-              <a:cs typeface="Anek Telugu SemiBold" pitchFamily="2" charset="0"/>
-            </a:endParaRPr>
+              <a:t>నా దినముల పరిమాణం</a:t>
+            </a:r>
           </a:p>
           <a:p>
             <a:pPr>
@@ -4747,10 +4740,13 @@
                 <a:spcPct val="150000"/>
               </a:lnSpc>
             </a:pPr>
-            <a:endParaRPr lang="te-IN" sz="1400" b="1" dirty="0">
-              <a:latin typeface="Anek Telugu SemiBold" pitchFamily="2" charset="0"/>
-              <a:cs typeface="Anek Telugu SemiBold" pitchFamily="2" charset="0"/>
-            </a:endParaRPr>
+            <a:r>
+              <a:rPr lang="te-IN" b="1" dirty="0">
+                <a:latin typeface="Anek Telugu SemiBold" pitchFamily="2" charset="0"/>
+                <a:cs typeface="Anek Telugu SemiBold" pitchFamily="2" charset="0"/>
+              </a:rPr>
+              <a:t>లెక్కించుట నేర్పించు (2)</a:t>
+            </a:r>
           </a:p>
           <a:p>
             <a:pPr>
@@ -4759,11 +4755,11 @@
               </a:lnSpc>
             </a:pPr>
             <a:r>
-              <a:rPr lang="te-IN" sz="1400" b="1" dirty="0">
+              <a:rPr lang="te-IN" b="1" dirty="0">
                 <a:latin typeface="Anek Telugu SemiBold" pitchFamily="2" charset="0"/>
                 <a:cs typeface="Anek Telugu SemiBold" pitchFamily="2" charset="0"/>
               </a:rPr>
-              <a:t>ప్రార్ధనలో కనీళ్లు – కరిగిపోవుట అసాధ్యము</a:t>
+              <a:t>నా లోపల స్థిర హృదయం</a:t>
             </a:r>
           </a:p>
           <a:p>
@@ -4773,39 +4769,11 @@
               </a:lnSpc>
             </a:pPr>
             <a:r>
-              <a:rPr lang="te-IN" sz="1400" b="1" dirty="0">
+              <a:rPr lang="te-IN" b="1" dirty="0">
                 <a:latin typeface="Anek Telugu SemiBold" pitchFamily="2" charset="0"/>
                 <a:cs typeface="Anek Telugu SemiBold" pitchFamily="2" charset="0"/>
               </a:rPr>
-              <a:t>ప్రార్ధనలో మూల్గునది – మరుగైపోవుట అసాధ్యము (2)</a:t>
-            </a:r>
-          </a:p>
-          <a:p>
-            <a:pPr>
-              <a:lnSpc>
-                <a:spcPct val="150000"/>
-              </a:lnSpc>
-            </a:pPr>
-            <a:r>
-              <a:rPr lang="te-IN" sz="1400" b="1" dirty="0">
-                <a:latin typeface="Anek Telugu SemiBold" pitchFamily="2" charset="0"/>
-                <a:cs typeface="Anek Telugu SemiBold" pitchFamily="2" charset="0"/>
-              </a:rPr>
-              <a:t>ప్రార్ధనలో నలిగితే – నష్టపోవుట అసాధ్యము (2)</a:t>
-            </a:r>
-          </a:p>
-          <a:p>
-            <a:pPr>
-              <a:lnSpc>
-                <a:spcPct val="150000"/>
-              </a:lnSpc>
-            </a:pPr>
-            <a:r>
-              <a:rPr lang="te-IN" sz="1400" b="1" dirty="0">
-                <a:latin typeface="Anek Telugu SemiBold" pitchFamily="2" charset="0"/>
-                <a:cs typeface="Anek Telugu SemiBold" pitchFamily="2" charset="0"/>
-              </a:rPr>
-              <a:t>ప్రార్ధనలో పెనుగులాడితే – పడిపోవుట అసాధ్యము (2)</a:t>
+              <a:t>నూతనముగ పుట్టించు (2)</a:t>
             </a:r>
           </a:p>
         </p:txBody>
@@ -4978,8 +4946,8 @@
         </p:nvSpPr>
         <p:spPr>
           <a:xfrm>
-            <a:off x="345011" y="199362"/>
-            <a:ext cx="4640796" cy="6324808"/>
+            <a:off x="277776" y="253150"/>
+            <a:ext cx="4640796" cy="5262979"/>
           </a:xfrm>
           <a:prstGeom prst="rect">
             <a:avLst/>
@@ -4992,256 +4960,223 @@
           </a:bodyPr>
           <a:lstStyle/>
           <a:p>
-            <a:pPr defTabSz="439781">
+            <a:pPr>
               <a:lnSpc>
                 <a:spcPct val="150000"/>
               </a:lnSpc>
-              <a:defRPr/>
             </a:pPr>
             <a:r>
-              <a:rPr lang="te-IN" sz="1500" dirty="0">
-                <a:latin typeface="Anek Telugu SemiBold" pitchFamily="2" charset="0"/>
-                <a:cs typeface="Anek Telugu SemiBold" pitchFamily="2" charset="0"/>
-              </a:rPr>
-              <a:t>అల్ఫా ఒమేగా అయినా మహిమాన్వితుడా</a:t>
-            </a:r>
-          </a:p>
-          <a:p>
-            <a:pPr defTabSz="439781">
+              <a:rPr lang="te-IN" sz="1400" b="1" dirty="0">
+                <a:latin typeface="Anek Telugu" pitchFamily="2" charset="0"/>
+                <a:cs typeface="Anek Telugu" pitchFamily="2" charset="0"/>
+              </a:rPr>
+              <a:t>ఘనమైనవి నీ కార్యములు నా యెడల</a:t>
+            </a:r>
+            <a:br>
+              <a:rPr lang="te-IN" sz="1400" b="1" dirty="0">
+                <a:latin typeface="Anek Telugu" pitchFamily="2" charset="0"/>
+                <a:cs typeface="Anek Telugu" pitchFamily="2" charset="0"/>
+              </a:rPr>
+            </a:br>
+            <a:r>
+              <a:rPr lang="te-IN" sz="1400" b="1" dirty="0">
+                <a:latin typeface="Anek Telugu" pitchFamily="2" charset="0"/>
+                <a:cs typeface="Anek Telugu" pitchFamily="2" charset="0"/>
+              </a:rPr>
+              <a:t>స్థిరమైనవి నీ ఆలోచనలు నా యేసయ్యా (2)</a:t>
+            </a:r>
+            <a:br>
+              <a:rPr lang="te-IN" sz="1400" b="1" dirty="0">
+                <a:latin typeface="Anek Telugu" pitchFamily="2" charset="0"/>
+                <a:cs typeface="Anek Telugu" pitchFamily="2" charset="0"/>
+              </a:rPr>
+            </a:br>
+            <a:r>
+              <a:rPr lang="te-IN" sz="1400" b="1" dirty="0">
+                <a:latin typeface="Anek Telugu" pitchFamily="2" charset="0"/>
+                <a:cs typeface="Anek Telugu" pitchFamily="2" charset="0"/>
+              </a:rPr>
+              <a:t>కృపలను పొందుచు కృతజ్ఞత కలిగి</a:t>
+            </a:r>
+            <a:br>
+              <a:rPr lang="te-IN" sz="1400" b="1" dirty="0">
+                <a:latin typeface="Anek Telugu" pitchFamily="2" charset="0"/>
+                <a:cs typeface="Anek Telugu" pitchFamily="2" charset="0"/>
+              </a:rPr>
+            </a:br>
+            <a:r>
+              <a:rPr lang="te-IN" sz="1400" b="1" dirty="0">
+                <a:latin typeface="Anek Telugu" pitchFamily="2" charset="0"/>
+                <a:cs typeface="Anek Telugu" pitchFamily="2" charset="0"/>
+              </a:rPr>
+              <a:t>స్తుతులర్పించెదను అన్నివేళలా (2)</a:t>
+            </a:r>
+            <a:br>
+              <a:rPr lang="te-IN" sz="1400" b="1" dirty="0">
+                <a:latin typeface="Anek Telugu" pitchFamily="2" charset="0"/>
+                <a:cs typeface="Anek Telugu" pitchFamily="2" charset="0"/>
+              </a:rPr>
+            </a:br>
+            <a:r>
+              <a:rPr lang="te-IN" sz="1400" b="1" dirty="0">
+                <a:latin typeface="Anek Telugu" pitchFamily="2" charset="0"/>
+                <a:cs typeface="Anek Telugu" pitchFamily="2" charset="0"/>
+              </a:rPr>
+              <a:t>అనుదినము నీ అనుగ్రహమే</a:t>
+            </a:r>
+            <a:br>
+              <a:rPr lang="te-IN" sz="1400" b="1" dirty="0">
+                <a:latin typeface="Anek Telugu" pitchFamily="2" charset="0"/>
+                <a:cs typeface="Anek Telugu" pitchFamily="2" charset="0"/>
+              </a:rPr>
+            </a:br>
+            <a:r>
+              <a:rPr lang="te-IN" sz="1400" b="1" dirty="0">
+                <a:latin typeface="Anek Telugu" pitchFamily="2" charset="0"/>
+                <a:cs typeface="Anek Telugu" pitchFamily="2" charset="0"/>
+              </a:rPr>
+              <a:t>ఆయుష్కాలము నీ వరమే (2)</a:t>
+            </a:r>
+            <a:endParaRPr lang="en-IN" sz="1400" b="1" dirty="0">
+              <a:latin typeface="Anek Telugu" pitchFamily="2" charset="0"/>
+              <a:cs typeface="Anek Telugu" pitchFamily="2" charset="0"/>
+            </a:endParaRPr>
+          </a:p>
+          <a:p>
+            <a:pPr>
               <a:lnSpc>
                 <a:spcPct val="150000"/>
               </a:lnSpc>
-              <a:defRPr/>
             </a:pPr>
-            <a:r>
-              <a:rPr lang="te-IN" sz="1500" dirty="0">
-                <a:latin typeface="Anek Telugu SemiBold" pitchFamily="2" charset="0"/>
-                <a:cs typeface="Anek Telugu SemiBold" pitchFamily="2" charset="0"/>
-              </a:rPr>
-              <a:t>అద్వితీయ సత్యవంతుడా నిరంతరం స్తోత్రర్హుడా</a:t>
-            </a:r>
-          </a:p>
-          <a:p>
-            <a:pPr defTabSz="439781">
+            <a:endParaRPr lang="te-IN" sz="1400" b="1" dirty="0">
+              <a:latin typeface="Anek Telugu" pitchFamily="2" charset="0"/>
+              <a:cs typeface="Anek Telugu" pitchFamily="2" charset="0"/>
+            </a:endParaRPr>
+          </a:p>
+          <a:p>
+            <a:pPr>
               <a:lnSpc>
                 <a:spcPct val="150000"/>
               </a:lnSpc>
-              <a:defRPr/>
             </a:pPr>
             <a:r>
-              <a:rPr lang="te-IN" sz="1500" dirty="0">
-                <a:latin typeface="Anek Telugu SemiBold" pitchFamily="2" charset="0"/>
-                <a:cs typeface="Anek Telugu SemiBold" pitchFamily="2" charset="0"/>
-              </a:rPr>
-              <a:t>రాత్రిలో కాంతి కిరణమా పగటిలో కృపానిలయమా</a:t>
-            </a:r>
-          </a:p>
-          <a:p>
-            <a:pPr defTabSz="439781">
+              <a:rPr lang="te-IN" sz="1400" b="1" dirty="0">
+                <a:latin typeface="Anek Telugu" pitchFamily="2" charset="0"/>
+                <a:cs typeface="Anek Telugu" pitchFamily="2" charset="0"/>
+              </a:rPr>
+              <a:t>యే తెగులు సమీపించనీయక – యే కీడైన దరిచేరనీయక</a:t>
+            </a:r>
+            <a:br>
+              <a:rPr lang="te-IN" sz="1400" b="1" dirty="0">
+                <a:latin typeface="Anek Telugu" pitchFamily="2" charset="0"/>
+                <a:cs typeface="Anek Telugu" pitchFamily="2" charset="0"/>
+              </a:rPr>
+            </a:br>
+            <a:r>
+              <a:rPr lang="te-IN" sz="1400" b="1" dirty="0">
+                <a:latin typeface="Anek Telugu" pitchFamily="2" charset="0"/>
+                <a:cs typeface="Anek Telugu" pitchFamily="2" charset="0"/>
+              </a:rPr>
+              <a:t>ఆపదలన్ని తొలగే వరకు – ఆత్మలో నెమ్మది కలిగే వరకు (2)</a:t>
+            </a:r>
+            <a:br>
+              <a:rPr lang="te-IN" sz="1400" b="1" dirty="0">
+                <a:latin typeface="Anek Telugu" pitchFamily="2" charset="0"/>
+                <a:cs typeface="Anek Telugu" pitchFamily="2" charset="0"/>
+              </a:rPr>
+            </a:br>
+            <a:r>
+              <a:rPr lang="te-IN" sz="1400" b="1" dirty="0">
+                <a:latin typeface="Anek Telugu" pitchFamily="2" charset="0"/>
+                <a:cs typeface="Anek Telugu" pitchFamily="2" charset="0"/>
+              </a:rPr>
+              <a:t>నా భారము మోసి – బాసటగా నిలిచి – ఆదరించితివి</a:t>
+            </a:r>
+            <a:br>
+              <a:rPr lang="te-IN" sz="1400" b="1" dirty="0">
+                <a:latin typeface="Anek Telugu" pitchFamily="2" charset="0"/>
+                <a:cs typeface="Anek Telugu" pitchFamily="2" charset="0"/>
+              </a:rPr>
+            </a:br>
+            <a:r>
+              <a:rPr lang="te-IN" sz="1400" b="1" dirty="0">
+                <a:latin typeface="Anek Telugu" pitchFamily="2" charset="0"/>
+                <a:cs typeface="Anek Telugu" pitchFamily="2" charset="0"/>
+              </a:rPr>
+              <a:t>ఈ స్తుతి మహిమలు నీకే – చెల్లించెదను – జీవితాంతము</a:t>
+            </a:r>
+            <a:endParaRPr lang="en-IN" sz="1400" b="1" dirty="0">
+              <a:latin typeface="Anek Telugu" pitchFamily="2" charset="0"/>
+              <a:cs typeface="Anek Telugu" pitchFamily="2" charset="0"/>
+            </a:endParaRPr>
+          </a:p>
+          <a:p>
+            <a:pPr>
               <a:lnSpc>
                 <a:spcPct val="150000"/>
               </a:lnSpc>
-              <a:defRPr/>
             </a:pPr>
-            <a:r>
-              <a:rPr lang="te-IN" sz="1500" dirty="0">
-                <a:latin typeface="Anek Telugu SemiBold" pitchFamily="2" charset="0"/>
-                <a:cs typeface="Anek Telugu SemiBold" pitchFamily="2" charset="0"/>
-              </a:rPr>
-              <a:t>ముదిమి వరకు నన్నాదరించె సత్యవాక్యమా</a:t>
-            </a:r>
-          </a:p>
-          <a:p>
-            <a:pPr defTabSz="439781">
+            <a:endParaRPr lang="te-IN" sz="1400" b="1" dirty="0">
+              <a:latin typeface="Anek Telugu" pitchFamily="2" charset="0"/>
+              <a:cs typeface="Anek Telugu" pitchFamily="2" charset="0"/>
+            </a:endParaRPr>
+          </a:p>
+          <a:p>
+            <a:pPr>
               <a:lnSpc>
                 <a:spcPct val="150000"/>
               </a:lnSpc>
-              <a:defRPr/>
             </a:pPr>
             <a:r>
-              <a:rPr lang="te-IN" sz="1500" dirty="0">
-                <a:latin typeface="Anek Telugu SemiBold" pitchFamily="2" charset="0"/>
-                <a:cs typeface="Anek Telugu SemiBold" pitchFamily="2" charset="0"/>
-              </a:rPr>
-              <a:t>నాతో స్నేహమై నా సౌక్యమై</a:t>
-            </a:r>
-          </a:p>
-          <a:p>
-            <a:pPr defTabSz="439781">
-              <a:lnSpc>
-                <a:spcPct val="150000"/>
-              </a:lnSpc>
-              <a:defRPr/>
-            </a:pPr>
-            <a:r>
-              <a:rPr lang="te-IN" sz="1500" dirty="0">
-                <a:latin typeface="Anek Telugu SemiBold" pitchFamily="2" charset="0"/>
-                <a:cs typeface="Anek Telugu SemiBold" pitchFamily="2" charset="0"/>
-              </a:rPr>
-              <a:t>నను నడిపించె నా యేసయ్య</a:t>
-            </a:r>
-          </a:p>
-          <a:p>
-            <a:pPr defTabSz="439781">
-              <a:lnSpc>
-                <a:spcPct val="150000"/>
-              </a:lnSpc>
-              <a:defRPr/>
-            </a:pPr>
+              <a:rPr lang="te-IN" sz="1400" b="1" dirty="0">
+                <a:latin typeface="Anek Telugu" pitchFamily="2" charset="0"/>
+                <a:cs typeface="Anek Telugu" pitchFamily="2" charset="0"/>
+              </a:rPr>
+              <a:t>నాకు ఎత్తైన కోటవు నీవే – నన్ను కాపాడు కేడెము నీవే</a:t>
+            </a:r>
             <a:br>
-              <a:rPr lang="te-IN" sz="1500" dirty="0">
-                <a:latin typeface="Anek Telugu SemiBold" pitchFamily="2" charset="0"/>
-                <a:cs typeface="Anek Telugu SemiBold" pitchFamily="2" charset="0"/>
+              <a:rPr lang="te-IN" sz="1400" b="1" dirty="0">
+                <a:latin typeface="Anek Telugu" pitchFamily="2" charset="0"/>
+                <a:cs typeface="Anek Telugu" pitchFamily="2" charset="0"/>
               </a:rPr>
             </a:br>
             <a:r>
-              <a:rPr lang="te-IN" sz="1500" dirty="0">
-                <a:latin typeface="Anek Telugu SemiBold" pitchFamily="2" charset="0"/>
-                <a:cs typeface="Anek Telugu SemiBold" pitchFamily="2" charset="0"/>
-              </a:rPr>
-              <a:t>కనికర పూర్ణుడా నీ కృప బాహుల్యమే</a:t>
-            </a:r>
-          </a:p>
-          <a:p>
-            <a:pPr defTabSz="439781">
-              <a:lnSpc>
-                <a:spcPct val="150000"/>
-              </a:lnSpc>
-              <a:defRPr/>
-            </a:pPr>
-            <a:r>
-              <a:rPr lang="te-IN" sz="1500" dirty="0">
-                <a:latin typeface="Anek Telugu SemiBold" pitchFamily="2" charset="0"/>
-                <a:cs typeface="Anek Telugu SemiBold" pitchFamily="2" charset="0"/>
-              </a:rPr>
-              <a:t>ఉన్నతముగా నిను ఆరాధించుటకు</a:t>
-            </a:r>
-          </a:p>
-          <a:p>
-            <a:pPr defTabSz="439781">
-              <a:lnSpc>
-                <a:spcPct val="150000"/>
-              </a:lnSpc>
-              <a:defRPr/>
-            </a:pPr>
-            <a:r>
-              <a:rPr lang="te-IN" sz="1500" dirty="0">
-                <a:latin typeface="Anek Telugu SemiBold" pitchFamily="2" charset="0"/>
-                <a:cs typeface="Anek Telugu SemiBold" pitchFamily="2" charset="0"/>
-              </a:rPr>
-              <a:t>అనుక్షనమున నీ ముఖ కాంతిలో నిలిపి</a:t>
-            </a:r>
-          </a:p>
-          <a:p>
-            <a:pPr defTabSz="439781">
-              <a:lnSpc>
-                <a:spcPct val="150000"/>
-              </a:lnSpc>
-              <a:defRPr/>
-            </a:pPr>
-            <a:r>
-              <a:rPr lang="te-IN" sz="1500" dirty="0">
-                <a:latin typeface="Anek Telugu SemiBold" pitchFamily="2" charset="0"/>
-                <a:cs typeface="Anek Telugu SemiBold" pitchFamily="2" charset="0"/>
-              </a:rPr>
-              <a:t>నూతన వసంతములో చేర్చెను</a:t>
-            </a:r>
-          </a:p>
-          <a:p>
-            <a:pPr defTabSz="439781">
-              <a:lnSpc>
-                <a:spcPct val="150000"/>
-              </a:lnSpc>
-              <a:defRPr/>
-            </a:pPr>
-            <a:r>
-              <a:rPr lang="te-IN" sz="1500" dirty="0">
-                <a:latin typeface="Anek Telugu SemiBold" pitchFamily="2" charset="0"/>
-                <a:cs typeface="Anek Telugu SemiBold" pitchFamily="2" charset="0"/>
-              </a:rPr>
-              <a:t>జీవించెద నీ కొరకే హర్షించెద నీలోనే</a:t>
-            </a:r>
-          </a:p>
-          <a:p>
-            <a:pPr defTabSz="439781">
-              <a:lnSpc>
-                <a:spcPct val="150000"/>
-              </a:lnSpc>
-              <a:defRPr/>
-            </a:pPr>
+              <a:rPr lang="te-IN" sz="1400" b="1" dirty="0">
+                <a:latin typeface="Anek Telugu" pitchFamily="2" charset="0"/>
+                <a:cs typeface="Anek Telugu" pitchFamily="2" charset="0"/>
+              </a:rPr>
+              <a:t>ఆశ్రయమైన బండవు నీవే – శాశ్వత కృపకాధారము నీవే (2)</a:t>
+            </a:r>
             <a:br>
-              <a:rPr lang="te-IN" sz="1500" dirty="0">
-                <a:latin typeface="Anek Telugu SemiBold" pitchFamily="2" charset="0"/>
-                <a:cs typeface="Anek Telugu SemiBold" pitchFamily="2" charset="0"/>
+              <a:rPr lang="te-IN" sz="1400" b="1" dirty="0">
+                <a:latin typeface="Anek Telugu" pitchFamily="2" charset="0"/>
+                <a:cs typeface="Anek Telugu" pitchFamily="2" charset="0"/>
               </a:rPr>
             </a:br>
             <a:r>
-              <a:rPr lang="te-IN" sz="1500" dirty="0">
-                <a:latin typeface="Anek Telugu SemiBold" pitchFamily="2" charset="0"/>
-                <a:cs typeface="Anek Telugu SemiBold" pitchFamily="2" charset="0"/>
-              </a:rPr>
-              <a:t>తేజోమాయుడా నీదివ్య సంకల్పమే</a:t>
-            </a:r>
-          </a:p>
-          <a:p>
-            <a:pPr defTabSz="439781">
-              <a:lnSpc>
-                <a:spcPct val="150000"/>
-              </a:lnSpc>
-              <a:defRPr/>
-            </a:pPr>
-            <a:r>
-              <a:rPr lang="te-IN" sz="1500" dirty="0">
-                <a:latin typeface="Anek Telugu SemiBold" pitchFamily="2" charset="0"/>
-                <a:cs typeface="Anek Telugu SemiBold" pitchFamily="2" charset="0"/>
-              </a:rPr>
-              <a:t>ఆశ్చర్యకరమైన వెలుగులో నడుపుటకు</a:t>
-            </a:r>
-          </a:p>
-          <a:p>
-            <a:pPr defTabSz="439781">
-              <a:lnSpc>
-                <a:spcPct val="150000"/>
-              </a:lnSpc>
-              <a:defRPr/>
-            </a:pPr>
-            <a:r>
-              <a:rPr lang="te-IN" sz="1500" dirty="0">
-                <a:latin typeface="Anek Telugu SemiBold" pitchFamily="2" charset="0"/>
-                <a:cs typeface="Anek Telugu SemiBold" pitchFamily="2" charset="0"/>
-              </a:rPr>
-              <a:t>ఆశ నిరాశల వలయాలు తప్పించి</a:t>
-            </a:r>
-          </a:p>
-          <a:p>
-            <a:pPr defTabSz="439781">
-              <a:lnSpc>
-                <a:spcPct val="150000"/>
-              </a:lnSpc>
-              <a:defRPr/>
-            </a:pPr>
-            <a:r>
-              <a:rPr lang="te-IN" sz="1500" dirty="0">
-                <a:latin typeface="Anek Telugu SemiBold" pitchFamily="2" charset="0"/>
-                <a:cs typeface="Anek Telugu SemiBold" pitchFamily="2" charset="0"/>
-              </a:rPr>
-              <a:t>అగ్నిజ్వాలగా ననుచేసెను</a:t>
-            </a:r>
-          </a:p>
-          <a:p>
-            <a:pPr defTabSz="439781">
-              <a:lnSpc>
-                <a:spcPct val="150000"/>
-              </a:lnSpc>
-              <a:defRPr/>
-            </a:pPr>
-            <a:r>
-              <a:rPr lang="te-IN" sz="1500" dirty="0">
-                <a:latin typeface="Anek Telugu SemiBold" pitchFamily="2" charset="0"/>
-                <a:cs typeface="Anek Telugu SemiBold" pitchFamily="2" charset="0"/>
-              </a:rPr>
-              <a:t>నా స్తుతి కీర్తన నీవే స్తుతి ఆరాధన నీకే</a:t>
-            </a:r>
+              <a:rPr lang="te-IN" sz="1400" b="1" dirty="0">
+                <a:latin typeface="Anek Telugu" pitchFamily="2" charset="0"/>
+                <a:cs typeface="Anek Telugu" pitchFamily="2" charset="0"/>
+              </a:rPr>
+              <a:t>నా ప్రతిక్షణమును నీవు – దీవెనగా మార్చి – నడిపించుచున్నావు</a:t>
+            </a:r>
+            <a:br>
+              <a:rPr lang="te-IN" sz="1400" b="1" dirty="0">
+                <a:latin typeface="Anek Telugu" pitchFamily="2" charset="0"/>
+                <a:cs typeface="Anek Telugu" pitchFamily="2" charset="0"/>
+              </a:rPr>
+            </a:br>
+            <a:r>
+              <a:rPr lang="te-IN" sz="1400" b="1" dirty="0">
+                <a:latin typeface="Anek Telugu" pitchFamily="2" charset="0"/>
+                <a:cs typeface="Anek Telugu" pitchFamily="2" charset="0"/>
+              </a:rPr>
+              <a:t>ఈ స్తుతి మహిమలు నీకే – చెల్లించెదను – జీవితాంతము </a:t>
+            </a:r>
+            <a:endParaRPr lang="te-IN" sz="1400" dirty="0">
+              <a:latin typeface="Anek Telugu SemiBold" pitchFamily="2" charset="0"/>
+              <a:cs typeface="Anek Telugu SemiBold" pitchFamily="2" charset="0"/>
+            </a:endParaRPr>
           </a:p>
         </p:txBody>
       </p:sp>
@@ -5322,7 +5257,7 @@
         <p:spPr>
           <a:xfrm>
             <a:off x="5113469" y="202171"/>
-            <a:ext cx="4749801" cy="5978560"/>
+            <a:ext cx="4749801" cy="6555641"/>
           </a:xfrm>
           <a:prstGeom prst="rect">
             <a:avLst/>
@@ -5341,16 +5276,12 @@
               </a:lnSpc>
             </a:pPr>
             <a:r>
-              <a:rPr lang="te-IN" sz="1700" dirty="0">
+              <a:rPr lang="te-IN" sz="1350" b="1" dirty="0">
                 <a:latin typeface="Anek Telugu SemiBold" pitchFamily="2" charset="0"/>
                 <a:cs typeface="Anek Telugu SemiBold" pitchFamily="2" charset="0"/>
               </a:rPr>
-              <a:t>యెహోవా ఆలకించుము దేవా</a:t>
-            </a:r>
-            <a:endParaRPr lang="en-US" sz="1700" dirty="0">
-              <a:latin typeface="Anek Telugu SemiBold" pitchFamily="2" charset="0"/>
-              <a:cs typeface="Anek Telugu SemiBold" pitchFamily="2" charset="0"/>
-            </a:endParaRPr>
+              <a:t>యేసయ్యా నీ కృప నాకు చాలయ్యా</a:t>
+            </a:r>
           </a:p>
           <a:p>
             <a:pPr defTabSz="439781">
@@ -5359,11 +5290,11 @@
               </a:lnSpc>
             </a:pPr>
             <a:r>
-              <a:rPr lang="te-IN" sz="1700" dirty="0">
+              <a:rPr lang="te-IN" sz="1350" b="1" dirty="0">
                 <a:latin typeface="Anek Telugu SemiBold" pitchFamily="2" charset="0"/>
                 <a:cs typeface="Anek Telugu SemiBold" pitchFamily="2" charset="0"/>
               </a:rPr>
-              <a:t>ఆశ్రయ దుర్గము నీవే  </a:t>
+              <a:t>నీ కృప లేనిదే నే బ్రతుకలేనయ్యా</a:t>
             </a:r>
           </a:p>
           <a:p>
@@ -5373,11 +5304,11 @@
               </a:lnSpc>
             </a:pPr>
             <a:r>
-              <a:rPr lang="te-IN" sz="1700" dirty="0">
+              <a:rPr lang="te-IN" sz="1350" b="1" dirty="0">
                 <a:latin typeface="Anek Telugu SemiBold" pitchFamily="2" charset="0"/>
                 <a:cs typeface="Anek Telugu SemiBold" pitchFamily="2" charset="0"/>
               </a:rPr>
-              <a:t>మా రక్షణ శృంగము మా ఎతైన కోట </a:t>
+              <a:t>నీ కృప లేని క్షణము – నీ దయ లేని క్షణము</a:t>
             </a:r>
           </a:p>
           <a:p>
@@ -5387,11 +5318,11 @@
               </a:lnSpc>
             </a:pPr>
             <a:r>
-              <a:rPr lang="te-IN" sz="1700" dirty="0">
+              <a:rPr lang="te-IN" sz="1350" b="1" dirty="0">
                 <a:latin typeface="Anek Telugu SemiBold" pitchFamily="2" charset="0"/>
                 <a:cs typeface="Anek Telugu SemiBold" pitchFamily="2" charset="0"/>
               </a:rPr>
-              <a:t>నేను ఎవరికి ఎన్నడు భయపడను</a:t>
+              <a:t>నేనూహించలేను యేసయ్యా (2)</a:t>
             </a:r>
           </a:p>
           <a:p>
@@ -5401,11 +5332,11 @@
               </a:lnSpc>
             </a:pPr>
             <a:r>
-              <a:rPr lang="te-IN" sz="1700" dirty="0">
+              <a:rPr lang="te-IN" sz="1350" b="1" dirty="0">
                 <a:latin typeface="Anek Telugu SemiBold" pitchFamily="2" charset="0"/>
                 <a:cs typeface="Anek Telugu SemiBold" pitchFamily="2" charset="0"/>
               </a:rPr>
-              <a:t>నేను ఎవరికి ఎన్నడు భయపడను</a:t>
+              <a:t>యేసయ్యా నీ కృప నాకు చాలయ్యా</a:t>
             </a:r>
           </a:p>
           <a:p>
@@ -5414,10 +5345,13 @@
                 <a:spcPct val="150000"/>
               </a:lnSpc>
             </a:pPr>
-            <a:endParaRPr lang="te-IN" sz="1700" dirty="0">
-              <a:latin typeface="Anek Telugu SemiBold" pitchFamily="2" charset="0"/>
-              <a:cs typeface="Anek Telugu SemiBold" pitchFamily="2" charset="0"/>
-            </a:endParaRPr>
+            <a:r>
+              <a:rPr lang="te-IN" sz="1350" b="1" dirty="0">
+                <a:latin typeface="Anek Telugu SemiBold" pitchFamily="2" charset="0"/>
+                <a:cs typeface="Anek Telugu SemiBold" pitchFamily="2" charset="0"/>
+              </a:rPr>
+              <a:t>నీ కృప లేనిదే నేనుండలేనయ్యా (2)</a:t>
+            </a:r>
           </a:p>
           <a:p>
             <a:pPr defTabSz="439781">
@@ -5425,13 +5359,10 @@
                 <a:spcPct val="150000"/>
               </a:lnSpc>
             </a:pPr>
-            <a:r>
-              <a:rPr lang="te-IN" sz="1700" dirty="0">
-                <a:latin typeface="Anek Telugu SemiBold" pitchFamily="2" charset="0"/>
-                <a:cs typeface="Anek Telugu SemiBold" pitchFamily="2" charset="0"/>
-              </a:rPr>
-              <a:t>విరిగి నలిగిన హృదయము నీకు </a:t>
-            </a:r>
+            <a:endParaRPr lang="te-IN" sz="1350" b="1" dirty="0">
+              <a:latin typeface="Anek Telugu SemiBold" pitchFamily="2" charset="0"/>
+              <a:cs typeface="Anek Telugu SemiBold" pitchFamily="2" charset="0"/>
+            </a:endParaRPr>
           </a:p>
           <a:p>
             <a:pPr defTabSz="439781">
@@ -5440,11 +5371,11 @@
               </a:lnSpc>
             </a:pPr>
             <a:r>
-              <a:rPr lang="te-IN" sz="1700" dirty="0">
+              <a:rPr lang="te-IN" sz="1350" b="1" dirty="0">
                 <a:latin typeface="Anek Telugu SemiBold" pitchFamily="2" charset="0"/>
                 <a:cs typeface="Anek Telugu SemiBold" pitchFamily="2" charset="0"/>
               </a:rPr>
-              <a:t>ఇష్టమైన బలి కదా దేవా </a:t>
+              <a:t>మహిమను విడిచి మహిలోకి దిగి వచ్చి</a:t>
             </a:r>
           </a:p>
           <a:p>
@@ -5454,11 +5385,11 @@
               </a:lnSpc>
             </a:pPr>
             <a:r>
-              <a:rPr lang="te-IN" sz="1700" dirty="0">
+              <a:rPr lang="te-IN" sz="1350" b="1" dirty="0">
                 <a:latin typeface="Anek Telugu SemiBold" pitchFamily="2" charset="0"/>
                 <a:cs typeface="Anek Telugu SemiBold" pitchFamily="2" charset="0"/>
               </a:rPr>
-              <a:t>నాదు హృదయము నర్పించెదను </a:t>
+              <a:t>మార్గముగా మారి మనిషిగా మార్చావు</a:t>
             </a:r>
           </a:p>
           <a:p>
@@ -5468,11 +5399,11 @@
               </a:lnSpc>
             </a:pPr>
             <a:r>
-              <a:rPr lang="te-IN" sz="1700" dirty="0">
+              <a:rPr lang="te-IN" sz="1350" b="1" dirty="0">
                 <a:latin typeface="Anek Telugu SemiBold" pitchFamily="2" charset="0"/>
                 <a:cs typeface="Anek Telugu SemiBold" pitchFamily="2" charset="0"/>
               </a:rPr>
-              <a:t>నా సమస్తము నీదే దేవా </a:t>
+              <a:t>మహిని నీవు మాధుర్యముగా మార్చి</a:t>
             </a:r>
           </a:p>
           <a:p>
@@ -5481,10 +5412,13 @@
                 <a:spcPct val="150000"/>
               </a:lnSpc>
             </a:pPr>
-            <a:endParaRPr lang="te-IN" sz="1700" dirty="0">
-              <a:latin typeface="Anek Telugu SemiBold" pitchFamily="2" charset="0"/>
-              <a:cs typeface="Anek Telugu SemiBold" pitchFamily="2" charset="0"/>
-            </a:endParaRPr>
+            <a:r>
+              <a:rPr lang="te-IN" sz="1350" b="1" dirty="0">
+                <a:latin typeface="Anek Telugu SemiBold" pitchFamily="2" charset="0"/>
+                <a:cs typeface="Anek Telugu SemiBold" pitchFamily="2" charset="0"/>
+              </a:rPr>
+              <a:t>మాదిరి చూపి మరో రూపమిచ్చావు (2)</a:t>
+            </a:r>
           </a:p>
           <a:p>
             <a:pPr defTabSz="439781">
@@ -5493,11 +5427,11 @@
               </a:lnSpc>
             </a:pPr>
             <a:r>
-              <a:rPr lang="te-IN" sz="1700" dirty="0">
+              <a:rPr lang="te-IN" sz="1350" b="1" dirty="0">
                 <a:latin typeface="Anek Telugu SemiBold" pitchFamily="2" charset="0"/>
                 <a:cs typeface="Anek Telugu SemiBold" pitchFamily="2" charset="0"/>
               </a:rPr>
-              <a:t>కారు చీకటిలో కాంతివలే </a:t>
+              <a:t>మహిమలో నేను మహిమను పొంద</a:t>
             </a:r>
           </a:p>
           <a:p>
@@ -5507,11 +5441,11 @@
               </a:lnSpc>
             </a:pPr>
             <a:r>
-              <a:rPr lang="te-IN" sz="1700" dirty="0">
+              <a:rPr lang="te-IN" sz="1350" b="1" dirty="0">
                 <a:latin typeface="Anek Telugu SemiBold" pitchFamily="2" charset="0"/>
                 <a:cs typeface="Anek Telugu SemiBold" pitchFamily="2" charset="0"/>
               </a:rPr>
-              <a:t>అడుగిడితివి మా బ్రతుకులలో </a:t>
+              <a:t>మహిమగా మార్చింది నీ కృప (2)</a:t>
             </a:r>
           </a:p>
           <a:p>
@@ -5520,13 +5454,10 @@
                 <a:spcPct val="150000"/>
               </a:lnSpc>
             </a:pPr>
-            <a:r>
-              <a:rPr lang="te-IN" sz="1700" dirty="0">
-                <a:latin typeface="Anek Telugu SemiBold" pitchFamily="2" charset="0"/>
-                <a:cs typeface="Anek Telugu SemiBold" pitchFamily="2" charset="0"/>
-              </a:rPr>
-              <a:t>ఆత్మ దాహము తీర్చు ప్రభువా  </a:t>
-            </a:r>
+            <a:endParaRPr lang="te-IN" sz="1350" b="1" dirty="0">
+              <a:latin typeface="Anek Telugu SemiBold" pitchFamily="2" charset="0"/>
+              <a:cs typeface="Anek Telugu SemiBold" pitchFamily="2" charset="0"/>
+            </a:endParaRPr>
           </a:p>
           <a:p>
             <a:pPr defTabSz="439781">
@@ -5535,11 +5466,81 @@
               </a:lnSpc>
             </a:pPr>
             <a:r>
-              <a:rPr lang="te-IN" sz="1700" dirty="0">
+              <a:rPr lang="te-IN" sz="1350" b="1" dirty="0">
                 <a:latin typeface="Anek Telugu SemiBold" pitchFamily="2" charset="0"/>
                 <a:cs typeface="Anek Telugu SemiBold" pitchFamily="2" charset="0"/>
               </a:rPr>
-              <a:t>పరమ బాటలో నడిపించితివి</a:t>
+              <a:t>ఆజ్ఞల మార్గమున ఆశ్రయమును ఇచ్చి</a:t>
+            </a:r>
+          </a:p>
+          <a:p>
+            <a:pPr defTabSz="439781">
+              <a:lnSpc>
+                <a:spcPct val="150000"/>
+              </a:lnSpc>
+            </a:pPr>
+            <a:r>
+              <a:rPr lang="te-IN" sz="1350" b="1" dirty="0">
+                <a:latin typeface="Anek Telugu SemiBold" pitchFamily="2" charset="0"/>
+                <a:cs typeface="Anek Telugu SemiBold" pitchFamily="2" charset="0"/>
+              </a:rPr>
+              <a:t>ఆపత్కాలమున ఆదుకొన్నావు</a:t>
+            </a:r>
+          </a:p>
+          <a:p>
+            <a:pPr defTabSz="439781">
+              <a:lnSpc>
+                <a:spcPct val="150000"/>
+              </a:lnSpc>
+            </a:pPr>
+            <a:r>
+              <a:rPr lang="te-IN" sz="1350" b="1" dirty="0">
+                <a:latin typeface="Anek Telugu SemiBold" pitchFamily="2" charset="0"/>
+                <a:cs typeface="Anek Telugu SemiBold" pitchFamily="2" charset="0"/>
+              </a:rPr>
+              <a:t>ఆత్మీయులతో ఆనందింప చేసి</a:t>
+            </a:r>
+          </a:p>
+          <a:p>
+            <a:pPr defTabSz="439781">
+              <a:lnSpc>
+                <a:spcPct val="150000"/>
+              </a:lnSpc>
+            </a:pPr>
+            <a:r>
+              <a:rPr lang="te-IN" sz="1350" b="1" dirty="0">
+                <a:latin typeface="Anek Telugu SemiBold" pitchFamily="2" charset="0"/>
+                <a:cs typeface="Anek Telugu SemiBold" pitchFamily="2" charset="0"/>
+              </a:rPr>
+              <a:t>ఆనంద తైలముతో అభిషేకించావు (2)</a:t>
+            </a:r>
+          </a:p>
+          <a:p>
+            <a:pPr defTabSz="439781">
+              <a:lnSpc>
+                <a:spcPct val="150000"/>
+              </a:lnSpc>
+            </a:pPr>
+            <a:r>
+              <a:rPr lang="te-IN" sz="1350" b="1" dirty="0">
+                <a:latin typeface="Anek Telugu SemiBold" pitchFamily="2" charset="0"/>
+                <a:cs typeface="Anek Telugu SemiBold" pitchFamily="2" charset="0"/>
+              </a:rPr>
+              <a:t>ఆశ తీర ఆరాధన చేసే</a:t>
+            </a:r>
+          </a:p>
+          <a:p>
+            <a:pPr defTabSz="439781">
+              <a:lnSpc>
+                <a:spcPct val="150000"/>
+              </a:lnSpc>
+            </a:pPr>
+            <a:r>
+              <a:rPr lang="te-IN" sz="1350" b="1" dirty="0">
+                <a:latin typeface="Anek Telugu SemiBold" pitchFamily="2" charset="0"/>
+                <a:cs typeface="Anek Telugu SemiBold" pitchFamily="2" charset="0"/>
+              </a:rPr>
+              <a:t>అదృష్టమిచ్చింది నీ కృప (2)</a:t>
             </a:r>
           </a:p>
         </p:txBody>

--- a/songsTemplate.pptx
+++ b/songsTemplate.pptx
@@ -135,12 +135,12 @@
   <pc:docChgLst>
     <pc:chgData name="Venu Yalapala" userId="9feb8bbceceecaca" providerId="LiveId" clId="{282BCC90-DA09-49A0-BCEB-FBBFF0EE3CC4}"/>
     <pc:docChg chg="undo redo custSel addSld delSld modSld addMainMaster delMainMaster modMainMaster">
-      <pc:chgData name="Venu Yalapala" userId="9feb8bbceceecaca" providerId="LiveId" clId="{282BCC90-DA09-49A0-BCEB-FBBFF0EE3CC4}" dt="2025-05-29T18:48:39.546" v="576" actId="113"/>
+      <pc:chgData name="Venu Yalapala" userId="9feb8bbceceecaca" providerId="LiveId" clId="{282BCC90-DA09-49A0-BCEB-FBBFF0EE3CC4}" dt="2025-06-07T17:14:02.462" v="600" actId="20577"/>
       <pc:docMkLst>
         <pc:docMk/>
       </pc:docMkLst>
       <pc:sldChg chg="addSp delSp modSp mod modClrScheme chgLayout">
-        <pc:chgData name="Venu Yalapala" userId="9feb8bbceceecaca" providerId="LiveId" clId="{282BCC90-DA09-49A0-BCEB-FBBFF0EE3CC4}" dt="2025-05-29T18:43:55.829" v="438" actId="1035"/>
+        <pc:chgData name="Venu Yalapala" userId="9feb8bbceceecaca" providerId="LiveId" clId="{282BCC90-DA09-49A0-BCEB-FBBFF0EE3CC4}" dt="2025-06-07T17:13:25.412" v="591" actId="255"/>
         <pc:sldMkLst>
           <pc:docMk/>
           <pc:sldMk cId="3342490066" sldId="256"/>
@@ -202,7 +202,7 @@
           </ac:spMkLst>
         </pc:spChg>
         <pc:spChg chg="mod topLvl">
-          <ac:chgData name="Venu Yalapala" userId="9feb8bbceceecaca" providerId="LiveId" clId="{282BCC90-DA09-49A0-BCEB-FBBFF0EE3CC4}" dt="2025-05-29T18:40:05.335" v="325" actId="20577"/>
+          <ac:chgData name="Venu Yalapala" userId="9feb8bbceceecaca" providerId="LiveId" clId="{282BCC90-DA09-49A0-BCEB-FBBFF0EE3CC4}" dt="2025-06-07T17:12:58.073" v="579"/>
           <ac:spMkLst>
             <pc:docMk/>
             <pc:sldMk cId="3342490066" sldId="256"/>
@@ -226,7 +226,7 @@
           </ac:spMkLst>
         </pc:spChg>
         <pc:spChg chg="mod ord topLvl">
-          <ac:chgData name="Venu Yalapala" userId="9feb8bbceceecaca" providerId="LiveId" clId="{282BCC90-DA09-49A0-BCEB-FBBFF0EE3CC4}" dt="2025-05-29T18:43:55.829" v="438" actId="1035"/>
+          <ac:chgData name="Venu Yalapala" userId="9feb8bbceceecaca" providerId="LiveId" clId="{282BCC90-DA09-49A0-BCEB-FBBFF0EE3CC4}" dt="2025-06-07T17:13:25.412" v="591" actId="255"/>
           <ac:spMkLst>
             <pc:docMk/>
             <pc:sldMk cId="3342490066" sldId="256"/>
@@ -274,7 +274,7 @@
         </pc:spChg>
       </pc:sldChg>
       <pc:sldChg chg="addSp delSp modSp new mod">
-        <pc:chgData name="Venu Yalapala" userId="9feb8bbceceecaca" providerId="LiveId" clId="{282BCC90-DA09-49A0-BCEB-FBBFF0EE3CC4}" dt="2025-05-29T18:48:39.546" v="576" actId="113"/>
+        <pc:chgData name="Venu Yalapala" userId="9feb8bbceceecaca" providerId="LiveId" clId="{282BCC90-DA09-49A0-BCEB-FBBFF0EE3CC4}" dt="2025-06-07T17:14:02.462" v="600" actId="20577"/>
         <pc:sldMkLst>
           <pc:docMk/>
           <pc:sldMk cId="2536218313" sldId="258"/>
@@ -288,7 +288,7 @@
           </ac:spMkLst>
         </pc:spChg>
         <pc:spChg chg="mod topLvl">
-          <ac:chgData name="Venu Yalapala" userId="9feb8bbceceecaca" providerId="LiveId" clId="{282BCC90-DA09-49A0-BCEB-FBBFF0EE3CC4}" dt="2025-05-29T18:48:27.303" v="575" actId="1035"/>
+          <ac:chgData name="Venu Yalapala" userId="9feb8bbceceecaca" providerId="LiveId" clId="{282BCC90-DA09-49A0-BCEB-FBBFF0EE3CC4}" dt="2025-06-07T17:13:49.128" v="594"/>
           <ac:spMkLst>
             <pc:docMk/>
             <pc:sldMk cId="2536218313" sldId="258"/>
@@ -304,7 +304,7 @@
           </ac:spMkLst>
         </pc:spChg>
         <pc:spChg chg="mod topLvl">
-          <ac:chgData name="Venu Yalapala" userId="9feb8bbceceecaca" providerId="LiveId" clId="{282BCC90-DA09-49A0-BCEB-FBBFF0EE3CC4}" dt="2025-05-29T18:48:39.546" v="576" actId="113"/>
+          <ac:chgData name="Venu Yalapala" userId="9feb8bbceceecaca" providerId="LiveId" clId="{282BCC90-DA09-49A0-BCEB-FBBFF0EE3CC4}" dt="2025-06-07T17:14:02.462" v="600" actId="20577"/>
           <ac:spMkLst>
             <pc:docMk/>
             <pc:sldMk cId="2536218313" sldId="258"/>
@@ -745,7 +745,7 @@
           <a:p>
             <a:fld id="{0EEBF99D-A94C-4ACE-ABB7-ED5902A7DBE5}" type="datetimeFigureOut">
               <a:rPr lang="en-IN" smtClean="0"/>
-              <a:t>30-05-2025</a:t>
+              <a:t>07-06-2025</a:t>
             </a:fld>
             <a:endParaRPr lang="en-IN"/>
           </a:p>
@@ -923,7 +923,7 @@
           <a:p>
             <a:fld id="{6EA7C7CE-6F0C-4E71-B520-9461545357C0}" type="datetimeFigureOut">
               <a:rPr lang="en-IN" smtClean="0"/>
-              <a:t>30-05-2025</a:t>
+              <a:t>07-06-2025</a:t>
             </a:fld>
             <a:endParaRPr lang="en-IN"/>
           </a:p>
@@ -1323,7 +1323,7 @@
           <a:p>
             <a:fld id="{F1102B08-ED9E-409F-B95F-09CAA1DAF6E0}" type="datetimeFigureOut">
               <a:rPr lang="en-IN" smtClean="0"/>
-              <a:t>30-05-2025</a:t>
+              <a:t>07-06-2025</a:t>
             </a:fld>
             <a:endParaRPr lang="en-IN"/>
           </a:p>
@@ -1580,7 +1580,7 @@
           <a:p>
             <a:fld id="{F1102B08-ED9E-409F-B95F-09CAA1DAF6E0}" type="datetimeFigureOut">
               <a:rPr lang="en-IN" smtClean="0"/>
-              <a:t>30-05-2025</a:t>
+              <a:t>07-06-2025</a:t>
             </a:fld>
             <a:endParaRPr lang="en-IN"/>
           </a:p>
@@ -1750,7 +1750,7 @@
           <a:p>
             <a:fld id="{F1102B08-ED9E-409F-B95F-09CAA1DAF6E0}" type="datetimeFigureOut">
               <a:rPr lang="en-IN" smtClean="0"/>
-              <a:t>30-05-2025</a:t>
+              <a:t>07-06-2025</a:t>
             </a:fld>
             <a:endParaRPr lang="en-IN"/>
           </a:p>
@@ -1930,7 +1930,7 @@
           <a:p>
             <a:fld id="{F1102B08-ED9E-409F-B95F-09CAA1DAF6E0}" type="datetimeFigureOut">
               <a:rPr lang="en-IN" smtClean="0"/>
-              <a:t>30-05-2025</a:t>
+              <a:t>07-06-2025</a:t>
             </a:fld>
             <a:endParaRPr lang="en-IN"/>
           </a:p>
@@ -2132,7 +2132,7 @@
             <a:fld id="{F1102B08-ED9E-409F-B95F-09CAA1DAF6E0}" type="datetimeFigureOut">
               <a:rPr lang="en-IN" b="0" smtClean="0"/>
               <a:pPr/>
-              <a:t>30-05-2025</a:t>
+              <a:t>07-06-2025</a:t>
             </a:fld>
             <a:endParaRPr lang="en-IN" b="0" dirty="0"/>
           </a:p>
@@ -2360,7 +2360,7 @@
           <a:p>
             <a:fld id="{F1102B08-ED9E-409F-B95F-09CAA1DAF6E0}" type="datetimeFigureOut">
               <a:rPr lang="en-IN" smtClean="0"/>
-              <a:t>30-05-2025</a:t>
+              <a:t>07-06-2025</a:t>
             </a:fld>
             <a:endParaRPr lang="en-IN"/>
           </a:p>
@@ -2604,7 +2604,7 @@
           <a:p>
             <a:fld id="{F1102B08-ED9E-409F-B95F-09CAA1DAF6E0}" type="datetimeFigureOut">
               <a:rPr lang="en-IN" smtClean="0"/>
-              <a:t>30-05-2025</a:t>
+              <a:t>07-06-2025</a:t>
             </a:fld>
             <a:endParaRPr lang="en-IN"/>
           </a:p>
@@ -2836,7 +2836,7 @@
           <a:p>
             <a:fld id="{F1102B08-ED9E-409F-B95F-09CAA1DAF6E0}" type="datetimeFigureOut">
               <a:rPr lang="en-IN" smtClean="0"/>
-              <a:t>30-05-2025</a:t>
+              <a:t>07-06-2025</a:t>
             </a:fld>
             <a:endParaRPr lang="en-IN"/>
           </a:p>
@@ -3203,7 +3203,7 @@
           <a:p>
             <a:fld id="{F1102B08-ED9E-409F-B95F-09CAA1DAF6E0}" type="datetimeFigureOut">
               <a:rPr lang="en-IN" smtClean="0"/>
-              <a:t>30-05-2025</a:t>
+              <a:t>07-06-2025</a:t>
             </a:fld>
             <a:endParaRPr lang="en-IN"/>
           </a:p>
@@ -3321,7 +3321,7 @@
           <a:p>
             <a:fld id="{F1102B08-ED9E-409F-B95F-09CAA1DAF6E0}" type="datetimeFigureOut">
               <a:rPr lang="en-IN" smtClean="0"/>
-              <a:t>30-05-2025</a:t>
+              <a:t>07-06-2025</a:t>
             </a:fld>
             <a:endParaRPr lang="en-IN"/>
           </a:p>
@@ -3416,7 +3416,7 @@
           <a:p>
             <a:fld id="{F1102B08-ED9E-409F-B95F-09CAA1DAF6E0}" type="datetimeFigureOut">
               <a:rPr lang="en-IN" smtClean="0"/>
-              <a:t>30-05-2025</a:t>
+              <a:t>07-06-2025</a:t>
             </a:fld>
             <a:endParaRPr lang="en-IN"/>
           </a:p>
@@ -3693,7 +3693,7 @@
           <a:p>
             <a:fld id="{F1102B08-ED9E-409F-B95F-09CAA1DAF6E0}" type="datetimeFigureOut">
               <a:rPr lang="en-IN" smtClean="0"/>
-              <a:t>30-05-2025</a:t>
+              <a:t>07-06-2025</a:t>
             </a:fld>
             <a:endParaRPr lang="en-IN"/>
           </a:p>
@@ -3906,7 +3906,7 @@
           <a:p>
             <a:fld id="{F1102B08-ED9E-409F-B95F-09CAA1DAF6E0}" type="datetimeFigureOut">
               <a:rPr lang="en-IN" smtClean="0"/>
-              <a:t>30-05-2025</a:t>
+              <a:t>07-06-2025</a:t>
             </a:fld>
             <a:endParaRPr lang="en-IN"/>
           </a:p>
@@ -4327,7 +4327,7 @@
         <p:spPr>
           <a:xfrm>
             <a:off x="5215566" y="333806"/>
-            <a:ext cx="4883429" cy="6186309"/>
+            <a:ext cx="4883429" cy="5262979"/>
           </a:xfrm>
           <a:prstGeom prst="rect">
             <a:avLst/>
@@ -4350,7 +4350,7 @@
                 <a:latin typeface="Anek Telugu SemiBold" pitchFamily="2" charset="0"/>
                 <a:cs typeface="Anek Telugu SemiBold" pitchFamily="2" charset="0"/>
               </a:rPr>
-              <a:t>ఆధారం నీవేనయ్యా (2)</a:t>
+              <a:t>దేవుని స్తుతియించుడి</a:t>
             </a:r>
           </a:p>
           <a:p>
@@ -4364,35 +4364,7 @@
                 <a:latin typeface="Anek Telugu SemiBold" pitchFamily="2" charset="0"/>
                 <a:cs typeface="Anek Telugu SemiBold" pitchFamily="2" charset="0"/>
               </a:rPr>
-              <a:t>కాలము మారినా కష్టాలు తీరినా</a:t>
-            </a:r>
-          </a:p>
-          <a:p>
-            <a:pPr>
-              <a:lnSpc>
-                <a:spcPct val="150000"/>
-              </a:lnSpc>
-            </a:pPr>
-            <a:r>
-              <a:rPr lang="te-IN" sz="1600" dirty="0">
-                <a:latin typeface="Anek Telugu SemiBold" pitchFamily="2" charset="0"/>
-                <a:cs typeface="Anek Telugu SemiBold" pitchFamily="2" charset="0"/>
-              </a:rPr>
-              <a:t>కారణం నీవేనయ్యా</a:t>
-            </a:r>
-          </a:p>
-          <a:p>
-            <a:pPr>
-              <a:lnSpc>
-                <a:spcPct val="150000"/>
-              </a:lnSpc>
-            </a:pPr>
-            <a:r>
-              <a:rPr lang="te-IN" sz="1600" dirty="0">
-                <a:latin typeface="Anek Telugu SemiBold" pitchFamily="2" charset="0"/>
-                <a:cs typeface="Anek Telugu SemiBold" pitchFamily="2" charset="0"/>
-              </a:rPr>
-              <a:t>యేసయ్యా కారణం నీవేనయ్యా        </a:t>
+              <a:t>ఎల్లప్పుడు దేవుని స్తుతియించుడి        ||దేవుని||</a:t>
             </a:r>
           </a:p>
           <a:p>
@@ -4417,7 +4389,7 @@
                 <a:latin typeface="Anek Telugu SemiBold" pitchFamily="2" charset="0"/>
                 <a:cs typeface="Anek Telugu SemiBold" pitchFamily="2" charset="0"/>
               </a:rPr>
-              <a:t>లోకంలో ఎన్నో జయాలు </a:t>
+              <a:t>ఆయన పరిశుద్ధ ఆలయమందు (2)</a:t>
             </a:r>
           </a:p>
           <a:p>
@@ -4431,49 +4403,7 @@
                 <a:latin typeface="Anek Telugu SemiBold" pitchFamily="2" charset="0"/>
                 <a:cs typeface="Anek Telugu SemiBold" pitchFamily="2" charset="0"/>
               </a:rPr>
-              <a:t>చూసాను నేనింత కాలం (2)</a:t>
-            </a:r>
-          </a:p>
-          <a:p>
-            <a:pPr>
-              <a:lnSpc>
-                <a:spcPct val="150000"/>
-              </a:lnSpc>
-            </a:pPr>
-            <a:r>
-              <a:rPr lang="te-IN" sz="1600" dirty="0">
-                <a:latin typeface="Anek Telugu SemiBold" pitchFamily="2" charset="0"/>
-                <a:cs typeface="Anek Telugu SemiBold" pitchFamily="2" charset="0"/>
-              </a:rPr>
-              <a:t>అయినను ఎందుకో నెమ్మది లేదు (2)</a:t>
-            </a:r>
-          </a:p>
-          <a:p>
-            <a:pPr>
-              <a:lnSpc>
-                <a:spcPct val="150000"/>
-              </a:lnSpc>
-            </a:pPr>
-            <a:r>
-              <a:rPr lang="te-IN" sz="1600" dirty="0">
-                <a:latin typeface="Anek Telugu SemiBold" pitchFamily="2" charset="0"/>
-                <a:cs typeface="Anek Telugu SemiBold" pitchFamily="2" charset="0"/>
-              </a:rPr>
-              <a:t>సమాధానం కొదువైనది యేసయ్యా </a:t>
-            </a:r>
-          </a:p>
-          <a:p>
-            <a:pPr>
-              <a:lnSpc>
-                <a:spcPct val="150000"/>
-              </a:lnSpc>
-            </a:pPr>
-            <a:r>
-              <a:rPr lang="te-IN" sz="1600" dirty="0">
-                <a:latin typeface="Anek Telugu SemiBold" pitchFamily="2" charset="0"/>
-                <a:cs typeface="Anek Telugu SemiBold" pitchFamily="2" charset="0"/>
-              </a:rPr>
-              <a:t>సమాధానం కొదువైనది</a:t>
+              <a:t>ఆయన సన్నిధిలో ఆ… ఆ… (2)      ||ఎల్లప్పుడు||</a:t>
             </a:r>
           </a:p>
           <a:p>
@@ -4498,7 +4428,7 @@
                 <a:latin typeface="Anek Telugu SemiBold" pitchFamily="2" charset="0"/>
                 <a:cs typeface="Anek Telugu SemiBold" pitchFamily="2" charset="0"/>
               </a:rPr>
-              <a:t>ఐశ్వర్యం కొదువేమి లేదు</a:t>
+              <a:t>ఆయన బలమును ప్రసిద్ధి చేయు (2)</a:t>
             </a:r>
           </a:p>
           <a:p>
@@ -4512,7 +4442,7 @@
                 <a:latin typeface="Anek Telugu SemiBold" pitchFamily="2" charset="0"/>
                 <a:cs typeface="Anek Telugu SemiBold" pitchFamily="2" charset="0"/>
               </a:rPr>
-              <a:t>కుటుంబములో కలతేమి లేదు (2)</a:t>
+              <a:t>ఆకశవిశాలమందు ఆ… ఆ… (2)      ||ఎల్లప్పుడు||</a:t>
             </a:r>
           </a:p>
           <a:p>
@@ -4521,13 +4451,10 @@
                 <a:spcPct val="150000"/>
               </a:lnSpc>
             </a:pPr>
-            <a:r>
-              <a:rPr lang="te-IN" sz="1600" dirty="0">
-                <a:latin typeface="Anek Telugu SemiBold" pitchFamily="2" charset="0"/>
-                <a:cs typeface="Anek Telugu SemiBold" pitchFamily="2" charset="0"/>
-              </a:rPr>
-              <a:t>అయినను ఎందుకో నెమ్మది లేదు (2)</a:t>
-            </a:r>
+            <a:endParaRPr lang="te-IN" sz="1600" dirty="0">
+              <a:latin typeface="Anek Telugu SemiBold" pitchFamily="2" charset="0"/>
+              <a:cs typeface="Anek Telugu SemiBold" pitchFamily="2" charset="0"/>
+            </a:endParaRPr>
           </a:p>
           <a:p>
             <a:pPr>
@@ -4540,7 +4467,7 @@
                 <a:latin typeface="Anek Telugu SemiBold" pitchFamily="2" charset="0"/>
                 <a:cs typeface="Anek Telugu SemiBold" pitchFamily="2" charset="0"/>
               </a:rPr>
-              <a:t>సమాధానం కొదువైనది యేసయ్యా </a:t>
+              <a:t>ఆయన పరాక్రమ కార్యములన్ బట్టి (2)</a:t>
             </a:r>
           </a:p>
           <a:p>
@@ -4554,7 +4481,46 @@
                 <a:latin typeface="Anek Telugu SemiBold" pitchFamily="2" charset="0"/>
                 <a:cs typeface="Anek Telugu SemiBold" pitchFamily="2" charset="0"/>
               </a:rPr>
-              <a:t>సమాధానం కొదువైనది</a:t>
+              <a:t>ఆయన ప్రభావమును ఆ… ఆ… (2)  ||ఎల్లప్పుడు||</a:t>
+            </a:r>
+          </a:p>
+          <a:p>
+            <a:pPr>
+              <a:lnSpc>
+                <a:spcPct val="150000"/>
+              </a:lnSpc>
+            </a:pPr>
+            <a:endParaRPr lang="te-IN" sz="1600" dirty="0">
+              <a:latin typeface="Anek Telugu SemiBold" pitchFamily="2" charset="0"/>
+              <a:cs typeface="Anek Telugu SemiBold" pitchFamily="2" charset="0"/>
+            </a:endParaRPr>
+          </a:p>
+          <a:p>
+            <a:pPr>
+              <a:lnSpc>
+                <a:spcPct val="150000"/>
+              </a:lnSpc>
+            </a:pPr>
+            <a:r>
+              <a:rPr lang="te-IN" sz="1600" dirty="0">
+                <a:latin typeface="Anek Telugu SemiBold" pitchFamily="2" charset="0"/>
+                <a:cs typeface="Anek Telugu SemiBold" pitchFamily="2" charset="0"/>
+              </a:rPr>
+              <a:t>బూరధ్వనితో ఆయనన్ స్తుతించుడి (2)</a:t>
+            </a:r>
+          </a:p>
+          <a:p>
+            <a:pPr>
+              <a:lnSpc>
+                <a:spcPct val="150000"/>
+              </a:lnSpc>
+            </a:pPr>
+            <a:r>
+              <a:rPr lang="te-IN" sz="1600" dirty="0">
+                <a:latin typeface="Anek Telugu SemiBold" pitchFamily="2" charset="0"/>
+                <a:cs typeface="Anek Telugu SemiBold" pitchFamily="2" charset="0"/>
+              </a:rPr>
+              <a:t>స్వరమండలములతో ఆ… ఆ… (2)   ||ఎల్లప్పుడు||</a:t>
             </a:r>
           </a:p>
         </p:txBody>
@@ -4574,7 +4540,7 @@
         <p:spPr>
           <a:xfrm>
             <a:off x="417883" y="373287"/>
-            <a:ext cx="4544669" cy="5909310"/>
+            <a:ext cx="4544669" cy="5978560"/>
           </a:xfrm>
           <a:prstGeom prst="rect">
             <a:avLst/>
@@ -4593,11 +4559,11 @@
               </a:lnSpc>
             </a:pPr>
             <a:r>
-              <a:rPr lang="te-IN" b="1" dirty="0">
+              <a:rPr lang="te-IN" sz="1500" b="1" dirty="0">
                 <a:latin typeface="Anek Telugu SemiBold" pitchFamily="2" charset="0"/>
                 <a:cs typeface="Anek Telugu SemiBold" pitchFamily="2" charset="0"/>
               </a:rPr>
-              <a:t>నేనున్న స్థితిలోనే సంతృప్తిని కలిగించు </a:t>
+              <a:t>అల్ఫా ఓమేగయైన మహిమాన్వితుడా</a:t>
             </a:r>
           </a:p>
           <a:p>
@@ -4607,11 +4573,11 @@
               </a:lnSpc>
             </a:pPr>
             <a:r>
-              <a:rPr lang="te-IN" b="1" dirty="0">
+              <a:rPr lang="te-IN" sz="1500" b="1" dirty="0">
                 <a:latin typeface="Anek Telugu SemiBold" pitchFamily="2" charset="0"/>
                 <a:cs typeface="Anek Telugu SemiBold" pitchFamily="2" charset="0"/>
               </a:rPr>
-              <a:t>ఏమున్న లేకున్న నీకొరకే బ్రతికించు (2)</a:t>
+              <a:t>అద్వితీయ సత్యవంతుడా నిరంతరం స్తోత్రార్హుడా</a:t>
             </a:r>
           </a:p>
           <a:p>
@@ -4621,11 +4587,11 @@
               </a:lnSpc>
             </a:pPr>
             <a:r>
-              <a:rPr lang="te-IN" b="1" dirty="0">
+              <a:rPr lang="te-IN" sz="1500" b="1" dirty="0">
                 <a:latin typeface="Anek Telugu SemiBold" pitchFamily="2" charset="0"/>
                 <a:cs typeface="Anek Telugu SemiBold" pitchFamily="2" charset="0"/>
               </a:rPr>
-              <a:t>కష్టాలు ఎదురైనా నా యాత్రను సాగించు </a:t>
+              <a:t>రాత్రిలో కాంతి కిరణమా! పగటిలో కృపా నిలయమా!</a:t>
             </a:r>
           </a:p>
           <a:p>
@@ -4635,11 +4601,11 @@
               </a:lnSpc>
             </a:pPr>
             <a:r>
-              <a:rPr lang="te-IN" b="1" dirty="0">
+              <a:rPr lang="te-IN" sz="1500" b="1" dirty="0">
                 <a:latin typeface="Anek Telugu SemiBold" pitchFamily="2" charset="0"/>
                 <a:cs typeface="Anek Telugu SemiBold" pitchFamily="2" charset="0"/>
               </a:rPr>
-              <a:t>నష్టాలలోనైనా స్తుతిచేయుట నేర్పించు (2)</a:t>
+              <a:t>ముదిమి వరకు నన్నాదరించే సత్య వాక్యమా</a:t>
             </a:r>
           </a:p>
           <a:p>
@@ -4648,10 +4614,13 @@
                 <a:spcPct val="150000"/>
               </a:lnSpc>
             </a:pPr>
-            <a:endParaRPr lang="te-IN" b="1" dirty="0">
-              <a:latin typeface="Anek Telugu SemiBold" pitchFamily="2" charset="0"/>
-              <a:cs typeface="Anek Telugu SemiBold" pitchFamily="2" charset="0"/>
-            </a:endParaRPr>
+            <a:r>
+              <a:rPr lang="te-IN" sz="1500" b="1" dirty="0">
+                <a:latin typeface="Anek Telugu SemiBold" pitchFamily="2" charset="0"/>
+                <a:cs typeface="Anek Telugu SemiBold" pitchFamily="2" charset="0"/>
+              </a:rPr>
+              <a:t>నాతో స్నేహమైనా సౌఖ్యమై నను నడిపించే నా యేసయ్యా</a:t>
+            </a:r>
           </a:p>
           <a:p>
             <a:pPr>
@@ -4659,13 +4628,10 @@
                 <a:spcPct val="150000"/>
               </a:lnSpc>
             </a:pPr>
-            <a:r>
-              <a:rPr lang="te-IN" b="1" dirty="0">
-                <a:latin typeface="Anek Telugu SemiBold" pitchFamily="2" charset="0"/>
-                <a:cs typeface="Anek Telugu SemiBold" pitchFamily="2" charset="0"/>
-              </a:rPr>
-              <a:t>లోకములో నీ కొరకు</a:t>
-            </a:r>
+            <a:endParaRPr lang="te-IN" sz="1500" b="1" dirty="0">
+              <a:latin typeface="Anek Telugu SemiBold" pitchFamily="2" charset="0"/>
+              <a:cs typeface="Anek Telugu SemiBold" pitchFamily="2" charset="0"/>
+            </a:endParaRPr>
           </a:p>
           <a:p>
             <a:pPr>
@@ -4674,11 +4640,11 @@
               </a:lnSpc>
             </a:pPr>
             <a:r>
-              <a:rPr lang="te-IN" b="1" dirty="0">
+              <a:rPr lang="te-IN" sz="1500" b="1" dirty="0">
                 <a:latin typeface="Anek Telugu SemiBold" pitchFamily="2" charset="0"/>
                 <a:cs typeface="Anek Telugu SemiBold" pitchFamily="2" charset="0"/>
               </a:rPr>
-              <a:t>జ్యోతిగ నను వెలిగించు (2)</a:t>
+              <a:t>కనికర పూర్ణుడా! నీ కృప బాహుల్యమే</a:t>
             </a:r>
           </a:p>
           <a:p>
@@ -4688,11 +4654,11 @@
               </a:lnSpc>
             </a:pPr>
             <a:r>
-              <a:rPr lang="te-IN" b="1" dirty="0">
+              <a:rPr lang="te-IN" sz="1500" b="1" dirty="0">
                 <a:latin typeface="Anek Telugu SemiBold" pitchFamily="2" charset="0"/>
                 <a:cs typeface="Anek Telugu SemiBold" pitchFamily="2" charset="0"/>
               </a:rPr>
-              <a:t>రెండవ రాకడవరకు</a:t>
+              <a:t>ఉన్నతముగ నిను ఆరాధించుటకు</a:t>
             </a:r>
           </a:p>
           <a:p>
@@ -4702,11 +4668,11 @@
               </a:lnSpc>
             </a:pPr>
             <a:r>
-              <a:rPr lang="te-IN" b="1" dirty="0">
+              <a:rPr lang="te-IN" sz="1500" b="1" dirty="0">
                 <a:latin typeface="Anek Telugu SemiBold" pitchFamily="2" charset="0"/>
                 <a:cs typeface="Anek Telugu SemiBold" pitchFamily="2" charset="0"/>
               </a:rPr>
-              <a:t>విడువక నను నడిపించు (2)</a:t>
+              <a:t>అనుక్షణమున నీ ముఖ కాంతి లో నిలిపి</a:t>
             </a:r>
           </a:p>
           <a:p>
@@ -4715,10 +4681,13 @@
                 <a:spcPct val="150000"/>
               </a:lnSpc>
             </a:pPr>
-            <a:endParaRPr lang="te-IN" b="1" dirty="0">
-              <a:latin typeface="Anek Telugu SemiBold" pitchFamily="2" charset="0"/>
-              <a:cs typeface="Anek Telugu SemiBold" pitchFamily="2" charset="0"/>
-            </a:endParaRPr>
+            <a:r>
+              <a:rPr lang="te-IN" sz="1500" b="1" dirty="0">
+                <a:latin typeface="Anek Telugu SemiBold" pitchFamily="2" charset="0"/>
+                <a:cs typeface="Anek Telugu SemiBold" pitchFamily="2" charset="0"/>
+              </a:rPr>
+              <a:t>నూతన వసంతములో చేర్చును</a:t>
+            </a:r>
           </a:p>
           <a:p>
             <a:pPr>
@@ -4727,11 +4696,11 @@
               </a:lnSpc>
             </a:pPr>
             <a:r>
-              <a:rPr lang="te-IN" b="1" dirty="0">
+              <a:rPr lang="te-IN" sz="1500" b="1" dirty="0">
                 <a:latin typeface="Anek Telugu SemiBold" pitchFamily="2" charset="0"/>
                 <a:cs typeface="Anek Telugu SemiBold" pitchFamily="2" charset="0"/>
               </a:rPr>
-              <a:t>నా దినముల పరిమాణం</a:t>
+              <a:t>జీవించెద నీ కొరకే – హర్షించెద నీ లోనే</a:t>
             </a:r>
           </a:p>
           <a:p>
@@ -4740,13 +4709,10 @@
                 <a:spcPct val="150000"/>
               </a:lnSpc>
             </a:pPr>
-            <a:r>
-              <a:rPr lang="te-IN" b="1" dirty="0">
-                <a:latin typeface="Anek Telugu SemiBold" pitchFamily="2" charset="0"/>
-                <a:cs typeface="Anek Telugu SemiBold" pitchFamily="2" charset="0"/>
-              </a:rPr>
-              <a:t>లెక్కించుట నేర్పించు (2)</a:t>
-            </a:r>
+            <a:endParaRPr lang="te-IN" sz="1500" b="1" dirty="0">
+              <a:latin typeface="Anek Telugu SemiBold" pitchFamily="2" charset="0"/>
+              <a:cs typeface="Anek Telugu SemiBold" pitchFamily="2" charset="0"/>
+            </a:endParaRPr>
           </a:p>
           <a:p>
             <a:pPr>
@@ -4755,11 +4721,11 @@
               </a:lnSpc>
             </a:pPr>
             <a:r>
-              <a:rPr lang="te-IN" b="1" dirty="0">
+              <a:rPr lang="te-IN" sz="1500" b="1" dirty="0">
                 <a:latin typeface="Anek Telugu SemiBold" pitchFamily="2" charset="0"/>
                 <a:cs typeface="Anek Telugu SemiBold" pitchFamily="2" charset="0"/>
               </a:rPr>
-              <a:t>నా లోపల స్థిర హృదయం</a:t>
+              <a:t>తేజోమయుడా! నీ దివ్య సంకల్పమే</a:t>
             </a:r>
           </a:p>
           <a:p>
@@ -4769,11 +4735,53 @@
               </a:lnSpc>
             </a:pPr>
             <a:r>
-              <a:rPr lang="te-IN" b="1" dirty="0">
+              <a:rPr lang="te-IN" sz="1500" b="1" dirty="0">
                 <a:latin typeface="Anek Telugu SemiBold" pitchFamily="2" charset="0"/>
                 <a:cs typeface="Anek Telugu SemiBold" pitchFamily="2" charset="0"/>
               </a:rPr>
-              <a:t>నూతనముగ పుట్టించు (2)</a:t>
+              <a:t>ఆశ్చర్యకరమైన వెలుగులో నడుపుటకు</a:t>
+            </a:r>
+          </a:p>
+          <a:p>
+            <a:pPr>
+              <a:lnSpc>
+                <a:spcPct val="150000"/>
+              </a:lnSpc>
+            </a:pPr>
+            <a:r>
+              <a:rPr lang="te-IN" sz="1500" b="1" dirty="0">
+                <a:latin typeface="Anek Telugu SemiBold" pitchFamily="2" charset="0"/>
+                <a:cs typeface="Anek Telugu SemiBold" pitchFamily="2" charset="0"/>
+              </a:rPr>
+              <a:t>ఆశా నిరాశల వలయాలు తప్పించి</a:t>
+            </a:r>
+          </a:p>
+          <a:p>
+            <a:pPr>
+              <a:lnSpc>
+                <a:spcPct val="150000"/>
+              </a:lnSpc>
+            </a:pPr>
+            <a:r>
+              <a:rPr lang="te-IN" sz="1500" b="1" dirty="0">
+                <a:latin typeface="Anek Telugu SemiBold" pitchFamily="2" charset="0"/>
+                <a:cs typeface="Anek Telugu SemiBold" pitchFamily="2" charset="0"/>
+              </a:rPr>
+              <a:t>అగ్ని జ్వాలగ నను చేసెను</a:t>
+            </a:r>
+          </a:p>
+          <a:p>
+            <a:pPr>
+              <a:lnSpc>
+                <a:spcPct val="150000"/>
+              </a:lnSpc>
+            </a:pPr>
+            <a:r>
+              <a:rPr lang="te-IN" sz="1500" b="1" dirty="0">
+                <a:latin typeface="Anek Telugu SemiBold" pitchFamily="2" charset="0"/>
+                <a:cs typeface="Anek Telugu SemiBold" pitchFamily="2" charset="0"/>
+              </a:rPr>
+              <a:t>నా స్తుతి కీర్తన నీవే – స్తుతి ఆరాధన నీకే</a:t>
             </a:r>
           </a:p>
         </p:txBody>
@@ -4947,7 +4955,7 @@
         <p:spPr>
           <a:xfrm>
             <a:off x="277776" y="253150"/>
-            <a:ext cx="4640796" cy="5262979"/>
+            <a:ext cx="4640796" cy="5909310"/>
           </a:xfrm>
           <a:prstGeom prst="rect">
             <a:avLst/>
@@ -4970,77 +4978,78 @@
                 <a:latin typeface="Anek Telugu" pitchFamily="2" charset="0"/>
                 <a:cs typeface="Anek Telugu" pitchFamily="2" charset="0"/>
               </a:rPr>
-              <a:t>ఘనమైనవి నీ కార్యములు నా యెడల</a:t>
-            </a:r>
-            <a:br>
+              <a:t>ప్రేమించెదన్ అధికముగా</a:t>
+            </a:r>
+          </a:p>
+          <a:p>
+            <a:pPr>
+              <a:lnSpc>
+                <a:spcPct val="150000"/>
+              </a:lnSpc>
+            </a:pPr>
+            <a:r>
               <a:rPr lang="te-IN" sz="1400" b="1" dirty="0">
                 <a:latin typeface="Anek Telugu" pitchFamily="2" charset="0"/>
                 <a:cs typeface="Anek Telugu" pitchFamily="2" charset="0"/>
               </a:rPr>
-            </a:br>
+              <a:t>ఆరాధింతున్ ఆసక్తితో (2)</a:t>
+            </a:r>
+          </a:p>
+          <a:p>
+            <a:pPr>
+              <a:lnSpc>
+                <a:spcPct val="150000"/>
+              </a:lnSpc>
+            </a:pPr>
             <a:r>
               <a:rPr lang="te-IN" sz="1400" b="1" dirty="0">
                 <a:latin typeface="Anek Telugu" pitchFamily="2" charset="0"/>
                 <a:cs typeface="Anek Telugu" pitchFamily="2" charset="0"/>
               </a:rPr>
-              <a:t>స్థిరమైనవి నీ ఆలోచనలు నా యేసయ్యా (2)</a:t>
-            </a:r>
-            <a:br>
+              <a:t>నిన్ను పూర్ణ మనసుతో ఆరాధింతున్</a:t>
+            </a:r>
+          </a:p>
+          <a:p>
+            <a:pPr>
+              <a:lnSpc>
+                <a:spcPct val="150000"/>
+              </a:lnSpc>
+            </a:pPr>
+            <a:r>
               <a:rPr lang="te-IN" sz="1400" b="1" dirty="0">
                 <a:latin typeface="Anek Telugu" pitchFamily="2" charset="0"/>
                 <a:cs typeface="Anek Telugu" pitchFamily="2" charset="0"/>
               </a:rPr>
-            </a:br>
+              <a:t>పూర్ణ బలముతో ప్రేమించెదన్</a:t>
+            </a:r>
+          </a:p>
+          <a:p>
+            <a:pPr>
+              <a:lnSpc>
+                <a:spcPct val="150000"/>
+              </a:lnSpc>
+            </a:pPr>
             <a:r>
               <a:rPr lang="te-IN" sz="1400" b="1" dirty="0">
                 <a:latin typeface="Anek Telugu" pitchFamily="2" charset="0"/>
                 <a:cs typeface="Anek Telugu" pitchFamily="2" charset="0"/>
               </a:rPr>
-              <a:t>కృపలను పొందుచు కృతజ్ఞత కలిగి</a:t>
-            </a:r>
-            <a:br>
+              <a:t>ఆరాధన ఆరాధనా ఆ.. ఆ.. </a:t>
+            </a:r>
+          </a:p>
+          <a:p>
+            <a:pPr>
+              <a:lnSpc>
+                <a:spcPct val="150000"/>
+              </a:lnSpc>
+            </a:pPr>
+            <a:r>
               <a:rPr lang="te-IN" sz="1400" b="1" dirty="0">
                 <a:latin typeface="Anek Telugu" pitchFamily="2" charset="0"/>
                 <a:cs typeface="Anek Telugu" pitchFamily="2" charset="0"/>
               </a:rPr>
-            </a:br>
-            <a:r>
-              <a:rPr lang="te-IN" sz="1400" b="1" dirty="0">
-                <a:latin typeface="Anek Telugu" pitchFamily="2" charset="0"/>
-                <a:cs typeface="Anek Telugu" pitchFamily="2" charset="0"/>
-              </a:rPr>
-              <a:t>స్తుతులర్పించెదను అన్నివేళలా (2)</a:t>
-            </a:r>
-            <a:br>
-              <a:rPr lang="te-IN" sz="1400" b="1" dirty="0">
-                <a:latin typeface="Anek Telugu" pitchFamily="2" charset="0"/>
-                <a:cs typeface="Anek Telugu" pitchFamily="2" charset="0"/>
-              </a:rPr>
-            </a:br>
-            <a:r>
-              <a:rPr lang="te-IN" sz="1400" b="1" dirty="0">
-                <a:latin typeface="Anek Telugu" pitchFamily="2" charset="0"/>
-                <a:cs typeface="Anek Telugu" pitchFamily="2" charset="0"/>
-              </a:rPr>
-              <a:t>అనుదినము నీ అనుగ్రహమే</a:t>
-            </a:r>
-            <a:br>
-              <a:rPr lang="te-IN" sz="1400" b="1" dirty="0">
-                <a:latin typeface="Anek Telugu" pitchFamily="2" charset="0"/>
-                <a:cs typeface="Anek Telugu" pitchFamily="2" charset="0"/>
-              </a:rPr>
-            </a:br>
-            <a:r>
-              <a:rPr lang="te-IN" sz="1400" b="1" dirty="0">
-                <a:latin typeface="Anek Telugu" pitchFamily="2" charset="0"/>
-                <a:cs typeface="Anek Telugu" pitchFamily="2" charset="0"/>
-              </a:rPr>
-              <a:t>ఆయుష్కాలము నీ వరమే (2)</a:t>
-            </a:r>
-            <a:endParaRPr lang="en-IN" sz="1400" b="1" dirty="0">
-              <a:latin typeface="Anek Telugu" pitchFamily="2" charset="0"/>
-              <a:cs typeface="Anek Telugu" pitchFamily="2" charset="0"/>
-            </a:endParaRPr>
+              <a:t>ఆరాధన ఆరాధనా (2)</a:t>
+            </a:r>
           </a:p>
           <a:p>
             <a:pPr>
@@ -5064,51 +5073,36 @@
                 <a:latin typeface="Anek Telugu" pitchFamily="2" charset="0"/>
                 <a:cs typeface="Anek Telugu" pitchFamily="2" charset="0"/>
               </a:rPr>
-              <a:t>యే తెగులు సమీపించనీయక – యే కీడైన దరిచేరనీయక</a:t>
-            </a:r>
-            <a:br>
+              <a:t>ఎబినేజరే ఎబినేజరే</a:t>
+            </a:r>
+          </a:p>
+          <a:p>
+            <a:pPr>
+              <a:lnSpc>
+                <a:spcPct val="150000"/>
+              </a:lnSpc>
+            </a:pPr>
+            <a:r>
               <a:rPr lang="te-IN" sz="1400" b="1" dirty="0">
                 <a:latin typeface="Anek Telugu" pitchFamily="2" charset="0"/>
                 <a:cs typeface="Anek Telugu" pitchFamily="2" charset="0"/>
               </a:rPr>
-            </a:br>
+              <a:t>ఇంత వరకు ఆదుకొన్నావే (2)</a:t>
+            </a:r>
+          </a:p>
+          <a:p>
+            <a:pPr>
+              <a:lnSpc>
+                <a:spcPct val="150000"/>
+              </a:lnSpc>
+            </a:pPr>
             <a:r>
               <a:rPr lang="te-IN" sz="1400" b="1" dirty="0">
                 <a:latin typeface="Anek Telugu" pitchFamily="2" charset="0"/>
                 <a:cs typeface="Anek Telugu" pitchFamily="2" charset="0"/>
               </a:rPr>
-              <a:t>ఆపదలన్ని తొలగే వరకు – ఆత్మలో నెమ్మది కలిగే వరకు (2)</a:t>
-            </a:r>
-            <a:br>
-              <a:rPr lang="te-IN" sz="1400" b="1" dirty="0">
-                <a:latin typeface="Anek Telugu" pitchFamily="2" charset="0"/>
-                <a:cs typeface="Anek Telugu" pitchFamily="2" charset="0"/>
-              </a:rPr>
-            </a:br>
-            <a:r>
-              <a:rPr lang="te-IN" sz="1400" b="1" dirty="0">
-                <a:latin typeface="Anek Telugu" pitchFamily="2" charset="0"/>
-                <a:cs typeface="Anek Telugu" pitchFamily="2" charset="0"/>
-              </a:rPr>
-              <a:t>నా భారము మోసి – బాసటగా నిలిచి – ఆదరించితివి</a:t>
-            </a:r>
-            <a:br>
-              <a:rPr lang="te-IN" sz="1400" b="1" dirty="0">
-                <a:latin typeface="Anek Telugu" pitchFamily="2" charset="0"/>
-                <a:cs typeface="Anek Telugu" pitchFamily="2" charset="0"/>
-              </a:rPr>
-            </a:br>
-            <a:r>
-              <a:rPr lang="te-IN" sz="1400" b="1" dirty="0">
-                <a:latin typeface="Anek Telugu" pitchFamily="2" charset="0"/>
-                <a:cs typeface="Anek Telugu" pitchFamily="2" charset="0"/>
-              </a:rPr>
-              <a:t>ఈ స్తుతి మహిమలు నీకే – చెల్లించెదను – జీవితాంతము</a:t>
-            </a:r>
-            <a:endParaRPr lang="en-IN" sz="1400" b="1" dirty="0">
-              <a:latin typeface="Anek Telugu" pitchFamily="2" charset="0"/>
-              <a:cs typeface="Anek Telugu" pitchFamily="2" charset="0"/>
-            </a:endParaRPr>
+              <a:t>నన్ను ఇంత వరకు ఆదుకొన్నావే</a:t>
+            </a:r>
           </a:p>
           <a:p>
             <a:pPr>
@@ -5132,51 +5126,89 @@
                 <a:latin typeface="Anek Telugu" pitchFamily="2" charset="0"/>
                 <a:cs typeface="Anek Telugu" pitchFamily="2" charset="0"/>
               </a:rPr>
-              <a:t>నాకు ఎత్తైన కోటవు నీవే – నన్ను కాపాడు కేడెము నీవే</a:t>
-            </a:r>
-            <a:br>
+              <a:t>ఎల్రోహి ఎల్రోహి</a:t>
+            </a:r>
+          </a:p>
+          <a:p>
+            <a:pPr>
+              <a:lnSpc>
+                <a:spcPct val="150000"/>
+              </a:lnSpc>
+            </a:pPr>
+            <a:r>
               <a:rPr lang="te-IN" sz="1400" b="1" dirty="0">
                 <a:latin typeface="Anek Telugu" pitchFamily="2" charset="0"/>
                 <a:cs typeface="Anek Telugu" pitchFamily="2" charset="0"/>
               </a:rPr>
-            </a:br>
+              <a:t>నన్ను చూచావే వందనమయ్యా (2)</a:t>
+            </a:r>
+          </a:p>
+          <a:p>
+            <a:pPr>
+              <a:lnSpc>
+                <a:spcPct val="150000"/>
+              </a:lnSpc>
+            </a:pPr>
             <a:r>
               <a:rPr lang="te-IN" sz="1400" b="1" dirty="0">
                 <a:latin typeface="Anek Telugu" pitchFamily="2" charset="0"/>
                 <a:cs typeface="Anek Telugu" pitchFamily="2" charset="0"/>
               </a:rPr>
-              <a:t>ఆశ్రయమైన బండవు నీవే – శాశ్వత కృపకాధారము నీవే (2)</a:t>
-            </a:r>
-            <a:br>
+              <a:t>నన్ను చూచావే వందనమయ్యా</a:t>
+            </a:r>
+          </a:p>
+          <a:p>
+            <a:pPr>
+              <a:lnSpc>
+                <a:spcPct val="150000"/>
+              </a:lnSpc>
+            </a:pPr>
+            <a:endParaRPr lang="te-IN" sz="1400" b="1" dirty="0">
+              <a:latin typeface="Anek Telugu" pitchFamily="2" charset="0"/>
+              <a:cs typeface="Anek Telugu" pitchFamily="2" charset="0"/>
+            </a:endParaRPr>
+          </a:p>
+          <a:p>
+            <a:pPr>
+              <a:lnSpc>
+                <a:spcPct val="150000"/>
+              </a:lnSpc>
+            </a:pPr>
+            <a:r>
               <a:rPr lang="te-IN" sz="1400" b="1" dirty="0">
                 <a:latin typeface="Anek Telugu" pitchFamily="2" charset="0"/>
                 <a:cs typeface="Anek Telugu" pitchFamily="2" charset="0"/>
               </a:rPr>
-            </a:br>
+              <a:t>యెహోవా రాఫా యెహోవా రాఫా</a:t>
+            </a:r>
+          </a:p>
+          <a:p>
+            <a:pPr>
+              <a:lnSpc>
+                <a:spcPct val="150000"/>
+              </a:lnSpc>
+            </a:pPr>
             <a:r>
               <a:rPr lang="te-IN" sz="1400" b="1" dirty="0">
                 <a:latin typeface="Anek Telugu" pitchFamily="2" charset="0"/>
                 <a:cs typeface="Anek Telugu" pitchFamily="2" charset="0"/>
               </a:rPr>
-              <a:t>నా ప్రతిక్షణమును నీవు – దీవెనగా మార్చి – నడిపించుచున్నావు</a:t>
-            </a:r>
-            <a:br>
+              <a:t>స్వస్థపరిచావే వందనమయ్యా (2)</a:t>
+            </a:r>
+          </a:p>
+          <a:p>
+            <a:pPr>
+              <a:lnSpc>
+                <a:spcPct val="150000"/>
+              </a:lnSpc>
+            </a:pPr>
+            <a:r>
               <a:rPr lang="te-IN" sz="1400" b="1" dirty="0">
                 <a:latin typeface="Anek Telugu" pitchFamily="2" charset="0"/>
                 <a:cs typeface="Anek Telugu" pitchFamily="2" charset="0"/>
               </a:rPr>
-            </a:br>
-            <a:r>
-              <a:rPr lang="te-IN" sz="1400" b="1" dirty="0">
-                <a:latin typeface="Anek Telugu" pitchFamily="2" charset="0"/>
-                <a:cs typeface="Anek Telugu" pitchFamily="2" charset="0"/>
-              </a:rPr>
-              <a:t>ఈ స్తుతి మహిమలు నీకే – చెల్లించెదను – జీవితాంతము </a:t>
-            </a:r>
-            <a:endParaRPr lang="te-IN" sz="1400" dirty="0">
-              <a:latin typeface="Anek Telugu SemiBold" pitchFamily="2" charset="0"/>
-              <a:cs typeface="Anek Telugu SemiBold" pitchFamily="2" charset="0"/>
-            </a:endParaRPr>
+              <a:t>నన్ను స్వస్థపరిచావే వందనమయ్యా</a:t>
+            </a:r>
           </a:p>
         </p:txBody>
       </p:sp>
@@ -5257,7 +5289,7 @@
         <p:spPr>
           <a:xfrm>
             <a:off x="5113469" y="202171"/>
-            <a:ext cx="4749801" cy="6555641"/>
+            <a:ext cx="4749801" cy="5389937"/>
           </a:xfrm>
           <a:prstGeom prst="rect">
             <a:avLst/>
@@ -5280,7 +5312,7 @@
                 <a:latin typeface="Anek Telugu SemiBold" pitchFamily="2" charset="0"/>
                 <a:cs typeface="Anek Telugu SemiBold" pitchFamily="2" charset="0"/>
               </a:rPr>
-              <a:t>యేసయ్యా నీ కృప నాకు చాలయ్యా</a:t>
+              <a:t>యూదా స్తుతి గోత్రపు సింహమా</a:t>
             </a:r>
           </a:p>
           <a:p>
@@ -5294,7 +5326,7 @@
                 <a:latin typeface="Anek Telugu SemiBold" pitchFamily="2" charset="0"/>
                 <a:cs typeface="Anek Telugu SemiBold" pitchFamily="2" charset="0"/>
               </a:rPr>
-              <a:t>నీ కృప లేనిదే నే బ్రతుకలేనయ్యా</a:t>
+              <a:t>యేసయ్యా నా ఆత్మీయ ప్రగతి నీ స్వాధీనమా (2)</a:t>
             </a:r>
           </a:p>
           <a:p>
@@ -5308,7 +5340,7 @@
                 <a:latin typeface="Anek Telugu SemiBold" pitchFamily="2" charset="0"/>
                 <a:cs typeface="Anek Telugu SemiBold" pitchFamily="2" charset="0"/>
               </a:rPr>
-              <a:t>నీ కృప లేని క్షణము – నీ దయ లేని క్షణము</a:t>
+              <a:t>నీవే కదా నా ఆరాధన</a:t>
             </a:r>
           </a:p>
           <a:p>
@@ -5322,7 +5354,7 @@
                 <a:latin typeface="Anek Telugu SemiBold" pitchFamily="2" charset="0"/>
                 <a:cs typeface="Anek Telugu SemiBold" pitchFamily="2" charset="0"/>
               </a:rPr>
-              <a:t>నేనూహించలేను యేసయ్యా (2)</a:t>
+              <a:t>ఆరాధన స్తుతి ఆరాధన</a:t>
             </a:r>
           </a:p>
           <a:p>
@@ -5336,21 +5368,7 @@
                 <a:latin typeface="Anek Telugu SemiBold" pitchFamily="2" charset="0"/>
                 <a:cs typeface="Anek Telugu SemiBold" pitchFamily="2" charset="0"/>
               </a:rPr>
-              <a:t>యేసయ్యా నీ కృప నాకు చాలయ్యా</a:t>
-            </a:r>
-          </a:p>
-          <a:p>
-            <a:pPr defTabSz="439781">
-              <a:lnSpc>
-                <a:spcPct val="150000"/>
-              </a:lnSpc>
-            </a:pPr>
-            <a:r>
-              <a:rPr lang="te-IN" sz="1350" b="1" dirty="0">
-                <a:latin typeface="Anek Telugu SemiBold" pitchFamily="2" charset="0"/>
-                <a:cs typeface="Anek Telugu SemiBold" pitchFamily="2" charset="0"/>
-              </a:rPr>
-              <a:t>నీ కృప లేనిదే నేనుండలేనయ్యా (2)</a:t>
+              <a:t>ఆరాధన స్తుతి ఆరాధన (2)</a:t>
             </a:r>
           </a:p>
           <a:p>
@@ -5375,7 +5393,7 @@
                 <a:latin typeface="Anek Telugu SemiBold" pitchFamily="2" charset="0"/>
                 <a:cs typeface="Anek Telugu SemiBold" pitchFamily="2" charset="0"/>
               </a:rPr>
-              <a:t>మహిమను విడిచి మహిలోకి దిగి వచ్చి</a:t>
+              <a:t>నీ ప్రజల నెమ్మదికై</a:t>
             </a:r>
           </a:p>
           <a:p>
@@ -5389,7 +5407,7 @@
                 <a:latin typeface="Anek Telugu SemiBold" pitchFamily="2" charset="0"/>
                 <a:cs typeface="Anek Telugu SemiBold" pitchFamily="2" charset="0"/>
               </a:rPr>
-              <a:t>మార్గముగా మారి మనిషిగా మార్చావు</a:t>
+              <a:t>రాజాజ్ఞ మార్చింది నీవేనని</a:t>
             </a:r>
           </a:p>
           <a:p>
@@ -5403,7 +5421,7 @@
                 <a:latin typeface="Anek Telugu SemiBold" pitchFamily="2" charset="0"/>
                 <a:cs typeface="Anek Telugu SemiBold" pitchFamily="2" charset="0"/>
               </a:rPr>
-              <a:t>మహిని నీవు మాధుర్యముగా మార్చి</a:t>
+              <a:t>అహమును అణచి అధికారులను</a:t>
             </a:r>
           </a:p>
           <a:p>
@@ -5417,7 +5435,7 @@
                 <a:latin typeface="Anek Telugu SemiBold" pitchFamily="2" charset="0"/>
                 <a:cs typeface="Anek Telugu SemiBold" pitchFamily="2" charset="0"/>
               </a:rPr>
-              <a:t>మాదిరి చూపి మరో రూపమిచ్చావు (2)</a:t>
+              <a:t>అధముల చేసిన నీకు (2)</a:t>
             </a:r>
           </a:p>
           <a:p>
@@ -5431,21 +5449,7 @@
                 <a:latin typeface="Anek Telugu SemiBold" pitchFamily="2" charset="0"/>
                 <a:cs typeface="Anek Telugu SemiBold" pitchFamily="2" charset="0"/>
               </a:rPr>
-              <a:t>మహిమలో నేను మహిమను పొంద</a:t>
-            </a:r>
-          </a:p>
-          <a:p>
-            <a:pPr defTabSz="439781">
-              <a:lnSpc>
-                <a:spcPct val="150000"/>
-              </a:lnSpc>
-            </a:pPr>
-            <a:r>
-              <a:rPr lang="te-IN" sz="1350" b="1" dirty="0">
-                <a:latin typeface="Anek Telugu SemiBold" pitchFamily="2" charset="0"/>
-                <a:cs typeface="Anek Telugu SemiBold" pitchFamily="2" charset="0"/>
-              </a:rPr>
-              <a:t>మహిమగా మార్చింది నీ కృప (2)</a:t>
+              <a:t>అసాధ్యమైనది ఏమున్నది (4)</a:t>
             </a:r>
           </a:p>
           <a:p>
@@ -5470,7 +5474,7 @@
                 <a:latin typeface="Anek Telugu SemiBold" pitchFamily="2" charset="0"/>
                 <a:cs typeface="Anek Telugu SemiBold" pitchFamily="2" charset="0"/>
               </a:rPr>
-              <a:t>ఆజ్ఞల మార్గమున ఆశ్రయమును ఇచ్చి</a:t>
+              <a:t>నీ నీతి కిరణాలకై</a:t>
             </a:r>
           </a:p>
           <a:p>
@@ -5484,7 +5488,7 @@
                 <a:latin typeface="Anek Telugu SemiBold" pitchFamily="2" charset="0"/>
                 <a:cs typeface="Anek Telugu SemiBold" pitchFamily="2" charset="0"/>
               </a:rPr>
-              <a:t>ఆపత్కాలమున ఆదుకొన్నావు</a:t>
+              <a:t>నా దిక్కు దెసలన్ని నీవేనని</a:t>
             </a:r>
           </a:p>
           <a:p>
@@ -5498,7 +5502,7 @@
                 <a:latin typeface="Anek Telugu SemiBold" pitchFamily="2" charset="0"/>
                 <a:cs typeface="Anek Telugu SemiBold" pitchFamily="2" charset="0"/>
               </a:rPr>
-              <a:t>ఆత్మీయులతో ఆనందింప చేసి</a:t>
+              <a:t>అనతికాలాన ప్రథమ ఫలముగా</a:t>
             </a:r>
           </a:p>
           <a:p>
@@ -5512,7 +5516,7 @@
                 <a:latin typeface="Anek Telugu SemiBold" pitchFamily="2" charset="0"/>
                 <a:cs typeface="Anek Telugu SemiBold" pitchFamily="2" charset="0"/>
               </a:rPr>
-              <a:t>ఆనంద తైలముతో అభిషేకించావు (2)</a:t>
+              <a:t>పక్వపరచిన నీకు (2)</a:t>
             </a:r>
           </a:p>
           <a:p>
@@ -5526,21 +5530,7 @@
                 <a:latin typeface="Anek Telugu SemiBold" pitchFamily="2" charset="0"/>
                 <a:cs typeface="Anek Telugu SemiBold" pitchFamily="2" charset="0"/>
               </a:rPr>
-              <a:t>ఆశ తీర ఆరాధన చేసే</a:t>
-            </a:r>
-          </a:p>
-          <a:p>
-            <a:pPr defTabSz="439781">
-              <a:lnSpc>
-                <a:spcPct val="150000"/>
-              </a:lnSpc>
-            </a:pPr>
-            <a:r>
-              <a:rPr lang="te-IN" sz="1350" b="1" dirty="0">
-                <a:latin typeface="Anek Telugu SemiBold" pitchFamily="2" charset="0"/>
-                <a:cs typeface="Anek Telugu SemiBold" pitchFamily="2" charset="0"/>
-              </a:rPr>
-              <a:t>అదృష్టమిచ్చింది నీ కృప (2)</a:t>
+              <a:t>అసాధ్యమైనది ఏమున్నది (4)</a:t>
             </a:r>
           </a:p>
         </p:txBody>

--- a/songsTemplate.pptx
+++ b/songsTemplate.pptx
@@ -135,12 +135,12 @@
   <pc:docChgLst>
     <pc:chgData name="Venu Yalapala" userId="9feb8bbceceecaca" providerId="LiveId" clId="{282BCC90-DA09-49A0-BCEB-FBBFF0EE3CC4}"/>
     <pc:docChg chg="undo redo custSel addSld delSld modSld addMainMaster delMainMaster modMainMaster">
-      <pc:chgData name="Venu Yalapala" userId="9feb8bbceceecaca" providerId="LiveId" clId="{282BCC90-DA09-49A0-BCEB-FBBFF0EE3CC4}" dt="2025-06-07T17:14:02.462" v="600" actId="20577"/>
+      <pc:chgData name="Venu Yalapala" userId="9feb8bbceceecaca" providerId="LiveId" clId="{282BCC90-DA09-49A0-BCEB-FBBFF0EE3CC4}" dt="2025-06-14T14:07:24.806" v="642" actId="2711"/>
       <pc:docMkLst>
         <pc:docMk/>
       </pc:docMkLst>
       <pc:sldChg chg="addSp delSp modSp mod modClrScheme chgLayout">
-        <pc:chgData name="Venu Yalapala" userId="9feb8bbceceecaca" providerId="LiveId" clId="{282BCC90-DA09-49A0-BCEB-FBBFF0EE3CC4}" dt="2025-06-07T17:13:25.412" v="591" actId="255"/>
+        <pc:chgData name="Venu Yalapala" userId="9feb8bbceceecaca" providerId="LiveId" clId="{282BCC90-DA09-49A0-BCEB-FBBFF0EE3CC4}" dt="2025-06-14T14:06:40.647" v="636"/>
         <pc:sldMkLst>
           <pc:docMk/>
           <pc:sldMk cId="3342490066" sldId="256"/>
@@ -202,7 +202,7 @@
           </ac:spMkLst>
         </pc:spChg>
         <pc:spChg chg="mod topLvl">
-          <ac:chgData name="Venu Yalapala" userId="9feb8bbceceecaca" providerId="LiveId" clId="{282BCC90-DA09-49A0-BCEB-FBBFF0EE3CC4}" dt="2025-06-07T17:12:58.073" v="579"/>
+          <ac:chgData name="Venu Yalapala" userId="9feb8bbceceecaca" providerId="LiveId" clId="{282BCC90-DA09-49A0-BCEB-FBBFF0EE3CC4}" dt="2025-06-14T14:05:27.376" v="617" actId="1035"/>
           <ac:spMkLst>
             <pc:docMk/>
             <pc:sldMk cId="3342490066" sldId="256"/>
@@ -226,7 +226,7 @@
           </ac:spMkLst>
         </pc:spChg>
         <pc:spChg chg="mod ord topLvl">
-          <ac:chgData name="Venu Yalapala" userId="9feb8bbceceecaca" providerId="LiveId" clId="{282BCC90-DA09-49A0-BCEB-FBBFF0EE3CC4}" dt="2025-06-07T17:13:25.412" v="591" actId="255"/>
+          <ac:chgData name="Venu Yalapala" userId="9feb8bbceceecaca" providerId="LiveId" clId="{282BCC90-DA09-49A0-BCEB-FBBFF0EE3CC4}" dt="2025-06-14T14:06:40.647" v="636"/>
           <ac:spMkLst>
             <pc:docMk/>
             <pc:sldMk cId="3342490066" sldId="256"/>
@@ -274,7 +274,7 @@
         </pc:spChg>
       </pc:sldChg>
       <pc:sldChg chg="addSp delSp modSp new mod">
-        <pc:chgData name="Venu Yalapala" userId="9feb8bbceceecaca" providerId="LiveId" clId="{282BCC90-DA09-49A0-BCEB-FBBFF0EE3CC4}" dt="2025-06-07T17:14:02.462" v="600" actId="20577"/>
+        <pc:chgData name="Venu Yalapala" userId="9feb8bbceceecaca" providerId="LiveId" clId="{282BCC90-DA09-49A0-BCEB-FBBFF0EE3CC4}" dt="2025-06-14T14:07:24.806" v="642" actId="2711"/>
         <pc:sldMkLst>
           <pc:docMk/>
           <pc:sldMk cId="2536218313" sldId="258"/>
@@ -288,7 +288,7 @@
           </ac:spMkLst>
         </pc:spChg>
         <pc:spChg chg="mod topLvl">
-          <ac:chgData name="Venu Yalapala" userId="9feb8bbceceecaca" providerId="LiveId" clId="{282BCC90-DA09-49A0-BCEB-FBBFF0EE3CC4}" dt="2025-06-07T17:13:49.128" v="594"/>
+          <ac:chgData name="Venu Yalapala" userId="9feb8bbceceecaca" providerId="LiveId" clId="{282BCC90-DA09-49A0-BCEB-FBBFF0EE3CC4}" dt="2025-06-14T14:07:24.806" v="642" actId="2711"/>
           <ac:spMkLst>
             <pc:docMk/>
             <pc:sldMk cId="2536218313" sldId="258"/>
@@ -304,7 +304,7 @@
           </ac:spMkLst>
         </pc:spChg>
         <pc:spChg chg="mod topLvl">
-          <ac:chgData name="Venu Yalapala" userId="9feb8bbceceecaca" providerId="LiveId" clId="{282BCC90-DA09-49A0-BCEB-FBBFF0EE3CC4}" dt="2025-06-07T17:14:02.462" v="600" actId="20577"/>
+          <ac:chgData name="Venu Yalapala" userId="9feb8bbceceecaca" providerId="LiveId" clId="{282BCC90-DA09-49A0-BCEB-FBBFF0EE3CC4}" dt="2025-06-14T14:07:00.148" v="638" actId="403"/>
           <ac:spMkLst>
             <pc:docMk/>
             <pc:sldMk cId="2536218313" sldId="258"/>
@@ -745,7 +745,7 @@
           <a:p>
             <a:fld id="{0EEBF99D-A94C-4ACE-ABB7-ED5902A7DBE5}" type="datetimeFigureOut">
               <a:rPr lang="en-IN" smtClean="0"/>
-              <a:t>07-06-2025</a:t>
+              <a:t>14-06-2025</a:t>
             </a:fld>
             <a:endParaRPr lang="en-IN"/>
           </a:p>
@@ -923,7 +923,7 @@
           <a:p>
             <a:fld id="{6EA7C7CE-6F0C-4E71-B520-9461545357C0}" type="datetimeFigureOut">
               <a:rPr lang="en-IN" smtClean="0"/>
-              <a:t>07-06-2025</a:t>
+              <a:t>14-06-2025</a:t>
             </a:fld>
             <a:endParaRPr lang="en-IN"/>
           </a:p>
@@ -1323,7 +1323,7 @@
           <a:p>
             <a:fld id="{F1102B08-ED9E-409F-B95F-09CAA1DAF6E0}" type="datetimeFigureOut">
               <a:rPr lang="en-IN" smtClean="0"/>
-              <a:t>07-06-2025</a:t>
+              <a:t>14-06-2025</a:t>
             </a:fld>
             <a:endParaRPr lang="en-IN"/>
           </a:p>
@@ -1580,7 +1580,7 @@
           <a:p>
             <a:fld id="{F1102B08-ED9E-409F-B95F-09CAA1DAF6E0}" type="datetimeFigureOut">
               <a:rPr lang="en-IN" smtClean="0"/>
-              <a:t>07-06-2025</a:t>
+              <a:t>14-06-2025</a:t>
             </a:fld>
             <a:endParaRPr lang="en-IN"/>
           </a:p>
@@ -1750,7 +1750,7 @@
           <a:p>
             <a:fld id="{F1102B08-ED9E-409F-B95F-09CAA1DAF6E0}" type="datetimeFigureOut">
               <a:rPr lang="en-IN" smtClean="0"/>
-              <a:t>07-06-2025</a:t>
+              <a:t>14-06-2025</a:t>
             </a:fld>
             <a:endParaRPr lang="en-IN"/>
           </a:p>
@@ -1930,7 +1930,7 @@
           <a:p>
             <a:fld id="{F1102B08-ED9E-409F-B95F-09CAA1DAF6E0}" type="datetimeFigureOut">
               <a:rPr lang="en-IN" smtClean="0"/>
-              <a:t>07-06-2025</a:t>
+              <a:t>14-06-2025</a:t>
             </a:fld>
             <a:endParaRPr lang="en-IN"/>
           </a:p>
@@ -2132,7 +2132,7 @@
             <a:fld id="{F1102B08-ED9E-409F-B95F-09CAA1DAF6E0}" type="datetimeFigureOut">
               <a:rPr lang="en-IN" b="0" smtClean="0"/>
               <a:pPr/>
-              <a:t>07-06-2025</a:t>
+              <a:t>14-06-2025</a:t>
             </a:fld>
             <a:endParaRPr lang="en-IN" b="0" dirty="0"/>
           </a:p>
@@ -2360,7 +2360,7 @@
           <a:p>
             <a:fld id="{F1102B08-ED9E-409F-B95F-09CAA1DAF6E0}" type="datetimeFigureOut">
               <a:rPr lang="en-IN" smtClean="0"/>
-              <a:t>07-06-2025</a:t>
+              <a:t>14-06-2025</a:t>
             </a:fld>
             <a:endParaRPr lang="en-IN"/>
           </a:p>
@@ -2604,7 +2604,7 @@
           <a:p>
             <a:fld id="{F1102B08-ED9E-409F-B95F-09CAA1DAF6E0}" type="datetimeFigureOut">
               <a:rPr lang="en-IN" smtClean="0"/>
-              <a:t>07-06-2025</a:t>
+              <a:t>14-06-2025</a:t>
             </a:fld>
             <a:endParaRPr lang="en-IN"/>
           </a:p>
@@ -2836,7 +2836,7 @@
           <a:p>
             <a:fld id="{F1102B08-ED9E-409F-B95F-09CAA1DAF6E0}" type="datetimeFigureOut">
               <a:rPr lang="en-IN" smtClean="0"/>
-              <a:t>07-06-2025</a:t>
+              <a:t>14-06-2025</a:t>
             </a:fld>
             <a:endParaRPr lang="en-IN"/>
           </a:p>
@@ -3203,7 +3203,7 @@
           <a:p>
             <a:fld id="{F1102B08-ED9E-409F-B95F-09CAA1DAF6E0}" type="datetimeFigureOut">
               <a:rPr lang="en-IN" smtClean="0"/>
-              <a:t>07-06-2025</a:t>
+              <a:t>14-06-2025</a:t>
             </a:fld>
             <a:endParaRPr lang="en-IN"/>
           </a:p>
@@ -3321,7 +3321,7 @@
           <a:p>
             <a:fld id="{F1102B08-ED9E-409F-B95F-09CAA1DAF6E0}" type="datetimeFigureOut">
               <a:rPr lang="en-IN" smtClean="0"/>
-              <a:t>07-06-2025</a:t>
+              <a:t>14-06-2025</a:t>
             </a:fld>
             <a:endParaRPr lang="en-IN"/>
           </a:p>
@@ -3416,7 +3416,7 @@
           <a:p>
             <a:fld id="{F1102B08-ED9E-409F-B95F-09CAA1DAF6E0}" type="datetimeFigureOut">
               <a:rPr lang="en-IN" smtClean="0"/>
-              <a:t>07-06-2025</a:t>
+              <a:t>14-06-2025</a:t>
             </a:fld>
             <a:endParaRPr lang="en-IN"/>
           </a:p>
@@ -3693,7 +3693,7 @@
           <a:p>
             <a:fld id="{F1102B08-ED9E-409F-B95F-09CAA1DAF6E0}" type="datetimeFigureOut">
               <a:rPr lang="en-IN" smtClean="0"/>
-              <a:t>07-06-2025</a:t>
+              <a:t>14-06-2025</a:t>
             </a:fld>
             <a:endParaRPr lang="en-IN"/>
           </a:p>
@@ -3906,7 +3906,7 @@
           <a:p>
             <a:fld id="{F1102B08-ED9E-409F-B95F-09CAA1DAF6E0}" type="datetimeFigureOut">
               <a:rPr lang="en-IN" smtClean="0"/>
-              <a:t>07-06-2025</a:t>
+              <a:t>14-06-2025</a:t>
             </a:fld>
             <a:endParaRPr lang="en-IN"/>
           </a:p>
@@ -4326,8 +4326,8 @@
         </p:nvSpPr>
         <p:spPr>
           <a:xfrm>
-            <a:off x="5215566" y="333806"/>
-            <a:ext cx="4883429" cy="5262979"/>
+            <a:off x="5215566" y="187890"/>
+            <a:ext cx="4883429" cy="6370975"/>
           </a:xfrm>
           <a:prstGeom prst="rect">
             <a:avLst/>
@@ -4350,7 +4350,7 @@
                 <a:latin typeface="Anek Telugu SemiBold" pitchFamily="2" charset="0"/>
                 <a:cs typeface="Anek Telugu SemiBold" pitchFamily="2" charset="0"/>
               </a:rPr>
-              <a:t>దేవుని స్తుతియించుడి</a:t>
+              <a:t>స్తుతి సింహాసనాసీనుడా</a:t>
             </a:r>
           </a:p>
           <a:p>
@@ -4364,7 +4364,7 @@
                 <a:latin typeface="Anek Telugu SemiBold" pitchFamily="2" charset="0"/>
                 <a:cs typeface="Anek Telugu SemiBold" pitchFamily="2" charset="0"/>
               </a:rPr>
-              <a:t>ఎల్లప్పుడు దేవుని స్తుతియించుడి        ||దేవుని||</a:t>
+              <a:t>యేసు రాజా దివ్య తేజా (2)</a:t>
             </a:r>
           </a:p>
           <a:p>
@@ -4389,7 +4389,7 @@
                 <a:latin typeface="Anek Telugu SemiBold" pitchFamily="2" charset="0"/>
                 <a:cs typeface="Anek Telugu SemiBold" pitchFamily="2" charset="0"/>
               </a:rPr>
-              <a:t>ఆయన పరిశుద్ధ ఆలయమందు (2)</a:t>
+              <a:t>అద్వితీయుడవు పరిశుద్ధుడవు</a:t>
             </a:r>
           </a:p>
           <a:p>
@@ -4403,7 +4403,35 @@
                 <a:latin typeface="Anek Telugu SemiBold" pitchFamily="2" charset="0"/>
                 <a:cs typeface="Anek Telugu SemiBold" pitchFamily="2" charset="0"/>
               </a:rPr>
-              <a:t>ఆయన సన్నిధిలో ఆ… ఆ… (2)      ||ఎల్లప్పుడు||</a:t>
+              <a:t>అతి సుందరుడవు నీవే ప్రభూ (2)</a:t>
+            </a:r>
+          </a:p>
+          <a:p>
+            <a:pPr>
+              <a:lnSpc>
+                <a:spcPct val="150000"/>
+              </a:lnSpc>
+            </a:pPr>
+            <a:r>
+              <a:rPr lang="te-IN" sz="1600" dirty="0">
+                <a:latin typeface="Anek Telugu SemiBold" pitchFamily="2" charset="0"/>
+                <a:cs typeface="Anek Telugu SemiBold" pitchFamily="2" charset="0"/>
+              </a:rPr>
+              <a:t>నీతి న్యాయములు నీ సింహాసనాధారం (2)</a:t>
+            </a:r>
+          </a:p>
+          <a:p>
+            <a:pPr>
+              <a:lnSpc>
+                <a:spcPct val="150000"/>
+              </a:lnSpc>
+            </a:pPr>
+            <a:r>
+              <a:rPr lang="te-IN" sz="1600" dirty="0">
+                <a:latin typeface="Anek Telugu SemiBold" pitchFamily="2" charset="0"/>
+                <a:cs typeface="Anek Telugu SemiBold" pitchFamily="2" charset="0"/>
+              </a:rPr>
+              <a:t>కృపా సత్యములు నీ సన్నిధానవర్తులు (2)</a:t>
             </a:r>
           </a:p>
           <a:p>
@@ -4428,7 +4456,7 @@
                 <a:latin typeface="Anek Telugu SemiBold" pitchFamily="2" charset="0"/>
                 <a:cs typeface="Anek Telugu SemiBold" pitchFamily="2" charset="0"/>
               </a:rPr>
-              <a:t>ఆయన బలమును ప్రసిద్ధి చేయు (2)</a:t>
+              <a:t>బలియు అర్పణ కోరవు నీవు</a:t>
             </a:r>
           </a:p>
           <a:p>
@@ -4442,7 +4470,35 @@
                 <a:latin typeface="Anek Telugu SemiBold" pitchFamily="2" charset="0"/>
                 <a:cs typeface="Anek Telugu SemiBold" pitchFamily="2" charset="0"/>
               </a:rPr>
-              <a:t>ఆకశవిశాలమందు ఆ… ఆ… (2)      ||ఎల్లప్పుడు||</a:t>
+              <a:t>బలియైతివి నా దోషముకై (2)</a:t>
+            </a:r>
+          </a:p>
+          <a:p>
+            <a:pPr>
+              <a:lnSpc>
+                <a:spcPct val="150000"/>
+              </a:lnSpc>
+            </a:pPr>
+            <a:r>
+              <a:rPr lang="te-IN" sz="1600" dirty="0">
+                <a:latin typeface="Anek Telugu SemiBold" pitchFamily="2" charset="0"/>
+                <a:cs typeface="Anek Telugu SemiBold" pitchFamily="2" charset="0"/>
+              </a:rPr>
+              <a:t>నా హృదయమే నీ ప్రియమగు ఆలయం (2)</a:t>
+            </a:r>
+          </a:p>
+          <a:p>
+            <a:pPr>
+              <a:lnSpc>
+                <a:spcPct val="150000"/>
+              </a:lnSpc>
+            </a:pPr>
+            <a:r>
+              <a:rPr lang="te-IN" sz="1600" dirty="0">
+                <a:latin typeface="Anek Telugu SemiBold" pitchFamily="2" charset="0"/>
+                <a:cs typeface="Anek Telugu SemiBold" pitchFamily="2" charset="0"/>
+              </a:rPr>
+              <a:t>స్తుతియాగమునే చేసెద నిరతం (2)</a:t>
             </a:r>
           </a:p>
           <a:p>
@@ -4467,7 +4523,7 @@
                 <a:latin typeface="Anek Telugu SemiBold" pitchFamily="2" charset="0"/>
                 <a:cs typeface="Anek Telugu SemiBold" pitchFamily="2" charset="0"/>
               </a:rPr>
-              <a:t>ఆయన పరాక్రమ కార్యములన్ బట్టి (2)</a:t>
+              <a:t>బూరధ్వనులే నింగిలో మ్రోగగా</a:t>
             </a:r>
           </a:p>
           <a:p>
@@ -4481,7 +4537,7 @@
                 <a:latin typeface="Anek Telugu SemiBold" pitchFamily="2" charset="0"/>
                 <a:cs typeface="Anek Telugu SemiBold" pitchFamily="2" charset="0"/>
               </a:rPr>
-              <a:t>ఆయన ప్రభావమును ఆ… ఆ… (2)  ||ఎల్లప్పుడు||</a:t>
+              <a:t>రాజధిరాజ నీవే వచ్చువేళ (2)</a:t>
             </a:r>
           </a:p>
           <a:p>
@@ -4490,10 +4546,13 @@
                 <a:spcPct val="150000"/>
               </a:lnSpc>
             </a:pPr>
-            <a:endParaRPr lang="te-IN" sz="1600" dirty="0">
-              <a:latin typeface="Anek Telugu SemiBold" pitchFamily="2" charset="0"/>
-              <a:cs typeface="Anek Telugu SemiBold" pitchFamily="2" charset="0"/>
-            </a:endParaRPr>
+            <a:r>
+              <a:rPr lang="te-IN" sz="1600" dirty="0">
+                <a:latin typeface="Anek Telugu SemiBold" pitchFamily="2" charset="0"/>
+                <a:cs typeface="Anek Telugu SemiBold" pitchFamily="2" charset="0"/>
+              </a:rPr>
+              <a:t>సంసిద్ధతతో వెలిగే సిద్దెతో (2)</a:t>
+            </a:r>
           </a:p>
           <a:p>
             <a:pPr>
@@ -4506,21 +4565,7 @@
                 <a:latin typeface="Anek Telugu SemiBold" pitchFamily="2" charset="0"/>
                 <a:cs typeface="Anek Telugu SemiBold" pitchFamily="2" charset="0"/>
               </a:rPr>
-              <a:t>బూరధ్వనితో ఆయనన్ స్తుతించుడి (2)</a:t>
-            </a:r>
-          </a:p>
-          <a:p>
-            <a:pPr>
-              <a:lnSpc>
-                <a:spcPct val="150000"/>
-              </a:lnSpc>
-            </a:pPr>
-            <a:r>
-              <a:rPr lang="te-IN" sz="1600" dirty="0">
-                <a:latin typeface="Anek Telugu SemiBold" pitchFamily="2" charset="0"/>
-                <a:cs typeface="Anek Telugu SemiBold" pitchFamily="2" charset="0"/>
-              </a:rPr>
-              <a:t>స్వరమండలములతో ఆ… ఆ… (2)   ||ఎల్లప్పుడు||</a:t>
+              <a:t>పెండ్లి కుమరుడా నిన్నెదుర్కొందును (2)</a:t>
             </a:r>
           </a:p>
         </p:txBody>
@@ -4540,7 +4585,7 @@
         <p:spPr>
           <a:xfrm>
             <a:off x="417883" y="373287"/>
-            <a:ext cx="4544669" cy="5978560"/>
+            <a:ext cx="4544669" cy="5632311"/>
           </a:xfrm>
           <a:prstGeom prst="rect">
             <a:avLst/>
@@ -4563,7 +4608,7 @@
                 <a:latin typeface="Anek Telugu SemiBold" pitchFamily="2" charset="0"/>
                 <a:cs typeface="Anek Telugu SemiBold" pitchFamily="2" charset="0"/>
               </a:rPr>
-              <a:t>అల్ఫా ఓమేగయైన మహిమాన్వితుడా</a:t>
+              <a:t>నేనెల్లప్పుడు యెహోవాను సన్నుతించెదన్‌</a:t>
             </a:r>
           </a:p>
           <a:p>
@@ -4577,7 +4622,7 @@
                 <a:latin typeface="Anek Telugu SemiBold" pitchFamily="2" charset="0"/>
                 <a:cs typeface="Anek Telugu SemiBold" pitchFamily="2" charset="0"/>
               </a:rPr>
-              <a:t>అద్వితీయ సత్యవంతుడా నిరంతరం స్తోత్రార్హుడా</a:t>
+              <a:t>నిత్యము ఆయన కీర్తి నా నోట నుండున్‌ - (2)</a:t>
             </a:r>
           </a:p>
           <a:p>
@@ -4591,7 +4636,7 @@
                 <a:latin typeface="Anek Telugu SemiBold" pitchFamily="2" charset="0"/>
                 <a:cs typeface="Anek Telugu SemiBold" pitchFamily="2" charset="0"/>
               </a:rPr>
-              <a:t>రాత్రిలో కాంతి కిరణమా! పగటిలో కృపా నిలయమా!</a:t>
+              <a:t>అంతా నా మేలుకే - ఆరాధనా యేసుకే</a:t>
             </a:r>
           </a:p>
           <a:p>
@@ -4605,7 +4650,7 @@
                 <a:latin typeface="Anek Telugu SemiBold" pitchFamily="2" charset="0"/>
                 <a:cs typeface="Anek Telugu SemiBold" pitchFamily="2" charset="0"/>
               </a:rPr>
-              <a:t>ముదిమి వరకు నన్నాదరించే సత్య వాక్యమా</a:t>
+              <a:t>అంతా నా మంచికే - తన చిత్తమునకు తల వంచితే-(2)</a:t>
             </a:r>
           </a:p>
           <a:p>
@@ -4619,7 +4664,21 @@
                 <a:latin typeface="Anek Telugu SemiBold" pitchFamily="2" charset="0"/>
                 <a:cs typeface="Anek Telugu SemiBold" pitchFamily="2" charset="0"/>
               </a:rPr>
-              <a:t>నాతో స్నేహమైనా సౌఖ్యమై నను నడిపించే నా యేసయ్యా</a:t>
+              <a:t>అరాధన ఆపను - స్తుతియించుట మానను - (2)</a:t>
+            </a:r>
+          </a:p>
+          <a:p>
+            <a:pPr>
+              <a:lnSpc>
+                <a:spcPct val="150000"/>
+              </a:lnSpc>
+            </a:pPr>
+            <a:r>
+              <a:rPr lang="te-IN" sz="1500" b="1" dirty="0">
+                <a:latin typeface="Anek Telugu SemiBold" pitchFamily="2" charset="0"/>
+                <a:cs typeface="Anek Telugu SemiBold" pitchFamily="2" charset="0"/>
+              </a:rPr>
+              <a:t>స్తుతియించుట మానను</a:t>
             </a:r>
           </a:p>
           <a:p>
@@ -4644,7 +4703,7 @@
                 <a:latin typeface="Anek Telugu SemiBold" pitchFamily="2" charset="0"/>
                 <a:cs typeface="Anek Telugu SemiBold" pitchFamily="2" charset="0"/>
               </a:rPr>
-              <a:t>కనికర పూర్ణుడా! నీ కృప బాహుల్యమే</a:t>
+              <a:t>1. కన్నీల్లే పానములైన - కఠిన దుఃఖ బాధలైన</a:t>
             </a:r>
           </a:p>
           <a:p>
@@ -4658,7 +4717,7 @@
                 <a:latin typeface="Anek Telugu SemiBold" pitchFamily="2" charset="0"/>
                 <a:cs typeface="Anek Telugu SemiBold" pitchFamily="2" charset="0"/>
               </a:rPr>
-              <a:t>ఉన్నతముగ నిను ఆరాధించుటకు</a:t>
+              <a:t>స్థితిగతులే మారిన - అవకాశం చేజారిన</a:t>
             </a:r>
           </a:p>
           <a:p>
@@ -4672,7 +4731,7 @@
                 <a:latin typeface="Anek Telugu SemiBold" pitchFamily="2" charset="0"/>
                 <a:cs typeface="Anek Telugu SemiBold" pitchFamily="2" charset="0"/>
               </a:rPr>
-              <a:t>అనుక్షణమున నీ ముఖ కాంతి లో నిలిపి</a:t>
+              <a:t>మారదు యేసు ప్రేమ - నిత్యుడైన తండ్రి ప్రేమ - (2)</a:t>
             </a:r>
           </a:p>
           <a:p>
@@ -4686,21 +4745,7 @@
                 <a:latin typeface="Anek Telugu SemiBold" pitchFamily="2" charset="0"/>
                 <a:cs typeface="Anek Telugu SemiBold" pitchFamily="2" charset="0"/>
               </a:rPr>
-              <a:t>నూతన వసంతములో చేర్చును</a:t>
-            </a:r>
-          </a:p>
-          <a:p>
-            <a:pPr>
-              <a:lnSpc>
-                <a:spcPct val="150000"/>
-              </a:lnSpc>
-            </a:pPr>
-            <a:r>
-              <a:rPr lang="te-IN" sz="1500" b="1" dirty="0">
-                <a:latin typeface="Anek Telugu SemiBold" pitchFamily="2" charset="0"/>
-                <a:cs typeface="Anek Telugu SemiBold" pitchFamily="2" charset="0"/>
-              </a:rPr>
-              <a:t>జీవించెద నీ కొరకే – హర్షించెద నీ లోనే</a:t>
+              <a:t>మారదు యేసు ప్రేమ - నిత్యుడైన తండ్రి ప్రేమ - (2)</a:t>
             </a:r>
           </a:p>
           <a:p>
@@ -4725,7 +4770,7 @@
                 <a:latin typeface="Anek Telugu SemiBold" pitchFamily="2" charset="0"/>
                 <a:cs typeface="Anek Telugu SemiBold" pitchFamily="2" charset="0"/>
               </a:rPr>
-              <a:t>తేజోమయుడా! నీ దివ్య సంకల్పమే</a:t>
+              <a:t>2. ఆస్తులన్ని కోల్పొయిన - కన్నవారే కునుమరుగైన</a:t>
             </a:r>
           </a:p>
           <a:p>
@@ -4739,7 +4784,7 @@
                 <a:latin typeface="Anek Telugu SemiBold" pitchFamily="2" charset="0"/>
                 <a:cs typeface="Anek Telugu SemiBold" pitchFamily="2" charset="0"/>
               </a:rPr>
-              <a:t>ఆశ్చర్యకరమైన వెలుగులో నడుపుటకు</a:t>
+              <a:t>ఊపిరి బరువైన - గుండెలే పగిలినా</a:t>
             </a:r>
           </a:p>
           <a:p>
@@ -4753,7 +4798,7 @@
                 <a:latin typeface="Anek Telugu SemiBold" pitchFamily="2" charset="0"/>
                 <a:cs typeface="Anek Telugu SemiBold" pitchFamily="2" charset="0"/>
               </a:rPr>
-              <a:t>ఆశా నిరాశల వలయాలు తప్పించి</a:t>
+              <a:t>యెహోవా యిచ్చెను - యెహోవా తీసికొనెను - (2)</a:t>
             </a:r>
           </a:p>
           <a:p>
@@ -4767,21 +4812,7 @@
                 <a:latin typeface="Anek Telugu SemiBold" pitchFamily="2" charset="0"/>
                 <a:cs typeface="Anek Telugu SemiBold" pitchFamily="2" charset="0"/>
               </a:rPr>
-              <a:t>అగ్ని జ్వాలగ నను చేసెను</a:t>
-            </a:r>
-          </a:p>
-          <a:p>
-            <a:pPr>
-              <a:lnSpc>
-                <a:spcPct val="150000"/>
-              </a:lnSpc>
-            </a:pPr>
-            <a:r>
-              <a:rPr lang="te-IN" sz="1500" b="1" dirty="0">
-                <a:latin typeface="Anek Telugu SemiBold" pitchFamily="2" charset="0"/>
-                <a:cs typeface="Anek Telugu SemiBold" pitchFamily="2" charset="0"/>
-              </a:rPr>
-              <a:t>నా స్తుతి కీర్తన నీవే – స్తుతి ఆరాధన నీకే</a:t>
+              <a:t>ఆయన నామమునకే - స్తుతి కలుగు గాక - (2)</a:t>
             </a:r>
           </a:p>
         </p:txBody>
@@ -4954,8 +4985,8 @@
         </p:nvSpPr>
         <p:spPr>
           <a:xfrm>
-            <a:off x="277776" y="253150"/>
-            <a:ext cx="4640796" cy="5909310"/>
+            <a:off x="384763" y="283099"/>
+            <a:ext cx="4640796" cy="6232475"/>
           </a:xfrm>
           <a:prstGeom prst="rect">
             <a:avLst/>
@@ -4974,11 +5005,11 @@
               </a:lnSpc>
             </a:pPr>
             <a:r>
-              <a:rPr lang="te-IN" sz="1400" b="1" dirty="0">
-                <a:latin typeface="Anek Telugu" pitchFamily="2" charset="0"/>
-                <a:cs typeface="Anek Telugu" pitchFamily="2" charset="0"/>
-              </a:rPr>
-              <a:t>ప్రేమించెదన్ అధికముగా</a:t>
+              <a:rPr lang="te-IN" sz="1400" dirty="0">
+                <a:latin typeface="Anek Telugu SemiBold" pitchFamily="2" charset="0"/>
+                <a:cs typeface="Anek Telugu SemiBold" pitchFamily="2" charset="0"/>
+              </a:rPr>
+              <a:t>అపారమైనది నీ కృప  </a:t>
             </a:r>
           </a:p>
           <a:p>
@@ -4988,11 +5019,11 @@
               </a:lnSpc>
             </a:pPr>
             <a:r>
-              <a:rPr lang="te-IN" sz="1400" b="1" dirty="0">
-                <a:latin typeface="Anek Telugu" pitchFamily="2" charset="0"/>
-                <a:cs typeface="Anek Telugu" pitchFamily="2" charset="0"/>
-              </a:rPr>
-              <a:t>ఆరాధింతున్ ఆసక్తితో (2)</a:t>
+              <a:rPr lang="te-IN" sz="1400" dirty="0">
+                <a:latin typeface="Anek Telugu SemiBold" pitchFamily="2" charset="0"/>
+                <a:cs typeface="Anek Telugu SemiBold" pitchFamily="2" charset="0"/>
+              </a:rPr>
+              <a:t>అమూల్యమైనది నీ కృప</a:t>
             </a:r>
           </a:p>
           <a:p>
@@ -5002,11 +5033,11 @@
               </a:lnSpc>
             </a:pPr>
             <a:r>
-              <a:rPr lang="te-IN" sz="1400" b="1" dirty="0">
-                <a:latin typeface="Anek Telugu" pitchFamily="2" charset="0"/>
-                <a:cs typeface="Anek Telugu" pitchFamily="2" charset="0"/>
-              </a:rPr>
-              <a:t>నిన్ను పూర్ణ మనసుతో ఆరాధింతున్</a:t>
+              <a:rPr lang="te-IN" sz="1400" dirty="0">
+                <a:latin typeface="Anek Telugu SemiBold" pitchFamily="2" charset="0"/>
+                <a:cs typeface="Anek Telugu SemiBold" pitchFamily="2" charset="0"/>
+              </a:rPr>
+              <a:t>జీవము కంటె ఉత్తమమైనది  </a:t>
             </a:r>
           </a:p>
           <a:p>
@@ -5016,11 +5047,11 @@
               </a:lnSpc>
             </a:pPr>
             <a:r>
-              <a:rPr lang="te-IN" sz="1400" b="1" dirty="0">
-                <a:latin typeface="Anek Telugu" pitchFamily="2" charset="0"/>
-                <a:cs typeface="Anek Telugu" pitchFamily="2" charset="0"/>
-              </a:rPr>
-              <a:t>పూర్ణ బలముతో ప్రేమించెదన్</a:t>
+              <a:rPr lang="te-IN" sz="1400" dirty="0">
+                <a:latin typeface="Anek Telugu SemiBold" pitchFamily="2" charset="0"/>
+                <a:cs typeface="Anek Telugu SemiBold" pitchFamily="2" charset="0"/>
+              </a:rPr>
+              <a:t>పర్వత శిఖరము కన్న ఎతైనది</a:t>
             </a:r>
           </a:p>
           <a:p>
@@ -5030,11 +5061,11 @@
               </a:lnSpc>
             </a:pPr>
             <a:r>
-              <a:rPr lang="te-IN" sz="1400" b="1" dirty="0">
-                <a:latin typeface="Anek Telugu" pitchFamily="2" charset="0"/>
-                <a:cs typeface="Anek Telugu" pitchFamily="2" charset="0"/>
-              </a:rPr>
-              <a:t>ఆరాధన ఆరాధనా ఆ.. ఆ.. </a:t>
+              <a:rPr lang="te-IN" sz="1400" dirty="0">
+                <a:latin typeface="Anek Telugu SemiBold" pitchFamily="2" charset="0"/>
+                <a:cs typeface="Anek Telugu SemiBold" pitchFamily="2" charset="0"/>
+              </a:rPr>
+              <a:t>కృప కృప కృప కృప నీకృప   ॥2॥</a:t>
             </a:r>
           </a:p>
           <a:p>
@@ -5043,13 +5074,10 @@
                 <a:spcPct val="150000"/>
               </a:lnSpc>
             </a:pPr>
-            <a:r>
-              <a:rPr lang="te-IN" sz="1400" b="1" dirty="0">
-                <a:latin typeface="Anek Telugu" pitchFamily="2" charset="0"/>
-                <a:cs typeface="Anek Telugu" pitchFamily="2" charset="0"/>
-              </a:rPr>
-              <a:t>ఆరాధన ఆరాధనా (2)</a:t>
-            </a:r>
+            <a:endParaRPr lang="te-IN" sz="1400" dirty="0">
+              <a:latin typeface="Anek Telugu SemiBold" pitchFamily="2" charset="0"/>
+              <a:cs typeface="Anek Telugu SemiBold" pitchFamily="2" charset="0"/>
+            </a:endParaRPr>
           </a:p>
           <a:p>
             <a:pPr>
@@ -5057,10 +5085,13 @@
                 <a:spcPct val="150000"/>
               </a:lnSpc>
             </a:pPr>
-            <a:endParaRPr lang="te-IN" sz="1400" b="1" dirty="0">
-              <a:latin typeface="Anek Telugu" pitchFamily="2" charset="0"/>
-              <a:cs typeface="Anek Telugu" pitchFamily="2" charset="0"/>
-            </a:endParaRPr>
+            <a:r>
+              <a:rPr lang="te-IN" sz="1400" dirty="0">
+                <a:latin typeface="Anek Telugu SemiBold" pitchFamily="2" charset="0"/>
+                <a:cs typeface="Anek Telugu SemiBold" pitchFamily="2" charset="0"/>
+              </a:rPr>
+              <a:t>పాప దాస్యములో చిక్కబడి యుండగా </a:t>
+            </a:r>
           </a:p>
           <a:p>
             <a:pPr>
@@ -5069,11 +5100,11 @@
               </a:lnSpc>
             </a:pPr>
             <a:r>
-              <a:rPr lang="te-IN" sz="1400" b="1" dirty="0">
-                <a:latin typeface="Anek Telugu" pitchFamily="2" charset="0"/>
-                <a:cs typeface="Anek Telugu" pitchFamily="2" charset="0"/>
-              </a:rPr>
-              <a:t>ఎబినేజరే ఎబినేజరే</a:t>
+              <a:rPr lang="te-IN" sz="1400" dirty="0">
+                <a:latin typeface="Anek Telugu SemiBold" pitchFamily="2" charset="0"/>
+                <a:cs typeface="Anek Telugu SemiBold" pitchFamily="2" charset="0"/>
+              </a:rPr>
+              <a:t>నను రక్షించెను నీకృప</a:t>
             </a:r>
           </a:p>
           <a:p>
@@ -5083,11 +5114,11 @@
               </a:lnSpc>
             </a:pPr>
             <a:r>
-              <a:rPr lang="te-IN" sz="1400" b="1" dirty="0">
-                <a:latin typeface="Anek Telugu" pitchFamily="2" charset="0"/>
-                <a:cs typeface="Anek Telugu" pitchFamily="2" charset="0"/>
-              </a:rPr>
-              <a:t>ఇంత వరకు ఆదుకొన్నావే (2)</a:t>
+              <a:rPr lang="te-IN" sz="1400" dirty="0">
+                <a:latin typeface="Anek Telugu SemiBold" pitchFamily="2" charset="0"/>
+                <a:cs typeface="Anek Telugu SemiBold" pitchFamily="2" charset="0"/>
+              </a:rPr>
+              <a:t>రోగబలహీనతందునే కృంగి యుండగా</a:t>
             </a:r>
           </a:p>
           <a:p>
@@ -5097,11 +5128,11 @@
               </a:lnSpc>
             </a:pPr>
             <a:r>
-              <a:rPr lang="te-IN" sz="1400" b="1" dirty="0">
-                <a:latin typeface="Anek Telugu" pitchFamily="2" charset="0"/>
-                <a:cs typeface="Anek Telugu" pitchFamily="2" charset="0"/>
-              </a:rPr>
-              <a:t>నన్ను ఇంత వరకు ఆదుకొన్నావే</a:t>
+              <a:rPr lang="te-IN" sz="1400" dirty="0">
+                <a:latin typeface="Anek Telugu SemiBold" pitchFamily="2" charset="0"/>
+                <a:cs typeface="Anek Telugu SemiBold" pitchFamily="2" charset="0"/>
+              </a:rPr>
+              <a:t> నను స్వస్థపరచును నీకృప</a:t>
             </a:r>
           </a:p>
           <a:p>
@@ -5110,10 +5141,13 @@
                 <a:spcPct val="150000"/>
               </a:lnSpc>
             </a:pPr>
-            <a:endParaRPr lang="te-IN" sz="1400" b="1" dirty="0">
-              <a:latin typeface="Anek Telugu" pitchFamily="2" charset="0"/>
-              <a:cs typeface="Anek Telugu" pitchFamily="2" charset="0"/>
-            </a:endParaRPr>
+            <a:r>
+              <a:rPr lang="te-IN" sz="1400" dirty="0">
+                <a:latin typeface="Anek Telugu SemiBold" pitchFamily="2" charset="0"/>
+                <a:cs typeface="Anek Telugu SemiBold" pitchFamily="2" charset="0"/>
+              </a:rPr>
+              <a:t>మారా వంటి జీవితం </a:t>
+            </a:r>
           </a:p>
           <a:p>
             <a:pPr>
@@ -5122,11 +5156,11 @@
               </a:lnSpc>
             </a:pPr>
             <a:r>
-              <a:rPr lang="te-IN" sz="1400" b="1" dirty="0">
-                <a:latin typeface="Anek Telugu" pitchFamily="2" charset="0"/>
-                <a:cs typeface="Anek Telugu" pitchFamily="2" charset="0"/>
-              </a:rPr>
-              <a:t>ఎల్రోహి ఎల్రోహి</a:t>
+              <a:rPr lang="te-IN" sz="1400" dirty="0">
+                <a:latin typeface="Anek Telugu SemiBold" pitchFamily="2" charset="0"/>
+                <a:cs typeface="Anek Telugu SemiBold" pitchFamily="2" charset="0"/>
+              </a:rPr>
+              <a:t>మధురముగా మార్చెను నీ కృప</a:t>
             </a:r>
           </a:p>
           <a:p>
@@ -5135,13 +5169,10 @@
                 <a:spcPct val="150000"/>
               </a:lnSpc>
             </a:pPr>
-            <a:r>
-              <a:rPr lang="te-IN" sz="1400" b="1" dirty="0">
-                <a:latin typeface="Anek Telugu" pitchFamily="2" charset="0"/>
-                <a:cs typeface="Anek Telugu" pitchFamily="2" charset="0"/>
-              </a:rPr>
-              <a:t>నన్ను చూచావే వందనమయ్యా (2)</a:t>
-            </a:r>
+            <a:endParaRPr lang="te-IN" sz="1400" dirty="0">
+              <a:latin typeface="Anek Telugu SemiBold" pitchFamily="2" charset="0"/>
+              <a:cs typeface="Anek Telugu SemiBold" pitchFamily="2" charset="0"/>
+            </a:endParaRPr>
           </a:p>
           <a:p>
             <a:pPr>
@@ -5150,11 +5181,11 @@
               </a:lnSpc>
             </a:pPr>
             <a:r>
-              <a:rPr lang="te-IN" sz="1400" b="1" dirty="0">
-                <a:latin typeface="Anek Telugu" pitchFamily="2" charset="0"/>
-                <a:cs typeface="Anek Telugu" pitchFamily="2" charset="0"/>
-              </a:rPr>
-              <a:t>నన్ను చూచావే వందనమయ్యా</a:t>
+              <a:rPr lang="te-IN" sz="1400" dirty="0">
+                <a:latin typeface="Anek Telugu SemiBold" pitchFamily="2" charset="0"/>
+                <a:cs typeface="Anek Telugu SemiBold" pitchFamily="2" charset="0"/>
+              </a:rPr>
+              <a:t>నా హీన స్థితిలో పడిపోయి ఉండగా</a:t>
             </a:r>
           </a:p>
           <a:p>
@@ -5163,10 +5194,13 @@
                 <a:spcPct val="150000"/>
               </a:lnSpc>
             </a:pPr>
-            <a:endParaRPr lang="te-IN" sz="1400" b="1" dirty="0">
-              <a:latin typeface="Anek Telugu" pitchFamily="2" charset="0"/>
-              <a:cs typeface="Anek Telugu" pitchFamily="2" charset="0"/>
-            </a:endParaRPr>
+            <a:r>
+              <a:rPr lang="te-IN" sz="1400" dirty="0">
+                <a:latin typeface="Anek Telugu SemiBold" pitchFamily="2" charset="0"/>
+                <a:cs typeface="Anek Telugu SemiBold" pitchFamily="2" charset="0"/>
+              </a:rPr>
+              <a:t> నను లేవనెత్తేను నీ కృప</a:t>
+            </a:r>
           </a:p>
           <a:p>
             <a:pPr>
@@ -5175,11 +5209,11 @@
               </a:lnSpc>
             </a:pPr>
             <a:r>
-              <a:rPr lang="te-IN" sz="1400" b="1" dirty="0">
-                <a:latin typeface="Anek Telugu" pitchFamily="2" charset="0"/>
-                <a:cs typeface="Anek Telugu" pitchFamily="2" charset="0"/>
-              </a:rPr>
-              <a:t>యెహోవా రాఫా యెహోవా రాఫా</a:t>
+              <a:rPr lang="te-IN" sz="1400" dirty="0">
+                <a:latin typeface="Anek Telugu SemiBold" pitchFamily="2" charset="0"/>
+                <a:cs typeface="Anek Telugu SemiBold" pitchFamily="2" charset="0"/>
+              </a:rPr>
+              <a:t>ఆదరించు వారు లేక అలసియున్న నన్ను </a:t>
             </a:r>
           </a:p>
           <a:p>
@@ -5189,11 +5223,11 @@
               </a:lnSpc>
             </a:pPr>
             <a:r>
-              <a:rPr lang="te-IN" sz="1400" b="1" dirty="0">
-                <a:latin typeface="Anek Telugu" pitchFamily="2" charset="0"/>
-                <a:cs typeface="Anek Telugu" pitchFamily="2" charset="0"/>
-              </a:rPr>
-              <a:t>స్వస్థపరిచావే వందనమయ్యా (2)</a:t>
+              <a:rPr lang="te-IN" sz="1400" dirty="0">
+                <a:latin typeface="Anek Telugu SemiBold" pitchFamily="2" charset="0"/>
+                <a:cs typeface="Anek Telugu SemiBold" pitchFamily="2" charset="0"/>
+              </a:rPr>
+              <a:t>ఆదరించెను నీ కృప</a:t>
             </a:r>
           </a:p>
           <a:p>
@@ -5203,11 +5237,25 @@
               </a:lnSpc>
             </a:pPr>
             <a:r>
-              <a:rPr lang="te-IN" sz="1400" b="1" dirty="0">
-                <a:latin typeface="Anek Telugu" pitchFamily="2" charset="0"/>
-                <a:cs typeface="Anek Telugu" pitchFamily="2" charset="0"/>
-              </a:rPr>
-              <a:t>నన్ను స్వస్థపరిచావే వందనమయ్యా</a:t>
+              <a:rPr lang="te-IN" sz="1400" dirty="0">
+                <a:latin typeface="Anek Telugu SemiBold" pitchFamily="2" charset="0"/>
+                <a:cs typeface="Anek Telugu SemiBold" pitchFamily="2" charset="0"/>
+              </a:rPr>
+              <a:t>మోడైన నా జీవితం </a:t>
+            </a:r>
+          </a:p>
+          <a:p>
+            <a:pPr>
+              <a:lnSpc>
+                <a:spcPct val="150000"/>
+              </a:lnSpc>
+            </a:pPr>
+            <a:r>
+              <a:rPr lang="te-IN" sz="1400" dirty="0">
+                <a:latin typeface="Anek Telugu SemiBold" pitchFamily="2" charset="0"/>
+                <a:cs typeface="Anek Telugu SemiBold" pitchFamily="2" charset="0"/>
+              </a:rPr>
+              <a:t>చిగురింపజేసెను నీ కృప </a:t>
             </a:r>
           </a:p>
         </p:txBody>
@@ -5288,8 +5336,8 @@
         </p:nvSpPr>
         <p:spPr>
           <a:xfrm>
-            <a:off x="5113469" y="202171"/>
-            <a:ext cx="4749801" cy="5389937"/>
+            <a:off x="5239929" y="296761"/>
+            <a:ext cx="4749801" cy="6001643"/>
           </a:xfrm>
           <a:prstGeom prst="rect">
             <a:avLst/>
@@ -5308,11 +5356,63 @@
               </a:lnSpc>
             </a:pPr>
             <a:r>
-              <a:rPr lang="te-IN" sz="1350" b="1" dirty="0">
-                <a:latin typeface="Anek Telugu SemiBold" pitchFamily="2" charset="0"/>
-                <a:cs typeface="Anek Telugu SemiBold" pitchFamily="2" charset="0"/>
-              </a:rPr>
-              <a:t>యూదా స్తుతి గోత్రపు సింహమా</a:t>
+              <a:rPr lang="te-IN" sz="1600" b="1" dirty="0">
+                <a:latin typeface="Anek Telugu SemiBold" pitchFamily="2" charset="0"/>
+                <a:cs typeface="Anek Telugu SemiBold" pitchFamily="2" charset="0"/>
+              </a:rPr>
+              <a:t>దేవా నా దేవా – నీవే నా కాపరి</a:t>
+            </a:r>
+            <a:br>
+              <a:rPr lang="te-IN" sz="1600" b="1" dirty="0">
+                <a:latin typeface="Anek Telugu SemiBold" pitchFamily="2" charset="0"/>
+                <a:cs typeface="Anek Telugu SemiBold" pitchFamily="2" charset="0"/>
+              </a:rPr>
+            </a:br>
+            <a:r>
+              <a:rPr lang="te-IN" sz="1600" b="1" dirty="0">
+                <a:latin typeface="Anek Telugu SemiBold" pitchFamily="2" charset="0"/>
+                <a:cs typeface="Anek Telugu SemiBold" pitchFamily="2" charset="0"/>
+              </a:rPr>
+              <a:t>నీ ప్రేమ నీ క్షమా – ఎంతో గొప్పది (2)</a:t>
+            </a:r>
+            <a:br>
+              <a:rPr lang="te-IN" sz="1600" b="1" dirty="0">
+                <a:latin typeface="Anek Telugu SemiBold" pitchFamily="2" charset="0"/>
+                <a:cs typeface="Anek Telugu SemiBold" pitchFamily="2" charset="0"/>
+              </a:rPr>
+            </a:br>
+            <a:r>
+              <a:rPr lang="te-IN" sz="1600" b="1" dirty="0">
+                <a:latin typeface="Anek Telugu SemiBold" pitchFamily="2" charset="0"/>
+                <a:cs typeface="Anek Telugu SemiBold" pitchFamily="2" charset="0"/>
+              </a:rPr>
+              <a:t>ఆరాధింతును హృదయాంతరంగములో</a:t>
+            </a:r>
+            <a:br>
+              <a:rPr lang="te-IN" sz="1600" b="1" dirty="0">
+                <a:latin typeface="Anek Telugu SemiBold" pitchFamily="2" charset="0"/>
+                <a:cs typeface="Anek Telugu SemiBold" pitchFamily="2" charset="0"/>
+              </a:rPr>
+            </a:br>
+            <a:r>
+              <a:rPr lang="te-IN" sz="1600" b="1" dirty="0">
+                <a:latin typeface="Anek Telugu SemiBold" pitchFamily="2" charset="0"/>
+                <a:cs typeface="Anek Telugu SemiBold" pitchFamily="2" charset="0"/>
+              </a:rPr>
+              <a:t>స్తుతించెదను నీ పాద సన్నిధిలో (2)</a:t>
+            </a:r>
+            <a:br>
+              <a:rPr lang="te-IN" sz="1600" b="1" dirty="0">
+                <a:latin typeface="Anek Telugu SemiBold" pitchFamily="2" charset="0"/>
+                <a:cs typeface="Anek Telugu SemiBold" pitchFamily="2" charset="0"/>
+              </a:rPr>
+            </a:br>
+            <a:r>
+              <a:rPr lang="te-IN" sz="1600" b="1" dirty="0">
+                <a:latin typeface="Anek Telugu SemiBold" pitchFamily="2" charset="0"/>
+                <a:cs typeface="Anek Telugu SemiBold" pitchFamily="2" charset="0"/>
+              </a:rPr>
+              <a:t>నీవే కదా దేవుడవు – (2)</a:t>
             </a:r>
           </a:p>
           <a:p>
@@ -5322,11 +5422,11 @@
               </a:lnSpc>
             </a:pPr>
             <a:r>
-              <a:rPr lang="te-IN" sz="1350" b="1" dirty="0">
-                <a:latin typeface="Anek Telugu SemiBold" pitchFamily="2" charset="0"/>
-                <a:cs typeface="Anek Telugu SemiBold" pitchFamily="2" charset="0"/>
-              </a:rPr>
-              <a:t>యేసయ్యా నా ఆత్మీయ ప్రగతి నీ స్వాధీనమా (2)</a:t>
+              <a:rPr lang="te-IN" sz="1600" b="1" dirty="0">
+                <a:latin typeface="Anek Telugu SemiBold" pitchFamily="2" charset="0"/>
+                <a:cs typeface="Anek Telugu SemiBold" pitchFamily="2" charset="0"/>
+              </a:rPr>
+              <a:t>దేవా యేసు దేవా (4)     </a:t>
             </a:r>
           </a:p>
           <a:p>
@@ -5335,13 +5435,10 @@
                 <a:spcPct val="150000"/>
               </a:lnSpc>
             </a:pPr>
-            <a:r>
-              <a:rPr lang="te-IN" sz="1350" b="1" dirty="0">
-                <a:latin typeface="Anek Telugu SemiBold" pitchFamily="2" charset="0"/>
-                <a:cs typeface="Anek Telugu SemiBold" pitchFamily="2" charset="0"/>
-              </a:rPr>
-              <a:t>నీవే కదా నా ఆరాధన</a:t>
-            </a:r>
+            <a:endParaRPr lang="te-IN" sz="1600" b="1" dirty="0">
+              <a:latin typeface="Anek Telugu SemiBold" pitchFamily="2" charset="0"/>
+              <a:cs typeface="Anek Telugu SemiBold" pitchFamily="2" charset="0"/>
+            </a:endParaRPr>
           </a:p>
           <a:p>
             <a:pPr defTabSz="439781">
@@ -5350,11 +5447,50 @@
               </a:lnSpc>
             </a:pPr>
             <a:r>
-              <a:rPr lang="te-IN" sz="1350" b="1" dirty="0">
-                <a:latin typeface="Anek Telugu SemiBold" pitchFamily="2" charset="0"/>
-                <a:cs typeface="Anek Telugu SemiBold" pitchFamily="2" charset="0"/>
-              </a:rPr>
-              <a:t>ఆరాధన స్తుతి ఆరాధన</a:t>
+              <a:rPr lang="te-IN" sz="1600" b="1" dirty="0">
+                <a:latin typeface="Anek Telugu SemiBold" pitchFamily="2" charset="0"/>
+                <a:cs typeface="Anek Telugu SemiBold" pitchFamily="2" charset="0"/>
+              </a:rPr>
+              <a:t>పాపము నుండి విడిపించినావు</a:t>
+            </a:r>
+            <a:br>
+              <a:rPr lang="te-IN" sz="1600" b="1" dirty="0">
+                <a:latin typeface="Anek Telugu SemiBold" pitchFamily="2" charset="0"/>
+                <a:cs typeface="Anek Telugu SemiBold" pitchFamily="2" charset="0"/>
+              </a:rPr>
+            </a:br>
+            <a:r>
+              <a:rPr lang="te-IN" sz="1600" b="1" dirty="0">
+                <a:latin typeface="Anek Telugu SemiBold" pitchFamily="2" charset="0"/>
+                <a:cs typeface="Anek Telugu SemiBold" pitchFamily="2" charset="0"/>
+              </a:rPr>
+              <a:t>పరిశుద్ధుని చేసి ప్రేమించినావు (2)</a:t>
+            </a:r>
+            <a:br>
+              <a:rPr lang="te-IN" sz="1600" b="1" dirty="0">
+                <a:latin typeface="Anek Telugu SemiBold" pitchFamily="2" charset="0"/>
+                <a:cs typeface="Anek Telugu SemiBold" pitchFamily="2" charset="0"/>
+              </a:rPr>
+            </a:br>
+            <a:r>
+              <a:rPr lang="te-IN" sz="1600" b="1" dirty="0">
+                <a:latin typeface="Anek Telugu SemiBold" pitchFamily="2" charset="0"/>
+                <a:cs typeface="Anek Telugu SemiBold" pitchFamily="2" charset="0"/>
+              </a:rPr>
+              <a:t>నీవే కదా దేవుడవు – (2)</a:t>
+            </a:r>
+            <a:br>
+              <a:rPr lang="te-IN" sz="1600" b="1" dirty="0">
+                <a:latin typeface="Anek Telugu SemiBold" pitchFamily="2" charset="0"/>
+                <a:cs typeface="Anek Telugu SemiBold" pitchFamily="2" charset="0"/>
+              </a:rPr>
+            </a:br>
+            <a:r>
+              <a:rPr lang="te-IN" sz="1600" b="1" dirty="0">
+                <a:latin typeface="Anek Telugu SemiBold" pitchFamily="2" charset="0"/>
+                <a:cs typeface="Anek Telugu SemiBold" pitchFamily="2" charset="0"/>
+              </a:rPr>
+              <a:t>దేవా యేసు దేవా (4)       </a:t>
             </a:r>
           </a:p>
           <a:p>
@@ -5363,13 +5499,10 @@
                 <a:spcPct val="150000"/>
               </a:lnSpc>
             </a:pPr>
-            <a:r>
-              <a:rPr lang="te-IN" sz="1350" b="1" dirty="0">
-                <a:latin typeface="Anek Telugu SemiBold" pitchFamily="2" charset="0"/>
-                <a:cs typeface="Anek Telugu SemiBold" pitchFamily="2" charset="0"/>
-              </a:rPr>
-              <a:t>ఆరాధన స్తుతి ఆరాధన (2)</a:t>
-            </a:r>
+            <a:endParaRPr lang="te-IN" sz="1600" b="1" dirty="0">
+              <a:latin typeface="Anek Telugu SemiBold" pitchFamily="2" charset="0"/>
+              <a:cs typeface="Anek Telugu SemiBold" pitchFamily="2" charset="0"/>
+            </a:endParaRPr>
           </a:p>
           <a:p>
             <a:pPr defTabSz="439781">
@@ -5377,160 +5510,51 @@
                 <a:spcPct val="150000"/>
               </a:lnSpc>
             </a:pPr>
-            <a:endParaRPr lang="te-IN" sz="1350" b="1" dirty="0">
-              <a:latin typeface="Anek Telugu SemiBold" pitchFamily="2" charset="0"/>
-              <a:cs typeface="Anek Telugu SemiBold" pitchFamily="2" charset="0"/>
-            </a:endParaRPr>
-          </a:p>
-          <a:p>
-            <a:pPr defTabSz="439781">
-              <a:lnSpc>
-                <a:spcPct val="150000"/>
-              </a:lnSpc>
-            </a:pPr>
-            <a:r>
-              <a:rPr lang="te-IN" sz="1350" b="1" dirty="0">
-                <a:latin typeface="Anek Telugu SemiBold" pitchFamily="2" charset="0"/>
-                <a:cs typeface="Anek Telugu SemiBold" pitchFamily="2" charset="0"/>
-              </a:rPr>
-              <a:t>నీ ప్రజల నెమ్మదికై</a:t>
-            </a:r>
-          </a:p>
-          <a:p>
-            <a:pPr defTabSz="439781">
-              <a:lnSpc>
-                <a:spcPct val="150000"/>
-              </a:lnSpc>
-            </a:pPr>
-            <a:r>
-              <a:rPr lang="te-IN" sz="1350" b="1" dirty="0">
-                <a:latin typeface="Anek Telugu SemiBold" pitchFamily="2" charset="0"/>
-                <a:cs typeface="Anek Telugu SemiBold" pitchFamily="2" charset="0"/>
-              </a:rPr>
-              <a:t>రాజాజ్ఞ మార్చింది నీవేనని</a:t>
-            </a:r>
-          </a:p>
-          <a:p>
-            <a:pPr defTabSz="439781">
-              <a:lnSpc>
-                <a:spcPct val="150000"/>
-              </a:lnSpc>
-            </a:pPr>
-            <a:r>
-              <a:rPr lang="te-IN" sz="1350" b="1" dirty="0">
-                <a:latin typeface="Anek Telugu SemiBold" pitchFamily="2" charset="0"/>
-                <a:cs typeface="Anek Telugu SemiBold" pitchFamily="2" charset="0"/>
-              </a:rPr>
-              <a:t>అహమును అణచి అధికారులను</a:t>
-            </a:r>
-          </a:p>
-          <a:p>
-            <a:pPr defTabSz="439781">
-              <a:lnSpc>
-                <a:spcPct val="150000"/>
-              </a:lnSpc>
-            </a:pPr>
-            <a:r>
-              <a:rPr lang="te-IN" sz="1350" b="1" dirty="0">
-                <a:latin typeface="Anek Telugu SemiBold" pitchFamily="2" charset="0"/>
-                <a:cs typeface="Anek Telugu SemiBold" pitchFamily="2" charset="0"/>
-              </a:rPr>
-              <a:t>అధముల చేసిన నీకు (2)</a:t>
-            </a:r>
-          </a:p>
-          <a:p>
-            <a:pPr defTabSz="439781">
-              <a:lnSpc>
-                <a:spcPct val="150000"/>
-              </a:lnSpc>
-            </a:pPr>
-            <a:r>
-              <a:rPr lang="te-IN" sz="1350" b="1" dirty="0">
-                <a:latin typeface="Anek Telugu SemiBold" pitchFamily="2" charset="0"/>
-                <a:cs typeface="Anek Telugu SemiBold" pitchFamily="2" charset="0"/>
-              </a:rPr>
-              <a:t>అసాధ్యమైనది ఏమున్నది (4)</a:t>
-            </a:r>
-          </a:p>
-          <a:p>
-            <a:pPr defTabSz="439781">
-              <a:lnSpc>
-                <a:spcPct val="150000"/>
-              </a:lnSpc>
-            </a:pPr>
-            <a:endParaRPr lang="te-IN" sz="1350" b="1" dirty="0">
-              <a:latin typeface="Anek Telugu SemiBold" pitchFamily="2" charset="0"/>
-              <a:cs typeface="Anek Telugu SemiBold" pitchFamily="2" charset="0"/>
-            </a:endParaRPr>
-          </a:p>
-          <a:p>
-            <a:pPr defTabSz="439781">
-              <a:lnSpc>
-                <a:spcPct val="150000"/>
-              </a:lnSpc>
-            </a:pPr>
-            <a:r>
-              <a:rPr lang="te-IN" sz="1350" b="1" dirty="0">
-                <a:latin typeface="Anek Telugu SemiBold" pitchFamily="2" charset="0"/>
-                <a:cs typeface="Anek Telugu SemiBold" pitchFamily="2" charset="0"/>
-              </a:rPr>
-              <a:t>నీ నీతి కిరణాలకై</a:t>
-            </a:r>
-          </a:p>
-          <a:p>
-            <a:pPr defTabSz="439781">
-              <a:lnSpc>
-                <a:spcPct val="150000"/>
-              </a:lnSpc>
-            </a:pPr>
-            <a:r>
-              <a:rPr lang="te-IN" sz="1350" b="1" dirty="0">
-                <a:latin typeface="Anek Telugu SemiBold" pitchFamily="2" charset="0"/>
-                <a:cs typeface="Anek Telugu SemiBold" pitchFamily="2" charset="0"/>
-              </a:rPr>
-              <a:t>నా దిక్కు దెసలన్ని నీవేనని</a:t>
-            </a:r>
-          </a:p>
-          <a:p>
-            <a:pPr defTabSz="439781">
-              <a:lnSpc>
-                <a:spcPct val="150000"/>
-              </a:lnSpc>
-            </a:pPr>
-            <a:r>
-              <a:rPr lang="te-IN" sz="1350" b="1" dirty="0">
-                <a:latin typeface="Anek Telugu SemiBold" pitchFamily="2" charset="0"/>
-                <a:cs typeface="Anek Telugu SemiBold" pitchFamily="2" charset="0"/>
-              </a:rPr>
-              <a:t>అనతికాలాన ప్రథమ ఫలముగా</a:t>
-            </a:r>
-          </a:p>
-          <a:p>
-            <a:pPr defTabSz="439781">
-              <a:lnSpc>
-                <a:spcPct val="150000"/>
-              </a:lnSpc>
-            </a:pPr>
-            <a:r>
-              <a:rPr lang="te-IN" sz="1350" b="1" dirty="0">
-                <a:latin typeface="Anek Telugu SemiBold" pitchFamily="2" charset="0"/>
-                <a:cs typeface="Anek Telugu SemiBold" pitchFamily="2" charset="0"/>
-              </a:rPr>
-              <a:t>పక్వపరచిన నీకు (2)</a:t>
-            </a:r>
-          </a:p>
-          <a:p>
-            <a:pPr defTabSz="439781">
-              <a:lnSpc>
-                <a:spcPct val="150000"/>
-              </a:lnSpc>
-            </a:pPr>
-            <a:r>
-              <a:rPr lang="te-IN" sz="1350" b="1" dirty="0">
-                <a:latin typeface="Anek Telugu SemiBold" pitchFamily="2" charset="0"/>
-                <a:cs typeface="Anek Telugu SemiBold" pitchFamily="2" charset="0"/>
-              </a:rPr>
-              <a:t>అసాధ్యమైనది ఏమున్నది (4)</a:t>
+            <a:r>
+              <a:rPr lang="te-IN" sz="1600" b="1" dirty="0">
+                <a:latin typeface="Anek Telugu SemiBold" pitchFamily="2" charset="0"/>
+                <a:cs typeface="Anek Telugu SemiBold" pitchFamily="2" charset="0"/>
+              </a:rPr>
+              <a:t>పరిశుద్ధాత్మను నాలో నింపావు</a:t>
+            </a:r>
+            <a:br>
+              <a:rPr lang="te-IN" sz="1600" b="1" dirty="0">
+                <a:latin typeface="Anek Telugu SemiBold" pitchFamily="2" charset="0"/>
+                <a:cs typeface="Anek Telugu SemiBold" pitchFamily="2" charset="0"/>
+              </a:rPr>
+            </a:br>
+            <a:r>
+              <a:rPr lang="te-IN" sz="1600" b="1" dirty="0">
+                <a:latin typeface="Anek Telugu SemiBold" pitchFamily="2" charset="0"/>
+                <a:cs typeface="Anek Telugu SemiBold" pitchFamily="2" charset="0"/>
+              </a:rPr>
+              <a:t>మట్టి దేహమును మహిమతో నింపావు (2)</a:t>
+            </a:r>
+            <a:br>
+              <a:rPr lang="te-IN" sz="1600" b="1" dirty="0">
+                <a:latin typeface="Anek Telugu SemiBold" pitchFamily="2" charset="0"/>
+                <a:cs typeface="Anek Telugu SemiBold" pitchFamily="2" charset="0"/>
+              </a:rPr>
+            </a:br>
+            <a:r>
+              <a:rPr lang="te-IN" sz="1600" b="1" dirty="0">
+                <a:latin typeface="Anek Telugu SemiBold" pitchFamily="2" charset="0"/>
+                <a:cs typeface="Anek Telugu SemiBold" pitchFamily="2" charset="0"/>
+              </a:rPr>
+              <a:t>నీవే కదా దేవుడవు – (2)</a:t>
+            </a:r>
+            <a:br>
+              <a:rPr lang="te-IN" sz="1600" b="1" dirty="0">
+                <a:latin typeface="Anek Telugu SemiBold" pitchFamily="2" charset="0"/>
+                <a:cs typeface="Anek Telugu SemiBold" pitchFamily="2" charset="0"/>
+              </a:rPr>
+            </a:br>
+            <a:r>
+              <a:rPr lang="te-IN" sz="1600" b="1" dirty="0">
+                <a:latin typeface="Anek Telugu SemiBold" pitchFamily="2" charset="0"/>
+                <a:cs typeface="Anek Telugu SemiBold" pitchFamily="2" charset="0"/>
+              </a:rPr>
+              <a:t>దేవా యేసు దేవా (4)       </a:t>
             </a:r>
           </a:p>
         </p:txBody>

--- a/songsTemplate.pptx
+++ b/songsTemplate.pptx
@@ -130,527 +130,6 @@
 </p:presentation>
 </file>
 
-<file path=ppt/changesInfos/changesInfo1.xml><?xml version="1.0" encoding="utf-8"?>
-<pc:chgInfo xmlns:a="http://schemas.openxmlformats.org/drawingml/2006/main" xmlns:r="http://schemas.openxmlformats.org/officeDocument/2006/relationships" xmlns:ac="http://schemas.microsoft.com/office/drawing/2013/main/command" xmlns:pc="http://schemas.microsoft.com/office/powerpoint/2013/main/command">
-  <pc:docChgLst>
-    <pc:chgData name="Venu Yalapala" userId="9feb8bbceceecaca" providerId="LiveId" clId="{282BCC90-DA09-49A0-BCEB-FBBFF0EE3CC4}"/>
-    <pc:docChg chg="undo redo custSel addSld delSld modSld addMainMaster delMainMaster modMainMaster">
-      <pc:chgData name="Venu Yalapala" userId="9feb8bbceceecaca" providerId="LiveId" clId="{282BCC90-DA09-49A0-BCEB-FBBFF0EE3CC4}" dt="2025-06-14T14:07:24.806" v="642" actId="2711"/>
-      <pc:docMkLst>
-        <pc:docMk/>
-      </pc:docMkLst>
-      <pc:sldChg chg="addSp delSp modSp mod modClrScheme chgLayout">
-        <pc:chgData name="Venu Yalapala" userId="9feb8bbceceecaca" providerId="LiveId" clId="{282BCC90-DA09-49A0-BCEB-FBBFF0EE3CC4}" dt="2025-06-14T14:06:40.647" v="636"/>
-        <pc:sldMkLst>
-          <pc:docMk/>
-          <pc:sldMk cId="3342490066" sldId="256"/>
-        </pc:sldMkLst>
-        <pc:spChg chg="add mod">
-          <ac:chgData name="Venu Yalapala" userId="9feb8bbceceecaca" providerId="LiveId" clId="{282BCC90-DA09-49A0-BCEB-FBBFF0EE3CC4}" dt="2025-05-24T18:36:49.092" v="294" actId="20577"/>
-          <ac:spMkLst>
-            <pc:docMk/>
-            <pc:sldMk cId="3342490066" sldId="256"/>
-            <ac:spMk id="2" creationId="{3677D164-3D42-4CA2-F7B4-A173B6736AD4}"/>
-          </ac:spMkLst>
-        </pc:spChg>
-        <pc:spChg chg="del">
-          <ac:chgData name="Venu Yalapala" userId="9feb8bbceceecaca" providerId="LiveId" clId="{282BCC90-DA09-49A0-BCEB-FBBFF0EE3CC4}" dt="2025-05-24T18:26:31.109" v="145" actId="478"/>
-          <ac:spMkLst>
-            <pc:docMk/>
-            <pc:sldMk cId="3342490066" sldId="256"/>
-            <ac:spMk id="2" creationId="{CEBA6011-CA21-438F-B7D1-377168C5DA16}"/>
-          </ac:spMkLst>
-        </pc:spChg>
-        <pc:spChg chg="add del mod ord">
-          <ac:chgData name="Venu Yalapala" userId="9feb8bbceceecaca" providerId="LiveId" clId="{282BCC90-DA09-49A0-BCEB-FBBFF0EE3CC4}" dt="2025-05-24T18:23:37.532" v="107" actId="700"/>
-          <ac:spMkLst>
-            <pc:docMk/>
-            <pc:sldMk cId="3342490066" sldId="256"/>
-            <ac:spMk id="3" creationId="{63D12E32-E886-89F9-989F-D40A4C55CB63}"/>
-          </ac:spMkLst>
-        </pc:spChg>
-        <pc:spChg chg="add del mod">
-          <ac:chgData name="Venu Yalapala" userId="9feb8bbceceecaca" providerId="LiveId" clId="{282BCC90-DA09-49A0-BCEB-FBBFF0EE3CC4}" dt="2025-05-24T18:19:37.497" v="91" actId="478"/>
-          <ac:spMkLst>
-            <pc:docMk/>
-            <pc:sldMk cId="3342490066" sldId="256"/>
-            <ac:spMk id="3" creationId="{EA9141BE-8028-646F-976E-AADC77C70E53}"/>
-          </ac:spMkLst>
-        </pc:spChg>
-        <pc:spChg chg="mod">
-          <ac:chgData name="Venu Yalapala" userId="9feb8bbceceecaca" providerId="LiveId" clId="{282BCC90-DA09-49A0-BCEB-FBBFF0EE3CC4}" dt="2025-05-24T18:25:46.144" v="120" actId="14100"/>
-          <ac:spMkLst>
-            <pc:docMk/>
-            <pc:sldMk cId="3342490066" sldId="256"/>
-            <ac:spMk id="4" creationId="{7B702E0D-FD8D-4F00-8F9D-9ACEED91C763}"/>
-          </ac:spMkLst>
-        </pc:spChg>
-        <pc:spChg chg="add del">
-          <ac:chgData name="Venu Yalapala" userId="9feb8bbceceecaca" providerId="LiveId" clId="{282BCC90-DA09-49A0-BCEB-FBBFF0EE3CC4}" dt="2025-05-24T18:25:38.057" v="118" actId="11529"/>
-          <ac:spMkLst>
-            <pc:docMk/>
-            <pc:sldMk cId="3342490066" sldId="256"/>
-            <ac:spMk id="5" creationId="{B44EC04A-64E2-9651-8B31-E51135531375}"/>
-          </ac:spMkLst>
-        </pc:spChg>
-        <pc:spChg chg="del mod topLvl">
-          <ac:chgData name="Venu Yalapala" userId="9feb8bbceceecaca" providerId="LiveId" clId="{282BCC90-DA09-49A0-BCEB-FBBFF0EE3CC4}" dt="2025-05-24T18:29:18.609" v="191" actId="478"/>
-          <ac:spMkLst>
-            <pc:docMk/>
-            <pc:sldMk cId="3342490066" sldId="256"/>
-            <ac:spMk id="11" creationId="{0E606F7A-0439-43E4-A07F-A35A8691EB42}"/>
-          </ac:spMkLst>
-        </pc:spChg>
-        <pc:spChg chg="mod topLvl">
-          <ac:chgData name="Venu Yalapala" userId="9feb8bbceceecaca" providerId="LiveId" clId="{282BCC90-DA09-49A0-BCEB-FBBFF0EE3CC4}" dt="2025-06-14T14:05:27.376" v="617" actId="1035"/>
-          <ac:spMkLst>
-            <pc:docMk/>
-            <pc:sldMk cId="3342490066" sldId="256"/>
-            <ac:spMk id="12" creationId="{DD950E5A-63C0-4187-892B-9549599FCD15}"/>
-          </ac:spMkLst>
-        </pc:spChg>
-        <pc:spChg chg="mod topLvl">
-          <ac:chgData name="Venu Yalapala" userId="9feb8bbceceecaca" providerId="LiveId" clId="{282BCC90-DA09-49A0-BCEB-FBBFF0EE3CC4}" dt="2025-05-24T18:29:13.426" v="190" actId="165"/>
-          <ac:spMkLst>
-            <pc:docMk/>
-            <pc:sldMk cId="3342490066" sldId="256"/>
-            <ac:spMk id="13" creationId="{26F461D1-594E-4D24-8238-761378173A6A}"/>
-          </ac:spMkLst>
-        </pc:spChg>
-        <pc:spChg chg="del">
-          <ac:chgData name="Venu Yalapala" userId="9feb8bbceceecaca" providerId="LiveId" clId="{282BCC90-DA09-49A0-BCEB-FBBFF0EE3CC4}" dt="2025-05-24T18:26:31.109" v="145" actId="478"/>
-          <ac:spMkLst>
-            <pc:docMk/>
-            <pc:sldMk cId="3342490066" sldId="256"/>
-            <ac:spMk id="14" creationId="{AD044142-8A4B-48E2-8204-53A1EBC016D8}"/>
-          </ac:spMkLst>
-        </pc:spChg>
-        <pc:spChg chg="mod ord topLvl">
-          <ac:chgData name="Venu Yalapala" userId="9feb8bbceceecaca" providerId="LiveId" clId="{282BCC90-DA09-49A0-BCEB-FBBFF0EE3CC4}" dt="2025-06-14T14:06:40.647" v="636"/>
-          <ac:spMkLst>
-            <pc:docMk/>
-            <pc:sldMk cId="3342490066" sldId="256"/>
-            <ac:spMk id="15" creationId="{F0C1A603-19B4-4631-AF63-7E26FCE0AA94}"/>
-          </ac:spMkLst>
-        </pc:spChg>
-        <pc:grpChg chg="del mod">
-          <ac:chgData name="Venu Yalapala" userId="9feb8bbceceecaca" providerId="LiveId" clId="{282BCC90-DA09-49A0-BCEB-FBBFF0EE3CC4}" dt="2025-05-24T18:29:08.680" v="189" actId="478"/>
-          <ac:grpSpMkLst>
-            <pc:docMk/>
-            <pc:sldMk cId="3342490066" sldId="256"/>
-            <ac:grpSpMk id="9" creationId="{A7E1EC36-C610-4951-92FB-5FA9BAA559EC}"/>
-          </ac:grpSpMkLst>
-        </pc:grpChg>
-        <pc:grpChg chg="del">
-          <ac:chgData name="Venu Yalapala" userId="9feb8bbceceecaca" providerId="LiveId" clId="{282BCC90-DA09-49A0-BCEB-FBBFF0EE3CC4}" dt="2025-05-24T18:29:13.426" v="190" actId="165"/>
-          <ac:grpSpMkLst>
-            <pc:docMk/>
-            <pc:sldMk cId="3342490066" sldId="256"/>
-            <ac:grpSpMk id="10" creationId="{BD4861E3-0140-4666-A772-E1339125A35F}"/>
-          </ac:grpSpMkLst>
-        </pc:grpChg>
-      </pc:sldChg>
-      <pc:sldChg chg="modSp del mod">
-        <pc:chgData name="Venu Yalapala" userId="9feb8bbceceecaca" providerId="LiveId" clId="{282BCC90-DA09-49A0-BCEB-FBBFF0EE3CC4}" dt="2025-05-24T18:36:45.212" v="293" actId="47"/>
-        <pc:sldMkLst>
-          <pc:docMk/>
-          <pc:sldMk cId="3419142628" sldId="257"/>
-        </pc:sldMkLst>
-        <pc:spChg chg="mod">
-          <ac:chgData name="Venu Yalapala" userId="9feb8bbceceecaca" providerId="LiveId" clId="{282BCC90-DA09-49A0-BCEB-FBBFF0EE3CC4}" dt="2025-05-24T18:17:00.935" v="88" actId="1076"/>
-          <ac:spMkLst>
-            <pc:docMk/>
-            <pc:sldMk cId="3419142628" sldId="257"/>
-            <ac:spMk id="7" creationId="{C5F65C11-52F8-415B-A70B-C02268F6F4A1}"/>
-          </ac:spMkLst>
-        </pc:spChg>
-        <pc:spChg chg="mod">
-          <ac:chgData name="Venu Yalapala" userId="9feb8bbceceecaca" providerId="LiveId" clId="{282BCC90-DA09-49A0-BCEB-FBBFF0EE3CC4}" dt="2025-05-24T18:17:07.903" v="89" actId="1076"/>
-          <ac:spMkLst>
-            <pc:docMk/>
-            <pc:sldMk cId="3419142628" sldId="257"/>
-            <ac:spMk id="12" creationId="{DD950E5A-63C0-4187-892B-9549599FCD15}"/>
-          </ac:spMkLst>
-        </pc:spChg>
-      </pc:sldChg>
-      <pc:sldChg chg="addSp delSp modSp new mod">
-        <pc:chgData name="Venu Yalapala" userId="9feb8bbceceecaca" providerId="LiveId" clId="{282BCC90-DA09-49A0-BCEB-FBBFF0EE3CC4}" dt="2025-06-14T14:07:24.806" v="642" actId="2711"/>
-        <pc:sldMkLst>
-          <pc:docMk/>
-          <pc:sldMk cId="2536218313" sldId="258"/>
-        </pc:sldMkLst>
-        <pc:spChg chg="del mod topLvl">
-          <ac:chgData name="Venu Yalapala" userId="9feb8bbceceecaca" providerId="LiveId" clId="{282BCC90-DA09-49A0-BCEB-FBBFF0EE3CC4}" dt="2025-05-24T18:35:13.540" v="262" actId="478"/>
-          <ac:spMkLst>
-            <pc:docMk/>
-            <pc:sldMk cId="2536218313" sldId="258"/>
-            <ac:spMk id="3" creationId="{283D215C-71CB-F31F-9E9E-DD53460DFFAF}"/>
-          </ac:spMkLst>
-        </pc:spChg>
-        <pc:spChg chg="mod topLvl">
-          <ac:chgData name="Venu Yalapala" userId="9feb8bbceceecaca" providerId="LiveId" clId="{282BCC90-DA09-49A0-BCEB-FBBFF0EE3CC4}" dt="2025-06-14T14:07:24.806" v="642" actId="2711"/>
-          <ac:spMkLst>
-            <pc:docMk/>
-            <pc:sldMk cId="2536218313" sldId="258"/>
-            <ac:spMk id="4" creationId="{FB41F474-87B0-C226-746A-F4BD47A88133}"/>
-          </ac:spMkLst>
-        </pc:spChg>
-        <pc:spChg chg="mod topLvl">
-          <ac:chgData name="Venu Yalapala" userId="9feb8bbceceecaca" providerId="LiveId" clId="{282BCC90-DA09-49A0-BCEB-FBBFF0EE3CC4}" dt="2025-05-24T18:36:37.213" v="291" actId="20577"/>
-          <ac:spMkLst>
-            <pc:docMk/>
-            <pc:sldMk cId="2536218313" sldId="258"/>
-            <ac:spMk id="5" creationId="{378DC577-39F5-A6AC-DF89-B2666B06ACF9}"/>
-          </ac:spMkLst>
-        </pc:spChg>
-        <pc:spChg chg="mod topLvl">
-          <ac:chgData name="Venu Yalapala" userId="9feb8bbceceecaca" providerId="LiveId" clId="{282BCC90-DA09-49A0-BCEB-FBBFF0EE3CC4}" dt="2025-06-14T14:07:00.148" v="638" actId="403"/>
-          <ac:spMkLst>
-            <pc:docMk/>
-            <pc:sldMk cId="2536218313" sldId="258"/>
-            <ac:spMk id="7" creationId="{37D46B4B-CD57-310D-B542-FE6B01F388E7}"/>
-          </ac:spMkLst>
-        </pc:spChg>
-        <pc:spChg chg="del mod topLvl">
-          <ac:chgData name="Venu Yalapala" userId="9feb8bbceceecaca" providerId="LiveId" clId="{282BCC90-DA09-49A0-BCEB-FBBFF0EE3CC4}" dt="2025-05-24T18:35:57.934" v="278" actId="478"/>
-          <ac:spMkLst>
-            <pc:docMk/>
-            <pc:sldMk cId="2536218313" sldId="258"/>
-            <ac:spMk id="8" creationId="{C9BF4F91-E0EE-9A39-D724-D3D471354ACE}"/>
-          </ac:spMkLst>
-        </pc:spChg>
-        <pc:spChg chg="mod topLvl">
-          <ac:chgData name="Venu Yalapala" userId="9feb8bbceceecaca" providerId="LiveId" clId="{282BCC90-DA09-49A0-BCEB-FBBFF0EE3CC4}" dt="2025-05-24T18:36:40.400" v="292" actId="20577"/>
-          <ac:spMkLst>
-            <pc:docMk/>
-            <pc:sldMk cId="2536218313" sldId="258"/>
-            <ac:spMk id="9" creationId="{4DA14023-6190-39C5-C6B6-5C235D6210F9}"/>
-          </ac:spMkLst>
-        </pc:spChg>
-        <pc:grpChg chg="add del mod">
-          <ac:chgData name="Venu Yalapala" userId="9feb8bbceceecaca" providerId="LiveId" clId="{282BCC90-DA09-49A0-BCEB-FBBFF0EE3CC4}" dt="2025-05-24T18:35:11.103" v="261" actId="165"/>
-          <ac:grpSpMkLst>
-            <pc:docMk/>
-            <pc:sldMk cId="2536218313" sldId="258"/>
-            <ac:grpSpMk id="2" creationId="{0C4B62AE-AD81-EF6D-AAC3-16644B9928D8}"/>
-          </ac:grpSpMkLst>
-        </pc:grpChg>
-        <pc:grpChg chg="add del mod">
-          <ac:chgData name="Venu Yalapala" userId="9feb8bbceceecaca" providerId="LiveId" clId="{282BCC90-DA09-49A0-BCEB-FBBFF0EE3CC4}" dt="2025-05-24T18:35:55.487" v="277" actId="165"/>
-          <ac:grpSpMkLst>
-            <pc:docMk/>
-            <pc:sldMk cId="2536218313" sldId="258"/>
-            <ac:grpSpMk id="6" creationId="{9F87DAC6-1ED4-92C9-C0E9-CF74681B72EC}"/>
-          </ac:grpSpMkLst>
-        </pc:grpChg>
-      </pc:sldChg>
-      <pc:sldChg chg="new del">
-        <pc:chgData name="Venu Yalapala" userId="9feb8bbceceecaca" providerId="LiveId" clId="{282BCC90-DA09-49A0-BCEB-FBBFF0EE3CC4}" dt="2025-05-24T18:34:55.123" v="259" actId="47"/>
-        <pc:sldMkLst>
-          <pc:docMk/>
-          <pc:sldMk cId="1567017394" sldId="259"/>
-        </pc:sldMkLst>
-      </pc:sldChg>
-      <pc:sldMasterChg chg="addSldLayout modSldLayout">
-        <pc:chgData name="Venu Yalapala" userId="9feb8bbceceecaca" providerId="LiveId" clId="{282BCC90-DA09-49A0-BCEB-FBBFF0EE3CC4}" dt="2025-05-24T18:28:42.665" v="188" actId="1038"/>
-        <pc:sldMasterMkLst>
-          <pc:docMk/>
-          <pc:sldMasterMk cId="3399101397" sldId="2147483660"/>
-        </pc:sldMasterMkLst>
-        <pc:sldLayoutChg chg="addSp delSp modSp add mod modTransition">
-          <pc:chgData name="Venu Yalapala" userId="9feb8bbceceecaca" providerId="LiveId" clId="{282BCC90-DA09-49A0-BCEB-FBBFF0EE3CC4}" dt="2025-05-24T18:28:42.665" v="188" actId="1038"/>
-          <pc:sldLayoutMkLst>
-            <pc:docMk/>
-            <pc:sldMasterMk cId="3399101397" sldId="2147483660"/>
-            <pc:sldLayoutMk cId="4179781353" sldId="2147483672"/>
-          </pc:sldLayoutMkLst>
-          <pc:spChg chg="del">
-            <ac:chgData name="Venu Yalapala" userId="9feb8bbceceecaca" providerId="LiveId" clId="{282BCC90-DA09-49A0-BCEB-FBBFF0EE3CC4}" dt="2025-05-24T18:20:37.789" v="97" actId="478"/>
-            <ac:spMkLst>
-              <pc:docMk/>
-              <pc:sldMasterMk cId="3399101397" sldId="2147483660"/>
-              <pc:sldLayoutMk cId="4179781353" sldId="2147483672"/>
-              <ac:spMk id="2" creationId="{00000000-0000-0000-0000-000000000000}"/>
-            </ac:spMkLst>
-          </pc:spChg>
-          <pc:spChg chg="add mod">
-            <ac:chgData name="Venu Yalapala" userId="9feb8bbceceecaca" providerId="LiveId" clId="{282BCC90-DA09-49A0-BCEB-FBBFF0EE3CC4}" dt="2025-05-24T18:28:42.665" v="188" actId="1038"/>
-            <ac:spMkLst>
-              <pc:docMk/>
-              <pc:sldMasterMk cId="3399101397" sldId="2147483660"/>
-              <pc:sldLayoutMk cId="4179781353" sldId="2147483672"/>
-              <ac:spMk id="2" creationId="{E7134C41-B3A1-4819-B524-97527F10B2E1}"/>
-            </ac:spMkLst>
-          </pc:spChg>
-          <pc:spChg chg="del">
-            <ac:chgData name="Venu Yalapala" userId="9feb8bbceceecaca" providerId="LiveId" clId="{282BCC90-DA09-49A0-BCEB-FBBFF0EE3CC4}" dt="2025-05-24T18:20:37.789" v="97" actId="478"/>
-            <ac:spMkLst>
-              <pc:docMk/>
-              <pc:sldMasterMk cId="3399101397" sldId="2147483660"/>
-              <pc:sldLayoutMk cId="4179781353" sldId="2147483672"/>
-              <ac:spMk id="3" creationId="{00000000-0000-0000-0000-000000000000}"/>
-            </ac:spMkLst>
-          </pc:spChg>
-          <pc:spChg chg="add del mod">
-            <ac:chgData name="Venu Yalapala" userId="9feb8bbceceecaca" providerId="LiveId" clId="{282BCC90-DA09-49A0-BCEB-FBBFF0EE3CC4}" dt="2025-05-24T18:24:15.991" v="112"/>
-            <ac:spMkLst>
-              <pc:docMk/>
-              <pc:sldMasterMk cId="3399101397" sldId="2147483660"/>
-              <pc:sldLayoutMk cId="4179781353" sldId="2147483672"/>
-              <ac:spMk id="3" creationId="{63B817FE-7782-D297-9ADD-4F3FFF6BF554}"/>
-            </ac:spMkLst>
-          </pc:spChg>
-          <pc:spChg chg="del mod">
-            <ac:chgData name="Venu Yalapala" userId="9feb8bbceceecaca" providerId="LiveId" clId="{282BCC90-DA09-49A0-BCEB-FBBFF0EE3CC4}" dt="2025-05-24T18:24:15.991" v="112"/>
-            <ac:spMkLst>
-              <pc:docMk/>
-              <pc:sldMasterMk cId="3399101397" sldId="2147483660"/>
-              <pc:sldLayoutMk cId="4179781353" sldId="2147483672"/>
-              <ac:spMk id="4" creationId="{00000000-0000-0000-0000-000000000000}"/>
-            </ac:spMkLst>
-          </pc:spChg>
-          <pc:spChg chg="del">
-            <ac:chgData name="Venu Yalapala" userId="9feb8bbceceecaca" providerId="LiveId" clId="{282BCC90-DA09-49A0-BCEB-FBBFF0EE3CC4}" dt="2025-05-24T18:20:37.789" v="97" actId="478"/>
-            <ac:spMkLst>
-              <pc:docMk/>
-              <pc:sldMasterMk cId="3399101397" sldId="2147483660"/>
-              <pc:sldLayoutMk cId="4179781353" sldId="2147483672"/>
-              <ac:spMk id="5" creationId="{00000000-0000-0000-0000-000000000000}"/>
-            </ac:spMkLst>
-          </pc:spChg>
-          <pc:spChg chg="add del mod">
-            <ac:chgData name="Venu Yalapala" userId="9feb8bbceceecaca" providerId="LiveId" clId="{282BCC90-DA09-49A0-BCEB-FBBFF0EE3CC4}" dt="2025-05-24T18:24:15.991" v="112"/>
-            <ac:spMkLst>
-              <pc:docMk/>
-              <pc:sldMasterMk cId="3399101397" sldId="2147483660"/>
-              <pc:sldLayoutMk cId="4179781353" sldId="2147483672"/>
-              <ac:spMk id="5" creationId="{C39071B9-7440-CAC3-306B-1B0876708DA5}"/>
-            </ac:spMkLst>
-          </pc:spChg>
-          <pc:spChg chg="del">
-            <ac:chgData name="Venu Yalapala" userId="9feb8bbceceecaca" providerId="LiveId" clId="{282BCC90-DA09-49A0-BCEB-FBBFF0EE3CC4}" dt="2025-05-24T18:20:37.789" v="97" actId="478"/>
-            <ac:spMkLst>
-              <pc:docMk/>
-              <pc:sldMasterMk cId="3399101397" sldId="2147483660"/>
-              <pc:sldLayoutMk cId="4179781353" sldId="2147483672"/>
-              <ac:spMk id="6" creationId="{00000000-0000-0000-0000-000000000000}"/>
-            </ac:spMkLst>
-          </pc:spChg>
-          <pc:spChg chg="add mod">
-            <ac:chgData name="Venu Yalapala" userId="9feb8bbceceecaca" providerId="LiveId" clId="{282BCC90-DA09-49A0-BCEB-FBBFF0EE3CC4}" dt="2025-05-24T18:28:19.434" v="171" actId="1038"/>
-            <ac:spMkLst>
-              <pc:docMk/>
-              <pc:sldMasterMk cId="3399101397" sldId="2147483660"/>
-              <pc:sldLayoutMk cId="4179781353" sldId="2147483672"/>
-              <ac:spMk id="6" creationId="{7C27A430-915D-82F6-029F-807C646A6472}"/>
-            </ac:spMkLst>
-          </pc:spChg>
-          <pc:spChg chg="add mod">
-            <ac:chgData name="Venu Yalapala" userId="9feb8bbceceecaca" providerId="LiveId" clId="{282BCC90-DA09-49A0-BCEB-FBBFF0EE3CC4}" dt="2025-05-24T18:28:33.575" v="177" actId="1076"/>
-            <ac:spMkLst>
-              <pc:docMk/>
-              <pc:sldMasterMk cId="3399101397" sldId="2147483660"/>
-              <pc:sldLayoutMk cId="4179781353" sldId="2147483672"/>
-              <ac:spMk id="7" creationId="{0A1D0023-F5DF-8DC1-8B63-8D0A6DE75D18}"/>
-            </ac:spMkLst>
-          </pc:spChg>
-        </pc:sldLayoutChg>
-      </pc:sldMasterChg>
-      <pc:sldMasterChg chg="new del mod addSldLayout delSldLayout">
-        <pc:chgData name="Venu Yalapala" userId="9feb8bbceceecaca" providerId="LiveId" clId="{282BCC90-DA09-49A0-BCEB-FBBFF0EE3CC4}" dt="2025-05-24T18:20:27.743" v="95" actId="6938"/>
-        <pc:sldMasterMkLst>
-          <pc:docMk/>
-          <pc:sldMasterMk cId="1490840365" sldId="2147483672"/>
-        </pc:sldMasterMkLst>
-        <pc:sldLayoutChg chg="new del replId">
-          <pc:chgData name="Venu Yalapala" userId="9feb8bbceceecaca" providerId="LiveId" clId="{282BCC90-DA09-49A0-BCEB-FBBFF0EE3CC4}" dt="2025-05-24T18:20:27.743" v="95" actId="6938"/>
-          <pc:sldLayoutMkLst>
-            <pc:docMk/>
-            <pc:sldMasterMk cId="1490840365" sldId="2147483672"/>
-            <pc:sldLayoutMk cId="33536586" sldId="2147483673"/>
-          </pc:sldLayoutMkLst>
-        </pc:sldLayoutChg>
-        <pc:sldLayoutChg chg="new del replId">
-          <pc:chgData name="Venu Yalapala" userId="9feb8bbceceecaca" providerId="LiveId" clId="{282BCC90-DA09-49A0-BCEB-FBBFF0EE3CC4}" dt="2025-05-24T18:20:27.743" v="95" actId="6938"/>
-          <pc:sldLayoutMkLst>
-            <pc:docMk/>
-            <pc:sldMasterMk cId="1490840365" sldId="2147483672"/>
-            <pc:sldLayoutMk cId="1424343068" sldId="2147483674"/>
-          </pc:sldLayoutMkLst>
-        </pc:sldLayoutChg>
-        <pc:sldLayoutChg chg="new del replId">
-          <pc:chgData name="Venu Yalapala" userId="9feb8bbceceecaca" providerId="LiveId" clId="{282BCC90-DA09-49A0-BCEB-FBBFF0EE3CC4}" dt="2025-05-24T18:20:27.743" v="95" actId="6938"/>
-          <pc:sldLayoutMkLst>
-            <pc:docMk/>
-            <pc:sldMasterMk cId="1490840365" sldId="2147483672"/>
-            <pc:sldLayoutMk cId="2341600738" sldId="2147483675"/>
-          </pc:sldLayoutMkLst>
-        </pc:sldLayoutChg>
-        <pc:sldLayoutChg chg="new del replId">
-          <pc:chgData name="Venu Yalapala" userId="9feb8bbceceecaca" providerId="LiveId" clId="{282BCC90-DA09-49A0-BCEB-FBBFF0EE3CC4}" dt="2025-05-24T18:20:27.743" v="95" actId="6938"/>
-          <pc:sldLayoutMkLst>
-            <pc:docMk/>
-            <pc:sldMasterMk cId="1490840365" sldId="2147483672"/>
-            <pc:sldLayoutMk cId="997227328" sldId="2147483676"/>
-          </pc:sldLayoutMkLst>
-        </pc:sldLayoutChg>
-        <pc:sldLayoutChg chg="new del replId">
-          <pc:chgData name="Venu Yalapala" userId="9feb8bbceceecaca" providerId="LiveId" clId="{282BCC90-DA09-49A0-BCEB-FBBFF0EE3CC4}" dt="2025-05-24T18:20:27.743" v="95" actId="6938"/>
-          <pc:sldLayoutMkLst>
-            <pc:docMk/>
-            <pc:sldMasterMk cId="1490840365" sldId="2147483672"/>
-            <pc:sldLayoutMk cId="3081470762" sldId="2147483677"/>
-          </pc:sldLayoutMkLst>
-        </pc:sldLayoutChg>
-        <pc:sldLayoutChg chg="new del replId">
-          <pc:chgData name="Venu Yalapala" userId="9feb8bbceceecaca" providerId="LiveId" clId="{282BCC90-DA09-49A0-BCEB-FBBFF0EE3CC4}" dt="2025-05-24T18:20:27.743" v="95" actId="6938"/>
-          <pc:sldLayoutMkLst>
-            <pc:docMk/>
-            <pc:sldMasterMk cId="1490840365" sldId="2147483672"/>
-            <pc:sldLayoutMk cId="107860091" sldId="2147483678"/>
-          </pc:sldLayoutMkLst>
-        </pc:sldLayoutChg>
-        <pc:sldLayoutChg chg="new del replId">
-          <pc:chgData name="Venu Yalapala" userId="9feb8bbceceecaca" providerId="LiveId" clId="{282BCC90-DA09-49A0-BCEB-FBBFF0EE3CC4}" dt="2025-05-24T18:20:27.743" v="95" actId="6938"/>
-          <pc:sldLayoutMkLst>
-            <pc:docMk/>
-            <pc:sldMasterMk cId="1490840365" sldId="2147483672"/>
-            <pc:sldLayoutMk cId="3697464328" sldId="2147483679"/>
-          </pc:sldLayoutMkLst>
-        </pc:sldLayoutChg>
-        <pc:sldLayoutChg chg="new del replId">
-          <pc:chgData name="Venu Yalapala" userId="9feb8bbceceecaca" providerId="LiveId" clId="{282BCC90-DA09-49A0-BCEB-FBBFF0EE3CC4}" dt="2025-05-24T18:20:27.743" v="95" actId="6938"/>
-          <pc:sldLayoutMkLst>
-            <pc:docMk/>
-            <pc:sldMasterMk cId="1490840365" sldId="2147483672"/>
-            <pc:sldLayoutMk cId="3965622452" sldId="2147483680"/>
-          </pc:sldLayoutMkLst>
-        </pc:sldLayoutChg>
-        <pc:sldLayoutChg chg="new del replId">
-          <pc:chgData name="Venu Yalapala" userId="9feb8bbceceecaca" providerId="LiveId" clId="{282BCC90-DA09-49A0-BCEB-FBBFF0EE3CC4}" dt="2025-05-24T18:20:27.743" v="95" actId="6938"/>
-          <pc:sldLayoutMkLst>
-            <pc:docMk/>
-            <pc:sldMasterMk cId="1490840365" sldId="2147483672"/>
-            <pc:sldLayoutMk cId="3883155290" sldId="2147483681"/>
-          </pc:sldLayoutMkLst>
-        </pc:sldLayoutChg>
-        <pc:sldLayoutChg chg="new del replId">
-          <pc:chgData name="Venu Yalapala" userId="9feb8bbceceecaca" providerId="LiveId" clId="{282BCC90-DA09-49A0-BCEB-FBBFF0EE3CC4}" dt="2025-05-24T18:20:27.743" v="95" actId="6938"/>
-          <pc:sldLayoutMkLst>
-            <pc:docMk/>
-            <pc:sldMasterMk cId="1490840365" sldId="2147483672"/>
-            <pc:sldLayoutMk cId="20985350" sldId="2147483682"/>
-          </pc:sldLayoutMkLst>
-        </pc:sldLayoutChg>
-        <pc:sldLayoutChg chg="new del replId">
-          <pc:chgData name="Venu Yalapala" userId="9feb8bbceceecaca" providerId="LiveId" clId="{282BCC90-DA09-49A0-BCEB-FBBFF0EE3CC4}" dt="2025-05-24T18:20:27.743" v="95" actId="6938"/>
-          <pc:sldLayoutMkLst>
-            <pc:docMk/>
-            <pc:sldMasterMk cId="1490840365" sldId="2147483672"/>
-            <pc:sldLayoutMk cId="3399298553" sldId="2147483683"/>
-          </pc:sldLayoutMkLst>
-        </pc:sldLayoutChg>
-      </pc:sldMasterChg>
-      <pc:sldMasterChg chg="new del mod addSldLayout delSldLayout">
-        <pc:chgData name="Venu Yalapala" userId="9feb8bbceceecaca" providerId="LiveId" clId="{282BCC90-DA09-49A0-BCEB-FBBFF0EE3CC4}" dt="2025-05-24T18:20:19.603" v="93" actId="6938"/>
-        <pc:sldMasterMkLst>
-          <pc:docMk/>
-          <pc:sldMasterMk cId="2290366351" sldId="2147483672"/>
-        </pc:sldMasterMkLst>
-        <pc:sldLayoutChg chg="new del replId">
-          <pc:chgData name="Venu Yalapala" userId="9feb8bbceceecaca" providerId="LiveId" clId="{282BCC90-DA09-49A0-BCEB-FBBFF0EE3CC4}" dt="2025-05-24T18:20:19.603" v="93" actId="6938"/>
-          <pc:sldLayoutMkLst>
-            <pc:docMk/>
-            <pc:sldMasterMk cId="2290366351" sldId="2147483672"/>
-            <pc:sldLayoutMk cId="592935314" sldId="2147483673"/>
-          </pc:sldLayoutMkLst>
-        </pc:sldLayoutChg>
-        <pc:sldLayoutChg chg="new del replId">
-          <pc:chgData name="Venu Yalapala" userId="9feb8bbceceecaca" providerId="LiveId" clId="{282BCC90-DA09-49A0-BCEB-FBBFF0EE3CC4}" dt="2025-05-24T18:20:19.603" v="93" actId="6938"/>
-          <pc:sldLayoutMkLst>
-            <pc:docMk/>
-            <pc:sldMasterMk cId="2290366351" sldId="2147483672"/>
-            <pc:sldLayoutMk cId="1198058091" sldId="2147483674"/>
-          </pc:sldLayoutMkLst>
-        </pc:sldLayoutChg>
-        <pc:sldLayoutChg chg="new del replId">
-          <pc:chgData name="Venu Yalapala" userId="9feb8bbceceecaca" providerId="LiveId" clId="{282BCC90-DA09-49A0-BCEB-FBBFF0EE3CC4}" dt="2025-05-24T18:20:19.603" v="93" actId="6938"/>
-          <pc:sldLayoutMkLst>
-            <pc:docMk/>
-            <pc:sldMasterMk cId="2290366351" sldId="2147483672"/>
-            <pc:sldLayoutMk cId="1173148016" sldId="2147483675"/>
-          </pc:sldLayoutMkLst>
-        </pc:sldLayoutChg>
-        <pc:sldLayoutChg chg="new del replId">
-          <pc:chgData name="Venu Yalapala" userId="9feb8bbceceecaca" providerId="LiveId" clId="{282BCC90-DA09-49A0-BCEB-FBBFF0EE3CC4}" dt="2025-05-24T18:20:19.603" v="93" actId="6938"/>
-          <pc:sldLayoutMkLst>
-            <pc:docMk/>
-            <pc:sldMasterMk cId="2290366351" sldId="2147483672"/>
-            <pc:sldLayoutMk cId="1187333672" sldId="2147483676"/>
-          </pc:sldLayoutMkLst>
-        </pc:sldLayoutChg>
-        <pc:sldLayoutChg chg="new del replId">
-          <pc:chgData name="Venu Yalapala" userId="9feb8bbceceecaca" providerId="LiveId" clId="{282BCC90-DA09-49A0-BCEB-FBBFF0EE3CC4}" dt="2025-05-24T18:20:19.603" v="93" actId="6938"/>
-          <pc:sldLayoutMkLst>
-            <pc:docMk/>
-            <pc:sldMasterMk cId="2290366351" sldId="2147483672"/>
-            <pc:sldLayoutMk cId="3240622179" sldId="2147483677"/>
-          </pc:sldLayoutMkLst>
-        </pc:sldLayoutChg>
-        <pc:sldLayoutChg chg="new del replId">
-          <pc:chgData name="Venu Yalapala" userId="9feb8bbceceecaca" providerId="LiveId" clId="{282BCC90-DA09-49A0-BCEB-FBBFF0EE3CC4}" dt="2025-05-24T18:20:19.603" v="93" actId="6938"/>
-          <pc:sldLayoutMkLst>
-            <pc:docMk/>
-            <pc:sldMasterMk cId="2290366351" sldId="2147483672"/>
-            <pc:sldLayoutMk cId="1875733737" sldId="2147483678"/>
-          </pc:sldLayoutMkLst>
-        </pc:sldLayoutChg>
-        <pc:sldLayoutChg chg="new del replId">
-          <pc:chgData name="Venu Yalapala" userId="9feb8bbceceecaca" providerId="LiveId" clId="{282BCC90-DA09-49A0-BCEB-FBBFF0EE3CC4}" dt="2025-05-24T18:20:19.603" v="93" actId="6938"/>
-          <pc:sldLayoutMkLst>
-            <pc:docMk/>
-            <pc:sldMasterMk cId="2290366351" sldId="2147483672"/>
-            <pc:sldLayoutMk cId="429254961" sldId="2147483679"/>
-          </pc:sldLayoutMkLst>
-        </pc:sldLayoutChg>
-        <pc:sldLayoutChg chg="new del replId">
-          <pc:chgData name="Venu Yalapala" userId="9feb8bbceceecaca" providerId="LiveId" clId="{282BCC90-DA09-49A0-BCEB-FBBFF0EE3CC4}" dt="2025-05-24T18:20:19.603" v="93" actId="6938"/>
-          <pc:sldLayoutMkLst>
-            <pc:docMk/>
-            <pc:sldMasterMk cId="2290366351" sldId="2147483672"/>
-            <pc:sldLayoutMk cId="2215607639" sldId="2147483680"/>
-          </pc:sldLayoutMkLst>
-        </pc:sldLayoutChg>
-        <pc:sldLayoutChg chg="new del replId">
-          <pc:chgData name="Venu Yalapala" userId="9feb8bbceceecaca" providerId="LiveId" clId="{282BCC90-DA09-49A0-BCEB-FBBFF0EE3CC4}" dt="2025-05-24T18:20:19.603" v="93" actId="6938"/>
-          <pc:sldLayoutMkLst>
-            <pc:docMk/>
-            <pc:sldMasterMk cId="2290366351" sldId="2147483672"/>
-            <pc:sldLayoutMk cId="3502415082" sldId="2147483681"/>
-          </pc:sldLayoutMkLst>
-        </pc:sldLayoutChg>
-        <pc:sldLayoutChg chg="new del replId">
-          <pc:chgData name="Venu Yalapala" userId="9feb8bbceceecaca" providerId="LiveId" clId="{282BCC90-DA09-49A0-BCEB-FBBFF0EE3CC4}" dt="2025-05-24T18:20:19.603" v="93" actId="6938"/>
-          <pc:sldLayoutMkLst>
-            <pc:docMk/>
-            <pc:sldMasterMk cId="2290366351" sldId="2147483672"/>
-            <pc:sldLayoutMk cId="2208377938" sldId="2147483682"/>
-          </pc:sldLayoutMkLst>
-        </pc:sldLayoutChg>
-        <pc:sldLayoutChg chg="new del replId">
-          <pc:chgData name="Venu Yalapala" userId="9feb8bbceceecaca" providerId="LiveId" clId="{282BCC90-DA09-49A0-BCEB-FBBFF0EE3CC4}" dt="2025-05-24T18:20:19.603" v="93" actId="6938"/>
-          <pc:sldLayoutMkLst>
-            <pc:docMk/>
-            <pc:sldMasterMk cId="2290366351" sldId="2147483672"/>
-            <pc:sldLayoutMk cId="1723449142" sldId="2147483683"/>
-          </pc:sldLayoutMkLst>
-        </pc:sldLayoutChg>
-      </pc:sldMasterChg>
-    </pc:docChg>
-  </pc:docChgLst>
-</pc:chgInfo>
-</file>
-
 <file path=ppt/handoutMasters/handoutMaster1.xml><?xml version="1.0" encoding="utf-8"?>
 <p:handoutMaster xmlns:a="http://schemas.openxmlformats.org/drawingml/2006/main" xmlns:r="http://schemas.openxmlformats.org/officeDocument/2006/relationships" xmlns:p="http://schemas.openxmlformats.org/presentationml/2006/main">
   <p:cSld>
@@ -745,7 +224,7 @@
           <a:p>
             <a:fld id="{0EEBF99D-A94C-4ACE-ABB7-ED5902A7DBE5}" type="datetimeFigureOut">
               <a:rPr lang="en-IN" smtClean="0"/>
-              <a:t>14-06-2025</a:t>
+              <a:t>20-06-2025</a:t>
             </a:fld>
             <a:endParaRPr lang="en-IN"/>
           </a:p>
@@ -923,7 +402,7 @@
           <a:p>
             <a:fld id="{6EA7C7CE-6F0C-4E71-B520-9461545357C0}" type="datetimeFigureOut">
               <a:rPr lang="en-IN" smtClean="0"/>
-              <a:t>14-06-2025</a:t>
+              <a:t>20-06-2025</a:t>
             </a:fld>
             <a:endParaRPr lang="en-IN"/>
           </a:p>
@@ -1323,7 +802,7 @@
           <a:p>
             <a:fld id="{F1102B08-ED9E-409F-B95F-09CAA1DAF6E0}" type="datetimeFigureOut">
               <a:rPr lang="en-IN" smtClean="0"/>
-              <a:t>14-06-2025</a:t>
+              <a:t>20-06-2025</a:t>
             </a:fld>
             <a:endParaRPr lang="en-IN"/>
           </a:p>
@@ -1580,7 +1059,7 @@
           <a:p>
             <a:fld id="{F1102B08-ED9E-409F-B95F-09CAA1DAF6E0}" type="datetimeFigureOut">
               <a:rPr lang="en-IN" smtClean="0"/>
-              <a:t>14-06-2025</a:t>
+              <a:t>20-06-2025</a:t>
             </a:fld>
             <a:endParaRPr lang="en-IN"/>
           </a:p>
@@ -1750,7 +1229,7 @@
           <a:p>
             <a:fld id="{F1102B08-ED9E-409F-B95F-09CAA1DAF6E0}" type="datetimeFigureOut">
               <a:rPr lang="en-IN" smtClean="0"/>
-              <a:t>14-06-2025</a:t>
+              <a:t>20-06-2025</a:t>
             </a:fld>
             <a:endParaRPr lang="en-IN"/>
           </a:p>
@@ -1930,7 +1409,7 @@
           <a:p>
             <a:fld id="{F1102B08-ED9E-409F-B95F-09CAA1DAF6E0}" type="datetimeFigureOut">
               <a:rPr lang="en-IN" smtClean="0"/>
-              <a:t>14-06-2025</a:t>
+              <a:t>20-06-2025</a:t>
             </a:fld>
             <a:endParaRPr lang="en-IN"/>
           </a:p>
@@ -2132,7 +1611,7 @@
             <a:fld id="{F1102B08-ED9E-409F-B95F-09CAA1DAF6E0}" type="datetimeFigureOut">
               <a:rPr lang="en-IN" b="0" smtClean="0"/>
               <a:pPr/>
-              <a:t>14-06-2025</a:t>
+              <a:t>20-06-2025</a:t>
             </a:fld>
             <a:endParaRPr lang="en-IN" b="0" dirty="0"/>
           </a:p>
@@ -2360,7 +1839,7 @@
           <a:p>
             <a:fld id="{F1102B08-ED9E-409F-B95F-09CAA1DAF6E0}" type="datetimeFigureOut">
               <a:rPr lang="en-IN" smtClean="0"/>
-              <a:t>14-06-2025</a:t>
+              <a:t>20-06-2025</a:t>
             </a:fld>
             <a:endParaRPr lang="en-IN"/>
           </a:p>
@@ -2604,7 +2083,7 @@
           <a:p>
             <a:fld id="{F1102B08-ED9E-409F-B95F-09CAA1DAF6E0}" type="datetimeFigureOut">
               <a:rPr lang="en-IN" smtClean="0"/>
-              <a:t>14-06-2025</a:t>
+              <a:t>20-06-2025</a:t>
             </a:fld>
             <a:endParaRPr lang="en-IN"/>
           </a:p>
@@ -2836,7 +2315,7 @@
           <a:p>
             <a:fld id="{F1102B08-ED9E-409F-B95F-09CAA1DAF6E0}" type="datetimeFigureOut">
               <a:rPr lang="en-IN" smtClean="0"/>
-              <a:t>14-06-2025</a:t>
+              <a:t>20-06-2025</a:t>
             </a:fld>
             <a:endParaRPr lang="en-IN"/>
           </a:p>
@@ -3203,7 +2682,7 @@
           <a:p>
             <a:fld id="{F1102B08-ED9E-409F-B95F-09CAA1DAF6E0}" type="datetimeFigureOut">
               <a:rPr lang="en-IN" smtClean="0"/>
-              <a:t>14-06-2025</a:t>
+              <a:t>20-06-2025</a:t>
             </a:fld>
             <a:endParaRPr lang="en-IN"/>
           </a:p>
@@ -3321,7 +2800,7 @@
           <a:p>
             <a:fld id="{F1102B08-ED9E-409F-B95F-09CAA1DAF6E0}" type="datetimeFigureOut">
               <a:rPr lang="en-IN" smtClean="0"/>
-              <a:t>14-06-2025</a:t>
+              <a:t>20-06-2025</a:t>
             </a:fld>
             <a:endParaRPr lang="en-IN"/>
           </a:p>
@@ -3416,7 +2895,7 @@
           <a:p>
             <a:fld id="{F1102B08-ED9E-409F-B95F-09CAA1DAF6E0}" type="datetimeFigureOut">
               <a:rPr lang="en-IN" smtClean="0"/>
-              <a:t>14-06-2025</a:t>
+              <a:t>20-06-2025</a:t>
             </a:fld>
             <a:endParaRPr lang="en-IN"/>
           </a:p>
@@ -3693,7 +3172,7 @@
           <a:p>
             <a:fld id="{F1102B08-ED9E-409F-B95F-09CAA1DAF6E0}" type="datetimeFigureOut">
               <a:rPr lang="en-IN" smtClean="0"/>
-              <a:t>14-06-2025</a:t>
+              <a:t>20-06-2025</a:t>
             </a:fld>
             <a:endParaRPr lang="en-IN"/>
           </a:p>
@@ -3906,7 +3385,7 @@
           <a:p>
             <a:fld id="{F1102B08-ED9E-409F-B95F-09CAA1DAF6E0}" type="datetimeFigureOut">
               <a:rPr lang="en-IN" smtClean="0"/>
-              <a:t>14-06-2025</a:t>
+              <a:t>20-06-2025</a:t>
             </a:fld>
             <a:endParaRPr lang="en-IN"/>
           </a:p>
@@ -4327,7 +3806,7 @@
         <p:spPr>
           <a:xfrm>
             <a:off x="5215566" y="187890"/>
-            <a:ext cx="4883429" cy="6370975"/>
+            <a:ext cx="4883429" cy="6324808"/>
           </a:xfrm>
           <a:prstGeom prst="rect">
             <a:avLst/>
@@ -4346,11 +3825,50 @@
               </a:lnSpc>
             </a:pPr>
             <a:r>
-              <a:rPr lang="te-IN" sz="1600" dirty="0">
-                <a:latin typeface="Anek Telugu SemiBold" pitchFamily="2" charset="0"/>
-                <a:cs typeface="Anek Telugu SemiBold" pitchFamily="2" charset="0"/>
-              </a:rPr>
-              <a:t>స్తుతి సింహాసనాసీనుడా</a:t>
+              <a:rPr lang="te-IN" sz="1500" dirty="0">
+                <a:latin typeface="Anek Telugu SemiBold" pitchFamily="2" charset="0"/>
+                <a:cs typeface="Anek Telugu SemiBold" pitchFamily="2" charset="0"/>
+              </a:rPr>
+              <a:t>(యేసు) రాజా నీ భవనములో</a:t>
+            </a:r>
+            <a:br>
+              <a:rPr lang="te-IN" sz="1500" dirty="0">
+                <a:latin typeface="Anek Telugu SemiBold" pitchFamily="2" charset="0"/>
+                <a:cs typeface="Anek Telugu SemiBold" pitchFamily="2" charset="0"/>
+              </a:rPr>
+            </a:br>
+            <a:r>
+              <a:rPr lang="te-IN" sz="1500" dirty="0">
+                <a:latin typeface="Anek Telugu SemiBold" pitchFamily="2" charset="0"/>
+                <a:cs typeface="Anek Telugu SemiBold" pitchFamily="2" charset="0"/>
+              </a:rPr>
+              <a:t>రేయి పగలు వేచియుందును (2)</a:t>
+            </a:r>
+            <a:br>
+              <a:rPr lang="te-IN" sz="1500" dirty="0">
+                <a:latin typeface="Anek Telugu SemiBold" pitchFamily="2" charset="0"/>
+                <a:cs typeface="Anek Telugu SemiBold" pitchFamily="2" charset="0"/>
+              </a:rPr>
+            </a:br>
+            <a:r>
+              <a:rPr lang="te-IN" sz="1500" dirty="0">
+                <a:latin typeface="Anek Telugu SemiBold" pitchFamily="2" charset="0"/>
+                <a:cs typeface="Anek Telugu SemiBold" pitchFamily="2" charset="0"/>
+              </a:rPr>
+              <a:t>(నిన్ను) స్తుతించి ఆనందింతును</a:t>
+            </a:r>
+            <a:br>
+              <a:rPr lang="te-IN" sz="1500" dirty="0">
+                <a:latin typeface="Anek Telugu SemiBold" pitchFamily="2" charset="0"/>
+                <a:cs typeface="Anek Telugu SemiBold" pitchFamily="2" charset="0"/>
+              </a:rPr>
+            </a:br>
+            <a:r>
+              <a:rPr lang="te-IN" sz="1500" dirty="0">
+                <a:latin typeface="Anek Telugu SemiBold" pitchFamily="2" charset="0"/>
+                <a:cs typeface="Anek Telugu SemiBold" pitchFamily="2" charset="0"/>
+              </a:rPr>
+              <a:t>చింతలు మరచెదను (2)</a:t>
             </a:r>
           </a:p>
           <a:p>
@@ -4359,13 +3877,10 @@
                 <a:spcPct val="150000"/>
               </a:lnSpc>
             </a:pPr>
-            <a:r>
-              <a:rPr lang="te-IN" sz="1600" dirty="0">
-                <a:latin typeface="Anek Telugu SemiBold" pitchFamily="2" charset="0"/>
-                <a:cs typeface="Anek Telugu SemiBold" pitchFamily="2" charset="0"/>
-              </a:rPr>
-              <a:t>యేసు రాజా దివ్య తేజా (2)</a:t>
-            </a:r>
+            <a:endParaRPr lang="te-IN" sz="1500" dirty="0">
+              <a:latin typeface="Anek Telugu SemiBold" pitchFamily="2" charset="0"/>
+              <a:cs typeface="Anek Telugu SemiBold" pitchFamily="2" charset="0"/>
+            </a:endParaRPr>
           </a:p>
           <a:p>
             <a:pPr>
@@ -4373,10 +3888,78 @@
                 <a:spcPct val="150000"/>
               </a:lnSpc>
             </a:pPr>
-            <a:endParaRPr lang="te-IN" sz="1600" dirty="0">
-              <a:latin typeface="Anek Telugu SemiBold" pitchFamily="2" charset="0"/>
-              <a:cs typeface="Anek Telugu SemiBold" pitchFamily="2" charset="0"/>
-            </a:endParaRPr>
+            <a:r>
+              <a:rPr lang="te-IN" sz="1500" dirty="0">
+                <a:latin typeface="Anek Telugu SemiBold" pitchFamily="2" charset="0"/>
+                <a:cs typeface="Anek Telugu SemiBold" pitchFamily="2" charset="0"/>
+              </a:rPr>
+              <a:t>నా బలమా నా కోట</a:t>
+            </a:r>
+            <a:br>
+              <a:rPr lang="te-IN" sz="1500" dirty="0">
+                <a:latin typeface="Anek Telugu SemiBold" pitchFamily="2" charset="0"/>
+                <a:cs typeface="Anek Telugu SemiBold" pitchFamily="2" charset="0"/>
+              </a:rPr>
+            </a:br>
+            <a:r>
+              <a:rPr lang="te-IN" sz="1500" dirty="0">
+                <a:latin typeface="Anek Telugu SemiBold" pitchFamily="2" charset="0"/>
+                <a:cs typeface="Anek Telugu SemiBold" pitchFamily="2" charset="0"/>
+              </a:rPr>
+              <a:t>ఆరాధన నీకే (2)</a:t>
+            </a:r>
+            <a:br>
+              <a:rPr lang="te-IN" sz="1500" dirty="0">
+                <a:latin typeface="Anek Telugu SemiBold" pitchFamily="2" charset="0"/>
+                <a:cs typeface="Anek Telugu SemiBold" pitchFamily="2" charset="0"/>
+              </a:rPr>
+            </a:br>
+            <a:r>
+              <a:rPr lang="te-IN" sz="1500" dirty="0">
+                <a:latin typeface="Anek Telugu SemiBold" pitchFamily="2" charset="0"/>
+                <a:cs typeface="Anek Telugu SemiBold" pitchFamily="2" charset="0"/>
+              </a:rPr>
+              <a:t>నా దుర్గమా ఆశ్రయమా</a:t>
+            </a:r>
+            <a:br>
+              <a:rPr lang="te-IN" sz="1500" dirty="0">
+                <a:latin typeface="Anek Telugu SemiBold" pitchFamily="2" charset="0"/>
+                <a:cs typeface="Anek Telugu SemiBold" pitchFamily="2" charset="0"/>
+              </a:rPr>
+            </a:br>
+            <a:r>
+              <a:rPr lang="te-IN" sz="1500" dirty="0">
+                <a:latin typeface="Anek Telugu SemiBold" pitchFamily="2" charset="0"/>
+                <a:cs typeface="Anek Telugu SemiBold" pitchFamily="2" charset="0"/>
+              </a:rPr>
+              <a:t>ఆరాధన నీకే (2)</a:t>
+            </a:r>
+            <a:br>
+              <a:rPr lang="te-IN" sz="1500" dirty="0">
+                <a:latin typeface="Anek Telugu SemiBold" pitchFamily="2" charset="0"/>
+                <a:cs typeface="Anek Telugu SemiBold" pitchFamily="2" charset="0"/>
+              </a:rPr>
+            </a:br>
+            <a:r>
+              <a:rPr lang="te-IN" sz="1500" dirty="0">
+                <a:latin typeface="Anek Telugu SemiBold" pitchFamily="2" charset="0"/>
+                <a:cs typeface="Anek Telugu SemiBold" pitchFamily="2" charset="0"/>
+              </a:rPr>
+              <a:t>ఆరాధనా ఆరాధనా</a:t>
+            </a:r>
+            <a:br>
+              <a:rPr lang="te-IN" sz="1500" dirty="0">
+                <a:latin typeface="Anek Telugu SemiBold" pitchFamily="2" charset="0"/>
+                <a:cs typeface="Anek Telugu SemiBold" pitchFamily="2" charset="0"/>
+              </a:rPr>
+            </a:br>
+            <a:r>
+              <a:rPr lang="te-IN" sz="1500" dirty="0">
+                <a:latin typeface="Anek Telugu SemiBold" pitchFamily="2" charset="0"/>
+                <a:cs typeface="Anek Telugu SemiBold" pitchFamily="2" charset="0"/>
+              </a:rPr>
+              <a:t>అబ్బ తండ్రి నీకేనయ్యా</a:t>
+            </a:r>
           </a:p>
           <a:p>
             <a:pPr>
@@ -4384,13 +3967,10 @@
                 <a:spcPct val="150000"/>
               </a:lnSpc>
             </a:pPr>
-            <a:r>
-              <a:rPr lang="te-IN" sz="1600" dirty="0">
-                <a:latin typeface="Anek Telugu SemiBold" pitchFamily="2" charset="0"/>
-                <a:cs typeface="Anek Telugu SemiBold" pitchFamily="2" charset="0"/>
-              </a:rPr>
-              <a:t>అద్వితీయుడవు పరిశుద్ధుడవు</a:t>
-            </a:r>
+            <a:endParaRPr lang="te-IN" sz="1500" dirty="0">
+              <a:latin typeface="Anek Telugu SemiBold" pitchFamily="2" charset="0"/>
+              <a:cs typeface="Anek Telugu SemiBold" pitchFamily="2" charset="0"/>
+            </a:endParaRPr>
           </a:p>
           <a:p>
             <a:pPr>
@@ -4399,173 +3979,76 @@
               </a:lnSpc>
             </a:pPr>
             <a:r>
-              <a:rPr lang="te-IN" sz="1600" dirty="0">
-                <a:latin typeface="Anek Telugu SemiBold" pitchFamily="2" charset="0"/>
-                <a:cs typeface="Anek Telugu SemiBold" pitchFamily="2" charset="0"/>
-              </a:rPr>
-              <a:t>అతి సుందరుడవు నీవే ప్రభూ (2)</a:t>
-            </a:r>
-          </a:p>
-          <a:p>
-            <a:pPr>
-              <a:lnSpc>
-                <a:spcPct val="150000"/>
-              </a:lnSpc>
-            </a:pPr>
-            <a:r>
-              <a:rPr lang="te-IN" sz="1600" dirty="0">
-                <a:latin typeface="Anek Telugu SemiBold" pitchFamily="2" charset="0"/>
-                <a:cs typeface="Anek Telugu SemiBold" pitchFamily="2" charset="0"/>
-              </a:rPr>
-              <a:t>నీతి న్యాయములు నీ సింహాసనాధారం (2)</a:t>
-            </a:r>
-          </a:p>
-          <a:p>
-            <a:pPr>
-              <a:lnSpc>
-                <a:spcPct val="150000"/>
-              </a:lnSpc>
-            </a:pPr>
-            <a:r>
-              <a:rPr lang="te-IN" sz="1600" dirty="0">
-                <a:latin typeface="Anek Telugu SemiBold" pitchFamily="2" charset="0"/>
-                <a:cs typeface="Anek Telugu SemiBold" pitchFamily="2" charset="0"/>
-              </a:rPr>
-              <a:t>కృపా సత్యములు నీ సన్నిధానవర్తులు (2)</a:t>
-            </a:r>
-          </a:p>
-          <a:p>
-            <a:pPr>
-              <a:lnSpc>
-                <a:spcPct val="150000"/>
-              </a:lnSpc>
-            </a:pPr>
-            <a:endParaRPr lang="te-IN" sz="1600" dirty="0">
-              <a:latin typeface="Anek Telugu SemiBold" pitchFamily="2" charset="0"/>
-              <a:cs typeface="Anek Telugu SemiBold" pitchFamily="2" charset="0"/>
-            </a:endParaRPr>
-          </a:p>
-          <a:p>
-            <a:pPr>
-              <a:lnSpc>
-                <a:spcPct val="150000"/>
-              </a:lnSpc>
-            </a:pPr>
-            <a:r>
-              <a:rPr lang="te-IN" sz="1600" dirty="0">
-                <a:latin typeface="Anek Telugu SemiBold" pitchFamily="2" charset="0"/>
-                <a:cs typeface="Anek Telugu SemiBold" pitchFamily="2" charset="0"/>
-              </a:rPr>
-              <a:t>బలియు అర్పణ కోరవు నీవు</a:t>
-            </a:r>
-          </a:p>
-          <a:p>
-            <a:pPr>
-              <a:lnSpc>
-                <a:spcPct val="150000"/>
-              </a:lnSpc>
-            </a:pPr>
-            <a:r>
-              <a:rPr lang="te-IN" sz="1600" dirty="0">
-                <a:latin typeface="Anek Telugu SemiBold" pitchFamily="2" charset="0"/>
-                <a:cs typeface="Anek Telugu SemiBold" pitchFamily="2" charset="0"/>
-              </a:rPr>
-              <a:t>బలియైతివి నా దోషముకై (2)</a:t>
-            </a:r>
-          </a:p>
-          <a:p>
-            <a:pPr>
-              <a:lnSpc>
-                <a:spcPct val="150000"/>
-              </a:lnSpc>
-            </a:pPr>
-            <a:r>
-              <a:rPr lang="te-IN" sz="1600" dirty="0">
-                <a:latin typeface="Anek Telugu SemiBold" pitchFamily="2" charset="0"/>
-                <a:cs typeface="Anek Telugu SemiBold" pitchFamily="2" charset="0"/>
-              </a:rPr>
-              <a:t>నా హృదయమే నీ ప్రియమగు ఆలయం (2)</a:t>
-            </a:r>
-          </a:p>
-          <a:p>
-            <a:pPr>
-              <a:lnSpc>
-                <a:spcPct val="150000"/>
-              </a:lnSpc>
-            </a:pPr>
-            <a:r>
-              <a:rPr lang="te-IN" sz="1600" dirty="0">
-                <a:latin typeface="Anek Telugu SemiBold" pitchFamily="2" charset="0"/>
-                <a:cs typeface="Anek Telugu SemiBold" pitchFamily="2" charset="0"/>
-              </a:rPr>
-              <a:t>స్తుతియాగమునే చేసెద నిరతం (2)</a:t>
-            </a:r>
-          </a:p>
-          <a:p>
-            <a:pPr>
-              <a:lnSpc>
-                <a:spcPct val="150000"/>
-              </a:lnSpc>
-            </a:pPr>
-            <a:endParaRPr lang="te-IN" sz="1600" dirty="0">
-              <a:latin typeface="Anek Telugu SemiBold" pitchFamily="2" charset="0"/>
-              <a:cs typeface="Anek Telugu SemiBold" pitchFamily="2" charset="0"/>
-            </a:endParaRPr>
-          </a:p>
-          <a:p>
-            <a:pPr>
-              <a:lnSpc>
-                <a:spcPct val="150000"/>
-              </a:lnSpc>
-            </a:pPr>
-            <a:r>
-              <a:rPr lang="te-IN" sz="1600" dirty="0">
-                <a:latin typeface="Anek Telugu SemiBold" pitchFamily="2" charset="0"/>
-                <a:cs typeface="Anek Telugu SemiBold" pitchFamily="2" charset="0"/>
-              </a:rPr>
-              <a:t>బూరధ్వనులే నింగిలో మ్రోగగా</a:t>
-            </a:r>
-          </a:p>
-          <a:p>
-            <a:pPr>
-              <a:lnSpc>
-                <a:spcPct val="150000"/>
-              </a:lnSpc>
-            </a:pPr>
-            <a:r>
-              <a:rPr lang="te-IN" sz="1600" dirty="0">
-                <a:latin typeface="Anek Telugu SemiBold" pitchFamily="2" charset="0"/>
-                <a:cs typeface="Anek Telugu SemiBold" pitchFamily="2" charset="0"/>
-              </a:rPr>
-              <a:t>రాజధిరాజ నీవే వచ్చువేళ (2)</a:t>
-            </a:r>
-          </a:p>
-          <a:p>
-            <a:pPr>
-              <a:lnSpc>
-                <a:spcPct val="150000"/>
-              </a:lnSpc>
-            </a:pPr>
-            <a:r>
-              <a:rPr lang="te-IN" sz="1600" dirty="0">
-                <a:latin typeface="Anek Telugu SemiBold" pitchFamily="2" charset="0"/>
-                <a:cs typeface="Anek Telugu SemiBold" pitchFamily="2" charset="0"/>
-              </a:rPr>
-              <a:t>సంసిద్ధతతో వెలిగే సిద్దెతో (2)</a:t>
-            </a:r>
-          </a:p>
-          <a:p>
-            <a:pPr>
-              <a:lnSpc>
-                <a:spcPct val="150000"/>
-              </a:lnSpc>
-            </a:pPr>
-            <a:r>
-              <a:rPr lang="te-IN" sz="1600" dirty="0">
-                <a:latin typeface="Anek Telugu SemiBold" pitchFamily="2" charset="0"/>
-                <a:cs typeface="Anek Telugu SemiBold" pitchFamily="2" charset="0"/>
-              </a:rPr>
-              <a:t>పెండ్లి కుమరుడా నిన్నెదుర్కొందును (2)</a:t>
+              <a:rPr lang="te-IN" sz="1500" dirty="0">
+                <a:latin typeface="Anek Telugu SemiBold" pitchFamily="2" charset="0"/>
+                <a:cs typeface="Anek Telugu SemiBold" pitchFamily="2" charset="0"/>
+              </a:rPr>
+              <a:t>అంతట నివసించు యెహోవా ఎలోహిం</a:t>
+            </a:r>
+            <a:br>
+              <a:rPr lang="te-IN" sz="1500" dirty="0">
+                <a:latin typeface="Anek Telugu SemiBold" pitchFamily="2" charset="0"/>
+                <a:cs typeface="Anek Telugu SemiBold" pitchFamily="2" charset="0"/>
+              </a:rPr>
+            </a:br>
+            <a:r>
+              <a:rPr lang="te-IN" sz="1500" dirty="0">
+                <a:latin typeface="Anek Telugu SemiBold" pitchFamily="2" charset="0"/>
+                <a:cs typeface="Anek Telugu SemiBold" pitchFamily="2" charset="0"/>
+              </a:rPr>
+              <a:t>ఆరాధన నీకే (2)</a:t>
+            </a:r>
+            <a:br>
+              <a:rPr lang="te-IN" sz="1500" dirty="0">
+                <a:latin typeface="Anek Telugu SemiBold" pitchFamily="2" charset="0"/>
+                <a:cs typeface="Anek Telugu SemiBold" pitchFamily="2" charset="0"/>
+              </a:rPr>
+            </a:br>
+            <a:r>
+              <a:rPr lang="te-IN" sz="1500" dirty="0">
+                <a:latin typeface="Anek Telugu SemiBold" pitchFamily="2" charset="0"/>
+                <a:cs typeface="Anek Telugu SemiBold" pitchFamily="2" charset="0"/>
+              </a:rPr>
+              <a:t>మా యొక్క నీతి యెహోవా సిద్కేను</a:t>
+            </a:r>
+            <a:br>
+              <a:rPr lang="te-IN" sz="1500" dirty="0">
+                <a:latin typeface="Anek Telugu SemiBold" pitchFamily="2" charset="0"/>
+                <a:cs typeface="Anek Telugu SemiBold" pitchFamily="2" charset="0"/>
+              </a:rPr>
+            </a:br>
+            <a:r>
+              <a:rPr lang="te-IN" sz="1500" dirty="0">
+                <a:latin typeface="Anek Telugu SemiBold" pitchFamily="2" charset="0"/>
+                <a:cs typeface="Anek Telugu SemiBold" pitchFamily="2" charset="0"/>
+              </a:rPr>
+              <a:t>ఆరాధన నీకే (2)</a:t>
+            </a:r>
+            <a:br>
+              <a:rPr lang="te-IN" sz="1500" dirty="0">
+                <a:latin typeface="Anek Telugu SemiBold" pitchFamily="2" charset="0"/>
+                <a:cs typeface="Anek Telugu SemiBold" pitchFamily="2" charset="0"/>
+              </a:rPr>
+            </a:br>
+            <a:r>
+              <a:rPr lang="te-IN" sz="1500" dirty="0">
+                <a:latin typeface="Anek Telugu SemiBold" pitchFamily="2" charset="0"/>
+                <a:cs typeface="Anek Telugu SemiBold" pitchFamily="2" charset="0"/>
+              </a:rPr>
+              <a:t>ఆరాధనా ఆరాధనా</a:t>
+            </a:r>
+            <a:br>
+              <a:rPr lang="te-IN" sz="1500" dirty="0">
+                <a:latin typeface="Anek Telugu SemiBold" pitchFamily="2" charset="0"/>
+                <a:cs typeface="Anek Telugu SemiBold" pitchFamily="2" charset="0"/>
+              </a:rPr>
+            </a:br>
+            <a:r>
+              <a:rPr lang="te-IN" sz="1500" dirty="0">
+                <a:latin typeface="Anek Telugu SemiBold" pitchFamily="2" charset="0"/>
+                <a:cs typeface="Anek Telugu SemiBold" pitchFamily="2" charset="0"/>
+              </a:rPr>
+              <a:t>అబ్బ తండ్రి నీకేనయ్యా</a:t>
             </a:r>
           </a:p>
         </p:txBody>
@@ -4585,7 +4068,7 @@
         <p:spPr>
           <a:xfrm>
             <a:off x="417883" y="373287"/>
-            <a:ext cx="4544669" cy="5632311"/>
+            <a:ext cx="4544669" cy="4593565"/>
           </a:xfrm>
           <a:prstGeom prst="rect">
             <a:avLst/>
@@ -4608,7 +4091,7 @@
                 <a:latin typeface="Anek Telugu SemiBold" pitchFamily="2" charset="0"/>
                 <a:cs typeface="Anek Telugu SemiBold" pitchFamily="2" charset="0"/>
               </a:rPr>
-              <a:t>నేనెల్లప్పుడు యెహోవాను సన్నుతించెదన్‌</a:t>
+              <a:t>నీవు చేసిన మేళ్లకు</a:t>
             </a:r>
           </a:p>
           <a:p>
@@ -4622,7 +4105,7 @@
                 <a:latin typeface="Anek Telugu SemiBold" pitchFamily="2" charset="0"/>
                 <a:cs typeface="Anek Telugu SemiBold" pitchFamily="2" charset="0"/>
               </a:rPr>
-              <a:t>నిత్యము ఆయన కీర్తి నా నోట నుండున్‌ - (2)</a:t>
+              <a:t>నీవు చూపిన కృపలకు (2)</a:t>
             </a:r>
           </a:p>
           <a:p>
@@ -4636,49 +4119,7 @@
                 <a:latin typeface="Anek Telugu SemiBold" pitchFamily="2" charset="0"/>
                 <a:cs typeface="Anek Telugu SemiBold" pitchFamily="2" charset="0"/>
               </a:rPr>
-              <a:t>అంతా నా మేలుకే - ఆరాధనా యేసుకే</a:t>
-            </a:r>
-          </a:p>
-          <a:p>
-            <a:pPr>
-              <a:lnSpc>
-                <a:spcPct val="150000"/>
-              </a:lnSpc>
-            </a:pPr>
-            <a:r>
-              <a:rPr lang="te-IN" sz="1500" b="1" dirty="0">
-                <a:latin typeface="Anek Telugu SemiBold" pitchFamily="2" charset="0"/>
-                <a:cs typeface="Anek Telugu SemiBold" pitchFamily="2" charset="0"/>
-              </a:rPr>
-              <a:t>అంతా నా మంచికే - తన చిత్తమునకు తల వంచితే-(2)</a:t>
-            </a:r>
-          </a:p>
-          <a:p>
-            <a:pPr>
-              <a:lnSpc>
-                <a:spcPct val="150000"/>
-              </a:lnSpc>
-            </a:pPr>
-            <a:r>
-              <a:rPr lang="te-IN" sz="1500" b="1" dirty="0">
-                <a:latin typeface="Anek Telugu SemiBold" pitchFamily="2" charset="0"/>
-                <a:cs typeface="Anek Telugu SemiBold" pitchFamily="2" charset="0"/>
-              </a:rPr>
-              <a:t>అరాధన ఆపను - స్తుతియించుట మానను - (2)</a:t>
-            </a:r>
-          </a:p>
-          <a:p>
-            <a:pPr>
-              <a:lnSpc>
-                <a:spcPct val="150000"/>
-              </a:lnSpc>
-            </a:pPr>
-            <a:r>
-              <a:rPr lang="te-IN" sz="1500" b="1" dirty="0">
-                <a:latin typeface="Anek Telugu SemiBold" pitchFamily="2" charset="0"/>
-                <a:cs typeface="Anek Telugu SemiBold" pitchFamily="2" charset="0"/>
-              </a:rPr>
-              <a:t>స్తుతియించుట మానను</a:t>
+              <a:t>వందనం యేసయ్యా (4)</a:t>
             </a:r>
           </a:p>
           <a:p>
@@ -4703,7 +4144,7 @@
                 <a:latin typeface="Anek Telugu SemiBold" pitchFamily="2" charset="0"/>
                 <a:cs typeface="Anek Telugu SemiBold" pitchFamily="2" charset="0"/>
               </a:rPr>
-              <a:t>1. కన్నీల్లే పానములైన - కఠిన దుఃఖ బాధలైన</a:t>
+              <a:t>ఏపాటివాడనని నేను</a:t>
             </a:r>
           </a:p>
           <a:p>
@@ -4717,7 +4158,7 @@
                 <a:latin typeface="Anek Telugu SemiBold" pitchFamily="2" charset="0"/>
                 <a:cs typeface="Anek Telugu SemiBold" pitchFamily="2" charset="0"/>
               </a:rPr>
-              <a:t>స్థితిగతులే మారిన - అవకాశం చేజారిన</a:t>
+              <a:t>నన్నెంతగానో ప్రేమించావు</a:t>
             </a:r>
           </a:p>
           <a:p>
@@ -4731,7 +4172,7 @@
                 <a:latin typeface="Anek Telugu SemiBold" pitchFamily="2" charset="0"/>
                 <a:cs typeface="Anek Telugu SemiBold" pitchFamily="2" charset="0"/>
               </a:rPr>
-              <a:t>మారదు యేసు ప్రేమ - నిత్యుడైన తండ్రి ప్రేమ - (2)</a:t>
+              <a:t>అంచెలంచెలుగా హెచ్చించి</a:t>
             </a:r>
           </a:p>
           <a:p>
@@ -4745,7 +4186,7 @@
                 <a:latin typeface="Anek Telugu SemiBold" pitchFamily="2" charset="0"/>
                 <a:cs typeface="Anek Telugu SemiBold" pitchFamily="2" charset="0"/>
               </a:rPr>
-              <a:t>మారదు యేసు ప్రేమ - నిత్యుడైన తండ్రి ప్రేమ - (2)</a:t>
+              <a:t>నన్నెంతగానో దీవించావు (2)</a:t>
             </a:r>
           </a:p>
           <a:p>
@@ -4770,7 +4211,7 @@
                 <a:latin typeface="Anek Telugu SemiBold" pitchFamily="2" charset="0"/>
                 <a:cs typeface="Anek Telugu SemiBold" pitchFamily="2" charset="0"/>
               </a:rPr>
-              <a:t>2. ఆస్తులన్ని కోల్పొయిన - కన్నవారే కునుమరుగైన</a:t>
+              <a:t>బలహీనుడనైన నన్ను</a:t>
             </a:r>
           </a:p>
           <a:p>
@@ -4784,7 +4225,7 @@
                 <a:latin typeface="Anek Telugu SemiBold" pitchFamily="2" charset="0"/>
                 <a:cs typeface="Anek Telugu SemiBold" pitchFamily="2" charset="0"/>
               </a:rPr>
-              <a:t>ఊపిరి బరువైన - గుండెలే పగిలినా</a:t>
+              <a:t>నీవెంతగానో బలపరచావు</a:t>
             </a:r>
           </a:p>
           <a:p>
@@ -4798,7 +4239,7 @@
                 <a:latin typeface="Anek Telugu SemiBold" pitchFamily="2" charset="0"/>
                 <a:cs typeface="Anek Telugu SemiBold" pitchFamily="2" charset="0"/>
               </a:rPr>
-              <a:t>యెహోవా యిచ్చెను - యెహోవా తీసికొనెను - (2)</a:t>
+              <a:t>క్రీస్తేసు మహిమైశ్వర్యములో</a:t>
             </a:r>
           </a:p>
           <a:p>
@@ -4812,7 +4253,7 @@
                 <a:latin typeface="Anek Telugu SemiBold" pitchFamily="2" charset="0"/>
                 <a:cs typeface="Anek Telugu SemiBold" pitchFamily="2" charset="0"/>
               </a:rPr>
-              <a:t>ఆయన నామమునకే - స్తుతి కలుగు గాక - (2)</a:t>
+              <a:t>ప్రతి అవసరమును తీర్చావు (2)</a:t>
             </a:r>
           </a:p>
         </p:txBody>
@@ -5009,7 +4450,7 @@
                 <a:latin typeface="Anek Telugu SemiBold" pitchFamily="2" charset="0"/>
                 <a:cs typeface="Anek Telugu SemiBold" pitchFamily="2" charset="0"/>
               </a:rPr>
-              <a:t>అపారమైనది నీ కృప  </a:t>
+              <a:t>ఎన్ని తలచినా ఏది అడిగినా</a:t>
             </a:r>
           </a:p>
           <a:p>
@@ -5023,7 +4464,7 @@
                 <a:latin typeface="Anek Telugu SemiBold" pitchFamily="2" charset="0"/>
                 <a:cs typeface="Anek Telugu SemiBold" pitchFamily="2" charset="0"/>
               </a:rPr>
-              <a:t>అమూల్యమైనది నీ కృప</a:t>
+              <a:t>జరిగేది నీ చిత్తమే (2) ప్రభువా</a:t>
             </a:r>
           </a:p>
           <a:p>
@@ -5037,7 +4478,7 @@
                 <a:latin typeface="Anek Telugu SemiBold" pitchFamily="2" charset="0"/>
                 <a:cs typeface="Anek Telugu SemiBold" pitchFamily="2" charset="0"/>
               </a:rPr>
-              <a:t>జీవము కంటె ఉత్తమమైనది  </a:t>
+              <a:t>నీ వాక్కుకై వేచియుంటిని</a:t>
             </a:r>
           </a:p>
           <a:p>
@@ -5051,21 +4492,7 @@
                 <a:latin typeface="Anek Telugu SemiBold" pitchFamily="2" charset="0"/>
                 <a:cs typeface="Anek Telugu SemiBold" pitchFamily="2" charset="0"/>
               </a:rPr>
-              <a:t>పర్వత శిఖరము కన్న ఎతైనది</a:t>
-            </a:r>
-          </a:p>
-          <a:p>
-            <a:pPr>
-              <a:lnSpc>
-                <a:spcPct val="150000"/>
-              </a:lnSpc>
-            </a:pPr>
-            <a:r>
-              <a:rPr lang="te-IN" sz="1400" dirty="0">
-                <a:latin typeface="Anek Telugu SemiBold" pitchFamily="2" charset="0"/>
-                <a:cs typeface="Anek Telugu SemiBold" pitchFamily="2" charset="0"/>
-              </a:rPr>
-              <a:t>కృప కృప కృప కృప నీకృప   ॥2॥</a:t>
+              <a:t>నా ప్రార్థన ఆలకించుమా (2) ప్రభువా</a:t>
             </a:r>
           </a:p>
           <a:p>
@@ -5090,7 +4517,7 @@
                 <a:latin typeface="Anek Telugu SemiBold" pitchFamily="2" charset="0"/>
                 <a:cs typeface="Anek Telugu SemiBold" pitchFamily="2" charset="0"/>
               </a:rPr>
-              <a:t>పాప దాస్యములో చిక్కబడి యుండగా </a:t>
+              <a:t>నీ తోడు లేక నీ ప్రేమ లేక</a:t>
             </a:r>
           </a:p>
           <a:p>
@@ -5104,7 +4531,7 @@
                 <a:latin typeface="Anek Telugu SemiBold" pitchFamily="2" charset="0"/>
                 <a:cs typeface="Anek Telugu SemiBold" pitchFamily="2" charset="0"/>
               </a:rPr>
-              <a:t>నను రక్షించెను నీకృప</a:t>
+              <a:t>ఇలలోన ఏ ప్రాణి నిలువలేదు (2)</a:t>
             </a:r>
           </a:p>
           <a:p>
@@ -5118,7 +4545,7 @@
                 <a:latin typeface="Anek Telugu SemiBold" pitchFamily="2" charset="0"/>
                 <a:cs typeface="Anek Telugu SemiBold" pitchFamily="2" charset="0"/>
               </a:rPr>
-              <a:t>రోగబలహీనతందునే కృంగి యుండగా</a:t>
+              <a:t>అడవి పూవులే నీ ప్రేమ పొందగా (2)</a:t>
             </a:r>
           </a:p>
           <a:p>
@@ -5132,35 +4559,7 @@
                 <a:latin typeface="Anek Telugu SemiBold" pitchFamily="2" charset="0"/>
                 <a:cs typeface="Anek Telugu SemiBold" pitchFamily="2" charset="0"/>
               </a:rPr>
-              <a:t> నను స్వస్థపరచును నీకృప</a:t>
-            </a:r>
-          </a:p>
-          <a:p>
-            <a:pPr>
-              <a:lnSpc>
-                <a:spcPct val="150000"/>
-              </a:lnSpc>
-            </a:pPr>
-            <a:r>
-              <a:rPr lang="te-IN" sz="1400" dirty="0">
-                <a:latin typeface="Anek Telugu SemiBold" pitchFamily="2" charset="0"/>
-                <a:cs typeface="Anek Telugu SemiBold" pitchFamily="2" charset="0"/>
-              </a:rPr>
-              <a:t>మారా వంటి జీవితం </a:t>
-            </a:r>
-          </a:p>
-          <a:p>
-            <a:pPr>
-              <a:lnSpc>
-                <a:spcPct val="150000"/>
-              </a:lnSpc>
-            </a:pPr>
-            <a:r>
-              <a:rPr lang="te-IN" sz="1400" dirty="0">
-                <a:latin typeface="Anek Telugu SemiBold" pitchFamily="2" charset="0"/>
-                <a:cs typeface="Anek Telugu SemiBold" pitchFamily="2" charset="0"/>
-              </a:rPr>
-              <a:t>మధురముగా మార్చెను నీ కృప</a:t>
+              <a:t>నా ప్రార్థన ఆలకించుమా (2) ప్రభువా      ||ఎన్ని||</a:t>
             </a:r>
           </a:p>
           <a:p>
@@ -5185,7 +4584,7 @@
                 <a:latin typeface="Anek Telugu SemiBold" pitchFamily="2" charset="0"/>
                 <a:cs typeface="Anek Telugu SemiBold" pitchFamily="2" charset="0"/>
               </a:rPr>
-              <a:t>నా హీన స్థితిలో పడిపోయి ఉండగా</a:t>
+              <a:t>నా ఇంటి దీపం నీవే అని తెలసి</a:t>
             </a:r>
           </a:p>
           <a:p>
@@ -5199,7 +4598,7 @@
                 <a:latin typeface="Anek Telugu SemiBold" pitchFamily="2" charset="0"/>
                 <a:cs typeface="Anek Telugu SemiBold" pitchFamily="2" charset="0"/>
               </a:rPr>
-              <a:t> నను లేవనెత్తేను నీ కృప</a:t>
+              <a:t>నా హృదయం నీ కొరకై పదిలపరచితి (2)</a:t>
             </a:r>
           </a:p>
           <a:p>
@@ -5213,7 +4612,7 @@
                 <a:latin typeface="Anek Telugu SemiBold" pitchFamily="2" charset="0"/>
                 <a:cs typeface="Anek Telugu SemiBold" pitchFamily="2" charset="0"/>
               </a:rPr>
-              <a:t>ఆదరించు వారు లేక అలసియున్న నన్ను </a:t>
+              <a:t>ఆరిపోయిన నా వెలుగు దీపము (2)</a:t>
             </a:r>
           </a:p>
           <a:p>
@@ -5227,7 +4626,7 @@
                 <a:latin typeface="Anek Telugu SemiBold" pitchFamily="2" charset="0"/>
                 <a:cs typeface="Anek Telugu SemiBold" pitchFamily="2" charset="0"/>
               </a:rPr>
-              <a:t>ఆదరించెను నీ కృప</a:t>
+              <a:t>వెలిగించుము నీ ప్రేమతో (2) ప్రభువా      ||ఎన్ని||</a:t>
             </a:r>
           </a:p>
           <a:p>
@@ -5236,13 +4635,10 @@
                 <a:spcPct val="150000"/>
               </a:lnSpc>
             </a:pPr>
-            <a:r>
-              <a:rPr lang="te-IN" sz="1400" dirty="0">
-                <a:latin typeface="Anek Telugu SemiBold" pitchFamily="2" charset="0"/>
-                <a:cs typeface="Anek Telugu SemiBold" pitchFamily="2" charset="0"/>
-              </a:rPr>
-              <a:t>మోడైన నా జీవితం </a:t>
-            </a:r>
+            <a:endParaRPr lang="te-IN" sz="1400" dirty="0">
+              <a:latin typeface="Anek Telugu SemiBold" pitchFamily="2" charset="0"/>
+              <a:cs typeface="Anek Telugu SemiBold" pitchFamily="2" charset="0"/>
+            </a:endParaRPr>
           </a:p>
           <a:p>
             <a:pPr>
@@ -5255,7 +4651,49 @@
                 <a:latin typeface="Anek Telugu SemiBold" pitchFamily="2" charset="0"/>
                 <a:cs typeface="Anek Telugu SemiBold" pitchFamily="2" charset="0"/>
               </a:rPr>
-              <a:t>చిగురింపజేసెను నీ కృప </a:t>
+              <a:t>ఆపదలు నన్ను వెన్నంటియున్నా</a:t>
+            </a:r>
+          </a:p>
+          <a:p>
+            <a:pPr>
+              <a:lnSpc>
+                <a:spcPct val="150000"/>
+              </a:lnSpc>
+            </a:pPr>
+            <a:r>
+              <a:rPr lang="te-IN" sz="1400" dirty="0">
+                <a:latin typeface="Anek Telugu SemiBold" pitchFamily="2" charset="0"/>
+                <a:cs typeface="Anek Telugu SemiBold" pitchFamily="2" charset="0"/>
+              </a:rPr>
+              <a:t>నా కాపరి నీవై నన్నాదుకొంటివి (2)</a:t>
+            </a:r>
+          </a:p>
+          <a:p>
+            <a:pPr>
+              <a:lnSpc>
+                <a:spcPct val="150000"/>
+              </a:lnSpc>
+            </a:pPr>
+            <a:r>
+              <a:rPr lang="te-IN" sz="1400" dirty="0">
+                <a:latin typeface="Anek Telugu SemiBold" pitchFamily="2" charset="0"/>
+                <a:cs typeface="Anek Telugu SemiBold" pitchFamily="2" charset="0"/>
+              </a:rPr>
+              <a:t>లోకమంతయూ నన్ను విడచినా (2)</a:t>
+            </a:r>
+          </a:p>
+          <a:p>
+            <a:pPr>
+              <a:lnSpc>
+                <a:spcPct val="150000"/>
+              </a:lnSpc>
+            </a:pPr>
+            <a:r>
+              <a:rPr lang="te-IN" sz="1400" dirty="0">
+                <a:latin typeface="Anek Telugu SemiBold" pitchFamily="2" charset="0"/>
+                <a:cs typeface="Anek Telugu SemiBold" pitchFamily="2" charset="0"/>
+              </a:rPr>
+              <a:t>నీ నుండి వేరు చెయ్యవు (2) ప్రభువా ||ఎన్ని||</a:t>
             </a:r>
           </a:p>
         </p:txBody>
@@ -5336,8 +4774,8 @@
         </p:nvSpPr>
         <p:spPr>
           <a:xfrm>
-            <a:off x="5239929" y="296761"/>
-            <a:ext cx="4749801" cy="6001643"/>
+            <a:off x="5188653" y="211301"/>
+            <a:ext cx="4749801" cy="6370975"/>
           </a:xfrm>
           <a:prstGeom prst="rect">
             <a:avLst/>
@@ -5360,59 +4798,7 @@
                 <a:latin typeface="Anek Telugu SemiBold" pitchFamily="2" charset="0"/>
                 <a:cs typeface="Anek Telugu SemiBold" pitchFamily="2" charset="0"/>
               </a:rPr>
-              <a:t>దేవా నా దేవా – నీవే నా కాపరి</a:t>
-            </a:r>
-            <a:br>
-              <a:rPr lang="te-IN" sz="1600" b="1" dirty="0">
-                <a:latin typeface="Anek Telugu SemiBold" pitchFamily="2" charset="0"/>
-                <a:cs typeface="Anek Telugu SemiBold" pitchFamily="2" charset="0"/>
-              </a:rPr>
-            </a:br>
-            <a:r>
-              <a:rPr lang="te-IN" sz="1600" b="1" dirty="0">
-                <a:latin typeface="Anek Telugu SemiBold" pitchFamily="2" charset="0"/>
-                <a:cs typeface="Anek Telugu SemiBold" pitchFamily="2" charset="0"/>
-              </a:rPr>
-              <a:t>నీ ప్రేమ నీ క్షమా – ఎంతో గొప్పది (2)</a:t>
-            </a:r>
-            <a:br>
-              <a:rPr lang="te-IN" sz="1600" b="1" dirty="0">
-                <a:latin typeface="Anek Telugu SemiBold" pitchFamily="2" charset="0"/>
-                <a:cs typeface="Anek Telugu SemiBold" pitchFamily="2" charset="0"/>
-              </a:rPr>
-            </a:br>
-            <a:r>
-              <a:rPr lang="te-IN" sz="1600" b="1" dirty="0">
-                <a:latin typeface="Anek Telugu SemiBold" pitchFamily="2" charset="0"/>
-                <a:cs typeface="Anek Telugu SemiBold" pitchFamily="2" charset="0"/>
-              </a:rPr>
-              <a:t>ఆరాధింతును హృదయాంతరంగములో</a:t>
-            </a:r>
-            <a:br>
-              <a:rPr lang="te-IN" sz="1600" b="1" dirty="0">
-                <a:latin typeface="Anek Telugu SemiBold" pitchFamily="2" charset="0"/>
-                <a:cs typeface="Anek Telugu SemiBold" pitchFamily="2" charset="0"/>
-              </a:rPr>
-            </a:br>
-            <a:r>
-              <a:rPr lang="te-IN" sz="1600" b="1" dirty="0">
-                <a:latin typeface="Anek Telugu SemiBold" pitchFamily="2" charset="0"/>
-                <a:cs typeface="Anek Telugu SemiBold" pitchFamily="2" charset="0"/>
-              </a:rPr>
-              <a:t>స్తుతించెదను నీ పాద సన్నిధిలో (2)</a:t>
-            </a:r>
-            <a:br>
-              <a:rPr lang="te-IN" sz="1600" b="1" dirty="0">
-                <a:latin typeface="Anek Telugu SemiBold" pitchFamily="2" charset="0"/>
-                <a:cs typeface="Anek Telugu SemiBold" pitchFamily="2" charset="0"/>
-              </a:rPr>
-            </a:br>
-            <a:r>
-              <a:rPr lang="te-IN" sz="1600" b="1" dirty="0">
-                <a:latin typeface="Anek Telugu SemiBold" pitchFamily="2" charset="0"/>
-                <a:cs typeface="Anek Telugu SemiBold" pitchFamily="2" charset="0"/>
-              </a:rPr>
-              <a:t>నీవే కదా దేవుడవు – (2)</a:t>
+              <a:t>నీ కృప నాకు చాలును</a:t>
             </a:r>
           </a:p>
           <a:p>
@@ -5426,7 +4812,21 @@
                 <a:latin typeface="Anek Telugu SemiBold" pitchFamily="2" charset="0"/>
                 <a:cs typeface="Anek Telugu SemiBold" pitchFamily="2" charset="0"/>
               </a:rPr>
-              <a:t>దేవా యేసు దేవా (4)     </a:t>
+              <a:t>నీ కృప లేనిదే నే బ్రతుకలేను (2)</a:t>
+            </a:r>
+          </a:p>
+          <a:p>
+            <a:pPr defTabSz="439781">
+              <a:lnSpc>
+                <a:spcPct val="150000"/>
+              </a:lnSpc>
+            </a:pPr>
+            <a:r>
+              <a:rPr lang="te-IN" sz="1600" b="1" dirty="0">
+                <a:latin typeface="Anek Telugu SemiBold" pitchFamily="2" charset="0"/>
+                <a:cs typeface="Anek Telugu SemiBold" pitchFamily="2" charset="0"/>
+              </a:rPr>
+              <a:t>నీ కృప లేనిదే నే బ్రతుకలేను</a:t>
             </a:r>
           </a:p>
           <a:p>
@@ -5451,46 +4851,77 @@
                 <a:latin typeface="Anek Telugu SemiBold" pitchFamily="2" charset="0"/>
                 <a:cs typeface="Anek Telugu SemiBold" pitchFamily="2" charset="0"/>
               </a:rPr>
-              <a:t>పాపము నుండి విడిపించినావు</a:t>
-            </a:r>
-            <a:br>
+              <a:t>జల రాసులన్ని ఏక రాసిగా</a:t>
+            </a:r>
+          </a:p>
+          <a:p>
+            <a:pPr defTabSz="439781">
+              <a:lnSpc>
+                <a:spcPct val="150000"/>
+              </a:lnSpc>
+            </a:pPr>
+            <a:r>
               <a:rPr lang="te-IN" sz="1600" b="1" dirty="0">
                 <a:latin typeface="Anek Telugu SemiBold" pitchFamily="2" charset="0"/>
                 <a:cs typeface="Anek Telugu SemiBold" pitchFamily="2" charset="0"/>
               </a:rPr>
-            </a:br>
+              <a:t>నిలిచిపోయెనే నీ జనుల ఎదుట (2)</a:t>
+            </a:r>
+          </a:p>
+          <a:p>
+            <a:pPr defTabSz="439781">
+              <a:lnSpc>
+                <a:spcPct val="150000"/>
+              </a:lnSpc>
+            </a:pPr>
             <a:r>
               <a:rPr lang="te-IN" sz="1600" b="1" dirty="0">
                 <a:latin typeface="Anek Telugu SemiBold" pitchFamily="2" charset="0"/>
                 <a:cs typeface="Anek Telugu SemiBold" pitchFamily="2" charset="0"/>
               </a:rPr>
-              <a:t>పరిశుద్ధుని చేసి ప్రేమించినావు (2)</a:t>
-            </a:r>
-            <a:br>
+              <a:t>అవి భూకంపాలే అయినా</a:t>
+            </a:r>
+          </a:p>
+          <a:p>
+            <a:pPr defTabSz="439781">
+              <a:lnSpc>
+                <a:spcPct val="150000"/>
+              </a:lnSpc>
+            </a:pPr>
+            <a:r>
               <a:rPr lang="te-IN" sz="1600" b="1" dirty="0">
                 <a:latin typeface="Anek Telugu SemiBold" pitchFamily="2" charset="0"/>
                 <a:cs typeface="Anek Telugu SemiBold" pitchFamily="2" charset="0"/>
               </a:rPr>
-            </a:br>
+              <a:t>పెను తుఫానులే అయినా (2)</a:t>
+            </a:r>
+          </a:p>
+          <a:p>
+            <a:pPr defTabSz="439781">
+              <a:lnSpc>
+                <a:spcPct val="150000"/>
+              </a:lnSpc>
+            </a:pPr>
             <a:r>
               <a:rPr lang="te-IN" sz="1600" b="1" dirty="0">
                 <a:latin typeface="Anek Telugu SemiBold" pitchFamily="2" charset="0"/>
                 <a:cs typeface="Anek Telugu SemiBold" pitchFamily="2" charset="0"/>
               </a:rPr>
-              <a:t>నీవే కదా దేవుడవు – (2)</a:t>
-            </a:r>
-            <a:br>
+              <a:t>నీ కృపయే శాశించునా</a:t>
+            </a:r>
+          </a:p>
+          <a:p>
+            <a:pPr defTabSz="439781">
+              <a:lnSpc>
+                <a:spcPct val="150000"/>
+              </a:lnSpc>
+            </a:pPr>
+            <a:r>
               <a:rPr lang="te-IN" sz="1600" b="1" dirty="0">
                 <a:latin typeface="Anek Telugu SemiBold" pitchFamily="2" charset="0"/>
                 <a:cs typeface="Anek Telugu SemiBold" pitchFamily="2" charset="0"/>
               </a:rPr>
-            </a:br>
-            <a:r>
-              <a:rPr lang="te-IN" sz="1600" b="1" dirty="0">
-                <a:latin typeface="Anek Telugu SemiBold" pitchFamily="2" charset="0"/>
-                <a:cs typeface="Anek Telugu SemiBold" pitchFamily="2" charset="0"/>
-              </a:rPr>
-              <a:t>దేవా యేసు దేవా (4)       </a:t>
+              <a:t>అవి అణగిపోవునా (2)         ||నీ కృప||</a:t>
             </a:r>
           </a:p>
           <a:p>
@@ -5515,46 +4946,77 @@
                 <a:latin typeface="Anek Telugu SemiBold" pitchFamily="2" charset="0"/>
                 <a:cs typeface="Anek Telugu SemiBold" pitchFamily="2" charset="0"/>
               </a:rPr>
-              <a:t>పరిశుద్ధాత్మను నాలో నింపావు</a:t>
-            </a:r>
-            <a:br>
+              <a:t>జగదుద్పత్తికి ముందుగానే</a:t>
+            </a:r>
+          </a:p>
+          <a:p>
+            <a:pPr defTabSz="439781">
+              <a:lnSpc>
+                <a:spcPct val="150000"/>
+              </a:lnSpc>
+            </a:pPr>
+            <a:r>
               <a:rPr lang="te-IN" sz="1600" b="1" dirty="0">
                 <a:latin typeface="Anek Telugu SemiBold" pitchFamily="2" charset="0"/>
                 <a:cs typeface="Anek Telugu SemiBold" pitchFamily="2" charset="0"/>
               </a:rPr>
-            </a:br>
+              <a:t>ఏర్పరచుకొని నన్ను పిలచితివా (2)</a:t>
+            </a:r>
+          </a:p>
+          <a:p>
+            <a:pPr defTabSz="439781">
+              <a:lnSpc>
+                <a:spcPct val="150000"/>
+              </a:lnSpc>
+            </a:pPr>
             <a:r>
               <a:rPr lang="te-IN" sz="1600" b="1" dirty="0">
                 <a:latin typeface="Anek Telugu SemiBold" pitchFamily="2" charset="0"/>
                 <a:cs typeface="Anek Telugu SemiBold" pitchFamily="2" charset="0"/>
               </a:rPr>
-              <a:t>మట్టి దేహమును మహిమతో నింపావు (2)</a:t>
-            </a:r>
-            <a:br>
+              <a:t>నీ పిలుపే స్థిరపరచెనే</a:t>
+            </a:r>
+          </a:p>
+          <a:p>
+            <a:pPr defTabSz="439781">
+              <a:lnSpc>
+                <a:spcPct val="150000"/>
+              </a:lnSpc>
+            </a:pPr>
+            <a:r>
               <a:rPr lang="te-IN" sz="1600" b="1" dirty="0">
                 <a:latin typeface="Anek Telugu SemiBold" pitchFamily="2" charset="0"/>
                 <a:cs typeface="Anek Telugu SemiBold" pitchFamily="2" charset="0"/>
               </a:rPr>
-            </a:br>
+              <a:t>నీ కృపయే బలపరచెనే (2)</a:t>
+            </a:r>
+          </a:p>
+          <a:p>
+            <a:pPr defTabSz="439781">
+              <a:lnSpc>
+                <a:spcPct val="150000"/>
+              </a:lnSpc>
+            </a:pPr>
             <a:r>
               <a:rPr lang="te-IN" sz="1600" b="1" dirty="0">
                 <a:latin typeface="Anek Telugu SemiBold" pitchFamily="2" charset="0"/>
                 <a:cs typeface="Anek Telugu SemiBold" pitchFamily="2" charset="0"/>
               </a:rPr>
-              <a:t>నీవే కదా దేవుడవు – (2)</a:t>
-            </a:r>
-            <a:br>
+              <a:t>నీ కృపయే ఈ పరిచర్యను</a:t>
+            </a:r>
+          </a:p>
+          <a:p>
+            <a:pPr defTabSz="439781">
+              <a:lnSpc>
+                <a:spcPct val="150000"/>
+              </a:lnSpc>
+            </a:pPr>
+            <a:r>
               <a:rPr lang="te-IN" sz="1600" b="1" dirty="0">
                 <a:latin typeface="Anek Telugu SemiBold" pitchFamily="2" charset="0"/>
                 <a:cs typeface="Anek Telugu SemiBold" pitchFamily="2" charset="0"/>
               </a:rPr>
-            </a:br>
-            <a:r>
-              <a:rPr lang="te-IN" sz="1600" b="1" dirty="0">
-                <a:latin typeface="Anek Telugu SemiBold" pitchFamily="2" charset="0"/>
-                <a:cs typeface="Anek Telugu SemiBold" pitchFamily="2" charset="0"/>
-              </a:rPr>
-              <a:t>దేవా యేసు దేవా (4)       </a:t>
+              <a:t>నాకు అనుగ్రహించెను (2)      ||నీ కృప||</a:t>
             </a:r>
           </a:p>
         </p:txBody>

--- a/songsTemplate.pptx
+++ b/songsTemplate.pptx
@@ -130,6 +130,66 @@
 </p:presentation>
 </file>
 
+<file path=ppt/changesInfos/changesInfo1.xml><?xml version="1.0" encoding="utf-8"?>
+<pc:chgInfo xmlns:a="http://schemas.openxmlformats.org/drawingml/2006/main" xmlns:r="http://schemas.openxmlformats.org/officeDocument/2006/relationships" xmlns:ac="http://schemas.microsoft.com/office/drawing/2013/main/command" xmlns:pc="http://schemas.microsoft.com/office/powerpoint/2013/main/command">
+  <pc:docChgLst>
+    <pc:chgData name="Venu Yalapala" userId="9feb8bbceceecaca" providerId="LiveId" clId="{CD4B1779-0926-477D-B902-440342C52CB5}"/>
+    <pc:docChg chg="undo custSel modSld">
+      <pc:chgData name="Venu Yalapala" userId="9feb8bbceceecaca" providerId="LiveId" clId="{CD4B1779-0926-477D-B902-440342C52CB5}" dt="2025-06-28T09:39:04.679" v="36" actId="1076"/>
+      <pc:docMkLst>
+        <pc:docMk/>
+      </pc:docMkLst>
+      <pc:sldChg chg="modSp mod">
+        <pc:chgData name="Venu Yalapala" userId="9feb8bbceceecaca" providerId="LiveId" clId="{CD4B1779-0926-477D-B902-440342C52CB5}" dt="2025-06-28T09:39:04.679" v="36" actId="1076"/>
+        <pc:sldMkLst>
+          <pc:docMk/>
+          <pc:sldMk cId="3342490066" sldId="256"/>
+        </pc:sldMkLst>
+        <pc:spChg chg="mod">
+          <ac:chgData name="Venu Yalapala" userId="9feb8bbceceecaca" providerId="LiveId" clId="{CD4B1779-0926-477D-B902-440342C52CB5}" dt="2025-06-28T09:39:04.679" v="36" actId="1076"/>
+          <ac:spMkLst>
+            <pc:docMk/>
+            <pc:sldMk cId="3342490066" sldId="256"/>
+            <ac:spMk id="12" creationId="{DD950E5A-63C0-4187-892B-9549599FCD15}"/>
+          </ac:spMkLst>
+        </pc:spChg>
+        <pc:spChg chg="mod">
+          <ac:chgData name="Venu Yalapala" userId="9feb8bbceceecaca" providerId="LiveId" clId="{CD4B1779-0926-477D-B902-440342C52CB5}" dt="2025-06-28T09:37:46.768" v="12" actId="1035"/>
+          <ac:spMkLst>
+            <pc:docMk/>
+            <pc:sldMk cId="3342490066" sldId="256"/>
+            <ac:spMk id="15" creationId="{F0C1A603-19B4-4631-AF63-7E26FCE0AA94}"/>
+          </ac:spMkLst>
+        </pc:spChg>
+      </pc:sldChg>
+      <pc:sldChg chg="modSp mod">
+        <pc:chgData name="Venu Yalapala" userId="9feb8bbceceecaca" providerId="LiveId" clId="{CD4B1779-0926-477D-B902-440342C52CB5}" dt="2025-06-28T09:38:43.740" v="31" actId="404"/>
+        <pc:sldMkLst>
+          <pc:docMk/>
+          <pc:sldMk cId="2536218313" sldId="258"/>
+        </pc:sldMkLst>
+        <pc:spChg chg="mod">
+          <ac:chgData name="Venu Yalapala" userId="9feb8bbceceecaca" providerId="LiveId" clId="{CD4B1779-0926-477D-B902-440342C52CB5}" dt="2025-06-28T09:38:07.031" v="18" actId="1076"/>
+          <ac:spMkLst>
+            <pc:docMk/>
+            <pc:sldMk cId="2536218313" sldId="258"/>
+            <ac:spMk id="4" creationId="{FB41F474-87B0-C226-746A-F4BD47A88133}"/>
+          </ac:spMkLst>
+        </pc:spChg>
+        <pc:spChg chg="mod">
+          <ac:chgData name="Venu Yalapala" userId="9feb8bbceceecaca" providerId="LiveId" clId="{CD4B1779-0926-477D-B902-440342C52CB5}" dt="2025-06-28T09:38:43.740" v="31" actId="404"/>
+          <ac:spMkLst>
+            <pc:docMk/>
+            <pc:sldMk cId="2536218313" sldId="258"/>
+            <ac:spMk id="7" creationId="{37D46B4B-CD57-310D-B542-FE6B01F388E7}"/>
+          </ac:spMkLst>
+        </pc:spChg>
+      </pc:sldChg>
+    </pc:docChg>
+  </pc:docChgLst>
+</pc:chgInfo>
+</file>
+
 <file path=ppt/handoutMasters/handoutMaster1.xml><?xml version="1.0" encoding="utf-8"?>
 <p:handoutMaster xmlns:a="http://schemas.openxmlformats.org/drawingml/2006/main" xmlns:r="http://schemas.openxmlformats.org/officeDocument/2006/relationships" xmlns:p="http://schemas.openxmlformats.org/presentationml/2006/main">
   <p:cSld>
@@ -224,7 +284,7 @@
           <a:p>
             <a:fld id="{0EEBF99D-A94C-4ACE-ABB7-ED5902A7DBE5}" type="datetimeFigureOut">
               <a:rPr lang="en-IN" smtClean="0"/>
-              <a:t>20-06-2025</a:t>
+              <a:t>28-06-2025</a:t>
             </a:fld>
             <a:endParaRPr lang="en-IN"/>
           </a:p>
@@ -402,7 +462,7 @@
           <a:p>
             <a:fld id="{6EA7C7CE-6F0C-4E71-B520-9461545357C0}" type="datetimeFigureOut">
               <a:rPr lang="en-IN" smtClean="0"/>
-              <a:t>20-06-2025</a:t>
+              <a:t>28-06-2025</a:t>
             </a:fld>
             <a:endParaRPr lang="en-IN"/>
           </a:p>
@@ -802,7 +862,7 @@
           <a:p>
             <a:fld id="{F1102B08-ED9E-409F-B95F-09CAA1DAF6E0}" type="datetimeFigureOut">
               <a:rPr lang="en-IN" smtClean="0"/>
-              <a:t>20-06-2025</a:t>
+              <a:t>28-06-2025</a:t>
             </a:fld>
             <a:endParaRPr lang="en-IN"/>
           </a:p>
@@ -1059,7 +1119,7 @@
           <a:p>
             <a:fld id="{F1102B08-ED9E-409F-B95F-09CAA1DAF6E0}" type="datetimeFigureOut">
               <a:rPr lang="en-IN" smtClean="0"/>
-              <a:t>20-06-2025</a:t>
+              <a:t>28-06-2025</a:t>
             </a:fld>
             <a:endParaRPr lang="en-IN"/>
           </a:p>
@@ -1229,7 +1289,7 @@
           <a:p>
             <a:fld id="{F1102B08-ED9E-409F-B95F-09CAA1DAF6E0}" type="datetimeFigureOut">
               <a:rPr lang="en-IN" smtClean="0"/>
-              <a:t>20-06-2025</a:t>
+              <a:t>28-06-2025</a:t>
             </a:fld>
             <a:endParaRPr lang="en-IN"/>
           </a:p>
@@ -1409,7 +1469,7 @@
           <a:p>
             <a:fld id="{F1102B08-ED9E-409F-B95F-09CAA1DAF6E0}" type="datetimeFigureOut">
               <a:rPr lang="en-IN" smtClean="0"/>
-              <a:t>20-06-2025</a:t>
+              <a:t>28-06-2025</a:t>
             </a:fld>
             <a:endParaRPr lang="en-IN"/>
           </a:p>
@@ -1611,7 +1671,7 @@
             <a:fld id="{F1102B08-ED9E-409F-B95F-09CAA1DAF6E0}" type="datetimeFigureOut">
               <a:rPr lang="en-IN" b="0" smtClean="0"/>
               <a:pPr/>
-              <a:t>20-06-2025</a:t>
+              <a:t>28-06-2025</a:t>
             </a:fld>
             <a:endParaRPr lang="en-IN" b="0" dirty="0"/>
           </a:p>
@@ -1839,7 +1899,7 @@
           <a:p>
             <a:fld id="{F1102B08-ED9E-409F-B95F-09CAA1DAF6E0}" type="datetimeFigureOut">
               <a:rPr lang="en-IN" smtClean="0"/>
-              <a:t>20-06-2025</a:t>
+              <a:t>28-06-2025</a:t>
             </a:fld>
             <a:endParaRPr lang="en-IN"/>
           </a:p>
@@ -2083,7 +2143,7 @@
           <a:p>
             <a:fld id="{F1102B08-ED9E-409F-B95F-09CAA1DAF6E0}" type="datetimeFigureOut">
               <a:rPr lang="en-IN" smtClean="0"/>
-              <a:t>20-06-2025</a:t>
+              <a:t>28-06-2025</a:t>
             </a:fld>
             <a:endParaRPr lang="en-IN"/>
           </a:p>
@@ -2315,7 +2375,7 @@
           <a:p>
             <a:fld id="{F1102B08-ED9E-409F-B95F-09CAA1DAF6E0}" type="datetimeFigureOut">
               <a:rPr lang="en-IN" smtClean="0"/>
-              <a:t>20-06-2025</a:t>
+              <a:t>28-06-2025</a:t>
             </a:fld>
             <a:endParaRPr lang="en-IN"/>
           </a:p>
@@ -2682,7 +2742,7 @@
           <a:p>
             <a:fld id="{F1102B08-ED9E-409F-B95F-09CAA1DAF6E0}" type="datetimeFigureOut">
               <a:rPr lang="en-IN" smtClean="0"/>
-              <a:t>20-06-2025</a:t>
+              <a:t>28-06-2025</a:t>
             </a:fld>
             <a:endParaRPr lang="en-IN"/>
           </a:p>
@@ -2800,7 +2860,7 @@
           <a:p>
             <a:fld id="{F1102B08-ED9E-409F-B95F-09CAA1DAF6E0}" type="datetimeFigureOut">
               <a:rPr lang="en-IN" smtClean="0"/>
-              <a:t>20-06-2025</a:t>
+              <a:t>28-06-2025</a:t>
             </a:fld>
             <a:endParaRPr lang="en-IN"/>
           </a:p>
@@ -2895,7 +2955,7 @@
           <a:p>
             <a:fld id="{F1102B08-ED9E-409F-B95F-09CAA1DAF6E0}" type="datetimeFigureOut">
               <a:rPr lang="en-IN" smtClean="0"/>
-              <a:t>20-06-2025</a:t>
+              <a:t>28-06-2025</a:t>
             </a:fld>
             <a:endParaRPr lang="en-IN"/>
           </a:p>
@@ -3172,7 +3232,7 @@
           <a:p>
             <a:fld id="{F1102B08-ED9E-409F-B95F-09CAA1DAF6E0}" type="datetimeFigureOut">
               <a:rPr lang="en-IN" smtClean="0"/>
-              <a:t>20-06-2025</a:t>
+              <a:t>28-06-2025</a:t>
             </a:fld>
             <a:endParaRPr lang="en-IN"/>
           </a:p>
@@ -3385,7 +3445,7 @@
           <a:p>
             <a:fld id="{F1102B08-ED9E-409F-B95F-09CAA1DAF6E0}" type="datetimeFigureOut">
               <a:rPr lang="en-IN" smtClean="0"/>
-              <a:t>20-06-2025</a:t>
+              <a:t>28-06-2025</a:t>
             </a:fld>
             <a:endParaRPr lang="en-IN"/>
           </a:p>
@@ -3805,8 +3865,8 @@
         </p:nvSpPr>
         <p:spPr>
           <a:xfrm>
-            <a:off x="5215566" y="187890"/>
-            <a:ext cx="4883429" cy="6324808"/>
+            <a:off x="5215566" y="348095"/>
+            <a:ext cx="4883429" cy="5909310"/>
           </a:xfrm>
           <a:prstGeom prst="rect">
             <a:avLst/>
@@ -3825,50 +3885,11 @@
               </a:lnSpc>
             </a:pPr>
             <a:r>
-              <a:rPr lang="te-IN" sz="1500" dirty="0">
-                <a:latin typeface="Anek Telugu SemiBold" pitchFamily="2" charset="0"/>
-                <a:cs typeface="Anek Telugu SemiBold" pitchFamily="2" charset="0"/>
-              </a:rPr>
-              <a:t>(యేసు) రాజా నీ భవనములో</a:t>
-            </a:r>
-            <a:br>
-              <a:rPr lang="te-IN" sz="1500" dirty="0">
-                <a:latin typeface="Anek Telugu SemiBold" pitchFamily="2" charset="0"/>
-                <a:cs typeface="Anek Telugu SemiBold" pitchFamily="2" charset="0"/>
-              </a:rPr>
-            </a:br>
-            <a:r>
-              <a:rPr lang="te-IN" sz="1500" dirty="0">
-                <a:latin typeface="Anek Telugu SemiBold" pitchFamily="2" charset="0"/>
-                <a:cs typeface="Anek Telugu SemiBold" pitchFamily="2" charset="0"/>
-              </a:rPr>
-              <a:t>రేయి పగలు వేచియుందును (2)</a:t>
-            </a:r>
-            <a:br>
-              <a:rPr lang="te-IN" sz="1500" dirty="0">
-                <a:latin typeface="Anek Telugu SemiBold" pitchFamily="2" charset="0"/>
-                <a:cs typeface="Anek Telugu SemiBold" pitchFamily="2" charset="0"/>
-              </a:rPr>
-            </a:br>
-            <a:r>
-              <a:rPr lang="te-IN" sz="1500" dirty="0">
-                <a:latin typeface="Anek Telugu SemiBold" pitchFamily="2" charset="0"/>
-                <a:cs typeface="Anek Telugu SemiBold" pitchFamily="2" charset="0"/>
-              </a:rPr>
-              <a:t>(నిన్ను) స్తుతించి ఆనందింతును</a:t>
-            </a:r>
-            <a:br>
-              <a:rPr lang="te-IN" sz="1500" dirty="0">
-                <a:latin typeface="Anek Telugu SemiBold" pitchFamily="2" charset="0"/>
-                <a:cs typeface="Anek Telugu SemiBold" pitchFamily="2" charset="0"/>
-              </a:rPr>
-            </a:br>
-            <a:r>
-              <a:rPr lang="te-IN" sz="1500" dirty="0">
-                <a:latin typeface="Anek Telugu SemiBold" pitchFamily="2" charset="0"/>
-                <a:cs typeface="Anek Telugu SemiBold" pitchFamily="2" charset="0"/>
-              </a:rPr>
-              <a:t>చింతలు మరచెదను (2)</a:t>
+              <a:rPr lang="te-IN" sz="1400" dirty="0">
+                <a:latin typeface="Anek Telugu SemiBold" pitchFamily="2" charset="0"/>
+                <a:cs typeface="Anek Telugu SemiBold" pitchFamily="2" charset="0"/>
+              </a:rPr>
+              <a:t>వందనం త్రియేకుడా - ఘన మహిమ నీకెగా (2)</a:t>
             </a:r>
           </a:p>
           <a:p>
@@ -3877,7 +3898,35 @@
                 <a:spcPct val="150000"/>
               </a:lnSpc>
             </a:pPr>
-            <a:endParaRPr lang="te-IN" sz="1500" dirty="0">
+            <a:r>
+              <a:rPr lang="te-IN" sz="1400" dirty="0">
+                <a:latin typeface="Anek Telugu SemiBold" pitchFamily="2" charset="0"/>
+                <a:cs typeface="Anek Telugu SemiBold" pitchFamily="2" charset="0"/>
+              </a:rPr>
+              <a:t>ఏ పాటి వాడను యేసయ్యా, నన్ను కోరుకొంటివే</a:t>
+            </a:r>
+          </a:p>
+          <a:p>
+            <a:pPr>
+              <a:lnSpc>
+                <a:spcPct val="150000"/>
+              </a:lnSpc>
+            </a:pPr>
+            <a:r>
+              <a:rPr lang="te-IN" sz="1400" dirty="0">
+                <a:latin typeface="Anek Telugu SemiBold" pitchFamily="2" charset="0"/>
+                <a:cs typeface="Anek Telugu SemiBold" pitchFamily="2" charset="0"/>
+              </a:rPr>
+              <a:t>ఏ పాటి దానను యేసయ్యా, నన్ను కోరుకొంటివే</a:t>
+            </a:r>
+          </a:p>
+          <a:p>
+            <a:pPr>
+              <a:lnSpc>
+                <a:spcPct val="150000"/>
+              </a:lnSpc>
+            </a:pPr>
+            <a:endParaRPr lang="te-IN" sz="1400" dirty="0">
               <a:latin typeface="Anek Telugu SemiBold" pitchFamily="2" charset="0"/>
               <a:cs typeface="Anek Telugu SemiBold" pitchFamily="2" charset="0"/>
             </a:endParaRPr>
@@ -3889,76 +3938,11 @@
               </a:lnSpc>
             </a:pPr>
             <a:r>
-              <a:rPr lang="te-IN" sz="1500" dirty="0">
-                <a:latin typeface="Anek Telugu SemiBold" pitchFamily="2" charset="0"/>
-                <a:cs typeface="Anek Telugu SemiBold" pitchFamily="2" charset="0"/>
-              </a:rPr>
-              <a:t>నా బలమా నా కోట</a:t>
-            </a:r>
-            <a:br>
-              <a:rPr lang="te-IN" sz="1500" dirty="0">
-                <a:latin typeface="Anek Telugu SemiBold" pitchFamily="2" charset="0"/>
-                <a:cs typeface="Anek Telugu SemiBold" pitchFamily="2" charset="0"/>
-              </a:rPr>
-            </a:br>
-            <a:r>
-              <a:rPr lang="te-IN" sz="1500" dirty="0">
-                <a:latin typeface="Anek Telugu SemiBold" pitchFamily="2" charset="0"/>
-                <a:cs typeface="Anek Telugu SemiBold" pitchFamily="2" charset="0"/>
-              </a:rPr>
-              <a:t>ఆరాధన నీకే (2)</a:t>
-            </a:r>
-            <a:br>
-              <a:rPr lang="te-IN" sz="1500" dirty="0">
-                <a:latin typeface="Anek Telugu SemiBold" pitchFamily="2" charset="0"/>
-                <a:cs typeface="Anek Telugu SemiBold" pitchFamily="2" charset="0"/>
-              </a:rPr>
-            </a:br>
-            <a:r>
-              <a:rPr lang="te-IN" sz="1500" dirty="0">
-                <a:latin typeface="Anek Telugu SemiBold" pitchFamily="2" charset="0"/>
-                <a:cs typeface="Anek Telugu SemiBold" pitchFamily="2" charset="0"/>
-              </a:rPr>
-              <a:t>నా దుర్గమా ఆశ్రయమా</a:t>
-            </a:r>
-            <a:br>
-              <a:rPr lang="te-IN" sz="1500" dirty="0">
-                <a:latin typeface="Anek Telugu SemiBold" pitchFamily="2" charset="0"/>
-                <a:cs typeface="Anek Telugu SemiBold" pitchFamily="2" charset="0"/>
-              </a:rPr>
-            </a:br>
-            <a:r>
-              <a:rPr lang="te-IN" sz="1500" dirty="0">
-                <a:latin typeface="Anek Telugu SemiBold" pitchFamily="2" charset="0"/>
-                <a:cs typeface="Anek Telugu SemiBold" pitchFamily="2" charset="0"/>
-              </a:rPr>
-              <a:t>ఆరాధన నీకే (2)</a:t>
-            </a:r>
-            <a:br>
-              <a:rPr lang="te-IN" sz="1500" dirty="0">
-                <a:latin typeface="Anek Telugu SemiBold" pitchFamily="2" charset="0"/>
-                <a:cs typeface="Anek Telugu SemiBold" pitchFamily="2" charset="0"/>
-              </a:rPr>
-            </a:br>
-            <a:r>
-              <a:rPr lang="te-IN" sz="1500" dirty="0">
-                <a:latin typeface="Anek Telugu SemiBold" pitchFamily="2" charset="0"/>
-                <a:cs typeface="Anek Telugu SemiBold" pitchFamily="2" charset="0"/>
-              </a:rPr>
-              <a:t>ఆరాధనా ఆరాధనా</a:t>
-            </a:r>
-            <a:br>
-              <a:rPr lang="te-IN" sz="1500" dirty="0">
-                <a:latin typeface="Anek Telugu SemiBold" pitchFamily="2" charset="0"/>
-                <a:cs typeface="Anek Telugu SemiBold" pitchFamily="2" charset="0"/>
-              </a:rPr>
-            </a:br>
-            <a:r>
-              <a:rPr lang="te-IN" sz="1500" dirty="0">
-                <a:latin typeface="Anek Telugu SemiBold" pitchFamily="2" charset="0"/>
-                <a:cs typeface="Anek Telugu SemiBold" pitchFamily="2" charset="0"/>
-              </a:rPr>
-              <a:t>అబ్బ తండ్రి నీకేనయ్యా</a:t>
+              <a:rPr lang="te-IN" sz="1400" dirty="0">
+                <a:latin typeface="Anek Telugu SemiBold" pitchFamily="2" charset="0"/>
+                <a:cs typeface="Anek Telugu SemiBold" pitchFamily="2" charset="0"/>
+              </a:rPr>
+              <a:t>ఈవులెన్నెన్నో దయచేసితివి</a:t>
             </a:r>
           </a:p>
           <a:p>
@@ -3967,7 +3951,49 @@
                 <a:spcPct val="150000"/>
               </a:lnSpc>
             </a:pPr>
-            <a:endParaRPr lang="te-IN" sz="1500" dirty="0">
+            <a:r>
+              <a:rPr lang="te-IN" sz="1400" dirty="0">
+                <a:latin typeface="Anek Telugu SemiBold" pitchFamily="2" charset="0"/>
+                <a:cs typeface="Anek Telugu SemiBold" pitchFamily="2" charset="0"/>
+              </a:rPr>
+              <a:t>నీ స్నేహమే నాకు స్థిరపరచితివి (2)</a:t>
+            </a:r>
+          </a:p>
+          <a:p>
+            <a:pPr>
+              <a:lnSpc>
+                <a:spcPct val="150000"/>
+              </a:lnSpc>
+            </a:pPr>
+            <a:r>
+              <a:rPr lang="te-IN" sz="1400" dirty="0">
+                <a:latin typeface="Anek Telugu SemiBold" pitchFamily="2" charset="0"/>
+                <a:cs typeface="Anek Telugu SemiBold" pitchFamily="2" charset="0"/>
+              </a:rPr>
+              <a:t>నీ పాద సేవ చేయుట కన్నా</a:t>
+            </a:r>
+          </a:p>
+          <a:p>
+            <a:pPr>
+              <a:lnSpc>
+                <a:spcPct val="150000"/>
+              </a:lnSpc>
+            </a:pPr>
+            <a:r>
+              <a:rPr lang="te-IN" sz="1400" dirty="0">
+                <a:latin typeface="Anek Telugu SemiBold" pitchFamily="2" charset="0"/>
+                <a:cs typeface="Anek Telugu SemiBold" pitchFamily="2" charset="0"/>
+              </a:rPr>
+              <a:t>విలువైన భాగ్యం లేదు (2) నాకూ</a:t>
+            </a:r>
+          </a:p>
+          <a:p>
+            <a:pPr>
+              <a:lnSpc>
+                <a:spcPct val="150000"/>
+              </a:lnSpc>
+            </a:pPr>
+            <a:endParaRPr lang="te-IN" sz="1400" dirty="0">
               <a:latin typeface="Anek Telugu SemiBold" pitchFamily="2" charset="0"/>
               <a:cs typeface="Anek Telugu SemiBold" pitchFamily="2" charset="0"/>
             </a:endParaRPr>
@@ -3979,76 +4005,120 @@
               </a:lnSpc>
             </a:pPr>
             <a:r>
-              <a:rPr lang="te-IN" sz="1500" dirty="0">
-                <a:latin typeface="Anek Telugu SemiBold" pitchFamily="2" charset="0"/>
-                <a:cs typeface="Anek Telugu SemiBold" pitchFamily="2" charset="0"/>
-              </a:rPr>
-              <a:t>అంతట నివసించు యెహోవా ఎలోహిం</a:t>
-            </a:r>
-            <a:br>
-              <a:rPr lang="te-IN" sz="1500" dirty="0">
-                <a:latin typeface="Anek Telugu SemiBold" pitchFamily="2" charset="0"/>
-                <a:cs typeface="Anek Telugu SemiBold" pitchFamily="2" charset="0"/>
-              </a:rPr>
-            </a:br>
-            <a:r>
-              <a:rPr lang="te-IN" sz="1500" dirty="0">
-                <a:latin typeface="Anek Telugu SemiBold" pitchFamily="2" charset="0"/>
-                <a:cs typeface="Anek Telugu SemiBold" pitchFamily="2" charset="0"/>
-              </a:rPr>
-              <a:t>ఆరాధన నీకే (2)</a:t>
-            </a:r>
-            <a:br>
-              <a:rPr lang="te-IN" sz="1500" dirty="0">
-                <a:latin typeface="Anek Telugu SemiBold" pitchFamily="2" charset="0"/>
-                <a:cs typeface="Anek Telugu SemiBold" pitchFamily="2" charset="0"/>
-              </a:rPr>
-            </a:br>
-            <a:r>
-              <a:rPr lang="te-IN" sz="1500" dirty="0">
-                <a:latin typeface="Anek Telugu SemiBold" pitchFamily="2" charset="0"/>
-                <a:cs typeface="Anek Telugu SemiBold" pitchFamily="2" charset="0"/>
-              </a:rPr>
-              <a:t>మా యొక్క నీతి యెహోవా సిద్కేను</a:t>
-            </a:r>
-            <a:br>
-              <a:rPr lang="te-IN" sz="1500" dirty="0">
-                <a:latin typeface="Anek Telugu SemiBold" pitchFamily="2" charset="0"/>
-                <a:cs typeface="Anek Telugu SemiBold" pitchFamily="2" charset="0"/>
-              </a:rPr>
-            </a:br>
-            <a:r>
-              <a:rPr lang="te-IN" sz="1500" dirty="0">
-                <a:latin typeface="Anek Telugu SemiBold" pitchFamily="2" charset="0"/>
-                <a:cs typeface="Anek Telugu SemiBold" pitchFamily="2" charset="0"/>
-              </a:rPr>
-              <a:t>ఆరాధన నీకే (2)</a:t>
-            </a:r>
-            <a:br>
-              <a:rPr lang="te-IN" sz="1500" dirty="0">
-                <a:latin typeface="Anek Telugu SemiBold" pitchFamily="2" charset="0"/>
-                <a:cs typeface="Anek Telugu SemiBold" pitchFamily="2" charset="0"/>
-              </a:rPr>
-            </a:br>
-            <a:r>
-              <a:rPr lang="te-IN" sz="1500" dirty="0">
-                <a:latin typeface="Anek Telugu SemiBold" pitchFamily="2" charset="0"/>
-                <a:cs typeface="Anek Telugu SemiBold" pitchFamily="2" charset="0"/>
-              </a:rPr>
-              <a:t>ఆరాధనా ఆరాధనా</a:t>
-            </a:r>
-            <a:br>
-              <a:rPr lang="te-IN" sz="1500" dirty="0">
-                <a:latin typeface="Anek Telugu SemiBold" pitchFamily="2" charset="0"/>
-                <a:cs typeface="Anek Telugu SemiBold" pitchFamily="2" charset="0"/>
-              </a:rPr>
-            </a:br>
-            <a:r>
-              <a:rPr lang="te-IN" sz="1500" dirty="0">
-                <a:latin typeface="Anek Telugu SemiBold" pitchFamily="2" charset="0"/>
-                <a:cs typeface="Anek Telugu SemiBold" pitchFamily="2" charset="0"/>
-              </a:rPr>
-              <a:t>అబ్బ తండ్రి నీకేనయ్యా</a:t>
+              <a:rPr lang="te-IN" sz="1400" dirty="0">
+                <a:latin typeface="Anek Telugu SemiBold" pitchFamily="2" charset="0"/>
+                <a:cs typeface="Anek Telugu SemiBold" pitchFamily="2" charset="0"/>
+              </a:rPr>
+              <a:t>అవసరతలు ఏవైన తీర్చెడి</a:t>
+            </a:r>
+          </a:p>
+          <a:p>
+            <a:pPr>
+              <a:lnSpc>
+                <a:spcPct val="150000"/>
+              </a:lnSpc>
+            </a:pPr>
+            <a:r>
+              <a:rPr lang="te-IN" sz="1400" dirty="0">
+                <a:latin typeface="Anek Telugu SemiBold" pitchFamily="2" charset="0"/>
+                <a:cs typeface="Anek Telugu SemiBold" pitchFamily="2" charset="0"/>
+              </a:rPr>
+              <a:t>యెహోవా యిరే నీవే (2)</a:t>
+            </a:r>
+          </a:p>
+          <a:p>
+            <a:pPr>
+              <a:lnSpc>
+                <a:spcPct val="150000"/>
+              </a:lnSpc>
+            </a:pPr>
+            <a:r>
+              <a:rPr lang="te-IN" sz="1400" dirty="0">
+                <a:latin typeface="Anek Telugu SemiBold" pitchFamily="2" charset="0"/>
+                <a:cs typeface="Anek Telugu SemiBold" pitchFamily="2" charset="0"/>
+              </a:rPr>
+              <a:t>నా కోరికంతా ఏ క్షణమైనా</a:t>
+            </a:r>
+          </a:p>
+          <a:p>
+            <a:pPr>
+              <a:lnSpc>
+                <a:spcPct val="150000"/>
+              </a:lnSpc>
+            </a:pPr>
+            <a:r>
+              <a:rPr lang="te-IN" sz="1400" dirty="0">
+                <a:latin typeface="Anek Telugu SemiBold" pitchFamily="2" charset="0"/>
+                <a:cs typeface="Anek Telugu SemiBold" pitchFamily="2" charset="0"/>
+              </a:rPr>
+              <a:t>నీవేగా నా యేసూ (2) ఆమెన్</a:t>
+            </a:r>
+          </a:p>
+          <a:p>
+            <a:pPr>
+              <a:lnSpc>
+                <a:spcPct val="150000"/>
+              </a:lnSpc>
+            </a:pPr>
+            <a:endParaRPr lang="te-IN" sz="1400" dirty="0">
+              <a:latin typeface="Anek Telugu SemiBold" pitchFamily="2" charset="0"/>
+              <a:cs typeface="Anek Telugu SemiBold" pitchFamily="2" charset="0"/>
+            </a:endParaRPr>
+          </a:p>
+          <a:p>
+            <a:pPr>
+              <a:lnSpc>
+                <a:spcPct val="150000"/>
+              </a:lnSpc>
+            </a:pPr>
+            <a:r>
+              <a:rPr lang="te-IN" sz="1400" dirty="0">
+                <a:latin typeface="Anek Telugu SemiBold" pitchFamily="2" charset="0"/>
+                <a:cs typeface="Anek Telugu SemiBold" pitchFamily="2" charset="0"/>
+              </a:rPr>
+              <a:t>మా సర్వమంతా నీవే నయ్యా</a:t>
+            </a:r>
+          </a:p>
+          <a:p>
+            <a:pPr>
+              <a:lnSpc>
+                <a:spcPct val="150000"/>
+              </a:lnSpc>
+            </a:pPr>
+            <a:r>
+              <a:rPr lang="te-IN" sz="1400" dirty="0">
+                <a:latin typeface="Anek Telugu SemiBold" pitchFamily="2" charset="0"/>
+                <a:cs typeface="Anek Telugu SemiBold" pitchFamily="2" charset="0"/>
+              </a:rPr>
+              <a:t>నీకే గా అంకితం చేసితిమీ (2)</a:t>
+            </a:r>
+          </a:p>
+          <a:p>
+            <a:pPr>
+              <a:lnSpc>
+                <a:spcPct val="150000"/>
+              </a:lnSpc>
+            </a:pPr>
+            <a:r>
+              <a:rPr lang="te-IN" sz="1400" dirty="0">
+                <a:latin typeface="Anek Telugu SemiBold" pitchFamily="2" charset="0"/>
+                <a:cs typeface="Anek Telugu SemiBold" pitchFamily="2" charset="0"/>
+              </a:rPr>
+              <a:t>వేచియున్నాము సెలవిమ్ము దేవా</a:t>
+            </a:r>
+          </a:p>
+          <a:p>
+            <a:pPr>
+              <a:lnSpc>
+                <a:spcPct val="150000"/>
+              </a:lnSpc>
+            </a:pPr>
+            <a:r>
+              <a:rPr lang="te-IN" sz="1400" dirty="0">
+                <a:latin typeface="Anek Telugu SemiBold" pitchFamily="2" charset="0"/>
+                <a:cs typeface="Anek Telugu SemiBold" pitchFamily="2" charset="0"/>
+              </a:rPr>
+              <a:t>నీ ఆజ్ఞ పాటించెదమూ (2) స్తోత్రం</a:t>
             </a:r>
           </a:p>
         </p:txBody>
@@ -4067,8 +4137,8 @@
         </p:nvSpPr>
         <p:spPr>
           <a:xfrm>
-            <a:off x="417883" y="373287"/>
-            <a:ext cx="4544669" cy="4593565"/>
+            <a:off x="417883" y="256555"/>
+            <a:ext cx="4544669" cy="6232475"/>
           </a:xfrm>
           <a:prstGeom prst="rect">
             <a:avLst/>
@@ -4087,11 +4157,11 @@
               </a:lnSpc>
             </a:pPr>
             <a:r>
-              <a:rPr lang="te-IN" sz="1500" b="1" dirty="0">
-                <a:latin typeface="Anek Telugu SemiBold" pitchFamily="2" charset="0"/>
-                <a:cs typeface="Anek Telugu SemiBold" pitchFamily="2" charset="0"/>
-              </a:rPr>
-              <a:t>నీవు చేసిన మేళ్లకు</a:t>
+              <a:rPr lang="te-IN" sz="1400" b="1" dirty="0">
+                <a:latin typeface="Anek Telugu SemiBold" pitchFamily="2" charset="0"/>
+                <a:cs typeface="Anek Telugu SemiBold" pitchFamily="2" charset="0"/>
+              </a:rPr>
+              <a:t>యేసూ నీ కార్యములు ఎంతో గొప్పవి</a:t>
             </a:r>
           </a:p>
           <a:p>
@@ -4101,34 +4171,34 @@
               </a:lnSpc>
             </a:pPr>
             <a:r>
-              <a:rPr lang="te-IN" sz="1500" b="1" dirty="0">
-                <a:latin typeface="Anek Telugu SemiBold" pitchFamily="2" charset="0"/>
-                <a:cs typeface="Anek Telugu SemiBold" pitchFamily="2" charset="0"/>
-              </a:rPr>
-              <a:t>నీవు చూపిన కృపలకు (2)</a:t>
-            </a:r>
-          </a:p>
-          <a:p>
-            <a:pPr>
-              <a:lnSpc>
-                <a:spcPct val="150000"/>
-              </a:lnSpc>
-            </a:pPr>
-            <a:r>
-              <a:rPr lang="te-IN" sz="1500" b="1" dirty="0">
-                <a:latin typeface="Anek Telugu SemiBold" pitchFamily="2" charset="0"/>
-                <a:cs typeface="Anek Telugu SemiBold" pitchFamily="2" charset="0"/>
-              </a:rPr>
-              <a:t>వందనం యేసయ్యా (4)</a:t>
-            </a:r>
-          </a:p>
-          <a:p>
-            <a:pPr>
-              <a:lnSpc>
-                <a:spcPct val="150000"/>
-              </a:lnSpc>
-            </a:pPr>
-            <a:endParaRPr lang="te-IN" sz="1500" b="1" dirty="0">
+              <a:rPr lang="te-IN" sz="1400" b="1" dirty="0">
+                <a:latin typeface="Anek Telugu SemiBold" pitchFamily="2" charset="0"/>
+                <a:cs typeface="Anek Telugu SemiBold" pitchFamily="2" charset="0"/>
+              </a:rPr>
+              <a:t>తండ్రీ.. నీ తలంపులు లెక్కలేనివి </a:t>
+            </a:r>
+            <a:r>
+              <a:rPr lang="en-IN" sz="1400" b="1" dirty="0" err="1">
+                <a:latin typeface="Anek Telugu SemiBold" pitchFamily="2" charset="0"/>
+                <a:cs typeface="Anek Telugu SemiBold" pitchFamily="2" charset="0"/>
+              </a:rPr>
+              <a:t>ll</a:t>
+            </a:r>
+            <a:r>
+              <a:rPr lang="en-IN" sz="1400" b="1" dirty="0">
+                <a:latin typeface="Anek Telugu SemiBold" pitchFamily="2" charset="0"/>
+                <a:cs typeface="Anek Telugu SemiBold" pitchFamily="2" charset="0"/>
+              </a:rPr>
+              <a:t> 2 </a:t>
+            </a:r>
+            <a:r>
+              <a:rPr lang="en-IN" sz="1400" b="1" dirty="0" err="1">
+                <a:latin typeface="Anek Telugu SemiBold" pitchFamily="2" charset="0"/>
+                <a:cs typeface="Anek Telugu SemiBold" pitchFamily="2" charset="0"/>
+              </a:rPr>
+              <a:t>ll</a:t>
+            </a:r>
+            <a:endParaRPr lang="en-IN" sz="1400" b="1" dirty="0">
               <a:latin typeface="Anek Telugu SemiBold" pitchFamily="2" charset="0"/>
               <a:cs typeface="Anek Telugu SemiBold" pitchFamily="2" charset="0"/>
             </a:endParaRPr>
@@ -4140,11 +4210,11 @@
               </a:lnSpc>
             </a:pPr>
             <a:r>
-              <a:rPr lang="te-IN" sz="1500" b="1" dirty="0">
-                <a:latin typeface="Anek Telugu SemiBold" pitchFamily="2" charset="0"/>
-                <a:cs typeface="Anek Telugu SemiBold" pitchFamily="2" charset="0"/>
-              </a:rPr>
-              <a:t>ఏపాటివాడనని నేను</a:t>
+              <a:rPr lang="te-IN" sz="1400" b="1" dirty="0">
+                <a:latin typeface="Anek Telugu SemiBold" pitchFamily="2" charset="0"/>
+                <a:cs typeface="Anek Telugu SemiBold" pitchFamily="2" charset="0"/>
+              </a:rPr>
+              <a:t>అవి కంటికి కనబడవు</a:t>
             </a:r>
           </a:p>
           <a:p>
@@ -4154,48 +4224,34 @@
               </a:lnSpc>
             </a:pPr>
             <a:r>
-              <a:rPr lang="te-IN" sz="1500" b="1" dirty="0">
-                <a:latin typeface="Anek Telugu SemiBold" pitchFamily="2" charset="0"/>
-                <a:cs typeface="Anek Telugu SemiBold" pitchFamily="2" charset="0"/>
-              </a:rPr>
-              <a:t>నన్నెంతగానో ప్రేమించావు</a:t>
-            </a:r>
-          </a:p>
-          <a:p>
-            <a:pPr>
-              <a:lnSpc>
-                <a:spcPct val="150000"/>
-              </a:lnSpc>
-            </a:pPr>
-            <a:r>
-              <a:rPr lang="te-IN" sz="1500" b="1" dirty="0">
-                <a:latin typeface="Anek Telugu SemiBold" pitchFamily="2" charset="0"/>
-                <a:cs typeface="Anek Telugu SemiBold" pitchFamily="2" charset="0"/>
-              </a:rPr>
-              <a:t>అంచెలంచెలుగా హెచ్చించి</a:t>
-            </a:r>
-          </a:p>
-          <a:p>
-            <a:pPr>
-              <a:lnSpc>
-                <a:spcPct val="150000"/>
-              </a:lnSpc>
-            </a:pPr>
-            <a:r>
-              <a:rPr lang="te-IN" sz="1500" b="1" dirty="0">
-                <a:latin typeface="Anek Telugu SemiBold" pitchFamily="2" charset="0"/>
-                <a:cs typeface="Anek Telugu SemiBold" pitchFamily="2" charset="0"/>
-              </a:rPr>
-              <a:t>నన్నెంతగానో దీవించావు (2)</a:t>
-            </a:r>
-          </a:p>
-          <a:p>
-            <a:pPr>
-              <a:lnSpc>
-                <a:spcPct val="150000"/>
-              </a:lnSpc>
-            </a:pPr>
-            <a:endParaRPr lang="te-IN" sz="1500" b="1" dirty="0">
+              <a:rPr lang="te-IN" sz="1400" b="1" dirty="0">
+                <a:latin typeface="Anek Telugu SemiBold" pitchFamily="2" charset="0"/>
+                <a:cs typeface="Anek Telugu SemiBold" pitchFamily="2" charset="0"/>
+              </a:rPr>
+              <a:t>హృదయానికి అంతుచిక్కవు. </a:t>
+            </a:r>
+            <a:r>
+              <a:rPr lang="en-IN" sz="1400" b="1" dirty="0" err="1">
+                <a:latin typeface="Anek Telugu SemiBold" pitchFamily="2" charset="0"/>
+                <a:cs typeface="Anek Telugu SemiBold" pitchFamily="2" charset="0"/>
+              </a:rPr>
+              <a:t>ll</a:t>
+            </a:r>
+            <a:r>
+              <a:rPr lang="en-IN" sz="1400" b="1" dirty="0">
+                <a:latin typeface="Anek Telugu SemiBold" pitchFamily="2" charset="0"/>
+                <a:cs typeface="Anek Telugu SemiBold" pitchFamily="2" charset="0"/>
+              </a:rPr>
+              <a:t> 2 </a:t>
+            </a:r>
+            <a:r>
+              <a:rPr lang="en-IN" sz="1400" b="1" dirty="0" err="1">
+                <a:latin typeface="Anek Telugu SemiBold" pitchFamily="2" charset="0"/>
+                <a:cs typeface="Anek Telugu SemiBold" pitchFamily="2" charset="0"/>
+              </a:rPr>
+              <a:t>ll</a:t>
+            </a:r>
+            <a:endParaRPr lang="en-IN" sz="1400" b="1" dirty="0">
               <a:latin typeface="Anek Telugu SemiBold" pitchFamily="2" charset="0"/>
               <a:cs typeface="Anek Telugu SemiBold" pitchFamily="2" charset="0"/>
             </a:endParaRPr>
@@ -4206,13 +4262,10 @@
                 <a:spcPct val="150000"/>
               </a:lnSpc>
             </a:pPr>
-            <a:r>
-              <a:rPr lang="te-IN" sz="1500" b="1" dirty="0">
-                <a:latin typeface="Anek Telugu SemiBold" pitchFamily="2" charset="0"/>
-                <a:cs typeface="Anek Telugu SemiBold" pitchFamily="2" charset="0"/>
-              </a:rPr>
-              <a:t>బలహీనుడనైన నన్ను</a:t>
-            </a:r>
+            <a:endParaRPr lang="en-IN" sz="1400" b="1" dirty="0">
+              <a:latin typeface="Anek Telugu SemiBold" pitchFamily="2" charset="0"/>
+              <a:cs typeface="Anek Telugu SemiBold" pitchFamily="2" charset="0"/>
+            </a:endParaRPr>
           </a:p>
           <a:p>
             <a:pPr>
@@ -4221,11 +4274,11 @@
               </a:lnSpc>
             </a:pPr>
             <a:r>
-              <a:rPr lang="te-IN" sz="1500" b="1" dirty="0">
-                <a:latin typeface="Anek Telugu SemiBold" pitchFamily="2" charset="0"/>
-                <a:cs typeface="Anek Telugu SemiBold" pitchFamily="2" charset="0"/>
-              </a:rPr>
-              <a:t>నీవెంతగానో బలపరచావు</a:t>
+              <a:rPr lang="te-IN" sz="1400" b="1" dirty="0">
+                <a:latin typeface="Anek Telugu SemiBold" pitchFamily="2" charset="0"/>
+                <a:cs typeface="Anek Telugu SemiBold" pitchFamily="2" charset="0"/>
+              </a:rPr>
+              <a:t>కానా విందులో ఒకే మాటలతో – </a:t>
             </a:r>
           </a:p>
           <a:p>
@@ -4235,11 +4288,11 @@
               </a:lnSpc>
             </a:pPr>
             <a:r>
-              <a:rPr lang="te-IN" sz="1500" b="1" dirty="0">
-                <a:latin typeface="Anek Telugu SemiBold" pitchFamily="2" charset="0"/>
-                <a:cs typeface="Anek Telugu SemiBold" pitchFamily="2" charset="0"/>
-              </a:rPr>
-              <a:t>క్రీస్తేసు మహిమైశ్వర్యములో</a:t>
+              <a:rPr lang="te-IN" sz="1400" b="1" dirty="0">
+                <a:latin typeface="Anek Telugu SemiBold" pitchFamily="2" charset="0"/>
+                <a:cs typeface="Anek Telugu SemiBold" pitchFamily="2" charset="0"/>
+              </a:rPr>
+              <a:t>అద్భుతము చేసితివి</a:t>
             </a:r>
           </a:p>
           <a:p>
@@ -4249,12 +4302,235 @@
               </a:lnSpc>
             </a:pPr>
             <a:r>
-              <a:rPr lang="te-IN" sz="1500" b="1" dirty="0">
-                <a:latin typeface="Anek Telugu SemiBold" pitchFamily="2" charset="0"/>
-                <a:cs typeface="Anek Telugu SemiBold" pitchFamily="2" charset="0"/>
-              </a:rPr>
-              <a:t>ప్రతి అవసరమును తీర్చావు (2)</a:t>
-            </a:r>
+              <a:rPr lang="te-IN" sz="1400" b="1" dirty="0">
+                <a:latin typeface="Anek Telugu SemiBold" pitchFamily="2" charset="0"/>
+                <a:cs typeface="Anek Telugu SemiBold" pitchFamily="2" charset="0"/>
+              </a:rPr>
+              <a:t>చేప కడుపులో ఆశ్చర్యముగా – </a:t>
+            </a:r>
+          </a:p>
+          <a:p>
+            <a:pPr>
+              <a:lnSpc>
+                <a:spcPct val="150000"/>
+              </a:lnSpc>
+            </a:pPr>
+            <a:r>
+              <a:rPr lang="te-IN" sz="1400" b="1" dirty="0">
+                <a:latin typeface="Anek Telugu SemiBold" pitchFamily="2" charset="0"/>
+                <a:cs typeface="Anek Telugu SemiBold" pitchFamily="2" charset="0"/>
+              </a:rPr>
+              <a:t>యోనాను ఉంచితివి </a:t>
+            </a:r>
+            <a:r>
+              <a:rPr lang="en-IN" sz="1400" b="1" dirty="0" err="1">
+                <a:latin typeface="Anek Telugu SemiBold" pitchFamily="2" charset="0"/>
+                <a:cs typeface="Anek Telugu SemiBold" pitchFamily="2" charset="0"/>
+              </a:rPr>
+              <a:t>ll</a:t>
+            </a:r>
+            <a:r>
+              <a:rPr lang="en-IN" sz="1400" b="1" dirty="0">
+                <a:latin typeface="Anek Telugu SemiBold" pitchFamily="2" charset="0"/>
+                <a:cs typeface="Anek Telugu SemiBold" pitchFamily="2" charset="0"/>
+              </a:rPr>
+              <a:t> 2 </a:t>
+            </a:r>
+            <a:r>
+              <a:rPr lang="en-IN" sz="1400" b="1" dirty="0" err="1">
+                <a:latin typeface="Anek Telugu SemiBold" pitchFamily="2" charset="0"/>
+                <a:cs typeface="Anek Telugu SemiBold" pitchFamily="2" charset="0"/>
+              </a:rPr>
+              <a:t>ll</a:t>
+            </a:r>
+            <a:endParaRPr lang="en-IN" sz="1400" b="1" dirty="0">
+              <a:latin typeface="Anek Telugu SemiBold" pitchFamily="2" charset="0"/>
+              <a:cs typeface="Anek Telugu SemiBold" pitchFamily="2" charset="0"/>
+            </a:endParaRPr>
+          </a:p>
+          <a:p>
+            <a:pPr>
+              <a:lnSpc>
+                <a:spcPct val="150000"/>
+              </a:lnSpc>
+            </a:pPr>
+            <a:endParaRPr lang="en-IN" sz="1400" b="1" dirty="0">
+              <a:latin typeface="Anek Telugu SemiBold" pitchFamily="2" charset="0"/>
+              <a:cs typeface="Anek Telugu SemiBold" pitchFamily="2" charset="0"/>
+            </a:endParaRPr>
+          </a:p>
+          <a:p>
+            <a:pPr>
+              <a:lnSpc>
+                <a:spcPct val="150000"/>
+              </a:lnSpc>
+            </a:pPr>
+            <a:r>
+              <a:rPr lang="te-IN" sz="1400" b="1" dirty="0">
+                <a:latin typeface="Anek Telugu SemiBold" pitchFamily="2" charset="0"/>
+                <a:cs typeface="Anek Telugu SemiBold" pitchFamily="2" charset="0"/>
+              </a:rPr>
+              <a:t>షడ్రకు, మేషెకు, అబెద్నగోలతో – </a:t>
+            </a:r>
+          </a:p>
+          <a:p>
+            <a:pPr>
+              <a:lnSpc>
+                <a:spcPct val="150000"/>
+              </a:lnSpc>
+            </a:pPr>
+            <a:r>
+              <a:rPr lang="te-IN" sz="1400" b="1" dirty="0">
+                <a:latin typeface="Anek Telugu SemiBold" pitchFamily="2" charset="0"/>
+                <a:cs typeface="Anek Telugu SemiBold" pitchFamily="2" charset="0"/>
+              </a:rPr>
+              <a:t>అగ్నిలో నిలచితివి</a:t>
+            </a:r>
+          </a:p>
+          <a:p>
+            <a:pPr>
+              <a:lnSpc>
+                <a:spcPct val="150000"/>
+              </a:lnSpc>
+            </a:pPr>
+            <a:r>
+              <a:rPr lang="te-IN" sz="1400" b="1" dirty="0">
+                <a:latin typeface="Anek Telugu SemiBold" pitchFamily="2" charset="0"/>
+                <a:cs typeface="Anek Telugu SemiBold" pitchFamily="2" charset="0"/>
+              </a:rPr>
+              <a:t>దానియేలును సింహపు గుహలో – </a:t>
+            </a:r>
+          </a:p>
+          <a:p>
+            <a:pPr>
+              <a:lnSpc>
+                <a:spcPct val="150000"/>
+              </a:lnSpc>
+            </a:pPr>
+            <a:r>
+              <a:rPr lang="te-IN" sz="1400" b="1" dirty="0">
+                <a:latin typeface="Anek Telugu SemiBold" pitchFamily="2" charset="0"/>
+                <a:cs typeface="Anek Telugu SemiBold" pitchFamily="2" charset="0"/>
+              </a:rPr>
+              <a:t>విజయము నిచ్చితివి </a:t>
+            </a:r>
+            <a:r>
+              <a:rPr lang="en-IN" sz="1400" b="1" dirty="0" err="1">
+                <a:latin typeface="Anek Telugu SemiBold" pitchFamily="2" charset="0"/>
+                <a:cs typeface="Anek Telugu SemiBold" pitchFamily="2" charset="0"/>
+              </a:rPr>
+              <a:t>ll</a:t>
+            </a:r>
+            <a:r>
+              <a:rPr lang="en-IN" sz="1400" b="1" dirty="0">
+                <a:latin typeface="Anek Telugu SemiBold" pitchFamily="2" charset="0"/>
+                <a:cs typeface="Anek Telugu SemiBold" pitchFamily="2" charset="0"/>
+              </a:rPr>
+              <a:t> 2 </a:t>
+            </a:r>
+            <a:r>
+              <a:rPr lang="en-IN" sz="1400" b="1" dirty="0" err="1">
+                <a:latin typeface="Anek Telugu SemiBold" pitchFamily="2" charset="0"/>
+                <a:cs typeface="Anek Telugu SemiBold" pitchFamily="2" charset="0"/>
+              </a:rPr>
+              <a:t>ll</a:t>
+            </a:r>
+            <a:endParaRPr lang="en-IN" sz="1400" b="1" dirty="0">
+              <a:latin typeface="Anek Telugu SemiBold" pitchFamily="2" charset="0"/>
+              <a:cs typeface="Anek Telugu SemiBold" pitchFamily="2" charset="0"/>
+            </a:endParaRPr>
+          </a:p>
+          <a:p>
+            <a:pPr>
+              <a:lnSpc>
+                <a:spcPct val="150000"/>
+              </a:lnSpc>
+            </a:pPr>
+            <a:endParaRPr lang="en-IN" sz="1400" b="1" dirty="0">
+              <a:latin typeface="Anek Telugu SemiBold" pitchFamily="2" charset="0"/>
+              <a:cs typeface="Anek Telugu SemiBold" pitchFamily="2" charset="0"/>
+            </a:endParaRPr>
+          </a:p>
+          <a:p>
+            <a:pPr>
+              <a:lnSpc>
+                <a:spcPct val="150000"/>
+              </a:lnSpc>
+            </a:pPr>
+            <a:r>
+              <a:rPr lang="te-IN" sz="1400" b="1" dirty="0">
+                <a:latin typeface="Anek Telugu SemiBold" pitchFamily="2" charset="0"/>
+                <a:cs typeface="Anek Telugu SemiBold" pitchFamily="2" charset="0"/>
+              </a:rPr>
+              <a:t>పౌలు సీలలు ప్రార్ధించగా – </a:t>
+            </a:r>
+          </a:p>
+          <a:p>
+            <a:pPr>
+              <a:lnSpc>
+                <a:spcPct val="150000"/>
+              </a:lnSpc>
+            </a:pPr>
+            <a:r>
+              <a:rPr lang="te-IN" sz="1400" b="1" dirty="0">
+                <a:latin typeface="Anek Telugu SemiBold" pitchFamily="2" charset="0"/>
+                <a:cs typeface="Anek Telugu SemiBold" pitchFamily="2" charset="0"/>
+              </a:rPr>
+              <a:t>చెరసాల బ్రద్దలాయెనే</a:t>
+            </a:r>
+          </a:p>
+          <a:p>
+            <a:pPr>
+              <a:lnSpc>
+                <a:spcPct val="150000"/>
+              </a:lnSpc>
+            </a:pPr>
+            <a:r>
+              <a:rPr lang="te-IN" sz="1400" b="1" dirty="0">
+                <a:latin typeface="Anek Telugu SemiBold" pitchFamily="2" charset="0"/>
+                <a:cs typeface="Anek Telugu SemiBold" pitchFamily="2" charset="0"/>
+              </a:rPr>
+              <a:t>గొఱ్ఱెల కాపరి దావీదును – </a:t>
+            </a:r>
+          </a:p>
+          <a:p>
+            <a:pPr>
+              <a:lnSpc>
+                <a:spcPct val="150000"/>
+              </a:lnSpc>
+            </a:pPr>
+            <a:r>
+              <a:rPr lang="te-IN" sz="1400" b="1" dirty="0">
+                <a:latin typeface="Anek Telugu SemiBold" pitchFamily="2" charset="0"/>
+                <a:cs typeface="Anek Telugu SemiBold" pitchFamily="2" charset="0"/>
+              </a:rPr>
+              <a:t>రాజుగ చేసితివి </a:t>
+            </a:r>
+            <a:r>
+              <a:rPr lang="en-IN" sz="1400" b="1" dirty="0" err="1">
+                <a:latin typeface="Anek Telugu SemiBold" pitchFamily="2" charset="0"/>
+                <a:cs typeface="Anek Telugu SemiBold" pitchFamily="2" charset="0"/>
+              </a:rPr>
+              <a:t>ll</a:t>
+            </a:r>
+            <a:r>
+              <a:rPr lang="en-IN" sz="1400" b="1" dirty="0">
+                <a:latin typeface="Anek Telugu SemiBold" pitchFamily="2" charset="0"/>
+                <a:cs typeface="Anek Telugu SemiBold" pitchFamily="2" charset="0"/>
+              </a:rPr>
+              <a:t> 2 </a:t>
+            </a:r>
+            <a:r>
+              <a:rPr lang="en-IN" sz="1400" b="1" dirty="0" err="1">
+                <a:latin typeface="Anek Telugu SemiBold" pitchFamily="2" charset="0"/>
+                <a:cs typeface="Anek Telugu SemiBold" pitchFamily="2" charset="0"/>
+              </a:rPr>
+              <a:t>ll</a:t>
+            </a:r>
+            <a:endParaRPr lang="en-IN" sz="1400" b="1" dirty="0">
+              <a:latin typeface="Anek Telugu SemiBold" pitchFamily="2" charset="0"/>
+              <a:cs typeface="Anek Telugu SemiBold" pitchFamily="2" charset="0"/>
+            </a:endParaRPr>
           </a:p>
         </p:txBody>
       </p:sp>
@@ -4426,8 +4702,8 @@
         </p:nvSpPr>
         <p:spPr>
           <a:xfrm>
-            <a:off x="384763" y="283099"/>
-            <a:ext cx="4640796" cy="6232475"/>
+            <a:off x="359125" y="296761"/>
+            <a:ext cx="4640796" cy="4939814"/>
           </a:xfrm>
           <a:prstGeom prst="rect">
             <a:avLst/>
@@ -4450,7 +4726,7 @@
                 <a:latin typeface="Anek Telugu SemiBold" pitchFamily="2" charset="0"/>
                 <a:cs typeface="Anek Telugu SemiBold" pitchFamily="2" charset="0"/>
               </a:rPr>
-              <a:t>ఎన్ని తలచినా ఏది అడిగినా</a:t>
+              <a:t>ఎవరూ సమీపించలేని</a:t>
             </a:r>
           </a:p>
           <a:p>
@@ -4464,7 +4740,7 @@
                 <a:latin typeface="Anek Telugu SemiBold" pitchFamily="2" charset="0"/>
                 <a:cs typeface="Anek Telugu SemiBold" pitchFamily="2" charset="0"/>
               </a:rPr>
-              <a:t>జరిగేది నీ చిత్తమే (2) ప్రభువా</a:t>
+              <a:t>తేజస్సుతో నివసించు నా యేసయ్యా (2)</a:t>
             </a:r>
           </a:p>
           <a:p>
@@ -4478,7 +4754,7 @@
                 <a:latin typeface="Anek Telugu SemiBold" pitchFamily="2" charset="0"/>
                 <a:cs typeface="Anek Telugu SemiBold" pitchFamily="2" charset="0"/>
               </a:rPr>
-              <a:t>నీ వాక్కుకై వేచియుంటిని</a:t>
+              <a:t>నీ మహిమను ధరించిన పరిశుద్ధులు</a:t>
             </a:r>
           </a:p>
           <a:p>
@@ -4492,7 +4768,21 @@
                 <a:latin typeface="Anek Telugu SemiBold" pitchFamily="2" charset="0"/>
                 <a:cs typeface="Anek Telugu SemiBold" pitchFamily="2" charset="0"/>
               </a:rPr>
-              <a:t>నా ప్రార్థన ఆలకించుమా (2) ప్రభువా</a:t>
+              <a:t>నా కంటబడగానే (2)</a:t>
+            </a:r>
+          </a:p>
+          <a:p>
+            <a:pPr>
+              <a:lnSpc>
+                <a:spcPct val="150000"/>
+              </a:lnSpc>
+            </a:pPr>
+            <a:r>
+              <a:rPr lang="te-IN" sz="1400" dirty="0">
+                <a:latin typeface="Anek Telugu SemiBold" pitchFamily="2" charset="0"/>
+                <a:cs typeface="Anek Telugu SemiBold" pitchFamily="2" charset="0"/>
+              </a:rPr>
+              <a:t>ఏమౌదునో నేనేమౌదునో (2)</a:t>
             </a:r>
           </a:p>
           <a:p>
@@ -4517,7 +4807,7 @@
                 <a:latin typeface="Anek Telugu SemiBold" pitchFamily="2" charset="0"/>
                 <a:cs typeface="Anek Telugu SemiBold" pitchFamily="2" charset="0"/>
               </a:rPr>
-              <a:t>నీ తోడు లేక నీ ప్రేమ లేక</a:t>
+              <a:t>ఇహలోక బంధాలు మరచి</a:t>
             </a:r>
           </a:p>
           <a:p>
@@ -4531,7 +4821,7 @@
                 <a:latin typeface="Anek Telugu SemiBold" pitchFamily="2" charset="0"/>
                 <a:cs typeface="Anek Telugu SemiBold" pitchFamily="2" charset="0"/>
               </a:rPr>
-              <a:t>ఇలలోన ఏ ప్రాణి నిలువలేదు (2)</a:t>
+              <a:t>నీ యెదుటే నేను నిలిచి (2)</a:t>
             </a:r>
           </a:p>
           <a:p>
@@ -4545,7 +4835,7 @@
                 <a:latin typeface="Anek Telugu SemiBold" pitchFamily="2" charset="0"/>
                 <a:cs typeface="Anek Telugu SemiBold" pitchFamily="2" charset="0"/>
               </a:rPr>
-              <a:t>అడవి పూవులే నీ ప్రేమ పొందగా (2)</a:t>
+              <a:t>నీవీచుచు బహుమతులు నే స్వీకరించి</a:t>
             </a:r>
           </a:p>
           <a:p>
@@ -4559,7 +4849,7 @@
                 <a:latin typeface="Anek Telugu SemiBold" pitchFamily="2" charset="0"/>
                 <a:cs typeface="Anek Telugu SemiBold" pitchFamily="2" charset="0"/>
               </a:rPr>
-              <a:t>నా ప్రార్థన ఆలకించుమా (2) ప్రభువా      ||ఎన్ని||</a:t>
+              <a:t>నిత్యానందముతో పరవశించు వేళ (2)</a:t>
             </a:r>
           </a:p>
           <a:p>
@@ -4584,7 +4874,7 @@
                 <a:latin typeface="Anek Telugu SemiBold" pitchFamily="2" charset="0"/>
                 <a:cs typeface="Anek Telugu SemiBold" pitchFamily="2" charset="0"/>
               </a:rPr>
-              <a:t>నా ఇంటి దీపం నీవే అని తెలసి</a:t>
+              <a:t>పరలోక మహిమను తలచి</a:t>
             </a:r>
           </a:p>
           <a:p>
@@ -4598,7 +4888,7 @@
                 <a:latin typeface="Anek Telugu SemiBold" pitchFamily="2" charset="0"/>
                 <a:cs typeface="Anek Telugu SemiBold" pitchFamily="2" charset="0"/>
               </a:rPr>
-              <a:t>నా హృదయం నీ కొరకై పదిలపరచితి (2)</a:t>
+              <a:t>నీ పాద పద్మములపై ఒరిగి (2)</a:t>
             </a:r>
           </a:p>
           <a:p>
@@ -4612,7 +4902,7 @@
                 <a:latin typeface="Anek Telugu SemiBold" pitchFamily="2" charset="0"/>
                 <a:cs typeface="Anek Telugu SemiBold" pitchFamily="2" charset="0"/>
               </a:rPr>
-              <a:t>ఆరిపోయిన నా వెలుగు దీపము (2)</a:t>
+              <a:t>పరలోక సైన్య సమూహాలతో కలసి</a:t>
             </a:r>
           </a:p>
           <a:p>
@@ -4626,74 +4916,7 @@
                 <a:latin typeface="Anek Telugu SemiBold" pitchFamily="2" charset="0"/>
                 <a:cs typeface="Anek Telugu SemiBold" pitchFamily="2" charset="0"/>
               </a:rPr>
-              <a:t>వెలిగించుము నీ ప్రేమతో (2) ప్రభువా      ||ఎన్ని||</a:t>
-            </a:r>
-          </a:p>
-          <a:p>
-            <a:pPr>
-              <a:lnSpc>
-                <a:spcPct val="150000"/>
-              </a:lnSpc>
-            </a:pPr>
-            <a:endParaRPr lang="te-IN" sz="1400" dirty="0">
-              <a:latin typeface="Anek Telugu SemiBold" pitchFamily="2" charset="0"/>
-              <a:cs typeface="Anek Telugu SemiBold" pitchFamily="2" charset="0"/>
-            </a:endParaRPr>
-          </a:p>
-          <a:p>
-            <a:pPr>
-              <a:lnSpc>
-                <a:spcPct val="150000"/>
-              </a:lnSpc>
-            </a:pPr>
-            <a:r>
-              <a:rPr lang="te-IN" sz="1400" dirty="0">
-                <a:latin typeface="Anek Telugu SemiBold" pitchFamily="2" charset="0"/>
-                <a:cs typeface="Anek Telugu SemiBold" pitchFamily="2" charset="0"/>
-              </a:rPr>
-              <a:t>ఆపదలు నన్ను వెన్నంటియున్నా</a:t>
-            </a:r>
-          </a:p>
-          <a:p>
-            <a:pPr>
-              <a:lnSpc>
-                <a:spcPct val="150000"/>
-              </a:lnSpc>
-            </a:pPr>
-            <a:r>
-              <a:rPr lang="te-IN" sz="1400" dirty="0">
-                <a:latin typeface="Anek Telugu SemiBold" pitchFamily="2" charset="0"/>
-                <a:cs typeface="Anek Telugu SemiBold" pitchFamily="2" charset="0"/>
-              </a:rPr>
-              <a:t>నా కాపరి నీవై నన్నాదుకొంటివి (2)</a:t>
-            </a:r>
-          </a:p>
-          <a:p>
-            <a:pPr>
-              <a:lnSpc>
-                <a:spcPct val="150000"/>
-              </a:lnSpc>
-            </a:pPr>
-            <a:r>
-              <a:rPr lang="te-IN" sz="1400" dirty="0">
-                <a:latin typeface="Anek Telugu SemiBold" pitchFamily="2" charset="0"/>
-                <a:cs typeface="Anek Telugu SemiBold" pitchFamily="2" charset="0"/>
-              </a:rPr>
-              <a:t>లోకమంతయూ నన్ను విడచినా (2)</a:t>
-            </a:r>
-          </a:p>
-          <a:p>
-            <a:pPr>
-              <a:lnSpc>
-                <a:spcPct val="150000"/>
-              </a:lnSpc>
-            </a:pPr>
-            <a:r>
-              <a:rPr lang="te-IN" sz="1400" dirty="0">
-                <a:latin typeface="Anek Telugu SemiBold" pitchFamily="2" charset="0"/>
-                <a:cs typeface="Anek Telugu SemiBold" pitchFamily="2" charset="0"/>
-              </a:rPr>
-              <a:t>నీ నుండి వేరు చెయ్యవు (2) ప్రభువా ||ఎన్ని||</a:t>
+              <a:t>నిత్యారాధన నే చేయు ప్రశాంత వేళ (2)</a:t>
             </a:r>
           </a:p>
         </p:txBody>
@@ -4774,8 +4997,8 @@
         </p:nvSpPr>
         <p:spPr>
           <a:xfrm>
-            <a:off x="5188653" y="211301"/>
-            <a:ext cx="4749801" cy="6370975"/>
+            <a:off x="5156199" y="296761"/>
+            <a:ext cx="4749801" cy="5909310"/>
           </a:xfrm>
           <a:prstGeom prst="rect">
             <a:avLst/>
@@ -4794,48 +5017,13 @@
               </a:lnSpc>
             </a:pPr>
             <a:r>
-              <a:rPr lang="te-IN" sz="1600" b="1" dirty="0">
-                <a:latin typeface="Anek Telugu SemiBold" pitchFamily="2" charset="0"/>
-                <a:cs typeface="Anek Telugu SemiBold" pitchFamily="2" charset="0"/>
-              </a:rPr>
-              <a:t>నీ కృప నాకు చాలును</a:t>
-            </a:r>
-          </a:p>
-          <a:p>
-            <a:pPr defTabSz="439781">
-              <a:lnSpc>
-                <a:spcPct val="150000"/>
-              </a:lnSpc>
-            </a:pPr>
-            <a:r>
-              <a:rPr lang="te-IN" sz="1600" b="1" dirty="0">
-                <a:latin typeface="Anek Telugu SemiBold" pitchFamily="2" charset="0"/>
-                <a:cs typeface="Anek Telugu SemiBold" pitchFamily="2" charset="0"/>
-              </a:rPr>
-              <a:t>నీ కృప లేనిదే నే బ్రతుకలేను (2)</a:t>
-            </a:r>
-          </a:p>
-          <a:p>
-            <a:pPr defTabSz="439781">
-              <a:lnSpc>
-                <a:spcPct val="150000"/>
-              </a:lnSpc>
-            </a:pPr>
-            <a:r>
-              <a:rPr lang="te-IN" sz="1600" b="1" dirty="0">
-                <a:latin typeface="Anek Telugu SemiBold" pitchFamily="2" charset="0"/>
-                <a:cs typeface="Anek Telugu SemiBold" pitchFamily="2" charset="0"/>
-              </a:rPr>
-              <a:t>నీ కృప లేనిదే నే బ్రతుకలేను</a:t>
-            </a:r>
-          </a:p>
-          <a:p>
-            <a:pPr defTabSz="439781">
-              <a:lnSpc>
-                <a:spcPct val="150000"/>
-              </a:lnSpc>
-            </a:pPr>
-            <a:endParaRPr lang="te-IN" sz="1600" b="1" dirty="0">
+              <a:rPr lang="te-IN" sz="1400" b="1" dirty="0">
+                <a:latin typeface="Anek Telugu SemiBold" pitchFamily="2" charset="0"/>
+                <a:cs typeface="Anek Telugu SemiBold" pitchFamily="2" charset="0"/>
+              </a:rPr>
+              <a:t>అన్ని నామముల కన్న పై నామము </a:t>
+            </a:r>
+            <a:endParaRPr lang="en-IN" sz="1400" b="1" dirty="0">
               <a:latin typeface="Anek Telugu SemiBold" pitchFamily="2" charset="0"/>
               <a:cs typeface="Anek Telugu SemiBold" pitchFamily="2" charset="0"/>
             </a:endParaRPr>
@@ -4847,90 +5035,26 @@
               </a:lnSpc>
             </a:pPr>
             <a:r>
-              <a:rPr lang="te-IN" sz="1600" b="1" dirty="0">
-                <a:latin typeface="Anek Telugu SemiBold" pitchFamily="2" charset="0"/>
-                <a:cs typeface="Anek Telugu SemiBold" pitchFamily="2" charset="0"/>
-              </a:rPr>
-              <a:t>జల రాసులన్ని ఏక రాసిగా</a:t>
-            </a:r>
-          </a:p>
-          <a:p>
-            <a:pPr defTabSz="439781">
-              <a:lnSpc>
-                <a:spcPct val="150000"/>
-              </a:lnSpc>
-            </a:pPr>
-            <a:r>
-              <a:rPr lang="te-IN" sz="1600" b="1" dirty="0">
-                <a:latin typeface="Anek Telugu SemiBold" pitchFamily="2" charset="0"/>
-                <a:cs typeface="Anek Telugu SemiBold" pitchFamily="2" charset="0"/>
-              </a:rPr>
-              <a:t>నిలిచిపోయెనే నీ జనుల ఎదుట (2)</a:t>
-            </a:r>
-          </a:p>
-          <a:p>
-            <a:pPr defTabSz="439781">
-              <a:lnSpc>
-                <a:spcPct val="150000"/>
-              </a:lnSpc>
-            </a:pPr>
-            <a:r>
-              <a:rPr lang="te-IN" sz="1600" b="1" dirty="0">
-                <a:latin typeface="Anek Telugu SemiBold" pitchFamily="2" charset="0"/>
-                <a:cs typeface="Anek Telugu SemiBold" pitchFamily="2" charset="0"/>
-              </a:rPr>
-              <a:t>అవి భూకంపాలే అయినా</a:t>
-            </a:r>
-          </a:p>
-          <a:p>
-            <a:pPr defTabSz="439781">
-              <a:lnSpc>
-                <a:spcPct val="150000"/>
-              </a:lnSpc>
-            </a:pPr>
-            <a:r>
-              <a:rPr lang="te-IN" sz="1600" b="1" dirty="0">
-                <a:latin typeface="Anek Telugu SemiBold" pitchFamily="2" charset="0"/>
-                <a:cs typeface="Anek Telugu SemiBold" pitchFamily="2" charset="0"/>
-              </a:rPr>
-              <a:t>పెను తుఫానులే అయినా (2)</a:t>
-            </a:r>
-          </a:p>
-          <a:p>
-            <a:pPr defTabSz="439781">
-              <a:lnSpc>
-                <a:spcPct val="150000"/>
-              </a:lnSpc>
-            </a:pPr>
-            <a:r>
-              <a:rPr lang="te-IN" sz="1600" b="1" dirty="0">
-                <a:latin typeface="Anek Telugu SemiBold" pitchFamily="2" charset="0"/>
-                <a:cs typeface="Anek Telugu SemiBold" pitchFamily="2" charset="0"/>
-              </a:rPr>
-              <a:t>నీ కృపయే శాశించునా</a:t>
-            </a:r>
-          </a:p>
-          <a:p>
-            <a:pPr defTabSz="439781">
-              <a:lnSpc>
-                <a:spcPct val="150000"/>
-              </a:lnSpc>
-            </a:pPr>
-            <a:r>
-              <a:rPr lang="te-IN" sz="1600" b="1" dirty="0">
-                <a:latin typeface="Anek Telugu SemiBold" pitchFamily="2" charset="0"/>
-                <a:cs typeface="Anek Telugu SemiBold" pitchFamily="2" charset="0"/>
-              </a:rPr>
-              <a:t>అవి అణగిపోవునా (2)         ||నీ కృప||</a:t>
-            </a:r>
-          </a:p>
-          <a:p>
-            <a:pPr defTabSz="439781">
-              <a:lnSpc>
-                <a:spcPct val="150000"/>
-              </a:lnSpc>
-            </a:pPr>
-            <a:endParaRPr lang="te-IN" sz="1600" b="1" dirty="0">
+              <a:rPr lang="te-IN" sz="1400" b="1" dirty="0">
+                <a:latin typeface="Anek Telugu SemiBold" pitchFamily="2" charset="0"/>
+                <a:cs typeface="Anek Telugu SemiBold" pitchFamily="2" charset="0"/>
+              </a:rPr>
+              <a:t>యేసుని నామము</a:t>
+            </a:r>
+            <a:br>
+              <a:rPr lang="te-IN" sz="1400" b="1" dirty="0">
+                <a:latin typeface="Anek Telugu SemiBold" pitchFamily="2" charset="0"/>
+                <a:cs typeface="Anek Telugu SemiBold" pitchFamily="2" charset="0"/>
+              </a:rPr>
+            </a:br>
+            <a:r>
+              <a:rPr lang="te-IN" sz="1400" b="1" dirty="0">
+                <a:latin typeface="Anek Telugu SemiBold" pitchFamily="2" charset="0"/>
+                <a:cs typeface="Anek Telugu SemiBold" pitchFamily="2" charset="0"/>
+              </a:rPr>
+              <a:t>ఎన్ని తరములకైనా ఘనపరచ దగినది</a:t>
+            </a:r>
+            <a:endParaRPr lang="en-IN" sz="1400" b="1" dirty="0">
               <a:latin typeface="Anek Telugu SemiBold" pitchFamily="2" charset="0"/>
               <a:cs typeface="Anek Telugu SemiBold" pitchFamily="2" charset="0"/>
             </a:endParaRPr>
@@ -4942,11 +5066,11 @@
               </a:lnSpc>
             </a:pPr>
             <a:r>
-              <a:rPr lang="te-IN" sz="1600" b="1" dirty="0">
-                <a:latin typeface="Anek Telugu SemiBold" pitchFamily="2" charset="0"/>
-                <a:cs typeface="Anek Telugu SemiBold" pitchFamily="2" charset="0"/>
-              </a:rPr>
-              <a:t>జగదుద్పత్తికి ముందుగానే</a:t>
+              <a:rPr lang="te-IN" sz="1400" b="1" dirty="0">
+                <a:latin typeface="Anek Telugu SemiBold" pitchFamily="2" charset="0"/>
+                <a:cs typeface="Anek Telugu SemiBold" pitchFamily="2" charset="0"/>
+              </a:rPr>
+              <a:t>క్రీస్తేసు నామము (2)</a:t>
             </a:r>
           </a:p>
           <a:p>
@@ -4956,12 +5080,16 @@
               </a:lnSpc>
             </a:pPr>
             <a:r>
-              <a:rPr lang="te-IN" sz="1600" b="1" dirty="0">
-                <a:latin typeface="Anek Telugu SemiBold" pitchFamily="2" charset="0"/>
-                <a:cs typeface="Anek Telugu SemiBold" pitchFamily="2" charset="0"/>
-              </a:rPr>
-              <a:t>ఏర్పరచుకొని నన్ను పిలచితివా (2)</a:t>
-            </a:r>
+              <a:rPr lang="te-IN" sz="1400" b="1" dirty="0">
+                <a:latin typeface="Anek Telugu SemiBold" pitchFamily="2" charset="0"/>
+                <a:cs typeface="Anek Telugu SemiBold" pitchFamily="2" charset="0"/>
+              </a:rPr>
+              <a:t>యేసు నామము జయం జయము –</a:t>
+            </a:r>
+            <a:endParaRPr lang="en-IN" sz="1400" b="1" dirty="0">
+              <a:latin typeface="Anek Telugu SemiBold" pitchFamily="2" charset="0"/>
+              <a:cs typeface="Anek Telugu SemiBold" pitchFamily="2" charset="0"/>
+            </a:endParaRPr>
           </a:p>
           <a:p>
             <a:pPr defTabSz="439781">
@@ -4970,12 +5098,29 @@
               </a:lnSpc>
             </a:pPr>
             <a:r>
-              <a:rPr lang="te-IN" sz="1600" b="1" dirty="0">
-                <a:latin typeface="Anek Telugu SemiBold" pitchFamily="2" charset="0"/>
-                <a:cs typeface="Anek Telugu SemiBold" pitchFamily="2" charset="0"/>
-              </a:rPr>
-              <a:t>నీ పిలుపే స్థిరపరచెనే</a:t>
-            </a:r>
+              <a:rPr lang="te-IN" sz="1400" b="1" dirty="0">
+                <a:latin typeface="Anek Telugu SemiBold" pitchFamily="2" charset="0"/>
+                <a:cs typeface="Anek Telugu SemiBold" pitchFamily="2" charset="0"/>
+              </a:rPr>
+              <a:t>సాతాను శక్తుల్ లయం లయము (2)</a:t>
+            </a:r>
+            <a:br>
+              <a:rPr lang="te-IN" sz="1400" b="1" dirty="0">
+                <a:latin typeface="Anek Telugu SemiBold" pitchFamily="2" charset="0"/>
+                <a:cs typeface="Anek Telugu SemiBold" pitchFamily="2" charset="0"/>
+              </a:rPr>
+            </a:br>
+            <a:r>
+              <a:rPr lang="te-IN" sz="1400" b="1" dirty="0">
+                <a:latin typeface="Anek Telugu SemiBold" pitchFamily="2" charset="0"/>
+                <a:cs typeface="Anek Telugu SemiBold" pitchFamily="2" charset="0"/>
+              </a:rPr>
+              <a:t>హల్లెలూయ హోసన్న హల్లెలూయా  - </a:t>
+            </a:r>
+            <a:endParaRPr lang="en-IN" sz="1400" b="1" dirty="0">
+              <a:latin typeface="Anek Telugu SemiBold" pitchFamily="2" charset="0"/>
+              <a:cs typeface="Anek Telugu SemiBold" pitchFamily="2" charset="0"/>
+            </a:endParaRPr>
           </a:p>
           <a:p>
             <a:pPr defTabSz="439781">
@@ -4984,11 +5129,11 @@
               </a:lnSpc>
             </a:pPr>
             <a:r>
-              <a:rPr lang="te-IN" sz="1600" b="1" dirty="0">
-                <a:latin typeface="Anek Telugu SemiBold" pitchFamily="2" charset="0"/>
-                <a:cs typeface="Anek Telugu SemiBold" pitchFamily="2" charset="0"/>
-              </a:rPr>
-              <a:t>నీ కృపయే బలపరచెనే (2)</a:t>
+              <a:rPr lang="te-IN" sz="1400" b="1" dirty="0">
+                <a:latin typeface="Anek Telugu SemiBold" pitchFamily="2" charset="0"/>
+                <a:cs typeface="Anek Telugu SemiBold" pitchFamily="2" charset="0"/>
+              </a:rPr>
+              <a:t>హల్లెలూయా ఆమెన్ (2)</a:t>
             </a:r>
           </a:p>
           <a:p>
@@ -4997,13 +5142,10 @@
                 <a:spcPct val="150000"/>
               </a:lnSpc>
             </a:pPr>
-            <a:r>
-              <a:rPr lang="te-IN" sz="1600" b="1" dirty="0">
-                <a:latin typeface="Anek Telugu SemiBold" pitchFamily="2" charset="0"/>
-                <a:cs typeface="Anek Telugu SemiBold" pitchFamily="2" charset="0"/>
-              </a:rPr>
-              <a:t>నీ కృపయే ఈ పరిచర్యను</a:t>
-            </a:r>
+            <a:endParaRPr lang="te-IN" sz="1400" b="1" dirty="0">
+              <a:latin typeface="Anek Telugu SemiBold" pitchFamily="2" charset="0"/>
+              <a:cs typeface="Anek Telugu SemiBold" pitchFamily="2" charset="0"/>
+            </a:endParaRPr>
           </a:p>
           <a:p>
             <a:pPr defTabSz="439781">
@@ -5012,11 +5154,116 @@
               </a:lnSpc>
             </a:pPr>
             <a:r>
-              <a:rPr lang="te-IN" sz="1600" b="1" dirty="0">
-                <a:latin typeface="Anek Telugu SemiBold" pitchFamily="2" charset="0"/>
-                <a:cs typeface="Anek Telugu SemiBold" pitchFamily="2" charset="0"/>
-              </a:rPr>
-              <a:t>నాకు అనుగ్రహించెను (2)      ||నీ కృప||</a:t>
+              <a:rPr lang="te-IN" sz="1400" b="1" dirty="0">
+                <a:latin typeface="Anek Telugu SemiBold" pitchFamily="2" charset="0"/>
+                <a:cs typeface="Anek Telugu SemiBold" pitchFamily="2" charset="0"/>
+              </a:rPr>
+              <a:t>పాపముల నుండి విడిపించును </a:t>
+            </a:r>
+          </a:p>
+          <a:p>
+            <a:pPr defTabSz="439781">
+              <a:lnSpc>
+                <a:spcPct val="150000"/>
+              </a:lnSpc>
+            </a:pPr>
+            <a:r>
+              <a:rPr lang="te-IN" sz="1400" b="1" dirty="0">
+                <a:latin typeface="Anek Telugu SemiBold" pitchFamily="2" charset="0"/>
+                <a:cs typeface="Anek Telugu SemiBold" pitchFamily="2" charset="0"/>
+              </a:rPr>
+              <a:t>యేసుని నామము (2)</a:t>
+            </a:r>
+            <a:br>
+              <a:rPr lang="te-IN" sz="1400" b="1" dirty="0">
+                <a:latin typeface="Anek Telugu SemiBold" pitchFamily="2" charset="0"/>
+                <a:cs typeface="Anek Telugu SemiBold" pitchFamily="2" charset="0"/>
+              </a:rPr>
+            </a:br>
+            <a:r>
+              <a:rPr lang="te-IN" sz="1400" b="1" dirty="0">
+                <a:latin typeface="Anek Telugu SemiBold" pitchFamily="2" charset="0"/>
+                <a:cs typeface="Anek Telugu SemiBold" pitchFamily="2" charset="0"/>
+              </a:rPr>
+              <a:t>నిత్య నరకాగ్నిలో నుండి రక్షించును </a:t>
+            </a:r>
+          </a:p>
+          <a:p>
+            <a:pPr defTabSz="439781">
+              <a:lnSpc>
+                <a:spcPct val="150000"/>
+              </a:lnSpc>
+            </a:pPr>
+            <a:r>
+              <a:rPr lang="te-IN" sz="1400" b="1" dirty="0">
+                <a:latin typeface="Anek Telugu SemiBold" pitchFamily="2" charset="0"/>
+                <a:cs typeface="Anek Telugu SemiBold" pitchFamily="2" charset="0"/>
+              </a:rPr>
+              <a:t> క్రీస్తేసు నామము (2) </a:t>
+            </a:r>
+          </a:p>
+          <a:p>
+            <a:pPr defTabSz="439781">
+              <a:lnSpc>
+                <a:spcPct val="150000"/>
+              </a:lnSpc>
+            </a:pPr>
+            <a:endParaRPr lang="te-IN" sz="1400" b="1" dirty="0">
+              <a:latin typeface="Anek Telugu SemiBold" pitchFamily="2" charset="0"/>
+              <a:cs typeface="Anek Telugu SemiBold" pitchFamily="2" charset="0"/>
+            </a:endParaRPr>
+          </a:p>
+          <a:p>
+            <a:pPr defTabSz="439781">
+              <a:lnSpc>
+                <a:spcPct val="150000"/>
+              </a:lnSpc>
+            </a:pPr>
+            <a:r>
+              <a:rPr lang="te-IN" sz="1400" b="1" dirty="0">
+                <a:latin typeface="Anek Telugu SemiBold" pitchFamily="2" charset="0"/>
+                <a:cs typeface="Anek Telugu SemiBold" pitchFamily="2" charset="0"/>
+              </a:rPr>
+              <a:t>సాతాను పై అధికారమిచ్చును</a:t>
+            </a:r>
+            <a:br>
+              <a:rPr lang="te-IN" sz="1400" b="1" dirty="0">
+                <a:latin typeface="Anek Telugu SemiBold" pitchFamily="2" charset="0"/>
+                <a:cs typeface="Anek Telugu SemiBold" pitchFamily="2" charset="0"/>
+              </a:rPr>
+            </a:br>
+            <a:r>
+              <a:rPr lang="te-IN" sz="1400" b="1" dirty="0">
+                <a:latin typeface="Anek Telugu SemiBold" pitchFamily="2" charset="0"/>
+                <a:cs typeface="Anek Telugu SemiBold" pitchFamily="2" charset="0"/>
+              </a:rPr>
+              <a:t>శక్తిగలిగిన యేసు నామము (2)</a:t>
+            </a:r>
+            <a:br>
+              <a:rPr lang="te-IN" sz="1400" b="1" dirty="0">
+                <a:latin typeface="Anek Telugu SemiBold" pitchFamily="2" charset="0"/>
+                <a:cs typeface="Anek Telugu SemiBold" pitchFamily="2" charset="0"/>
+              </a:rPr>
+            </a:br>
+            <a:r>
+              <a:rPr lang="te-IN" sz="1400" b="1" dirty="0">
+                <a:latin typeface="Anek Telugu SemiBold" pitchFamily="2" charset="0"/>
+                <a:cs typeface="Anek Telugu SemiBold" pitchFamily="2" charset="0"/>
+              </a:rPr>
+              <a:t>శత్రు సమూహము పై జయమునిచ్చును</a:t>
+            </a:r>
+            <a:br>
+              <a:rPr lang="te-IN" sz="1400" b="1" dirty="0">
+                <a:latin typeface="Anek Telugu SemiBold" pitchFamily="2" charset="0"/>
+                <a:cs typeface="Anek Telugu SemiBold" pitchFamily="2" charset="0"/>
+              </a:rPr>
+            </a:br>
+            <a:r>
+              <a:rPr lang="te-IN" sz="1400" b="1" dirty="0">
+                <a:latin typeface="Anek Telugu SemiBold" pitchFamily="2" charset="0"/>
+                <a:cs typeface="Anek Telugu SemiBold" pitchFamily="2" charset="0"/>
+              </a:rPr>
+              <a:t>జయశీలుడైన యేసు నామము (2) </a:t>
             </a:r>
           </a:p>
         </p:txBody>

--- a/songsTemplate.pptx
+++ b/songsTemplate.pptx
@@ -135,26 +135,42 @@
   <pc:docChgLst>
     <pc:chgData name="Venu Yalapala" userId="9feb8bbceceecaca" providerId="LiveId" clId="{CD4B1779-0926-477D-B902-440342C52CB5}"/>
     <pc:docChg chg="undo custSel modSld">
-      <pc:chgData name="Venu Yalapala" userId="9feb8bbceceecaca" providerId="LiveId" clId="{CD4B1779-0926-477D-B902-440342C52CB5}" dt="2025-06-28T09:39:04.679" v="36" actId="1076"/>
+      <pc:chgData name="Venu Yalapala" userId="9feb8bbceceecaca" providerId="LiveId" clId="{CD4B1779-0926-477D-B902-440342C52CB5}" dt="2025-06-28T16:28:20.891" v="166" actId="478"/>
       <pc:docMkLst>
         <pc:docMk/>
       </pc:docMkLst>
-      <pc:sldChg chg="modSp mod">
-        <pc:chgData name="Venu Yalapala" userId="9feb8bbceceecaca" providerId="LiveId" clId="{CD4B1779-0926-477D-B902-440342C52CB5}" dt="2025-06-28T09:39:04.679" v="36" actId="1076"/>
+      <pc:sldChg chg="delSp modSp mod">
+        <pc:chgData name="Venu Yalapala" userId="9feb8bbceceecaca" providerId="LiveId" clId="{CD4B1779-0926-477D-B902-440342C52CB5}" dt="2025-06-28T16:28:17.590" v="164" actId="478"/>
         <pc:sldMkLst>
           <pc:docMk/>
           <pc:sldMk cId="3342490066" sldId="256"/>
         </pc:sldMkLst>
+        <pc:spChg chg="del">
+          <ac:chgData name="Venu Yalapala" userId="9feb8bbceceecaca" providerId="LiveId" clId="{CD4B1779-0926-477D-B902-440342C52CB5}" dt="2025-06-28T16:28:17.590" v="164" actId="478"/>
+          <ac:spMkLst>
+            <pc:docMk/>
+            <pc:sldMk cId="3342490066" sldId="256"/>
+            <ac:spMk id="2" creationId="{3677D164-3D42-4CA2-F7B4-A173B6736AD4}"/>
+          </ac:spMkLst>
+        </pc:spChg>
         <pc:spChg chg="mod">
-          <ac:chgData name="Venu Yalapala" userId="9feb8bbceceecaca" providerId="LiveId" clId="{CD4B1779-0926-477D-B902-440342C52CB5}" dt="2025-06-28T09:39:04.679" v="36" actId="1076"/>
+          <ac:chgData name="Venu Yalapala" userId="9feb8bbceceecaca" providerId="LiveId" clId="{CD4B1779-0926-477D-B902-440342C52CB5}" dt="2025-06-28T16:25:18.803" v="163" actId="20577"/>
           <ac:spMkLst>
             <pc:docMk/>
             <pc:sldMk cId="3342490066" sldId="256"/>
             <ac:spMk id="12" creationId="{DD950E5A-63C0-4187-892B-9549599FCD15}"/>
           </ac:spMkLst>
         </pc:spChg>
+        <pc:spChg chg="del">
+          <ac:chgData name="Venu Yalapala" userId="9feb8bbceceecaca" providerId="LiveId" clId="{CD4B1779-0926-477D-B902-440342C52CB5}" dt="2025-06-28T16:28:17.590" v="164" actId="478"/>
+          <ac:spMkLst>
+            <pc:docMk/>
+            <pc:sldMk cId="3342490066" sldId="256"/>
+            <ac:spMk id="13" creationId="{26F461D1-594E-4D24-8238-761378173A6A}"/>
+          </ac:spMkLst>
+        </pc:spChg>
         <pc:spChg chg="mod">
-          <ac:chgData name="Venu Yalapala" userId="9feb8bbceceecaca" providerId="LiveId" clId="{CD4B1779-0926-477D-B902-440342C52CB5}" dt="2025-06-28T09:37:46.768" v="12" actId="1035"/>
+          <ac:chgData name="Venu Yalapala" userId="9feb8bbceceecaca" providerId="LiveId" clId="{CD4B1779-0926-477D-B902-440342C52CB5}" dt="2025-06-28T16:23:44.541" v="86" actId="1076"/>
           <ac:spMkLst>
             <pc:docMk/>
             <pc:sldMk cId="3342490066" sldId="256"/>
@@ -162,18 +178,26 @@
           </ac:spMkLst>
         </pc:spChg>
       </pc:sldChg>
-      <pc:sldChg chg="modSp mod">
-        <pc:chgData name="Venu Yalapala" userId="9feb8bbceceecaca" providerId="LiveId" clId="{CD4B1779-0926-477D-B902-440342C52CB5}" dt="2025-06-28T09:38:43.740" v="31" actId="404"/>
+      <pc:sldChg chg="delSp modSp mod">
+        <pc:chgData name="Venu Yalapala" userId="9feb8bbceceecaca" providerId="LiveId" clId="{CD4B1779-0926-477D-B902-440342C52CB5}" dt="2025-06-28T16:28:20.891" v="166" actId="478"/>
         <pc:sldMkLst>
           <pc:docMk/>
           <pc:sldMk cId="2536218313" sldId="258"/>
         </pc:sldMkLst>
         <pc:spChg chg="mod">
-          <ac:chgData name="Venu Yalapala" userId="9feb8bbceceecaca" providerId="LiveId" clId="{CD4B1779-0926-477D-B902-440342C52CB5}" dt="2025-06-28T09:38:07.031" v="18" actId="1076"/>
+          <ac:chgData name="Venu Yalapala" userId="9feb8bbceceecaca" providerId="LiveId" clId="{CD4B1779-0926-477D-B902-440342C52CB5}" dt="2025-06-28T16:21:26.861" v="56" actId="20577"/>
           <ac:spMkLst>
             <pc:docMk/>
             <pc:sldMk cId="2536218313" sldId="258"/>
             <ac:spMk id="4" creationId="{FB41F474-87B0-C226-746A-F4BD47A88133}"/>
+          </ac:spMkLst>
+        </pc:spChg>
+        <pc:spChg chg="del">
+          <ac:chgData name="Venu Yalapala" userId="9feb8bbceceecaca" providerId="LiveId" clId="{CD4B1779-0926-477D-B902-440342C52CB5}" dt="2025-06-28T16:28:19.843" v="165" actId="478"/>
+          <ac:spMkLst>
+            <pc:docMk/>
+            <pc:sldMk cId="2536218313" sldId="258"/>
+            <ac:spMk id="5" creationId="{378DC577-39F5-A6AC-DF89-B2666B06ACF9}"/>
           </ac:spMkLst>
         </pc:spChg>
         <pc:spChg chg="mod">
@@ -182,6 +206,14 @@
             <pc:docMk/>
             <pc:sldMk cId="2536218313" sldId="258"/>
             <ac:spMk id="7" creationId="{37D46B4B-CD57-310D-B542-FE6B01F388E7}"/>
+          </ac:spMkLst>
+        </pc:spChg>
+        <pc:spChg chg="del">
+          <ac:chgData name="Venu Yalapala" userId="9feb8bbceceecaca" providerId="LiveId" clId="{CD4B1779-0926-477D-B902-440342C52CB5}" dt="2025-06-28T16:28:20.891" v="166" actId="478"/>
+          <ac:spMkLst>
+            <pc:docMk/>
+            <pc:sldMk cId="2536218313" sldId="258"/>
+            <ac:spMk id="9" creationId="{4DA14023-6190-39C5-C6B6-5C235D6210F9}"/>
           </ac:spMkLst>
         </pc:spChg>
       </pc:sldChg>
@@ -4023,7 +4055,7 @@
                 <a:latin typeface="Anek Telugu SemiBold" pitchFamily="2" charset="0"/>
                 <a:cs typeface="Anek Telugu SemiBold" pitchFamily="2" charset="0"/>
               </a:rPr>
-              <a:t>యెహోవా యిరే నీవే (2)</a:t>
+              <a:t>యెహోవా యీరే నీవే (2)</a:t>
             </a:r>
           </a:p>
           <a:p>
@@ -4137,8 +4169,8 @@
         </p:nvSpPr>
         <p:spPr>
           <a:xfrm>
-            <a:off x="417883" y="256555"/>
-            <a:ext cx="4544669" cy="6232475"/>
+            <a:off x="476519" y="460973"/>
+            <a:ext cx="4544669" cy="5447645"/>
           </a:xfrm>
           <a:prstGeom prst="rect">
             <a:avLst/>
@@ -4157,7 +4189,7 @@
               </a:lnSpc>
             </a:pPr>
             <a:r>
-              <a:rPr lang="te-IN" sz="1400" b="1" dirty="0">
+              <a:rPr lang="te-IN" sz="1600" b="1" dirty="0">
                 <a:latin typeface="Anek Telugu SemiBold" pitchFamily="2" charset="0"/>
                 <a:cs typeface="Anek Telugu SemiBold" pitchFamily="2" charset="0"/>
               </a:rPr>
@@ -4171,34 +4203,34 @@
               </a:lnSpc>
             </a:pPr>
             <a:r>
-              <a:rPr lang="te-IN" sz="1400" b="1" dirty="0">
+              <a:rPr lang="te-IN" sz="1600" b="1" dirty="0">
                 <a:latin typeface="Anek Telugu SemiBold" pitchFamily="2" charset="0"/>
                 <a:cs typeface="Anek Telugu SemiBold" pitchFamily="2" charset="0"/>
               </a:rPr>
               <a:t>తండ్రీ.. నీ తలంపులు లెక్కలేనివి </a:t>
             </a:r>
             <a:r>
-              <a:rPr lang="en-IN" sz="1400" b="1" dirty="0" err="1">
+              <a:rPr lang="en-IN" sz="1600" b="1" dirty="0" err="1">
                 <a:latin typeface="Anek Telugu SemiBold" pitchFamily="2" charset="0"/>
                 <a:cs typeface="Anek Telugu SemiBold" pitchFamily="2" charset="0"/>
               </a:rPr>
               <a:t>ll</a:t>
             </a:r>
             <a:r>
-              <a:rPr lang="en-IN" sz="1400" b="1" dirty="0">
+              <a:rPr lang="en-IN" sz="1600" b="1" dirty="0">
                 <a:latin typeface="Anek Telugu SemiBold" pitchFamily="2" charset="0"/>
                 <a:cs typeface="Anek Telugu SemiBold" pitchFamily="2" charset="0"/>
               </a:rPr>
               <a:t> 2 </a:t>
             </a:r>
             <a:r>
-              <a:rPr lang="en-IN" sz="1400" b="1" dirty="0" err="1">
+              <a:rPr lang="en-IN" sz="1600" b="1" dirty="0" err="1">
                 <a:latin typeface="Anek Telugu SemiBold" pitchFamily="2" charset="0"/>
                 <a:cs typeface="Anek Telugu SemiBold" pitchFamily="2" charset="0"/>
               </a:rPr>
               <a:t>ll</a:t>
             </a:r>
-            <a:endParaRPr lang="en-IN" sz="1400" b="1" dirty="0">
+            <a:endParaRPr lang="en-IN" sz="1600" b="1" dirty="0">
               <a:latin typeface="Anek Telugu SemiBold" pitchFamily="2" charset="0"/>
               <a:cs typeface="Anek Telugu SemiBold" pitchFamily="2" charset="0"/>
             </a:endParaRPr>
@@ -4210,7 +4242,7 @@
               </a:lnSpc>
             </a:pPr>
             <a:r>
-              <a:rPr lang="te-IN" sz="1400" b="1" dirty="0">
+              <a:rPr lang="te-IN" sz="1600" b="1" dirty="0">
                 <a:latin typeface="Anek Telugu SemiBold" pitchFamily="2" charset="0"/>
                 <a:cs typeface="Anek Telugu SemiBold" pitchFamily="2" charset="0"/>
               </a:rPr>
@@ -4224,34 +4256,34 @@
               </a:lnSpc>
             </a:pPr>
             <a:r>
-              <a:rPr lang="te-IN" sz="1400" b="1" dirty="0">
+              <a:rPr lang="te-IN" sz="1600" b="1" dirty="0">
                 <a:latin typeface="Anek Telugu SemiBold" pitchFamily="2" charset="0"/>
                 <a:cs typeface="Anek Telugu SemiBold" pitchFamily="2" charset="0"/>
               </a:rPr>
               <a:t>హృదయానికి అంతుచిక్కవు. </a:t>
             </a:r>
             <a:r>
-              <a:rPr lang="en-IN" sz="1400" b="1" dirty="0" err="1">
+              <a:rPr lang="en-IN" sz="1600" b="1" dirty="0" err="1">
                 <a:latin typeface="Anek Telugu SemiBold" pitchFamily="2" charset="0"/>
                 <a:cs typeface="Anek Telugu SemiBold" pitchFamily="2" charset="0"/>
               </a:rPr>
               <a:t>ll</a:t>
             </a:r>
             <a:r>
-              <a:rPr lang="en-IN" sz="1400" b="1" dirty="0">
+              <a:rPr lang="en-IN" sz="1600" b="1" dirty="0">
                 <a:latin typeface="Anek Telugu SemiBold" pitchFamily="2" charset="0"/>
                 <a:cs typeface="Anek Telugu SemiBold" pitchFamily="2" charset="0"/>
               </a:rPr>
               <a:t> 2 </a:t>
             </a:r>
             <a:r>
-              <a:rPr lang="en-IN" sz="1400" b="1" dirty="0" err="1">
+              <a:rPr lang="en-IN" sz="1600" b="1" dirty="0" err="1">
                 <a:latin typeface="Anek Telugu SemiBold" pitchFamily="2" charset="0"/>
                 <a:cs typeface="Anek Telugu SemiBold" pitchFamily="2" charset="0"/>
               </a:rPr>
               <a:t>ll</a:t>
             </a:r>
-            <a:endParaRPr lang="en-IN" sz="1400" b="1" dirty="0">
+            <a:endParaRPr lang="en-IN" sz="1600" b="1" dirty="0">
               <a:latin typeface="Anek Telugu SemiBold" pitchFamily="2" charset="0"/>
               <a:cs typeface="Anek Telugu SemiBold" pitchFamily="2" charset="0"/>
             </a:endParaRPr>
@@ -4262,7 +4294,7 @@
                 <a:spcPct val="150000"/>
               </a:lnSpc>
             </a:pPr>
-            <a:endParaRPr lang="en-IN" sz="1400" b="1" dirty="0">
+            <a:endParaRPr lang="en-IN" sz="1600" b="1" dirty="0">
               <a:latin typeface="Anek Telugu SemiBold" pitchFamily="2" charset="0"/>
               <a:cs typeface="Anek Telugu SemiBold" pitchFamily="2" charset="0"/>
             </a:endParaRPr>
@@ -4274,11 +4306,11 @@
               </a:lnSpc>
             </a:pPr>
             <a:r>
-              <a:rPr lang="te-IN" sz="1400" b="1" dirty="0">
-                <a:latin typeface="Anek Telugu SemiBold" pitchFamily="2" charset="0"/>
-                <a:cs typeface="Anek Telugu SemiBold" pitchFamily="2" charset="0"/>
-              </a:rPr>
-              <a:t>కానా విందులో ఒకే మాటలతో – </a:t>
+              <a:rPr lang="te-IN" sz="1600" b="1" dirty="0">
+                <a:latin typeface="Anek Telugu SemiBold" pitchFamily="2" charset="0"/>
+                <a:cs typeface="Anek Telugu SemiBold" pitchFamily="2" charset="0"/>
+              </a:rPr>
+              <a:t>కానా విందులో ఒకే మాటతో – </a:t>
             </a:r>
           </a:p>
           <a:p>
@@ -4288,7 +4320,7 @@
               </a:lnSpc>
             </a:pPr>
             <a:r>
-              <a:rPr lang="te-IN" sz="1400" b="1" dirty="0">
+              <a:rPr lang="te-IN" sz="1600" b="1" dirty="0">
                 <a:latin typeface="Anek Telugu SemiBold" pitchFamily="2" charset="0"/>
                 <a:cs typeface="Anek Telugu SemiBold" pitchFamily="2" charset="0"/>
               </a:rPr>
@@ -4302,7 +4334,7 @@
               </a:lnSpc>
             </a:pPr>
             <a:r>
-              <a:rPr lang="te-IN" sz="1400" b="1" dirty="0">
+              <a:rPr lang="te-IN" sz="1600" b="1" dirty="0">
                 <a:latin typeface="Anek Telugu SemiBold" pitchFamily="2" charset="0"/>
                 <a:cs typeface="Anek Telugu SemiBold" pitchFamily="2" charset="0"/>
               </a:rPr>
@@ -4316,34 +4348,34 @@
               </a:lnSpc>
             </a:pPr>
             <a:r>
-              <a:rPr lang="te-IN" sz="1400" b="1" dirty="0">
+              <a:rPr lang="te-IN" sz="1600" b="1" dirty="0">
                 <a:latin typeface="Anek Telugu SemiBold" pitchFamily="2" charset="0"/>
                 <a:cs typeface="Anek Telugu SemiBold" pitchFamily="2" charset="0"/>
               </a:rPr>
               <a:t>యోనాను ఉంచితివి </a:t>
             </a:r>
             <a:r>
-              <a:rPr lang="en-IN" sz="1400" b="1" dirty="0" err="1">
+              <a:rPr lang="en-IN" sz="1600" b="1" dirty="0" err="1">
                 <a:latin typeface="Anek Telugu SemiBold" pitchFamily="2" charset="0"/>
                 <a:cs typeface="Anek Telugu SemiBold" pitchFamily="2" charset="0"/>
               </a:rPr>
               <a:t>ll</a:t>
             </a:r>
             <a:r>
-              <a:rPr lang="en-IN" sz="1400" b="1" dirty="0">
+              <a:rPr lang="en-IN" sz="1600" b="1" dirty="0">
                 <a:latin typeface="Anek Telugu SemiBold" pitchFamily="2" charset="0"/>
                 <a:cs typeface="Anek Telugu SemiBold" pitchFamily="2" charset="0"/>
               </a:rPr>
               <a:t> 2 </a:t>
             </a:r>
             <a:r>
-              <a:rPr lang="en-IN" sz="1400" b="1" dirty="0" err="1">
+              <a:rPr lang="en-IN" sz="1600" b="1" dirty="0" err="1">
                 <a:latin typeface="Anek Telugu SemiBold" pitchFamily="2" charset="0"/>
                 <a:cs typeface="Anek Telugu SemiBold" pitchFamily="2" charset="0"/>
               </a:rPr>
               <a:t>ll</a:t>
             </a:r>
-            <a:endParaRPr lang="en-IN" sz="1400" b="1" dirty="0">
+            <a:endParaRPr lang="en-IN" sz="1600" b="1" dirty="0">
               <a:latin typeface="Anek Telugu SemiBold" pitchFamily="2" charset="0"/>
               <a:cs typeface="Anek Telugu SemiBold" pitchFamily="2" charset="0"/>
             </a:endParaRPr>
@@ -4354,7 +4386,7 @@
                 <a:spcPct val="150000"/>
               </a:lnSpc>
             </a:pPr>
-            <a:endParaRPr lang="en-IN" sz="1400" b="1" dirty="0">
+            <a:endParaRPr lang="en-IN" sz="1600" b="1" dirty="0">
               <a:latin typeface="Anek Telugu SemiBold" pitchFamily="2" charset="0"/>
               <a:cs typeface="Anek Telugu SemiBold" pitchFamily="2" charset="0"/>
             </a:endParaRPr>
@@ -4366,7 +4398,7 @@
               </a:lnSpc>
             </a:pPr>
             <a:r>
-              <a:rPr lang="te-IN" sz="1400" b="1" dirty="0">
+              <a:rPr lang="te-IN" sz="1600" b="1" dirty="0">
                 <a:latin typeface="Anek Telugu SemiBold" pitchFamily="2" charset="0"/>
                 <a:cs typeface="Anek Telugu SemiBold" pitchFamily="2" charset="0"/>
               </a:rPr>
@@ -4380,7 +4412,7 @@
               </a:lnSpc>
             </a:pPr>
             <a:r>
-              <a:rPr lang="te-IN" sz="1400" b="1" dirty="0">
+              <a:rPr lang="te-IN" sz="1600" b="1" dirty="0">
                 <a:latin typeface="Anek Telugu SemiBold" pitchFamily="2" charset="0"/>
                 <a:cs typeface="Anek Telugu SemiBold" pitchFamily="2" charset="0"/>
               </a:rPr>
@@ -4394,11 +4426,11 @@
               </a:lnSpc>
             </a:pPr>
             <a:r>
-              <a:rPr lang="te-IN" sz="1400" b="1" dirty="0">
-                <a:latin typeface="Anek Telugu SemiBold" pitchFamily="2" charset="0"/>
-                <a:cs typeface="Anek Telugu SemiBold" pitchFamily="2" charset="0"/>
-              </a:rPr>
-              <a:t>దానియేలును సింహపు గుహలో – </a:t>
+              <a:rPr lang="te-IN" sz="1600" b="1" dirty="0">
+                <a:latin typeface="Anek Telugu SemiBold" pitchFamily="2" charset="0"/>
+                <a:cs typeface="Anek Telugu SemiBold" pitchFamily="2" charset="0"/>
+              </a:rPr>
+              <a:t>దానియేలుకు సింహపు బోనులో – </a:t>
             </a:r>
           </a:p>
           <a:p>
@@ -4408,253 +4440,37 @@
               </a:lnSpc>
             </a:pPr>
             <a:r>
-              <a:rPr lang="te-IN" sz="1400" b="1" dirty="0">
+              <a:rPr lang="te-IN" sz="1600" b="1" dirty="0">
                 <a:latin typeface="Anek Telugu SemiBold" pitchFamily="2" charset="0"/>
                 <a:cs typeface="Anek Telugu SemiBold" pitchFamily="2" charset="0"/>
               </a:rPr>
               <a:t>విజయము నిచ్చితివి </a:t>
             </a:r>
             <a:r>
-              <a:rPr lang="en-IN" sz="1400" b="1" dirty="0" err="1">
+              <a:rPr lang="en-IN" sz="1600" b="1" dirty="0" err="1">
                 <a:latin typeface="Anek Telugu SemiBold" pitchFamily="2" charset="0"/>
                 <a:cs typeface="Anek Telugu SemiBold" pitchFamily="2" charset="0"/>
               </a:rPr>
               <a:t>ll</a:t>
             </a:r>
             <a:r>
-              <a:rPr lang="en-IN" sz="1400" b="1" dirty="0">
+              <a:rPr lang="en-IN" sz="1600" b="1" dirty="0">
                 <a:latin typeface="Anek Telugu SemiBold" pitchFamily="2" charset="0"/>
                 <a:cs typeface="Anek Telugu SemiBold" pitchFamily="2" charset="0"/>
               </a:rPr>
               <a:t> 2 </a:t>
             </a:r>
             <a:r>
-              <a:rPr lang="en-IN" sz="1400" b="1" dirty="0" err="1">
+              <a:rPr lang="en-IN" sz="1600" b="1" dirty="0" err="1">
                 <a:latin typeface="Anek Telugu SemiBold" pitchFamily="2" charset="0"/>
                 <a:cs typeface="Anek Telugu SemiBold" pitchFamily="2" charset="0"/>
               </a:rPr>
               <a:t>ll</a:t>
             </a:r>
-            <a:endParaRPr lang="en-IN" sz="1400" b="1" dirty="0">
+            <a:endParaRPr lang="en-IN" sz="1600" b="1" dirty="0">
               <a:latin typeface="Anek Telugu SemiBold" pitchFamily="2" charset="0"/>
               <a:cs typeface="Anek Telugu SemiBold" pitchFamily="2" charset="0"/>
             </a:endParaRPr>
-          </a:p>
-          <a:p>
-            <a:pPr>
-              <a:lnSpc>
-                <a:spcPct val="150000"/>
-              </a:lnSpc>
-            </a:pPr>
-            <a:endParaRPr lang="en-IN" sz="1400" b="1" dirty="0">
-              <a:latin typeface="Anek Telugu SemiBold" pitchFamily="2" charset="0"/>
-              <a:cs typeface="Anek Telugu SemiBold" pitchFamily="2" charset="0"/>
-            </a:endParaRPr>
-          </a:p>
-          <a:p>
-            <a:pPr>
-              <a:lnSpc>
-                <a:spcPct val="150000"/>
-              </a:lnSpc>
-            </a:pPr>
-            <a:r>
-              <a:rPr lang="te-IN" sz="1400" b="1" dirty="0">
-                <a:latin typeface="Anek Telugu SemiBold" pitchFamily="2" charset="0"/>
-                <a:cs typeface="Anek Telugu SemiBold" pitchFamily="2" charset="0"/>
-              </a:rPr>
-              <a:t>పౌలు సీలలు ప్రార్ధించగా – </a:t>
-            </a:r>
-          </a:p>
-          <a:p>
-            <a:pPr>
-              <a:lnSpc>
-                <a:spcPct val="150000"/>
-              </a:lnSpc>
-            </a:pPr>
-            <a:r>
-              <a:rPr lang="te-IN" sz="1400" b="1" dirty="0">
-                <a:latin typeface="Anek Telugu SemiBold" pitchFamily="2" charset="0"/>
-                <a:cs typeface="Anek Telugu SemiBold" pitchFamily="2" charset="0"/>
-              </a:rPr>
-              <a:t>చెరసాల బ్రద్దలాయెనే</a:t>
-            </a:r>
-          </a:p>
-          <a:p>
-            <a:pPr>
-              <a:lnSpc>
-                <a:spcPct val="150000"/>
-              </a:lnSpc>
-            </a:pPr>
-            <a:r>
-              <a:rPr lang="te-IN" sz="1400" b="1" dirty="0">
-                <a:latin typeface="Anek Telugu SemiBold" pitchFamily="2" charset="0"/>
-                <a:cs typeface="Anek Telugu SemiBold" pitchFamily="2" charset="0"/>
-              </a:rPr>
-              <a:t>గొఱ్ఱెల కాపరి దావీదును – </a:t>
-            </a:r>
-          </a:p>
-          <a:p>
-            <a:pPr>
-              <a:lnSpc>
-                <a:spcPct val="150000"/>
-              </a:lnSpc>
-            </a:pPr>
-            <a:r>
-              <a:rPr lang="te-IN" sz="1400" b="1" dirty="0">
-                <a:latin typeface="Anek Telugu SemiBold" pitchFamily="2" charset="0"/>
-                <a:cs typeface="Anek Telugu SemiBold" pitchFamily="2" charset="0"/>
-              </a:rPr>
-              <a:t>రాజుగ చేసితివి </a:t>
-            </a:r>
-            <a:r>
-              <a:rPr lang="en-IN" sz="1400" b="1" dirty="0" err="1">
-                <a:latin typeface="Anek Telugu SemiBold" pitchFamily="2" charset="0"/>
-                <a:cs typeface="Anek Telugu SemiBold" pitchFamily="2" charset="0"/>
-              </a:rPr>
-              <a:t>ll</a:t>
-            </a:r>
-            <a:r>
-              <a:rPr lang="en-IN" sz="1400" b="1" dirty="0">
-                <a:latin typeface="Anek Telugu SemiBold" pitchFamily="2" charset="0"/>
-                <a:cs typeface="Anek Telugu SemiBold" pitchFamily="2" charset="0"/>
-              </a:rPr>
-              <a:t> 2 </a:t>
-            </a:r>
-            <a:r>
-              <a:rPr lang="en-IN" sz="1400" b="1" dirty="0" err="1">
-                <a:latin typeface="Anek Telugu SemiBold" pitchFamily="2" charset="0"/>
-                <a:cs typeface="Anek Telugu SemiBold" pitchFamily="2" charset="0"/>
-              </a:rPr>
-              <a:t>ll</a:t>
-            </a:r>
-            <a:endParaRPr lang="en-IN" sz="1400" b="1" dirty="0">
-              <a:latin typeface="Anek Telugu SemiBold" pitchFamily="2" charset="0"/>
-              <a:cs typeface="Anek Telugu SemiBold" pitchFamily="2" charset="0"/>
-            </a:endParaRPr>
-          </a:p>
-        </p:txBody>
-      </p:sp>
-      <p:sp>
-        <p:nvSpPr>
-          <p:cNvPr id="13" name="Oval 12">
-            <a:extLst>
-              <a:ext uri="{FF2B5EF4-FFF2-40B4-BE49-F238E27FC236}">
-                <a16:creationId xmlns:a16="http://schemas.microsoft.com/office/drawing/2014/main" id="{26F461D1-594E-4D24-8238-761378173A6A}"/>
-              </a:ext>
-            </a:extLst>
-          </p:cNvPr>
-          <p:cNvSpPr/>
-          <p:nvPr/>
-        </p:nvSpPr>
-        <p:spPr>
-          <a:xfrm>
-            <a:off x="9168377" y="326429"/>
-            <a:ext cx="390525" cy="390525"/>
-          </a:xfrm>
-          <a:prstGeom prst="ellipse">
-            <a:avLst/>
-          </a:prstGeom>
-          <a:noFill/>
-          <a:ln w="19050">
-            <a:solidFill>
-              <a:schemeClr val="tx1">
-                <a:lumMod val="50000"/>
-                <a:lumOff val="50000"/>
-              </a:schemeClr>
-            </a:solidFill>
-          </a:ln>
-        </p:spPr>
-        <p:style>
-          <a:lnRef idx="2">
-            <a:schemeClr val="accent1">
-              <a:shade val="50000"/>
-            </a:schemeClr>
-          </a:lnRef>
-          <a:fillRef idx="1">
-            <a:schemeClr val="accent1"/>
-          </a:fillRef>
-          <a:effectRef idx="0">
-            <a:schemeClr val="accent1"/>
-          </a:effectRef>
-          <a:fontRef idx="minor">
-            <a:schemeClr val="lt1"/>
-          </a:fontRef>
-        </p:style>
-        <p:txBody>
-          <a:bodyPr rtlCol="0" anchor="ctr"/>
-          <a:lstStyle/>
-          <a:p>
-            <a:pPr algn="ctr"/>
-            <a:r>
-              <a:rPr lang="en-IN" dirty="0">
-                <a:solidFill>
-                  <a:schemeClr val="tx1"/>
-                </a:solidFill>
-              </a:rPr>
-              <a:t>1</a:t>
-            </a:r>
-          </a:p>
-        </p:txBody>
-      </p:sp>
-      <p:sp>
-        <p:nvSpPr>
-          <p:cNvPr id="2" name="Oval 1">
-            <a:extLst>
-              <a:ext uri="{FF2B5EF4-FFF2-40B4-BE49-F238E27FC236}">
-                <a16:creationId xmlns:a16="http://schemas.microsoft.com/office/drawing/2014/main" id="{3677D164-3D42-4CA2-F7B4-A173B6736AD4}"/>
-              </a:ext>
-            </a:extLst>
-          </p:cNvPr>
-          <p:cNvSpPr/>
-          <p:nvPr/>
-        </p:nvSpPr>
-        <p:spPr>
-          <a:xfrm>
-            <a:off x="4436286" y="265711"/>
-            <a:ext cx="390525" cy="390525"/>
-          </a:xfrm>
-          <a:prstGeom prst="ellipse">
-            <a:avLst/>
-          </a:prstGeom>
-          <a:noFill/>
-          <a:ln w="19050">
-            <a:solidFill>
-              <a:schemeClr val="tx1">
-                <a:lumMod val="50000"/>
-                <a:lumOff val="50000"/>
-              </a:schemeClr>
-            </a:solidFill>
-          </a:ln>
-        </p:spPr>
-        <p:style>
-          <a:lnRef idx="2">
-            <a:schemeClr val="accent1">
-              <a:shade val="50000"/>
-            </a:schemeClr>
-          </a:lnRef>
-          <a:fillRef idx="1">
-            <a:schemeClr val="accent1"/>
-          </a:fillRef>
-          <a:effectRef idx="0">
-            <a:schemeClr val="accent1"/>
-          </a:effectRef>
-          <a:fontRef idx="minor">
-            <a:schemeClr val="lt1"/>
-          </a:fontRef>
-        </p:style>
-        <p:txBody>
-          <a:bodyPr rtlCol="0" anchor="ctr"/>
-          <a:lstStyle/>
-          <a:p>
-            <a:pPr algn="ctr"/>
-            <a:r>
-              <a:rPr lang="en-IN" dirty="0">
-                <a:solidFill>
-                  <a:schemeClr val="tx1"/>
-                </a:solidFill>
-              </a:rPr>
-              <a:t>4</a:t>
-            </a:r>
           </a:p>
         </p:txBody>
       </p:sp>
@@ -4835,7 +4651,7 @@
                 <a:latin typeface="Anek Telugu SemiBold" pitchFamily="2" charset="0"/>
                 <a:cs typeface="Anek Telugu SemiBold" pitchFamily="2" charset="0"/>
               </a:rPr>
-              <a:t>నీవీచుచు బహుమతులు నే స్వీకరించి</a:t>
+              <a:t>నీవిచ్చు బహుమతులు నే స్వీకరించి</a:t>
             </a:r>
           </a:p>
           <a:p>
@@ -4917,68 +4733,6 @@
                 <a:cs typeface="Anek Telugu SemiBold" pitchFamily="2" charset="0"/>
               </a:rPr>
               <a:t>నిత్యారాధన నే చేయు ప్రశాంత వేళ (2)</a:t>
-            </a:r>
-          </a:p>
-        </p:txBody>
-      </p:sp>
-      <p:sp>
-        <p:nvSpPr>
-          <p:cNvPr id="5" name="Oval 4">
-            <a:extLst>
-              <a:ext uri="{FF2B5EF4-FFF2-40B4-BE49-F238E27FC236}">
-                <a16:creationId xmlns:a16="http://schemas.microsoft.com/office/drawing/2014/main" id="{378DC577-39F5-A6AC-DF89-B2666B06ACF9}"/>
-              </a:ext>
-            </a:extLst>
-          </p:cNvPr>
-          <p:cNvSpPr/>
-          <p:nvPr/>
-        </p:nvSpPr>
-        <p:spPr>
-          <a:xfrm>
-            <a:off x="4432053" y="296761"/>
-            <a:ext cx="379135" cy="363200"/>
-          </a:xfrm>
-          <a:prstGeom prst="ellipse">
-            <a:avLst/>
-          </a:prstGeom>
-          <a:noFill/>
-          <a:ln w="19050">
-            <a:solidFill>
-              <a:schemeClr val="tx1">
-                <a:lumMod val="50000"/>
-                <a:lumOff val="50000"/>
-              </a:schemeClr>
-            </a:solidFill>
-          </a:ln>
-        </p:spPr>
-        <p:style>
-          <a:lnRef idx="2">
-            <a:schemeClr val="accent1">
-              <a:shade val="50000"/>
-            </a:schemeClr>
-          </a:lnRef>
-          <a:fillRef idx="1">
-            <a:schemeClr val="accent1"/>
-          </a:fillRef>
-          <a:effectRef idx="0">
-            <a:schemeClr val="accent1"/>
-          </a:effectRef>
-          <a:fontRef idx="minor">
-            <a:schemeClr val="lt1"/>
-          </a:fontRef>
-        </p:style>
-        <p:txBody>
-          <a:bodyPr rtlCol="0" anchor="ctr"/>
-          <a:lstStyle/>
-          <a:p>
-            <a:pPr algn="ctr"/>
-            <a:r>
-              <a:rPr lang="en-IN" dirty="0">
-                <a:solidFill>
-                  <a:schemeClr val="tx1"/>
-                </a:solidFill>
-              </a:rPr>
-              <a:t>2</a:t>
             </a:r>
           </a:p>
         </p:txBody>
@@ -5264,68 +5018,6 @@
                 <a:cs typeface="Anek Telugu SemiBold" pitchFamily="2" charset="0"/>
               </a:rPr>
               <a:t>జయశీలుడైన యేసు నామము (2) </a:t>
-            </a:r>
-          </a:p>
-        </p:txBody>
-      </p:sp>
-      <p:sp>
-        <p:nvSpPr>
-          <p:cNvPr id="9" name="Oval 8">
-            <a:extLst>
-              <a:ext uri="{FF2B5EF4-FFF2-40B4-BE49-F238E27FC236}">
-                <a16:creationId xmlns:a16="http://schemas.microsoft.com/office/drawing/2014/main" id="{4DA14023-6190-39C5-C6B6-5C235D6210F9}"/>
-              </a:ext>
-            </a:extLst>
-          </p:cNvPr>
-          <p:cNvSpPr/>
-          <p:nvPr/>
-        </p:nvSpPr>
-        <p:spPr>
-          <a:xfrm>
-            <a:off x="9170464" y="283099"/>
-            <a:ext cx="390525" cy="390525"/>
-          </a:xfrm>
-          <a:prstGeom prst="ellipse">
-            <a:avLst/>
-          </a:prstGeom>
-          <a:noFill/>
-          <a:ln w="19050">
-            <a:solidFill>
-              <a:schemeClr val="tx1">
-                <a:lumMod val="50000"/>
-                <a:lumOff val="50000"/>
-              </a:schemeClr>
-            </a:solidFill>
-          </a:ln>
-        </p:spPr>
-        <p:style>
-          <a:lnRef idx="2">
-            <a:schemeClr val="accent1">
-              <a:shade val="50000"/>
-            </a:schemeClr>
-          </a:lnRef>
-          <a:fillRef idx="1">
-            <a:schemeClr val="accent1"/>
-          </a:fillRef>
-          <a:effectRef idx="0">
-            <a:schemeClr val="accent1"/>
-          </a:effectRef>
-          <a:fontRef idx="minor">
-            <a:schemeClr val="lt1"/>
-          </a:fontRef>
-        </p:style>
-        <p:txBody>
-          <a:bodyPr rtlCol="0" anchor="ctr"/>
-          <a:lstStyle/>
-          <a:p>
-            <a:pPr algn="ctr"/>
-            <a:r>
-              <a:rPr lang="en-IN" dirty="0">
-                <a:solidFill>
-                  <a:schemeClr val="tx1"/>
-                </a:solidFill>
-              </a:rPr>
-              <a:t>3</a:t>
             </a:r>
           </a:p>
         </p:txBody>

--- a/songsTemplate.pptx
+++ b/songsTemplate.pptx
@@ -134,13 +134,13 @@
 <pc:chgInfo xmlns:a="http://schemas.openxmlformats.org/drawingml/2006/main" xmlns:r="http://schemas.openxmlformats.org/officeDocument/2006/relationships" xmlns:ac="http://schemas.microsoft.com/office/drawing/2013/main/command" xmlns:pc="http://schemas.microsoft.com/office/powerpoint/2013/main/command">
   <pc:docChgLst>
     <pc:chgData name="Venu Yalapala" userId="9feb8bbceceecaca" providerId="LiveId" clId="{CD4B1779-0926-477D-B902-440342C52CB5}"/>
-    <pc:docChg chg="undo custSel modSld">
-      <pc:chgData name="Venu Yalapala" userId="9feb8bbceceecaca" providerId="LiveId" clId="{CD4B1779-0926-477D-B902-440342C52CB5}" dt="2025-06-28T16:28:20.891" v="166" actId="478"/>
+    <pc:docChg chg="undo redo custSel modSld">
+      <pc:chgData name="Venu Yalapala" userId="9feb8bbceceecaca" providerId="LiveId" clId="{CD4B1779-0926-477D-B902-440342C52CB5}" dt="2025-07-04T14:31:27.278" v="283" actId="1076"/>
       <pc:docMkLst>
         <pc:docMk/>
       </pc:docMkLst>
       <pc:sldChg chg="delSp modSp mod">
-        <pc:chgData name="Venu Yalapala" userId="9feb8bbceceecaca" providerId="LiveId" clId="{CD4B1779-0926-477D-B902-440342C52CB5}" dt="2025-06-28T16:28:17.590" v="164" actId="478"/>
+        <pc:chgData name="Venu Yalapala" userId="9feb8bbceceecaca" providerId="LiveId" clId="{CD4B1779-0926-477D-B902-440342C52CB5}" dt="2025-07-04T14:31:27.278" v="283" actId="1076"/>
         <pc:sldMkLst>
           <pc:docMk/>
           <pc:sldMk cId="3342490066" sldId="256"/>
@@ -154,7 +154,7 @@
           </ac:spMkLst>
         </pc:spChg>
         <pc:spChg chg="mod">
-          <ac:chgData name="Venu Yalapala" userId="9feb8bbceceecaca" providerId="LiveId" clId="{CD4B1779-0926-477D-B902-440342C52CB5}" dt="2025-06-28T16:25:18.803" v="163" actId="20577"/>
+          <ac:chgData name="Venu Yalapala" userId="9feb8bbceceecaca" providerId="LiveId" clId="{CD4B1779-0926-477D-B902-440342C52CB5}" dt="2025-07-04T14:31:27.278" v="283" actId="1076"/>
           <ac:spMkLst>
             <pc:docMk/>
             <pc:sldMk cId="3342490066" sldId="256"/>
@@ -170,7 +170,7 @@
           </ac:spMkLst>
         </pc:spChg>
         <pc:spChg chg="mod">
-          <ac:chgData name="Venu Yalapala" userId="9feb8bbceceecaca" providerId="LiveId" clId="{CD4B1779-0926-477D-B902-440342C52CB5}" dt="2025-06-28T16:23:44.541" v="86" actId="1076"/>
+          <ac:chgData name="Venu Yalapala" userId="9feb8bbceceecaca" providerId="LiveId" clId="{CD4B1779-0926-477D-B902-440342C52CB5}" dt="2025-07-04T14:31:21.197" v="282" actId="1076"/>
           <ac:spMkLst>
             <pc:docMk/>
             <pc:sldMk cId="3342490066" sldId="256"/>
@@ -179,13 +179,13 @@
         </pc:spChg>
       </pc:sldChg>
       <pc:sldChg chg="delSp modSp mod">
-        <pc:chgData name="Venu Yalapala" userId="9feb8bbceceecaca" providerId="LiveId" clId="{CD4B1779-0926-477D-B902-440342C52CB5}" dt="2025-06-28T16:28:20.891" v="166" actId="478"/>
+        <pc:chgData name="Venu Yalapala" userId="9feb8bbceceecaca" providerId="LiveId" clId="{CD4B1779-0926-477D-B902-440342C52CB5}" dt="2025-07-04T14:29:36.622" v="281" actId="1036"/>
         <pc:sldMkLst>
           <pc:docMk/>
           <pc:sldMk cId="2536218313" sldId="258"/>
         </pc:sldMkLst>
         <pc:spChg chg="mod">
-          <ac:chgData name="Venu Yalapala" userId="9feb8bbceceecaca" providerId="LiveId" clId="{CD4B1779-0926-477D-B902-440342C52CB5}" dt="2025-06-28T16:21:26.861" v="56" actId="20577"/>
+          <ac:chgData name="Venu Yalapala" userId="9feb8bbceceecaca" providerId="LiveId" clId="{CD4B1779-0926-477D-B902-440342C52CB5}" dt="2025-07-04T14:25:31.029" v="262" actId="1076"/>
           <ac:spMkLst>
             <pc:docMk/>
             <pc:sldMk cId="2536218313" sldId="258"/>
@@ -201,7 +201,7 @@
           </ac:spMkLst>
         </pc:spChg>
         <pc:spChg chg="mod">
-          <ac:chgData name="Venu Yalapala" userId="9feb8bbceceecaca" providerId="LiveId" clId="{CD4B1779-0926-477D-B902-440342C52CB5}" dt="2025-06-28T09:38:43.740" v="31" actId="404"/>
+          <ac:chgData name="Venu Yalapala" userId="9feb8bbceceecaca" providerId="LiveId" clId="{CD4B1779-0926-477D-B902-440342C52CB5}" dt="2025-07-04T14:29:36.622" v="281" actId="1036"/>
           <ac:spMkLst>
             <pc:docMk/>
             <pc:sldMk cId="2536218313" sldId="258"/>
@@ -316,7 +316,7 @@
           <a:p>
             <a:fld id="{0EEBF99D-A94C-4ACE-ABB7-ED5902A7DBE5}" type="datetimeFigureOut">
               <a:rPr lang="en-IN" smtClean="0"/>
-              <a:t>28-06-2025</a:t>
+              <a:t>04-07-2025</a:t>
             </a:fld>
             <a:endParaRPr lang="en-IN"/>
           </a:p>
@@ -494,7 +494,7 @@
           <a:p>
             <a:fld id="{6EA7C7CE-6F0C-4E71-B520-9461545357C0}" type="datetimeFigureOut">
               <a:rPr lang="en-IN" smtClean="0"/>
-              <a:t>28-06-2025</a:t>
+              <a:t>04-07-2025</a:t>
             </a:fld>
             <a:endParaRPr lang="en-IN"/>
           </a:p>
@@ -894,7 +894,7 @@
           <a:p>
             <a:fld id="{F1102B08-ED9E-409F-B95F-09CAA1DAF6E0}" type="datetimeFigureOut">
               <a:rPr lang="en-IN" smtClean="0"/>
-              <a:t>28-06-2025</a:t>
+              <a:t>04-07-2025</a:t>
             </a:fld>
             <a:endParaRPr lang="en-IN"/>
           </a:p>
@@ -1151,7 +1151,7 @@
           <a:p>
             <a:fld id="{F1102B08-ED9E-409F-B95F-09CAA1DAF6E0}" type="datetimeFigureOut">
               <a:rPr lang="en-IN" smtClean="0"/>
-              <a:t>28-06-2025</a:t>
+              <a:t>04-07-2025</a:t>
             </a:fld>
             <a:endParaRPr lang="en-IN"/>
           </a:p>
@@ -1321,7 +1321,7 @@
           <a:p>
             <a:fld id="{F1102B08-ED9E-409F-B95F-09CAA1DAF6E0}" type="datetimeFigureOut">
               <a:rPr lang="en-IN" smtClean="0"/>
-              <a:t>28-06-2025</a:t>
+              <a:t>04-07-2025</a:t>
             </a:fld>
             <a:endParaRPr lang="en-IN"/>
           </a:p>
@@ -1501,7 +1501,7 @@
           <a:p>
             <a:fld id="{F1102B08-ED9E-409F-B95F-09CAA1DAF6E0}" type="datetimeFigureOut">
               <a:rPr lang="en-IN" smtClean="0"/>
-              <a:t>28-06-2025</a:t>
+              <a:t>04-07-2025</a:t>
             </a:fld>
             <a:endParaRPr lang="en-IN"/>
           </a:p>
@@ -1703,7 +1703,7 @@
             <a:fld id="{F1102B08-ED9E-409F-B95F-09CAA1DAF6E0}" type="datetimeFigureOut">
               <a:rPr lang="en-IN" b="0" smtClean="0"/>
               <a:pPr/>
-              <a:t>28-06-2025</a:t>
+              <a:t>04-07-2025</a:t>
             </a:fld>
             <a:endParaRPr lang="en-IN" b="0" dirty="0"/>
           </a:p>
@@ -1931,7 +1931,7 @@
           <a:p>
             <a:fld id="{F1102B08-ED9E-409F-B95F-09CAA1DAF6E0}" type="datetimeFigureOut">
               <a:rPr lang="en-IN" smtClean="0"/>
-              <a:t>28-06-2025</a:t>
+              <a:t>04-07-2025</a:t>
             </a:fld>
             <a:endParaRPr lang="en-IN"/>
           </a:p>
@@ -2175,7 +2175,7 @@
           <a:p>
             <a:fld id="{F1102B08-ED9E-409F-B95F-09CAA1DAF6E0}" type="datetimeFigureOut">
               <a:rPr lang="en-IN" smtClean="0"/>
-              <a:t>28-06-2025</a:t>
+              <a:t>04-07-2025</a:t>
             </a:fld>
             <a:endParaRPr lang="en-IN"/>
           </a:p>
@@ -2407,7 +2407,7 @@
           <a:p>
             <a:fld id="{F1102B08-ED9E-409F-B95F-09CAA1DAF6E0}" type="datetimeFigureOut">
               <a:rPr lang="en-IN" smtClean="0"/>
-              <a:t>28-06-2025</a:t>
+              <a:t>04-07-2025</a:t>
             </a:fld>
             <a:endParaRPr lang="en-IN"/>
           </a:p>
@@ -2774,7 +2774,7 @@
           <a:p>
             <a:fld id="{F1102B08-ED9E-409F-B95F-09CAA1DAF6E0}" type="datetimeFigureOut">
               <a:rPr lang="en-IN" smtClean="0"/>
-              <a:t>28-06-2025</a:t>
+              <a:t>04-07-2025</a:t>
             </a:fld>
             <a:endParaRPr lang="en-IN"/>
           </a:p>
@@ -2892,7 +2892,7 @@
           <a:p>
             <a:fld id="{F1102B08-ED9E-409F-B95F-09CAA1DAF6E0}" type="datetimeFigureOut">
               <a:rPr lang="en-IN" smtClean="0"/>
-              <a:t>28-06-2025</a:t>
+              <a:t>04-07-2025</a:t>
             </a:fld>
             <a:endParaRPr lang="en-IN"/>
           </a:p>
@@ -2987,7 +2987,7 @@
           <a:p>
             <a:fld id="{F1102B08-ED9E-409F-B95F-09CAA1DAF6E0}" type="datetimeFigureOut">
               <a:rPr lang="en-IN" smtClean="0"/>
-              <a:t>28-06-2025</a:t>
+              <a:t>04-07-2025</a:t>
             </a:fld>
             <a:endParaRPr lang="en-IN"/>
           </a:p>
@@ -3264,7 +3264,7 @@
           <a:p>
             <a:fld id="{F1102B08-ED9E-409F-B95F-09CAA1DAF6E0}" type="datetimeFigureOut">
               <a:rPr lang="en-IN" smtClean="0"/>
-              <a:t>28-06-2025</a:t>
+              <a:t>04-07-2025</a:t>
             </a:fld>
             <a:endParaRPr lang="en-IN"/>
           </a:p>
@@ -3477,7 +3477,7 @@
           <a:p>
             <a:fld id="{F1102B08-ED9E-409F-B95F-09CAA1DAF6E0}" type="datetimeFigureOut">
               <a:rPr lang="en-IN" smtClean="0"/>
-              <a:t>28-06-2025</a:t>
+              <a:t>04-07-2025</a:t>
             </a:fld>
             <a:endParaRPr lang="en-IN"/>
           </a:p>
@@ -3897,8 +3897,8 @@
         </p:nvSpPr>
         <p:spPr>
           <a:xfrm>
-            <a:off x="5215566" y="348095"/>
-            <a:ext cx="4883429" cy="5909310"/>
+            <a:off x="5453198" y="486517"/>
+            <a:ext cx="4883429" cy="4293483"/>
           </a:xfrm>
           <a:prstGeom prst="rect">
             <a:avLst/>
@@ -3917,11 +3917,11 @@
               </a:lnSpc>
             </a:pPr>
             <a:r>
-              <a:rPr lang="te-IN" sz="1400" dirty="0">
+              <a:rPr lang="te-IN" sz="1600" dirty="0">
                 <a:latin typeface="Anek Telugu SemiBold" pitchFamily="2" charset="0"/>
                 <a:cs typeface="Anek Telugu SemiBold" pitchFamily="2" charset="0"/>
               </a:rPr>
-              <a:t>వందనం త్రియేకుడా - ఘన మహిమ నీకెగా (2)</a:t>
+              <a:t>ఆకాశమందున్న ఆసీనుడా</a:t>
             </a:r>
           </a:p>
           <a:p>
@@ -3931,11 +3931,11 @@
               </a:lnSpc>
             </a:pPr>
             <a:r>
-              <a:rPr lang="te-IN" sz="1400" dirty="0">
+              <a:rPr lang="te-IN" sz="1600" dirty="0">
                 <a:latin typeface="Anek Telugu SemiBold" pitchFamily="2" charset="0"/>
                 <a:cs typeface="Anek Telugu SemiBold" pitchFamily="2" charset="0"/>
               </a:rPr>
-              <a:t>ఏ పాటి వాడను యేసయ్యా, నన్ను కోరుకొంటివే</a:t>
+              <a:t>నీ తట్టు కనులెత్తుచున్నాను</a:t>
             </a:r>
           </a:p>
           <a:p>
@@ -3945,12 +3945,16 @@
               </a:lnSpc>
             </a:pPr>
             <a:r>
-              <a:rPr lang="te-IN" sz="1400" dirty="0">
+              <a:rPr lang="te-IN" sz="1600" dirty="0">
                 <a:latin typeface="Anek Telugu SemiBold" pitchFamily="2" charset="0"/>
                 <a:cs typeface="Anek Telugu SemiBold" pitchFamily="2" charset="0"/>
               </a:rPr>
-              <a:t>ఏ పాటి దానను యేసయ్యా, నన్ను కోరుకొంటివే</a:t>
-            </a:r>
+              <a:t>నేను నీ తట్టు కనులెత్తుచున్నాను</a:t>
+            </a:r>
+            <a:endParaRPr lang="en-IN" sz="1600" dirty="0">
+              <a:latin typeface="Anek Telugu SemiBold" pitchFamily="2" charset="0"/>
+              <a:cs typeface="Anek Telugu SemiBold" pitchFamily="2" charset="0"/>
+            </a:endParaRPr>
           </a:p>
           <a:p>
             <a:pPr>
@@ -3958,7 +3962,7 @@
                 <a:spcPct val="150000"/>
               </a:lnSpc>
             </a:pPr>
-            <a:endParaRPr lang="te-IN" sz="1400" dirty="0">
+            <a:endParaRPr lang="te-IN" sz="1600" dirty="0">
               <a:latin typeface="Anek Telugu SemiBold" pitchFamily="2" charset="0"/>
               <a:cs typeface="Anek Telugu SemiBold" pitchFamily="2" charset="0"/>
             </a:endParaRPr>
@@ -3970,11 +3974,11 @@
               </a:lnSpc>
             </a:pPr>
             <a:r>
-              <a:rPr lang="te-IN" sz="1400" dirty="0">
+              <a:rPr lang="te-IN" sz="1600" dirty="0">
                 <a:latin typeface="Anek Telugu SemiBold" pitchFamily="2" charset="0"/>
                 <a:cs typeface="Anek Telugu SemiBold" pitchFamily="2" charset="0"/>
               </a:rPr>
-              <a:t>ఈవులెన్నెన్నో దయచేసితివి</a:t>
+              <a:t>దారి తప్పిన గొర్రెను నేను</a:t>
             </a:r>
           </a:p>
           <a:p>
@@ -3984,11 +3988,11 @@
               </a:lnSpc>
             </a:pPr>
             <a:r>
-              <a:rPr lang="te-IN" sz="1400" dirty="0">
+              <a:rPr lang="te-IN" sz="1600" dirty="0">
                 <a:latin typeface="Anek Telugu SemiBold" pitchFamily="2" charset="0"/>
                 <a:cs typeface="Anek Telugu SemiBold" pitchFamily="2" charset="0"/>
               </a:rPr>
-              <a:t>నీ స్నేహమే నాకు స్థిరపరచితివి (2)</a:t>
+              <a:t>దారి కానక తిరుగుచున్నాను (2)</a:t>
             </a:r>
           </a:p>
           <a:p>
@@ -3998,11 +4002,11 @@
               </a:lnSpc>
             </a:pPr>
             <a:r>
-              <a:rPr lang="te-IN" sz="1400" dirty="0">
+              <a:rPr lang="te-IN" sz="1600" dirty="0">
                 <a:latin typeface="Anek Telugu SemiBold" pitchFamily="2" charset="0"/>
                 <a:cs typeface="Anek Telugu SemiBold" pitchFamily="2" charset="0"/>
               </a:rPr>
-              <a:t>నీ పాద సేవ చేయుట కన్నా</a:t>
+              <a:t>కరుణించుమా యేసు కాపాడుమా</a:t>
             </a:r>
           </a:p>
           <a:p>
@@ -4011,13 +4015,10 @@
                 <a:spcPct val="150000"/>
               </a:lnSpc>
             </a:pPr>
-            <a:r>
-              <a:rPr lang="te-IN" sz="1400" dirty="0">
-                <a:latin typeface="Anek Telugu SemiBold" pitchFamily="2" charset="0"/>
-                <a:cs typeface="Anek Telugu SemiBold" pitchFamily="2" charset="0"/>
-              </a:rPr>
-              <a:t>విలువైన భాగ్యం లేదు (2) నాకూ</a:t>
-            </a:r>
+            <a:endParaRPr lang="te-IN" sz="1600" dirty="0">
+              <a:latin typeface="Anek Telugu SemiBold" pitchFamily="2" charset="0"/>
+              <a:cs typeface="Anek Telugu SemiBold" pitchFamily="2" charset="0"/>
+            </a:endParaRPr>
           </a:p>
           <a:p>
             <a:pPr>
@@ -4025,10 +4026,13 @@
                 <a:spcPct val="150000"/>
               </a:lnSpc>
             </a:pPr>
-            <a:endParaRPr lang="te-IN" sz="1400" dirty="0">
-              <a:latin typeface="Anek Telugu SemiBold" pitchFamily="2" charset="0"/>
-              <a:cs typeface="Anek Telugu SemiBold" pitchFamily="2" charset="0"/>
-            </a:endParaRPr>
+            <a:r>
+              <a:rPr lang="te-IN" sz="1600" dirty="0">
+                <a:latin typeface="Anek Telugu SemiBold" pitchFamily="2" charset="0"/>
+                <a:cs typeface="Anek Telugu SemiBold" pitchFamily="2" charset="0"/>
+              </a:rPr>
+              <a:t>గాయపడిన గొర్రెను నేను</a:t>
+            </a:r>
           </a:p>
           <a:p>
             <a:pPr>
@@ -4037,11 +4041,11 @@
               </a:lnSpc>
             </a:pPr>
             <a:r>
-              <a:rPr lang="te-IN" sz="1400" dirty="0">
+              <a:rPr lang="te-IN" sz="1600" dirty="0">
                 <a:latin typeface="Anek Telugu SemiBold" pitchFamily="2" charset="0"/>
                 <a:cs typeface="Anek Telugu SemiBold" pitchFamily="2" charset="0"/>
               </a:rPr>
-              <a:t>అవసరతలు ఏవైన తీర్చెడి</a:t>
+              <a:t>బాగు చేయుమా పరమ వైద్యుడా (2)</a:t>
             </a:r>
           </a:p>
           <a:p>
@@ -4051,106 +4055,11 @@
               </a:lnSpc>
             </a:pPr>
             <a:r>
-              <a:rPr lang="te-IN" sz="1400" dirty="0">
+              <a:rPr lang="te-IN" sz="1600" dirty="0">
                 <a:latin typeface="Anek Telugu SemiBold" pitchFamily="2" charset="0"/>
                 <a:cs typeface="Anek Telugu SemiBold" pitchFamily="2" charset="0"/>
               </a:rPr>
-              <a:t>యెహోవా యీరే నీవే (2)</a:t>
-            </a:r>
-          </a:p>
-          <a:p>
-            <a:pPr>
-              <a:lnSpc>
-                <a:spcPct val="150000"/>
-              </a:lnSpc>
-            </a:pPr>
-            <a:r>
-              <a:rPr lang="te-IN" sz="1400" dirty="0">
-                <a:latin typeface="Anek Telugu SemiBold" pitchFamily="2" charset="0"/>
-                <a:cs typeface="Anek Telugu SemiBold" pitchFamily="2" charset="0"/>
-              </a:rPr>
-              <a:t>నా కోరికంతా ఏ క్షణమైనా</a:t>
-            </a:r>
-          </a:p>
-          <a:p>
-            <a:pPr>
-              <a:lnSpc>
-                <a:spcPct val="150000"/>
-              </a:lnSpc>
-            </a:pPr>
-            <a:r>
-              <a:rPr lang="te-IN" sz="1400" dirty="0">
-                <a:latin typeface="Anek Telugu SemiBold" pitchFamily="2" charset="0"/>
-                <a:cs typeface="Anek Telugu SemiBold" pitchFamily="2" charset="0"/>
-              </a:rPr>
-              <a:t>నీవేగా నా యేసూ (2) ఆమెన్</a:t>
-            </a:r>
-          </a:p>
-          <a:p>
-            <a:pPr>
-              <a:lnSpc>
-                <a:spcPct val="150000"/>
-              </a:lnSpc>
-            </a:pPr>
-            <a:endParaRPr lang="te-IN" sz="1400" dirty="0">
-              <a:latin typeface="Anek Telugu SemiBold" pitchFamily="2" charset="0"/>
-              <a:cs typeface="Anek Telugu SemiBold" pitchFamily="2" charset="0"/>
-            </a:endParaRPr>
-          </a:p>
-          <a:p>
-            <a:pPr>
-              <a:lnSpc>
-                <a:spcPct val="150000"/>
-              </a:lnSpc>
-            </a:pPr>
-            <a:r>
-              <a:rPr lang="te-IN" sz="1400" dirty="0">
-                <a:latin typeface="Anek Telugu SemiBold" pitchFamily="2" charset="0"/>
-                <a:cs typeface="Anek Telugu SemiBold" pitchFamily="2" charset="0"/>
-              </a:rPr>
-              <a:t>మా సర్వమంతా నీవే నయ్యా</a:t>
-            </a:r>
-          </a:p>
-          <a:p>
-            <a:pPr>
-              <a:lnSpc>
-                <a:spcPct val="150000"/>
-              </a:lnSpc>
-            </a:pPr>
-            <a:r>
-              <a:rPr lang="te-IN" sz="1400" dirty="0">
-                <a:latin typeface="Anek Telugu SemiBold" pitchFamily="2" charset="0"/>
-                <a:cs typeface="Anek Telugu SemiBold" pitchFamily="2" charset="0"/>
-              </a:rPr>
-              <a:t>నీకే గా అంకితం చేసితిమీ (2)</a:t>
-            </a:r>
-          </a:p>
-          <a:p>
-            <a:pPr>
-              <a:lnSpc>
-                <a:spcPct val="150000"/>
-              </a:lnSpc>
-            </a:pPr>
-            <a:r>
-              <a:rPr lang="te-IN" sz="1400" dirty="0">
-                <a:latin typeface="Anek Telugu SemiBold" pitchFamily="2" charset="0"/>
-                <a:cs typeface="Anek Telugu SemiBold" pitchFamily="2" charset="0"/>
-              </a:rPr>
-              <a:t>వేచియున్నాము సెలవిమ్ము దేవా</a:t>
-            </a:r>
-          </a:p>
-          <a:p>
-            <a:pPr>
-              <a:lnSpc>
-                <a:spcPct val="150000"/>
-              </a:lnSpc>
-            </a:pPr>
-            <a:r>
-              <a:rPr lang="te-IN" sz="1400" dirty="0">
-                <a:latin typeface="Anek Telugu SemiBold" pitchFamily="2" charset="0"/>
-                <a:cs typeface="Anek Telugu SemiBold" pitchFamily="2" charset="0"/>
-              </a:rPr>
-              <a:t>నీ ఆజ్ఞ పాటించెదమూ (2) స్తోత్రం</a:t>
+              <a:t>కరుణించుమా యేసు కాపాడుమా</a:t>
             </a:r>
           </a:p>
         </p:txBody>
@@ -4169,8 +4078,8 @@
         </p:nvSpPr>
         <p:spPr>
           <a:xfrm>
-            <a:off x="476519" y="460973"/>
-            <a:ext cx="4544669" cy="5447645"/>
+            <a:off x="621662" y="486517"/>
+            <a:ext cx="4544669" cy="5262979"/>
           </a:xfrm>
           <a:prstGeom prst="rect">
             <a:avLst/>
@@ -4193,7 +4102,7 @@
                 <a:latin typeface="Anek Telugu SemiBold" pitchFamily="2" charset="0"/>
                 <a:cs typeface="Anek Telugu SemiBold" pitchFamily="2" charset="0"/>
               </a:rPr>
-              <a:t>యేసూ నీ కార్యములు ఎంతో గొప్పవి</a:t>
+              <a:t>నజరేయుడా నా యేసయ్య</a:t>
             </a:r>
           </a:p>
           <a:p>
@@ -4207,33 +4116,8 @@
                 <a:latin typeface="Anek Telugu SemiBold" pitchFamily="2" charset="0"/>
                 <a:cs typeface="Anek Telugu SemiBold" pitchFamily="2" charset="0"/>
               </a:rPr>
-              <a:t>తండ్రీ.. నీ తలంపులు లెక్కలేనివి </a:t>
-            </a:r>
-            <a:r>
-              <a:rPr lang="en-IN" sz="1600" b="1" dirty="0" err="1">
-                <a:latin typeface="Anek Telugu SemiBold" pitchFamily="2" charset="0"/>
-                <a:cs typeface="Anek Telugu SemiBold" pitchFamily="2" charset="0"/>
-              </a:rPr>
-              <a:t>ll</a:t>
-            </a:r>
-            <a:r>
-              <a:rPr lang="en-IN" sz="1600" b="1" dirty="0">
-                <a:latin typeface="Anek Telugu SemiBold" pitchFamily="2" charset="0"/>
-                <a:cs typeface="Anek Telugu SemiBold" pitchFamily="2" charset="0"/>
-              </a:rPr>
-              <a:t> 2 </a:t>
-            </a:r>
-            <a:r>
-              <a:rPr lang="en-IN" sz="1600" b="1" dirty="0" err="1">
-                <a:latin typeface="Anek Telugu SemiBold" pitchFamily="2" charset="0"/>
-                <a:cs typeface="Anek Telugu SemiBold" pitchFamily="2" charset="0"/>
-              </a:rPr>
-              <a:t>ll</a:t>
-            </a:r>
-            <a:endParaRPr lang="en-IN" sz="1600" b="1" dirty="0">
-              <a:latin typeface="Anek Telugu SemiBold" pitchFamily="2" charset="0"/>
-              <a:cs typeface="Anek Telugu SemiBold" pitchFamily="2" charset="0"/>
-            </a:endParaRPr>
+              <a:t>ఎన్ని యుగాలకైనా</a:t>
+            </a:r>
           </a:p>
           <a:p>
             <a:pPr>
@@ -4246,7 +4130,7 @@
                 <a:latin typeface="Anek Telugu SemiBold" pitchFamily="2" charset="0"/>
                 <a:cs typeface="Anek Telugu SemiBold" pitchFamily="2" charset="0"/>
               </a:rPr>
-              <a:t>అవి కంటికి కనబడవు</a:t>
+              <a:t>ఆరాధ్య దైవము నీవేనని</a:t>
             </a:r>
           </a:p>
           <a:p>
@@ -4260,33 +4144,8 @@
                 <a:latin typeface="Anek Telugu SemiBold" pitchFamily="2" charset="0"/>
                 <a:cs typeface="Anek Telugu SemiBold" pitchFamily="2" charset="0"/>
               </a:rPr>
-              <a:t>హృదయానికి అంతుచిక్కవు. </a:t>
-            </a:r>
-            <a:r>
-              <a:rPr lang="en-IN" sz="1600" b="1" dirty="0" err="1">
-                <a:latin typeface="Anek Telugu SemiBold" pitchFamily="2" charset="0"/>
-                <a:cs typeface="Anek Telugu SemiBold" pitchFamily="2" charset="0"/>
-              </a:rPr>
-              <a:t>ll</a:t>
-            </a:r>
-            <a:r>
-              <a:rPr lang="en-IN" sz="1600" b="1" dirty="0">
-                <a:latin typeface="Anek Telugu SemiBold" pitchFamily="2" charset="0"/>
-                <a:cs typeface="Anek Telugu SemiBold" pitchFamily="2" charset="0"/>
-              </a:rPr>
-              <a:t> 2 </a:t>
-            </a:r>
-            <a:r>
-              <a:rPr lang="en-IN" sz="1600" b="1" dirty="0" err="1">
-                <a:latin typeface="Anek Telugu SemiBold" pitchFamily="2" charset="0"/>
-                <a:cs typeface="Anek Telugu SemiBold" pitchFamily="2" charset="0"/>
-              </a:rPr>
-              <a:t>ll</a:t>
-            </a:r>
-            <a:endParaRPr lang="en-IN" sz="1600" b="1" dirty="0">
-              <a:latin typeface="Anek Telugu SemiBold" pitchFamily="2" charset="0"/>
-              <a:cs typeface="Anek Telugu SemiBold" pitchFamily="2" charset="0"/>
-            </a:endParaRPr>
+              <a:t>గళమెత్తి నీ కీర్తి నే చాటెద</a:t>
+            </a:r>
           </a:p>
           <a:p>
             <a:pPr>
@@ -4294,7 +4153,7 @@
                 <a:spcPct val="150000"/>
               </a:lnSpc>
             </a:pPr>
-            <a:endParaRPr lang="en-IN" sz="1600" b="1" dirty="0">
+            <a:endParaRPr lang="te-IN" sz="1600" b="1" dirty="0">
               <a:latin typeface="Anek Telugu SemiBold" pitchFamily="2" charset="0"/>
               <a:cs typeface="Anek Telugu SemiBold" pitchFamily="2" charset="0"/>
             </a:endParaRPr>
@@ -4310,7 +4169,7 @@
                 <a:latin typeface="Anek Telugu SemiBold" pitchFamily="2" charset="0"/>
                 <a:cs typeface="Anek Telugu SemiBold" pitchFamily="2" charset="0"/>
               </a:rPr>
-              <a:t>కానా విందులో ఒకే మాటతో – </a:t>
+              <a:t>ఆకాశ గగనాలను నీ జేనతో కొలిచితివి (2)</a:t>
             </a:r>
           </a:p>
           <a:p>
@@ -4324,7 +4183,7 @@
                 <a:latin typeface="Anek Telugu SemiBold" pitchFamily="2" charset="0"/>
                 <a:cs typeface="Anek Telugu SemiBold" pitchFamily="2" charset="0"/>
               </a:rPr>
-              <a:t>అద్భుతము చేసితివి</a:t>
+              <a:t>శూన్యములో ఈ భూమిని</a:t>
             </a:r>
           </a:p>
           <a:p>
@@ -4338,7 +4197,7 @@
                 <a:latin typeface="Anek Telugu SemiBold" pitchFamily="2" charset="0"/>
                 <a:cs typeface="Anek Telugu SemiBold" pitchFamily="2" charset="0"/>
               </a:rPr>
-              <a:t>చేప కడుపులో ఆశ్చర్యముగా – </a:t>
+              <a:t>వ్రేలాడదీసిన నా యేసయ్య (2)</a:t>
             </a:r>
           </a:p>
           <a:p>
@@ -4352,33 +4211,8 @@
                 <a:latin typeface="Anek Telugu SemiBold" pitchFamily="2" charset="0"/>
                 <a:cs typeface="Anek Telugu SemiBold" pitchFamily="2" charset="0"/>
               </a:rPr>
-              <a:t>యోనాను ఉంచితివి </a:t>
-            </a:r>
-            <a:r>
-              <a:rPr lang="en-IN" sz="1600" b="1" dirty="0" err="1">
-                <a:latin typeface="Anek Telugu SemiBold" pitchFamily="2" charset="0"/>
-                <a:cs typeface="Anek Telugu SemiBold" pitchFamily="2" charset="0"/>
-              </a:rPr>
-              <a:t>ll</a:t>
-            </a:r>
-            <a:r>
-              <a:rPr lang="en-IN" sz="1600" b="1" dirty="0">
-                <a:latin typeface="Anek Telugu SemiBold" pitchFamily="2" charset="0"/>
-                <a:cs typeface="Anek Telugu SemiBold" pitchFamily="2" charset="0"/>
-              </a:rPr>
-              <a:t> 2 </a:t>
-            </a:r>
-            <a:r>
-              <a:rPr lang="en-IN" sz="1600" b="1" dirty="0" err="1">
-                <a:latin typeface="Anek Telugu SemiBold" pitchFamily="2" charset="0"/>
-                <a:cs typeface="Anek Telugu SemiBold" pitchFamily="2" charset="0"/>
-              </a:rPr>
-              <a:t>ll</a:t>
-            </a:r>
-            <a:endParaRPr lang="en-IN" sz="1600" b="1" dirty="0">
-              <a:latin typeface="Anek Telugu SemiBold" pitchFamily="2" charset="0"/>
-              <a:cs typeface="Anek Telugu SemiBold" pitchFamily="2" charset="0"/>
-            </a:endParaRPr>
+              <a:t>నీకే వందనం నీకే వందనం (2)</a:t>
+            </a:r>
           </a:p>
           <a:p>
             <a:pPr>
@@ -4386,7 +4220,7 @@
                 <a:spcPct val="150000"/>
               </a:lnSpc>
             </a:pPr>
-            <a:endParaRPr lang="en-IN" sz="1600" b="1" dirty="0">
+            <a:endParaRPr lang="te-IN" sz="1600" b="1" dirty="0">
               <a:latin typeface="Anek Telugu SemiBold" pitchFamily="2" charset="0"/>
               <a:cs typeface="Anek Telugu SemiBold" pitchFamily="2" charset="0"/>
             </a:endParaRPr>
@@ -4402,7 +4236,7 @@
                 <a:latin typeface="Anek Telugu SemiBold" pitchFamily="2" charset="0"/>
                 <a:cs typeface="Anek Telugu SemiBold" pitchFamily="2" charset="0"/>
               </a:rPr>
-              <a:t>షడ్రకు, మేషెకు, అబెద్నగోలతో – </a:t>
+              <a:t>అగాధ సముద్రాలకు నీవే ఎల్లలు వేసితివి (2)</a:t>
             </a:r>
           </a:p>
           <a:p>
@@ -4416,7 +4250,7 @@
                 <a:latin typeface="Anek Telugu SemiBold" pitchFamily="2" charset="0"/>
                 <a:cs typeface="Anek Telugu SemiBold" pitchFamily="2" charset="0"/>
               </a:rPr>
-              <a:t>అగ్నిలో నిలచితివి</a:t>
+              <a:t>జలములలోబడి నే వెళ్ళినా</a:t>
             </a:r>
           </a:p>
           <a:p>
@@ -4430,7 +4264,7 @@
                 <a:latin typeface="Anek Telugu SemiBold" pitchFamily="2" charset="0"/>
                 <a:cs typeface="Anek Telugu SemiBold" pitchFamily="2" charset="0"/>
               </a:rPr>
-              <a:t>దానియేలుకు సింహపు బోనులో – </a:t>
+              <a:t>నన్నేమి చేయవు నా యేసయ్యా (2)</a:t>
             </a:r>
           </a:p>
           <a:p>
@@ -4444,33 +4278,8 @@
                 <a:latin typeface="Anek Telugu SemiBold" pitchFamily="2" charset="0"/>
                 <a:cs typeface="Anek Telugu SemiBold" pitchFamily="2" charset="0"/>
               </a:rPr>
-              <a:t>విజయము నిచ్చితివి </a:t>
-            </a:r>
-            <a:r>
-              <a:rPr lang="en-IN" sz="1600" b="1" dirty="0" err="1">
-                <a:latin typeface="Anek Telugu SemiBold" pitchFamily="2" charset="0"/>
-                <a:cs typeface="Anek Telugu SemiBold" pitchFamily="2" charset="0"/>
-              </a:rPr>
-              <a:t>ll</a:t>
-            </a:r>
-            <a:r>
-              <a:rPr lang="en-IN" sz="1600" b="1" dirty="0">
-                <a:latin typeface="Anek Telugu SemiBold" pitchFamily="2" charset="0"/>
-                <a:cs typeface="Anek Telugu SemiBold" pitchFamily="2" charset="0"/>
-              </a:rPr>
-              <a:t> 2 </a:t>
-            </a:r>
-            <a:r>
-              <a:rPr lang="en-IN" sz="1600" b="1" dirty="0" err="1">
-                <a:latin typeface="Anek Telugu SemiBold" pitchFamily="2" charset="0"/>
-                <a:cs typeface="Anek Telugu SemiBold" pitchFamily="2" charset="0"/>
-              </a:rPr>
-              <a:t>ll</a:t>
-            </a:r>
-            <a:endParaRPr lang="en-IN" sz="1600" b="1" dirty="0">
-              <a:latin typeface="Anek Telugu SemiBold" pitchFamily="2" charset="0"/>
-              <a:cs typeface="Anek Telugu SemiBold" pitchFamily="2" charset="0"/>
-            </a:endParaRPr>
+              <a:t>నీకే వందనం నీకే వందనం (2)</a:t>
+            </a:r>
           </a:p>
         </p:txBody>
       </p:sp>
@@ -4518,8 +4327,8 @@
         </p:nvSpPr>
         <p:spPr>
           <a:xfrm>
-            <a:off x="359125" y="296761"/>
-            <a:ext cx="4640796" cy="4939814"/>
+            <a:off x="617004" y="527593"/>
+            <a:ext cx="4640796" cy="5447645"/>
           </a:xfrm>
           <a:prstGeom prst="rect">
             <a:avLst/>
@@ -4538,11 +4347,11 @@
               </a:lnSpc>
             </a:pPr>
             <a:r>
-              <a:rPr lang="te-IN" sz="1400" dirty="0">
+              <a:rPr lang="te-IN" sz="1600" dirty="0">
                 <a:latin typeface="Anek Telugu SemiBold" pitchFamily="2" charset="0"/>
                 <a:cs typeface="Anek Telugu SemiBold" pitchFamily="2" charset="0"/>
               </a:rPr>
-              <a:t>ఎవరూ సమీపించలేని</a:t>
+              <a:t>నా స్తుతి పాత్రుడా – నా యేసయ్యా</a:t>
             </a:r>
           </a:p>
           <a:p>
@@ -4552,11 +4361,11 @@
               </a:lnSpc>
             </a:pPr>
             <a:r>
-              <a:rPr lang="te-IN" sz="1400" dirty="0">
+              <a:rPr lang="te-IN" sz="1600" dirty="0">
                 <a:latin typeface="Anek Telugu SemiBold" pitchFamily="2" charset="0"/>
                 <a:cs typeface="Anek Telugu SemiBold" pitchFamily="2" charset="0"/>
               </a:rPr>
-              <a:t>తేజస్సుతో నివసించు నా యేసయ్యా (2)</a:t>
+              <a:t>నా ఆరాధనకు నీవె యోగ్యుడవయ్యా (2)</a:t>
             </a:r>
           </a:p>
           <a:p>
@@ -4565,13 +4374,10 @@
                 <a:spcPct val="150000"/>
               </a:lnSpc>
             </a:pPr>
-            <a:r>
-              <a:rPr lang="te-IN" sz="1400" dirty="0">
-                <a:latin typeface="Anek Telugu SemiBold" pitchFamily="2" charset="0"/>
-                <a:cs typeface="Anek Telugu SemiBold" pitchFamily="2" charset="0"/>
-              </a:rPr>
-              <a:t>నీ మహిమను ధరించిన పరిశుద్ధులు</a:t>
-            </a:r>
+            <a:endParaRPr lang="te-IN" sz="1600" dirty="0">
+              <a:latin typeface="Anek Telugu SemiBold" pitchFamily="2" charset="0"/>
+              <a:cs typeface="Anek Telugu SemiBold" pitchFamily="2" charset="0"/>
+            </a:endParaRPr>
           </a:p>
           <a:p>
             <a:pPr>
@@ -4580,11 +4386,11 @@
               </a:lnSpc>
             </a:pPr>
             <a:r>
-              <a:rPr lang="te-IN" sz="1400" dirty="0">
+              <a:rPr lang="te-IN" sz="1600" dirty="0">
                 <a:latin typeface="Anek Telugu SemiBold" pitchFamily="2" charset="0"/>
                 <a:cs typeface="Anek Telugu SemiBold" pitchFamily="2" charset="0"/>
               </a:rPr>
-              <a:t>నా కంటబడగానే (2)</a:t>
+              <a:t>నీ వాక్యమే నా పరవశము</a:t>
             </a:r>
           </a:p>
           <a:p>
@@ -4594,11 +4400,11 @@
               </a:lnSpc>
             </a:pPr>
             <a:r>
-              <a:rPr lang="te-IN" sz="1400" dirty="0">
+              <a:rPr lang="te-IN" sz="1600" dirty="0">
                 <a:latin typeface="Anek Telugu SemiBold" pitchFamily="2" charset="0"/>
                 <a:cs typeface="Anek Telugu SemiBold" pitchFamily="2" charset="0"/>
               </a:rPr>
-              <a:t>ఏమౌదునో నేనేమౌదునో (2)</a:t>
+              <a:t>నీ వాక్యమే నా ఆత్మకు ఆహారము (2)</a:t>
             </a:r>
           </a:p>
           <a:p>
@@ -4607,7 +4413,14 @@
                 <a:spcPct val="150000"/>
               </a:lnSpc>
             </a:pPr>
-            <a:endParaRPr lang="te-IN" sz="1400" dirty="0">
+            <a:r>
+              <a:rPr lang="te-IN" sz="1600" dirty="0">
+                <a:latin typeface="Anek Telugu SemiBold" pitchFamily="2" charset="0"/>
+                <a:cs typeface="Anek Telugu SemiBold" pitchFamily="2" charset="0"/>
+              </a:rPr>
+              <a:t>నీ వాక్యమే నా పాదములకు దీపము (3)</a:t>
+            </a:r>
+            <a:endParaRPr lang="en-IN" sz="1600" dirty="0">
               <a:latin typeface="Anek Telugu SemiBold" pitchFamily="2" charset="0"/>
               <a:cs typeface="Anek Telugu SemiBold" pitchFamily="2" charset="0"/>
             </a:endParaRPr>
@@ -4618,13 +4431,10 @@
                 <a:spcPct val="150000"/>
               </a:lnSpc>
             </a:pPr>
-            <a:r>
-              <a:rPr lang="te-IN" sz="1400" dirty="0">
-                <a:latin typeface="Anek Telugu SemiBold" pitchFamily="2" charset="0"/>
-                <a:cs typeface="Anek Telugu SemiBold" pitchFamily="2" charset="0"/>
-              </a:rPr>
-              <a:t>ఇహలోక బంధాలు మరచి</a:t>
-            </a:r>
+            <a:endParaRPr lang="te-IN" sz="1600" dirty="0">
+              <a:latin typeface="Anek Telugu SemiBold" pitchFamily="2" charset="0"/>
+              <a:cs typeface="Anek Telugu SemiBold" pitchFamily="2" charset="0"/>
+            </a:endParaRPr>
           </a:p>
           <a:p>
             <a:pPr>
@@ -4633,11 +4443,11 @@
               </a:lnSpc>
             </a:pPr>
             <a:r>
-              <a:rPr lang="te-IN" sz="1400" dirty="0">
+              <a:rPr lang="te-IN" sz="1600" dirty="0">
                 <a:latin typeface="Anek Telugu SemiBold" pitchFamily="2" charset="0"/>
                 <a:cs typeface="Anek Telugu SemiBold" pitchFamily="2" charset="0"/>
               </a:rPr>
-              <a:t>నీ యెదుటే నేను నిలిచి (2)</a:t>
+              <a:t>నీ కృపయే నా ఆశ్రయము</a:t>
             </a:r>
           </a:p>
           <a:p>
@@ -4647,11 +4457,11 @@
               </a:lnSpc>
             </a:pPr>
             <a:r>
-              <a:rPr lang="te-IN" sz="1400" dirty="0">
+              <a:rPr lang="te-IN" sz="1600" dirty="0">
                 <a:latin typeface="Anek Telugu SemiBold" pitchFamily="2" charset="0"/>
                 <a:cs typeface="Anek Telugu SemiBold" pitchFamily="2" charset="0"/>
               </a:rPr>
-              <a:t>నీవిచ్చు బహుమతులు నే స్వీకరించి</a:t>
+              <a:t>నీ కృపయే నా ఆత్మకు అభిషేకము (2)</a:t>
             </a:r>
           </a:p>
           <a:p>
@@ -4661,11 +4471,11 @@
               </a:lnSpc>
             </a:pPr>
             <a:r>
-              <a:rPr lang="te-IN" sz="1400" dirty="0">
+              <a:rPr lang="te-IN" sz="1600" dirty="0">
                 <a:latin typeface="Anek Telugu SemiBold" pitchFamily="2" charset="0"/>
                 <a:cs typeface="Anek Telugu SemiBold" pitchFamily="2" charset="0"/>
               </a:rPr>
-              <a:t>నిత్యానందముతో పరవశించు వేళ (2)</a:t>
+              <a:t>నీ కృపయే నా జీవన ఆధారము (3)</a:t>
             </a:r>
           </a:p>
           <a:p>
@@ -4674,7 +4484,7 @@
                 <a:spcPct val="150000"/>
               </a:lnSpc>
             </a:pPr>
-            <a:endParaRPr lang="te-IN" sz="1400" dirty="0">
+            <a:endParaRPr lang="te-IN" sz="1600" dirty="0">
               <a:latin typeface="Anek Telugu SemiBold" pitchFamily="2" charset="0"/>
               <a:cs typeface="Anek Telugu SemiBold" pitchFamily="2" charset="0"/>
             </a:endParaRPr>
@@ -4686,11 +4496,11 @@
               </a:lnSpc>
             </a:pPr>
             <a:r>
-              <a:rPr lang="te-IN" sz="1400" dirty="0">
+              <a:rPr lang="te-IN" sz="1600" dirty="0">
                 <a:latin typeface="Anek Telugu SemiBold" pitchFamily="2" charset="0"/>
                 <a:cs typeface="Anek Telugu SemiBold" pitchFamily="2" charset="0"/>
               </a:rPr>
-              <a:t>పరలోక మహిమను తలచి</a:t>
+              <a:t>నీ సౌందర్యము యెరూషలేము</a:t>
             </a:r>
           </a:p>
           <a:p>
@@ -4700,11 +4510,11 @@
               </a:lnSpc>
             </a:pPr>
             <a:r>
-              <a:rPr lang="te-IN" sz="1400" dirty="0">
+              <a:rPr lang="te-IN" sz="1600" dirty="0">
                 <a:latin typeface="Anek Telugu SemiBold" pitchFamily="2" charset="0"/>
                 <a:cs typeface="Anek Telugu SemiBold" pitchFamily="2" charset="0"/>
               </a:rPr>
-              <a:t>నీ పాద పద్మములపై ఒరిగి (2)</a:t>
+              <a:t>నీ పరిపూర్ణత సీయోను శిఖరము (2)</a:t>
             </a:r>
           </a:p>
           <a:p>
@@ -4714,26 +4524,23 @@
               </a:lnSpc>
             </a:pPr>
             <a:r>
-              <a:rPr lang="te-IN" sz="1400" dirty="0">
+              <a:rPr lang="te-IN" sz="1600" dirty="0">
                 <a:latin typeface="Anek Telugu SemiBold" pitchFamily="2" charset="0"/>
                 <a:cs typeface="Anek Telugu SemiBold" pitchFamily="2" charset="0"/>
               </a:rPr>
-              <a:t>పరలోక సైన్య సమూహాలతో కలసి</a:t>
-            </a:r>
-          </a:p>
-          <a:p>
-            <a:pPr>
-              <a:lnSpc>
-                <a:spcPct val="150000"/>
-              </a:lnSpc>
-            </a:pPr>
-            <a:r>
-              <a:rPr lang="te-IN" sz="1400" dirty="0">
+              <a:t>నీ పరిపూర్ణత నా జీవిత గమ్యము (3</a:t>
+            </a:r>
+            <a:r>
+              <a:rPr lang="en-IN" sz="1600" dirty="0">
                 <a:latin typeface="Anek Telugu SemiBold" pitchFamily="2" charset="0"/>
                 <a:cs typeface="Anek Telugu SemiBold" pitchFamily="2" charset="0"/>
               </a:rPr>
-              <a:t>నిత్యారాధన నే చేయు ప్రశాంత వేళ (2)</a:t>
-            </a:r>
+              <a:t>)</a:t>
+            </a:r>
+            <a:endParaRPr lang="te-IN" sz="1600" dirty="0">
+              <a:latin typeface="Anek Telugu SemiBold" pitchFamily="2" charset="0"/>
+              <a:cs typeface="Anek Telugu SemiBold" pitchFamily="2" charset="0"/>
+            </a:endParaRPr>
           </a:p>
         </p:txBody>
       </p:sp>
@@ -4751,8 +4558,8 @@
         </p:nvSpPr>
         <p:spPr>
           <a:xfrm>
-            <a:off x="5156199" y="296761"/>
-            <a:ext cx="4749801" cy="5909310"/>
+            <a:off x="5446483" y="514473"/>
+            <a:ext cx="4749801" cy="5262979"/>
           </a:xfrm>
           <a:prstGeom prst="rect">
             <a:avLst/>
@@ -4771,16 +4578,12 @@
               </a:lnSpc>
             </a:pPr>
             <a:r>
-              <a:rPr lang="te-IN" sz="1400" b="1" dirty="0">
+              <a:rPr lang="te-IN" sz="1600" b="1" dirty="0">
                 <a:latin typeface="Anek Telugu SemiBold" pitchFamily="2" charset="0"/>
                 <a:cs typeface="Anek Telugu SemiBold" pitchFamily="2" charset="0"/>
               </a:rPr>
-              <a:t>అన్ని నామముల కన్న పై నామము </a:t>
-            </a:r>
-            <a:endParaRPr lang="en-IN" sz="1400" b="1" dirty="0">
-              <a:latin typeface="Anek Telugu SemiBold" pitchFamily="2" charset="0"/>
-              <a:cs typeface="Anek Telugu SemiBold" pitchFamily="2" charset="0"/>
-            </a:endParaRPr>
+              <a:t>నమ్మకమైన దేవుడవైన</a:t>
+            </a:r>
           </a:p>
           <a:p>
             <a:pPr defTabSz="439781">
@@ -4789,29 +4592,12 @@
               </a:lnSpc>
             </a:pPr>
             <a:r>
-              <a:rPr lang="te-IN" sz="1400" b="1" dirty="0">
+              <a:rPr lang="te-IN" sz="1600" b="1" dirty="0">
                 <a:latin typeface="Anek Telugu SemiBold" pitchFamily="2" charset="0"/>
                 <a:cs typeface="Anek Telugu SemiBold" pitchFamily="2" charset="0"/>
               </a:rPr>
-              <a:t>యేసుని నామము</a:t>
-            </a:r>
-            <a:br>
-              <a:rPr lang="te-IN" sz="1400" b="1" dirty="0">
-                <a:latin typeface="Anek Telugu SemiBold" pitchFamily="2" charset="0"/>
-                <a:cs typeface="Anek Telugu SemiBold" pitchFamily="2" charset="0"/>
-              </a:rPr>
-            </a:br>
-            <a:r>
-              <a:rPr lang="te-IN" sz="1400" b="1" dirty="0">
-                <a:latin typeface="Anek Telugu SemiBold" pitchFamily="2" charset="0"/>
-                <a:cs typeface="Anek Telugu SemiBold" pitchFamily="2" charset="0"/>
-              </a:rPr>
-              <a:t>ఎన్ని తరములకైనా ఘనపరచ దగినది</a:t>
-            </a:r>
-            <a:endParaRPr lang="en-IN" sz="1400" b="1" dirty="0">
-              <a:latin typeface="Anek Telugu SemiBold" pitchFamily="2" charset="0"/>
-              <a:cs typeface="Anek Telugu SemiBold" pitchFamily="2" charset="0"/>
-            </a:endParaRPr>
+              <a:t>నీవే చాలు యేసయ్యా (2)</a:t>
+            </a:r>
           </a:p>
           <a:p>
             <a:pPr defTabSz="439781">
@@ -4820,11 +4606,11 @@
               </a:lnSpc>
             </a:pPr>
             <a:r>
-              <a:rPr lang="te-IN" sz="1400" b="1" dirty="0">
+              <a:rPr lang="te-IN" sz="1600" b="1" dirty="0">
                 <a:latin typeface="Anek Telugu SemiBold" pitchFamily="2" charset="0"/>
                 <a:cs typeface="Anek Telugu SemiBold" pitchFamily="2" charset="0"/>
               </a:rPr>
-              <a:t>క్రీస్తేసు నామము (2)</a:t>
+              <a:t>నేనేమైయున్నా ఏ స్థితిలో ఉన్నా (2)</a:t>
             </a:r>
           </a:p>
           <a:p>
@@ -4834,16 +4620,12 @@
               </a:lnSpc>
             </a:pPr>
             <a:r>
-              <a:rPr lang="te-IN" sz="1400" b="1" dirty="0">
+              <a:rPr lang="te-IN" sz="1600" b="1" dirty="0">
                 <a:latin typeface="Anek Telugu SemiBold" pitchFamily="2" charset="0"/>
                 <a:cs typeface="Anek Telugu SemiBold" pitchFamily="2" charset="0"/>
               </a:rPr>
-              <a:t>యేసు నామము జయం జయము –</a:t>
-            </a:r>
-            <a:endParaRPr lang="en-IN" sz="1400" b="1" dirty="0">
-              <a:latin typeface="Anek Telugu SemiBold" pitchFamily="2" charset="0"/>
-              <a:cs typeface="Anek Telugu SemiBold" pitchFamily="2" charset="0"/>
-            </a:endParaRPr>
+              <a:t>ఇంకేమి కోరుకోనయ్యా (2)</a:t>
+            </a:r>
           </a:p>
           <a:p>
             <a:pPr defTabSz="439781">
@@ -4851,27 +4633,7 @@
                 <a:spcPct val="150000"/>
               </a:lnSpc>
             </a:pPr>
-            <a:r>
-              <a:rPr lang="te-IN" sz="1400" b="1" dirty="0">
-                <a:latin typeface="Anek Telugu SemiBold" pitchFamily="2" charset="0"/>
-                <a:cs typeface="Anek Telugu SemiBold" pitchFamily="2" charset="0"/>
-              </a:rPr>
-              <a:t>సాతాను శక్తుల్ లయం లయము (2)</a:t>
-            </a:r>
-            <a:br>
-              <a:rPr lang="te-IN" sz="1400" b="1" dirty="0">
-                <a:latin typeface="Anek Telugu SemiBold" pitchFamily="2" charset="0"/>
-                <a:cs typeface="Anek Telugu SemiBold" pitchFamily="2" charset="0"/>
-              </a:rPr>
-            </a:br>
-            <a:r>
-              <a:rPr lang="te-IN" sz="1400" b="1" dirty="0">
-                <a:latin typeface="Anek Telugu SemiBold" pitchFamily="2" charset="0"/>
-                <a:cs typeface="Anek Telugu SemiBold" pitchFamily="2" charset="0"/>
-              </a:rPr>
-              <a:t>హల్లెలూయ హోసన్న హల్లెలూయా  - </a:t>
-            </a:r>
-            <a:endParaRPr lang="en-IN" sz="1400" b="1" dirty="0">
+            <a:endParaRPr lang="te-IN" sz="1600" b="1" dirty="0">
               <a:latin typeface="Anek Telugu SemiBold" pitchFamily="2" charset="0"/>
               <a:cs typeface="Anek Telugu SemiBold" pitchFamily="2" charset="0"/>
             </a:endParaRPr>
@@ -4883,11 +4645,11 @@
               </a:lnSpc>
             </a:pPr>
             <a:r>
-              <a:rPr lang="te-IN" sz="1400" b="1" dirty="0">
+              <a:rPr lang="te-IN" sz="1600" b="1" dirty="0">
                 <a:latin typeface="Anek Telugu SemiBold" pitchFamily="2" charset="0"/>
                 <a:cs typeface="Anek Telugu SemiBold" pitchFamily="2" charset="0"/>
               </a:rPr>
-              <a:t>హల్లెలూయా ఆమెన్ (2)</a:t>
+              <a:t>ఆప్తులైన వారే హాని చేయచూసినా</a:t>
             </a:r>
           </a:p>
           <a:p>
@@ -4896,10 +4658,13 @@
                 <a:spcPct val="150000"/>
               </a:lnSpc>
             </a:pPr>
-            <a:endParaRPr lang="te-IN" sz="1400" b="1" dirty="0">
-              <a:latin typeface="Anek Telugu SemiBold" pitchFamily="2" charset="0"/>
-              <a:cs typeface="Anek Telugu SemiBold" pitchFamily="2" charset="0"/>
-            </a:endParaRPr>
+            <a:r>
+              <a:rPr lang="te-IN" sz="1600" b="1" dirty="0">
+                <a:latin typeface="Anek Telugu SemiBold" pitchFamily="2" charset="0"/>
+                <a:cs typeface="Anek Telugu SemiBold" pitchFamily="2" charset="0"/>
+              </a:rPr>
+              <a:t>మిత్రులే నిలువకుండినా (2)</a:t>
+            </a:r>
           </a:p>
           <a:p>
             <a:pPr defTabSz="439781">
@@ -4908,11 +4673,11 @@
               </a:lnSpc>
             </a:pPr>
             <a:r>
-              <a:rPr lang="te-IN" sz="1400" b="1" dirty="0">
+              <a:rPr lang="te-IN" sz="1600" b="1" dirty="0">
                 <a:latin typeface="Anek Telugu SemiBold" pitchFamily="2" charset="0"/>
                 <a:cs typeface="Anek Telugu SemiBold" pitchFamily="2" charset="0"/>
               </a:rPr>
-              <a:t>పాపముల నుండి విడిపించును </a:t>
+              <a:t>న్యాయము తీర్చే నీవు నాకుంటే (2)</a:t>
             </a:r>
           </a:p>
           <a:p>
@@ -4922,24 +4687,11 @@
               </a:lnSpc>
             </a:pPr>
             <a:r>
-              <a:rPr lang="te-IN" sz="1400" b="1" dirty="0">
+              <a:rPr lang="te-IN" sz="1600" b="1" dirty="0">
                 <a:latin typeface="Anek Telugu SemiBold" pitchFamily="2" charset="0"/>
                 <a:cs typeface="Anek Telugu SemiBold" pitchFamily="2" charset="0"/>
               </a:rPr>
-              <a:t>యేసుని నామము (2)</a:t>
-            </a:r>
-            <a:br>
-              <a:rPr lang="te-IN" sz="1400" b="1" dirty="0">
-                <a:latin typeface="Anek Telugu SemiBold" pitchFamily="2" charset="0"/>
-                <a:cs typeface="Anek Telugu SemiBold" pitchFamily="2" charset="0"/>
-              </a:rPr>
-            </a:br>
-            <a:r>
-              <a:rPr lang="te-IN" sz="1400" b="1" dirty="0">
-                <a:latin typeface="Anek Telugu SemiBold" pitchFamily="2" charset="0"/>
-                <a:cs typeface="Anek Telugu SemiBold" pitchFamily="2" charset="0"/>
-              </a:rPr>
-              <a:t>నిత్య నరకాగ్నిలో నుండి రక్షించును </a:t>
+              <a:t>చాలు యేసయ్యా (2)</a:t>
             </a:r>
           </a:p>
           <a:p>
@@ -4948,13 +4700,10 @@
                 <a:spcPct val="150000"/>
               </a:lnSpc>
             </a:pPr>
-            <a:r>
-              <a:rPr lang="te-IN" sz="1400" b="1" dirty="0">
-                <a:latin typeface="Anek Telugu SemiBold" pitchFamily="2" charset="0"/>
-                <a:cs typeface="Anek Telugu SemiBold" pitchFamily="2" charset="0"/>
-              </a:rPr>
-              <a:t> క్రీస్తేసు నామము (2) </a:t>
-            </a:r>
+            <a:endParaRPr lang="te-IN" sz="1600" b="1" dirty="0">
+              <a:latin typeface="Anek Telugu SemiBold" pitchFamily="2" charset="0"/>
+              <a:cs typeface="Anek Telugu SemiBold" pitchFamily="2" charset="0"/>
+            </a:endParaRPr>
           </a:p>
           <a:p>
             <a:pPr defTabSz="439781">
@@ -4962,10 +4711,13 @@
                 <a:spcPct val="150000"/>
               </a:lnSpc>
             </a:pPr>
-            <a:endParaRPr lang="te-IN" sz="1400" b="1" dirty="0">
-              <a:latin typeface="Anek Telugu SemiBold" pitchFamily="2" charset="0"/>
-              <a:cs typeface="Anek Telugu SemiBold" pitchFamily="2" charset="0"/>
-            </a:endParaRPr>
+            <a:r>
+              <a:rPr lang="te-IN" sz="1600" b="1" dirty="0">
+                <a:latin typeface="Anek Telugu SemiBold" pitchFamily="2" charset="0"/>
+                <a:cs typeface="Anek Telugu SemiBold" pitchFamily="2" charset="0"/>
+              </a:rPr>
+              <a:t>జ్ఞానమంత చూపి శక్తి ధారపోసినా</a:t>
+            </a:r>
           </a:p>
           <a:p>
             <a:pPr defTabSz="439781">
@@ -4974,50 +4726,39 @@
               </a:lnSpc>
             </a:pPr>
             <a:r>
-              <a:rPr lang="te-IN" sz="1400" b="1" dirty="0">
+              <a:rPr lang="te-IN" sz="1600" b="1" dirty="0">
                 <a:latin typeface="Anek Telugu SemiBold" pitchFamily="2" charset="0"/>
                 <a:cs typeface="Anek Telugu SemiBold" pitchFamily="2" charset="0"/>
               </a:rPr>
-              <a:t>సాతాను పై అధికారమిచ్చును</a:t>
-            </a:r>
-            <a:br>
-              <a:rPr lang="te-IN" sz="1400" b="1" dirty="0">
+              <a:t>నష్టమే మిగులుచుండినా (2)</a:t>
+            </a:r>
+          </a:p>
+          <a:p>
+            <a:pPr defTabSz="439781">
+              <a:lnSpc>
+                <a:spcPct val="150000"/>
+              </a:lnSpc>
+            </a:pPr>
+            <a:r>
+              <a:rPr lang="te-IN" sz="1600" b="1" dirty="0">
                 <a:latin typeface="Anek Telugu SemiBold" pitchFamily="2" charset="0"/>
                 <a:cs typeface="Anek Telugu SemiBold" pitchFamily="2" charset="0"/>
               </a:rPr>
-            </a:br>
-            <a:r>
-              <a:rPr lang="te-IN" sz="1400" b="1" dirty="0">
+              <a:t>శాపము బాపే నీవు నాకుంటే (2)</a:t>
+            </a:r>
+          </a:p>
+          <a:p>
+            <a:pPr defTabSz="439781">
+              <a:lnSpc>
+                <a:spcPct val="150000"/>
+              </a:lnSpc>
+            </a:pPr>
+            <a:r>
+              <a:rPr lang="te-IN" sz="1600" b="1" dirty="0">
                 <a:latin typeface="Anek Telugu SemiBold" pitchFamily="2" charset="0"/>
                 <a:cs typeface="Anek Telugu SemiBold" pitchFamily="2" charset="0"/>
               </a:rPr>
-              <a:t>శక్తిగలిగిన యేసు నామము (2)</a:t>
-            </a:r>
-            <a:br>
-              <a:rPr lang="te-IN" sz="1400" b="1" dirty="0">
-                <a:latin typeface="Anek Telugu SemiBold" pitchFamily="2" charset="0"/>
-                <a:cs typeface="Anek Telugu SemiBold" pitchFamily="2" charset="0"/>
-              </a:rPr>
-            </a:br>
-            <a:r>
-              <a:rPr lang="te-IN" sz="1400" b="1" dirty="0">
-                <a:latin typeface="Anek Telugu SemiBold" pitchFamily="2" charset="0"/>
-                <a:cs typeface="Anek Telugu SemiBold" pitchFamily="2" charset="0"/>
-              </a:rPr>
-              <a:t>శత్రు సమూహము పై జయమునిచ్చును</a:t>
-            </a:r>
-            <a:br>
-              <a:rPr lang="te-IN" sz="1400" b="1" dirty="0">
-                <a:latin typeface="Anek Telugu SemiBold" pitchFamily="2" charset="0"/>
-                <a:cs typeface="Anek Telugu SemiBold" pitchFamily="2" charset="0"/>
-              </a:rPr>
-            </a:br>
-            <a:r>
-              <a:rPr lang="te-IN" sz="1400" b="1" dirty="0">
-                <a:latin typeface="Anek Telugu SemiBold" pitchFamily="2" charset="0"/>
-                <a:cs typeface="Anek Telugu SemiBold" pitchFamily="2" charset="0"/>
-              </a:rPr>
-              <a:t>జయశీలుడైన యేసు నామము (2) </a:t>
+              <a:t>చాలు యేసయ్యా (2)</a:t>
             </a:r>
           </a:p>
         </p:txBody>

--- a/songsTemplate.pptx
+++ b/songsTemplate.pptx
@@ -135,12 +135,12 @@
   <pc:docChgLst>
     <pc:chgData name="Venu Yalapala" userId="9feb8bbceceecaca" providerId="LiveId" clId="{CD4B1779-0926-477D-B902-440342C52CB5}"/>
     <pc:docChg chg="undo redo custSel modSld">
-      <pc:chgData name="Venu Yalapala" userId="9feb8bbceceecaca" providerId="LiveId" clId="{CD4B1779-0926-477D-B902-440342C52CB5}" dt="2025-07-04T14:31:27.278" v="283" actId="1076"/>
+      <pc:chgData name="Venu Yalapala" userId="9feb8bbceceecaca" providerId="LiveId" clId="{CD4B1779-0926-477D-B902-440342C52CB5}" dt="2025-07-11T16:25:52.401" v="431" actId="20577"/>
       <pc:docMkLst>
         <pc:docMk/>
       </pc:docMkLst>
       <pc:sldChg chg="delSp modSp mod">
-        <pc:chgData name="Venu Yalapala" userId="9feb8bbceceecaca" providerId="LiveId" clId="{CD4B1779-0926-477D-B902-440342C52CB5}" dt="2025-07-04T14:31:27.278" v="283" actId="1076"/>
+        <pc:chgData name="Venu Yalapala" userId="9feb8bbceceecaca" providerId="LiveId" clId="{CD4B1779-0926-477D-B902-440342C52CB5}" dt="2025-07-11T16:25:52.401" v="431" actId="20577"/>
         <pc:sldMkLst>
           <pc:docMk/>
           <pc:sldMk cId="3342490066" sldId="256"/>
@@ -154,7 +154,7 @@
           </ac:spMkLst>
         </pc:spChg>
         <pc:spChg chg="mod">
-          <ac:chgData name="Venu Yalapala" userId="9feb8bbceceecaca" providerId="LiveId" clId="{CD4B1779-0926-477D-B902-440342C52CB5}" dt="2025-07-04T14:31:27.278" v="283" actId="1076"/>
+          <ac:chgData name="Venu Yalapala" userId="9feb8bbceceecaca" providerId="LiveId" clId="{CD4B1779-0926-477D-B902-440342C52CB5}" dt="2025-07-11T16:10:51.638" v="359" actId="20577"/>
           <ac:spMkLst>
             <pc:docMk/>
             <pc:sldMk cId="3342490066" sldId="256"/>
@@ -170,7 +170,7 @@
           </ac:spMkLst>
         </pc:spChg>
         <pc:spChg chg="mod">
-          <ac:chgData name="Venu Yalapala" userId="9feb8bbceceecaca" providerId="LiveId" clId="{CD4B1779-0926-477D-B902-440342C52CB5}" dt="2025-07-04T14:31:21.197" v="282" actId="1076"/>
+          <ac:chgData name="Venu Yalapala" userId="9feb8bbceceecaca" providerId="LiveId" clId="{CD4B1779-0926-477D-B902-440342C52CB5}" dt="2025-07-11T16:25:52.401" v="431" actId="20577"/>
           <ac:spMkLst>
             <pc:docMk/>
             <pc:sldMk cId="3342490066" sldId="256"/>
@@ -179,13 +179,13 @@
         </pc:spChg>
       </pc:sldChg>
       <pc:sldChg chg="delSp modSp mod">
-        <pc:chgData name="Venu Yalapala" userId="9feb8bbceceecaca" providerId="LiveId" clId="{CD4B1779-0926-477D-B902-440342C52CB5}" dt="2025-07-04T14:29:36.622" v="281" actId="1036"/>
+        <pc:chgData name="Venu Yalapala" userId="9feb8bbceceecaca" providerId="LiveId" clId="{CD4B1779-0926-477D-B902-440342C52CB5}" dt="2025-07-11T16:17:49.329" v="417" actId="1035"/>
         <pc:sldMkLst>
           <pc:docMk/>
           <pc:sldMk cId="2536218313" sldId="258"/>
         </pc:sldMkLst>
         <pc:spChg chg="mod">
-          <ac:chgData name="Venu Yalapala" userId="9feb8bbceceecaca" providerId="LiveId" clId="{CD4B1779-0926-477D-B902-440342C52CB5}" dt="2025-07-04T14:25:31.029" v="262" actId="1076"/>
+          <ac:chgData name="Venu Yalapala" userId="9feb8bbceceecaca" providerId="LiveId" clId="{CD4B1779-0926-477D-B902-440342C52CB5}" dt="2025-07-11T16:07:36.073" v="327" actId="1076"/>
           <ac:spMkLst>
             <pc:docMk/>
             <pc:sldMk cId="2536218313" sldId="258"/>
@@ -201,7 +201,7 @@
           </ac:spMkLst>
         </pc:spChg>
         <pc:spChg chg="mod">
-          <ac:chgData name="Venu Yalapala" userId="9feb8bbceceecaca" providerId="LiveId" clId="{CD4B1779-0926-477D-B902-440342C52CB5}" dt="2025-07-04T14:29:36.622" v="281" actId="1036"/>
+          <ac:chgData name="Venu Yalapala" userId="9feb8bbceceecaca" providerId="LiveId" clId="{CD4B1779-0926-477D-B902-440342C52CB5}" dt="2025-07-11T16:17:49.329" v="417" actId="1035"/>
           <ac:spMkLst>
             <pc:docMk/>
             <pc:sldMk cId="2536218313" sldId="258"/>
@@ -316,7 +316,7 @@
           <a:p>
             <a:fld id="{0EEBF99D-A94C-4ACE-ABB7-ED5902A7DBE5}" type="datetimeFigureOut">
               <a:rPr lang="en-IN" smtClean="0"/>
-              <a:t>04-07-2025</a:t>
+              <a:t>11-07-2025</a:t>
             </a:fld>
             <a:endParaRPr lang="en-IN"/>
           </a:p>
@@ -494,7 +494,7 @@
           <a:p>
             <a:fld id="{6EA7C7CE-6F0C-4E71-B520-9461545357C0}" type="datetimeFigureOut">
               <a:rPr lang="en-IN" smtClean="0"/>
-              <a:t>04-07-2025</a:t>
+              <a:t>11-07-2025</a:t>
             </a:fld>
             <a:endParaRPr lang="en-IN"/>
           </a:p>
@@ -894,7 +894,7 @@
           <a:p>
             <a:fld id="{F1102B08-ED9E-409F-B95F-09CAA1DAF6E0}" type="datetimeFigureOut">
               <a:rPr lang="en-IN" smtClean="0"/>
-              <a:t>04-07-2025</a:t>
+              <a:t>11-07-2025</a:t>
             </a:fld>
             <a:endParaRPr lang="en-IN"/>
           </a:p>
@@ -1151,7 +1151,7 @@
           <a:p>
             <a:fld id="{F1102B08-ED9E-409F-B95F-09CAA1DAF6E0}" type="datetimeFigureOut">
               <a:rPr lang="en-IN" smtClean="0"/>
-              <a:t>04-07-2025</a:t>
+              <a:t>11-07-2025</a:t>
             </a:fld>
             <a:endParaRPr lang="en-IN"/>
           </a:p>
@@ -1321,7 +1321,7 @@
           <a:p>
             <a:fld id="{F1102B08-ED9E-409F-B95F-09CAA1DAF6E0}" type="datetimeFigureOut">
               <a:rPr lang="en-IN" smtClean="0"/>
-              <a:t>04-07-2025</a:t>
+              <a:t>11-07-2025</a:t>
             </a:fld>
             <a:endParaRPr lang="en-IN"/>
           </a:p>
@@ -1501,7 +1501,7 @@
           <a:p>
             <a:fld id="{F1102B08-ED9E-409F-B95F-09CAA1DAF6E0}" type="datetimeFigureOut">
               <a:rPr lang="en-IN" smtClean="0"/>
-              <a:t>04-07-2025</a:t>
+              <a:t>11-07-2025</a:t>
             </a:fld>
             <a:endParaRPr lang="en-IN"/>
           </a:p>
@@ -1703,7 +1703,7 @@
             <a:fld id="{F1102B08-ED9E-409F-B95F-09CAA1DAF6E0}" type="datetimeFigureOut">
               <a:rPr lang="en-IN" b="0" smtClean="0"/>
               <a:pPr/>
-              <a:t>04-07-2025</a:t>
+              <a:t>11-07-2025</a:t>
             </a:fld>
             <a:endParaRPr lang="en-IN" b="0" dirty="0"/>
           </a:p>
@@ -1931,7 +1931,7 @@
           <a:p>
             <a:fld id="{F1102B08-ED9E-409F-B95F-09CAA1DAF6E0}" type="datetimeFigureOut">
               <a:rPr lang="en-IN" smtClean="0"/>
-              <a:t>04-07-2025</a:t>
+              <a:t>11-07-2025</a:t>
             </a:fld>
             <a:endParaRPr lang="en-IN"/>
           </a:p>
@@ -2175,7 +2175,7 @@
           <a:p>
             <a:fld id="{F1102B08-ED9E-409F-B95F-09CAA1DAF6E0}" type="datetimeFigureOut">
               <a:rPr lang="en-IN" smtClean="0"/>
-              <a:t>04-07-2025</a:t>
+              <a:t>11-07-2025</a:t>
             </a:fld>
             <a:endParaRPr lang="en-IN"/>
           </a:p>
@@ -2407,7 +2407,7 @@
           <a:p>
             <a:fld id="{F1102B08-ED9E-409F-B95F-09CAA1DAF6E0}" type="datetimeFigureOut">
               <a:rPr lang="en-IN" smtClean="0"/>
-              <a:t>04-07-2025</a:t>
+              <a:t>11-07-2025</a:t>
             </a:fld>
             <a:endParaRPr lang="en-IN"/>
           </a:p>
@@ -2774,7 +2774,7 @@
           <a:p>
             <a:fld id="{F1102B08-ED9E-409F-B95F-09CAA1DAF6E0}" type="datetimeFigureOut">
               <a:rPr lang="en-IN" smtClean="0"/>
-              <a:t>04-07-2025</a:t>
+              <a:t>11-07-2025</a:t>
             </a:fld>
             <a:endParaRPr lang="en-IN"/>
           </a:p>
@@ -2892,7 +2892,7 @@
           <a:p>
             <a:fld id="{F1102B08-ED9E-409F-B95F-09CAA1DAF6E0}" type="datetimeFigureOut">
               <a:rPr lang="en-IN" smtClean="0"/>
-              <a:t>04-07-2025</a:t>
+              <a:t>11-07-2025</a:t>
             </a:fld>
             <a:endParaRPr lang="en-IN"/>
           </a:p>
@@ -2987,7 +2987,7 @@
           <a:p>
             <a:fld id="{F1102B08-ED9E-409F-B95F-09CAA1DAF6E0}" type="datetimeFigureOut">
               <a:rPr lang="en-IN" smtClean="0"/>
-              <a:t>04-07-2025</a:t>
+              <a:t>11-07-2025</a:t>
             </a:fld>
             <a:endParaRPr lang="en-IN"/>
           </a:p>
@@ -3264,7 +3264,7 @@
           <a:p>
             <a:fld id="{F1102B08-ED9E-409F-B95F-09CAA1DAF6E0}" type="datetimeFigureOut">
               <a:rPr lang="en-IN" smtClean="0"/>
-              <a:t>04-07-2025</a:t>
+              <a:t>11-07-2025</a:t>
             </a:fld>
             <a:endParaRPr lang="en-IN"/>
           </a:p>
@@ -3477,7 +3477,7 @@
           <a:p>
             <a:fld id="{F1102B08-ED9E-409F-B95F-09CAA1DAF6E0}" type="datetimeFigureOut">
               <a:rPr lang="en-IN" smtClean="0"/>
-              <a:t>04-07-2025</a:t>
+              <a:t>11-07-2025</a:t>
             </a:fld>
             <a:endParaRPr lang="en-IN"/>
           </a:p>
@@ -3897,8 +3897,8 @@
         </p:nvSpPr>
         <p:spPr>
           <a:xfrm>
-            <a:off x="5453198" y="486517"/>
-            <a:ext cx="4883429" cy="4293483"/>
+            <a:off x="5228323" y="347032"/>
+            <a:ext cx="4883429" cy="5632311"/>
           </a:xfrm>
           <a:prstGeom prst="rect">
             <a:avLst/>
@@ -3921,7 +3921,7 @@
                 <a:latin typeface="Anek Telugu SemiBold" pitchFamily="2" charset="0"/>
                 <a:cs typeface="Anek Telugu SemiBold" pitchFamily="2" charset="0"/>
               </a:rPr>
-              <a:t>ఆకాశమందున్న ఆసీనుడా</a:t>
+              <a:t>నీతో గడిపే ప్రతి క్షణము</a:t>
             </a:r>
           </a:p>
           <a:p>
@@ -3935,7 +3935,7 @@
                 <a:latin typeface="Anek Telugu SemiBold" pitchFamily="2" charset="0"/>
                 <a:cs typeface="Anek Telugu SemiBold" pitchFamily="2" charset="0"/>
               </a:rPr>
-              <a:t>నీ తట్టు కనులెత్తుచున్నాను</a:t>
+              <a:t>ఆనంద బాష్పాలు ఆగవయ్యా (2)</a:t>
             </a:r>
           </a:p>
           <a:p>
@@ -3949,12 +3949,36 @@
                 <a:latin typeface="Anek Telugu SemiBold" pitchFamily="2" charset="0"/>
                 <a:cs typeface="Anek Telugu SemiBold" pitchFamily="2" charset="0"/>
               </a:rPr>
-              <a:t>నేను నీ తట్టు కనులెత్తుచున్నాను</a:t>
-            </a:r>
-            <a:endParaRPr lang="en-IN" sz="1600" dirty="0">
-              <a:latin typeface="Anek Telugu SemiBold" pitchFamily="2" charset="0"/>
-              <a:cs typeface="Anek Telugu SemiBold" pitchFamily="2" charset="0"/>
-            </a:endParaRPr>
+              <a:t>కృప తలంచగా మేళ్లు యోచించగా (2)</a:t>
+            </a:r>
+          </a:p>
+          <a:p>
+            <a:pPr>
+              <a:lnSpc>
+                <a:spcPct val="150000"/>
+              </a:lnSpc>
+            </a:pPr>
+            <a:r>
+              <a:rPr lang="te-IN" sz="1600" dirty="0">
+                <a:latin typeface="Anek Telugu SemiBold" pitchFamily="2" charset="0"/>
+                <a:cs typeface="Anek Telugu SemiBold" pitchFamily="2" charset="0"/>
+              </a:rPr>
+              <a:t>నా గలమాగదు స్తుతించక – నిను కీర్తించక</a:t>
+            </a:r>
+          </a:p>
+          <a:p>
+            <a:pPr>
+              <a:lnSpc>
+                <a:spcPct val="150000"/>
+              </a:lnSpc>
+            </a:pPr>
+            <a:r>
+              <a:rPr lang="te-IN" sz="1600" dirty="0">
+                <a:latin typeface="Anek Telugu SemiBold" pitchFamily="2" charset="0"/>
+                <a:cs typeface="Anek Telugu SemiBold" pitchFamily="2" charset="0"/>
+              </a:rPr>
+              <a:t>యేసయ్యా యేసయ్యా – నా యేసయ్యా (4)</a:t>
+            </a:r>
           </a:p>
           <a:p>
             <a:pPr>
@@ -3978,7 +4002,7 @@
                 <a:latin typeface="Anek Telugu SemiBold" pitchFamily="2" charset="0"/>
                 <a:cs typeface="Anek Telugu SemiBold" pitchFamily="2" charset="0"/>
               </a:rPr>
-              <a:t>దారి తప్పిన గొర్రెను నేను</a:t>
+              <a:t>మారా వంటి నా జీవితాన్ని</a:t>
             </a:r>
           </a:p>
           <a:p>
@@ -3992,7 +4016,7 @@
                 <a:latin typeface="Anek Telugu SemiBold" pitchFamily="2" charset="0"/>
                 <a:cs typeface="Anek Telugu SemiBold" pitchFamily="2" charset="0"/>
               </a:rPr>
-              <a:t>దారి కానక తిరుగుచున్నాను (2)</a:t>
+              <a:t>మధురముగా మార్చి ఘనపరచినావు (2)</a:t>
             </a:r>
           </a:p>
           <a:p>
@@ -4006,7 +4030,49 @@
                 <a:latin typeface="Anek Telugu SemiBold" pitchFamily="2" charset="0"/>
                 <a:cs typeface="Anek Telugu SemiBold" pitchFamily="2" charset="0"/>
               </a:rPr>
-              <a:t>కరుణించుమా యేసు కాపాడుమా</a:t>
+              <a:t>నా ప్రేమ చేత కాదు</a:t>
+            </a:r>
+            <a:r>
+              <a:rPr lang="en-IN" sz="1600" dirty="0">
+                <a:latin typeface="Anek Telugu SemiBold" pitchFamily="2" charset="0"/>
+                <a:cs typeface="Anek Telugu SemiBold" pitchFamily="2" charset="0"/>
+              </a:rPr>
+              <a:t> - </a:t>
+            </a:r>
+            <a:r>
+              <a:rPr lang="te-IN" sz="1600" dirty="0">
+                <a:latin typeface="Anek Telugu SemiBold" pitchFamily="2" charset="0"/>
+                <a:cs typeface="Anek Telugu SemiBold" pitchFamily="2" charset="0"/>
+              </a:rPr>
+              <a:t>నీవే నను ప్రేమించి (2)</a:t>
+            </a:r>
+          </a:p>
+          <a:p>
+            <a:pPr>
+              <a:lnSpc>
+                <a:spcPct val="150000"/>
+              </a:lnSpc>
+            </a:pPr>
+            <a:r>
+              <a:rPr lang="te-IN" sz="1600" dirty="0">
+                <a:latin typeface="Anek Telugu SemiBold" pitchFamily="2" charset="0"/>
+                <a:cs typeface="Anek Telugu SemiBold" pitchFamily="2" charset="0"/>
+              </a:rPr>
+              <a:t>రక్తాన్ని చిందించి</a:t>
+            </a:r>
+            <a:r>
+              <a:rPr lang="en-IN" sz="1600" dirty="0">
+                <a:latin typeface="Anek Telugu SemiBold" pitchFamily="2" charset="0"/>
+                <a:cs typeface="Anek Telugu SemiBold" pitchFamily="2" charset="0"/>
+              </a:rPr>
+              <a:t> - </a:t>
+            </a:r>
+            <a:r>
+              <a:rPr lang="te-IN" sz="1600" dirty="0">
+                <a:latin typeface="Anek Telugu SemiBold" pitchFamily="2" charset="0"/>
+                <a:cs typeface="Anek Telugu SemiBold" pitchFamily="2" charset="0"/>
+              </a:rPr>
+              <a:t>నన్ను రక్షించావు (2)</a:t>
             </a:r>
           </a:p>
           <a:p>
@@ -4031,7 +4097,7 @@
                 <a:latin typeface="Anek Telugu SemiBold" pitchFamily="2" charset="0"/>
                 <a:cs typeface="Anek Telugu SemiBold" pitchFamily="2" charset="0"/>
               </a:rPr>
-              <a:t>గాయపడిన గొర్రెను నేను</a:t>
+              <a:t>గమ్యమే లేని ఓ బాటసారిని</a:t>
             </a:r>
           </a:p>
           <a:p>
@@ -4045,7 +4111,7 @@
                 <a:latin typeface="Anek Telugu SemiBold" pitchFamily="2" charset="0"/>
                 <a:cs typeface="Anek Telugu SemiBold" pitchFamily="2" charset="0"/>
               </a:rPr>
-              <a:t>బాగు చేయుమా పరమ వైద్యుడా (2)</a:t>
+              <a:t>నీతో ఉన్నాను భయము లేదన్నావు (2)</a:t>
             </a:r>
           </a:p>
           <a:p>
@@ -4059,7 +4125,49 @@
                 <a:latin typeface="Anek Telugu SemiBold" pitchFamily="2" charset="0"/>
                 <a:cs typeface="Anek Telugu SemiBold" pitchFamily="2" charset="0"/>
               </a:rPr>
-              <a:t>కరుణించుమా యేసు కాపాడుమా</a:t>
+              <a:t>నా శక్తి చేత కాదు</a:t>
+            </a:r>
+            <a:r>
+              <a:rPr lang="en-IN" sz="1600" dirty="0">
+                <a:latin typeface="Anek Telugu SemiBold" pitchFamily="2" charset="0"/>
+                <a:cs typeface="Anek Telugu SemiBold" pitchFamily="2" charset="0"/>
+              </a:rPr>
+              <a:t> - </a:t>
+            </a:r>
+            <a:r>
+              <a:rPr lang="te-IN" sz="1600" dirty="0">
+                <a:latin typeface="Anek Telugu SemiBold" pitchFamily="2" charset="0"/>
+                <a:cs typeface="Anek Telugu SemiBold" pitchFamily="2" charset="0"/>
+              </a:rPr>
+              <a:t>నీ ఆత్మ ద్వారానే (2)</a:t>
+            </a:r>
+          </a:p>
+          <a:p>
+            <a:pPr>
+              <a:lnSpc>
+                <a:spcPct val="150000"/>
+              </a:lnSpc>
+            </a:pPr>
+            <a:r>
+              <a:rPr lang="te-IN" sz="1600" dirty="0">
+                <a:latin typeface="Anek Telugu SemiBold" pitchFamily="2" charset="0"/>
+                <a:cs typeface="Anek Telugu SemiBold" pitchFamily="2" charset="0"/>
+              </a:rPr>
+              <a:t>వాగ్ధానము నెరవేర్చి</a:t>
+            </a:r>
+            <a:r>
+              <a:rPr lang="en-IN" sz="1600" dirty="0">
+                <a:latin typeface="Anek Telugu SemiBold" pitchFamily="2" charset="0"/>
+                <a:cs typeface="Anek Telugu SemiBold" pitchFamily="2" charset="0"/>
+              </a:rPr>
+              <a:t> - </a:t>
+            </a:r>
+            <a:r>
+              <a:rPr lang="te-IN" sz="1600" dirty="0">
+                <a:latin typeface="Anek Telugu SemiBold" pitchFamily="2" charset="0"/>
+                <a:cs typeface="Anek Telugu SemiBold" pitchFamily="2" charset="0"/>
+              </a:rPr>
+              <a:t>వారసుని చేసావు (2)</a:t>
             </a:r>
           </a:p>
         </p:txBody>
@@ -4078,8 +4186,8 @@
         </p:nvSpPr>
         <p:spPr>
           <a:xfrm>
-            <a:off x="621662" y="486517"/>
-            <a:ext cx="4544669" cy="5262979"/>
+            <a:off x="470323" y="332041"/>
+            <a:ext cx="4544669" cy="5978560"/>
           </a:xfrm>
           <a:prstGeom prst="rect">
             <a:avLst/>
@@ -4098,11 +4206,11 @@
               </a:lnSpc>
             </a:pPr>
             <a:r>
-              <a:rPr lang="te-IN" sz="1600" b="1" dirty="0">
+              <a:rPr lang="te-IN" sz="1500" b="1" dirty="0">
                 <a:latin typeface="Anek Telugu SemiBold" pitchFamily="2" charset="0"/>
                 <a:cs typeface="Anek Telugu SemiBold" pitchFamily="2" charset="0"/>
               </a:rPr>
-              <a:t>నజరేయుడా నా యేసయ్య</a:t>
+              <a:t>మహామహిమతో నిండిన కృపా సత్యసంపూర్ణుడా </a:t>
             </a:r>
           </a:p>
           <a:p>
@@ -4112,11 +4220,11 @@
               </a:lnSpc>
             </a:pPr>
             <a:r>
-              <a:rPr lang="te-IN" sz="1600" b="1" dirty="0">
+              <a:rPr lang="te-IN" sz="1500" b="1" dirty="0">
                 <a:latin typeface="Anek Telugu SemiBold" pitchFamily="2" charset="0"/>
                 <a:cs typeface="Anek Telugu SemiBold" pitchFamily="2" charset="0"/>
               </a:rPr>
-              <a:t>ఎన్ని యుగాలకైనా</a:t>
+              <a:t>ఇశ్రాయేలు స్తోత్రములపై ఆసీనుడా యేసయ్యా </a:t>
             </a:r>
           </a:p>
           <a:p>
@@ -4126,11 +4234,11 @@
               </a:lnSpc>
             </a:pPr>
             <a:r>
-              <a:rPr lang="te-IN" sz="1600" b="1" dirty="0">
+              <a:rPr lang="te-IN" sz="1500" b="1" dirty="0">
                 <a:latin typeface="Anek Telugu SemiBold" pitchFamily="2" charset="0"/>
                 <a:cs typeface="Anek Telugu SemiBold" pitchFamily="2" charset="0"/>
               </a:rPr>
-              <a:t>ఆరాధ్య దైవము నీవేనని</a:t>
+              <a:t>నా స్తుతుల సింహాసనం నీకోసమే యేసయ్యా </a:t>
             </a:r>
           </a:p>
           <a:p>
@@ -4139,13 +4247,10 @@
                 <a:spcPct val="150000"/>
               </a:lnSpc>
             </a:pPr>
-            <a:r>
-              <a:rPr lang="te-IN" sz="1600" b="1" dirty="0">
-                <a:latin typeface="Anek Telugu SemiBold" pitchFamily="2" charset="0"/>
-                <a:cs typeface="Anek Telugu SemiBold" pitchFamily="2" charset="0"/>
-              </a:rPr>
-              <a:t>గళమెత్తి నీ కీర్తి నే చాటెద</a:t>
-            </a:r>
+            <a:endParaRPr lang="te-IN" sz="1500" b="1" dirty="0">
+              <a:latin typeface="Anek Telugu SemiBold" pitchFamily="2" charset="0"/>
+              <a:cs typeface="Anek Telugu SemiBold" pitchFamily="2" charset="0"/>
+            </a:endParaRPr>
           </a:p>
           <a:p>
             <a:pPr>
@@ -4153,7 +4258,14 @@
                 <a:spcPct val="150000"/>
               </a:lnSpc>
             </a:pPr>
-            <a:endParaRPr lang="te-IN" sz="1600" b="1" dirty="0">
+            <a:r>
+              <a:rPr lang="te-IN" sz="1500" b="1" dirty="0">
+                <a:latin typeface="Anek Telugu SemiBold" pitchFamily="2" charset="0"/>
+                <a:cs typeface="Anek Telugu SemiBold" pitchFamily="2" charset="0"/>
+              </a:rPr>
+              <a:t>మహిమను విడచి భూవిపైకి దిగివచ్చి –</a:t>
+            </a:r>
+            <a:endParaRPr lang="en-IN" sz="1500" b="1" dirty="0">
               <a:latin typeface="Anek Telugu SemiBold" pitchFamily="2" charset="0"/>
               <a:cs typeface="Anek Telugu SemiBold" pitchFamily="2" charset="0"/>
             </a:endParaRPr>
@@ -4165,11 +4277,11 @@
               </a:lnSpc>
             </a:pPr>
             <a:r>
-              <a:rPr lang="te-IN" sz="1600" b="1" dirty="0">
+              <a:rPr lang="te-IN" sz="1500" b="1" dirty="0">
                 <a:latin typeface="Anek Telugu SemiBold" pitchFamily="2" charset="0"/>
                 <a:cs typeface="Anek Telugu SemiBold" pitchFamily="2" charset="0"/>
               </a:rPr>
-              <a:t>ఆకాశ గగనాలను నీ జేనతో కొలిచితివి (2)</a:t>
+              <a:t>కరుణతో నను పిలచి </a:t>
             </a:r>
           </a:p>
           <a:p>
@@ -4179,12 +4291,16 @@
               </a:lnSpc>
             </a:pPr>
             <a:r>
-              <a:rPr lang="te-IN" sz="1600" b="1" dirty="0">
+              <a:rPr lang="te-IN" sz="1500" b="1" dirty="0">
                 <a:latin typeface="Anek Telugu SemiBold" pitchFamily="2" charset="0"/>
                 <a:cs typeface="Anek Telugu SemiBold" pitchFamily="2" charset="0"/>
               </a:rPr>
-              <a:t>శూన్యములో ఈ భూమిని</a:t>
-            </a:r>
+              <a:t>సత్యమును భోదించి చీకటిని తొలగించి –</a:t>
+            </a:r>
+            <a:endParaRPr lang="en-IN" sz="1500" b="1" dirty="0">
+              <a:latin typeface="Anek Telugu SemiBold" pitchFamily="2" charset="0"/>
+              <a:cs typeface="Anek Telugu SemiBold" pitchFamily="2" charset="0"/>
+            </a:endParaRPr>
           </a:p>
           <a:p>
             <a:pPr>
@@ -4193,11 +4309,11 @@
               </a:lnSpc>
             </a:pPr>
             <a:r>
-              <a:rPr lang="te-IN" sz="1600" b="1" dirty="0">
+              <a:rPr lang="te-IN" sz="1500" b="1" dirty="0">
                 <a:latin typeface="Anek Telugu SemiBold" pitchFamily="2" charset="0"/>
                 <a:cs typeface="Anek Telugu SemiBold" pitchFamily="2" charset="0"/>
               </a:rPr>
-              <a:t>వ్రేలాడదీసిన నా యేసయ్య (2)</a:t>
+              <a:t>వెలుగుతో నింపితివి </a:t>
             </a:r>
           </a:p>
           <a:p>
@@ -4207,11 +4323,11 @@
               </a:lnSpc>
             </a:pPr>
             <a:r>
-              <a:rPr lang="te-IN" sz="1600" b="1" dirty="0">
+              <a:rPr lang="te-IN" sz="1500" b="1" dirty="0">
                 <a:latin typeface="Anek Telugu SemiBold" pitchFamily="2" charset="0"/>
                 <a:cs typeface="Anek Telugu SemiBold" pitchFamily="2" charset="0"/>
               </a:rPr>
-              <a:t>నీకే వందనం నీకే వందనం (2)</a:t>
+              <a:t>సదయుడవై నా పాదములు తొట్రిల్లనివ్వక </a:t>
             </a:r>
           </a:p>
           <a:p>
@@ -4220,10 +4336,13 @@
                 <a:spcPct val="150000"/>
               </a:lnSpc>
             </a:pPr>
-            <a:endParaRPr lang="te-IN" sz="1600" b="1" dirty="0">
-              <a:latin typeface="Anek Telugu SemiBold" pitchFamily="2" charset="0"/>
-              <a:cs typeface="Anek Telugu SemiBold" pitchFamily="2" charset="0"/>
-            </a:endParaRPr>
+            <a:r>
+              <a:rPr lang="te-IN" sz="1500" b="1" dirty="0">
+                <a:latin typeface="Anek Telugu SemiBold" pitchFamily="2" charset="0"/>
+                <a:cs typeface="Anek Telugu SemiBold" pitchFamily="2" charset="0"/>
+              </a:rPr>
+              <a:t>స్థిరపరచి నీ కృపాలో నడిపించువాడవు </a:t>
+            </a:r>
           </a:p>
           <a:p>
             <a:pPr>
@@ -4231,13 +4350,10 @@
                 <a:spcPct val="150000"/>
               </a:lnSpc>
             </a:pPr>
-            <a:r>
-              <a:rPr lang="te-IN" sz="1600" b="1" dirty="0">
-                <a:latin typeface="Anek Telugu SemiBold" pitchFamily="2" charset="0"/>
-                <a:cs typeface="Anek Telugu SemiBold" pitchFamily="2" charset="0"/>
-              </a:rPr>
-              <a:t>అగాధ సముద్రాలకు నీవే ఎల్లలు వేసితివి (2)</a:t>
-            </a:r>
+            <a:endParaRPr lang="te-IN" sz="1500" b="1" dirty="0">
+              <a:latin typeface="Anek Telugu SemiBold" pitchFamily="2" charset="0"/>
+              <a:cs typeface="Anek Telugu SemiBold" pitchFamily="2" charset="0"/>
+            </a:endParaRPr>
           </a:p>
           <a:p>
             <a:pPr>
@@ -4246,12 +4362,16 @@
               </a:lnSpc>
             </a:pPr>
             <a:r>
-              <a:rPr lang="te-IN" sz="1600" b="1" dirty="0">
+              <a:rPr lang="te-IN" sz="1500" b="1" dirty="0">
                 <a:latin typeface="Anek Telugu SemiBold" pitchFamily="2" charset="0"/>
                 <a:cs typeface="Anek Telugu SemiBold" pitchFamily="2" charset="0"/>
               </a:rPr>
-              <a:t>జలములలోబడి నే వెళ్ళినా</a:t>
-            </a:r>
+              <a:t>కరములు చాపి జలారాశులలో నుండి –</a:t>
+            </a:r>
+            <a:endParaRPr lang="en-IN" sz="1500" b="1" dirty="0">
+              <a:latin typeface="Anek Telugu SemiBold" pitchFamily="2" charset="0"/>
+              <a:cs typeface="Anek Telugu SemiBold" pitchFamily="2" charset="0"/>
+            </a:endParaRPr>
           </a:p>
           <a:p>
             <a:pPr>
@@ -4260,11 +4380,11 @@
               </a:lnSpc>
             </a:pPr>
             <a:r>
-              <a:rPr lang="te-IN" sz="1600" b="1" dirty="0">
+              <a:rPr lang="te-IN" sz="1500" b="1" dirty="0">
                 <a:latin typeface="Anek Telugu SemiBold" pitchFamily="2" charset="0"/>
                 <a:cs typeface="Anek Telugu SemiBold" pitchFamily="2" charset="0"/>
               </a:rPr>
-              <a:t>నన్నేమి చేయవు నా యేసయ్యా (2)</a:t>
+              <a:t>నను లేవనెత్తితివి </a:t>
             </a:r>
           </a:p>
           <a:p>
@@ -4274,11 +4394,57 @@
               </a:lnSpc>
             </a:pPr>
             <a:r>
-              <a:rPr lang="te-IN" sz="1600" b="1" dirty="0">
+              <a:rPr lang="te-IN" sz="1500" b="1" dirty="0">
                 <a:latin typeface="Anek Telugu SemiBold" pitchFamily="2" charset="0"/>
                 <a:cs typeface="Anek Telugu SemiBold" pitchFamily="2" charset="0"/>
               </a:rPr>
-              <a:t>నీకే వందనం నీకే వందనం (2)</a:t>
+              <a:t>క్షేమమును దయ చేసి నను వెంబడించి</a:t>
+            </a:r>
+            <a:endParaRPr lang="en-IN" sz="1500" b="1" dirty="0">
+              <a:latin typeface="Anek Telugu SemiBold" pitchFamily="2" charset="0"/>
+              <a:cs typeface="Anek Telugu SemiBold" pitchFamily="2" charset="0"/>
+            </a:endParaRPr>
+          </a:p>
+          <a:p>
+            <a:pPr>
+              <a:lnSpc>
+                <a:spcPct val="150000"/>
+              </a:lnSpc>
+            </a:pPr>
+            <a:r>
+              <a:rPr lang="te-IN" sz="1500" b="1" dirty="0">
+                <a:latin typeface="Anek Telugu SemiBold" pitchFamily="2" charset="0"/>
+                <a:cs typeface="Anek Telugu SemiBold" pitchFamily="2" charset="0"/>
+              </a:rPr>
+              <a:t>అనుదినము కాచితివి</a:t>
+            </a:r>
+          </a:p>
+          <a:p>
+            <a:pPr>
+              <a:lnSpc>
+                <a:spcPct val="150000"/>
+              </a:lnSpc>
+            </a:pPr>
+            <a:r>
+              <a:rPr lang="te-IN" sz="1500" b="1" dirty="0">
+                <a:latin typeface="Anek Telugu SemiBold" pitchFamily="2" charset="0"/>
+                <a:cs typeface="Anek Telugu SemiBold" pitchFamily="2" charset="0"/>
+              </a:rPr>
+              <a:t>అక్షయుడా ప్రేమనుచూపి ఆదరించినావు </a:t>
+            </a:r>
+          </a:p>
+          <a:p>
+            <a:pPr>
+              <a:lnSpc>
+                <a:spcPct val="150000"/>
+              </a:lnSpc>
+            </a:pPr>
+            <a:r>
+              <a:rPr lang="te-IN" sz="1500" b="1" dirty="0">
+                <a:latin typeface="Anek Telugu SemiBold" pitchFamily="2" charset="0"/>
+                <a:cs typeface="Anek Telugu SemiBold" pitchFamily="2" charset="0"/>
+              </a:rPr>
+              <a:t>నిర్మలుడా బాహువు చాపి దీవించువాడవు </a:t>
             </a:r>
           </a:p>
         </p:txBody>
@@ -4327,8 +4493,8 @@
         </p:nvSpPr>
         <p:spPr>
           <a:xfrm>
-            <a:off x="617004" y="527593"/>
-            <a:ext cx="4640796" cy="5447645"/>
+            <a:off x="477519" y="517502"/>
+            <a:ext cx="4640796" cy="4247317"/>
           </a:xfrm>
           <a:prstGeom prst="rect">
             <a:avLst/>
@@ -4347,11 +4513,11 @@
               </a:lnSpc>
             </a:pPr>
             <a:r>
-              <a:rPr lang="te-IN" sz="1600" dirty="0">
+              <a:rPr lang="te-IN" dirty="0">
                 <a:latin typeface="Anek Telugu SemiBold" pitchFamily="2" charset="0"/>
                 <a:cs typeface="Anek Telugu SemiBold" pitchFamily="2" charset="0"/>
               </a:rPr>
-              <a:t>నా స్తుతి పాత్రుడా – నా యేసయ్యా</a:t>
+              <a:t>నీవుంటే నాకు చాలు యేసయ్యా</a:t>
             </a:r>
           </a:p>
           <a:p>
@@ -4361,11 +4527,11 @@
               </a:lnSpc>
             </a:pPr>
             <a:r>
-              <a:rPr lang="te-IN" sz="1600" dirty="0">
+              <a:rPr lang="te-IN" dirty="0">
                 <a:latin typeface="Anek Telugu SemiBold" pitchFamily="2" charset="0"/>
                 <a:cs typeface="Anek Telugu SemiBold" pitchFamily="2" charset="0"/>
               </a:rPr>
-              <a:t>నా ఆరాధనకు నీవె యోగ్యుడవయ్యా (2)</a:t>
+              <a:t>నీవెంటే నేను ఉంటానేసయ్యా (2)</a:t>
             </a:r>
           </a:p>
           <a:p>
@@ -4374,10 +4540,13 @@
                 <a:spcPct val="150000"/>
               </a:lnSpc>
             </a:pPr>
-            <a:endParaRPr lang="te-IN" sz="1600" dirty="0">
-              <a:latin typeface="Anek Telugu SemiBold" pitchFamily="2" charset="0"/>
-              <a:cs typeface="Anek Telugu SemiBold" pitchFamily="2" charset="0"/>
-            </a:endParaRPr>
+            <a:r>
+              <a:rPr lang="te-IN" dirty="0">
+                <a:latin typeface="Anek Telugu SemiBold" pitchFamily="2" charset="0"/>
+                <a:cs typeface="Anek Telugu SemiBold" pitchFamily="2" charset="0"/>
+              </a:rPr>
+              <a:t>నీ మాట చాలయ్యా నీ చూపు చాలయ్యా</a:t>
+            </a:r>
           </a:p>
           <a:p>
             <a:pPr>
@@ -4386,11 +4555,11 @@
               </a:lnSpc>
             </a:pPr>
             <a:r>
-              <a:rPr lang="te-IN" sz="1600" dirty="0">
+              <a:rPr lang="te-IN" dirty="0">
                 <a:latin typeface="Anek Telugu SemiBold" pitchFamily="2" charset="0"/>
                 <a:cs typeface="Anek Telugu SemiBold" pitchFamily="2" charset="0"/>
               </a:rPr>
-              <a:t>నీ వాక్యమే నా పరవశము</a:t>
+              <a:t>నీ తోడు చాలయ్యా నీ నీడ చాలయ్యా (2)</a:t>
             </a:r>
           </a:p>
           <a:p>
@@ -4399,13 +4568,10 @@
                 <a:spcPct val="150000"/>
               </a:lnSpc>
             </a:pPr>
-            <a:r>
-              <a:rPr lang="te-IN" sz="1600" dirty="0">
-                <a:latin typeface="Anek Telugu SemiBold" pitchFamily="2" charset="0"/>
-                <a:cs typeface="Anek Telugu SemiBold" pitchFamily="2" charset="0"/>
-              </a:rPr>
-              <a:t>నీ వాక్యమే నా ఆత్మకు ఆహారము (2)</a:t>
-            </a:r>
+            <a:endParaRPr lang="te-IN" dirty="0">
+              <a:latin typeface="Anek Telugu SemiBold" pitchFamily="2" charset="0"/>
+              <a:cs typeface="Anek Telugu SemiBold" pitchFamily="2" charset="0"/>
+            </a:endParaRPr>
           </a:p>
           <a:p>
             <a:pPr>
@@ -4414,16 +4580,12 @@
               </a:lnSpc>
             </a:pPr>
             <a:r>
-              <a:rPr lang="te-IN" sz="1600" dirty="0">
+              <a:rPr lang="te-IN" dirty="0">
                 <a:latin typeface="Anek Telugu SemiBold" pitchFamily="2" charset="0"/>
                 <a:cs typeface="Anek Telugu SemiBold" pitchFamily="2" charset="0"/>
               </a:rPr>
-              <a:t>నీ వాక్యమే నా పాదములకు దీపము (3)</a:t>
-            </a:r>
-            <a:endParaRPr lang="en-IN" sz="1600" dirty="0">
-              <a:latin typeface="Anek Telugu SemiBold" pitchFamily="2" charset="0"/>
-              <a:cs typeface="Anek Telugu SemiBold" pitchFamily="2" charset="0"/>
-            </a:endParaRPr>
+              <a:t>ఎన్ని బాధలున్ననూ ఇబ్బందులైననూ</a:t>
+            </a:r>
           </a:p>
           <a:p>
             <a:pPr>
@@ -4431,7 +4593,21 @@
                 <a:spcPct val="150000"/>
               </a:lnSpc>
             </a:pPr>
-            <a:endParaRPr lang="te-IN" sz="1600" dirty="0">
+            <a:r>
+              <a:rPr lang="te-IN" dirty="0">
+                <a:latin typeface="Anek Telugu SemiBold" pitchFamily="2" charset="0"/>
+                <a:cs typeface="Anek Telugu SemiBold" pitchFamily="2" charset="0"/>
+              </a:rPr>
+              <a:t>ఎంత కష్టమొచ్చినా నిష్టూరమైననూ (2</a:t>
+            </a:r>
+            <a:r>
+              <a:rPr lang="en-IN" dirty="0">
+                <a:latin typeface="Anek Telugu SemiBold" pitchFamily="2" charset="0"/>
+                <a:cs typeface="Anek Telugu SemiBold" pitchFamily="2" charset="0"/>
+              </a:rPr>
+              <a:t>)</a:t>
+            </a:r>
+            <a:endParaRPr lang="te-IN" dirty="0">
               <a:latin typeface="Anek Telugu SemiBold" pitchFamily="2" charset="0"/>
               <a:cs typeface="Anek Telugu SemiBold" pitchFamily="2" charset="0"/>
             </a:endParaRPr>
@@ -4442,13 +4618,10 @@
                 <a:spcPct val="150000"/>
               </a:lnSpc>
             </a:pPr>
-            <a:r>
-              <a:rPr lang="te-IN" sz="1600" dirty="0">
-                <a:latin typeface="Anek Telugu SemiBold" pitchFamily="2" charset="0"/>
-                <a:cs typeface="Anek Telugu SemiBold" pitchFamily="2" charset="0"/>
-              </a:rPr>
-              <a:t>నీ కృపయే నా ఆశ్రయము</a:t>
-            </a:r>
+            <a:endParaRPr lang="te-IN" dirty="0">
+              <a:latin typeface="Anek Telugu SemiBold" pitchFamily="2" charset="0"/>
+              <a:cs typeface="Anek Telugu SemiBold" pitchFamily="2" charset="0"/>
+            </a:endParaRPr>
           </a:p>
           <a:p>
             <a:pPr>
@@ -4457,11 +4630,11 @@
               </a:lnSpc>
             </a:pPr>
             <a:r>
-              <a:rPr lang="te-IN" sz="1600" dirty="0">
+              <a:rPr lang="te-IN" dirty="0">
                 <a:latin typeface="Anek Telugu SemiBold" pitchFamily="2" charset="0"/>
                 <a:cs typeface="Anek Telugu SemiBold" pitchFamily="2" charset="0"/>
               </a:rPr>
-              <a:t>నీ కృపయే నా ఆత్మకు అభిషేకము (2)</a:t>
+              <a:t>బ్రతుకు నావ పగిలినా కడలి పాలైననూ</a:t>
             </a:r>
           </a:p>
           <a:p>
@@ -4471,76 +4644,12 @@
               </a:lnSpc>
             </a:pPr>
             <a:r>
-              <a:rPr lang="te-IN" sz="1600" dirty="0">
+              <a:rPr lang="te-IN" dirty="0">
                 <a:latin typeface="Anek Telugu SemiBold" pitchFamily="2" charset="0"/>
                 <a:cs typeface="Anek Telugu SemiBold" pitchFamily="2" charset="0"/>
               </a:rPr>
-              <a:t>నీ కృపయే నా జీవన ఆధారము (3)</a:t>
-            </a:r>
-          </a:p>
-          <a:p>
-            <a:pPr>
-              <a:lnSpc>
-                <a:spcPct val="150000"/>
-              </a:lnSpc>
-            </a:pPr>
-            <a:endParaRPr lang="te-IN" sz="1600" dirty="0">
-              <a:latin typeface="Anek Telugu SemiBold" pitchFamily="2" charset="0"/>
-              <a:cs typeface="Anek Telugu SemiBold" pitchFamily="2" charset="0"/>
-            </a:endParaRPr>
-          </a:p>
-          <a:p>
-            <a:pPr>
-              <a:lnSpc>
-                <a:spcPct val="150000"/>
-              </a:lnSpc>
-            </a:pPr>
-            <a:r>
-              <a:rPr lang="te-IN" sz="1600" dirty="0">
-                <a:latin typeface="Anek Telugu SemiBold" pitchFamily="2" charset="0"/>
-                <a:cs typeface="Anek Telugu SemiBold" pitchFamily="2" charset="0"/>
-              </a:rPr>
-              <a:t>నీ సౌందర్యము యెరూషలేము</a:t>
-            </a:r>
-          </a:p>
-          <a:p>
-            <a:pPr>
-              <a:lnSpc>
-                <a:spcPct val="150000"/>
-              </a:lnSpc>
-            </a:pPr>
-            <a:r>
-              <a:rPr lang="te-IN" sz="1600" dirty="0">
-                <a:latin typeface="Anek Telugu SemiBold" pitchFamily="2" charset="0"/>
-                <a:cs typeface="Anek Telugu SemiBold" pitchFamily="2" charset="0"/>
-              </a:rPr>
-              <a:t>నీ పరిపూర్ణత సీయోను శిఖరము (2)</a:t>
-            </a:r>
-          </a:p>
-          <a:p>
-            <a:pPr>
-              <a:lnSpc>
-                <a:spcPct val="150000"/>
-              </a:lnSpc>
-            </a:pPr>
-            <a:r>
-              <a:rPr lang="te-IN" sz="1600" dirty="0">
-                <a:latin typeface="Anek Telugu SemiBold" pitchFamily="2" charset="0"/>
-                <a:cs typeface="Anek Telugu SemiBold" pitchFamily="2" charset="0"/>
-              </a:rPr>
-              <a:t>నీ పరిపూర్ణత నా జీవిత గమ్యము (3</a:t>
-            </a:r>
-            <a:r>
-              <a:rPr lang="en-IN" sz="1600" dirty="0">
-                <a:latin typeface="Anek Telugu SemiBold" pitchFamily="2" charset="0"/>
-                <a:cs typeface="Anek Telugu SemiBold" pitchFamily="2" charset="0"/>
-              </a:rPr>
-              <a:t>)</a:t>
-            </a:r>
-            <a:endParaRPr lang="te-IN" sz="1600" dirty="0">
-              <a:latin typeface="Anek Telugu SemiBold" pitchFamily="2" charset="0"/>
-              <a:cs typeface="Anek Telugu SemiBold" pitchFamily="2" charset="0"/>
-            </a:endParaRPr>
+              <a:t>అలలు ముంచి వేసినా ఆశలు అనగారినా (2)</a:t>
+            </a:r>
           </a:p>
         </p:txBody>
       </p:sp>
@@ -4558,8 +4667,8 @@
         </p:nvSpPr>
         <p:spPr>
           <a:xfrm>
-            <a:off x="5446483" y="514473"/>
-            <a:ext cx="4749801" cy="5262979"/>
+            <a:off x="5245006" y="343995"/>
+            <a:ext cx="4749801" cy="5493812"/>
           </a:xfrm>
           <a:prstGeom prst="rect">
             <a:avLst/>
@@ -4578,11 +4687,11 @@
               </a:lnSpc>
             </a:pPr>
             <a:r>
-              <a:rPr lang="te-IN" sz="1600" b="1" dirty="0">
+              <a:rPr lang="te-IN" b="1" dirty="0">
                 <a:latin typeface="Anek Telugu SemiBold" pitchFamily="2" charset="0"/>
                 <a:cs typeface="Anek Telugu SemiBold" pitchFamily="2" charset="0"/>
               </a:rPr>
-              <a:t>నమ్మకమైన దేవుడవైన</a:t>
+              <a:t>నాతో మాట్లాడు ప్రభువా –</a:t>
             </a:r>
           </a:p>
           <a:p>
@@ -4592,11 +4701,11 @@
               </a:lnSpc>
             </a:pPr>
             <a:r>
-              <a:rPr lang="te-IN" sz="1600" b="1" dirty="0">
+              <a:rPr lang="te-IN" b="1" dirty="0">
                 <a:latin typeface="Anek Telugu SemiBold" pitchFamily="2" charset="0"/>
                 <a:cs typeface="Anek Telugu SemiBold" pitchFamily="2" charset="0"/>
               </a:rPr>
-              <a:t>నీవే చాలు యేసయ్యా (2)</a:t>
+              <a:t>నీవే మాట్లాడుమయ్యా (2)</a:t>
             </a:r>
           </a:p>
           <a:p>
@@ -4606,11 +4715,11 @@
               </a:lnSpc>
             </a:pPr>
             <a:r>
-              <a:rPr lang="te-IN" sz="1600" b="1" dirty="0">
+              <a:rPr lang="te-IN" b="1" dirty="0">
                 <a:latin typeface="Anek Telugu SemiBold" pitchFamily="2" charset="0"/>
                 <a:cs typeface="Anek Telugu SemiBold" pitchFamily="2" charset="0"/>
               </a:rPr>
-              <a:t>నేనేమైయున్నా ఏ స్థితిలో ఉన్నా (2)</a:t>
+              <a:t>నీవు పలికితే నాకు మేలయ్యా (2)</a:t>
             </a:r>
           </a:p>
           <a:p>
@@ -4620,11 +4729,11 @@
               </a:lnSpc>
             </a:pPr>
             <a:r>
-              <a:rPr lang="te-IN" sz="1600" b="1" dirty="0">
+              <a:rPr lang="te-IN" b="1" dirty="0">
                 <a:latin typeface="Anek Telugu SemiBold" pitchFamily="2" charset="0"/>
                 <a:cs typeface="Anek Telugu SemiBold" pitchFamily="2" charset="0"/>
               </a:rPr>
-              <a:t>ఇంకేమి కోరుకోనయ్యా (2)</a:t>
+              <a:t>నీ దర్శనమే నాకు చాలయ్యా (2)</a:t>
             </a:r>
           </a:p>
           <a:p>
@@ -4633,7 +4742,7 @@
                 <a:spcPct val="150000"/>
               </a:lnSpc>
             </a:pPr>
-            <a:endParaRPr lang="te-IN" sz="1600" b="1" dirty="0">
+            <a:endParaRPr lang="te-IN" b="1" dirty="0">
               <a:latin typeface="Anek Telugu SemiBold" pitchFamily="2" charset="0"/>
               <a:cs typeface="Anek Telugu SemiBold" pitchFamily="2" charset="0"/>
             </a:endParaRPr>
@@ -4645,11 +4754,11 @@
               </a:lnSpc>
             </a:pPr>
             <a:r>
-              <a:rPr lang="te-IN" sz="1600" b="1" dirty="0">
+              <a:rPr lang="te-IN" b="1" dirty="0">
                 <a:latin typeface="Anek Telugu SemiBold" pitchFamily="2" charset="0"/>
                 <a:cs typeface="Anek Telugu SemiBold" pitchFamily="2" charset="0"/>
               </a:rPr>
-              <a:t>ఆప్తులైన వారే హాని చేయచూసినా</a:t>
+              <a:t>నీ వాక్యమే నన్ను బ్రతికించేది</a:t>
             </a:r>
           </a:p>
           <a:p>
@@ -4659,11 +4768,11 @@
               </a:lnSpc>
             </a:pPr>
             <a:r>
-              <a:rPr lang="te-IN" sz="1600" b="1" dirty="0">
+              <a:rPr lang="te-IN" b="1" dirty="0">
                 <a:latin typeface="Anek Telugu SemiBold" pitchFamily="2" charset="0"/>
                 <a:cs typeface="Anek Telugu SemiBold" pitchFamily="2" charset="0"/>
               </a:rPr>
-              <a:t>మిత్రులే నిలువకుండినా (2)</a:t>
+              <a:t>నా బాధలలో నెమ్మదినిచ్చేది (2)</a:t>
             </a:r>
           </a:p>
           <a:p>
@@ -4672,13 +4781,10 @@
                 <a:spcPct val="150000"/>
               </a:lnSpc>
             </a:pPr>
-            <a:r>
-              <a:rPr lang="te-IN" sz="1600" b="1" dirty="0">
-                <a:latin typeface="Anek Telugu SemiBold" pitchFamily="2" charset="0"/>
-                <a:cs typeface="Anek Telugu SemiBold" pitchFamily="2" charset="0"/>
-              </a:rPr>
-              <a:t>న్యాయము తీర్చే నీవు నాకుంటే (2)</a:t>
-            </a:r>
+            <a:endParaRPr lang="te-IN" b="1" dirty="0">
+              <a:latin typeface="Anek Telugu SemiBold" pitchFamily="2" charset="0"/>
+              <a:cs typeface="Anek Telugu SemiBold" pitchFamily="2" charset="0"/>
+            </a:endParaRPr>
           </a:p>
           <a:p>
             <a:pPr defTabSz="439781">
@@ -4687,11 +4793,11 @@
               </a:lnSpc>
             </a:pPr>
             <a:r>
-              <a:rPr lang="te-IN" sz="1600" b="1" dirty="0">
+              <a:rPr lang="te-IN" b="1" dirty="0">
                 <a:latin typeface="Anek Telugu SemiBold" pitchFamily="2" charset="0"/>
                 <a:cs typeface="Anek Telugu SemiBold" pitchFamily="2" charset="0"/>
               </a:rPr>
-              <a:t>చాలు యేసయ్యా (2)</a:t>
+              <a:t>నీ వాక్యమే స్వస్థత కలిగించేది</a:t>
             </a:r>
           </a:p>
           <a:p>
@@ -4700,10 +4806,13 @@
                 <a:spcPct val="150000"/>
               </a:lnSpc>
             </a:pPr>
-            <a:endParaRPr lang="te-IN" sz="1600" b="1" dirty="0">
-              <a:latin typeface="Anek Telugu SemiBold" pitchFamily="2" charset="0"/>
-              <a:cs typeface="Anek Telugu SemiBold" pitchFamily="2" charset="0"/>
-            </a:endParaRPr>
+            <a:r>
+              <a:rPr lang="te-IN" b="1" dirty="0">
+                <a:latin typeface="Anek Telugu SemiBold" pitchFamily="2" charset="0"/>
+                <a:cs typeface="Anek Telugu SemiBold" pitchFamily="2" charset="0"/>
+              </a:rPr>
+              <a:t>నా వేదనలో ఆదరణిచ్చేది (2)</a:t>
+            </a:r>
           </a:p>
           <a:p>
             <a:pPr defTabSz="439781">
@@ -4711,13 +4820,10 @@
                 <a:spcPct val="150000"/>
               </a:lnSpc>
             </a:pPr>
-            <a:r>
-              <a:rPr lang="te-IN" sz="1600" b="1" dirty="0">
-                <a:latin typeface="Anek Telugu SemiBold" pitchFamily="2" charset="0"/>
-                <a:cs typeface="Anek Telugu SemiBold" pitchFamily="2" charset="0"/>
-              </a:rPr>
-              <a:t>జ్ఞానమంత చూపి శక్తి ధారపోసినా</a:t>
-            </a:r>
+            <a:endParaRPr lang="te-IN" b="1" dirty="0">
+              <a:latin typeface="Anek Telugu SemiBold" pitchFamily="2" charset="0"/>
+              <a:cs typeface="Anek Telugu SemiBold" pitchFamily="2" charset="0"/>
+            </a:endParaRPr>
           </a:p>
           <a:p>
             <a:pPr defTabSz="439781">
@@ -4726,11 +4832,11 @@
               </a:lnSpc>
             </a:pPr>
             <a:r>
-              <a:rPr lang="te-IN" sz="1600" b="1" dirty="0">
+              <a:rPr lang="te-IN" b="1" dirty="0">
                 <a:latin typeface="Anek Telugu SemiBold" pitchFamily="2" charset="0"/>
                 <a:cs typeface="Anek Telugu SemiBold" pitchFamily="2" charset="0"/>
               </a:rPr>
-              <a:t>నష్టమే మిగులుచుండినా (2)</a:t>
+              <a:t>నీ వాక్యమే నన్ను నడిపించేది</a:t>
             </a:r>
           </a:p>
           <a:p>
@@ -4740,25 +4846,11 @@
               </a:lnSpc>
             </a:pPr>
             <a:r>
-              <a:rPr lang="te-IN" sz="1600" b="1" dirty="0">
+              <a:rPr lang="te-IN" b="1" dirty="0">
                 <a:latin typeface="Anek Telugu SemiBold" pitchFamily="2" charset="0"/>
                 <a:cs typeface="Anek Telugu SemiBold" pitchFamily="2" charset="0"/>
               </a:rPr>
-              <a:t>శాపము బాపే నీవు నాకుంటే (2)</a:t>
-            </a:r>
-          </a:p>
-          <a:p>
-            <a:pPr defTabSz="439781">
-              <a:lnSpc>
-                <a:spcPct val="150000"/>
-              </a:lnSpc>
-            </a:pPr>
-            <a:r>
-              <a:rPr lang="te-IN" sz="1600" b="1" dirty="0">
-                <a:latin typeface="Anek Telugu SemiBold" pitchFamily="2" charset="0"/>
-                <a:cs typeface="Anek Telugu SemiBold" pitchFamily="2" charset="0"/>
-              </a:rPr>
-              <a:t>చాలు యేసయ్యా (2)</a:t>
+              <a:t>నా మార్గములో వెలుతురునిచ్చేది (2)</a:t>
             </a:r>
           </a:p>
         </p:txBody>

--- a/songsTemplate.pptx
+++ b/songsTemplate.pptx
@@ -135,12 +135,12 @@
   <pc:docChgLst>
     <pc:chgData name="Venu Yalapala" userId="9feb8bbceceecaca" providerId="LiveId" clId="{CD4B1779-0926-477D-B902-440342C52CB5}"/>
     <pc:docChg chg="undo redo custSel modSld">
-      <pc:chgData name="Venu Yalapala" userId="9feb8bbceceecaca" providerId="LiveId" clId="{CD4B1779-0926-477D-B902-440342C52CB5}" dt="2025-07-11T16:25:52.401" v="431" actId="20577"/>
+      <pc:chgData name="Venu Yalapala" userId="9feb8bbceceecaca" providerId="LiveId" clId="{CD4B1779-0926-477D-B902-440342C52CB5}" dt="2025-07-12T09:22:50.231" v="453" actId="20577"/>
       <pc:docMkLst>
         <pc:docMk/>
       </pc:docMkLst>
       <pc:sldChg chg="delSp modSp mod">
-        <pc:chgData name="Venu Yalapala" userId="9feb8bbceceecaca" providerId="LiveId" clId="{CD4B1779-0926-477D-B902-440342C52CB5}" dt="2025-07-11T16:25:52.401" v="431" actId="20577"/>
+        <pc:chgData name="Venu Yalapala" userId="9feb8bbceceecaca" providerId="LiveId" clId="{CD4B1779-0926-477D-B902-440342C52CB5}" dt="2025-07-12T09:22:50.231" v="453" actId="20577"/>
         <pc:sldMkLst>
           <pc:docMk/>
           <pc:sldMk cId="3342490066" sldId="256"/>
@@ -170,7 +170,7 @@
           </ac:spMkLst>
         </pc:spChg>
         <pc:spChg chg="mod">
-          <ac:chgData name="Venu Yalapala" userId="9feb8bbceceecaca" providerId="LiveId" clId="{CD4B1779-0926-477D-B902-440342C52CB5}" dt="2025-07-11T16:25:52.401" v="431" actId="20577"/>
+          <ac:chgData name="Venu Yalapala" userId="9feb8bbceceecaca" providerId="LiveId" clId="{CD4B1779-0926-477D-B902-440342C52CB5}" dt="2025-07-12T09:22:50.231" v="453" actId="20577"/>
           <ac:spMkLst>
             <pc:docMk/>
             <pc:sldMk cId="3342490066" sldId="256"/>
@@ -316,7 +316,7 @@
           <a:p>
             <a:fld id="{0EEBF99D-A94C-4ACE-ABB7-ED5902A7DBE5}" type="datetimeFigureOut">
               <a:rPr lang="en-IN" smtClean="0"/>
-              <a:t>11-07-2025</a:t>
+              <a:t>12-07-2025</a:t>
             </a:fld>
             <a:endParaRPr lang="en-IN"/>
           </a:p>
@@ -494,7 +494,7 @@
           <a:p>
             <a:fld id="{6EA7C7CE-6F0C-4E71-B520-9461545357C0}" type="datetimeFigureOut">
               <a:rPr lang="en-IN" smtClean="0"/>
-              <a:t>11-07-2025</a:t>
+              <a:t>12-07-2025</a:t>
             </a:fld>
             <a:endParaRPr lang="en-IN"/>
           </a:p>
@@ -894,7 +894,7 @@
           <a:p>
             <a:fld id="{F1102B08-ED9E-409F-B95F-09CAA1DAF6E0}" type="datetimeFigureOut">
               <a:rPr lang="en-IN" smtClean="0"/>
-              <a:t>11-07-2025</a:t>
+              <a:t>12-07-2025</a:t>
             </a:fld>
             <a:endParaRPr lang="en-IN"/>
           </a:p>
@@ -1151,7 +1151,7 @@
           <a:p>
             <a:fld id="{F1102B08-ED9E-409F-B95F-09CAA1DAF6E0}" type="datetimeFigureOut">
               <a:rPr lang="en-IN" smtClean="0"/>
-              <a:t>11-07-2025</a:t>
+              <a:t>12-07-2025</a:t>
             </a:fld>
             <a:endParaRPr lang="en-IN"/>
           </a:p>
@@ -1321,7 +1321,7 @@
           <a:p>
             <a:fld id="{F1102B08-ED9E-409F-B95F-09CAA1DAF6E0}" type="datetimeFigureOut">
               <a:rPr lang="en-IN" smtClean="0"/>
-              <a:t>11-07-2025</a:t>
+              <a:t>12-07-2025</a:t>
             </a:fld>
             <a:endParaRPr lang="en-IN"/>
           </a:p>
@@ -1501,7 +1501,7 @@
           <a:p>
             <a:fld id="{F1102B08-ED9E-409F-B95F-09CAA1DAF6E0}" type="datetimeFigureOut">
               <a:rPr lang="en-IN" smtClean="0"/>
-              <a:t>11-07-2025</a:t>
+              <a:t>12-07-2025</a:t>
             </a:fld>
             <a:endParaRPr lang="en-IN"/>
           </a:p>
@@ -1703,7 +1703,7 @@
             <a:fld id="{F1102B08-ED9E-409F-B95F-09CAA1DAF6E0}" type="datetimeFigureOut">
               <a:rPr lang="en-IN" b="0" smtClean="0"/>
               <a:pPr/>
-              <a:t>11-07-2025</a:t>
+              <a:t>12-07-2025</a:t>
             </a:fld>
             <a:endParaRPr lang="en-IN" b="0" dirty="0"/>
           </a:p>
@@ -1931,7 +1931,7 @@
           <a:p>
             <a:fld id="{F1102B08-ED9E-409F-B95F-09CAA1DAF6E0}" type="datetimeFigureOut">
               <a:rPr lang="en-IN" smtClean="0"/>
-              <a:t>11-07-2025</a:t>
+              <a:t>12-07-2025</a:t>
             </a:fld>
             <a:endParaRPr lang="en-IN"/>
           </a:p>
@@ -2175,7 +2175,7 @@
           <a:p>
             <a:fld id="{F1102B08-ED9E-409F-B95F-09CAA1DAF6E0}" type="datetimeFigureOut">
               <a:rPr lang="en-IN" smtClean="0"/>
-              <a:t>11-07-2025</a:t>
+              <a:t>12-07-2025</a:t>
             </a:fld>
             <a:endParaRPr lang="en-IN"/>
           </a:p>
@@ -2407,7 +2407,7 @@
           <a:p>
             <a:fld id="{F1102B08-ED9E-409F-B95F-09CAA1DAF6E0}" type="datetimeFigureOut">
               <a:rPr lang="en-IN" smtClean="0"/>
-              <a:t>11-07-2025</a:t>
+              <a:t>12-07-2025</a:t>
             </a:fld>
             <a:endParaRPr lang="en-IN"/>
           </a:p>
@@ -2774,7 +2774,7 @@
           <a:p>
             <a:fld id="{F1102B08-ED9E-409F-B95F-09CAA1DAF6E0}" type="datetimeFigureOut">
               <a:rPr lang="en-IN" smtClean="0"/>
-              <a:t>11-07-2025</a:t>
+              <a:t>12-07-2025</a:t>
             </a:fld>
             <a:endParaRPr lang="en-IN"/>
           </a:p>
@@ -2892,7 +2892,7 @@
           <a:p>
             <a:fld id="{F1102B08-ED9E-409F-B95F-09CAA1DAF6E0}" type="datetimeFigureOut">
               <a:rPr lang="en-IN" smtClean="0"/>
-              <a:t>11-07-2025</a:t>
+              <a:t>12-07-2025</a:t>
             </a:fld>
             <a:endParaRPr lang="en-IN"/>
           </a:p>
@@ -2987,7 +2987,7 @@
           <a:p>
             <a:fld id="{F1102B08-ED9E-409F-B95F-09CAA1DAF6E0}" type="datetimeFigureOut">
               <a:rPr lang="en-IN" smtClean="0"/>
-              <a:t>11-07-2025</a:t>
+              <a:t>12-07-2025</a:t>
             </a:fld>
             <a:endParaRPr lang="en-IN"/>
           </a:p>
@@ -3264,7 +3264,7 @@
           <a:p>
             <a:fld id="{F1102B08-ED9E-409F-B95F-09CAA1DAF6E0}" type="datetimeFigureOut">
               <a:rPr lang="en-IN" smtClean="0"/>
-              <a:t>11-07-2025</a:t>
+              <a:t>12-07-2025</a:t>
             </a:fld>
             <a:endParaRPr lang="en-IN"/>
           </a:p>
@@ -3477,7 +3477,7 @@
           <a:p>
             <a:fld id="{F1102B08-ED9E-409F-B95F-09CAA1DAF6E0}" type="datetimeFigureOut">
               <a:rPr lang="en-IN" smtClean="0"/>
-              <a:t>11-07-2025</a:t>
+              <a:t>12-07-2025</a:t>
             </a:fld>
             <a:endParaRPr lang="en-IN"/>
           </a:p>
@@ -4210,7 +4210,7 @@
                 <a:latin typeface="Anek Telugu SemiBold" pitchFamily="2" charset="0"/>
                 <a:cs typeface="Anek Telugu SemiBold" pitchFamily="2" charset="0"/>
               </a:rPr>
-              <a:t>మహామహిమతో నిండిన కృపా సత్యసంపూర్ణుడా </a:t>
+              <a:t>నాలో నివసించే నా యేసయ్య</a:t>
             </a:r>
           </a:p>
           <a:p>
@@ -4224,7 +4224,7 @@
                 <a:latin typeface="Anek Telugu SemiBold" pitchFamily="2" charset="0"/>
                 <a:cs typeface="Anek Telugu SemiBold" pitchFamily="2" charset="0"/>
               </a:rPr>
-              <a:t>ఇశ్రాయేలు స్తోత్రములపై ఆసీనుడా యేసయ్యా </a:t>
+              <a:t>మనోహర సంపద నీవేనయ్యా ||2||</a:t>
             </a:r>
           </a:p>
           <a:p>
@@ -4238,7 +4238,35 @@
                 <a:latin typeface="Anek Telugu SemiBold" pitchFamily="2" charset="0"/>
                 <a:cs typeface="Anek Telugu SemiBold" pitchFamily="2" charset="0"/>
               </a:rPr>
-              <a:t>నా స్తుతుల సింహాసనం నీకోసమే యేసయ్యా </a:t>
+              <a:t>మారని మమతల మహనీయుడ ||2||</a:t>
+            </a:r>
+          </a:p>
+          <a:p>
+            <a:pPr>
+              <a:lnSpc>
+                <a:spcPct val="150000"/>
+              </a:lnSpc>
+            </a:pPr>
+            <a:r>
+              <a:rPr lang="te-IN" sz="1500" b="1" dirty="0">
+                <a:latin typeface="Anek Telugu SemiBold" pitchFamily="2" charset="0"/>
+                <a:cs typeface="Anek Telugu SemiBold" pitchFamily="2" charset="0"/>
+              </a:rPr>
+              <a:t>కీర్తించి నిన్నే ఘనపరతునయ్యా -</a:t>
+            </a:r>
+          </a:p>
+          <a:p>
+            <a:pPr>
+              <a:lnSpc>
+                <a:spcPct val="150000"/>
+              </a:lnSpc>
+            </a:pPr>
+            <a:r>
+              <a:rPr lang="te-IN" sz="1500" b="1" dirty="0">
+                <a:latin typeface="Anek Telugu SemiBold" pitchFamily="2" charset="0"/>
+                <a:cs typeface="Anek Telugu SemiBold" pitchFamily="2" charset="0"/>
+              </a:rPr>
+              <a:t>మనసారా నిన్నే ప్రేమింతునయ్యా ||2||</a:t>
             </a:r>
           </a:p>
           <a:p>
@@ -4263,12 +4291,8 @@
                 <a:latin typeface="Anek Telugu SemiBold" pitchFamily="2" charset="0"/>
                 <a:cs typeface="Anek Telugu SemiBold" pitchFamily="2" charset="0"/>
               </a:rPr>
-              <a:t>మహిమను విడచి భూవిపైకి దిగివచ్చి –</a:t>
-            </a:r>
-            <a:endParaRPr lang="en-IN" sz="1500" b="1" dirty="0">
-              <a:latin typeface="Anek Telugu SemiBold" pitchFamily="2" charset="0"/>
-              <a:cs typeface="Anek Telugu SemiBold" pitchFamily="2" charset="0"/>
-            </a:endParaRPr>
+              <a:t>1. మధురమైనది నీ స్నేహబంధం</a:t>
+            </a:r>
           </a:p>
           <a:p>
             <a:pPr>
@@ -4281,7 +4305,7 @@
                 <a:latin typeface="Anek Telugu SemiBold" pitchFamily="2" charset="0"/>
                 <a:cs typeface="Anek Telugu SemiBold" pitchFamily="2" charset="0"/>
               </a:rPr>
-              <a:t>కరుణతో నను పిలచి </a:t>
+              <a:t>మహిమగా నన్ను మార్చిన వైనం ||2||</a:t>
             </a:r>
           </a:p>
           <a:p>
@@ -4295,12 +4319,8 @@
                 <a:latin typeface="Anek Telugu SemiBold" pitchFamily="2" charset="0"/>
                 <a:cs typeface="Anek Telugu SemiBold" pitchFamily="2" charset="0"/>
               </a:rPr>
-              <a:t>సత్యమును భోదించి చీకటిని తొలగించి –</a:t>
-            </a:r>
-            <a:endParaRPr lang="en-IN" sz="1500" b="1" dirty="0">
-              <a:latin typeface="Anek Telugu SemiBold" pitchFamily="2" charset="0"/>
-              <a:cs typeface="Anek Telugu SemiBold" pitchFamily="2" charset="0"/>
-            </a:endParaRPr>
+              <a:t>నీ చూపులే నన్ను కాచెను</a:t>
+            </a:r>
           </a:p>
           <a:p>
             <a:pPr>
@@ -4313,7 +4333,7 @@
                 <a:latin typeface="Anek Telugu SemiBold" pitchFamily="2" charset="0"/>
                 <a:cs typeface="Anek Telugu SemiBold" pitchFamily="2" charset="0"/>
               </a:rPr>
-              <a:t>వెలుగుతో నింపితివి </a:t>
+              <a:t>నీ బాహువే నన్ను మోసేను ||2||</a:t>
             </a:r>
           </a:p>
           <a:p>
@@ -4327,21 +4347,7 @@
                 <a:latin typeface="Anek Telugu SemiBold" pitchFamily="2" charset="0"/>
                 <a:cs typeface="Anek Telugu SemiBold" pitchFamily="2" charset="0"/>
               </a:rPr>
-              <a:t>సదయుడవై నా పాదములు తొట్రిల్లనివ్వక </a:t>
-            </a:r>
-          </a:p>
-          <a:p>
-            <a:pPr>
-              <a:lnSpc>
-                <a:spcPct val="150000"/>
-              </a:lnSpc>
-            </a:pPr>
-            <a:r>
-              <a:rPr lang="te-IN" sz="1500" b="1" dirty="0">
-                <a:latin typeface="Anek Telugu SemiBold" pitchFamily="2" charset="0"/>
-                <a:cs typeface="Anek Telugu SemiBold" pitchFamily="2" charset="0"/>
-              </a:rPr>
-              <a:t>స్థిరపరచి నీ కృపాలో నడిపించువాడవు </a:t>
+              <a:t>ఏమిచ్చి నీ ఋణము నే తీర్చను ||2||</a:t>
             </a:r>
           </a:p>
           <a:p>
@@ -4366,12 +4372,8 @@
                 <a:latin typeface="Anek Telugu SemiBold" pitchFamily="2" charset="0"/>
                 <a:cs typeface="Anek Telugu SemiBold" pitchFamily="2" charset="0"/>
               </a:rPr>
-              <a:t>కరములు చాపి జలారాశులలో నుండి –</a:t>
-            </a:r>
-            <a:endParaRPr lang="en-IN" sz="1500" b="1" dirty="0">
-              <a:latin typeface="Anek Telugu SemiBold" pitchFamily="2" charset="0"/>
-              <a:cs typeface="Anek Telugu SemiBold" pitchFamily="2" charset="0"/>
-            </a:endParaRPr>
+              <a:t>2. వినయ భావము ఘనతకు మూలము</a:t>
+            </a:r>
           </a:p>
           <a:p>
             <a:pPr>
@@ -4384,7 +4386,7 @@
                 <a:latin typeface="Anek Telugu SemiBold" pitchFamily="2" charset="0"/>
                 <a:cs typeface="Anek Telugu SemiBold" pitchFamily="2" charset="0"/>
               </a:rPr>
-              <a:t>నను లేవనెత్తితివి </a:t>
+              <a:t>నూతన జీవములో నడుపు మార్గం ||2||</a:t>
             </a:r>
           </a:p>
           <a:p>
@@ -4398,12 +4400,8 @@
                 <a:latin typeface="Anek Telugu SemiBold" pitchFamily="2" charset="0"/>
                 <a:cs typeface="Anek Telugu SemiBold" pitchFamily="2" charset="0"/>
               </a:rPr>
-              <a:t>క్షేమమును దయ చేసి నను వెంబడించి</a:t>
-            </a:r>
-            <a:endParaRPr lang="en-IN" sz="1500" b="1" dirty="0">
-              <a:latin typeface="Anek Telugu SemiBold" pitchFamily="2" charset="0"/>
-              <a:cs typeface="Anek Telugu SemiBold" pitchFamily="2" charset="0"/>
-            </a:endParaRPr>
+              <a:t>నా విన్నపం విన్నవులే</a:t>
+            </a:r>
           </a:p>
           <a:p>
             <a:pPr>
@@ -4416,7 +4414,7 @@
                 <a:latin typeface="Anek Telugu SemiBold" pitchFamily="2" charset="0"/>
                 <a:cs typeface="Anek Telugu SemiBold" pitchFamily="2" charset="0"/>
               </a:rPr>
-              <a:t>అనుదినము కాచితివి</a:t>
+              <a:t>అరుదేంచేనే నీ వరములే ||2||</a:t>
             </a:r>
           </a:p>
           <a:p>
@@ -4430,21 +4428,7 @@
                 <a:latin typeface="Anek Telugu SemiBold" pitchFamily="2" charset="0"/>
                 <a:cs typeface="Anek Telugu SemiBold" pitchFamily="2" charset="0"/>
               </a:rPr>
-              <a:t>అక్షయుడా ప్రేమనుచూపి ఆదరించినావు </a:t>
-            </a:r>
-          </a:p>
-          <a:p>
-            <a:pPr>
-              <a:lnSpc>
-                <a:spcPct val="150000"/>
-              </a:lnSpc>
-            </a:pPr>
-            <a:r>
-              <a:rPr lang="te-IN" sz="1500" b="1" dirty="0">
-                <a:latin typeface="Anek Telugu SemiBold" pitchFamily="2" charset="0"/>
-                <a:cs typeface="Anek Telugu SemiBold" pitchFamily="2" charset="0"/>
-              </a:rPr>
-              <a:t>నిర్మలుడా బాహువు చాపి దీవించువాడవు </a:t>
+              <a:t>ఏమని వర్ణింతును నీ కృపలను ||2||</a:t>
             </a:r>
           </a:p>
         </p:txBody>

--- a/songsTemplate.pptx
+++ b/songsTemplate.pptx
@@ -135,12 +135,12 @@
   <pc:docChgLst>
     <pc:chgData name="Venu Yalapala" userId="9feb8bbceceecaca" providerId="LiveId" clId="{CD4B1779-0926-477D-B902-440342C52CB5}"/>
     <pc:docChg chg="undo redo custSel modSld">
-      <pc:chgData name="Venu Yalapala" userId="9feb8bbceceecaca" providerId="LiveId" clId="{CD4B1779-0926-477D-B902-440342C52CB5}" dt="2025-07-12T09:22:50.231" v="453" actId="20577"/>
+      <pc:chgData name="Venu Yalapala" userId="9feb8bbceceecaca" providerId="LiveId" clId="{CD4B1779-0926-477D-B902-440342C52CB5}" dt="2025-07-19T05:51:52.195" v="519" actId="20577"/>
       <pc:docMkLst>
         <pc:docMk/>
       </pc:docMkLst>
       <pc:sldChg chg="delSp modSp mod">
-        <pc:chgData name="Venu Yalapala" userId="9feb8bbceceecaca" providerId="LiveId" clId="{CD4B1779-0926-477D-B902-440342C52CB5}" dt="2025-07-12T09:22:50.231" v="453" actId="20577"/>
+        <pc:chgData name="Venu Yalapala" userId="9feb8bbceceecaca" providerId="LiveId" clId="{CD4B1779-0926-477D-B902-440342C52CB5}" dt="2025-07-19T05:47:14.290" v="477" actId="20577"/>
         <pc:sldMkLst>
           <pc:docMk/>
           <pc:sldMk cId="3342490066" sldId="256"/>
@@ -154,7 +154,7 @@
           </ac:spMkLst>
         </pc:spChg>
         <pc:spChg chg="mod">
-          <ac:chgData name="Venu Yalapala" userId="9feb8bbceceecaca" providerId="LiveId" clId="{CD4B1779-0926-477D-B902-440342C52CB5}" dt="2025-07-11T16:10:51.638" v="359" actId="20577"/>
+          <ac:chgData name="Venu Yalapala" userId="9feb8bbceceecaca" providerId="LiveId" clId="{CD4B1779-0926-477D-B902-440342C52CB5}" dt="2025-07-19T05:46:52.412" v="464" actId="20577"/>
           <ac:spMkLst>
             <pc:docMk/>
             <pc:sldMk cId="3342490066" sldId="256"/>
@@ -170,7 +170,7 @@
           </ac:spMkLst>
         </pc:spChg>
         <pc:spChg chg="mod">
-          <ac:chgData name="Venu Yalapala" userId="9feb8bbceceecaca" providerId="LiveId" clId="{CD4B1779-0926-477D-B902-440342C52CB5}" dt="2025-07-12T09:22:50.231" v="453" actId="20577"/>
+          <ac:chgData name="Venu Yalapala" userId="9feb8bbceceecaca" providerId="LiveId" clId="{CD4B1779-0926-477D-B902-440342C52CB5}" dt="2025-07-19T05:47:14.290" v="477" actId="20577"/>
           <ac:spMkLst>
             <pc:docMk/>
             <pc:sldMk cId="3342490066" sldId="256"/>
@@ -179,13 +179,13 @@
         </pc:spChg>
       </pc:sldChg>
       <pc:sldChg chg="delSp modSp mod">
-        <pc:chgData name="Venu Yalapala" userId="9feb8bbceceecaca" providerId="LiveId" clId="{CD4B1779-0926-477D-B902-440342C52CB5}" dt="2025-07-11T16:17:49.329" v="417" actId="1035"/>
+        <pc:chgData name="Venu Yalapala" userId="9feb8bbceceecaca" providerId="LiveId" clId="{CD4B1779-0926-477D-B902-440342C52CB5}" dt="2025-07-19T05:51:52.195" v="519" actId="20577"/>
         <pc:sldMkLst>
           <pc:docMk/>
           <pc:sldMk cId="2536218313" sldId="258"/>
         </pc:sldMkLst>
         <pc:spChg chg="mod">
-          <ac:chgData name="Venu Yalapala" userId="9feb8bbceceecaca" providerId="LiveId" clId="{CD4B1779-0926-477D-B902-440342C52CB5}" dt="2025-07-11T16:07:36.073" v="327" actId="1076"/>
+          <ac:chgData name="Venu Yalapala" userId="9feb8bbceceecaca" providerId="LiveId" clId="{CD4B1779-0926-477D-B902-440342C52CB5}" dt="2025-07-19T05:51:52.195" v="519" actId="20577"/>
           <ac:spMkLst>
             <pc:docMk/>
             <pc:sldMk cId="2536218313" sldId="258"/>
@@ -201,7 +201,7 @@
           </ac:spMkLst>
         </pc:spChg>
         <pc:spChg chg="mod">
-          <ac:chgData name="Venu Yalapala" userId="9feb8bbceceecaca" providerId="LiveId" clId="{CD4B1779-0926-477D-B902-440342C52CB5}" dt="2025-07-11T16:17:49.329" v="417" actId="1035"/>
+          <ac:chgData name="Venu Yalapala" userId="9feb8bbceceecaca" providerId="LiveId" clId="{CD4B1779-0926-477D-B902-440342C52CB5}" dt="2025-07-19T05:50:43.916" v="518" actId="403"/>
           <ac:spMkLst>
             <pc:docMk/>
             <pc:sldMk cId="2536218313" sldId="258"/>
@@ -316,7 +316,7 @@
           <a:p>
             <a:fld id="{0EEBF99D-A94C-4ACE-ABB7-ED5902A7DBE5}" type="datetimeFigureOut">
               <a:rPr lang="en-IN" smtClean="0"/>
-              <a:t>12-07-2025</a:t>
+              <a:t>19-07-2025</a:t>
             </a:fld>
             <a:endParaRPr lang="en-IN"/>
           </a:p>
@@ -494,7 +494,7 @@
           <a:p>
             <a:fld id="{6EA7C7CE-6F0C-4E71-B520-9461545357C0}" type="datetimeFigureOut">
               <a:rPr lang="en-IN" smtClean="0"/>
-              <a:t>12-07-2025</a:t>
+              <a:t>19-07-2025</a:t>
             </a:fld>
             <a:endParaRPr lang="en-IN"/>
           </a:p>
@@ -894,7 +894,7 @@
           <a:p>
             <a:fld id="{F1102B08-ED9E-409F-B95F-09CAA1DAF6E0}" type="datetimeFigureOut">
               <a:rPr lang="en-IN" smtClean="0"/>
-              <a:t>12-07-2025</a:t>
+              <a:t>19-07-2025</a:t>
             </a:fld>
             <a:endParaRPr lang="en-IN"/>
           </a:p>
@@ -1151,7 +1151,7 @@
           <a:p>
             <a:fld id="{F1102B08-ED9E-409F-B95F-09CAA1DAF6E0}" type="datetimeFigureOut">
               <a:rPr lang="en-IN" smtClean="0"/>
-              <a:t>12-07-2025</a:t>
+              <a:t>19-07-2025</a:t>
             </a:fld>
             <a:endParaRPr lang="en-IN"/>
           </a:p>
@@ -1321,7 +1321,7 @@
           <a:p>
             <a:fld id="{F1102B08-ED9E-409F-B95F-09CAA1DAF6E0}" type="datetimeFigureOut">
               <a:rPr lang="en-IN" smtClean="0"/>
-              <a:t>12-07-2025</a:t>
+              <a:t>19-07-2025</a:t>
             </a:fld>
             <a:endParaRPr lang="en-IN"/>
           </a:p>
@@ -1501,7 +1501,7 @@
           <a:p>
             <a:fld id="{F1102B08-ED9E-409F-B95F-09CAA1DAF6E0}" type="datetimeFigureOut">
               <a:rPr lang="en-IN" smtClean="0"/>
-              <a:t>12-07-2025</a:t>
+              <a:t>19-07-2025</a:t>
             </a:fld>
             <a:endParaRPr lang="en-IN"/>
           </a:p>
@@ -1703,7 +1703,7 @@
             <a:fld id="{F1102B08-ED9E-409F-B95F-09CAA1DAF6E0}" type="datetimeFigureOut">
               <a:rPr lang="en-IN" b="0" smtClean="0"/>
               <a:pPr/>
-              <a:t>12-07-2025</a:t>
+              <a:t>19-07-2025</a:t>
             </a:fld>
             <a:endParaRPr lang="en-IN" b="0" dirty="0"/>
           </a:p>
@@ -1931,7 +1931,7 @@
           <a:p>
             <a:fld id="{F1102B08-ED9E-409F-B95F-09CAA1DAF6E0}" type="datetimeFigureOut">
               <a:rPr lang="en-IN" smtClean="0"/>
-              <a:t>12-07-2025</a:t>
+              <a:t>19-07-2025</a:t>
             </a:fld>
             <a:endParaRPr lang="en-IN"/>
           </a:p>
@@ -2175,7 +2175,7 @@
           <a:p>
             <a:fld id="{F1102B08-ED9E-409F-B95F-09CAA1DAF6E0}" type="datetimeFigureOut">
               <a:rPr lang="en-IN" smtClean="0"/>
-              <a:t>12-07-2025</a:t>
+              <a:t>19-07-2025</a:t>
             </a:fld>
             <a:endParaRPr lang="en-IN"/>
           </a:p>
@@ -2407,7 +2407,7 @@
           <a:p>
             <a:fld id="{F1102B08-ED9E-409F-B95F-09CAA1DAF6E0}" type="datetimeFigureOut">
               <a:rPr lang="en-IN" smtClean="0"/>
-              <a:t>12-07-2025</a:t>
+              <a:t>19-07-2025</a:t>
             </a:fld>
             <a:endParaRPr lang="en-IN"/>
           </a:p>
@@ -2774,7 +2774,7 @@
           <a:p>
             <a:fld id="{F1102B08-ED9E-409F-B95F-09CAA1DAF6E0}" type="datetimeFigureOut">
               <a:rPr lang="en-IN" smtClean="0"/>
-              <a:t>12-07-2025</a:t>
+              <a:t>19-07-2025</a:t>
             </a:fld>
             <a:endParaRPr lang="en-IN"/>
           </a:p>
@@ -2892,7 +2892,7 @@
           <a:p>
             <a:fld id="{F1102B08-ED9E-409F-B95F-09CAA1DAF6E0}" type="datetimeFigureOut">
               <a:rPr lang="en-IN" smtClean="0"/>
-              <a:t>12-07-2025</a:t>
+              <a:t>19-07-2025</a:t>
             </a:fld>
             <a:endParaRPr lang="en-IN"/>
           </a:p>
@@ -2987,7 +2987,7 @@
           <a:p>
             <a:fld id="{F1102B08-ED9E-409F-B95F-09CAA1DAF6E0}" type="datetimeFigureOut">
               <a:rPr lang="en-IN" smtClean="0"/>
-              <a:t>12-07-2025</a:t>
+              <a:t>19-07-2025</a:t>
             </a:fld>
             <a:endParaRPr lang="en-IN"/>
           </a:p>
@@ -3264,7 +3264,7 @@
           <a:p>
             <a:fld id="{F1102B08-ED9E-409F-B95F-09CAA1DAF6E0}" type="datetimeFigureOut">
               <a:rPr lang="en-IN" smtClean="0"/>
-              <a:t>12-07-2025</a:t>
+              <a:t>19-07-2025</a:t>
             </a:fld>
             <a:endParaRPr lang="en-IN"/>
           </a:p>
@@ -3477,7 +3477,7 @@
           <a:p>
             <a:fld id="{F1102B08-ED9E-409F-B95F-09CAA1DAF6E0}" type="datetimeFigureOut">
               <a:rPr lang="en-IN" smtClean="0"/>
-              <a:t>12-07-2025</a:t>
+              <a:t>19-07-2025</a:t>
             </a:fld>
             <a:endParaRPr lang="en-IN"/>
           </a:p>
@@ -3898,7 +3898,7 @@
         <p:spPr>
           <a:xfrm>
             <a:off x="5228323" y="347032"/>
-            <a:ext cx="4883429" cy="5632311"/>
+            <a:ext cx="4883429" cy="4893647"/>
           </a:xfrm>
           <a:prstGeom prst="rect">
             <a:avLst/>
@@ -3921,7 +3921,7 @@
                 <a:latin typeface="Anek Telugu SemiBold" pitchFamily="2" charset="0"/>
                 <a:cs typeface="Anek Telugu SemiBold" pitchFamily="2" charset="0"/>
               </a:rPr>
-              <a:t>నీతో గడిపే ప్రతి క్షణము</a:t>
+              <a:t>నీవు చేసిన మేళ్లకు</a:t>
             </a:r>
           </a:p>
           <a:p>
@@ -3935,7 +3935,7 @@
                 <a:latin typeface="Anek Telugu SemiBold" pitchFamily="2" charset="0"/>
                 <a:cs typeface="Anek Telugu SemiBold" pitchFamily="2" charset="0"/>
               </a:rPr>
-              <a:t>ఆనంద బాష్పాలు ఆగవయ్యా (2)</a:t>
+              <a:t>నీవు చూపిన కృపలకు (2)</a:t>
             </a:r>
           </a:p>
           <a:p>
@@ -3949,35 +3949,7 @@
                 <a:latin typeface="Anek Telugu SemiBold" pitchFamily="2" charset="0"/>
                 <a:cs typeface="Anek Telugu SemiBold" pitchFamily="2" charset="0"/>
               </a:rPr>
-              <a:t>కృప తలంచగా మేళ్లు యోచించగా (2)</a:t>
-            </a:r>
-          </a:p>
-          <a:p>
-            <a:pPr>
-              <a:lnSpc>
-                <a:spcPct val="150000"/>
-              </a:lnSpc>
-            </a:pPr>
-            <a:r>
-              <a:rPr lang="te-IN" sz="1600" dirty="0">
-                <a:latin typeface="Anek Telugu SemiBold" pitchFamily="2" charset="0"/>
-                <a:cs typeface="Anek Telugu SemiBold" pitchFamily="2" charset="0"/>
-              </a:rPr>
-              <a:t>నా గలమాగదు స్తుతించక – నిను కీర్తించక</a:t>
-            </a:r>
-          </a:p>
-          <a:p>
-            <a:pPr>
-              <a:lnSpc>
-                <a:spcPct val="150000"/>
-              </a:lnSpc>
-            </a:pPr>
-            <a:r>
-              <a:rPr lang="te-IN" sz="1600" dirty="0">
-                <a:latin typeface="Anek Telugu SemiBold" pitchFamily="2" charset="0"/>
-                <a:cs typeface="Anek Telugu SemiBold" pitchFamily="2" charset="0"/>
-              </a:rPr>
-              <a:t>యేసయ్యా యేసయ్యా – నా యేసయ్యా (4)</a:t>
+              <a:t>వందనం యేసయ్యా (4)</a:t>
             </a:r>
           </a:p>
           <a:p>
@@ -4002,7 +3974,7 @@
                 <a:latin typeface="Anek Telugu SemiBold" pitchFamily="2" charset="0"/>
                 <a:cs typeface="Anek Telugu SemiBold" pitchFamily="2" charset="0"/>
               </a:rPr>
-              <a:t>మారా వంటి నా జీవితాన్ని</a:t>
+              <a:t>ఏపాటివాడనని నేను</a:t>
             </a:r>
           </a:p>
           <a:p>
@@ -4016,7 +3988,7 @@
                 <a:latin typeface="Anek Telugu SemiBold" pitchFamily="2" charset="0"/>
                 <a:cs typeface="Anek Telugu SemiBold" pitchFamily="2" charset="0"/>
               </a:rPr>
-              <a:t>మధురముగా మార్చి ఘనపరచినావు (2)</a:t>
+              <a:t>నన్నెంతగానో ప్రేమించావు</a:t>
             </a:r>
           </a:p>
           <a:p>
@@ -4030,21 +4002,7 @@
                 <a:latin typeface="Anek Telugu SemiBold" pitchFamily="2" charset="0"/>
                 <a:cs typeface="Anek Telugu SemiBold" pitchFamily="2" charset="0"/>
               </a:rPr>
-              <a:t>నా ప్రేమ చేత కాదు</a:t>
-            </a:r>
-            <a:r>
-              <a:rPr lang="en-IN" sz="1600" dirty="0">
-                <a:latin typeface="Anek Telugu SemiBold" pitchFamily="2" charset="0"/>
-                <a:cs typeface="Anek Telugu SemiBold" pitchFamily="2" charset="0"/>
-              </a:rPr>
-              <a:t> - </a:t>
-            </a:r>
-            <a:r>
-              <a:rPr lang="te-IN" sz="1600" dirty="0">
-                <a:latin typeface="Anek Telugu SemiBold" pitchFamily="2" charset="0"/>
-                <a:cs typeface="Anek Telugu SemiBold" pitchFamily="2" charset="0"/>
-              </a:rPr>
-              <a:t>నీవే నను ప్రేమించి (2)</a:t>
+              <a:t>అంచెలంచెలుగా హెచ్చించి</a:t>
             </a:r>
           </a:p>
           <a:p>
@@ -4058,21 +4016,7 @@
                 <a:latin typeface="Anek Telugu SemiBold" pitchFamily="2" charset="0"/>
                 <a:cs typeface="Anek Telugu SemiBold" pitchFamily="2" charset="0"/>
               </a:rPr>
-              <a:t>రక్తాన్ని చిందించి</a:t>
-            </a:r>
-            <a:r>
-              <a:rPr lang="en-IN" sz="1600" dirty="0">
-                <a:latin typeface="Anek Telugu SemiBold" pitchFamily="2" charset="0"/>
-                <a:cs typeface="Anek Telugu SemiBold" pitchFamily="2" charset="0"/>
-              </a:rPr>
-              <a:t> - </a:t>
-            </a:r>
-            <a:r>
-              <a:rPr lang="te-IN" sz="1600" dirty="0">
-                <a:latin typeface="Anek Telugu SemiBold" pitchFamily="2" charset="0"/>
-                <a:cs typeface="Anek Telugu SemiBold" pitchFamily="2" charset="0"/>
-              </a:rPr>
-              <a:t>నన్ను రక్షించావు (2)</a:t>
+              <a:t>నన్నెంతగానో దీవించావు (2)</a:t>
             </a:r>
           </a:p>
           <a:p>
@@ -4097,7 +4041,7 @@
                 <a:latin typeface="Anek Telugu SemiBold" pitchFamily="2" charset="0"/>
                 <a:cs typeface="Anek Telugu SemiBold" pitchFamily="2" charset="0"/>
               </a:rPr>
-              <a:t>గమ్యమే లేని ఓ బాటసారిని</a:t>
+              <a:t>బలహీనుడనైన నన్ను</a:t>
             </a:r>
           </a:p>
           <a:p>
@@ -4111,7 +4055,7 @@
                 <a:latin typeface="Anek Telugu SemiBold" pitchFamily="2" charset="0"/>
                 <a:cs typeface="Anek Telugu SemiBold" pitchFamily="2" charset="0"/>
               </a:rPr>
-              <a:t>నీతో ఉన్నాను భయము లేదన్నావు (2)</a:t>
+              <a:t>నీవెంతగానో బలపరచావు</a:t>
             </a:r>
           </a:p>
           <a:p>
@@ -4125,21 +4069,7 @@
                 <a:latin typeface="Anek Telugu SemiBold" pitchFamily="2" charset="0"/>
                 <a:cs typeface="Anek Telugu SemiBold" pitchFamily="2" charset="0"/>
               </a:rPr>
-              <a:t>నా శక్తి చేత కాదు</a:t>
-            </a:r>
-            <a:r>
-              <a:rPr lang="en-IN" sz="1600" dirty="0">
-                <a:latin typeface="Anek Telugu SemiBold" pitchFamily="2" charset="0"/>
-                <a:cs typeface="Anek Telugu SemiBold" pitchFamily="2" charset="0"/>
-              </a:rPr>
-              <a:t> - </a:t>
-            </a:r>
-            <a:r>
-              <a:rPr lang="te-IN" sz="1600" dirty="0">
-                <a:latin typeface="Anek Telugu SemiBold" pitchFamily="2" charset="0"/>
-                <a:cs typeface="Anek Telugu SemiBold" pitchFamily="2" charset="0"/>
-              </a:rPr>
-              <a:t>నీ ఆత్మ ద్వారానే (2)</a:t>
+              <a:t>క్రీస్తేసు మహిమైశ్వర్యములో</a:t>
             </a:r>
           </a:p>
           <a:p>
@@ -4153,21 +4083,7 @@
                 <a:latin typeface="Anek Telugu SemiBold" pitchFamily="2" charset="0"/>
                 <a:cs typeface="Anek Telugu SemiBold" pitchFamily="2" charset="0"/>
               </a:rPr>
-              <a:t>వాగ్ధానము నెరవేర్చి</a:t>
-            </a:r>
-            <a:r>
-              <a:rPr lang="en-IN" sz="1600" dirty="0">
-                <a:latin typeface="Anek Telugu SemiBold" pitchFamily="2" charset="0"/>
-                <a:cs typeface="Anek Telugu SemiBold" pitchFamily="2" charset="0"/>
-              </a:rPr>
-              <a:t> - </a:t>
-            </a:r>
-            <a:r>
-              <a:rPr lang="te-IN" sz="1600" dirty="0">
-                <a:latin typeface="Anek Telugu SemiBold" pitchFamily="2" charset="0"/>
-                <a:cs typeface="Anek Telugu SemiBold" pitchFamily="2" charset="0"/>
-              </a:rPr>
-              <a:t>వారసుని చేసావు (2)</a:t>
+              <a:t>ప్రతి అవసరమును తీర్చావు (2)</a:t>
             </a:r>
           </a:p>
         </p:txBody>
@@ -4187,7 +4103,7 @@
         <p:spPr>
           <a:xfrm>
             <a:off x="470323" y="332041"/>
-            <a:ext cx="4544669" cy="5978560"/>
+            <a:ext cx="4544669" cy="5632311"/>
           </a:xfrm>
           <a:prstGeom prst="rect">
             <a:avLst/>
@@ -4210,7 +4126,7 @@
                 <a:latin typeface="Anek Telugu SemiBold" pitchFamily="2" charset="0"/>
                 <a:cs typeface="Anek Telugu SemiBold" pitchFamily="2" charset="0"/>
               </a:rPr>
-              <a:t>నాలో నివసించే నా యేసయ్య</a:t>
+              <a:t>ఆధారం నీవేనయ్యా (2)</a:t>
             </a:r>
           </a:p>
           <a:p>
@@ -4224,7 +4140,7 @@
                 <a:latin typeface="Anek Telugu SemiBold" pitchFamily="2" charset="0"/>
                 <a:cs typeface="Anek Telugu SemiBold" pitchFamily="2" charset="0"/>
               </a:rPr>
-              <a:t>మనోహర సంపద నీవేనయ్యా ||2||</a:t>
+              <a:t>కాలము మారినా కష్టాలు తీరినా</a:t>
             </a:r>
           </a:p>
           <a:p>
@@ -4238,7 +4154,7 @@
                 <a:latin typeface="Anek Telugu SemiBold" pitchFamily="2" charset="0"/>
                 <a:cs typeface="Anek Telugu SemiBold" pitchFamily="2" charset="0"/>
               </a:rPr>
-              <a:t>మారని మమతల మహనీయుడ ||2||</a:t>
+              <a:t>కారణం నీవేనయ్యా</a:t>
             </a:r>
           </a:p>
           <a:p>
@@ -4252,21 +4168,7 @@
                 <a:latin typeface="Anek Telugu SemiBold" pitchFamily="2" charset="0"/>
                 <a:cs typeface="Anek Telugu SemiBold" pitchFamily="2" charset="0"/>
               </a:rPr>
-              <a:t>కీర్తించి నిన్నే ఘనపరతునయ్యా -</a:t>
-            </a:r>
-          </a:p>
-          <a:p>
-            <a:pPr>
-              <a:lnSpc>
-                <a:spcPct val="150000"/>
-              </a:lnSpc>
-            </a:pPr>
-            <a:r>
-              <a:rPr lang="te-IN" sz="1500" b="1" dirty="0">
-                <a:latin typeface="Anek Telugu SemiBold" pitchFamily="2" charset="0"/>
-                <a:cs typeface="Anek Telugu SemiBold" pitchFamily="2" charset="0"/>
-              </a:rPr>
-              <a:t>మనసారా నిన్నే ప్రేమింతునయ్యా ||2||</a:t>
+              <a:t>యేసయ్యా కారణం నీవేనయ్యా        </a:t>
             </a:r>
           </a:p>
           <a:p>
@@ -4291,7 +4193,7 @@
                 <a:latin typeface="Anek Telugu SemiBold" pitchFamily="2" charset="0"/>
                 <a:cs typeface="Anek Telugu SemiBold" pitchFamily="2" charset="0"/>
               </a:rPr>
-              <a:t>1. మధురమైనది నీ స్నేహబంధం</a:t>
+              <a:t>లోకంలో ఎన్నో జయాలు </a:t>
             </a:r>
           </a:p>
           <a:p>
@@ -4305,7 +4207,7 @@
                 <a:latin typeface="Anek Telugu SemiBold" pitchFamily="2" charset="0"/>
                 <a:cs typeface="Anek Telugu SemiBold" pitchFamily="2" charset="0"/>
               </a:rPr>
-              <a:t>మహిమగా నన్ను మార్చిన వైనం ||2||</a:t>
+              <a:t>చూసాను నేనింత కాలం (2)</a:t>
             </a:r>
           </a:p>
           <a:p>
@@ -4319,7 +4221,7 @@
                 <a:latin typeface="Anek Telugu SemiBold" pitchFamily="2" charset="0"/>
                 <a:cs typeface="Anek Telugu SemiBold" pitchFamily="2" charset="0"/>
               </a:rPr>
-              <a:t>నీ చూపులే నన్ను కాచెను</a:t>
+              <a:t>అయినను ఎందుకో నెమ్మది లేదు (2)</a:t>
             </a:r>
           </a:p>
           <a:p>
@@ -4333,7 +4235,7 @@
                 <a:latin typeface="Anek Telugu SemiBold" pitchFamily="2" charset="0"/>
                 <a:cs typeface="Anek Telugu SemiBold" pitchFamily="2" charset="0"/>
               </a:rPr>
-              <a:t>నీ బాహువే నన్ను మోసేను ||2||</a:t>
+              <a:t>సమాధానం కొదువైనది యేసయ్యా </a:t>
             </a:r>
           </a:p>
           <a:p>
@@ -4347,7 +4249,7 @@
                 <a:latin typeface="Anek Telugu SemiBold" pitchFamily="2" charset="0"/>
                 <a:cs typeface="Anek Telugu SemiBold" pitchFamily="2" charset="0"/>
               </a:rPr>
-              <a:t>ఏమిచ్చి నీ ఋణము నే తీర్చను ||2||</a:t>
+              <a:t>సమాధానం కొదువైనది</a:t>
             </a:r>
           </a:p>
           <a:p>
@@ -4372,7 +4274,7 @@
                 <a:latin typeface="Anek Telugu SemiBold" pitchFamily="2" charset="0"/>
                 <a:cs typeface="Anek Telugu SemiBold" pitchFamily="2" charset="0"/>
               </a:rPr>
-              <a:t>2. వినయ భావము ఘనతకు మూలము</a:t>
+              <a:t>ఐశ్వర్యం కొదువేమి లేదు</a:t>
             </a:r>
           </a:p>
           <a:p>
@@ -4386,7 +4288,7 @@
                 <a:latin typeface="Anek Telugu SemiBold" pitchFamily="2" charset="0"/>
                 <a:cs typeface="Anek Telugu SemiBold" pitchFamily="2" charset="0"/>
               </a:rPr>
-              <a:t>నూతన జీవములో నడుపు మార్గం ||2||</a:t>
+              <a:t>కుటుంబములో కలతేమి లేదు (2)</a:t>
             </a:r>
           </a:p>
           <a:p>
@@ -4400,7 +4302,7 @@
                 <a:latin typeface="Anek Telugu SemiBold" pitchFamily="2" charset="0"/>
                 <a:cs typeface="Anek Telugu SemiBold" pitchFamily="2" charset="0"/>
               </a:rPr>
-              <a:t>నా విన్నపం విన్నవులే</a:t>
+              <a:t>అయినను ఎందుకో నెమ్మది లేదు (2)</a:t>
             </a:r>
           </a:p>
           <a:p>
@@ -4414,7 +4316,7 @@
                 <a:latin typeface="Anek Telugu SemiBold" pitchFamily="2" charset="0"/>
                 <a:cs typeface="Anek Telugu SemiBold" pitchFamily="2" charset="0"/>
               </a:rPr>
-              <a:t>అరుదేంచేనే నీ వరములే ||2||</a:t>
+              <a:t>సమాధానం కొదువైనది యేసయ్యా </a:t>
             </a:r>
           </a:p>
           <a:p>
@@ -4428,7 +4330,7 @@
                 <a:latin typeface="Anek Telugu SemiBold" pitchFamily="2" charset="0"/>
                 <a:cs typeface="Anek Telugu SemiBold" pitchFamily="2" charset="0"/>
               </a:rPr>
-              <a:t>ఏమని వర్ణింతును నీ కృపలను ||2||</a:t>
+              <a:t>సమాధానం కొదువైనది</a:t>
             </a:r>
           </a:p>
         </p:txBody>
@@ -4477,8 +4379,8 @@
         </p:nvSpPr>
         <p:spPr>
           <a:xfrm>
-            <a:off x="477519" y="517502"/>
-            <a:ext cx="4640796" cy="4247317"/>
+            <a:off x="437934" y="335845"/>
+            <a:ext cx="4640796" cy="6186309"/>
           </a:xfrm>
           <a:prstGeom prst="rect">
             <a:avLst/>
@@ -4497,12 +4399,87 @@
               </a:lnSpc>
             </a:pPr>
             <a:r>
-              <a:rPr lang="te-IN" dirty="0">
-                <a:latin typeface="Anek Telugu SemiBold" pitchFamily="2" charset="0"/>
-                <a:cs typeface="Anek Telugu SemiBold" pitchFamily="2" charset="0"/>
-              </a:rPr>
-              <a:t>నీవుంటే నాకు చాలు యేసయ్యా</a:t>
-            </a:r>
+              <a:rPr lang="te-IN" sz="1200" dirty="0">
+                <a:latin typeface="Anek Telugu SemiBold" pitchFamily="2" charset="0"/>
+                <a:cs typeface="Anek Telugu SemiBold" pitchFamily="2" charset="0"/>
+              </a:rPr>
+              <a:t>దీనుడా అజేయుడా – ఆదరణ కిరణమా</a:t>
+            </a:r>
+            <a:br>
+              <a:rPr lang="te-IN" sz="1200" dirty="0">
+                <a:latin typeface="Anek Telugu SemiBold" pitchFamily="2" charset="0"/>
+                <a:cs typeface="Anek Telugu SemiBold" pitchFamily="2" charset="0"/>
+              </a:rPr>
+            </a:br>
+            <a:r>
+              <a:rPr lang="te-IN" sz="1200" dirty="0">
+                <a:latin typeface="Anek Telugu SemiBold" pitchFamily="2" charset="0"/>
+                <a:cs typeface="Anek Telugu SemiBold" pitchFamily="2" charset="0"/>
+              </a:rPr>
+              <a:t>పూజ్యుడ పరిపూర్ణుడా – ఆనంద నిలయమా</a:t>
+            </a:r>
+            <a:br>
+              <a:rPr lang="te-IN" sz="1200" dirty="0">
+                <a:latin typeface="Anek Telugu SemiBold" pitchFamily="2" charset="0"/>
+                <a:cs typeface="Anek Telugu SemiBold" pitchFamily="2" charset="0"/>
+              </a:rPr>
+            </a:br>
+            <a:r>
+              <a:rPr lang="te-IN" sz="1200" dirty="0">
+                <a:latin typeface="Anek Telugu SemiBold" pitchFamily="2" charset="0"/>
+                <a:cs typeface="Anek Telugu SemiBold" pitchFamily="2" charset="0"/>
+              </a:rPr>
+              <a:t>జీవదాతవు నీవని శృతి మించి పాడనా</a:t>
+            </a:r>
+            <a:br>
+              <a:rPr lang="te-IN" sz="1200" dirty="0">
+                <a:latin typeface="Anek Telugu SemiBold" pitchFamily="2" charset="0"/>
+                <a:cs typeface="Anek Telugu SemiBold" pitchFamily="2" charset="0"/>
+              </a:rPr>
+            </a:br>
+            <a:r>
+              <a:rPr lang="te-IN" sz="1200" dirty="0">
+                <a:latin typeface="Anek Telugu SemiBold" pitchFamily="2" charset="0"/>
+                <a:cs typeface="Anek Telugu SemiBold" pitchFamily="2" charset="0"/>
+              </a:rPr>
+              <a:t>జీవధారవు నీవని కానుకనై పూజించనా (2)</a:t>
+            </a:r>
+            <a:br>
+              <a:rPr lang="te-IN" sz="1200" dirty="0">
+                <a:latin typeface="Anek Telugu SemiBold" pitchFamily="2" charset="0"/>
+                <a:cs typeface="Anek Telugu SemiBold" pitchFamily="2" charset="0"/>
+              </a:rPr>
+            </a:br>
+            <a:r>
+              <a:rPr lang="te-IN" sz="1200" dirty="0">
+                <a:latin typeface="Anek Telugu SemiBold" pitchFamily="2" charset="0"/>
+                <a:cs typeface="Anek Telugu SemiBold" pitchFamily="2" charset="0"/>
+              </a:rPr>
+              <a:t>అక్షయ దీపము నీవే – నా రక్షణ శృంగము నీవే</a:t>
+            </a:r>
+            <a:br>
+              <a:rPr lang="te-IN" sz="1200" dirty="0">
+                <a:latin typeface="Anek Telugu SemiBold" pitchFamily="2" charset="0"/>
+                <a:cs typeface="Anek Telugu SemiBold" pitchFamily="2" charset="0"/>
+              </a:rPr>
+            </a:br>
+            <a:r>
+              <a:rPr lang="te-IN" sz="1200" dirty="0">
+                <a:latin typeface="Anek Telugu SemiBold" pitchFamily="2" charset="0"/>
+                <a:cs typeface="Anek Telugu SemiBold" pitchFamily="2" charset="0"/>
+              </a:rPr>
+              <a:t>స్వరార్చన చేసెద నీకే – నా స్తుతులర్పించెద నీకే</a:t>
+            </a:r>
+            <a:br>
+              <a:rPr lang="te-IN" sz="1200" dirty="0">
+                <a:latin typeface="Anek Telugu SemiBold" pitchFamily="2" charset="0"/>
+                <a:cs typeface="Anek Telugu SemiBold" pitchFamily="2" charset="0"/>
+              </a:rPr>
+            </a:br>
+            <a:endParaRPr lang="te-IN" sz="1200" dirty="0">
+              <a:latin typeface="Anek Telugu SemiBold" pitchFamily="2" charset="0"/>
+              <a:cs typeface="Anek Telugu SemiBold" pitchFamily="2" charset="0"/>
+            </a:endParaRPr>
           </a:p>
           <a:p>
             <a:pPr>
@@ -4511,11 +4488,50 @@
               </a:lnSpc>
             </a:pPr>
             <a:r>
-              <a:rPr lang="te-IN" dirty="0">
-                <a:latin typeface="Anek Telugu SemiBold" pitchFamily="2" charset="0"/>
-                <a:cs typeface="Anek Telugu SemiBold" pitchFamily="2" charset="0"/>
-              </a:rPr>
-              <a:t>నీవెంటే నేను ఉంటానేసయ్యా (2)</a:t>
+              <a:rPr lang="te-IN" sz="1200" dirty="0">
+                <a:latin typeface="Anek Telugu SemiBold" pitchFamily="2" charset="0"/>
+                <a:cs typeface="Anek Telugu SemiBold" pitchFamily="2" charset="0"/>
+              </a:rPr>
+              <a:t>సమ్మతిలేని సుడిగుండాలే ఆవరించగా</a:t>
+            </a:r>
+            <a:br>
+              <a:rPr lang="te-IN" sz="1200" dirty="0">
+                <a:latin typeface="Anek Telugu SemiBold" pitchFamily="2" charset="0"/>
+                <a:cs typeface="Anek Telugu SemiBold" pitchFamily="2" charset="0"/>
+              </a:rPr>
+            </a:br>
+            <a:r>
+              <a:rPr lang="te-IN" sz="1200" dirty="0">
+                <a:latin typeface="Anek Telugu SemiBold" pitchFamily="2" charset="0"/>
+                <a:cs typeface="Anek Telugu SemiBold" pitchFamily="2" charset="0"/>
+              </a:rPr>
+              <a:t>గమనములేని పోరాటాలే తరుముచుండగా</a:t>
+            </a:r>
+            <a:br>
+              <a:rPr lang="te-IN" sz="1200" dirty="0">
+                <a:latin typeface="Anek Telugu SemiBold" pitchFamily="2" charset="0"/>
+                <a:cs typeface="Anek Telugu SemiBold" pitchFamily="2" charset="0"/>
+              </a:rPr>
+            </a:br>
+            <a:r>
+              <a:rPr lang="te-IN" sz="1200" dirty="0">
+                <a:latin typeface="Anek Telugu SemiBold" pitchFamily="2" charset="0"/>
+                <a:cs typeface="Anek Telugu SemiBold" pitchFamily="2" charset="0"/>
+              </a:rPr>
+              <a:t>నిరుపేదనైన నా యెడల సందేహమేమి లేకుండా</a:t>
+            </a:r>
+            <a:br>
+              <a:rPr lang="te-IN" sz="1200" dirty="0">
+                <a:latin typeface="Anek Telugu SemiBold" pitchFamily="2" charset="0"/>
+                <a:cs typeface="Anek Telugu SemiBold" pitchFamily="2" charset="0"/>
+              </a:rPr>
+            </a:br>
+            <a:r>
+              <a:rPr lang="te-IN" sz="1200" dirty="0">
+                <a:latin typeface="Anek Telugu SemiBold" pitchFamily="2" charset="0"/>
+                <a:cs typeface="Anek Telugu SemiBold" pitchFamily="2" charset="0"/>
+              </a:rPr>
+              <a:t>హేతువే లేని ప్రేమ చూపించి </a:t>
             </a:r>
           </a:p>
           <a:p>
@@ -4525,12 +4541,48 @@
               </a:lnSpc>
             </a:pPr>
             <a:r>
-              <a:rPr lang="te-IN" dirty="0">
-                <a:latin typeface="Anek Telugu SemiBold" pitchFamily="2" charset="0"/>
-                <a:cs typeface="Anek Telugu SemiBold" pitchFamily="2" charset="0"/>
-              </a:rPr>
-              <a:t>నీ మాట చాలయ్యా నీ చూపు చాలయ్యా</a:t>
-            </a:r>
+              <a:rPr lang="te-IN" sz="1200" dirty="0">
+                <a:latin typeface="Anek Telugu SemiBold" pitchFamily="2" charset="0"/>
+                <a:cs typeface="Anek Telugu SemiBold" pitchFamily="2" charset="0"/>
+              </a:rPr>
+              <a:t>సిలువ చాటునే దాచావు (2)</a:t>
+            </a:r>
+            <a:br>
+              <a:rPr lang="te-IN" sz="1200" dirty="0">
+                <a:latin typeface="Anek Telugu SemiBold" pitchFamily="2" charset="0"/>
+                <a:cs typeface="Anek Telugu SemiBold" pitchFamily="2" charset="0"/>
+              </a:rPr>
+            </a:br>
+            <a:r>
+              <a:rPr lang="te-IN" sz="1200" dirty="0">
+                <a:latin typeface="Anek Telugu SemiBold" pitchFamily="2" charset="0"/>
+                <a:cs typeface="Anek Telugu SemiBold" pitchFamily="2" charset="0"/>
+              </a:rPr>
+              <a:t>సంతోషము నీవే – అమృత సంగీతము నీవే</a:t>
+            </a:r>
+            <a:br>
+              <a:rPr lang="te-IN" sz="1200" dirty="0">
+                <a:latin typeface="Anek Telugu SemiBold" pitchFamily="2" charset="0"/>
+                <a:cs typeface="Anek Telugu SemiBold" pitchFamily="2" charset="0"/>
+              </a:rPr>
+            </a:br>
+            <a:r>
+              <a:rPr lang="te-IN" sz="1200" dirty="0">
+                <a:latin typeface="Anek Telugu SemiBold" pitchFamily="2" charset="0"/>
+                <a:cs typeface="Anek Telugu SemiBold" pitchFamily="2" charset="0"/>
+              </a:rPr>
+              <a:t>స్తుతిమాలిక నీకే – వజ్ర సంకల్పము నీవే</a:t>
+            </a:r>
+            <a:br>
+              <a:rPr lang="te-IN" sz="1200" dirty="0">
+                <a:latin typeface="Anek Telugu SemiBold" pitchFamily="2" charset="0"/>
+                <a:cs typeface="Anek Telugu SemiBold" pitchFamily="2" charset="0"/>
+              </a:rPr>
+            </a:br>
+            <a:endParaRPr lang="te-IN" sz="1200" dirty="0">
+              <a:latin typeface="Anek Telugu SemiBold" pitchFamily="2" charset="0"/>
+              <a:cs typeface="Anek Telugu SemiBold" pitchFamily="2" charset="0"/>
+            </a:endParaRPr>
           </a:p>
           <a:p>
             <a:pPr>
@@ -4539,11 +4591,50 @@
               </a:lnSpc>
             </a:pPr>
             <a:r>
-              <a:rPr lang="te-IN" dirty="0">
-                <a:latin typeface="Anek Telugu SemiBold" pitchFamily="2" charset="0"/>
-                <a:cs typeface="Anek Telugu SemiBold" pitchFamily="2" charset="0"/>
-              </a:rPr>
-              <a:t>నీ తోడు చాలయ్యా నీ నీడ చాలయ్యా (2)</a:t>
+              <a:rPr lang="te-IN" sz="1200" dirty="0">
+                <a:latin typeface="Anek Telugu SemiBold" pitchFamily="2" charset="0"/>
+                <a:cs typeface="Anek Telugu SemiBold" pitchFamily="2" charset="0"/>
+              </a:rPr>
+              <a:t>సత్య ప్రమాణము నెరవేర్చుటకే – మార్గదర్శివై</a:t>
+            </a:r>
+            <a:br>
+              <a:rPr lang="te-IN" sz="1200" dirty="0">
+                <a:latin typeface="Anek Telugu SemiBold" pitchFamily="2" charset="0"/>
+                <a:cs typeface="Anek Telugu SemiBold" pitchFamily="2" charset="0"/>
+              </a:rPr>
+            </a:br>
+            <a:r>
+              <a:rPr lang="te-IN" sz="1200" dirty="0">
+                <a:latin typeface="Anek Telugu SemiBold" pitchFamily="2" charset="0"/>
+                <a:cs typeface="Anek Telugu SemiBold" pitchFamily="2" charset="0"/>
+              </a:rPr>
+              <a:t>నిత్య నిబంధన నాతో చేసిన – సత్యవంతుడా</a:t>
+            </a:r>
+            <a:br>
+              <a:rPr lang="te-IN" sz="1200" dirty="0">
+                <a:latin typeface="Anek Telugu SemiBold" pitchFamily="2" charset="0"/>
+                <a:cs typeface="Anek Telugu SemiBold" pitchFamily="2" charset="0"/>
+              </a:rPr>
+            </a:br>
+            <a:r>
+              <a:rPr lang="te-IN" sz="1200" dirty="0">
+                <a:latin typeface="Anek Telugu SemiBold" pitchFamily="2" charset="0"/>
+                <a:cs typeface="Anek Telugu SemiBold" pitchFamily="2" charset="0"/>
+              </a:rPr>
+              <a:t>విరిగి నలిగిన మనస్సుతో – హృదయార్చనే చేసెద</a:t>
+            </a:r>
+            <a:br>
+              <a:rPr lang="te-IN" sz="1200" dirty="0">
+                <a:latin typeface="Anek Telugu SemiBold" pitchFamily="2" charset="0"/>
+                <a:cs typeface="Anek Telugu SemiBold" pitchFamily="2" charset="0"/>
+              </a:rPr>
+            </a:br>
+            <a:r>
+              <a:rPr lang="te-IN" sz="1200" dirty="0">
+                <a:latin typeface="Anek Telugu SemiBold" pitchFamily="2" charset="0"/>
+                <a:cs typeface="Anek Telugu SemiBold" pitchFamily="2" charset="0"/>
+              </a:rPr>
+              <a:t>కరుణ నీడలో – కృపా వాడలో  </a:t>
             </a:r>
           </a:p>
           <a:p>
@@ -4552,87 +4643,38 @@
                 <a:spcPct val="150000"/>
               </a:lnSpc>
             </a:pPr>
-            <a:endParaRPr lang="te-IN" dirty="0">
-              <a:latin typeface="Anek Telugu SemiBold" pitchFamily="2" charset="0"/>
-              <a:cs typeface="Anek Telugu SemiBold" pitchFamily="2" charset="0"/>
-            </a:endParaRPr>
-          </a:p>
-          <a:p>
-            <a:pPr>
-              <a:lnSpc>
-                <a:spcPct val="150000"/>
-              </a:lnSpc>
-            </a:pPr>
-            <a:r>
-              <a:rPr lang="te-IN" dirty="0">
-                <a:latin typeface="Anek Telugu SemiBold" pitchFamily="2" charset="0"/>
-                <a:cs typeface="Anek Telugu SemiBold" pitchFamily="2" charset="0"/>
-              </a:rPr>
-              <a:t>ఎన్ని బాధలున్ననూ ఇబ్బందులైననూ</a:t>
-            </a:r>
-          </a:p>
-          <a:p>
-            <a:pPr>
-              <a:lnSpc>
-                <a:spcPct val="150000"/>
-              </a:lnSpc>
-            </a:pPr>
-            <a:r>
-              <a:rPr lang="te-IN" dirty="0">
-                <a:latin typeface="Anek Telugu SemiBold" pitchFamily="2" charset="0"/>
-                <a:cs typeface="Anek Telugu SemiBold" pitchFamily="2" charset="0"/>
-              </a:rPr>
-              <a:t>ఎంత కష్టమొచ్చినా నిష్టూరమైననూ (2</a:t>
-            </a:r>
-            <a:r>
-              <a:rPr lang="en-IN" dirty="0">
-                <a:latin typeface="Anek Telugu SemiBold" pitchFamily="2" charset="0"/>
-                <a:cs typeface="Anek Telugu SemiBold" pitchFamily="2" charset="0"/>
-              </a:rPr>
-              <a:t>)</a:t>
-            </a:r>
-            <a:endParaRPr lang="te-IN" dirty="0">
-              <a:latin typeface="Anek Telugu SemiBold" pitchFamily="2" charset="0"/>
-              <a:cs typeface="Anek Telugu SemiBold" pitchFamily="2" charset="0"/>
-            </a:endParaRPr>
-          </a:p>
-          <a:p>
-            <a:pPr>
-              <a:lnSpc>
-                <a:spcPct val="150000"/>
-              </a:lnSpc>
-            </a:pPr>
-            <a:endParaRPr lang="te-IN" dirty="0">
-              <a:latin typeface="Anek Telugu SemiBold" pitchFamily="2" charset="0"/>
-              <a:cs typeface="Anek Telugu SemiBold" pitchFamily="2" charset="0"/>
-            </a:endParaRPr>
-          </a:p>
-          <a:p>
-            <a:pPr>
-              <a:lnSpc>
-                <a:spcPct val="150000"/>
-              </a:lnSpc>
-            </a:pPr>
-            <a:r>
-              <a:rPr lang="te-IN" dirty="0">
-                <a:latin typeface="Anek Telugu SemiBold" pitchFamily="2" charset="0"/>
-                <a:cs typeface="Anek Telugu SemiBold" pitchFamily="2" charset="0"/>
-              </a:rPr>
-              <a:t>బ్రతుకు నావ పగిలినా కడలి పాలైననూ</a:t>
-            </a:r>
-          </a:p>
-          <a:p>
-            <a:pPr>
-              <a:lnSpc>
-                <a:spcPct val="150000"/>
-              </a:lnSpc>
-            </a:pPr>
-            <a:r>
-              <a:rPr lang="te-IN" dirty="0">
-                <a:latin typeface="Anek Telugu SemiBold" pitchFamily="2" charset="0"/>
-                <a:cs typeface="Anek Telugu SemiBold" pitchFamily="2" charset="0"/>
-              </a:rPr>
-              <a:t>అలలు ముంచి వేసినా ఆశలు అనగారినా (2)</a:t>
+            <a:r>
+              <a:rPr lang="te-IN" sz="1200" dirty="0">
+                <a:latin typeface="Anek Telugu SemiBold" pitchFamily="2" charset="0"/>
+                <a:cs typeface="Anek Telugu SemiBold" pitchFamily="2" charset="0"/>
+              </a:rPr>
+              <a:t>నీతో ఉంటే చాలయ్యా (2)</a:t>
+            </a:r>
+            <a:br>
+              <a:rPr lang="te-IN" sz="1200" dirty="0">
+                <a:latin typeface="Anek Telugu SemiBold" pitchFamily="2" charset="0"/>
+                <a:cs typeface="Anek Telugu SemiBold" pitchFamily="2" charset="0"/>
+              </a:rPr>
+            </a:br>
+            <a:r>
+              <a:rPr lang="te-IN" sz="1200" dirty="0">
+                <a:latin typeface="Anek Telugu SemiBold" pitchFamily="2" charset="0"/>
+                <a:cs typeface="Anek Telugu SemiBold" pitchFamily="2" charset="0"/>
+              </a:rPr>
+              <a:t>కర్తవ్యము నీవే – కనుల పండుగ నీవేగా</a:t>
+            </a:r>
+            <a:br>
+              <a:rPr lang="te-IN" sz="1200" dirty="0">
+                <a:latin typeface="Anek Telugu SemiBold" pitchFamily="2" charset="0"/>
+                <a:cs typeface="Anek Telugu SemiBold" pitchFamily="2" charset="0"/>
+              </a:rPr>
+            </a:br>
+            <a:r>
+              <a:rPr lang="te-IN" sz="1200" dirty="0">
+                <a:latin typeface="Anek Telugu SemiBold" pitchFamily="2" charset="0"/>
+                <a:cs typeface="Anek Telugu SemiBold" pitchFamily="2" charset="0"/>
+              </a:rPr>
+              <a:t>విశ్వాసము నీవే – విజయశిఖరము నీవేగా</a:t>
             </a:r>
           </a:p>
         </p:txBody>
@@ -4652,7 +4694,7 @@
         <p:spPr>
           <a:xfrm>
             <a:off x="5245006" y="343995"/>
-            <a:ext cx="4749801" cy="5493812"/>
+            <a:ext cx="4749801" cy="5632311"/>
           </a:xfrm>
           <a:prstGeom prst="rect">
             <a:avLst/>
@@ -4671,11 +4713,11 @@
               </a:lnSpc>
             </a:pPr>
             <a:r>
-              <a:rPr lang="te-IN" b="1" dirty="0">
-                <a:latin typeface="Anek Telugu SemiBold" pitchFamily="2" charset="0"/>
-                <a:cs typeface="Anek Telugu SemiBold" pitchFamily="2" charset="0"/>
-              </a:rPr>
-              <a:t>నాతో మాట్లాడు ప్రభువా –</a:t>
+              <a:rPr lang="te-IN" sz="1600" b="1" dirty="0">
+                <a:latin typeface="Anek Telugu SemiBold" pitchFamily="2" charset="0"/>
+                <a:cs typeface="Anek Telugu SemiBold" pitchFamily="2" charset="0"/>
+              </a:rPr>
+              <a:t>నా దాగు చోటు నా ఆశ్రయము </a:t>
             </a:r>
           </a:p>
           <a:p>
@@ -4685,11 +4727,11 @@
               </a:lnSpc>
             </a:pPr>
             <a:r>
-              <a:rPr lang="te-IN" b="1" dirty="0">
-                <a:latin typeface="Anek Telugu SemiBold" pitchFamily="2" charset="0"/>
-                <a:cs typeface="Anek Telugu SemiBold" pitchFamily="2" charset="0"/>
-              </a:rPr>
-              <a:t>నీవే మాట్లాడుమయ్యా (2)</a:t>
+              <a:rPr lang="te-IN" sz="1600" b="1" dirty="0">
+                <a:latin typeface="Anek Telugu SemiBold" pitchFamily="2" charset="0"/>
+                <a:cs typeface="Anek Telugu SemiBold" pitchFamily="2" charset="0"/>
+              </a:rPr>
+              <a:t>నీవే నీవే నా యేసయ్యా || 2 || </a:t>
             </a:r>
           </a:p>
           <a:p>
@@ -4699,11 +4741,11 @@
               </a:lnSpc>
             </a:pPr>
             <a:r>
-              <a:rPr lang="te-IN" b="1" dirty="0">
-                <a:latin typeface="Anek Telugu SemiBold" pitchFamily="2" charset="0"/>
-                <a:cs typeface="Anek Telugu SemiBold" pitchFamily="2" charset="0"/>
-              </a:rPr>
-              <a:t>నీవు పలికితే నాకు మేలయ్యా (2)</a:t>
+              <a:rPr lang="te-IN" sz="1600" b="1" dirty="0">
+                <a:latin typeface="Anek Telugu SemiBold" pitchFamily="2" charset="0"/>
+                <a:cs typeface="Anek Telugu SemiBold" pitchFamily="2" charset="0"/>
+              </a:rPr>
+              <a:t>నీవే నా ఆధారము </a:t>
             </a:r>
           </a:p>
           <a:p>
@@ -4713,11 +4755,11 @@
               </a:lnSpc>
             </a:pPr>
             <a:r>
-              <a:rPr lang="te-IN" b="1" dirty="0">
-                <a:latin typeface="Anek Telugu SemiBold" pitchFamily="2" charset="0"/>
-                <a:cs typeface="Anek Telugu SemiBold" pitchFamily="2" charset="0"/>
-              </a:rPr>
-              <a:t>నీ దర్శనమే నాకు చాలయ్యా (2)</a:t>
+              <a:rPr lang="te-IN" sz="1600" b="1" dirty="0">
+                <a:latin typeface="Anek Telugu SemiBold" pitchFamily="2" charset="0"/>
+                <a:cs typeface="Anek Telugu SemiBold" pitchFamily="2" charset="0"/>
+              </a:rPr>
+              <a:t>నీవే నా ఆనందము </a:t>
             </a:r>
           </a:p>
           <a:p>
@@ -4726,7 +4768,7 @@
                 <a:spcPct val="150000"/>
               </a:lnSpc>
             </a:pPr>
-            <a:endParaRPr lang="te-IN" b="1" dirty="0">
+            <a:endParaRPr lang="te-IN" sz="1600" b="1" dirty="0">
               <a:latin typeface="Anek Telugu SemiBold" pitchFamily="2" charset="0"/>
               <a:cs typeface="Anek Telugu SemiBold" pitchFamily="2" charset="0"/>
             </a:endParaRPr>
@@ -4738,11 +4780,11 @@
               </a:lnSpc>
             </a:pPr>
             <a:r>
-              <a:rPr lang="te-IN" b="1" dirty="0">
-                <a:latin typeface="Anek Telugu SemiBold" pitchFamily="2" charset="0"/>
-                <a:cs typeface="Anek Telugu SemiBold" pitchFamily="2" charset="0"/>
-              </a:rPr>
-              <a:t>నీ వాక్యమే నన్ను బ్రతికించేది</a:t>
+              <a:rPr lang="te-IN" sz="1600" b="1" dirty="0">
+                <a:latin typeface="Anek Telugu SemiBold" pitchFamily="2" charset="0"/>
+                <a:cs typeface="Anek Telugu SemiBold" pitchFamily="2" charset="0"/>
+              </a:rPr>
+              <a:t>ఎండిన ఎడారిలో వేదన శోధనలో </a:t>
             </a:r>
           </a:p>
           <a:p>
@@ -4752,11 +4794,11 @@
               </a:lnSpc>
             </a:pPr>
             <a:r>
-              <a:rPr lang="te-IN" b="1" dirty="0">
-                <a:latin typeface="Anek Telugu SemiBold" pitchFamily="2" charset="0"/>
-                <a:cs typeface="Anek Telugu SemiBold" pitchFamily="2" charset="0"/>
-              </a:rPr>
-              <a:t>నా బాధలలో నెమ్మదినిచ్చేది (2)</a:t>
+              <a:rPr lang="te-IN" sz="1600" b="1" dirty="0">
+                <a:latin typeface="Anek Telugu SemiBold" pitchFamily="2" charset="0"/>
+                <a:cs typeface="Anek Telugu SemiBold" pitchFamily="2" charset="0"/>
+              </a:rPr>
+              <a:t>కడతేరి పోవు నన్ను కాపాడినావే ( 2 )</a:t>
             </a:r>
           </a:p>
           <a:p>
@@ -4765,7 +4807,14 @@
                 <a:spcPct val="150000"/>
               </a:lnSpc>
             </a:pPr>
-            <a:endParaRPr lang="te-IN" b="1" dirty="0">
+            <a:r>
+              <a:rPr lang="te-IN" sz="1600" b="1" dirty="0">
+                <a:latin typeface="Anek Telugu SemiBold" pitchFamily="2" charset="0"/>
+                <a:cs typeface="Anek Telugu SemiBold" pitchFamily="2" charset="0"/>
+              </a:rPr>
+              <a:t>దీవెన వర్షంతో నన్ను దర్శించి</a:t>
+            </a:r>
+            <a:endParaRPr lang="en-IN" sz="1600" b="1" dirty="0">
               <a:latin typeface="Anek Telugu SemiBold" pitchFamily="2" charset="0"/>
               <a:cs typeface="Anek Telugu SemiBold" pitchFamily="2" charset="0"/>
             </a:endParaRPr>
@@ -4777,11 +4826,11 @@
               </a:lnSpc>
             </a:pPr>
             <a:r>
-              <a:rPr lang="te-IN" b="1" dirty="0">
-                <a:latin typeface="Anek Telugu SemiBold" pitchFamily="2" charset="0"/>
-                <a:cs typeface="Anek Telugu SemiBold" pitchFamily="2" charset="0"/>
-              </a:rPr>
-              <a:t>నీ వాక్యమే స్వస్థత కలిగించేది</a:t>
+              <a:rPr lang="te-IN" sz="1600" b="1" dirty="0">
+                <a:latin typeface="Anek Telugu SemiBold" pitchFamily="2" charset="0"/>
+                <a:cs typeface="Anek Telugu SemiBold" pitchFamily="2" charset="0"/>
+              </a:rPr>
+              <a:t>పచ్చని పచ్చికగ నన్ను మార్చినావే ( 2 )</a:t>
             </a:r>
           </a:p>
           <a:p>
@@ -4790,13 +4839,10 @@
                 <a:spcPct val="150000"/>
               </a:lnSpc>
             </a:pPr>
-            <a:r>
-              <a:rPr lang="te-IN" b="1" dirty="0">
-                <a:latin typeface="Anek Telugu SemiBold" pitchFamily="2" charset="0"/>
-                <a:cs typeface="Anek Telugu SemiBold" pitchFamily="2" charset="0"/>
-              </a:rPr>
-              <a:t>నా వేదనలో ఆదరణిచ్చేది (2)</a:t>
-            </a:r>
+            <a:endParaRPr lang="te-IN" sz="1600" b="1" dirty="0">
+              <a:latin typeface="Anek Telugu SemiBold" pitchFamily="2" charset="0"/>
+              <a:cs typeface="Anek Telugu SemiBold" pitchFamily="2" charset="0"/>
+            </a:endParaRPr>
           </a:p>
           <a:p>
             <a:pPr defTabSz="439781">
@@ -4804,10 +4850,13 @@
                 <a:spcPct val="150000"/>
               </a:lnSpc>
             </a:pPr>
-            <a:endParaRPr lang="te-IN" b="1" dirty="0">
-              <a:latin typeface="Anek Telugu SemiBold" pitchFamily="2" charset="0"/>
-              <a:cs typeface="Anek Telugu SemiBold" pitchFamily="2" charset="0"/>
-            </a:endParaRPr>
+            <a:r>
+              <a:rPr lang="te-IN" sz="1600" b="1" dirty="0">
+                <a:latin typeface="Anek Telugu SemiBold" pitchFamily="2" charset="0"/>
+                <a:cs typeface="Anek Telugu SemiBold" pitchFamily="2" charset="0"/>
+              </a:rPr>
+              <a:t>హెర్మోను పర్వతాన </a:t>
+            </a:r>
           </a:p>
           <a:p>
             <a:pPr defTabSz="439781">
@@ -4816,11 +4865,11 @@
               </a:lnSpc>
             </a:pPr>
             <a:r>
-              <a:rPr lang="te-IN" b="1" dirty="0">
-                <a:latin typeface="Anek Telugu SemiBold" pitchFamily="2" charset="0"/>
-                <a:cs typeface="Anek Telugu SemiBold" pitchFamily="2" charset="0"/>
-              </a:rPr>
-              <a:t>నీ వాక్యమే నన్ను నడిపించేది</a:t>
+              <a:rPr lang="te-IN" sz="1600" b="1" dirty="0">
+                <a:latin typeface="Anek Telugu SemiBold" pitchFamily="2" charset="0"/>
+                <a:cs typeface="Anek Telugu SemiBold" pitchFamily="2" charset="0"/>
+              </a:rPr>
+              <a:t>కృపా క్షేమ సన్నిధాన</a:t>
             </a:r>
           </a:p>
           <a:p>
@@ -4830,11 +4879,39 @@
               </a:lnSpc>
             </a:pPr>
             <a:r>
-              <a:rPr lang="te-IN" b="1" dirty="0">
-                <a:latin typeface="Anek Telugu SemiBold" pitchFamily="2" charset="0"/>
-                <a:cs typeface="Anek Telugu SemiBold" pitchFamily="2" charset="0"/>
-              </a:rPr>
-              <a:t>నా మార్గములో వెలుతురునిచ్చేది (2)</a:t>
+              <a:rPr lang="te-IN" sz="1600" b="1" dirty="0">
+                <a:latin typeface="Anek Telugu SemiBold" pitchFamily="2" charset="0"/>
+                <a:cs typeface="Anek Telugu SemiBold" pitchFamily="2" charset="0"/>
+              </a:rPr>
+              <a:t>నివసింప కోరెనే  నా హృదయమెంతో ( 2 )</a:t>
+            </a:r>
+          </a:p>
+          <a:p>
+            <a:pPr defTabSz="439781">
+              <a:lnSpc>
+                <a:spcPct val="150000"/>
+              </a:lnSpc>
+            </a:pPr>
+            <a:r>
+              <a:rPr lang="te-IN" sz="1600" b="1" dirty="0">
+                <a:latin typeface="Anek Telugu SemiBold" pitchFamily="2" charset="0"/>
+                <a:cs typeface="Anek Telugu SemiBold" pitchFamily="2" charset="0"/>
+              </a:rPr>
+              <a:t>మహిమాత్మ  ప్రోక్షణతో మధురానుబంధముతో </a:t>
+            </a:r>
+          </a:p>
+          <a:p>
+            <a:pPr defTabSz="439781">
+              <a:lnSpc>
+                <a:spcPct val="150000"/>
+              </a:lnSpc>
+            </a:pPr>
+            <a:r>
+              <a:rPr lang="te-IN" sz="1600" b="1" dirty="0">
+                <a:latin typeface="Anek Telugu SemiBold" pitchFamily="2" charset="0"/>
+                <a:cs typeface="Anek Telugu SemiBold" pitchFamily="2" charset="0"/>
+              </a:rPr>
+              <a:t>నన్ను నిలిపితివే నీ సత్య కృపలో ( 2 ) </a:t>
             </a:r>
           </a:p>
         </p:txBody>

--- a/songsTemplate.pptx
+++ b/songsTemplate.pptx
@@ -135,12 +135,12 @@
   <pc:docChgLst>
     <pc:chgData name="Venu Yalapala" userId="9feb8bbceceecaca" providerId="LiveId" clId="{CD4B1779-0926-477D-B902-440342C52CB5}"/>
     <pc:docChg chg="undo redo custSel modSld">
-      <pc:chgData name="Venu Yalapala" userId="9feb8bbceceecaca" providerId="LiveId" clId="{CD4B1779-0926-477D-B902-440342C52CB5}" dt="2025-07-19T05:51:52.195" v="519" actId="20577"/>
+      <pc:chgData name="Venu Yalapala" userId="9feb8bbceceecaca" providerId="LiveId" clId="{CD4B1779-0926-477D-B902-440342C52CB5}" dt="2025-07-26T09:23:02.453" v="649" actId="403"/>
       <pc:docMkLst>
         <pc:docMk/>
       </pc:docMkLst>
       <pc:sldChg chg="delSp modSp mod">
-        <pc:chgData name="Venu Yalapala" userId="9feb8bbceceecaca" providerId="LiveId" clId="{CD4B1779-0926-477D-B902-440342C52CB5}" dt="2025-07-19T05:47:14.290" v="477" actId="20577"/>
+        <pc:chgData name="Venu Yalapala" userId="9feb8bbceceecaca" providerId="LiveId" clId="{CD4B1779-0926-477D-B902-440342C52CB5}" dt="2025-07-26T09:22:29.025" v="647" actId="255"/>
         <pc:sldMkLst>
           <pc:docMk/>
           <pc:sldMk cId="3342490066" sldId="256"/>
@@ -154,7 +154,7 @@
           </ac:spMkLst>
         </pc:spChg>
         <pc:spChg chg="mod">
-          <ac:chgData name="Venu Yalapala" userId="9feb8bbceceecaca" providerId="LiveId" clId="{CD4B1779-0926-477D-B902-440342C52CB5}" dt="2025-07-19T05:46:52.412" v="464" actId="20577"/>
+          <ac:chgData name="Venu Yalapala" userId="9feb8bbceceecaca" providerId="LiveId" clId="{CD4B1779-0926-477D-B902-440342C52CB5}" dt="2025-07-26T09:06:48.456" v="539" actId="20577"/>
           <ac:spMkLst>
             <pc:docMk/>
             <pc:sldMk cId="3342490066" sldId="256"/>
@@ -170,7 +170,7 @@
           </ac:spMkLst>
         </pc:spChg>
         <pc:spChg chg="mod">
-          <ac:chgData name="Venu Yalapala" userId="9feb8bbceceecaca" providerId="LiveId" clId="{CD4B1779-0926-477D-B902-440342C52CB5}" dt="2025-07-19T05:47:14.290" v="477" actId="20577"/>
+          <ac:chgData name="Venu Yalapala" userId="9feb8bbceceecaca" providerId="LiveId" clId="{CD4B1779-0926-477D-B902-440342C52CB5}" dt="2025-07-26T09:22:29.025" v="647" actId="255"/>
           <ac:spMkLst>
             <pc:docMk/>
             <pc:sldMk cId="3342490066" sldId="256"/>
@@ -179,13 +179,13 @@
         </pc:spChg>
       </pc:sldChg>
       <pc:sldChg chg="delSp modSp mod">
-        <pc:chgData name="Venu Yalapala" userId="9feb8bbceceecaca" providerId="LiveId" clId="{CD4B1779-0926-477D-B902-440342C52CB5}" dt="2025-07-19T05:51:52.195" v="519" actId="20577"/>
+        <pc:chgData name="Venu Yalapala" userId="9feb8bbceceecaca" providerId="LiveId" clId="{CD4B1779-0926-477D-B902-440342C52CB5}" dt="2025-07-26T09:23:02.453" v="649" actId="403"/>
         <pc:sldMkLst>
           <pc:docMk/>
           <pc:sldMk cId="2536218313" sldId="258"/>
         </pc:sldMkLst>
         <pc:spChg chg="mod">
-          <ac:chgData name="Venu Yalapala" userId="9feb8bbceceecaca" providerId="LiveId" clId="{CD4B1779-0926-477D-B902-440342C52CB5}" dt="2025-07-19T05:51:52.195" v="519" actId="20577"/>
+          <ac:chgData name="Venu Yalapala" userId="9feb8bbceceecaca" providerId="LiveId" clId="{CD4B1779-0926-477D-B902-440342C52CB5}" dt="2025-07-26T09:22:59.334" v="648" actId="403"/>
           <ac:spMkLst>
             <pc:docMk/>
             <pc:sldMk cId="2536218313" sldId="258"/>
@@ -201,7 +201,7 @@
           </ac:spMkLst>
         </pc:spChg>
         <pc:spChg chg="mod">
-          <ac:chgData name="Venu Yalapala" userId="9feb8bbceceecaca" providerId="LiveId" clId="{CD4B1779-0926-477D-B902-440342C52CB5}" dt="2025-07-19T05:50:43.916" v="518" actId="403"/>
+          <ac:chgData name="Venu Yalapala" userId="9feb8bbceceecaca" providerId="LiveId" clId="{CD4B1779-0926-477D-B902-440342C52CB5}" dt="2025-07-26T09:23:02.453" v="649" actId="403"/>
           <ac:spMkLst>
             <pc:docMk/>
             <pc:sldMk cId="2536218313" sldId="258"/>
@@ -316,7 +316,7 @@
           <a:p>
             <a:fld id="{0EEBF99D-A94C-4ACE-ABB7-ED5902A7DBE5}" type="datetimeFigureOut">
               <a:rPr lang="en-IN" smtClean="0"/>
-              <a:t>19-07-2025</a:t>
+              <a:t>26-07-2025</a:t>
             </a:fld>
             <a:endParaRPr lang="en-IN"/>
           </a:p>
@@ -494,7 +494,7 @@
           <a:p>
             <a:fld id="{6EA7C7CE-6F0C-4E71-B520-9461545357C0}" type="datetimeFigureOut">
               <a:rPr lang="en-IN" smtClean="0"/>
-              <a:t>19-07-2025</a:t>
+              <a:t>26-07-2025</a:t>
             </a:fld>
             <a:endParaRPr lang="en-IN"/>
           </a:p>
@@ -894,7 +894,7 @@
           <a:p>
             <a:fld id="{F1102B08-ED9E-409F-B95F-09CAA1DAF6E0}" type="datetimeFigureOut">
               <a:rPr lang="en-IN" smtClean="0"/>
-              <a:t>19-07-2025</a:t>
+              <a:t>26-07-2025</a:t>
             </a:fld>
             <a:endParaRPr lang="en-IN"/>
           </a:p>
@@ -1151,7 +1151,7 @@
           <a:p>
             <a:fld id="{F1102B08-ED9E-409F-B95F-09CAA1DAF6E0}" type="datetimeFigureOut">
               <a:rPr lang="en-IN" smtClean="0"/>
-              <a:t>19-07-2025</a:t>
+              <a:t>26-07-2025</a:t>
             </a:fld>
             <a:endParaRPr lang="en-IN"/>
           </a:p>
@@ -1321,7 +1321,7 @@
           <a:p>
             <a:fld id="{F1102B08-ED9E-409F-B95F-09CAA1DAF6E0}" type="datetimeFigureOut">
               <a:rPr lang="en-IN" smtClean="0"/>
-              <a:t>19-07-2025</a:t>
+              <a:t>26-07-2025</a:t>
             </a:fld>
             <a:endParaRPr lang="en-IN"/>
           </a:p>
@@ -1501,7 +1501,7 @@
           <a:p>
             <a:fld id="{F1102B08-ED9E-409F-B95F-09CAA1DAF6E0}" type="datetimeFigureOut">
               <a:rPr lang="en-IN" smtClean="0"/>
-              <a:t>19-07-2025</a:t>
+              <a:t>26-07-2025</a:t>
             </a:fld>
             <a:endParaRPr lang="en-IN"/>
           </a:p>
@@ -1703,7 +1703,7 @@
             <a:fld id="{F1102B08-ED9E-409F-B95F-09CAA1DAF6E0}" type="datetimeFigureOut">
               <a:rPr lang="en-IN" b="0" smtClean="0"/>
               <a:pPr/>
-              <a:t>19-07-2025</a:t>
+              <a:t>26-07-2025</a:t>
             </a:fld>
             <a:endParaRPr lang="en-IN" b="0" dirty="0"/>
           </a:p>
@@ -1931,7 +1931,7 @@
           <a:p>
             <a:fld id="{F1102B08-ED9E-409F-B95F-09CAA1DAF6E0}" type="datetimeFigureOut">
               <a:rPr lang="en-IN" smtClean="0"/>
-              <a:t>19-07-2025</a:t>
+              <a:t>26-07-2025</a:t>
             </a:fld>
             <a:endParaRPr lang="en-IN"/>
           </a:p>
@@ -2175,7 +2175,7 @@
           <a:p>
             <a:fld id="{F1102B08-ED9E-409F-B95F-09CAA1DAF6E0}" type="datetimeFigureOut">
               <a:rPr lang="en-IN" smtClean="0"/>
-              <a:t>19-07-2025</a:t>
+              <a:t>26-07-2025</a:t>
             </a:fld>
             <a:endParaRPr lang="en-IN"/>
           </a:p>
@@ -2407,7 +2407,7 @@
           <a:p>
             <a:fld id="{F1102B08-ED9E-409F-B95F-09CAA1DAF6E0}" type="datetimeFigureOut">
               <a:rPr lang="en-IN" smtClean="0"/>
-              <a:t>19-07-2025</a:t>
+              <a:t>26-07-2025</a:t>
             </a:fld>
             <a:endParaRPr lang="en-IN"/>
           </a:p>
@@ -2774,7 +2774,7 @@
           <a:p>
             <a:fld id="{F1102B08-ED9E-409F-B95F-09CAA1DAF6E0}" type="datetimeFigureOut">
               <a:rPr lang="en-IN" smtClean="0"/>
-              <a:t>19-07-2025</a:t>
+              <a:t>26-07-2025</a:t>
             </a:fld>
             <a:endParaRPr lang="en-IN"/>
           </a:p>
@@ -2892,7 +2892,7 @@
           <a:p>
             <a:fld id="{F1102B08-ED9E-409F-B95F-09CAA1DAF6E0}" type="datetimeFigureOut">
               <a:rPr lang="en-IN" smtClean="0"/>
-              <a:t>19-07-2025</a:t>
+              <a:t>26-07-2025</a:t>
             </a:fld>
             <a:endParaRPr lang="en-IN"/>
           </a:p>
@@ -2987,7 +2987,7 @@
           <a:p>
             <a:fld id="{F1102B08-ED9E-409F-B95F-09CAA1DAF6E0}" type="datetimeFigureOut">
               <a:rPr lang="en-IN" smtClean="0"/>
-              <a:t>19-07-2025</a:t>
+              <a:t>26-07-2025</a:t>
             </a:fld>
             <a:endParaRPr lang="en-IN"/>
           </a:p>
@@ -3264,7 +3264,7 @@
           <a:p>
             <a:fld id="{F1102B08-ED9E-409F-B95F-09CAA1DAF6E0}" type="datetimeFigureOut">
               <a:rPr lang="en-IN" smtClean="0"/>
-              <a:t>19-07-2025</a:t>
+              <a:t>26-07-2025</a:t>
             </a:fld>
             <a:endParaRPr lang="en-IN"/>
           </a:p>
@@ -3477,7 +3477,7 @@
           <a:p>
             <a:fld id="{F1102B08-ED9E-409F-B95F-09CAA1DAF6E0}" type="datetimeFigureOut">
               <a:rPr lang="en-IN" smtClean="0"/>
-              <a:t>19-07-2025</a:t>
+              <a:t>26-07-2025</a:t>
             </a:fld>
             <a:endParaRPr lang="en-IN"/>
           </a:p>
@@ -3898,7 +3898,7 @@
         <p:spPr>
           <a:xfrm>
             <a:off x="5228323" y="347032"/>
-            <a:ext cx="4883429" cy="4893647"/>
+            <a:ext cx="4883429" cy="5262979"/>
           </a:xfrm>
           <a:prstGeom prst="rect">
             <a:avLst/>
@@ -3921,8 +3921,12 @@
                 <a:latin typeface="Anek Telugu SemiBold" pitchFamily="2" charset="0"/>
                 <a:cs typeface="Anek Telugu SemiBold" pitchFamily="2" charset="0"/>
               </a:rPr>
-              <a:t>నీవు చేసిన మేళ్లకు</a:t>
-            </a:r>
+              <a:t>రాజ జగమెరిగిన నా యేసు రాజా</a:t>
+            </a:r>
+            <a:endParaRPr lang="en-US" sz="1600" dirty="0">
+              <a:latin typeface="Anek Telugu SemiBold" pitchFamily="2" charset="0"/>
+              <a:cs typeface="Anek Telugu SemiBold" pitchFamily="2" charset="0"/>
+            </a:endParaRPr>
           </a:p>
           <a:p>
             <a:pPr>
@@ -3935,8 +3939,12 @@
                 <a:latin typeface="Anek Telugu SemiBold" pitchFamily="2" charset="0"/>
                 <a:cs typeface="Anek Telugu SemiBold" pitchFamily="2" charset="0"/>
               </a:rPr>
-              <a:t>నీవు చూపిన కృపలకు (2)</a:t>
-            </a:r>
+              <a:t>రాగాలలో అనురాగాలు కురిపించిన</a:t>
+            </a:r>
+            <a:endParaRPr lang="en-US" sz="1600" dirty="0">
+              <a:latin typeface="Anek Telugu SemiBold" pitchFamily="2" charset="0"/>
+              <a:cs typeface="Anek Telugu SemiBold" pitchFamily="2" charset="0"/>
+            </a:endParaRPr>
           </a:p>
           <a:p>
             <a:pPr>
@@ -3949,8 +3957,12 @@
                 <a:latin typeface="Anek Telugu SemiBold" pitchFamily="2" charset="0"/>
                 <a:cs typeface="Anek Telugu SemiBold" pitchFamily="2" charset="0"/>
               </a:rPr>
-              <a:t>వందనం యేసయ్యా (4)</a:t>
-            </a:r>
+              <a:t>మనబంధము అనుబంధము (2)</a:t>
+            </a:r>
+            <a:endParaRPr lang="en-US" sz="1600" dirty="0">
+              <a:latin typeface="Anek Telugu SemiBold" pitchFamily="2" charset="0"/>
+              <a:cs typeface="Anek Telugu SemiBold" pitchFamily="2" charset="0"/>
+            </a:endParaRPr>
           </a:p>
           <a:p>
             <a:pPr>
@@ -3958,7 +3970,14 @@
                 <a:spcPct val="150000"/>
               </a:lnSpc>
             </a:pPr>
-            <a:endParaRPr lang="te-IN" sz="1600" dirty="0">
+            <a:r>
+              <a:rPr lang="te-IN" sz="1600" dirty="0">
+                <a:latin typeface="Anek Telugu SemiBold" pitchFamily="2" charset="0"/>
+                <a:cs typeface="Anek Telugu SemiBold" pitchFamily="2" charset="0"/>
+              </a:rPr>
+              <a:t>విడదీయగలరా ఎవరైనను మరి ఏదైనను? (2)</a:t>
+            </a:r>
+            <a:endParaRPr lang="en-US" sz="1600" dirty="0">
               <a:latin typeface="Anek Telugu SemiBold" pitchFamily="2" charset="0"/>
               <a:cs typeface="Anek Telugu SemiBold" pitchFamily="2" charset="0"/>
             </a:endParaRPr>
@@ -3969,13 +3988,10 @@
                 <a:spcPct val="150000"/>
               </a:lnSpc>
             </a:pPr>
-            <a:r>
-              <a:rPr lang="te-IN" sz="1600" dirty="0">
-                <a:latin typeface="Anek Telugu SemiBold" pitchFamily="2" charset="0"/>
-                <a:cs typeface="Anek Telugu SemiBold" pitchFamily="2" charset="0"/>
-              </a:rPr>
-              <a:t>ఏపాటివాడనని నేను</a:t>
-            </a:r>
+            <a:endParaRPr lang="en-US" sz="1600" dirty="0">
+              <a:latin typeface="Anek Telugu SemiBold" pitchFamily="2" charset="0"/>
+              <a:cs typeface="Anek Telugu SemiBold" pitchFamily="2" charset="0"/>
+            </a:endParaRPr>
           </a:p>
           <a:p>
             <a:pPr>
@@ -3988,8 +4004,12 @@
                 <a:latin typeface="Anek Telugu SemiBold" pitchFamily="2" charset="0"/>
                 <a:cs typeface="Anek Telugu SemiBold" pitchFamily="2" charset="0"/>
               </a:rPr>
-              <a:t>నన్నెంతగానో ప్రేమించావు</a:t>
-            </a:r>
+              <a:t>దీన స్థితియందున సంపన్న స్థితియందున</a:t>
+            </a:r>
+            <a:endParaRPr lang="en-US" sz="1600" dirty="0">
+              <a:latin typeface="Anek Telugu SemiBold" pitchFamily="2" charset="0"/>
+              <a:cs typeface="Anek Telugu SemiBold" pitchFamily="2" charset="0"/>
+            </a:endParaRPr>
           </a:p>
           <a:p>
             <a:pPr>
@@ -4002,8 +4022,12 @@
                 <a:latin typeface="Anek Telugu SemiBold" pitchFamily="2" charset="0"/>
                 <a:cs typeface="Anek Telugu SemiBold" pitchFamily="2" charset="0"/>
               </a:rPr>
-              <a:t>అంచెలంచెలుగా హెచ్చించి</a:t>
-            </a:r>
+              <a:t>నడచినను ఎగిరినను సంతృప్తి కలిగి యుందునే (2)</a:t>
+            </a:r>
+            <a:endParaRPr lang="en-US" sz="1600" dirty="0">
+              <a:latin typeface="Anek Telugu SemiBold" pitchFamily="2" charset="0"/>
+              <a:cs typeface="Anek Telugu SemiBold" pitchFamily="2" charset="0"/>
+            </a:endParaRPr>
           </a:p>
           <a:p>
             <a:pPr>
@@ -4016,8 +4040,12 @@
                 <a:latin typeface="Anek Telugu SemiBold" pitchFamily="2" charset="0"/>
                 <a:cs typeface="Anek Telugu SemiBold" pitchFamily="2" charset="0"/>
               </a:rPr>
-              <a:t>నన్నెంతగానో దీవించావు (2)</a:t>
-            </a:r>
+              <a:t>నిత్యము ఆరాధనకు నా ఆధారమాస్తోత్రబలులు నీకే అర్పించెద యేసయ్యా (2)</a:t>
+            </a:r>
+            <a:endParaRPr lang="en-US" sz="1600" dirty="0">
+              <a:latin typeface="Anek Telugu SemiBold" pitchFamily="2" charset="0"/>
+              <a:cs typeface="Anek Telugu SemiBold" pitchFamily="2" charset="0"/>
+            </a:endParaRPr>
           </a:p>
           <a:p>
             <a:pPr>
@@ -4025,7 +4053,7 @@
                 <a:spcPct val="150000"/>
               </a:lnSpc>
             </a:pPr>
-            <a:endParaRPr lang="te-IN" sz="1600" dirty="0">
+            <a:endParaRPr lang="en-US" sz="1600" dirty="0">
               <a:latin typeface="Anek Telugu SemiBold" pitchFamily="2" charset="0"/>
               <a:cs typeface="Anek Telugu SemiBold" pitchFamily="2" charset="0"/>
             </a:endParaRPr>
@@ -4041,8 +4069,12 @@
                 <a:latin typeface="Anek Telugu SemiBold" pitchFamily="2" charset="0"/>
                 <a:cs typeface="Anek Telugu SemiBold" pitchFamily="2" charset="0"/>
               </a:rPr>
-              <a:t>బలహీనుడనైన నన్ను</a:t>
-            </a:r>
+              <a:t>బలహీనతలయందున అవమానములయందున</a:t>
+            </a:r>
+            <a:endParaRPr lang="en-US" sz="1600" dirty="0">
+              <a:latin typeface="Anek Telugu SemiBold" pitchFamily="2" charset="0"/>
+              <a:cs typeface="Anek Telugu SemiBold" pitchFamily="2" charset="0"/>
+            </a:endParaRPr>
           </a:p>
           <a:p>
             <a:pPr>
@@ -4055,8 +4087,12 @@
                 <a:latin typeface="Anek Telugu SemiBold" pitchFamily="2" charset="0"/>
                 <a:cs typeface="Anek Telugu SemiBold" pitchFamily="2" charset="0"/>
               </a:rPr>
-              <a:t>నీవెంతగానో బలపరచావు</a:t>
-            </a:r>
+              <a:t>పడినను కృంగినను నీకృప కలిగియుందునే (2)</a:t>
+            </a:r>
+            <a:endParaRPr lang="en-US" sz="1600" dirty="0">
+              <a:latin typeface="Anek Telugu SemiBold" pitchFamily="2" charset="0"/>
+              <a:cs typeface="Anek Telugu SemiBold" pitchFamily="2" charset="0"/>
+            </a:endParaRPr>
           </a:p>
           <a:p>
             <a:pPr>
@@ -4069,8 +4105,12 @@
                 <a:latin typeface="Anek Telugu SemiBold" pitchFamily="2" charset="0"/>
                 <a:cs typeface="Anek Telugu SemiBold" pitchFamily="2" charset="0"/>
               </a:rPr>
-              <a:t>క్రీస్తేసు మహిమైశ్వర్యములో</a:t>
-            </a:r>
+              <a:t>నిత్యము ఆరాధనకు నా ఆధారమా</a:t>
+            </a:r>
+            <a:endParaRPr lang="en-US" sz="1600" dirty="0">
+              <a:latin typeface="Anek Telugu SemiBold" pitchFamily="2" charset="0"/>
+              <a:cs typeface="Anek Telugu SemiBold" pitchFamily="2" charset="0"/>
+            </a:endParaRPr>
           </a:p>
           <a:p>
             <a:pPr>
@@ -4083,7 +4123,7 @@
                 <a:latin typeface="Anek Telugu SemiBold" pitchFamily="2" charset="0"/>
                 <a:cs typeface="Anek Telugu SemiBold" pitchFamily="2" charset="0"/>
               </a:rPr>
-              <a:t>ప్రతి అవసరమును తీర్చావు (2)</a:t>
+              <a:t>స్తోత్రబలులు నీకే అర్పించెద యేసయ్యా (2)</a:t>
             </a:r>
           </a:p>
         </p:txBody>
@@ -4103,7 +4143,7 @@
         <p:spPr>
           <a:xfrm>
             <a:off x="470323" y="332041"/>
-            <a:ext cx="4544669" cy="5632311"/>
+            <a:ext cx="4544669" cy="5262979"/>
           </a:xfrm>
           <a:prstGeom prst="rect">
             <a:avLst/>
@@ -4122,11 +4162,11 @@
               </a:lnSpc>
             </a:pPr>
             <a:r>
-              <a:rPr lang="te-IN" sz="1500" b="1" dirty="0">
+              <a:rPr lang="te-IN" sz="1600" b="1" dirty="0">
                 <a:latin typeface="Anek Telugu SemiBold" pitchFamily="2" charset="0"/>
                 <a:cs typeface="Anek Telugu SemiBold" pitchFamily="2" charset="0"/>
               </a:rPr>
-              <a:t>ఆధారం నీవేనయ్యా (2)</a:t>
+              <a:t>కృప కృప నీ కృపకృప కృప క్రీస్తు కృప (2)</a:t>
             </a:r>
           </a:p>
           <a:p>
@@ -4136,11 +4176,11 @@
               </a:lnSpc>
             </a:pPr>
             <a:r>
-              <a:rPr lang="te-IN" sz="1500" b="1" dirty="0">
+              <a:rPr lang="te-IN" sz="1600" b="1" dirty="0">
                 <a:latin typeface="Anek Telugu SemiBold" pitchFamily="2" charset="0"/>
                 <a:cs typeface="Anek Telugu SemiBold" pitchFamily="2" charset="0"/>
               </a:rPr>
-              <a:t>కాలము మారినా కష్టాలు తీరినా</a:t>
+              <a:t>నేనైతే నీ కృపయందు</a:t>
             </a:r>
           </a:p>
           <a:p>
@@ -4150,11 +4190,11 @@
               </a:lnSpc>
             </a:pPr>
             <a:r>
-              <a:rPr lang="te-IN" sz="1500" b="1" dirty="0">
+              <a:rPr lang="te-IN" sz="1600" b="1" dirty="0">
                 <a:latin typeface="Anek Telugu SemiBold" pitchFamily="2" charset="0"/>
                 <a:cs typeface="Anek Telugu SemiBold" pitchFamily="2" charset="0"/>
               </a:rPr>
-              <a:t>కారణం నీవేనయ్యా</a:t>
+              <a:t>నమ్మికయుంచి యున్నాను</a:t>
             </a:r>
           </a:p>
           <a:p>
@@ -4164,11 +4204,11 @@
               </a:lnSpc>
             </a:pPr>
             <a:r>
-              <a:rPr lang="te-IN" sz="1500" b="1" dirty="0">
+              <a:rPr lang="te-IN" sz="1600" b="1" dirty="0">
                 <a:latin typeface="Anek Telugu SemiBold" pitchFamily="2" charset="0"/>
                 <a:cs typeface="Anek Telugu SemiBold" pitchFamily="2" charset="0"/>
               </a:rPr>
-              <a:t>యేసయ్యా కారణం నీవేనయ్యా        </a:t>
+              <a:t>నా నమ్మికయుంచి యున్నాను (2)</a:t>
             </a:r>
           </a:p>
           <a:p>
@@ -4177,7 +4217,7 @@
                 <a:spcPct val="150000"/>
               </a:lnSpc>
             </a:pPr>
-            <a:endParaRPr lang="te-IN" sz="1500" b="1" dirty="0">
+            <a:endParaRPr lang="te-IN" sz="1600" b="1" dirty="0">
               <a:latin typeface="Anek Telugu SemiBold" pitchFamily="2" charset="0"/>
               <a:cs typeface="Anek Telugu SemiBold" pitchFamily="2" charset="0"/>
             </a:endParaRPr>
@@ -4189,11 +4229,11 @@
               </a:lnSpc>
             </a:pPr>
             <a:r>
-              <a:rPr lang="te-IN" sz="1500" b="1" dirty="0">
+              <a:rPr lang="te-IN" sz="1600" b="1" dirty="0">
                 <a:latin typeface="Anek Telugu SemiBold" pitchFamily="2" charset="0"/>
                 <a:cs typeface="Anek Telugu SemiBold" pitchFamily="2" charset="0"/>
               </a:rPr>
-              <a:t>లోకంలో ఎన్నో జయాలు </a:t>
+              <a:t>కృపను గూర్చి న్యాయము గూర్చి నేను పాడెదను</a:t>
             </a:r>
           </a:p>
           <a:p>
@@ -4203,11 +4243,11 @@
               </a:lnSpc>
             </a:pPr>
             <a:r>
-              <a:rPr lang="te-IN" sz="1500" b="1" dirty="0">
+              <a:rPr lang="te-IN" sz="1600" b="1" dirty="0">
                 <a:latin typeface="Anek Telugu SemiBold" pitchFamily="2" charset="0"/>
                 <a:cs typeface="Anek Telugu SemiBold" pitchFamily="2" charset="0"/>
               </a:rPr>
-              <a:t>చూసాను నేనింత కాలం (2)</a:t>
+              <a:t>నీ సన్నిధిలో నిర్దోషముతో నేను నడచెదను (2)</a:t>
             </a:r>
           </a:p>
           <a:p>
@@ -4217,11 +4257,11 @@
               </a:lnSpc>
             </a:pPr>
             <a:r>
-              <a:rPr lang="te-IN" sz="1500" b="1" dirty="0">
+              <a:rPr lang="te-IN" sz="1600" b="1" dirty="0">
                 <a:latin typeface="Anek Telugu SemiBold" pitchFamily="2" charset="0"/>
                 <a:cs typeface="Anek Telugu SemiBold" pitchFamily="2" charset="0"/>
               </a:rPr>
-              <a:t>అయినను ఎందుకో నెమ్మది లేదు (2)</a:t>
+              <a:t>నీ కృపయే నాకు ఆధారం</a:t>
             </a:r>
           </a:p>
           <a:p>
@@ -4231,11 +4271,11 @@
               </a:lnSpc>
             </a:pPr>
             <a:r>
-              <a:rPr lang="te-IN" sz="1500" b="1" dirty="0">
+              <a:rPr lang="te-IN" sz="1600" b="1" dirty="0">
                 <a:latin typeface="Anek Telugu SemiBold" pitchFamily="2" charset="0"/>
                 <a:cs typeface="Anek Telugu SemiBold" pitchFamily="2" charset="0"/>
               </a:rPr>
-              <a:t>సమాధానం కొదువైనది యేసయ్యా </a:t>
+              <a:t>ఆ కృపయే నాకు ఆదరణ (2)</a:t>
             </a:r>
           </a:p>
           <a:p>
@@ -4244,13 +4284,10 @@
                 <a:spcPct val="150000"/>
               </a:lnSpc>
             </a:pPr>
-            <a:r>
-              <a:rPr lang="te-IN" sz="1500" b="1" dirty="0">
-                <a:latin typeface="Anek Telugu SemiBold" pitchFamily="2" charset="0"/>
-                <a:cs typeface="Anek Telugu SemiBold" pitchFamily="2" charset="0"/>
-              </a:rPr>
-              <a:t>సమాధానం కొదువైనది</a:t>
-            </a:r>
+            <a:endParaRPr lang="te-IN" sz="1600" b="1" dirty="0">
+              <a:latin typeface="Anek Telugu SemiBold" pitchFamily="2" charset="0"/>
+              <a:cs typeface="Anek Telugu SemiBold" pitchFamily="2" charset="0"/>
+            </a:endParaRPr>
           </a:p>
           <a:p>
             <a:pPr>
@@ -4258,10 +4295,13 @@
                 <a:spcPct val="150000"/>
               </a:lnSpc>
             </a:pPr>
-            <a:endParaRPr lang="te-IN" sz="1500" b="1" dirty="0">
-              <a:latin typeface="Anek Telugu SemiBold" pitchFamily="2" charset="0"/>
-              <a:cs typeface="Anek Telugu SemiBold" pitchFamily="2" charset="0"/>
-            </a:endParaRPr>
+            <a:r>
+              <a:rPr lang="te-IN" sz="1600" b="1" dirty="0">
+                <a:latin typeface="Anek Telugu SemiBold" pitchFamily="2" charset="0"/>
+                <a:cs typeface="Anek Telugu SemiBold" pitchFamily="2" charset="0"/>
+              </a:rPr>
+              <a:t>దీన దశలో నేన్నునప్పుడు నను మరువనిది నీ కృప</a:t>
+            </a:r>
           </a:p>
           <a:p>
             <a:pPr>
@@ -4270,11 +4310,11 @@
               </a:lnSpc>
             </a:pPr>
             <a:r>
-              <a:rPr lang="te-IN" sz="1500" b="1" dirty="0">
+              <a:rPr lang="te-IN" sz="1600" b="1" dirty="0">
                 <a:latin typeface="Anek Telugu SemiBold" pitchFamily="2" charset="0"/>
                 <a:cs typeface="Anek Telugu SemiBold" pitchFamily="2" charset="0"/>
               </a:rPr>
-              <a:t>ఐశ్వర్యం కొదువేమి లేదు</a:t>
+              <a:t>నేనీ స్థితిలో ఉన్నానంటే కేవలం అది నీ కృప (2)</a:t>
             </a:r>
           </a:p>
           <a:p>
@@ -4284,11 +4324,11 @@
               </a:lnSpc>
             </a:pPr>
             <a:r>
-              <a:rPr lang="te-IN" sz="1500" b="1" dirty="0">
+              <a:rPr lang="te-IN" sz="1600" b="1" dirty="0">
                 <a:latin typeface="Anek Telugu SemiBold" pitchFamily="2" charset="0"/>
                 <a:cs typeface="Anek Telugu SemiBold" pitchFamily="2" charset="0"/>
               </a:rPr>
-              <a:t>కుటుంబములో కలతేమి లేదు (2)</a:t>
+              <a:t>నీ కృపయే నాకు ఆధారం</a:t>
             </a:r>
           </a:p>
           <a:p>
@@ -4298,39 +4338,11 @@
               </a:lnSpc>
             </a:pPr>
             <a:r>
-              <a:rPr lang="te-IN" sz="1500" b="1" dirty="0">
+              <a:rPr lang="te-IN" sz="1600" b="1" dirty="0">
                 <a:latin typeface="Anek Telugu SemiBold" pitchFamily="2" charset="0"/>
                 <a:cs typeface="Anek Telugu SemiBold" pitchFamily="2" charset="0"/>
               </a:rPr>
-              <a:t>అయినను ఎందుకో నెమ్మది లేదు (2)</a:t>
-            </a:r>
-          </a:p>
-          <a:p>
-            <a:pPr>
-              <a:lnSpc>
-                <a:spcPct val="150000"/>
-              </a:lnSpc>
-            </a:pPr>
-            <a:r>
-              <a:rPr lang="te-IN" sz="1500" b="1" dirty="0">
-                <a:latin typeface="Anek Telugu SemiBold" pitchFamily="2" charset="0"/>
-                <a:cs typeface="Anek Telugu SemiBold" pitchFamily="2" charset="0"/>
-              </a:rPr>
-              <a:t>సమాధానం కొదువైనది యేసయ్యా </a:t>
-            </a:r>
-          </a:p>
-          <a:p>
-            <a:pPr>
-              <a:lnSpc>
-                <a:spcPct val="150000"/>
-              </a:lnSpc>
-            </a:pPr>
-            <a:r>
-              <a:rPr lang="te-IN" sz="1500" b="1" dirty="0">
-                <a:latin typeface="Anek Telugu SemiBold" pitchFamily="2" charset="0"/>
-                <a:cs typeface="Anek Telugu SemiBold" pitchFamily="2" charset="0"/>
-              </a:rPr>
-              <a:t>సమాధానం కొదువైనది</a:t>
+              <a:t>ఆ కృపయే నాకు ఆదరణ (2)</a:t>
             </a:r>
           </a:p>
         </p:txBody>
@@ -4380,7 +4392,7 @@
         <p:spPr>
           <a:xfrm>
             <a:off x="437934" y="335845"/>
-            <a:ext cx="4640796" cy="6186309"/>
+            <a:ext cx="4640796" cy="5909310"/>
           </a:xfrm>
           <a:prstGeom prst="rect">
             <a:avLst/>
@@ -4399,87 +4411,12 @@
               </a:lnSpc>
             </a:pPr>
             <a:r>
-              <a:rPr lang="te-IN" sz="1200" dirty="0">
+              <a:rPr lang="te-IN" dirty="0">
                 <a:latin typeface="Anek Telugu SemiBold" pitchFamily="2" charset="0"/>
                 <a:cs typeface="Anek Telugu SemiBold" pitchFamily="2" charset="0"/>
               </a:rPr>
-              <a:t>దీనుడా అజేయుడా – ఆదరణ కిరణమా</a:t>
-            </a:r>
-            <a:br>
-              <a:rPr lang="te-IN" sz="1200" dirty="0">
-                <a:latin typeface="Anek Telugu SemiBold" pitchFamily="2" charset="0"/>
-                <a:cs typeface="Anek Telugu SemiBold" pitchFamily="2" charset="0"/>
-              </a:rPr>
-            </a:br>
-            <a:r>
-              <a:rPr lang="te-IN" sz="1200" dirty="0">
-                <a:latin typeface="Anek Telugu SemiBold" pitchFamily="2" charset="0"/>
-                <a:cs typeface="Anek Telugu SemiBold" pitchFamily="2" charset="0"/>
-              </a:rPr>
-              <a:t>పూజ్యుడ పరిపూర్ణుడా – ఆనంద నిలయమా</a:t>
-            </a:r>
-            <a:br>
-              <a:rPr lang="te-IN" sz="1200" dirty="0">
-                <a:latin typeface="Anek Telugu SemiBold" pitchFamily="2" charset="0"/>
-                <a:cs typeface="Anek Telugu SemiBold" pitchFamily="2" charset="0"/>
-              </a:rPr>
-            </a:br>
-            <a:r>
-              <a:rPr lang="te-IN" sz="1200" dirty="0">
-                <a:latin typeface="Anek Telugu SemiBold" pitchFamily="2" charset="0"/>
-                <a:cs typeface="Anek Telugu SemiBold" pitchFamily="2" charset="0"/>
-              </a:rPr>
-              <a:t>జీవదాతవు నీవని శృతి మించి పాడనా</a:t>
-            </a:r>
-            <a:br>
-              <a:rPr lang="te-IN" sz="1200" dirty="0">
-                <a:latin typeface="Anek Telugu SemiBold" pitchFamily="2" charset="0"/>
-                <a:cs typeface="Anek Telugu SemiBold" pitchFamily="2" charset="0"/>
-              </a:rPr>
-            </a:br>
-            <a:r>
-              <a:rPr lang="te-IN" sz="1200" dirty="0">
-                <a:latin typeface="Anek Telugu SemiBold" pitchFamily="2" charset="0"/>
-                <a:cs typeface="Anek Telugu SemiBold" pitchFamily="2" charset="0"/>
-              </a:rPr>
-              <a:t>జీవధారవు నీవని కానుకనై పూజించనా (2)</a:t>
-            </a:r>
-            <a:br>
-              <a:rPr lang="te-IN" sz="1200" dirty="0">
-                <a:latin typeface="Anek Telugu SemiBold" pitchFamily="2" charset="0"/>
-                <a:cs typeface="Anek Telugu SemiBold" pitchFamily="2" charset="0"/>
-              </a:rPr>
-            </a:br>
-            <a:r>
-              <a:rPr lang="te-IN" sz="1200" dirty="0">
-                <a:latin typeface="Anek Telugu SemiBold" pitchFamily="2" charset="0"/>
-                <a:cs typeface="Anek Telugu SemiBold" pitchFamily="2" charset="0"/>
-              </a:rPr>
-              <a:t>అక్షయ దీపము నీవే – నా రక్షణ శృంగము నీవే</a:t>
-            </a:r>
-            <a:br>
-              <a:rPr lang="te-IN" sz="1200" dirty="0">
-                <a:latin typeface="Anek Telugu SemiBold" pitchFamily="2" charset="0"/>
-                <a:cs typeface="Anek Telugu SemiBold" pitchFamily="2" charset="0"/>
-              </a:rPr>
-            </a:br>
-            <a:r>
-              <a:rPr lang="te-IN" sz="1200" dirty="0">
-                <a:latin typeface="Anek Telugu SemiBold" pitchFamily="2" charset="0"/>
-                <a:cs typeface="Anek Telugu SemiBold" pitchFamily="2" charset="0"/>
-              </a:rPr>
-              <a:t>స్వరార్చన చేసెద నీకే – నా స్తుతులర్పించెద నీకే</a:t>
-            </a:r>
-            <a:br>
-              <a:rPr lang="te-IN" sz="1200" dirty="0">
-                <a:latin typeface="Anek Telugu SemiBold" pitchFamily="2" charset="0"/>
-                <a:cs typeface="Anek Telugu SemiBold" pitchFamily="2" charset="0"/>
-              </a:rPr>
-            </a:br>
-            <a:endParaRPr lang="te-IN" sz="1200" dirty="0">
-              <a:latin typeface="Anek Telugu SemiBold" pitchFamily="2" charset="0"/>
-              <a:cs typeface="Anek Telugu SemiBold" pitchFamily="2" charset="0"/>
-            </a:endParaRPr>
+              <a:t>ఎంత మంచి దేవుడవయ్యా</a:t>
+            </a:r>
           </a:p>
           <a:p>
             <a:pPr>
@@ -4488,50 +4425,11 @@
               </a:lnSpc>
             </a:pPr>
             <a:r>
-              <a:rPr lang="te-IN" sz="1200" dirty="0">
+              <a:rPr lang="te-IN" dirty="0">
                 <a:latin typeface="Anek Telugu SemiBold" pitchFamily="2" charset="0"/>
                 <a:cs typeface="Anek Telugu SemiBold" pitchFamily="2" charset="0"/>
               </a:rPr>
-              <a:t>సమ్మతిలేని సుడిగుండాలే ఆవరించగా</a:t>
-            </a:r>
-            <a:br>
-              <a:rPr lang="te-IN" sz="1200" dirty="0">
-                <a:latin typeface="Anek Telugu SemiBold" pitchFamily="2" charset="0"/>
-                <a:cs typeface="Anek Telugu SemiBold" pitchFamily="2" charset="0"/>
-              </a:rPr>
-            </a:br>
-            <a:r>
-              <a:rPr lang="te-IN" sz="1200" dirty="0">
-                <a:latin typeface="Anek Telugu SemiBold" pitchFamily="2" charset="0"/>
-                <a:cs typeface="Anek Telugu SemiBold" pitchFamily="2" charset="0"/>
-              </a:rPr>
-              <a:t>గమనములేని పోరాటాలే తరుముచుండగా</a:t>
-            </a:r>
-            <a:br>
-              <a:rPr lang="te-IN" sz="1200" dirty="0">
-                <a:latin typeface="Anek Telugu SemiBold" pitchFamily="2" charset="0"/>
-                <a:cs typeface="Anek Telugu SemiBold" pitchFamily="2" charset="0"/>
-              </a:rPr>
-            </a:br>
-            <a:r>
-              <a:rPr lang="te-IN" sz="1200" dirty="0">
-                <a:latin typeface="Anek Telugu SemiBold" pitchFamily="2" charset="0"/>
-                <a:cs typeface="Anek Telugu SemiBold" pitchFamily="2" charset="0"/>
-              </a:rPr>
-              <a:t>నిరుపేదనైన నా యెడల సందేహమేమి లేకుండా</a:t>
-            </a:r>
-            <a:br>
-              <a:rPr lang="te-IN" sz="1200" dirty="0">
-                <a:latin typeface="Anek Telugu SemiBold" pitchFamily="2" charset="0"/>
-                <a:cs typeface="Anek Telugu SemiBold" pitchFamily="2" charset="0"/>
-              </a:rPr>
-            </a:br>
-            <a:r>
-              <a:rPr lang="te-IN" sz="1200" dirty="0">
-                <a:latin typeface="Anek Telugu SemiBold" pitchFamily="2" charset="0"/>
-                <a:cs typeface="Anek Telugu SemiBold" pitchFamily="2" charset="0"/>
-              </a:rPr>
-              <a:t>హేతువే లేని ప్రేమ చూపించి </a:t>
+              <a:t>ఎంత మంచి దేవుడవేసయ్యా</a:t>
             </a:r>
           </a:p>
           <a:p>
@@ -4541,48 +4439,12 @@
               </a:lnSpc>
             </a:pPr>
             <a:r>
-              <a:rPr lang="te-IN" sz="1200" dirty="0">
+              <a:rPr lang="te-IN" dirty="0">
                 <a:latin typeface="Anek Telugu SemiBold" pitchFamily="2" charset="0"/>
                 <a:cs typeface="Anek Telugu SemiBold" pitchFamily="2" charset="0"/>
               </a:rPr>
-              <a:t>సిలువ చాటునే దాచావు (2)</a:t>
-            </a:r>
-            <a:br>
-              <a:rPr lang="te-IN" sz="1200" dirty="0">
-                <a:latin typeface="Anek Telugu SemiBold" pitchFamily="2" charset="0"/>
-                <a:cs typeface="Anek Telugu SemiBold" pitchFamily="2" charset="0"/>
-              </a:rPr>
-            </a:br>
-            <a:r>
-              <a:rPr lang="te-IN" sz="1200" dirty="0">
-                <a:latin typeface="Anek Telugu SemiBold" pitchFamily="2" charset="0"/>
-                <a:cs typeface="Anek Telugu SemiBold" pitchFamily="2" charset="0"/>
-              </a:rPr>
-              <a:t>సంతోషము నీవే – అమృత సంగీతము నీవే</a:t>
-            </a:r>
-            <a:br>
-              <a:rPr lang="te-IN" sz="1200" dirty="0">
-                <a:latin typeface="Anek Telugu SemiBold" pitchFamily="2" charset="0"/>
-                <a:cs typeface="Anek Telugu SemiBold" pitchFamily="2" charset="0"/>
-              </a:rPr>
-            </a:br>
-            <a:r>
-              <a:rPr lang="te-IN" sz="1200" dirty="0">
-                <a:latin typeface="Anek Telugu SemiBold" pitchFamily="2" charset="0"/>
-                <a:cs typeface="Anek Telugu SemiBold" pitchFamily="2" charset="0"/>
-              </a:rPr>
-              <a:t>స్తుతిమాలిక నీకే – వజ్ర సంకల్పము నీవే</a:t>
-            </a:r>
-            <a:br>
-              <a:rPr lang="te-IN" sz="1200" dirty="0">
-                <a:latin typeface="Anek Telugu SemiBold" pitchFamily="2" charset="0"/>
-                <a:cs typeface="Anek Telugu SemiBold" pitchFamily="2" charset="0"/>
-              </a:rPr>
-            </a:br>
-            <a:endParaRPr lang="te-IN" sz="1200" dirty="0">
-              <a:latin typeface="Anek Telugu SemiBold" pitchFamily="2" charset="0"/>
-              <a:cs typeface="Anek Telugu SemiBold" pitchFamily="2" charset="0"/>
-            </a:endParaRPr>
+              <a:t>చింతలన్ని తీరేనయ్యా నిను చేరగా</a:t>
+            </a:r>
           </a:p>
           <a:p>
             <a:pPr>
@@ -4591,50 +4453,11 @@
               </a:lnSpc>
             </a:pPr>
             <a:r>
-              <a:rPr lang="te-IN" sz="1200" dirty="0">
+              <a:rPr lang="te-IN" dirty="0">
                 <a:latin typeface="Anek Telugu SemiBold" pitchFamily="2" charset="0"/>
                 <a:cs typeface="Anek Telugu SemiBold" pitchFamily="2" charset="0"/>
               </a:rPr>
-              <a:t>సత్య ప్రమాణము నెరవేర్చుటకే – మార్గదర్శివై</a:t>
-            </a:r>
-            <a:br>
-              <a:rPr lang="te-IN" sz="1200" dirty="0">
-                <a:latin typeface="Anek Telugu SemiBold" pitchFamily="2" charset="0"/>
-                <a:cs typeface="Anek Telugu SemiBold" pitchFamily="2" charset="0"/>
-              </a:rPr>
-            </a:br>
-            <a:r>
-              <a:rPr lang="te-IN" sz="1200" dirty="0">
-                <a:latin typeface="Anek Telugu SemiBold" pitchFamily="2" charset="0"/>
-                <a:cs typeface="Anek Telugu SemiBold" pitchFamily="2" charset="0"/>
-              </a:rPr>
-              <a:t>నిత్య నిబంధన నాతో చేసిన – సత్యవంతుడా</a:t>
-            </a:r>
-            <a:br>
-              <a:rPr lang="te-IN" sz="1200" dirty="0">
-                <a:latin typeface="Anek Telugu SemiBold" pitchFamily="2" charset="0"/>
-                <a:cs typeface="Anek Telugu SemiBold" pitchFamily="2" charset="0"/>
-              </a:rPr>
-            </a:br>
-            <a:r>
-              <a:rPr lang="te-IN" sz="1200" dirty="0">
-                <a:latin typeface="Anek Telugu SemiBold" pitchFamily="2" charset="0"/>
-                <a:cs typeface="Anek Telugu SemiBold" pitchFamily="2" charset="0"/>
-              </a:rPr>
-              <a:t>విరిగి నలిగిన మనస్సుతో – హృదయార్చనే చేసెద</a:t>
-            </a:r>
-            <a:br>
-              <a:rPr lang="te-IN" sz="1200" dirty="0">
-                <a:latin typeface="Anek Telugu SemiBold" pitchFamily="2" charset="0"/>
-                <a:cs typeface="Anek Telugu SemiBold" pitchFamily="2" charset="0"/>
-              </a:rPr>
-            </a:br>
-            <a:r>
-              <a:rPr lang="te-IN" sz="1200" dirty="0">
-                <a:latin typeface="Anek Telugu SemiBold" pitchFamily="2" charset="0"/>
-                <a:cs typeface="Anek Telugu SemiBold" pitchFamily="2" charset="0"/>
-              </a:rPr>
-              <a:t>కరుణ నీడలో – కృపా వాడలో  </a:t>
+              <a:t>ఎంత మంచి దేవుడవేసయ్యా (2)</a:t>
             </a:r>
           </a:p>
           <a:p>
@@ -4643,38 +4466,132 @@
                 <a:spcPct val="150000"/>
               </a:lnSpc>
             </a:pPr>
-            <a:r>
-              <a:rPr lang="te-IN" sz="1200" dirty="0">
+            <a:endParaRPr lang="te-IN" dirty="0">
+              <a:latin typeface="Anek Telugu SemiBold" pitchFamily="2" charset="0"/>
+              <a:cs typeface="Anek Telugu SemiBold" pitchFamily="2" charset="0"/>
+            </a:endParaRPr>
+          </a:p>
+          <a:p>
+            <a:pPr>
+              <a:lnSpc>
+                <a:spcPct val="150000"/>
+              </a:lnSpc>
+            </a:pPr>
+            <a:r>
+              <a:rPr lang="te-IN" dirty="0">
                 <a:latin typeface="Anek Telugu SemiBold" pitchFamily="2" charset="0"/>
                 <a:cs typeface="Anek Telugu SemiBold" pitchFamily="2" charset="0"/>
               </a:rPr>
-              <a:t>నీతో ఉంటే చాలయ్యా (2)</a:t>
-            </a:r>
-            <a:br>
-              <a:rPr lang="te-IN" sz="1200" dirty="0">
+              <a:t>ఘోరపాపినైన నేనూ</a:t>
+            </a:r>
+          </a:p>
+          <a:p>
+            <a:pPr>
+              <a:lnSpc>
+                <a:spcPct val="150000"/>
+              </a:lnSpc>
+            </a:pPr>
+            <a:r>
+              <a:rPr lang="te-IN" dirty="0">
                 <a:latin typeface="Anek Telugu SemiBold" pitchFamily="2" charset="0"/>
                 <a:cs typeface="Anek Telugu SemiBold" pitchFamily="2" charset="0"/>
               </a:rPr>
-            </a:br>
-            <a:r>
-              <a:rPr lang="te-IN" sz="1200" dirty="0">
+              <a:t>దూరంగా పారిపోగా (2)</a:t>
+            </a:r>
+          </a:p>
+          <a:p>
+            <a:pPr>
+              <a:lnSpc>
+                <a:spcPct val="150000"/>
+              </a:lnSpc>
+            </a:pPr>
+            <a:r>
+              <a:rPr lang="te-IN" dirty="0">
                 <a:latin typeface="Anek Telugu SemiBold" pitchFamily="2" charset="0"/>
                 <a:cs typeface="Anek Telugu SemiBold" pitchFamily="2" charset="0"/>
               </a:rPr>
-              <a:t>కర్తవ్యము నీవే – కనుల పండుగ నీవేగా</a:t>
-            </a:r>
-            <a:br>
-              <a:rPr lang="te-IN" sz="1200" dirty="0">
+              <a:t>నీ ప్రేమతో నను క్షమియించి </a:t>
+            </a:r>
+          </a:p>
+          <a:p>
+            <a:pPr>
+              <a:lnSpc>
+                <a:spcPct val="150000"/>
+              </a:lnSpc>
+            </a:pPr>
+            <a:r>
+              <a:rPr lang="te-IN" dirty="0">
                 <a:latin typeface="Anek Telugu SemiBold" pitchFamily="2" charset="0"/>
                 <a:cs typeface="Anek Telugu SemiBold" pitchFamily="2" charset="0"/>
               </a:rPr>
-            </a:br>
-            <a:r>
-              <a:rPr lang="te-IN" sz="1200" dirty="0">
+              <a:t>నను హత్తుకొన్నావయ్యా (2)</a:t>
+            </a:r>
+          </a:p>
+          <a:p>
+            <a:pPr>
+              <a:lnSpc>
+                <a:spcPct val="150000"/>
+              </a:lnSpc>
+            </a:pPr>
+            <a:endParaRPr lang="te-IN" dirty="0">
+              <a:latin typeface="Anek Telugu SemiBold" pitchFamily="2" charset="0"/>
+              <a:cs typeface="Anek Telugu SemiBold" pitchFamily="2" charset="0"/>
+            </a:endParaRPr>
+          </a:p>
+          <a:p>
+            <a:pPr>
+              <a:lnSpc>
+                <a:spcPct val="150000"/>
+              </a:lnSpc>
+            </a:pPr>
+            <a:r>
+              <a:rPr lang="te-IN" dirty="0">
                 <a:latin typeface="Anek Telugu SemiBold" pitchFamily="2" charset="0"/>
                 <a:cs typeface="Anek Telugu SemiBold" pitchFamily="2" charset="0"/>
               </a:rPr>
-              <a:t>విశ్వాసము నీవే – విజయశిఖరము నీవేగా</a:t>
+              <a:t>నాకున్న వారందరూ</a:t>
+            </a:r>
+          </a:p>
+          <a:p>
+            <a:pPr>
+              <a:lnSpc>
+                <a:spcPct val="150000"/>
+              </a:lnSpc>
+            </a:pPr>
+            <a:r>
+              <a:rPr lang="te-IN" dirty="0">
+                <a:latin typeface="Anek Telugu SemiBold" pitchFamily="2" charset="0"/>
+                <a:cs typeface="Anek Telugu SemiBold" pitchFamily="2" charset="0"/>
+              </a:rPr>
+              <a:t>నను విడచిపోయిననూ (2)</a:t>
+            </a:r>
+          </a:p>
+          <a:p>
+            <a:pPr>
+              <a:lnSpc>
+                <a:spcPct val="150000"/>
+              </a:lnSpc>
+            </a:pPr>
+            <a:r>
+              <a:rPr lang="te-IN" dirty="0">
+                <a:latin typeface="Anek Telugu SemiBold" pitchFamily="2" charset="0"/>
+                <a:cs typeface="Anek Telugu SemiBold" pitchFamily="2" charset="0"/>
+              </a:rPr>
+              <a:t>ఎన్నెన్నో ఇబ్బందులకు గురి చేసిననూ</a:t>
+            </a:r>
+          </a:p>
+          <a:p>
+            <a:pPr>
+              <a:lnSpc>
+                <a:spcPct val="150000"/>
+              </a:lnSpc>
+            </a:pPr>
+            <a:r>
+              <a:rPr lang="te-IN" dirty="0">
+                <a:latin typeface="Anek Telugu SemiBold" pitchFamily="2" charset="0"/>
+                <a:cs typeface="Anek Telugu SemiBold" pitchFamily="2" charset="0"/>
+              </a:rPr>
+              <a:t>నను నీవు విడువలేదయ్యా (2)</a:t>
             </a:r>
           </a:p>
         </p:txBody>
@@ -4694,7 +4611,7 @@
         <p:spPr>
           <a:xfrm>
             <a:off x="5245006" y="343995"/>
-            <a:ext cx="4749801" cy="5632311"/>
+            <a:ext cx="4749801" cy="5909310"/>
           </a:xfrm>
           <a:prstGeom prst="rect">
             <a:avLst/>
@@ -4713,11 +4630,11 @@
               </a:lnSpc>
             </a:pPr>
             <a:r>
-              <a:rPr lang="te-IN" sz="1600" b="1" dirty="0">
+              <a:rPr lang="te-IN" b="1" dirty="0">
                 <a:latin typeface="Anek Telugu SemiBold" pitchFamily="2" charset="0"/>
                 <a:cs typeface="Anek Telugu SemiBold" pitchFamily="2" charset="0"/>
               </a:rPr>
-              <a:t>నా దాగు చోటు నా ఆశ్రయము </a:t>
+              <a:t>ఆనందమే పరమానందమే</a:t>
             </a:r>
           </a:p>
           <a:p>
@@ -4727,11 +4644,11 @@
               </a:lnSpc>
             </a:pPr>
             <a:r>
-              <a:rPr lang="te-IN" sz="1600" b="1" dirty="0">
+              <a:rPr lang="te-IN" b="1" dirty="0">
                 <a:latin typeface="Anek Telugu SemiBold" pitchFamily="2" charset="0"/>
                 <a:cs typeface="Anek Telugu SemiBold" pitchFamily="2" charset="0"/>
               </a:rPr>
-              <a:t>నీవే నీవే నా యేసయ్యా || 2 || </a:t>
+              <a:t>ఆశ్రయపురమైన యేసయ్యా నీలో (2)</a:t>
             </a:r>
           </a:p>
           <a:p>
@@ -4741,11 +4658,11 @@
               </a:lnSpc>
             </a:pPr>
             <a:r>
-              <a:rPr lang="te-IN" sz="1600" b="1" dirty="0">
+              <a:rPr lang="te-IN" b="1" dirty="0">
                 <a:latin typeface="Anek Telugu SemiBold" pitchFamily="2" charset="0"/>
                 <a:cs typeface="Anek Telugu SemiBold" pitchFamily="2" charset="0"/>
               </a:rPr>
-              <a:t>నీవే నా ఆధారము </a:t>
+              <a:t>ఆపత్కాలములన్నిటిలో ఆదరించిన</a:t>
             </a:r>
           </a:p>
           <a:p>
@@ -4755,11 +4672,11 @@
               </a:lnSpc>
             </a:pPr>
             <a:r>
-              <a:rPr lang="te-IN" sz="1600" b="1" dirty="0">
+              <a:rPr lang="te-IN" b="1" dirty="0">
                 <a:latin typeface="Anek Telugu SemiBold" pitchFamily="2" charset="0"/>
                 <a:cs typeface="Anek Telugu SemiBold" pitchFamily="2" charset="0"/>
               </a:rPr>
-              <a:t>నీవే నా ఆనందము </a:t>
+              <a:t>అక్షయుడా నీకే స్తోత్రము (2)</a:t>
             </a:r>
           </a:p>
           <a:p>
@@ -4768,7 +4685,7 @@
                 <a:spcPct val="150000"/>
               </a:lnSpc>
             </a:pPr>
-            <a:endParaRPr lang="te-IN" sz="1600" b="1" dirty="0">
+            <a:endParaRPr lang="te-IN" b="1" dirty="0">
               <a:latin typeface="Anek Telugu SemiBold" pitchFamily="2" charset="0"/>
               <a:cs typeface="Anek Telugu SemiBold" pitchFamily="2" charset="0"/>
             </a:endParaRPr>
@@ -4780,11 +4697,11 @@
               </a:lnSpc>
             </a:pPr>
             <a:r>
-              <a:rPr lang="te-IN" sz="1600" b="1" dirty="0">
+              <a:rPr lang="te-IN" b="1" dirty="0">
                 <a:latin typeface="Anek Telugu SemiBold" pitchFamily="2" charset="0"/>
                 <a:cs typeface="Anek Telugu SemiBold" pitchFamily="2" charset="0"/>
               </a:rPr>
-              <a:t>ఎండిన ఎడారిలో వేదన శోధనలో </a:t>
+              <a:t>పచ్చిక గల చోట్ల పరుండ జేసితివే</a:t>
             </a:r>
           </a:p>
           <a:p>
@@ -4794,11 +4711,11 @@
               </a:lnSpc>
             </a:pPr>
             <a:r>
-              <a:rPr lang="te-IN" sz="1600" b="1" dirty="0">
+              <a:rPr lang="te-IN" b="1" dirty="0">
                 <a:latin typeface="Anek Telugu SemiBold" pitchFamily="2" charset="0"/>
                 <a:cs typeface="Anek Telugu SemiBold" pitchFamily="2" charset="0"/>
               </a:rPr>
-              <a:t>కడతేరి పోవు నన్ను కాపాడినావే ( 2 )</a:t>
+              <a:t>జీవ జలములు త్రాగనిచ్చితివే (2)</a:t>
             </a:r>
           </a:p>
           <a:p>
@@ -4808,16 +4725,12 @@
               </a:lnSpc>
             </a:pPr>
             <a:r>
-              <a:rPr lang="te-IN" sz="1600" b="1" dirty="0">
+              <a:rPr lang="te-IN" b="1" dirty="0">
                 <a:latin typeface="Anek Telugu SemiBold" pitchFamily="2" charset="0"/>
                 <a:cs typeface="Anek Telugu SemiBold" pitchFamily="2" charset="0"/>
               </a:rPr>
-              <a:t>దీవెన వర్షంతో నన్ను దర్శించి</a:t>
-            </a:r>
-            <a:endParaRPr lang="en-IN" sz="1600" b="1" dirty="0">
-              <a:latin typeface="Anek Telugu SemiBold" pitchFamily="2" charset="0"/>
-              <a:cs typeface="Anek Telugu SemiBold" pitchFamily="2" charset="0"/>
-            </a:endParaRPr>
+              <a:t>నా ప్రాణమునకు సేదదీర్చితివవే</a:t>
+            </a:r>
           </a:p>
           <a:p>
             <a:pPr defTabSz="439781">
@@ -4826,11 +4739,11 @@
               </a:lnSpc>
             </a:pPr>
             <a:r>
-              <a:rPr lang="te-IN" sz="1600" b="1" dirty="0">
+              <a:rPr lang="te-IN" b="1" dirty="0">
                 <a:latin typeface="Anek Telugu SemiBold" pitchFamily="2" charset="0"/>
                 <a:cs typeface="Anek Telugu SemiBold" pitchFamily="2" charset="0"/>
               </a:rPr>
-              <a:t>పచ్చని పచ్చికగ నన్ను మార్చినావే ( 2 )</a:t>
+              <a:t>నీతియు శాంతియు నాకిచ్చితివే (2)</a:t>
             </a:r>
           </a:p>
           <a:p>
@@ -4839,7 +4752,7 @@
                 <a:spcPct val="150000"/>
               </a:lnSpc>
             </a:pPr>
-            <a:endParaRPr lang="te-IN" sz="1600" b="1" dirty="0">
+            <a:endParaRPr lang="te-IN" b="1" dirty="0">
               <a:latin typeface="Anek Telugu SemiBold" pitchFamily="2" charset="0"/>
               <a:cs typeface="Anek Telugu SemiBold" pitchFamily="2" charset="0"/>
             </a:endParaRPr>
@@ -4851,11 +4764,11 @@
               </a:lnSpc>
             </a:pPr>
             <a:r>
-              <a:rPr lang="te-IN" sz="1600" b="1" dirty="0">
+              <a:rPr lang="te-IN" b="1" dirty="0">
                 <a:latin typeface="Anek Telugu SemiBold" pitchFamily="2" charset="0"/>
                 <a:cs typeface="Anek Telugu SemiBold" pitchFamily="2" charset="0"/>
               </a:rPr>
-              <a:t>హెర్మోను పర్వతాన </a:t>
+              <a:t>గాఢాంధకారము లోయలలో నేను</a:t>
             </a:r>
           </a:p>
           <a:p>
@@ -4865,11 +4778,11 @@
               </a:lnSpc>
             </a:pPr>
             <a:r>
-              <a:rPr lang="te-IN" sz="1600" b="1" dirty="0">
+              <a:rPr lang="te-IN" b="1" dirty="0">
                 <a:latin typeface="Anek Telugu SemiBold" pitchFamily="2" charset="0"/>
                 <a:cs typeface="Anek Telugu SemiBold" pitchFamily="2" charset="0"/>
               </a:rPr>
-              <a:t>కృపా క్షేమ సన్నిధాన</a:t>
+              <a:t>సంచరించినా దేనికి భయపడను (2)</a:t>
             </a:r>
           </a:p>
           <a:p>
@@ -4879,11 +4792,11 @@
               </a:lnSpc>
             </a:pPr>
             <a:r>
-              <a:rPr lang="te-IN" sz="1600" b="1" dirty="0">
+              <a:rPr lang="te-IN" b="1" dirty="0">
                 <a:latin typeface="Anek Telugu SemiBold" pitchFamily="2" charset="0"/>
                 <a:cs typeface="Anek Telugu SemiBold" pitchFamily="2" charset="0"/>
               </a:rPr>
-              <a:t>నివసింప కోరెనే  నా హృదయమెంతో ( 2 )</a:t>
+              <a:t>నీ దుడ్డు కఱ్ఱయు నీ దండమును</a:t>
             </a:r>
           </a:p>
           <a:p>
@@ -4893,25 +4806,11 @@
               </a:lnSpc>
             </a:pPr>
             <a:r>
-              <a:rPr lang="te-IN" sz="1600" b="1" dirty="0">
+              <a:rPr lang="te-IN" b="1" dirty="0">
                 <a:latin typeface="Anek Telugu SemiBold" pitchFamily="2" charset="0"/>
                 <a:cs typeface="Anek Telugu SemiBold" pitchFamily="2" charset="0"/>
               </a:rPr>
-              <a:t>మహిమాత్మ  ప్రోక్షణతో మధురానుబంధముతో </a:t>
-            </a:r>
-          </a:p>
-          <a:p>
-            <a:pPr defTabSz="439781">
-              <a:lnSpc>
-                <a:spcPct val="150000"/>
-              </a:lnSpc>
-            </a:pPr>
-            <a:r>
-              <a:rPr lang="te-IN" sz="1600" b="1" dirty="0">
-                <a:latin typeface="Anek Telugu SemiBold" pitchFamily="2" charset="0"/>
-                <a:cs typeface="Anek Telugu SemiBold" pitchFamily="2" charset="0"/>
-              </a:rPr>
-              <a:t>నన్ను నిలిపితివే నీ సత్య కృపలో ( 2 ) </a:t>
+              <a:t>అనుదినం అనుక్షణం కాపాడునే (2)</a:t>
             </a:r>
           </a:p>
         </p:txBody>

--- a/songsTemplate.pptx
+++ b/songsTemplate.pptx
@@ -135,12 +135,12 @@
   <pc:docChgLst>
     <pc:chgData name="Venu Yalapala" userId="9feb8bbceceecaca" providerId="LiveId" clId="{CD4B1779-0926-477D-B902-440342C52CB5}"/>
     <pc:docChg chg="undo redo custSel modSld">
-      <pc:chgData name="Venu Yalapala" userId="9feb8bbceceecaca" providerId="LiveId" clId="{CD4B1779-0926-477D-B902-440342C52CB5}" dt="2025-07-26T09:23:02.453" v="649" actId="403"/>
+      <pc:chgData name="Venu Yalapala" userId="9feb8bbceceecaca" providerId="LiveId" clId="{CD4B1779-0926-477D-B902-440342C52CB5}" dt="2025-07-26T11:14:44.023" v="650" actId="20577"/>
       <pc:docMkLst>
         <pc:docMk/>
       </pc:docMkLst>
       <pc:sldChg chg="delSp modSp mod">
-        <pc:chgData name="Venu Yalapala" userId="9feb8bbceceecaca" providerId="LiveId" clId="{CD4B1779-0926-477D-B902-440342C52CB5}" dt="2025-07-26T09:22:29.025" v="647" actId="255"/>
+        <pc:chgData name="Venu Yalapala" userId="9feb8bbceceecaca" providerId="LiveId" clId="{CD4B1779-0926-477D-B902-440342C52CB5}" dt="2025-07-26T11:14:44.023" v="650" actId="20577"/>
         <pc:sldMkLst>
           <pc:docMk/>
           <pc:sldMk cId="3342490066" sldId="256"/>
@@ -170,7 +170,7 @@
           </ac:spMkLst>
         </pc:spChg>
         <pc:spChg chg="mod">
-          <ac:chgData name="Venu Yalapala" userId="9feb8bbceceecaca" providerId="LiveId" clId="{CD4B1779-0926-477D-B902-440342C52CB5}" dt="2025-07-26T09:22:29.025" v="647" actId="255"/>
+          <ac:chgData name="Venu Yalapala" userId="9feb8bbceceecaca" providerId="LiveId" clId="{CD4B1779-0926-477D-B902-440342C52CB5}" dt="2025-07-26T11:14:44.023" v="650" actId="20577"/>
           <ac:spMkLst>
             <pc:docMk/>
             <pc:sldMk cId="3342490066" sldId="256"/>
@@ -4143,7 +4143,7 @@
         <p:spPr>
           <a:xfrm>
             <a:off x="470323" y="332041"/>
-            <a:ext cx="4544669" cy="5262979"/>
+            <a:ext cx="4544669" cy="5632311"/>
           </a:xfrm>
           <a:prstGeom prst="rect">
             <a:avLst/>
@@ -4166,7 +4166,25 @@
                 <a:latin typeface="Anek Telugu SemiBold" pitchFamily="2" charset="0"/>
                 <a:cs typeface="Anek Telugu SemiBold" pitchFamily="2" charset="0"/>
               </a:rPr>
-              <a:t>కృప కృప నీ కృపకృప కృప క్రీస్తు కృప (2)</a:t>
+              <a:t>కృప కృప నీ కృప</a:t>
+            </a:r>
+            <a:endParaRPr lang="en-US" sz="1600" b="1" dirty="0">
+              <a:latin typeface="Anek Telugu SemiBold" pitchFamily="2" charset="0"/>
+              <a:cs typeface="Anek Telugu SemiBold" pitchFamily="2" charset="0"/>
+            </a:endParaRPr>
+          </a:p>
+          <a:p>
+            <a:pPr>
+              <a:lnSpc>
+                <a:spcPct val="150000"/>
+              </a:lnSpc>
+            </a:pPr>
+            <a:r>
+              <a:rPr lang="te-IN" sz="1600" b="1" dirty="0">
+                <a:latin typeface="Anek Telugu SemiBold" pitchFamily="2" charset="0"/>
+                <a:cs typeface="Anek Telugu SemiBold" pitchFamily="2" charset="0"/>
+              </a:rPr>
+              <a:t>కృప కృప క్రీస్తు కృప (2)</a:t>
             </a:r>
           </a:p>
           <a:p>

--- a/songsTemplate.pptx
+++ b/songsTemplate.pptx
@@ -135,12 +135,12 @@
   <pc:docChgLst>
     <pc:chgData name="Venu Yalapala" userId="9feb8bbceceecaca" providerId="LiveId" clId="{CD4B1779-0926-477D-B902-440342C52CB5}"/>
     <pc:docChg chg="undo redo custSel modSld">
-      <pc:chgData name="Venu Yalapala" userId="9feb8bbceceecaca" providerId="LiveId" clId="{CD4B1779-0926-477D-B902-440342C52CB5}" dt="2025-07-26T11:14:44.023" v="650" actId="20577"/>
+      <pc:chgData name="Venu Yalapala" userId="9feb8bbceceecaca" providerId="LiveId" clId="{CD4B1779-0926-477D-B902-440342C52CB5}" dt="2025-08-02T16:46:32.883" v="789" actId="1038"/>
       <pc:docMkLst>
         <pc:docMk/>
       </pc:docMkLst>
       <pc:sldChg chg="delSp modSp mod">
-        <pc:chgData name="Venu Yalapala" userId="9feb8bbceceecaca" providerId="LiveId" clId="{CD4B1779-0926-477D-B902-440342C52CB5}" dt="2025-07-26T11:14:44.023" v="650" actId="20577"/>
+        <pc:chgData name="Venu Yalapala" userId="9feb8bbceceecaca" providerId="LiveId" clId="{CD4B1779-0926-477D-B902-440342C52CB5}" dt="2025-08-02T16:42:26.811" v="679" actId="255"/>
         <pc:sldMkLst>
           <pc:docMk/>
           <pc:sldMk cId="3342490066" sldId="256"/>
@@ -154,7 +154,7 @@
           </ac:spMkLst>
         </pc:spChg>
         <pc:spChg chg="mod">
-          <ac:chgData name="Venu Yalapala" userId="9feb8bbceceecaca" providerId="LiveId" clId="{CD4B1779-0926-477D-B902-440342C52CB5}" dt="2025-07-26T09:06:48.456" v="539" actId="20577"/>
+          <ac:chgData name="Venu Yalapala" userId="9feb8bbceceecaca" providerId="LiveId" clId="{CD4B1779-0926-477D-B902-440342C52CB5}" dt="2025-08-02T16:42:26.811" v="679" actId="255"/>
           <ac:spMkLst>
             <pc:docMk/>
             <pc:sldMk cId="3342490066" sldId="256"/>
@@ -179,13 +179,13 @@
         </pc:spChg>
       </pc:sldChg>
       <pc:sldChg chg="delSp modSp mod">
-        <pc:chgData name="Venu Yalapala" userId="9feb8bbceceecaca" providerId="LiveId" clId="{CD4B1779-0926-477D-B902-440342C52CB5}" dt="2025-07-26T09:23:02.453" v="649" actId="403"/>
+        <pc:chgData name="Venu Yalapala" userId="9feb8bbceceecaca" providerId="LiveId" clId="{CD4B1779-0926-477D-B902-440342C52CB5}" dt="2025-08-02T16:46:32.883" v="789" actId="1038"/>
         <pc:sldMkLst>
           <pc:docMk/>
           <pc:sldMk cId="2536218313" sldId="258"/>
         </pc:sldMkLst>
         <pc:spChg chg="mod">
-          <ac:chgData name="Venu Yalapala" userId="9feb8bbceceecaca" providerId="LiveId" clId="{CD4B1779-0926-477D-B902-440342C52CB5}" dt="2025-07-26T09:22:59.334" v="648" actId="403"/>
+          <ac:chgData name="Venu Yalapala" userId="9feb8bbceceecaca" providerId="LiveId" clId="{CD4B1779-0926-477D-B902-440342C52CB5}" dt="2025-08-02T16:44:17.177" v="709" actId="20577"/>
           <ac:spMkLst>
             <pc:docMk/>
             <pc:sldMk cId="2536218313" sldId="258"/>
@@ -201,7 +201,7 @@
           </ac:spMkLst>
         </pc:spChg>
         <pc:spChg chg="mod">
-          <ac:chgData name="Venu Yalapala" userId="9feb8bbceceecaca" providerId="LiveId" clId="{CD4B1779-0926-477D-B902-440342C52CB5}" dt="2025-07-26T09:23:02.453" v="649" actId="403"/>
+          <ac:chgData name="Venu Yalapala" userId="9feb8bbceceecaca" providerId="LiveId" clId="{CD4B1779-0926-477D-B902-440342C52CB5}" dt="2025-08-02T16:46:32.883" v="789" actId="1038"/>
           <ac:spMkLst>
             <pc:docMk/>
             <pc:sldMk cId="2536218313" sldId="258"/>
@@ -316,7 +316,7 @@
           <a:p>
             <a:fld id="{0EEBF99D-A94C-4ACE-ABB7-ED5902A7DBE5}" type="datetimeFigureOut">
               <a:rPr lang="en-IN" smtClean="0"/>
-              <a:t>26-07-2025</a:t>
+              <a:t>02-08-2025</a:t>
             </a:fld>
             <a:endParaRPr lang="en-IN"/>
           </a:p>
@@ -494,7 +494,7 @@
           <a:p>
             <a:fld id="{6EA7C7CE-6F0C-4E71-B520-9461545357C0}" type="datetimeFigureOut">
               <a:rPr lang="en-IN" smtClean="0"/>
-              <a:t>26-07-2025</a:t>
+              <a:t>02-08-2025</a:t>
             </a:fld>
             <a:endParaRPr lang="en-IN"/>
           </a:p>
@@ -894,7 +894,7 @@
           <a:p>
             <a:fld id="{F1102B08-ED9E-409F-B95F-09CAA1DAF6E0}" type="datetimeFigureOut">
               <a:rPr lang="en-IN" smtClean="0"/>
-              <a:t>26-07-2025</a:t>
+              <a:t>02-08-2025</a:t>
             </a:fld>
             <a:endParaRPr lang="en-IN"/>
           </a:p>
@@ -1151,7 +1151,7 @@
           <a:p>
             <a:fld id="{F1102B08-ED9E-409F-B95F-09CAA1DAF6E0}" type="datetimeFigureOut">
               <a:rPr lang="en-IN" smtClean="0"/>
-              <a:t>26-07-2025</a:t>
+              <a:t>02-08-2025</a:t>
             </a:fld>
             <a:endParaRPr lang="en-IN"/>
           </a:p>
@@ -1321,7 +1321,7 @@
           <a:p>
             <a:fld id="{F1102B08-ED9E-409F-B95F-09CAA1DAF6E0}" type="datetimeFigureOut">
               <a:rPr lang="en-IN" smtClean="0"/>
-              <a:t>26-07-2025</a:t>
+              <a:t>02-08-2025</a:t>
             </a:fld>
             <a:endParaRPr lang="en-IN"/>
           </a:p>
@@ -1501,7 +1501,7 @@
           <a:p>
             <a:fld id="{F1102B08-ED9E-409F-B95F-09CAA1DAF6E0}" type="datetimeFigureOut">
               <a:rPr lang="en-IN" smtClean="0"/>
-              <a:t>26-07-2025</a:t>
+              <a:t>02-08-2025</a:t>
             </a:fld>
             <a:endParaRPr lang="en-IN"/>
           </a:p>
@@ -1703,7 +1703,7 @@
             <a:fld id="{F1102B08-ED9E-409F-B95F-09CAA1DAF6E0}" type="datetimeFigureOut">
               <a:rPr lang="en-IN" b="0" smtClean="0"/>
               <a:pPr/>
-              <a:t>26-07-2025</a:t>
+              <a:t>02-08-2025</a:t>
             </a:fld>
             <a:endParaRPr lang="en-IN" b="0" dirty="0"/>
           </a:p>
@@ -1931,7 +1931,7 @@
           <a:p>
             <a:fld id="{F1102B08-ED9E-409F-B95F-09CAA1DAF6E0}" type="datetimeFigureOut">
               <a:rPr lang="en-IN" smtClean="0"/>
-              <a:t>26-07-2025</a:t>
+              <a:t>02-08-2025</a:t>
             </a:fld>
             <a:endParaRPr lang="en-IN"/>
           </a:p>
@@ -2175,7 +2175,7 @@
           <a:p>
             <a:fld id="{F1102B08-ED9E-409F-B95F-09CAA1DAF6E0}" type="datetimeFigureOut">
               <a:rPr lang="en-IN" smtClean="0"/>
-              <a:t>26-07-2025</a:t>
+              <a:t>02-08-2025</a:t>
             </a:fld>
             <a:endParaRPr lang="en-IN"/>
           </a:p>
@@ -2407,7 +2407,7 @@
           <a:p>
             <a:fld id="{F1102B08-ED9E-409F-B95F-09CAA1DAF6E0}" type="datetimeFigureOut">
               <a:rPr lang="en-IN" smtClean="0"/>
-              <a:t>26-07-2025</a:t>
+              <a:t>02-08-2025</a:t>
             </a:fld>
             <a:endParaRPr lang="en-IN"/>
           </a:p>
@@ -2774,7 +2774,7 @@
           <a:p>
             <a:fld id="{F1102B08-ED9E-409F-B95F-09CAA1DAF6E0}" type="datetimeFigureOut">
               <a:rPr lang="en-IN" smtClean="0"/>
-              <a:t>26-07-2025</a:t>
+              <a:t>02-08-2025</a:t>
             </a:fld>
             <a:endParaRPr lang="en-IN"/>
           </a:p>
@@ -2892,7 +2892,7 @@
           <a:p>
             <a:fld id="{F1102B08-ED9E-409F-B95F-09CAA1DAF6E0}" type="datetimeFigureOut">
               <a:rPr lang="en-IN" smtClean="0"/>
-              <a:t>26-07-2025</a:t>
+              <a:t>02-08-2025</a:t>
             </a:fld>
             <a:endParaRPr lang="en-IN"/>
           </a:p>
@@ -2987,7 +2987,7 @@
           <a:p>
             <a:fld id="{F1102B08-ED9E-409F-B95F-09CAA1DAF6E0}" type="datetimeFigureOut">
               <a:rPr lang="en-IN" smtClean="0"/>
-              <a:t>26-07-2025</a:t>
+              <a:t>02-08-2025</a:t>
             </a:fld>
             <a:endParaRPr lang="en-IN"/>
           </a:p>
@@ -3264,7 +3264,7 @@
           <a:p>
             <a:fld id="{F1102B08-ED9E-409F-B95F-09CAA1DAF6E0}" type="datetimeFigureOut">
               <a:rPr lang="en-IN" smtClean="0"/>
-              <a:t>26-07-2025</a:t>
+              <a:t>02-08-2025</a:t>
             </a:fld>
             <a:endParaRPr lang="en-IN"/>
           </a:p>
@@ -3477,7 +3477,7 @@
           <a:p>
             <a:fld id="{F1102B08-ED9E-409F-B95F-09CAA1DAF6E0}" type="datetimeFigureOut">
               <a:rPr lang="en-IN" smtClean="0"/>
-              <a:t>26-07-2025</a:t>
+              <a:t>02-08-2025</a:t>
             </a:fld>
             <a:endParaRPr lang="en-IN"/>
           </a:p>
@@ -3897,8 +3897,8 @@
         </p:nvSpPr>
         <p:spPr>
           <a:xfrm>
-            <a:off x="5228323" y="347032"/>
-            <a:ext cx="4883429" cy="5262979"/>
+            <a:off x="5202923" y="270832"/>
+            <a:ext cx="4883429" cy="5978560"/>
           </a:xfrm>
           <a:prstGeom prst="rect">
             <a:avLst/>
@@ -3917,13 +3917,76 @@
               </a:lnSpc>
             </a:pPr>
             <a:r>
-              <a:rPr lang="te-IN" sz="1600" dirty="0">
-                <a:latin typeface="Anek Telugu SemiBold" pitchFamily="2" charset="0"/>
-                <a:cs typeface="Anek Telugu SemiBold" pitchFamily="2" charset="0"/>
-              </a:rPr>
-              <a:t>రాజ జగమెరిగిన నా యేసు రాజా</a:t>
-            </a:r>
-            <a:endParaRPr lang="en-US" sz="1600" dirty="0">
+              <a:rPr lang="te-IN" sz="1500" dirty="0">
+                <a:latin typeface="Anek Telugu SemiBold" pitchFamily="2" charset="0"/>
+                <a:cs typeface="Anek Telugu SemiBold" pitchFamily="2" charset="0"/>
+              </a:rPr>
+              <a:t>మహాఘనుడవు మహోన్నతుడవు</a:t>
+            </a:r>
+          </a:p>
+          <a:p>
+            <a:pPr>
+              <a:lnSpc>
+                <a:spcPct val="150000"/>
+              </a:lnSpc>
+            </a:pPr>
+            <a:r>
+              <a:rPr lang="te-IN" sz="1500" dirty="0">
+                <a:latin typeface="Anek Telugu SemiBold" pitchFamily="2" charset="0"/>
+                <a:cs typeface="Anek Telugu SemiBold" pitchFamily="2" charset="0"/>
+              </a:rPr>
+              <a:t>పరిశుద్ధ స్థలములోనే నివసించువాడవు (2)</a:t>
+            </a:r>
+          </a:p>
+          <a:p>
+            <a:pPr>
+              <a:lnSpc>
+                <a:spcPct val="150000"/>
+              </a:lnSpc>
+            </a:pPr>
+            <a:r>
+              <a:rPr lang="te-IN" sz="1500" dirty="0">
+                <a:latin typeface="Anek Telugu SemiBold" pitchFamily="2" charset="0"/>
+                <a:cs typeface="Anek Telugu SemiBold" pitchFamily="2" charset="0"/>
+              </a:rPr>
+              <a:t>కృపా సత్య సంపూర్ణమై</a:t>
+            </a:r>
+          </a:p>
+          <a:p>
+            <a:pPr>
+              <a:lnSpc>
+                <a:spcPct val="150000"/>
+              </a:lnSpc>
+            </a:pPr>
+            <a:r>
+              <a:rPr lang="te-IN" sz="1500" dirty="0">
+                <a:latin typeface="Anek Telugu SemiBold" pitchFamily="2" charset="0"/>
+                <a:cs typeface="Anek Telugu SemiBold" pitchFamily="2" charset="0"/>
+              </a:rPr>
+              <a:t>మా మధ్యలో నివసించుట న్యాయమా</a:t>
+            </a:r>
+          </a:p>
+          <a:p>
+            <a:pPr>
+              <a:lnSpc>
+                <a:spcPct val="150000"/>
+              </a:lnSpc>
+            </a:pPr>
+            <a:r>
+              <a:rPr lang="te-IN" sz="1500" dirty="0">
+                <a:latin typeface="Anek Telugu SemiBold" pitchFamily="2" charset="0"/>
+                <a:cs typeface="Anek Telugu SemiBold" pitchFamily="2" charset="0"/>
+              </a:rPr>
+              <a:t>నను పరిశుద్ధపరచుటే నీ ధర్మమా (2)</a:t>
+            </a:r>
+          </a:p>
+          <a:p>
+            <a:pPr>
+              <a:lnSpc>
+                <a:spcPct val="150000"/>
+              </a:lnSpc>
+            </a:pPr>
+            <a:endParaRPr lang="te-IN" sz="1500" dirty="0">
               <a:latin typeface="Anek Telugu SemiBold" pitchFamily="2" charset="0"/>
               <a:cs typeface="Anek Telugu SemiBold" pitchFamily="2" charset="0"/>
             </a:endParaRPr>
@@ -3935,13 +3998,76 @@
               </a:lnSpc>
             </a:pPr>
             <a:r>
-              <a:rPr lang="te-IN" sz="1600" dirty="0">
-                <a:latin typeface="Anek Telugu SemiBold" pitchFamily="2" charset="0"/>
-                <a:cs typeface="Anek Telugu SemiBold" pitchFamily="2" charset="0"/>
-              </a:rPr>
-              <a:t>రాగాలలో అనురాగాలు కురిపించిన</a:t>
-            </a:r>
-            <a:endParaRPr lang="en-US" sz="1600" dirty="0">
+              <a:rPr lang="te-IN" sz="1500" dirty="0">
+                <a:latin typeface="Anek Telugu SemiBold" pitchFamily="2" charset="0"/>
+                <a:cs typeface="Anek Telugu SemiBold" pitchFamily="2" charset="0"/>
+              </a:rPr>
+              <a:t>వినయముగల వారిని</a:t>
+            </a:r>
+          </a:p>
+          <a:p>
+            <a:pPr>
+              <a:lnSpc>
+                <a:spcPct val="150000"/>
+              </a:lnSpc>
+            </a:pPr>
+            <a:r>
+              <a:rPr lang="te-IN" sz="1500" dirty="0">
+                <a:latin typeface="Anek Telugu SemiBold" pitchFamily="2" charset="0"/>
+                <a:cs typeface="Anek Telugu SemiBold" pitchFamily="2" charset="0"/>
+              </a:rPr>
+              <a:t>తగిన సమయములో హెచ్చించువాడవని (2)</a:t>
+            </a:r>
+          </a:p>
+          <a:p>
+            <a:pPr>
+              <a:lnSpc>
+                <a:spcPct val="150000"/>
+              </a:lnSpc>
+            </a:pPr>
+            <a:r>
+              <a:rPr lang="te-IN" sz="1500" dirty="0">
+                <a:latin typeface="Anek Telugu SemiBold" pitchFamily="2" charset="0"/>
+                <a:cs typeface="Anek Telugu SemiBold" pitchFamily="2" charset="0"/>
+              </a:rPr>
+              <a:t>నీవు వాడు పాత్రనై నేనుండుటకై</a:t>
+            </a:r>
+          </a:p>
+          <a:p>
+            <a:pPr>
+              <a:lnSpc>
+                <a:spcPct val="150000"/>
+              </a:lnSpc>
+            </a:pPr>
+            <a:r>
+              <a:rPr lang="te-IN" sz="1500" dirty="0">
+                <a:latin typeface="Anek Telugu SemiBold" pitchFamily="2" charset="0"/>
+                <a:cs typeface="Anek Telugu SemiBold" pitchFamily="2" charset="0"/>
+              </a:rPr>
+              <a:t>నిలిచియుందును పవిత్రతతో (2)</a:t>
+            </a:r>
+          </a:p>
+          <a:p>
+            <a:pPr>
+              <a:lnSpc>
+                <a:spcPct val="150000"/>
+              </a:lnSpc>
+            </a:pPr>
+            <a:r>
+              <a:rPr lang="te-IN" sz="1500" dirty="0">
+                <a:latin typeface="Anek Telugu SemiBold" pitchFamily="2" charset="0"/>
+                <a:cs typeface="Anek Telugu SemiBold" pitchFamily="2" charset="0"/>
+              </a:rPr>
+              <a:t>హల్లెలూయా యేసయ్యా నీకే స్తోత్రమయా (2</a:t>
+            </a:r>
+            <a:r>
+              <a:rPr lang="en-IN" sz="1500" dirty="0">
+                <a:latin typeface="Anek Telugu SemiBold" pitchFamily="2" charset="0"/>
+                <a:cs typeface="Anek Telugu SemiBold" pitchFamily="2" charset="0"/>
+              </a:rPr>
+              <a:t>)</a:t>
+            </a:r>
+            <a:endParaRPr lang="te-IN" sz="1500" dirty="0">
               <a:latin typeface="Anek Telugu SemiBold" pitchFamily="2" charset="0"/>
               <a:cs typeface="Anek Telugu SemiBold" pitchFamily="2" charset="0"/>
             </a:endParaRPr>
@@ -3952,14 +4078,7 @@
                 <a:spcPct val="150000"/>
               </a:lnSpc>
             </a:pPr>
-            <a:r>
-              <a:rPr lang="te-IN" sz="1600" dirty="0">
-                <a:latin typeface="Anek Telugu SemiBold" pitchFamily="2" charset="0"/>
-                <a:cs typeface="Anek Telugu SemiBold" pitchFamily="2" charset="0"/>
-              </a:rPr>
-              <a:t>మనబంధము అనుబంధము (2)</a:t>
-            </a:r>
-            <a:endParaRPr lang="en-US" sz="1600" dirty="0">
+            <a:endParaRPr lang="te-IN" sz="1500" dirty="0">
               <a:latin typeface="Anek Telugu SemiBold" pitchFamily="2" charset="0"/>
               <a:cs typeface="Anek Telugu SemiBold" pitchFamily="2" charset="0"/>
             </a:endParaRPr>
@@ -3971,160 +4090,79 @@
               </a:lnSpc>
             </a:pPr>
             <a:r>
-              <a:rPr lang="te-IN" sz="1600" dirty="0">
-                <a:latin typeface="Anek Telugu SemiBold" pitchFamily="2" charset="0"/>
-                <a:cs typeface="Anek Telugu SemiBold" pitchFamily="2" charset="0"/>
-              </a:rPr>
-              <a:t>విడదీయగలరా ఎవరైనను మరి ఏదైనను? (2)</a:t>
-            </a:r>
-            <a:endParaRPr lang="en-US" sz="1600" dirty="0">
+              <a:rPr lang="te-IN" sz="1500" dirty="0">
+                <a:latin typeface="Anek Telugu SemiBold" pitchFamily="2" charset="0"/>
+                <a:cs typeface="Anek Telugu SemiBold" pitchFamily="2" charset="0"/>
+              </a:rPr>
+              <a:t>దీన మనస్సు గలవారికే</a:t>
+            </a:r>
+          </a:p>
+          <a:p>
+            <a:pPr>
+              <a:lnSpc>
+                <a:spcPct val="150000"/>
+              </a:lnSpc>
+            </a:pPr>
+            <a:r>
+              <a:rPr lang="te-IN" sz="1500" dirty="0">
+                <a:latin typeface="Anek Telugu SemiBold" pitchFamily="2" charset="0"/>
+                <a:cs typeface="Anek Telugu SemiBold" pitchFamily="2" charset="0"/>
+              </a:rPr>
+              <a:t>సమృద్ధిగా కృపను దయచేయువాడవని (2)</a:t>
+            </a:r>
+          </a:p>
+          <a:p>
+            <a:pPr>
+              <a:lnSpc>
+                <a:spcPct val="150000"/>
+              </a:lnSpc>
+            </a:pPr>
+            <a:r>
+              <a:rPr lang="te-IN" sz="1500" dirty="0">
+                <a:latin typeface="Anek Telugu SemiBold" pitchFamily="2" charset="0"/>
+                <a:cs typeface="Anek Telugu SemiBold" pitchFamily="2" charset="0"/>
+              </a:rPr>
+              <a:t>నీ సముఖములో సజీవ సాక్షినై</a:t>
+            </a:r>
+          </a:p>
+          <a:p>
+            <a:pPr>
+              <a:lnSpc>
+                <a:spcPct val="150000"/>
+              </a:lnSpc>
+            </a:pPr>
+            <a:r>
+              <a:rPr lang="te-IN" sz="1500" dirty="0">
+                <a:latin typeface="Anek Telugu SemiBold" pitchFamily="2" charset="0"/>
+                <a:cs typeface="Anek Telugu SemiBold" pitchFamily="2" charset="0"/>
+              </a:rPr>
+              <a:t>కాపాడుకొందును మెళకువతో (2)</a:t>
+            </a:r>
+          </a:p>
+          <a:p>
+            <a:pPr>
+              <a:lnSpc>
+                <a:spcPct val="150000"/>
+              </a:lnSpc>
+            </a:pPr>
+            <a:r>
+              <a:rPr lang="te-IN" sz="1500" dirty="0">
+                <a:latin typeface="Anek Telugu SemiBold" pitchFamily="2" charset="0"/>
+                <a:cs typeface="Anek Telugu SemiBold" pitchFamily="2" charset="0"/>
+              </a:rPr>
+              <a:t>హల్లెలూయా యేసయ్యా నీకే స్తోత్రమయా (2</a:t>
+            </a:r>
+            <a:r>
+              <a:rPr lang="en-IN" sz="1500" dirty="0">
+                <a:latin typeface="Anek Telugu SemiBold" pitchFamily="2" charset="0"/>
+                <a:cs typeface="Anek Telugu SemiBold" pitchFamily="2" charset="0"/>
+              </a:rPr>
+              <a:t>)</a:t>
+            </a:r>
+            <a:endParaRPr lang="te-IN" sz="1500" dirty="0">
               <a:latin typeface="Anek Telugu SemiBold" pitchFamily="2" charset="0"/>
               <a:cs typeface="Anek Telugu SemiBold" pitchFamily="2" charset="0"/>
             </a:endParaRPr>
-          </a:p>
-          <a:p>
-            <a:pPr>
-              <a:lnSpc>
-                <a:spcPct val="150000"/>
-              </a:lnSpc>
-            </a:pPr>
-            <a:endParaRPr lang="en-US" sz="1600" dirty="0">
-              <a:latin typeface="Anek Telugu SemiBold" pitchFamily="2" charset="0"/>
-              <a:cs typeface="Anek Telugu SemiBold" pitchFamily="2" charset="0"/>
-            </a:endParaRPr>
-          </a:p>
-          <a:p>
-            <a:pPr>
-              <a:lnSpc>
-                <a:spcPct val="150000"/>
-              </a:lnSpc>
-            </a:pPr>
-            <a:r>
-              <a:rPr lang="te-IN" sz="1600" dirty="0">
-                <a:latin typeface="Anek Telugu SemiBold" pitchFamily="2" charset="0"/>
-                <a:cs typeface="Anek Telugu SemiBold" pitchFamily="2" charset="0"/>
-              </a:rPr>
-              <a:t>దీన స్థితియందున సంపన్న స్థితియందున</a:t>
-            </a:r>
-            <a:endParaRPr lang="en-US" sz="1600" dirty="0">
-              <a:latin typeface="Anek Telugu SemiBold" pitchFamily="2" charset="0"/>
-              <a:cs typeface="Anek Telugu SemiBold" pitchFamily="2" charset="0"/>
-            </a:endParaRPr>
-          </a:p>
-          <a:p>
-            <a:pPr>
-              <a:lnSpc>
-                <a:spcPct val="150000"/>
-              </a:lnSpc>
-            </a:pPr>
-            <a:r>
-              <a:rPr lang="te-IN" sz="1600" dirty="0">
-                <a:latin typeface="Anek Telugu SemiBold" pitchFamily="2" charset="0"/>
-                <a:cs typeface="Anek Telugu SemiBold" pitchFamily="2" charset="0"/>
-              </a:rPr>
-              <a:t>నడచినను ఎగిరినను సంతృప్తి కలిగి యుందునే (2)</a:t>
-            </a:r>
-            <a:endParaRPr lang="en-US" sz="1600" dirty="0">
-              <a:latin typeface="Anek Telugu SemiBold" pitchFamily="2" charset="0"/>
-              <a:cs typeface="Anek Telugu SemiBold" pitchFamily="2" charset="0"/>
-            </a:endParaRPr>
-          </a:p>
-          <a:p>
-            <a:pPr>
-              <a:lnSpc>
-                <a:spcPct val="150000"/>
-              </a:lnSpc>
-            </a:pPr>
-            <a:r>
-              <a:rPr lang="te-IN" sz="1600" dirty="0">
-                <a:latin typeface="Anek Telugu SemiBold" pitchFamily="2" charset="0"/>
-                <a:cs typeface="Anek Telugu SemiBold" pitchFamily="2" charset="0"/>
-              </a:rPr>
-              <a:t>నిత్యము ఆరాధనకు నా ఆధారమాస్తోత్రబలులు నీకే అర్పించెద యేసయ్యా (2)</a:t>
-            </a:r>
-            <a:endParaRPr lang="en-US" sz="1600" dirty="0">
-              <a:latin typeface="Anek Telugu SemiBold" pitchFamily="2" charset="0"/>
-              <a:cs typeface="Anek Telugu SemiBold" pitchFamily="2" charset="0"/>
-            </a:endParaRPr>
-          </a:p>
-          <a:p>
-            <a:pPr>
-              <a:lnSpc>
-                <a:spcPct val="150000"/>
-              </a:lnSpc>
-            </a:pPr>
-            <a:endParaRPr lang="en-US" sz="1600" dirty="0">
-              <a:latin typeface="Anek Telugu SemiBold" pitchFamily="2" charset="0"/>
-              <a:cs typeface="Anek Telugu SemiBold" pitchFamily="2" charset="0"/>
-            </a:endParaRPr>
-          </a:p>
-          <a:p>
-            <a:pPr>
-              <a:lnSpc>
-                <a:spcPct val="150000"/>
-              </a:lnSpc>
-            </a:pPr>
-            <a:r>
-              <a:rPr lang="te-IN" sz="1600" dirty="0">
-                <a:latin typeface="Anek Telugu SemiBold" pitchFamily="2" charset="0"/>
-                <a:cs typeface="Anek Telugu SemiBold" pitchFamily="2" charset="0"/>
-              </a:rPr>
-              <a:t>బలహీనతలయందున అవమానములయందున</a:t>
-            </a:r>
-            <a:endParaRPr lang="en-US" sz="1600" dirty="0">
-              <a:latin typeface="Anek Telugu SemiBold" pitchFamily="2" charset="0"/>
-              <a:cs typeface="Anek Telugu SemiBold" pitchFamily="2" charset="0"/>
-            </a:endParaRPr>
-          </a:p>
-          <a:p>
-            <a:pPr>
-              <a:lnSpc>
-                <a:spcPct val="150000"/>
-              </a:lnSpc>
-            </a:pPr>
-            <a:r>
-              <a:rPr lang="te-IN" sz="1600" dirty="0">
-                <a:latin typeface="Anek Telugu SemiBold" pitchFamily="2" charset="0"/>
-                <a:cs typeface="Anek Telugu SemiBold" pitchFamily="2" charset="0"/>
-              </a:rPr>
-              <a:t>పడినను కృంగినను నీకృప కలిగియుందునే (2)</a:t>
-            </a:r>
-            <a:endParaRPr lang="en-US" sz="1600" dirty="0">
-              <a:latin typeface="Anek Telugu SemiBold" pitchFamily="2" charset="0"/>
-              <a:cs typeface="Anek Telugu SemiBold" pitchFamily="2" charset="0"/>
-            </a:endParaRPr>
-          </a:p>
-          <a:p>
-            <a:pPr>
-              <a:lnSpc>
-                <a:spcPct val="150000"/>
-              </a:lnSpc>
-            </a:pPr>
-            <a:r>
-              <a:rPr lang="te-IN" sz="1600" dirty="0">
-                <a:latin typeface="Anek Telugu SemiBold" pitchFamily="2" charset="0"/>
-                <a:cs typeface="Anek Telugu SemiBold" pitchFamily="2" charset="0"/>
-              </a:rPr>
-              <a:t>నిత్యము ఆరాధనకు నా ఆధారమా</a:t>
-            </a:r>
-            <a:endParaRPr lang="en-US" sz="1600" dirty="0">
-              <a:latin typeface="Anek Telugu SemiBold" pitchFamily="2" charset="0"/>
-              <a:cs typeface="Anek Telugu SemiBold" pitchFamily="2" charset="0"/>
-            </a:endParaRPr>
-          </a:p>
-          <a:p>
-            <a:pPr>
-              <a:lnSpc>
-                <a:spcPct val="150000"/>
-              </a:lnSpc>
-            </a:pPr>
-            <a:r>
-              <a:rPr lang="te-IN" sz="1600" dirty="0">
-                <a:latin typeface="Anek Telugu SemiBold" pitchFamily="2" charset="0"/>
-                <a:cs typeface="Anek Telugu SemiBold" pitchFamily="2" charset="0"/>
-              </a:rPr>
-              <a:t>స్తోత్రబలులు నీకే అర్పించెద యేసయ్యా (2)</a:t>
-            </a:r>
           </a:p>
         </p:txBody>
       </p:sp>
@@ -4410,7 +4448,7 @@
         <p:spPr>
           <a:xfrm>
             <a:off x="437934" y="335845"/>
-            <a:ext cx="4640796" cy="5909310"/>
+            <a:ext cx="4640796" cy="6001643"/>
           </a:xfrm>
           <a:prstGeom prst="rect">
             <a:avLst/>
@@ -4429,11 +4467,11 @@
               </a:lnSpc>
             </a:pPr>
             <a:r>
-              <a:rPr lang="te-IN" dirty="0">
-                <a:latin typeface="Anek Telugu SemiBold" pitchFamily="2" charset="0"/>
-                <a:cs typeface="Anek Telugu SemiBold" pitchFamily="2" charset="0"/>
-              </a:rPr>
-              <a:t>ఎంత మంచి దేవుడవయ్యా</a:t>
+              <a:rPr lang="te-IN" sz="1600" dirty="0">
+                <a:latin typeface="Anek Telugu SemiBold" pitchFamily="2" charset="0"/>
+                <a:cs typeface="Anek Telugu SemiBold" pitchFamily="2" charset="0"/>
+              </a:rPr>
+              <a:t>స్తుతి పాత్రుడా – స్తోత్రార్హుడా</a:t>
             </a:r>
           </a:p>
           <a:p>
@@ -4443,11 +4481,11 @@
               </a:lnSpc>
             </a:pPr>
             <a:r>
-              <a:rPr lang="te-IN" dirty="0">
-                <a:latin typeface="Anek Telugu SemiBold" pitchFamily="2" charset="0"/>
-                <a:cs typeface="Anek Telugu SemiBold" pitchFamily="2" charset="0"/>
-              </a:rPr>
-              <a:t>ఎంత మంచి దేవుడవేసయ్యా</a:t>
+              <a:rPr lang="te-IN" sz="1600" dirty="0">
+                <a:latin typeface="Anek Telugu SemiBold" pitchFamily="2" charset="0"/>
+                <a:cs typeface="Anek Telugu SemiBold" pitchFamily="2" charset="0"/>
+              </a:rPr>
+              <a:t>స్తుతులందుకో - పూజార్హుడా</a:t>
             </a:r>
           </a:p>
           <a:p>
@@ -4457,34 +4495,13 @@
               </a:lnSpc>
             </a:pPr>
             <a:r>
-              <a:rPr lang="te-IN" dirty="0">
-                <a:latin typeface="Anek Telugu SemiBold" pitchFamily="2" charset="0"/>
-                <a:cs typeface="Anek Telugu SemiBold" pitchFamily="2" charset="0"/>
-              </a:rPr>
-              <a:t>చింతలన్ని తీరేనయ్యా నిను చేరగా</a:t>
-            </a:r>
-          </a:p>
-          <a:p>
-            <a:pPr>
-              <a:lnSpc>
-                <a:spcPct val="150000"/>
-              </a:lnSpc>
-            </a:pPr>
-            <a:r>
-              <a:rPr lang="te-IN" dirty="0">
-                <a:latin typeface="Anek Telugu SemiBold" pitchFamily="2" charset="0"/>
-                <a:cs typeface="Anek Telugu SemiBold" pitchFamily="2" charset="0"/>
-              </a:rPr>
-              <a:t>ఎంత మంచి దేవుడవేసయ్యా (2)</a:t>
-            </a:r>
-          </a:p>
-          <a:p>
-            <a:pPr>
-              <a:lnSpc>
-                <a:spcPct val="150000"/>
-              </a:lnSpc>
-            </a:pPr>
-            <a:endParaRPr lang="te-IN" dirty="0">
+              <a:rPr lang="te-IN" sz="1600" dirty="0">
+                <a:latin typeface="Anek Telugu SemiBold" pitchFamily="2" charset="0"/>
+                <a:cs typeface="Anek Telugu SemiBold" pitchFamily="2" charset="0"/>
+              </a:rPr>
+              <a:t>ఆకాశమందు నీవు తప్ప – </a:t>
+            </a:r>
+            <a:endParaRPr lang="en-IN" sz="1600" dirty="0">
               <a:latin typeface="Anek Telugu SemiBold" pitchFamily="2" charset="0"/>
               <a:cs typeface="Anek Telugu SemiBold" pitchFamily="2" charset="0"/>
             </a:endParaRPr>
@@ -4496,62 +4513,20 @@
               </a:lnSpc>
             </a:pPr>
             <a:r>
-              <a:rPr lang="te-IN" dirty="0">
-                <a:latin typeface="Anek Telugu SemiBold" pitchFamily="2" charset="0"/>
-                <a:cs typeface="Anek Telugu SemiBold" pitchFamily="2" charset="0"/>
-              </a:rPr>
-              <a:t>ఘోరపాపినైన నేనూ</a:t>
-            </a:r>
-          </a:p>
-          <a:p>
-            <a:pPr>
-              <a:lnSpc>
-                <a:spcPct val="150000"/>
-              </a:lnSpc>
-            </a:pPr>
-            <a:r>
-              <a:rPr lang="te-IN" dirty="0">
-                <a:latin typeface="Anek Telugu SemiBold" pitchFamily="2" charset="0"/>
-                <a:cs typeface="Anek Telugu SemiBold" pitchFamily="2" charset="0"/>
-              </a:rPr>
-              <a:t>దూరంగా పారిపోగా (2)</a:t>
-            </a:r>
-          </a:p>
-          <a:p>
-            <a:pPr>
-              <a:lnSpc>
-                <a:spcPct val="150000"/>
-              </a:lnSpc>
-            </a:pPr>
-            <a:r>
-              <a:rPr lang="te-IN" dirty="0">
-                <a:latin typeface="Anek Telugu SemiBold" pitchFamily="2" charset="0"/>
-                <a:cs typeface="Anek Telugu SemiBold" pitchFamily="2" charset="0"/>
-              </a:rPr>
-              <a:t>నీ ప్రేమతో నను క్షమియించి </a:t>
-            </a:r>
-          </a:p>
-          <a:p>
-            <a:pPr>
-              <a:lnSpc>
-                <a:spcPct val="150000"/>
-              </a:lnSpc>
-            </a:pPr>
-            <a:r>
-              <a:rPr lang="te-IN" dirty="0">
-                <a:latin typeface="Anek Telugu SemiBold" pitchFamily="2" charset="0"/>
-                <a:cs typeface="Anek Telugu SemiBold" pitchFamily="2" charset="0"/>
-              </a:rPr>
-              <a:t>నను హత్తుకొన్నావయ్యా (2)</a:t>
-            </a:r>
-          </a:p>
-          <a:p>
-            <a:pPr>
-              <a:lnSpc>
-                <a:spcPct val="150000"/>
-              </a:lnSpc>
-            </a:pPr>
-            <a:endParaRPr lang="te-IN" dirty="0">
+              <a:rPr lang="te-IN" sz="1600" dirty="0">
+                <a:latin typeface="Anek Telugu SemiBold" pitchFamily="2" charset="0"/>
+                <a:cs typeface="Anek Telugu SemiBold" pitchFamily="2" charset="0"/>
+              </a:rPr>
+              <a:t>నాకెవరున్నారు నా ప్రభు</a:t>
+            </a:r>
+            <a:r>
+              <a:rPr lang="en-IN" sz="1600" dirty="0">
+                <a:latin typeface="Anek Telugu SemiBold" pitchFamily="2" charset="0"/>
+                <a:cs typeface="Anek Telugu SemiBold" pitchFamily="2" charset="0"/>
+              </a:rPr>
+              <a:t> (2)</a:t>
+            </a:r>
+            <a:endParaRPr lang="te-IN" sz="1600" dirty="0">
               <a:latin typeface="Anek Telugu SemiBold" pitchFamily="2" charset="0"/>
               <a:cs typeface="Anek Telugu SemiBold" pitchFamily="2" charset="0"/>
             </a:endParaRPr>
@@ -4563,11 +4538,11 @@
               </a:lnSpc>
             </a:pPr>
             <a:r>
-              <a:rPr lang="te-IN" dirty="0">
-                <a:latin typeface="Anek Telugu SemiBold" pitchFamily="2" charset="0"/>
-                <a:cs typeface="Anek Telugu SemiBold" pitchFamily="2" charset="0"/>
-              </a:rPr>
-              <a:t>నాకున్న వారందరూ</a:t>
+              <a:rPr lang="te-IN" sz="1600" dirty="0">
+                <a:latin typeface="Anek Telugu SemiBold" pitchFamily="2" charset="0"/>
+                <a:cs typeface="Anek Telugu SemiBold" pitchFamily="2" charset="0"/>
+              </a:rPr>
+              <a:t>స్తుతి పాత్రుడా.... ఆఆఅ</a:t>
             </a:r>
           </a:p>
           <a:p>
@@ -4576,13 +4551,10 @@
                 <a:spcPct val="150000"/>
               </a:lnSpc>
             </a:pPr>
-            <a:r>
-              <a:rPr lang="te-IN" dirty="0">
-                <a:latin typeface="Anek Telugu SemiBold" pitchFamily="2" charset="0"/>
-                <a:cs typeface="Anek Telugu SemiBold" pitchFamily="2" charset="0"/>
-              </a:rPr>
-              <a:t>నను విడచిపోయిననూ (2)</a:t>
-            </a:r>
+            <a:endParaRPr lang="te-IN" sz="1600" dirty="0">
+              <a:latin typeface="Anek Telugu SemiBold" pitchFamily="2" charset="0"/>
+              <a:cs typeface="Anek Telugu SemiBold" pitchFamily="2" charset="0"/>
+            </a:endParaRPr>
           </a:p>
           <a:p>
             <a:pPr>
@@ -4591,12 +4563,16 @@
               </a:lnSpc>
             </a:pPr>
             <a:r>
-              <a:rPr lang="te-IN" dirty="0">
-                <a:latin typeface="Anek Telugu SemiBold" pitchFamily="2" charset="0"/>
-                <a:cs typeface="Anek Telugu SemiBold" pitchFamily="2" charset="0"/>
-              </a:rPr>
-              <a:t>ఎన్నెన్నో ఇబ్బందులకు గురి చేసిననూ</a:t>
-            </a:r>
+              <a:rPr lang="te-IN" sz="1600" dirty="0">
+                <a:latin typeface="Anek Telugu SemiBold" pitchFamily="2" charset="0"/>
+                <a:cs typeface="Anek Telugu SemiBold" pitchFamily="2" charset="0"/>
+              </a:rPr>
+              <a:t>నా శత్రువులు నను తరుముచుండగా – </a:t>
+            </a:r>
+            <a:endParaRPr lang="en-IN" sz="1600" dirty="0">
+              <a:latin typeface="Anek Telugu SemiBold" pitchFamily="2" charset="0"/>
+              <a:cs typeface="Anek Telugu SemiBold" pitchFamily="2" charset="0"/>
+            </a:endParaRPr>
           </a:p>
           <a:p>
             <a:pPr>
@@ -4605,11 +4581,168 @@
               </a:lnSpc>
             </a:pPr>
             <a:r>
-              <a:rPr lang="te-IN" dirty="0">
-                <a:latin typeface="Anek Telugu SemiBold" pitchFamily="2" charset="0"/>
-                <a:cs typeface="Anek Telugu SemiBold" pitchFamily="2" charset="0"/>
-              </a:rPr>
-              <a:t>నను నీవు విడువలేదయ్యా (2)</a:t>
+              <a:rPr lang="te-IN" sz="1600" dirty="0">
+                <a:latin typeface="Anek Telugu SemiBold" pitchFamily="2" charset="0"/>
+                <a:cs typeface="Anek Telugu SemiBold" pitchFamily="2" charset="0"/>
+              </a:rPr>
+              <a:t>నా యాత్మ నాలో కృంగెనే ప్రభూ –</a:t>
+            </a:r>
+            <a:r>
+              <a:rPr lang="en-IN" sz="1600" dirty="0">
+                <a:latin typeface="Anek Telugu SemiBold" pitchFamily="2" charset="0"/>
+                <a:cs typeface="Anek Telugu SemiBold" pitchFamily="2" charset="0"/>
+              </a:rPr>
+              <a:t> (2)</a:t>
+            </a:r>
+            <a:endParaRPr lang="te-IN" sz="1600" dirty="0">
+              <a:latin typeface="Anek Telugu SemiBold" pitchFamily="2" charset="0"/>
+              <a:cs typeface="Anek Telugu SemiBold" pitchFamily="2" charset="0"/>
+            </a:endParaRPr>
+          </a:p>
+          <a:p>
+            <a:pPr>
+              <a:lnSpc>
+                <a:spcPct val="150000"/>
+              </a:lnSpc>
+            </a:pPr>
+            <a:r>
+              <a:rPr lang="te-IN" sz="1600" dirty="0">
+                <a:latin typeface="Anek Telugu SemiBold" pitchFamily="2" charset="0"/>
+                <a:cs typeface="Anek Telugu SemiBold" pitchFamily="2" charset="0"/>
+              </a:rPr>
+              <a:t>నా మనస్సు నీ వైపు త్రిప్పిన వెంటనే – </a:t>
+            </a:r>
+            <a:endParaRPr lang="en-IN" sz="1600" dirty="0">
+              <a:latin typeface="Anek Telugu SemiBold" pitchFamily="2" charset="0"/>
+              <a:cs typeface="Anek Telugu SemiBold" pitchFamily="2" charset="0"/>
+            </a:endParaRPr>
+          </a:p>
+          <a:p>
+            <a:pPr>
+              <a:lnSpc>
+                <a:spcPct val="150000"/>
+              </a:lnSpc>
+            </a:pPr>
+            <a:r>
+              <a:rPr lang="te-IN" sz="1600" dirty="0">
+                <a:latin typeface="Anek Telugu SemiBold" pitchFamily="2" charset="0"/>
+                <a:cs typeface="Anek Telugu SemiBold" pitchFamily="2" charset="0"/>
+              </a:rPr>
+              <a:t>శత్రుల చేతినుండి</a:t>
+            </a:r>
+          </a:p>
+          <a:p>
+            <a:pPr>
+              <a:lnSpc>
+                <a:spcPct val="150000"/>
+              </a:lnSpc>
+            </a:pPr>
+            <a:r>
+              <a:rPr lang="te-IN" sz="1600" dirty="0">
+                <a:latin typeface="Anek Telugu SemiBold" pitchFamily="2" charset="0"/>
+                <a:cs typeface="Anek Telugu SemiBold" pitchFamily="2" charset="0"/>
+              </a:rPr>
+              <a:t>విడిపించినావు - కాపాడినావు –</a:t>
+            </a:r>
+            <a:r>
+              <a:rPr lang="en-IN" sz="1600" dirty="0">
+                <a:latin typeface="Anek Telugu SemiBold" pitchFamily="2" charset="0"/>
+                <a:cs typeface="Anek Telugu SemiBold" pitchFamily="2" charset="0"/>
+              </a:rPr>
+              <a:t> (2)</a:t>
+            </a:r>
+            <a:endParaRPr lang="te-IN" sz="1600" dirty="0">
+              <a:latin typeface="Anek Telugu SemiBold" pitchFamily="2" charset="0"/>
+              <a:cs typeface="Anek Telugu SemiBold" pitchFamily="2" charset="0"/>
+            </a:endParaRPr>
+          </a:p>
+          <a:p>
+            <a:pPr>
+              <a:lnSpc>
+                <a:spcPct val="150000"/>
+              </a:lnSpc>
+            </a:pPr>
+            <a:endParaRPr lang="te-IN" sz="1600" dirty="0">
+              <a:latin typeface="Anek Telugu SemiBold" pitchFamily="2" charset="0"/>
+              <a:cs typeface="Anek Telugu SemiBold" pitchFamily="2" charset="0"/>
+            </a:endParaRPr>
+          </a:p>
+          <a:p>
+            <a:pPr>
+              <a:lnSpc>
+                <a:spcPct val="150000"/>
+              </a:lnSpc>
+            </a:pPr>
+            <a:r>
+              <a:rPr lang="te-IN" sz="1600" dirty="0">
+                <a:latin typeface="Anek Telugu SemiBold" pitchFamily="2" charset="0"/>
+                <a:cs typeface="Anek Telugu SemiBold" pitchFamily="2" charset="0"/>
+              </a:rPr>
+              <a:t>నా ప్రాణ స్నేహితులు నన్ను చూచి</a:t>
+            </a:r>
+            <a:endParaRPr lang="en-IN" sz="1600" dirty="0">
+              <a:latin typeface="Anek Telugu SemiBold" pitchFamily="2" charset="0"/>
+              <a:cs typeface="Anek Telugu SemiBold" pitchFamily="2" charset="0"/>
+            </a:endParaRPr>
+          </a:p>
+          <a:p>
+            <a:pPr>
+              <a:lnSpc>
+                <a:spcPct val="150000"/>
+              </a:lnSpc>
+            </a:pPr>
+            <a:r>
+              <a:rPr lang="te-IN" sz="1600" dirty="0">
+                <a:latin typeface="Anek Telugu SemiBold" pitchFamily="2" charset="0"/>
+                <a:cs typeface="Anek Telugu SemiBold" pitchFamily="2" charset="0"/>
+              </a:rPr>
+              <a:t>దూరాన నిలిచేరు నా ప్రభూ -2</a:t>
+            </a:r>
+          </a:p>
+          <a:p>
+            <a:pPr>
+              <a:lnSpc>
+                <a:spcPct val="150000"/>
+              </a:lnSpc>
+            </a:pPr>
+            <a:r>
+              <a:rPr lang="te-IN" sz="1600" dirty="0">
+                <a:latin typeface="Anek Telugu SemiBold" pitchFamily="2" charset="0"/>
+                <a:cs typeface="Anek Telugu SemiBold" pitchFamily="2" charset="0"/>
+              </a:rPr>
+              <a:t>నీ వాక్య ధ్యానమే నా త్రోవకు వెలుగై –</a:t>
+            </a:r>
+            <a:endParaRPr lang="en-IN" sz="1600" dirty="0">
+              <a:latin typeface="Anek Telugu SemiBold" pitchFamily="2" charset="0"/>
+              <a:cs typeface="Anek Telugu SemiBold" pitchFamily="2" charset="0"/>
+            </a:endParaRPr>
+          </a:p>
+          <a:p>
+            <a:pPr>
+              <a:lnSpc>
+                <a:spcPct val="150000"/>
+              </a:lnSpc>
+            </a:pPr>
+            <a:r>
+              <a:rPr lang="te-IN" sz="1600" dirty="0">
+                <a:latin typeface="Anek Telugu SemiBold" pitchFamily="2" charset="0"/>
+                <a:cs typeface="Anek Telugu SemiBold" pitchFamily="2" charset="0"/>
+              </a:rPr>
+              <a:t>నను నిల్పెను</a:t>
+            </a:r>
+            <a:r>
+              <a:rPr lang="en-IN" sz="1600" dirty="0">
+                <a:latin typeface="Anek Telugu SemiBold" pitchFamily="2" charset="0"/>
+                <a:cs typeface="Anek Telugu SemiBold" pitchFamily="2" charset="0"/>
+              </a:rPr>
+              <a:t> </a:t>
+            </a:r>
+            <a:r>
+              <a:rPr lang="te-IN" sz="1600" dirty="0">
+                <a:latin typeface="Anek Telugu SemiBold" pitchFamily="2" charset="0"/>
+                <a:cs typeface="Anek Telugu SemiBold" pitchFamily="2" charset="0"/>
+              </a:rPr>
+              <a:t>నీ సన్నీధిలో - నీ సంఘములో -2</a:t>
             </a:r>
           </a:p>
         </p:txBody>
@@ -4628,8 +4761,8 @@
         </p:nvSpPr>
         <p:spPr>
           <a:xfrm>
-            <a:off x="5245006" y="343995"/>
-            <a:ext cx="4749801" cy="5909310"/>
+            <a:off x="5209592" y="174039"/>
+            <a:ext cx="3568595" cy="6555641"/>
           </a:xfrm>
           <a:prstGeom prst="rect">
             <a:avLst/>
@@ -4648,62 +4781,13 @@
               </a:lnSpc>
             </a:pPr>
             <a:r>
-              <a:rPr lang="te-IN" b="1" dirty="0">
-                <a:latin typeface="Anek Telugu SemiBold" pitchFamily="2" charset="0"/>
-                <a:cs typeface="Anek Telugu SemiBold" pitchFamily="2" charset="0"/>
-              </a:rPr>
-              <a:t>ఆనందమే పరమానందమే</a:t>
-            </a:r>
-          </a:p>
-          <a:p>
-            <a:pPr defTabSz="439781">
-              <a:lnSpc>
-                <a:spcPct val="150000"/>
-              </a:lnSpc>
-            </a:pPr>
-            <a:r>
-              <a:rPr lang="te-IN" b="1" dirty="0">
-                <a:latin typeface="Anek Telugu SemiBold" pitchFamily="2" charset="0"/>
-                <a:cs typeface="Anek Telugu SemiBold" pitchFamily="2" charset="0"/>
-              </a:rPr>
-              <a:t>ఆశ్రయపురమైన యేసయ్యా నీలో (2)</a:t>
-            </a:r>
-          </a:p>
-          <a:p>
-            <a:pPr defTabSz="439781">
-              <a:lnSpc>
-                <a:spcPct val="150000"/>
-              </a:lnSpc>
-            </a:pPr>
-            <a:r>
-              <a:rPr lang="te-IN" b="1" dirty="0">
-                <a:latin typeface="Anek Telugu SemiBold" pitchFamily="2" charset="0"/>
-                <a:cs typeface="Anek Telugu SemiBold" pitchFamily="2" charset="0"/>
-              </a:rPr>
-              <a:t>ఆపత్కాలములన్నిటిలో ఆదరించిన</a:t>
-            </a:r>
-          </a:p>
-          <a:p>
-            <a:pPr defTabSz="439781">
-              <a:lnSpc>
-                <a:spcPct val="150000"/>
-              </a:lnSpc>
-            </a:pPr>
-            <a:r>
-              <a:rPr lang="te-IN" b="1" dirty="0">
-                <a:latin typeface="Anek Telugu SemiBold" pitchFamily="2" charset="0"/>
-                <a:cs typeface="Anek Telugu SemiBold" pitchFamily="2" charset="0"/>
-              </a:rPr>
-              <a:t>అక్షయుడా నీకే స్తోత్రము (2)</a:t>
-            </a:r>
-          </a:p>
-          <a:p>
-            <a:pPr defTabSz="439781">
-              <a:lnSpc>
-                <a:spcPct val="150000"/>
-              </a:lnSpc>
-            </a:pPr>
-            <a:endParaRPr lang="te-IN" b="1" dirty="0">
+              <a:rPr lang="te-IN" sz="1380" b="1" dirty="0">
+                <a:latin typeface="Anek Telugu SemiBold" pitchFamily="2" charset="0"/>
+                <a:cs typeface="Anek Telugu SemiBold" pitchFamily="2" charset="0"/>
+              </a:rPr>
+              <a:t>సుమధుర స్వరముల గానాలతో –</a:t>
+            </a:r>
+            <a:endParaRPr lang="en-IN" sz="1380" b="1" dirty="0">
               <a:latin typeface="Anek Telugu SemiBold" pitchFamily="2" charset="0"/>
               <a:cs typeface="Anek Telugu SemiBold" pitchFamily="2" charset="0"/>
             </a:endParaRPr>
@@ -4715,11 +4799,11 @@
               </a:lnSpc>
             </a:pPr>
             <a:r>
-              <a:rPr lang="te-IN" b="1" dirty="0">
-                <a:latin typeface="Anek Telugu SemiBold" pitchFamily="2" charset="0"/>
-                <a:cs typeface="Anek Telugu SemiBold" pitchFamily="2" charset="0"/>
-              </a:rPr>
-              <a:t>పచ్చిక గల చోట్ల పరుండ జేసితివే</a:t>
+              <a:rPr lang="te-IN" sz="1380" b="1" dirty="0">
+                <a:latin typeface="Anek Telugu SemiBold" pitchFamily="2" charset="0"/>
+                <a:cs typeface="Anek Telugu SemiBold" pitchFamily="2" charset="0"/>
+              </a:rPr>
+              <a:t>వేలాది దూతల గళములతో</a:t>
             </a:r>
           </a:p>
           <a:p>
@@ -4729,48 +4813,13 @@
               </a:lnSpc>
             </a:pPr>
             <a:r>
-              <a:rPr lang="te-IN" b="1" dirty="0">
-                <a:latin typeface="Anek Telugu SemiBold" pitchFamily="2" charset="0"/>
-                <a:cs typeface="Anek Telugu SemiBold" pitchFamily="2" charset="0"/>
-              </a:rPr>
-              <a:t>జీవ జలములు త్రాగనిచ్చితివే (2)</a:t>
-            </a:r>
-          </a:p>
-          <a:p>
-            <a:pPr defTabSz="439781">
-              <a:lnSpc>
-                <a:spcPct val="150000"/>
-              </a:lnSpc>
-            </a:pPr>
-            <a:r>
-              <a:rPr lang="te-IN" b="1" dirty="0">
-                <a:latin typeface="Anek Telugu SemiBold" pitchFamily="2" charset="0"/>
-                <a:cs typeface="Anek Telugu SemiBold" pitchFamily="2" charset="0"/>
-              </a:rPr>
-              <a:t>నా ప్రాణమునకు సేదదీర్చితివవే</a:t>
-            </a:r>
-          </a:p>
-          <a:p>
-            <a:pPr defTabSz="439781">
-              <a:lnSpc>
-                <a:spcPct val="150000"/>
-              </a:lnSpc>
-            </a:pPr>
-            <a:r>
-              <a:rPr lang="te-IN" b="1" dirty="0">
-                <a:latin typeface="Anek Telugu SemiBold" pitchFamily="2" charset="0"/>
-                <a:cs typeface="Anek Telugu SemiBold" pitchFamily="2" charset="0"/>
-              </a:rPr>
-              <a:t>నీతియు శాంతియు నాకిచ్చితివే (2)</a:t>
-            </a:r>
-          </a:p>
-          <a:p>
-            <a:pPr defTabSz="439781">
-              <a:lnSpc>
-                <a:spcPct val="150000"/>
-              </a:lnSpc>
-            </a:pPr>
-            <a:endParaRPr lang="te-IN" b="1" dirty="0">
+              <a:rPr lang="te-IN" sz="1380" b="1" dirty="0">
+                <a:latin typeface="Anek Telugu SemiBold" pitchFamily="2" charset="0"/>
+                <a:cs typeface="Anek Telugu SemiBold" pitchFamily="2" charset="0"/>
+              </a:rPr>
+              <a:t>కొనియాడబడుచున్న నా యేసయ్యా – </a:t>
+            </a:r>
+            <a:endParaRPr lang="en-IN" sz="1380" b="1" dirty="0">
               <a:latin typeface="Anek Telugu SemiBold" pitchFamily="2" charset="0"/>
               <a:cs typeface="Anek Telugu SemiBold" pitchFamily="2" charset="0"/>
             </a:endParaRPr>
@@ -4782,11 +4831,11 @@
               </a:lnSpc>
             </a:pPr>
             <a:r>
-              <a:rPr lang="te-IN" b="1" dirty="0">
-                <a:latin typeface="Anek Telugu SemiBold" pitchFamily="2" charset="0"/>
-                <a:cs typeface="Anek Telugu SemiBold" pitchFamily="2" charset="0"/>
-              </a:rPr>
-              <a:t>గాఢాంధకారము లోయలలో నేను</a:t>
+              <a:rPr lang="te-IN" sz="1380" b="1" dirty="0">
+                <a:latin typeface="Anek Telugu SemiBold" pitchFamily="2" charset="0"/>
+                <a:cs typeface="Anek Telugu SemiBold" pitchFamily="2" charset="0"/>
+              </a:rPr>
+              <a:t>నీకే నా ఆరాధన (2)</a:t>
             </a:r>
           </a:p>
           <a:p>
@@ -4796,11 +4845,11 @@
               </a:lnSpc>
             </a:pPr>
             <a:r>
-              <a:rPr lang="te-IN" b="1" dirty="0">
-                <a:latin typeface="Anek Telugu SemiBold" pitchFamily="2" charset="0"/>
-                <a:cs typeface="Anek Telugu SemiBold" pitchFamily="2" charset="0"/>
-              </a:rPr>
-              <a:t>సంచరించినా దేనికి భయపడను (2)</a:t>
+              <a:rPr lang="te-IN" sz="1380" b="1" dirty="0">
+                <a:latin typeface="Anek Telugu SemiBold" pitchFamily="2" charset="0"/>
+                <a:cs typeface="Anek Telugu SemiBold" pitchFamily="2" charset="0"/>
+              </a:rPr>
+              <a:t>మహదానందమే నాలో పరవశమే</a:t>
             </a:r>
           </a:p>
           <a:p>
@@ -4810,12 +4859,16 @@
               </a:lnSpc>
             </a:pPr>
             <a:r>
-              <a:rPr lang="te-IN" b="1" dirty="0">
-                <a:latin typeface="Anek Telugu SemiBold" pitchFamily="2" charset="0"/>
-                <a:cs typeface="Anek Telugu SemiBold" pitchFamily="2" charset="0"/>
-              </a:rPr>
-              <a:t>నీ దుడ్డు కఱ్ఱయు నీ దండమును</a:t>
-            </a:r>
+              <a:rPr lang="te-IN" sz="1380" b="1" dirty="0">
+                <a:latin typeface="Anek Telugu SemiBold" pitchFamily="2" charset="0"/>
+                <a:cs typeface="Anek Telugu SemiBold" pitchFamily="2" charset="0"/>
+              </a:rPr>
+              <a:t>నిన్ను స్తుతించిన ప్రతీక్షణం (2)</a:t>
+            </a:r>
+            <a:endParaRPr lang="en-IN" sz="1380" b="1" dirty="0">
+              <a:latin typeface="Anek Telugu SemiBold" pitchFamily="2" charset="0"/>
+              <a:cs typeface="Anek Telugu SemiBold" pitchFamily="2" charset="0"/>
+            </a:endParaRPr>
           </a:p>
           <a:p>
             <a:pPr defTabSz="439781">
@@ -4823,12 +4876,208 @@
                 <a:spcPct val="150000"/>
               </a:lnSpc>
             </a:pPr>
-            <a:r>
-              <a:rPr lang="te-IN" b="1" dirty="0">
-                <a:latin typeface="Anek Telugu SemiBold" pitchFamily="2" charset="0"/>
-                <a:cs typeface="Anek Telugu SemiBold" pitchFamily="2" charset="0"/>
-              </a:rPr>
-              <a:t>అనుదినం అనుక్షణం కాపాడునే (2)</a:t>
+            <a:endParaRPr lang="te-IN" sz="1380" b="1" dirty="0">
+              <a:latin typeface="Anek Telugu SemiBold" pitchFamily="2" charset="0"/>
+              <a:cs typeface="Anek Telugu SemiBold" pitchFamily="2" charset="0"/>
+            </a:endParaRPr>
+          </a:p>
+          <a:p>
+            <a:pPr defTabSz="439781">
+              <a:lnSpc>
+                <a:spcPct val="150000"/>
+              </a:lnSpc>
+            </a:pPr>
+            <a:r>
+              <a:rPr lang="te-IN" sz="1380" b="1" dirty="0">
+                <a:latin typeface="Anek Telugu SemiBold" pitchFamily="2" charset="0"/>
+                <a:cs typeface="Anek Telugu SemiBold" pitchFamily="2" charset="0"/>
+              </a:rPr>
+              <a:t>ఎడారి త్రోవలో నే నడిచినా – </a:t>
+            </a:r>
+            <a:endParaRPr lang="en-IN" sz="1380" b="1" dirty="0">
+              <a:latin typeface="Anek Telugu SemiBold" pitchFamily="2" charset="0"/>
+              <a:cs typeface="Anek Telugu SemiBold" pitchFamily="2" charset="0"/>
+            </a:endParaRPr>
+          </a:p>
+          <a:p>
+            <a:pPr defTabSz="439781">
+              <a:lnSpc>
+                <a:spcPct val="150000"/>
+              </a:lnSpc>
+            </a:pPr>
+            <a:r>
+              <a:rPr lang="te-IN" sz="1380" b="1" dirty="0">
+                <a:latin typeface="Anek Telugu SemiBold" pitchFamily="2" charset="0"/>
+                <a:cs typeface="Anek Telugu SemiBold" pitchFamily="2" charset="0"/>
+              </a:rPr>
+              <a:t>ఎరుగని మార్గములో నను నడిపినా</a:t>
+            </a:r>
+          </a:p>
+          <a:p>
+            <a:pPr defTabSz="439781">
+              <a:lnSpc>
+                <a:spcPct val="150000"/>
+              </a:lnSpc>
+            </a:pPr>
+            <a:r>
+              <a:rPr lang="te-IN" sz="1380" b="1" dirty="0">
+                <a:latin typeface="Anek Telugu SemiBold" pitchFamily="2" charset="0"/>
+                <a:cs typeface="Anek Telugu SemiBold" pitchFamily="2" charset="0"/>
+              </a:rPr>
+              <a:t>నా ముందు నడచిన జయవీరుడా – </a:t>
+            </a:r>
+            <a:endParaRPr lang="en-IN" sz="1380" b="1" dirty="0">
+              <a:latin typeface="Anek Telugu SemiBold" pitchFamily="2" charset="0"/>
+              <a:cs typeface="Anek Telugu SemiBold" pitchFamily="2" charset="0"/>
+            </a:endParaRPr>
+          </a:p>
+          <a:p>
+            <a:pPr defTabSz="439781">
+              <a:lnSpc>
+                <a:spcPct val="150000"/>
+              </a:lnSpc>
+            </a:pPr>
+            <a:r>
+              <a:rPr lang="te-IN" sz="1380" b="1" dirty="0">
+                <a:latin typeface="Anek Telugu SemiBold" pitchFamily="2" charset="0"/>
+                <a:cs typeface="Anek Telugu SemiBold" pitchFamily="2" charset="0"/>
+              </a:rPr>
+              <a:t>నా విజయ సంకేతమా (2)</a:t>
+            </a:r>
+          </a:p>
+          <a:p>
+            <a:pPr defTabSz="439781">
+              <a:lnSpc>
+                <a:spcPct val="150000"/>
+              </a:lnSpc>
+            </a:pPr>
+            <a:r>
+              <a:rPr lang="te-IN" sz="1380" b="1" dirty="0">
+                <a:latin typeface="Anek Telugu SemiBold" pitchFamily="2" charset="0"/>
+                <a:cs typeface="Anek Telugu SemiBold" pitchFamily="2" charset="0"/>
+              </a:rPr>
+              <a:t>నీవే నీవే – నా ఆనందము</a:t>
+            </a:r>
+          </a:p>
+          <a:p>
+            <a:pPr defTabSz="439781">
+              <a:lnSpc>
+                <a:spcPct val="150000"/>
+              </a:lnSpc>
+            </a:pPr>
+            <a:r>
+              <a:rPr lang="te-IN" sz="1380" b="1" dirty="0">
+                <a:latin typeface="Anek Telugu SemiBold" pitchFamily="2" charset="0"/>
+                <a:cs typeface="Anek Telugu SemiBold" pitchFamily="2" charset="0"/>
+              </a:rPr>
+              <a:t>నీవే నీవే – నా ఆధారము (2)</a:t>
+            </a:r>
+            <a:endParaRPr lang="en-IN" sz="1380" b="1" dirty="0">
+              <a:latin typeface="Anek Telugu SemiBold" pitchFamily="2" charset="0"/>
+              <a:cs typeface="Anek Telugu SemiBold" pitchFamily="2" charset="0"/>
+            </a:endParaRPr>
+          </a:p>
+          <a:p>
+            <a:pPr defTabSz="439781">
+              <a:lnSpc>
+                <a:spcPct val="150000"/>
+              </a:lnSpc>
+            </a:pPr>
+            <a:endParaRPr lang="te-IN" sz="1380" b="1" dirty="0">
+              <a:latin typeface="Anek Telugu SemiBold" pitchFamily="2" charset="0"/>
+              <a:cs typeface="Anek Telugu SemiBold" pitchFamily="2" charset="0"/>
+            </a:endParaRPr>
+          </a:p>
+          <a:p>
+            <a:pPr defTabSz="439781">
+              <a:lnSpc>
+                <a:spcPct val="150000"/>
+              </a:lnSpc>
+            </a:pPr>
+            <a:r>
+              <a:rPr lang="te-IN" sz="1380" b="1" dirty="0">
+                <a:latin typeface="Anek Telugu SemiBold" pitchFamily="2" charset="0"/>
+                <a:cs typeface="Anek Telugu SemiBold" pitchFamily="2" charset="0"/>
+              </a:rPr>
+              <a:t>సంపూర్ణమైన నీ చిత్తమే – </a:t>
+            </a:r>
+            <a:endParaRPr lang="en-IN" sz="1380" b="1" dirty="0">
+              <a:latin typeface="Anek Telugu SemiBold" pitchFamily="2" charset="0"/>
+              <a:cs typeface="Anek Telugu SemiBold" pitchFamily="2" charset="0"/>
+            </a:endParaRPr>
+          </a:p>
+          <a:p>
+            <a:pPr defTabSz="439781">
+              <a:lnSpc>
+                <a:spcPct val="150000"/>
+              </a:lnSpc>
+            </a:pPr>
+            <a:r>
+              <a:rPr lang="te-IN" sz="1380" b="1" dirty="0">
+                <a:latin typeface="Anek Telugu SemiBold" pitchFamily="2" charset="0"/>
+                <a:cs typeface="Anek Telugu SemiBold" pitchFamily="2" charset="0"/>
+              </a:rPr>
+              <a:t>అనుకూలమైన సంకల్పమే</a:t>
+            </a:r>
+          </a:p>
+          <a:p>
+            <a:pPr defTabSz="439781">
+              <a:lnSpc>
+                <a:spcPct val="150000"/>
+              </a:lnSpc>
+            </a:pPr>
+            <a:r>
+              <a:rPr lang="te-IN" sz="1380" b="1" dirty="0">
+                <a:latin typeface="Anek Telugu SemiBold" pitchFamily="2" charset="0"/>
+                <a:cs typeface="Anek Telugu SemiBold" pitchFamily="2" charset="0"/>
+              </a:rPr>
+              <a:t>జరిగించుచున్నావు నను విడువక – </a:t>
+            </a:r>
+            <a:endParaRPr lang="en-IN" sz="1380" b="1" dirty="0">
+              <a:latin typeface="Anek Telugu SemiBold" pitchFamily="2" charset="0"/>
+              <a:cs typeface="Anek Telugu SemiBold" pitchFamily="2" charset="0"/>
+            </a:endParaRPr>
+          </a:p>
+          <a:p>
+            <a:pPr defTabSz="439781">
+              <a:lnSpc>
+                <a:spcPct val="150000"/>
+              </a:lnSpc>
+            </a:pPr>
+            <a:r>
+              <a:rPr lang="te-IN" sz="1380" b="1" dirty="0">
+                <a:latin typeface="Anek Telugu SemiBold" pitchFamily="2" charset="0"/>
+                <a:cs typeface="Anek Telugu SemiBold" pitchFamily="2" charset="0"/>
+              </a:rPr>
+              <a:t>నా ధైర్యము నీవేగా (2)</a:t>
+            </a:r>
+          </a:p>
+          <a:p>
+            <a:pPr defTabSz="439781">
+              <a:lnSpc>
+                <a:spcPct val="150000"/>
+              </a:lnSpc>
+            </a:pPr>
+            <a:r>
+              <a:rPr lang="te-IN" sz="1380" b="1" dirty="0">
+                <a:latin typeface="Anek Telugu SemiBold" pitchFamily="2" charset="0"/>
+                <a:cs typeface="Anek Telugu SemiBold" pitchFamily="2" charset="0"/>
+              </a:rPr>
+              <a:t>నీవే నీవే – నా జయగీతము</a:t>
+            </a:r>
+          </a:p>
+          <a:p>
+            <a:pPr defTabSz="439781">
+              <a:lnSpc>
+                <a:spcPct val="150000"/>
+              </a:lnSpc>
+            </a:pPr>
+            <a:r>
+              <a:rPr lang="te-IN" sz="1380" b="1" dirty="0">
+                <a:latin typeface="Anek Telugu SemiBold" pitchFamily="2" charset="0"/>
+                <a:cs typeface="Anek Telugu SemiBold" pitchFamily="2" charset="0"/>
+              </a:rPr>
+              <a:t>నీవే నీవే – నా స్తుతిగీతము (2)</a:t>
             </a:r>
           </a:p>
         </p:txBody>

--- a/songsTemplate.pptx
+++ b/songsTemplate.pptx
@@ -316,7 +316,7 @@
           <a:p>
             <a:fld id="{0EEBF99D-A94C-4ACE-ABB7-ED5902A7DBE5}" type="datetimeFigureOut">
               <a:rPr lang="en-IN" smtClean="0"/>
-              <a:t>02-08-2025</a:t>
+              <a:t>16-08-2025</a:t>
             </a:fld>
             <a:endParaRPr lang="en-IN"/>
           </a:p>
@@ -494,7 +494,7 @@
           <a:p>
             <a:fld id="{6EA7C7CE-6F0C-4E71-B520-9461545357C0}" type="datetimeFigureOut">
               <a:rPr lang="en-IN" smtClean="0"/>
-              <a:t>02-08-2025</a:t>
+              <a:t>16-08-2025</a:t>
             </a:fld>
             <a:endParaRPr lang="en-IN"/>
           </a:p>
@@ -894,7 +894,7 @@
           <a:p>
             <a:fld id="{F1102B08-ED9E-409F-B95F-09CAA1DAF6E0}" type="datetimeFigureOut">
               <a:rPr lang="en-IN" smtClean="0"/>
-              <a:t>02-08-2025</a:t>
+              <a:t>16-08-2025</a:t>
             </a:fld>
             <a:endParaRPr lang="en-IN"/>
           </a:p>
@@ -1151,7 +1151,7 @@
           <a:p>
             <a:fld id="{F1102B08-ED9E-409F-B95F-09CAA1DAF6E0}" type="datetimeFigureOut">
               <a:rPr lang="en-IN" smtClean="0"/>
-              <a:t>02-08-2025</a:t>
+              <a:t>16-08-2025</a:t>
             </a:fld>
             <a:endParaRPr lang="en-IN"/>
           </a:p>
@@ -1321,7 +1321,7 @@
           <a:p>
             <a:fld id="{F1102B08-ED9E-409F-B95F-09CAA1DAF6E0}" type="datetimeFigureOut">
               <a:rPr lang="en-IN" smtClean="0"/>
-              <a:t>02-08-2025</a:t>
+              <a:t>16-08-2025</a:t>
             </a:fld>
             <a:endParaRPr lang="en-IN"/>
           </a:p>
@@ -1501,7 +1501,7 @@
           <a:p>
             <a:fld id="{F1102B08-ED9E-409F-B95F-09CAA1DAF6E0}" type="datetimeFigureOut">
               <a:rPr lang="en-IN" smtClean="0"/>
-              <a:t>02-08-2025</a:t>
+              <a:t>16-08-2025</a:t>
             </a:fld>
             <a:endParaRPr lang="en-IN"/>
           </a:p>
@@ -1703,7 +1703,7 @@
             <a:fld id="{F1102B08-ED9E-409F-B95F-09CAA1DAF6E0}" type="datetimeFigureOut">
               <a:rPr lang="en-IN" b="0" smtClean="0"/>
               <a:pPr/>
-              <a:t>02-08-2025</a:t>
+              <a:t>16-08-2025</a:t>
             </a:fld>
             <a:endParaRPr lang="en-IN" b="0" dirty="0"/>
           </a:p>
@@ -1931,7 +1931,7 @@
           <a:p>
             <a:fld id="{F1102B08-ED9E-409F-B95F-09CAA1DAF6E0}" type="datetimeFigureOut">
               <a:rPr lang="en-IN" smtClean="0"/>
-              <a:t>02-08-2025</a:t>
+              <a:t>16-08-2025</a:t>
             </a:fld>
             <a:endParaRPr lang="en-IN"/>
           </a:p>
@@ -2175,7 +2175,7 @@
           <a:p>
             <a:fld id="{F1102B08-ED9E-409F-B95F-09CAA1DAF6E0}" type="datetimeFigureOut">
               <a:rPr lang="en-IN" smtClean="0"/>
-              <a:t>02-08-2025</a:t>
+              <a:t>16-08-2025</a:t>
             </a:fld>
             <a:endParaRPr lang="en-IN"/>
           </a:p>
@@ -2407,7 +2407,7 @@
           <a:p>
             <a:fld id="{F1102B08-ED9E-409F-B95F-09CAA1DAF6E0}" type="datetimeFigureOut">
               <a:rPr lang="en-IN" smtClean="0"/>
-              <a:t>02-08-2025</a:t>
+              <a:t>16-08-2025</a:t>
             </a:fld>
             <a:endParaRPr lang="en-IN"/>
           </a:p>
@@ -2774,7 +2774,7 @@
           <a:p>
             <a:fld id="{F1102B08-ED9E-409F-B95F-09CAA1DAF6E0}" type="datetimeFigureOut">
               <a:rPr lang="en-IN" smtClean="0"/>
-              <a:t>02-08-2025</a:t>
+              <a:t>16-08-2025</a:t>
             </a:fld>
             <a:endParaRPr lang="en-IN"/>
           </a:p>
@@ -2892,7 +2892,7 @@
           <a:p>
             <a:fld id="{F1102B08-ED9E-409F-B95F-09CAA1DAF6E0}" type="datetimeFigureOut">
               <a:rPr lang="en-IN" smtClean="0"/>
-              <a:t>02-08-2025</a:t>
+              <a:t>16-08-2025</a:t>
             </a:fld>
             <a:endParaRPr lang="en-IN"/>
           </a:p>
@@ -2987,7 +2987,7 @@
           <a:p>
             <a:fld id="{F1102B08-ED9E-409F-B95F-09CAA1DAF6E0}" type="datetimeFigureOut">
               <a:rPr lang="en-IN" smtClean="0"/>
-              <a:t>02-08-2025</a:t>
+              <a:t>16-08-2025</a:t>
             </a:fld>
             <a:endParaRPr lang="en-IN"/>
           </a:p>
@@ -3264,7 +3264,7 @@
           <a:p>
             <a:fld id="{F1102B08-ED9E-409F-B95F-09CAA1DAF6E0}" type="datetimeFigureOut">
               <a:rPr lang="en-IN" smtClean="0"/>
-              <a:t>02-08-2025</a:t>
+              <a:t>16-08-2025</a:t>
             </a:fld>
             <a:endParaRPr lang="en-IN"/>
           </a:p>
@@ -3477,7 +3477,7 @@
           <a:p>
             <a:fld id="{F1102B08-ED9E-409F-B95F-09CAA1DAF6E0}" type="datetimeFigureOut">
               <a:rPr lang="en-IN" smtClean="0"/>
-              <a:t>02-08-2025</a:t>
+              <a:t>16-08-2025</a:t>
             </a:fld>
             <a:endParaRPr lang="en-IN"/>
           </a:p>
@@ -3921,7 +3921,20 @@
                 <a:latin typeface="Anek Telugu SemiBold" pitchFamily="2" charset="0"/>
                 <a:cs typeface="Anek Telugu SemiBold" pitchFamily="2" charset="0"/>
               </a:rPr>
-              <a:t>మహాఘనుడవు మహోన్నతుడవు</a:t>
+              <a:t>ఉత్సాహ గానము చేసెదము</a:t>
+            </a:r>
+            <a:br>
+              <a:rPr lang="te-IN" sz="1500" dirty="0">
+                <a:latin typeface="Anek Telugu SemiBold" pitchFamily="2" charset="0"/>
+                <a:cs typeface="Anek Telugu SemiBold" pitchFamily="2" charset="0"/>
+              </a:rPr>
+            </a:br>
+            <a:r>
+              <a:rPr lang="te-IN" sz="1500" dirty="0">
+                <a:latin typeface="Anek Telugu SemiBold" pitchFamily="2" charset="0"/>
+                <a:cs typeface="Anek Telugu SemiBold" pitchFamily="2" charset="0"/>
+              </a:rPr>
+              <a:t>ఘనపరచెదము మన </a:t>
             </a:r>
           </a:p>
           <a:p>
@@ -3935,49 +3948,59 @@
                 <a:latin typeface="Anek Telugu SemiBold" pitchFamily="2" charset="0"/>
                 <a:cs typeface="Anek Telugu SemiBold" pitchFamily="2" charset="0"/>
               </a:rPr>
-              <a:t>పరిశుద్ధ స్థలములోనే నివసించువాడవు (2)</a:t>
-            </a:r>
-          </a:p>
-          <a:p>
-            <a:pPr>
-              <a:lnSpc>
-                <a:spcPct val="150000"/>
-              </a:lnSpc>
-            </a:pPr>
-            <a:r>
+              <a:t>యేసయ్య నామమును (2)</a:t>
+            </a:r>
+            <a:br>
               <a:rPr lang="te-IN" sz="1500" dirty="0">
                 <a:latin typeface="Anek Telugu SemiBold" pitchFamily="2" charset="0"/>
                 <a:cs typeface="Anek Telugu SemiBold" pitchFamily="2" charset="0"/>
               </a:rPr>
-              <a:t>కృపా సత్య సంపూర్ణమై</a:t>
-            </a:r>
-          </a:p>
-          <a:p>
-            <a:pPr>
-              <a:lnSpc>
-                <a:spcPct val="150000"/>
-              </a:lnSpc>
-            </a:pPr>
+            </a:br>
             <a:r>
               <a:rPr lang="te-IN" sz="1500" dirty="0">
                 <a:latin typeface="Anek Telugu SemiBold" pitchFamily="2" charset="0"/>
                 <a:cs typeface="Anek Telugu SemiBold" pitchFamily="2" charset="0"/>
               </a:rPr>
-              <a:t>మా మధ్యలో నివసించుట న్యాయమా</a:t>
-            </a:r>
-          </a:p>
-          <a:p>
-            <a:pPr>
-              <a:lnSpc>
-                <a:spcPct val="150000"/>
-              </a:lnSpc>
-            </a:pPr>
-            <a:r>
+              <a:t>హల్లెలూయ యెహోవ రాఫా</a:t>
+            </a:r>
+            <a:br>
               <a:rPr lang="te-IN" sz="1500" dirty="0">
                 <a:latin typeface="Anek Telugu SemiBold" pitchFamily="2" charset="0"/>
                 <a:cs typeface="Anek Telugu SemiBold" pitchFamily="2" charset="0"/>
               </a:rPr>
-              <a:t>నను పరిశుద్ధపరచుటే నీ ధర్మమా (2)</a:t>
+            </a:br>
+            <a:r>
+              <a:rPr lang="te-IN" sz="1500" dirty="0">
+                <a:latin typeface="Anek Telugu SemiBold" pitchFamily="2" charset="0"/>
+                <a:cs typeface="Anek Telugu SemiBold" pitchFamily="2" charset="0"/>
+              </a:rPr>
+              <a:t>హల్లెలూయ యెహోవ షమ్మా</a:t>
+            </a:r>
+            <a:br>
+              <a:rPr lang="te-IN" sz="1500" dirty="0">
+                <a:latin typeface="Anek Telugu SemiBold" pitchFamily="2" charset="0"/>
+                <a:cs typeface="Anek Telugu SemiBold" pitchFamily="2" charset="0"/>
+              </a:rPr>
+            </a:br>
+            <a:r>
+              <a:rPr lang="te-IN" sz="1500" dirty="0">
+                <a:latin typeface="Anek Telugu SemiBold" pitchFamily="2" charset="0"/>
+                <a:cs typeface="Anek Telugu SemiBold" pitchFamily="2" charset="0"/>
+              </a:rPr>
+              <a:t>హల్లెలూయ యెహోవ ఈరే</a:t>
+            </a:r>
+            <a:br>
+              <a:rPr lang="te-IN" sz="1500" dirty="0">
+                <a:latin typeface="Anek Telugu SemiBold" pitchFamily="2" charset="0"/>
+                <a:cs typeface="Anek Telugu SemiBold" pitchFamily="2" charset="0"/>
+              </a:rPr>
+            </a:br>
+            <a:r>
+              <a:rPr lang="te-IN" sz="1500" dirty="0">
+                <a:latin typeface="Anek Telugu SemiBold" pitchFamily="2" charset="0"/>
+                <a:cs typeface="Anek Telugu SemiBold" pitchFamily="2" charset="0"/>
+              </a:rPr>
+              <a:t>హల్లెలూయ యెహోవ షాలోమ్ (2)</a:t>
             </a:r>
           </a:p>
           <a:p>
@@ -4002,7 +4025,7 @@
                 <a:latin typeface="Anek Telugu SemiBold" pitchFamily="2" charset="0"/>
                 <a:cs typeface="Anek Telugu SemiBold" pitchFamily="2" charset="0"/>
               </a:rPr>
-              <a:t>వినయముగల వారిని</a:t>
+              <a:t>1. అమూల్యములైన వాగ్ధానములు</a:t>
             </a:r>
           </a:p>
           <a:p>
@@ -4016,7 +4039,20 @@
                 <a:latin typeface="Anek Telugu SemiBold" pitchFamily="2" charset="0"/>
                 <a:cs typeface="Anek Telugu SemiBold" pitchFamily="2" charset="0"/>
               </a:rPr>
-              <a:t>తగిన సమయములో హెచ్చించువాడవని (2)</a:t>
+              <a:t>అత్యధికముగా ఉన్నవి (2)</a:t>
+            </a:r>
+            <a:br>
+              <a:rPr lang="te-IN" sz="1500" dirty="0">
+                <a:latin typeface="Anek Telugu SemiBold" pitchFamily="2" charset="0"/>
+                <a:cs typeface="Anek Telugu SemiBold" pitchFamily="2" charset="0"/>
+              </a:rPr>
+            </a:br>
+            <a:r>
+              <a:rPr lang="te-IN" sz="1500" dirty="0">
+                <a:latin typeface="Anek Telugu SemiBold" pitchFamily="2" charset="0"/>
+                <a:cs typeface="Anek Telugu SemiBold" pitchFamily="2" charset="0"/>
+              </a:rPr>
+              <a:t>వాటిని మనము నమ్మినయెడల</a:t>
             </a:r>
           </a:p>
           <a:p>
@@ -4030,47 +4066,8 @@
                 <a:latin typeface="Anek Telugu SemiBold" pitchFamily="2" charset="0"/>
                 <a:cs typeface="Anek Telugu SemiBold" pitchFamily="2" charset="0"/>
               </a:rPr>
-              <a:t>నీవు వాడు పాత్రనై నేనుండుటకై</a:t>
-            </a:r>
-          </a:p>
-          <a:p>
-            <a:pPr>
-              <a:lnSpc>
-                <a:spcPct val="150000"/>
-              </a:lnSpc>
-            </a:pPr>
-            <a:r>
-              <a:rPr lang="te-IN" sz="1500" dirty="0">
-                <a:latin typeface="Anek Telugu SemiBold" pitchFamily="2" charset="0"/>
-                <a:cs typeface="Anek Telugu SemiBold" pitchFamily="2" charset="0"/>
-              </a:rPr>
-              <a:t>నిలిచియుందును పవిత్రతతో (2)</a:t>
-            </a:r>
-          </a:p>
-          <a:p>
-            <a:pPr>
-              <a:lnSpc>
-                <a:spcPct val="150000"/>
-              </a:lnSpc>
-            </a:pPr>
-            <a:r>
-              <a:rPr lang="te-IN" sz="1500" dirty="0">
-                <a:latin typeface="Anek Telugu SemiBold" pitchFamily="2" charset="0"/>
-                <a:cs typeface="Anek Telugu SemiBold" pitchFamily="2" charset="0"/>
-              </a:rPr>
-              <a:t>హల్లెలూయా యేసయ్యా నీకే స్తోత్రమయా (2</a:t>
-            </a:r>
-            <a:r>
-              <a:rPr lang="en-IN" sz="1500" dirty="0">
-                <a:latin typeface="Anek Telugu SemiBold" pitchFamily="2" charset="0"/>
-                <a:cs typeface="Anek Telugu SemiBold" pitchFamily="2" charset="0"/>
-              </a:rPr>
-              <a:t>)</a:t>
-            </a:r>
-            <a:endParaRPr lang="te-IN" sz="1500" dirty="0">
-              <a:latin typeface="Anek Telugu SemiBold" pitchFamily="2" charset="0"/>
-              <a:cs typeface="Anek Telugu SemiBold" pitchFamily="2" charset="0"/>
-            </a:endParaRPr>
+              <a:t>దేవుని మహిమను ఆనుభవించెదము (2)         </a:t>
+            </a:r>
           </a:p>
           <a:p>
             <a:pPr>
@@ -4094,7 +4091,7 @@
                 <a:latin typeface="Anek Telugu SemiBold" pitchFamily="2" charset="0"/>
                 <a:cs typeface="Anek Telugu SemiBold" pitchFamily="2" charset="0"/>
               </a:rPr>
-              <a:t>దీన మనస్సు గలవారికే</a:t>
+              <a:t>2. ఆత్మీయ ఆరాధనలు జరుగుచున్నవి </a:t>
             </a:r>
           </a:p>
           <a:p>
@@ -4108,7 +4105,7 @@
                 <a:latin typeface="Anek Telugu SemiBold" pitchFamily="2" charset="0"/>
                 <a:cs typeface="Anek Telugu SemiBold" pitchFamily="2" charset="0"/>
               </a:rPr>
-              <a:t>సమృద్ధిగా కృపను దయచేయువాడవని (2)</a:t>
+              <a:t>ఇవన్ని వాగ్ధాన ఫలములెగా </a:t>
             </a:r>
           </a:p>
           <a:p>
@@ -4122,7 +4119,7 @@
                 <a:latin typeface="Anek Telugu SemiBold" pitchFamily="2" charset="0"/>
                 <a:cs typeface="Anek Telugu SemiBold" pitchFamily="2" charset="0"/>
               </a:rPr>
-              <a:t>నీ సముఖములో సజీవ సాక్షినై</a:t>
+              <a:t>అత్మాభిషేకము సమృద్ధిగా పొంది </a:t>
             </a:r>
           </a:p>
           <a:p>
@@ -4136,33 +4133,8 @@
                 <a:latin typeface="Anek Telugu SemiBold" pitchFamily="2" charset="0"/>
                 <a:cs typeface="Anek Telugu SemiBold" pitchFamily="2" charset="0"/>
               </a:rPr>
-              <a:t>కాపాడుకొందును మెళకువతో (2)</a:t>
-            </a:r>
-          </a:p>
-          <a:p>
-            <a:pPr>
-              <a:lnSpc>
-                <a:spcPct val="150000"/>
-              </a:lnSpc>
-            </a:pPr>
-            <a:r>
-              <a:rPr lang="te-IN" sz="1500" dirty="0">
-                <a:latin typeface="Anek Telugu SemiBold" pitchFamily="2" charset="0"/>
-                <a:cs typeface="Anek Telugu SemiBold" pitchFamily="2" charset="0"/>
-              </a:rPr>
-              <a:t>హల్లెలూయా యేసయ్యా నీకే స్తోత్రమయా (2</a:t>
-            </a:r>
-            <a:r>
-              <a:rPr lang="en-IN" sz="1500" dirty="0">
-                <a:latin typeface="Anek Telugu SemiBold" pitchFamily="2" charset="0"/>
-                <a:cs typeface="Anek Telugu SemiBold" pitchFamily="2" charset="0"/>
-              </a:rPr>
-              <a:t>)</a:t>
-            </a:r>
-            <a:endParaRPr lang="te-IN" sz="1500" dirty="0">
-              <a:latin typeface="Anek Telugu SemiBold" pitchFamily="2" charset="0"/>
-              <a:cs typeface="Anek Telugu SemiBold" pitchFamily="2" charset="0"/>
-            </a:endParaRPr>
+              <a:t>ఆత్మీయ వరములు అనుభవించెదము (2)</a:t>
+            </a:r>
           </a:p>
         </p:txBody>
       </p:sp>
@@ -4200,16 +4172,12 @@
               </a:lnSpc>
             </a:pPr>
             <a:r>
-              <a:rPr lang="te-IN" sz="1600" b="1" dirty="0">
-                <a:latin typeface="Anek Telugu SemiBold" pitchFamily="2" charset="0"/>
-                <a:cs typeface="Anek Telugu SemiBold" pitchFamily="2" charset="0"/>
-              </a:rPr>
-              <a:t>కృప కృప నీ కృప</a:t>
-            </a:r>
-            <a:endParaRPr lang="en-US" sz="1600" b="1" dirty="0">
-              <a:latin typeface="Anek Telugu SemiBold" pitchFamily="2" charset="0"/>
-              <a:cs typeface="Anek Telugu SemiBold" pitchFamily="2" charset="0"/>
-            </a:endParaRPr>
+              <a:rPr lang="te-IN" sz="1500" b="1" dirty="0">
+                <a:latin typeface="Anek Telugu SemiBold" pitchFamily="2" charset="0"/>
+                <a:cs typeface="Anek Telugu SemiBold" pitchFamily="2" charset="0"/>
+              </a:rPr>
+              <a:t>స్తుతి పాత్రుడా – స్తోత్రార్హుడా</a:t>
+            </a:r>
           </a:p>
           <a:p>
             <a:pPr>
@@ -4218,11 +4186,11 @@
               </a:lnSpc>
             </a:pPr>
             <a:r>
-              <a:rPr lang="te-IN" sz="1600" b="1" dirty="0">
-                <a:latin typeface="Anek Telugu SemiBold" pitchFamily="2" charset="0"/>
-                <a:cs typeface="Anek Telugu SemiBold" pitchFamily="2" charset="0"/>
-              </a:rPr>
-              <a:t>కృప కృప క్రీస్తు కృప (2)</a:t>
+              <a:rPr lang="te-IN" sz="1500" b="1" dirty="0">
+                <a:latin typeface="Anek Telugu SemiBold" pitchFamily="2" charset="0"/>
+                <a:cs typeface="Anek Telugu SemiBold" pitchFamily="2" charset="0"/>
+              </a:rPr>
+              <a:t>స్తుతులందుకో - పూజార్హుడా</a:t>
             </a:r>
           </a:p>
           <a:p>
@@ -4232,11 +4200,11 @@
               </a:lnSpc>
             </a:pPr>
             <a:r>
-              <a:rPr lang="te-IN" sz="1600" b="1" dirty="0">
-                <a:latin typeface="Anek Telugu SemiBold" pitchFamily="2" charset="0"/>
-                <a:cs typeface="Anek Telugu SemiBold" pitchFamily="2" charset="0"/>
-              </a:rPr>
-              <a:t>నేనైతే నీ కృపయందు</a:t>
+              <a:rPr lang="te-IN" sz="1500" b="1" dirty="0">
+                <a:latin typeface="Anek Telugu SemiBold" pitchFamily="2" charset="0"/>
+                <a:cs typeface="Anek Telugu SemiBold" pitchFamily="2" charset="0"/>
+              </a:rPr>
+              <a:t>ఆకాశమందు నీవు తప్ప - నాకెవరున్నారు నా ప్రభు</a:t>
             </a:r>
           </a:p>
           <a:p>
@@ -4246,11 +4214,11 @@
               </a:lnSpc>
             </a:pPr>
             <a:r>
-              <a:rPr lang="te-IN" sz="1600" b="1" dirty="0">
-                <a:latin typeface="Anek Telugu SemiBold" pitchFamily="2" charset="0"/>
-                <a:cs typeface="Anek Telugu SemiBold" pitchFamily="2" charset="0"/>
-              </a:rPr>
-              <a:t>నమ్మికయుంచి యున్నాను</a:t>
+              <a:rPr lang="te-IN" sz="1500" b="1" dirty="0">
+                <a:latin typeface="Anek Telugu SemiBold" pitchFamily="2" charset="0"/>
+                <a:cs typeface="Anek Telugu SemiBold" pitchFamily="2" charset="0"/>
+              </a:rPr>
+              <a:t>స్తుతి పాత్రుడా.... ఆఆఅ</a:t>
             </a:r>
           </a:p>
           <a:p>
@@ -4259,13 +4227,10 @@
                 <a:spcPct val="150000"/>
               </a:lnSpc>
             </a:pPr>
-            <a:r>
-              <a:rPr lang="te-IN" sz="1600" b="1" dirty="0">
-                <a:latin typeface="Anek Telugu SemiBold" pitchFamily="2" charset="0"/>
-                <a:cs typeface="Anek Telugu SemiBold" pitchFamily="2" charset="0"/>
-              </a:rPr>
-              <a:t>నా నమ్మికయుంచి యున్నాను (2)</a:t>
-            </a:r>
+            <a:endParaRPr lang="te-IN" sz="1500" b="1" dirty="0">
+              <a:latin typeface="Anek Telugu SemiBold" pitchFamily="2" charset="0"/>
+              <a:cs typeface="Anek Telugu SemiBold" pitchFamily="2" charset="0"/>
+            </a:endParaRPr>
           </a:p>
           <a:p>
             <a:pPr>
@@ -4273,10 +4238,20 @@
                 <a:spcPct val="150000"/>
               </a:lnSpc>
             </a:pPr>
-            <a:endParaRPr lang="te-IN" sz="1600" b="1" dirty="0">
-              <a:latin typeface="Anek Telugu SemiBold" pitchFamily="2" charset="0"/>
-              <a:cs typeface="Anek Telugu SemiBold" pitchFamily="2" charset="0"/>
-            </a:endParaRPr>
+            <a:r>
+              <a:rPr lang="en-IN" sz="1500" b="1" dirty="0">
+                <a:latin typeface="Anek Telugu SemiBold" pitchFamily="2" charset="0"/>
+                <a:cs typeface="Anek Telugu SemiBold" pitchFamily="2" charset="0"/>
+              </a:rPr>
+              <a:t>1. </a:t>
+            </a:r>
+            <a:r>
+              <a:rPr lang="te-IN" sz="1500" b="1" dirty="0">
+                <a:latin typeface="Anek Telugu SemiBold" pitchFamily="2" charset="0"/>
+                <a:cs typeface="Anek Telugu SemiBold" pitchFamily="2" charset="0"/>
+              </a:rPr>
+              <a:t>నా శత్రువులు నను తరుముచుండగా –</a:t>
+            </a:r>
           </a:p>
           <a:p>
             <a:pPr>
@@ -4285,11 +4260,11 @@
               </a:lnSpc>
             </a:pPr>
             <a:r>
-              <a:rPr lang="te-IN" sz="1600" b="1" dirty="0">
-                <a:latin typeface="Anek Telugu SemiBold" pitchFamily="2" charset="0"/>
-                <a:cs typeface="Anek Telugu SemiBold" pitchFamily="2" charset="0"/>
-              </a:rPr>
-              <a:t>కృపను గూర్చి న్యాయము గూర్చి నేను పాడెదను</a:t>
+              <a:rPr lang="te-IN" sz="1500" b="1" dirty="0">
+                <a:latin typeface="Anek Telugu SemiBold" pitchFamily="2" charset="0"/>
+                <a:cs typeface="Anek Telugu SemiBold" pitchFamily="2" charset="0"/>
+              </a:rPr>
+              <a:t>నా యాత్మ నాలో కృంగెనే ప్రభూ -2</a:t>
             </a:r>
           </a:p>
           <a:p>
@@ -4299,11 +4274,11 @@
               </a:lnSpc>
             </a:pPr>
             <a:r>
-              <a:rPr lang="te-IN" sz="1600" b="1" dirty="0">
-                <a:latin typeface="Anek Telugu SemiBold" pitchFamily="2" charset="0"/>
-                <a:cs typeface="Anek Telugu SemiBold" pitchFamily="2" charset="0"/>
-              </a:rPr>
-              <a:t>నీ సన్నిధిలో నిర్దోషముతో నేను నడచెదను (2)</a:t>
+              <a:rPr lang="te-IN" sz="1500" b="1" dirty="0">
+                <a:latin typeface="Anek Telugu SemiBold" pitchFamily="2" charset="0"/>
+                <a:cs typeface="Anek Telugu SemiBold" pitchFamily="2" charset="0"/>
+              </a:rPr>
+              <a:t>నా మనస్సు నీ వైపు త్రిప్పిన వెంటనే –</a:t>
             </a:r>
           </a:p>
           <a:p>
@@ -4313,11 +4288,11 @@
               </a:lnSpc>
             </a:pPr>
             <a:r>
-              <a:rPr lang="te-IN" sz="1600" b="1" dirty="0">
-                <a:latin typeface="Anek Telugu SemiBold" pitchFamily="2" charset="0"/>
-                <a:cs typeface="Anek Telugu SemiBold" pitchFamily="2" charset="0"/>
-              </a:rPr>
-              <a:t>నీ కృపయే నాకు ఆధారం</a:t>
+              <a:rPr lang="te-IN" sz="1500" b="1" dirty="0">
+                <a:latin typeface="Anek Telugu SemiBold" pitchFamily="2" charset="0"/>
+                <a:cs typeface="Anek Telugu SemiBold" pitchFamily="2" charset="0"/>
+              </a:rPr>
+              <a:t>శత్రుల చేతినుండి</a:t>
             </a:r>
           </a:p>
           <a:p>
@@ -4327,11 +4302,11 @@
               </a:lnSpc>
             </a:pPr>
             <a:r>
-              <a:rPr lang="te-IN" sz="1600" b="1" dirty="0">
-                <a:latin typeface="Anek Telugu SemiBold" pitchFamily="2" charset="0"/>
-                <a:cs typeface="Anek Telugu SemiBold" pitchFamily="2" charset="0"/>
-              </a:rPr>
-              <a:t>ఆ కృపయే నాకు ఆదరణ (2)</a:t>
+              <a:rPr lang="te-IN" sz="1500" b="1" dirty="0">
+                <a:latin typeface="Anek Telugu SemiBold" pitchFamily="2" charset="0"/>
+                <a:cs typeface="Anek Telugu SemiBold" pitchFamily="2" charset="0"/>
+              </a:rPr>
+              <a:t>విడిపించినావు - కాపాడినావు -2</a:t>
             </a:r>
           </a:p>
           <a:p>
@@ -4340,7 +4315,7 @@
                 <a:spcPct val="150000"/>
               </a:lnSpc>
             </a:pPr>
-            <a:endParaRPr lang="te-IN" sz="1600" b="1" dirty="0">
+            <a:endParaRPr lang="te-IN" sz="1500" b="1" dirty="0">
               <a:latin typeface="Anek Telugu SemiBold" pitchFamily="2" charset="0"/>
               <a:cs typeface="Anek Telugu SemiBold" pitchFamily="2" charset="0"/>
             </a:endParaRPr>
@@ -4352,11 +4327,18 @@
               </a:lnSpc>
             </a:pPr>
             <a:r>
-              <a:rPr lang="te-IN" sz="1600" b="1" dirty="0">
-                <a:latin typeface="Anek Telugu SemiBold" pitchFamily="2" charset="0"/>
-                <a:cs typeface="Anek Telugu SemiBold" pitchFamily="2" charset="0"/>
-              </a:rPr>
-              <a:t>దీన దశలో నేన్నునప్పుడు నను మరువనిది నీ కృప</a:t>
+              <a:rPr lang="en-IN" sz="1500" b="1" dirty="0">
+                <a:latin typeface="Anek Telugu SemiBold" pitchFamily="2" charset="0"/>
+                <a:cs typeface="Anek Telugu SemiBold" pitchFamily="2" charset="0"/>
+              </a:rPr>
+              <a:t>2. </a:t>
+            </a:r>
+            <a:r>
+              <a:rPr lang="te-IN" sz="1500" b="1" dirty="0">
+                <a:latin typeface="Anek Telugu SemiBold" pitchFamily="2" charset="0"/>
+                <a:cs typeface="Anek Telugu SemiBold" pitchFamily="2" charset="0"/>
+              </a:rPr>
+              <a:t>నా ప్రాణ స్నేహితులు నన్ను చూచి</a:t>
             </a:r>
           </a:p>
           <a:p>
@@ -4366,11 +4348,11 @@
               </a:lnSpc>
             </a:pPr>
             <a:r>
-              <a:rPr lang="te-IN" sz="1600" b="1" dirty="0">
-                <a:latin typeface="Anek Telugu SemiBold" pitchFamily="2" charset="0"/>
-                <a:cs typeface="Anek Telugu SemiBold" pitchFamily="2" charset="0"/>
-              </a:rPr>
-              <a:t>నేనీ స్థితిలో ఉన్నానంటే కేవలం అది నీ కృప (2)</a:t>
+              <a:rPr lang="te-IN" sz="1500" b="1" dirty="0">
+                <a:latin typeface="Anek Telugu SemiBold" pitchFamily="2" charset="0"/>
+                <a:cs typeface="Anek Telugu SemiBold" pitchFamily="2" charset="0"/>
+              </a:rPr>
+              <a:t>దూరాన నిలిచేరు నా ప్రభూ -2</a:t>
             </a:r>
           </a:p>
           <a:p>
@@ -4380,11 +4362,11 @@
               </a:lnSpc>
             </a:pPr>
             <a:r>
-              <a:rPr lang="te-IN" sz="1600" b="1" dirty="0">
-                <a:latin typeface="Anek Telugu SemiBold" pitchFamily="2" charset="0"/>
-                <a:cs typeface="Anek Telugu SemiBold" pitchFamily="2" charset="0"/>
-              </a:rPr>
-              <a:t>నీ కృపయే నాకు ఆధారం</a:t>
+              <a:rPr lang="te-IN" sz="1500" b="1" dirty="0">
+                <a:latin typeface="Anek Telugu SemiBold" pitchFamily="2" charset="0"/>
+                <a:cs typeface="Anek Telugu SemiBold" pitchFamily="2" charset="0"/>
+              </a:rPr>
+              <a:t>నీ వాక్య ధ్యానమే నా త్రోవకు వెలుగై –</a:t>
             </a:r>
           </a:p>
           <a:p>
@@ -4394,11 +4376,25 @@
               </a:lnSpc>
             </a:pPr>
             <a:r>
-              <a:rPr lang="te-IN" sz="1600" b="1" dirty="0">
-                <a:latin typeface="Anek Telugu SemiBold" pitchFamily="2" charset="0"/>
-                <a:cs typeface="Anek Telugu SemiBold" pitchFamily="2" charset="0"/>
-              </a:rPr>
-              <a:t>ఆ కృపయే నాకు ఆదరణ (2)</a:t>
+              <a:rPr lang="te-IN" sz="1500" b="1" dirty="0">
+                <a:latin typeface="Anek Telugu SemiBold" pitchFamily="2" charset="0"/>
+                <a:cs typeface="Anek Telugu SemiBold" pitchFamily="2" charset="0"/>
+              </a:rPr>
+              <a:t>నను నిల్పెను</a:t>
+            </a:r>
+          </a:p>
+          <a:p>
+            <a:pPr>
+              <a:lnSpc>
+                <a:spcPct val="150000"/>
+              </a:lnSpc>
+            </a:pPr>
+            <a:r>
+              <a:rPr lang="te-IN" sz="1500" b="1" dirty="0">
+                <a:latin typeface="Anek Telugu SemiBold" pitchFamily="2" charset="0"/>
+                <a:cs typeface="Anek Telugu SemiBold" pitchFamily="2" charset="0"/>
+              </a:rPr>
+              <a:t>నీ సన్నీధిలో - నీ సంఘములో -2</a:t>
             </a:r>
           </a:p>
         </p:txBody>
@@ -4448,7 +4444,7 @@
         <p:spPr>
           <a:xfrm>
             <a:off x="437934" y="335845"/>
-            <a:ext cx="4640796" cy="6001643"/>
+            <a:ext cx="4640796" cy="4893647"/>
           </a:xfrm>
           <a:prstGeom prst="rect">
             <a:avLst/>
@@ -4471,7 +4467,7 @@
                 <a:latin typeface="Anek Telugu SemiBold" pitchFamily="2" charset="0"/>
                 <a:cs typeface="Anek Telugu SemiBold" pitchFamily="2" charset="0"/>
               </a:rPr>
-              <a:t>స్తుతి పాత్రుడా – స్తోత్రార్హుడా</a:t>
+              <a:t>సర్వోన్నతుడా – నీవే నాకు ఆశ్రయదుర్గము -2</a:t>
             </a:r>
           </a:p>
           <a:p>
@@ -4485,7 +4481,7 @@
                 <a:latin typeface="Anek Telugu SemiBold" pitchFamily="2" charset="0"/>
                 <a:cs typeface="Anek Telugu SemiBold" pitchFamily="2" charset="0"/>
               </a:rPr>
-              <a:t>స్తుతులందుకో - పూజార్హుడా</a:t>
+              <a:t>ఎవ్వరులేరు – నాకు ఇలలో -2</a:t>
             </a:r>
           </a:p>
           <a:p>
@@ -4499,50 +4495,7 @@
                 <a:latin typeface="Anek Telugu SemiBold" pitchFamily="2" charset="0"/>
                 <a:cs typeface="Anek Telugu SemiBold" pitchFamily="2" charset="0"/>
               </a:rPr>
-              <a:t>ఆకాశమందు నీవు తప్ప – </a:t>
-            </a:r>
-            <a:endParaRPr lang="en-IN" sz="1600" dirty="0">
-              <a:latin typeface="Anek Telugu SemiBold" pitchFamily="2" charset="0"/>
-              <a:cs typeface="Anek Telugu SemiBold" pitchFamily="2" charset="0"/>
-            </a:endParaRPr>
-          </a:p>
-          <a:p>
-            <a:pPr>
-              <a:lnSpc>
-                <a:spcPct val="150000"/>
-              </a:lnSpc>
-            </a:pPr>
-            <a:r>
-              <a:rPr lang="te-IN" sz="1600" dirty="0">
-                <a:latin typeface="Anek Telugu SemiBold" pitchFamily="2" charset="0"/>
-                <a:cs typeface="Anek Telugu SemiBold" pitchFamily="2" charset="0"/>
-              </a:rPr>
-              <a:t>నాకెవరున్నారు నా ప్రభు</a:t>
-            </a:r>
-            <a:r>
-              <a:rPr lang="en-IN" sz="1600" dirty="0">
-                <a:latin typeface="Anek Telugu SemiBold" pitchFamily="2" charset="0"/>
-                <a:cs typeface="Anek Telugu SemiBold" pitchFamily="2" charset="0"/>
-              </a:rPr>
-              <a:t> (2)</a:t>
-            </a:r>
-            <a:endParaRPr lang="te-IN" sz="1600" dirty="0">
-              <a:latin typeface="Anek Telugu SemiBold" pitchFamily="2" charset="0"/>
-              <a:cs typeface="Anek Telugu SemiBold" pitchFamily="2" charset="0"/>
-            </a:endParaRPr>
-          </a:p>
-          <a:p>
-            <a:pPr>
-              <a:lnSpc>
-                <a:spcPct val="150000"/>
-              </a:lnSpc>
-            </a:pPr>
-            <a:r>
-              <a:rPr lang="te-IN" sz="1600" dirty="0">
-                <a:latin typeface="Anek Telugu SemiBold" pitchFamily="2" charset="0"/>
-                <a:cs typeface="Anek Telugu SemiBold" pitchFamily="2" charset="0"/>
-              </a:rPr>
-              <a:t>స్తుతి పాత్రుడా.... ఆఆఅ</a:t>
+              <a:t>ఆదరణ నీవెగా -ఆనందం నీవెగా -2</a:t>
             </a:r>
           </a:p>
           <a:p>
@@ -4563,16 +4516,19 @@
               </a:lnSpc>
             </a:pPr>
             <a:r>
+              <a:rPr lang="en-IN" sz="1600" dirty="0">
+                <a:latin typeface="Anek Telugu SemiBold" pitchFamily="2" charset="0"/>
+                <a:cs typeface="Anek Telugu SemiBold" pitchFamily="2" charset="0"/>
+              </a:rPr>
+              <a:t>1. </a:t>
+            </a:r>
+            <a:r>
               <a:rPr lang="te-IN" sz="1600" dirty="0">
                 <a:latin typeface="Anek Telugu SemiBold" pitchFamily="2" charset="0"/>
                 <a:cs typeface="Anek Telugu SemiBold" pitchFamily="2" charset="0"/>
               </a:rPr>
-              <a:t>నా శత్రువులు నను తరుముచుండగా – </a:t>
-            </a:r>
-            <a:endParaRPr lang="en-IN" sz="1600" dirty="0">
-              <a:latin typeface="Anek Telugu SemiBold" pitchFamily="2" charset="0"/>
-              <a:cs typeface="Anek Telugu SemiBold" pitchFamily="2" charset="0"/>
-            </a:endParaRPr>
+              <a:t>నీ దినములన్నిట ఎవ్వరు నీ ఎదుట –</a:t>
+            </a:r>
           </a:p>
           <a:p>
             <a:pPr>
@@ -4585,19 +4541,8 @@
                 <a:latin typeface="Anek Telugu SemiBold" pitchFamily="2" charset="0"/>
                 <a:cs typeface="Anek Telugu SemiBold" pitchFamily="2" charset="0"/>
               </a:rPr>
-              <a:t>నా యాత్మ నాలో కృంగెనే ప్రభూ –</a:t>
-            </a:r>
-            <a:r>
-              <a:rPr lang="en-IN" sz="1600" dirty="0">
-                <a:latin typeface="Anek Telugu SemiBold" pitchFamily="2" charset="0"/>
-                <a:cs typeface="Anek Telugu SemiBold" pitchFamily="2" charset="0"/>
-              </a:rPr>
-              <a:t> (2)</a:t>
-            </a:r>
-            <a:endParaRPr lang="te-IN" sz="1600" dirty="0">
-              <a:latin typeface="Anek Telugu SemiBold" pitchFamily="2" charset="0"/>
-              <a:cs typeface="Anek Telugu SemiBold" pitchFamily="2" charset="0"/>
-            </a:endParaRPr>
+              <a:t>నిలువలేరని యెహోషువాతో -2</a:t>
+            </a:r>
           </a:p>
           <a:p>
             <a:pPr>
@@ -4610,12 +4555,8 @@
                 <a:latin typeface="Anek Telugu SemiBold" pitchFamily="2" charset="0"/>
                 <a:cs typeface="Anek Telugu SemiBold" pitchFamily="2" charset="0"/>
               </a:rPr>
-              <a:t>నా మనస్సు నీ వైపు త్రిప్పిన వెంటనే – </a:t>
-            </a:r>
-            <a:endParaRPr lang="en-IN" sz="1600" dirty="0">
-              <a:latin typeface="Anek Telugu SemiBold" pitchFamily="2" charset="0"/>
-              <a:cs typeface="Anek Telugu SemiBold" pitchFamily="2" charset="0"/>
-            </a:endParaRPr>
+              <a:t>వాగ్దానము చేసినావు –</a:t>
+            </a:r>
           </a:p>
           <a:p>
             <a:pPr>
@@ -4628,33 +4569,8 @@
                 <a:latin typeface="Anek Telugu SemiBold" pitchFamily="2" charset="0"/>
                 <a:cs typeface="Anek Telugu SemiBold" pitchFamily="2" charset="0"/>
               </a:rPr>
-              <a:t>శత్రుల చేతినుండి</a:t>
-            </a:r>
-          </a:p>
-          <a:p>
-            <a:pPr>
-              <a:lnSpc>
-                <a:spcPct val="150000"/>
-              </a:lnSpc>
-            </a:pPr>
-            <a:r>
-              <a:rPr lang="te-IN" sz="1600" dirty="0">
-                <a:latin typeface="Anek Telugu SemiBold" pitchFamily="2" charset="0"/>
-                <a:cs typeface="Anek Telugu SemiBold" pitchFamily="2" charset="0"/>
-              </a:rPr>
-              <a:t>విడిపించినావు - కాపాడినావు –</a:t>
-            </a:r>
-            <a:r>
-              <a:rPr lang="en-IN" sz="1600" dirty="0">
-                <a:latin typeface="Anek Telugu SemiBold" pitchFamily="2" charset="0"/>
-                <a:cs typeface="Anek Telugu SemiBold" pitchFamily="2" charset="0"/>
-              </a:rPr>
-              <a:t> (2)</a:t>
-            </a:r>
-            <a:endParaRPr lang="te-IN" sz="1600" dirty="0">
-              <a:latin typeface="Anek Telugu SemiBold" pitchFamily="2" charset="0"/>
-              <a:cs typeface="Anek Telugu SemiBold" pitchFamily="2" charset="0"/>
-            </a:endParaRPr>
+              <a:t>వాగ్దానా భూమిలో చేర్చినావు -2 </a:t>
+            </a:r>
           </a:p>
           <a:p>
             <a:pPr>
@@ -4674,16 +4590,19 @@
               </a:lnSpc>
             </a:pPr>
             <a:r>
+              <a:rPr lang="en-IN" sz="1600" dirty="0">
+                <a:latin typeface="Anek Telugu SemiBold" pitchFamily="2" charset="0"/>
+                <a:cs typeface="Anek Telugu SemiBold" pitchFamily="2" charset="0"/>
+              </a:rPr>
+              <a:t>2. </a:t>
+            </a:r>
+            <a:r>
               <a:rPr lang="te-IN" sz="1600" dirty="0">
                 <a:latin typeface="Anek Telugu SemiBold" pitchFamily="2" charset="0"/>
                 <a:cs typeface="Anek Telugu SemiBold" pitchFamily="2" charset="0"/>
               </a:rPr>
-              <a:t>నా ప్రాణ స్నేహితులు నన్ను చూచి</a:t>
-            </a:r>
-            <a:endParaRPr lang="en-IN" sz="1600" dirty="0">
-              <a:latin typeface="Anek Telugu SemiBold" pitchFamily="2" charset="0"/>
-              <a:cs typeface="Anek Telugu SemiBold" pitchFamily="2" charset="0"/>
-            </a:endParaRPr>
+              <a:t>నిందలపాలై నిత్య నిబంధన –</a:t>
+            </a:r>
           </a:p>
           <a:p>
             <a:pPr>
@@ -4696,7 +4615,7 @@
                 <a:latin typeface="Anek Telugu SemiBold" pitchFamily="2" charset="0"/>
                 <a:cs typeface="Anek Telugu SemiBold" pitchFamily="2" charset="0"/>
               </a:rPr>
-              <a:t>దూరాన నిలిచేరు నా ప్రభూ -2</a:t>
+              <a:t>నీతో చేసిన దానియేలుకు -2</a:t>
             </a:r>
           </a:p>
           <a:p>
@@ -4710,12 +4629,8 @@
                 <a:latin typeface="Anek Telugu SemiBold" pitchFamily="2" charset="0"/>
                 <a:cs typeface="Anek Telugu SemiBold" pitchFamily="2" charset="0"/>
               </a:rPr>
-              <a:t>నీ వాక్య ధ్యానమే నా త్రోవకు వెలుగై –</a:t>
-            </a:r>
-            <a:endParaRPr lang="en-IN" sz="1600" dirty="0">
-              <a:latin typeface="Anek Telugu SemiBold" pitchFamily="2" charset="0"/>
-              <a:cs typeface="Anek Telugu SemiBold" pitchFamily="2" charset="0"/>
-            </a:endParaRPr>
+              <a:t>సింహాసనమిచ్చినావు –</a:t>
+            </a:r>
           </a:p>
           <a:p>
             <a:pPr>
@@ -4728,21 +4643,7 @@
                 <a:latin typeface="Anek Telugu SemiBold" pitchFamily="2" charset="0"/>
                 <a:cs typeface="Anek Telugu SemiBold" pitchFamily="2" charset="0"/>
               </a:rPr>
-              <a:t>నను నిల్పెను</a:t>
-            </a:r>
-            <a:r>
-              <a:rPr lang="en-IN" sz="1600" dirty="0">
-                <a:latin typeface="Anek Telugu SemiBold" pitchFamily="2" charset="0"/>
-                <a:cs typeface="Anek Telugu SemiBold" pitchFamily="2" charset="0"/>
-              </a:rPr>
-              <a:t> </a:t>
-            </a:r>
-            <a:r>
-              <a:rPr lang="te-IN" sz="1600" dirty="0">
-                <a:latin typeface="Anek Telugu SemiBold" pitchFamily="2" charset="0"/>
-                <a:cs typeface="Anek Telugu SemiBold" pitchFamily="2" charset="0"/>
-              </a:rPr>
-              <a:t>నీ సన్నీధిలో - నీ సంఘములో -2</a:t>
+              <a:t>సింహాల నోళ్లను మూసినావు -2</a:t>
             </a:r>
           </a:p>
         </p:txBody>
@@ -4761,8 +4662,8 @@
         </p:nvSpPr>
         <p:spPr>
           <a:xfrm>
-            <a:off x="5209592" y="174039"/>
-            <a:ext cx="3568595" cy="6555641"/>
+            <a:off x="5175409" y="335845"/>
+            <a:ext cx="3883133" cy="5632311"/>
           </a:xfrm>
           <a:prstGeom prst="rect">
             <a:avLst/>
@@ -4781,16 +4682,12 @@
               </a:lnSpc>
             </a:pPr>
             <a:r>
-              <a:rPr lang="te-IN" sz="1380" b="1" dirty="0">
-                <a:latin typeface="Anek Telugu SemiBold" pitchFamily="2" charset="0"/>
-                <a:cs typeface="Anek Telugu SemiBold" pitchFamily="2" charset="0"/>
-              </a:rPr>
-              <a:t>సుమధుర స్వరముల గానాలతో –</a:t>
-            </a:r>
-            <a:endParaRPr lang="en-IN" sz="1380" b="1" dirty="0">
-              <a:latin typeface="Anek Telugu SemiBold" pitchFamily="2" charset="0"/>
-              <a:cs typeface="Anek Telugu SemiBold" pitchFamily="2" charset="0"/>
-            </a:endParaRPr>
+              <a:rPr lang="te-IN" sz="1600" b="1" dirty="0">
+                <a:latin typeface="Anek Telugu SemiBold" pitchFamily="2" charset="0"/>
+                <a:cs typeface="Anek Telugu SemiBold" pitchFamily="2" charset="0"/>
+              </a:rPr>
+              <a:t>జుంటి తేనె ధారల కన్నా</a:t>
+            </a:r>
           </a:p>
           <a:p>
             <a:pPr defTabSz="439781">
@@ -4799,11 +4696,50 @@
               </a:lnSpc>
             </a:pPr>
             <a:r>
-              <a:rPr lang="te-IN" sz="1380" b="1" dirty="0">
-                <a:latin typeface="Anek Telugu SemiBold" pitchFamily="2" charset="0"/>
-                <a:cs typeface="Anek Telugu SemiBold" pitchFamily="2" charset="0"/>
-              </a:rPr>
-              <a:t>వేలాది దూతల గళములతో</a:t>
+              <a:rPr lang="te-IN" sz="1600" b="1" dirty="0">
+                <a:latin typeface="Anek Telugu SemiBold" pitchFamily="2" charset="0"/>
+                <a:cs typeface="Anek Telugu SemiBold" pitchFamily="2" charset="0"/>
+              </a:rPr>
+              <a:t>యేసు నామమే మధురం</a:t>
+            </a:r>
+            <a:br>
+              <a:rPr lang="te-IN" sz="1600" b="1" dirty="0">
+                <a:latin typeface="Anek Telugu SemiBold" pitchFamily="2" charset="0"/>
+                <a:cs typeface="Anek Telugu SemiBold" pitchFamily="2" charset="0"/>
+              </a:rPr>
+            </a:br>
+            <a:r>
+              <a:rPr lang="te-IN" sz="1600" b="1" dirty="0">
+                <a:latin typeface="Anek Telugu SemiBold" pitchFamily="2" charset="0"/>
+                <a:cs typeface="Anek Telugu SemiBold" pitchFamily="2" charset="0"/>
+              </a:rPr>
+              <a:t>యేసయ్య సన్నిధినే మరువజాలను (2)</a:t>
+            </a:r>
+            <a:br>
+              <a:rPr lang="te-IN" sz="1600" b="1" dirty="0">
+                <a:latin typeface="Anek Telugu SemiBold" pitchFamily="2" charset="0"/>
+                <a:cs typeface="Anek Telugu SemiBold" pitchFamily="2" charset="0"/>
+              </a:rPr>
+            </a:br>
+            <a:r>
+              <a:rPr lang="te-IN" sz="1600" b="1" dirty="0">
+                <a:latin typeface="Anek Telugu SemiBold" pitchFamily="2" charset="0"/>
+                <a:cs typeface="Anek Telugu SemiBold" pitchFamily="2" charset="0"/>
+              </a:rPr>
+              <a:t>జీవితకాలమంతా ఆనందించెదా</a:t>
+            </a:r>
+            <a:br>
+              <a:rPr lang="te-IN" sz="1600" b="1" dirty="0">
+                <a:latin typeface="Anek Telugu SemiBold" pitchFamily="2" charset="0"/>
+                <a:cs typeface="Anek Telugu SemiBold" pitchFamily="2" charset="0"/>
+              </a:rPr>
+            </a:br>
+            <a:r>
+              <a:rPr lang="te-IN" sz="1600" b="1" dirty="0">
+                <a:latin typeface="Anek Telugu SemiBold" pitchFamily="2" charset="0"/>
+                <a:cs typeface="Anek Telugu SemiBold" pitchFamily="2" charset="0"/>
+              </a:rPr>
+              <a:t>యేసయ్యనే ఆరాధించెదా (2)  </a:t>
             </a:r>
           </a:p>
           <a:p>
@@ -4812,14 +4748,7 @@
                 <a:spcPct val="150000"/>
               </a:lnSpc>
             </a:pPr>
-            <a:r>
-              <a:rPr lang="te-IN" sz="1380" b="1" dirty="0">
-                <a:latin typeface="Anek Telugu SemiBold" pitchFamily="2" charset="0"/>
-                <a:cs typeface="Anek Telugu SemiBold" pitchFamily="2" charset="0"/>
-              </a:rPr>
-              <a:t>కొనియాడబడుచున్న నా యేసయ్యా – </a:t>
-            </a:r>
-            <a:endParaRPr lang="en-IN" sz="1380" b="1" dirty="0">
+            <a:endParaRPr lang="te-IN" sz="1600" b="1" dirty="0">
               <a:latin typeface="Anek Telugu SemiBold" pitchFamily="2" charset="0"/>
               <a:cs typeface="Anek Telugu SemiBold" pitchFamily="2" charset="0"/>
             </a:endParaRPr>
@@ -4831,11 +4760,57 @@
               </a:lnSpc>
             </a:pPr>
             <a:r>
-              <a:rPr lang="te-IN" sz="1380" b="1" dirty="0">
-                <a:latin typeface="Anek Telugu SemiBold" pitchFamily="2" charset="0"/>
-                <a:cs typeface="Anek Telugu SemiBold" pitchFamily="2" charset="0"/>
-              </a:rPr>
-              <a:t>నీకే నా ఆరాధన (2)</a:t>
+              <a:rPr lang="en-IN" sz="1600" b="1" dirty="0">
+                <a:latin typeface="Anek Telugu SemiBold" pitchFamily="2" charset="0"/>
+                <a:cs typeface="Anek Telugu SemiBold" pitchFamily="2" charset="0"/>
+              </a:rPr>
+              <a:t>1. </a:t>
+            </a:r>
+            <a:r>
+              <a:rPr lang="te-IN" sz="1600" b="1" dirty="0">
+                <a:latin typeface="Anek Telugu SemiBold" pitchFamily="2" charset="0"/>
+                <a:cs typeface="Anek Telugu SemiBold" pitchFamily="2" charset="0"/>
+              </a:rPr>
+              <a:t>యేసయ్య నామమే బహు పూజనీయము</a:t>
+            </a:r>
+            <a:br>
+              <a:rPr lang="te-IN" sz="1600" b="1" dirty="0">
+                <a:latin typeface="Anek Telugu SemiBold" pitchFamily="2" charset="0"/>
+                <a:cs typeface="Anek Telugu SemiBold" pitchFamily="2" charset="0"/>
+              </a:rPr>
+            </a:br>
+            <a:r>
+              <a:rPr lang="te-IN" sz="1600" b="1" dirty="0">
+                <a:latin typeface="Anek Telugu SemiBold" pitchFamily="2" charset="0"/>
+                <a:cs typeface="Anek Telugu SemiBold" pitchFamily="2" charset="0"/>
+              </a:rPr>
+              <a:t>నాపై దృష్టి నిలిపి సంత్రుష్టిగా నను ఉంచి (2)</a:t>
+            </a:r>
+            <a:br>
+              <a:rPr lang="te-IN" sz="1600" b="1" dirty="0">
+                <a:latin typeface="Anek Telugu SemiBold" pitchFamily="2" charset="0"/>
+                <a:cs typeface="Anek Telugu SemiBold" pitchFamily="2" charset="0"/>
+              </a:rPr>
+            </a:br>
+            <a:r>
+              <a:rPr lang="te-IN" sz="1600" b="1" dirty="0">
+                <a:latin typeface="Anek Telugu SemiBold" pitchFamily="2" charset="0"/>
+                <a:cs typeface="Anek Telugu SemiBold" pitchFamily="2" charset="0"/>
+              </a:rPr>
+              <a:t>నన్నెంతగానో దీవించి</a:t>
+            </a:r>
+            <a:br>
+              <a:rPr lang="te-IN" sz="1600" b="1" dirty="0">
+                <a:latin typeface="Anek Telugu SemiBold" pitchFamily="2" charset="0"/>
+                <a:cs typeface="Anek Telugu SemiBold" pitchFamily="2" charset="0"/>
+              </a:rPr>
+            </a:br>
+            <a:r>
+              <a:rPr lang="te-IN" sz="1600" b="1" dirty="0">
+                <a:latin typeface="Anek Telugu SemiBold" pitchFamily="2" charset="0"/>
+                <a:cs typeface="Anek Telugu SemiBold" pitchFamily="2" charset="0"/>
+              </a:rPr>
+              <a:t>జీవజలపు ఊటలతో ఉజ్జీవింపజేసెనే (2) </a:t>
             </a:r>
           </a:p>
           <a:p>
@@ -4845,11 +4820,11 @@
               </a:lnSpc>
             </a:pPr>
             <a:r>
-              <a:rPr lang="te-IN" sz="1380" b="1" dirty="0">
-                <a:latin typeface="Anek Telugu SemiBold" pitchFamily="2" charset="0"/>
-                <a:cs typeface="Anek Telugu SemiBold" pitchFamily="2" charset="0"/>
-              </a:rPr>
-              <a:t>మహదానందమే నాలో పరవశమే</a:t>
+              <a:rPr lang="te-IN" sz="1600" b="1" dirty="0">
+                <a:latin typeface="Anek Telugu SemiBold" pitchFamily="2" charset="0"/>
+                <a:cs typeface="Anek Telugu SemiBold" pitchFamily="2" charset="0"/>
+              </a:rPr>
+              <a:t> </a:t>
             </a:r>
           </a:p>
           <a:p>
@@ -4859,225 +4834,57 @@
               </a:lnSpc>
             </a:pPr>
             <a:r>
-              <a:rPr lang="te-IN" sz="1380" b="1" dirty="0">
-                <a:latin typeface="Anek Telugu SemiBold" pitchFamily="2" charset="0"/>
-                <a:cs typeface="Anek Telugu SemiBold" pitchFamily="2" charset="0"/>
-              </a:rPr>
-              <a:t>నిన్ను స్తుతించిన ప్రతీక్షణం (2)</a:t>
-            </a:r>
-            <a:endParaRPr lang="en-IN" sz="1380" b="1" dirty="0">
-              <a:latin typeface="Anek Telugu SemiBold" pitchFamily="2" charset="0"/>
-              <a:cs typeface="Anek Telugu SemiBold" pitchFamily="2" charset="0"/>
-            </a:endParaRPr>
-          </a:p>
-          <a:p>
-            <a:pPr defTabSz="439781">
-              <a:lnSpc>
-                <a:spcPct val="150000"/>
-              </a:lnSpc>
-            </a:pPr>
-            <a:endParaRPr lang="te-IN" sz="1380" b="1" dirty="0">
-              <a:latin typeface="Anek Telugu SemiBold" pitchFamily="2" charset="0"/>
-              <a:cs typeface="Anek Telugu SemiBold" pitchFamily="2" charset="0"/>
-            </a:endParaRPr>
-          </a:p>
-          <a:p>
-            <a:pPr defTabSz="439781">
-              <a:lnSpc>
-                <a:spcPct val="150000"/>
-              </a:lnSpc>
-            </a:pPr>
-            <a:r>
-              <a:rPr lang="te-IN" sz="1380" b="1" dirty="0">
-                <a:latin typeface="Anek Telugu SemiBold" pitchFamily="2" charset="0"/>
-                <a:cs typeface="Anek Telugu SemiBold" pitchFamily="2" charset="0"/>
-              </a:rPr>
-              <a:t>ఎడారి త్రోవలో నే నడిచినా – </a:t>
-            </a:r>
-            <a:endParaRPr lang="en-IN" sz="1380" b="1" dirty="0">
-              <a:latin typeface="Anek Telugu SemiBold" pitchFamily="2" charset="0"/>
-              <a:cs typeface="Anek Telugu SemiBold" pitchFamily="2" charset="0"/>
-            </a:endParaRPr>
-          </a:p>
-          <a:p>
-            <a:pPr defTabSz="439781">
-              <a:lnSpc>
-                <a:spcPct val="150000"/>
-              </a:lnSpc>
-            </a:pPr>
-            <a:r>
-              <a:rPr lang="te-IN" sz="1380" b="1" dirty="0">
-                <a:latin typeface="Anek Telugu SemiBold" pitchFamily="2" charset="0"/>
-                <a:cs typeface="Anek Telugu SemiBold" pitchFamily="2" charset="0"/>
-              </a:rPr>
-              <a:t>ఎరుగని మార్గములో నను నడిపినా</a:t>
-            </a:r>
-          </a:p>
-          <a:p>
-            <a:pPr defTabSz="439781">
-              <a:lnSpc>
-                <a:spcPct val="150000"/>
-              </a:lnSpc>
-            </a:pPr>
-            <a:r>
-              <a:rPr lang="te-IN" sz="1380" b="1" dirty="0">
-                <a:latin typeface="Anek Telugu SemiBold" pitchFamily="2" charset="0"/>
-                <a:cs typeface="Anek Telugu SemiBold" pitchFamily="2" charset="0"/>
-              </a:rPr>
-              <a:t>నా ముందు నడచిన జయవీరుడా – </a:t>
-            </a:r>
-            <a:endParaRPr lang="en-IN" sz="1380" b="1" dirty="0">
-              <a:latin typeface="Anek Telugu SemiBold" pitchFamily="2" charset="0"/>
-              <a:cs typeface="Anek Telugu SemiBold" pitchFamily="2" charset="0"/>
-            </a:endParaRPr>
-          </a:p>
-          <a:p>
-            <a:pPr defTabSz="439781">
-              <a:lnSpc>
-                <a:spcPct val="150000"/>
-              </a:lnSpc>
-            </a:pPr>
-            <a:r>
-              <a:rPr lang="te-IN" sz="1380" b="1" dirty="0">
-                <a:latin typeface="Anek Telugu SemiBold" pitchFamily="2" charset="0"/>
-                <a:cs typeface="Anek Telugu SemiBold" pitchFamily="2" charset="0"/>
-              </a:rPr>
-              <a:t>నా విజయ సంకేతమా (2)</a:t>
-            </a:r>
-          </a:p>
-          <a:p>
-            <a:pPr defTabSz="439781">
-              <a:lnSpc>
-                <a:spcPct val="150000"/>
-              </a:lnSpc>
-            </a:pPr>
-            <a:r>
-              <a:rPr lang="te-IN" sz="1380" b="1" dirty="0">
-                <a:latin typeface="Anek Telugu SemiBold" pitchFamily="2" charset="0"/>
-                <a:cs typeface="Anek Telugu SemiBold" pitchFamily="2" charset="0"/>
-              </a:rPr>
-              <a:t>నీవే నీవే – నా ఆనందము</a:t>
-            </a:r>
-          </a:p>
-          <a:p>
-            <a:pPr defTabSz="439781">
-              <a:lnSpc>
-                <a:spcPct val="150000"/>
-              </a:lnSpc>
-            </a:pPr>
-            <a:r>
-              <a:rPr lang="te-IN" sz="1380" b="1" dirty="0">
-                <a:latin typeface="Anek Telugu SemiBold" pitchFamily="2" charset="0"/>
-                <a:cs typeface="Anek Telugu SemiBold" pitchFamily="2" charset="0"/>
-              </a:rPr>
-              <a:t>నీవే నీవే – నా ఆధారము (2)</a:t>
-            </a:r>
-            <a:endParaRPr lang="en-IN" sz="1380" b="1" dirty="0">
-              <a:latin typeface="Anek Telugu SemiBold" pitchFamily="2" charset="0"/>
-              <a:cs typeface="Anek Telugu SemiBold" pitchFamily="2" charset="0"/>
-            </a:endParaRPr>
-          </a:p>
-          <a:p>
-            <a:pPr defTabSz="439781">
-              <a:lnSpc>
-                <a:spcPct val="150000"/>
-              </a:lnSpc>
-            </a:pPr>
-            <a:endParaRPr lang="te-IN" sz="1380" b="1" dirty="0">
-              <a:latin typeface="Anek Telugu SemiBold" pitchFamily="2" charset="0"/>
-              <a:cs typeface="Anek Telugu SemiBold" pitchFamily="2" charset="0"/>
-            </a:endParaRPr>
-          </a:p>
-          <a:p>
-            <a:pPr defTabSz="439781">
-              <a:lnSpc>
-                <a:spcPct val="150000"/>
-              </a:lnSpc>
-            </a:pPr>
-            <a:r>
-              <a:rPr lang="te-IN" sz="1380" b="1" dirty="0">
-                <a:latin typeface="Anek Telugu SemiBold" pitchFamily="2" charset="0"/>
-                <a:cs typeface="Anek Telugu SemiBold" pitchFamily="2" charset="0"/>
-              </a:rPr>
-              <a:t>సంపూర్ణమైన నీ చిత్తమే – </a:t>
-            </a:r>
-            <a:endParaRPr lang="en-IN" sz="1380" b="1" dirty="0">
-              <a:latin typeface="Anek Telugu SemiBold" pitchFamily="2" charset="0"/>
-              <a:cs typeface="Anek Telugu SemiBold" pitchFamily="2" charset="0"/>
-            </a:endParaRPr>
-          </a:p>
-          <a:p>
-            <a:pPr defTabSz="439781">
-              <a:lnSpc>
-                <a:spcPct val="150000"/>
-              </a:lnSpc>
-            </a:pPr>
-            <a:r>
-              <a:rPr lang="te-IN" sz="1380" b="1" dirty="0">
-                <a:latin typeface="Anek Telugu SemiBold" pitchFamily="2" charset="0"/>
-                <a:cs typeface="Anek Telugu SemiBold" pitchFamily="2" charset="0"/>
-              </a:rPr>
-              <a:t>అనుకూలమైన సంకల్పమే</a:t>
-            </a:r>
-          </a:p>
-          <a:p>
-            <a:pPr defTabSz="439781">
-              <a:lnSpc>
-                <a:spcPct val="150000"/>
-              </a:lnSpc>
-            </a:pPr>
-            <a:r>
-              <a:rPr lang="te-IN" sz="1380" b="1" dirty="0">
-                <a:latin typeface="Anek Telugu SemiBold" pitchFamily="2" charset="0"/>
-                <a:cs typeface="Anek Telugu SemiBold" pitchFamily="2" charset="0"/>
-              </a:rPr>
-              <a:t>జరిగించుచున్నావు నను విడువక – </a:t>
-            </a:r>
-            <a:endParaRPr lang="en-IN" sz="1380" b="1" dirty="0">
-              <a:latin typeface="Anek Telugu SemiBold" pitchFamily="2" charset="0"/>
-              <a:cs typeface="Anek Telugu SemiBold" pitchFamily="2" charset="0"/>
-            </a:endParaRPr>
-          </a:p>
-          <a:p>
-            <a:pPr defTabSz="439781">
-              <a:lnSpc>
-                <a:spcPct val="150000"/>
-              </a:lnSpc>
-            </a:pPr>
-            <a:r>
-              <a:rPr lang="te-IN" sz="1380" b="1" dirty="0">
-                <a:latin typeface="Anek Telugu SemiBold" pitchFamily="2" charset="0"/>
-                <a:cs typeface="Anek Telugu SemiBold" pitchFamily="2" charset="0"/>
-              </a:rPr>
-              <a:t>నా ధైర్యము నీవేగా (2)</a:t>
-            </a:r>
-          </a:p>
-          <a:p>
-            <a:pPr defTabSz="439781">
-              <a:lnSpc>
-                <a:spcPct val="150000"/>
-              </a:lnSpc>
-            </a:pPr>
-            <a:r>
-              <a:rPr lang="te-IN" sz="1380" b="1" dirty="0">
-                <a:latin typeface="Anek Telugu SemiBold" pitchFamily="2" charset="0"/>
-                <a:cs typeface="Anek Telugu SemiBold" pitchFamily="2" charset="0"/>
-              </a:rPr>
-              <a:t>నీవే నీవే – నా జయగీతము</a:t>
-            </a:r>
-          </a:p>
-          <a:p>
-            <a:pPr defTabSz="439781">
-              <a:lnSpc>
-                <a:spcPct val="150000"/>
-              </a:lnSpc>
-            </a:pPr>
-            <a:r>
-              <a:rPr lang="te-IN" sz="1380" b="1" dirty="0">
-                <a:latin typeface="Anek Telugu SemiBold" pitchFamily="2" charset="0"/>
-                <a:cs typeface="Anek Telugu SemiBold" pitchFamily="2" charset="0"/>
-              </a:rPr>
-              <a:t>నీవే నీవే – నా స్తుతిగీతము (2)</a:t>
+              <a:rPr lang="en-IN" sz="1600" b="1" dirty="0">
+                <a:latin typeface="Anek Telugu SemiBold" pitchFamily="2" charset="0"/>
+                <a:cs typeface="Anek Telugu SemiBold" pitchFamily="2" charset="0"/>
+              </a:rPr>
+              <a:t>2. </a:t>
+            </a:r>
+            <a:r>
+              <a:rPr lang="te-IN" sz="1600" b="1" dirty="0">
+                <a:latin typeface="Anek Telugu SemiBold" pitchFamily="2" charset="0"/>
+                <a:cs typeface="Anek Telugu SemiBold" pitchFamily="2" charset="0"/>
+              </a:rPr>
+              <a:t>యేసయ్య నామమే బలమైన దుర్గము</a:t>
+            </a:r>
+            <a:br>
+              <a:rPr lang="te-IN" sz="1600" b="1" dirty="0">
+                <a:latin typeface="Anek Telugu SemiBold" pitchFamily="2" charset="0"/>
+                <a:cs typeface="Anek Telugu SemiBold" pitchFamily="2" charset="0"/>
+              </a:rPr>
+            </a:br>
+            <a:r>
+              <a:rPr lang="te-IN" sz="1600" b="1" dirty="0">
+                <a:latin typeface="Anek Telugu SemiBold" pitchFamily="2" charset="0"/>
+                <a:cs typeface="Anek Telugu SemiBold" pitchFamily="2" charset="0"/>
+              </a:rPr>
+              <a:t>నా తోడై నిలిచి క్షేమముగా నను దాచి (2)</a:t>
+            </a:r>
+            <a:br>
+              <a:rPr lang="te-IN" sz="1600" b="1" dirty="0">
+                <a:latin typeface="Anek Telugu SemiBold" pitchFamily="2" charset="0"/>
+                <a:cs typeface="Anek Telugu SemiBold" pitchFamily="2" charset="0"/>
+              </a:rPr>
+            </a:br>
+            <a:r>
+              <a:rPr lang="te-IN" sz="1600" b="1" dirty="0">
+                <a:latin typeface="Anek Telugu SemiBold" pitchFamily="2" charset="0"/>
+                <a:cs typeface="Anek Telugu SemiBold" pitchFamily="2" charset="0"/>
+              </a:rPr>
+              <a:t>నన్నెంతగానో కరుణించి</a:t>
+            </a:r>
+            <a:br>
+              <a:rPr lang="te-IN" sz="1600" b="1" dirty="0">
+                <a:latin typeface="Anek Telugu SemiBold" pitchFamily="2" charset="0"/>
+                <a:cs typeface="Anek Telugu SemiBold" pitchFamily="2" charset="0"/>
+              </a:rPr>
+            </a:br>
+            <a:r>
+              <a:rPr lang="te-IN" sz="1600" b="1" dirty="0">
+                <a:latin typeface="Anek Telugu SemiBold" pitchFamily="2" charset="0"/>
+                <a:cs typeface="Anek Telugu SemiBold" pitchFamily="2" charset="0"/>
+              </a:rPr>
+              <a:t>పవిత్ర లేఖనాలతో ఉత్తేజింపజేసెనే (2)   </a:t>
             </a:r>
           </a:p>
         </p:txBody>

--- a/songsTemplate.pptx
+++ b/songsTemplate.pptx
@@ -316,7 +316,7 @@
           <a:p>
             <a:fld id="{0EEBF99D-A94C-4ACE-ABB7-ED5902A7DBE5}" type="datetimeFigureOut">
               <a:rPr lang="en-IN" smtClean="0"/>
-              <a:t>16-08-2025</a:t>
+              <a:t>23-08-2025</a:t>
             </a:fld>
             <a:endParaRPr lang="en-IN"/>
           </a:p>
@@ -494,7 +494,7 @@
           <a:p>
             <a:fld id="{6EA7C7CE-6F0C-4E71-B520-9461545357C0}" type="datetimeFigureOut">
               <a:rPr lang="en-IN" smtClean="0"/>
-              <a:t>16-08-2025</a:t>
+              <a:t>23-08-2025</a:t>
             </a:fld>
             <a:endParaRPr lang="en-IN"/>
           </a:p>
@@ -894,7 +894,7 @@
           <a:p>
             <a:fld id="{F1102B08-ED9E-409F-B95F-09CAA1DAF6E0}" type="datetimeFigureOut">
               <a:rPr lang="en-IN" smtClean="0"/>
-              <a:t>16-08-2025</a:t>
+              <a:t>23-08-2025</a:t>
             </a:fld>
             <a:endParaRPr lang="en-IN"/>
           </a:p>
@@ -1151,7 +1151,7 @@
           <a:p>
             <a:fld id="{F1102B08-ED9E-409F-B95F-09CAA1DAF6E0}" type="datetimeFigureOut">
               <a:rPr lang="en-IN" smtClean="0"/>
-              <a:t>16-08-2025</a:t>
+              <a:t>23-08-2025</a:t>
             </a:fld>
             <a:endParaRPr lang="en-IN"/>
           </a:p>
@@ -1321,7 +1321,7 @@
           <a:p>
             <a:fld id="{F1102B08-ED9E-409F-B95F-09CAA1DAF6E0}" type="datetimeFigureOut">
               <a:rPr lang="en-IN" smtClean="0"/>
-              <a:t>16-08-2025</a:t>
+              <a:t>23-08-2025</a:t>
             </a:fld>
             <a:endParaRPr lang="en-IN"/>
           </a:p>
@@ -1501,7 +1501,7 @@
           <a:p>
             <a:fld id="{F1102B08-ED9E-409F-B95F-09CAA1DAF6E0}" type="datetimeFigureOut">
               <a:rPr lang="en-IN" smtClean="0"/>
-              <a:t>16-08-2025</a:t>
+              <a:t>23-08-2025</a:t>
             </a:fld>
             <a:endParaRPr lang="en-IN"/>
           </a:p>
@@ -1703,7 +1703,7 @@
             <a:fld id="{F1102B08-ED9E-409F-B95F-09CAA1DAF6E0}" type="datetimeFigureOut">
               <a:rPr lang="en-IN" b="0" smtClean="0"/>
               <a:pPr/>
-              <a:t>16-08-2025</a:t>
+              <a:t>23-08-2025</a:t>
             </a:fld>
             <a:endParaRPr lang="en-IN" b="0" dirty="0"/>
           </a:p>
@@ -1931,7 +1931,7 @@
           <a:p>
             <a:fld id="{F1102B08-ED9E-409F-B95F-09CAA1DAF6E0}" type="datetimeFigureOut">
               <a:rPr lang="en-IN" smtClean="0"/>
-              <a:t>16-08-2025</a:t>
+              <a:t>23-08-2025</a:t>
             </a:fld>
             <a:endParaRPr lang="en-IN"/>
           </a:p>
@@ -2175,7 +2175,7 @@
           <a:p>
             <a:fld id="{F1102B08-ED9E-409F-B95F-09CAA1DAF6E0}" type="datetimeFigureOut">
               <a:rPr lang="en-IN" smtClean="0"/>
-              <a:t>16-08-2025</a:t>
+              <a:t>23-08-2025</a:t>
             </a:fld>
             <a:endParaRPr lang="en-IN"/>
           </a:p>
@@ -2407,7 +2407,7 @@
           <a:p>
             <a:fld id="{F1102B08-ED9E-409F-B95F-09CAA1DAF6E0}" type="datetimeFigureOut">
               <a:rPr lang="en-IN" smtClean="0"/>
-              <a:t>16-08-2025</a:t>
+              <a:t>23-08-2025</a:t>
             </a:fld>
             <a:endParaRPr lang="en-IN"/>
           </a:p>
@@ -2774,7 +2774,7 @@
           <a:p>
             <a:fld id="{F1102B08-ED9E-409F-B95F-09CAA1DAF6E0}" type="datetimeFigureOut">
               <a:rPr lang="en-IN" smtClean="0"/>
-              <a:t>16-08-2025</a:t>
+              <a:t>23-08-2025</a:t>
             </a:fld>
             <a:endParaRPr lang="en-IN"/>
           </a:p>
@@ -2892,7 +2892,7 @@
           <a:p>
             <a:fld id="{F1102B08-ED9E-409F-B95F-09CAA1DAF6E0}" type="datetimeFigureOut">
               <a:rPr lang="en-IN" smtClean="0"/>
-              <a:t>16-08-2025</a:t>
+              <a:t>23-08-2025</a:t>
             </a:fld>
             <a:endParaRPr lang="en-IN"/>
           </a:p>
@@ -2987,7 +2987,7 @@
           <a:p>
             <a:fld id="{F1102B08-ED9E-409F-B95F-09CAA1DAF6E0}" type="datetimeFigureOut">
               <a:rPr lang="en-IN" smtClean="0"/>
-              <a:t>16-08-2025</a:t>
+              <a:t>23-08-2025</a:t>
             </a:fld>
             <a:endParaRPr lang="en-IN"/>
           </a:p>
@@ -3264,7 +3264,7 @@
           <a:p>
             <a:fld id="{F1102B08-ED9E-409F-B95F-09CAA1DAF6E0}" type="datetimeFigureOut">
               <a:rPr lang="en-IN" smtClean="0"/>
-              <a:t>16-08-2025</a:t>
+              <a:t>23-08-2025</a:t>
             </a:fld>
             <a:endParaRPr lang="en-IN"/>
           </a:p>
@@ -3477,7 +3477,7 @@
           <a:p>
             <a:fld id="{F1102B08-ED9E-409F-B95F-09CAA1DAF6E0}" type="datetimeFigureOut">
               <a:rPr lang="en-IN" smtClean="0"/>
-              <a:t>16-08-2025</a:t>
+              <a:t>23-08-2025</a:t>
             </a:fld>
             <a:endParaRPr lang="en-IN"/>
           </a:p>
@@ -3897,8 +3897,8 @@
         </p:nvSpPr>
         <p:spPr>
           <a:xfrm>
-            <a:off x="5202923" y="270832"/>
-            <a:ext cx="4883429" cy="5978560"/>
+            <a:off x="5288648" y="426045"/>
+            <a:ext cx="4883429" cy="4939814"/>
           </a:xfrm>
           <a:prstGeom prst="rect">
             <a:avLst/>
@@ -3921,20 +3921,7 @@
                 <a:latin typeface="Anek Telugu SemiBold" pitchFamily="2" charset="0"/>
                 <a:cs typeface="Anek Telugu SemiBold" pitchFamily="2" charset="0"/>
               </a:rPr>
-              <a:t>ఉత్సాహ గానము చేసెదము</a:t>
-            </a:r>
-            <a:br>
-              <a:rPr lang="te-IN" sz="1500" dirty="0">
-                <a:latin typeface="Anek Telugu SemiBold" pitchFamily="2" charset="0"/>
-                <a:cs typeface="Anek Telugu SemiBold" pitchFamily="2" charset="0"/>
-              </a:rPr>
-            </a:br>
-            <a:r>
-              <a:rPr lang="te-IN" sz="1500" dirty="0">
-                <a:latin typeface="Anek Telugu SemiBold" pitchFamily="2" charset="0"/>
-                <a:cs typeface="Anek Telugu SemiBold" pitchFamily="2" charset="0"/>
-              </a:rPr>
-              <a:t>ఘనపరచెదము మన </a:t>
+              <a:t>నజరేయుడా నా యేసయ్యా</a:t>
             </a:r>
           </a:p>
           <a:p>
@@ -3948,59 +3935,35 @@
                 <a:latin typeface="Anek Telugu SemiBold" pitchFamily="2" charset="0"/>
                 <a:cs typeface="Anek Telugu SemiBold" pitchFamily="2" charset="0"/>
               </a:rPr>
-              <a:t>యేసయ్య నామమును (2)</a:t>
-            </a:r>
-            <a:br>
+              <a:t>ఎన్ని యుగాలకైనా</a:t>
+            </a:r>
+          </a:p>
+          <a:p>
+            <a:pPr>
+              <a:lnSpc>
+                <a:spcPct val="150000"/>
+              </a:lnSpc>
+            </a:pPr>
+            <a:r>
               <a:rPr lang="te-IN" sz="1500" dirty="0">
                 <a:latin typeface="Anek Telugu SemiBold" pitchFamily="2" charset="0"/>
                 <a:cs typeface="Anek Telugu SemiBold" pitchFamily="2" charset="0"/>
               </a:rPr>
-            </a:br>
+              <a:t>ఆరాధ్య దైవము నీవేనని</a:t>
+            </a:r>
+          </a:p>
+          <a:p>
+            <a:pPr>
+              <a:lnSpc>
+                <a:spcPct val="150000"/>
+              </a:lnSpc>
+            </a:pPr>
             <a:r>
               <a:rPr lang="te-IN" sz="1500" dirty="0">
                 <a:latin typeface="Anek Telugu SemiBold" pitchFamily="2" charset="0"/>
                 <a:cs typeface="Anek Telugu SemiBold" pitchFamily="2" charset="0"/>
               </a:rPr>
-              <a:t>హల్లెలూయ యెహోవ రాఫా</a:t>
-            </a:r>
-            <a:br>
-              <a:rPr lang="te-IN" sz="1500" dirty="0">
-                <a:latin typeface="Anek Telugu SemiBold" pitchFamily="2" charset="0"/>
-                <a:cs typeface="Anek Telugu SemiBold" pitchFamily="2" charset="0"/>
-              </a:rPr>
-            </a:br>
-            <a:r>
-              <a:rPr lang="te-IN" sz="1500" dirty="0">
-                <a:latin typeface="Anek Telugu SemiBold" pitchFamily="2" charset="0"/>
-                <a:cs typeface="Anek Telugu SemiBold" pitchFamily="2" charset="0"/>
-              </a:rPr>
-              <a:t>హల్లెలూయ యెహోవ షమ్మా</a:t>
-            </a:r>
-            <a:br>
-              <a:rPr lang="te-IN" sz="1500" dirty="0">
-                <a:latin typeface="Anek Telugu SemiBold" pitchFamily="2" charset="0"/>
-                <a:cs typeface="Anek Telugu SemiBold" pitchFamily="2" charset="0"/>
-              </a:rPr>
-            </a:br>
-            <a:r>
-              <a:rPr lang="te-IN" sz="1500" dirty="0">
-                <a:latin typeface="Anek Telugu SemiBold" pitchFamily="2" charset="0"/>
-                <a:cs typeface="Anek Telugu SemiBold" pitchFamily="2" charset="0"/>
-              </a:rPr>
-              <a:t>హల్లెలూయ యెహోవ ఈరే</a:t>
-            </a:r>
-            <a:br>
-              <a:rPr lang="te-IN" sz="1500" dirty="0">
-                <a:latin typeface="Anek Telugu SemiBold" pitchFamily="2" charset="0"/>
-                <a:cs typeface="Anek Telugu SemiBold" pitchFamily="2" charset="0"/>
-              </a:rPr>
-            </a:br>
-            <a:r>
-              <a:rPr lang="te-IN" sz="1500" dirty="0">
-                <a:latin typeface="Anek Telugu SemiBold" pitchFamily="2" charset="0"/>
-                <a:cs typeface="Anek Telugu SemiBold" pitchFamily="2" charset="0"/>
-              </a:rPr>
-              <a:t>హల్లెలూయ యెహోవ షాలోమ్ (2)</a:t>
+              <a:t>గళమెత్తి నీ కీర్తి నే చాటెద</a:t>
             </a:r>
           </a:p>
           <a:p>
@@ -4021,11 +3984,18 @@
               </a:lnSpc>
             </a:pPr>
             <a:r>
+              <a:rPr lang="en-IN" sz="1500" dirty="0">
+                <a:latin typeface="Anek Telugu SemiBold" pitchFamily="2" charset="0"/>
+                <a:cs typeface="Anek Telugu SemiBold" pitchFamily="2" charset="0"/>
+              </a:rPr>
+              <a:t>1. </a:t>
+            </a:r>
+            <a:r>
               <a:rPr lang="te-IN" sz="1500" dirty="0">
                 <a:latin typeface="Anek Telugu SemiBold" pitchFamily="2" charset="0"/>
                 <a:cs typeface="Anek Telugu SemiBold" pitchFamily="2" charset="0"/>
               </a:rPr>
-              <a:t>1. అమూల్యములైన వాగ్ధానములు</a:t>
+              <a:t>ఆకాశ గగనాలను నీ జేనతో కొలిచితివి (2)</a:t>
             </a:r>
           </a:p>
           <a:p>
@@ -4039,20 +4009,7 @@
                 <a:latin typeface="Anek Telugu SemiBold" pitchFamily="2" charset="0"/>
                 <a:cs typeface="Anek Telugu SemiBold" pitchFamily="2" charset="0"/>
               </a:rPr>
-              <a:t>అత్యధికముగా ఉన్నవి (2)</a:t>
-            </a:r>
-            <a:br>
-              <a:rPr lang="te-IN" sz="1500" dirty="0">
-                <a:latin typeface="Anek Telugu SemiBold" pitchFamily="2" charset="0"/>
-                <a:cs typeface="Anek Telugu SemiBold" pitchFamily="2" charset="0"/>
-              </a:rPr>
-            </a:br>
-            <a:r>
-              <a:rPr lang="te-IN" sz="1500" dirty="0">
-                <a:latin typeface="Anek Telugu SemiBold" pitchFamily="2" charset="0"/>
-                <a:cs typeface="Anek Telugu SemiBold" pitchFamily="2" charset="0"/>
-              </a:rPr>
-              <a:t>వాటిని మనము నమ్మినయెడల</a:t>
+              <a:t>శూన్యములో ఈ భూమిని</a:t>
             </a:r>
           </a:p>
           <a:p>
@@ -4066,7 +4023,21 @@
                 <a:latin typeface="Anek Telugu SemiBold" pitchFamily="2" charset="0"/>
                 <a:cs typeface="Anek Telugu SemiBold" pitchFamily="2" charset="0"/>
               </a:rPr>
-              <a:t>దేవుని మహిమను ఆనుభవించెదము (2)         </a:t>
+              <a:t>వ్రేలాడదీసిన నా యేసయ్య (2)</a:t>
+            </a:r>
+          </a:p>
+          <a:p>
+            <a:pPr>
+              <a:lnSpc>
+                <a:spcPct val="150000"/>
+              </a:lnSpc>
+            </a:pPr>
+            <a:r>
+              <a:rPr lang="te-IN" sz="1500" dirty="0">
+                <a:latin typeface="Anek Telugu SemiBold" pitchFamily="2" charset="0"/>
+                <a:cs typeface="Anek Telugu SemiBold" pitchFamily="2" charset="0"/>
+              </a:rPr>
+              <a:t>నీకే వందనం నీకే వందనం (2)</a:t>
             </a:r>
           </a:p>
           <a:p>
@@ -4087,11 +4058,18 @@
               </a:lnSpc>
             </a:pPr>
             <a:r>
+              <a:rPr lang="en-IN" sz="1500" dirty="0">
+                <a:latin typeface="Anek Telugu SemiBold" pitchFamily="2" charset="0"/>
+                <a:cs typeface="Anek Telugu SemiBold" pitchFamily="2" charset="0"/>
+              </a:rPr>
+              <a:t>2. </a:t>
+            </a:r>
+            <a:r>
               <a:rPr lang="te-IN" sz="1500" dirty="0">
                 <a:latin typeface="Anek Telugu SemiBold" pitchFamily="2" charset="0"/>
                 <a:cs typeface="Anek Telugu SemiBold" pitchFamily="2" charset="0"/>
               </a:rPr>
-              <a:t>2. ఆత్మీయ ఆరాధనలు జరుగుచున్నవి </a:t>
+              <a:t>అగాధ సముద్రాలకు నీవే ఎల్లలు వేసితివి (2)</a:t>
             </a:r>
           </a:p>
           <a:p>
@@ -4105,7 +4083,7 @@
                 <a:latin typeface="Anek Telugu SemiBold" pitchFamily="2" charset="0"/>
                 <a:cs typeface="Anek Telugu SemiBold" pitchFamily="2" charset="0"/>
               </a:rPr>
-              <a:t>ఇవన్ని వాగ్ధాన ఫలములెగా </a:t>
+              <a:t>జలములలోబడి నే వెళ్ళినా</a:t>
             </a:r>
           </a:p>
           <a:p>
@@ -4119,7 +4097,7 @@
                 <a:latin typeface="Anek Telugu SemiBold" pitchFamily="2" charset="0"/>
                 <a:cs typeface="Anek Telugu SemiBold" pitchFamily="2" charset="0"/>
               </a:rPr>
-              <a:t>అత్మాభిషేకము సమృద్ధిగా పొంది </a:t>
+              <a:t>నన్నేమి చేయవు నా యేసయ్యా (2)</a:t>
             </a:r>
           </a:p>
           <a:p>
@@ -4133,7 +4111,7 @@
                 <a:latin typeface="Anek Telugu SemiBold" pitchFamily="2" charset="0"/>
                 <a:cs typeface="Anek Telugu SemiBold" pitchFamily="2" charset="0"/>
               </a:rPr>
-              <a:t>ఆత్మీయ వరములు అనుభవించెదము (2)</a:t>
+              <a:t>నీకే వందనం నీకే వందనం (2)</a:t>
             </a:r>
           </a:p>
         </p:txBody>
@@ -4152,8 +4130,8 @@
         </p:nvSpPr>
         <p:spPr>
           <a:xfrm>
-            <a:off x="470323" y="332041"/>
-            <a:ext cx="4544669" cy="5632311"/>
+            <a:off x="487415" y="426045"/>
+            <a:ext cx="4544669" cy="4939814"/>
           </a:xfrm>
           <a:prstGeom prst="rect">
             <a:avLst/>
@@ -4176,7 +4154,7 @@
                 <a:latin typeface="Anek Telugu SemiBold" pitchFamily="2" charset="0"/>
                 <a:cs typeface="Anek Telugu SemiBold" pitchFamily="2" charset="0"/>
               </a:rPr>
-              <a:t>స్తుతి పాత్రుడా – స్తోత్రార్హుడా</a:t>
+              <a:t>సదాకాలము నీతో నేను </a:t>
             </a:r>
           </a:p>
           <a:p>
@@ -4190,7 +4168,7 @@
                 <a:latin typeface="Anek Telugu SemiBold" pitchFamily="2" charset="0"/>
                 <a:cs typeface="Anek Telugu SemiBold" pitchFamily="2" charset="0"/>
               </a:rPr>
-              <a:t>స్తుతులందుకో - పూజార్హుడా</a:t>
+              <a:t>జీవించెదను యేసయ్య</a:t>
             </a:r>
           </a:p>
           <a:p>
@@ -4204,7 +4182,7 @@
                 <a:latin typeface="Anek Telugu SemiBold" pitchFamily="2" charset="0"/>
                 <a:cs typeface="Anek Telugu SemiBold" pitchFamily="2" charset="0"/>
               </a:rPr>
-              <a:t>ఆకాశమందు నీవు తప్ప - నాకెవరున్నారు నా ప్రభు</a:t>
+              <a:t>యేసయ్యా యేసయ్యా</a:t>
             </a:r>
           </a:p>
           <a:p>
@@ -4218,7 +4196,7 @@
                 <a:latin typeface="Anek Telugu SemiBold" pitchFamily="2" charset="0"/>
                 <a:cs typeface="Anek Telugu SemiBold" pitchFamily="2" charset="0"/>
               </a:rPr>
-              <a:t>స్తుతి పాత్రుడా.... ఆఆఅ</a:t>
+              <a:t>యేసయ్యా యేసయ్యా (2)</a:t>
             </a:r>
           </a:p>
           <a:p>
@@ -4227,10 +4205,13 @@
                 <a:spcPct val="150000"/>
               </a:lnSpc>
             </a:pPr>
-            <a:endParaRPr lang="te-IN" sz="1500" b="1" dirty="0">
-              <a:latin typeface="Anek Telugu SemiBold" pitchFamily="2" charset="0"/>
-              <a:cs typeface="Anek Telugu SemiBold" pitchFamily="2" charset="0"/>
-            </a:endParaRPr>
+            <a:r>
+              <a:rPr lang="te-IN" sz="1500" b="1" dirty="0">
+                <a:latin typeface="Anek Telugu SemiBold" pitchFamily="2" charset="0"/>
+                <a:cs typeface="Anek Telugu SemiBold" pitchFamily="2" charset="0"/>
+              </a:rPr>
+              <a:t>        </a:t>
+            </a:r>
           </a:p>
           <a:p>
             <a:pPr>
@@ -4250,7 +4231,7 @@
                 <a:latin typeface="Anek Telugu SemiBold" pitchFamily="2" charset="0"/>
                 <a:cs typeface="Anek Telugu SemiBold" pitchFamily="2" charset="0"/>
               </a:rPr>
-              <a:t>నా శత్రువులు నను తరుముచుండగా –</a:t>
+              <a:t>పాపాల ఊభిలో పడియున్న నన్ను</a:t>
             </a:r>
           </a:p>
           <a:p>
@@ -4264,7 +4245,20 @@
                 <a:latin typeface="Anek Telugu SemiBold" pitchFamily="2" charset="0"/>
                 <a:cs typeface="Anek Telugu SemiBold" pitchFamily="2" charset="0"/>
               </a:rPr>
-              <a:t>నా యాత్మ నాలో కృంగెనే ప్రభూ -2</a:t>
+              <a:t>నీ ప్రేమతో పైకి లేపావయ్యా (2)</a:t>
+            </a:r>
+            <a:br>
+              <a:rPr lang="te-IN" sz="1500" b="1" dirty="0">
+                <a:latin typeface="Anek Telugu SemiBold" pitchFamily="2" charset="0"/>
+                <a:cs typeface="Anek Telugu SemiBold" pitchFamily="2" charset="0"/>
+              </a:rPr>
+            </a:br>
+            <a:r>
+              <a:rPr lang="te-IN" sz="1500" b="1" dirty="0">
+                <a:latin typeface="Anek Telugu SemiBold" pitchFamily="2" charset="0"/>
+                <a:cs typeface="Anek Telugu SemiBold" pitchFamily="2" charset="0"/>
+              </a:rPr>
+              <a:t>ఏ తోడులేని నాకు నా తోడుగా</a:t>
             </a:r>
           </a:p>
           <a:p>
@@ -4278,7 +4272,7 @@
                 <a:latin typeface="Anek Telugu SemiBold" pitchFamily="2" charset="0"/>
                 <a:cs typeface="Anek Telugu SemiBold" pitchFamily="2" charset="0"/>
               </a:rPr>
-              <a:t>నా మనస్సు నీ వైపు త్రిప్పిన వెంటనే –</a:t>
+              <a:t>నాఅండగా నీవు  నిలిచావయ్యా (2)</a:t>
             </a:r>
           </a:p>
           <a:p>
@@ -4292,7 +4286,7 @@
                 <a:latin typeface="Anek Telugu SemiBold" pitchFamily="2" charset="0"/>
                 <a:cs typeface="Anek Telugu SemiBold" pitchFamily="2" charset="0"/>
               </a:rPr>
-              <a:t>శత్రుల చేతినుండి</a:t>
+              <a:t>         </a:t>
             </a:r>
           </a:p>
           <a:p>
@@ -4302,99 +4296,57 @@
               </a:lnSpc>
             </a:pPr>
             <a:r>
+              <a:rPr lang="en-IN" sz="1500" b="1" dirty="0">
+                <a:latin typeface="Anek Telugu SemiBold" pitchFamily="2" charset="0"/>
+                <a:cs typeface="Anek Telugu SemiBold" pitchFamily="2" charset="0"/>
+              </a:rPr>
+              <a:t>2. </a:t>
+            </a:r>
+            <a:r>
               <a:rPr lang="te-IN" sz="1500" b="1" dirty="0">
                 <a:latin typeface="Anek Telugu SemiBold" pitchFamily="2" charset="0"/>
                 <a:cs typeface="Anek Telugu SemiBold" pitchFamily="2" charset="0"/>
               </a:rPr>
-              <a:t>విడిపించినావు - కాపాడినావు -2</a:t>
-            </a:r>
-          </a:p>
-          <a:p>
-            <a:pPr>
-              <a:lnSpc>
-                <a:spcPct val="150000"/>
-              </a:lnSpc>
-            </a:pPr>
-            <a:endParaRPr lang="te-IN" sz="1500" b="1" dirty="0">
-              <a:latin typeface="Anek Telugu SemiBold" pitchFamily="2" charset="0"/>
-              <a:cs typeface="Anek Telugu SemiBold" pitchFamily="2" charset="0"/>
-            </a:endParaRPr>
-          </a:p>
-          <a:p>
-            <a:pPr>
-              <a:lnSpc>
-                <a:spcPct val="150000"/>
-              </a:lnSpc>
-            </a:pPr>
-            <a:r>
-              <a:rPr lang="en-IN" sz="1500" b="1" dirty="0">
-                <a:latin typeface="Anek Telugu SemiBold" pitchFamily="2" charset="0"/>
-                <a:cs typeface="Anek Telugu SemiBold" pitchFamily="2" charset="0"/>
-              </a:rPr>
-              <a:t>2. </a:t>
-            </a:r>
-            <a:r>
+              <a:t>నీ వాత్సల్యమును నాపై చూపించి</a:t>
+            </a:r>
+            <a:br>
               <a:rPr lang="te-IN" sz="1500" b="1" dirty="0">
                 <a:latin typeface="Anek Telugu SemiBold" pitchFamily="2" charset="0"/>
                 <a:cs typeface="Anek Telugu SemiBold" pitchFamily="2" charset="0"/>
               </a:rPr>
-              <a:t>నా ప్రాణ స్నేహితులు నన్ను చూచి</a:t>
-            </a:r>
-          </a:p>
-          <a:p>
-            <a:pPr>
-              <a:lnSpc>
-                <a:spcPct val="150000"/>
-              </a:lnSpc>
-            </a:pPr>
+            </a:br>
             <a:r>
               <a:rPr lang="te-IN" sz="1500" b="1" dirty="0">
                 <a:latin typeface="Anek Telugu SemiBold" pitchFamily="2" charset="0"/>
                 <a:cs typeface="Anek Telugu SemiBold" pitchFamily="2" charset="0"/>
               </a:rPr>
-              <a:t>దూరాన నిలిచేరు నా ప్రభూ -2</a:t>
-            </a:r>
-          </a:p>
-          <a:p>
-            <a:pPr>
-              <a:lnSpc>
-                <a:spcPct val="150000"/>
-              </a:lnSpc>
-            </a:pPr>
-            <a:r>
+              <a:t>నీ సాక్షిగా నన్ను నిలిపావయ్యా (2)</a:t>
+            </a:r>
+            <a:br>
               <a:rPr lang="te-IN" sz="1500" b="1" dirty="0">
                 <a:latin typeface="Anek Telugu SemiBold" pitchFamily="2" charset="0"/>
                 <a:cs typeface="Anek Telugu SemiBold" pitchFamily="2" charset="0"/>
               </a:rPr>
-              <a:t>నీ వాక్య ధ్యానమే నా త్రోవకు వెలుగై –</a:t>
-            </a:r>
-          </a:p>
-          <a:p>
-            <a:pPr>
-              <a:lnSpc>
-                <a:spcPct val="150000"/>
-              </a:lnSpc>
-            </a:pPr>
+            </a:br>
             <a:r>
               <a:rPr lang="te-IN" sz="1500" b="1" dirty="0">
                 <a:latin typeface="Anek Telugu SemiBold" pitchFamily="2" charset="0"/>
                 <a:cs typeface="Anek Telugu SemiBold" pitchFamily="2" charset="0"/>
               </a:rPr>
-              <a:t>నను నిల్పెను</a:t>
-            </a:r>
-          </a:p>
-          <a:p>
-            <a:pPr>
-              <a:lnSpc>
-                <a:spcPct val="150000"/>
-              </a:lnSpc>
-            </a:pPr>
-            <a:r>
+              <a:t>ఆశ్చర్యకార్యములు ఎన్నో చేసి</a:t>
+            </a:r>
+            <a:br>
               <a:rPr lang="te-IN" sz="1500" b="1" dirty="0">
                 <a:latin typeface="Anek Telugu SemiBold" pitchFamily="2" charset="0"/>
                 <a:cs typeface="Anek Telugu SemiBold" pitchFamily="2" charset="0"/>
               </a:rPr>
-              <a:t>నీ సన్నీధిలో - నీ సంఘములో -2</a:t>
+            </a:br>
+            <a:r>
+              <a:rPr lang="te-IN" sz="1500" b="1" dirty="0">
+                <a:latin typeface="Anek Telugu SemiBold" pitchFamily="2" charset="0"/>
+                <a:cs typeface="Anek Telugu SemiBold" pitchFamily="2" charset="0"/>
+              </a:rPr>
+              <a:t>నీ పాత్రగా నన్ను మలిచావయ్యా (2)</a:t>
             </a:r>
           </a:p>
         </p:txBody>
@@ -4444,7 +4396,7 @@
         <p:spPr>
           <a:xfrm>
             <a:off x="437934" y="335845"/>
-            <a:ext cx="4640796" cy="4893647"/>
+            <a:ext cx="4640796" cy="5909310"/>
           </a:xfrm>
           <a:prstGeom prst="rect">
             <a:avLst/>
@@ -4463,11 +4415,11 @@
               </a:lnSpc>
             </a:pPr>
             <a:r>
-              <a:rPr lang="te-IN" sz="1600" dirty="0">
-                <a:latin typeface="Anek Telugu SemiBold" pitchFamily="2" charset="0"/>
-                <a:cs typeface="Anek Telugu SemiBold" pitchFamily="2" charset="0"/>
-              </a:rPr>
-              <a:t>సర్వోన్నతుడా – నీవే నాకు ఆశ్రయదుర్గము -2</a:t>
+              <a:rPr lang="te-IN" sz="1400" dirty="0">
+                <a:latin typeface="Anek Telugu SemiBold" pitchFamily="2" charset="0"/>
+                <a:cs typeface="Anek Telugu SemiBold" pitchFamily="2" charset="0"/>
+              </a:rPr>
+              <a:t>యేసయ్యా నిన్ను చూడాలని</a:t>
             </a:r>
           </a:p>
           <a:p>
@@ -4477,11 +4429,11 @@
               </a:lnSpc>
             </a:pPr>
             <a:r>
-              <a:rPr lang="te-IN" sz="1600" dirty="0">
-                <a:latin typeface="Anek Telugu SemiBold" pitchFamily="2" charset="0"/>
-                <a:cs typeface="Anek Telugu SemiBold" pitchFamily="2" charset="0"/>
-              </a:rPr>
-              <a:t>ఎవ్వరులేరు – నాకు ఇలలో -2</a:t>
+              <a:rPr lang="te-IN" sz="1400" dirty="0">
+                <a:latin typeface="Anek Telugu SemiBold" pitchFamily="2" charset="0"/>
+                <a:cs typeface="Anek Telugu SemiBold" pitchFamily="2" charset="0"/>
+              </a:rPr>
+              <a:t>మెస్సయ్యా నిన్ను చేరాలని (2)</a:t>
             </a:r>
           </a:p>
           <a:p>
@@ -4491,11 +4443,11 @@
               </a:lnSpc>
             </a:pPr>
             <a:r>
-              <a:rPr lang="te-IN" sz="1600" dirty="0">
-                <a:latin typeface="Anek Telugu SemiBold" pitchFamily="2" charset="0"/>
-                <a:cs typeface="Anek Telugu SemiBold" pitchFamily="2" charset="0"/>
-              </a:rPr>
-              <a:t>ఆదరణ నీవెగా -ఆనందం నీవెగా -2</a:t>
+              <a:rPr lang="te-IN" sz="1400" dirty="0">
+                <a:latin typeface="Anek Telugu SemiBold" pitchFamily="2" charset="0"/>
+                <a:cs typeface="Anek Telugu SemiBold" pitchFamily="2" charset="0"/>
+              </a:rPr>
+              <a:t>ఎవరు ఉన్నారు నాకు ఈ లోకంలో</a:t>
             </a:r>
           </a:p>
           <a:p>
@@ -4504,10 +4456,13 @@
                 <a:spcPct val="150000"/>
               </a:lnSpc>
             </a:pPr>
-            <a:endParaRPr lang="te-IN" sz="1600" dirty="0">
-              <a:latin typeface="Anek Telugu SemiBold" pitchFamily="2" charset="0"/>
-              <a:cs typeface="Anek Telugu SemiBold" pitchFamily="2" charset="0"/>
-            </a:endParaRPr>
+            <a:r>
+              <a:rPr lang="te-IN" sz="1400" dirty="0">
+                <a:latin typeface="Anek Telugu SemiBold" pitchFamily="2" charset="0"/>
+                <a:cs typeface="Anek Telugu SemiBold" pitchFamily="2" charset="0"/>
+              </a:rPr>
+              <a:t>ఎవరు నాతోడు రారు ఈ యాత్రలో</a:t>
+            </a:r>
           </a:p>
           <a:p>
             <a:pPr>
@@ -4516,18 +4471,11 @@
               </a:lnSpc>
             </a:pPr>
             <a:r>
-              <a:rPr lang="en-IN" sz="1600" dirty="0">
-                <a:latin typeface="Anek Telugu SemiBold" pitchFamily="2" charset="0"/>
-                <a:cs typeface="Anek Telugu SemiBold" pitchFamily="2" charset="0"/>
-              </a:rPr>
-              <a:t>1. </a:t>
-            </a:r>
-            <a:r>
-              <a:rPr lang="te-IN" sz="1600" dirty="0">
-                <a:latin typeface="Anek Telugu SemiBold" pitchFamily="2" charset="0"/>
-                <a:cs typeface="Anek Telugu SemiBold" pitchFamily="2" charset="0"/>
-              </a:rPr>
-              <a:t>నీ దినములన్నిట ఎవ్వరు నీ ఎదుట –</a:t>
+              <a:rPr lang="te-IN" sz="1400" dirty="0">
+                <a:latin typeface="Anek Telugu SemiBold" pitchFamily="2" charset="0"/>
+                <a:cs typeface="Anek Telugu SemiBold" pitchFamily="2" charset="0"/>
+              </a:rPr>
+              <a:t>ఇమానుయేలైన నా తోడు నీవేగా</a:t>
             </a:r>
           </a:p>
           <a:p>
@@ -4537,11 +4485,11 @@
               </a:lnSpc>
             </a:pPr>
             <a:r>
-              <a:rPr lang="te-IN" sz="1600" dirty="0">
-                <a:latin typeface="Anek Telugu SemiBold" pitchFamily="2" charset="0"/>
-                <a:cs typeface="Anek Telugu SemiBold" pitchFamily="2" charset="0"/>
-              </a:rPr>
-              <a:t>నిలువలేరని యెహోషువాతో -2</a:t>
+              <a:rPr lang="te-IN" sz="1400" dirty="0">
+                <a:latin typeface="Anek Telugu SemiBold" pitchFamily="2" charset="0"/>
+                <a:cs typeface="Anek Telugu SemiBold" pitchFamily="2" charset="0"/>
+              </a:rPr>
+              <a:t>ఇమానుయేలైన నా దైవింనీవేగా(2)</a:t>
             </a:r>
           </a:p>
           <a:p>
@@ -4550,13 +4498,10 @@
                 <a:spcPct val="150000"/>
               </a:lnSpc>
             </a:pPr>
-            <a:r>
-              <a:rPr lang="te-IN" sz="1600" dirty="0">
-                <a:latin typeface="Anek Telugu SemiBold" pitchFamily="2" charset="0"/>
-                <a:cs typeface="Anek Telugu SemiBold" pitchFamily="2" charset="0"/>
-              </a:rPr>
-              <a:t>వాగ్దానము చేసినావు –</a:t>
-            </a:r>
+            <a:endParaRPr lang="te-IN" sz="1400" dirty="0">
+              <a:latin typeface="Anek Telugu SemiBold" pitchFamily="2" charset="0"/>
+              <a:cs typeface="Anek Telugu SemiBold" pitchFamily="2" charset="0"/>
+            </a:endParaRPr>
           </a:p>
           <a:p>
             <a:pPr>
@@ -4565,11 +4510,18 @@
               </a:lnSpc>
             </a:pPr>
             <a:r>
-              <a:rPr lang="te-IN" sz="1600" dirty="0">
-                <a:latin typeface="Anek Telugu SemiBold" pitchFamily="2" charset="0"/>
-                <a:cs typeface="Anek Telugu SemiBold" pitchFamily="2" charset="0"/>
-              </a:rPr>
-              <a:t>వాగ్దానా భూమిలో చేర్చినావు -2 </a:t>
+              <a:rPr lang="en-IN" sz="1400" dirty="0">
+                <a:latin typeface="Anek Telugu SemiBold" pitchFamily="2" charset="0"/>
+                <a:cs typeface="Anek Telugu SemiBold" pitchFamily="2" charset="0"/>
+              </a:rPr>
+              <a:t>1. </a:t>
+            </a:r>
+            <a:r>
+              <a:rPr lang="te-IN" sz="1400" dirty="0">
+                <a:latin typeface="Anek Telugu SemiBold" pitchFamily="2" charset="0"/>
+                <a:cs typeface="Anek Telugu SemiBold" pitchFamily="2" charset="0"/>
+              </a:rPr>
+              <a:t>అందరు ఉన్నారని అందరు నావారని (2)</a:t>
             </a:r>
           </a:p>
           <a:p>
@@ -4578,10 +4530,13 @@
                 <a:spcPct val="150000"/>
               </a:lnSpc>
             </a:pPr>
-            <a:endParaRPr lang="te-IN" sz="1600" dirty="0">
-              <a:latin typeface="Anek Telugu SemiBold" pitchFamily="2" charset="0"/>
-              <a:cs typeface="Anek Telugu SemiBold" pitchFamily="2" charset="0"/>
-            </a:endParaRPr>
+            <a:r>
+              <a:rPr lang="te-IN" sz="1400" dirty="0">
+                <a:latin typeface="Anek Telugu SemiBold" pitchFamily="2" charset="0"/>
+                <a:cs typeface="Anek Telugu SemiBold" pitchFamily="2" charset="0"/>
+              </a:rPr>
+              <a:t>తలచితిని భ్రమచితిని</a:t>
+            </a:r>
           </a:p>
           <a:p>
             <a:pPr>
@@ -4590,18 +4545,11 @@
               </a:lnSpc>
             </a:pPr>
             <a:r>
-              <a:rPr lang="en-IN" sz="1600" dirty="0">
-                <a:latin typeface="Anek Telugu SemiBold" pitchFamily="2" charset="0"/>
-                <a:cs typeface="Anek Telugu SemiBold" pitchFamily="2" charset="0"/>
-              </a:rPr>
-              <a:t>2. </a:t>
-            </a:r>
-            <a:r>
-              <a:rPr lang="te-IN" sz="1600" dirty="0">
-                <a:latin typeface="Anek Telugu SemiBold" pitchFamily="2" charset="0"/>
-                <a:cs typeface="Anek Telugu SemiBold" pitchFamily="2" charset="0"/>
-              </a:rPr>
-              <a:t>నిందలపాలై నిత్య నిబంధన –</a:t>
+              <a:rPr lang="te-IN" sz="1400" dirty="0">
+                <a:latin typeface="Anek Telugu SemiBold" pitchFamily="2" charset="0"/>
+                <a:cs typeface="Anek Telugu SemiBold" pitchFamily="2" charset="0"/>
+              </a:rPr>
+              <a:t>చివరికి ఒంటరి నేనైతిని (2)</a:t>
             </a:r>
           </a:p>
           <a:p>
@@ -4611,11 +4559,11 @@
               </a:lnSpc>
             </a:pPr>
             <a:r>
-              <a:rPr lang="te-IN" sz="1600" dirty="0">
-                <a:latin typeface="Anek Telugu SemiBold" pitchFamily="2" charset="0"/>
-                <a:cs typeface="Anek Telugu SemiBold" pitchFamily="2" charset="0"/>
-              </a:rPr>
-              <a:t>నీతో చేసిన దానియేలుకు -2</a:t>
+              <a:rPr lang="te-IN" sz="1400" dirty="0">
+                <a:latin typeface="Anek Telugu SemiBold" pitchFamily="2" charset="0"/>
+                <a:cs typeface="Anek Telugu SemiBold" pitchFamily="2" charset="0"/>
+              </a:rPr>
+              <a:t>నా గానం నీవయ్యా నా ధ్యానం నీవయ్యా</a:t>
             </a:r>
           </a:p>
           <a:p>
@@ -4625,11 +4573,11 @@
               </a:lnSpc>
             </a:pPr>
             <a:r>
-              <a:rPr lang="te-IN" sz="1600" dirty="0">
-                <a:latin typeface="Anek Telugu SemiBold" pitchFamily="2" charset="0"/>
-                <a:cs typeface="Anek Telugu SemiBold" pitchFamily="2" charset="0"/>
-              </a:rPr>
-              <a:t>సింహాసనమిచ్చినావు –</a:t>
+              <a:rPr lang="te-IN" sz="1400" dirty="0">
+                <a:latin typeface="Anek Telugu SemiBold" pitchFamily="2" charset="0"/>
+                <a:cs typeface="Anek Telugu SemiBold" pitchFamily="2" charset="0"/>
+              </a:rPr>
+              <a:t>నా ప్రాణం నీవయ్యా నా సర్వం నీవయ్యా</a:t>
             </a:r>
           </a:p>
           <a:p>
@@ -4638,12 +4586,86 @@
                 <a:spcPct val="150000"/>
               </a:lnSpc>
             </a:pPr>
-            <a:r>
-              <a:rPr lang="te-IN" sz="1600" dirty="0">
-                <a:latin typeface="Anek Telugu SemiBold" pitchFamily="2" charset="0"/>
-                <a:cs typeface="Anek Telugu SemiBold" pitchFamily="2" charset="0"/>
-              </a:rPr>
-              <a:t>సింహాల నోళ్లను మూసినావు -2</a:t>
+            <a:endParaRPr lang="te-IN" sz="1400" dirty="0">
+              <a:latin typeface="Anek Telugu SemiBold" pitchFamily="2" charset="0"/>
+              <a:cs typeface="Anek Telugu SemiBold" pitchFamily="2" charset="0"/>
+            </a:endParaRPr>
+          </a:p>
+          <a:p>
+            <a:pPr>
+              <a:lnSpc>
+                <a:spcPct val="150000"/>
+              </a:lnSpc>
+            </a:pPr>
+            <a:r>
+              <a:rPr lang="en-IN" sz="1400" dirty="0">
+                <a:latin typeface="Anek Telugu SemiBold" pitchFamily="2" charset="0"/>
+                <a:cs typeface="Anek Telugu SemiBold" pitchFamily="2" charset="0"/>
+              </a:rPr>
+              <a:t>2. </a:t>
+            </a:r>
+            <a:r>
+              <a:rPr lang="te-IN" sz="1400" dirty="0">
+                <a:latin typeface="Anek Telugu SemiBold" pitchFamily="2" charset="0"/>
+                <a:cs typeface="Anek Telugu SemiBold" pitchFamily="2" charset="0"/>
+              </a:rPr>
+              <a:t>అంధకారములో అంధుడ నేనైతిని (2)</a:t>
+            </a:r>
+          </a:p>
+          <a:p>
+            <a:pPr>
+              <a:lnSpc>
+                <a:spcPct val="150000"/>
+              </a:lnSpc>
+            </a:pPr>
+            <a:r>
+              <a:rPr lang="te-IN" sz="1400" dirty="0">
+                <a:latin typeface="Anek Telugu SemiBold" pitchFamily="2" charset="0"/>
+                <a:cs typeface="Anek Telugu SemiBold" pitchFamily="2" charset="0"/>
+              </a:rPr>
+              <a:t>నిను చూచే నేత్రములు</a:t>
+            </a:r>
+          </a:p>
+          <a:p>
+            <a:pPr>
+              <a:lnSpc>
+                <a:spcPct val="150000"/>
+              </a:lnSpc>
+            </a:pPr>
+            <a:r>
+              <a:rPr lang="te-IN" sz="1400" dirty="0">
+                <a:latin typeface="Anek Telugu SemiBold" pitchFamily="2" charset="0"/>
+                <a:cs typeface="Anek Telugu SemiBold" pitchFamily="2" charset="0"/>
+              </a:rPr>
+              <a:t>నాకొసగుమా నజరేయుడా (2)</a:t>
+            </a:r>
+          </a:p>
+          <a:p>
+            <a:pPr>
+              <a:lnSpc>
+                <a:spcPct val="150000"/>
+              </a:lnSpc>
+            </a:pPr>
+            <a:r>
+              <a:rPr lang="te-IN" sz="1400" dirty="0">
+                <a:latin typeface="Anek Telugu SemiBold" pitchFamily="2" charset="0"/>
+                <a:cs typeface="Anek Telugu SemiBold" pitchFamily="2" charset="0"/>
+              </a:rPr>
+              <a:t>నా ఆశ నీవయ్యా నా ధ్యాస నీవయ్యా</a:t>
+            </a:r>
+          </a:p>
+          <a:p>
+            <a:pPr>
+              <a:lnSpc>
+                <a:spcPct val="150000"/>
+              </a:lnSpc>
+            </a:pPr>
+            <a:r>
+              <a:rPr lang="te-IN" sz="1400" dirty="0">
+                <a:latin typeface="Anek Telugu SemiBold" pitchFamily="2" charset="0"/>
+                <a:cs typeface="Anek Telugu SemiBold" pitchFamily="2" charset="0"/>
+              </a:rPr>
+              <a:t>నా భాష నీవయ్యా నా శ్వాస నీవయ్యా</a:t>
             </a:r>
           </a:p>
         </p:txBody>
@@ -4663,7 +4685,7 @@
         <p:spPr>
           <a:xfrm>
             <a:off x="5175409" y="335845"/>
-            <a:ext cx="3883133" cy="5632311"/>
+            <a:ext cx="4292657" cy="5262979"/>
           </a:xfrm>
           <a:prstGeom prst="rect">
             <a:avLst/>
@@ -4686,7 +4708,7 @@
                 <a:latin typeface="Anek Telugu SemiBold" pitchFamily="2" charset="0"/>
                 <a:cs typeface="Anek Telugu SemiBold" pitchFamily="2" charset="0"/>
               </a:rPr>
-              <a:t>జుంటి తేనె ధారల కన్నా</a:t>
+              <a:t>స్తోత్రము స్తుతి స్తోత్రము  </a:t>
             </a:r>
           </a:p>
           <a:p>
@@ -4700,46 +4722,35 @@
                 <a:latin typeface="Anek Telugu SemiBold" pitchFamily="2" charset="0"/>
                 <a:cs typeface="Anek Telugu SemiBold" pitchFamily="2" charset="0"/>
               </a:rPr>
-              <a:t>యేసు నామమే మధురం</a:t>
-            </a:r>
-            <a:br>
+              <a:t>చెల్లించుడి యేసుకే (2)</a:t>
+            </a:r>
+          </a:p>
+          <a:p>
+            <a:pPr defTabSz="439781">
+              <a:lnSpc>
+                <a:spcPct val="150000"/>
+              </a:lnSpc>
+            </a:pPr>
+            <a:r>
               <a:rPr lang="te-IN" sz="1600" b="1" dirty="0">
                 <a:latin typeface="Anek Telugu SemiBold" pitchFamily="2" charset="0"/>
                 <a:cs typeface="Anek Telugu SemiBold" pitchFamily="2" charset="0"/>
               </a:rPr>
-            </a:br>
+              <a:t>రాజాధిరాజు దేవాధిదేవుడు </a:t>
+            </a:r>
+          </a:p>
+          <a:p>
+            <a:pPr defTabSz="439781">
+              <a:lnSpc>
+                <a:spcPct val="150000"/>
+              </a:lnSpc>
+            </a:pPr>
             <a:r>
               <a:rPr lang="te-IN" sz="1600" b="1" dirty="0">
                 <a:latin typeface="Anek Telugu SemiBold" pitchFamily="2" charset="0"/>
                 <a:cs typeface="Anek Telugu SemiBold" pitchFamily="2" charset="0"/>
               </a:rPr>
-              <a:t>యేసయ్య సన్నిధినే మరువజాలను (2)</a:t>
-            </a:r>
-            <a:br>
-              <a:rPr lang="te-IN" sz="1600" b="1" dirty="0">
-                <a:latin typeface="Anek Telugu SemiBold" pitchFamily="2" charset="0"/>
-                <a:cs typeface="Anek Telugu SemiBold" pitchFamily="2" charset="0"/>
-              </a:rPr>
-            </a:br>
-            <a:r>
-              <a:rPr lang="te-IN" sz="1600" b="1" dirty="0">
-                <a:latin typeface="Anek Telugu SemiBold" pitchFamily="2" charset="0"/>
-                <a:cs typeface="Anek Telugu SemiBold" pitchFamily="2" charset="0"/>
-              </a:rPr>
-              <a:t>జీవితకాలమంతా ఆనందించెదా</a:t>
-            </a:r>
-            <a:br>
-              <a:rPr lang="te-IN" sz="1600" b="1" dirty="0">
-                <a:latin typeface="Anek Telugu SemiBold" pitchFamily="2" charset="0"/>
-                <a:cs typeface="Anek Telugu SemiBold" pitchFamily="2" charset="0"/>
-              </a:rPr>
-            </a:br>
-            <a:r>
-              <a:rPr lang="te-IN" sz="1600" b="1" dirty="0">
-                <a:latin typeface="Anek Telugu SemiBold" pitchFamily="2" charset="0"/>
-                <a:cs typeface="Anek Telugu SemiBold" pitchFamily="2" charset="0"/>
-              </a:rPr>
-              <a:t>యేసయ్యనే ఆరాధించెదా (2)  </a:t>
+              <a:t> స్తుతులకు పాత్రుడు</a:t>
             </a:r>
           </a:p>
           <a:p>
@@ -4771,46 +4782,21 @@
                 <a:latin typeface="Anek Telugu SemiBold" pitchFamily="2" charset="0"/>
                 <a:cs typeface="Anek Telugu SemiBold" pitchFamily="2" charset="0"/>
               </a:rPr>
-              <a:t>యేసయ్య నామమే బహు పూజనీయము</a:t>
-            </a:r>
-            <a:br>
+              <a:t>మనుష్య కుమారుడై </a:t>
+            </a:r>
+            <a:r>
+              <a:rPr lang="en-IN" sz="1600" b="1" dirty="0">
+                <a:latin typeface="Anek Telugu SemiBold" pitchFamily="2" charset="0"/>
+                <a:cs typeface="Anek Telugu SemiBold" pitchFamily="2" charset="0"/>
+              </a:rPr>
+              <a:t>- </a:t>
+            </a:r>
+            <a:r>
               <a:rPr lang="te-IN" sz="1600" b="1" dirty="0">
                 <a:latin typeface="Anek Telugu SemiBold" pitchFamily="2" charset="0"/>
                 <a:cs typeface="Anek Telugu SemiBold" pitchFamily="2" charset="0"/>
               </a:rPr>
-            </a:br>
-            <a:r>
-              <a:rPr lang="te-IN" sz="1600" b="1" dirty="0">
-                <a:latin typeface="Anek Telugu SemiBold" pitchFamily="2" charset="0"/>
-                <a:cs typeface="Anek Telugu SemiBold" pitchFamily="2" charset="0"/>
-              </a:rPr>
-              <a:t>నాపై దృష్టి నిలిపి సంత్రుష్టిగా నను ఉంచి (2)</a:t>
-            </a:r>
-            <a:br>
-              <a:rPr lang="te-IN" sz="1600" b="1" dirty="0">
-                <a:latin typeface="Anek Telugu SemiBold" pitchFamily="2" charset="0"/>
-                <a:cs typeface="Anek Telugu SemiBold" pitchFamily="2" charset="0"/>
-              </a:rPr>
-            </a:br>
-            <a:r>
-              <a:rPr lang="te-IN" sz="1600" b="1" dirty="0">
-                <a:latin typeface="Anek Telugu SemiBold" pitchFamily="2" charset="0"/>
-                <a:cs typeface="Anek Telugu SemiBold" pitchFamily="2" charset="0"/>
-              </a:rPr>
-              <a:t>నన్నెంతగానో దీవించి</a:t>
-            </a:r>
-            <a:br>
-              <a:rPr lang="te-IN" sz="1600" b="1" dirty="0">
-                <a:latin typeface="Anek Telugu SemiBold" pitchFamily="2" charset="0"/>
-                <a:cs typeface="Anek Telugu SemiBold" pitchFamily="2" charset="0"/>
-              </a:rPr>
-            </a:br>
-            <a:r>
-              <a:rPr lang="te-IN" sz="1600" b="1" dirty="0">
-                <a:latin typeface="Anek Telugu SemiBold" pitchFamily="2" charset="0"/>
-                <a:cs typeface="Anek Telugu SemiBold" pitchFamily="2" charset="0"/>
-              </a:rPr>
-              <a:t>జీవజలపు ఊటలతో ఉజ్జీవింపజేసెనే (2) </a:t>
+              <a:t>మనుజుల పాపముకై</a:t>
             </a:r>
           </a:p>
           <a:p>
@@ -4824,7 +4810,21 @@
                 <a:latin typeface="Anek Telugu SemiBold" pitchFamily="2" charset="0"/>
                 <a:cs typeface="Anek Telugu SemiBold" pitchFamily="2" charset="0"/>
               </a:rPr>
-              <a:t> </a:t>
+              <a:t>మహిలోన వెలసెను </a:t>
+            </a:r>
+            <a:r>
+              <a:rPr lang="en-IN" sz="1600" b="1" dirty="0">
+                <a:latin typeface="Anek Telugu SemiBold" pitchFamily="2" charset="0"/>
+                <a:cs typeface="Anek Telugu SemiBold" pitchFamily="2" charset="0"/>
+              </a:rPr>
+              <a:t>- </a:t>
+            </a:r>
+            <a:r>
+              <a:rPr lang="te-IN" sz="1600" b="1" dirty="0">
+                <a:latin typeface="Anek Telugu SemiBold" pitchFamily="2" charset="0"/>
+                <a:cs typeface="Anek Telugu SemiBold" pitchFamily="2" charset="0"/>
+              </a:rPr>
+              <a:t>మరణించి లేచెను (2)</a:t>
             </a:r>
           </a:p>
           <a:p>
@@ -4834,57 +4834,127 @@
               </a:lnSpc>
             </a:pPr>
             <a:r>
+              <a:rPr lang="te-IN" sz="1600" b="1" dirty="0">
+                <a:latin typeface="Anek Telugu SemiBold" pitchFamily="2" charset="0"/>
+                <a:cs typeface="Anek Telugu SemiBold" pitchFamily="2" charset="0"/>
+              </a:rPr>
+              <a:t>మహిమ స్వరూపుడు </a:t>
+            </a:r>
+          </a:p>
+          <a:p>
+            <a:pPr defTabSz="439781">
+              <a:lnSpc>
+                <a:spcPct val="150000"/>
+              </a:lnSpc>
+            </a:pPr>
+            <a:r>
+              <a:rPr lang="te-IN" sz="1600" b="1" dirty="0">
+                <a:latin typeface="Anek Telugu SemiBold" pitchFamily="2" charset="0"/>
+                <a:cs typeface="Anek Telugu SemiBold" pitchFamily="2" charset="0"/>
+              </a:rPr>
+              <a:t>మహిమ స్వరూపుడు</a:t>
+            </a:r>
+          </a:p>
+          <a:p>
+            <a:pPr defTabSz="439781">
+              <a:lnSpc>
+                <a:spcPct val="150000"/>
+              </a:lnSpc>
+            </a:pPr>
+            <a:endParaRPr lang="te-IN" sz="1600" b="1" dirty="0">
+              <a:latin typeface="Anek Telugu SemiBold" pitchFamily="2" charset="0"/>
+              <a:cs typeface="Anek Telugu SemiBold" pitchFamily="2" charset="0"/>
+            </a:endParaRPr>
+          </a:p>
+          <a:p>
+            <a:pPr defTabSz="439781">
+              <a:lnSpc>
+                <a:spcPct val="150000"/>
+              </a:lnSpc>
+            </a:pPr>
+            <a:r>
               <a:rPr lang="en-IN" sz="1600" b="1" dirty="0">
                 <a:latin typeface="Anek Telugu SemiBold" pitchFamily="2" charset="0"/>
                 <a:cs typeface="Anek Telugu SemiBold" pitchFamily="2" charset="0"/>
               </a:rPr>
-              <a:t>2. </a:t>
+              <a:t>2.</a:t>
             </a:r>
             <a:r>
               <a:rPr lang="te-IN" sz="1600" b="1" dirty="0">
                 <a:latin typeface="Anek Telugu SemiBold" pitchFamily="2" charset="0"/>
                 <a:cs typeface="Anek Telugu SemiBold" pitchFamily="2" charset="0"/>
               </a:rPr>
-              <a:t>యేసయ్య నామమే బలమైన దుర్గము</a:t>
-            </a:r>
-            <a:br>
+              <a:t>పాపపు వస్త్రము మార్చి </a:t>
+            </a:r>
+            <a:r>
+              <a:rPr lang="en-IN" sz="1600" b="1" dirty="0">
+                <a:latin typeface="Anek Telugu SemiBold" pitchFamily="2" charset="0"/>
+                <a:cs typeface="Anek Telugu SemiBold" pitchFamily="2" charset="0"/>
+              </a:rPr>
+              <a:t>- </a:t>
+            </a:r>
+            <a:r>
               <a:rPr lang="te-IN" sz="1600" b="1" dirty="0">
                 <a:latin typeface="Anek Telugu SemiBold" pitchFamily="2" charset="0"/>
                 <a:cs typeface="Anek Telugu SemiBold" pitchFamily="2" charset="0"/>
               </a:rPr>
-            </a:br>
+              <a:t>నీతిమంతులుగ తీర్చి</a:t>
+            </a:r>
+          </a:p>
+          <a:p>
+            <a:pPr defTabSz="439781">
+              <a:lnSpc>
+                <a:spcPct val="150000"/>
+              </a:lnSpc>
+            </a:pPr>
             <a:r>
               <a:rPr lang="te-IN" sz="1600" b="1" dirty="0">
                 <a:latin typeface="Anek Telugu SemiBold" pitchFamily="2" charset="0"/>
                 <a:cs typeface="Anek Telugu SemiBold" pitchFamily="2" charset="0"/>
               </a:rPr>
-              <a:t>నా తోడై నిలిచి క్షేమముగా నను దాచి (2)</a:t>
-            </a:r>
-            <a:br>
+              <a:t>పరిశుద్దులతో చేర్చి </a:t>
+            </a:r>
+            <a:r>
+              <a:rPr lang="en-IN" sz="1600" b="1" dirty="0">
+                <a:latin typeface="Anek Telugu SemiBold" pitchFamily="2" charset="0"/>
+                <a:cs typeface="Anek Telugu SemiBold" pitchFamily="2" charset="0"/>
+              </a:rPr>
+              <a:t>- </a:t>
+            </a:r>
+            <a:r>
               <a:rPr lang="te-IN" sz="1600" b="1" dirty="0">
                 <a:latin typeface="Anek Telugu SemiBold" pitchFamily="2" charset="0"/>
                 <a:cs typeface="Anek Telugu SemiBold" pitchFamily="2" charset="0"/>
               </a:rPr>
-            </a:br>
+              <a:t>పరమ సౌభాగ్యము నిచ్చి (2)</a:t>
+            </a:r>
+          </a:p>
+          <a:p>
+            <a:pPr defTabSz="439781">
+              <a:lnSpc>
+                <a:spcPct val="150000"/>
+              </a:lnSpc>
+            </a:pPr>
             <a:r>
               <a:rPr lang="te-IN" sz="1600" b="1" dirty="0">
                 <a:latin typeface="Anek Telugu SemiBold" pitchFamily="2" charset="0"/>
                 <a:cs typeface="Anek Telugu SemiBold" pitchFamily="2" charset="0"/>
               </a:rPr>
-              <a:t>నన్నెంతగానో కరుణించి</a:t>
-            </a:r>
-            <a:br>
+              <a:t>మహిమ స్వరూపుడు </a:t>
+            </a:r>
+          </a:p>
+          <a:p>
+            <a:pPr defTabSz="439781">
+              <a:lnSpc>
+                <a:spcPct val="150000"/>
+              </a:lnSpc>
+            </a:pPr>
+            <a:r>
               <a:rPr lang="te-IN" sz="1600" b="1" dirty="0">
                 <a:latin typeface="Anek Telugu SemiBold" pitchFamily="2" charset="0"/>
                 <a:cs typeface="Anek Telugu SemiBold" pitchFamily="2" charset="0"/>
               </a:rPr>
-            </a:br>
-            <a:r>
-              <a:rPr lang="te-IN" sz="1600" b="1" dirty="0">
-                <a:latin typeface="Anek Telugu SemiBold" pitchFamily="2" charset="0"/>
-                <a:cs typeface="Anek Telugu SemiBold" pitchFamily="2" charset="0"/>
-              </a:rPr>
-              <a:t>పవిత్ర లేఖనాలతో ఉత్తేజింపజేసెనే (2)   </a:t>
+              <a:t>మహిమ స్వరూపుడు</a:t>
             </a:r>
           </a:p>
         </p:txBody>

--- a/songsTemplate.pptx
+++ b/songsTemplate.pptx
@@ -316,7 +316,7 @@
           <a:p>
             <a:fld id="{0EEBF99D-A94C-4ACE-ABB7-ED5902A7DBE5}" type="datetimeFigureOut">
               <a:rPr lang="en-IN" smtClean="0"/>
-              <a:t>23-08-2025</a:t>
+              <a:t>06-09-2025</a:t>
             </a:fld>
             <a:endParaRPr lang="en-IN"/>
           </a:p>
@@ -494,7 +494,7 @@
           <a:p>
             <a:fld id="{6EA7C7CE-6F0C-4E71-B520-9461545357C0}" type="datetimeFigureOut">
               <a:rPr lang="en-IN" smtClean="0"/>
-              <a:t>23-08-2025</a:t>
+              <a:t>06-09-2025</a:t>
             </a:fld>
             <a:endParaRPr lang="en-IN"/>
           </a:p>
@@ -894,7 +894,7 @@
           <a:p>
             <a:fld id="{F1102B08-ED9E-409F-B95F-09CAA1DAF6E0}" type="datetimeFigureOut">
               <a:rPr lang="en-IN" smtClean="0"/>
-              <a:t>23-08-2025</a:t>
+              <a:t>06-09-2025</a:t>
             </a:fld>
             <a:endParaRPr lang="en-IN"/>
           </a:p>
@@ -1151,7 +1151,7 @@
           <a:p>
             <a:fld id="{F1102B08-ED9E-409F-B95F-09CAA1DAF6E0}" type="datetimeFigureOut">
               <a:rPr lang="en-IN" smtClean="0"/>
-              <a:t>23-08-2025</a:t>
+              <a:t>06-09-2025</a:t>
             </a:fld>
             <a:endParaRPr lang="en-IN"/>
           </a:p>
@@ -1321,7 +1321,7 @@
           <a:p>
             <a:fld id="{F1102B08-ED9E-409F-B95F-09CAA1DAF6E0}" type="datetimeFigureOut">
               <a:rPr lang="en-IN" smtClean="0"/>
-              <a:t>23-08-2025</a:t>
+              <a:t>06-09-2025</a:t>
             </a:fld>
             <a:endParaRPr lang="en-IN"/>
           </a:p>
@@ -1501,7 +1501,7 @@
           <a:p>
             <a:fld id="{F1102B08-ED9E-409F-B95F-09CAA1DAF6E0}" type="datetimeFigureOut">
               <a:rPr lang="en-IN" smtClean="0"/>
-              <a:t>23-08-2025</a:t>
+              <a:t>06-09-2025</a:t>
             </a:fld>
             <a:endParaRPr lang="en-IN"/>
           </a:p>
@@ -1703,7 +1703,7 @@
             <a:fld id="{F1102B08-ED9E-409F-B95F-09CAA1DAF6E0}" type="datetimeFigureOut">
               <a:rPr lang="en-IN" b="0" smtClean="0"/>
               <a:pPr/>
-              <a:t>23-08-2025</a:t>
+              <a:t>06-09-2025</a:t>
             </a:fld>
             <a:endParaRPr lang="en-IN" b="0" dirty="0"/>
           </a:p>
@@ -1931,7 +1931,7 @@
           <a:p>
             <a:fld id="{F1102B08-ED9E-409F-B95F-09CAA1DAF6E0}" type="datetimeFigureOut">
               <a:rPr lang="en-IN" smtClean="0"/>
-              <a:t>23-08-2025</a:t>
+              <a:t>06-09-2025</a:t>
             </a:fld>
             <a:endParaRPr lang="en-IN"/>
           </a:p>
@@ -2175,7 +2175,7 @@
           <a:p>
             <a:fld id="{F1102B08-ED9E-409F-B95F-09CAA1DAF6E0}" type="datetimeFigureOut">
               <a:rPr lang="en-IN" smtClean="0"/>
-              <a:t>23-08-2025</a:t>
+              <a:t>06-09-2025</a:t>
             </a:fld>
             <a:endParaRPr lang="en-IN"/>
           </a:p>
@@ -2407,7 +2407,7 @@
           <a:p>
             <a:fld id="{F1102B08-ED9E-409F-B95F-09CAA1DAF6E0}" type="datetimeFigureOut">
               <a:rPr lang="en-IN" smtClean="0"/>
-              <a:t>23-08-2025</a:t>
+              <a:t>06-09-2025</a:t>
             </a:fld>
             <a:endParaRPr lang="en-IN"/>
           </a:p>
@@ -2774,7 +2774,7 @@
           <a:p>
             <a:fld id="{F1102B08-ED9E-409F-B95F-09CAA1DAF6E0}" type="datetimeFigureOut">
               <a:rPr lang="en-IN" smtClean="0"/>
-              <a:t>23-08-2025</a:t>
+              <a:t>06-09-2025</a:t>
             </a:fld>
             <a:endParaRPr lang="en-IN"/>
           </a:p>
@@ -2892,7 +2892,7 @@
           <a:p>
             <a:fld id="{F1102B08-ED9E-409F-B95F-09CAA1DAF6E0}" type="datetimeFigureOut">
               <a:rPr lang="en-IN" smtClean="0"/>
-              <a:t>23-08-2025</a:t>
+              <a:t>06-09-2025</a:t>
             </a:fld>
             <a:endParaRPr lang="en-IN"/>
           </a:p>
@@ -2987,7 +2987,7 @@
           <a:p>
             <a:fld id="{F1102B08-ED9E-409F-B95F-09CAA1DAF6E0}" type="datetimeFigureOut">
               <a:rPr lang="en-IN" smtClean="0"/>
-              <a:t>23-08-2025</a:t>
+              <a:t>06-09-2025</a:t>
             </a:fld>
             <a:endParaRPr lang="en-IN"/>
           </a:p>
@@ -3264,7 +3264,7 @@
           <a:p>
             <a:fld id="{F1102B08-ED9E-409F-B95F-09CAA1DAF6E0}" type="datetimeFigureOut">
               <a:rPr lang="en-IN" smtClean="0"/>
-              <a:t>23-08-2025</a:t>
+              <a:t>06-09-2025</a:t>
             </a:fld>
             <a:endParaRPr lang="en-IN"/>
           </a:p>
@@ -3477,7 +3477,7 @@
           <a:p>
             <a:fld id="{F1102B08-ED9E-409F-B95F-09CAA1DAF6E0}" type="datetimeFigureOut">
               <a:rPr lang="en-IN" smtClean="0"/>
-              <a:t>23-08-2025</a:t>
+              <a:t>06-09-2025</a:t>
             </a:fld>
             <a:endParaRPr lang="en-IN"/>
           </a:p>
@@ -3897,8 +3897,8 @@
         </p:nvSpPr>
         <p:spPr>
           <a:xfrm>
-            <a:off x="5288648" y="426045"/>
-            <a:ext cx="4883429" cy="4939814"/>
+            <a:off x="5261754" y="416777"/>
+            <a:ext cx="4883429" cy="5493812"/>
           </a:xfrm>
           <a:prstGeom prst="rect">
             <a:avLst/>
@@ -3917,12 +3917,16 @@
               </a:lnSpc>
             </a:pPr>
             <a:r>
-              <a:rPr lang="te-IN" sz="1500" dirty="0">
-                <a:latin typeface="Anek Telugu SemiBold" pitchFamily="2" charset="0"/>
-                <a:cs typeface="Anek Telugu SemiBold" pitchFamily="2" charset="0"/>
-              </a:rPr>
-              <a:t>నజరేయుడా నా యేసయ్యా</a:t>
-            </a:r>
+              <a:rPr lang="te-IN" dirty="0">
+                <a:latin typeface="Anek Telugu SemiBold" pitchFamily="2" charset="0"/>
+                <a:cs typeface="Anek Telugu SemiBold" pitchFamily="2" charset="0"/>
+              </a:rPr>
+              <a:t>ప్రాణేశ్వర – ప్రభు దైవకుమార</a:t>
+            </a:r>
+            <a:endParaRPr lang="en-IN" dirty="0">
+              <a:latin typeface="Anek Telugu SemiBold" pitchFamily="2" charset="0"/>
+              <a:cs typeface="Anek Telugu SemiBold" pitchFamily="2" charset="0"/>
+            </a:endParaRPr>
           </a:p>
           <a:p>
             <a:pPr>
@@ -3931,12 +3935,16 @@
               </a:lnSpc>
             </a:pPr>
             <a:r>
-              <a:rPr lang="te-IN" sz="1500" dirty="0">
-                <a:latin typeface="Anek Telugu SemiBold" pitchFamily="2" charset="0"/>
-                <a:cs typeface="Anek Telugu SemiBold" pitchFamily="2" charset="0"/>
-              </a:rPr>
-              <a:t>ఎన్ని యుగాలకైనా</a:t>
-            </a:r>
+              <a:rPr lang="te-IN" dirty="0">
+                <a:latin typeface="Anek Telugu SemiBold" pitchFamily="2" charset="0"/>
+                <a:cs typeface="Anek Telugu SemiBold" pitchFamily="2" charset="0"/>
+              </a:rPr>
+              <a:t>ప్రణుతింతును నిన్నే- ఆశతీర</a:t>
+            </a:r>
+            <a:endParaRPr lang="en-IN" dirty="0">
+              <a:latin typeface="Anek Telugu SemiBold" pitchFamily="2" charset="0"/>
+              <a:cs typeface="Anek Telugu SemiBold" pitchFamily="2" charset="0"/>
+            </a:endParaRPr>
           </a:p>
           <a:p>
             <a:pPr>
@@ -3945,12 +3953,16 @@
               </a:lnSpc>
             </a:pPr>
             <a:r>
-              <a:rPr lang="te-IN" sz="1500" dirty="0">
-                <a:latin typeface="Anek Telugu SemiBold" pitchFamily="2" charset="0"/>
-                <a:cs typeface="Anek Telugu SemiBold" pitchFamily="2" charset="0"/>
-              </a:rPr>
-              <a:t>ఆరాధ్య దైవము నీవేనని</a:t>
-            </a:r>
+              <a:rPr lang="te-IN" dirty="0">
+                <a:latin typeface="Anek Telugu SemiBold" pitchFamily="2" charset="0"/>
+                <a:cs typeface="Anek Telugu SemiBold" pitchFamily="2" charset="0"/>
+              </a:rPr>
+              <a:t>ప్రాణేశ్వర – ప్రభు దైవకుమార</a:t>
+            </a:r>
+            <a:endParaRPr lang="en-IN" dirty="0">
+              <a:latin typeface="Anek Telugu SemiBold" pitchFamily="2" charset="0"/>
+              <a:cs typeface="Anek Telugu SemiBold" pitchFamily="2" charset="0"/>
+            </a:endParaRPr>
           </a:p>
           <a:p>
             <a:pPr>
@@ -3958,13 +3970,10 @@
                 <a:spcPct val="150000"/>
               </a:lnSpc>
             </a:pPr>
-            <a:r>
-              <a:rPr lang="te-IN" sz="1500" dirty="0">
-                <a:latin typeface="Anek Telugu SemiBold" pitchFamily="2" charset="0"/>
-                <a:cs typeface="Anek Telugu SemiBold" pitchFamily="2" charset="0"/>
-              </a:rPr>
-              <a:t>గళమెత్తి నీ కీర్తి నే చాటెద</a:t>
-            </a:r>
+            <a:endParaRPr lang="en-IN" dirty="0">
+              <a:latin typeface="Anek Telugu SemiBold" pitchFamily="2" charset="0"/>
+              <a:cs typeface="Anek Telugu SemiBold" pitchFamily="2" charset="0"/>
+            </a:endParaRPr>
           </a:p>
           <a:p>
             <a:pPr>
@@ -3972,7 +3981,21 @@
                 <a:spcPct val="150000"/>
               </a:lnSpc>
             </a:pPr>
-            <a:endParaRPr lang="te-IN" sz="1500" dirty="0">
+            <a:r>
+              <a:rPr lang="en-IN" dirty="0">
+                <a:latin typeface="Anek Telugu SemiBold" pitchFamily="2" charset="0"/>
+                <a:cs typeface="Anek Telugu SemiBold" pitchFamily="2" charset="0"/>
+              </a:rPr>
+              <a:t>1. </a:t>
+            </a:r>
+            <a:r>
+              <a:rPr lang="te-IN" dirty="0">
+                <a:latin typeface="Anek Telugu SemiBold" pitchFamily="2" charset="0"/>
+                <a:cs typeface="Anek Telugu SemiBold" pitchFamily="2" charset="0"/>
+              </a:rPr>
+              <a:t>నా ఆత్మతో పాటలు పాడ –</a:t>
+            </a:r>
+            <a:endParaRPr lang="en-IN" dirty="0">
               <a:latin typeface="Anek Telugu SemiBold" pitchFamily="2" charset="0"/>
               <a:cs typeface="Anek Telugu SemiBold" pitchFamily="2" charset="0"/>
             </a:endParaRPr>
@@ -3984,18 +4007,18 @@
               </a:lnSpc>
             </a:pPr>
             <a:r>
-              <a:rPr lang="en-IN" sz="1500" dirty="0">
-                <a:latin typeface="Anek Telugu SemiBold" pitchFamily="2" charset="0"/>
-                <a:cs typeface="Anek Telugu SemiBold" pitchFamily="2" charset="0"/>
-              </a:rPr>
-              <a:t>1. </a:t>
-            </a:r>
-            <a:r>
-              <a:rPr lang="te-IN" sz="1500" dirty="0">
-                <a:latin typeface="Anek Telugu SemiBold" pitchFamily="2" charset="0"/>
-                <a:cs typeface="Anek Telugu SemiBold" pitchFamily="2" charset="0"/>
-              </a:rPr>
-              <a:t>ఆకాశ గగనాలను నీ జేనతో కొలిచితివి (2)</a:t>
+              <a:rPr lang="te-IN" dirty="0">
+                <a:latin typeface="Anek Telugu SemiBold" pitchFamily="2" charset="0"/>
+                <a:cs typeface="Anek Telugu SemiBold" pitchFamily="2" charset="0"/>
+              </a:rPr>
+              <a:t>నీ కృపలే నాకు హేతువులాయె – </a:t>
+            </a:r>
+            <a:r>
+              <a:rPr lang="en-IN" dirty="0">
+                <a:latin typeface="Anek Telugu SemiBold" pitchFamily="2" charset="0"/>
+                <a:cs typeface="Anek Telugu SemiBold" pitchFamily="2" charset="0"/>
+              </a:rPr>
+              <a:t>(2)</a:t>
             </a:r>
           </a:p>
           <a:p>
@@ -4005,12 +4028,16 @@
               </a:lnSpc>
             </a:pPr>
             <a:r>
-              <a:rPr lang="te-IN" sz="1500" dirty="0">
-                <a:latin typeface="Anek Telugu SemiBold" pitchFamily="2" charset="0"/>
-                <a:cs typeface="Anek Telugu SemiBold" pitchFamily="2" charset="0"/>
-              </a:rPr>
-              <a:t>శూన్యములో ఈ భూమిని</a:t>
-            </a:r>
+              <a:rPr lang="te-IN" dirty="0">
+                <a:latin typeface="Anek Telugu SemiBold" pitchFamily="2" charset="0"/>
+                <a:cs typeface="Anek Telugu SemiBold" pitchFamily="2" charset="0"/>
+              </a:rPr>
+              <a:t>నిత్య నిబంధన నీతో చేసి –</a:t>
+            </a:r>
+            <a:endParaRPr lang="en-IN" dirty="0">
+              <a:latin typeface="Anek Telugu SemiBold" pitchFamily="2" charset="0"/>
+              <a:cs typeface="Anek Telugu SemiBold" pitchFamily="2" charset="0"/>
+            </a:endParaRPr>
           </a:p>
           <a:p>
             <a:pPr>
@@ -4019,11 +4046,18 @@
               </a:lnSpc>
             </a:pPr>
             <a:r>
-              <a:rPr lang="te-IN" sz="1500" dirty="0">
-                <a:latin typeface="Anek Telugu SemiBold" pitchFamily="2" charset="0"/>
-                <a:cs typeface="Anek Telugu SemiBold" pitchFamily="2" charset="0"/>
-              </a:rPr>
-              <a:t>వ్రేలాడదీసిన నా యేసయ్య (2)</a:t>
+              <a:rPr lang="te-IN" dirty="0">
+                <a:latin typeface="Anek Telugu SemiBold" pitchFamily="2" charset="0"/>
+                <a:cs typeface="Anek Telugu SemiBold" pitchFamily="2" charset="0"/>
+              </a:rPr>
+              <a:t>నీ పాద సన్నిధి చేరియున్నానే - </a:t>
+            </a:r>
+            <a:r>
+              <a:rPr lang="en-IN" dirty="0">
+                <a:latin typeface="Anek Telugu SemiBold" pitchFamily="2" charset="0"/>
+                <a:cs typeface="Anek Telugu SemiBold" pitchFamily="2" charset="0"/>
+              </a:rPr>
+              <a:t>(2)</a:t>
             </a:r>
           </a:p>
           <a:p>
@@ -4032,13 +4066,10 @@
                 <a:spcPct val="150000"/>
               </a:lnSpc>
             </a:pPr>
-            <a:r>
-              <a:rPr lang="te-IN" sz="1500" dirty="0">
-                <a:latin typeface="Anek Telugu SemiBold" pitchFamily="2" charset="0"/>
-                <a:cs typeface="Anek Telugu SemiBold" pitchFamily="2" charset="0"/>
-              </a:rPr>
-              <a:t>నీకే వందనం నీకే వందనం (2)</a:t>
-            </a:r>
+            <a:endParaRPr lang="en-IN" dirty="0">
+              <a:latin typeface="Anek Telugu SemiBold" pitchFamily="2" charset="0"/>
+              <a:cs typeface="Anek Telugu SemiBold" pitchFamily="2" charset="0"/>
+            </a:endParaRPr>
           </a:p>
           <a:p>
             <a:pPr>
@@ -4046,7 +4077,21 @@
                 <a:spcPct val="150000"/>
               </a:lnSpc>
             </a:pPr>
-            <a:endParaRPr lang="te-IN" sz="1500" dirty="0">
+            <a:r>
+              <a:rPr lang="en-IN" dirty="0">
+                <a:latin typeface="Anek Telugu SemiBold" pitchFamily="2" charset="0"/>
+                <a:cs typeface="Anek Telugu SemiBold" pitchFamily="2" charset="0"/>
+              </a:rPr>
+              <a:t>2. </a:t>
+            </a:r>
+            <a:r>
+              <a:rPr lang="te-IN" dirty="0">
+                <a:latin typeface="Anek Telugu SemiBold" pitchFamily="2" charset="0"/>
+                <a:cs typeface="Anek Telugu SemiBold" pitchFamily="2" charset="0"/>
+              </a:rPr>
+              <a:t>నా ఊటలన్నియు నీ యందేనని  –</a:t>
+            </a:r>
+            <a:endParaRPr lang="en-IN" dirty="0">
               <a:latin typeface="Anek Telugu SemiBold" pitchFamily="2" charset="0"/>
               <a:cs typeface="Anek Telugu SemiBold" pitchFamily="2" charset="0"/>
             </a:endParaRPr>
@@ -4058,18 +4103,18 @@
               </a:lnSpc>
             </a:pPr>
             <a:r>
-              <a:rPr lang="en-IN" sz="1500" dirty="0">
-                <a:latin typeface="Anek Telugu SemiBold" pitchFamily="2" charset="0"/>
-                <a:cs typeface="Anek Telugu SemiBold" pitchFamily="2" charset="0"/>
-              </a:rPr>
-              <a:t>2. </a:t>
-            </a:r>
-            <a:r>
-              <a:rPr lang="te-IN" sz="1500" dirty="0">
-                <a:latin typeface="Anek Telugu SemiBold" pitchFamily="2" charset="0"/>
-                <a:cs typeface="Anek Telugu SemiBold" pitchFamily="2" charset="0"/>
-              </a:rPr>
-              <a:t>అగాధ సముద్రాలకు నీవే ఎల్లలు వేసితివి (2)</a:t>
+              <a:rPr lang="te-IN" dirty="0">
+                <a:latin typeface="Anek Telugu SemiBold" pitchFamily="2" charset="0"/>
+                <a:cs typeface="Anek Telugu SemiBold" pitchFamily="2" charset="0"/>
+              </a:rPr>
+              <a:t>వాద్యము వాయించి పాడెదను – </a:t>
+            </a:r>
+            <a:r>
+              <a:rPr lang="en-IN" dirty="0">
+                <a:latin typeface="Anek Telugu SemiBold" pitchFamily="2" charset="0"/>
+                <a:cs typeface="Anek Telugu SemiBold" pitchFamily="2" charset="0"/>
+              </a:rPr>
+              <a:t>(2)</a:t>
             </a:r>
           </a:p>
           <a:p>
@@ -4079,12 +4124,16 @@
               </a:lnSpc>
             </a:pPr>
             <a:r>
-              <a:rPr lang="te-IN" sz="1500" dirty="0">
-                <a:latin typeface="Anek Telugu SemiBold" pitchFamily="2" charset="0"/>
-                <a:cs typeface="Anek Telugu SemiBold" pitchFamily="2" charset="0"/>
-              </a:rPr>
-              <a:t>జలములలోబడి నే వెళ్ళినా</a:t>
-            </a:r>
+              <a:rPr lang="te-IN" dirty="0">
+                <a:latin typeface="Anek Telugu SemiBold" pitchFamily="2" charset="0"/>
+                <a:cs typeface="Anek Telugu SemiBold" pitchFamily="2" charset="0"/>
+              </a:rPr>
+              <a:t>జీవిత కాలమంతా నిన్నే స్తుతించి  –</a:t>
+            </a:r>
+            <a:endParaRPr lang="en-IN" dirty="0">
+              <a:latin typeface="Anek Telugu SemiBold" pitchFamily="2" charset="0"/>
+              <a:cs typeface="Anek Telugu SemiBold" pitchFamily="2" charset="0"/>
+            </a:endParaRPr>
           </a:p>
           <a:p>
             <a:pPr>
@@ -4093,26 +4142,23 @@
               </a:lnSpc>
             </a:pPr>
             <a:r>
-              <a:rPr lang="te-IN" sz="1500" dirty="0">
-                <a:latin typeface="Anek Telugu SemiBold" pitchFamily="2" charset="0"/>
-                <a:cs typeface="Anek Telugu SemiBold" pitchFamily="2" charset="0"/>
-              </a:rPr>
-              <a:t>నన్నేమి చేయవు నా యేసయ్యా (2)</a:t>
-            </a:r>
-          </a:p>
-          <a:p>
-            <a:pPr>
-              <a:lnSpc>
-                <a:spcPct val="150000"/>
-              </a:lnSpc>
-            </a:pPr>
-            <a:r>
-              <a:rPr lang="te-IN" sz="1500" dirty="0">
-                <a:latin typeface="Anek Telugu SemiBold" pitchFamily="2" charset="0"/>
-                <a:cs typeface="Anek Telugu SemiBold" pitchFamily="2" charset="0"/>
-              </a:rPr>
-              <a:t>నీకే వందనం నీకే వందనం (2)</a:t>
-            </a:r>
+              <a:rPr lang="te-IN" dirty="0">
+                <a:latin typeface="Anek Telugu SemiBold" pitchFamily="2" charset="0"/>
+                <a:cs typeface="Anek Telugu SemiBold" pitchFamily="2" charset="0"/>
+              </a:rPr>
+              <a:t>సాగెద నూతన యెరూషలేము  - </a:t>
+            </a:r>
+            <a:r>
+              <a:rPr lang="en-IN" dirty="0">
+                <a:latin typeface="Anek Telugu SemiBold" pitchFamily="2" charset="0"/>
+                <a:cs typeface="Anek Telugu SemiBold" pitchFamily="2" charset="0"/>
+              </a:rPr>
+              <a:t>(2)</a:t>
+            </a:r>
+            <a:endParaRPr lang="te-IN" dirty="0">
+              <a:latin typeface="Anek Telugu SemiBold" pitchFamily="2" charset="0"/>
+              <a:cs typeface="Anek Telugu SemiBold" pitchFamily="2" charset="0"/>
+            </a:endParaRPr>
           </a:p>
         </p:txBody>
       </p:sp>
@@ -4130,8 +4176,8 @@
         </p:nvSpPr>
         <p:spPr>
           <a:xfrm>
-            <a:off x="487415" y="426045"/>
-            <a:ext cx="4544669" cy="4939814"/>
+            <a:off x="408331" y="324445"/>
+            <a:ext cx="4544669" cy="5632311"/>
           </a:xfrm>
           <a:prstGeom prst="rect">
             <a:avLst/>
@@ -4150,12 +4196,16 @@
               </a:lnSpc>
             </a:pPr>
             <a:r>
-              <a:rPr lang="te-IN" sz="1500" b="1" dirty="0">
-                <a:latin typeface="Anek Telugu SemiBold" pitchFamily="2" charset="0"/>
-                <a:cs typeface="Anek Telugu SemiBold" pitchFamily="2" charset="0"/>
-              </a:rPr>
-              <a:t>సదాకాలము నీతో నేను </a:t>
-            </a:r>
+              <a:rPr lang="te-IN" sz="1600" b="1" dirty="0">
+                <a:latin typeface="Anek Telugu SemiBold" pitchFamily="2" charset="0"/>
+                <a:cs typeface="Anek Telugu SemiBold" pitchFamily="2" charset="0"/>
+              </a:rPr>
+              <a:t>శాశ్వతమైనది నా యేసుని ప్రేమ</a:t>
+            </a:r>
+            <a:endParaRPr lang="en-IN" sz="1600" b="1" dirty="0">
+              <a:latin typeface="Anek Telugu SemiBold" pitchFamily="2" charset="0"/>
+              <a:cs typeface="Anek Telugu SemiBold" pitchFamily="2" charset="0"/>
+            </a:endParaRPr>
           </a:p>
           <a:p>
             <a:pPr>
@@ -4164,12 +4214,16 @@
               </a:lnSpc>
             </a:pPr>
             <a:r>
-              <a:rPr lang="te-IN" sz="1500" b="1" dirty="0">
-                <a:latin typeface="Anek Telugu SemiBold" pitchFamily="2" charset="0"/>
-                <a:cs typeface="Anek Telugu SemiBold" pitchFamily="2" charset="0"/>
-              </a:rPr>
-              <a:t>జీవించెదను యేసయ్య</a:t>
-            </a:r>
+              <a:rPr lang="te-IN" sz="1600" b="1" dirty="0">
+                <a:latin typeface="Anek Telugu SemiBold" pitchFamily="2" charset="0"/>
+                <a:cs typeface="Anek Telugu SemiBold" pitchFamily="2" charset="0"/>
+              </a:rPr>
+              <a:t>నిరంతరం ఉండునది నిజ దేవుని ప్రేమ</a:t>
+            </a:r>
+            <a:endParaRPr lang="en-IN" sz="1600" b="1" dirty="0">
+              <a:latin typeface="Anek Telugu SemiBold" pitchFamily="2" charset="0"/>
+              <a:cs typeface="Anek Telugu SemiBold" pitchFamily="2" charset="0"/>
+            </a:endParaRPr>
           </a:p>
           <a:p>
             <a:pPr>
@@ -4178,12 +4232,16 @@
               </a:lnSpc>
             </a:pPr>
             <a:r>
-              <a:rPr lang="te-IN" sz="1500" b="1" dirty="0">
-                <a:latin typeface="Anek Telugu SemiBold" pitchFamily="2" charset="0"/>
-                <a:cs typeface="Anek Telugu SemiBold" pitchFamily="2" charset="0"/>
-              </a:rPr>
-              <a:t>యేసయ్యా యేసయ్యా</a:t>
-            </a:r>
+              <a:rPr lang="te-IN" sz="1600" b="1" dirty="0">
+                <a:latin typeface="Anek Telugu SemiBold" pitchFamily="2" charset="0"/>
+                <a:cs typeface="Anek Telugu SemiBold" pitchFamily="2" charset="0"/>
+              </a:rPr>
+              <a:t>యేసుని ప్రేమ  నా యేసుని ప్రేమ</a:t>
+            </a:r>
+            <a:endParaRPr lang="en-IN" sz="1600" b="1" dirty="0">
+              <a:latin typeface="Anek Telugu SemiBold" pitchFamily="2" charset="0"/>
+              <a:cs typeface="Anek Telugu SemiBold" pitchFamily="2" charset="0"/>
+            </a:endParaRPr>
           </a:p>
           <a:p>
             <a:pPr>
@@ -4191,13 +4249,10 @@
                 <a:spcPct val="150000"/>
               </a:lnSpc>
             </a:pPr>
-            <a:r>
-              <a:rPr lang="te-IN" sz="1500" b="1" dirty="0">
-                <a:latin typeface="Anek Telugu SemiBold" pitchFamily="2" charset="0"/>
-                <a:cs typeface="Anek Telugu SemiBold" pitchFamily="2" charset="0"/>
-              </a:rPr>
-              <a:t>యేసయ్యా యేసయ్యా (2)</a:t>
-            </a:r>
+            <a:endParaRPr lang="en-IN" sz="1600" b="1" dirty="0">
+              <a:latin typeface="Anek Telugu SemiBold" pitchFamily="2" charset="0"/>
+              <a:cs typeface="Anek Telugu SemiBold" pitchFamily="2" charset="0"/>
+            </a:endParaRPr>
           </a:p>
           <a:p>
             <a:pPr>
@@ -4206,12 +4261,23 @@
               </a:lnSpc>
             </a:pPr>
             <a:r>
-              <a:rPr lang="te-IN" sz="1500" b="1" dirty="0">
-                <a:latin typeface="Anek Telugu SemiBold" pitchFamily="2" charset="0"/>
-                <a:cs typeface="Anek Telugu SemiBold" pitchFamily="2" charset="0"/>
-              </a:rPr>
-              <a:t>        </a:t>
-            </a:r>
+              <a:rPr lang="en-IN" sz="1600" b="1" dirty="0">
+                <a:latin typeface="Anek Telugu SemiBold" pitchFamily="2" charset="0"/>
+                <a:cs typeface="Anek Telugu SemiBold" pitchFamily="2" charset="0"/>
+              </a:rPr>
+              <a:t>1. </a:t>
+            </a:r>
+            <a:r>
+              <a:rPr lang="te-IN" sz="1600" b="1" dirty="0">
+                <a:latin typeface="Anek Telugu SemiBold" pitchFamily="2" charset="0"/>
+                <a:cs typeface="Anek Telugu SemiBold" pitchFamily="2" charset="0"/>
+              </a:rPr>
+              <a:t>నా పాపములను భరియించినది </a:t>
+            </a:r>
+            <a:endParaRPr lang="en-IN" sz="1600" b="1" dirty="0">
+              <a:latin typeface="Anek Telugu SemiBold" pitchFamily="2" charset="0"/>
+              <a:cs typeface="Anek Telugu SemiBold" pitchFamily="2" charset="0"/>
+            </a:endParaRPr>
           </a:p>
           <a:p>
             <a:pPr>
@@ -4220,19 +4286,16 @@
               </a:lnSpc>
             </a:pPr>
             <a:r>
-              <a:rPr lang="en-IN" sz="1500" b="1" dirty="0">
-                <a:latin typeface="Anek Telugu SemiBold" pitchFamily="2" charset="0"/>
-                <a:cs typeface="Anek Telugu SemiBold" pitchFamily="2" charset="0"/>
-              </a:rPr>
-              <a:t>1. </a:t>
-            </a:r>
-            <a:r>
-              <a:rPr lang="te-IN" sz="1500" b="1" dirty="0">
-                <a:latin typeface="Anek Telugu SemiBold" pitchFamily="2" charset="0"/>
-                <a:cs typeface="Anek Telugu SemiBold" pitchFamily="2" charset="0"/>
-              </a:rPr>
-              <a:t>పాపాల ఊభిలో పడియున్న నన్ను</a:t>
-            </a:r>
+              <a:rPr lang="te-IN" sz="1600" b="1" dirty="0">
+                <a:latin typeface="Anek Telugu SemiBold" pitchFamily="2" charset="0"/>
+                <a:cs typeface="Anek Telugu SemiBold" pitchFamily="2" charset="0"/>
+              </a:rPr>
+              <a:t>నాకై శ్రమలను సహియించినది</a:t>
+            </a:r>
+            <a:endParaRPr lang="en-IN" sz="1600" b="1" dirty="0">
+              <a:latin typeface="Anek Telugu SemiBold" pitchFamily="2" charset="0"/>
+              <a:cs typeface="Anek Telugu SemiBold" pitchFamily="2" charset="0"/>
+            </a:endParaRPr>
           </a:p>
           <a:p>
             <a:pPr>
@@ -4241,25 +4304,16 @@
               </a:lnSpc>
             </a:pPr>
             <a:r>
-              <a:rPr lang="te-IN" sz="1500" b="1" dirty="0">
-                <a:latin typeface="Anek Telugu SemiBold" pitchFamily="2" charset="0"/>
-                <a:cs typeface="Anek Telugu SemiBold" pitchFamily="2" charset="0"/>
-              </a:rPr>
-              <a:t>నీ ప్రేమతో పైకి లేపావయ్యా (2)</a:t>
-            </a:r>
-            <a:br>
-              <a:rPr lang="te-IN" sz="1500" b="1" dirty="0">
-                <a:latin typeface="Anek Telugu SemiBold" pitchFamily="2" charset="0"/>
-                <a:cs typeface="Anek Telugu SemiBold" pitchFamily="2" charset="0"/>
-              </a:rPr>
-            </a:br>
-            <a:r>
-              <a:rPr lang="te-IN" sz="1500" b="1" dirty="0">
-                <a:latin typeface="Anek Telugu SemiBold" pitchFamily="2" charset="0"/>
-                <a:cs typeface="Anek Telugu SemiBold" pitchFamily="2" charset="0"/>
-              </a:rPr>
-              <a:t>ఏ తోడులేని నాకు నా తోడుగా</a:t>
-            </a:r>
+              <a:rPr lang="te-IN" sz="1600" b="1" dirty="0">
+                <a:latin typeface="Anek Telugu SemiBold" pitchFamily="2" charset="0"/>
+                <a:cs typeface="Anek Telugu SemiBold" pitchFamily="2" charset="0"/>
+              </a:rPr>
+              <a:t>నాకు మారుగా మరణించినది</a:t>
+            </a:r>
+            <a:endParaRPr lang="en-IN" sz="1600" b="1" dirty="0">
+              <a:latin typeface="Anek Telugu SemiBold" pitchFamily="2" charset="0"/>
+              <a:cs typeface="Anek Telugu SemiBold" pitchFamily="2" charset="0"/>
+            </a:endParaRPr>
           </a:p>
           <a:p>
             <a:pPr>
@@ -4268,12 +4322,16 @@
               </a:lnSpc>
             </a:pPr>
             <a:r>
-              <a:rPr lang="te-IN" sz="1500" b="1" dirty="0">
-                <a:latin typeface="Anek Telugu SemiBold" pitchFamily="2" charset="0"/>
-                <a:cs typeface="Anek Telugu SemiBold" pitchFamily="2" charset="0"/>
-              </a:rPr>
-              <a:t>నాఅండగా నీవు  నిలిచావయ్యా (2)</a:t>
-            </a:r>
+              <a:rPr lang="te-IN" sz="1600" b="1" dirty="0">
+                <a:latin typeface="Anek Telugu SemiBold" pitchFamily="2" charset="0"/>
+                <a:cs typeface="Anek Telugu SemiBold" pitchFamily="2" charset="0"/>
+              </a:rPr>
+              <a:t>నను జీవముతో బ్రతికించునది </a:t>
+            </a:r>
+            <a:endParaRPr lang="en-IN" sz="1600" b="1" dirty="0">
+              <a:latin typeface="Anek Telugu SemiBold" pitchFamily="2" charset="0"/>
+              <a:cs typeface="Anek Telugu SemiBold" pitchFamily="2" charset="0"/>
+            </a:endParaRPr>
           </a:p>
           <a:p>
             <a:pPr>
@@ -4282,12 +4340,16 @@
               </a:lnSpc>
             </a:pPr>
             <a:r>
-              <a:rPr lang="te-IN" sz="1500" b="1" dirty="0">
-                <a:latin typeface="Anek Telugu SemiBold" pitchFamily="2" charset="0"/>
-                <a:cs typeface="Anek Telugu SemiBold" pitchFamily="2" charset="0"/>
-              </a:rPr>
-              <a:t>         </a:t>
-            </a:r>
+              <a:rPr lang="te-IN" sz="1600" b="1" dirty="0">
+                <a:latin typeface="Anek Telugu SemiBold" pitchFamily="2" charset="0"/>
+                <a:cs typeface="Anek Telugu SemiBold" pitchFamily="2" charset="0"/>
+              </a:rPr>
+              <a:t>యేసుని ప్రేమ  నా యేసుని ప్రేమ</a:t>
+            </a:r>
+            <a:endParaRPr lang="en-IN" sz="1600" b="1" dirty="0">
+              <a:latin typeface="Anek Telugu SemiBold" pitchFamily="2" charset="0"/>
+              <a:cs typeface="Anek Telugu SemiBold" pitchFamily="2" charset="0"/>
+            </a:endParaRPr>
           </a:p>
           <a:p>
             <a:pPr>
@@ -4295,58 +4357,102 @@
                 <a:spcPct val="150000"/>
               </a:lnSpc>
             </a:pPr>
-            <a:r>
-              <a:rPr lang="en-IN" sz="1500" b="1" dirty="0">
+            <a:endParaRPr lang="en-IN" sz="1600" b="1" dirty="0">
+              <a:latin typeface="Anek Telugu SemiBold" pitchFamily="2" charset="0"/>
+              <a:cs typeface="Anek Telugu SemiBold" pitchFamily="2" charset="0"/>
+            </a:endParaRPr>
+          </a:p>
+          <a:p>
+            <a:pPr>
+              <a:lnSpc>
+                <a:spcPct val="150000"/>
+              </a:lnSpc>
+            </a:pPr>
+            <a:r>
+              <a:rPr lang="en-IN" sz="1600" b="1" dirty="0">
                 <a:latin typeface="Anek Telugu SemiBold" pitchFamily="2" charset="0"/>
                 <a:cs typeface="Anek Telugu SemiBold" pitchFamily="2" charset="0"/>
               </a:rPr>
               <a:t>2. </a:t>
             </a:r>
             <a:r>
-              <a:rPr lang="te-IN" sz="1500" b="1" dirty="0">
-                <a:latin typeface="Anek Telugu SemiBold" pitchFamily="2" charset="0"/>
-                <a:cs typeface="Anek Telugu SemiBold" pitchFamily="2" charset="0"/>
-              </a:rPr>
-              <a:t>నీ వాత్సల్యమును నాపై చూపించి</a:t>
-            </a:r>
-            <a:br>
-              <a:rPr lang="te-IN" sz="1500" b="1" dirty="0">
-                <a:latin typeface="Anek Telugu SemiBold" pitchFamily="2" charset="0"/>
-                <a:cs typeface="Anek Telugu SemiBold" pitchFamily="2" charset="0"/>
-              </a:rPr>
-            </a:br>
-            <a:r>
-              <a:rPr lang="te-IN" sz="1500" b="1" dirty="0">
-                <a:latin typeface="Anek Telugu SemiBold" pitchFamily="2" charset="0"/>
-                <a:cs typeface="Anek Telugu SemiBold" pitchFamily="2" charset="0"/>
-              </a:rPr>
-              <a:t>నీ సాక్షిగా నన్ను నిలిపావయ్యా (2)</a:t>
-            </a:r>
-            <a:br>
-              <a:rPr lang="te-IN" sz="1500" b="1" dirty="0">
-                <a:latin typeface="Anek Telugu SemiBold" pitchFamily="2" charset="0"/>
-                <a:cs typeface="Anek Telugu SemiBold" pitchFamily="2" charset="0"/>
-              </a:rPr>
-            </a:br>
-            <a:r>
-              <a:rPr lang="te-IN" sz="1500" b="1" dirty="0">
-                <a:latin typeface="Anek Telugu SemiBold" pitchFamily="2" charset="0"/>
-                <a:cs typeface="Anek Telugu SemiBold" pitchFamily="2" charset="0"/>
-              </a:rPr>
-              <a:t>ఆశ్చర్యకార్యములు ఎన్నో చేసి</a:t>
-            </a:r>
-            <a:br>
-              <a:rPr lang="te-IN" sz="1500" b="1" dirty="0">
-                <a:latin typeface="Anek Telugu SemiBold" pitchFamily="2" charset="0"/>
-                <a:cs typeface="Anek Telugu SemiBold" pitchFamily="2" charset="0"/>
-              </a:rPr>
-            </a:br>
-            <a:r>
-              <a:rPr lang="te-IN" sz="1500" b="1" dirty="0">
-                <a:latin typeface="Anek Telugu SemiBold" pitchFamily="2" charset="0"/>
-                <a:cs typeface="Anek Telugu SemiBold" pitchFamily="2" charset="0"/>
-              </a:rPr>
-              <a:t>నీ పాత్రగా నన్ను మలిచావయ్యా (2)</a:t>
+              <a:rPr lang="te-IN" sz="1600" b="1" dirty="0">
+                <a:latin typeface="Anek Telugu SemiBold" pitchFamily="2" charset="0"/>
+                <a:cs typeface="Anek Telugu SemiBold" pitchFamily="2" charset="0"/>
+              </a:rPr>
+              <a:t>మరణపులోయలో నను కాచినది</a:t>
+            </a:r>
+            <a:endParaRPr lang="en-IN" sz="1600" b="1" dirty="0">
+              <a:latin typeface="Anek Telugu SemiBold" pitchFamily="2" charset="0"/>
+              <a:cs typeface="Anek Telugu SemiBold" pitchFamily="2" charset="0"/>
+            </a:endParaRPr>
+          </a:p>
+          <a:p>
+            <a:pPr>
+              <a:lnSpc>
+                <a:spcPct val="150000"/>
+              </a:lnSpc>
+            </a:pPr>
+            <a:r>
+              <a:rPr lang="te-IN" sz="1600" b="1" dirty="0">
+                <a:latin typeface="Anek Telugu SemiBold" pitchFamily="2" charset="0"/>
+                <a:cs typeface="Anek Telugu SemiBold" pitchFamily="2" charset="0"/>
+              </a:rPr>
+              <a:t>నా శ్రమలో నను ఓదార్చినది</a:t>
+            </a:r>
+            <a:endParaRPr lang="en-IN" sz="1600" b="1" dirty="0">
+              <a:latin typeface="Anek Telugu SemiBold" pitchFamily="2" charset="0"/>
+              <a:cs typeface="Anek Telugu SemiBold" pitchFamily="2" charset="0"/>
+            </a:endParaRPr>
+          </a:p>
+          <a:p>
+            <a:pPr>
+              <a:lnSpc>
+                <a:spcPct val="150000"/>
+              </a:lnSpc>
+            </a:pPr>
+            <a:r>
+              <a:rPr lang="te-IN" sz="1600" b="1" dirty="0">
+                <a:latin typeface="Anek Telugu SemiBold" pitchFamily="2" charset="0"/>
+                <a:cs typeface="Anek Telugu SemiBold" pitchFamily="2" charset="0"/>
+              </a:rPr>
+              <a:t>నను వీడనిది ఎడబాయనిది</a:t>
+            </a:r>
+            <a:endParaRPr lang="en-IN" sz="1600" b="1" dirty="0">
+              <a:latin typeface="Anek Telugu SemiBold" pitchFamily="2" charset="0"/>
+              <a:cs typeface="Anek Telugu SemiBold" pitchFamily="2" charset="0"/>
+            </a:endParaRPr>
+          </a:p>
+          <a:p>
+            <a:pPr>
+              <a:lnSpc>
+                <a:spcPct val="150000"/>
+              </a:lnSpc>
+            </a:pPr>
+            <a:r>
+              <a:rPr lang="te-IN" sz="1600" b="1" dirty="0">
+                <a:latin typeface="Anek Telugu SemiBold" pitchFamily="2" charset="0"/>
+                <a:cs typeface="Anek Telugu SemiBold" pitchFamily="2" charset="0"/>
+              </a:rPr>
+              <a:t>మారనిది  మధురమైనది</a:t>
+            </a:r>
+            <a:endParaRPr lang="en-IN" sz="1600" b="1" dirty="0">
+              <a:latin typeface="Anek Telugu SemiBold" pitchFamily="2" charset="0"/>
+              <a:cs typeface="Anek Telugu SemiBold" pitchFamily="2" charset="0"/>
+            </a:endParaRPr>
+          </a:p>
+          <a:p>
+            <a:pPr>
+              <a:lnSpc>
+                <a:spcPct val="150000"/>
+              </a:lnSpc>
+            </a:pPr>
+            <a:r>
+              <a:rPr lang="te-IN" sz="1600" b="1" dirty="0">
+                <a:latin typeface="Anek Telugu SemiBold" pitchFamily="2" charset="0"/>
+                <a:cs typeface="Anek Telugu SemiBold" pitchFamily="2" charset="0"/>
+              </a:rPr>
+              <a:t>యేసుని ప్రేమ  నా యేసుని ప్రేమ</a:t>
             </a:r>
           </a:p>
         </p:txBody>
@@ -4396,7 +4502,7 @@
         <p:spPr>
           <a:xfrm>
             <a:off x="437934" y="335845"/>
-            <a:ext cx="4640796" cy="5909310"/>
+            <a:ext cx="4640796" cy="5493812"/>
           </a:xfrm>
           <a:prstGeom prst="rect">
             <a:avLst/>
@@ -4415,12 +4521,16 @@
               </a:lnSpc>
             </a:pPr>
             <a:r>
-              <a:rPr lang="te-IN" sz="1400" dirty="0">
-                <a:latin typeface="Anek Telugu SemiBold" pitchFamily="2" charset="0"/>
-                <a:cs typeface="Anek Telugu SemiBold" pitchFamily="2" charset="0"/>
-              </a:rPr>
-              <a:t>యేసయ్యా నిన్ను చూడాలని</a:t>
-            </a:r>
+              <a:rPr lang="te-IN" dirty="0">
+                <a:latin typeface="Anek Telugu SemiBold" pitchFamily="2" charset="0"/>
+                <a:cs typeface="Anek Telugu SemiBold" pitchFamily="2" charset="0"/>
+              </a:rPr>
+              <a:t>దేవ నడిపించుమా – అనుదినము</a:t>
+            </a:r>
+            <a:endParaRPr lang="en-IN" dirty="0">
+              <a:latin typeface="Anek Telugu SemiBold" pitchFamily="2" charset="0"/>
+              <a:cs typeface="Anek Telugu SemiBold" pitchFamily="2" charset="0"/>
+            </a:endParaRPr>
           </a:p>
           <a:p>
             <a:pPr>
@@ -4429,12 +4539,30 @@
               </a:lnSpc>
             </a:pPr>
             <a:r>
-              <a:rPr lang="te-IN" sz="1400" dirty="0">
-                <a:latin typeface="Anek Telugu SemiBold" pitchFamily="2" charset="0"/>
-                <a:cs typeface="Anek Telugu SemiBold" pitchFamily="2" charset="0"/>
-              </a:rPr>
-              <a:t>మెస్సయ్యా నిన్ను చేరాలని (2)</a:t>
-            </a:r>
+              <a:rPr lang="te-IN" dirty="0">
+                <a:latin typeface="Anek Telugu SemiBold" pitchFamily="2" charset="0"/>
+                <a:cs typeface="Anek Telugu SemiBold" pitchFamily="2" charset="0"/>
+              </a:rPr>
+              <a:t>పరిశుద్ధాత్మతో</a:t>
+            </a:r>
+            <a:r>
+              <a:rPr lang="en-IN" dirty="0">
+                <a:latin typeface="Anek Telugu SemiBold" pitchFamily="2" charset="0"/>
+                <a:cs typeface="Anek Telugu SemiBold" pitchFamily="2" charset="0"/>
+              </a:rPr>
+              <a:t> </a:t>
+            </a:r>
+            <a:r>
+              <a:rPr lang="te-IN" dirty="0">
+                <a:latin typeface="Anek Telugu SemiBold" pitchFamily="2" charset="0"/>
+                <a:cs typeface="Anek Telugu SemiBold" pitchFamily="2" charset="0"/>
+              </a:rPr>
+              <a:t>నడిపించుమా</a:t>
+            </a:r>
+            <a:endParaRPr lang="en-IN" dirty="0">
+              <a:latin typeface="Anek Telugu SemiBold" pitchFamily="2" charset="0"/>
+              <a:cs typeface="Anek Telugu SemiBold" pitchFamily="2" charset="0"/>
+            </a:endParaRPr>
           </a:p>
           <a:p>
             <a:pPr>
@@ -4443,12 +4571,16 @@
               </a:lnSpc>
             </a:pPr>
             <a:r>
-              <a:rPr lang="te-IN" sz="1400" dirty="0">
-                <a:latin typeface="Anek Telugu SemiBold" pitchFamily="2" charset="0"/>
-                <a:cs typeface="Anek Telugu SemiBold" pitchFamily="2" charset="0"/>
-              </a:rPr>
-              <a:t>ఎవరు ఉన్నారు నాకు ఈ లోకంలో</a:t>
-            </a:r>
+              <a:rPr lang="te-IN" dirty="0">
+                <a:latin typeface="Anek Telugu SemiBold" pitchFamily="2" charset="0"/>
+                <a:cs typeface="Anek Telugu SemiBold" pitchFamily="2" charset="0"/>
+              </a:rPr>
+              <a:t>యేసయ్యా......యేసయ్యా.......హల్లెలూయా</a:t>
+            </a:r>
+            <a:endParaRPr lang="en-IN" dirty="0">
+              <a:latin typeface="Anek Telugu SemiBold" pitchFamily="2" charset="0"/>
+              <a:cs typeface="Anek Telugu SemiBold" pitchFamily="2" charset="0"/>
+            </a:endParaRPr>
           </a:p>
           <a:p>
             <a:pPr>
@@ -4456,13 +4588,10 @@
                 <a:spcPct val="150000"/>
               </a:lnSpc>
             </a:pPr>
-            <a:r>
-              <a:rPr lang="te-IN" sz="1400" dirty="0">
-                <a:latin typeface="Anek Telugu SemiBold" pitchFamily="2" charset="0"/>
-                <a:cs typeface="Anek Telugu SemiBold" pitchFamily="2" charset="0"/>
-              </a:rPr>
-              <a:t>ఎవరు నాతోడు రారు ఈ యాత్రలో</a:t>
-            </a:r>
+            <a:endParaRPr lang="en-IN" dirty="0">
+              <a:latin typeface="Anek Telugu SemiBold" pitchFamily="2" charset="0"/>
+              <a:cs typeface="Anek Telugu SemiBold" pitchFamily="2" charset="0"/>
+            </a:endParaRPr>
           </a:p>
           <a:p>
             <a:pPr>
@@ -4471,12 +4600,23 @@
               </a:lnSpc>
             </a:pPr>
             <a:r>
-              <a:rPr lang="te-IN" sz="1400" dirty="0">
-                <a:latin typeface="Anek Telugu SemiBold" pitchFamily="2" charset="0"/>
-                <a:cs typeface="Anek Telugu SemiBold" pitchFamily="2" charset="0"/>
-              </a:rPr>
-              <a:t>ఇమానుయేలైన నా తోడు నీవేగా</a:t>
-            </a:r>
+              <a:rPr lang="en-IN" dirty="0">
+                <a:latin typeface="Anek Telugu SemiBold" pitchFamily="2" charset="0"/>
+                <a:cs typeface="Anek Telugu SemiBold" pitchFamily="2" charset="0"/>
+              </a:rPr>
+              <a:t>1. </a:t>
+            </a:r>
+            <a:r>
+              <a:rPr lang="te-IN" dirty="0">
+                <a:latin typeface="Anek Telugu SemiBold" pitchFamily="2" charset="0"/>
+                <a:cs typeface="Anek Telugu SemiBold" pitchFamily="2" charset="0"/>
+              </a:rPr>
+              <a:t>పాటలతో నడిపించుమా –</a:t>
+            </a:r>
+            <a:endParaRPr lang="en-IN" dirty="0">
+              <a:latin typeface="Anek Telugu SemiBold" pitchFamily="2" charset="0"/>
+              <a:cs typeface="Anek Telugu SemiBold" pitchFamily="2" charset="0"/>
+            </a:endParaRPr>
           </a:p>
           <a:p>
             <a:pPr>
@@ -4485,12 +4625,16 @@
               </a:lnSpc>
             </a:pPr>
             <a:r>
-              <a:rPr lang="te-IN" sz="1400" dirty="0">
-                <a:latin typeface="Anek Telugu SemiBold" pitchFamily="2" charset="0"/>
-                <a:cs typeface="Anek Telugu SemiBold" pitchFamily="2" charset="0"/>
-              </a:rPr>
-              <a:t>ఇమానుయేలైన నా దైవింనీవేగా(2)</a:t>
-            </a:r>
+              <a:rPr lang="te-IN" dirty="0">
+                <a:latin typeface="Anek Telugu SemiBold" pitchFamily="2" charset="0"/>
+                <a:cs typeface="Anek Telugu SemiBold" pitchFamily="2" charset="0"/>
+              </a:rPr>
+              <a:t>ప్రార్థనతో నడిపించుమా</a:t>
+            </a:r>
+            <a:endParaRPr lang="en-IN" dirty="0">
+              <a:latin typeface="Anek Telugu SemiBold" pitchFamily="2" charset="0"/>
+              <a:cs typeface="Anek Telugu SemiBold" pitchFamily="2" charset="0"/>
+            </a:endParaRPr>
           </a:p>
           <a:p>
             <a:pPr>
@@ -4498,7 +4642,14 @@
                 <a:spcPct val="150000"/>
               </a:lnSpc>
             </a:pPr>
-            <a:endParaRPr lang="te-IN" sz="1400" dirty="0">
+            <a:r>
+              <a:rPr lang="te-IN" dirty="0">
+                <a:latin typeface="Anek Telugu SemiBold" pitchFamily="2" charset="0"/>
+                <a:cs typeface="Anek Telugu SemiBold" pitchFamily="2" charset="0"/>
+              </a:rPr>
+              <a:t>వాక్యముతో నడిపించుమా-</a:t>
+            </a:r>
+            <a:endParaRPr lang="en-IN" dirty="0">
               <a:latin typeface="Anek Telugu SemiBold" pitchFamily="2" charset="0"/>
               <a:cs typeface="Anek Telugu SemiBold" pitchFamily="2" charset="0"/>
             </a:endParaRPr>
@@ -4510,19 +4661,16 @@
               </a:lnSpc>
             </a:pPr>
             <a:r>
-              <a:rPr lang="en-IN" sz="1400" dirty="0">
-                <a:latin typeface="Anek Telugu SemiBold" pitchFamily="2" charset="0"/>
-                <a:cs typeface="Anek Telugu SemiBold" pitchFamily="2" charset="0"/>
-              </a:rPr>
-              <a:t>1. </a:t>
-            </a:r>
-            <a:r>
-              <a:rPr lang="te-IN" sz="1400" dirty="0">
-                <a:latin typeface="Anek Telugu SemiBold" pitchFamily="2" charset="0"/>
-                <a:cs typeface="Anek Telugu SemiBold" pitchFamily="2" charset="0"/>
-              </a:rPr>
-              <a:t>అందరు ఉన్నారని అందరు నావారని (2)</a:t>
-            </a:r>
+              <a:rPr lang="te-IN" dirty="0">
+                <a:latin typeface="Anek Telugu SemiBold" pitchFamily="2" charset="0"/>
+                <a:cs typeface="Anek Telugu SemiBold" pitchFamily="2" charset="0"/>
+              </a:rPr>
+              <a:t>సాక్షముతో నడిపించుమా దేవా!</a:t>
+            </a:r>
+            <a:endParaRPr lang="en-IN" dirty="0">
+              <a:latin typeface="Anek Telugu SemiBold" pitchFamily="2" charset="0"/>
+              <a:cs typeface="Anek Telugu SemiBold" pitchFamily="2" charset="0"/>
+            </a:endParaRPr>
           </a:p>
           <a:p>
             <a:pPr>
@@ -4530,13 +4678,10 @@
                 <a:spcPct val="150000"/>
               </a:lnSpc>
             </a:pPr>
-            <a:r>
-              <a:rPr lang="te-IN" sz="1400" dirty="0">
-                <a:latin typeface="Anek Telugu SemiBold" pitchFamily="2" charset="0"/>
-                <a:cs typeface="Anek Telugu SemiBold" pitchFamily="2" charset="0"/>
-              </a:rPr>
-              <a:t>తలచితిని భ్రమచితిని</a:t>
-            </a:r>
+            <a:endParaRPr lang="en-IN" dirty="0">
+              <a:latin typeface="Anek Telugu SemiBold" pitchFamily="2" charset="0"/>
+              <a:cs typeface="Anek Telugu SemiBold" pitchFamily="2" charset="0"/>
+            </a:endParaRPr>
           </a:p>
           <a:p>
             <a:pPr>
@@ -4545,12 +4690,23 @@
               </a:lnSpc>
             </a:pPr>
             <a:r>
-              <a:rPr lang="te-IN" sz="1400" dirty="0">
-                <a:latin typeface="Anek Telugu SemiBold" pitchFamily="2" charset="0"/>
-                <a:cs typeface="Anek Telugu SemiBold" pitchFamily="2" charset="0"/>
-              </a:rPr>
-              <a:t>చివరికి ఒంటరి నేనైతిని (2)</a:t>
-            </a:r>
+              <a:rPr lang="en-IN" dirty="0">
+                <a:latin typeface="Anek Telugu SemiBold" pitchFamily="2" charset="0"/>
+                <a:cs typeface="Anek Telugu SemiBold" pitchFamily="2" charset="0"/>
+              </a:rPr>
+              <a:t>2. </a:t>
+            </a:r>
+            <a:r>
+              <a:rPr lang="te-IN" dirty="0">
+                <a:latin typeface="Anek Telugu SemiBold" pitchFamily="2" charset="0"/>
+                <a:cs typeface="Anek Telugu SemiBold" pitchFamily="2" charset="0"/>
+              </a:rPr>
+              <a:t>కాపరియై నడిపించుమా –</a:t>
+            </a:r>
+            <a:endParaRPr lang="en-IN" dirty="0">
+              <a:latin typeface="Anek Telugu SemiBold" pitchFamily="2" charset="0"/>
+              <a:cs typeface="Anek Telugu SemiBold" pitchFamily="2" charset="0"/>
+            </a:endParaRPr>
           </a:p>
           <a:p>
             <a:pPr>
@@ -4559,12 +4715,16 @@
               </a:lnSpc>
             </a:pPr>
             <a:r>
-              <a:rPr lang="te-IN" sz="1400" dirty="0">
-                <a:latin typeface="Anek Telugu SemiBold" pitchFamily="2" charset="0"/>
-                <a:cs typeface="Anek Telugu SemiBold" pitchFamily="2" charset="0"/>
-              </a:rPr>
-              <a:t>నా గానం నీవయ్యా నా ధ్యానం నీవయ్యా</a:t>
-            </a:r>
+              <a:rPr lang="te-IN" dirty="0">
+                <a:latin typeface="Anek Telugu SemiBold" pitchFamily="2" charset="0"/>
+                <a:cs typeface="Anek Telugu SemiBold" pitchFamily="2" charset="0"/>
+              </a:rPr>
+              <a:t>ఊపిరి నీవై నడిపించుమా</a:t>
+            </a:r>
+            <a:endParaRPr lang="en-IN" dirty="0">
+              <a:latin typeface="Anek Telugu SemiBold" pitchFamily="2" charset="0"/>
+              <a:cs typeface="Anek Telugu SemiBold" pitchFamily="2" charset="0"/>
+            </a:endParaRPr>
           </a:p>
           <a:p>
             <a:pPr>
@@ -4573,12 +4733,16 @@
               </a:lnSpc>
             </a:pPr>
             <a:r>
-              <a:rPr lang="te-IN" sz="1400" dirty="0">
-                <a:latin typeface="Anek Telugu SemiBold" pitchFamily="2" charset="0"/>
-                <a:cs typeface="Anek Telugu SemiBold" pitchFamily="2" charset="0"/>
-              </a:rPr>
-              <a:t>నా ప్రాణం నీవయ్యా నా సర్వం నీవయ్యా</a:t>
-            </a:r>
+              <a:rPr lang="te-IN" dirty="0">
+                <a:latin typeface="Anek Telugu SemiBold" pitchFamily="2" charset="0"/>
+                <a:cs typeface="Anek Telugu SemiBold" pitchFamily="2" charset="0"/>
+              </a:rPr>
+              <a:t>యాజకుడావై నడిపించుమా –</a:t>
+            </a:r>
+            <a:endParaRPr lang="en-IN" dirty="0">
+              <a:latin typeface="Anek Telugu SemiBold" pitchFamily="2" charset="0"/>
+              <a:cs typeface="Anek Telugu SemiBold" pitchFamily="2" charset="0"/>
+            </a:endParaRPr>
           </a:p>
           <a:p>
             <a:pPr>
@@ -4586,86 +4750,12 @@
                 <a:spcPct val="150000"/>
               </a:lnSpc>
             </a:pPr>
-            <a:endParaRPr lang="te-IN" sz="1400" dirty="0">
-              <a:latin typeface="Anek Telugu SemiBold" pitchFamily="2" charset="0"/>
-              <a:cs typeface="Anek Telugu SemiBold" pitchFamily="2" charset="0"/>
-            </a:endParaRPr>
-          </a:p>
-          <a:p>
-            <a:pPr>
-              <a:lnSpc>
-                <a:spcPct val="150000"/>
-              </a:lnSpc>
-            </a:pPr>
-            <a:r>
-              <a:rPr lang="en-IN" sz="1400" dirty="0">
-                <a:latin typeface="Anek Telugu SemiBold" pitchFamily="2" charset="0"/>
-                <a:cs typeface="Anek Telugu SemiBold" pitchFamily="2" charset="0"/>
-              </a:rPr>
-              <a:t>2. </a:t>
-            </a:r>
-            <a:r>
-              <a:rPr lang="te-IN" sz="1400" dirty="0">
-                <a:latin typeface="Anek Telugu SemiBold" pitchFamily="2" charset="0"/>
-                <a:cs typeface="Anek Telugu SemiBold" pitchFamily="2" charset="0"/>
-              </a:rPr>
-              <a:t>అంధకారములో అంధుడ నేనైతిని (2)</a:t>
-            </a:r>
-          </a:p>
-          <a:p>
-            <a:pPr>
-              <a:lnSpc>
-                <a:spcPct val="150000"/>
-              </a:lnSpc>
-            </a:pPr>
-            <a:r>
-              <a:rPr lang="te-IN" sz="1400" dirty="0">
-                <a:latin typeface="Anek Telugu SemiBold" pitchFamily="2" charset="0"/>
-                <a:cs typeface="Anek Telugu SemiBold" pitchFamily="2" charset="0"/>
-              </a:rPr>
-              <a:t>నిను చూచే నేత్రములు</a:t>
-            </a:r>
-          </a:p>
-          <a:p>
-            <a:pPr>
-              <a:lnSpc>
-                <a:spcPct val="150000"/>
-              </a:lnSpc>
-            </a:pPr>
-            <a:r>
-              <a:rPr lang="te-IN" sz="1400" dirty="0">
-                <a:latin typeface="Anek Telugu SemiBold" pitchFamily="2" charset="0"/>
-                <a:cs typeface="Anek Telugu SemiBold" pitchFamily="2" charset="0"/>
-              </a:rPr>
-              <a:t>నాకొసగుమా నజరేయుడా (2)</a:t>
-            </a:r>
-          </a:p>
-          <a:p>
-            <a:pPr>
-              <a:lnSpc>
-                <a:spcPct val="150000"/>
-              </a:lnSpc>
-            </a:pPr>
-            <a:r>
-              <a:rPr lang="te-IN" sz="1400" dirty="0">
-                <a:latin typeface="Anek Telugu SemiBold" pitchFamily="2" charset="0"/>
-                <a:cs typeface="Anek Telugu SemiBold" pitchFamily="2" charset="0"/>
-              </a:rPr>
-              <a:t>నా ఆశ నీవయ్యా నా ధ్యాస నీవయ్యా</a:t>
-            </a:r>
-          </a:p>
-          <a:p>
-            <a:pPr>
-              <a:lnSpc>
-                <a:spcPct val="150000"/>
-              </a:lnSpc>
-            </a:pPr>
-            <a:r>
-              <a:rPr lang="te-IN" sz="1400" dirty="0">
-                <a:latin typeface="Anek Telugu SemiBold" pitchFamily="2" charset="0"/>
-                <a:cs typeface="Anek Telugu SemiBold" pitchFamily="2" charset="0"/>
-              </a:rPr>
-              <a:t>నా భాష నీవయ్యా నా శ్వాస నీవయ్యా</a:t>
+            <a:r>
+              <a:rPr lang="te-IN" dirty="0">
+                <a:latin typeface="Anek Telugu SemiBold" pitchFamily="2" charset="0"/>
+                <a:cs typeface="Anek Telugu SemiBold" pitchFamily="2" charset="0"/>
+              </a:rPr>
+              <a:t>భోదకుడావై భోదించుమా దేవా!</a:t>
             </a:r>
           </a:p>
         </p:txBody>
@@ -4685,7 +4775,7 @@
         <p:spPr>
           <a:xfrm>
             <a:off x="5175409" y="335845"/>
-            <a:ext cx="4292657" cy="5262979"/>
+            <a:ext cx="4730591" cy="5586145"/>
           </a:xfrm>
           <a:prstGeom prst="rect">
             <a:avLst/>
@@ -4704,12 +4794,16 @@
               </a:lnSpc>
             </a:pPr>
             <a:r>
-              <a:rPr lang="te-IN" sz="1600" b="1" dirty="0">
-                <a:latin typeface="Anek Telugu SemiBold" pitchFamily="2" charset="0"/>
-                <a:cs typeface="Anek Telugu SemiBold" pitchFamily="2" charset="0"/>
-              </a:rPr>
-              <a:t>స్తోత్రము స్తుతి స్తోత్రము  </a:t>
-            </a:r>
+              <a:rPr lang="te-IN" sz="1700" b="1" dirty="0">
+                <a:latin typeface="Anek Telugu SemiBold" pitchFamily="2" charset="0"/>
+                <a:cs typeface="Anek Telugu SemiBold" pitchFamily="2" charset="0"/>
+              </a:rPr>
+              <a:t>నా జీవిత భాగస్వామివి నీవు</a:t>
+            </a:r>
+            <a:endParaRPr lang="en-IN" sz="1700" b="1" dirty="0">
+              <a:latin typeface="Anek Telugu SemiBold" pitchFamily="2" charset="0"/>
+              <a:cs typeface="Anek Telugu SemiBold" pitchFamily="2" charset="0"/>
+            </a:endParaRPr>
           </a:p>
           <a:p>
             <a:pPr defTabSz="439781">
@@ -4718,12 +4812,16 @@
               </a:lnSpc>
             </a:pPr>
             <a:r>
-              <a:rPr lang="te-IN" sz="1600" b="1" dirty="0">
-                <a:latin typeface="Anek Telugu SemiBold" pitchFamily="2" charset="0"/>
-                <a:cs typeface="Anek Telugu SemiBold" pitchFamily="2" charset="0"/>
-              </a:rPr>
-              <a:t>చెల్లించుడి యేసుకే (2)</a:t>
-            </a:r>
+              <a:rPr lang="te-IN" sz="1700" b="1" dirty="0">
+                <a:latin typeface="Anek Telugu SemiBold" pitchFamily="2" charset="0"/>
+                <a:cs typeface="Anek Telugu SemiBold" pitchFamily="2" charset="0"/>
+              </a:rPr>
+              <a:t>నా ప్రాణముతో పెనవేసుకున్నావు నీవు (2)</a:t>
+            </a:r>
+            <a:endParaRPr lang="en-IN" sz="1700" b="1" dirty="0">
+              <a:latin typeface="Anek Telugu SemiBold" pitchFamily="2" charset="0"/>
+              <a:cs typeface="Anek Telugu SemiBold" pitchFamily="2" charset="0"/>
+            </a:endParaRPr>
           </a:p>
           <a:p>
             <a:pPr defTabSz="439781">
@@ -4732,12 +4830,16 @@
               </a:lnSpc>
             </a:pPr>
             <a:r>
-              <a:rPr lang="te-IN" sz="1600" b="1" dirty="0">
-                <a:latin typeface="Anek Telugu SemiBold" pitchFamily="2" charset="0"/>
-                <a:cs typeface="Anek Telugu SemiBold" pitchFamily="2" charset="0"/>
-              </a:rPr>
-              <a:t>రాజాధిరాజు దేవాధిదేవుడు </a:t>
-            </a:r>
+              <a:rPr lang="te-IN" sz="1700" b="1" dirty="0">
+                <a:latin typeface="Anek Telugu SemiBold" pitchFamily="2" charset="0"/>
+                <a:cs typeface="Anek Telugu SemiBold" pitchFamily="2" charset="0"/>
+              </a:rPr>
+              <a:t>నాకే సమృద్దిగా నీ కృపను పంచావు</a:t>
+            </a:r>
+            <a:endParaRPr lang="en-IN" sz="1700" b="1" dirty="0">
+              <a:latin typeface="Anek Telugu SemiBold" pitchFamily="2" charset="0"/>
+              <a:cs typeface="Anek Telugu SemiBold" pitchFamily="2" charset="0"/>
+            </a:endParaRPr>
           </a:p>
           <a:p>
             <a:pPr defTabSz="439781">
@@ -4746,12 +4848,16 @@
               </a:lnSpc>
             </a:pPr>
             <a:r>
-              <a:rPr lang="te-IN" sz="1600" b="1" dirty="0">
-                <a:latin typeface="Anek Telugu SemiBold" pitchFamily="2" charset="0"/>
-                <a:cs typeface="Anek Telugu SemiBold" pitchFamily="2" charset="0"/>
-              </a:rPr>
-              <a:t> స్తుతులకు పాత్రుడు</a:t>
-            </a:r>
+              <a:rPr lang="te-IN" sz="1700" b="1" dirty="0">
+                <a:latin typeface="Anek Telugu SemiBold" pitchFamily="2" charset="0"/>
+                <a:cs typeface="Anek Telugu SemiBold" pitchFamily="2" charset="0"/>
+              </a:rPr>
+              <a:t>నా యేసురాజ కృపాసాగరా అనంతస్తోత్రార్హుడా (2)</a:t>
+            </a:r>
+            <a:endParaRPr lang="en-IN" sz="1700" b="1" dirty="0">
+              <a:latin typeface="Anek Telugu SemiBold" pitchFamily="2" charset="0"/>
+              <a:cs typeface="Anek Telugu SemiBold" pitchFamily="2" charset="0"/>
+            </a:endParaRPr>
           </a:p>
           <a:p>
             <a:pPr defTabSz="439781">
@@ -4759,7 +4865,7 @@
                 <a:spcPct val="150000"/>
               </a:lnSpc>
             </a:pPr>
-            <a:endParaRPr lang="te-IN" sz="1600" b="1" dirty="0">
+            <a:endParaRPr lang="en-IN" sz="1700" b="1" dirty="0">
               <a:latin typeface="Anek Telugu SemiBold" pitchFamily="2" charset="0"/>
               <a:cs typeface="Anek Telugu SemiBold" pitchFamily="2" charset="0"/>
             </a:endParaRPr>
@@ -4771,33 +4877,23 @@
               </a:lnSpc>
             </a:pPr>
             <a:r>
-              <a:rPr lang="en-IN" sz="1600" b="1" dirty="0">
+              <a:rPr lang="en-IN" sz="1700" b="1" dirty="0">
                 <a:latin typeface="Anek Telugu SemiBold" pitchFamily="2" charset="0"/>
                 <a:cs typeface="Anek Telugu SemiBold" pitchFamily="2" charset="0"/>
               </a:rPr>
               <a:t>1. </a:t>
             </a:r>
             <a:r>
-              <a:rPr lang="te-IN" sz="1600" b="1" dirty="0">
-                <a:latin typeface="Anek Telugu SemiBold" pitchFamily="2" charset="0"/>
-                <a:cs typeface="Anek Telugu SemiBold" pitchFamily="2" charset="0"/>
-              </a:rPr>
-              <a:t>మనుష్య కుమారుడై </a:t>
-            </a:r>
-            <a:r>
-              <a:rPr lang="en-IN" sz="1600" b="1" dirty="0">
-                <a:latin typeface="Anek Telugu SemiBold" pitchFamily="2" charset="0"/>
-                <a:cs typeface="Anek Telugu SemiBold" pitchFamily="2" charset="0"/>
-              </a:rPr>
-              <a:t>- </a:t>
-            </a:r>
-            <a:r>
-              <a:rPr lang="te-IN" sz="1600" b="1" dirty="0">
-                <a:latin typeface="Anek Telugu SemiBold" pitchFamily="2" charset="0"/>
-                <a:cs typeface="Anek Telugu SemiBold" pitchFamily="2" charset="0"/>
-              </a:rPr>
-              <a:t>మనుజుల పాపముకై</a:t>
-            </a:r>
+              <a:rPr lang="te-IN" sz="1700" b="1" dirty="0">
+                <a:latin typeface="Anek Telugu SemiBold" pitchFamily="2" charset="0"/>
+                <a:cs typeface="Anek Telugu SemiBold" pitchFamily="2" charset="0"/>
+              </a:rPr>
+              <a:t>నీ దయగల కనుసైగలే ధైర్యపరచినవి</a:t>
+            </a:r>
+            <a:endParaRPr lang="en-IN" sz="1700" b="1" dirty="0">
+              <a:latin typeface="Anek Telugu SemiBold" pitchFamily="2" charset="0"/>
+              <a:cs typeface="Anek Telugu SemiBold" pitchFamily="2" charset="0"/>
+            </a:endParaRPr>
           </a:p>
           <a:p>
             <a:pPr defTabSz="439781">
@@ -4806,26 +4902,16 @@
               </a:lnSpc>
             </a:pPr>
             <a:r>
-              <a:rPr lang="te-IN" sz="1600" b="1" dirty="0">
-                <a:latin typeface="Anek Telugu SemiBold" pitchFamily="2" charset="0"/>
-                <a:cs typeface="Anek Telugu SemiBold" pitchFamily="2" charset="0"/>
-              </a:rPr>
-              <a:t>మహిలోన వెలసెను </a:t>
-            </a:r>
-            <a:r>
-              <a:rPr lang="en-IN" sz="1600" b="1" dirty="0">
-                <a:latin typeface="Anek Telugu SemiBold" pitchFamily="2" charset="0"/>
-                <a:cs typeface="Anek Telugu SemiBold" pitchFamily="2" charset="0"/>
-              </a:rPr>
-              <a:t>- </a:t>
-            </a:r>
-            <a:r>
-              <a:rPr lang="te-IN" sz="1600" b="1" dirty="0">
-                <a:latin typeface="Anek Telugu SemiBold" pitchFamily="2" charset="0"/>
-                <a:cs typeface="Anek Telugu SemiBold" pitchFamily="2" charset="0"/>
-              </a:rPr>
-              <a:t>మరణించి లేచెను (2)</a:t>
-            </a:r>
+              <a:rPr lang="te-IN" sz="1700" b="1" dirty="0">
+                <a:latin typeface="Anek Telugu SemiBold" pitchFamily="2" charset="0"/>
+                <a:cs typeface="Anek Telugu SemiBold" pitchFamily="2" charset="0"/>
+              </a:rPr>
+              <a:t>నీ అడుగుజాడలే నాకు త్రోవను చూపినవి (2)</a:t>
+            </a:r>
+            <a:endParaRPr lang="en-IN" sz="1700" b="1" dirty="0">
+              <a:latin typeface="Anek Telugu SemiBold" pitchFamily="2" charset="0"/>
+              <a:cs typeface="Anek Telugu SemiBold" pitchFamily="2" charset="0"/>
+            </a:endParaRPr>
           </a:p>
           <a:p>
             <a:pPr defTabSz="439781">
@@ -4834,12 +4920,16 @@
               </a:lnSpc>
             </a:pPr>
             <a:r>
-              <a:rPr lang="te-IN" sz="1600" b="1" dirty="0">
-                <a:latin typeface="Anek Telugu SemiBold" pitchFamily="2" charset="0"/>
-                <a:cs typeface="Anek Telugu SemiBold" pitchFamily="2" charset="0"/>
-              </a:rPr>
-              <a:t>మహిమ స్వరూపుడు </a:t>
-            </a:r>
+              <a:rPr lang="te-IN" sz="1700" b="1" dirty="0">
+                <a:latin typeface="Anek Telugu SemiBold" pitchFamily="2" charset="0"/>
+                <a:cs typeface="Anek Telugu SemiBold" pitchFamily="2" charset="0"/>
+              </a:rPr>
+              <a:t>నీ రాజ్య పౌరునిగా నన్ను మార్చితివి</a:t>
+            </a:r>
+            <a:endParaRPr lang="en-IN" sz="1700" b="1" dirty="0">
+              <a:latin typeface="Anek Telugu SemiBold" pitchFamily="2" charset="0"/>
+              <a:cs typeface="Anek Telugu SemiBold" pitchFamily="2" charset="0"/>
+            </a:endParaRPr>
           </a:p>
           <a:p>
             <a:pPr defTabSz="439781">
@@ -4848,12 +4938,16 @@
               </a:lnSpc>
             </a:pPr>
             <a:r>
-              <a:rPr lang="te-IN" sz="1600" b="1" dirty="0">
-                <a:latin typeface="Anek Telugu SemiBold" pitchFamily="2" charset="0"/>
-                <a:cs typeface="Anek Telugu SemiBold" pitchFamily="2" charset="0"/>
-              </a:rPr>
-              <a:t>మహిమ స్వరూపుడు</a:t>
-            </a:r>
+              <a:rPr lang="te-IN" sz="1700" b="1" dirty="0">
+                <a:latin typeface="Anek Telugu SemiBold" pitchFamily="2" charset="0"/>
+                <a:cs typeface="Anek Telugu SemiBold" pitchFamily="2" charset="0"/>
+              </a:rPr>
+              <a:t>నీ సైన్యములో నన్ను చేర్చితివి (2)</a:t>
+            </a:r>
+            <a:endParaRPr lang="en-IN" sz="1700" b="1" dirty="0">
+              <a:latin typeface="Anek Telugu SemiBold" pitchFamily="2" charset="0"/>
+              <a:cs typeface="Anek Telugu SemiBold" pitchFamily="2" charset="0"/>
+            </a:endParaRPr>
           </a:p>
           <a:p>
             <a:pPr defTabSz="439781">
@@ -4861,7 +4955,7 @@
                 <a:spcPct val="150000"/>
               </a:lnSpc>
             </a:pPr>
-            <a:endParaRPr lang="te-IN" sz="1600" b="1" dirty="0">
+            <a:endParaRPr lang="en-IN" sz="1700" b="1" dirty="0">
               <a:latin typeface="Anek Telugu SemiBold" pitchFamily="2" charset="0"/>
               <a:cs typeface="Anek Telugu SemiBold" pitchFamily="2" charset="0"/>
             </a:endParaRPr>
@@ -4873,33 +4967,23 @@
               </a:lnSpc>
             </a:pPr>
             <a:r>
-              <a:rPr lang="en-IN" sz="1600" b="1" dirty="0">
-                <a:latin typeface="Anek Telugu SemiBold" pitchFamily="2" charset="0"/>
-                <a:cs typeface="Anek Telugu SemiBold" pitchFamily="2" charset="0"/>
-              </a:rPr>
-              <a:t>2.</a:t>
-            </a:r>
-            <a:r>
-              <a:rPr lang="te-IN" sz="1600" b="1" dirty="0">
-                <a:latin typeface="Anek Telugu SemiBold" pitchFamily="2" charset="0"/>
-                <a:cs typeface="Anek Telugu SemiBold" pitchFamily="2" charset="0"/>
-              </a:rPr>
-              <a:t>పాపపు వస్త్రము మార్చి </a:t>
-            </a:r>
-            <a:r>
-              <a:rPr lang="en-IN" sz="1600" b="1" dirty="0">
-                <a:latin typeface="Anek Telugu SemiBold" pitchFamily="2" charset="0"/>
-                <a:cs typeface="Anek Telugu SemiBold" pitchFamily="2" charset="0"/>
-              </a:rPr>
-              <a:t>- </a:t>
-            </a:r>
-            <a:r>
-              <a:rPr lang="te-IN" sz="1600" b="1" dirty="0">
-                <a:latin typeface="Anek Telugu SemiBold" pitchFamily="2" charset="0"/>
-                <a:cs typeface="Anek Telugu SemiBold" pitchFamily="2" charset="0"/>
-              </a:rPr>
-              <a:t>నీతిమంతులుగ తీర్చి</a:t>
-            </a:r>
+              <a:rPr lang="en-IN" sz="1700" b="1" dirty="0">
+                <a:latin typeface="Anek Telugu SemiBold" pitchFamily="2" charset="0"/>
+                <a:cs typeface="Anek Telugu SemiBold" pitchFamily="2" charset="0"/>
+              </a:rPr>
+              <a:t>2. </a:t>
+            </a:r>
+            <a:r>
+              <a:rPr lang="te-IN" sz="1700" b="1" dirty="0">
+                <a:latin typeface="Anek Telugu SemiBold" pitchFamily="2" charset="0"/>
+                <a:cs typeface="Anek Telugu SemiBold" pitchFamily="2" charset="0"/>
+              </a:rPr>
+              <a:t>నీ దయగల మాటలే చేరదీసినవి</a:t>
+            </a:r>
+            <a:endParaRPr lang="en-IN" sz="1700" b="1" dirty="0">
+              <a:latin typeface="Anek Telugu SemiBold" pitchFamily="2" charset="0"/>
+              <a:cs typeface="Anek Telugu SemiBold" pitchFamily="2" charset="0"/>
+            </a:endParaRPr>
           </a:p>
           <a:p>
             <a:pPr defTabSz="439781">
@@ -4908,26 +4992,16 @@
               </a:lnSpc>
             </a:pPr>
             <a:r>
-              <a:rPr lang="te-IN" sz="1600" b="1" dirty="0">
-                <a:latin typeface="Anek Telugu SemiBold" pitchFamily="2" charset="0"/>
-                <a:cs typeface="Anek Telugu SemiBold" pitchFamily="2" charset="0"/>
-              </a:rPr>
-              <a:t>పరిశుద్దులతో చేర్చి </a:t>
-            </a:r>
-            <a:r>
-              <a:rPr lang="en-IN" sz="1600" b="1" dirty="0">
-                <a:latin typeface="Anek Telugu SemiBold" pitchFamily="2" charset="0"/>
-                <a:cs typeface="Anek Telugu SemiBold" pitchFamily="2" charset="0"/>
-              </a:rPr>
-              <a:t>- </a:t>
-            </a:r>
-            <a:r>
-              <a:rPr lang="te-IN" sz="1600" b="1" dirty="0">
-                <a:latin typeface="Anek Telugu SemiBold" pitchFamily="2" charset="0"/>
-                <a:cs typeface="Anek Telugu SemiBold" pitchFamily="2" charset="0"/>
-              </a:rPr>
-              <a:t>పరమ సౌభాగ్యము నిచ్చి (2)</a:t>
-            </a:r>
+              <a:rPr lang="te-IN" sz="1700" b="1" dirty="0">
+                <a:latin typeface="Anek Telugu SemiBold" pitchFamily="2" charset="0"/>
+                <a:cs typeface="Anek Telugu SemiBold" pitchFamily="2" charset="0"/>
+              </a:rPr>
+              <a:t>నీతి నియమాలలో నన్ను నడిపించుచున్నవి (2)</a:t>
+            </a:r>
+            <a:endParaRPr lang="en-IN" sz="1700" b="1" dirty="0">
+              <a:latin typeface="Anek Telugu SemiBold" pitchFamily="2" charset="0"/>
+              <a:cs typeface="Anek Telugu SemiBold" pitchFamily="2" charset="0"/>
+            </a:endParaRPr>
           </a:p>
           <a:p>
             <a:pPr defTabSz="439781">
@@ -4936,12 +5010,16 @@
               </a:lnSpc>
             </a:pPr>
             <a:r>
-              <a:rPr lang="te-IN" sz="1600" b="1" dirty="0">
-                <a:latin typeface="Anek Telugu SemiBold" pitchFamily="2" charset="0"/>
-                <a:cs typeface="Anek Telugu SemiBold" pitchFamily="2" charset="0"/>
-              </a:rPr>
-              <a:t>మహిమ స్వరూపుడు </a:t>
-            </a:r>
+              <a:rPr lang="te-IN" sz="1700" b="1" dirty="0">
+                <a:latin typeface="Anek Telugu SemiBold" pitchFamily="2" charset="0"/>
+                <a:cs typeface="Anek Telugu SemiBold" pitchFamily="2" charset="0"/>
+              </a:rPr>
+              <a:t>నీ కృపనే ధ్వజముగ నాపైన నిల్పితివి</a:t>
+            </a:r>
+            <a:endParaRPr lang="en-IN" sz="1700" b="1" dirty="0">
+              <a:latin typeface="Anek Telugu SemiBold" pitchFamily="2" charset="0"/>
+              <a:cs typeface="Anek Telugu SemiBold" pitchFamily="2" charset="0"/>
+            </a:endParaRPr>
           </a:p>
           <a:p>
             <a:pPr defTabSz="439781">
@@ -4950,11 +5028,11 @@
               </a:lnSpc>
             </a:pPr>
             <a:r>
-              <a:rPr lang="te-IN" sz="1600" b="1" dirty="0">
-                <a:latin typeface="Anek Telugu SemiBold" pitchFamily="2" charset="0"/>
-                <a:cs typeface="Anek Telugu SemiBold" pitchFamily="2" charset="0"/>
-              </a:rPr>
-              <a:t>మహిమ స్వరూపుడు</a:t>
+              <a:rPr lang="te-IN" sz="1700" b="1" dirty="0">
+                <a:latin typeface="Anek Telugu SemiBold" pitchFamily="2" charset="0"/>
+                <a:cs typeface="Anek Telugu SemiBold" pitchFamily="2" charset="0"/>
+              </a:rPr>
+              <a:t>నీ విందుశాలకు నను చేర్చితివి (2)</a:t>
             </a:r>
           </a:p>
         </p:txBody>

--- a/songsTemplate.pptx
+++ b/songsTemplate.pptx
@@ -133,6 +133,61 @@
 <file path=ppt/changesInfos/changesInfo1.xml><?xml version="1.0" encoding="utf-8"?>
 <pc:chgInfo xmlns:a="http://schemas.openxmlformats.org/drawingml/2006/main" xmlns:r="http://schemas.openxmlformats.org/officeDocument/2006/relationships" xmlns:ac="http://schemas.microsoft.com/office/drawing/2013/main/command" xmlns:pc="http://schemas.microsoft.com/office/powerpoint/2013/main/command">
   <pc:docChgLst>
+    <pc:chgData name="Venu Yalapala" userId="9feb8bbceceecaca" providerId="LiveId" clId="{54B247B9-47FF-4355-BF58-C7E85F55D2E7}"/>
+    <pc:docChg chg="undo redo custSel modSld">
+      <pc:chgData name="Venu Yalapala" userId="9feb8bbceceecaca" providerId="LiveId" clId="{54B247B9-47FF-4355-BF58-C7E85F55D2E7}" dt="2025-09-10T16:58:48.734" v="93" actId="20577"/>
+      <pc:docMkLst>
+        <pc:docMk/>
+      </pc:docMkLst>
+      <pc:sldChg chg="modSp mod">
+        <pc:chgData name="Venu Yalapala" userId="9feb8bbceceecaca" providerId="LiveId" clId="{54B247B9-47FF-4355-BF58-C7E85F55D2E7}" dt="2025-09-10T16:57:15.531" v="47" actId="20577"/>
+        <pc:sldMkLst>
+          <pc:docMk/>
+          <pc:sldMk cId="3342490066" sldId="256"/>
+        </pc:sldMkLst>
+        <pc:spChg chg="mod">
+          <ac:chgData name="Venu Yalapala" userId="9feb8bbceceecaca" providerId="LiveId" clId="{54B247B9-47FF-4355-BF58-C7E85F55D2E7}" dt="2025-09-10T16:57:15.531" v="47" actId="20577"/>
+          <ac:spMkLst>
+            <pc:docMk/>
+            <pc:sldMk cId="3342490066" sldId="256"/>
+            <ac:spMk id="12" creationId="{DD950E5A-63C0-4187-892B-9549599FCD15}"/>
+          </ac:spMkLst>
+        </pc:spChg>
+        <pc:spChg chg="mod">
+          <ac:chgData name="Venu Yalapala" userId="9feb8bbceceecaca" providerId="LiveId" clId="{54B247B9-47FF-4355-BF58-C7E85F55D2E7}" dt="2025-09-10T16:56:23.681" v="30" actId="1037"/>
+          <ac:spMkLst>
+            <pc:docMk/>
+            <pc:sldMk cId="3342490066" sldId="256"/>
+            <ac:spMk id="15" creationId="{F0C1A603-19B4-4631-AF63-7E26FCE0AA94}"/>
+          </ac:spMkLst>
+        </pc:spChg>
+      </pc:sldChg>
+      <pc:sldChg chg="modSp mod">
+        <pc:chgData name="Venu Yalapala" userId="9feb8bbceceecaca" providerId="LiveId" clId="{54B247B9-47FF-4355-BF58-C7E85F55D2E7}" dt="2025-09-10T16:58:48.734" v="93" actId="20577"/>
+        <pc:sldMkLst>
+          <pc:docMk/>
+          <pc:sldMk cId="2536218313" sldId="258"/>
+        </pc:sldMkLst>
+        <pc:spChg chg="mod">
+          <ac:chgData name="Venu Yalapala" userId="9feb8bbceceecaca" providerId="LiveId" clId="{54B247B9-47FF-4355-BF58-C7E85F55D2E7}" dt="2025-09-10T16:58:20.774" v="82" actId="1037"/>
+          <ac:spMkLst>
+            <pc:docMk/>
+            <pc:sldMk cId="2536218313" sldId="258"/>
+            <ac:spMk id="4" creationId="{FB41F474-87B0-C226-746A-F4BD47A88133}"/>
+          </ac:spMkLst>
+        </pc:spChg>
+        <pc:spChg chg="mod">
+          <ac:chgData name="Venu Yalapala" userId="9feb8bbceceecaca" providerId="LiveId" clId="{54B247B9-47FF-4355-BF58-C7E85F55D2E7}" dt="2025-09-10T16:58:48.734" v="93" actId="20577"/>
+          <ac:spMkLst>
+            <pc:docMk/>
+            <pc:sldMk cId="2536218313" sldId="258"/>
+            <ac:spMk id="7" creationId="{37D46B4B-CD57-310D-B542-FE6B01F388E7}"/>
+          </ac:spMkLst>
+        </pc:spChg>
+      </pc:sldChg>
+    </pc:docChg>
+  </pc:docChgLst>
+  <pc:docChgLst>
     <pc:chgData name="Venu Yalapala" userId="9feb8bbceceecaca" providerId="LiveId" clId="{CD4B1779-0926-477D-B902-440342C52CB5}"/>
     <pc:docChg chg="undo redo custSel modSld">
       <pc:chgData name="Venu Yalapala" userId="9feb8bbceceecaca" providerId="LiveId" clId="{CD4B1779-0926-477D-B902-440342C52CB5}" dt="2025-08-02T16:46:32.883" v="789" actId="1038"/>
@@ -316,7 +371,7 @@
           <a:p>
             <a:fld id="{0EEBF99D-A94C-4ACE-ABB7-ED5902A7DBE5}" type="datetimeFigureOut">
               <a:rPr lang="en-IN" smtClean="0"/>
-              <a:t>06-09-2025</a:t>
+              <a:t>10-09-2025</a:t>
             </a:fld>
             <a:endParaRPr lang="en-IN"/>
           </a:p>
@@ -494,7 +549,7 @@
           <a:p>
             <a:fld id="{6EA7C7CE-6F0C-4E71-B520-9461545357C0}" type="datetimeFigureOut">
               <a:rPr lang="en-IN" smtClean="0"/>
-              <a:t>06-09-2025</a:t>
+              <a:t>10-09-2025</a:t>
             </a:fld>
             <a:endParaRPr lang="en-IN"/>
           </a:p>
@@ -894,7 +949,7 @@
           <a:p>
             <a:fld id="{F1102B08-ED9E-409F-B95F-09CAA1DAF6E0}" type="datetimeFigureOut">
               <a:rPr lang="en-IN" smtClean="0"/>
-              <a:t>06-09-2025</a:t>
+              <a:t>10-09-2025</a:t>
             </a:fld>
             <a:endParaRPr lang="en-IN"/>
           </a:p>
@@ -1151,7 +1206,7 @@
           <a:p>
             <a:fld id="{F1102B08-ED9E-409F-B95F-09CAA1DAF6E0}" type="datetimeFigureOut">
               <a:rPr lang="en-IN" smtClean="0"/>
-              <a:t>06-09-2025</a:t>
+              <a:t>10-09-2025</a:t>
             </a:fld>
             <a:endParaRPr lang="en-IN"/>
           </a:p>
@@ -1321,7 +1376,7 @@
           <a:p>
             <a:fld id="{F1102B08-ED9E-409F-B95F-09CAA1DAF6E0}" type="datetimeFigureOut">
               <a:rPr lang="en-IN" smtClean="0"/>
-              <a:t>06-09-2025</a:t>
+              <a:t>10-09-2025</a:t>
             </a:fld>
             <a:endParaRPr lang="en-IN"/>
           </a:p>
@@ -1501,7 +1556,7 @@
           <a:p>
             <a:fld id="{F1102B08-ED9E-409F-B95F-09CAA1DAF6E0}" type="datetimeFigureOut">
               <a:rPr lang="en-IN" smtClean="0"/>
-              <a:t>06-09-2025</a:t>
+              <a:t>10-09-2025</a:t>
             </a:fld>
             <a:endParaRPr lang="en-IN"/>
           </a:p>
@@ -1703,7 +1758,7 @@
             <a:fld id="{F1102B08-ED9E-409F-B95F-09CAA1DAF6E0}" type="datetimeFigureOut">
               <a:rPr lang="en-IN" b="0" smtClean="0"/>
               <a:pPr/>
-              <a:t>06-09-2025</a:t>
+              <a:t>10-09-2025</a:t>
             </a:fld>
             <a:endParaRPr lang="en-IN" b="0" dirty="0"/>
           </a:p>
@@ -1931,7 +1986,7 @@
           <a:p>
             <a:fld id="{F1102B08-ED9E-409F-B95F-09CAA1DAF6E0}" type="datetimeFigureOut">
               <a:rPr lang="en-IN" smtClean="0"/>
-              <a:t>06-09-2025</a:t>
+              <a:t>10-09-2025</a:t>
             </a:fld>
             <a:endParaRPr lang="en-IN"/>
           </a:p>
@@ -2175,7 +2230,7 @@
           <a:p>
             <a:fld id="{F1102B08-ED9E-409F-B95F-09CAA1DAF6E0}" type="datetimeFigureOut">
               <a:rPr lang="en-IN" smtClean="0"/>
-              <a:t>06-09-2025</a:t>
+              <a:t>10-09-2025</a:t>
             </a:fld>
             <a:endParaRPr lang="en-IN"/>
           </a:p>
@@ -2407,7 +2462,7 @@
           <a:p>
             <a:fld id="{F1102B08-ED9E-409F-B95F-09CAA1DAF6E0}" type="datetimeFigureOut">
               <a:rPr lang="en-IN" smtClean="0"/>
-              <a:t>06-09-2025</a:t>
+              <a:t>10-09-2025</a:t>
             </a:fld>
             <a:endParaRPr lang="en-IN"/>
           </a:p>
@@ -2774,7 +2829,7 @@
           <a:p>
             <a:fld id="{F1102B08-ED9E-409F-B95F-09CAA1DAF6E0}" type="datetimeFigureOut">
               <a:rPr lang="en-IN" smtClean="0"/>
-              <a:t>06-09-2025</a:t>
+              <a:t>10-09-2025</a:t>
             </a:fld>
             <a:endParaRPr lang="en-IN"/>
           </a:p>
@@ -2892,7 +2947,7 @@
           <a:p>
             <a:fld id="{F1102B08-ED9E-409F-B95F-09CAA1DAF6E0}" type="datetimeFigureOut">
               <a:rPr lang="en-IN" smtClean="0"/>
-              <a:t>06-09-2025</a:t>
+              <a:t>10-09-2025</a:t>
             </a:fld>
             <a:endParaRPr lang="en-IN"/>
           </a:p>
@@ -2987,7 +3042,7 @@
           <a:p>
             <a:fld id="{F1102B08-ED9E-409F-B95F-09CAA1DAF6E0}" type="datetimeFigureOut">
               <a:rPr lang="en-IN" smtClean="0"/>
-              <a:t>06-09-2025</a:t>
+              <a:t>10-09-2025</a:t>
             </a:fld>
             <a:endParaRPr lang="en-IN"/>
           </a:p>
@@ -3264,7 +3319,7 @@
           <a:p>
             <a:fld id="{F1102B08-ED9E-409F-B95F-09CAA1DAF6E0}" type="datetimeFigureOut">
               <a:rPr lang="en-IN" smtClean="0"/>
-              <a:t>06-09-2025</a:t>
+              <a:t>10-09-2025</a:t>
             </a:fld>
             <a:endParaRPr lang="en-IN"/>
           </a:p>
@@ -3477,7 +3532,7 @@
           <a:p>
             <a:fld id="{F1102B08-ED9E-409F-B95F-09CAA1DAF6E0}" type="datetimeFigureOut">
               <a:rPr lang="en-IN" smtClean="0"/>
-              <a:t>06-09-2025</a:t>
+              <a:t>10-09-2025</a:t>
             </a:fld>
             <a:endParaRPr lang="en-IN"/>
           </a:p>
@@ -3898,7 +3953,7 @@
         <p:spPr>
           <a:xfrm>
             <a:off x="5261754" y="416777"/>
-            <a:ext cx="4883429" cy="5493812"/>
+            <a:ext cx="4883429" cy="5909310"/>
           </a:xfrm>
           <a:prstGeom prst="rect">
             <a:avLst/>
@@ -3921,12 +3976,8 @@
                 <a:latin typeface="Anek Telugu SemiBold" pitchFamily="2" charset="0"/>
                 <a:cs typeface="Anek Telugu SemiBold" pitchFamily="2" charset="0"/>
               </a:rPr>
-              <a:t>ప్రాణేశ్వర – ప్రభు దైవకుమార</a:t>
-            </a:r>
-            <a:endParaRPr lang="en-IN" dirty="0">
-              <a:latin typeface="Anek Telugu SemiBold" pitchFamily="2" charset="0"/>
-              <a:cs typeface="Anek Telugu SemiBold" pitchFamily="2" charset="0"/>
-            </a:endParaRPr>
+              <a:t>నీవు చేసిన ఉపకారములకు</a:t>
+            </a:r>
           </a:p>
           <a:p>
             <a:pPr>
@@ -3939,12 +3990,8 @@
                 <a:latin typeface="Anek Telugu SemiBold" pitchFamily="2" charset="0"/>
                 <a:cs typeface="Anek Telugu SemiBold" pitchFamily="2" charset="0"/>
               </a:rPr>
-              <a:t>ప్రణుతింతును నిన్నే- ఆశతీర</a:t>
-            </a:r>
-            <a:endParaRPr lang="en-IN" dirty="0">
-              <a:latin typeface="Anek Telugu SemiBold" pitchFamily="2" charset="0"/>
-              <a:cs typeface="Anek Telugu SemiBold" pitchFamily="2" charset="0"/>
-            </a:endParaRPr>
+              <a:t>నేనేమి చెల్లింతును (2)</a:t>
+            </a:r>
           </a:p>
           <a:p>
             <a:pPr>
@@ -3957,12 +4004,8 @@
                 <a:latin typeface="Anek Telugu SemiBold" pitchFamily="2" charset="0"/>
                 <a:cs typeface="Anek Telugu SemiBold" pitchFamily="2" charset="0"/>
               </a:rPr>
-              <a:t>ప్రాణేశ్వర – ప్రభు దైవకుమార</a:t>
-            </a:r>
-            <a:endParaRPr lang="en-IN" dirty="0">
-              <a:latin typeface="Anek Telugu SemiBold" pitchFamily="2" charset="0"/>
-              <a:cs typeface="Anek Telugu SemiBold" pitchFamily="2" charset="0"/>
-            </a:endParaRPr>
+              <a:t>ఏడాది దూడెలనా...</a:t>
+            </a:r>
           </a:p>
           <a:p>
             <a:pPr>
@@ -3970,10 +4013,13 @@
                 <a:spcPct val="150000"/>
               </a:lnSpc>
             </a:pPr>
-            <a:endParaRPr lang="en-IN" dirty="0">
-              <a:latin typeface="Anek Telugu SemiBold" pitchFamily="2" charset="0"/>
-              <a:cs typeface="Anek Telugu SemiBold" pitchFamily="2" charset="0"/>
-            </a:endParaRPr>
+            <a:r>
+              <a:rPr lang="te-IN" dirty="0">
+                <a:latin typeface="Anek Telugu SemiBold" pitchFamily="2" charset="0"/>
+                <a:cs typeface="Anek Telugu SemiBold" pitchFamily="2" charset="0"/>
+              </a:rPr>
+              <a:t>వేలాది పోట్టేల్లనా (2)</a:t>
+            </a:r>
           </a:p>
           <a:p>
             <a:pPr>
@@ -3981,184 +4027,161 @@
                 <a:spcPct val="150000"/>
               </a:lnSpc>
             </a:pPr>
-            <a:r>
-              <a:rPr lang="en-IN" dirty="0">
-                <a:latin typeface="Anek Telugu SemiBold" pitchFamily="2" charset="0"/>
-                <a:cs typeface="Anek Telugu SemiBold" pitchFamily="2" charset="0"/>
-              </a:rPr>
-              <a:t>1. </a:t>
-            </a:r>
-            <a:r>
-              <a:rPr lang="te-IN" dirty="0">
-                <a:latin typeface="Anek Telugu SemiBold" pitchFamily="2" charset="0"/>
-                <a:cs typeface="Anek Telugu SemiBold" pitchFamily="2" charset="0"/>
-              </a:rPr>
-              <a:t>నా ఆత్మతో పాటలు పాడ –</a:t>
-            </a:r>
-            <a:endParaRPr lang="en-IN" dirty="0">
-              <a:latin typeface="Anek Telugu SemiBold" pitchFamily="2" charset="0"/>
-              <a:cs typeface="Anek Telugu SemiBold" pitchFamily="2" charset="0"/>
-            </a:endParaRPr>
-          </a:p>
-          <a:p>
-            <a:pPr>
-              <a:lnSpc>
-                <a:spcPct val="150000"/>
-              </a:lnSpc>
-            </a:pPr>
-            <a:r>
-              <a:rPr lang="te-IN" dirty="0">
-                <a:latin typeface="Anek Telugu SemiBold" pitchFamily="2" charset="0"/>
-                <a:cs typeface="Anek Telugu SemiBold" pitchFamily="2" charset="0"/>
-              </a:rPr>
-              <a:t>నీ కృపలే నాకు హేతువులాయె – </a:t>
-            </a:r>
-            <a:r>
-              <a:rPr lang="en-IN" dirty="0">
-                <a:latin typeface="Anek Telugu SemiBold" pitchFamily="2" charset="0"/>
-                <a:cs typeface="Anek Telugu SemiBold" pitchFamily="2" charset="0"/>
-              </a:rPr>
-              <a:t>(2)</a:t>
-            </a:r>
-          </a:p>
-          <a:p>
-            <a:pPr>
-              <a:lnSpc>
-                <a:spcPct val="150000"/>
-              </a:lnSpc>
-            </a:pPr>
-            <a:r>
-              <a:rPr lang="te-IN" dirty="0">
-                <a:latin typeface="Anek Telugu SemiBold" pitchFamily="2" charset="0"/>
-                <a:cs typeface="Anek Telugu SemiBold" pitchFamily="2" charset="0"/>
-              </a:rPr>
-              <a:t>నిత్య నిబంధన నీతో చేసి –</a:t>
-            </a:r>
-            <a:endParaRPr lang="en-IN" dirty="0">
-              <a:latin typeface="Anek Telugu SemiBold" pitchFamily="2" charset="0"/>
-              <a:cs typeface="Anek Telugu SemiBold" pitchFamily="2" charset="0"/>
-            </a:endParaRPr>
-          </a:p>
-          <a:p>
-            <a:pPr>
-              <a:lnSpc>
-                <a:spcPct val="150000"/>
-              </a:lnSpc>
-            </a:pPr>
-            <a:r>
-              <a:rPr lang="te-IN" dirty="0">
-                <a:latin typeface="Anek Telugu SemiBold" pitchFamily="2" charset="0"/>
-                <a:cs typeface="Anek Telugu SemiBold" pitchFamily="2" charset="0"/>
-              </a:rPr>
-              <a:t>నీ పాద సన్నిధి చేరియున్నానే - </a:t>
-            </a:r>
-            <a:r>
-              <a:rPr lang="en-IN" dirty="0">
-                <a:latin typeface="Anek Telugu SemiBold" pitchFamily="2" charset="0"/>
-                <a:cs typeface="Anek Telugu SemiBold" pitchFamily="2" charset="0"/>
-              </a:rPr>
-              <a:t>(2)</a:t>
-            </a:r>
-          </a:p>
-          <a:p>
-            <a:pPr>
-              <a:lnSpc>
-                <a:spcPct val="150000"/>
-              </a:lnSpc>
-            </a:pPr>
-            <a:endParaRPr lang="en-IN" dirty="0">
-              <a:latin typeface="Anek Telugu SemiBold" pitchFamily="2" charset="0"/>
-              <a:cs typeface="Anek Telugu SemiBold" pitchFamily="2" charset="0"/>
-            </a:endParaRPr>
-          </a:p>
-          <a:p>
-            <a:pPr>
-              <a:lnSpc>
-                <a:spcPct val="150000"/>
-              </a:lnSpc>
-            </a:pPr>
-            <a:r>
-              <a:rPr lang="en-IN" dirty="0">
-                <a:latin typeface="Anek Telugu SemiBold" pitchFamily="2" charset="0"/>
-                <a:cs typeface="Anek Telugu SemiBold" pitchFamily="2" charset="0"/>
-              </a:rPr>
-              <a:t>2. </a:t>
-            </a:r>
-            <a:r>
-              <a:rPr lang="te-IN" dirty="0">
-                <a:latin typeface="Anek Telugu SemiBold" pitchFamily="2" charset="0"/>
-                <a:cs typeface="Anek Telugu SemiBold" pitchFamily="2" charset="0"/>
-              </a:rPr>
-              <a:t>నా ఊటలన్నియు నీ యందేనని  –</a:t>
-            </a:r>
-            <a:endParaRPr lang="en-IN" dirty="0">
-              <a:latin typeface="Anek Telugu SemiBold" pitchFamily="2" charset="0"/>
-              <a:cs typeface="Anek Telugu SemiBold" pitchFamily="2" charset="0"/>
-            </a:endParaRPr>
-          </a:p>
-          <a:p>
-            <a:pPr>
-              <a:lnSpc>
-                <a:spcPct val="150000"/>
-              </a:lnSpc>
-            </a:pPr>
-            <a:r>
-              <a:rPr lang="te-IN" dirty="0">
-                <a:latin typeface="Anek Telugu SemiBold" pitchFamily="2" charset="0"/>
-                <a:cs typeface="Anek Telugu SemiBold" pitchFamily="2" charset="0"/>
-              </a:rPr>
-              <a:t>వాద్యము వాయించి పాడెదను – </a:t>
-            </a:r>
-            <a:r>
-              <a:rPr lang="en-IN" dirty="0">
-                <a:latin typeface="Anek Telugu SemiBold" pitchFamily="2" charset="0"/>
-                <a:cs typeface="Anek Telugu SemiBold" pitchFamily="2" charset="0"/>
-              </a:rPr>
-              <a:t>(2)</a:t>
-            </a:r>
-          </a:p>
-          <a:p>
-            <a:pPr>
-              <a:lnSpc>
-                <a:spcPct val="150000"/>
-              </a:lnSpc>
-            </a:pPr>
-            <a:r>
-              <a:rPr lang="te-IN" dirty="0">
-                <a:latin typeface="Anek Telugu SemiBold" pitchFamily="2" charset="0"/>
-                <a:cs typeface="Anek Telugu SemiBold" pitchFamily="2" charset="0"/>
-              </a:rPr>
-              <a:t>జీవిత కాలమంతా నిన్నే స్తుతించి  –</a:t>
-            </a:r>
-            <a:endParaRPr lang="en-IN" dirty="0">
-              <a:latin typeface="Anek Telugu SemiBold" pitchFamily="2" charset="0"/>
-              <a:cs typeface="Anek Telugu SemiBold" pitchFamily="2" charset="0"/>
-            </a:endParaRPr>
-          </a:p>
-          <a:p>
-            <a:pPr>
-              <a:lnSpc>
-                <a:spcPct val="150000"/>
-              </a:lnSpc>
-            </a:pPr>
-            <a:r>
-              <a:rPr lang="te-IN" dirty="0">
-                <a:latin typeface="Anek Telugu SemiBold" pitchFamily="2" charset="0"/>
-                <a:cs typeface="Anek Telugu SemiBold" pitchFamily="2" charset="0"/>
-              </a:rPr>
-              <a:t>సాగెద నూతన యెరూషలేము  - </a:t>
-            </a:r>
-            <a:r>
-              <a:rPr lang="en-IN" dirty="0">
-                <a:latin typeface="Anek Telugu SemiBold" pitchFamily="2" charset="0"/>
-                <a:cs typeface="Anek Telugu SemiBold" pitchFamily="2" charset="0"/>
-              </a:rPr>
-              <a:t>(2)</a:t>
-            </a:r>
             <a:endParaRPr lang="te-IN" dirty="0">
               <a:latin typeface="Anek Telugu SemiBold" pitchFamily="2" charset="0"/>
               <a:cs typeface="Anek Telugu SemiBold" pitchFamily="2" charset="0"/>
             </a:endParaRPr>
+          </a:p>
+          <a:p>
+            <a:pPr>
+              <a:lnSpc>
+                <a:spcPct val="150000"/>
+              </a:lnSpc>
+            </a:pPr>
+            <a:r>
+              <a:rPr lang="en-IN" dirty="0">
+                <a:latin typeface="Anek Telugu SemiBold" pitchFamily="2" charset="0"/>
+                <a:cs typeface="Anek Telugu SemiBold" pitchFamily="2" charset="0"/>
+              </a:rPr>
+              <a:t>1</a:t>
+            </a:r>
+            <a:r>
+              <a:rPr lang="te-IN" dirty="0">
+                <a:latin typeface="Anek Telugu SemiBold" pitchFamily="2" charset="0"/>
+                <a:cs typeface="Anek Telugu SemiBold" pitchFamily="2" charset="0"/>
+              </a:rPr>
+              <a:t>.</a:t>
+            </a:r>
+            <a:r>
+              <a:rPr lang="en-IN" dirty="0">
+                <a:latin typeface="Anek Telugu SemiBold" pitchFamily="2" charset="0"/>
+                <a:cs typeface="Anek Telugu SemiBold" pitchFamily="2" charset="0"/>
+              </a:rPr>
+              <a:t> </a:t>
+            </a:r>
+            <a:r>
+              <a:rPr lang="te-IN" dirty="0">
+                <a:latin typeface="Anek Telugu SemiBold" pitchFamily="2" charset="0"/>
+                <a:cs typeface="Anek Telugu SemiBold" pitchFamily="2" charset="0"/>
+              </a:rPr>
+              <a:t>వేలాది నదులంత విస్తార తైలము</a:t>
+            </a:r>
+          </a:p>
+          <a:p>
+            <a:pPr>
+              <a:lnSpc>
+                <a:spcPct val="150000"/>
+              </a:lnSpc>
+            </a:pPr>
+            <a:r>
+              <a:rPr lang="te-IN" dirty="0">
+                <a:latin typeface="Anek Telugu SemiBold" pitchFamily="2" charset="0"/>
+                <a:cs typeface="Anek Telugu SemiBold" pitchFamily="2" charset="0"/>
+              </a:rPr>
+              <a:t>నీకిచ్చినా చాలునా (2)</a:t>
+            </a:r>
+          </a:p>
+          <a:p>
+            <a:pPr>
+              <a:lnSpc>
+                <a:spcPct val="150000"/>
+              </a:lnSpc>
+            </a:pPr>
+            <a:r>
+              <a:rPr lang="te-IN" dirty="0">
+                <a:latin typeface="Anek Telugu SemiBold" pitchFamily="2" charset="0"/>
+                <a:cs typeface="Anek Telugu SemiBold" pitchFamily="2" charset="0"/>
+              </a:rPr>
+              <a:t>గర్భ ఫలమైన నా జేష్ట పుత్రుని</a:t>
+            </a:r>
+          </a:p>
+          <a:p>
+            <a:pPr>
+              <a:lnSpc>
+                <a:spcPct val="150000"/>
+              </a:lnSpc>
+            </a:pPr>
+            <a:r>
+              <a:rPr lang="te-IN" dirty="0">
+                <a:latin typeface="Anek Telugu SemiBold" pitchFamily="2" charset="0"/>
+                <a:cs typeface="Anek Telugu SemiBold" pitchFamily="2" charset="0"/>
+              </a:rPr>
+              <a:t>నీకిచ్చినా చాలునా (2)</a:t>
+            </a:r>
+          </a:p>
+          <a:p>
+            <a:pPr>
+              <a:lnSpc>
+                <a:spcPct val="150000"/>
+              </a:lnSpc>
+            </a:pPr>
+            <a:endParaRPr lang="te-IN" dirty="0">
+              <a:latin typeface="Anek Telugu SemiBold" pitchFamily="2" charset="0"/>
+              <a:cs typeface="Anek Telugu SemiBold" pitchFamily="2" charset="0"/>
+            </a:endParaRPr>
+          </a:p>
+          <a:p>
+            <a:pPr>
+              <a:lnSpc>
+                <a:spcPct val="150000"/>
+              </a:lnSpc>
+            </a:pPr>
+            <a:r>
+              <a:rPr lang="en-IN" dirty="0">
+                <a:latin typeface="Anek Telugu SemiBold" pitchFamily="2" charset="0"/>
+                <a:cs typeface="Anek Telugu SemiBold" pitchFamily="2" charset="0"/>
+              </a:rPr>
+              <a:t>2. </a:t>
+            </a:r>
+            <a:r>
+              <a:rPr lang="te-IN" dirty="0">
+                <a:latin typeface="Anek Telugu SemiBold" pitchFamily="2" charset="0"/>
+                <a:cs typeface="Anek Telugu SemiBold" pitchFamily="2" charset="0"/>
+              </a:rPr>
+              <a:t>మరణపాత్రుడనైయున్న నాకై</a:t>
+            </a:r>
+          </a:p>
+          <a:p>
+            <a:pPr>
+              <a:lnSpc>
+                <a:spcPct val="150000"/>
+              </a:lnSpc>
+            </a:pPr>
+            <a:r>
+              <a:rPr lang="te-IN" dirty="0">
+                <a:latin typeface="Anek Telugu SemiBold" pitchFamily="2" charset="0"/>
+                <a:cs typeface="Anek Telugu SemiBold" pitchFamily="2" charset="0"/>
+              </a:rPr>
+              <a:t>మరణించితివి సిలువలో (2)</a:t>
+            </a:r>
+          </a:p>
+          <a:p>
+            <a:pPr>
+              <a:lnSpc>
+                <a:spcPct val="150000"/>
+              </a:lnSpc>
+            </a:pPr>
+            <a:r>
+              <a:rPr lang="te-IN" dirty="0">
+                <a:latin typeface="Anek Telugu SemiBold" pitchFamily="2" charset="0"/>
+                <a:cs typeface="Anek Telugu SemiBold" pitchFamily="2" charset="0"/>
+              </a:rPr>
+              <a:t>కరుణ చూపి నీ జీవ మార్గాన</a:t>
+            </a:r>
+          </a:p>
+          <a:p>
+            <a:pPr>
+              <a:lnSpc>
+                <a:spcPct val="150000"/>
+              </a:lnSpc>
+            </a:pPr>
+            <a:r>
+              <a:rPr lang="te-IN" dirty="0">
+                <a:latin typeface="Anek Telugu SemiBold" pitchFamily="2" charset="0"/>
+                <a:cs typeface="Anek Telugu SemiBold" pitchFamily="2" charset="0"/>
+              </a:rPr>
+              <a:t>నడిపించుమో యేసయ్యా (2)</a:t>
+            </a:r>
           </a:p>
         </p:txBody>
       </p:sp>
@@ -4176,8 +4199,8 @@
         </p:nvSpPr>
         <p:spPr>
           <a:xfrm>
-            <a:off x="408331" y="324445"/>
-            <a:ext cx="4544669" cy="5632311"/>
+            <a:off x="437359" y="244303"/>
+            <a:ext cx="4544669" cy="6555641"/>
           </a:xfrm>
           <a:prstGeom prst="rect">
             <a:avLst/>
@@ -4196,13 +4219,62 @@
               </a:lnSpc>
             </a:pPr>
             <a:r>
-              <a:rPr lang="te-IN" sz="1600" b="1" dirty="0">
-                <a:latin typeface="Anek Telugu SemiBold" pitchFamily="2" charset="0"/>
-                <a:cs typeface="Anek Telugu SemiBold" pitchFamily="2" charset="0"/>
-              </a:rPr>
-              <a:t>శాశ్వతమైనది నా యేసుని ప్రేమ</a:t>
-            </a:r>
-            <a:endParaRPr lang="en-IN" sz="1600" b="1" dirty="0">
+              <a:rPr lang="te-IN" sz="1350" b="1" dirty="0">
+                <a:latin typeface="Anek Telugu SemiBold" pitchFamily="2" charset="0"/>
+                <a:cs typeface="Anek Telugu SemiBold" pitchFamily="2" charset="0"/>
+              </a:rPr>
+              <a:t>స్థిరపరచువాడవు బలపరచువాడవు</a:t>
+            </a:r>
+          </a:p>
+          <a:p>
+            <a:pPr>
+              <a:lnSpc>
+                <a:spcPct val="150000"/>
+              </a:lnSpc>
+            </a:pPr>
+            <a:r>
+              <a:rPr lang="te-IN" sz="1350" b="1" dirty="0">
+                <a:latin typeface="Anek Telugu SemiBold" pitchFamily="2" charset="0"/>
+                <a:cs typeface="Anek Telugu SemiBold" pitchFamily="2" charset="0"/>
+              </a:rPr>
+              <a:t>పడిపోయిన చోటే నిలబట్టువాడవు</a:t>
+            </a:r>
+          </a:p>
+          <a:p>
+            <a:pPr>
+              <a:lnSpc>
+                <a:spcPct val="150000"/>
+              </a:lnSpc>
+            </a:pPr>
+            <a:r>
+              <a:rPr lang="te-IN" sz="1350" b="1" dirty="0">
+                <a:latin typeface="Anek Telugu SemiBold" pitchFamily="2" charset="0"/>
+                <a:cs typeface="Anek Telugu SemiBold" pitchFamily="2" charset="0"/>
+              </a:rPr>
+              <a:t>ఘనపరచువాడవు హెచ్చించువాడవు</a:t>
+            </a:r>
+          </a:p>
+          <a:p>
+            <a:pPr>
+              <a:lnSpc>
+                <a:spcPct val="150000"/>
+              </a:lnSpc>
+            </a:pPr>
+            <a:r>
+              <a:rPr lang="te-IN" sz="1350" b="1" dirty="0">
+                <a:latin typeface="Anek Telugu SemiBold" pitchFamily="2" charset="0"/>
+                <a:cs typeface="Anek Telugu SemiBold" pitchFamily="2" charset="0"/>
+              </a:rPr>
+              <a:t>మా పక్షము నిలిచి జయమిచ్చువాడవు  (2)</a:t>
+            </a:r>
+          </a:p>
+          <a:p>
+            <a:pPr>
+              <a:lnSpc>
+                <a:spcPct val="150000"/>
+              </a:lnSpc>
+            </a:pPr>
+            <a:endParaRPr lang="te-IN" sz="1350" b="1" dirty="0">
               <a:latin typeface="Anek Telugu SemiBold" pitchFamily="2" charset="0"/>
               <a:cs typeface="Anek Telugu SemiBold" pitchFamily="2" charset="0"/>
             </a:endParaRPr>
@@ -4214,13 +4286,48 @@
               </a:lnSpc>
             </a:pPr>
             <a:r>
-              <a:rPr lang="te-IN" sz="1600" b="1" dirty="0">
-                <a:latin typeface="Anek Telugu SemiBold" pitchFamily="2" charset="0"/>
-                <a:cs typeface="Anek Telugu SemiBold" pitchFamily="2" charset="0"/>
-              </a:rPr>
-              <a:t>నిరంతరం ఉండునది నిజ దేవుని ప్రేమ</a:t>
-            </a:r>
-            <a:endParaRPr lang="en-IN" sz="1600" b="1" dirty="0">
+              <a:rPr lang="te-IN" sz="1350" b="1" dirty="0">
+                <a:latin typeface="Anek Telugu SemiBold" pitchFamily="2" charset="0"/>
+                <a:cs typeface="Anek Telugu SemiBold" pitchFamily="2" charset="0"/>
+              </a:rPr>
+              <a:t>ఏమైనా చేయగలవు కథ మొత్తం మార్చగలవు</a:t>
+            </a:r>
+          </a:p>
+          <a:p>
+            <a:pPr>
+              <a:lnSpc>
+                <a:spcPct val="150000"/>
+              </a:lnSpc>
+            </a:pPr>
+            <a:r>
+              <a:rPr lang="te-IN" sz="1350" b="1" dirty="0">
+                <a:latin typeface="Anek Telugu SemiBold" pitchFamily="2" charset="0"/>
+                <a:cs typeface="Anek Telugu SemiBold" pitchFamily="2" charset="0"/>
+              </a:rPr>
+              <a:t>నీ నామముకే మహిమంతా తెచ్చుకొందువు  (2)</a:t>
+            </a:r>
+          </a:p>
+          <a:p>
+            <a:pPr>
+              <a:lnSpc>
+                <a:spcPct val="150000"/>
+              </a:lnSpc>
+            </a:pPr>
+            <a:r>
+              <a:rPr lang="te-IN" sz="1350" b="1" dirty="0">
+                <a:latin typeface="Anek Telugu SemiBold" pitchFamily="2" charset="0"/>
+                <a:cs typeface="Anek Telugu SemiBold" pitchFamily="2" charset="0"/>
+              </a:rPr>
+              <a:t>యేసయ్య.. యేసయ్య .. నీకే నీకే సాధ్యము  (2)</a:t>
+            </a:r>
+          </a:p>
+          <a:p>
+            <a:pPr>
+              <a:lnSpc>
+                <a:spcPct val="150000"/>
+              </a:lnSpc>
+            </a:pPr>
+            <a:endParaRPr lang="te-IN" sz="1350" b="1" dirty="0">
               <a:latin typeface="Anek Telugu SemiBold" pitchFamily="2" charset="0"/>
               <a:cs typeface="Anek Telugu SemiBold" pitchFamily="2" charset="0"/>
             </a:endParaRPr>
@@ -4232,13 +4339,76 @@
               </a:lnSpc>
             </a:pPr>
             <a:r>
-              <a:rPr lang="te-IN" sz="1600" b="1" dirty="0">
-                <a:latin typeface="Anek Telugu SemiBold" pitchFamily="2" charset="0"/>
-                <a:cs typeface="Anek Telugu SemiBold" pitchFamily="2" charset="0"/>
-              </a:rPr>
-              <a:t>యేసుని ప్రేమ  నా యేసుని ప్రేమ</a:t>
-            </a:r>
-            <a:endParaRPr lang="en-IN" sz="1600" b="1" dirty="0">
+              <a:rPr lang="te-IN" sz="1350" b="1" dirty="0">
+                <a:latin typeface="Anek Telugu SemiBold" pitchFamily="2" charset="0"/>
+                <a:cs typeface="Anek Telugu SemiBold" pitchFamily="2" charset="0"/>
+              </a:rPr>
+              <a:t>1. సర్వకృపానిధి మా పరమ కుమ్మరి</a:t>
+            </a:r>
+          </a:p>
+          <a:p>
+            <a:pPr>
+              <a:lnSpc>
+                <a:spcPct val="150000"/>
+              </a:lnSpc>
+            </a:pPr>
+            <a:r>
+              <a:rPr lang="te-IN" sz="1350" b="1" dirty="0">
+                <a:latin typeface="Anek Telugu SemiBold" pitchFamily="2" charset="0"/>
+                <a:cs typeface="Anek Telugu SemiBold" pitchFamily="2" charset="0"/>
+              </a:rPr>
+              <a:t>నీ చేతిలోనే మా జీవమున్నది  (2)</a:t>
+            </a:r>
+          </a:p>
+          <a:p>
+            <a:pPr>
+              <a:lnSpc>
+                <a:spcPct val="150000"/>
+              </a:lnSpc>
+            </a:pPr>
+            <a:r>
+              <a:rPr lang="te-IN" sz="1350" b="1" dirty="0">
+                <a:latin typeface="Anek Telugu SemiBold" pitchFamily="2" charset="0"/>
+                <a:cs typeface="Anek Telugu SemiBold" pitchFamily="2" charset="0"/>
+              </a:rPr>
+              <a:t>మా దేవా నీ ఆలోచనలన్నీ ఎంతో గొప్పవి</a:t>
+            </a:r>
+          </a:p>
+          <a:p>
+            <a:pPr>
+              <a:lnSpc>
+                <a:spcPct val="150000"/>
+              </a:lnSpc>
+            </a:pPr>
+            <a:r>
+              <a:rPr lang="te-IN" sz="1350" b="1" dirty="0">
+                <a:latin typeface="Anek Telugu SemiBold" pitchFamily="2" charset="0"/>
+                <a:cs typeface="Anek Telugu SemiBold" pitchFamily="2" charset="0"/>
+              </a:rPr>
+              <a:t>మా ఊహకు మించిన కార్యములెన్నో</a:t>
+            </a:r>
+          </a:p>
+          <a:p>
+            <a:pPr>
+              <a:lnSpc>
+                <a:spcPct val="150000"/>
+              </a:lnSpc>
+            </a:pPr>
+            <a:r>
+              <a:rPr lang="te-IN" sz="1350" b="1" dirty="0">
+                <a:latin typeface="Anek Telugu SemiBold" pitchFamily="2" charset="0"/>
+                <a:cs typeface="Anek Telugu SemiBold" pitchFamily="2" charset="0"/>
+              </a:rPr>
+              <a:t>జరిగించుచున్నవి (2)    || ఏమైనా ||</a:t>
+            </a:r>
+          </a:p>
+          <a:p>
+            <a:pPr>
+              <a:lnSpc>
+                <a:spcPct val="150000"/>
+              </a:lnSpc>
+            </a:pPr>
+            <a:endParaRPr lang="te-IN" sz="1350" b="1" dirty="0">
               <a:latin typeface="Anek Telugu SemiBold" pitchFamily="2" charset="0"/>
               <a:cs typeface="Anek Telugu SemiBold" pitchFamily="2" charset="0"/>
             </a:endParaRPr>
@@ -4249,10 +4419,13 @@
                 <a:spcPct val="150000"/>
               </a:lnSpc>
             </a:pPr>
-            <a:endParaRPr lang="en-IN" sz="1600" b="1" dirty="0">
-              <a:latin typeface="Anek Telugu SemiBold" pitchFamily="2" charset="0"/>
-              <a:cs typeface="Anek Telugu SemiBold" pitchFamily="2" charset="0"/>
-            </a:endParaRPr>
+            <a:r>
+              <a:rPr lang="te-IN" sz="1350" b="1" dirty="0">
+                <a:latin typeface="Anek Telugu SemiBold" pitchFamily="2" charset="0"/>
+                <a:cs typeface="Anek Telugu SemiBold" pitchFamily="2" charset="0"/>
+              </a:rPr>
+              <a:t>2. నీ ఆజ్ఞ లేనిదే ఏదైన జరుగునా?</a:t>
+            </a:r>
           </a:p>
           <a:p>
             <a:pPr>
@@ -4261,23 +4434,12 @@
               </a:lnSpc>
             </a:pPr>
             <a:r>
-              <a:rPr lang="en-IN" sz="1600" b="1" dirty="0">
-                <a:latin typeface="Anek Telugu SemiBold" pitchFamily="2" charset="0"/>
-                <a:cs typeface="Anek Telugu SemiBold" pitchFamily="2" charset="0"/>
-              </a:rPr>
-              <a:t>1. </a:t>
-            </a:r>
-            <a:r>
-              <a:rPr lang="te-IN" sz="1600" b="1" dirty="0">
-                <a:latin typeface="Anek Telugu SemiBold" pitchFamily="2" charset="0"/>
-                <a:cs typeface="Anek Telugu SemiBold" pitchFamily="2" charset="0"/>
-              </a:rPr>
-              <a:t>నా పాపములను భరియించినది </a:t>
-            </a:r>
-            <a:endParaRPr lang="en-IN" sz="1600" b="1" dirty="0">
-              <a:latin typeface="Anek Telugu SemiBold" pitchFamily="2" charset="0"/>
-              <a:cs typeface="Anek Telugu SemiBold" pitchFamily="2" charset="0"/>
-            </a:endParaRPr>
+              <a:rPr lang="te-IN" sz="1350" b="1" dirty="0">
+                <a:latin typeface="Anek Telugu SemiBold" pitchFamily="2" charset="0"/>
+                <a:cs typeface="Anek Telugu SemiBold" pitchFamily="2" charset="0"/>
+              </a:rPr>
+              <a:t>నీ కంచే దాటగ శత్రువుకు సాధ్యమా? (2)</a:t>
+            </a:r>
           </a:p>
           <a:p>
             <a:pPr>
@@ -4286,16 +4448,12 @@
               </a:lnSpc>
             </a:pPr>
             <a:r>
-              <a:rPr lang="te-IN" sz="1600" b="1" dirty="0">
-                <a:latin typeface="Anek Telugu SemiBold" pitchFamily="2" charset="0"/>
-                <a:cs typeface="Anek Telugu SemiBold" pitchFamily="2" charset="0"/>
-              </a:rPr>
-              <a:t>నాకై శ్రమలను సహియించినది</a:t>
-            </a:r>
-            <a:endParaRPr lang="en-IN" sz="1600" b="1" dirty="0">
-              <a:latin typeface="Anek Telugu SemiBold" pitchFamily="2" charset="0"/>
-              <a:cs typeface="Anek Telugu SemiBold" pitchFamily="2" charset="0"/>
-            </a:endParaRPr>
+              <a:rPr lang="te-IN" sz="1350" b="1" dirty="0">
+                <a:latin typeface="Anek Telugu SemiBold" pitchFamily="2" charset="0"/>
+                <a:cs typeface="Anek Telugu SemiBold" pitchFamily="2" charset="0"/>
+              </a:rPr>
+              <a:t>మా దేవా నీవే మాతొడుంటే అంతే చాలును</a:t>
+            </a:r>
           </a:p>
           <a:p>
             <a:pPr>
@@ -4304,16 +4462,12 @@
               </a:lnSpc>
             </a:pPr>
             <a:r>
-              <a:rPr lang="te-IN" sz="1600" b="1" dirty="0">
-                <a:latin typeface="Anek Telugu SemiBold" pitchFamily="2" charset="0"/>
-                <a:cs typeface="Anek Telugu SemiBold" pitchFamily="2" charset="0"/>
-              </a:rPr>
-              <a:t>నాకు మారుగా మరణించినది</a:t>
-            </a:r>
-            <a:endParaRPr lang="en-IN" sz="1600" b="1" dirty="0">
-              <a:latin typeface="Anek Telugu SemiBold" pitchFamily="2" charset="0"/>
-              <a:cs typeface="Anek Telugu SemiBold" pitchFamily="2" charset="0"/>
-            </a:endParaRPr>
+              <a:rPr lang="te-IN" sz="1350" b="1" dirty="0">
+                <a:latin typeface="Anek Telugu SemiBold" pitchFamily="2" charset="0"/>
+                <a:cs typeface="Anek Telugu SemiBold" pitchFamily="2" charset="0"/>
+              </a:rPr>
+              <a:t>అపవాది తలచిన కీడులన్నీ</a:t>
+            </a:r>
           </a:p>
           <a:p>
             <a:pPr>
@@ -4322,137 +4476,11 @@
               </a:lnSpc>
             </a:pPr>
             <a:r>
-              <a:rPr lang="te-IN" sz="1600" b="1" dirty="0">
-                <a:latin typeface="Anek Telugu SemiBold" pitchFamily="2" charset="0"/>
-                <a:cs typeface="Anek Telugu SemiBold" pitchFamily="2" charset="0"/>
-              </a:rPr>
-              <a:t>నను జీవముతో బ్రతికించునది </a:t>
-            </a:r>
-            <a:endParaRPr lang="en-IN" sz="1600" b="1" dirty="0">
-              <a:latin typeface="Anek Telugu SemiBold" pitchFamily="2" charset="0"/>
-              <a:cs typeface="Anek Telugu SemiBold" pitchFamily="2" charset="0"/>
-            </a:endParaRPr>
-          </a:p>
-          <a:p>
-            <a:pPr>
-              <a:lnSpc>
-                <a:spcPct val="150000"/>
-              </a:lnSpc>
-            </a:pPr>
-            <a:r>
-              <a:rPr lang="te-IN" sz="1600" b="1" dirty="0">
-                <a:latin typeface="Anek Telugu SemiBold" pitchFamily="2" charset="0"/>
-                <a:cs typeface="Anek Telugu SemiBold" pitchFamily="2" charset="0"/>
-              </a:rPr>
-              <a:t>యేసుని ప్రేమ  నా యేసుని ప్రేమ</a:t>
-            </a:r>
-            <a:endParaRPr lang="en-IN" sz="1600" b="1" dirty="0">
-              <a:latin typeface="Anek Telugu SemiBold" pitchFamily="2" charset="0"/>
-              <a:cs typeface="Anek Telugu SemiBold" pitchFamily="2" charset="0"/>
-            </a:endParaRPr>
-          </a:p>
-          <a:p>
-            <a:pPr>
-              <a:lnSpc>
-                <a:spcPct val="150000"/>
-              </a:lnSpc>
-            </a:pPr>
-            <a:endParaRPr lang="en-IN" sz="1600" b="1" dirty="0">
-              <a:latin typeface="Anek Telugu SemiBold" pitchFamily="2" charset="0"/>
-              <a:cs typeface="Anek Telugu SemiBold" pitchFamily="2" charset="0"/>
-            </a:endParaRPr>
-          </a:p>
-          <a:p>
-            <a:pPr>
-              <a:lnSpc>
-                <a:spcPct val="150000"/>
-              </a:lnSpc>
-            </a:pPr>
-            <a:r>
-              <a:rPr lang="en-IN" sz="1600" b="1" dirty="0">
-                <a:latin typeface="Anek Telugu SemiBold" pitchFamily="2" charset="0"/>
-                <a:cs typeface="Anek Telugu SemiBold" pitchFamily="2" charset="0"/>
-              </a:rPr>
-              <a:t>2. </a:t>
-            </a:r>
-            <a:r>
-              <a:rPr lang="te-IN" sz="1600" b="1" dirty="0">
-                <a:latin typeface="Anek Telugu SemiBold" pitchFamily="2" charset="0"/>
-                <a:cs typeface="Anek Telugu SemiBold" pitchFamily="2" charset="0"/>
-              </a:rPr>
-              <a:t>మరణపులోయలో నను కాచినది</a:t>
-            </a:r>
-            <a:endParaRPr lang="en-IN" sz="1600" b="1" dirty="0">
-              <a:latin typeface="Anek Telugu SemiBold" pitchFamily="2" charset="0"/>
-              <a:cs typeface="Anek Telugu SemiBold" pitchFamily="2" charset="0"/>
-            </a:endParaRPr>
-          </a:p>
-          <a:p>
-            <a:pPr>
-              <a:lnSpc>
-                <a:spcPct val="150000"/>
-              </a:lnSpc>
-            </a:pPr>
-            <a:r>
-              <a:rPr lang="te-IN" sz="1600" b="1" dirty="0">
-                <a:latin typeface="Anek Telugu SemiBold" pitchFamily="2" charset="0"/>
-                <a:cs typeface="Anek Telugu SemiBold" pitchFamily="2" charset="0"/>
-              </a:rPr>
-              <a:t>నా శ్రమలో నను ఓదార్చినది</a:t>
-            </a:r>
-            <a:endParaRPr lang="en-IN" sz="1600" b="1" dirty="0">
-              <a:latin typeface="Anek Telugu SemiBold" pitchFamily="2" charset="0"/>
-              <a:cs typeface="Anek Telugu SemiBold" pitchFamily="2" charset="0"/>
-            </a:endParaRPr>
-          </a:p>
-          <a:p>
-            <a:pPr>
-              <a:lnSpc>
-                <a:spcPct val="150000"/>
-              </a:lnSpc>
-            </a:pPr>
-            <a:r>
-              <a:rPr lang="te-IN" sz="1600" b="1" dirty="0">
-                <a:latin typeface="Anek Telugu SemiBold" pitchFamily="2" charset="0"/>
-                <a:cs typeface="Anek Telugu SemiBold" pitchFamily="2" charset="0"/>
-              </a:rPr>
-              <a:t>నను వీడనిది ఎడబాయనిది</a:t>
-            </a:r>
-            <a:endParaRPr lang="en-IN" sz="1600" b="1" dirty="0">
-              <a:latin typeface="Anek Telugu SemiBold" pitchFamily="2" charset="0"/>
-              <a:cs typeface="Anek Telugu SemiBold" pitchFamily="2" charset="0"/>
-            </a:endParaRPr>
-          </a:p>
-          <a:p>
-            <a:pPr>
-              <a:lnSpc>
-                <a:spcPct val="150000"/>
-              </a:lnSpc>
-            </a:pPr>
-            <a:r>
-              <a:rPr lang="te-IN" sz="1600" b="1" dirty="0">
-                <a:latin typeface="Anek Telugu SemiBold" pitchFamily="2" charset="0"/>
-                <a:cs typeface="Anek Telugu SemiBold" pitchFamily="2" charset="0"/>
-              </a:rPr>
-              <a:t>మారనిది  మధురమైనది</a:t>
-            </a:r>
-            <a:endParaRPr lang="en-IN" sz="1600" b="1" dirty="0">
-              <a:latin typeface="Anek Telugu SemiBold" pitchFamily="2" charset="0"/>
-              <a:cs typeface="Anek Telugu SemiBold" pitchFamily="2" charset="0"/>
-            </a:endParaRPr>
-          </a:p>
-          <a:p>
-            <a:pPr>
-              <a:lnSpc>
-                <a:spcPct val="150000"/>
-              </a:lnSpc>
-            </a:pPr>
-            <a:r>
-              <a:rPr lang="te-IN" sz="1600" b="1" dirty="0">
-                <a:latin typeface="Anek Telugu SemiBold" pitchFamily="2" charset="0"/>
-                <a:cs typeface="Anek Telugu SemiBold" pitchFamily="2" charset="0"/>
-              </a:rPr>
-              <a:t>యేసుని ప్రేమ  నా యేసుని ప్రేమ</a:t>
+              <a:rPr lang="te-IN" sz="1350" b="1" dirty="0">
+                <a:latin typeface="Anek Telugu SemiBold" pitchFamily="2" charset="0"/>
+                <a:cs typeface="Anek Telugu SemiBold" pitchFamily="2" charset="0"/>
+              </a:rPr>
+              <a:t>మేలైపోవును  (2)         || ఏమైనా ||</a:t>
             </a:r>
           </a:p>
         </p:txBody>
@@ -4501,8 +4529,8 @@
         </p:nvSpPr>
         <p:spPr>
           <a:xfrm>
-            <a:off x="437934" y="335845"/>
-            <a:ext cx="4640796" cy="5493812"/>
+            <a:off x="321822" y="364873"/>
+            <a:ext cx="4640796" cy="5909310"/>
           </a:xfrm>
           <a:prstGeom prst="rect">
             <a:avLst/>
@@ -4525,9 +4553,58 @@
                 <a:latin typeface="Anek Telugu SemiBold" pitchFamily="2" charset="0"/>
                 <a:cs typeface="Anek Telugu SemiBold" pitchFamily="2" charset="0"/>
               </a:rPr>
-              <a:t>దేవ నడిపించుమా – అనుదినము</a:t>
-            </a:r>
-            <a:endParaRPr lang="en-IN" dirty="0">
+              <a:t>స్తోత్రము స్తుతి స్తోత్రము  </a:t>
+            </a:r>
+          </a:p>
+          <a:p>
+            <a:pPr>
+              <a:lnSpc>
+                <a:spcPct val="150000"/>
+              </a:lnSpc>
+            </a:pPr>
+            <a:r>
+              <a:rPr lang="te-IN" dirty="0">
+                <a:latin typeface="Anek Telugu SemiBold" pitchFamily="2" charset="0"/>
+                <a:cs typeface="Anek Telugu SemiBold" pitchFamily="2" charset="0"/>
+              </a:rPr>
+              <a:t>చెల్లించుడి యేసుకే (2)</a:t>
+            </a:r>
+          </a:p>
+          <a:p>
+            <a:pPr>
+              <a:lnSpc>
+                <a:spcPct val="150000"/>
+              </a:lnSpc>
+            </a:pPr>
+            <a:r>
+              <a:rPr lang="te-IN" dirty="0">
+                <a:latin typeface="Anek Telugu SemiBold" pitchFamily="2" charset="0"/>
+                <a:cs typeface="Anek Telugu SemiBold" pitchFamily="2" charset="0"/>
+              </a:rPr>
+              <a:t>రాజాధిరాజు దేవాధిదేవుడు </a:t>
+            </a:r>
+          </a:p>
+          <a:p>
+            <a:pPr>
+              <a:lnSpc>
+                <a:spcPct val="150000"/>
+              </a:lnSpc>
+            </a:pPr>
+            <a:r>
+              <a:rPr lang="te-IN" dirty="0">
+                <a:latin typeface="Anek Telugu SemiBold" pitchFamily="2" charset="0"/>
+                <a:cs typeface="Anek Telugu SemiBold" pitchFamily="2" charset="0"/>
+              </a:rPr>
+              <a:t> స్తుతులకు పాత్రుడు</a:t>
+            </a:r>
+          </a:p>
+          <a:p>
+            <a:pPr>
+              <a:lnSpc>
+                <a:spcPct val="150000"/>
+              </a:lnSpc>
+            </a:pPr>
+            <a:endParaRPr lang="te-IN" dirty="0">
               <a:latin typeface="Anek Telugu SemiBold" pitchFamily="2" charset="0"/>
               <a:cs typeface="Anek Telugu SemiBold" pitchFamily="2" charset="0"/>
             </a:endParaRPr>
@@ -4539,27 +4616,97 @@
               </a:lnSpc>
             </a:pPr>
             <a:r>
+              <a:rPr lang="en-IN" dirty="0">
+                <a:latin typeface="Anek Telugu SemiBold" pitchFamily="2" charset="0"/>
+                <a:cs typeface="Anek Telugu SemiBold" pitchFamily="2" charset="0"/>
+              </a:rPr>
+              <a:t>1. </a:t>
+            </a:r>
+            <a:r>
               <a:rPr lang="te-IN" dirty="0">
                 <a:latin typeface="Anek Telugu SemiBold" pitchFamily="2" charset="0"/>
                 <a:cs typeface="Anek Telugu SemiBold" pitchFamily="2" charset="0"/>
               </a:rPr>
-              <a:t>పరిశుద్ధాత్మతో</a:t>
+              <a:t>మనుష్య కుమారుడై </a:t>
             </a:r>
             <a:r>
               <a:rPr lang="en-IN" dirty="0">
                 <a:latin typeface="Anek Telugu SemiBold" pitchFamily="2" charset="0"/>
                 <a:cs typeface="Anek Telugu SemiBold" pitchFamily="2" charset="0"/>
               </a:rPr>
-              <a:t> </a:t>
+              <a:t>- </a:t>
             </a:r>
             <a:r>
               <a:rPr lang="te-IN" dirty="0">
                 <a:latin typeface="Anek Telugu SemiBold" pitchFamily="2" charset="0"/>
                 <a:cs typeface="Anek Telugu SemiBold" pitchFamily="2" charset="0"/>
               </a:rPr>
-              <a:t>నడిపించుమా</a:t>
-            </a:r>
-            <a:endParaRPr lang="en-IN" dirty="0">
+              <a:t>మనుజుల పాపముకై</a:t>
+            </a:r>
+          </a:p>
+          <a:p>
+            <a:pPr>
+              <a:lnSpc>
+                <a:spcPct val="150000"/>
+              </a:lnSpc>
+            </a:pPr>
+            <a:r>
+              <a:rPr lang="te-IN" dirty="0">
+                <a:latin typeface="Anek Telugu SemiBold" pitchFamily="2" charset="0"/>
+                <a:cs typeface="Anek Telugu SemiBold" pitchFamily="2" charset="0"/>
+              </a:rPr>
+              <a:t>మహిలోన వెలసెను </a:t>
+            </a:r>
+            <a:r>
+              <a:rPr lang="en-IN" dirty="0">
+                <a:latin typeface="Anek Telugu SemiBold" pitchFamily="2" charset="0"/>
+                <a:cs typeface="Anek Telugu SemiBold" pitchFamily="2" charset="0"/>
+              </a:rPr>
+              <a:t> - </a:t>
+            </a:r>
+            <a:r>
+              <a:rPr lang="te-IN" dirty="0">
+                <a:latin typeface="Anek Telugu SemiBold" pitchFamily="2" charset="0"/>
+                <a:cs typeface="Anek Telugu SemiBold" pitchFamily="2" charset="0"/>
+              </a:rPr>
+              <a:t>మరణించి లేచెను (2)</a:t>
+            </a:r>
+          </a:p>
+          <a:p>
+            <a:pPr>
+              <a:lnSpc>
+                <a:spcPct val="150000"/>
+              </a:lnSpc>
+            </a:pPr>
+            <a:r>
+              <a:rPr lang="te-IN" dirty="0">
+                <a:latin typeface="Anek Telugu SemiBold" pitchFamily="2" charset="0"/>
+                <a:cs typeface="Anek Telugu SemiBold" pitchFamily="2" charset="0"/>
+              </a:rPr>
+              <a:t>మహిమ స్వరూపుడు </a:t>
+            </a:r>
+          </a:p>
+          <a:p>
+            <a:pPr>
+              <a:lnSpc>
+                <a:spcPct val="150000"/>
+              </a:lnSpc>
+            </a:pPr>
+            <a:r>
+              <a:rPr lang="te-IN" dirty="0">
+                <a:latin typeface="Anek Telugu SemiBold" pitchFamily="2" charset="0"/>
+                <a:cs typeface="Anek Telugu SemiBold" pitchFamily="2" charset="0"/>
+              </a:rPr>
+              <a:t>మహిమ స్వరూపుడు</a:t>
+            </a:r>
+          </a:p>
+          <a:p>
+            <a:pPr>
+              <a:lnSpc>
+                <a:spcPct val="150000"/>
+              </a:lnSpc>
+            </a:pPr>
+            <a:endParaRPr lang="te-IN" dirty="0">
               <a:latin typeface="Anek Telugu SemiBold" pitchFamily="2" charset="0"/>
               <a:cs typeface="Anek Telugu SemiBold" pitchFamily="2" charset="0"/>
             </a:endParaRPr>
@@ -4571,16 +4718,33 @@
               </a:lnSpc>
             </a:pPr>
             <a:r>
+              <a:rPr lang="en-IN" dirty="0">
+                <a:latin typeface="Anek Telugu SemiBold" pitchFamily="2" charset="0"/>
+                <a:cs typeface="Anek Telugu SemiBold" pitchFamily="2" charset="0"/>
+              </a:rPr>
+              <a:t>2.</a:t>
+            </a:r>
+            <a:r>
               <a:rPr lang="te-IN" dirty="0">
                 <a:latin typeface="Anek Telugu SemiBold" pitchFamily="2" charset="0"/>
                 <a:cs typeface="Anek Telugu SemiBold" pitchFamily="2" charset="0"/>
               </a:rPr>
-              <a:t>యేసయ్యా......యేసయ్యా.......హల్లెలూయా</a:t>
-            </a:r>
-            <a:endParaRPr lang="en-IN" dirty="0">
-              <a:latin typeface="Anek Telugu SemiBold" pitchFamily="2" charset="0"/>
-              <a:cs typeface="Anek Telugu SemiBold" pitchFamily="2" charset="0"/>
-            </a:endParaRPr>
+              <a:t>పాపపు వస్త్రము మార్చి </a:t>
+            </a:r>
+            <a:r>
+              <a:rPr lang="en-IN" dirty="0">
+                <a:latin typeface="Anek Telugu SemiBold" pitchFamily="2" charset="0"/>
+                <a:cs typeface="Anek Telugu SemiBold" pitchFamily="2" charset="0"/>
+              </a:rPr>
+              <a:t>- </a:t>
+            </a:r>
+            <a:r>
+              <a:rPr lang="te-IN" dirty="0">
+                <a:latin typeface="Anek Telugu SemiBold" pitchFamily="2" charset="0"/>
+                <a:cs typeface="Anek Telugu SemiBold" pitchFamily="2" charset="0"/>
+              </a:rPr>
+              <a:t>నీతిమంతులుగ తీర్చి</a:t>
+            </a:r>
           </a:p>
           <a:p>
             <a:pPr>
@@ -4588,10 +4752,27 @@
                 <a:spcPct val="150000"/>
               </a:lnSpc>
             </a:pPr>
-            <a:endParaRPr lang="en-IN" dirty="0">
-              <a:latin typeface="Anek Telugu SemiBold" pitchFamily="2" charset="0"/>
-              <a:cs typeface="Anek Telugu SemiBold" pitchFamily="2" charset="0"/>
-            </a:endParaRPr>
+            <a:r>
+              <a:rPr lang="te-IN" dirty="0">
+                <a:latin typeface="Anek Telugu SemiBold" pitchFamily="2" charset="0"/>
+                <a:cs typeface="Anek Telugu SemiBold" pitchFamily="2" charset="0"/>
+              </a:rPr>
+              <a:t>పరిశుద్దులతో చేర్చి  </a:t>
+            </a:r>
+            <a:r>
+              <a:rPr lang="en-IN" dirty="0">
+                <a:latin typeface="Anek Telugu SemiBold" pitchFamily="2" charset="0"/>
+                <a:cs typeface="Anek Telugu SemiBold" pitchFamily="2" charset="0"/>
+              </a:rPr>
+              <a:t>- </a:t>
+            </a:r>
+            <a:r>
+              <a:rPr lang="te-IN" dirty="0">
+                <a:latin typeface="Anek Telugu SemiBold" pitchFamily="2" charset="0"/>
+                <a:cs typeface="Anek Telugu SemiBold" pitchFamily="2" charset="0"/>
+              </a:rPr>
+              <a:t>పరమ సౌభాగ్యము నిచ్చి (2)</a:t>
+            </a:r>
           </a:p>
           <a:p>
             <a:pPr>
@@ -4600,23 +4781,12 @@
               </a:lnSpc>
             </a:pPr>
             <a:r>
-              <a:rPr lang="en-IN" dirty="0">
-                <a:latin typeface="Anek Telugu SemiBold" pitchFamily="2" charset="0"/>
-                <a:cs typeface="Anek Telugu SemiBold" pitchFamily="2" charset="0"/>
-              </a:rPr>
-              <a:t>1. </a:t>
-            </a:r>
-            <a:r>
               <a:rPr lang="te-IN" dirty="0">
                 <a:latin typeface="Anek Telugu SemiBold" pitchFamily="2" charset="0"/>
                 <a:cs typeface="Anek Telugu SemiBold" pitchFamily="2" charset="0"/>
               </a:rPr>
-              <a:t>పాటలతో నడిపించుమా –</a:t>
-            </a:r>
-            <a:endParaRPr lang="en-IN" dirty="0">
-              <a:latin typeface="Anek Telugu SemiBold" pitchFamily="2" charset="0"/>
-              <a:cs typeface="Anek Telugu SemiBold" pitchFamily="2" charset="0"/>
-            </a:endParaRPr>
+              <a:t>మహిమ స్వరూపుడు </a:t>
+            </a:r>
           </a:p>
           <a:p>
             <a:pPr>
@@ -4629,133 +4799,7 @@
                 <a:latin typeface="Anek Telugu SemiBold" pitchFamily="2" charset="0"/>
                 <a:cs typeface="Anek Telugu SemiBold" pitchFamily="2" charset="0"/>
               </a:rPr>
-              <a:t>ప్రార్థనతో నడిపించుమా</a:t>
-            </a:r>
-            <a:endParaRPr lang="en-IN" dirty="0">
-              <a:latin typeface="Anek Telugu SemiBold" pitchFamily="2" charset="0"/>
-              <a:cs typeface="Anek Telugu SemiBold" pitchFamily="2" charset="0"/>
-            </a:endParaRPr>
-          </a:p>
-          <a:p>
-            <a:pPr>
-              <a:lnSpc>
-                <a:spcPct val="150000"/>
-              </a:lnSpc>
-            </a:pPr>
-            <a:r>
-              <a:rPr lang="te-IN" dirty="0">
-                <a:latin typeface="Anek Telugu SemiBold" pitchFamily="2" charset="0"/>
-                <a:cs typeface="Anek Telugu SemiBold" pitchFamily="2" charset="0"/>
-              </a:rPr>
-              <a:t>వాక్యముతో నడిపించుమా-</a:t>
-            </a:r>
-            <a:endParaRPr lang="en-IN" dirty="0">
-              <a:latin typeface="Anek Telugu SemiBold" pitchFamily="2" charset="0"/>
-              <a:cs typeface="Anek Telugu SemiBold" pitchFamily="2" charset="0"/>
-            </a:endParaRPr>
-          </a:p>
-          <a:p>
-            <a:pPr>
-              <a:lnSpc>
-                <a:spcPct val="150000"/>
-              </a:lnSpc>
-            </a:pPr>
-            <a:r>
-              <a:rPr lang="te-IN" dirty="0">
-                <a:latin typeface="Anek Telugu SemiBold" pitchFamily="2" charset="0"/>
-                <a:cs typeface="Anek Telugu SemiBold" pitchFamily="2" charset="0"/>
-              </a:rPr>
-              <a:t>సాక్షముతో నడిపించుమా దేవా!</a:t>
-            </a:r>
-            <a:endParaRPr lang="en-IN" dirty="0">
-              <a:latin typeface="Anek Telugu SemiBold" pitchFamily="2" charset="0"/>
-              <a:cs typeface="Anek Telugu SemiBold" pitchFamily="2" charset="0"/>
-            </a:endParaRPr>
-          </a:p>
-          <a:p>
-            <a:pPr>
-              <a:lnSpc>
-                <a:spcPct val="150000"/>
-              </a:lnSpc>
-            </a:pPr>
-            <a:endParaRPr lang="en-IN" dirty="0">
-              <a:latin typeface="Anek Telugu SemiBold" pitchFamily="2" charset="0"/>
-              <a:cs typeface="Anek Telugu SemiBold" pitchFamily="2" charset="0"/>
-            </a:endParaRPr>
-          </a:p>
-          <a:p>
-            <a:pPr>
-              <a:lnSpc>
-                <a:spcPct val="150000"/>
-              </a:lnSpc>
-            </a:pPr>
-            <a:r>
-              <a:rPr lang="en-IN" dirty="0">
-                <a:latin typeface="Anek Telugu SemiBold" pitchFamily="2" charset="0"/>
-                <a:cs typeface="Anek Telugu SemiBold" pitchFamily="2" charset="0"/>
-              </a:rPr>
-              <a:t>2. </a:t>
-            </a:r>
-            <a:r>
-              <a:rPr lang="te-IN" dirty="0">
-                <a:latin typeface="Anek Telugu SemiBold" pitchFamily="2" charset="0"/>
-                <a:cs typeface="Anek Telugu SemiBold" pitchFamily="2" charset="0"/>
-              </a:rPr>
-              <a:t>కాపరియై నడిపించుమా –</a:t>
-            </a:r>
-            <a:endParaRPr lang="en-IN" dirty="0">
-              <a:latin typeface="Anek Telugu SemiBold" pitchFamily="2" charset="0"/>
-              <a:cs typeface="Anek Telugu SemiBold" pitchFamily="2" charset="0"/>
-            </a:endParaRPr>
-          </a:p>
-          <a:p>
-            <a:pPr>
-              <a:lnSpc>
-                <a:spcPct val="150000"/>
-              </a:lnSpc>
-            </a:pPr>
-            <a:r>
-              <a:rPr lang="te-IN" dirty="0">
-                <a:latin typeface="Anek Telugu SemiBold" pitchFamily="2" charset="0"/>
-                <a:cs typeface="Anek Telugu SemiBold" pitchFamily="2" charset="0"/>
-              </a:rPr>
-              <a:t>ఊపిరి నీవై నడిపించుమా</a:t>
-            </a:r>
-            <a:endParaRPr lang="en-IN" dirty="0">
-              <a:latin typeface="Anek Telugu SemiBold" pitchFamily="2" charset="0"/>
-              <a:cs typeface="Anek Telugu SemiBold" pitchFamily="2" charset="0"/>
-            </a:endParaRPr>
-          </a:p>
-          <a:p>
-            <a:pPr>
-              <a:lnSpc>
-                <a:spcPct val="150000"/>
-              </a:lnSpc>
-            </a:pPr>
-            <a:r>
-              <a:rPr lang="te-IN" dirty="0">
-                <a:latin typeface="Anek Telugu SemiBold" pitchFamily="2" charset="0"/>
-                <a:cs typeface="Anek Telugu SemiBold" pitchFamily="2" charset="0"/>
-              </a:rPr>
-              <a:t>యాజకుడావై నడిపించుమా –</a:t>
-            </a:r>
-            <a:endParaRPr lang="en-IN" dirty="0">
-              <a:latin typeface="Anek Telugu SemiBold" pitchFamily="2" charset="0"/>
-              <a:cs typeface="Anek Telugu SemiBold" pitchFamily="2" charset="0"/>
-            </a:endParaRPr>
-          </a:p>
-          <a:p>
-            <a:pPr>
-              <a:lnSpc>
-                <a:spcPct val="150000"/>
-              </a:lnSpc>
-            </a:pPr>
-            <a:r>
-              <a:rPr lang="te-IN" dirty="0">
-                <a:latin typeface="Anek Telugu SemiBold" pitchFamily="2" charset="0"/>
-                <a:cs typeface="Anek Telugu SemiBold" pitchFamily="2" charset="0"/>
-              </a:rPr>
-              <a:t>భోదకుడావై భోదించుమా దేవా!</a:t>
+              <a:t>మహిమ స్వరూపుడు</a:t>
             </a:r>
           </a:p>
         </p:txBody>
@@ -4798,9 +4842,58 @@
                 <a:latin typeface="Anek Telugu SemiBold" pitchFamily="2" charset="0"/>
                 <a:cs typeface="Anek Telugu SemiBold" pitchFamily="2" charset="0"/>
               </a:rPr>
-              <a:t>నా జీవిత భాగస్వామివి నీవు</a:t>
-            </a:r>
-            <a:endParaRPr lang="en-IN" sz="1700" b="1" dirty="0">
+              <a:t>సుగుణాల సంపన్నుడా</a:t>
+            </a:r>
+          </a:p>
+          <a:p>
+            <a:pPr defTabSz="439781">
+              <a:lnSpc>
+                <a:spcPct val="150000"/>
+              </a:lnSpc>
+            </a:pPr>
+            <a:r>
+              <a:rPr lang="te-IN" sz="1700" b="1" dirty="0">
+                <a:latin typeface="Anek Telugu SemiBold" pitchFamily="2" charset="0"/>
+                <a:cs typeface="Anek Telugu SemiBold" pitchFamily="2" charset="0"/>
+              </a:rPr>
+              <a:t>స్తుతిగానాల వారసుడా</a:t>
+            </a:r>
+          </a:p>
+          <a:p>
+            <a:pPr defTabSz="439781">
+              <a:lnSpc>
+                <a:spcPct val="150000"/>
+              </a:lnSpc>
+            </a:pPr>
+            <a:r>
+              <a:rPr lang="te-IN" sz="1700" b="1" dirty="0">
+                <a:latin typeface="Anek Telugu SemiBold" pitchFamily="2" charset="0"/>
+                <a:cs typeface="Anek Telugu SemiBold" pitchFamily="2" charset="0"/>
+              </a:rPr>
+              <a:t>జీవింతును నిత్యము నీ నీడలో</a:t>
+            </a:r>
+          </a:p>
+          <a:p>
+            <a:pPr defTabSz="439781">
+              <a:lnSpc>
+                <a:spcPct val="150000"/>
+              </a:lnSpc>
+            </a:pPr>
+            <a:r>
+              <a:rPr lang="te-IN" sz="1700" b="1" dirty="0">
+                <a:latin typeface="Anek Telugu SemiBold" pitchFamily="2" charset="0"/>
+                <a:cs typeface="Anek Telugu SemiBold" pitchFamily="2" charset="0"/>
+              </a:rPr>
+              <a:t>ఆస్వాదింతును నీ మాటల మకరందము</a:t>
+            </a:r>
+          </a:p>
+          <a:p>
+            <a:pPr defTabSz="439781">
+              <a:lnSpc>
+                <a:spcPct val="150000"/>
+              </a:lnSpc>
+            </a:pPr>
+            <a:endParaRPr lang="te-IN" sz="1700" b="1" dirty="0">
               <a:latin typeface="Anek Telugu SemiBold" pitchFamily="2" charset="0"/>
               <a:cs typeface="Anek Telugu SemiBold" pitchFamily="2" charset="0"/>
             </a:endParaRPr>
@@ -4812,13 +4905,69 @@
               </a:lnSpc>
             </a:pPr>
             <a:r>
+              <a:rPr lang="en-IN" sz="1700" b="1" dirty="0">
+                <a:latin typeface="Anek Telugu SemiBold" pitchFamily="2" charset="0"/>
+                <a:cs typeface="Anek Telugu SemiBold" pitchFamily="2" charset="0"/>
+              </a:rPr>
+              <a:t>1. </a:t>
+            </a:r>
+            <a:r>
               <a:rPr lang="te-IN" sz="1700" b="1" dirty="0">
                 <a:latin typeface="Anek Telugu SemiBold" pitchFamily="2" charset="0"/>
                 <a:cs typeface="Anek Telugu SemiBold" pitchFamily="2" charset="0"/>
               </a:rPr>
-              <a:t>నా ప్రాణముతో పెనవేసుకున్నావు నీవు (2)</a:t>
-            </a:r>
-            <a:endParaRPr lang="en-IN" sz="1700" b="1" dirty="0">
+              <a:t>యేసయ్య నీతో జీవించగానే</a:t>
+            </a:r>
+          </a:p>
+          <a:p>
+            <a:pPr defTabSz="439781">
+              <a:lnSpc>
+                <a:spcPct val="150000"/>
+              </a:lnSpc>
+            </a:pPr>
+            <a:r>
+              <a:rPr lang="te-IN" sz="1700" b="1" dirty="0">
+                <a:latin typeface="Anek Telugu SemiBold" pitchFamily="2" charset="0"/>
+                <a:cs typeface="Anek Telugu SemiBold" pitchFamily="2" charset="0"/>
+              </a:rPr>
+              <a:t>నా బ్రతుకు బ్రతుకుగా మారేనులే</a:t>
+            </a:r>
+          </a:p>
+          <a:p>
+            <a:pPr defTabSz="439781">
+              <a:lnSpc>
+                <a:spcPct val="150000"/>
+              </a:lnSpc>
+            </a:pPr>
+            <a:r>
+              <a:rPr lang="te-IN" sz="1700" b="1" dirty="0">
+                <a:latin typeface="Anek Telugu SemiBold" pitchFamily="2" charset="0"/>
+                <a:cs typeface="Anek Telugu SemiBold" pitchFamily="2" charset="0"/>
+              </a:rPr>
+              <a:t>నాట్యమాడేను నా అంతరంగము</a:t>
+            </a:r>
+          </a:p>
+          <a:p>
+            <a:pPr defTabSz="439781">
+              <a:lnSpc>
+                <a:spcPct val="150000"/>
+              </a:lnSpc>
+            </a:pPr>
+            <a:r>
+              <a:rPr lang="te-IN" sz="1700" b="1" dirty="0">
+                <a:latin typeface="Anek Telugu SemiBold" pitchFamily="2" charset="0"/>
+                <a:cs typeface="Anek Telugu SemiBold" pitchFamily="2" charset="0"/>
+              </a:rPr>
+              <a:t>ఇది రక్షణానంద భాగ్యమే</a:t>
+            </a:r>
+          </a:p>
+          <a:p>
+            <a:pPr defTabSz="439781">
+              <a:lnSpc>
+                <a:spcPct val="150000"/>
+              </a:lnSpc>
+            </a:pPr>
+            <a:endParaRPr lang="te-IN" sz="1700" b="1" dirty="0">
               <a:latin typeface="Anek Telugu SemiBold" pitchFamily="2" charset="0"/>
               <a:cs typeface="Anek Telugu SemiBold" pitchFamily="2" charset="0"/>
             </a:endParaRPr>
@@ -4830,16 +4979,19 @@
               </a:lnSpc>
             </a:pPr>
             <a:r>
+              <a:rPr lang="en-IN" sz="1700" b="1" dirty="0">
+                <a:latin typeface="Anek Telugu SemiBold" pitchFamily="2" charset="0"/>
+                <a:cs typeface="Anek Telugu SemiBold" pitchFamily="2" charset="0"/>
+              </a:rPr>
+              <a:t>2. </a:t>
+            </a:r>
+            <a:r>
               <a:rPr lang="te-IN" sz="1700" b="1" dirty="0">
                 <a:latin typeface="Anek Telugu SemiBold" pitchFamily="2" charset="0"/>
                 <a:cs typeface="Anek Telugu SemiBold" pitchFamily="2" charset="0"/>
               </a:rPr>
-              <a:t>నాకే సమృద్దిగా నీ కృపను పంచావు</a:t>
-            </a:r>
-            <a:endParaRPr lang="en-IN" sz="1700" b="1" dirty="0">
-              <a:latin typeface="Anek Telugu SemiBold" pitchFamily="2" charset="0"/>
-              <a:cs typeface="Anek Telugu SemiBold" pitchFamily="2" charset="0"/>
-            </a:endParaRPr>
+              <a:t>యేసయ్య నిన్ను వెన్నంటగానే</a:t>
+            </a:r>
           </a:p>
           <a:p>
             <a:pPr defTabSz="439781">
@@ -4852,12 +5004,8 @@
                 <a:latin typeface="Anek Telugu SemiBold" pitchFamily="2" charset="0"/>
                 <a:cs typeface="Anek Telugu SemiBold" pitchFamily="2" charset="0"/>
               </a:rPr>
-              <a:t>నా యేసురాజ కృపాసాగరా అనంతస్తోత్రార్హుడా (2)</a:t>
-            </a:r>
-            <a:endParaRPr lang="en-IN" sz="1700" b="1" dirty="0">
-              <a:latin typeface="Anek Telugu SemiBold" pitchFamily="2" charset="0"/>
-              <a:cs typeface="Anek Telugu SemiBold" pitchFamily="2" charset="0"/>
-            </a:endParaRPr>
+              <a:t>ఆజ్ఞల మార్గము కనిపించెనే</a:t>
+            </a:r>
           </a:p>
           <a:p>
             <a:pPr defTabSz="439781">
@@ -4865,10 +5013,13 @@
                 <a:spcPct val="150000"/>
               </a:lnSpc>
             </a:pPr>
-            <a:endParaRPr lang="en-IN" sz="1700" b="1" dirty="0">
-              <a:latin typeface="Anek Telugu SemiBold" pitchFamily="2" charset="0"/>
-              <a:cs typeface="Anek Telugu SemiBold" pitchFamily="2" charset="0"/>
-            </a:endParaRPr>
+            <a:r>
+              <a:rPr lang="te-IN" sz="1700" b="1" dirty="0">
+                <a:latin typeface="Anek Telugu SemiBold" pitchFamily="2" charset="0"/>
+                <a:cs typeface="Anek Telugu SemiBold" pitchFamily="2" charset="0"/>
+              </a:rPr>
+              <a:t>నీవు నన్ను నడిపించగలవు</a:t>
+            </a:r>
           </a:p>
           <a:p>
             <a:pPr defTabSz="439781">
@@ -4877,162 +5028,11 @@
               </a:lnSpc>
             </a:pPr>
             <a:r>
-              <a:rPr lang="en-IN" sz="1700" b="1" dirty="0">
-                <a:latin typeface="Anek Telugu SemiBold" pitchFamily="2" charset="0"/>
-                <a:cs typeface="Anek Telugu SemiBold" pitchFamily="2" charset="0"/>
-              </a:rPr>
-              <a:t>1. </a:t>
-            </a:r>
-            <a:r>
               <a:rPr lang="te-IN" sz="1700" b="1" dirty="0">
                 <a:latin typeface="Anek Telugu SemiBold" pitchFamily="2" charset="0"/>
                 <a:cs typeface="Anek Telugu SemiBold" pitchFamily="2" charset="0"/>
               </a:rPr>
-              <a:t>నీ దయగల కనుసైగలే ధైర్యపరచినవి</a:t>
-            </a:r>
-            <a:endParaRPr lang="en-IN" sz="1700" b="1" dirty="0">
-              <a:latin typeface="Anek Telugu SemiBold" pitchFamily="2" charset="0"/>
-              <a:cs typeface="Anek Telugu SemiBold" pitchFamily="2" charset="0"/>
-            </a:endParaRPr>
-          </a:p>
-          <a:p>
-            <a:pPr defTabSz="439781">
-              <a:lnSpc>
-                <a:spcPct val="150000"/>
-              </a:lnSpc>
-            </a:pPr>
-            <a:r>
-              <a:rPr lang="te-IN" sz="1700" b="1" dirty="0">
-                <a:latin typeface="Anek Telugu SemiBold" pitchFamily="2" charset="0"/>
-                <a:cs typeface="Anek Telugu SemiBold" pitchFamily="2" charset="0"/>
-              </a:rPr>
-              <a:t>నీ అడుగుజాడలే నాకు త్రోవను చూపినవి (2)</a:t>
-            </a:r>
-            <a:endParaRPr lang="en-IN" sz="1700" b="1" dirty="0">
-              <a:latin typeface="Anek Telugu SemiBold" pitchFamily="2" charset="0"/>
-              <a:cs typeface="Anek Telugu SemiBold" pitchFamily="2" charset="0"/>
-            </a:endParaRPr>
-          </a:p>
-          <a:p>
-            <a:pPr defTabSz="439781">
-              <a:lnSpc>
-                <a:spcPct val="150000"/>
-              </a:lnSpc>
-            </a:pPr>
-            <a:r>
-              <a:rPr lang="te-IN" sz="1700" b="1" dirty="0">
-                <a:latin typeface="Anek Telugu SemiBold" pitchFamily="2" charset="0"/>
-                <a:cs typeface="Anek Telugu SemiBold" pitchFamily="2" charset="0"/>
-              </a:rPr>
-              <a:t>నీ రాజ్య పౌరునిగా నన్ను మార్చితివి</a:t>
-            </a:r>
-            <a:endParaRPr lang="en-IN" sz="1700" b="1" dirty="0">
-              <a:latin typeface="Anek Telugu SemiBold" pitchFamily="2" charset="0"/>
-              <a:cs typeface="Anek Telugu SemiBold" pitchFamily="2" charset="0"/>
-            </a:endParaRPr>
-          </a:p>
-          <a:p>
-            <a:pPr defTabSz="439781">
-              <a:lnSpc>
-                <a:spcPct val="150000"/>
-              </a:lnSpc>
-            </a:pPr>
-            <a:r>
-              <a:rPr lang="te-IN" sz="1700" b="1" dirty="0">
-                <a:latin typeface="Anek Telugu SemiBold" pitchFamily="2" charset="0"/>
-                <a:cs typeface="Anek Telugu SemiBold" pitchFamily="2" charset="0"/>
-              </a:rPr>
-              <a:t>నీ సైన్యములో నన్ను చేర్చితివి (2)</a:t>
-            </a:r>
-            <a:endParaRPr lang="en-IN" sz="1700" b="1" dirty="0">
-              <a:latin typeface="Anek Telugu SemiBold" pitchFamily="2" charset="0"/>
-              <a:cs typeface="Anek Telugu SemiBold" pitchFamily="2" charset="0"/>
-            </a:endParaRPr>
-          </a:p>
-          <a:p>
-            <a:pPr defTabSz="439781">
-              <a:lnSpc>
-                <a:spcPct val="150000"/>
-              </a:lnSpc>
-            </a:pPr>
-            <a:endParaRPr lang="en-IN" sz="1700" b="1" dirty="0">
-              <a:latin typeface="Anek Telugu SemiBold" pitchFamily="2" charset="0"/>
-              <a:cs typeface="Anek Telugu SemiBold" pitchFamily="2" charset="0"/>
-            </a:endParaRPr>
-          </a:p>
-          <a:p>
-            <a:pPr defTabSz="439781">
-              <a:lnSpc>
-                <a:spcPct val="150000"/>
-              </a:lnSpc>
-            </a:pPr>
-            <a:r>
-              <a:rPr lang="en-IN" sz="1700" b="1" dirty="0">
-                <a:latin typeface="Anek Telugu SemiBold" pitchFamily="2" charset="0"/>
-                <a:cs typeface="Anek Telugu SemiBold" pitchFamily="2" charset="0"/>
-              </a:rPr>
-              <a:t>2. </a:t>
-            </a:r>
-            <a:r>
-              <a:rPr lang="te-IN" sz="1700" b="1" dirty="0">
-                <a:latin typeface="Anek Telugu SemiBold" pitchFamily="2" charset="0"/>
-                <a:cs typeface="Anek Telugu SemiBold" pitchFamily="2" charset="0"/>
-              </a:rPr>
-              <a:t>నీ దయగల మాటలే చేరదీసినవి</a:t>
-            </a:r>
-            <a:endParaRPr lang="en-IN" sz="1700" b="1" dirty="0">
-              <a:latin typeface="Anek Telugu SemiBold" pitchFamily="2" charset="0"/>
-              <a:cs typeface="Anek Telugu SemiBold" pitchFamily="2" charset="0"/>
-            </a:endParaRPr>
-          </a:p>
-          <a:p>
-            <a:pPr defTabSz="439781">
-              <a:lnSpc>
-                <a:spcPct val="150000"/>
-              </a:lnSpc>
-            </a:pPr>
-            <a:r>
-              <a:rPr lang="te-IN" sz="1700" b="1" dirty="0">
-                <a:latin typeface="Anek Telugu SemiBold" pitchFamily="2" charset="0"/>
-                <a:cs typeface="Anek Telugu SemiBold" pitchFamily="2" charset="0"/>
-              </a:rPr>
-              <a:t>నీతి నియమాలలో నన్ను నడిపించుచున్నవి (2)</a:t>
-            </a:r>
-            <a:endParaRPr lang="en-IN" sz="1700" b="1" dirty="0">
-              <a:latin typeface="Anek Telugu SemiBold" pitchFamily="2" charset="0"/>
-              <a:cs typeface="Anek Telugu SemiBold" pitchFamily="2" charset="0"/>
-            </a:endParaRPr>
-          </a:p>
-          <a:p>
-            <a:pPr defTabSz="439781">
-              <a:lnSpc>
-                <a:spcPct val="150000"/>
-              </a:lnSpc>
-            </a:pPr>
-            <a:r>
-              <a:rPr lang="te-IN" sz="1700" b="1" dirty="0">
-                <a:latin typeface="Anek Telugu SemiBold" pitchFamily="2" charset="0"/>
-                <a:cs typeface="Anek Telugu SemiBold" pitchFamily="2" charset="0"/>
-              </a:rPr>
-              <a:t>నీ కృపనే ధ్వజముగ నాపైన నిల్పితివి</a:t>
-            </a:r>
-            <a:endParaRPr lang="en-IN" sz="1700" b="1" dirty="0">
-              <a:latin typeface="Anek Telugu SemiBold" pitchFamily="2" charset="0"/>
-              <a:cs typeface="Anek Telugu SemiBold" pitchFamily="2" charset="0"/>
-            </a:endParaRPr>
-          </a:p>
-          <a:p>
-            <a:pPr defTabSz="439781">
-              <a:lnSpc>
-                <a:spcPct val="150000"/>
-              </a:lnSpc>
-            </a:pPr>
-            <a:r>
-              <a:rPr lang="te-IN" sz="1700" b="1" dirty="0">
-                <a:latin typeface="Anek Telugu SemiBold" pitchFamily="2" charset="0"/>
-                <a:cs typeface="Anek Telugu SemiBold" pitchFamily="2" charset="0"/>
-              </a:rPr>
-              <a:t>నీ విందుశాలకు నను చేర్చితివి (2)</a:t>
+              <a:t>నేను నడువ వలసిన త్రోవలో</a:t>
             </a:r>
           </a:p>
         </p:txBody>

--- a/songsTemplate.pptx
+++ b/songsTemplate.pptx
@@ -135,12 +135,12 @@
   <pc:docChgLst>
     <pc:chgData name="Venu Yalapala" userId="9feb8bbceceecaca" providerId="LiveId" clId="{54B247B9-47FF-4355-BF58-C7E85F55D2E7}"/>
     <pc:docChg chg="undo redo custSel addSld delSld modSld modMainMaster">
-      <pc:chgData name="Venu Yalapala" userId="9feb8bbceceecaca" providerId="LiveId" clId="{54B247B9-47FF-4355-BF58-C7E85F55D2E7}" dt="2025-09-20T05:40:36.008" v="688" actId="403"/>
+      <pc:chgData name="Venu Yalapala" userId="9feb8bbceceecaca" providerId="LiveId" clId="{54B247B9-47FF-4355-BF58-C7E85F55D2E7}" dt="2025-09-26T17:20:38.254" v="803" actId="20577"/>
       <pc:docMkLst>
         <pc:docMk/>
       </pc:docMkLst>
       <pc:sldChg chg="addSp delSp modSp new mod">
-        <pc:chgData name="Venu Yalapala" userId="9feb8bbceceecaca" providerId="LiveId" clId="{54B247B9-47FF-4355-BF58-C7E85F55D2E7}" dt="2025-09-20T05:36:17.186" v="598" actId="1035"/>
+        <pc:chgData name="Venu Yalapala" userId="9feb8bbceceecaca" providerId="LiveId" clId="{54B247B9-47FF-4355-BF58-C7E85F55D2E7}" dt="2025-09-26T17:18:13.057" v="764" actId="403"/>
         <pc:sldMkLst>
           <pc:docMk/>
           <pc:sldMk cId="2235425515" sldId="256"/>
@@ -154,7 +154,7 @@
           </ac:spMkLst>
         </pc:spChg>
         <pc:spChg chg="add mod ord">
-          <ac:chgData name="Venu Yalapala" userId="9feb8bbceceecaca" providerId="LiveId" clId="{54B247B9-47FF-4355-BF58-C7E85F55D2E7}" dt="2025-09-20T05:33:13.413" v="540" actId="404"/>
+          <ac:chgData name="Venu Yalapala" userId="9feb8bbceceecaca" providerId="LiveId" clId="{54B247B9-47FF-4355-BF58-C7E85F55D2E7}" dt="2025-09-26T17:14:01.608" v="698" actId="255"/>
           <ac:spMkLst>
             <pc:docMk/>
             <pc:sldMk cId="2235425515" sldId="256"/>
@@ -162,7 +162,7 @@
           </ac:spMkLst>
         </pc:spChg>
         <pc:spChg chg="add mod">
-          <ac:chgData name="Venu Yalapala" userId="9feb8bbceceecaca" providerId="LiveId" clId="{54B247B9-47FF-4355-BF58-C7E85F55D2E7}" dt="2025-09-20T05:34:30.133" v="564" actId="20577"/>
+          <ac:chgData name="Venu Yalapala" userId="9feb8bbceceecaca" providerId="LiveId" clId="{54B247B9-47FF-4355-BF58-C7E85F55D2E7}" dt="2025-09-26T17:14:38.521" v="707" actId="20577"/>
           <ac:spMkLst>
             <pc:docMk/>
             <pc:sldMk cId="2235425515" sldId="256"/>
@@ -178,7 +178,7 @@
           </ac:spMkLst>
         </pc:spChg>
         <pc:spChg chg="add mod">
-          <ac:chgData name="Venu Yalapala" userId="9feb8bbceceecaca" providerId="LiveId" clId="{54B247B9-47FF-4355-BF58-C7E85F55D2E7}" dt="2025-09-20T05:36:17.186" v="598" actId="1035"/>
+          <ac:chgData name="Venu Yalapala" userId="9feb8bbceceecaca" providerId="LiveId" clId="{54B247B9-47FF-4355-BF58-C7E85F55D2E7}" dt="2025-09-26T17:18:13.057" v="764" actId="403"/>
           <ac:spMkLst>
             <pc:docMk/>
             <pc:sldMk cId="2235425515" sldId="256"/>
@@ -186,7 +186,7 @@
           </ac:spMkLst>
         </pc:spChg>
         <pc:spChg chg="add mod">
-          <ac:chgData name="Venu Yalapala" userId="9feb8bbceceecaca" providerId="LiveId" clId="{54B247B9-47FF-4355-BF58-C7E85F55D2E7}" dt="2025-09-20T05:33:46.426" v="543" actId="14100"/>
+          <ac:chgData name="Venu Yalapala" userId="9feb8bbceceecaca" providerId="LiveId" clId="{54B247B9-47FF-4355-BF58-C7E85F55D2E7}" dt="2025-09-26T17:18:03.404" v="763" actId="255"/>
           <ac:spMkLst>
             <pc:docMk/>
             <pc:sldMk cId="2235425515" sldId="256"/>
@@ -218,13 +218,13 @@
         </pc:spChg>
       </pc:sldChg>
       <pc:sldChg chg="addSp modSp new mod">
-        <pc:chgData name="Venu Yalapala" userId="9feb8bbceceecaca" providerId="LiveId" clId="{54B247B9-47FF-4355-BF58-C7E85F55D2E7}" dt="2025-09-20T05:40:36.008" v="688" actId="403"/>
+        <pc:chgData name="Venu Yalapala" userId="9feb8bbceceecaca" providerId="LiveId" clId="{54B247B9-47FF-4355-BF58-C7E85F55D2E7}" dt="2025-09-26T17:20:38.254" v="803" actId="20577"/>
         <pc:sldMkLst>
           <pc:docMk/>
           <pc:sldMk cId="2717619941" sldId="257"/>
         </pc:sldMkLst>
         <pc:spChg chg="add mod">
-          <ac:chgData name="Venu Yalapala" userId="9feb8bbceceecaca" providerId="LiveId" clId="{54B247B9-47FF-4355-BF58-C7E85F55D2E7}" dt="2025-09-20T05:37:28.819" v="619" actId="20577"/>
+          <ac:chgData name="Venu Yalapala" userId="9feb8bbceceecaca" providerId="LiveId" clId="{54B247B9-47FF-4355-BF58-C7E85F55D2E7}" dt="2025-09-26T17:19:31.398" v="788" actId="404"/>
           <ac:spMkLst>
             <pc:docMk/>
             <pc:sldMk cId="2717619941" sldId="257"/>
@@ -232,7 +232,7 @@
           </ac:spMkLst>
         </pc:spChg>
         <pc:spChg chg="add mod">
-          <ac:chgData name="Venu Yalapala" userId="9feb8bbceceecaca" providerId="LiveId" clId="{54B247B9-47FF-4355-BF58-C7E85F55D2E7}" dt="2025-09-20T05:38:05.559" v="629" actId="255"/>
+          <ac:chgData name="Venu Yalapala" userId="9feb8bbceceecaca" providerId="LiveId" clId="{54B247B9-47FF-4355-BF58-C7E85F55D2E7}" dt="2025-09-26T17:19:53.480" v="791"/>
           <ac:spMkLst>
             <pc:docMk/>
             <pc:sldMk cId="2717619941" sldId="257"/>
@@ -240,7 +240,7 @@
           </ac:spMkLst>
         </pc:spChg>
         <pc:spChg chg="add mod">
-          <ac:chgData name="Venu Yalapala" userId="9feb8bbceceecaca" providerId="LiveId" clId="{54B247B9-47FF-4355-BF58-C7E85F55D2E7}" dt="2025-09-20T05:40:36.008" v="688" actId="403"/>
+          <ac:chgData name="Venu Yalapala" userId="9feb8bbceceecaca" providerId="LiveId" clId="{54B247B9-47FF-4355-BF58-C7E85F55D2E7}" dt="2025-09-26T17:20:38.254" v="803" actId="20577"/>
           <ac:spMkLst>
             <pc:docMk/>
             <pc:sldMk cId="2717619941" sldId="257"/>
@@ -248,7 +248,7 @@
           </ac:spMkLst>
         </pc:spChg>
         <pc:spChg chg="add mod">
-          <ac:chgData name="Venu Yalapala" userId="9feb8bbceceecaca" providerId="LiveId" clId="{54B247B9-47FF-4355-BF58-C7E85F55D2E7}" dt="2025-09-20T05:39:42.320" v="679" actId="20577"/>
+          <ac:chgData name="Venu Yalapala" userId="9feb8bbceceecaca" providerId="LiveId" clId="{54B247B9-47FF-4355-BF58-C7E85F55D2E7}" dt="2025-09-26T17:20:11.403" v="796" actId="404"/>
           <ac:spMkLst>
             <pc:docMk/>
             <pc:sldMk cId="2717619941" sldId="257"/>
@@ -1117,7 +1117,7 @@
           <a:p>
             <a:fld id="{0EEBF99D-A94C-4ACE-ABB7-ED5902A7DBE5}" type="datetimeFigureOut">
               <a:rPr lang="en-IN" smtClean="0"/>
-              <a:t>20-09-2025</a:t>
+              <a:t>26-09-2025</a:t>
             </a:fld>
             <a:endParaRPr lang="en-IN"/>
           </a:p>
@@ -1295,7 +1295,7 @@
           <a:p>
             <a:fld id="{6EA7C7CE-6F0C-4E71-B520-9461545357C0}" type="datetimeFigureOut">
               <a:rPr lang="en-IN" smtClean="0"/>
-              <a:t>20-09-2025</a:t>
+              <a:t>26-09-2025</a:t>
             </a:fld>
             <a:endParaRPr lang="en-IN"/>
           </a:p>
@@ -1695,7 +1695,7 @@
           <a:p>
             <a:fld id="{F1102B08-ED9E-409F-B95F-09CAA1DAF6E0}" type="datetimeFigureOut">
               <a:rPr lang="en-IN" smtClean="0"/>
-              <a:t>20-09-2025</a:t>
+              <a:t>26-09-2025</a:t>
             </a:fld>
             <a:endParaRPr lang="en-IN"/>
           </a:p>
@@ -1865,7 +1865,7 @@
           <a:p>
             <a:fld id="{F1102B08-ED9E-409F-B95F-09CAA1DAF6E0}" type="datetimeFigureOut">
               <a:rPr lang="en-IN" smtClean="0"/>
-              <a:t>20-09-2025</a:t>
+              <a:t>26-09-2025</a:t>
             </a:fld>
             <a:endParaRPr lang="en-IN"/>
           </a:p>
@@ -2045,7 +2045,7 @@
           <a:p>
             <a:fld id="{F1102B08-ED9E-409F-B95F-09CAA1DAF6E0}" type="datetimeFigureOut">
               <a:rPr lang="en-IN" smtClean="0"/>
-              <a:t>20-09-2025</a:t>
+              <a:t>26-09-2025</a:t>
             </a:fld>
             <a:endParaRPr lang="en-IN"/>
           </a:p>
@@ -2247,7 +2247,7 @@
             <a:fld id="{F1102B08-ED9E-409F-B95F-09CAA1DAF6E0}" type="datetimeFigureOut">
               <a:rPr lang="en-IN" sz="575" b="0" smtClean="0"/>
               <a:pPr/>
-              <a:t>20-09-2025</a:t>
+              <a:t>26-09-2025</a:t>
             </a:fld>
             <a:endParaRPr lang="en-IN" sz="575" b="0" dirty="0"/>
           </a:p>
@@ -5934,7 +5934,7 @@
             <a:fld id="{F1102B08-ED9E-409F-B95F-09CAA1DAF6E0}" type="datetimeFigureOut">
               <a:rPr lang="en-IN" sz="727" b="0" smtClean="0"/>
               <a:pPr/>
-              <a:t>20-09-2025</a:t>
+              <a:t>26-09-2025</a:t>
             </a:fld>
             <a:endParaRPr lang="en-IN" sz="727" b="0" dirty="0"/>
           </a:p>
@@ -6654,7 +6654,7 @@
             <a:fld id="{F1102B08-ED9E-409F-B95F-09CAA1DAF6E0}" type="datetimeFigureOut">
               <a:rPr lang="en-IN" sz="727" b="0" smtClean="0"/>
               <a:pPr/>
-              <a:t>20-09-2025</a:t>
+              <a:t>26-09-2025</a:t>
             </a:fld>
             <a:endParaRPr lang="en-IN" sz="727" b="0" dirty="0"/>
           </a:p>
@@ -7342,7 +7342,7 @@
           <a:p>
             <a:fld id="{F1102B08-ED9E-409F-B95F-09CAA1DAF6E0}" type="datetimeFigureOut">
               <a:rPr lang="en-IN" smtClean="0"/>
-              <a:t>20-09-2025</a:t>
+              <a:t>26-09-2025</a:t>
             </a:fld>
             <a:endParaRPr lang="en-IN"/>
           </a:p>
@@ -7586,7 +7586,7 @@
           <a:p>
             <a:fld id="{F1102B08-ED9E-409F-B95F-09CAA1DAF6E0}" type="datetimeFigureOut">
               <a:rPr lang="en-IN" smtClean="0"/>
-              <a:t>20-09-2025</a:t>
+              <a:t>26-09-2025</a:t>
             </a:fld>
             <a:endParaRPr lang="en-IN"/>
           </a:p>
@@ -7818,7 +7818,7 @@
           <a:p>
             <a:fld id="{F1102B08-ED9E-409F-B95F-09CAA1DAF6E0}" type="datetimeFigureOut">
               <a:rPr lang="en-IN" smtClean="0"/>
-              <a:t>20-09-2025</a:t>
+              <a:t>26-09-2025</a:t>
             </a:fld>
             <a:endParaRPr lang="en-IN"/>
           </a:p>
@@ -8185,7 +8185,7 @@
           <a:p>
             <a:fld id="{F1102B08-ED9E-409F-B95F-09CAA1DAF6E0}" type="datetimeFigureOut">
               <a:rPr lang="en-IN" smtClean="0"/>
-              <a:t>20-09-2025</a:t>
+              <a:t>26-09-2025</a:t>
             </a:fld>
             <a:endParaRPr lang="en-IN"/>
           </a:p>
@@ -8303,7 +8303,7 @@
           <a:p>
             <a:fld id="{F1102B08-ED9E-409F-B95F-09CAA1DAF6E0}" type="datetimeFigureOut">
               <a:rPr lang="en-IN" smtClean="0"/>
-              <a:t>20-09-2025</a:t>
+              <a:t>26-09-2025</a:t>
             </a:fld>
             <a:endParaRPr lang="en-IN"/>
           </a:p>
@@ -8398,7 +8398,7 @@
           <a:p>
             <a:fld id="{F1102B08-ED9E-409F-B95F-09CAA1DAF6E0}" type="datetimeFigureOut">
               <a:rPr lang="en-IN" smtClean="0"/>
-              <a:t>20-09-2025</a:t>
+              <a:t>26-09-2025</a:t>
             </a:fld>
             <a:endParaRPr lang="en-IN"/>
           </a:p>
@@ -8675,7 +8675,7 @@
           <a:p>
             <a:fld id="{F1102B08-ED9E-409F-B95F-09CAA1DAF6E0}" type="datetimeFigureOut">
               <a:rPr lang="en-IN" smtClean="0"/>
-              <a:t>20-09-2025</a:t>
+              <a:t>26-09-2025</a:t>
             </a:fld>
             <a:endParaRPr lang="en-IN"/>
           </a:p>
@@ -8932,7 +8932,7 @@
           <a:p>
             <a:fld id="{F1102B08-ED9E-409F-B95F-09CAA1DAF6E0}" type="datetimeFigureOut">
               <a:rPr lang="en-IN" smtClean="0"/>
-              <a:t>20-09-2025</a:t>
+              <a:t>26-09-2025</a:t>
             </a:fld>
             <a:endParaRPr lang="en-IN"/>
           </a:p>
@@ -9145,7 +9145,7 @@
           <a:p>
             <a:fld id="{F1102B08-ED9E-409F-B95F-09CAA1DAF6E0}" type="datetimeFigureOut">
               <a:rPr lang="en-IN" smtClean="0"/>
-              <a:t>20-09-2025</a:t>
+              <a:t>26-09-2025</a:t>
             </a:fld>
             <a:endParaRPr lang="en-IN"/>
           </a:p>
@@ -9628,7 +9628,7 @@
               </a:spcAft>
             </a:pPr>
             <a:r>
-              <a:rPr lang="te-IN" sz="1200" b="0" i="0" kern="1200" spc="0" baseline="0" dirty="0">
+              <a:rPr lang="te-IN" sz="1150" b="0" i="0" kern="1200" spc="0" baseline="0" dirty="0">
                 <a:ln>
                   <a:noFill/>
                 </a:ln>
@@ -9640,7 +9640,7 @@
                 <a:ea typeface="+mn-ea"/>
                 <a:cs typeface="Anek Telugu SemiBold" pitchFamily="2" charset="0"/>
               </a:rPr>
-              <a:t>ఒక ఆశ ఉందయ్యా నా కోరిక తీర్చయ్యా</a:t>
+              <a:t>నీ మాట జీవముగలదయ్యా యేసయ్యా</a:t>
             </a:r>
           </a:p>
           <a:p>
@@ -9656,7 +9656,7 @@
               </a:spcAft>
             </a:pPr>
             <a:r>
-              <a:rPr lang="te-IN" sz="1200" b="0" i="0" kern="1200" spc="0" baseline="0" dirty="0">
+              <a:rPr lang="te-IN" sz="1150" b="0" i="0" kern="1200" spc="0" baseline="0" dirty="0">
                 <a:ln>
                   <a:noFill/>
                 </a:ln>
@@ -9668,7 +9668,7 @@
                 <a:ea typeface="+mn-ea"/>
                 <a:cs typeface="Anek Telugu SemiBold" pitchFamily="2" charset="0"/>
               </a:rPr>
-              <a:t>నా మనవిను యేసయ్యా ప్రత్యుత్తరమిమ్మయ్య</a:t>
+              <a:t>నీ మాట సత్యముగలదయ్యా</a:t>
             </a:r>
           </a:p>
           <a:p>
@@ -9684,7 +9684,7 @@
               </a:spcAft>
             </a:pPr>
             <a:r>
-              <a:rPr lang="te-IN" sz="1200" b="0" i="0" kern="1200" spc="0" baseline="0" dirty="0">
+              <a:rPr lang="te-IN" sz="1150" b="0" i="0" kern="1200" spc="0" baseline="0" dirty="0">
                 <a:ln>
                   <a:noFill/>
                 </a:ln>
@@ -9696,7 +9696,7 @@
                 <a:ea typeface="+mn-ea"/>
                 <a:cs typeface="Anek Telugu SemiBold" pitchFamily="2" charset="0"/>
               </a:rPr>
-              <a:t>యవనకాలమందు నీ కాడి మోయగా</a:t>
+              <a:t>నీ మాట మార్పు లేనిదయ్యా యేసయ్యా</a:t>
             </a:r>
           </a:p>
           <a:p>
@@ -9712,7 +9712,7 @@
               </a:spcAft>
             </a:pPr>
             <a:r>
-              <a:rPr lang="te-IN" sz="1200" b="0" i="0" kern="1200" spc="0" baseline="0" dirty="0">
+              <a:rPr lang="te-IN" sz="1150" b="0" i="0" kern="1200" spc="0" baseline="0" dirty="0">
                 <a:ln>
                   <a:noFill/>
                 </a:ln>
@@ -9724,7 +9724,7 @@
                 <a:ea typeface="+mn-ea"/>
                 <a:cs typeface="Anek Telugu SemiBold" pitchFamily="2" charset="0"/>
               </a:rPr>
-              <a:t>బలమైన విల్లుగా నన్ను మార్చవా</a:t>
+              <a:t>నీ మాట మరిచిపోనిదయ్యా</a:t>
             </a:r>
           </a:p>
           <a:p>
@@ -9739,7 +9739,7 @@
                 <a:spcPts val="0"/>
               </a:spcAft>
             </a:pPr>
-            <a:endParaRPr lang="te-IN" sz="1200" b="0" i="0" kern="1200" spc="0" baseline="0" dirty="0">
+            <a:endParaRPr lang="te-IN" sz="1150" b="0" i="0" kern="1200" spc="0" baseline="0" dirty="0">
               <a:ln>
                 <a:noFill/>
               </a:ln>
@@ -9765,7 +9765,7 @@
               </a:spcAft>
             </a:pPr>
             <a:r>
-              <a:rPr lang="te-IN" sz="1200" b="0" i="0" kern="1200" spc="0" baseline="0" dirty="0">
+              <a:rPr lang="te-IN" sz="1150" b="0" i="0" kern="1200" spc="0" baseline="0" dirty="0">
                 <a:ln>
                   <a:noFill/>
                 </a:ln>
@@ -9777,7 +9777,7 @@
                 <a:ea typeface="+mn-ea"/>
                 <a:cs typeface="Anek Telugu SemiBold" pitchFamily="2" charset="0"/>
               </a:rPr>
-              <a:t>1. యూదుల రక్షణకై రాజు శాసనము మార్చి-</a:t>
+              <a:t>ఏది మారినా నీ మాట మారదయ్యా</a:t>
             </a:r>
           </a:p>
           <a:p>
@@ -9793,7 +9793,7 @@
               </a:spcAft>
             </a:pPr>
             <a:r>
-              <a:rPr lang="te-IN" sz="1200" b="0" i="0" kern="1200" spc="0" baseline="0" dirty="0">
+              <a:rPr lang="te-IN" sz="1150" b="0" i="0" kern="1200" spc="0" baseline="0" dirty="0">
                 <a:ln>
                   <a:noFill/>
                 </a:ln>
@@ -9805,7 +9805,7 @@
                 <a:ea typeface="+mn-ea"/>
                 <a:cs typeface="Anek Telugu SemiBold" pitchFamily="2" charset="0"/>
               </a:rPr>
-              <a:t>ఎస్తేరు ఆశను తీర్చిన దేవా</a:t>
+              <a:t>ఏది ఆగినా నీ మాట జరుగునయ్యా</a:t>
             </a:r>
           </a:p>
           <a:p>
@@ -9820,63 +9820,7 @@
                 <a:spcPts val="0"/>
               </a:spcAft>
             </a:pPr>
-            <a:r>
-              <a:rPr lang="te-IN" sz="1200" b="0" i="0" kern="1200" spc="0" baseline="0" dirty="0">
-                <a:ln>
-                  <a:noFill/>
-                </a:ln>
-                <a:solidFill>
-                  <a:srgbClr val="000000"/>
-                </a:solidFill>
-                <a:effectLst/>
-                <a:latin typeface="Anek Telugu SemiBold" pitchFamily="2" charset="0"/>
-                <a:ea typeface="+mn-ea"/>
-                <a:cs typeface="Anek Telugu SemiBold" pitchFamily="2" charset="0"/>
-              </a:rPr>
-              <a:t>ఈ తరములో మా మనవులను ఆలకించవా –</a:t>
-            </a:r>
-          </a:p>
-          <a:p>
-            <a:pPr marL="0" marR="0" indent="0" algn="ctr" rtl="0" eaLnBrk="1" fontAlgn="auto" latinLnBrk="0" hangingPunct="1">
-              <a:lnSpc>
-                <a:spcPct val="150000"/>
-              </a:lnSpc>
-              <a:spcBef>
-                <a:spcPts val="0"/>
-              </a:spcBef>
-              <a:spcAft>
-                <a:spcPts val="0"/>
-              </a:spcAft>
-            </a:pPr>
-            <a:r>
-              <a:rPr lang="te-IN" sz="1200" b="0" i="0" kern="1200" spc="0" baseline="0" dirty="0">
-                <a:ln>
-                  <a:noFill/>
-                </a:ln>
-                <a:solidFill>
-                  <a:srgbClr val="000000"/>
-                </a:solidFill>
-                <a:effectLst/>
-                <a:latin typeface="Anek Telugu SemiBold" pitchFamily="2" charset="0"/>
-                <a:ea typeface="+mn-ea"/>
-                <a:cs typeface="Anek Telugu SemiBold" pitchFamily="2" charset="0"/>
-              </a:rPr>
-              <a:t>మా దేశములో మహా రక్షణ కలుగజేయవా</a:t>
-            </a:r>
-          </a:p>
-          <a:p>
-            <a:pPr marL="0" marR="0" indent="0" algn="ctr" rtl="0" eaLnBrk="1" fontAlgn="auto" latinLnBrk="0" hangingPunct="1">
-              <a:lnSpc>
-                <a:spcPct val="150000"/>
-              </a:lnSpc>
-              <a:spcBef>
-                <a:spcPts val="0"/>
-              </a:spcBef>
-              <a:spcAft>
-                <a:spcPts val="0"/>
-              </a:spcAft>
-            </a:pPr>
-            <a:endParaRPr lang="te-IN" sz="1200" b="0" i="0" kern="1200" spc="0" baseline="0" dirty="0">
+            <a:endParaRPr lang="te-IN" sz="1150" b="0" i="0" kern="1200" spc="0" baseline="0" dirty="0">
               <a:ln>
                 <a:noFill/>
               </a:ln>
@@ -9902,7 +9846,7 @@
               </a:spcAft>
             </a:pPr>
             <a:r>
-              <a:rPr lang="te-IN" sz="1200" b="0" i="0" kern="1200" spc="0" baseline="0" dirty="0">
+              <a:rPr lang="te-IN" sz="1150" b="0" i="0" kern="1200" spc="0" baseline="0" dirty="0">
                 <a:ln>
                   <a:noFill/>
                 </a:ln>
@@ -9914,7 +9858,7 @@
                 <a:ea typeface="+mn-ea"/>
                 <a:cs typeface="Anek Telugu SemiBold" pitchFamily="2" charset="0"/>
               </a:rPr>
-              <a:t>2. నత్తివాడైనను ఫరో ఎదుట నిలబెట్టి-</a:t>
+              <a:t>1. నశించుచున్న వారిని బ్రతికించును నీ మాట</a:t>
             </a:r>
           </a:p>
           <a:p>
@@ -9930,7 +9874,7 @@
               </a:spcAft>
             </a:pPr>
             <a:r>
-              <a:rPr lang="te-IN" sz="1200" b="0" i="0" kern="1200" spc="0" baseline="0" dirty="0">
+              <a:rPr lang="te-IN" sz="1150" b="0" i="0" kern="1200" spc="0" baseline="0" dirty="0">
                 <a:ln>
                   <a:noFill/>
                 </a:ln>
@@ -9942,7 +9886,7 @@
                 <a:ea typeface="+mn-ea"/>
                 <a:cs typeface="Anek Telugu SemiBold" pitchFamily="2" charset="0"/>
               </a:rPr>
-              <a:t>మోషే ఆశను తీర్చిన దేవా</a:t>
+              <a:t>బంధించబడిన వారిని విడిపించును నీ మాట</a:t>
             </a:r>
           </a:p>
           <a:p>
@@ -9958,7 +9902,7 @@
               </a:spcAft>
             </a:pPr>
             <a:r>
-              <a:rPr lang="te-IN" sz="1200" b="0" i="0" kern="1200" spc="0" baseline="0" dirty="0">
+              <a:rPr lang="te-IN" sz="1150" b="0" i="0" kern="1200" spc="0" baseline="0" dirty="0">
                 <a:ln>
                   <a:noFill/>
                 </a:ln>
@@ -9970,7 +9914,7 @@
                 <a:ea typeface="+mn-ea"/>
                 <a:cs typeface="Anek Telugu SemiBold" pitchFamily="2" charset="0"/>
               </a:rPr>
-              <a:t>ఈ తరములో నీ చిత్తముకై ఎదురు చూడగా</a:t>
+              <a:t>త్రోవ తప్పిన వారిని సరిచేయును నీ మాట</a:t>
             </a:r>
           </a:p>
           <a:p>
@@ -9986,7 +9930,7 @@
               </a:spcAft>
             </a:pPr>
             <a:r>
-              <a:rPr lang="te-IN" sz="1200" b="0" i="0" kern="1200" spc="0" baseline="0" dirty="0">
+              <a:rPr lang="te-IN" sz="1150" b="0" i="0" kern="1200" spc="0" baseline="0" dirty="0">
                 <a:ln>
                   <a:noFill/>
                 </a:ln>
@@ -9998,7 +9942,144 @@
                 <a:ea typeface="+mn-ea"/>
                 <a:cs typeface="Anek Telugu SemiBold" pitchFamily="2" charset="0"/>
               </a:rPr>
-              <a:t>అగ్ని చేత నను దర్శించి నీ చిత్తము తెలుపవా</a:t>
+              <a:t>కృంగిపోయిన వారిని లేవనెత్తును నీ మాట</a:t>
+            </a:r>
+          </a:p>
+          <a:p>
+            <a:pPr marL="0" marR="0" indent="0" algn="ctr" rtl="0" eaLnBrk="1" fontAlgn="auto" latinLnBrk="0" hangingPunct="1">
+              <a:lnSpc>
+                <a:spcPct val="150000"/>
+              </a:lnSpc>
+              <a:spcBef>
+                <a:spcPts val="0"/>
+              </a:spcBef>
+              <a:spcAft>
+                <a:spcPts val="0"/>
+              </a:spcAft>
+            </a:pPr>
+            <a:endParaRPr lang="te-IN" sz="1150" b="0" i="0" kern="1200" spc="0" baseline="0" dirty="0">
+              <a:ln>
+                <a:noFill/>
+              </a:ln>
+              <a:solidFill>
+                <a:srgbClr val="000000"/>
+              </a:solidFill>
+              <a:effectLst/>
+              <a:latin typeface="Anek Telugu SemiBold" pitchFamily="2" charset="0"/>
+              <a:ea typeface="+mn-ea"/>
+              <a:cs typeface="Anek Telugu SemiBold" pitchFamily="2" charset="0"/>
+            </a:endParaRPr>
+          </a:p>
+          <a:p>
+            <a:pPr marL="0" marR="0" indent="0" algn="ctr" rtl="0" eaLnBrk="1" fontAlgn="auto" latinLnBrk="0" hangingPunct="1">
+              <a:lnSpc>
+                <a:spcPct val="150000"/>
+              </a:lnSpc>
+              <a:spcBef>
+                <a:spcPts val="0"/>
+              </a:spcBef>
+              <a:spcAft>
+                <a:spcPts val="0"/>
+              </a:spcAft>
+            </a:pPr>
+            <a:r>
+              <a:rPr lang="te-IN" sz="1150" b="0" i="0" kern="1200" spc="0" baseline="0" dirty="0">
+                <a:ln>
+                  <a:noFill/>
+                </a:ln>
+                <a:solidFill>
+                  <a:srgbClr val="000000"/>
+                </a:solidFill>
+                <a:effectLst/>
+                <a:latin typeface="Anek Telugu SemiBold" pitchFamily="2" charset="0"/>
+                <a:ea typeface="+mn-ea"/>
+                <a:cs typeface="Anek Telugu SemiBold" pitchFamily="2" charset="0"/>
+              </a:rPr>
+              <a:t>2. సింహాల బోనులో నుండి విడిపించును నీమాట</a:t>
+            </a:r>
+          </a:p>
+          <a:p>
+            <a:pPr marL="0" marR="0" indent="0" algn="ctr" rtl="0" eaLnBrk="1" fontAlgn="auto" latinLnBrk="0" hangingPunct="1">
+              <a:lnSpc>
+                <a:spcPct val="150000"/>
+              </a:lnSpc>
+              <a:spcBef>
+                <a:spcPts val="0"/>
+              </a:spcBef>
+              <a:spcAft>
+                <a:spcPts val="0"/>
+              </a:spcAft>
+            </a:pPr>
+            <a:r>
+              <a:rPr lang="te-IN" sz="1150" b="0" i="0" kern="1200" spc="0" baseline="0" dirty="0">
+                <a:ln>
+                  <a:noFill/>
+                </a:ln>
+                <a:solidFill>
+                  <a:srgbClr val="000000"/>
+                </a:solidFill>
+                <a:effectLst/>
+                <a:latin typeface="Anek Telugu SemiBold" pitchFamily="2" charset="0"/>
+                <a:ea typeface="+mn-ea"/>
+                <a:cs typeface="Anek Telugu SemiBold" pitchFamily="2" charset="0"/>
+              </a:rPr>
+              <a:t>అగ్నిగుండముల నుండి రక్షించును నీ మాట</a:t>
+            </a:r>
+          </a:p>
+          <a:p>
+            <a:pPr marL="0" marR="0" indent="0" algn="ctr" rtl="0" eaLnBrk="1" fontAlgn="auto" latinLnBrk="0" hangingPunct="1">
+              <a:lnSpc>
+                <a:spcPct val="150000"/>
+              </a:lnSpc>
+              <a:spcBef>
+                <a:spcPts val="0"/>
+              </a:spcBef>
+              <a:spcAft>
+                <a:spcPts val="0"/>
+              </a:spcAft>
+            </a:pPr>
+            <a:r>
+              <a:rPr lang="te-IN" sz="1150" b="0" i="0" kern="1200" spc="0" baseline="0" dirty="0">
+                <a:ln>
+                  <a:noFill/>
+                </a:ln>
+                <a:solidFill>
+                  <a:srgbClr val="000000"/>
+                </a:solidFill>
+                <a:effectLst/>
+                <a:latin typeface="Anek Telugu SemiBold" pitchFamily="2" charset="0"/>
+                <a:ea typeface="+mn-ea"/>
+                <a:cs typeface="Anek Telugu SemiBold" pitchFamily="2" charset="0"/>
+              </a:rPr>
+              <a:t>మారా బ్రతుకును కూడ మధురం చేయును నీ మాట</a:t>
+            </a:r>
+          </a:p>
+          <a:p>
+            <a:pPr marL="0" marR="0" indent="0" algn="ctr" rtl="0" eaLnBrk="1" fontAlgn="auto" latinLnBrk="0" hangingPunct="1">
+              <a:lnSpc>
+                <a:spcPct val="150000"/>
+              </a:lnSpc>
+              <a:spcBef>
+                <a:spcPts val="0"/>
+              </a:spcBef>
+              <a:spcAft>
+                <a:spcPts val="0"/>
+              </a:spcAft>
+            </a:pPr>
+            <a:r>
+              <a:rPr lang="te-IN" sz="1150" b="0" i="0" kern="1200" spc="0" baseline="0" dirty="0">
+                <a:ln>
+                  <a:noFill/>
+                </a:ln>
+                <a:solidFill>
+                  <a:srgbClr val="000000"/>
+                </a:solidFill>
+                <a:effectLst/>
+                <a:latin typeface="Anek Telugu SemiBold" pitchFamily="2" charset="0"/>
+                <a:ea typeface="+mn-ea"/>
+                <a:cs typeface="Anek Telugu SemiBold" pitchFamily="2" charset="0"/>
+              </a:rPr>
+              <a:t>ఆరిపోయిన బ్రతుకును వెలిగించును నీ మాట</a:t>
             </a:r>
           </a:p>
         </p:txBody>
@@ -10062,7 +10143,7 @@
               </a:spcAft>
             </a:pPr>
             <a:r>
-              <a:rPr lang="te-IN" sz="1300" b="0" i="0" kern="1200" spc="0" baseline="0" dirty="0">
+              <a:rPr lang="te-IN" sz="1050" b="0" i="0" kern="1200" spc="0" baseline="0" dirty="0">
                 <a:ln>
                   <a:noFill/>
                 </a:ln>
@@ -10074,10 +10155,10 @@
                 <a:ea typeface="+mn-ea"/>
                 <a:cs typeface="Anek Telugu SemiBold" pitchFamily="2" charset="0"/>
               </a:rPr>
-              <a:t>ఎంత మంచి దేవుడవయ్యా</a:t>
+              <a:t>ఘనమైనవి నీ కార్యములు నా యెడల</a:t>
             </a:r>
             <a:br>
-              <a:rPr lang="te-IN" sz="1300" b="0" i="0" kern="1200" spc="0" baseline="0" dirty="0">
+              <a:rPr lang="te-IN" sz="1050" b="0" i="0" kern="1200" spc="0" baseline="0" dirty="0">
                 <a:ln>
                   <a:noFill/>
                 </a:ln>
@@ -10091,7 +10172,7 @@
               </a:rPr>
             </a:br>
             <a:r>
-              <a:rPr lang="te-IN" sz="1300" b="0" i="0" kern="1200" spc="0" baseline="0" dirty="0">
+              <a:rPr lang="te-IN" sz="1050" b="0" i="0" kern="1200" spc="0" baseline="0" dirty="0">
                 <a:ln>
                   <a:noFill/>
                 </a:ln>
@@ -10103,10 +10184,10 @@
                 <a:ea typeface="+mn-ea"/>
                 <a:cs typeface="Anek Telugu SemiBold" pitchFamily="2" charset="0"/>
               </a:rPr>
-              <a:t>ఎంత మంచి దేవుడవేసయ్యా</a:t>
+              <a:t>స్థిరమైనవి నీ ఆలోచనలు నా యేసయ్యా (2)</a:t>
             </a:r>
             <a:br>
-              <a:rPr lang="te-IN" sz="1300" b="0" i="0" kern="1200" spc="0" baseline="0" dirty="0">
+              <a:rPr lang="te-IN" sz="1050" b="0" i="0" kern="1200" spc="0" baseline="0" dirty="0">
                 <a:ln>
                   <a:noFill/>
                 </a:ln>
@@ -10120,7 +10201,7 @@
               </a:rPr>
             </a:br>
             <a:r>
-              <a:rPr lang="te-IN" sz="1300" b="0" i="0" kern="1200" spc="0" baseline="0" dirty="0">
+              <a:rPr lang="te-IN" sz="1050" b="0" i="0" kern="1200" spc="0" baseline="0" dirty="0">
                 <a:ln>
                   <a:noFill/>
                 </a:ln>
@@ -10132,10 +10213,10 @@
                 <a:ea typeface="+mn-ea"/>
                 <a:cs typeface="Anek Telugu SemiBold" pitchFamily="2" charset="0"/>
               </a:rPr>
-              <a:t>  చింతలన్ని తీరేనయ్యా నిను చేరగా</a:t>
+              <a:t>కృపలను పొందుచు కృతజ్ఞత కలిగి</a:t>
             </a:r>
             <a:br>
-              <a:rPr lang="te-IN" sz="1300" b="0" i="0" kern="1200" spc="0" baseline="0" dirty="0">
+              <a:rPr lang="te-IN" sz="1050" b="0" i="0" kern="1200" spc="0" baseline="0" dirty="0">
                 <a:ln>
                   <a:noFill/>
                 </a:ln>
@@ -10149,7 +10230,7 @@
               </a:rPr>
             </a:br>
             <a:r>
-              <a:rPr lang="te-IN" sz="1300" b="0" i="0" kern="1200" spc="0" baseline="0" dirty="0">
+              <a:rPr lang="te-IN" sz="1050" b="0" i="0" kern="1200" spc="0" baseline="0" dirty="0">
                 <a:ln>
                   <a:noFill/>
                 </a:ln>
@@ -10161,7 +10242,65 @@
                 <a:ea typeface="+mn-ea"/>
                 <a:cs typeface="Anek Telugu SemiBold" pitchFamily="2" charset="0"/>
               </a:rPr>
-              <a:t>          ఎంత మంచి దేవుడవేసయ్యా (2)        </a:t>
+              <a:t>స్తుతులర్పించెదను అన్నివేళలా (2)</a:t>
+            </a:r>
+            <a:br>
+              <a:rPr lang="te-IN" sz="1050" b="0" i="0" kern="1200" spc="0" baseline="0" dirty="0">
+                <a:ln>
+                  <a:noFill/>
+                </a:ln>
+                <a:solidFill>
+                  <a:srgbClr val="000000"/>
+                </a:solidFill>
+                <a:effectLst/>
+                <a:latin typeface="Anek Telugu SemiBold" pitchFamily="2" charset="0"/>
+                <a:ea typeface="+mn-ea"/>
+                <a:cs typeface="Anek Telugu SemiBold" pitchFamily="2" charset="0"/>
+              </a:rPr>
+            </a:br>
+            <a:r>
+              <a:rPr lang="te-IN" sz="1050" b="0" i="0" kern="1200" spc="0" baseline="0" dirty="0">
+                <a:ln>
+                  <a:noFill/>
+                </a:ln>
+                <a:solidFill>
+                  <a:srgbClr val="000000"/>
+                </a:solidFill>
+                <a:effectLst/>
+                <a:latin typeface="Anek Telugu SemiBold" pitchFamily="2" charset="0"/>
+                <a:ea typeface="+mn-ea"/>
+                <a:cs typeface="Anek Telugu SemiBold" pitchFamily="2" charset="0"/>
+              </a:rPr>
+              <a:t>అనుదినము నీ అనుగ్రహమే</a:t>
+            </a:r>
+            <a:br>
+              <a:rPr lang="te-IN" sz="1050" b="0" i="0" kern="1200" spc="0" baseline="0" dirty="0">
+                <a:ln>
+                  <a:noFill/>
+                </a:ln>
+                <a:solidFill>
+                  <a:srgbClr val="000000"/>
+                </a:solidFill>
+                <a:effectLst/>
+                <a:latin typeface="Anek Telugu SemiBold" pitchFamily="2" charset="0"/>
+                <a:ea typeface="+mn-ea"/>
+                <a:cs typeface="Anek Telugu SemiBold" pitchFamily="2" charset="0"/>
+              </a:rPr>
+            </a:br>
+            <a:r>
+              <a:rPr lang="te-IN" sz="1050" b="0" i="0" kern="1200" spc="0" baseline="0" dirty="0">
+                <a:ln>
+                  <a:noFill/>
+                </a:ln>
+                <a:solidFill>
+                  <a:srgbClr val="000000"/>
+                </a:solidFill>
+                <a:effectLst/>
+                <a:latin typeface="Anek Telugu SemiBold" pitchFamily="2" charset="0"/>
+                <a:ea typeface="+mn-ea"/>
+                <a:cs typeface="Anek Telugu SemiBold" pitchFamily="2" charset="0"/>
+              </a:rPr>
+              <a:t>ఆయుష్కాలము నీ వరమే (2)        ||ఘనమైనవి||</a:t>
             </a:r>
           </a:p>
           <a:p>
@@ -10176,7 +10315,7 @@
                 <a:spcPts val="0"/>
               </a:spcAft>
             </a:pPr>
-            <a:endParaRPr lang="te-IN" sz="1300" b="0" i="0" kern="1200" spc="0" baseline="0" dirty="0">
+            <a:endParaRPr lang="te-IN" sz="1050" b="0" i="0" kern="1200" spc="0" baseline="0" dirty="0">
               <a:ln>
                 <a:noFill/>
               </a:ln>
@@ -10202,7 +10341,7 @@
               </a:spcAft>
             </a:pPr>
             <a:r>
-              <a:rPr lang="en-IN" sz="1300" b="0" i="0" kern="1200" spc="0" baseline="0" dirty="0">
+              <a:rPr lang="te-IN" sz="1050" b="0" i="0" kern="1200" spc="0" baseline="0" dirty="0">
                 <a:ln>
                   <a:noFill/>
                 </a:ln>
@@ -10214,53 +10353,10 @@
                 <a:ea typeface="+mn-ea"/>
                 <a:cs typeface="Anek Telugu SemiBold" pitchFamily="2" charset="0"/>
               </a:rPr>
-              <a:t>1. </a:t>
-            </a:r>
-            <a:r>
-              <a:rPr lang="te-IN" sz="1300" b="0" i="0" kern="1200" spc="0" baseline="0" dirty="0">
-                <a:ln>
-                  <a:noFill/>
-                </a:ln>
-                <a:solidFill>
-                  <a:srgbClr val="000000"/>
-                </a:solidFill>
-                <a:effectLst/>
-                <a:latin typeface="Anek Telugu SemiBold" pitchFamily="2" charset="0"/>
-                <a:ea typeface="+mn-ea"/>
-                <a:cs typeface="Anek Telugu SemiBold" pitchFamily="2" charset="0"/>
-              </a:rPr>
-              <a:t>ఘోరపాపినైన నేనూ </a:t>
-            </a:r>
-          </a:p>
-          <a:p>
-            <a:pPr marL="0" marR="0" indent="0" algn="ctr" rtl="0" eaLnBrk="1" fontAlgn="auto" latinLnBrk="0" hangingPunct="1">
-              <a:lnSpc>
-                <a:spcPct val="150000"/>
-              </a:lnSpc>
-              <a:spcBef>
-                <a:spcPts val="0"/>
-              </a:spcBef>
-              <a:spcAft>
-                <a:spcPts val="0"/>
-              </a:spcAft>
-            </a:pPr>
-            <a:r>
-              <a:rPr lang="te-IN" sz="1300" b="0" i="0" kern="1200" spc="0" baseline="0" dirty="0">
-                <a:ln>
-                  <a:noFill/>
-                </a:ln>
-                <a:solidFill>
-                  <a:srgbClr val="000000"/>
-                </a:solidFill>
-                <a:effectLst/>
-                <a:latin typeface="Anek Telugu SemiBold" pitchFamily="2" charset="0"/>
-                <a:ea typeface="+mn-ea"/>
-                <a:cs typeface="Anek Telugu SemiBold" pitchFamily="2" charset="0"/>
-              </a:rPr>
-              <a:t>దూరంగా పారిపోగా (2)</a:t>
+              <a:t>1. యే తెగులు సమీపించనీయక – యే కీడైన దరిచేరనీయక</a:t>
             </a:r>
             <a:br>
-              <a:rPr lang="te-IN" sz="1300" b="0" i="0" kern="1200" spc="0" baseline="0" dirty="0">
+              <a:rPr lang="te-IN" sz="1050" b="0" i="0" kern="1200" spc="0" baseline="0" dirty="0">
                 <a:ln>
                   <a:noFill/>
                 </a:ln>
@@ -10274,7 +10370,7 @@
               </a:rPr>
             </a:br>
             <a:r>
-              <a:rPr lang="te-IN" sz="1300" b="0" i="0" kern="1200" spc="0" baseline="0" dirty="0">
+              <a:rPr lang="te-IN" sz="1050" b="0" i="0" kern="1200" spc="0" baseline="0" dirty="0">
                 <a:ln>
                   <a:noFill/>
                 </a:ln>
@@ -10286,10 +10382,10 @@
                 <a:ea typeface="+mn-ea"/>
                 <a:cs typeface="Anek Telugu SemiBold" pitchFamily="2" charset="0"/>
               </a:rPr>
-              <a:t>నీ ప్రేమతో నను క్షమియించి</a:t>
+              <a:t>ఆపదలన్ని తొలగే వరకు – ఆత్మలో నెమ్మది కలిగే వరకు (2)</a:t>
             </a:r>
             <a:br>
-              <a:rPr lang="te-IN" sz="1300" b="0" i="0" kern="1200" spc="0" baseline="0" dirty="0">
+              <a:rPr lang="te-IN" sz="1050" b="0" i="0" kern="1200" spc="0" baseline="0" dirty="0">
                 <a:ln>
                   <a:noFill/>
                 </a:ln>
@@ -10303,7 +10399,7 @@
               </a:rPr>
             </a:br>
             <a:r>
-              <a:rPr lang="te-IN" sz="1300" b="0" i="0" kern="1200" spc="0" baseline="0" dirty="0">
+              <a:rPr lang="te-IN" sz="1050" b="0" i="0" kern="1200" spc="0" baseline="0" dirty="0">
                 <a:ln>
                   <a:noFill/>
                 </a:ln>
@@ -10315,7 +10411,36 @@
                 <a:ea typeface="+mn-ea"/>
                 <a:cs typeface="Anek Telugu SemiBold" pitchFamily="2" charset="0"/>
               </a:rPr>
-              <a:t>         నను హత్తుకొన్నావయ్యా (2)       </a:t>
+              <a:t>నా భారము మోసి – బాసటగా నిలిచి – ఆదరించితివి</a:t>
+            </a:r>
+            <a:br>
+              <a:rPr lang="te-IN" sz="1050" b="0" i="0" kern="1200" spc="0" baseline="0" dirty="0">
+                <a:ln>
+                  <a:noFill/>
+                </a:ln>
+                <a:solidFill>
+                  <a:srgbClr val="000000"/>
+                </a:solidFill>
+                <a:effectLst/>
+                <a:latin typeface="Anek Telugu SemiBold" pitchFamily="2" charset="0"/>
+                <a:ea typeface="+mn-ea"/>
+                <a:cs typeface="Anek Telugu SemiBold" pitchFamily="2" charset="0"/>
+              </a:rPr>
+            </a:br>
+            <a:r>
+              <a:rPr lang="te-IN" sz="1050" b="0" i="0" kern="1200" spc="0" baseline="0" dirty="0">
+                <a:ln>
+                  <a:noFill/>
+                </a:ln>
+                <a:solidFill>
+                  <a:srgbClr val="000000"/>
+                </a:solidFill>
+                <a:effectLst/>
+                <a:latin typeface="Anek Telugu SemiBold" pitchFamily="2" charset="0"/>
+                <a:ea typeface="+mn-ea"/>
+                <a:cs typeface="Anek Telugu SemiBold" pitchFamily="2" charset="0"/>
+              </a:rPr>
+              <a:t>ఈ స్తుతి మహిమలు నీకే – చెల్లించెదను – జీవితాంతము          ||ఘనమైనవి||</a:t>
             </a:r>
           </a:p>
           <a:p>
@@ -10330,7 +10455,7 @@
                 <a:spcPts val="0"/>
               </a:spcAft>
             </a:pPr>
-            <a:endParaRPr lang="te-IN" sz="1300" b="0" i="0" kern="1200" spc="0" baseline="0" dirty="0">
+            <a:endParaRPr lang="te-IN" sz="1050" b="0" i="0" kern="1200" spc="0" baseline="0" dirty="0">
               <a:ln>
                 <a:noFill/>
               </a:ln>
@@ -10356,7 +10481,7 @@
               </a:spcAft>
             </a:pPr>
             <a:r>
-              <a:rPr lang="en-IN" sz="1300" b="0" i="0" kern="1200" spc="0" baseline="0" dirty="0">
+              <a:rPr lang="te-IN" sz="1050" b="0" i="0" kern="1200" spc="0" baseline="0" dirty="0">
                 <a:ln>
                   <a:noFill/>
                 </a:ln>
@@ -10368,65 +10493,10 @@
                 <a:ea typeface="+mn-ea"/>
                 <a:cs typeface="Anek Telugu SemiBold" pitchFamily="2" charset="0"/>
               </a:rPr>
-              <a:t>2. </a:t>
-            </a:r>
-            <a:r>
-              <a:rPr lang="te-IN" sz="1300" b="0" i="0" kern="1200" spc="0" baseline="0" dirty="0">
-                <a:ln>
-                  <a:noFill/>
-                </a:ln>
-                <a:solidFill>
-                  <a:srgbClr val="000000"/>
-                </a:solidFill>
-                <a:effectLst/>
-                <a:latin typeface="Anek Telugu SemiBold" pitchFamily="2" charset="0"/>
-                <a:ea typeface="+mn-ea"/>
-                <a:cs typeface="Anek Telugu SemiBold" pitchFamily="2" charset="0"/>
-              </a:rPr>
-              <a:t>నాకున్న వారందరూ –</a:t>
-            </a:r>
-            <a:endParaRPr lang="en-IN" sz="1300" b="0" i="0" kern="1200" spc="0" baseline="0" dirty="0">
-              <a:ln>
-                <a:noFill/>
-              </a:ln>
-              <a:solidFill>
-                <a:srgbClr val="000000"/>
-              </a:solidFill>
-              <a:effectLst/>
-              <a:latin typeface="Anek Telugu SemiBold" pitchFamily="2" charset="0"/>
-              <a:ea typeface="+mn-ea"/>
-              <a:cs typeface="Anek Telugu SemiBold" pitchFamily="2" charset="0"/>
-            </a:endParaRPr>
-          </a:p>
-          <a:p>
-            <a:pPr marL="0" marR="0" indent="0" algn="ctr" rtl="0" eaLnBrk="1" fontAlgn="auto" latinLnBrk="0" hangingPunct="1">
-              <a:lnSpc>
-                <a:spcPct val="150000"/>
-              </a:lnSpc>
-              <a:spcBef>
-                <a:spcPts val="0"/>
-              </a:spcBef>
-              <a:spcAft>
-                <a:spcPts val="0"/>
-              </a:spcAft>
-            </a:pPr>
-            <a:r>
-              <a:rPr lang="te-IN" sz="1300" b="0" i="0" kern="1200" spc="0" baseline="0" dirty="0">
-                <a:ln>
-                  <a:noFill/>
-                </a:ln>
-                <a:solidFill>
-                  <a:srgbClr val="000000"/>
-                </a:solidFill>
-                <a:effectLst/>
-                <a:latin typeface="Anek Telugu SemiBold" pitchFamily="2" charset="0"/>
-                <a:ea typeface="+mn-ea"/>
-                <a:cs typeface="Anek Telugu SemiBold" pitchFamily="2" charset="0"/>
-              </a:rPr>
-              <a:t>నను విడచిపోయిననూ (2)</a:t>
+              <a:t>2. నాకు ఎత్తైన కోటవు నీవే – నన్ను కాపాడు కేడెము నీవే</a:t>
             </a:r>
             <a:br>
-              <a:rPr lang="te-IN" sz="1300" b="0" i="0" kern="1200" spc="0" baseline="0" dirty="0">
+              <a:rPr lang="te-IN" sz="1050" b="0" i="0" kern="1200" spc="0" baseline="0" dirty="0">
                 <a:ln>
                   <a:noFill/>
                 </a:ln>
@@ -10440,7 +10510,7 @@
               </a:rPr>
             </a:br>
             <a:r>
-              <a:rPr lang="te-IN" sz="1300" b="0" i="0" kern="1200" spc="0" baseline="0" dirty="0">
+              <a:rPr lang="te-IN" sz="1050" b="0" i="0" kern="1200" spc="0" baseline="0" dirty="0">
                 <a:ln>
                   <a:noFill/>
                 </a:ln>
@@ -10452,10 +10522,10 @@
                 <a:ea typeface="+mn-ea"/>
                 <a:cs typeface="Anek Telugu SemiBold" pitchFamily="2" charset="0"/>
               </a:rPr>
-              <a:t>ఎన్నెన్నో ఇబ్బందులకు గురి చేసిననూ</a:t>
+              <a:t>ఆశ్రయమైన బండవు నీవే – శాశ్వత కృపకాధారము నీవే (2)</a:t>
             </a:r>
             <a:br>
-              <a:rPr lang="te-IN" sz="1300" b="0" i="0" kern="1200" spc="0" baseline="0" dirty="0">
+              <a:rPr lang="te-IN" sz="1050" b="0" i="0" kern="1200" spc="0" baseline="0" dirty="0">
                 <a:ln>
                   <a:noFill/>
                 </a:ln>
@@ -10469,7 +10539,7 @@
               </a:rPr>
             </a:br>
             <a:r>
-              <a:rPr lang="te-IN" sz="1300" b="0" i="0" kern="1200" spc="0" baseline="0" dirty="0">
+              <a:rPr lang="te-IN" sz="1050" b="0" i="0" kern="1200" spc="0" baseline="0" dirty="0">
                 <a:ln>
                   <a:noFill/>
                 </a:ln>
@@ -10481,7 +10551,36 @@
                 <a:ea typeface="+mn-ea"/>
                 <a:cs typeface="Anek Telugu SemiBold" pitchFamily="2" charset="0"/>
               </a:rPr>
-              <a:t>   నను నీవు విడువలేదయ్యా (2)</a:t>
+              <a:t>నా ప్రతిక్షణమును నీవు – దీవెనగా మార్చి – నడిపించుచున్నావు</a:t>
+            </a:r>
+            <a:br>
+              <a:rPr lang="te-IN" sz="1050" b="0" i="0" kern="1200" spc="0" baseline="0" dirty="0">
+                <a:ln>
+                  <a:noFill/>
+                </a:ln>
+                <a:solidFill>
+                  <a:srgbClr val="000000"/>
+                </a:solidFill>
+                <a:effectLst/>
+                <a:latin typeface="Anek Telugu SemiBold" pitchFamily="2" charset="0"/>
+                <a:ea typeface="+mn-ea"/>
+                <a:cs typeface="Anek Telugu SemiBold" pitchFamily="2" charset="0"/>
+              </a:rPr>
+            </a:br>
+            <a:r>
+              <a:rPr lang="te-IN" sz="1050" b="0" i="0" kern="1200" spc="0" baseline="0" dirty="0">
+                <a:ln>
+                  <a:noFill/>
+                </a:ln>
+                <a:solidFill>
+                  <a:srgbClr val="000000"/>
+                </a:solidFill>
+                <a:effectLst/>
+                <a:latin typeface="Anek Telugu SemiBold" pitchFamily="2" charset="0"/>
+                <a:ea typeface="+mn-ea"/>
+                <a:cs typeface="Anek Telugu SemiBold" pitchFamily="2" charset="0"/>
+              </a:rPr>
+              <a:t>ఈ స్తుతి మహిమలు నీకే – చెల్లించెదను – జీవితాంతము          ||ఘనమైనవి||</a:t>
             </a:r>
           </a:p>
         </p:txBody>
@@ -10500,8 +10599,8 @@
         </p:nvSpPr>
         <p:spPr>
           <a:xfrm>
-            <a:off x="3686174" y="4894580"/>
-            <a:ext cx="3038475" cy="4806950"/>
+            <a:off x="3429000" y="4953000"/>
+            <a:ext cx="3295649" cy="4597400"/>
           </a:xfrm>
           <a:prstGeom prst="roundRect">
             <a:avLst>
@@ -10539,15 +10638,15 @@
               </a:lnSpc>
             </a:pPr>
             <a:r>
-              <a:rPr lang="te-IN" sz="1000" b="1" i="0" dirty="0">
+              <a:rPr lang="te-IN" sz="1400" i="0" dirty="0">
                 <a:solidFill>
                   <a:schemeClr val="tx1"/>
                 </a:solidFill>
                 <a:effectLst/>
-                <a:latin typeface="Anek Telugu" pitchFamily="2" charset="0"/>
-                <a:cs typeface="Anek Telugu" pitchFamily="2" charset="0"/>
+                <a:latin typeface="Anek Telugu SemiBold" pitchFamily="2" charset="0"/>
+                <a:cs typeface="Anek Telugu SemiBold" pitchFamily="2" charset="0"/>
               </a:rPr>
-              <a:t>స్తుతి పాడుటకే బ్రతికించిన – జీవనదాతవు నీవేనయ్యా</a:t>
+              <a:t>నా స్తుతి పాత్రుడా – నా యేసయ్యా</a:t>
             </a:r>
           </a:p>
           <a:p>
@@ -10557,15 +10656,15 @@
               </a:lnSpc>
             </a:pPr>
             <a:r>
-              <a:rPr lang="te-IN" sz="1000" b="1" i="0" dirty="0">
+              <a:rPr lang="te-IN" sz="1400" i="0" dirty="0">
                 <a:solidFill>
                   <a:schemeClr val="tx1"/>
                 </a:solidFill>
                 <a:effectLst/>
-                <a:latin typeface="Anek Telugu" pitchFamily="2" charset="0"/>
-                <a:cs typeface="Anek Telugu" pitchFamily="2" charset="0"/>
+                <a:latin typeface="Anek Telugu SemiBold" pitchFamily="2" charset="0"/>
+                <a:cs typeface="Anek Telugu SemiBold" pitchFamily="2" charset="0"/>
               </a:rPr>
-              <a:t>ఇన్నాళ్లుగా నను పోషించిన – తల్లివలె నను ఓదార్చిన</a:t>
+              <a:t>నా ఆరాధనకు నీవె యోగ్యుడవయ్యా (2)</a:t>
             </a:r>
           </a:p>
           <a:p>
@@ -10574,17 +10673,14 @@
                 <a:spcPct val="150000"/>
               </a:lnSpc>
             </a:pPr>
-            <a:r>
-              <a:rPr lang="te-IN" sz="1000" b="1" i="0" dirty="0">
-                <a:solidFill>
-                  <a:schemeClr val="tx1"/>
-                </a:solidFill>
-                <a:effectLst/>
-                <a:latin typeface="Anek Telugu" pitchFamily="2" charset="0"/>
-                <a:cs typeface="Anek Telugu" pitchFamily="2" charset="0"/>
-              </a:rPr>
-              <a:t>నీ ప్రేమ నాపై ఎన్నడు మారదు యేసయ్యా (2)</a:t>
-            </a:r>
+            <a:endParaRPr lang="te-IN" sz="1400" i="0" dirty="0">
+              <a:solidFill>
+                <a:schemeClr val="tx1"/>
+              </a:solidFill>
+              <a:effectLst/>
+              <a:latin typeface="Anek Telugu SemiBold" pitchFamily="2" charset="0"/>
+              <a:cs typeface="Anek Telugu SemiBold" pitchFamily="2" charset="0"/>
+            </a:endParaRPr>
           </a:p>
           <a:p>
             <a:pPr algn="ctr">
@@ -10593,15 +10689,15 @@
               </a:lnSpc>
             </a:pPr>
             <a:r>
-              <a:rPr lang="te-IN" sz="1000" b="1" i="0" dirty="0">
+              <a:rPr lang="te-IN" sz="1400" i="0" dirty="0">
                 <a:solidFill>
                   <a:schemeClr val="tx1"/>
                 </a:solidFill>
                 <a:effectLst/>
-                <a:latin typeface="Anek Telugu" pitchFamily="2" charset="0"/>
-                <a:cs typeface="Anek Telugu" pitchFamily="2" charset="0"/>
+                <a:latin typeface="Anek Telugu SemiBold" pitchFamily="2" charset="0"/>
+                <a:cs typeface="Anek Telugu SemiBold" pitchFamily="2" charset="0"/>
               </a:rPr>
-              <a:t>జీవితకాలమంతా ఆధారం నీవేనయ్యా</a:t>
+              <a:t>1. నీ వాక్యమే నా పరవశము</a:t>
             </a:r>
           </a:p>
           <a:p>
@@ -10611,15 +10707,15 @@
               </a:lnSpc>
             </a:pPr>
             <a:r>
-              <a:rPr lang="te-IN" sz="1000" b="1" i="0" dirty="0">
+              <a:rPr lang="te-IN" sz="1400" i="0" dirty="0">
                 <a:solidFill>
                   <a:schemeClr val="tx1"/>
                 </a:solidFill>
                 <a:effectLst/>
-                <a:latin typeface="Anek Telugu" pitchFamily="2" charset="0"/>
-                <a:cs typeface="Anek Telugu" pitchFamily="2" charset="0"/>
+                <a:latin typeface="Anek Telugu SemiBold" pitchFamily="2" charset="0"/>
+                <a:cs typeface="Anek Telugu SemiBold" pitchFamily="2" charset="0"/>
               </a:rPr>
-              <a:t>నా జీవితకాలమంతా ఆరాధించి ఘనపరతును</a:t>
+              <a:t>నీ వాక్యమే నా ఆత్మకు ఆహారము (2)</a:t>
             </a:r>
           </a:p>
           <a:p>
@@ -10628,13 +10724,24 @@
                 <a:spcPct val="150000"/>
               </a:lnSpc>
             </a:pPr>
-            <a:endParaRPr lang="te-IN" sz="1000" b="1" i="0" dirty="0">
+            <a:r>
+              <a:rPr lang="te-IN" sz="1400" i="0" dirty="0">
+                <a:solidFill>
+                  <a:schemeClr val="tx1"/>
+                </a:solidFill>
+                <a:effectLst/>
+                <a:latin typeface="Anek Telugu SemiBold" pitchFamily="2" charset="0"/>
+                <a:cs typeface="Anek Telugu SemiBold" pitchFamily="2" charset="0"/>
+              </a:rPr>
+              <a:t>నీ వాక్యమే నా పాదములకు దీపము (3)  </a:t>
+            </a:r>
+            <a:endParaRPr lang="en-IN" sz="1400" i="0" dirty="0">
               <a:solidFill>
                 <a:schemeClr val="tx1"/>
               </a:solidFill>
               <a:effectLst/>
-              <a:latin typeface="Anek Telugu" pitchFamily="2" charset="0"/>
-              <a:cs typeface="Anek Telugu" pitchFamily="2" charset="0"/>
+              <a:latin typeface="Anek Telugu SemiBold" pitchFamily="2" charset="0"/>
+              <a:cs typeface="Anek Telugu SemiBold" pitchFamily="2" charset="0"/>
             </a:endParaRPr>
           </a:p>
           <a:p>
@@ -10644,35 +10751,16 @@
               </a:lnSpc>
             </a:pPr>
             <a:r>
-              <a:rPr lang="en-IN" sz="1000" b="1" i="0" dirty="0">
+              <a:rPr lang="te-IN" sz="1400" i="0" dirty="0">
                 <a:solidFill>
                   <a:schemeClr val="tx1"/>
                 </a:solidFill>
                 <a:effectLst/>
-                <a:latin typeface="Anek Telugu" pitchFamily="2" charset="0"/>
-                <a:cs typeface="Anek Telugu" pitchFamily="2" charset="0"/>
+                <a:latin typeface="Anek Telugu SemiBold" pitchFamily="2" charset="0"/>
+                <a:cs typeface="Anek Telugu SemiBold" pitchFamily="2" charset="0"/>
               </a:rPr>
-              <a:t>1. </a:t>
-            </a:r>
-            <a:r>
-              <a:rPr lang="te-IN" sz="1000" b="1" i="0" dirty="0">
-                <a:solidFill>
-                  <a:schemeClr val="tx1"/>
-                </a:solidFill>
-                <a:effectLst/>
-                <a:latin typeface="Anek Telugu" pitchFamily="2" charset="0"/>
-                <a:cs typeface="Anek Telugu" pitchFamily="2" charset="0"/>
-              </a:rPr>
-              <a:t>ప్రాణభయమును తొలగించినావు –</a:t>
-            </a:r>
-            <a:endParaRPr lang="en-IN" sz="1000" b="1" i="0" dirty="0">
-              <a:solidFill>
-                <a:schemeClr val="tx1"/>
-              </a:solidFill>
-              <a:effectLst/>
-              <a:latin typeface="Anek Telugu" pitchFamily="2" charset="0"/>
-              <a:cs typeface="Anek Telugu" pitchFamily="2" charset="0"/>
-            </a:endParaRPr>
+              <a:t>||నా స్తుతి పాత్రుడా||</a:t>
+            </a:r>
           </a:p>
           <a:p>
             <a:pPr algn="ctr">
@@ -10680,17 +10768,14 @@
                 <a:spcPct val="150000"/>
               </a:lnSpc>
             </a:pPr>
-            <a:r>
-              <a:rPr lang="te-IN" sz="1000" b="1" i="0" dirty="0">
-                <a:solidFill>
-                  <a:schemeClr val="tx1"/>
-                </a:solidFill>
-                <a:effectLst/>
-                <a:latin typeface="Anek Telugu" pitchFamily="2" charset="0"/>
-                <a:cs typeface="Anek Telugu" pitchFamily="2" charset="0"/>
-              </a:rPr>
-              <a:t>ప్రాకారములను స్థాపించినావు</a:t>
-            </a:r>
+            <a:endParaRPr lang="te-IN" sz="1400" i="0" dirty="0">
+              <a:solidFill>
+                <a:schemeClr val="tx1"/>
+              </a:solidFill>
+              <a:effectLst/>
+              <a:latin typeface="Anek Telugu SemiBold" pitchFamily="2" charset="0"/>
+              <a:cs typeface="Anek Telugu SemiBold" pitchFamily="2" charset="0"/>
+            </a:endParaRPr>
           </a:p>
           <a:p>
             <a:pPr algn="ctr">
@@ -10699,24 +10784,16 @@
               </a:lnSpc>
             </a:pPr>
             <a:r>
-              <a:rPr lang="te-IN" sz="1000" b="1" i="0" dirty="0">
+              <a:rPr lang="te-IN" sz="1400" i="0" dirty="0">
                 <a:solidFill>
                   <a:schemeClr val="tx1"/>
                 </a:solidFill>
                 <a:effectLst/>
-                <a:latin typeface="Anek Telugu" pitchFamily="2" charset="0"/>
-                <a:cs typeface="Anek Telugu" pitchFamily="2" charset="0"/>
+                <a:latin typeface="Anek Telugu SemiBold" pitchFamily="2" charset="0"/>
+                <a:cs typeface="Anek Telugu SemiBold" pitchFamily="2" charset="0"/>
               </a:rPr>
-              <a:t>సర్వజనులలో నీ మహిమ వివరింప</a:t>
-            </a:r>
-            <a:endParaRPr lang="en-IN" sz="1000" b="1" i="0" dirty="0">
-              <a:solidFill>
-                <a:schemeClr val="tx1"/>
-              </a:solidFill>
-              <a:effectLst/>
-              <a:latin typeface="Anek Telugu" pitchFamily="2" charset="0"/>
-              <a:cs typeface="Anek Telugu" pitchFamily="2" charset="0"/>
-            </a:endParaRPr>
+              <a:t>2. నీ కృపయే నా ఆశ్రయము</a:t>
+            </a:r>
           </a:p>
           <a:p>
             <a:pPr algn="ctr">
@@ -10725,15 +10802,15 @@
               </a:lnSpc>
             </a:pPr>
             <a:r>
-              <a:rPr lang="te-IN" sz="1000" b="1" i="0" dirty="0">
+              <a:rPr lang="te-IN" sz="1400" i="0" dirty="0">
                 <a:solidFill>
                   <a:schemeClr val="tx1"/>
                 </a:solidFill>
                 <a:effectLst/>
-                <a:latin typeface="Anek Telugu" pitchFamily="2" charset="0"/>
-                <a:cs typeface="Anek Telugu" pitchFamily="2" charset="0"/>
+                <a:latin typeface="Anek Telugu SemiBold" pitchFamily="2" charset="0"/>
+                <a:cs typeface="Anek Telugu SemiBold" pitchFamily="2" charset="0"/>
               </a:rPr>
-              <a:t>దీర్ఘాయువుతో నను నింపినావు (2)</a:t>
+              <a:t>నీ కృపయే నా ఆత్మకు అభిషేకము (2)</a:t>
             </a:r>
           </a:p>
           <a:p>
@@ -10743,16 +10820,24 @@
               </a:lnSpc>
             </a:pPr>
             <a:r>
-              <a:rPr lang="te-IN" sz="1000" b="1" i="0" dirty="0">
+              <a:rPr lang="te-IN" sz="1400" i="0" dirty="0">
                 <a:solidFill>
                   <a:schemeClr val="tx1"/>
                 </a:solidFill>
                 <a:effectLst/>
-                <a:latin typeface="Anek Telugu" pitchFamily="2" charset="0"/>
-                <a:cs typeface="Anek Telugu" pitchFamily="2" charset="0"/>
+                <a:latin typeface="Anek Telugu SemiBold" pitchFamily="2" charset="0"/>
+                <a:cs typeface="Anek Telugu SemiBold" pitchFamily="2" charset="0"/>
               </a:rPr>
-              <a:t>నీ కృపా బాహుళ్యమే వీడని అనుబంధమై</a:t>
-            </a:r>
+              <a:t>నీ కృపయే నా జీవన ఆధారము (3)  </a:t>
+            </a:r>
+            <a:endParaRPr lang="en-IN" sz="1400" i="0" dirty="0">
+              <a:solidFill>
+                <a:schemeClr val="tx1"/>
+              </a:solidFill>
+              <a:effectLst/>
+              <a:latin typeface="Anek Telugu SemiBold" pitchFamily="2" charset="0"/>
+              <a:cs typeface="Anek Telugu SemiBold" pitchFamily="2" charset="0"/>
+            </a:endParaRPr>
           </a:p>
           <a:p>
             <a:pPr algn="ctr">
@@ -10761,139 +10846,15 @@
               </a:lnSpc>
             </a:pPr>
             <a:r>
-              <a:rPr lang="te-IN" sz="1000" b="1" i="0" dirty="0">
+              <a:rPr lang="te-IN" sz="1400" i="0" dirty="0">
                 <a:solidFill>
                   <a:schemeClr val="tx1"/>
                 </a:solidFill>
                 <a:effectLst/>
-                <a:latin typeface="Anek Telugu" pitchFamily="2" charset="0"/>
-                <a:cs typeface="Anek Telugu" pitchFamily="2" charset="0"/>
+                <a:latin typeface="Anek Telugu SemiBold" pitchFamily="2" charset="0"/>
+                <a:cs typeface="Anek Telugu SemiBold" pitchFamily="2" charset="0"/>
               </a:rPr>
-              <a:t>తలచిన ప్రతిక్షణమున నూతన బలమిచ్చెను</a:t>
-            </a:r>
-          </a:p>
-          <a:p>
-            <a:pPr algn="ctr">
-              <a:lnSpc>
-                <a:spcPct val="150000"/>
-              </a:lnSpc>
-            </a:pPr>
-            <a:endParaRPr lang="te-IN" sz="1000" b="1" i="0" dirty="0">
-              <a:solidFill>
-                <a:schemeClr val="tx1"/>
-              </a:solidFill>
-              <a:effectLst/>
-              <a:latin typeface="Anek Telugu" pitchFamily="2" charset="0"/>
-              <a:cs typeface="Anek Telugu" pitchFamily="2" charset="0"/>
-            </a:endParaRPr>
-          </a:p>
-          <a:p>
-            <a:pPr algn="ctr">
-              <a:lnSpc>
-                <a:spcPct val="150000"/>
-              </a:lnSpc>
-            </a:pPr>
-            <a:r>
-              <a:rPr lang="en-IN" sz="1000" b="1" i="0" dirty="0">
-                <a:solidFill>
-                  <a:schemeClr val="tx1"/>
-                </a:solidFill>
-                <a:effectLst/>
-                <a:latin typeface="Anek Telugu" pitchFamily="2" charset="0"/>
-                <a:cs typeface="Anek Telugu" pitchFamily="2" charset="0"/>
-              </a:rPr>
-              <a:t>2. </a:t>
-            </a:r>
-            <a:r>
-              <a:rPr lang="te-IN" sz="1000" b="1" i="0" dirty="0">
-                <a:solidFill>
-                  <a:schemeClr val="tx1"/>
-                </a:solidFill>
-                <a:effectLst/>
-                <a:latin typeface="Anek Telugu" pitchFamily="2" charset="0"/>
-                <a:cs typeface="Anek Telugu" pitchFamily="2" charset="0"/>
-              </a:rPr>
-              <a:t>నాపై ఉదయించె నీ మహిమ కిరణాలు – కనుమరుగాయెను నా దుఖ:దినములు</a:t>
-            </a:r>
-          </a:p>
-          <a:p>
-            <a:pPr algn="ctr">
-              <a:lnSpc>
-                <a:spcPct val="150000"/>
-              </a:lnSpc>
-            </a:pPr>
-            <a:r>
-              <a:rPr lang="te-IN" sz="1000" b="1" i="0" dirty="0">
-                <a:solidFill>
-                  <a:schemeClr val="tx1"/>
-                </a:solidFill>
-                <a:effectLst/>
-                <a:latin typeface="Anek Telugu" pitchFamily="2" charset="0"/>
-                <a:cs typeface="Anek Telugu" pitchFamily="2" charset="0"/>
-              </a:rPr>
-              <a:t>కృపలనుపొంది నీ కాడి మోయుటకు</a:t>
-            </a:r>
-            <a:endParaRPr lang="en-IN" sz="1000" b="1" i="0" dirty="0">
-              <a:solidFill>
-                <a:schemeClr val="tx1"/>
-              </a:solidFill>
-              <a:effectLst/>
-              <a:latin typeface="Anek Telugu" pitchFamily="2" charset="0"/>
-              <a:cs typeface="Anek Telugu" pitchFamily="2" charset="0"/>
-            </a:endParaRPr>
-          </a:p>
-          <a:p>
-            <a:pPr algn="ctr">
-              <a:lnSpc>
-                <a:spcPct val="150000"/>
-              </a:lnSpc>
-            </a:pPr>
-            <a:r>
-              <a:rPr lang="te-IN" sz="1000" b="1" i="0" dirty="0">
-                <a:solidFill>
-                  <a:schemeClr val="tx1"/>
-                </a:solidFill>
-                <a:effectLst/>
-                <a:latin typeface="Anek Telugu" pitchFamily="2" charset="0"/>
-                <a:cs typeface="Anek Telugu" pitchFamily="2" charset="0"/>
-              </a:rPr>
-              <a:t>లోకములోనుండి ఏర్పరచినావు (2)</a:t>
-            </a:r>
-          </a:p>
-          <a:p>
-            <a:pPr algn="ctr">
-              <a:lnSpc>
-                <a:spcPct val="150000"/>
-              </a:lnSpc>
-            </a:pPr>
-            <a:r>
-              <a:rPr lang="te-IN" sz="1000" b="1" i="0" dirty="0">
-                <a:solidFill>
-                  <a:schemeClr val="tx1"/>
-                </a:solidFill>
-                <a:effectLst/>
-                <a:latin typeface="Anek Telugu" pitchFamily="2" charset="0"/>
-                <a:cs typeface="Anek Telugu" pitchFamily="2" charset="0"/>
-              </a:rPr>
-              <a:t>నీ దివ్య సంకల్పమే- అవనిలో శుభప్రదమై</a:t>
-            </a:r>
-          </a:p>
-          <a:p>
-            <a:pPr algn="ctr">
-              <a:lnSpc>
-                <a:spcPct val="150000"/>
-              </a:lnSpc>
-            </a:pPr>
-            <a:r>
-              <a:rPr lang="te-IN" sz="1000" b="1" i="0" dirty="0">
-                <a:solidFill>
-                  <a:schemeClr val="tx1"/>
-                </a:solidFill>
-                <a:effectLst/>
-                <a:latin typeface="Anek Telugu" pitchFamily="2" charset="0"/>
-                <a:cs typeface="Anek Telugu" pitchFamily="2" charset="0"/>
-              </a:rPr>
-              <a:t>నీ నిత్య రాజ్యమునకై నిరీక్షణ కలిగించెను</a:t>
+              <a:t> ||నా స్తుతి పాత్రుడా||</a:t>
             </a:r>
           </a:p>
         </p:txBody>
@@ -10957,7 +10918,7 @@
               </a:spcAft>
             </a:pPr>
             <a:r>
-              <a:rPr lang="te-IN" sz="1050" b="0" i="0" kern="1200" spc="0" baseline="0" dirty="0">
+              <a:rPr lang="te-IN" sz="1300" b="0" i="0" kern="1200" spc="0" baseline="0" dirty="0">
                 <a:ln>
                   <a:noFill/>
                 </a:ln>
@@ -10969,7 +10930,7 @@
                 <a:ea typeface="+mn-ea"/>
                 <a:cs typeface="Anek Telugu SemiBold" pitchFamily="2" charset="0"/>
               </a:rPr>
-              <a:t>కుమ్మరి ఓ కుమ్మరి జగతుత్పత్తిదారి</a:t>
+              <a:t>సన్నుతించెదను - దయాళుడవు నీవని</a:t>
             </a:r>
           </a:p>
           <a:p>
@@ -10985,7 +10946,7 @@
               </a:spcAft>
             </a:pPr>
             <a:r>
-              <a:rPr lang="te-IN" sz="1050" b="0" i="0" kern="1200" spc="0" baseline="0" dirty="0">
+              <a:rPr lang="te-IN" sz="1300" b="0" i="0" kern="1200" spc="0" baseline="0" dirty="0">
                 <a:ln>
                   <a:noFill/>
                 </a:ln>
@@ -10997,7 +10958,7 @@
                 <a:ea typeface="+mn-ea"/>
                 <a:cs typeface="Anek Telugu SemiBold" pitchFamily="2" charset="0"/>
               </a:rPr>
-              <a:t>జిగట మన్నైన నా వంక చల్లగ చూడుమయ్యా</a:t>
+              <a:t>యెహోవా నీవే దయాళుడవని నిను సన్నుతించెదను - 2</a:t>
             </a:r>
           </a:p>
           <a:p>
@@ -11012,35 +10973,7 @@
                 <a:spcPts val="0"/>
               </a:spcAft>
             </a:pPr>
-            <a:r>
-              <a:rPr lang="te-IN" sz="1050" b="0" i="0" kern="1200" spc="0" baseline="0" dirty="0">
-                <a:ln>
-                  <a:noFill/>
-                </a:ln>
-                <a:solidFill>
-                  <a:srgbClr val="000000"/>
-                </a:solidFill>
-                <a:effectLst/>
-                <a:latin typeface="Anek Telugu SemiBold" pitchFamily="2" charset="0"/>
-                <a:ea typeface="+mn-ea"/>
-                <a:cs typeface="Anek Telugu SemiBold" pitchFamily="2" charset="0"/>
-              </a:rPr>
-              <a:t>ఆ ఆ ఆ చల్లగ చూడుమయ్యా</a:t>
-            </a:r>
-          </a:p>
-          <a:p>
-            <a:pPr marL="0" marR="0" indent="0" algn="ctr" rtl="0" eaLnBrk="1" fontAlgn="auto" latinLnBrk="0" hangingPunct="1">
-              <a:lnSpc>
-                <a:spcPct val="150000"/>
-              </a:lnSpc>
-              <a:spcBef>
-                <a:spcPts val="0"/>
-              </a:spcBef>
-              <a:spcAft>
-                <a:spcPts val="0"/>
-              </a:spcAft>
-            </a:pPr>
-            <a:endParaRPr lang="te-IN" sz="1050" b="0" i="0" kern="1200" spc="0" baseline="0" dirty="0">
+            <a:endParaRPr lang="te-IN" sz="1300" b="0" i="0" kern="1200" spc="0" baseline="0" dirty="0">
               <a:ln>
                 <a:noFill/>
               </a:ln>
@@ -11054,6 +10987,65 @@
             </a:endParaRPr>
           </a:p>
           <a:p>
+            <a:pPr marL="228600" marR="0" indent="-228600" algn="ctr" rtl="0" eaLnBrk="1" fontAlgn="auto" latinLnBrk="0" hangingPunct="1">
+              <a:lnSpc>
+                <a:spcPct val="150000"/>
+              </a:lnSpc>
+              <a:spcBef>
+                <a:spcPts val="0"/>
+              </a:spcBef>
+              <a:spcAft>
+                <a:spcPts val="0"/>
+              </a:spcAft>
+              <a:buAutoNum type="arabicPeriod"/>
+            </a:pPr>
+            <a:r>
+              <a:rPr lang="te-IN" sz="1300" b="0" i="0" kern="1200" spc="0" baseline="0" dirty="0">
+                <a:ln>
+                  <a:noFill/>
+                </a:ln>
+                <a:solidFill>
+                  <a:srgbClr val="000000"/>
+                </a:solidFill>
+                <a:effectLst/>
+                <a:latin typeface="Anek Telugu SemiBold" pitchFamily="2" charset="0"/>
+                <a:ea typeface="+mn-ea"/>
+                <a:cs typeface="Anek Telugu SemiBold" pitchFamily="2" charset="0"/>
+              </a:rPr>
+              <a:t>సర్వ సత్యములో</a:t>
+            </a:r>
+            <a:r>
+              <a:rPr lang="en-IN" sz="1300" b="0" i="0" kern="1200" spc="0" baseline="0" dirty="0">
+                <a:ln>
+                  <a:noFill/>
+                </a:ln>
+                <a:solidFill>
+                  <a:srgbClr val="000000"/>
+                </a:solidFill>
+                <a:effectLst/>
+                <a:latin typeface="Anek Telugu SemiBold" pitchFamily="2" charset="0"/>
+                <a:ea typeface="+mn-ea"/>
+                <a:cs typeface="Anek Telugu SemiBold" pitchFamily="2" charset="0"/>
+              </a:rPr>
+              <a:t> </a:t>
+            </a:r>
+            <a:r>
+              <a:rPr lang="te-IN" sz="1300" b="0" i="0" kern="1200" spc="0" baseline="0" dirty="0">
+                <a:ln>
+                  <a:noFill/>
+                </a:ln>
+                <a:solidFill>
+                  <a:srgbClr val="000000"/>
+                </a:solidFill>
+                <a:effectLst/>
+                <a:latin typeface="Anek Telugu SemiBold" pitchFamily="2" charset="0"/>
+                <a:ea typeface="+mn-ea"/>
+                <a:cs typeface="Anek Telugu SemiBold" pitchFamily="2" charset="0"/>
+              </a:rPr>
+              <a:t>నను నీవు నడిపి ఆదరించిన –</a:t>
+            </a:r>
+          </a:p>
+          <a:p>
             <a:pPr marL="0" marR="0" indent="0" algn="ctr" rtl="0" eaLnBrk="1" fontAlgn="auto" latinLnBrk="0" hangingPunct="1">
               <a:lnSpc>
                 <a:spcPct val="150000"/>
@@ -11066,7 +11058,7 @@
               </a:spcAft>
             </a:pPr>
             <a:r>
-              <a:rPr lang="te-IN" sz="1050" b="0" i="0" kern="1200" spc="0" baseline="0" dirty="0">
+              <a:rPr lang="te-IN" sz="1300" b="0" i="0" kern="1200" spc="0" baseline="0" dirty="0">
                 <a:ln>
                   <a:noFill/>
                 </a:ln>
@@ -11078,7 +11070,7 @@
                 <a:ea typeface="+mn-ea"/>
                 <a:cs typeface="Anek Telugu SemiBold" pitchFamily="2" charset="0"/>
               </a:rPr>
-              <a:t>1. పనికిరాని పాత్రనని – పారవేయకుమా</a:t>
+              <a:t>పరిశుద్ధాత్ముడా కృపాధారము నీవెగా -</a:t>
             </a:r>
           </a:p>
           <a:p>
@@ -11094,7 +11086,7 @@
               </a:spcAft>
             </a:pPr>
             <a:r>
-              <a:rPr lang="te-IN" sz="1050" b="0" i="0" kern="1200" spc="0" baseline="0" dirty="0">
+              <a:rPr lang="te-IN" sz="1300" b="0" i="0" kern="1200" spc="0" baseline="0" dirty="0">
                 <a:ln>
                   <a:noFill/>
                 </a:ln>
@@ -11106,7 +11098,7 @@
                 <a:ea typeface="+mn-ea"/>
                 <a:cs typeface="Anek Telugu SemiBold" pitchFamily="2" charset="0"/>
               </a:rPr>
-              <a:t>పొంగి పొరలు పాత్రగా – నన్ను నింపుమా (2)</a:t>
+              <a:t>షాలేమురాజా నిను సన్మానించెదను</a:t>
             </a:r>
           </a:p>
           <a:p>
@@ -11121,78 +11113,7 @@
                 <a:spcPts val="0"/>
               </a:spcAft>
             </a:pPr>
-            <a:r>
-              <a:rPr lang="te-IN" sz="1050" b="0" i="0" kern="1200" spc="0" baseline="0" dirty="0">
-                <a:ln>
-                  <a:noFill/>
-                </a:ln>
-                <a:solidFill>
-                  <a:srgbClr val="000000"/>
-                </a:solidFill>
-                <a:effectLst/>
-                <a:latin typeface="Anek Telugu SemiBold" pitchFamily="2" charset="0"/>
-                <a:ea typeface="+mn-ea"/>
-                <a:cs typeface="Anek Telugu SemiBold" pitchFamily="2" charset="0"/>
-              </a:rPr>
-              <a:t>సువార్తలోని పాత్రలన్నీ – శ్రీ యేసుని పొగడుచుండ</a:t>
-            </a:r>
-          </a:p>
-          <a:p>
-            <a:pPr marL="0" marR="0" indent="0" algn="ctr" rtl="0" eaLnBrk="1" fontAlgn="auto" latinLnBrk="0" hangingPunct="1">
-              <a:lnSpc>
-                <a:spcPct val="150000"/>
-              </a:lnSpc>
-              <a:spcBef>
-                <a:spcPts val="0"/>
-              </a:spcBef>
-              <a:spcAft>
-                <a:spcPts val="0"/>
-              </a:spcAft>
-            </a:pPr>
-            <a:r>
-              <a:rPr lang="te-IN" sz="1050" b="0" i="0" kern="1200" spc="0" baseline="0" dirty="0">
-                <a:ln>
-                  <a:noFill/>
-                </a:ln>
-                <a:solidFill>
-                  <a:srgbClr val="000000"/>
-                </a:solidFill>
-                <a:effectLst/>
-                <a:latin typeface="Anek Telugu SemiBold" pitchFamily="2" charset="0"/>
-                <a:ea typeface="+mn-ea"/>
-                <a:cs typeface="Anek Telugu SemiBold" pitchFamily="2" charset="0"/>
-              </a:rPr>
-              <a:t>సాక్షిగానుండు పాత్రగజేసి – సత్యముతో నింపుము తండ్రి</a:t>
-            </a:r>
-          </a:p>
-          <a:p>
-            <a:pPr marL="0" marR="0" indent="0" algn="ctr" rtl="0" eaLnBrk="1" fontAlgn="auto" latinLnBrk="0" hangingPunct="1">
-              <a:lnSpc>
-                <a:spcPct val="150000"/>
-              </a:lnSpc>
-              <a:spcBef>
-                <a:spcPts val="0"/>
-              </a:spcBef>
-              <a:spcAft>
-                <a:spcPts val="0"/>
-              </a:spcAft>
-            </a:pPr>
-            <a:r>
-              <a:rPr lang="te-IN" sz="1050" b="0" i="0" kern="1200" spc="0" baseline="0" dirty="0">
-                <a:ln>
-                  <a:noFill/>
-                </a:ln>
-                <a:solidFill>
-                  <a:srgbClr val="000000"/>
-                </a:solidFill>
-                <a:effectLst/>
-                <a:latin typeface="Anek Telugu SemiBold" pitchFamily="2" charset="0"/>
-                <a:ea typeface="+mn-ea"/>
-                <a:cs typeface="Anek Telugu SemiBold" pitchFamily="2" charset="0"/>
-              </a:rPr>
-              <a:t>ఆ ఆ ఆ సత్యముతో నింపుము తండ్రి</a:t>
-            </a:r>
-            <a:endParaRPr lang="en-IN" sz="1050" b="0" i="0" kern="1200" spc="0" baseline="0" dirty="0">
+            <a:endParaRPr lang="te-IN" sz="1300" b="0" i="0" kern="1200" spc="0" baseline="0" dirty="0">
               <a:ln>
                 <a:noFill/>
               </a:ln>
@@ -11218,7 +11139,7 @@
               </a:spcAft>
             </a:pPr>
             <a:r>
-              <a:rPr lang="te-IN" sz="1050" b="0" i="0" kern="1200" spc="0" baseline="0" dirty="0">
+              <a:rPr lang="te-IN" sz="1300" b="0" i="0" kern="1200" spc="0" baseline="0" dirty="0">
                 <a:ln>
                   <a:noFill/>
                 </a:ln>
@@ -11230,7 +11151,7 @@
                 <a:ea typeface="+mn-ea"/>
                 <a:cs typeface="Anek Telugu SemiBold" pitchFamily="2" charset="0"/>
               </a:rPr>
-              <a:t>||కుమ్మరి||</a:t>
+              <a:t>2. నీ కను చూపుల పరిధిలోనన్ను నిలిపి</a:t>
             </a:r>
           </a:p>
           <a:p>
@@ -11245,18 +11166,21 @@
                 <a:spcPts val="0"/>
               </a:spcAft>
             </a:pPr>
-            <a:endParaRPr lang="te-IN" sz="1050" b="0" i="0" kern="1200" spc="0" baseline="0" dirty="0">
-              <a:ln>
-                <a:noFill/>
-              </a:ln>
-              <a:solidFill>
-                <a:srgbClr val="000000"/>
-              </a:solidFill>
-              <a:effectLst/>
-              <a:latin typeface="Anek Telugu SemiBold" pitchFamily="2" charset="0"/>
-              <a:ea typeface="+mn-ea"/>
-              <a:cs typeface="Anek Telugu SemiBold" pitchFamily="2" charset="0"/>
-            </a:endParaRPr>
+            <a:r>
+              <a:rPr lang="te-IN" sz="1300" b="0" i="0" kern="1200" spc="0" baseline="0" dirty="0">
+                <a:ln>
+                  <a:noFill/>
+                </a:ln>
+                <a:solidFill>
+                  <a:srgbClr val="000000"/>
+                </a:solidFill>
+                <a:effectLst/>
+                <a:latin typeface="Anek Telugu SemiBold" pitchFamily="2" charset="0"/>
+                <a:ea typeface="+mn-ea"/>
+                <a:cs typeface="Anek Telugu SemiBold" pitchFamily="2" charset="0"/>
+              </a:rPr>
+              <a:t>చూపితివా నీ వాత్సల్యమును</a:t>
+            </a:r>
           </a:p>
           <a:p>
             <a:pPr marL="0" marR="0" indent="0" algn="ctr" rtl="0" eaLnBrk="1" fontAlgn="auto" latinLnBrk="0" hangingPunct="1">
@@ -11271,7 +11195,7 @@
               </a:spcAft>
             </a:pPr>
             <a:r>
-              <a:rPr lang="te-IN" sz="1050" b="0" i="0" kern="1200" spc="0" baseline="0" dirty="0">
+              <a:rPr lang="te-IN" sz="1300" b="0" i="0" kern="1200" spc="0" baseline="0" dirty="0">
                 <a:ln>
                   <a:noFill/>
                 </a:ln>
@@ -11283,7 +11207,7 @@
                 <a:ea typeface="+mn-ea"/>
                 <a:cs typeface="Anek Telugu SemiBold" pitchFamily="2" charset="0"/>
               </a:rPr>
-              <a:t>2. విలువలేని పాత్రను నేను – కొనువారు లేరెవ్వరు</a:t>
+              <a:t>కృపానిధివి నీవెగా –</a:t>
             </a:r>
           </a:p>
           <a:p>
@@ -11299,7 +11223,7 @@
               </a:spcAft>
             </a:pPr>
             <a:r>
-              <a:rPr lang="te-IN" sz="1050" b="0" i="0" kern="1200" spc="0" baseline="0" dirty="0">
+              <a:rPr lang="te-IN" sz="1300" b="0" i="0" kern="1200" spc="0" baseline="0" dirty="0">
                 <a:ln>
                   <a:noFill/>
                 </a:ln>
@@ -11311,131 +11235,7 @@
                 <a:ea typeface="+mn-ea"/>
                 <a:cs typeface="Anek Telugu SemiBold" pitchFamily="2" charset="0"/>
               </a:rPr>
-              <a:t>వెలలేని నీదు రక్తంబుతో – వెలుగొందు పాత్రగజేసి (2)</a:t>
-            </a:r>
-          </a:p>
-          <a:p>
-            <a:pPr marL="0" marR="0" indent="0" algn="ctr" rtl="0" eaLnBrk="1" fontAlgn="auto" latinLnBrk="0" hangingPunct="1">
-              <a:lnSpc>
-                <a:spcPct val="150000"/>
-              </a:lnSpc>
-              <a:spcBef>
-                <a:spcPts val="0"/>
-              </a:spcBef>
-              <a:spcAft>
-                <a:spcPts val="0"/>
-              </a:spcAft>
-            </a:pPr>
-            <a:r>
-              <a:rPr lang="te-IN" sz="1050" b="0" i="0" kern="1200" spc="0" baseline="0" dirty="0">
-                <a:ln>
-                  <a:noFill/>
-                </a:ln>
-                <a:solidFill>
-                  <a:srgbClr val="000000"/>
-                </a:solidFill>
-                <a:effectLst/>
-                <a:latin typeface="Anek Telugu SemiBold" pitchFamily="2" charset="0"/>
-                <a:ea typeface="+mn-ea"/>
-                <a:cs typeface="Anek Telugu SemiBold" pitchFamily="2" charset="0"/>
-              </a:rPr>
-              <a:t>ఆటంకములనుండి తప్పించి నన్ను – ఎల్లప్పుడు కావుమయ్యా</a:t>
-            </a:r>
-          </a:p>
-          <a:p>
-            <a:pPr marL="0" marR="0" indent="0" algn="ctr" rtl="0" eaLnBrk="1" fontAlgn="auto" latinLnBrk="0" hangingPunct="1">
-              <a:lnSpc>
-                <a:spcPct val="150000"/>
-              </a:lnSpc>
-              <a:spcBef>
-                <a:spcPts val="0"/>
-              </a:spcBef>
-              <a:spcAft>
-                <a:spcPts val="0"/>
-              </a:spcAft>
-            </a:pPr>
-            <a:r>
-              <a:rPr lang="te-IN" sz="1050" b="0" i="0" kern="1200" spc="0" baseline="0" dirty="0">
-                <a:ln>
-                  <a:noFill/>
-                </a:ln>
-                <a:solidFill>
-                  <a:srgbClr val="000000"/>
-                </a:solidFill>
-                <a:effectLst/>
-                <a:latin typeface="Anek Telugu SemiBold" pitchFamily="2" charset="0"/>
-                <a:ea typeface="+mn-ea"/>
-                <a:cs typeface="Anek Telugu SemiBold" pitchFamily="2" charset="0"/>
-              </a:rPr>
-              <a:t>పగిలియున్న పాత్రను నేను – సరిచేసి వాడుమయ్యా</a:t>
-            </a:r>
-          </a:p>
-          <a:p>
-            <a:pPr marL="0" marR="0" indent="0" algn="ctr" rtl="0" eaLnBrk="1" fontAlgn="auto" latinLnBrk="0" hangingPunct="1">
-              <a:lnSpc>
-                <a:spcPct val="150000"/>
-              </a:lnSpc>
-              <a:spcBef>
-                <a:spcPts val="0"/>
-              </a:spcBef>
-              <a:spcAft>
-                <a:spcPts val="0"/>
-              </a:spcAft>
-            </a:pPr>
-            <a:r>
-              <a:rPr lang="te-IN" sz="1050" b="0" i="0" kern="1200" spc="0" baseline="0" dirty="0">
-                <a:ln>
-                  <a:noFill/>
-                </a:ln>
-                <a:solidFill>
-                  <a:srgbClr val="000000"/>
-                </a:solidFill>
-                <a:effectLst/>
-                <a:latin typeface="Anek Telugu SemiBold" pitchFamily="2" charset="0"/>
-                <a:ea typeface="+mn-ea"/>
-                <a:cs typeface="Anek Telugu SemiBold" pitchFamily="2" charset="0"/>
-              </a:rPr>
-              <a:t>ఆ ఆ ఆ సరిచేసి వాడుమయ్యా</a:t>
-            </a:r>
-            <a:endParaRPr lang="en-IN" sz="1050" b="0" i="0" kern="1200" spc="0" baseline="0" dirty="0">
-              <a:ln>
-                <a:noFill/>
-              </a:ln>
-              <a:solidFill>
-                <a:srgbClr val="000000"/>
-              </a:solidFill>
-              <a:effectLst/>
-              <a:latin typeface="Anek Telugu SemiBold" pitchFamily="2" charset="0"/>
-              <a:ea typeface="+mn-ea"/>
-              <a:cs typeface="Anek Telugu SemiBold" pitchFamily="2" charset="0"/>
-            </a:endParaRPr>
-          </a:p>
-          <a:p>
-            <a:pPr marL="0" marR="0" indent="0" algn="ctr" rtl="0" eaLnBrk="1" fontAlgn="auto" latinLnBrk="0" hangingPunct="1">
-              <a:lnSpc>
-                <a:spcPct val="150000"/>
-              </a:lnSpc>
-              <a:spcBef>
-                <a:spcPts val="0"/>
-              </a:spcBef>
-              <a:spcAft>
-                <a:spcPts val="0"/>
-              </a:spcAft>
-            </a:pPr>
-            <a:r>
-              <a:rPr lang="te-IN" sz="1050" b="0" i="0" kern="1200" spc="0" baseline="0" dirty="0">
-                <a:ln>
-                  <a:noFill/>
-                </a:ln>
-                <a:solidFill>
-                  <a:srgbClr val="000000"/>
-                </a:solidFill>
-                <a:effectLst/>
-                <a:latin typeface="Anek Telugu SemiBold" pitchFamily="2" charset="0"/>
-                <a:ea typeface="+mn-ea"/>
-                <a:cs typeface="Anek Telugu SemiBold" pitchFamily="2" charset="0"/>
-              </a:rPr>
-              <a:t>||కుమ్మరి||</a:t>
+              <a:t>నా యేసురాజా నిను సన్మానించెదను</a:t>
             </a:r>
           </a:p>
         </p:txBody>
@@ -11529,7 +11329,7 @@
               </a:spcAft>
             </a:pPr>
             <a:r>
-              <a:rPr lang="te-IN" sz="1400" b="0" i="0" kern="1200" spc="0" baseline="0" dirty="0">
+              <a:rPr lang="te-IN" sz="1200" b="0" i="0" kern="1200" spc="0" baseline="0" dirty="0">
                 <a:ln>
                   <a:noFill/>
                 </a:ln>
@@ -11541,7 +11341,7 @@
                 <a:ea typeface="+mn-ea"/>
                 <a:cs typeface="Anek Telugu SemiBold" pitchFamily="2" charset="0"/>
               </a:rPr>
-              <a:t>నాతో మాట్లాడు ప్రభువా –</a:t>
+              <a:t>ప్రార్థన శక్తి నాకు కావాలయ్యా</a:t>
             </a:r>
           </a:p>
           <a:p>
@@ -11557,7 +11357,7 @@
               </a:spcAft>
             </a:pPr>
             <a:r>
-              <a:rPr lang="te-IN" sz="1400" b="0" i="0" kern="1200" spc="0" baseline="0" dirty="0">
+              <a:rPr lang="te-IN" sz="1200" b="0" i="0" kern="1200" spc="0" baseline="0" dirty="0">
                 <a:ln>
                   <a:noFill/>
                 </a:ln>
@@ -11569,7 +11369,7 @@
                 <a:ea typeface="+mn-ea"/>
                 <a:cs typeface="Anek Telugu SemiBold" pitchFamily="2" charset="0"/>
               </a:rPr>
-              <a:t>నీవే మాట్లాడుమయ్యా (2)</a:t>
+              <a:t>నీ పరలోక అభిషేకం కావాలయ్యా (2)</a:t>
             </a:r>
           </a:p>
           <a:p>
@@ -11585,7 +11385,7 @@
               </a:spcAft>
             </a:pPr>
             <a:r>
-              <a:rPr lang="te-IN" sz="1400" b="0" i="0" kern="1200" spc="0" baseline="0" dirty="0">
+              <a:rPr lang="te-IN" sz="1200" b="0" i="0" kern="1200" spc="0" baseline="0" dirty="0">
                 <a:ln>
                   <a:noFill/>
                 </a:ln>
@@ -11597,7 +11397,7 @@
                 <a:ea typeface="+mn-ea"/>
                 <a:cs typeface="Anek Telugu SemiBold" pitchFamily="2" charset="0"/>
               </a:rPr>
-              <a:t>నీవు పలికితే నాకు మేలయ్యా (2)</a:t>
+              <a:t>యేసయ్యా కావాలయ్యా</a:t>
             </a:r>
           </a:p>
           <a:p>
@@ -11613,7 +11413,7 @@
               </a:spcAft>
             </a:pPr>
             <a:r>
-              <a:rPr lang="te-IN" sz="1400" b="0" i="0" kern="1200" spc="0" baseline="0" dirty="0">
+              <a:rPr lang="te-IN" sz="1200" b="0" i="0" kern="1200" spc="0" baseline="0" dirty="0">
                 <a:ln>
                   <a:noFill/>
                 </a:ln>
@@ -11625,7 +11425,7 @@
                 <a:ea typeface="+mn-ea"/>
                 <a:cs typeface="Anek Telugu SemiBold" pitchFamily="2" charset="0"/>
               </a:rPr>
-              <a:t>నీ దర్శనమే నాకు చాలయ్యా (2)</a:t>
+              <a:t>నీ ఆత్మ అభిషేకం కావలయ్యా (2)    || ప్రార్థన ||</a:t>
             </a:r>
           </a:p>
           <a:p>
@@ -11640,7 +11440,7 @@
                 <a:spcPts val="0"/>
               </a:spcAft>
             </a:pPr>
-            <a:endParaRPr lang="te-IN" sz="1400" b="0" i="0" kern="1200" spc="0" baseline="0" dirty="0">
+            <a:endParaRPr lang="te-IN" sz="1200" b="0" i="0" kern="1200" spc="0" baseline="0" dirty="0">
               <a:ln>
                 <a:noFill/>
               </a:ln>
@@ -11666,7 +11466,7 @@
               </a:spcAft>
             </a:pPr>
             <a:r>
-              <a:rPr lang="en-IN" sz="1400" b="0" i="0" kern="1200" spc="0" baseline="0" dirty="0">
+              <a:rPr lang="te-IN" sz="1200" b="0" i="0" kern="1200" spc="0" baseline="0" dirty="0">
                 <a:ln>
                   <a:noFill/>
                 </a:ln>
@@ -11678,10 +11478,23 @@
                 <a:ea typeface="+mn-ea"/>
                 <a:cs typeface="Anek Telugu SemiBold" pitchFamily="2" charset="0"/>
               </a:rPr>
-              <a:t>.1. </a:t>
-            </a:r>
-            <a:r>
-              <a:rPr lang="te-IN" sz="1400" b="0" i="0" kern="1200" spc="0" baseline="0" dirty="0">
+              <a:t>1. ఏలియా ప్రార్థింపగ పొందిన శక్తి</a:t>
+            </a:r>
+          </a:p>
+          <a:p>
+            <a:pPr marL="0" marR="0" indent="0" algn="ctr" rtl="0" eaLnBrk="1" fontAlgn="auto" latinLnBrk="0" hangingPunct="1">
+              <a:lnSpc>
+                <a:spcPct val="150000"/>
+              </a:lnSpc>
+              <a:spcBef>
+                <a:spcPts val="0"/>
+              </a:spcBef>
+              <a:spcAft>
+                <a:spcPts val="0"/>
+              </a:spcAft>
+            </a:pPr>
+            <a:r>
+              <a:rPr lang="te-IN" sz="1200" b="0" i="0" kern="1200" spc="0" baseline="0" dirty="0">
                 <a:ln>
                   <a:noFill/>
                 </a:ln>
@@ -11693,7 +11506,7 @@
                 <a:ea typeface="+mn-ea"/>
                 <a:cs typeface="Anek Telugu SemiBold" pitchFamily="2" charset="0"/>
               </a:rPr>
-              <a:t>నీ వాక్యమే నన్ను బ్రతికించేది</a:t>
+              <a:t>నేను ప్రార్థింపగ దయచేయుమా (2)</a:t>
             </a:r>
           </a:p>
           <a:p>
@@ -11709,7 +11522,7 @@
               </a:spcAft>
             </a:pPr>
             <a:r>
-              <a:rPr lang="te-IN" sz="1400" b="0" i="0" kern="1200" spc="0" baseline="0" dirty="0">
+              <a:rPr lang="te-IN" sz="1200" b="0" i="0" kern="1200" spc="0" baseline="0" dirty="0">
                 <a:ln>
                   <a:noFill/>
                 </a:ln>
@@ -11721,7 +11534,7 @@
                 <a:ea typeface="+mn-ea"/>
                 <a:cs typeface="Anek Telugu SemiBold" pitchFamily="2" charset="0"/>
               </a:rPr>
-              <a:t>నా బాధలలో నెమ్మదినిచ్చేది (2)</a:t>
+              <a:t>ప్రార్థించి నిను చేరు భాగ్యమీయుమా (2)</a:t>
             </a:r>
           </a:p>
           <a:p>
@@ -11736,7 +11549,35 @@
                 <a:spcPts val="0"/>
               </a:spcAft>
             </a:pPr>
-            <a:endParaRPr lang="te-IN" sz="1400" b="0" i="0" kern="1200" spc="0" baseline="0" dirty="0">
+            <a:r>
+              <a:rPr lang="te-IN" sz="1200" b="0" i="0" kern="1200" spc="0" baseline="0" dirty="0">
+                <a:ln>
+                  <a:noFill/>
+                </a:ln>
+                <a:solidFill>
+                  <a:srgbClr val="000000"/>
+                </a:solidFill>
+                <a:effectLst/>
+                <a:latin typeface="Anek Telugu SemiBold" pitchFamily="2" charset="0"/>
+                <a:ea typeface="+mn-ea"/>
+                <a:cs typeface="Anek Telugu SemiBold" pitchFamily="2" charset="0"/>
+              </a:rPr>
+              <a:t>నిరంతరం ప్రార్థింప కృపనీయుమా (2)  || ప్రార్థన ||</a:t>
+            </a:r>
+          </a:p>
+          <a:p>
+            <a:pPr marL="0" marR="0" indent="0" algn="ctr" rtl="0" eaLnBrk="1" fontAlgn="auto" latinLnBrk="0" hangingPunct="1">
+              <a:lnSpc>
+                <a:spcPct val="150000"/>
+              </a:lnSpc>
+              <a:spcBef>
+                <a:spcPts val="0"/>
+              </a:spcBef>
+              <a:spcAft>
+                <a:spcPts val="0"/>
+              </a:spcAft>
+            </a:pPr>
+            <a:endParaRPr lang="te-IN" sz="1200" b="0" i="0" kern="1200" spc="0" baseline="0" dirty="0">
               <a:ln>
                 <a:noFill/>
               </a:ln>
@@ -11762,7 +11603,7 @@
               </a:spcAft>
             </a:pPr>
             <a:r>
-              <a:rPr lang="en-IN" sz="1400" b="0" i="0" kern="1200" spc="0" baseline="0" dirty="0">
+              <a:rPr lang="te-IN" sz="1200" b="0" i="0" kern="1200" spc="0" baseline="0" dirty="0">
                 <a:ln>
                   <a:noFill/>
                 </a:ln>
@@ -11774,10 +11615,23 @@
                 <a:ea typeface="+mn-ea"/>
                 <a:cs typeface="Anek Telugu SemiBold" pitchFamily="2" charset="0"/>
               </a:rPr>
-              <a:t>2. </a:t>
-            </a:r>
-            <a:r>
-              <a:rPr lang="te-IN" sz="1400" b="0" i="0" kern="1200" spc="0" baseline="0" dirty="0">
+              <a:t>2. సింహాల గుహలోని దానియేలు శక్తి</a:t>
+            </a:r>
+          </a:p>
+          <a:p>
+            <a:pPr marL="0" marR="0" indent="0" algn="ctr" rtl="0" eaLnBrk="1" fontAlgn="auto" latinLnBrk="0" hangingPunct="1">
+              <a:lnSpc>
+                <a:spcPct val="150000"/>
+              </a:lnSpc>
+              <a:spcBef>
+                <a:spcPts val="0"/>
+              </a:spcBef>
+              <a:spcAft>
+                <a:spcPts val="0"/>
+              </a:spcAft>
+            </a:pPr>
+            <a:r>
+              <a:rPr lang="te-IN" sz="1200" b="0" i="0" kern="1200" spc="0" baseline="0" dirty="0">
                 <a:ln>
                   <a:noFill/>
                 </a:ln>
@@ -11789,7 +11643,7 @@
                 <a:ea typeface="+mn-ea"/>
                 <a:cs typeface="Anek Telugu SemiBold" pitchFamily="2" charset="0"/>
               </a:rPr>
-              <a:t>నీ వాక్యమే స్వస్థత కలిగించేది</a:t>
+              <a:t>ఈ లోకంలో నాకు కావలయ్యా (2)</a:t>
             </a:r>
           </a:p>
           <a:p>
@@ -11805,7 +11659,7 @@
               </a:spcAft>
             </a:pPr>
             <a:r>
-              <a:rPr lang="te-IN" sz="1400" b="0" i="0" kern="1200" spc="0" baseline="0" dirty="0">
+              <a:rPr lang="te-IN" sz="1200" b="0" i="0" kern="1200" spc="0" baseline="0" dirty="0">
                 <a:ln>
                   <a:noFill/>
                 </a:ln>
@@ -11817,7 +11671,7 @@
                 <a:ea typeface="+mn-ea"/>
                 <a:cs typeface="Anek Telugu SemiBold" pitchFamily="2" charset="0"/>
               </a:rPr>
-              <a:t>నా వేదనలో ఆదరణిచ్చేది (2)</a:t>
+              <a:t>నీతో నడిచే వరమీయుమా (2)</a:t>
             </a:r>
           </a:p>
           <a:p>
@@ -11832,33 +11686,8 @@
                 <a:spcPts val="0"/>
               </a:spcAft>
             </a:pPr>
-            <a:endParaRPr lang="te-IN" sz="1400" b="0" i="0" kern="1200" spc="0" baseline="0" dirty="0">
-              <a:ln>
-                <a:noFill/>
-              </a:ln>
-              <a:solidFill>
-                <a:srgbClr val="000000"/>
-              </a:solidFill>
-              <a:effectLst/>
-              <a:latin typeface="Anek Telugu SemiBold" pitchFamily="2" charset="0"/>
-              <a:ea typeface="+mn-ea"/>
-              <a:cs typeface="Anek Telugu SemiBold" pitchFamily="2" charset="0"/>
-            </a:endParaRPr>
-          </a:p>
-          <a:p>
-            <a:pPr marL="0" marR="0" indent="0" algn="ctr" rtl="0" eaLnBrk="1" fontAlgn="auto" latinLnBrk="0" hangingPunct="1">
-              <a:lnSpc>
-                <a:spcPct val="150000"/>
-              </a:lnSpc>
-              <a:spcBef>
-                <a:spcPts val="0"/>
-              </a:spcBef>
-              <a:spcAft>
-                <a:spcPts val="0"/>
-              </a:spcAft>
-            </a:pPr>
-            <a:r>
-              <a:rPr lang="en-IN" sz="1400" b="0" i="0" kern="1200" spc="0" baseline="0" dirty="0">
+            <a:r>
+              <a:rPr lang="te-IN" sz="1200" b="0" i="0" kern="1200" spc="0" baseline="0" dirty="0">
                 <a:ln>
                   <a:noFill/>
                 </a:ln>
@@ -11870,50 +11699,7 @@
                 <a:ea typeface="+mn-ea"/>
                 <a:cs typeface="Anek Telugu SemiBold" pitchFamily="2" charset="0"/>
               </a:rPr>
-              <a:t>3. </a:t>
-            </a:r>
-            <a:r>
-              <a:rPr lang="te-IN" sz="1400" b="0" i="0" kern="1200" spc="0" baseline="0" dirty="0">
-                <a:ln>
-                  <a:noFill/>
-                </a:ln>
-                <a:solidFill>
-                  <a:srgbClr val="000000"/>
-                </a:solidFill>
-                <a:effectLst/>
-                <a:latin typeface="Anek Telugu SemiBold" pitchFamily="2" charset="0"/>
-                <a:ea typeface="+mn-ea"/>
-                <a:cs typeface="Anek Telugu SemiBold" pitchFamily="2" charset="0"/>
-              </a:rPr>
-              <a:t>నీ వాక్యమే నన్ను నడిపించేది</a:t>
-            </a:r>
-          </a:p>
-          <a:p>
-            <a:pPr marL="0" marR="0" indent="0" algn="ctr" rtl="0" eaLnBrk="1" fontAlgn="auto" latinLnBrk="0" hangingPunct="1">
-              <a:lnSpc>
-                <a:spcPct val="150000"/>
-              </a:lnSpc>
-              <a:spcBef>
-                <a:spcPts val="0"/>
-              </a:spcBef>
-              <a:spcAft>
-                <a:spcPts val="0"/>
-              </a:spcAft>
-            </a:pPr>
-            <a:r>
-              <a:rPr lang="te-IN" sz="1400" b="0" i="0" kern="1200" spc="0" baseline="0" dirty="0">
-                <a:ln>
-                  <a:noFill/>
-                </a:ln>
-                <a:solidFill>
-                  <a:srgbClr val="000000"/>
-                </a:solidFill>
-                <a:effectLst/>
-                <a:latin typeface="Anek Telugu SemiBold" pitchFamily="2" charset="0"/>
-                <a:ea typeface="+mn-ea"/>
-                <a:cs typeface="Anek Telugu SemiBold" pitchFamily="2" charset="0"/>
-              </a:rPr>
-              <a:t>నా మార్గములో వెలుతురునిచ్చేది (2)</a:t>
+              <a:t>నీ సిలువను మోసే కృపనీయుమా (2)   || ప్రార్థన ||</a:t>
             </a:r>
           </a:p>
         </p:txBody>
@@ -11989,7 +11775,7 @@
                 <a:ea typeface="+mn-ea"/>
                 <a:cs typeface="Anek Telugu SemiBold" pitchFamily="2" charset="0"/>
               </a:rPr>
-              <a:t>నేనెల్లప్పుడు యెహోవాను సన్నుతించెదన్‌</a:t>
+              <a:t>నీతో గడిపే ప్రతి క్షణము</a:t>
             </a:r>
           </a:p>
           <a:p>
@@ -12017,7 +11803,7 @@
                 <a:ea typeface="+mn-ea"/>
                 <a:cs typeface="Anek Telugu SemiBold" pitchFamily="2" charset="0"/>
               </a:rPr>
-              <a:t>నిత్యము ఆయన కీర్తి నా నోట నుండున్‌ - (2)</a:t>
+              <a:t>ఆనంద బాష్పాలు ఆగవయ్యా (2)</a:t>
             </a:r>
           </a:p>
           <a:p>
@@ -12045,7 +11831,7 @@
                 <a:ea typeface="+mn-ea"/>
                 <a:cs typeface="Anek Telugu SemiBold" pitchFamily="2" charset="0"/>
               </a:rPr>
-              <a:t>అంతా నా మేలుకే - ఆరాధనా యేసుకే</a:t>
+              <a:t>కృప తలంచగా మేళ్లు యోచించగా (2)</a:t>
             </a:r>
           </a:p>
           <a:p>
@@ -12073,20 +11859,8 @@
                 <a:ea typeface="+mn-ea"/>
                 <a:cs typeface="Anek Telugu SemiBold" pitchFamily="2" charset="0"/>
               </a:rPr>
-              <a:t>అంతా నా మంచికే –</a:t>
-            </a:r>
-            <a:endParaRPr lang="en-IN" sz="1180" b="0" i="0" kern="1200" spc="0" baseline="0" dirty="0">
-              <a:ln>
-                <a:noFill/>
-              </a:ln>
-              <a:solidFill>
-                <a:srgbClr val="000000"/>
-              </a:solidFill>
-              <a:effectLst/>
-              <a:latin typeface="Anek Telugu SemiBold" pitchFamily="2" charset="0"/>
-              <a:ea typeface="+mn-ea"/>
-              <a:cs typeface="Anek Telugu SemiBold" pitchFamily="2" charset="0"/>
-            </a:endParaRPr>
+              <a:t>నా గలమాగదు స్తుతించక – నిను కీర్తించక</a:t>
+            </a:r>
           </a:p>
           <a:p>
             <a:pPr marL="0" marR="0" indent="0" algn="ctr" rtl="0" eaLnBrk="1" fontAlgn="auto" latinLnBrk="0" hangingPunct="1">
@@ -12113,63 +11887,7 @@
                 <a:ea typeface="+mn-ea"/>
                 <a:cs typeface="Anek Telugu SemiBold" pitchFamily="2" charset="0"/>
               </a:rPr>
-              <a:t>తన చిత్తమునకు తల వంచితే-(2)</a:t>
-            </a:r>
-          </a:p>
-          <a:p>
-            <a:pPr marL="0" marR="0" indent="0" algn="ctr" rtl="0" eaLnBrk="1" fontAlgn="auto" latinLnBrk="0" hangingPunct="1">
-              <a:lnSpc>
-                <a:spcPct val="150000"/>
-              </a:lnSpc>
-              <a:spcBef>
-                <a:spcPts val="0"/>
-              </a:spcBef>
-              <a:spcAft>
-                <a:spcPts val="0"/>
-              </a:spcAft>
-            </a:pPr>
-            <a:r>
-              <a:rPr lang="te-IN" sz="1180" b="0" i="0" kern="1200" spc="0" baseline="0" dirty="0">
-                <a:ln>
-                  <a:noFill/>
-                </a:ln>
-                <a:solidFill>
-                  <a:srgbClr val="000000"/>
-                </a:solidFill>
-                <a:effectLst/>
-                <a:latin typeface="Anek Telugu SemiBold" pitchFamily="2" charset="0"/>
-                <a:ea typeface="+mn-ea"/>
-                <a:cs typeface="Anek Telugu SemiBold" pitchFamily="2" charset="0"/>
-              </a:rPr>
-              <a:t>అరాధన ఆపను - స్తుతియించుట మానను - (2)</a:t>
-            </a:r>
-          </a:p>
-          <a:p>
-            <a:pPr marL="0" marR="0" indent="0" algn="ctr" rtl="0" eaLnBrk="1" fontAlgn="auto" latinLnBrk="0" hangingPunct="1">
-              <a:lnSpc>
-                <a:spcPct val="150000"/>
-              </a:lnSpc>
-              <a:spcBef>
-                <a:spcPts val="0"/>
-              </a:spcBef>
-              <a:spcAft>
-                <a:spcPts val="0"/>
-              </a:spcAft>
-            </a:pPr>
-            <a:r>
-              <a:rPr lang="te-IN" sz="1180" b="0" i="0" kern="1200" spc="0" baseline="0" dirty="0">
-                <a:ln>
-                  <a:noFill/>
-                </a:ln>
-                <a:solidFill>
-                  <a:srgbClr val="000000"/>
-                </a:solidFill>
-                <a:effectLst/>
-                <a:latin typeface="Anek Telugu SemiBold" pitchFamily="2" charset="0"/>
-                <a:ea typeface="+mn-ea"/>
-                <a:cs typeface="Anek Telugu SemiBold" pitchFamily="2" charset="0"/>
-              </a:rPr>
-              <a:t>స్తుతియించుట మానను</a:t>
+              <a:t>యేసయ్యా యేసయ్యా – నా యేసయ్యా (4)</a:t>
             </a:r>
           </a:p>
           <a:p>
@@ -12222,7 +11940,7 @@
                 <a:ea typeface="+mn-ea"/>
                 <a:cs typeface="Anek Telugu SemiBold" pitchFamily="2" charset="0"/>
               </a:rPr>
-              <a:t>1. కన్నీల్లే పానములైన - కఠిన దుఃఖ బాధలైన</a:t>
+              <a:t>1. మారా వంటి నా జీవితాన్ని</a:t>
             </a:r>
           </a:p>
           <a:p>
@@ -12250,7 +11968,7 @@
                 <a:ea typeface="+mn-ea"/>
                 <a:cs typeface="Anek Telugu SemiBold" pitchFamily="2" charset="0"/>
               </a:rPr>
-              <a:t>స్థితిగతులే మారిన - అవకాశం చేజారిన</a:t>
+              <a:t>మధురముగా మార్చి ఘనపరచినావు (2)</a:t>
             </a:r>
           </a:p>
           <a:p>
@@ -12278,7 +11996,7 @@
                 <a:ea typeface="+mn-ea"/>
                 <a:cs typeface="Anek Telugu SemiBold" pitchFamily="2" charset="0"/>
               </a:rPr>
-              <a:t>మారదు యేసు ప్రేమ - నిత్యుడైన తండ్రి ప్రేమ - (2)</a:t>
+              <a:t>నా ప్రేమ చేత కాదు - నీవే నను ప్రేమించి (2)</a:t>
             </a:r>
           </a:p>
           <a:p>
@@ -12306,7 +12024,7 @@
                 <a:ea typeface="+mn-ea"/>
                 <a:cs typeface="Anek Telugu SemiBold" pitchFamily="2" charset="0"/>
               </a:rPr>
-              <a:t>మారదు యేసు ప్రేమ - నిత్యుడైన తండ్రి ప్రేమ - (2)</a:t>
+              <a:t>రక్తాన్ని చిందించి - నన్ను రక్షించావు (2)</a:t>
             </a:r>
           </a:p>
           <a:p>
@@ -12359,7 +12077,7 @@
                 <a:ea typeface="+mn-ea"/>
                 <a:cs typeface="Anek Telugu SemiBold" pitchFamily="2" charset="0"/>
               </a:rPr>
-              <a:t>2. ఆస్తులన్ని కోల్పొయిన - కన్నవారే కునుమరుగైన</a:t>
+              <a:t>2. గమ్యమే లేని ఓ బాటసారిని</a:t>
             </a:r>
           </a:p>
           <a:p>
@@ -12387,7 +12105,7 @@
                 <a:ea typeface="+mn-ea"/>
                 <a:cs typeface="Anek Telugu SemiBold" pitchFamily="2" charset="0"/>
               </a:rPr>
-              <a:t>ఊపిరి బరువైన - గుండెలే పగిలినా</a:t>
+              <a:t>నీతో ఉన్నాను భయము లేదన్నావు (2)</a:t>
             </a:r>
           </a:p>
           <a:p>
@@ -12415,7 +12133,7 @@
                 <a:ea typeface="+mn-ea"/>
                 <a:cs typeface="Anek Telugu SemiBold" pitchFamily="2" charset="0"/>
               </a:rPr>
-              <a:t>యెహోవా యిచ్చెను - యెహోవా తీసికొనెను - (2)</a:t>
+              <a:t>నా శక్తి చేత కాదు - నీ ఆత్మ ద్వారానే (2)</a:t>
             </a:r>
           </a:p>
           <a:p>
@@ -12443,7 +12161,7 @@
                 <a:ea typeface="+mn-ea"/>
                 <a:cs typeface="Anek Telugu SemiBold" pitchFamily="2" charset="0"/>
               </a:rPr>
-              <a:t>ఆయన నామమునకే - స్తుతి కలుగు గాక - (2)</a:t>
+              <a:t>వాగ్ధానము నెరవేర్చి - వారసుని చేసావు (2)</a:t>
             </a:r>
           </a:p>
         </p:txBody>
@@ -12501,15 +12219,15 @@
               </a:lnSpc>
             </a:pPr>
             <a:r>
-              <a:rPr lang="te-IN" sz="1200" b="1" i="0" dirty="0">
+              <a:rPr lang="te-IN" sz="1200" i="0" dirty="0">
                 <a:solidFill>
                   <a:schemeClr val="tx1"/>
                 </a:solidFill>
                 <a:effectLst/>
-                <a:latin typeface="Anek Telugu" pitchFamily="2" charset="0"/>
-                <a:cs typeface="Anek Telugu" pitchFamily="2" charset="0"/>
+                <a:latin typeface="Anek Telugu SemiBold" pitchFamily="2" charset="0"/>
+                <a:cs typeface="Anek Telugu SemiBold" pitchFamily="2" charset="0"/>
               </a:rPr>
-              <a:t>తేజోమయా యేసయ్యా –</a:t>
+              <a:t>ప్రేమించెదన్ అధికముగా</a:t>
             </a:r>
           </a:p>
           <a:p>
@@ -12519,15 +12237,15 @@
               </a:lnSpc>
             </a:pPr>
             <a:r>
-              <a:rPr lang="te-IN" sz="1200" b="1" i="0" dirty="0">
+              <a:rPr lang="te-IN" sz="1200" i="0" dirty="0">
                 <a:solidFill>
                   <a:schemeClr val="tx1"/>
                 </a:solidFill>
                 <a:effectLst/>
-                <a:latin typeface="Anek Telugu" pitchFamily="2" charset="0"/>
-                <a:cs typeface="Anek Telugu" pitchFamily="2" charset="0"/>
+                <a:latin typeface="Anek Telugu SemiBold" pitchFamily="2" charset="0"/>
+                <a:cs typeface="Anek Telugu SemiBold" pitchFamily="2" charset="0"/>
               </a:rPr>
-              <a:t>స్తుతి పాత్రుడవు నీవయ్యా</a:t>
+              <a:t>ఆరాధింతున్ ఆసక్తితో (2)</a:t>
             </a:r>
           </a:p>
           <a:p>
@@ -12537,15 +12255,15 @@
               </a:lnSpc>
             </a:pPr>
             <a:r>
-              <a:rPr lang="te-IN" sz="1200" b="1" i="0" dirty="0">
+              <a:rPr lang="te-IN" sz="1200" i="0" dirty="0">
                 <a:solidFill>
                   <a:schemeClr val="tx1"/>
                 </a:solidFill>
                 <a:effectLst/>
-                <a:latin typeface="Anek Telugu" pitchFamily="2" charset="0"/>
-                <a:cs typeface="Anek Telugu" pitchFamily="2" charset="0"/>
+                <a:latin typeface="Anek Telugu SemiBold" pitchFamily="2" charset="0"/>
+                <a:cs typeface="Anek Telugu SemiBold" pitchFamily="2" charset="0"/>
               </a:rPr>
-              <a:t>అ.ప. : మహిమ ఘనత ప్రభావములు</a:t>
+              <a:t>నిన్ను పూర్ణ మనసుతో ఆరాధింతున్</a:t>
             </a:r>
           </a:p>
           <a:p>
@@ -12555,15 +12273,15 @@
               </a:lnSpc>
             </a:pPr>
             <a:r>
-              <a:rPr lang="te-IN" sz="1200" b="1" i="0" dirty="0">
+              <a:rPr lang="te-IN" sz="1200" i="0" dirty="0">
                 <a:solidFill>
                   <a:schemeClr val="tx1"/>
                 </a:solidFill>
                 <a:effectLst/>
-                <a:latin typeface="Anek Telugu" pitchFamily="2" charset="0"/>
-                <a:cs typeface="Anek Telugu" pitchFamily="2" charset="0"/>
+                <a:latin typeface="Anek Telugu SemiBold" pitchFamily="2" charset="0"/>
+                <a:cs typeface="Anek Telugu SemiBold" pitchFamily="2" charset="0"/>
               </a:rPr>
-              <a:t>సమస్తము నీకేనయా</a:t>
+              <a:t>పూర్ణ బలముతో ప్రేమించెదన్</a:t>
             </a:r>
           </a:p>
           <a:p>
@@ -12572,14 +12290,17 @@
                 <a:spcPct val="150000"/>
               </a:lnSpc>
             </a:pPr>
-            <a:endParaRPr lang="te-IN" sz="1200" b="1" i="0" dirty="0">
-              <a:solidFill>
-                <a:schemeClr val="tx1"/>
-              </a:solidFill>
-              <a:effectLst/>
-              <a:latin typeface="Anek Telugu" pitchFamily="2" charset="0"/>
-              <a:cs typeface="Anek Telugu" pitchFamily="2" charset="0"/>
-            </a:endParaRPr>
+            <a:r>
+              <a:rPr lang="te-IN" sz="1200" i="0" dirty="0">
+                <a:solidFill>
+                  <a:schemeClr val="tx1"/>
+                </a:solidFill>
+                <a:effectLst/>
+                <a:latin typeface="Anek Telugu SemiBold" pitchFamily="2" charset="0"/>
+                <a:cs typeface="Anek Telugu SemiBold" pitchFamily="2" charset="0"/>
+              </a:rPr>
+              <a:t>ఆరాధన ఆరాధనా ఆ.. ఆ.. </a:t>
+            </a:r>
           </a:p>
           <a:p>
             <a:pPr algn="ctr">
@@ -12588,15 +12309,15 @@
               </a:lnSpc>
             </a:pPr>
             <a:r>
-              <a:rPr lang="te-IN" sz="1200" b="1" i="0" dirty="0">
+              <a:rPr lang="te-IN" sz="1200" i="0" dirty="0">
                 <a:solidFill>
                   <a:schemeClr val="tx1"/>
                 </a:solidFill>
                 <a:effectLst/>
-                <a:latin typeface="Anek Telugu" pitchFamily="2" charset="0"/>
-                <a:cs typeface="Anek Telugu" pitchFamily="2" charset="0"/>
+                <a:latin typeface="Anek Telugu SemiBold" pitchFamily="2" charset="0"/>
+                <a:cs typeface="Anek Telugu SemiBold" pitchFamily="2" charset="0"/>
               </a:rPr>
-              <a:t>1. నిజమైన దేవా నీవంటివాడు లేడు</a:t>
+              <a:t>ఆరాధన ఆరాధనా (2)</a:t>
             </a:r>
           </a:p>
           <a:p>
@@ -12605,17 +12326,14 @@
                 <a:spcPct val="150000"/>
               </a:lnSpc>
             </a:pPr>
-            <a:r>
-              <a:rPr lang="te-IN" sz="1200" b="1" i="0" dirty="0">
-                <a:solidFill>
-                  <a:schemeClr val="tx1"/>
-                </a:solidFill>
-                <a:effectLst/>
-                <a:latin typeface="Anek Telugu" pitchFamily="2" charset="0"/>
-                <a:cs typeface="Anek Telugu" pitchFamily="2" charset="0"/>
-              </a:rPr>
-              <a:t>మహాత్మ్యము గల నిన్ను పోలినవాడెవడు (2)</a:t>
-            </a:r>
+            <a:endParaRPr lang="te-IN" sz="1200" i="0" dirty="0">
+              <a:solidFill>
+                <a:schemeClr val="tx1"/>
+              </a:solidFill>
+              <a:effectLst/>
+              <a:latin typeface="Anek Telugu SemiBold" pitchFamily="2" charset="0"/>
+              <a:cs typeface="Anek Telugu SemiBold" pitchFamily="2" charset="0"/>
+            </a:endParaRPr>
           </a:p>
           <a:p>
             <a:pPr algn="ctr">
@@ -12624,15 +12342,15 @@
               </a:lnSpc>
             </a:pPr>
             <a:r>
-              <a:rPr lang="te-IN" sz="1200" b="1" i="0" dirty="0">
+              <a:rPr lang="te-IN" sz="1200" i="0" dirty="0">
                 <a:solidFill>
                   <a:schemeClr val="tx1"/>
                 </a:solidFill>
                 <a:effectLst/>
-                <a:latin typeface="Anek Telugu" pitchFamily="2" charset="0"/>
-                <a:cs typeface="Anek Telugu" pitchFamily="2" charset="0"/>
+                <a:latin typeface="Anek Telugu SemiBold" pitchFamily="2" charset="0"/>
+                <a:cs typeface="Anek Telugu SemiBold" pitchFamily="2" charset="0"/>
               </a:rPr>
-              <a:t>నీ నామము ఘనమైనదయా –</a:t>
+              <a:t>1. ఎబినేజరే ఎబినేజరే</a:t>
             </a:r>
           </a:p>
           <a:p>
@@ -12642,15 +12360,15 @@
               </a:lnSpc>
             </a:pPr>
             <a:r>
-              <a:rPr lang="te-IN" sz="1200" b="1" i="0" dirty="0">
+              <a:rPr lang="te-IN" sz="1200" i="0" dirty="0">
                 <a:solidFill>
                   <a:schemeClr val="tx1"/>
                 </a:solidFill>
                 <a:effectLst/>
-                <a:latin typeface="Anek Telugu" pitchFamily="2" charset="0"/>
-                <a:cs typeface="Anek Telugu" pitchFamily="2" charset="0"/>
+                <a:latin typeface="Anek Telugu SemiBold" pitchFamily="2" charset="0"/>
+                <a:cs typeface="Anek Telugu SemiBold" pitchFamily="2" charset="0"/>
               </a:rPr>
-              <a:t>నరులు నీకు భయపడెదరయా (2)</a:t>
+              <a:t>ఇంత వరకు ఆదుకొన్నావే (2)</a:t>
             </a:r>
           </a:p>
           <a:p>
@@ -12660,15 +12378,15 @@
               </a:lnSpc>
             </a:pPr>
             <a:r>
-              <a:rPr lang="te-IN" sz="1200" b="1" i="0" dirty="0">
+              <a:rPr lang="te-IN" sz="1200" i="0" dirty="0">
                 <a:solidFill>
                   <a:schemeClr val="tx1"/>
                 </a:solidFill>
                 <a:effectLst/>
-                <a:latin typeface="Anek Telugu" pitchFamily="2" charset="0"/>
-                <a:cs typeface="Anek Telugu" pitchFamily="2" charset="0"/>
+                <a:latin typeface="Anek Telugu SemiBold" pitchFamily="2" charset="0"/>
+                <a:cs typeface="Anek Telugu SemiBold" pitchFamily="2" charset="0"/>
               </a:rPr>
-              <a:t>|| మహిమ ఘనత ||</a:t>
+              <a:t>నన్ను ఇంత వరకు ఆదుకొన్నావే</a:t>
             </a:r>
           </a:p>
           <a:p>
@@ -12677,13 +12395,13 @@
                 <a:spcPct val="150000"/>
               </a:lnSpc>
             </a:pPr>
-            <a:endParaRPr lang="te-IN" sz="1200" b="1" i="0" dirty="0">
+            <a:endParaRPr lang="te-IN" sz="1200" i="0" dirty="0">
               <a:solidFill>
                 <a:schemeClr val="tx1"/>
               </a:solidFill>
               <a:effectLst/>
-              <a:latin typeface="Anek Telugu" pitchFamily="2" charset="0"/>
-              <a:cs typeface="Anek Telugu" pitchFamily="2" charset="0"/>
+              <a:latin typeface="Anek Telugu SemiBold" pitchFamily="2" charset="0"/>
+              <a:cs typeface="Anek Telugu SemiBold" pitchFamily="2" charset="0"/>
             </a:endParaRPr>
           </a:p>
           <a:p>
@@ -12693,15 +12411,15 @@
               </a:lnSpc>
             </a:pPr>
             <a:r>
-              <a:rPr lang="te-IN" sz="1200" b="1" i="0" dirty="0">
+              <a:rPr lang="te-IN" sz="1200" i="0" dirty="0">
                 <a:solidFill>
                   <a:schemeClr val="tx1"/>
                 </a:solidFill>
                 <a:effectLst/>
-                <a:latin typeface="Anek Telugu" pitchFamily="2" charset="0"/>
-                <a:cs typeface="Anek Telugu" pitchFamily="2" charset="0"/>
+                <a:latin typeface="Anek Telugu SemiBold" pitchFamily="2" charset="0"/>
+                <a:cs typeface="Anek Telugu SemiBold" pitchFamily="2" charset="0"/>
               </a:rPr>
-              <a:t>2. జనములకు రాజా జీవముగలిగిన నాథా</a:t>
+              <a:t>2. ఎల్రోహి ఎల్రోహి</a:t>
             </a:r>
           </a:p>
           <a:p>
@@ -12711,15 +12429,15 @@
               </a:lnSpc>
             </a:pPr>
             <a:r>
-              <a:rPr lang="te-IN" sz="1200" b="1" i="0" dirty="0">
+              <a:rPr lang="te-IN" sz="1200" i="0" dirty="0">
                 <a:solidFill>
                   <a:schemeClr val="tx1"/>
                 </a:solidFill>
                 <a:effectLst/>
-                <a:latin typeface="Anek Telugu" pitchFamily="2" charset="0"/>
-                <a:cs typeface="Anek Telugu" pitchFamily="2" charset="0"/>
+                <a:latin typeface="Anek Telugu SemiBold" pitchFamily="2" charset="0"/>
+                <a:cs typeface="Anek Telugu SemiBold" pitchFamily="2" charset="0"/>
               </a:rPr>
-              <a:t>సమస్తము నిర్మించినవాడవు నీవెగదా (2)</a:t>
+              <a:t>నన్ను చూచావే వందనమయ్యా (2)</a:t>
             </a:r>
           </a:p>
           <a:p>
@@ -12729,51 +12447,15 @@
               </a:lnSpc>
             </a:pPr>
             <a:r>
-              <a:rPr lang="te-IN" sz="1200" b="1" i="0" dirty="0">
+              <a:rPr lang="te-IN" sz="1200" i="0" dirty="0">
                 <a:solidFill>
                   <a:schemeClr val="tx1"/>
                 </a:solidFill>
                 <a:effectLst/>
-                <a:latin typeface="Anek Telugu" pitchFamily="2" charset="0"/>
-                <a:cs typeface="Anek Telugu" pitchFamily="2" charset="0"/>
+                <a:latin typeface="Anek Telugu SemiBold" pitchFamily="2" charset="0"/>
+                <a:cs typeface="Anek Telugu SemiBold" pitchFamily="2" charset="0"/>
               </a:rPr>
-              <a:t>నీ ఉగ్రత తాళలేమయా –</a:t>
-            </a:r>
-          </a:p>
-          <a:p>
-            <a:pPr algn="ctr">
-              <a:lnSpc>
-                <a:spcPct val="150000"/>
-              </a:lnSpc>
-            </a:pPr>
-            <a:r>
-              <a:rPr lang="te-IN" sz="1200" b="1" i="0" dirty="0">
-                <a:solidFill>
-                  <a:schemeClr val="tx1"/>
-                </a:solidFill>
-                <a:effectLst/>
-                <a:latin typeface="Anek Telugu" pitchFamily="2" charset="0"/>
-                <a:cs typeface="Anek Telugu" pitchFamily="2" charset="0"/>
-              </a:rPr>
-              <a:t>మేలు చేయగలవు నీవయా (2)</a:t>
-            </a:r>
-          </a:p>
-          <a:p>
-            <a:pPr algn="ctr">
-              <a:lnSpc>
-                <a:spcPct val="150000"/>
-              </a:lnSpc>
-            </a:pPr>
-            <a:r>
-              <a:rPr lang="te-IN" sz="1200" b="1" i="0" dirty="0">
-                <a:solidFill>
-                  <a:schemeClr val="tx1"/>
-                </a:solidFill>
-                <a:effectLst/>
-                <a:latin typeface="Anek Telugu" pitchFamily="2" charset="0"/>
-                <a:cs typeface="Anek Telugu" pitchFamily="2" charset="0"/>
-              </a:rPr>
-              <a:t>|| మహిమ ఘనత ||</a:t>
+              <a:t>నన్ను చూచావే వందనమయ్యా</a:t>
             </a:r>
           </a:p>
         </p:txBody>
@@ -12837,7 +12519,7 @@
               </a:spcAft>
             </a:pPr>
             <a:r>
-              <a:rPr lang="te-IN" sz="1200" b="0" i="0" kern="1200" spc="0" baseline="0" dirty="0">
+              <a:rPr lang="te-IN" sz="1050" b="0" i="0" kern="1200" spc="0" baseline="0" dirty="0">
                 <a:ln>
                   <a:noFill/>
                 </a:ln>
@@ -12849,7 +12531,7 @@
                 <a:ea typeface="+mn-ea"/>
                 <a:cs typeface="Anek Telugu SemiBold" pitchFamily="2" charset="0"/>
               </a:rPr>
-              <a:t>నీ ప్రేమ ఎంతో అపారము</a:t>
+              <a:t>ప్రార్థన వలనే పయనము – ప్రార్థనే ప్రాకారము</a:t>
             </a:r>
           </a:p>
           <a:p>
@@ -12865,7 +12547,7 @@
               </a:spcAft>
             </a:pPr>
             <a:r>
-              <a:rPr lang="te-IN" sz="1200" b="0" i="0" kern="1200" spc="0" baseline="0" dirty="0">
+              <a:rPr lang="te-IN" sz="1050" b="0" i="0" kern="1200" spc="0" baseline="0" dirty="0">
                 <a:ln>
                   <a:noFill/>
                 </a:ln>
@@ -12877,7 +12559,7 @@
                 <a:ea typeface="+mn-ea"/>
                 <a:cs typeface="Anek Telugu SemiBold" pitchFamily="2" charset="0"/>
               </a:rPr>
-              <a:t>వర్ణింపతరమా నా ప్రభూ</a:t>
+              <a:t>ప్రార్థనే ప్రాధాన్యము – ప్రార్థన లేనిదే పరాజయం (2)</a:t>
             </a:r>
           </a:p>
           <a:p>
@@ -12893,7 +12575,7 @@
               </a:spcAft>
             </a:pPr>
             <a:r>
-              <a:rPr lang="te-IN" sz="1200" b="0" i="0" kern="1200" spc="0" baseline="0" dirty="0">
+              <a:rPr lang="te-IN" sz="1050" b="0" i="0" kern="1200" spc="0" baseline="0" dirty="0">
                 <a:ln>
                   <a:noFill/>
                 </a:ln>
@@ -12905,7 +12587,7 @@
                 <a:ea typeface="+mn-ea"/>
                 <a:cs typeface="Anek Telugu SemiBold" pitchFamily="2" charset="0"/>
               </a:rPr>
-              <a:t>పులకింప చేసెను నా హృది</a:t>
+              <a:t>ప్రభువా ప్రార్థన నేర్పయ్యా</a:t>
             </a:r>
           </a:p>
           <a:p>
@@ -12921,7 +12603,7 @@
               </a:spcAft>
             </a:pPr>
             <a:r>
-              <a:rPr lang="te-IN" sz="1200" b="0" i="0" kern="1200" spc="0" baseline="0" dirty="0">
+              <a:rPr lang="te-IN" sz="1050" b="0" i="0" kern="1200" spc="0" baseline="0" dirty="0">
                 <a:ln>
                   <a:noFill/>
                 </a:ln>
@@ -12933,7 +12615,7 @@
                 <a:ea typeface="+mn-ea"/>
                 <a:cs typeface="Anek Telugu SemiBold" pitchFamily="2" charset="0"/>
               </a:rPr>
-              <a:t>హృదయేశ్వరా నా యేసువా</a:t>
+              <a:t>ప్రార్ధించకుండా నే ఉండలేనయ్యా (2)</a:t>
             </a:r>
           </a:p>
           <a:p>
@@ -12948,7 +12630,63 @@
                 <a:spcPts val="0"/>
               </a:spcAft>
             </a:pPr>
-            <a:endParaRPr lang="te-IN" sz="1200" b="0" i="0" kern="1200" spc="0" baseline="0" dirty="0">
+            <a:r>
+              <a:rPr lang="te-IN" sz="1050" b="0" i="0" kern="1200" spc="0" baseline="0" dirty="0">
+                <a:ln>
+                  <a:noFill/>
+                </a:ln>
+                <a:solidFill>
+                  <a:srgbClr val="000000"/>
+                </a:solidFill>
+                <a:effectLst/>
+                <a:latin typeface="Anek Telugu SemiBold" pitchFamily="2" charset="0"/>
+                <a:ea typeface="+mn-ea"/>
+                <a:cs typeface="Anek Telugu SemiBold" pitchFamily="2" charset="0"/>
+              </a:rPr>
+              <a:t>నీ పాదాలు తడపకుండా</a:t>
+            </a:r>
+          </a:p>
+          <a:p>
+            <a:pPr marL="0" marR="0" indent="0" algn="ctr" rtl="0" eaLnBrk="1" fontAlgn="auto" latinLnBrk="0" hangingPunct="1">
+              <a:lnSpc>
+                <a:spcPct val="150000"/>
+              </a:lnSpc>
+              <a:spcBef>
+                <a:spcPts val="0"/>
+              </a:spcBef>
+              <a:spcAft>
+                <a:spcPts val="0"/>
+              </a:spcAft>
+            </a:pPr>
+            <a:r>
+              <a:rPr lang="te-IN" sz="1050" b="0" i="0" kern="1200" spc="0" baseline="0" dirty="0">
+                <a:ln>
+                  <a:noFill/>
+                </a:ln>
+                <a:solidFill>
+                  <a:srgbClr val="000000"/>
+                </a:solidFill>
+                <a:effectLst/>
+                <a:latin typeface="Anek Telugu SemiBold" pitchFamily="2" charset="0"/>
+                <a:ea typeface="+mn-ea"/>
+                <a:cs typeface="Anek Telugu SemiBold" pitchFamily="2" charset="0"/>
+              </a:rPr>
+              <a:t>నా పయనం సాగదయ్యా (2) ||ప్రార్థన||</a:t>
+            </a:r>
+          </a:p>
+          <a:p>
+            <a:pPr marL="0" marR="0" indent="0" algn="ctr" rtl="0" eaLnBrk="1" fontAlgn="auto" latinLnBrk="0" hangingPunct="1">
+              <a:lnSpc>
+                <a:spcPct val="150000"/>
+              </a:lnSpc>
+              <a:spcBef>
+                <a:spcPts val="0"/>
+              </a:spcBef>
+              <a:spcAft>
+                <a:spcPts val="0"/>
+              </a:spcAft>
+            </a:pPr>
+            <a:endParaRPr lang="te-IN" sz="1050" b="0" i="0" kern="1200" spc="0" baseline="0" dirty="0">
               <a:ln>
                 <a:noFill/>
               </a:ln>
@@ -12962,7 +12700,7 @@
             </a:endParaRPr>
           </a:p>
           <a:p>
-            <a:pPr marR="0" algn="ctr" rtl="0" eaLnBrk="1" fontAlgn="auto" latinLnBrk="0" hangingPunct="1">
+            <a:pPr marL="0" marR="0" indent="0" algn="ctr" rtl="0" eaLnBrk="1" fontAlgn="auto" latinLnBrk="0" hangingPunct="1">
               <a:lnSpc>
                 <a:spcPct val="150000"/>
               </a:lnSpc>
@@ -12974,7 +12712,7 @@
               </a:spcAft>
             </a:pPr>
             <a:r>
-              <a:rPr lang="en-IN" sz="1200" b="0" i="0" kern="1200" spc="0" baseline="0" dirty="0">
+              <a:rPr lang="te-IN" sz="1050" b="0" i="0" kern="1200" spc="0" baseline="0" dirty="0">
                 <a:ln>
                   <a:noFill/>
                 </a:ln>
@@ -12986,10 +12724,23 @@
                 <a:ea typeface="+mn-ea"/>
                 <a:cs typeface="Anek Telugu SemiBold" pitchFamily="2" charset="0"/>
               </a:rPr>
-              <a:t>1. </a:t>
-            </a:r>
-            <a:r>
-              <a:rPr lang="te-IN" sz="1200" b="0" i="0" kern="1200" spc="0" baseline="0" dirty="0">
+              <a:t>1. ప్రార్ధనలో నాటునది – పెల్లగించుట అసాధ్యము</a:t>
+            </a:r>
+          </a:p>
+          <a:p>
+            <a:pPr marL="0" marR="0" indent="0" algn="ctr" rtl="0" eaLnBrk="1" fontAlgn="auto" latinLnBrk="0" hangingPunct="1">
+              <a:lnSpc>
+                <a:spcPct val="150000"/>
+              </a:lnSpc>
+              <a:spcBef>
+                <a:spcPts val="0"/>
+              </a:spcBef>
+              <a:spcAft>
+                <a:spcPts val="0"/>
+              </a:spcAft>
+            </a:pPr>
+            <a:r>
+              <a:rPr lang="te-IN" sz="1050" b="0" i="0" kern="1200" spc="0" baseline="0" dirty="0">
                 <a:ln>
                   <a:noFill/>
                 </a:ln>
@@ -13001,10 +12752,23 @@
                 <a:ea typeface="+mn-ea"/>
                 <a:cs typeface="Anek Telugu SemiBold" pitchFamily="2" charset="0"/>
               </a:rPr>
-              <a:t>నన్ను ఎంతో ప్రేమించి</a:t>
-            </a:r>
-            <a:r>
-              <a:rPr lang="en-IN" sz="1200" b="0" i="0" kern="1200" spc="0" baseline="0" dirty="0">
+              <a:t>ప్రార్ధనలో పోరాడునది – పొందకపోవుట అసాధ్యము (2)</a:t>
+            </a:r>
+          </a:p>
+          <a:p>
+            <a:pPr marL="0" marR="0" indent="0" algn="ctr" rtl="0" eaLnBrk="1" fontAlgn="auto" latinLnBrk="0" hangingPunct="1">
+              <a:lnSpc>
+                <a:spcPct val="150000"/>
+              </a:lnSpc>
+              <a:spcBef>
+                <a:spcPts val="0"/>
+              </a:spcBef>
+              <a:spcAft>
+                <a:spcPts val="0"/>
+              </a:spcAft>
+            </a:pPr>
+            <a:r>
+              <a:rPr lang="te-IN" sz="1050" b="0" i="0" kern="1200" spc="0" baseline="0" dirty="0">
                 <a:ln>
                   <a:noFill/>
                 </a:ln>
@@ -13016,10 +12780,23 @@
                 <a:ea typeface="+mn-ea"/>
                 <a:cs typeface="Anek Telugu SemiBold" pitchFamily="2" charset="0"/>
               </a:rPr>
-              <a:t>–</a:t>
-            </a:r>
-            <a:r>
-              <a:rPr lang="te-IN" sz="1200" b="0" i="0" kern="1200" spc="0" baseline="0" dirty="0">
+              <a:t>ప్రార్ధనలో ప్రాకులాడినది – పతనమవ్వుట అసాధ్యము (2)</a:t>
+            </a:r>
+          </a:p>
+          <a:p>
+            <a:pPr marL="0" marR="0" indent="0" algn="ctr" rtl="0" eaLnBrk="1" fontAlgn="auto" latinLnBrk="0" hangingPunct="1">
+              <a:lnSpc>
+                <a:spcPct val="150000"/>
+              </a:lnSpc>
+              <a:spcBef>
+                <a:spcPts val="0"/>
+              </a:spcBef>
+              <a:spcAft>
+                <a:spcPts val="0"/>
+              </a:spcAft>
+            </a:pPr>
+            <a:r>
+              <a:rPr lang="te-IN" sz="1050" b="0" i="0" kern="1200" spc="0" baseline="0" dirty="0">
                 <a:ln>
                   <a:noFill/>
                 </a:ln>
@@ -13031,7 +12808,7 @@
                 <a:ea typeface="+mn-ea"/>
                 <a:cs typeface="Anek Telugu SemiBold" pitchFamily="2" charset="0"/>
               </a:rPr>
-              <a:t>నాదు పాపమె క్షమియించి</a:t>
+              <a:t>ప్రార్ధనలో పదునైనది – పనిచేయకపోవుట అసాధ్యము (2) ||ప్రభువా||</a:t>
             </a:r>
           </a:p>
           <a:p>
@@ -13046,121 +12823,7 @@
                 <a:spcPts val="0"/>
               </a:spcAft>
             </a:pPr>
-            <a:r>
-              <a:rPr lang="te-IN" sz="1200" b="0" i="0" kern="1200" spc="0" baseline="0" dirty="0">
-                <a:ln>
-                  <a:noFill/>
-                </a:ln>
-                <a:solidFill>
-                  <a:srgbClr val="000000"/>
-                </a:solidFill>
-                <a:effectLst/>
-                <a:latin typeface="Anek Telugu SemiBold" pitchFamily="2" charset="0"/>
-                <a:ea typeface="+mn-ea"/>
-                <a:cs typeface="Anek Telugu SemiBold" pitchFamily="2" charset="0"/>
-              </a:rPr>
-              <a:t>కృప కనికరముల నీడలో</a:t>
-            </a:r>
-            <a:r>
-              <a:rPr lang="en-IN" sz="1200" b="0" i="0" kern="1200" spc="0" baseline="0" dirty="0">
-                <a:ln>
-                  <a:noFill/>
-                </a:ln>
-                <a:solidFill>
-                  <a:srgbClr val="000000"/>
-                </a:solidFill>
-                <a:effectLst/>
-                <a:latin typeface="Anek Telugu SemiBold" pitchFamily="2" charset="0"/>
-                <a:ea typeface="+mn-ea"/>
-                <a:cs typeface="Anek Telugu SemiBold" pitchFamily="2" charset="0"/>
-              </a:rPr>
-              <a:t> -</a:t>
-            </a:r>
-            <a:r>
-              <a:rPr lang="te-IN" sz="1200" b="0" i="0" kern="1200" spc="0" baseline="0" dirty="0">
-                <a:ln>
-                  <a:noFill/>
-                </a:ln>
-                <a:solidFill>
-                  <a:srgbClr val="000000"/>
-                </a:solidFill>
-                <a:effectLst/>
-                <a:latin typeface="Anek Telugu SemiBold" pitchFamily="2" charset="0"/>
-                <a:ea typeface="+mn-ea"/>
-                <a:cs typeface="Anek Telugu SemiBold" pitchFamily="2" charset="0"/>
-              </a:rPr>
-              <a:t>నన్ను చేర్చిన నా ప్రభూ</a:t>
-            </a:r>
-          </a:p>
-          <a:p>
-            <a:pPr marL="0" marR="0" indent="0" algn="ctr" rtl="0" eaLnBrk="1" fontAlgn="auto" latinLnBrk="0" hangingPunct="1">
-              <a:lnSpc>
-                <a:spcPct val="150000"/>
-              </a:lnSpc>
-              <a:spcBef>
-                <a:spcPts val="0"/>
-              </a:spcBef>
-              <a:spcAft>
-                <a:spcPts val="0"/>
-              </a:spcAft>
-            </a:pPr>
-            <a:r>
-              <a:rPr lang="te-IN" sz="1200" b="0" i="0" kern="1200" spc="0" baseline="0" dirty="0">
-                <a:ln>
-                  <a:noFill/>
-                </a:ln>
-                <a:solidFill>
-                  <a:srgbClr val="000000"/>
-                </a:solidFill>
-                <a:effectLst/>
-                <a:latin typeface="Anek Telugu SemiBold" pitchFamily="2" charset="0"/>
-                <a:ea typeface="+mn-ea"/>
-                <a:cs typeface="Anek Telugu SemiBold" pitchFamily="2" charset="0"/>
-              </a:rPr>
-              <a:t>జీవితమంతా స్తుతియించినా</a:t>
-            </a:r>
-          </a:p>
-          <a:p>
-            <a:pPr marL="0" marR="0" indent="0" algn="ctr" rtl="0" eaLnBrk="1" fontAlgn="auto" latinLnBrk="0" hangingPunct="1">
-              <a:lnSpc>
-                <a:spcPct val="150000"/>
-              </a:lnSpc>
-              <a:spcBef>
-                <a:spcPts val="0"/>
-              </a:spcBef>
-              <a:spcAft>
-                <a:spcPts val="0"/>
-              </a:spcAft>
-            </a:pPr>
-            <a:r>
-              <a:rPr lang="te-IN" sz="1200" b="0" i="0" kern="1200" spc="0" baseline="0" dirty="0">
-                <a:ln>
-                  <a:noFill/>
-                </a:ln>
-                <a:solidFill>
-                  <a:srgbClr val="000000"/>
-                </a:solidFill>
-                <a:effectLst/>
-                <a:latin typeface="Anek Telugu SemiBold" pitchFamily="2" charset="0"/>
-                <a:ea typeface="+mn-ea"/>
-                <a:cs typeface="Anek Telugu SemiBold" pitchFamily="2" charset="0"/>
-              </a:rPr>
-              <a:t>తీరునా నీ ఋణం</a:t>
-            </a:r>
-          </a:p>
-          <a:p>
-            <a:pPr marL="0" marR="0" indent="0" algn="ctr" rtl="0" eaLnBrk="1" fontAlgn="auto" latinLnBrk="0" hangingPunct="1">
-              <a:lnSpc>
-                <a:spcPct val="150000"/>
-              </a:lnSpc>
-              <a:spcBef>
-                <a:spcPts val="0"/>
-              </a:spcBef>
-              <a:spcAft>
-                <a:spcPts val="0"/>
-              </a:spcAft>
-            </a:pPr>
-            <a:endParaRPr lang="te-IN" sz="1200" b="0" i="0" kern="1200" spc="0" baseline="0" dirty="0">
+            <a:endParaRPr lang="te-IN" sz="1050" b="0" i="0" kern="1200" spc="0" baseline="0" dirty="0">
               <a:ln>
                 <a:noFill/>
               </a:ln>
@@ -13186,7 +12849,7 @@
               </a:spcAft>
             </a:pPr>
             <a:r>
-              <a:rPr lang="en-IN" sz="1200" b="0" i="0" kern="1200" spc="0" baseline="0" dirty="0">
+              <a:rPr lang="te-IN" sz="1050" b="0" i="0" kern="1200" spc="0" baseline="0" dirty="0">
                 <a:ln>
                   <a:noFill/>
                 </a:ln>
@@ -13198,10 +12861,23 @@
                 <a:ea typeface="+mn-ea"/>
                 <a:cs typeface="Anek Telugu SemiBold" pitchFamily="2" charset="0"/>
               </a:rPr>
-              <a:t>2. </a:t>
-            </a:r>
-            <a:r>
-              <a:rPr lang="te-IN" sz="1200" b="0" i="0" kern="1200" spc="0" baseline="0" dirty="0">
+              <a:t>2. ప్రార్ధనలో కనీళ్లు – కరిగిపోవుట అసాధ్యము</a:t>
+            </a:r>
+          </a:p>
+          <a:p>
+            <a:pPr marL="0" marR="0" indent="0" algn="ctr" rtl="0" eaLnBrk="1" fontAlgn="auto" latinLnBrk="0" hangingPunct="1">
+              <a:lnSpc>
+                <a:spcPct val="150000"/>
+              </a:lnSpc>
+              <a:spcBef>
+                <a:spcPts val="0"/>
+              </a:spcBef>
+              <a:spcAft>
+                <a:spcPts val="0"/>
+              </a:spcAft>
+            </a:pPr>
+            <a:r>
+              <a:rPr lang="te-IN" sz="1050" b="0" i="0" kern="1200" spc="0" baseline="0" dirty="0">
                 <a:ln>
                   <a:noFill/>
                 </a:ln>
@@ -13213,10 +12889,23 @@
                 <a:ea typeface="+mn-ea"/>
                 <a:cs typeface="Anek Telugu SemiBold" pitchFamily="2" charset="0"/>
               </a:rPr>
-              <a:t>నీదు సన్నిధిలో కాంక్షించి</a:t>
-            </a:r>
-            <a:r>
-              <a:rPr lang="en-IN" sz="1200" b="0" i="0" kern="1200" spc="0" baseline="0" dirty="0">
+              <a:t>ప్రార్ధనలో మూల్గునది – మరుగైపోవుట అసాధ్యము (2)</a:t>
+            </a:r>
+          </a:p>
+          <a:p>
+            <a:pPr marL="0" marR="0" indent="0" algn="ctr" rtl="0" eaLnBrk="1" fontAlgn="auto" latinLnBrk="0" hangingPunct="1">
+              <a:lnSpc>
+                <a:spcPct val="150000"/>
+              </a:lnSpc>
+              <a:spcBef>
+                <a:spcPts val="0"/>
+              </a:spcBef>
+              <a:spcAft>
+                <a:spcPts val="0"/>
+              </a:spcAft>
+            </a:pPr>
+            <a:r>
+              <a:rPr lang="te-IN" sz="1050" b="0" i="0" kern="1200" spc="0" baseline="0" dirty="0">
                 <a:ln>
                   <a:noFill/>
                 </a:ln>
@@ -13228,10 +12917,23 @@
                 <a:ea typeface="+mn-ea"/>
                 <a:cs typeface="Anek Telugu SemiBold" pitchFamily="2" charset="0"/>
               </a:rPr>
-              <a:t> – </a:t>
-            </a:r>
-            <a:r>
-              <a:rPr lang="te-IN" sz="1200" b="0" i="0" kern="1200" spc="0" baseline="0" dirty="0">
+              <a:t>ప్రార్ధనలో నలిగితే – నష్టపోవుట అసాధ్యము (2)</a:t>
+            </a:r>
+          </a:p>
+          <a:p>
+            <a:pPr marL="0" marR="0" indent="0" algn="ctr" rtl="0" eaLnBrk="1" fontAlgn="auto" latinLnBrk="0" hangingPunct="1">
+              <a:lnSpc>
+                <a:spcPct val="150000"/>
+              </a:lnSpc>
+              <a:spcBef>
+                <a:spcPts val="0"/>
+              </a:spcBef>
+              <a:spcAft>
+                <a:spcPts val="0"/>
+              </a:spcAft>
+            </a:pPr>
+            <a:r>
+              <a:rPr lang="te-IN" sz="1050" b="0" i="0" kern="1200" spc="0" baseline="0" dirty="0">
                 <a:ln>
                   <a:noFill/>
                 </a:ln>
@@ -13243,121 +12945,7 @@
                 <a:ea typeface="+mn-ea"/>
                 <a:cs typeface="Anek Telugu SemiBold" pitchFamily="2" charset="0"/>
               </a:rPr>
-              <a:t>పాప బ్రతుకే వీడితిని</a:t>
-            </a:r>
-          </a:p>
-          <a:p>
-            <a:pPr marL="0" marR="0" indent="0" algn="ctr" rtl="0" eaLnBrk="1" fontAlgn="auto" latinLnBrk="0" hangingPunct="1">
-              <a:lnSpc>
-                <a:spcPct val="150000"/>
-              </a:lnSpc>
-              <a:spcBef>
-                <a:spcPts val="0"/>
-              </a:spcBef>
-              <a:spcAft>
-                <a:spcPts val="0"/>
-              </a:spcAft>
-            </a:pPr>
-            <a:r>
-              <a:rPr lang="te-IN" sz="1200" b="0" i="0" kern="1200" spc="0" baseline="0" dirty="0">
-                <a:ln>
-                  <a:noFill/>
-                </a:ln>
-                <a:solidFill>
-                  <a:srgbClr val="000000"/>
-                </a:solidFill>
-                <a:effectLst/>
-                <a:latin typeface="Anek Telugu SemiBold" pitchFamily="2" charset="0"/>
-                <a:ea typeface="+mn-ea"/>
-                <a:cs typeface="Anek Telugu SemiBold" pitchFamily="2" charset="0"/>
-              </a:rPr>
-              <a:t>నీదు జీవమె నిండుగ</a:t>
-            </a:r>
-            <a:r>
-              <a:rPr lang="en-IN" sz="1200" b="0" i="0" kern="1200" spc="0" baseline="0" dirty="0">
-                <a:ln>
-                  <a:noFill/>
-                </a:ln>
-                <a:solidFill>
-                  <a:srgbClr val="000000"/>
-                </a:solidFill>
-                <a:effectLst/>
-                <a:latin typeface="Anek Telugu SemiBold" pitchFamily="2" charset="0"/>
-                <a:ea typeface="+mn-ea"/>
-                <a:cs typeface="Anek Telugu SemiBold" pitchFamily="2" charset="0"/>
-              </a:rPr>
-              <a:t> - </a:t>
-            </a:r>
-            <a:r>
-              <a:rPr lang="te-IN" sz="1200" b="0" i="0" kern="1200" spc="0" baseline="0" dirty="0">
-                <a:ln>
-                  <a:noFill/>
-                </a:ln>
-                <a:solidFill>
-                  <a:srgbClr val="000000"/>
-                </a:solidFill>
-                <a:effectLst/>
-                <a:latin typeface="Anek Telugu SemiBold" pitchFamily="2" charset="0"/>
-                <a:ea typeface="+mn-ea"/>
-                <a:cs typeface="Anek Telugu SemiBold" pitchFamily="2" charset="0"/>
-              </a:rPr>
-              <a:t>నాలో నింపుము నా ప్రభు</a:t>
-            </a:r>
-          </a:p>
-          <a:p>
-            <a:pPr marL="0" marR="0" indent="0" algn="ctr" rtl="0" eaLnBrk="1" fontAlgn="auto" latinLnBrk="0" hangingPunct="1">
-              <a:lnSpc>
-                <a:spcPct val="150000"/>
-              </a:lnSpc>
-              <a:spcBef>
-                <a:spcPts val="0"/>
-              </a:spcBef>
-              <a:spcAft>
-                <a:spcPts val="0"/>
-              </a:spcAft>
-            </a:pPr>
-            <a:r>
-              <a:rPr lang="te-IN" sz="1200" b="0" i="0" kern="1200" spc="0" baseline="0" dirty="0">
-                <a:ln>
-                  <a:noFill/>
-                </a:ln>
-                <a:solidFill>
-                  <a:srgbClr val="000000"/>
-                </a:solidFill>
-                <a:effectLst/>
-                <a:latin typeface="Anek Telugu SemiBold" pitchFamily="2" charset="0"/>
-                <a:ea typeface="+mn-ea"/>
-                <a:cs typeface="Anek Telugu SemiBold" pitchFamily="2" charset="0"/>
-              </a:rPr>
-              <a:t>జీవితమంతా నీ ప్రేమనూ</a:t>
-            </a:r>
-          </a:p>
-          <a:p>
-            <a:pPr marL="0" marR="0" indent="0" algn="ctr" rtl="0" eaLnBrk="1" fontAlgn="auto" latinLnBrk="0" hangingPunct="1">
-              <a:lnSpc>
-                <a:spcPct val="150000"/>
-              </a:lnSpc>
-              <a:spcBef>
-                <a:spcPts val="0"/>
-              </a:spcBef>
-              <a:spcAft>
-                <a:spcPts val="0"/>
-              </a:spcAft>
-            </a:pPr>
-            <a:r>
-              <a:rPr lang="te-IN" sz="1200" b="0" i="0" kern="1200" spc="0" baseline="0" dirty="0">
-                <a:ln>
-                  <a:noFill/>
-                </a:ln>
-                <a:solidFill>
-                  <a:srgbClr val="000000"/>
-                </a:solidFill>
-                <a:effectLst/>
-                <a:latin typeface="Anek Telugu SemiBold" pitchFamily="2" charset="0"/>
-                <a:ea typeface="+mn-ea"/>
-                <a:cs typeface="Anek Telugu SemiBold" pitchFamily="2" charset="0"/>
-              </a:rPr>
-              <a:t>చాటుచు నుందును</a:t>
+              <a:t>ప్రార్ధనలో పెనుగులాడితే – పడిపోవుట అసాధ్యము (2) ||ప్రభువా||</a:t>
             </a:r>
           </a:p>
         </p:txBody>

--- a/songsTemplate.pptx
+++ b/songsTemplate.pptx
@@ -135,12 +135,12 @@
   <pc:docChgLst>
     <pc:chgData name="Venu Yalapala" userId="9feb8bbceceecaca" providerId="LiveId" clId="{54B247B9-47FF-4355-BF58-C7E85F55D2E7}"/>
     <pc:docChg chg="undo redo custSel addSld delSld modSld modMainMaster">
-      <pc:chgData name="Venu Yalapala" userId="9feb8bbceceecaca" providerId="LiveId" clId="{54B247B9-47FF-4355-BF58-C7E85F55D2E7}" dt="2025-09-26T17:20:38.254" v="803" actId="20577"/>
+      <pc:chgData name="Venu Yalapala" userId="9feb8bbceceecaca" providerId="LiveId" clId="{54B247B9-47FF-4355-BF58-C7E85F55D2E7}" dt="2025-10-04T06:21:54.235" v="991" actId="20577"/>
       <pc:docMkLst>
         <pc:docMk/>
       </pc:docMkLst>
       <pc:sldChg chg="addSp delSp modSp new mod">
-        <pc:chgData name="Venu Yalapala" userId="9feb8bbceceecaca" providerId="LiveId" clId="{54B247B9-47FF-4355-BF58-C7E85F55D2E7}" dt="2025-09-26T17:18:13.057" v="764" actId="403"/>
+        <pc:chgData name="Venu Yalapala" userId="9feb8bbceceecaca" providerId="LiveId" clId="{54B247B9-47FF-4355-BF58-C7E85F55D2E7}" dt="2025-10-04T06:10:19.374" v="930" actId="20577"/>
         <pc:sldMkLst>
           <pc:docMk/>
           <pc:sldMk cId="2235425515" sldId="256"/>
@@ -154,7 +154,7 @@
           </ac:spMkLst>
         </pc:spChg>
         <pc:spChg chg="add mod ord">
-          <ac:chgData name="Venu Yalapala" userId="9feb8bbceceecaca" providerId="LiveId" clId="{54B247B9-47FF-4355-BF58-C7E85F55D2E7}" dt="2025-09-26T17:14:01.608" v="698" actId="255"/>
+          <ac:chgData name="Venu Yalapala" userId="9feb8bbceceecaca" providerId="LiveId" clId="{54B247B9-47FF-4355-BF58-C7E85F55D2E7}" dt="2025-10-04T05:47:18.663" v="815" actId="255"/>
           <ac:spMkLst>
             <pc:docMk/>
             <pc:sldMk cId="2235425515" sldId="256"/>
@@ -162,7 +162,7 @@
           </ac:spMkLst>
         </pc:spChg>
         <pc:spChg chg="add mod">
-          <ac:chgData name="Venu Yalapala" userId="9feb8bbceceecaca" providerId="LiveId" clId="{54B247B9-47FF-4355-BF58-C7E85F55D2E7}" dt="2025-09-26T17:14:38.521" v="707" actId="20577"/>
+          <ac:chgData name="Venu Yalapala" userId="9feb8bbceceecaca" providerId="LiveId" clId="{54B247B9-47FF-4355-BF58-C7E85F55D2E7}" dt="2025-10-04T06:09:44.032" v="921" actId="403"/>
           <ac:spMkLst>
             <pc:docMk/>
             <pc:sldMk cId="2235425515" sldId="256"/>
@@ -178,7 +178,7 @@
           </ac:spMkLst>
         </pc:spChg>
         <pc:spChg chg="add mod">
-          <ac:chgData name="Venu Yalapala" userId="9feb8bbceceecaca" providerId="LiveId" clId="{54B247B9-47FF-4355-BF58-C7E85F55D2E7}" dt="2025-09-26T17:18:13.057" v="764" actId="403"/>
+          <ac:chgData name="Venu Yalapala" userId="9feb8bbceceecaca" providerId="LiveId" clId="{54B247B9-47FF-4355-BF58-C7E85F55D2E7}" dt="2025-10-04T06:10:19.374" v="930" actId="20577"/>
           <ac:spMkLst>
             <pc:docMk/>
             <pc:sldMk cId="2235425515" sldId="256"/>
@@ -186,7 +186,7 @@
           </ac:spMkLst>
         </pc:spChg>
         <pc:spChg chg="add mod">
-          <ac:chgData name="Venu Yalapala" userId="9feb8bbceceecaca" providerId="LiveId" clId="{54B247B9-47FF-4355-BF58-C7E85F55D2E7}" dt="2025-09-26T17:18:03.404" v="763" actId="255"/>
+          <ac:chgData name="Venu Yalapala" userId="9feb8bbceceecaca" providerId="LiveId" clId="{54B247B9-47FF-4355-BF58-C7E85F55D2E7}" dt="2025-10-04T06:10:06.535" v="923" actId="255"/>
           <ac:spMkLst>
             <pc:docMk/>
             <pc:sldMk cId="2235425515" sldId="256"/>
@@ -218,13 +218,13 @@
         </pc:spChg>
       </pc:sldChg>
       <pc:sldChg chg="addSp modSp new mod">
-        <pc:chgData name="Venu Yalapala" userId="9feb8bbceceecaca" providerId="LiveId" clId="{54B247B9-47FF-4355-BF58-C7E85F55D2E7}" dt="2025-09-26T17:20:38.254" v="803" actId="20577"/>
+        <pc:chgData name="Venu Yalapala" userId="9feb8bbceceecaca" providerId="LiveId" clId="{54B247B9-47FF-4355-BF58-C7E85F55D2E7}" dt="2025-10-04T06:21:54.235" v="991" actId="20577"/>
         <pc:sldMkLst>
           <pc:docMk/>
           <pc:sldMk cId="2717619941" sldId="257"/>
         </pc:sldMkLst>
         <pc:spChg chg="add mod">
-          <ac:chgData name="Venu Yalapala" userId="9feb8bbceceecaca" providerId="LiveId" clId="{54B247B9-47FF-4355-BF58-C7E85F55D2E7}" dt="2025-09-26T17:19:31.398" v="788" actId="404"/>
+          <ac:chgData name="Venu Yalapala" userId="9feb8bbceceecaca" providerId="LiveId" clId="{54B247B9-47FF-4355-BF58-C7E85F55D2E7}" dt="2025-10-04T06:15:29.161" v="970" actId="2711"/>
           <ac:spMkLst>
             <pc:docMk/>
             <pc:sldMk cId="2717619941" sldId="257"/>
@@ -232,7 +232,7 @@
           </ac:spMkLst>
         </pc:spChg>
         <pc:spChg chg="add mod">
-          <ac:chgData name="Venu Yalapala" userId="9feb8bbceceecaca" providerId="LiveId" clId="{54B247B9-47FF-4355-BF58-C7E85F55D2E7}" dt="2025-09-26T17:19:53.480" v="791"/>
+          <ac:chgData name="Venu Yalapala" userId="9feb8bbceceecaca" providerId="LiveId" clId="{54B247B9-47FF-4355-BF58-C7E85F55D2E7}" dt="2025-10-04T06:15:10.832" v="968" actId="20577"/>
           <ac:spMkLst>
             <pc:docMk/>
             <pc:sldMk cId="2717619941" sldId="257"/>
@@ -240,7 +240,7 @@
           </ac:spMkLst>
         </pc:spChg>
         <pc:spChg chg="add mod">
-          <ac:chgData name="Venu Yalapala" userId="9feb8bbceceecaca" providerId="LiveId" clId="{54B247B9-47FF-4355-BF58-C7E85F55D2E7}" dt="2025-09-26T17:20:38.254" v="803" actId="20577"/>
+          <ac:chgData name="Venu Yalapala" userId="9feb8bbceceecaca" providerId="LiveId" clId="{54B247B9-47FF-4355-BF58-C7E85F55D2E7}" dt="2025-10-04T06:21:46.875" v="985" actId="403"/>
           <ac:spMkLst>
             <pc:docMk/>
             <pc:sldMk cId="2717619941" sldId="257"/>
@@ -248,7 +248,7 @@
           </ac:spMkLst>
         </pc:spChg>
         <pc:spChg chg="add mod">
-          <ac:chgData name="Venu Yalapala" userId="9feb8bbceceecaca" providerId="LiveId" clId="{54B247B9-47FF-4355-BF58-C7E85F55D2E7}" dt="2025-09-26T17:20:11.403" v="796" actId="404"/>
+          <ac:chgData name="Venu Yalapala" userId="9feb8bbceceecaca" providerId="LiveId" clId="{54B247B9-47FF-4355-BF58-C7E85F55D2E7}" dt="2025-10-04T06:21:54.235" v="991" actId="20577"/>
           <ac:spMkLst>
             <pc:docMk/>
             <pc:sldMk cId="2717619941" sldId="257"/>
@@ -1117,7 +1117,7 @@
           <a:p>
             <a:fld id="{0EEBF99D-A94C-4ACE-ABB7-ED5902A7DBE5}" type="datetimeFigureOut">
               <a:rPr lang="en-IN" smtClean="0"/>
-              <a:t>26-09-2025</a:t>
+              <a:t>04-10-2025</a:t>
             </a:fld>
             <a:endParaRPr lang="en-IN"/>
           </a:p>
@@ -1295,7 +1295,7 @@
           <a:p>
             <a:fld id="{6EA7C7CE-6F0C-4E71-B520-9461545357C0}" type="datetimeFigureOut">
               <a:rPr lang="en-IN" smtClean="0"/>
-              <a:t>26-09-2025</a:t>
+              <a:t>04-10-2025</a:t>
             </a:fld>
             <a:endParaRPr lang="en-IN"/>
           </a:p>
@@ -1695,7 +1695,7 @@
           <a:p>
             <a:fld id="{F1102B08-ED9E-409F-B95F-09CAA1DAF6E0}" type="datetimeFigureOut">
               <a:rPr lang="en-IN" smtClean="0"/>
-              <a:t>26-09-2025</a:t>
+              <a:t>04-10-2025</a:t>
             </a:fld>
             <a:endParaRPr lang="en-IN"/>
           </a:p>
@@ -1865,7 +1865,7 @@
           <a:p>
             <a:fld id="{F1102B08-ED9E-409F-B95F-09CAA1DAF6E0}" type="datetimeFigureOut">
               <a:rPr lang="en-IN" smtClean="0"/>
-              <a:t>26-09-2025</a:t>
+              <a:t>04-10-2025</a:t>
             </a:fld>
             <a:endParaRPr lang="en-IN"/>
           </a:p>
@@ -2045,7 +2045,7 @@
           <a:p>
             <a:fld id="{F1102B08-ED9E-409F-B95F-09CAA1DAF6E0}" type="datetimeFigureOut">
               <a:rPr lang="en-IN" smtClean="0"/>
-              <a:t>26-09-2025</a:t>
+              <a:t>04-10-2025</a:t>
             </a:fld>
             <a:endParaRPr lang="en-IN"/>
           </a:p>
@@ -2247,7 +2247,7 @@
             <a:fld id="{F1102B08-ED9E-409F-B95F-09CAA1DAF6E0}" type="datetimeFigureOut">
               <a:rPr lang="en-IN" sz="575" b="0" smtClean="0"/>
               <a:pPr/>
-              <a:t>26-09-2025</a:t>
+              <a:t>04-10-2025</a:t>
             </a:fld>
             <a:endParaRPr lang="en-IN" sz="575" b="0" dirty="0"/>
           </a:p>
@@ -5934,7 +5934,7 @@
             <a:fld id="{F1102B08-ED9E-409F-B95F-09CAA1DAF6E0}" type="datetimeFigureOut">
               <a:rPr lang="en-IN" sz="727" b="0" smtClean="0"/>
               <a:pPr/>
-              <a:t>26-09-2025</a:t>
+              <a:t>04-10-2025</a:t>
             </a:fld>
             <a:endParaRPr lang="en-IN" sz="727" b="0" dirty="0"/>
           </a:p>
@@ -6654,7 +6654,7 @@
             <a:fld id="{F1102B08-ED9E-409F-B95F-09CAA1DAF6E0}" type="datetimeFigureOut">
               <a:rPr lang="en-IN" sz="727" b="0" smtClean="0"/>
               <a:pPr/>
-              <a:t>26-09-2025</a:t>
+              <a:t>04-10-2025</a:t>
             </a:fld>
             <a:endParaRPr lang="en-IN" sz="727" b="0" dirty="0"/>
           </a:p>
@@ -7342,7 +7342,7 @@
           <a:p>
             <a:fld id="{F1102B08-ED9E-409F-B95F-09CAA1DAF6E0}" type="datetimeFigureOut">
               <a:rPr lang="en-IN" smtClean="0"/>
-              <a:t>26-09-2025</a:t>
+              <a:t>04-10-2025</a:t>
             </a:fld>
             <a:endParaRPr lang="en-IN"/>
           </a:p>
@@ -7586,7 +7586,7 @@
           <a:p>
             <a:fld id="{F1102B08-ED9E-409F-B95F-09CAA1DAF6E0}" type="datetimeFigureOut">
               <a:rPr lang="en-IN" smtClean="0"/>
-              <a:t>26-09-2025</a:t>
+              <a:t>04-10-2025</a:t>
             </a:fld>
             <a:endParaRPr lang="en-IN"/>
           </a:p>
@@ -7818,7 +7818,7 @@
           <a:p>
             <a:fld id="{F1102B08-ED9E-409F-B95F-09CAA1DAF6E0}" type="datetimeFigureOut">
               <a:rPr lang="en-IN" smtClean="0"/>
-              <a:t>26-09-2025</a:t>
+              <a:t>04-10-2025</a:t>
             </a:fld>
             <a:endParaRPr lang="en-IN"/>
           </a:p>
@@ -8185,7 +8185,7 @@
           <a:p>
             <a:fld id="{F1102B08-ED9E-409F-B95F-09CAA1DAF6E0}" type="datetimeFigureOut">
               <a:rPr lang="en-IN" smtClean="0"/>
-              <a:t>26-09-2025</a:t>
+              <a:t>04-10-2025</a:t>
             </a:fld>
             <a:endParaRPr lang="en-IN"/>
           </a:p>
@@ -8303,7 +8303,7 @@
           <a:p>
             <a:fld id="{F1102B08-ED9E-409F-B95F-09CAA1DAF6E0}" type="datetimeFigureOut">
               <a:rPr lang="en-IN" smtClean="0"/>
-              <a:t>26-09-2025</a:t>
+              <a:t>04-10-2025</a:t>
             </a:fld>
             <a:endParaRPr lang="en-IN"/>
           </a:p>
@@ -8398,7 +8398,7 @@
           <a:p>
             <a:fld id="{F1102B08-ED9E-409F-B95F-09CAA1DAF6E0}" type="datetimeFigureOut">
               <a:rPr lang="en-IN" smtClean="0"/>
-              <a:t>26-09-2025</a:t>
+              <a:t>04-10-2025</a:t>
             </a:fld>
             <a:endParaRPr lang="en-IN"/>
           </a:p>
@@ -8675,7 +8675,7 @@
           <a:p>
             <a:fld id="{F1102B08-ED9E-409F-B95F-09CAA1DAF6E0}" type="datetimeFigureOut">
               <a:rPr lang="en-IN" smtClean="0"/>
-              <a:t>26-09-2025</a:t>
+              <a:t>04-10-2025</a:t>
             </a:fld>
             <a:endParaRPr lang="en-IN"/>
           </a:p>
@@ -8932,7 +8932,7 @@
           <a:p>
             <a:fld id="{F1102B08-ED9E-409F-B95F-09CAA1DAF6E0}" type="datetimeFigureOut">
               <a:rPr lang="en-IN" smtClean="0"/>
-              <a:t>26-09-2025</a:t>
+              <a:t>04-10-2025</a:t>
             </a:fld>
             <a:endParaRPr lang="en-IN"/>
           </a:p>
@@ -9145,7 +9145,7 @@
           <a:p>
             <a:fld id="{F1102B08-ED9E-409F-B95F-09CAA1DAF6E0}" type="datetimeFigureOut">
               <a:rPr lang="en-IN" smtClean="0"/>
-              <a:t>26-09-2025</a:t>
+              <a:t>04-10-2025</a:t>
             </a:fld>
             <a:endParaRPr lang="en-IN"/>
           </a:p>
@@ -9628,7 +9628,7 @@
               </a:spcAft>
             </a:pPr>
             <a:r>
-              <a:rPr lang="te-IN" sz="1150" b="0" i="0" kern="1200" spc="0" baseline="0" dirty="0">
+              <a:rPr lang="te-IN" sz="1300" b="0" i="0" kern="1200" spc="0" baseline="0" dirty="0">
                 <a:ln>
                   <a:noFill/>
                 </a:ln>
@@ -9640,7 +9640,7 @@
                 <a:ea typeface="+mn-ea"/>
                 <a:cs typeface="Anek Telugu SemiBold" pitchFamily="2" charset="0"/>
               </a:rPr>
-              <a:t>నీ మాట జీవముగలదయ్యా యేసయ్యా</a:t>
+              <a:t>తేజోమయా యేసయ్యా –</a:t>
             </a:r>
           </a:p>
           <a:p>
@@ -9656,7 +9656,7 @@
               </a:spcAft>
             </a:pPr>
             <a:r>
-              <a:rPr lang="te-IN" sz="1150" b="0" i="0" kern="1200" spc="0" baseline="0" dirty="0">
+              <a:rPr lang="te-IN" sz="1300" b="0" i="0" kern="1200" spc="0" baseline="0" dirty="0">
                 <a:ln>
                   <a:noFill/>
                 </a:ln>
@@ -9668,7 +9668,7 @@
                 <a:ea typeface="+mn-ea"/>
                 <a:cs typeface="Anek Telugu SemiBold" pitchFamily="2" charset="0"/>
               </a:rPr>
-              <a:t>నీ మాట సత్యముగలదయ్యా</a:t>
+              <a:t>స్తుతి పాత్రుడవు నీవయ్యా</a:t>
             </a:r>
           </a:p>
           <a:p>
@@ -9684,7 +9684,7 @@
               </a:spcAft>
             </a:pPr>
             <a:r>
-              <a:rPr lang="te-IN" sz="1150" b="0" i="0" kern="1200" spc="0" baseline="0" dirty="0">
+              <a:rPr lang="te-IN" sz="1300" b="0" i="0" kern="1200" spc="0" baseline="0" dirty="0">
                 <a:ln>
                   <a:noFill/>
                 </a:ln>
@@ -9696,7 +9696,7 @@
                 <a:ea typeface="+mn-ea"/>
                 <a:cs typeface="Anek Telugu SemiBold" pitchFamily="2" charset="0"/>
               </a:rPr>
-              <a:t>నీ మాట మార్పు లేనిదయ్యా యేసయ్యా</a:t>
+              <a:t>అ.ప. : మహిమ ఘనత ప్రభావములు</a:t>
             </a:r>
           </a:p>
           <a:p>
@@ -9712,7 +9712,7 @@
               </a:spcAft>
             </a:pPr>
             <a:r>
-              <a:rPr lang="te-IN" sz="1150" b="0" i="0" kern="1200" spc="0" baseline="0" dirty="0">
+              <a:rPr lang="te-IN" sz="1300" b="0" i="0" kern="1200" spc="0" baseline="0" dirty="0">
                 <a:ln>
                   <a:noFill/>
                 </a:ln>
@@ -9724,7 +9724,7 @@
                 <a:ea typeface="+mn-ea"/>
                 <a:cs typeface="Anek Telugu SemiBold" pitchFamily="2" charset="0"/>
               </a:rPr>
-              <a:t>నీ మాట మరిచిపోనిదయ్యా</a:t>
+              <a:t>సమస్తము నీకేనయా</a:t>
             </a:r>
           </a:p>
           <a:p>
@@ -9739,7 +9739,7 @@
                 <a:spcPts val="0"/>
               </a:spcAft>
             </a:pPr>
-            <a:endParaRPr lang="te-IN" sz="1150" b="0" i="0" kern="1200" spc="0" baseline="0" dirty="0">
+            <a:endParaRPr lang="te-IN" sz="1300" b="0" i="0" kern="1200" spc="0" baseline="0" dirty="0">
               <a:ln>
                 <a:noFill/>
               </a:ln>
@@ -9765,7 +9765,7 @@
               </a:spcAft>
             </a:pPr>
             <a:r>
-              <a:rPr lang="te-IN" sz="1150" b="0" i="0" kern="1200" spc="0" baseline="0" dirty="0">
+              <a:rPr lang="te-IN" sz="1300" b="0" i="0" kern="1200" spc="0" baseline="0" dirty="0">
                 <a:ln>
                   <a:noFill/>
                 </a:ln>
@@ -9777,7 +9777,7 @@
                 <a:ea typeface="+mn-ea"/>
                 <a:cs typeface="Anek Telugu SemiBold" pitchFamily="2" charset="0"/>
               </a:rPr>
-              <a:t>ఏది మారినా నీ మాట మారదయ్యా</a:t>
+              <a:t>1. నిజమైన దేవా నీవంటివాడు లేడు</a:t>
             </a:r>
           </a:p>
           <a:p>
@@ -9793,7 +9793,7 @@
               </a:spcAft>
             </a:pPr>
             <a:r>
-              <a:rPr lang="te-IN" sz="1150" b="0" i="0" kern="1200" spc="0" baseline="0" dirty="0">
+              <a:rPr lang="te-IN" sz="1300" b="0" i="0" kern="1200" spc="0" baseline="0" dirty="0">
                 <a:ln>
                   <a:noFill/>
                 </a:ln>
@@ -9805,7 +9805,7 @@
                 <a:ea typeface="+mn-ea"/>
                 <a:cs typeface="Anek Telugu SemiBold" pitchFamily="2" charset="0"/>
               </a:rPr>
-              <a:t>ఏది ఆగినా నీ మాట జరుగునయ్యా</a:t>
+              <a:t>మహాత్మ్యము గల నిన్ను పోలినవాడెవడు</a:t>
             </a:r>
           </a:p>
           <a:p>
@@ -9820,7 +9820,63 @@
                 <a:spcPts val="0"/>
               </a:spcAft>
             </a:pPr>
-            <a:endParaRPr lang="te-IN" sz="1150" b="0" i="0" kern="1200" spc="0" baseline="0" dirty="0">
+            <a:r>
+              <a:rPr lang="te-IN" sz="1300" b="0" i="0" kern="1200" spc="0" baseline="0" dirty="0">
+                <a:ln>
+                  <a:noFill/>
+                </a:ln>
+                <a:solidFill>
+                  <a:srgbClr val="000000"/>
+                </a:solidFill>
+                <a:effectLst/>
+                <a:latin typeface="Anek Telugu SemiBold" pitchFamily="2" charset="0"/>
+                <a:ea typeface="+mn-ea"/>
+                <a:cs typeface="Anek Telugu SemiBold" pitchFamily="2" charset="0"/>
+              </a:rPr>
+              <a:t>నీ నామము ఘనమైనదయా –</a:t>
+            </a:r>
+          </a:p>
+          <a:p>
+            <a:pPr marL="0" marR="0" indent="0" algn="ctr" rtl="0" eaLnBrk="1" fontAlgn="auto" latinLnBrk="0" hangingPunct="1">
+              <a:lnSpc>
+                <a:spcPct val="150000"/>
+              </a:lnSpc>
+              <a:spcBef>
+                <a:spcPts val="0"/>
+              </a:spcBef>
+              <a:spcAft>
+                <a:spcPts val="0"/>
+              </a:spcAft>
+            </a:pPr>
+            <a:r>
+              <a:rPr lang="te-IN" sz="1300" b="0" i="0" kern="1200" spc="0" baseline="0" dirty="0">
+                <a:ln>
+                  <a:noFill/>
+                </a:ln>
+                <a:solidFill>
+                  <a:srgbClr val="000000"/>
+                </a:solidFill>
+                <a:effectLst/>
+                <a:latin typeface="Anek Telugu SemiBold" pitchFamily="2" charset="0"/>
+                <a:ea typeface="+mn-ea"/>
+                <a:cs typeface="Anek Telugu SemiBold" pitchFamily="2" charset="0"/>
+              </a:rPr>
+              <a:t>నరులు నీకు భయపడెదరయా</a:t>
+            </a:r>
+          </a:p>
+          <a:p>
+            <a:pPr marL="0" marR="0" indent="0" algn="ctr" rtl="0" eaLnBrk="1" fontAlgn="auto" latinLnBrk="0" hangingPunct="1">
+              <a:lnSpc>
+                <a:spcPct val="150000"/>
+              </a:lnSpc>
+              <a:spcBef>
+                <a:spcPts val="0"/>
+              </a:spcBef>
+              <a:spcAft>
+                <a:spcPts val="0"/>
+              </a:spcAft>
+            </a:pPr>
+            <a:endParaRPr lang="te-IN" sz="1300" b="0" i="0" kern="1200" spc="0" baseline="0" dirty="0">
               <a:ln>
                 <a:noFill/>
               </a:ln>
@@ -9846,7 +9902,7 @@
               </a:spcAft>
             </a:pPr>
             <a:r>
-              <a:rPr lang="te-IN" sz="1150" b="0" i="0" kern="1200" spc="0" baseline="0" dirty="0">
+              <a:rPr lang="te-IN" sz="1300" b="0" i="0" kern="1200" spc="0" baseline="0" dirty="0">
                 <a:ln>
                   <a:noFill/>
                 </a:ln>
@@ -9858,7 +9914,7 @@
                 <a:ea typeface="+mn-ea"/>
                 <a:cs typeface="Anek Telugu SemiBold" pitchFamily="2" charset="0"/>
               </a:rPr>
-              <a:t>1. నశించుచున్న వారిని బ్రతికించును నీ మాట</a:t>
+              <a:t>2. జనములకు రాజా జీవముగలిగిన నాథా</a:t>
             </a:r>
           </a:p>
           <a:p>
@@ -9874,7 +9930,7 @@
               </a:spcAft>
             </a:pPr>
             <a:r>
-              <a:rPr lang="te-IN" sz="1150" b="0" i="0" kern="1200" spc="0" baseline="0" dirty="0">
+              <a:rPr lang="te-IN" sz="1300" b="0" i="0" kern="1200" spc="0" baseline="0" dirty="0">
                 <a:ln>
                   <a:noFill/>
                 </a:ln>
@@ -9886,7 +9942,7 @@
                 <a:ea typeface="+mn-ea"/>
                 <a:cs typeface="Anek Telugu SemiBold" pitchFamily="2" charset="0"/>
               </a:rPr>
-              <a:t>బంధించబడిన వారిని విడిపించును నీ మాట</a:t>
+              <a:t>సమస్తము నిర్మించినవాడవు నీవెగదా</a:t>
             </a:r>
           </a:p>
           <a:p>
@@ -9902,7 +9958,7 @@
               </a:spcAft>
             </a:pPr>
             <a:r>
-              <a:rPr lang="te-IN" sz="1150" b="0" i="0" kern="1200" spc="0" baseline="0" dirty="0">
+              <a:rPr lang="te-IN" sz="1300" b="0" i="0" kern="1200" spc="0" baseline="0" dirty="0">
                 <a:ln>
                   <a:noFill/>
                 </a:ln>
@@ -9914,7 +9970,7 @@
                 <a:ea typeface="+mn-ea"/>
                 <a:cs typeface="Anek Telugu SemiBold" pitchFamily="2" charset="0"/>
               </a:rPr>
-              <a:t>త్రోవ తప్పిన వారిని సరిచేయును నీ మాట</a:t>
+              <a:t>నీ ఉగ్రత తాళలేమయా –</a:t>
             </a:r>
           </a:p>
           <a:p>
@@ -9930,7 +9986,7 @@
               </a:spcAft>
             </a:pPr>
             <a:r>
-              <a:rPr lang="te-IN" sz="1150" b="0" i="0" kern="1200" spc="0" baseline="0" dirty="0">
+              <a:rPr lang="te-IN" sz="1300" b="0" i="0" kern="1200" spc="0" baseline="0" dirty="0">
                 <a:ln>
                   <a:noFill/>
                 </a:ln>
@@ -9942,144 +9998,7 @@
                 <a:ea typeface="+mn-ea"/>
                 <a:cs typeface="Anek Telugu SemiBold" pitchFamily="2" charset="0"/>
               </a:rPr>
-              <a:t>కృంగిపోయిన వారిని లేవనెత్తును నీ మాట</a:t>
-            </a:r>
-          </a:p>
-          <a:p>
-            <a:pPr marL="0" marR="0" indent="0" algn="ctr" rtl="0" eaLnBrk="1" fontAlgn="auto" latinLnBrk="0" hangingPunct="1">
-              <a:lnSpc>
-                <a:spcPct val="150000"/>
-              </a:lnSpc>
-              <a:spcBef>
-                <a:spcPts val="0"/>
-              </a:spcBef>
-              <a:spcAft>
-                <a:spcPts val="0"/>
-              </a:spcAft>
-            </a:pPr>
-            <a:endParaRPr lang="te-IN" sz="1150" b="0" i="0" kern="1200" spc="0" baseline="0" dirty="0">
-              <a:ln>
-                <a:noFill/>
-              </a:ln>
-              <a:solidFill>
-                <a:srgbClr val="000000"/>
-              </a:solidFill>
-              <a:effectLst/>
-              <a:latin typeface="Anek Telugu SemiBold" pitchFamily="2" charset="0"/>
-              <a:ea typeface="+mn-ea"/>
-              <a:cs typeface="Anek Telugu SemiBold" pitchFamily="2" charset="0"/>
-            </a:endParaRPr>
-          </a:p>
-          <a:p>
-            <a:pPr marL="0" marR="0" indent="0" algn="ctr" rtl="0" eaLnBrk="1" fontAlgn="auto" latinLnBrk="0" hangingPunct="1">
-              <a:lnSpc>
-                <a:spcPct val="150000"/>
-              </a:lnSpc>
-              <a:spcBef>
-                <a:spcPts val="0"/>
-              </a:spcBef>
-              <a:spcAft>
-                <a:spcPts val="0"/>
-              </a:spcAft>
-            </a:pPr>
-            <a:r>
-              <a:rPr lang="te-IN" sz="1150" b="0" i="0" kern="1200" spc="0" baseline="0" dirty="0">
-                <a:ln>
-                  <a:noFill/>
-                </a:ln>
-                <a:solidFill>
-                  <a:srgbClr val="000000"/>
-                </a:solidFill>
-                <a:effectLst/>
-                <a:latin typeface="Anek Telugu SemiBold" pitchFamily="2" charset="0"/>
-                <a:ea typeface="+mn-ea"/>
-                <a:cs typeface="Anek Telugu SemiBold" pitchFamily="2" charset="0"/>
-              </a:rPr>
-              <a:t>2. సింహాల బోనులో నుండి విడిపించును నీమాట</a:t>
-            </a:r>
-          </a:p>
-          <a:p>
-            <a:pPr marL="0" marR="0" indent="0" algn="ctr" rtl="0" eaLnBrk="1" fontAlgn="auto" latinLnBrk="0" hangingPunct="1">
-              <a:lnSpc>
-                <a:spcPct val="150000"/>
-              </a:lnSpc>
-              <a:spcBef>
-                <a:spcPts val="0"/>
-              </a:spcBef>
-              <a:spcAft>
-                <a:spcPts val="0"/>
-              </a:spcAft>
-            </a:pPr>
-            <a:r>
-              <a:rPr lang="te-IN" sz="1150" b="0" i="0" kern="1200" spc="0" baseline="0" dirty="0">
-                <a:ln>
-                  <a:noFill/>
-                </a:ln>
-                <a:solidFill>
-                  <a:srgbClr val="000000"/>
-                </a:solidFill>
-                <a:effectLst/>
-                <a:latin typeface="Anek Telugu SemiBold" pitchFamily="2" charset="0"/>
-                <a:ea typeface="+mn-ea"/>
-                <a:cs typeface="Anek Telugu SemiBold" pitchFamily="2" charset="0"/>
-              </a:rPr>
-              <a:t>అగ్నిగుండముల నుండి రక్షించును నీ మాట</a:t>
-            </a:r>
-          </a:p>
-          <a:p>
-            <a:pPr marL="0" marR="0" indent="0" algn="ctr" rtl="0" eaLnBrk="1" fontAlgn="auto" latinLnBrk="0" hangingPunct="1">
-              <a:lnSpc>
-                <a:spcPct val="150000"/>
-              </a:lnSpc>
-              <a:spcBef>
-                <a:spcPts val="0"/>
-              </a:spcBef>
-              <a:spcAft>
-                <a:spcPts val="0"/>
-              </a:spcAft>
-            </a:pPr>
-            <a:r>
-              <a:rPr lang="te-IN" sz="1150" b="0" i="0" kern="1200" spc="0" baseline="0" dirty="0">
-                <a:ln>
-                  <a:noFill/>
-                </a:ln>
-                <a:solidFill>
-                  <a:srgbClr val="000000"/>
-                </a:solidFill>
-                <a:effectLst/>
-                <a:latin typeface="Anek Telugu SemiBold" pitchFamily="2" charset="0"/>
-                <a:ea typeface="+mn-ea"/>
-                <a:cs typeface="Anek Telugu SemiBold" pitchFamily="2" charset="0"/>
-              </a:rPr>
-              <a:t>మారా బ్రతుకును కూడ మధురం చేయును నీ మాట</a:t>
-            </a:r>
-          </a:p>
-          <a:p>
-            <a:pPr marL="0" marR="0" indent="0" algn="ctr" rtl="0" eaLnBrk="1" fontAlgn="auto" latinLnBrk="0" hangingPunct="1">
-              <a:lnSpc>
-                <a:spcPct val="150000"/>
-              </a:lnSpc>
-              <a:spcBef>
-                <a:spcPts val="0"/>
-              </a:spcBef>
-              <a:spcAft>
-                <a:spcPts val="0"/>
-              </a:spcAft>
-            </a:pPr>
-            <a:r>
-              <a:rPr lang="te-IN" sz="1150" b="0" i="0" kern="1200" spc="0" baseline="0" dirty="0">
-                <a:ln>
-                  <a:noFill/>
-                </a:ln>
-                <a:solidFill>
-                  <a:srgbClr val="000000"/>
-                </a:solidFill>
-                <a:effectLst/>
-                <a:latin typeface="Anek Telugu SemiBold" pitchFamily="2" charset="0"/>
-                <a:ea typeface="+mn-ea"/>
-                <a:cs typeface="Anek Telugu SemiBold" pitchFamily="2" charset="0"/>
-              </a:rPr>
-              <a:t>ఆరిపోయిన బ్రతుకును వెలిగించును నీ మాట</a:t>
+              <a:t>మేలు చేయగలవు నీవయా</a:t>
             </a:r>
           </a:p>
         </p:txBody>
@@ -10143,7 +10062,7 @@
               </a:spcAft>
             </a:pPr>
             <a:r>
-              <a:rPr lang="te-IN" sz="1050" b="0" i="0" kern="1200" spc="0" baseline="0" dirty="0">
+              <a:rPr lang="te-IN" sz="1000" b="0" i="0" kern="1200" spc="0" baseline="0" dirty="0">
                 <a:ln>
                   <a:noFill/>
                 </a:ln>
@@ -10155,152 +10074,7 @@
                 <a:ea typeface="+mn-ea"/>
                 <a:cs typeface="Anek Telugu SemiBold" pitchFamily="2" charset="0"/>
               </a:rPr>
-              <a:t>ఘనమైనవి నీ కార్యములు నా యెడల</a:t>
-            </a:r>
-            <a:br>
-              <a:rPr lang="te-IN" sz="1050" b="0" i="0" kern="1200" spc="0" baseline="0" dirty="0">
-                <a:ln>
-                  <a:noFill/>
-                </a:ln>
-                <a:solidFill>
-                  <a:srgbClr val="000000"/>
-                </a:solidFill>
-                <a:effectLst/>
-                <a:latin typeface="Anek Telugu SemiBold" pitchFamily="2" charset="0"/>
-                <a:ea typeface="+mn-ea"/>
-                <a:cs typeface="Anek Telugu SemiBold" pitchFamily="2" charset="0"/>
-              </a:rPr>
-            </a:br>
-            <a:r>
-              <a:rPr lang="te-IN" sz="1050" b="0" i="0" kern="1200" spc="0" baseline="0" dirty="0">
-                <a:ln>
-                  <a:noFill/>
-                </a:ln>
-                <a:solidFill>
-                  <a:srgbClr val="000000"/>
-                </a:solidFill>
-                <a:effectLst/>
-                <a:latin typeface="Anek Telugu SemiBold" pitchFamily="2" charset="0"/>
-                <a:ea typeface="+mn-ea"/>
-                <a:cs typeface="Anek Telugu SemiBold" pitchFamily="2" charset="0"/>
-              </a:rPr>
-              <a:t>స్థిరమైనవి నీ ఆలోచనలు నా యేసయ్యా (2)</a:t>
-            </a:r>
-            <a:br>
-              <a:rPr lang="te-IN" sz="1050" b="0" i="0" kern="1200" spc="0" baseline="0" dirty="0">
-                <a:ln>
-                  <a:noFill/>
-                </a:ln>
-                <a:solidFill>
-                  <a:srgbClr val="000000"/>
-                </a:solidFill>
-                <a:effectLst/>
-                <a:latin typeface="Anek Telugu SemiBold" pitchFamily="2" charset="0"/>
-                <a:ea typeface="+mn-ea"/>
-                <a:cs typeface="Anek Telugu SemiBold" pitchFamily="2" charset="0"/>
-              </a:rPr>
-            </a:br>
-            <a:r>
-              <a:rPr lang="te-IN" sz="1050" b="0" i="0" kern="1200" spc="0" baseline="0" dirty="0">
-                <a:ln>
-                  <a:noFill/>
-                </a:ln>
-                <a:solidFill>
-                  <a:srgbClr val="000000"/>
-                </a:solidFill>
-                <a:effectLst/>
-                <a:latin typeface="Anek Telugu SemiBold" pitchFamily="2" charset="0"/>
-                <a:ea typeface="+mn-ea"/>
-                <a:cs typeface="Anek Telugu SemiBold" pitchFamily="2" charset="0"/>
-              </a:rPr>
-              <a:t>కృపలను పొందుచు కృతజ్ఞత కలిగి</a:t>
-            </a:r>
-            <a:br>
-              <a:rPr lang="te-IN" sz="1050" b="0" i="0" kern="1200" spc="0" baseline="0" dirty="0">
-                <a:ln>
-                  <a:noFill/>
-                </a:ln>
-                <a:solidFill>
-                  <a:srgbClr val="000000"/>
-                </a:solidFill>
-                <a:effectLst/>
-                <a:latin typeface="Anek Telugu SemiBold" pitchFamily="2" charset="0"/>
-                <a:ea typeface="+mn-ea"/>
-                <a:cs typeface="Anek Telugu SemiBold" pitchFamily="2" charset="0"/>
-              </a:rPr>
-            </a:br>
-            <a:r>
-              <a:rPr lang="te-IN" sz="1050" b="0" i="0" kern="1200" spc="0" baseline="0" dirty="0">
-                <a:ln>
-                  <a:noFill/>
-                </a:ln>
-                <a:solidFill>
-                  <a:srgbClr val="000000"/>
-                </a:solidFill>
-                <a:effectLst/>
-                <a:latin typeface="Anek Telugu SemiBold" pitchFamily="2" charset="0"/>
-                <a:ea typeface="+mn-ea"/>
-                <a:cs typeface="Anek Telugu SemiBold" pitchFamily="2" charset="0"/>
-              </a:rPr>
-              <a:t>స్తుతులర్పించెదను అన్నివేళలా (2)</a:t>
-            </a:r>
-            <a:br>
-              <a:rPr lang="te-IN" sz="1050" b="0" i="0" kern="1200" spc="0" baseline="0" dirty="0">
-                <a:ln>
-                  <a:noFill/>
-                </a:ln>
-                <a:solidFill>
-                  <a:srgbClr val="000000"/>
-                </a:solidFill>
-                <a:effectLst/>
-                <a:latin typeface="Anek Telugu SemiBold" pitchFamily="2" charset="0"/>
-                <a:ea typeface="+mn-ea"/>
-                <a:cs typeface="Anek Telugu SemiBold" pitchFamily="2" charset="0"/>
-              </a:rPr>
-            </a:br>
-            <a:r>
-              <a:rPr lang="te-IN" sz="1050" b="0" i="0" kern="1200" spc="0" baseline="0" dirty="0">
-                <a:ln>
-                  <a:noFill/>
-                </a:ln>
-                <a:solidFill>
-                  <a:srgbClr val="000000"/>
-                </a:solidFill>
-                <a:effectLst/>
-                <a:latin typeface="Anek Telugu SemiBold" pitchFamily="2" charset="0"/>
-                <a:ea typeface="+mn-ea"/>
-                <a:cs typeface="Anek Telugu SemiBold" pitchFamily="2" charset="0"/>
-              </a:rPr>
-              <a:t>అనుదినము నీ అనుగ్రహమే</a:t>
-            </a:r>
-            <a:br>
-              <a:rPr lang="te-IN" sz="1050" b="0" i="0" kern="1200" spc="0" baseline="0" dirty="0">
-                <a:ln>
-                  <a:noFill/>
-                </a:ln>
-                <a:solidFill>
-                  <a:srgbClr val="000000"/>
-                </a:solidFill>
-                <a:effectLst/>
-                <a:latin typeface="Anek Telugu SemiBold" pitchFamily="2" charset="0"/>
-                <a:ea typeface="+mn-ea"/>
-                <a:cs typeface="Anek Telugu SemiBold" pitchFamily="2" charset="0"/>
-              </a:rPr>
-            </a:br>
-            <a:r>
-              <a:rPr lang="te-IN" sz="1050" b="0" i="0" kern="1200" spc="0" baseline="0" dirty="0">
-                <a:ln>
-                  <a:noFill/>
-                </a:ln>
-                <a:solidFill>
-                  <a:srgbClr val="000000"/>
-                </a:solidFill>
-                <a:effectLst/>
-                <a:latin typeface="Anek Telugu SemiBold" pitchFamily="2" charset="0"/>
-                <a:ea typeface="+mn-ea"/>
-                <a:cs typeface="Anek Telugu SemiBold" pitchFamily="2" charset="0"/>
-              </a:rPr>
-              <a:t>ఆయుష్కాలము నీ వరమే (2)        ||ఘనమైనవి||</a:t>
+              <a:t>జగములనేలే పరిపాలక</a:t>
             </a:r>
           </a:p>
           <a:p>
@@ -10315,7 +10089,134 @@
                 <a:spcPts val="0"/>
               </a:spcAft>
             </a:pPr>
-            <a:endParaRPr lang="te-IN" sz="1050" b="0" i="0" kern="1200" spc="0" baseline="0" dirty="0">
+            <a:r>
+              <a:rPr lang="te-IN" sz="1000" b="0" i="0" kern="1200" spc="0" baseline="0" dirty="0">
+                <a:ln>
+                  <a:noFill/>
+                </a:ln>
+                <a:solidFill>
+                  <a:srgbClr val="000000"/>
+                </a:solidFill>
+                <a:effectLst/>
+                <a:latin typeface="Anek Telugu SemiBold" pitchFamily="2" charset="0"/>
+                <a:ea typeface="+mn-ea"/>
+                <a:cs typeface="Anek Telugu SemiBold" pitchFamily="2" charset="0"/>
+              </a:rPr>
+              <a:t>జగతికి నీవే ఆధారమా</a:t>
+            </a:r>
+          </a:p>
+          <a:p>
+            <a:pPr marL="0" marR="0" indent="0" algn="ctr" rtl="0" eaLnBrk="1" fontAlgn="auto" latinLnBrk="0" hangingPunct="1">
+              <a:lnSpc>
+                <a:spcPct val="150000"/>
+              </a:lnSpc>
+              <a:spcBef>
+                <a:spcPts val="0"/>
+              </a:spcBef>
+              <a:spcAft>
+                <a:spcPts val="0"/>
+              </a:spcAft>
+            </a:pPr>
+            <a:r>
+              <a:rPr lang="te-IN" sz="1000" b="0" i="0" kern="1200" spc="0" baseline="0" dirty="0">
+                <a:ln>
+                  <a:noFill/>
+                </a:ln>
+                <a:solidFill>
+                  <a:srgbClr val="000000"/>
+                </a:solidFill>
+                <a:effectLst/>
+                <a:latin typeface="Anek Telugu SemiBold" pitchFamily="2" charset="0"/>
+                <a:ea typeface="+mn-ea"/>
+                <a:cs typeface="Anek Telugu SemiBold" pitchFamily="2" charset="0"/>
+              </a:rPr>
+              <a:t>ఆత్మతో మనసుతో స్తోత్ర గానము</a:t>
+            </a:r>
+          </a:p>
+          <a:p>
+            <a:pPr marL="0" marR="0" indent="0" algn="ctr" rtl="0" eaLnBrk="1" fontAlgn="auto" latinLnBrk="0" hangingPunct="1">
+              <a:lnSpc>
+                <a:spcPct val="150000"/>
+              </a:lnSpc>
+              <a:spcBef>
+                <a:spcPts val="0"/>
+              </a:spcBef>
+              <a:spcAft>
+                <a:spcPts val="0"/>
+              </a:spcAft>
+            </a:pPr>
+            <a:r>
+              <a:rPr lang="te-IN" sz="1000" b="0" i="0" kern="1200" spc="0" baseline="0" dirty="0">
+                <a:ln>
+                  <a:noFill/>
+                </a:ln>
+                <a:solidFill>
+                  <a:srgbClr val="000000"/>
+                </a:solidFill>
+                <a:effectLst/>
+                <a:latin typeface="Anek Telugu SemiBold" pitchFamily="2" charset="0"/>
+                <a:ea typeface="+mn-ea"/>
+                <a:cs typeface="Anek Telugu SemiBold" pitchFamily="2" charset="0"/>
+              </a:rPr>
+              <a:t>పాడెద నిరతము ప్రేమగీతము</a:t>
+            </a:r>
+          </a:p>
+          <a:p>
+            <a:pPr marL="0" marR="0" indent="0" algn="ctr" rtl="0" eaLnBrk="1" fontAlgn="auto" latinLnBrk="0" hangingPunct="1">
+              <a:lnSpc>
+                <a:spcPct val="150000"/>
+              </a:lnSpc>
+              <a:spcBef>
+                <a:spcPts val="0"/>
+              </a:spcBef>
+              <a:spcAft>
+                <a:spcPts val="0"/>
+              </a:spcAft>
+            </a:pPr>
+            <a:r>
+              <a:rPr lang="te-IN" sz="1000" b="0" i="0" kern="1200" spc="0" baseline="0" dirty="0">
+                <a:ln>
+                  <a:noFill/>
+                </a:ln>
+                <a:solidFill>
+                  <a:srgbClr val="000000"/>
+                </a:solidFill>
+                <a:effectLst/>
+                <a:latin typeface="Anek Telugu SemiBold" pitchFamily="2" charset="0"/>
+                <a:ea typeface="+mn-ea"/>
+                <a:cs typeface="Anek Telugu SemiBold" pitchFamily="2" charset="0"/>
+              </a:rPr>
+              <a:t>యేసయ్య యేసయ్య నీ కృపా చాలయ్యా</a:t>
+            </a:r>
+          </a:p>
+          <a:p>
+            <a:pPr marL="0" marR="0" indent="0" algn="ctr" rtl="0" eaLnBrk="1" fontAlgn="auto" latinLnBrk="0" hangingPunct="1">
+              <a:lnSpc>
+                <a:spcPct val="150000"/>
+              </a:lnSpc>
+              <a:spcBef>
+                <a:spcPts val="0"/>
+              </a:spcBef>
+              <a:spcAft>
+                <a:spcPts val="0"/>
+              </a:spcAft>
+            </a:pPr>
+            <a:r>
+              <a:rPr lang="te-IN" sz="1000" b="0" i="0" kern="1200" spc="0" baseline="0" dirty="0">
+                <a:ln>
+                  <a:noFill/>
+                </a:ln>
+                <a:solidFill>
+                  <a:srgbClr val="000000"/>
+                </a:solidFill>
+                <a:effectLst/>
+                <a:latin typeface="Anek Telugu SemiBold" pitchFamily="2" charset="0"/>
+                <a:ea typeface="+mn-ea"/>
+                <a:cs typeface="Anek Telugu SemiBold" pitchFamily="2" charset="0"/>
+              </a:rPr>
+              <a:t>యేసయ్య యేసయ్య నీ ప్రేమే చాలయ్య</a:t>
+            </a:r>
+            <a:endParaRPr lang="en-IN" sz="1000" b="0" i="0" kern="1200" spc="0" baseline="0" dirty="0">
               <a:ln>
                 <a:noFill/>
               </a:ln>
@@ -10340,122 +10241,7 @@
                 <a:spcPts val="0"/>
               </a:spcAft>
             </a:pPr>
-            <a:r>
-              <a:rPr lang="te-IN" sz="1050" b="0" i="0" kern="1200" spc="0" baseline="0" dirty="0">
-                <a:ln>
-                  <a:noFill/>
-                </a:ln>
-                <a:solidFill>
-                  <a:srgbClr val="000000"/>
-                </a:solidFill>
-                <a:effectLst/>
-                <a:latin typeface="Anek Telugu SemiBold" pitchFamily="2" charset="0"/>
-                <a:ea typeface="+mn-ea"/>
-                <a:cs typeface="Anek Telugu SemiBold" pitchFamily="2" charset="0"/>
-              </a:rPr>
-              <a:t>1. యే తెగులు సమీపించనీయక – యే కీడైన దరిచేరనీయక</a:t>
-            </a:r>
-            <a:br>
-              <a:rPr lang="te-IN" sz="1050" b="0" i="0" kern="1200" spc="0" baseline="0" dirty="0">
-                <a:ln>
-                  <a:noFill/>
-                </a:ln>
-                <a:solidFill>
-                  <a:srgbClr val="000000"/>
-                </a:solidFill>
-                <a:effectLst/>
-                <a:latin typeface="Anek Telugu SemiBold" pitchFamily="2" charset="0"/>
-                <a:ea typeface="+mn-ea"/>
-                <a:cs typeface="Anek Telugu SemiBold" pitchFamily="2" charset="0"/>
-              </a:rPr>
-            </a:br>
-            <a:r>
-              <a:rPr lang="te-IN" sz="1050" b="0" i="0" kern="1200" spc="0" baseline="0" dirty="0">
-                <a:ln>
-                  <a:noFill/>
-                </a:ln>
-                <a:solidFill>
-                  <a:srgbClr val="000000"/>
-                </a:solidFill>
-                <a:effectLst/>
-                <a:latin typeface="Anek Telugu SemiBold" pitchFamily="2" charset="0"/>
-                <a:ea typeface="+mn-ea"/>
-                <a:cs typeface="Anek Telugu SemiBold" pitchFamily="2" charset="0"/>
-              </a:rPr>
-              <a:t>ఆపదలన్ని తొలగే వరకు – ఆత్మలో నెమ్మది కలిగే వరకు (2)</a:t>
-            </a:r>
-            <a:br>
-              <a:rPr lang="te-IN" sz="1050" b="0" i="0" kern="1200" spc="0" baseline="0" dirty="0">
-                <a:ln>
-                  <a:noFill/>
-                </a:ln>
-                <a:solidFill>
-                  <a:srgbClr val="000000"/>
-                </a:solidFill>
-                <a:effectLst/>
-                <a:latin typeface="Anek Telugu SemiBold" pitchFamily="2" charset="0"/>
-                <a:ea typeface="+mn-ea"/>
-                <a:cs typeface="Anek Telugu SemiBold" pitchFamily="2" charset="0"/>
-              </a:rPr>
-            </a:br>
-            <a:r>
-              <a:rPr lang="te-IN" sz="1050" b="0" i="0" kern="1200" spc="0" baseline="0" dirty="0">
-                <a:ln>
-                  <a:noFill/>
-                </a:ln>
-                <a:solidFill>
-                  <a:srgbClr val="000000"/>
-                </a:solidFill>
-                <a:effectLst/>
-                <a:latin typeface="Anek Telugu SemiBold" pitchFamily="2" charset="0"/>
-                <a:ea typeface="+mn-ea"/>
-                <a:cs typeface="Anek Telugu SemiBold" pitchFamily="2" charset="0"/>
-              </a:rPr>
-              <a:t>నా భారము మోసి – బాసటగా నిలిచి – ఆదరించితివి</a:t>
-            </a:r>
-            <a:br>
-              <a:rPr lang="te-IN" sz="1050" b="0" i="0" kern="1200" spc="0" baseline="0" dirty="0">
-                <a:ln>
-                  <a:noFill/>
-                </a:ln>
-                <a:solidFill>
-                  <a:srgbClr val="000000"/>
-                </a:solidFill>
-                <a:effectLst/>
-                <a:latin typeface="Anek Telugu SemiBold" pitchFamily="2" charset="0"/>
-                <a:ea typeface="+mn-ea"/>
-                <a:cs typeface="Anek Telugu SemiBold" pitchFamily="2" charset="0"/>
-              </a:rPr>
-            </a:br>
-            <a:r>
-              <a:rPr lang="te-IN" sz="1050" b="0" i="0" kern="1200" spc="0" baseline="0" dirty="0">
-                <a:ln>
-                  <a:noFill/>
-                </a:ln>
-                <a:solidFill>
-                  <a:srgbClr val="000000"/>
-                </a:solidFill>
-                <a:effectLst/>
-                <a:latin typeface="Anek Telugu SemiBold" pitchFamily="2" charset="0"/>
-                <a:ea typeface="+mn-ea"/>
-                <a:cs typeface="Anek Telugu SemiBold" pitchFamily="2" charset="0"/>
-              </a:rPr>
-              <a:t>ఈ స్తుతి మహిమలు నీకే – చెల్లించెదను – జీవితాంతము          ||ఘనమైనవి||</a:t>
-            </a:r>
-          </a:p>
-          <a:p>
-            <a:pPr marL="0" marR="0" indent="0" algn="ctr" rtl="0" eaLnBrk="1" fontAlgn="auto" latinLnBrk="0" hangingPunct="1">
-              <a:lnSpc>
-                <a:spcPct val="150000"/>
-              </a:lnSpc>
-              <a:spcBef>
-                <a:spcPts val="0"/>
-              </a:spcBef>
-              <a:spcAft>
-                <a:spcPts val="0"/>
-              </a:spcAft>
-            </a:pPr>
-            <a:endParaRPr lang="te-IN" sz="1050" b="0" i="0" kern="1200" spc="0" baseline="0" dirty="0">
+            <a:endParaRPr lang="te-IN" sz="1000" b="0" i="0" kern="1200" spc="0" baseline="0" dirty="0">
               <a:ln>
                 <a:noFill/>
               </a:ln>
@@ -10481,7 +10267,7 @@
               </a:spcAft>
             </a:pPr>
             <a:r>
-              <a:rPr lang="te-IN" sz="1050" b="0" i="0" kern="1200" spc="0" baseline="0" dirty="0">
+              <a:rPr lang="te-IN" sz="1000" b="0" i="0" kern="1200" spc="0" baseline="0" dirty="0">
                 <a:ln>
                   <a:noFill/>
                 </a:ln>
@@ -10493,10 +10279,10 @@
                 <a:ea typeface="+mn-ea"/>
                 <a:cs typeface="Anek Telugu SemiBold" pitchFamily="2" charset="0"/>
               </a:rPr>
-              <a:t>2. నాకు ఎత్తైన కోటవు నీవే – నన్ను కాపాడు కేడెము నీవే</a:t>
-            </a:r>
-            <a:br>
-              <a:rPr lang="te-IN" sz="1050" b="0" i="0" kern="1200" spc="0" baseline="0" dirty="0">
+              <a:t>1. మహారాజుగా నా తోడువై</a:t>
+            </a:r>
+            <a:r>
+              <a:rPr lang="en-IN" sz="1000" b="0" i="0" kern="1200" spc="0" baseline="0" dirty="0">
                 <a:ln>
                   <a:noFill/>
                 </a:ln>
@@ -10508,9 +10294,10 @@
                 <a:ea typeface="+mn-ea"/>
                 <a:cs typeface="Anek Telugu SemiBold" pitchFamily="2" charset="0"/>
               </a:rPr>
-            </a:br>
-            <a:r>
-              <a:rPr lang="te-IN" sz="1050" b="0" i="0" kern="1200" spc="0" baseline="0" dirty="0">
+              <a:t> - </a:t>
+            </a:r>
+            <a:r>
+              <a:rPr lang="te-IN" sz="1000" b="0" i="0" kern="1200" spc="0" baseline="0" dirty="0">
                 <a:ln>
                   <a:noFill/>
                 </a:ln>
@@ -10522,10 +10309,23 @@
                 <a:ea typeface="+mn-ea"/>
                 <a:cs typeface="Anek Telugu SemiBold" pitchFamily="2" charset="0"/>
               </a:rPr>
-              <a:t>ఆశ్రయమైన బండవు నీవే – శాశ్వత కృపకాధారము నీవే (2)</a:t>
-            </a:r>
-            <a:br>
-              <a:rPr lang="te-IN" sz="1050" b="0" i="0" kern="1200" spc="0" baseline="0" dirty="0">
+              <a:t>నిలిచావు ప్రతి స్థలమున</a:t>
+            </a:r>
+          </a:p>
+          <a:p>
+            <a:pPr marL="0" marR="0" indent="0" algn="ctr" rtl="0" eaLnBrk="1" fontAlgn="auto" latinLnBrk="0" hangingPunct="1">
+              <a:lnSpc>
+                <a:spcPct val="150000"/>
+              </a:lnSpc>
+              <a:spcBef>
+                <a:spcPts val="0"/>
+              </a:spcBef>
+              <a:spcAft>
+                <a:spcPts val="0"/>
+              </a:spcAft>
+            </a:pPr>
+            <a:r>
+              <a:rPr lang="te-IN" sz="1000" b="0" i="0" kern="1200" spc="0" baseline="0" dirty="0">
                 <a:ln>
                   <a:noFill/>
                 </a:ln>
@@ -10537,9 +10337,10 @@
                 <a:ea typeface="+mn-ea"/>
                 <a:cs typeface="Anek Telugu SemiBold" pitchFamily="2" charset="0"/>
               </a:rPr>
-            </a:br>
-            <a:r>
-              <a:rPr lang="te-IN" sz="1050" b="0" i="0" kern="1200" spc="0" baseline="0" dirty="0">
+              <a:t>నా భారము నీవు మోయగా</a:t>
+            </a:r>
+            <a:r>
+              <a:rPr lang="en-IN" sz="1000" b="0" i="0" kern="1200" spc="0" baseline="0" dirty="0">
                 <a:ln>
                   <a:noFill/>
                 </a:ln>
@@ -10551,10 +10352,10 @@
                 <a:ea typeface="+mn-ea"/>
                 <a:cs typeface="Anek Telugu SemiBold" pitchFamily="2" charset="0"/>
               </a:rPr>
-              <a:t>నా ప్రతిక్షణమును నీవు – దీవెనగా మార్చి – నడిపించుచున్నావు</a:t>
-            </a:r>
-            <a:br>
-              <a:rPr lang="te-IN" sz="1050" b="0" i="0" kern="1200" spc="0" baseline="0" dirty="0">
+              <a:t> - </a:t>
+            </a:r>
+            <a:r>
+              <a:rPr lang="te-IN" sz="1000" b="0" i="0" kern="1200" spc="0" baseline="0" dirty="0">
                 <a:ln>
                   <a:noFill/>
                 </a:ln>
@@ -10566,9 +10367,23 @@
                 <a:ea typeface="+mn-ea"/>
                 <a:cs typeface="Anek Telugu SemiBold" pitchFamily="2" charset="0"/>
               </a:rPr>
-            </a:br>
-            <a:r>
-              <a:rPr lang="te-IN" sz="1050" b="0" i="0" kern="1200" spc="0" baseline="0" dirty="0">
+              <a:t>సులువాయే నా పాయనము</a:t>
+            </a:r>
+          </a:p>
+          <a:p>
+            <a:pPr marL="0" marR="0" indent="0" algn="ctr" rtl="0" eaLnBrk="1" fontAlgn="auto" latinLnBrk="0" hangingPunct="1">
+              <a:lnSpc>
+                <a:spcPct val="150000"/>
+              </a:lnSpc>
+              <a:spcBef>
+                <a:spcPts val="0"/>
+              </a:spcBef>
+              <a:spcAft>
+                <a:spcPts val="0"/>
+              </a:spcAft>
+            </a:pPr>
+            <a:r>
+              <a:rPr lang="te-IN" sz="1000" b="0" i="0" kern="1200" spc="0" baseline="0" dirty="0">
                 <a:ln>
                   <a:noFill/>
                 </a:ln>
@@ -10580,7 +10395,348 @@
                 <a:ea typeface="+mn-ea"/>
                 <a:cs typeface="Anek Telugu SemiBold" pitchFamily="2" charset="0"/>
               </a:rPr>
-              <a:t>ఈ స్తుతి మహిమలు నీకే – చెల్లించెదను – జీవితాంతము          ||ఘనమైనవి||</a:t>
+              <a:t>నీ దయచేతనే కలిగిన క్షేమము –</a:t>
+            </a:r>
+            <a:r>
+              <a:rPr lang="en-IN" sz="1000" b="0" i="0" kern="1200" spc="0" baseline="0" dirty="0">
+                <a:ln>
+                  <a:noFill/>
+                </a:ln>
+                <a:solidFill>
+                  <a:srgbClr val="000000"/>
+                </a:solidFill>
+                <a:effectLst/>
+                <a:latin typeface="Anek Telugu SemiBold" pitchFamily="2" charset="0"/>
+                <a:ea typeface="+mn-ea"/>
+                <a:cs typeface="Anek Telugu SemiBold" pitchFamily="2" charset="0"/>
+              </a:rPr>
+              <a:t> </a:t>
+            </a:r>
+            <a:r>
+              <a:rPr lang="te-IN" sz="1000" b="0" i="0" kern="1200" spc="0" baseline="0" dirty="0">
+                <a:ln>
+                  <a:noFill/>
+                </a:ln>
+                <a:solidFill>
+                  <a:srgbClr val="000000"/>
+                </a:solidFill>
+                <a:effectLst/>
+                <a:latin typeface="Anek Telugu SemiBold" pitchFamily="2" charset="0"/>
+                <a:ea typeface="+mn-ea"/>
+                <a:cs typeface="Anek Telugu SemiBold" pitchFamily="2" charset="0"/>
+              </a:rPr>
+              <a:t>ఎన్నడు నను వీడదే (2)</a:t>
+            </a:r>
+          </a:p>
+          <a:p>
+            <a:pPr marL="0" marR="0" indent="0" algn="ctr" rtl="0" eaLnBrk="1" fontAlgn="auto" latinLnBrk="0" hangingPunct="1">
+              <a:lnSpc>
+                <a:spcPct val="150000"/>
+              </a:lnSpc>
+              <a:spcBef>
+                <a:spcPts val="0"/>
+              </a:spcBef>
+              <a:spcAft>
+                <a:spcPts val="0"/>
+              </a:spcAft>
+            </a:pPr>
+            <a:r>
+              <a:rPr lang="te-IN" sz="1000" b="0" i="0" kern="1200" spc="0" baseline="0" dirty="0">
+                <a:ln>
+                  <a:noFill/>
+                </a:ln>
+                <a:solidFill>
+                  <a:srgbClr val="000000"/>
+                </a:solidFill>
+                <a:effectLst/>
+                <a:latin typeface="Anek Telugu SemiBold" pitchFamily="2" charset="0"/>
+                <a:ea typeface="+mn-ea"/>
+                <a:cs typeface="Anek Telugu SemiBold" pitchFamily="2" charset="0"/>
+              </a:rPr>
+              <a:t>నీ సన్నిధిలో పొందిన మేలు –</a:t>
+            </a:r>
+          </a:p>
+          <a:p>
+            <a:pPr marL="0" marR="0" indent="0" algn="ctr" rtl="0" eaLnBrk="1" fontAlgn="auto" latinLnBrk="0" hangingPunct="1">
+              <a:lnSpc>
+                <a:spcPct val="150000"/>
+              </a:lnSpc>
+              <a:spcBef>
+                <a:spcPts val="0"/>
+              </a:spcBef>
+              <a:spcAft>
+                <a:spcPts val="0"/>
+              </a:spcAft>
+            </a:pPr>
+            <a:r>
+              <a:rPr lang="te-IN" sz="1000" b="0" i="0" kern="1200" spc="0" baseline="0" dirty="0">
+                <a:ln>
+                  <a:noFill/>
+                </a:ln>
+                <a:solidFill>
+                  <a:srgbClr val="000000"/>
+                </a:solidFill>
+                <a:effectLst/>
+                <a:latin typeface="Anek Telugu SemiBold" pitchFamily="2" charset="0"/>
+                <a:ea typeface="+mn-ea"/>
+                <a:cs typeface="Anek Telugu SemiBold" pitchFamily="2" charset="0"/>
+              </a:rPr>
+              <a:t>తరగని సౌభాగ్యమే  (2) || యేసయ్యా ||</a:t>
+            </a:r>
+          </a:p>
+          <a:p>
+            <a:pPr marL="0" marR="0" indent="0" algn="ctr" rtl="0" eaLnBrk="1" fontAlgn="auto" latinLnBrk="0" hangingPunct="1">
+              <a:lnSpc>
+                <a:spcPct val="150000"/>
+              </a:lnSpc>
+              <a:spcBef>
+                <a:spcPts val="0"/>
+              </a:spcBef>
+              <a:spcAft>
+                <a:spcPts val="0"/>
+              </a:spcAft>
+            </a:pPr>
+            <a:endParaRPr lang="te-IN" sz="1000" b="0" i="0" kern="1200" spc="0" baseline="0" dirty="0">
+              <a:ln>
+                <a:noFill/>
+              </a:ln>
+              <a:solidFill>
+                <a:srgbClr val="000000"/>
+              </a:solidFill>
+              <a:effectLst/>
+              <a:latin typeface="Anek Telugu SemiBold" pitchFamily="2" charset="0"/>
+              <a:ea typeface="+mn-ea"/>
+              <a:cs typeface="Anek Telugu SemiBold" pitchFamily="2" charset="0"/>
+            </a:endParaRPr>
+          </a:p>
+          <a:p>
+            <a:pPr marL="0" marR="0" indent="0" algn="ctr" rtl="0" eaLnBrk="1" fontAlgn="auto" latinLnBrk="0" hangingPunct="1">
+              <a:lnSpc>
+                <a:spcPct val="150000"/>
+              </a:lnSpc>
+              <a:spcBef>
+                <a:spcPts val="0"/>
+              </a:spcBef>
+              <a:spcAft>
+                <a:spcPts val="0"/>
+              </a:spcAft>
+            </a:pPr>
+            <a:r>
+              <a:rPr lang="te-IN" sz="1000" b="0" i="0" kern="1200" spc="0" baseline="0" dirty="0">
+                <a:ln>
+                  <a:noFill/>
+                </a:ln>
+                <a:solidFill>
+                  <a:srgbClr val="000000"/>
+                </a:solidFill>
+                <a:effectLst/>
+                <a:latin typeface="Anek Telugu SemiBold" pitchFamily="2" charset="0"/>
+                <a:ea typeface="+mn-ea"/>
+                <a:cs typeface="Anek Telugu SemiBold" pitchFamily="2" charset="0"/>
+              </a:rPr>
+              <a:t>2. సుకుమారుడా నీ చరితము</a:t>
+            </a:r>
+            <a:r>
+              <a:rPr lang="en-IN" sz="1000" b="0" i="0" kern="1200" spc="0" baseline="0" dirty="0">
+                <a:ln>
+                  <a:noFill/>
+                </a:ln>
+                <a:solidFill>
+                  <a:srgbClr val="000000"/>
+                </a:solidFill>
+                <a:effectLst/>
+                <a:latin typeface="Anek Telugu SemiBold" pitchFamily="2" charset="0"/>
+                <a:ea typeface="+mn-ea"/>
+                <a:cs typeface="Anek Telugu SemiBold" pitchFamily="2" charset="0"/>
+              </a:rPr>
+              <a:t> - </a:t>
+            </a:r>
+            <a:r>
+              <a:rPr lang="te-IN" sz="1000" b="0" i="0" kern="1200" spc="0" baseline="0" dirty="0">
+                <a:ln>
+                  <a:noFill/>
+                </a:ln>
+                <a:solidFill>
+                  <a:srgbClr val="000000"/>
+                </a:solidFill>
+                <a:effectLst/>
+                <a:latin typeface="Anek Telugu SemiBold" pitchFamily="2" charset="0"/>
+                <a:ea typeface="+mn-ea"/>
+                <a:cs typeface="Anek Telugu SemiBold" pitchFamily="2" charset="0"/>
+              </a:rPr>
+              <a:t>నేనెంత వివరింతును</a:t>
+            </a:r>
+          </a:p>
+          <a:p>
+            <a:pPr marL="0" marR="0" indent="0" algn="ctr" rtl="0" eaLnBrk="1" fontAlgn="auto" latinLnBrk="0" hangingPunct="1">
+              <a:lnSpc>
+                <a:spcPct val="150000"/>
+              </a:lnSpc>
+              <a:spcBef>
+                <a:spcPts val="0"/>
+              </a:spcBef>
+              <a:spcAft>
+                <a:spcPts val="0"/>
+              </a:spcAft>
+            </a:pPr>
+            <a:r>
+              <a:rPr lang="te-IN" sz="1000" b="0" i="0" kern="1200" spc="0" baseline="0" dirty="0">
+                <a:ln>
+                  <a:noFill/>
+                </a:ln>
+                <a:solidFill>
+                  <a:srgbClr val="000000"/>
+                </a:solidFill>
+                <a:effectLst/>
+                <a:latin typeface="Anek Telugu SemiBold" pitchFamily="2" charset="0"/>
+                <a:ea typeface="+mn-ea"/>
+                <a:cs typeface="Anek Telugu SemiBold" pitchFamily="2" charset="0"/>
+              </a:rPr>
+              <a:t>నీ మహిమను ప్రకటించగా</a:t>
+            </a:r>
+            <a:r>
+              <a:rPr lang="en-IN" sz="1000" b="0" i="0" kern="1200" spc="0" baseline="0" dirty="0">
+                <a:ln>
+                  <a:noFill/>
+                </a:ln>
+                <a:solidFill>
+                  <a:srgbClr val="000000"/>
+                </a:solidFill>
+                <a:effectLst/>
+                <a:latin typeface="Anek Telugu SemiBold" pitchFamily="2" charset="0"/>
+                <a:ea typeface="+mn-ea"/>
+                <a:cs typeface="Anek Telugu SemiBold" pitchFamily="2" charset="0"/>
+              </a:rPr>
+              <a:t> - </a:t>
+            </a:r>
+            <a:r>
+              <a:rPr lang="te-IN" sz="1000" b="0" i="0" kern="1200" spc="0" baseline="0" dirty="0">
+                <a:ln>
+                  <a:noFill/>
+                </a:ln>
+                <a:solidFill>
+                  <a:srgbClr val="000000"/>
+                </a:solidFill>
+                <a:effectLst/>
+                <a:latin typeface="Anek Telugu SemiBold" pitchFamily="2" charset="0"/>
+                <a:ea typeface="+mn-ea"/>
+                <a:cs typeface="Anek Telugu SemiBold" pitchFamily="2" charset="0"/>
+              </a:rPr>
+              <a:t>నేనెంతో ధన్యుడను</a:t>
+            </a:r>
+          </a:p>
+          <a:p>
+            <a:pPr marL="0" marR="0" indent="0" algn="ctr" rtl="0" eaLnBrk="1" fontAlgn="auto" latinLnBrk="0" hangingPunct="1">
+              <a:lnSpc>
+                <a:spcPct val="150000"/>
+              </a:lnSpc>
+              <a:spcBef>
+                <a:spcPts val="0"/>
+              </a:spcBef>
+              <a:spcAft>
+                <a:spcPts val="0"/>
+              </a:spcAft>
+            </a:pPr>
+            <a:r>
+              <a:rPr lang="te-IN" sz="1000" b="0" i="0" kern="1200" spc="0" baseline="0" dirty="0">
+                <a:ln>
+                  <a:noFill/>
+                </a:ln>
+                <a:solidFill>
+                  <a:srgbClr val="000000"/>
+                </a:solidFill>
+                <a:effectLst/>
+                <a:latin typeface="Anek Telugu SemiBold" pitchFamily="2" charset="0"/>
+                <a:ea typeface="+mn-ea"/>
+                <a:cs typeface="Anek Telugu SemiBold" pitchFamily="2" charset="0"/>
+              </a:rPr>
+              <a:t>ఘనులకు లేదే ఈ శుభతరుణం –</a:t>
+            </a:r>
+            <a:r>
+              <a:rPr lang="en-IN" sz="1000" b="0" i="0" kern="1200" spc="0" baseline="0" dirty="0">
+                <a:ln>
+                  <a:noFill/>
+                </a:ln>
+                <a:solidFill>
+                  <a:srgbClr val="000000"/>
+                </a:solidFill>
+                <a:effectLst/>
+                <a:latin typeface="Anek Telugu SemiBold" pitchFamily="2" charset="0"/>
+                <a:ea typeface="+mn-ea"/>
+                <a:cs typeface="Anek Telugu SemiBold" pitchFamily="2" charset="0"/>
+              </a:rPr>
+              <a:t> </a:t>
+            </a:r>
+            <a:r>
+              <a:rPr lang="te-IN" sz="1000" b="0" i="0" kern="1200" spc="0" baseline="0" dirty="0">
+                <a:ln>
+                  <a:noFill/>
+                </a:ln>
+                <a:solidFill>
+                  <a:srgbClr val="000000"/>
+                </a:solidFill>
+                <a:effectLst/>
+                <a:latin typeface="Anek Telugu SemiBold" pitchFamily="2" charset="0"/>
+                <a:ea typeface="+mn-ea"/>
+                <a:cs typeface="Anek Telugu SemiBold" pitchFamily="2" charset="0"/>
+              </a:rPr>
+              <a:t>నాకిది నీ భాగ్యమా (2)</a:t>
+            </a:r>
+          </a:p>
+          <a:p>
+            <a:pPr marL="0" marR="0" indent="0" algn="ctr" rtl="0" eaLnBrk="1" fontAlgn="auto" latinLnBrk="0" hangingPunct="1">
+              <a:lnSpc>
+                <a:spcPct val="150000"/>
+              </a:lnSpc>
+              <a:spcBef>
+                <a:spcPts val="0"/>
+              </a:spcBef>
+              <a:spcAft>
+                <a:spcPts val="0"/>
+              </a:spcAft>
+            </a:pPr>
+            <a:r>
+              <a:rPr lang="te-IN" sz="1000" b="0" i="0" kern="1200" spc="0" baseline="0" dirty="0">
+                <a:ln>
+                  <a:noFill/>
+                </a:ln>
+                <a:solidFill>
+                  <a:srgbClr val="000000"/>
+                </a:solidFill>
+                <a:effectLst/>
+                <a:latin typeface="Anek Telugu SemiBold" pitchFamily="2" charset="0"/>
+                <a:ea typeface="+mn-ea"/>
+                <a:cs typeface="Anek Telugu SemiBold" pitchFamily="2" charset="0"/>
+              </a:rPr>
+              <a:t>జీవితమంతా నీకర్పించి –</a:t>
+            </a:r>
+          </a:p>
+          <a:p>
+            <a:pPr marL="0" marR="0" indent="0" algn="ctr" rtl="0" eaLnBrk="1" fontAlgn="auto" latinLnBrk="0" hangingPunct="1">
+              <a:lnSpc>
+                <a:spcPct val="150000"/>
+              </a:lnSpc>
+              <a:spcBef>
+                <a:spcPts val="0"/>
+              </a:spcBef>
+              <a:spcAft>
+                <a:spcPts val="0"/>
+              </a:spcAft>
+            </a:pPr>
+            <a:r>
+              <a:rPr lang="te-IN" sz="1000" b="0" i="0" kern="1200" spc="0" baseline="0" dirty="0">
+                <a:ln>
+                  <a:noFill/>
+                </a:ln>
+                <a:solidFill>
+                  <a:srgbClr val="000000"/>
+                </a:solidFill>
+                <a:effectLst/>
+                <a:latin typeface="Anek Telugu SemiBold" pitchFamily="2" charset="0"/>
+                <a:ea typeface="+mn-ea"/>
+                <a:cs typeface="Anek Telugu SemiBold" pitchFamily="2" charset="0"/>
+              </a:rPr>
+              <a:t>నీ రుణము నే తీర్చనా (2)  || యేసయ్యా ||</a:t>
             </a:r>
           </a:p>
         </p:txBody>
@@ -10638,7 +10794,7 @@
               </a:lnSpc>
             </a:pPr>
             <a:r>
-              <a:rPr lang="te-IN" sz="1400" i="0" dirty="0">
+              <a:rPr lang="te-IN" sz="1200" i="0" dirty="0">
                 <a:solidFill>
                   <a:schemeClr val="tx1"/>
                 </a:solidFill>
@@ -10646,7 +10802,7 @@
                 <a:latin typeface="Anek Telugu SemiBold" pitchFamily="2" charset="0"/>
                 <a:cs typeface="Anek Telugu SemiBold" pitchFamily="2" charset="0"/>
               </a:rPr>
-              <a:t>నా స్తుతి పాత్రుడా – నా యేసయ్యా</a:t>
+              <a:t>నమ్మకమైన దేవుడవైన</a:t>
             </a:r>
           </a:p>
           <a:p>
@@ -10656,7 +10812,7 @@
               </a:lnSpc>
             </a:pPr>
             <a:r>
-              <a:rPr lang="te-IN" sz="1400" i="0" dirty="0">
+              <a:rPr lang="te-IN" sz="1200" i="0" dirty="0">
                 <a:solidFill>
                   <a:schemeClr val="tx1"/>
                 </a:solidFill>
@@ -10664,7 +10820,7 @@
                 <a:latin typeface="Anek Telugu SemiBold" pitchFamily="2" charset="0"/>
                 <a:cs typeface="Anek Telugu SemiBold" pitchFamily="2" charset="0"/>
               </a:rPr>
-              <a:t>నా ఆరాధనకు నీవె యోగ్యుడవయ్యా (2)</a:t>
+              <a:t>నీవే చాలు యేసయ్యా (2)</a:t>
             </a:r>
           </a:p>
           <a:p>
@@ -10673,7 +10829,43 @@
                 <a:spcPct val="150000"/>
               </a:lnSpc>
             </a:pPr>
-            <a:endParaRPr lang="te-IN" sz="1400" i="0" dirty="0">
+            <a:r>
+              <a:rPr lang="te-IN" sz="1200" i="0" dirty="0">
+                <a:solidFill>
+                  <a:schemeClr val="tx1"/>
+                </a:solidFill>
+                <a:effectLst/>
+                <a:latin typeface="Anek Telugu SemiBold" pitchFamily="2" charset="0"/>
+                <a:cs typeface="Anek Telugu SemiBold" pitchFamily="2" charset="0"/>
+              </a:rPr>
+              <a:t>నేనేమైయున్నా ఏ స్థితిలో ఉన్నా (2)</a:t>
+            </a:r>
+          </a:p>
+          <a:p>
+            <a:pPr algn="ctr">
+              <a:lnSpc>
+                <a:spcPct val="150000"/>
+              </a:lnSpc>
+            </a:pPr>
+            <a:r>
+              <a:rPr lang="te-IN" sz="1200" i="0" dirty="0">
+                <a:solidFill>
+                  <a:schemeClr val="tx1"/>
+                </a:solidFill>
+                <a:effectLst/>
+                <a:latin typeface="Anek Telugu SemiBold" pitchFamily="2" charset="0"/>
+                <a:cs typeface="Anek Telugu SemiBold" pitchFamily="2" charset="0"/>
+              </a:rPr>
+              <a:t>ఇంకేమి కోరుకోనయ్యా (2)</a:t>
+            </a:r>
+          </a:p>
+          <a:p>
+            <a:pPr algn="ctr">
+              <a:lnSpc>
+                <a:spcPct val="150000"/>
+              </a:lnSpc>
+            </a:pPr>
+            <a:endParaRPr lang="te-IN" sz="1200" i="0" dirty="0">
               <a:solidFill>
                 <a:schemeClr val="tx1"/>
               </a:solidFill>
@@ -10689,7 +10881,7 @@
               </a:lnSpc>
             </a:pPr>
             <a:r>
-              <a:rPr lang="te-IN" sz="1400" i="0" dirty="0">
+              <a:rPr lang="en-IN" sz="1200" i="0" dirty="0">
                 <a:solidFill>
                   <a:schemeClr val="tx1"/>
                 </a:solidFill>
@@ -10697,7 +10889,18 @@
                 <a:latin typeface="Anek Telugu SemiBold" pitchFamily="2" charset="0"/>
                 <a:cs typeface="Anek Telugu SemiBold" pitchFamily="2" charset="0"/>
               </a:rPr>
-              <a:t>1. నీ వాక్యమే నా పరవశము</a:t>
+              <a:t>1. </a:t>
+            </a:r>
+            <a:r>
+              <a:rPr lang="te-IN" sz="1200" i="0" dirty="0">
+                <a:solidFill>
+                  <a:schemeClr val="tx1"/>
+                </a:solidFill>
+                <a:effectLst/>
+                <a:latin typeface="Anek Telugu SemiBold" pitchFamily="2" charset="0"/>
+                <a:cs typeface="Anek Telugu SemiBold" pitchFamily="2" charset="0"/>
+              </a:rPr>
+              <a:t>ఆప్తులైన వారే హాని చేయచూసినా</a:t>
             </a:r>
           </a:p>
           <a:p>
@@ -10707,7 +10910,7 @@
               </a:lnSpc>
             </a:pPr>
             <a:r>
-              <a:rPr lang="te-IN" sz="1400" i="0" dirty="0">
+              <a:rPr lang="te-IN" sz="1200" i="0" dirty="0">
                 <a:solidFill>
                   <a:schemeClr val="tx1"/>
                 </a:solidFill>
@@ -10715,7 +10918,7 @@
                 <a:latin typeface="Anek Telugu SemiBold" pitchFamily="2" charset="0"/>
                 <a:cs typeface="Anek Telugu SemiBold" pitchFamily="2" charset="0"/>
               </a:rPr>
-              <a:t>నీ వాక్యమే నా ఆత్మకు ఆహారము (2)</a:t>
+              <a:t>మిత్రులే నిలువకుండినా (2)</a:t>
             </a:r>
           </a:p>
           <a:p>
@@ -10725,7 +10928,7 @@
               </a:lnSpc>
             </a:pPr>
             <a:r>
-              <a:rPr lang="te-IN" sz="1400" i="0" dirty="0">
+              <a:rPr lang="te-IN" sz="1200" i="0" dirty="0">
                 <a:solidFill>
                   <a:schemeClr val="tx1"/>
                 </a:solidFill>
@@ -10733,9 +10936,34 @@
                 <a:latin typeface="Anek Telugu SemiBold" pitchFamily="2" charset="0"/>
                 <a:cs typeface="Anek Telugu SemiBold" pitchFamily="2" charset="0"/>
               </a:rPr>
-              <a:t>నీ వాక్యమే నా పాదములకు దీపము (3)  </a:t>
-            </a:r>
-            <a:endParaRPr lang="en-IN" sz="1400" i="0" dirty="0">
+              <a:t>న్యాయము తీర్చే నీవు నాకుంటే (2)</a:t>
+            </a:r>
+          </a:p>
+          <a:p>
+            <a:pPr algn="ctr">
+              <a:lnSpc>
+                <a:spcPct val="150000"/>
+              </a:lnSpc>
+            </a:pPr>
+            <a:r>
+              <a:rPr lang="te-IN" sz="1200" i="0" dirty="0">
+                <a:solidFill>
+                  <a:schemeClr val="tx1"/>
+                </a:solidFill>
+                <a:effectLst/>
+                <a:latin typeface="Anek Telugu SemiBold" pitchFamily="2" charset="0"/>
+                <a:cs typeface="Anek Telugu SemiBold" pitchFamily="2" charset="0"/>
+              </a:rPr>
+              <a:t>చాలు యేసయ్యా (2)</a:t>
+            </a:r>
+          </a:p>
+          <a:p>
+            <a:pPr algn="ctr">
+              <a:lnSpc>
+                <a:spcPct val="150000"/>
+              </a:lnSpc>
+            </a:pPr>
+            <a:endParaRPr lang="te-IN" sz="1200" i="0" dirty="0">
               <a:solidFill>
                 <a:schemeClr val="tx1"/>
               </a:solidFill>
@@ -10751,7 +10979,7 @@
               </a:lnSpc>
             </a:pPr>
             <a:r>
-              <a:rPr lang="te-IN" sz="1400" i="0" dirty="0">
+              <a:rPr lang="en-IN" sz="1200" i="0" dirty="0">
                 <a:solidFill>
                   <a:schemeClr val="tx1"/>
                 </a:solidFill>
@@ -10759,7 +10987,18 @@
                 <a:latin typeface="Anek Telugu SemiBold" pitchFamily="2" charset="0"/>
                 <a:cs typeface="Anek Telugu SemiBold" pitchFamily="2" charset="0"/>
               </a:rPr>
-              <a:t>||నా స్తుతి పాత్రుడా||</a:t>
+              <a:t>2. </a:t>
+            </a:r>
+            <a:r>
+              <a:rPr lang="te-IN" sz="1200" i="0" dirty="0">
+                <a:solidFill>
+                  <a:schemeClr val="tx1"/>
+                </a:solidFill>
+                <a:effectLst/>
+                <a:latin typeface="Anek Telugu SemiBold" pitchFamily="2" charset="0"/>
+                <a:cs typeface="Anek Telugu SemiBold" pitchFamily="2" charset="0"/>
+              </a:rPr>
+              <a:t>జ్ఞానమంత చూపి శక్తి ధారపోసినా</a:t>
             </a:r>
           </a:p>
           <a:p>
@@ -10768,14 +11007,17 @@
                 <a:spcPct val="150000"/>
               </a:lnSpc>
             </a:pPr>
-            <a:endParaRPr lang="te-IN" sz="1400" i="0" dirty="0">
-              <a:solidFill>
-                <a:schemeClr val="tx1"/>
-              </a:solidFill>
-              <a:effectLst/>
-              <a:latin typeface="Anek Telugu SemiBold" pitchFamily="2" charset="0"/>
-              <a:cs typeface="Anek Telugu SemiBold" pitchFamily="2" charset="0"/>
-            </a:endParaRPr>
+            <a:r>
+              <a:rPr lang="te-IN" sz="1200" i="0" dirty="0">
+                <a:solidFill>
+                  <a:schemeClr val="tx1"/>
+                </a:solidFill>
+                <a:effectLst/>
+                <a:latin typeface="Anek Telugu SemiBold" pitchFamily="2" charset="0"/>
+                <a:cs typeface="Anek Telugu SemiBold" pitchFamily="2" charset="0"/>
+              </a:rPr>
+              <a:t>నష్టమే మిగులుచుండినా (2)</a:t>
+            </a:r>
           </a:p>
           <a:p>
             <a:pPr algn="ctr">
@@ -10784,7 +11026,7 @@
               </a:lnSpc>
             </a:pPr>
             <a:r>
-              <a:rPr lang="te-IN" sz="1400" i="0" dirty="0">
+              <a:rPr lang="te-IN" sz="1200" i="0" dirty="0">
                 <a:solidFill>
                   <a:schemeClr val="tx1"/>
                 </a:solidFill>
@@ -10792,7 +11034,7 @@
                 <a:latin typeface="Anek Telugu SemiBold" pitchFamily="2" charset="0"/>
                 <a:cs typeface="Anek Telugu SemiBold" pitchFamily="2" charset="0"/>
               </a:rPr>
-              <a:t>2. నీ కృపయే నా ఆశ్రయము</a:t>
+              <a:t>శాపము బాపే నీవు నాకుంటే (2)</a:t>
             </a:r>
           </a:p>
           <a:p>
@@ -10802,7 +11044,7 @@
               </a:lnSpc>
             </a:pPr>
             <a:r>
-              <a:rPr lang="te-IN" sz="1400" i="0" dirty="0">
+              <a:rPr lang="te-IN" sz="1200" i="0" dirty="0">
                 <a:solidFill>
                   <a:schemeClr val="tx1"/>
                 </a:solidFill>
@@ -10810,51 +11052,7 @@
                 <a:latin typeface="Anek Telugu SemiBold" pitchFamily="2" charset="0"/>
                 <a:cs typeface="Anek Telugu SemiBold" pitchFamily="2" charset="0"/>
               </a:rPr>
-              <a:t>నీ కృపయే నా ఆత్మకు అభిషేకము (2)</a:t>
-            </a:r>
-          </a:p>
-          <a:p>
-            <a:pPr algn="ctr">
-              <a:lnSpc>
-                <a:spcPct val="150000"/>
-              </a:lnSpc>
-            </a:pPr>
-            <a:r>
-              <a:rPr lang="te-IN" sz="1400" i="0" dirty="0">
-                <a:solidFill>
-                  <a:schemeClr val="tx1"/>
-                </a:solidFill>
-                <a:effectLst/>
-                <a:latin typeface="Anek Telugu SemiBold" pitchFamily="2" charset="0"/>
-                <a:cs typeface="Anek Telugu SemiBold" pitchFamily="2" charset="0"/>
-              </a:rPr>
-              <a:t>నీ కృపయే నా జీవన ఆధారము (3)  </a:t>
-            </a:r>
-            <a:endParaRPr lang="en-IN" sz="1400" i="0" dirty="0">
-              <a:solidFill>
-                <a:schemeClr val="tx1"/>
-              </a:solidFill>
-              <a:effectLst/>
-              <a:latin typeface="Anek Telugu SemiBold" pitchFamily="2" charset="0"/>
-              <a:cs typeface="Anek Telugu SemiBold" pitchFamily="2" charset="0"/>
-            </a:endParaRPr>
-          </a:p>
-          <a:p>
-            <a:pPr algn="ctr">
-              <a:lnSpc>
-                <a:spcPct val="150000"/>
-              </a:lnSpc>
-            </a:pPr>
-            <a:r>
-              <a:rPr lang="te-IN" sz="1400" i="0" dirty="0">
-                <a:solidFill>
-                  <a:schemeClr val="tx1"/>
-                </a:solidFill>
-                <a:effectLst/>
-                <a:latin typeface="Anek Telugu SemiBold" pitchFamily="2" charset="0"/>
-                <a:cs typeface="Anek Telugu SemiBold" pitchFamily="2" charset="0"/>
-              </a:rPr>
-              <a:t> ||నా స్తుతి పాత్రుడా||</a:t>
+              <a:t>చాలు యేసయ్యా (2)</a:t>
             </a:r>
           </a:p>
         </p:txBody>
@@ -10918,7 +11116,7 @@
               </a:spcAft>
             </a:pPr>
             <a:r>
-              <a:rPr lang="te-IN" sz="1300" b="0" i="0" kern="1200" spc="0" baseline="0" dirty="0">
+              <a:rPr lang="te-IN" sz="950" b="0" i="0" kern="1200" spc="0" baseline="0" dirty="0">
                 <a:ln>
                   <a:noFill/>
                 </a:ln>
@@ -10930,7 +11128,7 @@
                 <a:ea typeface="+mn-ea"/>
                 <a:cs typeface="Anek Telugu SemiBold" pitchFamily="2" charset="0"/>
               </a:rPr>
-              <a:t>సన్నుతించెదను - దయాళుడవు నీవని</a:t>
+              <a:t>చాలునయా చాలునయా</a:t>
             </a:r>
           </a:p>
           <a:p>
@@ -10946,7 +11144,7 @@
               </a:spcAft>
             </a:pPr>
             <a:r>
-              <a:rPr lang="te-IN" sz="1300" b="0" i="0" kern="1200" spc="0" baseline="0" dirty="0">
+              <a:rPr lang="te-IN" sz="950" b="0" i="0" kern="1200" spc="0" baseline="0" dirty="0">
                 <a:ln>
                   <a:noFill/>
                 </a:ln>
@@ -10958,7 +11156,7 @@
                 <a:ea typeface="+mn-ea"/>
                 <a:cs typeface="Anek Telugu SemiBold" pitchFamily="2" charset="0"/>
               </a:rPr>
-              <a:t>యెహోవా నీవే దయాళుడవని నిను సన్నుతించెదను - 2</a:t>
+              <a:t>నీ కృప నాకు చాలునయా</a:t>
             </a:r>
           </a:p>
           <a:p>
@@ -10973,7 +11171,119 @@
                 <a:spcPts val="0"/>
               </a:spcAft>
             </a:pPr>
-            <a:endParaRPr lang="te-IN" sz="1300" b="0" i="0" kern="1200" spc="0" baseline="0" dirty="0">
+            <a:r>
+              <a:rPr lang="te-IN" sz="950" b="0" i="0" kern="1200" spc="0" baseline="0" dirty="0">
+                <a:ln>
+                  <a:noFill/>
+                </a:ln>
+                <a:solidFill>
+                  <a:srgbClr val="000000"/>
+                </a:solidFill>
+                <a:effectLst/>
+                <a:latin typeface="Anek Telugu SemiBold" pitchFamily="2" charset="0"/>
+                <a:ea typeface="+mn-ea"/>
+                <a:cs typeface="Anek Telugu SemiBold" pitchFamily="2" charset="0"/>
+              </a:rPr>
+              <a:t>ప్రేమామయుడివై ప్రేమించావు</a:t>
+            </a:r>
+          </a:p>
+          <a:p>
+            <a:pPr marL="0" marR="0" indent="0" algn="ctr" rtl="0" eaLnBrk="1" fontAlgn="auto" latinLnBrk="0" hangingPunct="1">
+              <a:lnSpc>
+                <a:spcPct val="150000"/>
+              </a:lnSpc>
+              <a:spcBef>
+                <a:spcPts val="0"/>
+              </a:spcBef>
+              <a:spcAft>
+                <a:spcPts val="0"/>
+              </a:spcAft>
+            </a:pPr>
+            <a:r>
+              <a:rPr lang="te-IN" sz="950" b="0" i="0" kern="1200" spc="0" baseline="0" dirty="0">
+                <a:ln>
+                  <a:noFill/>
+                </a:ln>
+                <a:solidFill>
+                  <a:srgbClr val="000000"/>
+                </a:solidFill>
+                <a:effectLst/>
+                <a:latin typeface="Anek Telugu SemiBold" pitchFamily="2" charset="0"/>
+                <a:ea typeface="+mn-ea"/>
+                <a:cs typeface="Anek Telugu SemiBold" pitchFamily="2" charset="0"/>
+              </a:rPr>
+              <a:t>కరుణా మయుడివై కరుణించావు</a:t>
+            </a:r>
+          </a:p>
+          <a:p>
+            <a:pPr marL="0" marR="0" indent="0" algn="ctr" rtl="0" eaLnBrk="1" fontAlgn="auto" latinLnBrk="0" hangingPunct="1">
+              <a:lnSpc>
+                <a:spcPct val="150000"/>
+              </a:lnSpc>
+              <a:spcBef>
+                <a:spcPts val="0"/>
+              </a:spcBef>
+              <a:spcAft>
+                <a:spcPts val="0"/>
+              </a:spcAft>
+            </a:pPr>
+            <a:r>
+              <a:rPr lang="te-IN" sz="950" b="0" i="0" kern="1200" spc="0" baseline="0" dirty="0">
+                <a:ln>
+                  <a:noFill/>
+                </a:ln>
+                <a:solidFill>
+                  <a:srgbClr val="000000"/>
+                </a:solidFill>
+                <a:effectLst/>
+                <a:latin typeface="Anek Telugu SemiBold" pitchFamily="2" charset="0"/>
+                <a:ea typeface="+mn-ea"/>
+                <a:cs typeface="Anek Telugu SemiBold" pitchFamily="2" charset="0"/>
+              </a:rPr>
+              <a:t>తల్లిగ లాలించి తండ్రిగ ప్రేమించి</a:t>
+            </a:r>
+          </a:p>
+          <a:p>
+            <a:pPr marL="0" marR="0" indent="0" algn="ctr" rtl="0" eaLnBrk="1" fontAlgn="auto" latinLnBrk="0" hangingPunct="1">
+              <a:lnSpc>
+                <a:spcPct val="150000"/>
+              </a:lnSpc>
+              <a:spcBef>
+                <a:spcPts val="0"/>
+              </a:spcBef>
+              <a:spcAft>
+                <a:spcPts val="0"/>
+              </a:spcAft>
+            </a:pPr>
+            <a:r>
+              <a:rPr lang="te-IN" sz="950" b="0" i="0" kern="1200" spc="0" baseline="0" dirty="0">
+                <a:ln>
+                  <a:noFill/>
+                </a:ln>
+                <a:solidFill>
+                  <a:srgbClr val="000000"/>
+                </a:solidFill>
+                <a:effectLst/>
+                <a:latin typeface="Anek Telugu SemiBold" pitchFamily="2" charset="0"/>
+                <a:ea typeface="+mn-ea"/>
+                <a:cs typeface="Anek Telugu SemiBold" pitchFamily="2" charset="0"/>
+              </a:rPr>
+              <a:t>ప్రేమా కరుణ నీ కృప చాలు</a:t>
+            </a:r>
+          </a:p>
+          <a:p>
+            <a:pPr marL="0" marR="0" indent="0" algn="ctr" rtl="0" eaLnBrk="1" fontAlgn="auto" latinLnBrk="0" hangingPunct="1">
+              <a:lnSpc>
+                <a:spcPct val="150000"/>
+              </a:lnSpc>
+              <a:spcBef>
+                <a:spcPts val="0"/>
+              </a:spcBef>
+              <a:spcAft>
+                <a:spcPts val="0"/>
+              </a:spcAft>
+            </a:pPr>
+            <a:endParaRPr lang="te-IN" sz="950" b="0" i="0" kern="1200" spc="0" baseline="0" dirty="0">
               <a:ln>
                 <a:noFill/>
               </a:ln>
@@ -10987,65 +11297,6 @@
             </a:endParaRPr>
           </a:p>
           <a:p>
-            <a:pPr marL="228600" marR="0" indent="-228600" algn="ctr" rtl="0" eaLnBrk="1" fontAlgn="auto" latinLnBrk="0" hangingPunct="1">
-              <a:lnSpc>
-                <a:spcPct val="150000"/>
-              </a:lnSpc>
-              <a:spcBef>
-                <a:spcPts val="0"/>
-              </a:spcBef>
-              <a:spcAft>
-                <a:spcPts val="0"/>
-              </a:spcAft>
-              <a:buAutoNum type="arabicPeriod"/>
-            </a:pPr>
-            <a:r>
-              <a:rPr lang="te-IN" sz="1300" b="0" i="0" kern="1200" spc="0" baseline="0" dirty="0">
-                <a:ln>
-                  <a:noFill/>
-                </a:ln>
-                <a:solidFill>
-                  <a:srgbClr val="000000"/>
-                </a:solidFill>
-                <a:effectLst/>
-                <a:latin typeface="Anek Telugu SemiBold" pitchFamily="2" charset="0"/>
-                <a:ea typeface="+mn-ea"/>
-                <a:cs typeface="Anek Telugu SemiBold" pitchFamily="2" charset="0"/>
-              </a:rPr>
-              <a:t>సర్వ సత్యములో</a:t>
-            </a:r>
-            <a:r>
-              <a:rPr lang="en-IN" sz="1300" b="0" i="0" kern="1200" spc="0" baseline="0" dirty="0">
-                <a:ln>
-                  <a:noFill/>
-                </a:ln>
-                <a:solidFill>
-                  <a:srgbClr val="000000"/>
-                </a:solidFill>
-                <a:effectLst/>
-                <a:latin typeface="Anek Telugu SemiBold" pitchFamily="2" charset="0"/>
-                <a:ea typeface="+mn-ea"/>
-                <a:cs typeface="Anek Telugu SemiBold" pitchFamily="2" charset="0"/>
-              </a:rPr>
-              <a:t> </a:t>
-            </a:r>
-            <a:r>
-              <a:rPr lang="te-IN" sz="1300" b="0" i="0" kern="1200" spc="0" baseline="0" dirty="0">
-                <a:ln>
-                  <a:noFill/>
-                </a:ln>
-                <a:solidFill>
-                  <a:srgbClr val="000000"/>
-                </a:solidFill>
-                <a:effectLst/>
-                <a:latin typeface="Anek Telugu SemiBold" pitchFamily="2" charset="0"/>
-                <a:ea typeface="+mn-ea"/>
-                <a:cs typeface="Anek Telugu SemiBold" pitchFamily="2" charset="0"/>
-              </a:rPr>
-              <a:t>నను నీవు నడిపి ఆదరించిన –</a:t>
-            </a:r>
-          </a:p>
-          <a:p>
             <a:pPr marL="0" marR="0" indent="0" algn="ctr" rtl="0" eaLnBrk="1" fontAlgn="auto" latinLnBrk="0" hangingPunct="1">
               <a:lnSpc>
                 <a:spcPct val="150000"/>
@@ -11058,7 +11309,7 @@
               </a:spcAft>
             </a:pPr>
             <a:r>
-              <a:rPr lang="te-IN" sz="1300" b="0" i="0" kern="1200" spc="0" baseline="0" dirty="0">
+              <a:rPr lang="te-IN" sz="950" b="0" i="0" kern="1200" spc="0" baseline="0" dirty="0">
                 <a:ln>
                   <a:noFill/>
                 </a:ln>
@@ -11070,7 +11321,7 @@
                 <a:ea typeface="+mn-ea"/>
                 <a:cs typeface="Anek Telugu SemiBold" pitchFamily="2" charset="0"/>
               </a:rPr>
-              <a:t>పరిశుద్ధాత్ముడా కృపాధారము నీవెగా -</a:t>
+              <a:t>1. జిగటగల ఊబిలో పడియుండగా</a:t>
             </a:r>
           </a:p>
           <a:p>
@@ -11086,7 +11337,7 @@
               </a:spcAft>
             </a:pPr>
             <a:r>
-              <a:rPr lang="te-IN" sz="1300" b="0" i="0" kern="1200" spc="0" baseline="0" dirty="0">
+              <a:rPr lang="te-IN" sz="950" b="0" i="0" kern="1200" spc="0" baseline="0" dirty="0">
                 <a:ln>
                   <a:noFill/>
                 </a:ln>
@@ -11098,7 +11349,7 @@
                 <a:ea typeface="+mn-ea"/>
                 <a:cs typeface="Anek Telugu SemiBold" pitchFamily="2" charset="0"/>
               </a:rPr>
-              <a:t>షాలేమురాజా నిను సన్మానించెదను</a:t>
+              <a:t>నా అడుగులు స్థిరపరచి నిలిపితివయ్యా</a:t>
             </a:r>
           </a:p>
           <a:p>
@@ -11113,7 +11364,147 @@
                 <a:spcPts val="0"/>
               </a:spcAft>
             </a:pPr>
-            <a:endParaRPr lang="te-IN" sz="1300" b="0" i="0" kern="1200" spc="0" baseline="0" dirty="0">
+            <a:r>
+              <a:rPr lang="te-IN" sz="950" b="0" i="0" kern="1200" spc="0" baseline="0" dirty="0">
+                <a:ln>
+                  <a:noFill/>
+                </a:ln>
+                <a:solidFill>
+                  <a:srgbClr val="000000"/>
+                </a:solidFill>
+                <a:effectLst/>
+                <a:latin typeface="Anek Telugu SemiBold" pitchFamily="2" charset="0"/>
+                <a:ea typeface="+mn-ea"/>
+                <a:cs typeface="Anek Telugu SemiBold" pitchFamily="2" charset="0"/>
+              </a:rPr>
+              <a:t>హిస్సోపుతో నన్ను కడుగుము యేసయ్యా</a:t>
+            </a:r>
+          </a:p>
+          <a:p>
+            <a:pPr marL="0" marR="0" indent="0" algn="ctr" rtl="0" eaLnBrk="1" fontAlgn="auto" latinLnBrk="0" hangingPunct="1">
+              <a:lnSpc>
+                <a:spcPct val="150000"/>
+              </a:lnSpc>
+              <a:spcBef>
+                <a:spcPts val="0"/>
+              </a:spcBef>
+              <a:spcAft>
+                <a:spcPts val="0"/>
+              </a:spcAft>
+            </a:pPr>
+            <a:r>
+              <a:rPr lang="te-IN" sz="950" b="0" i="0" kern="1200" spc="0" baseline="0" dirty="0">
+                <a:ln>
+                  <a:noFill/>
+                </a:ln>
+                <a:solidFill>
+                  <a:srgbClr val="000000"/>
+                </a:solidFill>
+                <a:effectLst/>
+                <a:latin typeface="Anek Telugu SemiBold" pitchFamily="2" charset="0"/>
+                <a:ea typeface="+mn-ea"/>
+                <a:cs typeface="Anek Telugu SemiBold" pitchFamily="2" charset="0"/>
+              </a:rPr>
+              <a:t>హిమము కంటెను తెల్లగ మార్చయ్యా</a:t>
+            </a:r>
+          </a:p>
+          <a:p>
+            <a:pPr marL="0" marR="0" indent="0" algn="ctr" rtl="0" eaLnBrk="1" fontAlgn="auto" latinLnBrk="0" hangingPunct="1">
+              <a:lnSpc>
+                <a:spcPct val="150000"/>
+              </a:lnSpc>
+              <a:spcBef>
+                <a:spcPts val="0"/>
+              </a:spcBef>
+              <a:spcAft>
+                <a:spcPts val="0"/>
+              </a:spcAft>
+            </a:pPr>
+            <a:r>
+              <a:rPr lang="te-IN" sz="950" b="0" i="0" kern="1200" spc="0" baseline="0" dirty="0">
+                <a:ln>
+                  <a:noFill/>
+                </a:ln>
+                <a:solidFill>
+                  <a:srgbClr val="000000"/>
+                </a:solidFill>
+                <a:effectLst/>
+                <a:latin typeface="Anek Telugu SemiBold" pitchFamily="2" charset="0"/>
+                <a:ea typeface="+mn-ea"/>
+                <a:cs typeface="Anek Telugu SemiBold" pitchFamily="2" charset="0"/>
+              </a:rPr>
+              <a:t>నీకేమి చెల్లింతు నా మంచి మెస్సియ్యా</a:t>
+            </a:r>
+          </a:p>
+          <a:p>
+            <a:pPr marL="0" marR="0" indent="0" algn="ctr" rtl="0" eaLnBrk="1" fontAlgn="auto" latinLnBrk="0" hangingPunct="1">
+              <a:lnSpc>
+                <a:spcPct val="150000"/>
+              </a:lnSpc>
+              <a:spcBef>
+                <a:spcPts val="0"/>
+              </a:spcBef>
+              <a:spcAft>
+                <a:spcPts val="0"/>
+              </a:spcAft>
+            </a:pPr>
+            <a:r>
+              <a:rPr lang="te-IN" sz="950" b="0" i="0" kern="1200" spc="0" baseline="0" dirty="0">
+                <a:ln>
+                  <a:noFill/>
+                </a:ln>
+                <a:solidFill>
+                  <a:srgbClr val="000000"/>
+                </a:solidFill>
+                <a:effectLst/>
+                <a:latin typeface="Anek Telugu SemiBold" pitchFamily="2" charset="0"/>
+                <a:ea typeface="+mn-ea"/>
+                <a:cs typeface="Anek Telugu SemiBold" pitchFamily="2" charset="0"/>
+              </a:rPr>
+              <a:t>నా జీవితమంత అర్పింతు నీకయ్యా</a:t>
+            </a:r>
+          </a:p>
+          <a:p>
+            <a:pPr marL="0" marR="0" indent="0" algn="ctr" rtl="0" eaLnBrk="1" fontAlgn="auto" latinLnBrk="0" hangingPunct="1">
+              <a:lnSpc>
+                <a:spcPct val="150000"/>
+              </a:lnSpc>
+              <a:spcBef>
+                <a:spcPts val="0"/>
+              </a:spcBef>
+              <a:spcAft>
+                <a:spcPts val="0"/>
+              </a:spcAft>
+            </a:pPr>
+            <a:r>
+              <a:rPr lang="te-IN" sz="950" b="0" i="0" kern="1200" spc="0" baseline="0" dirty="0">
+                <a:ln>
+                  <a:noFill/>
+                </a:ln>
+                <a:solidFill>
+                  <a:srgbClr val="000000"/>
+                </a:solidFill>
+                <a:effectLst/>
+                <a:latin typeface="Anek Telugu SemiBold" pitchFamily="2" charset="0"/>
+                <a:ea typeface="+mn-ea"/>
+                <a:cs typeface="Anek Telugu SemiBold" pitchFamily="2" charset="0"/>
+              </a:rPr>
+              <a:t>ప్రేమా కరుణా నీ కృప చాలు</a:t>
+            </a:r>
+          </a:p>
+          <a:p>
+            <a:pPr marL="0" marR="0" indent="0" algn="ctr" rtl="0" eaLnBrk="1" fontAlgn="auto" latinLnBrk="0" hangingPunct="1">
+              <a:lnSpc>
+                <a:spcPct val="150000"/>
+              </a:lnSpc>
+              <a:spcBef>
+                <a:spcPts val="0"/>
+              </a:spcBef>
+              <a:spcAft>
+                <a:spcPts val="0"/>
+              </a:spcAft>
+            </a:pPr>
+            <a:endParaRPr lang="te-IN" sz="950" b="0" i="0" kern="1200" spc="0" baseline="0" dirty="0">
               <a:ln>
                 <a:noFill/>
               </a:ln>
@@ -11139,7 +11530,7 @@
               </a:spcAft>
             </a:pPr>
             <a:r>
-              <a:rPr lang="te-IN" sz="1300" b="0" i="0" kern="1200" spc="0" baseline="0" dirty="0">
+              <a:rPr lang="te-IN" sz="950" b="0" i="0" kern="1200" spc="0" baseline="0" dirty="0">
                 <a:ln>
                   <a:noFill/>
                 </a:ln>
@@ -11151,7 +11542,7 @@
                 <a:ea typeface="+mn-ea"/>
                 <a:cs typeface="Anek Telugu SemiBold" pitchFamily="2" charset="0"/>
               </a:rPr>
-              <a:t>2. నీ కను చూపుల పరిధిలోనన్ను నిలిపి</a:t>
+              <a:t>2. బంధువులు స్నేహితులు త్రోసేసినా</a:t>
             </a:r>
           </a:p>
           <a:p>
@@ -11167,7 +11558,7 @@
               </a:spcAft>
             </a:pPr>
             <a:r>
-              <a:rPr lang="te-IN" sz="1300" b="0" i="0" kern="1200" spc="0" baseline="0" dirty="0">
+              <a:rPr lang="te-IN" sz="950" b="0" i="0" kern="1200" spc="0" baseline="0" dirty="0">
                 <a:ln>
                   <a:noFill/>
                 </a:ln>
@@ -11179,7 +11570,7 @@
                 <a:ea typeface="+mn-ea"/>
                 <a:cs typeface="Anek Telugu SemiBold" pitchFamily="2" charset="0"/>
               </a:rPr>
-              <a:t>చూపితివా నీ వాత్సల్యమును</a:t>
+              <a:t>తల్లిదండ్రులే నన్ను వెలివేసినా</a:t>
             </a:r>
           </a:p>
           <a:p>
@@ -11195,7 +11586,7 @@
               </a:spcAft>
             </a:pPr>
             <a:r>
-              <a:rPr lang="te-IN" sz="1300" b="0" i="0" kern="1200" spc="0" baseline="0" dirty="0">
+              <a:rPr lang="te-IN" sz="950" b="0" i="0" kern="1200" spc="0" baseline="0" dirty="0">
                 <a:ln>
                   <a:noFill/>
                 </a:ln>
@@ -11207,7 +11598,7 @@
                 <a:ea typeface="+mn-ea"/>
                 <a:cs typeface="Anek Telugu SemiBold" pitchFamily="2" charset="0"/>
               </a:rPr>
-              <a:t>కృపానిధివి నీవెగా –</a:t>
+              <a:t>నన్ను నీవు విడువనె లేదయ్యా</a:t>
             </a:r>
           </a:p>
           <a:p>
@@ -11223,7 +11614,7 @@
               </a:spcAft>
             </a:pPr>
             <a:r>
-              <a:rPr lang="te-IN" sz="1300" b="0" i="0" kern="1200" spc="0" baseline="0" dirty="0">
+              <a:rPr lang="te-IN" sz="950" b="0" i="0" kern="1200" spc="0" baseline="0" dirty="0">
                 <a:ln>
                   <a:noFill/>
                 </a:ln>
@@ -11235,7 +11626,63 @@
                 <a:ea typeface="+mn-ea"/>
                 <a:cs typeface="Anek Telugu SemiBold" pitchFamily="2" charset="0"/>
               </a:rPr>
-              <a:t>నా యేసురాజా నిను సన్మానించెదను</a:t>
+              <a:t>మిన్నగ ప్రేమించి రక్షించినావయ్యా</a:t>
+            </a:r>
+          </a:p>
+          <a:p>
+            <a:pPr marL="0" marR="0" indent="0" algn="ctr" rtl="0" eaLnBrk="1" fontAlgn="auto" latinLnBrk="0" hangingPunct="1">
+              <a:lnSpc>
+                <a:spcPct val="150000"/>
+              </a:lnSpc>
+              <a:spcBef>
+                <a:spcPts val="0"/>
+              </a:spcBef>
+              <a:spcAft>
+                <a:spcPts val="0"/>
+              </a:spcAft>
+            </a:pPr>
+            <a:r>
+              <a:rPr lang="te-IN" sz="950" b="0" i="0" kern="1200" spc="0" baseline="0" dirty="0">
+                <a:ln>
+                  <a:noFill/>
+                </a:ln>
+                <a:solidFill>
+                  <a:srgbClr val="000000"/>
+                </a:solidFill>
+                <a:effectLst/>
+                <a:latin typeface="Anek Telugu SemiBold" pitchFamily="2" charset="0"/>
+                <a:ea typeface="+mn-ea"/>
+                <a:cs typeface="Anek Telugu SemiBold" pitchFamily="2" charset="0"/>
+              </a:rPr>
+              <a:t>నీకేమి చెల్లింతు నా మంచి మెస్సయ్యా</a:t>
+            </a:r>
+          </a:p>
+          <a:p>
+            <a:pPr marL="0" marR="0" indent="0" algn="ctr" rtl="0" eaLnBrk="1" fontAlgn="auto" latinLnBrk="0" hangingPunct="1">
+              <a:lnSpc>
+                <a:spcPct val="150000"/>
+              </a:lnSpc>
+              <a:spcBef>
+                <a:spcPts val="0"/>
+              </a:spcBef>
+              <a:spcAft>
+                <a:spcPts val="0"/>
+              </a:spcAft>
+            </a:pPr>
+            <a:r>
+              <a:rPr lang="te-IN" sz="950" b="0" i="0" kern="1200" spc="0" baseline="0" dirty="0">
+                <a:ln>
+                  <a:noFill/>
+                </a:ln>
+                <a:solidFill>
+                  <a:srgbClr val="000000"/>
+                </a:solidFill>
+                <a:effectLst/>
+                <a:latin typeface="Anek Telugu SemiBold" pitchFamily="2" charset="0"/>
+                <a:ea typeface="+mn-ea"/>
+                <a:cs typeface="Anek Telugu SemiBold" pitchFamily="2" charset="0"/>
+              </a:rPr>
+              <a:t>నీ సాక్షిగ నేను ఇల జీవింతునయ్యా</a:t>
             </a:r>
           </a:p>
         </p:txBody>
@@ -11317,389 +11764,397 @@
           <a:bodyPr rtlCol="0" anchor="ctr"/>
           <a:lstStyle/>
           <a:p>
-            <a:pPr marL="0" marR="0" indent="0" algn="ctr" rtl="0" eaLnBrk="1" fontAlgn="auto" latinLnBrk="0" hangingPunct="1">
+            <a:pPr algn="ctr">
               <a:lnSpc>
                 <a:spcPct val="150000"/>
               </a:lnSpc>
-              <a:spcBef>
-                <a:spcPts val="0"/>
-              </a:spcBef>
-              <a:spcAft>
-                <a:spcPts val="0"/>
-              </a:spcAft>
             </a:pPr>
             <a:r>
-              <a:rPr lang="te-IN" sz="1200" b="0" i="0" kern="1200" spc="0" baseline="0" dirty="0">
-                <a:ln>
-                  <a:noFill/>
-                </a:ln>
-                <a:solidFill>
-                  <a:srgbClr val="000000"/>
-                </a:solidFill>
-                <a:effectLst/>
-                <a:latin typeface="Anek Telugu SemiBold" pitchFamily="2" charset="0"/>
-                <a:ea typeface="+mn-ea"/>
-                <a:cs typeface="Anek Telugu SemiBold" pitchFamily="2" charset="0"/>
-              </a:rPr>
-              <a:t>ప్రార్థన శక్తి నాకు కావాలయ్యా</a:t>
-            </a:r>
-          </a:p>
-          <a:p>
-            <a:pPr marL="0" marR="0" indent="0" algn="ctr" rtl="0" eaLnBrk="1" fontAlgn="auto" latinLnBrk="0" hangingPunct="1">
+              <a:rPr lang="te-IN" sz="1050" i="0" dirty="0">
+                <a:solidFill>
+                  <a:schemeClr val="tx1"/>
+                </a:solidFill>
+                <a:effectLst/>
+                <a:latin typeface="Anek Telugu SemiBold" pitchFamily="2" charset="0"/>
+                <a:cs typeface="Anek Telugu SemiBold" pitchFamily="2" charset="0"/>
+              </a:rPr>
+              <a:t>కృప కృప నీ కృప</a:t>
+            </a:r>
+            <a:br>
+              <a:rPr lang="te-IN" sz="1050" i="0" dirty="0">
+                <a:solidFill>
+                  <a:schemeClr val="tx1"/>
+                </a:solidFill>
+                <a:effectLst/>
+                <a:latin typeface="Anek Telugu SemiBold" pitchFamily="2" charset="0"/>
+                <a:cs typeface="Anek Telugu SemiBold" pitchFamily="2" charset="0"/>
+              </a:rPr>
+            </a:br>
+            <a:r>
+              <a:rPr lang="te-IN" sz="1050" i="0" dirty="0">
+                <a:solidFill>
+                  <a:schemeClr val="tx1"/>
+                </a:solidFill>
+                <a:effectLst/>
+                <a:latin typeface="Anek Telugu SemiBold" pitchFamily="2" charset="0"/>
+                <a:cs typeface="Anek Telugu SemiBold" pitchFamily="2" charset="0"/>
+              </a:rPr>
+              <a:t>కృప కృప క్రీస్తు కృప (2)</a:t>
+            </a:r>
+            <a:br>
+              <a:rPr lang="te-IN" sz="1050" i="0" dirty="0">
+                <a:solidFill>
+                  <a:schemeClr val="tx1"/>
+                </a:solidFill>
+                <a:effectLst/>
+                <a:latin typeface="Anek Telugu SemiBold" pitchFamily="2" charset="0"/>
+                <a:cs typeface="Anek Telugu SemiBold" pitchFamily="2" charset="0"/>
+              </a:rPr>
+            </a:br>
+            <a:r>
+              <a:rPr lang="te-IN" sz="1050" i="0" dirty="0">
+                <a:solidFill>
+                  <a:schemeClr val="tx1"/>
+                </a:solidFill>
+                <a:effectLst/>
+                <a:latin typeface="Anek Telugu SemiBold" pitchFamily="2" charset="0"/>
+                <a:cs typeface="Anek Telugu SemiBold" pitchFamily="2" charset="0"/>
+              </a:rPr>
+              <a:t>నేనైతే నీ కృపయందు</a:t>
+            </a:r>
+            <a:br>
+              <a:rPr lang="te-IN" sz="1050" i="0" dirty="0">
+                <a:solidFill>
+                  <a:schemeClr val="tx1"/>
+                </a:solidFill>
+                <a:effectLst/>
+                <a:latin typeface="Anek Telugu SemiBold" pitchFamily="2" charset="0"/>
+                <a:cs typeface="Anek Telugu SemiBold" pitchFamily="2" charset="0"/>
+              </a:rPr>
+            </a:br>
+            <a:r>
+              <a:rPr lang="te-IN" sz="1050" i="0" dirty="0">
+                <a:solidFill>
+                  <a:schemeClr val="tx1"/>
+                </a:solidFill>
+                <a:effectLst/>
+                <a:latin typeface="Anek Telugu SemiBold" pitchFamily="2" charset="0"/>
+                <a:cs typeface="Anek Telugu SemiBold" pitchFamily="2" charset="0"/>
+              </a:rPr>
+              <a:t>నమ్మికయుంచి యున్నాను</a:t>
+            </a:r>
+            <a:br>
+              <a:rPr lang="te-IN" sz="1050" i="0" dirty="0">
+                <a:solidFill>
+                  <a:schemeClr val="tx1"/>
+                </a:solidFill>
+                <a:effectLst/>
+                <a:latin typeface="Anek Telugu SemiBold" pitchFamily="2" charset="0"/>
+                <a:cs typeface="Anek Telugu SemiBold" pitchFamily="2" charset="0"/>
+              </a:rPr>
+            </a:br>
+            <a:r>
+              <a:rPr lang="te-IN" sz="1050" i="0" dirty="0">
+                <a:solidFill>
+                  <a:schemeClr val="tx1"/>
+                </a:solidFill>
+                <a:effectLst/>
+                <a:latin typeface="Anek Telugu SemiBold" pitchFamily="2" charset="0"/>
+                <a:cs typeface="Anek Telugu SemiBold" pitchFamily="2" charset="0"/>
+              </a:rPr>
+              <a:t>నా నమ్మికయుంచి యున్నాను (2)      </a:t>
+            </a:r>
+          </a:p>
+          <a:p>
+            <a:pPr algn="ctr">
               <a:lnSpc>
                 <a:spcPct val="150000"/>
               </a:lnSpc>
-              <a:spcBef>
-                <a:spcPts val="0"/>
-              </a:spcBef>
-              <a:spcAft>
-                <a:spcPts val="0"/>
-              </a:spcAft>
             </a:pPr>
             <a:r>
-              <a:rPr lang="te-IN" sz="1200" b="0" i="0" kern="1200" spc="0" baseline="0" dirty="0">
-                <a:ln>
-                  <a:noFill/>
-                </a:ln>
-                <a:solidFill>
-                  <a:srgbClr val="000000"/>
-                </a:solidFill>
-                <a:effectLst/>
-                <a:latin typeface="Anek Telugu SemiBold" pitchFamily="2" charset="0"/>
-                <a:ea typeface="+mn-ea"/>
-                <a:cs typeface="Anek Telugu SemiBold" pitchFamily="2" charset="0"/>
-              </a:rPr>
-              <a:t>నీ పరలోక అభిషేకం కావాలయ్యా (2)</a:t>
-            </a:r>
-          </a:p>
-          <a:p>
-            <a:pPr marL="0" marR="0" indent="0" algn="ctr" rtl="0" eaLnBrk="1" fontAlgn="auto" latinLnBrk="0" hangingPunct="1">
+              <a:rPr lang="te-IN" sz="1050" i="0" dirty="0">
+                <a:solidFill>
+                  <a:schemeClr val="tx1"/>
+                </a:solidFill>
+                <a:effectLst/>
+                <a:latin typeface="Anek Telugu SemiBold" pitchFamily="2" charset="0"/>
+                <a:cs typeface="Anek Telugu SemiBold" pitchFamily="2" charset="0"/>
+              </a:rPr>
+              <a:t> </a:t>
+            </a:r>
+          </a:p>
+          <a:p>
+            <a:pPr algn="ctr">
               <a:lnSpc>
                 <a:spcPct val="150000"/>
               </a:lnSpc>
-              <a:spcBef>
-                <a:spcPts val="0"/>
-              </a:spcBef>
-              <a:spcAft>
-                <a:spcPts val="0"/>
-              </a:spcAft>
             </a:pPr>
             <a:r>
-              <a:rPr lang="te-IN" sz="1200" b="0" i="0" kern="1200" spc="0" baseline="0" dirty="0">
-                <a:ln>
-                  <a:noFill/>
-                </a:ln>
-                <a:solidFill>
-                  <a:srgbClr val="000000"/>
-                </a:solidFill>
-                <a:effectLst/>
-                <a:latin typeface="Anek Telugu SemiBold" pitchFamily="2" charset="0"/>
-                <a:ea typeface="+mn-ea"/>
-                <a:cs typeface="Anek Telugu SemiBold" pitchFamily="2" charset="0"/>
-              </a:rPr>
-              <a:t>యేసయ్యా కావాలయ్యా</a:t>
-            </a:r>
-          </a:p>
-          <a:p>
-            <a:pPr marL="0" marR="0" indent="0" algn="ctr" rtl="0" eaLnBrk="1" fontAlgn="auto" latinLnBrk="0" hangingPunct="1">
+              <a:rPr lang="en-IN" sz="1050" i="0" dirty="0">
+                <a:solidFill>
+                  <a:schemeClr val="tx1"/>
+                </a:solidFill>
+                <a:effectLst/>
+                <a:latin typeface="Anek Telugu SemiBold" pitchFamily="2" charset="0"/>
+                <a:cs typeface="Anek Telugu SemiBold" pitchFamily="2" charset="0"/>
+              </a:rPr>
+              <a:t>1. </a:t>
+            </a:r>
+            <a:r>
+              <a:rPr lang="te-IN" sz="1050" i="0" dirty="0">
+                <a:solidFill>
+                  <a:schemeClr val="tx1"/>
+                </a:solidFill>
+                <a:effectLst/>
+                <a:latin typeface="Anek Telugu SemiBold" pitchFamily="2" charset="0"/>
+                <a:cs typeface="Anek Telugu SemiBold" pitchFamily="2" charset="0"/>
+              </a:rPr>
+              <a:t>కృపను గూర్చి న్యాయము గూర్చి</a:t>
+            </a:r>
+          </a:p>
+          <a:p>
+            <a:pPr algn="ctr">
               <a:lnSpc>
                 <a:spcPct val="150000"/>
               </a:lnSpc>
-              <a:spcBef>
-                <a:spcPts val="0"/>
-              </a:spcBef>
-              <a:spcAft>
-                <a:spcPts val="0"/>
-              </a:spcAft>
             </a:pPr>
             <a:r>
-              <a:rPr lang="te-IN" sz="1200" b="0" i="0" kern="1200" spc="0" baseline="0" dirty="0">
-                <a:ln>
-                  <a:noFill/>
-                </a:ln>
-                <a:solidFill>
-                  <a:srgbClr val="000000"/>
-                </a:solidFill>
-                <a:effectLst/>
-                <a:latin typeface="Anek Telugu SemiBold" pitchFamily="2" charset="0"/>
-                <a:ea typeface="+mn-ea"/>
-                <a:cs typeface="Anek Telugu SemiBold" pitchFamily="2" charset="0"/>
-              </a:rPr>
-              <a:t>నీ ఆత్మ అభిషేకం కావలయ్యా (2)    || ప్రార్థన ||</a:t>
-            </a:r>
-          </a:p>
-          <a:p>
-            <a:pPr marL="0" marR="0" indent="0" algn="ctr" rtl="0" eaLnBrk="1" fontAlgn="auto" latinLnBrk="0" hangingPunct="1">
+              <a:rPr lang="te-IN" sz="1050" i="0" dirty="0">
+                <a:solidFill>
+                  <a:schemeClr val="tx1"/>
+                </a:solidFill>
+                <a:effectLst/>
+                <a:latin typeface="Anek Telugu SemiBold" pitchFamily="2" charset="0"/>
+                <a:cs typeface="Anek Telugu SemiBold" pitchFamily="2" charset="0"/>
+              </a:rPr>
+              <a:t> నేను పాడెదను</a:t>
+            </a:r>
+            <a:br>
+              <a:rPr lang="te-IN" sz="1050" i="0" dirty="0">
+                <a:solidFill>
+                  <a:schemeClr val="tx1"/>
+                </a:solidFill>
+                <a:effectLst/>
+                <a:latin typeface="Anek Telugu SemiBold" pitchFamily="2" charset="0"/>
+                <a:cs typeface="Anek Telugu SemiBold" pitchFamily="2" charset="0"/>
+              </a:rPr>
+            </a:br>
+            <a:r>
+              <a:rPr lang="te-IN" sz="1050" i="0" dirty="0">
+                <a:solidFill>
+                  <a:schemeClr val="tx1"/>
+                </a:solidFill>
+                <a:effectLst/>
+                <a:latin typeface="Anek Telugu SemiBold" pitchFamily="2" charset="0"/>
+                <a:cs typeface="Anek Telugu SemiBold" pitchFamily="2" charset="0"/>
+              </a:rPr>
+              <a:t>నీ సన్నిధిలో నిర్దోషముతో </a:t>
+            </a:r>
+          </a:p>
+          <a:p>
+            <a:pPr algn="ctr">
               <a:lnSpc>
                 <a:spcPct val="150000"/>
               </a:lnSpc>
-              <a:spcBef>
-                <a:spcPts val="0"/>
-              </a:spcBef>
-              <a:spcAft>
-                <a:spcPts val="0"/>
-              </a:spcAft>
             </a:pPr>
-            <a:endParaRPr lang="te-IN" sz="1200" b="0" i="0" kern="1200" spc="0" baseline="0" dirty="0">
-              <a:ln>
-                <a:noFill/>
-              </a:ln>
-              <a:solidFill>
-                <a:srgbClr val="000000"/>
-              </a:solidFill>
-              <a:effectLst/>
-              <a:latin typeface="Anek Telugu SemiBold" pitchFamily="2" charset="0"/>
-              <a:ea typeface="+mn-ea"/>
-              <a:cs typeface="Anek Telugu SemiBold" pitchFamily="2" charset="0"/>
-            </a:endParaRPr>
-          </a:p>
-          <a:p>
-            <a:pPr marL="0" marR="0" indent="0" algn="ctr" rtl="0" eaLnBrk="1" fontAlgn="auto" latinLnBrk="0" hangingPunct="1">
+            <a:r>
+              <a:rPr lang="te-IN" sz="1050" i="0" dirty="0">
+                <a:solidFill>
+                  <a:schemeClr val="tx1"/>
+                </a:solidFill>
+                <a:effectLst/>
+                <a:latin typeface="Anek Telugu SemiBold" pitchFamily="2" charset="0"/>
+                <a:cs typeface="Anek Telugu SemiBold" pitchFamily="2" charset="0"/>
+              </a:rPr>
+              <a:t>నేను నడచెదను (2)</a:t>
+            </a:r>
+            <a:br>
+              <a:rPr lang="te-IN" sz="1050" i="0" dirty="0">
+                <a:solidFill>
+                  <a:schemeClr val="tx1"/>
+                </a:solidFill>
+                <a:effectLst/>
+                <a:latin typeface="Anek Telugu SemiBold" pitchFamily="2" charset="0"/>
+                <a:cs typeface="Anek Telugu SemiBold" pitchFamily="2" charset="0"/>
+              </a:rPr>
+            </a:br>
+            <a:r>
+              <a:rPr lang="te-IN" sz="1050" i="0" dirty="0">
+                <a:solidFill>
+                  <a:schemeClr val="tx1"/>
+                </a:solidFill>
+                <a:effectLst/>
+                <a:latin typeface="Anek Telugu SemiBold" pitchFamily="2" charset="0"/>
+                <a:cs typeface="Anek Telugu SemiBold" pitchFamily="2" charset="0"/>
+              </a:rPr>
+              <a:t>నీ కృపయే నాకు ఆధారం</a:t>
+            </a:r>
+            <a:br>
+              <a:rPr lang="te-IN" sz="1050" i="0" dirty="0">
+                <a:solidFill>
+                  <a:schemeClr val="tx1"/>
+                </a:solidFill>
+                <a:effectLst/>
+                <a:latin typeface="Anek Telugu SemiBold" pitchFamily="2" charset="0"/>
+                <a:cs typeface="Anek Telugu SemiBold" pitchFamily="2" charset="0"/>
+              </a:rPr>
+            </a:br>
+            <a:r>
+              <a:rPr lang="te-IN" sz="1050" i="0" dirty="0">
+                <a:solidFill>
+                  <a:schemeClr val="tx1"/>
+                </a:solidFill>
+                <a:effectLst/>
+                <a:latin typeface="Anek Telugu SemiBold" pitchFamily="2" charset="0"/>
+                <a:cs typeface="Anek Telugu SemiBold" pitchFamily="2" charset="0"/>
+              </a:rPr>
+              <a:t>      ఆ కృపయే నాకు ఆదరణ (2)       </a:t>
+            </a:r>
+          </a:p>
+          <a:p>
+            <a:pPr algn="ctr">
               <a:lnSpc>
                 <a:spcPct val="150000"/>
               </a:lnSpc>
-              <a:spcBef>
-                <a:spcPts val="0"/>
-              </a:spcBef>
-              <a:spcAft>
-                <a:spcPts val="0"/>
-              </a:spcAft>
             </a:pPr>
             <a:r>
-              <a:rPr lang="te-IN" sz="1200" b="0" i="0" kern="1200" spc="0" baseline="0" dirty="0">
-                <a:ln>
-                  <a:noFill/>
-                </a:ln>
-                <a:solidFill>
-                  <a:srgbClr val="000000"/>
-                </a:solidFill>
-                <a:effectLst/>
-                <a:latin typeface="Anek Telugu SemiBold" pitchFamily="2" charset="0"/>
-                <a:ea typeface="+mn-ea"/>
-                <a:cs typeface="Anek Telugu SemiBold" pitchFamily="2" charset="0"/>
-              </a:rPr>
-              <a:t>1. ఏలియా ప్రార్థింపగ పొందిన శక్తి</a:t>
-            </a:r>
-          </a:p>
-          <a:p>
-            <a:pPr marL="0" marR="0" indent="0" algn="ctr" rtl="0" eaLnBrk="1" fontAlgn="auto" latinLnBrk="0" hangingPunct="1">
+              <a:rPr lang="te-IN" sz="1050" i="0" dirty="0">
+                <a:solidFill>
+                  <a:schemeClr val="tx1"/>
+                </a:solidFill>
+                <a:effectLst/>
+                <a:latin typeface="Anek Telugu SemiBold" pitchFamily="2" charset="0"/>
+                <a:cs typeface="Anek Telugu SemiBold" pitchFamily="2" charset="0"/>
+              </a:rPr>
+              <a:t> </a:t>
+            </a:r>
+          </a:p>
+          <a:p>
+            <a:pPr algn="ctr">
               <a:lnSpc>
                 <a:spcPct val="150000"/>
               </a:lnSpc>
-              <a:spcBef>
-                <a:spcPts val="0"/>
-              </a:spcBef>
-              <a:spcAft>
-                <a:spcPts val="0"/>
-              </a:spcAft>
             </a:pPr>
             <a:r>
-              <a:rPr lang="te-IN" sz="1200" b="0" i="0" kern="1200" spc="0" baseline="0" dirty="0">
-                <a:ln>
-                  <a:noFill/>
-                </a:ln>
-                <a:solidFill>
-                  <a:srgbClr val="000000"/>
-                </a:solidFill>
-                <a:effectLst/>
-                <a:latin typeface="Anek Telugu SemiBold" pitchFamily="2" charset="0"/>
-                <a:ea typeface="+mn-ea"/>
-                <a:cs typeface="Anek Telugu SemiBold" pitchFamily="2" charset="0"/>
-              </a:rPr>
-              <a:t>నేను ప్రార్థింపగ దయచేయుమా (2)</a:t>
-            </a:r>
-          </a:p>
-          <a:p>
-            <a:pPr marL="0" marR="0" indent="0" algn="ctr" rtl="0" eaLnBrk="1" fontAlgn="auto" latinLnBrk="0" hangingPunct="1">
+              <a:rPr lang="en-IN" sz="1050" i="0" dirty="0">
+                <a:solidFill>
+                  <a:schemeClr val="tx1"/>
+                </a:solidFill>
+                <a:effectLst/>
+                <a:latin typeface="Anek Telugu SemiBold" pitchFamily="2" charset="0"/>
+                <a:cs typeface="Anek Telugu SemiBold" pitchFamily="2" charset="0"/>
+              </a:rPr>
+              <a:t>2. </a:t>
+            </a:r>
+            <a:r>
+              <a:rPr lang="te-IN" sz="1050" i="0" dirty="0">
+                <a:solidFill>
+                  <a:schemeClr val="tx1"/>
+                </a:solidFill>
+                <a:effectLst/>
+                <a:latin typeface="Anek Telugu SemiBold" pitchFamily="2" charset="0"/>
+                <a:cs typeface="Anek Telugu SemiBold" pitchFamily="2" charset="0"/>
+              </a:rPr>
+              <a:t>దీన దశలో నేన్నునప్పుడు </a:t>
+            </a:r>
+          </a:p>
+          <a:p>
+            <a:pPr algn="ctr">
               <a:lnSpc>
                 <a:spcPct val="150000"/>
               </a:lnSpc>
-              <a:spcBef>
-                <a:spcPts val="0"/>
-              </a:spcBef>
-              <a:spcAft>
-                <a:spcPts val="0"/>
-              </a:spcAft>
             </a:pPr>
             <a:r>
-              <a:rPr lang="te-IN" sz="1200" b="0" i="0" kern="1200" spc="0" baseline="0" dirty="0">
-                <a:ln>
-                  <a:noFill/>
-                </a:ln>
-                <a:solidFill>
-                  <a:srgbClr val="000000"/>
-                </a:solidFill>
-                <a:effectLst/>
-                <a:latin typeface="Anek Telugu SemiBold" pitchFamily="2" charset="0"/>
-                <a:ea typeface="+mn-ea"/>
-                <a:cs typeface="Anek Telugu SemiBold" pitchFamily="2" charset="0"/>
-              </a:rPr>
-              <a:t>ప్రార్థించి నిను చేరు భాగ్యమీయుమా (2)</a:t>
-            </a:r>
-          </a:p>
-          <a:p>
-            <a:pPr marL="0" marR="0" indent="0" algn="ctr" rtl="0" eaLnBrk="1" fontAlgn="auto" latinLnBrk="0" hangingPunct="1">
+              <a:rPr lang="te-IN" sz="1050" i="0" dirty="0">
+                <a:solidFill>
+                  <a:schemeClr val="tx1"/>
+                </a:solidFill>
+                <a:effectLst/>
+                <a:latin typeface="Anek Telugu SemiBold" pitchFamily="2" charset="0"/>
+                <a:cs typeface="Anek Telugu SemiBold" pitchFamily="2" charset="0"/>
+              </a:rPr>
+              <a:t>నను మరువనిది నీ కృప</a:t>
+            </a:r>
+            <a:br>
+              <a:rPr lang="te-IN" sz="1050" i="0" dirty="0">
+                <a:solidFill>
+                  <a:schemeClr val="tx1"/>
+                </a:solidFill>
+                <a:effectLst/>
+                <a:latin typeface="Anek Telugu SemiBold" pitchFamily="2" charset="0"/>
+                <a:cs typeface="Anek Telugu SemiBold" pitchFamily="2" charset="0"/>
+              </a:rPr>
+            </a:br>
+            <a:r>
+              <a:rPr lang="te-IN" sz="1050" i="0" dirty="0">
+                <a:solidFill>
+                  <a:schemeClr val="tx1"/>
+                </a:solidFill>
+                <a:effectLst/>
+                <a:latin typeface="Anek Telugu SemiBold" pitchFamily="2" charset="0"/>
+                <a:cs typeface="Anek Telugu SemiBold" pitchFamily="2" charset="0"/>
+              </a:rPr>
+              <a:t>నేనీ స్థితిలో ఉన్నానంటే </a:t>
+            </a:r>
+          </a:p>
+          <a:p>
+            <a:pPr algn="ctr">
               <a:lnSpc>
                 <a:spcPct val="150000"/>
               </a:lnSpc>
-              <a:spcBef>
-                <a:spcPts val="0"/>
-              </a:spcBef>
-              <a:spcAft>
-                <a:spcPts val="0"/>
-              </a:spcAft>
             </a:pPr>
             <a:r>
-              <a:rPr lang="te-IN" sz="1200" b="0" i="0" kern="1200" spc="0" baseline="0" dirty="0">
-                <a:ln>
-                  <a:noFill/>
-                </a:ln>
-                <a:solidFill>
-                  <a:srgbClr val="000000"/>
-                </a:solidFill>
-                <a:effectLst/>
-                <a:latin typeface="Anek Telugu SemiBold" pitchFamily="2" charset="0"/>
-                <a:ea typeface="+mn-ea"/>
-                <a:cs typeface="Anek Telugu SemiBold" pitchFamily="2" charset="0"/>
-              </a:rPr>
-              <a:t>నిరంతరం ప్రార్థింప కృపనీయుమా (2)  || ప్రార్థన ||</a:t>
-            </a:r>
-          </a:p>
-          <a:p>
-            <a:pPr marL="0" marR="0" indent="0" algn="ctr" rtl="0" eaLnBrk="1" fontAlgn="auto" latinLnBrk="0" hangingPunct="1">
-              <a:lnSpc>
-                <a:spcPct val="150000"/>
-              </a:lnSpc>
-              <a:spcBef>
-                <a:spcPts val="0"/>
-              </a:spcBef>
-              <a:spcAft>
-                <a:spcPts val="0"/>
-              </a:spcAft>
-            </a:pPr>
-            <a:endParaRPr lang="te-IN" sz="1200" b="0" i="0" kern="1200" spc="0" baseline="0" dirty="0">
-              <a:ln>
-                <a:noFill/>
-              </a:ln>
-              <a:solidFill>
-                <a:srgbClr val="000000"/>
-              </a:solidFill>
-              <a:effectLst/>
-              <a:latin typeface="Anek Telugu SemiBold" pitchFamily="2" charset="0"/>
-              <a:ea typeface="+mn-ea"/>
-              <a:cs typeface="Anek Telugu SemiBold" pitchFamily="2" charset="0"/>
-            </a:endParaRPr>
-          </a:p>
-          <a:p>
-            <a:pPr marL="0" marR="0" indent="0" algn="ctr" rtl="0" eaLnBrk="1" fontAlgn="auto" latinLnBrk="0" hangingPunct="1">
-              <a:lnSpc>
-                <a:spcPct val="150000"/>
-              </a:lnSpc>
-              <a:spcBef>
-                <a:spcPts val="0"/>
-              </a:spcBef>
-              <a:spcAft>
-                <a:spcPts val="0"/>
-              </a:spcAft>
-            </a:pPr>
-            <a:r>
-              <a:rPr lang="te-IN" sz="1200" b="0" i="0" kern="1200" spc="0" baseline="0" dirty="0">
-                <a:ln>
-                  <a:noFill/>
-                </a:ln>
-                <a:solidFill>
-                  <a:srgbClr val="000000"/>
-                </a:solidFill>
-                <a:effectLst/>
-                <a:latin typeface="Anek Telugu SemiBold" pitchFamily="2" charset="0"/>
-                <a:ea typeface="+mn-ea"/>
-                <a:cs typeface="Anek Telugu SemiBold" pitchFamily="2" charset="0"/>
-              </a:rPr>
-              <a:t>2. సింహాల గుహలోని దానియేలు శక్తి</a:t>
-            </a:r>
-          </a:p>
-          <a:p>
-            <a:pPr marL="0" marR="0" indent="0" algn="ctr" rtl="0" eaLnBrk="1" fontAlgn="auto" latinLnBrk="0" hangingPunct="1">
-              <a:lnSpc>
-                <a:spcPct val="150000"/>
-              </a:lnSpc>
-              <a:spcBef>
-                <a:spcPts val="0"/>
-              </a:spcBef>
-              <a:spcAft>
-                <a:spcPts val="0"/>
-              </a:spcAft>
-            </a:pPr>
-            <a:r>
-              <a:rPr lang="te-IN" sz="1200" b="0" i="0" kern="1200" spc="0" baseline="0" dirty="0">
-                <a:ln>
-                  <a:noFill/>
-                </a:ln>
-                <a:solidFill>
-                  <a:srgbClr val="000000"/>
-                </a:solidFill>
-                <a:effectLst/>
-                <a:latin typeface="Anek Telugu SemiBold" pitchFamily="2" charset="0"/>
-                <a:ea typeface="+mn-ea"/>
-                <a:cs typeface="Anek Telugu SemiBold" pitchFamily="2" charset="0"/>
-              </a:rPr>
-              <a:t>ఈ లోకంలో నాకు కావలయ్యా (2)</a:t>
-            </a:r>
-          </a:p>
-          <a:p>
-            <a:pPr marL="0" marR="0" indent="0" algn="ctr" rtl="0" eaLnBrk="1" fontAlgn="auto" latinLnBrk="0" hangingPunct="1">
-              <a:lnSpc>
-                <a:spcPct val="150000"/>
-              </a:lnSpc>
-              <a:spcBef>
-                <a:spcPts val="0"/>
-              </a:spcBef>
-              <a:spcAft>
-                <a:spcPts val="0"/>
-              </a:spcAft>
-            </a:pPr>
-            <a:r>
-              <a:rPr lang="te-IN" sz="1200" b="0" i="0" kern="1200" spc="0" baseline="0" dirty="0">
-                <a:ln>
-                  <a:noFill/>
-                </a:ln>
-                <a:solidFill>
-                  <a:srgbClr val="000000"/>
-                </a:solidFill>
-                <a:effectLst/>
-                <a:latin typeface="Anek Telugu SemiBold" pitchFamily="2" charset="0"/>
-                <a:ea typeface="+mn-ea"/>
-                <a:cs typeface="Anek Telugu SemiBold" pitchFamily="2" charset="0"/>
-              </a:rPr>
-              <a:t>నీతో నడిచే వరమీయుమా (2)</a:t>
-            </a:r>
-          </a:p>
-          <a:p>
-            <a:pPr marL="0" marR="0" indent="0" algn="ctr" rtl="0" eaLnBrk="1" fontAlgn="auto" latinLnBrk="0" hangingPunct="1">
-              <a:lnSpc>
-                <a:spcPct val="150000"/>
-              </a:lnSpc>
-              <a:spcBef>
-                <a:spcPts val="0"/>
-              </a:spcBef>
-              <a:spcAft>
-                <a:spcPts val="0"/>
-              </a:spcAft>
-            </a:pPr>
-            <a:r>
-              <a:rPr lang="te-IN" sz="1200" b="0" i="0" kern="1200" spc="0" baseline="0" dirty="0">
-                <a:ln>
-                  <a:noFill/>
-                </a:ln>
-                <a:solidFill>
-                  <a:srgbClr val="000000"/>
-                </a:solidFill>
-                <a:effectLst/>
-                <a:latin typeface="Anek Telugu SemiBold" pitchFamily="2" charset="0"/>
-                <a:ea typeface="+mn-ea"/>
-                <a:cs typeface="Anek Telugu SemiBold" pitchFamily="2" charset="0"/>
-              </a:rPr>
-              <a:t>నీ సిలువను మోసే కృపనీయుమా (2)   || ప్రార్థన ||</a:t>
+              <a:rPr lang="te-IN" sz="1050" i="0" dirty="0">
+                <a:solidFill>
+                  <a:schemeClr val="tx1"/>
+                </a:solidFill>
+                <a:effectLst/>
+                <a:latin typeface="Anek Telugu SemiBold" pitchFamily="2" charset="0"/>
+                <a:cs typeface="Anek Telugu SemiBold" pitchFamily="2" charset="0"/>
+              </a:rPr>
+              <a:t>కేవలం అది నీ కృప (2)</a:t>
+            </a:r>
+            <a:br>
+              <a:rPr lang="te-IN" sz="1050" i="0" dirty="0">
+                <a:solidFill>
+                  <a:schemeClr val="tx1"/>
+                </a:solidFill>
+                <a:effectLst/>
+                <a:latin typeface="Anek Telugu SemiBold" pitchFamily="2" charset="0"/>
+                <a:cs typeface="Anek Telugu SemiBold" pitchFamily="2" charset="0"/>
+              </a:rPr>
+            </a:br>
+            <a:r>
+              <a:rPr lang="te-IN" sz="1050" i="0" dirty="0">
+                <a:solidFill>
+                  <a:schemeClr val="tx1"/>
+                </a:solidFill>
+                <a:effectLst/>
+                <a:latin typeface="Anek Telugu SemiBold" pitchFamily="2" charset="0"/>
+                <a:cs typeface="Anek Telugu SemiBold" pitchFamily="2" charset="0"/>
+              </a:rPr>
+              <a:t>నీ కృపయే నాకు ఆధారం</a:t>
+            </a:r>
+            <a:br>
+              <a:rPr lang="te-IN" sz="1050" i="0" dirty="0">
+                <a:solidFill>
+                  <a:schemeClr val="tx1"/>
+                </a:solidFill>
+                <a:effectLst/>
+                <a:latin typeface="Anek Telugu SemiBold" pitchFamily="2" charset="0"/>
+                <a:cs typeface="Anek Telugu SemiBold" pitchFamily="2" charset="0"/>
+              </a:rPr>
+            </a:br>
+            <a:r>
+              <a:rPr lang="te-IN" sz="1050" i="0" dirty="0">
+                <a:solidFill>
+                  <a:schemeClr val="tx1"/>
+                </a:solidFill>
+                <a:effectLst/>
+                <a:latin typeface="Anek Telugu SemiBold" pitchFamily="2" charset="0"/>
+                <a:cs typeface="Anek Telugu SemiBold" pitchFamily="2" charset="0"/>
+              </a:rPr>
+              <a:t>      ఆ కృపయే నాకు ఆదరణ (2)</a:t>
             </a:r>
           </a:p>
         </p:txBody>
@@ -11763,7 +12218,7 @@
               </a:spcAft>
             </a:pPr>
             <a:r>
-              <a:rPr lang="te-IN" sz="1180" b="0" i="0" kern="1200" spc="0" baseline="0" dirty="0">
+              <a:rPr lang="te-IN" sz="1100" b="0" i="0" kern="1200" spc="0" baseline="0" dirty="0">
                 <a:ln>
                   <a:noFill/>
                 </a:ln>
@@ -11775,8 +12230,44 @@
                 <a:ea typeface="+mn-ea"/>
                 <a:cs typeface="Anek Telugu SemiBold" pitchFamily="2" charset="0"/>
               </a:rPr>
-              <a:t>నీతో గడిపే ప్రతి క్షణము</a:t>
-            </a:r>
+              <a:t>యేసే నా పరిహారి  ప్రియ యేసే నా పరిహారి</a:t>
+            </a:r>
+            <a:br>
+              <a:rPr lang="te-IN" sz="1100" b="0" i="0" kern="1200" spc="0" baseline="0" dirty="0">
+                <a:ln>
+                  <a:noFill/>
+                </a:ln>
+                <a:solidFill>
+                  <a:srgbClr val="000000"/>
+                </a:solidFill>
+                <a:effectLst/>
+                <a:latin typeface="Anek Telugu SemiBold" pitchFamily="2" charset="0"/>
+                <a:ea typeface="+mn-ea"/>
+                <a:cs typeface="Anek Telugu SemiBold" pitchFamily="2" charset="0"/>
+              </a:rPr>
+            </a:br>
+            <a:r>
+              <a:rPr lang="te-IN" sz="1100" b="0" i="0" kern="1200" spc="0" baseline="0" dirty="0">
+                <a:ln>
+                  <a:noFill/>
+                </a:ln>
+                <a:solidFill>
+                  <a:srgbClr val="000000"/>
+                </a:solidFill>
+                <a:effectLst/>
+                <a:latin typeface="Anek Telugu SemiBold" pitchFamily="2" charset="0"/>
+                <a:ea typeface="+mn-ea"/>
+                <a:cs typeface="Anek Telugu SemiBold" pitchFamily="2" charset="0"/>
+              </a:rPr>
+              <a:t>నా జీవిత కాలమెల్ల</a:t>
+            </a:r>
+            <a:endParaRPr lang="en-IN" sz="1100" dirty="0">
+              <a:solidFill>
+                <a:srgbClr val="000000"/>
+              </a:solidFill>
+              <a:latin typeface="Anek Telugu SemiBold" pitchFamily="2" charset="0"/>
+              <a:cs typeface="Anek Telugu SemiBold" pitchFamily="2" charset="0"/>
+            </a:endParaRPr>
           </a:p>
           <a:p>
             <a:pPr marL="0" marR="0" indent="0" algn="ctr" rtl="0" eaLnBrk="1" fontAlgn="auto" latinLnBrk="0" hangingPunct="1">
@@ -11791,7 +12282,7 @@
               </a:spcAft>
             </a:pPr>
             <a:r>
-              <a:rPr lang="te-IN" sz="1180" b="0" i="0" kern="1200" spc="0" baseline="0" dirty="0">
+              <a:rPr lang="te-IN" sz="1100" b="0" i="0" kern="1200" spc="0" baseline="0" dirty="0">
                 <a:ln>
                   <a:noFill/>
                 </a:ln>
@@ -11803,23 +12294,10 @@
                 <a:ea typeface="+mn-ea"/>
                 <a:cs typeface="Anek Telugu SemiBold" pitchFamily="2" charset="0"/>
               </a:rPr>
-              <a:t>ఆనంద బాష్పాలు ఆగవయ్యా (2)</a:t>
-            </a:r>
-          </a:p>
-          <a:p>
-            <a:pPr marL="0" marR="0" indent="0" algn="ctr" rtl="0" eaLnBrk="1" fontAlgn="auto" latinLnBrk="0" hangingPunct="1">
-              <a:lnSpc>
-                <a:spcPct val="150000"/>
-              </a:lnSpc>
-              <a:spcBef>
-                <a:spcPts val="0"/>
-              </a:spcBef>
-              <a:spcAft>
-                <a:spcPts val="0"/>
-              </a:spcAft>
-            </a:pPr>
-            <a:r>
-              <a:rPr lang="te-IN" sz="1180" b="0" i="0" kern="1200" spc="0" baseline="0" dirty="0">
+              <a:t>ప్రియ ప్రభువే నా పరిహారి (2</a:t>
+            </a:r>
+            <a:r>
+              <a:rPr lang="en-IN" sz="1100" b="0" i="0" kern="1200" spc="0" baseline="0" dirty="0">
                 <a:ln>
                   <a:noFill/>
                 </a:ln>
@@ -11831,78 +12309,9 @@
                 <a:ea typeface="+mn-ea"/>
                 <a:cs typeface="Anek Telugu SemiBold" pitchFamily="2" charset="0"/>
               </a:rPr>
-              <a:t>కృప తలంచగా మేళ్లు యోచించగా (2)</a:t>
-            </a:r>
-          </a:p>
-          <a:p>
-            <a:pPr marL="0" marR="0" indent="0" algn="ctr" rtl="0" eaLnBrk="1" fontAlgn="auto" latinLnBrk="0" hangingPunct="1">
-              <a:lnSpc>
-                <a:spcPct val="150000"/>
-              </a:lnSpc>
-              <a:spcBef>
-                <a:spcPts val="0"/>
-              </a:spcBef>
-              <a:spcAft>
-                <a:spcPts val="0"/>
-              </a:spcAft>
-            </a:pPr>
-            <a:r>
-              <a:rPr lang="te-IN" sz="1180" b="0" i="0" kern="1200" spc="0" baseline="0" dirty="0">
-                <a:ln>
-                  <a:noFill/>
-                </a:ln>
-                <a:solidFill>
-                  <a:srgbClr val="000000"/>
-                </a:solidFill>
-                <a:effectLst/>
-                <a:latin typeface="Anek Telugu SemiBold" pitchFamily="2" charset="0"/>
-                <a:ea typeface="+mn-ea"/>
-                <a:cs typeface="Anek Telugu SemiBold" pitchFamily="2" charset="0"/>
-              </a:rPr>
-              <a:t>నా గలమాగదు స్తుతించక – నిను కీర్తించక</a:t>
-            </a:r>
-          </a:p>
-          <a:p>
-            <a:pPr marL="0" marR="0" indent="0" algn="ctr" rtl="0" eaLnBrk="1" fontAlgn="auto" latinLnBrk="0" hangingPunct="1">
-              <a:lnSpc>
-                <a:spcPct val="150000"/>
-              </a:lnSpc>
-              <a:spcBef>
-                <a:spcPts val="0"/>
-              </a:spcBef>
-              <a:spcAft>
-                <a:spcPts val="0"/>
-              </a:spcAft>
-            </a:pPr>
-            <a:r>
-              <a:rPr lang="te-IN" sz="1180" b="0" i="0" kern="1200" spc="0" baseline="0" dirty="0">
-                <a:ln>
-                  <a:noFill/>
-                </a:ln>
-                <a:solidFill>
-                  <a:srgbClr val="000000"/>
-                </a:solidFill>
-                <a:effectLst/>
-                <a:latin typeface="Anek Telugu SemiBold" pitchFamily="2" charset="0"/>
-                <a:ea typeface="+mn-ea"/>
-                <a:cs typeface="Anek Telugu SemiBold" pitchFamily="2" charset="0"/>
-              </a:rPr>
-              <a:t>యేసయ్యా యేసయ్యా – నా యేసయ్యా (4)</a:t>
-            </a:r>
-          </a:p>
-          <a:p>
-            <a:pPr marL="0" marR="0" indent="0" algn="ctr" rtl="0" eaLnBrk="1" fontAlgn="auto" latinLnBrk="0" hangingPunct="1">
-              <a:lnSpc>
-                <a:spcPct val="150000"/>
-              </a:lnSpc>
-              <a:spcBef>
-                <a:spcPts val="0"/>
-              </a:spcBef>
-              <a:spcAft>
-                <a:spcPts val="0"/>
-              </a:spcAft>
-            </a:pPr>
-            <a:endParaRPr lang="te-IN" sz="1180" b="0" i="0" kern="1200" spc="0" baseline="0" dirty="0">
+              <a:t>)</a:t>
+            </a:r>
+            <a:endParaRPr lang="te-IN" sz="1100" b="0" i="0" kern="1200" spc="0" baseline="0" dirty="0">
               <a:ln>
                 <a:noFill/>
               </a:ln>
@@ -11927,119 +12336,7 @@
                 <a:spcPts val="0"/>
               </a:spcAft>
             </a:pPr>
-            <a:r>
-              <a:rPr lang="te-IN" sz="1180" b="0" i="0" kern="1200" spc="0" baseline="0" dirty="0">
-                <a:ln>
-                  <a:noFill/>
-                </a:ln>
-                <a:solidFill>
-                  <a:srgbClr val="000000"/>
-                </a:solidFill>
-                <a:effectLst/>
-                <a:latin typeface="Anek Telugu SemiBold" pitchFamily="2" charset="0"/>
-                <a:ea typeface="+mn-ea"/>
-                <a:cs typeface="Anek Telugu SemiBold" pitchFamily="2" charset="0"/>
-              </a:rPr>
-              <a:t>1. మారా వంటి నా జీవితాన్ని</a:t>
-            </a:r>
-          </a:p>
-          <a:p>
-            <a:pPr marL="0" marR="0" indent="0" algn="ctr" rtl="0" eaLnBrk="1" fontAlgn="auto" latinLnBrk="0" hangingPunct="1">
-              <a:lnSpc>
-                <a:spcPct val="150000"/>
-              </a:lnSpc>
-              <a:spcBef>
-                <a:spcPts val="0"/>
-              </a:spcBef>
-              <a:spcAft>
-                <a:spcPts val="0"/>
-              </a:spcAft>
-            </a:pPr>
-            <a:r>
-              <a:rPr lang="te-IN" sz="1180" b="0" i="0" kern="1200" spc="0" baseline="0" dirty="0">
-                <a:ln>
-                  <a:noFill/>
-                </a:ln>
-                <a:solidFill>
-                  <a:srgbClr val="000000"/>
-                </a:solidFill>
-                <a:effectLst/>
-                <a:latin typeface="Anek Telugu SemiBold" pitchFamily="2" charset="0"/>
-                <a:ea typeface="+mn-ea"/>
-                <a:cs typeface="Anek Telugu SemiBold" pitchFamily="2" charset="0"/>
-              </a:rPr>
-              <a:t>మధురముగా మార్చి ఘనపరచినావు (2)</a:t>
-            </a:r>
-          </a:p>
-          <a:p>
-            <a:pPr marL="0" marR="0" indent="0" algn="ctr" rtl="0" eaLnBrk="1" fontAlgn="auto" latinLnBrk="0" hangingPunct="1">
-              <a:lnSpc>
-                <a:spcPct val="150000"/>
-              </a:lnSpc>
-              <a:spcBef>
-                <a:spcPts val="0"/>
-              </a:spcBef>
-              <a:spcAft>
-                <a:spcPts val="0"/>
-              </a:spcAft>
-            </a:pPr>
-            <a:r>
-              <a:rPr lang="te-IN" sz="1180" b="0" i="0" kern="1200" spc="0" baseline="0" dirty="0">
-                <a:ln>
-                  <a:noFill/>
-                </a:ln>
-                <a:solidFill>
-                  <a:srgbClr val="000000"/>
-                </a:solidFill>
-                <a:effectLst/>
-                <a:latin typeface="Anek Telugu SemiBold" pitchFamily="2" charset="0"/>
-                <a:ea typeface="+mn-ea"/>
-                <a:cs typeface="Anek Telugu SemiBold" pitchFamily="2" charset="0"/>
-              </a:rPr>
-              <a:t>నా ప్రేమ చేత కాదు - నీవే నను ప్రేమించి (2)</a:t>
-            </a:r>
-          </a:p>
-          <a:p>
-            <a:pPr marL="0" marR="0" indent="0" algn="ctr" rtl="0" eaLnBrk="1" fontAlgn="auto" latinLnBrk="0" hangingPunct="1">
-              <a:lnSpc>
-                <a:spcPct val="150000"/>
-              </a:lnSpc>
-              <a:spcBef>
-                <a:spcPts val="0"/>
-              </a:spcBef>
-              <a:spcAft>
-                <a:spcPts val="0"/>
-              </a:spcAft>
-            </a:pPr>
-            <a:r>
-              <a:rPr lang="te-IN" sz="1180" b="0" i="0" kern="1200" spc="0" baseline="0" dirty="0">
-                <a:ln>
-                  <a:noFill/>
-                </a:ln>
-                <a:solidFill>
-                  <a:srgbClr val="000000"/>
-                </a:solidFill>
-                <a:effectLst/>
-                <a:latin typeface="Anek Telugu SemiBold" pitchFamily="2" charset="0"/>
-                <a:ea typeface="+mn-ea"/>
-                <a:cs typeface="Anek Telugu SemiBold" pitchFamily="2" charset="0"/>
-              </a:rPr>
-              <a:t>రక్తాన్ని చిందించి - నన్ను రక్షించావు (2)</a:t>
-            </a:r>
-          </a:p>
-          <a:p>
-            <a:pPr marL="0" marR="0" indent="0" algn="ctr" rtl="0" eaLnBrk="1" fontAlgn="auto" latinLnBrk="0" hangingPunct="1">
-              <a:lnSpc>
-                <a:spcPct val="150000"/>
-              </a:lnSpc>
-              <a:spcBef>
-                <a:spcPts val="0"/>
-              </a:spcBef>
-              <a:spcAft>
-                <a:spcPts val="0"/>
-              </a:spcAft>
-            </a:pPr>
-            <a:endParaRPr lang="te-IN" sz="1180" b="0" i="0" kern="1200" spc="0" baseline="0" dirty="0">
+            <a:endParaRPr lang="te-IN" sz="1100" b="0" i="0" kern="1200" spc="0" baseline="0" dirty="0">
               <a:ln>
                 <a:noFill/>
               </a:ln>
@@ -12065,7 +12362,7 @@
               </a:spcAft>
             </a:pPr>
             <a:r>
-              <a:rPr lang="te-IN" sz="1180" b="0" i="0" kern="1200" spc="0" baseline="0" dirty="0">
+              <a:rPr lang="te-IN" sz="1100" b="0" i="0" kern="1200" spc="0" baseline="0" dirty="0">
                 <a:ln>
                   <a:noFill/>
                 </a:ln>
@@ -12077,7 +12374,37 @@
                 <a:ea typeface="+mn-ea"/>
                 <a:cs typeface="Anek Telugu SemiBold" pitchFamily="2" charset="0"/>
               </a:rPr>
-              <a:t>2. గమ్యమే లేని ఓ బాటసారిని</a:t>
+              <a:t>     </a:t>
+            </a:r>
+            <a:r>
+              <a:rPr lang="en-IN" sz="1100" b="0" i="0" kern="1200" spc="0" baseline="0" dirty="0">
+                <a:ln>
+                  <a:noFill/>
+                </a:ln>
+                <a:solidFill>
+                  <a:srgbClr val="000000"/>
+                </a:solidFill>
+                <a:effectLst/>
+                <a:latin typeface="Anek Telugu SemiBold" pitchFamily="2" charset="0"/>
+                <a:ea typeface="+mn-ea"/>
+                <a:cs typeface="Anek Telugu SemiBold" pitchFamily="2" charset="0"/>
+              </a:rPr>
+              <a:t>1. </a:t>
+            </a:r>
+            <a:r>
+              <a:rPr lang="te-IN" sz="1100" b="0" i="0" kern="1200" spc="0" baseline="0" dirty="0">
+                <a:ln>
+                  <a:noFill/>
+                </a:ln>
+                <a:solidFill>
+                  <a:srgbClr val="000000"/>
+                </a:solidFill>
+                <a:effectLst/>
+                <a:latin typeface="Anek Telugu SemiBold" pitchFamily="2" charset="0"/>
+                <a:ea typeface="+mn-ea"/>
+                <a:cs typeface="Anek Telugu SemiBold" pitchFamily="2" charset="0"/>
+              </a:rPr>
+              <a:t>ఎన్ని కష్టాలు కలిగిననూ</a:t>
             </a:r>
           </a:p>
           <a:p>
@@ -12093,7 +12420,7 @@
               </a:spcAft>
             </a:pPr>
             <a:r>
-              <a:rPr lang="te-IN" sz="1180" b="0" i="0" kern="1200" spc="0" baseline="0" dirty="0">
+              <a:rPr lang="te-IN" sz="1100" b="0" i="0" kern="1200" spc="0" baseline="0" dirty="0">
                 <a:ln>
                   <a:noFill/>
                 </a:ln>
@@ -12105,7 +12432,7 @@
                 <a:ea typeface="+mn-ea"/>
                 <a:cs typeface="Anek Telugu SemiBold" pitchFamily="2" charset="0"/>
               </a:rPr>
-              <a:t>నీతో ఉన్నాను భయము లేదన్నావు (2)</a:t>
+              <a:t>నన్ను కృంగించె భాదలెన్నో</a:t>
             </a:r>
           </a:p>
           <a:p>
@@ -12121,7 +12448,7 @@
               </a:spcAft>
             </a:pPr>
             <a:r>
-              <a:rPr lang="te-IN" sz="1180" b="0" i="0" kern="1200" spc="0" baseline="0" dirty="0">
+              <a:rPr lang="te-IN" sz="1100" b="0" i="0" kern="1200" spc="0" baseline="0" dirty="0">
                 <a:ln>
                   <a:noFill/>
                 </a:ln>
@@ -12133,7 +12460,7 @@
                 <a:ea typeface="+mn-ea"/>
                 <a:cs typeface="Anek Telugu SemiBold" pitchFamily="2" charset="0"/>
               </a:rPr>
-              <a:t>నా శక్తి చేత కాదు - నీ ఆత్మ ద్వారానే (2)</a:t>
+              <a:t>ఎన్ని నష్టాలు వాటిల్లినా </a:t>
             </a:r>
           </a:p>
           <a:p>
@@ -12149,7 +12476,7 @@
               </a:spcAft>
             </a:pPr>
             <a:r>
-              <a:rPr lang="te-IN" sz="1180" b="0" i="0" kern="1200" spc="0" baseline="0" dirty="0">
+              <a:rPr lang="te-IN" sz="1100" b="0" i="0" kern="1200" spc="0" baseline="0" dirty="0">
                 <a:ln>
                   <a:noFill/>
                 </a:ln>
@@ -12161,7 +12488,314 @@
                 <a:ea typeface="+mn-ea"/>
                 <a:cs typeface="Anek Telugu SemiBold" pitchFamily="2" charset="0"/>
               </a:rPr>
-              <a:t>వాగ్ధానము నెరవేర్చి - వారసుని చేసావు (2)</a:t>
+              <a:t>             ప్రియ ప్రభువే నా పరిహారి (2)        </a:t>
+            </a:r>
+          </a:p>
+          <a:p>
+            <a:pPr marL="0" marR="0" indent="0" algn="ctr" rtl="0" eaLnBrk="1" fontAlgn="auto" latinLnBrk="0" hangingPunct="1">
+              <a:lnSpc>
+                <a:spcPct val="150000"/>
+              </a:lnSpc>
+              <a:spcBef>
+                <a:spcPts val="0"/>
+              </a:spcBef>
+              <a:spcAft>
+                <a:spcPts val="0"/>
+              </a:spcAft>
+            </a:pPr>
+            <a:endParaRPr lang="te-IN" sz="1100" b="0" i="0" kern="1200" spc="0" baseline="0" dirty="0">
+              <a:ln>
+                <a:noFill/>
+              </a:ln>
+              <a:solidFill>
+                <a:srgbClr val="000000"/>
+              </a:solidFill>
+              <a:effectLst/>
+              <a:latin typeface="Anek Telugu SemiBold" pitchFamily="2" charset="0"/>
+              <a:ea typeface="+mn-ea"/>
+              <a:cs typeface="Anek Telugu SemiBold" pitchFamily="2" charset="0"/>
+            </a:endParaRPr>
+          </a:p>
+          <a:p>
+            <a:pPr marL="0" marR="0" indent="0" algn="ctr" rtl="0" eaLnBrk="1" fontAlgn="auto" latinLnBrk="0" hangingPunct="1">
+              <a:lnSpc>
+                <a:spcPct val="150000"/>
+              </a:lnSpc>
+              <a:spcBef>
+                <a:spcPts val="0"/>
+              </a:spcBef>
+              <a:spcAft>
+                <a:spcPts val="0"/>
+              </a:spcAft>
+            </a:pPr>
+            <a:r>
+              <a:rPr lang="en-IN" sz="1100" b="0" i="0" kern="1200" spc="0" baseline="0" dirty="0">
+                <a:ln>
+                  <a:noFill/>
+                </a:ln>
+                <a:solidFill>
+                  <a:srgbClr val="000000"/>
+                </a:solidFill>
+                <a:effectLst/>
+                <a:latin typeface="Anek Telugu SemiBold" pitchFamily="2" charset="0"/>
+                <a:ea typeface="+mn-ea"/>
+                <a:cs typeface="Anek Telugu SemiBold" pitchFamily="2" charset="0"/>
+              </a:rPr>
+              <a:t>2. </a:t>
+            </a:r>
+            <a:r>
+              <a:rPr lang="te-IN" sz="1100" b="0" i="0" kern="1200" spc="0" baseline="0" dirty="0">
+                <a:ln>
+                  <a:noFill/>
+                </a:ln>
+                <a:solidFill>
+                  <a:srgbClr val="000000"/>
+                </a:solidFill>
+                <a:effectLst/>
+                <a:latin typeface="Anek Telugu SemiBold" pitchFamily="2" charset="0"/>
+                <a:ea typeface="+mn-ea"/>
+                <a:cs typeface="Anek Telugu SemiBold" pitchFamily="2" charset="0"/>
+              </a:rPr>
+              <a:t>నన్ను సాతాను వెంబడించినా</a:t>
+            </a:r>
+          </a:p>
+          <a:p>
+            <a:pPr marL="0" marR="0" indent="0" algn="ctr" rtl="0" eaLnBrk="1" fontAlgn="auto" latinLnBrk="0" hangingPunct="1">
+              <a:lnSpc>
+                <a:spcPct val="150000"/>
+              </a:lnSpc>
+              <a:spcBef>
+                <a:spcPts val="0"/>
+              </a:spcBef>
+              <a:spcAft>
+                <a:spcPts val="0"/>
+              </a:spcAft>
+            </a:pPr>
+            <a:r>
+              <a:rPr lang="te-IN" sz="1100" b="0" i="0" kern="1200" spc="0" baseline="0" dirty="0">
+                <a:ln>
+                  <a:noFill/>
+                </a:ln>
+                <a:solidFill>
+                  <a:srgbClr val="000000"/>
+                </a:solidFill>
+                <a:effectLst/>
+                <a:latin typeface="Anek Telugu SemiBold" pitchFamily="2" charset="0"/>
+                <a:ea typeface="+mn-ea"/>
+                <a:cs typeface="Anek Telugu SemiBold" pitchFamily="2" charset="0"/>
+              </a:rPr>
+              <a:t>నన్ను శత్రువు ఎదిరించినా (2)</a:t>
+            </a:r>
+            <a:br>
+              <a:rPr lang="te-IN" sz="1100" b="0" i="0" kern="1200" spc="0" baseline="0" dirty="0">
+                <a:ln>
+                  <a:noFill/>
+                </a:ln>
+                <a:solidFill>
+                  <a:srgbClr val="000000"/>
+                </a:solidFill>
+                <a:effectLst/>
+                <a:latin typeface="Anek Telugu SemiBold" pitchFamily="2" charset="0"/>
+                <a:ea typeface="+mn-ea"/>
+                <a:cs typeface="Anek Telugu SemiBold" pitchFamily="2" charset="0"/>
+              </a:rPr>
+            </a:br>
+            <a:r>
+              <a:rPr lang="te-IN" sz="1100" b="0" i="0" kern="1200" spc="0" baseline="0" dirty="0">
+                <a:ln>
+                  <a:noFill/>
+                </a:ln>
+                <a:solidFill>
+                  <a:srgbClr val="000000"/>
+                </a:solidFill>
+                <a:effectLst/>
+                <a:latin typeface="Anek Telugu SemiBold" pitchFamily="2" charset="0"/>
+                <a:ea typeface="+mn-ea"/>
+                <a:cs typeface="Anek Telugu SemiBold" pitchFamily="2" charset="0"/>
+              </a:rPr>
+              <a:t>పలు నిందలు నను చుట్టినా</a:t>
+            </a:r>
+          </a:p>
+          <a:p>
+            <a:pPr marL="0" marR="0" indent="0" algn="ctr" rtl="0" eaLnBrk="1" fontAlgn="auto" latinLnBrk="0" hangingPunct="1">
+              <a:lnSpc>
+                <a:spcPct val="150000"/>
+              </a:lnSpc>
+              <a:spcBef>
+                <a:spcPts val="0"/>
+              </a:spcBef>
+              <a:spcAft>
+                <a:spcPts val="0"/>
+              </a:spcAft>
+            </a:pPr>
+            <a:r>
+              <a:rPr lang="te-IN" sz="1100" b="0" i="0" kern="1200" spc="0" baseline="0" dirty="0">
+                <a:ln>
+                  <a:noFill/>
+                </a:ln>
+                <a:solidFill>
+                  <a:srgbClr val="000000"/>
+                </a:solidFill>
+                <a:effectLst/>
+                <a:latin typeface="Anek Telugu SemiBold" pitchFamily="2" charset="0"/>
+                <a:ea typeface="+mn-ea"/>
+                <a:cs typeface="Anek Telugu SemiBold" pitchFamily="2" charset="0"/>
+              </a:rPr>
+              <a:t>             ప్రియ ప్రభువే నా పరిహారి (2)          </a:t>
+            </a:r>
+          </a:p>
+          <a:p>
+            <a:pPr marL="0" marR="0" indent="0" algn="ctr" rtl="0" eaLnBrk="1" fontAlgn="auto" latinLnBrk="0" hangingPunct="1">
+              <a:lnSpc>
+                <a:spcPct val="150000"/>
+              </a:lnSpc>
+              <a:spcBef>
+                <a:spcPts val="0"/>
+              </a:spcBef>
+              <a:spcAft>
+                <a:spcPts val="0"/>
+              </a:spcAft>
+            </a:pPr>
+            <a:endParaRPr lang="te-IN" sz="1100" b="0" i="0" kern="1200" spc="0" baseline="0" dirty="0">
+              <a:ln>
+                <a:noFill/>
+              </a:ln>
+              <a:solidFill>
+                <a:srgbClr val="000000"/>
+              </a:solidFill>
+              <a:effectLst/>
+              <a:latin typeface="Anek Telugu SemiBold" pitchFamily="2" charset="0"/>
+              <a:ea typeface="+mn-ea"/>
+              <a:cs typeface="Anek Telugu SemiBold" pitchFamily="2" charset="0"/>
+            </a:endParaRPr>
+          </a:p>
+          <a:p>
+            <a:pPr marL="0" marR="0" indent="0" algn="ctr" rtl="0" eaLnBrk="1" fontAlgn="auto" latinLnBrk="0" hangingPunct="1">
+              <a:lnSpc>
+                <a:spcPct val="150000"/>
+              </a:lnSpc>
+              <a:spcBef>
+                <a:spcPts val="0"/>
+              </a:spcBef>
+              <a:spcAft>
+                <a:spcPts val="0"/>
+              </a:spcAft>
+            </a:pPr>
+            <a:r>
+              <a:rPr lang="en-IN" sz="1100" b="0" i="0" kern="1200" spc="0" baseline="0" dirty="0">
+                <a:ln>
+                  <a:noFill/>
+                </a:ln>
+                <a:solidFill>
+                  <a:srgbClr val="000000"/>
+                </a:solidFill>
+                <a:effectLst/>
+                <a:latin typeface="Anek Telugu SemiBold" pitchFamily="2" charset="0"/>
+                <a:ea typeface="+mn-ea"/>
+                <a:cs typeface="Anek Telugu SemiBold" pitchFamily="2" charset="0"/>
+              </a:rPr>
+              <a:t>3. </a:t>
+            </a:r>
+            <a:r>
+              <a:rPr lang="te-IN" sz="1100" b="0" i="0" kern="1200" spc="0" baseline="0" dirty="0">
+                <a:ln>
+                  <a:noFill/>
+                </a:ln>
+                <a:solidFill>
+                  <a:srgbClr val="000000"/>
+                </a:solidFill>
+                <a:effectLst/>
+                <a:latin typeface="Anek Telugu SemiBold" pitchFamily="2" charset="0"/>
+                <a:ea typeface="+mn-ea"/>
+                <a:cs typeface="Anek Telugu SemiBold" pitchFamily="2" charset="0"/>
+              </a:rPr>
+              <a:t>మణి మాన్యాలు లేకున్ననూ</a:t>
+            </a:r>
+          </a:p>
+          <a:p>
+            <a:pPr marL="0" marR="0" indent="0" algn="ctr" rtl="0" eaLnBrk="1" fontAlgn="auto" latinLnBrk="0" hangingPunct="1">
+              <a:lnSpc>
+                <a:spcPct val="150000"/>
+              </a:lnSpc>
+              <a:spcBef>
+                <a:spcPts val="0"/>
+              </a:spcBef>
+              <a:spcAft>
+                <a:spcPts val="0"/>
+              </a:spcAft>
+            </a:pPr>
+            <a:r>
+              <a:rPr lang="te-IN" sz="1100" b="0" i="0" kern="1200" spc="0" baseline="0" dirty="0">
+                <a:ln>
+                  <a:noFill/>
+                </a:ln>
+                <a:solidFill>
+                  <a:srgbClr val="000000"/>
+                </a:solidFill>
+                <a:effectLst/>
+                <a:latin typeface="Anek Telugu SemiBold" pitchFamily="2" charset="0"/>
+                <a:ea typeface="+mn-ea"/>
+                <a:cs typeface="Anek Telugu SemiBold" pitchFamily="2" charset="0"/>
+              </a:rPr>
+              <a:t>పలు వేదనలు వేధించినా (2)</a:t>
+            </a:r>
+            <a:br>
+              <a:rPr lang="te-IN" sz="1100" b="0" i="0" kern="1200" spc="0" baseline="0" dirty="0">
+                <a:ln>
+                  <a:noFill/>
+                </a:ln>
+                <a:solidFill>
+                  <a:srgbClr val="000000"/>
+                </a:solidFill>
+                <a:effectLst/>
+                <a:latin typeface="Anek Telugu SemiBold" pitchFamily="2" charset="0"/>
+                <a:ea typeface="+mn-ea"/>
+                <a:cs typeface="Anek Telugu SemiBold" pitchFamily="2" charset="0"/>
+              </a:rPr>
+            </a:br>
+            <a:r>
+              <a:rPr lang="te-IN" sz="1100" b="0" i="0" kern="1200" spc="0" baseline="0" dirty="0">
+                <a:ln>
+                  <a:noFill/>
+                </a:ln>
+                <a:solidFill>
+                  <a:srgbClr val="000000"/>
+                </a:solidFill>
+                <a:effectLst/>
+                <a:latin typeface="Anek Telugu SemiBold" pitchFamily="2" charset="0"/>
+                <a:ea typeface="+mn-ea"/>
+                <a:cs typeface="Anek Telugu SemiBold" pitchFamily="2" charset="0"/>
+              </a:rPr>
+              <a:t>నరులెల్లరు నను విడచినా</a:t>
+            </a:r>
+            <a:br>
+              <a:rPr lang="te-IN" sz="1100" b="0" i="0" kern="1200" spc="0" baseline="0" dirty="0">
+                <a:ln>
+                  <a:noFill/>
+                </a:ln>
+                <a:solidFill>
+                  <a:srgbClr val="000000"/>
+                </a:solidFill>
+                <a:effectLst/>
+                <a:latin typeface="Anek Telugu SemiBold" pitchFamily="2" charset="0"/>
+                <a:ea typeface="+mn-ea"/>
+                <a:cs typeface="Anek Telugu SemiBold" pitchFamily="2" charset="0"/>
+              </a:rPr>
+            </a:br>
+            <a:r>
+              <a:rPr lang="te-IN" sz="1100" b="0" i="0" kern="1200" spc="0" baseline="0" dirty="0">
+                <a:ln>
+                  <a:noFill/>
+                </a:ln>
+                <a:solidFill>
+                  <a:srgbClr val="000000"/>
+                </a:solidFill>
+                <a:effectLst/>
+                <a:latin typeface="Anek Telugu SemiBold" pitchFamily="2" charset="0"/>
+                <a:ea typeface="+mn-ea"/>
+                <a:cs typeface="Anek Telugu SemiBold" pitchFamily="2" charset="0"/>
+              </a:rPr>
+              <a:t>ప్రియ ప్రభువే నా పరిహారి (2)</a:t>
             </a:r>
           </a:p>
         </p:txBody>
@@ -12219,7 +12853,7 @@
               </a:lnSpc>
             </a:pPr>
             <a:r>
-              <a:rPr lang="te-IN" sz="1200" i="0" dirty="0">
+              <a:rPr lang="te-IN" sz="1100" i="0" dirty="0">
                 <a:solidFill>
                   <a:schemeClr val="tx1"/>
                 </a:solidFill>
@@ -12227,7 +12861,7 @@
                 <a:latin typeface="Anek Telugu SemiBold" pitchFamily="2" charset="0"/>
                 <a:cs typeface="Anek Telugu SemiBold" pitchFamily="2" charset="0"/>
               </a:rPr>
-              <a:t>ప్రేమించెదన్ అధికముగా</a:t>
+              <a:t>రాజా నీ సన్నిధిలోనే ఉంటానయ్య</a:t>
             </a:r>
           </a:p>
           <a:p>
@@ -12237,7 +12871,7 @@
               </a:lnSpc>
             </a:pPr>
             <a:r>
-              <a:rPr lang="te-IN" sz="1200" i="0" dirty="0">
+              <a:rPr lang="te-IN" sz="1100" i="0" dirty="0">
                 <a:solidFill>
                   <a:schemeClr val="tx1"/>
                 </a:solidFill>
@@ -12245,7 +12879,7 @@
                 <a:latin typeface="Anek Telugu SemiBold" pitchFamily="2" charset="0"/>
                 <a:cs typeface="Anek Telugu SemiBold" pitchFamily="2" charset="0"/>
               </a:rPr>
-              <a:t>ఆరాధింతున్ ఆసక్తితో (2)</a:t>
+              <a:t>మనసారా ఆరాధిస్తు బ్రతికేస్తానయ్య</a:t>
             </a:r>
           </a:p>
           <a:p>
@@ -12255,7 +12889,7 @@
               </a:lnSpc>
             </a:pPr>
             <a:r>
-              <a:rPr lang="te-IN" sz="1200" i="0" dirty="0">
+              <a:rPr lang="te-IN" sz="1100" i="0" dirty="0">
                 <a:solidFill>
                   <a:schemeClr val="tx1"/>
                 </a:solidFill>
@@ -12263,7 +12897,7 @@
                 <a:latin typeface="Anek Telugu SemiBold" pitchFamily="2" charset="0"/>
                 <a:cs typeface="Anek Telugu SemiBold" pitchFamily="2" charset="0"/>
               </a:rPr>
-              <a:t>నిన్ను పూర్ణ మనసుతో ఆరాధింతున్</a:t>
+              <a:t>నేనుండలేనయ్య నే బ్రతుకలేనయ్య</a:t>
             </a:r>
           </a:p>
           <a:p>
@@ -12273,7 +12907,7 @@
               </a:lnSpc>
             </a:pPr>
             <a:r>
-              <a:rPr lang="te-IN" sz="1200" i="0" dirty="0">
+              <a:rPr lang="te-IN" sz="1100" i="0" dirty="0">
                 <a:solidFill>
                   <a:schemeClr val="tx1"/>
                 </a:solidFill>
@@ -12281,7 +12915,7 @@
                 <a:latin typeface="Anek Telugu SemiBold" pitchFamily="2" charset="0"/>
                 <a:cs typeface="Anek Telugu SemiBold" pitchFamily="2" charset="0"/>
               </a:rPr>
-              <a:t>పూర్ణ బలముతో ప్రేమించెదన్</a:t>
+              <a:t>నీవే లేకుండా నేనుండలేనయ్య</a:t>
             </a:r>
           </a:p>
           <a:p>
@@ -12291,7 +12925,7 @@
               </a:lnSpc>
             </a:pPr>
             <a:r>
-              <a:rPr lang="te-IN" sz="1200" i="0" dirty="0">
+              <a:rPr lang="te-IN" sz="1100" i="0" dirty="0">
                 <a:solidFill>
                   <a:schemeClr val="tx1"/>
                 </a:solidFill>
@@ -12299,7 +12933,7 @@
                 <a:latin typeface="Anek Telugu SemiBold" pitchFamily="2" charset="0"/>
                 <a:cs typeface="Anek Telugu SemiBold" pitchFamily="2" charset="0"/>
               </a:rPr>
-              <a:t>ఆరాధన ఆరాధనా ఆ.. ఆ.. </a:t>
+              <a:t>నీ తోడే లేకుండా నే బ్రతుకలేనయ్య</a:t>
             </a:r>
           </a:p>
           <a:p>
@@ -12308,25 +12942,7 @@
                 <a:spcPct val="150000"/>
               </a:lnSpc>
             </a:pPr>
-            <a:r>
-              <a:rPr lang="te-IN" sz="1200" i="0" dirty="0">
-                <a:solidFill>
-                  <a:schemeClr val="tx1"/>
-                </a:solidFill>
-                <a:effectLst/>
-                <a:latin typeface="Anek Telugu SemiBold" pitchFamily="2" charset="0"/>
-                <a:cs typeface="Anek Telugu SemiBold" pitchFamily="2" charset="0"/>
-              </a:rPr>
-              <a:t>ఆరాధన ఆరాధనా (2)</a:t>
-            </a:r>
-          </a:p>
-          <a:p>
-            <a:pPr algn="ctr">
-              <a:lnSpc>
-                <a:spcPct val="150000"/>
-              </a:lnSpc>
-            </a:pPr>
-            <a:endParaRPr lang="te-IN" sz="1200" i="0" dirty="0">
+            <a:endParaRPr lang="te-IN" sz="1100" i="0" dirty="0">
               <a:solidFill>
                 <a:schemeClr val="tx1"/>
               </a:solidFill>
@@ -12342,7 +12958,7 @@
               </a:lnSpc>
             </a:pPr>
             <a:r>
-              <a:rPr lang="te-IN" sz="1200" i="0" dirty="0">
+              <a:rPr lang="en-IN" sz="1100" i="0" dirty="0">
                 <a:solidFill>
                   <a:schemeClr val="tx1"/>
                 </a:solidFill>
@@ -12350,7 +12966,18 @@
                 <a:latin typeface="Anek Telugu SemiBold" pitchFamily="2" charset="0"/>
                 <a:cs typeface="Anek Telugu SemiBold" pitchFamily="2" charset="0"/>
               </a:rPr>
-              <a:t>1. ఎబినేజరే ఎబినేజరే</a:t>
+              <a:t>1. </a:t>
+            </a:r>
+            <a:r>
+              <a:rPr lang="te-IN" sz="1100" i="0" dirty="0">
+                <a:solidFill>
+                  <a:schemeClr val="tx1"/>
+                </a:solidFill>
+                <a:effectLst/>
+                <a:latin typeface="Anek Telugu SemiBold" pitchFamily="2" charset="0"/>
+                <a:cs typeface="Anek Telugu SemiBold" pitchFamily="2" charset="0"/>
+              </a:rPr>
+              <a:t>నీ సన్నిధానములో సంపూర్ణ సంతోషం</a:t>
             </a:r>
           </a:p>
           <a:p>
@@ -12360,7 +12987,7 @@
               </a:lnSpc>
             </a:pPr>
             <a:r>
-              <a:rPr lang="te-IN" sz="1200" i="0" dirty="0">
+              <a:rPr lang="te-IN" sz="1100" i="0" dirty="0">
                 <a:solidFill>
                   <a:schemeClr val="tx1"/>
                 </a:solidFill>
@@ -12368,7 +12995,7 @@
                 <a:latin typeface="Anek Telugu SemiBold" pitchFamily="2" charset="0"/>
                 <a:cs typeface="Anek Telugu SemiBold" pitchFamily="2" charset="0"/>
               </a:rPr>
-              <a:t>ఇంత వరకు ఆదుకొన్నావే (2)</a:t>
+              <a:t>ఆరాధించుకొనే విలువైన అవకాశం</a:t>
             </a:r>
           </a:p>
           <a:p>
@@ -12378,7 +13005,7 @@
               </a:lnSpc>
             </a:pPr>
             <a:r>
-              <a:rPr lang="te-IN" sz="1200" i="0" dirty="0">
+              <a:rPr lang="te-IN" sz="1100" i="0" dirty="0">
                 <a:solidFill>
                   <a:schemeClr val="tx1"/>
                 </a:solidFill>
@@ -12386,7 +13013,7 @@
                 <a:latin typeface="Anek Telugu SemiBold" pitchFamily="2" charset="0"/>
                 <a:cs typeface="Anek Telugu SemiBold" pitchFamily="2" charset="0"/>
               </a:rPr>
-              <a:t>నన్ను ఇంత వరకు ఆదుకొన్నావే</a:t>
+              <a:t>కోల్పోయినవన్ని నాకు ఇచ్చుటకును</a:t>
             </a:r>
           </a:p>
           <a:p>
@@ -12395,7 +13022,43 @@
                 <a:spcPct val="150000"/>
               </a:lnSpc>
             </a:pPr>
-            <a:endParaRPr lang="te-IN" sz="1200" i="0" dirty="0">
+            <a:r>
+              <a:rPr lang="te-IN" sz="1100" i="0" dirty="0">
+                <a:solidFill>
+                  <a:schemeClr val="tx1"/>
+                </a:solidFill>
+                <a:effectLst/>
+                <a:latin typeface="Anek Telugu SemiBold" pitchFamily="2" charset="0"/>
+                <a:cs typeface="Anek Telugu SemiBold" pitchFamily="2" charset="0"/>
+              </a:rPr>
+              <a:t>బాధల నుండి బ్రతికించుటకును</a:t>
+            </a:r>
+          </a:p>
+          <a:p>
+            <a:pPr algn="ctr">
+              <a:lnSpc>
+                <a:spcPct val="150000"/>
+              </a:lnSpc>
+            </a:pPr>
+            <a:r>
+              <a:rPr lang="te-IN" sz="1100" i="0" dirty="0">
+                <a:solidFill>
+                  <a:schemeClr val="tx1"/>
+                </a:solidFill>
+                <a:effectLst/>
+                <a:latin typeface="Anek Telugu SemiBold" pitchFamily="2" charset="0"/>
+                <a:cs typeface="Anek Telugu SemiBold" pitchFamily="2" charset="0"/>
+              </a:rPr>
+              <a:t>నీవే రాకపోతే నేనేమైపోదునో</a:t>
+            </a:r>
+          </a:p>
+          <a:p>
+            <a:pPr algn="ctr">
+              <a:lnSpc>
+                <a:spcPct val="150000"/>
+              </a:lnSpc>
+            </a:pPr>
+            <a:endParaRPr lang="te-IN" sz="1100" i="0" dirty="0">
               <a:solidFill>
                 <a:schemeClr val="tx1"/>
               </a:solidFill>
@@ -12411,7 +13074,7 @@
               </a:lnSpc>
             </a:pPr>
             <a:r>
-              <a:rPr lang="te-IN" sz="1200" i="0" dirty="0">
+              <a:rPr lang="en-IN" sz="1100" i="0" dirty="0">
                 <a:solidFill>
                   <a:schemeClr val="tx1"/>
                 </a:solidFill>
@@ -12419,7 +13082,18 @@
                 <a:latin typeface="Anek Telugu SemiBold" pitchFamily="2" charset="0"/>
                 <a:cs typeface="Anek Telugu SemiBold" pitchFamily="2" charset="0"/>
               </a:rPr>
-              <a:t>2. ఎల్రోహి ఎల్రోహి</a:t>
+              <a:t>2. </a:t>
+            </a:r>
+            <a:r>
+              <a:rPr lang="te-IN" sz="1100" i="0" dirty="0">
+                <a:solidFill>
+                  <a:schemeClr val="tx1"/>
+                </a:solidFill>
+                <a:effectLst/>
+                <a:latin typeface="Anek Telugu SemiBold" pitchFamily="2" charset="0"/>
+                <a:cs typeface="Anek Telugu SemiBold" pitchFamily="2" charset="0"/>
+              </a:rPr>
+              <a:t>ఒంటరి పోరు నన్ను విసిగించిన</a:t>
             </a:r>
           </a:p>
           <a:p>
@@ -12429,7 +13103,7 @@
               </a:lnSpc>
             </a:pPr>
             <a:r>
-              <a:rPr lang="te-IN" sz="1200" i="0" dirty="0">
+              <a:rPr lang="te-IN" sz="1100" i="0" dirty="0">
                 <a:solidFill>
                   <a:schemeClr val="tx1"/>
                 </a:solidFill>
@@ -12437,7 +13111,7 @@
                 <a:latin typeface="Anek Telugu SemiBold" pitchFamily="2" charset="0"/>
                 <a:cs typeface="Anek Telugu SemiBold" pitchFamily="2" charset="0"/>
               </a:rPr>
-              <a:t>నన్ను చూచావే వందనమయ్యా (2)</a:t>
+              <a:t>మనుషులెల్లరు నన్ను తప్పుపట్టినా</a:t>
             </a:r>
           </a:p>
           <a:p>
@@ -12447,7 +13121,7 @@
               </a:lnSpc>
             </a:pPr>
             <a:r>
-              <a:rPr lang="te-IN" sz="1200" i="0" dirty="0">
+              <a:rPr lang="te-IN" sz="1100" i="0" dirty="0">
                 <a:solidFill>
                   <a:schemeClr val="tx1"/>
                 </a:solidFill>
@@ -12455,7 +13129,43 @@
                 <a:latin typeface="Anek Telugu SemiBold" pitchFamily="2" charset="0"/>
                 <a:cs typeface="Anek Telugu SemiBold" pitchFamily="2" charset="0"/>
               </a:rPr>
-              <a:t>నన్ను చూచావే వందనమయ్యా</a:t>
+              <a:t>ఒంటరివాడే వేయి మంది అన్నావు</a:t>
+            </a:r>
+          </a:p>
+          <a:p>
+            <a:pPr algn="ctr">
+              <a:lnSpc>
+                <a:spcPct val="150000"/>
+              </a:lnSpc>
+            </a:pPr>
+            <a:r>
+              <a:rPr lang="te-IN" sz="1100" i="0" dirty="0">
+                <a:solidFill>
+                  <a:schemeClr val="tx1"/>
+                </a:solidFill>
+                <a:effectLst/>
+                <a:latin typeface="Anek Telugu SemiBold" pitchFamily="2" charset="0"/>
+                <a:cs typeface="Anek Telugu SemiBold" pitchFamily="2" charset="0"/>
+              </a:rPr>
+              <a:t>నేనున్నానులే భయపడకు అన్నావు</a:t>
+            </a:r>
+          </a:p>
+          <a:p>
+            <a:pPr algn="ctr">
+              <a:lnSpc>
+                <a:spcPct val="150000"/>
+              </a:lnSpc>
+            </a:pPr>
+            <a:r>
+              <a:rPr lang="te-IN" sz="1100" i="0" dirty="0">
+                <a:solidFill>
+                  <a:schemeClr val="tx1"/>
+                </a:solidFill>
+                <a:effectLst/>
+                <a:latin typeface="Anek Telugu SemiBold" pitchFamily="2" charset="0"/>
+                <a:cs typeface="Anek Telugu SemiBold" pitchFamily="2" charset="0"/>
+              </a:rPr>
+              <a:t>నేనంటే నీకు ఇంత ప్రేమ ఏంటయ్య</a:t>
             </a:r>
           </a:p>
         </p:txBody>
@@ -12519,7 +13229,7 @@
               </a:spcAft>
             </a:pPr>
             <a:r>
-              <a:rPr lang="te-IN" sz="1050" b="0" i="0" kern="1200" spc="0" baseline="0" dirty="0">
+              <a:rPr lang="te-IN" sz="1100" b="0" i="0" kern="1200" spc="0" baseline="0" dirty="0">
                 <a:ln>
                   <a:noFill/>
                 </a:ln>
@@ -12531,7 +13241,7 @@
                 <a:ea typeface="+mn-ea"/>
                 <a:cs typeface="Anek Telugu SemiBold" pitchFamily="2" charset="0"/>
               </a:rPr>
-              <a:t>ప్రార్థన వలనే పయనము – ప్రార్థనే ప్రాకారము</a:t>
+              <a:t>నా ప్రాణమా నా అంతరంగమా </a:t>
             </a:r>
           </a:p>
           <a:p>
@@ -12547,7 +13257,7 @@
               </a:spcAft>
             </a:pPr>
             <a:r>
-              <a:rPr lang="te-IN" sz="1050" b="0" i="0" kern="1200" spc="0" baseline="0" dirty="0">
+              <a:rPr lang="te-IN" sz="1100" b="0" i="0" kern="1200" spc="0" baseline="0" dirty="0">
                 <a:ln>
                   <a:noFill/>
                 </a:ln>
@@ -12559,7 +13269,7 @@
                 <a:ea typeface="+mn-ea"/>
                 <a:cs typeface="Anek Telugu SemiBold" pitchFamily="2" charset="0"/>
               </a:rPr>
-              <a:t>ప్రార్థనే ప్రాధాన్యము – ప్రార్థన లేనిదే పరాజయం (2)</a:t>
+              <a:t>నాలో వున్న నా సమస్తమా (2)</a:t>
             </a:r>
           </a:p>
           <a:p>
@@ -12575,7 +13285,7 @@
               </a:spcAft>
             </a:pPr>
             <a:r>
-              <a:rPr lang="te-IN" sz="1050" b="0" i="0" kern="1200" spc="0" baseline="0" dirty="0">
+              <a:rPr lang="te-IN" sz="1100" b="0" i="0" kern="1200" spc="0" baseline="0" dirty="0">
                 <a:ln>
                   <a:noFill/>
                 </a:ln>
@@ -12587,7 +13297,7 @@
                 <a:ea typeface="+mn-ea"/>
                 <a:cs typeface="Anek Telugu SemiBold" pitchFamily="2" charset="0"/>
               </a:rPr>
-              <a:t>ప్రభువా ప్రార్థన నేర్పయ్యా</a:t>
+              <a:t>యెహోవ చేసిన ఉపకారములలో</a:t>
             </a:r>
           </a:p>
           <a:p>
@@ -12603,7 +13313,7 @@
               </a:spcAft>
             </a:pPr>
             <a:r>
-              <a:rPr lang="te-IN" sz="1050" b="0" i="0" kern="1200" spc="0" baseline="0" dirty="0">
+              <a:rPr lang="te-IN" sz="1100" b="0" i="0" kern="1200" spc="0" baseline="0" dirty="0">
                 <a:ln>
                   <a:noFill/>
                 </a:ln>
@@ -12615,7 +13325,7 @@
                 <a:ea typeface="+mn-ea"/>
                 <a:cs typeface="Anek Telugu SemiBold" pitchFamily="2" charset="0"/>
               </a:rPr>
-              <a:t>ప్రార్ధించకుండా నే ఉండలేనయ్యా (2)</a:t>
+              <a:t>దేనిని మరువక కొనియాడుమా (2)</a:t>
             </a:r>
           </a:p>
           <a:p>
@@ -12631,7 +13341,7 @@
               </a:spcAft>
             </a:pPr>
             <a:r>
-              <a:rPr lang="te-IN" sz="1050" b="0" i="0" kern="1200" spc="0" baseline="0" dirty="0">
+              <a:rPr lang="te-IN" sz="1100" b="0" i="0" kern="1200" spc="0" baseline="0" dirty="0">
                 <a:ln>
                   <a:noFill/>
                 </a:ln>
@@ -12643,7 +13353,7 @@
                 <a:ea typeface="+mn-ea"/>
                 <a:cs typeface="Anek Telugu SemiBold" pitchFamily="2" charset="0"/>
               </a:rPr>
-              <a:t>నీ పాదాలు తడపకుండా</a:t>
+              <a:t>ఆ.. ఆ… ఆ.. ఆ… ఆ.. ఆ…</a:t>
             </a:r>
           </a:p>
           <a:p>
@@ -12658,35 +13368,7 @@
                 <a:spcPts val="0"/>
               </a:spcAft>
             </a:pPr>
-            <a:r>
-              <a:rPr lang="te-IN" sz="1050" b="0" i="0" kern="1200" spc="0" baseline="0" dirty="0">
-                <a:ln>
-                  <a:noFill/>
-                </a:ln>
-                <a:solidFill>
-                  <a:srgbClr val="000000"/>
-                </a:solidFill>
-                <a:effectLst/>
-                <a:latin typeface="Anek Telugu SemiBold" pitchFamily="2" charset="0"/>
-                <a:ea typeface="+mn-ea"/>
-                <a:cs typeface="Anek Telugu SemiBold" pitchFamily="2" charset="0"/>
-              </a:rPr>
-              <a:t>నా పయనం సాగదయ్యా (2) ||ప్రార్థన||</a:t>
-            </a:r>
-          </a:p>
-          <a:p>
-            <a:pPr marL="0" marR="0" indent="0" algn="ctr" rtl="0" eaLnBrk="1" fontAlgn="auto" latinLnBrk="0" hangingPunct="1">
-              <a:lnSpc>
-                <a:spcPct val="150000"/>
-              </a:lnSpc>
-              <a:spcBef>
-                <a:spcPts val="0"/>
-              </a:spcBef>
-              <a:spcAft>
-                <a:spcPts val="0"/>
-              </a:spcAft>
-            </a:pPr>
-            <a:endParaRPr lang="te-IN" sz="1050" b="0" i="0" kern="1200" spc="0" baseline="0" dirty="0">
+            <a:endParaRPr lang="te-IN" sz="1100" b="0" i="0" kern="1200" spc="0" baseline="0" dirty="0">
               <a:ln>
                 <a:noFill/>
               </a:ln>
@@ -12712,7 +13394,7 @@
               </a:spcAft>
             </a:pPr>
             <a:r>
-              <a:rPr lang="te-IN" sz="1050" b="0" i="0" kern="1200" spc="0" baseline="0" dirty="0">
+              <a:rPr lang="en-IN" sz="1100" b="0" i="0" kern="1200" spc="0" baseline="0" dirty="0">
                 <a:ln>
                   <a:noFill/>
                 </a:ln>
@@ -12724,7 +13406,22 @@
                 <a:ea typeface="+mn-ea"/>
                 <a:cs typeface="Anek Telugu SemiBold" pitchFamily="2" charset="0"/>
               </a:rPr>
-              <a:t>1. ప్రార్ధనలో నాటునది – పెల్లగించుట అసాధ్యము</a:t>
+              <a:t>1. </a:t>
+            </a:r>
+            <a:r>
+              <a:rPr lang="te-IN" sz="1100" b="0" i="0" kern="1200" spc="0" baseline="0" dirty="0">
+                <a:ln>
+                  <a:noFill/>
+                </a:ln>
+                <a:solidFill>
+                  <a:srgbClr val="000000"/>
+                </a:solidFill>
+                <a:effectLst/>
+                <a:latin typeface="Anek Telugu SemiBold" pitchFamily="2" charset="0"/>
+                <a:ea typeface="+mn-ea"/>
+                <a:cs typeface="Anek Telugu SemiBold" pitchFamily="2" charset="0"/>
+              </a:rPr>
+              <a:t>నీ దోషములన్ని క్షమియించువాడు </a:t>
             </a:r>
           </a:p>
           <a:p>
@@ -12740,7 +13437,7 @@
               </a:spcAft>
             </a:pPr>
             <a:r>
-              <a:rPr lang="te-IN" sz="1050" b="0" i="0" kern="1200" spc="0" baseline="0" dirty="0">
+              <a:rPr lang="te-IN" sz="1100" b="0" i="0" kern="1200" spc="0" baseline="0" dirty="0">
                 <a:ln>
                   <a:noFill/>
                 </a:ln>
@@ -12752,7 +13449,7 @@
                 <a:ea typeface="+mn-ea"/>
                 <a:cs typeface="Anek Telugu SemiBold" pitchFamily="2" charset="0"/>
               </a:rPr>
-              <a:t>ప్రార్ధనలో పోరాడునది – పొందకపోవుట అసాధ్యము (2)</a:t>
+              <a:t>నీ పాపములన్ని పార ద్రోలువాడు (2)</a:t>
             </a:r>
           </a:p>
           <a:p>
@@ -12768,7 +13465,7 @@
               </a:spcAft>
             </a:pPr>
             <a:r>
-              <a:rPr lang="te-IN" sz="1050" b="0" i="0" kern="1200" spc="0" baseline="0" dirty="0">
+              <a:rPr lang="te-IN" sz="1100" b="0" i="0" kern="1200" spc="0" baseline="0" dirty="0">
                 <a:ln>
                   <a:noFill/>
                 </a:ln>
@@ -12780,7 +13477,7 @@
                 <a:ea typeface="+mn-ea"/>
                 <a:cs typeface="Anek Telugu SemiBold" pitchFamily="2" charset="0"/>
               </a:rPr>
-              <a:t>ప్రార్ధనలో ప్రాకులాడినది – పతనమవ్వుట అసాధ్యము (2)</a:t>
+              <a:t>పరమ వైద్యుడు ప్రభు యేసుడు </a:t>
             </a:r>
           </a:p>
           <a:p>
@@ -12796,7 +13493,7 @@
               </a:spcAft>
             </a:pPr>
             <a:r>
-              <a:rPr lang="te-IN" sz="1050" b="0" i="0" kern="1200" spc="0" baseline="0" dirty="0">
+              <a:rPr lang="te-IN" sz="1100" b="0" i="0" kern="1200" spc="0" baseline="0" dirty="0">
                 <a:ln>
                   <a:noFill/>
                 </a:ln>
@@ -12808,7 +13505,7 @@
                 <a:ea typeface="+mn-ea"/>
                 <a:cs typeface="Anek Telugu SemiBold" pitchFamily="2" charset="0"/>
               </a:rPr>
-              <a:t>ప్రార్ధనలో పదునైనది – పనిచేయకపోవుట అసాధ్యము (2) ||ప్రభువా||</a:t>
+              <a:t>పరిశుద్ధ నామమును సన్నుతించుమా (2)</a:t>
             </a:r>
           </a:p>
           <a:p>
@@ -12823,7 +13520,7 @@
                 <a:spcPts val="0"/>
               </a:spcAft>
             </a:pPr>
-            <a:endParaRPr lang="te-IN" sz="1050" b="0" i="0" kern="1200" spc="0" baseline="0" dirty="0">
+            <a:endParaRPr lang="te-IN" sz="1100" b="0" i="0" kern="1200" spc="0" baseline="0" dirty="0">
               <a:ln>
                 <a:noFill/>
               </a:ln>
@@ -12849,7 +13546,7 @@
               </a:spcAft>
             </a:pPr>
             <a:r>
-              <a:rPr lang="te-IN" sz="1050" b="0" i="0" kern="1200" spc="0" baseline="0" dirty="0">
+              <a:rPr lang="en-IN" sz="1100" b="0" i="0" kern="1200" spc="0" baseline="0" dirty="0">
                 <a:ln>
                   <a:noFill/>
                 </a:ln>
@@ -12861,7 +13558,22 @@
                 <a:ea typeface="+mn-ea"/>
                 <a:cs typeface="Anek Telugu SemiBold" pitchFamily="2" charset="0"/>
               </a:rPr>
-              <a:t>2. ప్రార్ధనలో కనీళ్లు – కరిగిపోవుట అసాధ్యము</a:t>
+              <a:t>2. </a:t>
+            </a:r>
+            <a:r>
+              <a:rPr lang="te-IN" sz="1100" b="0" i="0" kern="1200" spc="0" baseline="0" dirty="0">
+                <a:ln>
+                  <a:noFill/>
+                </a:ln>
+                <a:solidFill>
+                  <a:srgbClr val="000000"/>
+                </a:solidFill>
+                <a:effectLst/>
+                <a:latin typeface="Anek Telugu SemiBold" pitchFamily="2" charset="0"/>
+                <a:ea typeface="+mn-ea"/>
+                <a:cs typeface="Anek Telugu SemiBold" pitchFamily="2" charset="0"/>
+              </a:rPr>
+              <a:t>సమాధిలోనుండి నీ ప్రాణమును </a:t>
             </a:r>
           </a:p>
           <a:p>
@@ -12877,7 +13589,7 @@
               </a:spcAft>
             </a:pPr>
             <a:r>
-              <a:rPr lang="te-IN" sz="1050" b="0" i="0" kern="1200" spc="0" baseline="0" dirty="0">
+              <a:rPr lang="te-IN" sz="1100" b="0" i="0" kern="1200" spc="0" baseline="0" dirty="0">
                 <a:ln>
                   <a:noFill/>
                 </a:ln>
@@ -12889,7 +13601,7 @@
                 <a:ea typeface="+mn-ea"/>
                 <a:cs typeface="Anek Telugu SemiBold" pitchFamily="2" charset="0"/>
               </a:rPr>
-              <a:t>ప్రార్ధనలో మూల్గునది – మరుగైపోవుట అసాధ్యము (2)</a:t>
+              <a:t>విమోచించుచున్నాడు శ్రీయేసుడు (2)</a:t>
             </a:r>
           </a:p>
           <a:p>
@@ -12905,7 +13617,7 @@
               </a:spcAft>
             </a:pPr>
             <a:r>
-              <a:rPr lang="te-IN" sz="1050" b="0" i="0" kern="1200" spc="0" baseline="0" dirty="0">
+              <a:rPr lang="te-IN" sz="1100" b="0" i="0" kern="1200" spc="0" baseline="0" dirty="0">
                 <a:ln>
                   <a:noFill/>
                 </a:ln>
@@ -12917,7 +13629,7 @@
                 <a:ea typeface="+mn-ea"/>
                 <a:cs typeface="Anek Telugu SemiBold" pitchFamily="2" charset="0"/>
               </a:rPr>
-              <a:t>ప్రార్ధనలో నలిగితే – నష్టపోవుట అసాధ్యము (2)</a:t>
+              <a:t>కరుణా కటాక్షములను నీకు కిరీటముగా </a:t>
             </a:r>
           </a:p>
           <a:p>
@@ -12933,7 +13645,7 @@
               </a:spcAft>
             </a:pPr>
             <a:r>
-              <a:rPr lang="te-IN" sz="1050" b="0" i="0" kern="1200" spc="0" baseline="0" dirty="0">
+              <a:rPr lang="te-IN" sz="1100" b="0" i="0" kern="1200" spc="0" baseline="0" dirty="0">
                 <a:ln>
                   <a:noFill/>
                 </a:ln>
@@ -12945,7 +13657,7 @@
                 <a:ea typeface="+mn-ea"/>
                 <a:cs typeface="Anek Telugu SemiBold" pitchFamily="2" charset="0"/>
               </a:rPr>
-              <a:t>ప్రార్ధనలో పెనుగులాడితే – పడిపోవుట అసాధ్యము (2) ||ప్రభువా||</a:t>
+              <a:t>ధరియింపజేయును ప్రభు యేసుడు (2)</a:t>
             </a:r>
           </a:p>
         </p:txBody>

--- a/songsTemplate.pptx
+++ b/songsTemplate.pptx
@@ -135,12 +135,12 @@
   <pc:docChgLst>
     <pc:chgData name="Venu Yalapala" userId="9feb8bbceceecaca" providerId="LiveId" clId="{54B247B9-47FF-4355-BF58-C7E85F55D2E7}"/>
     <pc:docChg chg="undo redo custSel addSld delSld modSld modMainMaster">
-      <pc:chgData name="Venu Yalapala" userId="9feb8bbceceecaca" providerId="LiveId" clId="{54B247B9-47FF-4355-BF58-C7E85F55D2E7}" dt="2025-10-04T06:21:54.235" v="991" actId="20577"/>
+      <pc:chgData name="Venu Yalapala" userId="9feb8bbceceecaca" providerId="LiveId" clId="{54B247B9-47FF-4355-BF58-C7E85F55D2E7}" dt="2025-10-09T14:43:38.733" v="1145" actId="207"/>
       <pc:docMkLst>
         <pc:docMk/>
       </pc:docMkLst>
       <pc:sldChg chg="addSp delSp modSp new mod">
-        <pc:chgData name="Venu Yalapala" userId="9feb8bbceceecaca" providerId="LiveId" clId="{54B247B9-47FF-4355-BF58-C7E85F55D2E7}" dt="2025-10-04T06:10:19.374" v="930" actId="20577"/>
+        <pc:chgData name="Venu Yalapala" userId="9feb8bbceceecaca" providerId="LiveId" clId="{54B247B9-47FF-4355-BF58-C7E85F55D2E7}" dt="2025-10-09T14:43:38.733" v="1145" actId="207"/>
         <pc:sldMkLst>
           <pc:docMk/>
           <pc:sldMk cId="2235425515" sldId="256"/>
@@ -154,7 +154,7 @@
           </ac:spMkLst>
         </pc:spChg>
         <pc:spChg chg="add mod ord">
-          <ac:chgData name="Venu Yalapala" userId="9feb8bbceceecaca" providerId="LiveId" clId="{54B247B9-47FF-4355-BF58-C7E85F55D2E7}" dt="2025-10-04T05:47:18.663" v="815" actId="255"/>
+          <ac:chgData name="Venu Yalapala" userId="9feb8bbceceecaca" providerId="LiveId" clId="{54B247B9-47FF-4355-BF58-C7E85F55D2E7}" dt="2025-10-09T14:37:19.926" v="1120" actId="20577"/>
           <ac:spMkLst>
             <pc:docMk/>
             <pc:sldMk cId="2235425515" sldId="256"/>
@@ -162,7 +162,7 @@
           </ac:spMkLst>
         </pc:spChg>
         <pc:spChg chg="add mod">
-          <ac:chgData name="Venu Yalapala" userId="9feb8bbceceecaca" providerId="LiveId" clId="{54B247B9-47FF-4355-BF58-C7E85F55D2E7}" dt="2025-10-04T06:09:44.032" v="921" actId="403"/>
+          <ac:chgData name="Venu Yalapala" userId="9feb8bbceceecaca" providerId="LiveId" clId="{54B247B9-47FF-4355-BF58-C7E85F55D2E7}" dt="2025-10-09T14:37:26" v="1126" actId="20577"/>
           <ac:spMkLst>
             <pc:docMk/>
             <pc:sldMk cId="2235425515" sldId="256"/>
@@ -178,7 +178,7 @@
           </ac:spMkLst>
         </pc:spChg>
         <pc:spChg chg="add mod">
-          <ac:chgData name="Venu Yalapala" userId="9feb8bbceceecaca" providerId="LiveId" clId="{54B247B9-47FF-4355-BF58-C7E85F55D2E7}" dt="2025-10-04T06:10:19.374" v="930" actId="20577"/>
+          <ac:chgData name="Venu Yalapala" userId="9feb8bbceceecaca" providerId="LiveId" clId="{54B247B9-47FF-4355-BF58-C7E85F55D2E7}" dt="2025-10-09T14:37:38.952" v="1138" actId="20577"/>
           <ac:spMkLst>
             <pc:docMk/>
             <pc:sldMk cId="2235425515" sldId="256"/>
@@ -186,7 +186,7 @@
           </ac:spMkLst>
         </pc:spChg>
         <pc:spChg chg="add mod">
-          <ac:chgData name="Venu Yalapala" userId="9feb8bbceceecaca" providerId="LiveId" clId="{54B247B9-47FF-4355-BF58-C7E85F55D2E7}" dt="2025-10-04T06:10:06.535" v="923" actId="255"/>
+          <ac:chgData name="Venu Yalapala" userId="9feb8bbceceecaca" providerId="LiveId" clId="{54B247B9-47FF-4355-BF58-C7E85F55D2E7}" dt="2025-10-09T14:43:38.733" v="1145" actId="207"/>
           <ac:spMkLst>
             <pc:docMk/>
             <pc:sldMk cId="2235425515" sldId="256"/>
@@ -218,13 +218,13 @@
         </pc:spChg>
       </pc:sldChg>
       <pc:sldChg chg="addSp modSp new mod">
-        <pc:chgData name="Venu Yalapala" userId="9feb8bbceceecaca" providerId="LiveId" clId="{54B247B9-47FF-4355-BF58-C7E85F55D2E7}" dt="2025-10-04T06:21:54.235" v="991" actId="20577"/>
+        <pc:chgData name="Venu Yalapala" userId="9feb8bbceceecaca" providerId="LiveId" clId="{54B247B9-47FF-4355-BF58-C7E85F55D2E7}" dt="2025-10-09T14:38:21.666" v="1144" actId="20577"/>
         <pc:sldMkLst>
           <pc:docMk/>
           <pc:sldMk cId="2717619941" sldId="257"/>
         </pc:sldMkLst>
         <pc:spChg chg="add mod">
-          <ac:chgData name="Venu Yalapala" userId="9feb8bbceceecaca" providerId="LiveId" clId="{54B247B9-47FF-4355-BF58-C7E85F55D2E7}" dt="2025-10-04T06:15:29.161" v="970" actId="2711"/>
+          <ac:chgData name="Venu Yalapala" userId="9feb8bbceceecaca" providerId="LiveId" clId="{54B247B9-47FF-4355-BF58-C7E85F55D2E7}" dt="2025-10-09T14:38:21.666" v="1144" actId="20577"/>
           <ac:spMkLst>
             <pc:docMk/>
             <pc:sldMk cId="2717619941" sldId="257"/>
@@ -232,7 +232,7 @@
           </ac:spMkLst>
         </pc:spChg>
         <pc:spChg chg="add mod">
-          <ac:chgData name="Venu Yalapala" userId="9feb8bbceceecaca" providerId="LiveId" clId="{54B247B9-47FF-4355-BF58-C7E85F55D2E7}" dt="2025-10-04T06:15:10.832" v="968" actId="20577"/>
+          <ac:chgData name="Venu Yalapala" userId="9feb8bbceceecaca" providerId="LiveId" clId="{54B247B9-47FF-4355-BF58-C7E85F55D2E7}" dt="2025-10-09T14:33:26.967" v="1049" actId="20577"/>
           <ac:spMkLst>
             <pc:docMk/>
             <pc:sldMk cId="2717619941" sldId="257"/>
@@ -240,7 +240,7 @@
           </ac:spMkLst>
         </pc:spChg>
         <pc:spChg chg="add mod">
-          <ac:chgData name="Venu Yalapala" userId="9feb8bbceceecaca" providerId="LiveId" clId="{54B247B9-47FF-4355-BF58-C7E85F55D2E7}" dt="2025-10-04T06:21:46.875" v="985" actId="403"/>
+          <ac:chgData name="Venu Yalapala" userId="9feb8bbceceecaca" providerId="LiveId" clId="{54B247B9-47FF-4355-BF58-C7E85F55D2E7}" dt="2025-10-09T14:36:58.515" v="1114" actId="255"/>
           <ac:spMkLst>
             <pc:docMk/>
             <pc:sldMk cId="2717619941" sldId="257"/>
@@ -248,7 +248,7 @@
           </ac:spMkLst>
         </pc:spChg>
         <pc:spChg chg="add mod">
-          <ac:chgData name="Venu Yalapala" userId="9feb8bbceceecaca" providerId="LiveId" clId="{54B247B9-47FF-4355-BF58-C7E85F55D2E7}" dt="2025-10-04T06:21:54.235" v="991" actId="20577"/>
+          <ac:chgData name="Venu Yalapala" userId="9feb8bbceceecaca" providerId="LiveId" clId="{54B247B9-47FF-4355-BF58-C7E85F55D2E7}" dt="2025-10-09T14:36:47.209" v="1113" actId="255"/>
           <ac:spMkLst>
             <pc:docMk/>
             <pc:sldMk cId="2717619941" sldId="257"/>
@@ -1117,7 +1117,7 @@
           <a:p>
             <a:fld id="{0EEBF99D-A94C-4ACE-ABB7-ED5902A7DBE5}" type="datetimeFigureOut">
               <a:rPr lang="en-IN" smtClean="0"/>
-              <a:t>04-10-2025</a:t>
+              <a:t>09-10-2025</a:t>
             </a:fld>
             <a:endParaRPr lang="en-IN"/>
           </a:p>
@@ -1295,7 +1295,7 @@
           <a:p>
             <a:fld id="{6EA7C7CE-6F0C-4E71-B520-9461545357C0}" type="datetimeFigureOut">
               <a:rPr lang="en-IN" smtClean="0"/>
-              <a:t>04-10-2025</a:t>
+              <a:t>09-10-2025</a:t>
             </a:fld>
             <a:endParaRPr lang="en-IN"/>
           </a:p>
@@ -1695,7 +1695,7 @@
           <a:p>
             <a:fld id="{F1102B08-ED9E-409F-B95F-09CAA1DAF6E0}" type="datetimeFigureOut">
               <a:rPr lang="en-IN" smtClean="0"/>
-              <a:t>04-10-2025</a:t>
+              <a:t>09-10-2025</a:t>
             </a:fld>
             <a:endParaRPr lang="en-IN"/>
           </a:p>
@@ -1865,7 +1865,7 @@
           <a:p>
             <a:fld id="{F1102B08-ED9E-409F-B95F-09CAA1DAF6E0}" type="datetimeFigureOut">
               <a:rPr lang="en-IN" smtClean="0"/>
-              <a:t>04-10-2025</a:t>
+              <a:t>09-10-2025</a:t>
             </a:fld>
             <a:endParaRPr lang="en-IN"/>
           </a:p>
@@ -2045,7 +2045,7 @@
           <a:p>
             <a:fld id="{F1102B08-ED9E-409F-B95F-09CAA1DAF6E0}" type="datetimeFigureOut">
               <a:rPr lang="en-IN" smtClean="0"/>
-              <a:t>04-10-2025</a:t>
+              <a:t>09-10-2025</a:t>
             </a:fld>
             <a:endParaRPr lang="en-IN"/>
           </a:p>
@@ -2247,7 +2247,7 @@
             <a:fld id="{F1102B08-ED9E-409F-B95F-09CAA1DAF6E0}" type="datetimeFigureOut">
               <a:rPr lang="en-IN" sz="575" b="0" smtClean="0"/>
               <a:pPr/>
-              <a:t>04-10-2025</a:t>
+              <a:t>09-10-2025</a:t>
             </a:fld>
             <a:endParaRPr lang="en-IN" sz="575" b="0" dirty="0"/>
           </a:p>
@@ -5934,7 +5934,7 @@
             <a:fld id="{F1102B08-ED9E-409F-B95F-09CAA1DAF6E0}" type="datetimeFigureOut">
               <a:rPr lang="en-IN" sz="727" b="0" smtClean="0"/>
               <a:pPr/>
-              <a:t>04-10-2025</a:t>
+              <a:t>09-10-2025</a:t>
             </a:fld>
             <a:endParaRPr lang="en-IN" sz="727" b="0" dirty="0"/>
           </a:p>
@@ -6654,7 +6654,7 @@
             <a:fld id="{F1102B08-ED9E-409F-B95F-09CAA1DAF6E0}" type="datetimeFigureOut">
               <a:rPr lang="en-IN" sz="727" b="0" smtClean="0"/>
               <a:pPr/>
-              <a:t>04-10-2025</a:t>
+              <a:t>09-10-2025</a:t>
             </a:fld>
             <a:endParaRPr lang="en-IN" sz="727" b="0" dirty="0"/>
           </a:p>
@@ -7342,7 +7342,7 @@
           <a:p>
             <a:fld id="{F1102B08-ED9E-409F-B95F-09CAA1DAF6E0}" type="datetimeFigureOut">
               <a:rPr lang="en-IN" smtClean="0"/>
-              <a:t>04-10-2025</a:t>
+              <a:t>09-10-2025</a:t>
             </a:fld>
             <a:endParaRPr lang="en-IN"/>
           </a:p>
@@ -7586,7 +7586,7 @@
           <a:p>
             <a:fld id="{F1102B08-ED9E-409F-B95F-09CAA1DAF6E0}" type="datetimeFigureOut">
               <a:rPr lang="en-IN" smtClean="0"/>
-              <a:t>04-10-2025</a:t>
+              <a:t>09-10-2025</a:t>
             </a:fld>
             <a:endParaRPr lang="en-IN"/>
           </a:p>
@@ -7818,7 +7818,7 @@
           <a:p>
             <a:fld id="{F1102B08-ED9E-409F-B95F-09CAA1DAF6E0}" type="datetimeFigureOut">
               <a:rPr lang="en-IN" smtClean="0"/>
-              <a:t>04-10-2025</a:t>
+              <a:t>09-10-2025</a:t>
             </a:fld>
             <a:endParaRPr lang="en-IN"/>
           </a:p>
@@ -8185,7 +8185,7 @@
           <a:p>
             <a:fld id="{F1102B08-ED9E-409F-B95F-09CAA1DAF6E0}" type="datetimeFigureOut">
               <a:rPr lang="en-IN" smtClean="0"/>
-              <a:t>04-10-2025</a:t>
+              <a:t>09-10-2025</a:t>
             </a:fld>
             <a:endParaRPr lang="en-IN"/>
           </a:p>
@@ -8303,7 +8303,7 @@
           <a:p>
             <a:fld id="{F1102B08-ED9E-409F-B95F-09CAA1DAF6E0}" type="datetimeFigureOut">
               <a:rPr lang="en-IN" smtClean="0"/>
-              <a:t>04-10-2025</a:t>
+              <a:t>09-10-2025</a:t>
             </a:fld>
             <a:endParaRPr lang="en-IN"/>
           </a:p>
@@ -8398,7 +8398,7 @@
           <a:p>
             <a:fld id="{F1102B08-ED9E-409F-B95F-09CAA1DAF6E0}" type="datetimeFigureOut">
               <a:rPr lang="en-IN" smtClean="0"/>
-              <a:t>04-10-2025</a:t>
+              <a:t>09-10-2025</a:t>
             </a:fld>
             <a:endParaRPr lang="en-IN"/>
           </a:p>
@@ -8675,7 +8675,7 @@
           <a:p>
             <a:fld id="{F1102B08-ED9E-409F-B95F-09CAA1DAF6E0}" type="datetimeFigureOut">
               <a:rPr lang="en-IN" smtClean="0"/>
-              <a:t>04-10-2025</a:t>
+              <a:t>09-10-2025</a:t>
             </a:fld>
             <a:endParaRPr lang="en-IN"/>
           </a:p>
@@ -8932,7 +8932,7 @@
           <a:p>
             <a:fld id="{F1102B08-ED9E-409F-B95F-09CAA1DAF6E0}" type="datetimeFigureOut">
               <a:rPr lang="en-IN" smtClean="0"/>
-              <a:t>04-10-2025</a:t>
+              <a:t>09-10-2025</a:t>
             </a:fld>
             <a:endParaRPr lang="en-IN"/>
           </a:p>
@@ -9145,7 +9145,7 @@
           <a:p>
             <a:fld id="{F1102B08-ED9E-409F-B95F-09CAA1DAF6E0}" type="datetimeFigureOut">
               <a:rPr lang="en-IN" smtClean="0"/>
-              <a:t>04-10-2025</a:t>
+              <a:t>09-10-2025</a:t>
             </a:fld>
             <a:endParaRPr lang="en-IN"/>
           </a:p>
@@ -9640,7 +9640,7 @@
                 <a:ea typeface="+mn-ea"/>
                 <a:cs typeface="Anek Telugu SemiBold" pitchFamily="2" charset="0"/>
               </a:rPr>
-              <a:t>తేజోమయా యేసయ్యా –</a:t>
+              <a:t>యేసే నా పరిహారి</a:t>
             </a:r>
           </a:p>
           <a:p>
@@ -9668,7 +9668,36 @@
                 <a:ea typeface="+mn-ea"/>
                 <a:cs typeface="Anek Telugu SemiBold" pitchFamily="2" charset="0"/>
               </a:rPr>
-              <a:t>స్తుతి పాత్రుడవు నీవయ్యా</a:t>
+              <a:t>ప్రియ యేసే నా పరిహారి</a:t>
+            </a:r>
+            <a:br>
+              <a:rPr lang="te-IN" sz="1300" b="0" i="0" kern="1200" spc="0" baseline="0" dirty="0">
+                <a:ln>
+                  <a:noFill/>
+                </a:ln>
+                <a:solidFill>
+                  <a:srgbClr val="000000"/>
+                </a:solidFill>
+                <a:effectLst/>
+                <a:latin typeface="Anek Telugu SemiBold" pitchFamily="2" charset="0"/>
+                <a:ea typeface="+mn-ea"/>
+                <a:cs typeface="Anek Telugu SemiBold" pitchFamily="2" charset="0"/>
+              </a:rPr>
+            </a:br>
+            <a:r>
+              <a:rPr lang="te-IN" sz="1300" b="0" i="0" kern="1200" spc="0" baseline="0" dirty="0">
+                <a:ln>
+                  <a:noFill/>
+                </a:ln>
+                <a:solidFill>
+                  <a:srgbClr val="000000"/>
+                </a:solidFill>
+                <a:effectLst/>
+                <a:latin typeface="Anek Telugu SemiBold" pitchFamily="2" charset="0"/>
+                <a:ea typeface="+mn-ea"/>
+                <a:cs typeface="Anek Telugu SemiBold" pitchFamily="2" charset="0"/>
+              </a:rPr>
+              <a:t>నా జీవిత కాలమెల్ల</a:t>
             </a:r>
           </a:p>
           <a:p>
@@ -9696,35 +9725,7 @@
                 <a:ea typeface="+mn-ea"/>
                 <a:cs typeface="Anek Telugu SemiBold" pitchFamily="2" charset="0"/>
               </a:rPr>
-              <a:t>అ.ప. : మహిమ ఘనత ప్రభావములు</a:t>
-            </a:r>
-          </a:p>
-          <a:p>
-            <a:pPr marL="0" marR="0" indent="0" algn="ctr" rtl="0" eaLnBrk="1" fontAlgn="auto" latinLnBrk="0" hangingPunct="1">
-              <a:lnSpc>
-                <a:spcPct val="150000"/>
-              </a:lnSpc>
-              <a:spcBef>
-                <a:spcPts val="0"/>
-              </a:spcBef>
-              <a:spcAft>
-                <a:spcPts val="0"/>
-              </a:spcAft>
-            </a:pPr>
-            <a:r>
-              <a:rPr lang="te-IN" sz="1300" b="0" i="0" kern="1200" spc="0" baseline="0" dirty="0">
-                <a:ln>
-                  <a:noFill/>
-                </a:ln>
-                <a:solidFill>
-                  <a:srgbClr val="000000"/>
-                </a:solidFill>
-                <a:effectLst/>
-                <a:latin typeface="Anek Telugu SemiBold" pitchFamily="2" charset="0"/>
-                <a:ea typeface="+mn-ea"/>
-                <a:cs typeface="Anek Telugu SemiBold" pitchFamily="2" charset="0"/>
-              </a:rPr>
-              <a:t>సమస్తము నీకేనయా</a:t>
+              <a:t>ప్రియ ప్రభువే నా పరిహారి (2)</a:t>
             </a:r>
           </a:p>
           <a:p>
@@ -9765,6 +9766,21 @@
               </a:spcAft>
             </a:pPr>
             <a:r>
+              <a:rPr lang="en-IN" sz="1300" b="0" i="0" kern="1200" spc="0" baseline="0" dirty="0">
+                <a:ln>
+                  <a:noFill/>
+                </a:ln>
+                <a:solidFill>
+                  <a:srgbClr val="000000"/>
+                </a:solidFill>
+                <a:effectLst/>
+                <a:latin typeface="Anek Telugu SemiBold" pitchFamily="2" charset="0"/>
+                <a:ea typeface="+mn-ea"/>
+                <a:cs typeface="Anek Telugu SemiBold" pitchFamily="2" charset="0"/>
+              </a:rPr>
+              <a:t>1. </a:t>
+            </a:r>
+            <a:r>
               <a:rPr lang="te-IN" sz="1300" b="0" i="0" kern="1200" spc="0" baseline="0" dirty="0">
                 <a:ln>
                   <a:noFill/>
@@ -9777,7 +9793,7 @@
                 <a:ea typeface="+mn-ea"/>
                 <a:cs typeface="Anek Telugu SemiBold" pitchFamily="2" charset="0"/>
               </a:rPr>
-              <a:t>1. నిజమైన దేవా నీవంటివాడు లేడు</a:t>
+              <a:t>ఎన్ని కష్టాలు కలిగిననూ</a:t>
             </a:r>
           </a:p>
           <a:p>
@@ -9805,7 +9821,7 @@
                 <a:ea typeface="+mn-ea"/>
                 <a:cs typeface="Anek Telugu SemiBold" pitchFamily="2" charset="0"/>
               </a:rPr>
-              <a:t>మహాత్మ్యము గల నిన్ను పోలినవాడెవడు</a:t>
+              <a:t>నన్ను కృంగించె భాదలెన్నో</a:t>
             </a:r>
           </a:p>
           <a:p>
@@ -9833,7 +9849,7 @@
                 <a:ea typeface="+mn-ea"/>
                 <a:cs typeface="Anek Telugu SemiBold" pitchFamily="2" charset="0"/>
               </a:rPr>
-              <a:t>నీ నామము ఘనమైనదయా –</a:t>
+              <a:t>ఎన్ని నష్టాలు వాటిల్లినా </a:t>
             </a:r>
           </a:p>
           <a:p>
@@ -9861,7 +9877,7 @@
                 <a:ea typeface="+mn-ea"/>
                 <a:cs typeface="Anek Telugu SemiBold" pitchFamily="2" charset="0"/>
               </a:rPr>
-              <a:t>నరులు నీకు భయపడెదరయా</a:t>
+              <a:t>             ప్రియ ప్రభువే నా పరిహారి (2)        </a:t>
             </a:r>
           </a:p>
           <a:p>
@@ -9902,6 +9918,21 @@
               </a:spcAft>
             </a:pPr>
             <a:r>
+              <a:rPr lang="en-IN" sz="1300" b="0" i="0" kern="1200" spc="0" baseline="0" dirty="0">
+                <a:ln>
+                  <a:noFill/>
+                </a:ln>
+                <a:solidFill>
+                  <a:srgbClr val="000000"/>
+                </a:solidFill>
+                <a:effectLst/>
+                <a:latin typeface="Anek Telugu SemiBold" pitchFamily="2" charset="0"/>
+                <a:ea typeface="+mn-ea"/>
+                <a:cs typeface="Anek Telugu SemiBold" pitchFamily="2" charset="0"/>
+              </a:rPr>
+              <a:t>2. </a:t>
+            </a:r>
+            <a:r>
               <a:rPr lang="te-IN" sz="1300" b="0" i="0" kern="1200" spc="0" baseline="0" dirty="0">
                 <a:ln>
                   <a:noFill/>
@@ -9914,7 +9945,7 @@
                 <a:ea typeface="+mn-ea"/>
                 <a:cs typeface="Anek Telugu SemiBold" pitchFamily="2" charset="0"/>
               </a:rPr>
-              <a:t>2. జనములకు రాజా జీవముగలిగిన నాథా</a:t>
+              <a:t>నన్ను సాతాను వెంబడించినా</a:t>
             </a:r>
           </a:p>
           <a:p>
@@ -9942,7 +9973,36 @@
                 <a:ea typeface="+mn-ea"/>
                 <a:cs typeface="Anek Telugu SemiBold" pitchFamily="2" charset="0"/>
               </a:rPr>
-              <a:t>సమస్తము నిర్మించినవాడవు నీవెగదా</a:t>
+              <a:t>నన్ను శత్రువు ఎదిరించినా (2)</a:t>
+            </a:r>
+            <a:br>
+              <a:rPr lang="te-IN" sz="1300" b="0" i="0" kern="1200" spc="0" baseline="0" dirty="0">
+                <a:ln>
+                  <a:noFill/>
+                </a:ln>
+                <a:solidFill>
+                  <a:srgbClr val="000000"/>
+                </a:solidFill>
+                <a:effectLst/>
+                <a:latin typeface="Anek Telugu SemiBold" pitchFamily="2" charset="0"/>
+                <a:ea typeface="+mn-ea"/>
+                <a:cs typeface="Anek Telugu SemiBold" pitchFamily="2" charset="0"/>
+              </a:rPr>
+            </a:br>
+            <a:r>
+              <a:rPr lang="te-IN" sz="1300" b="0" i="0" kern="1200" spc="0" baseline="0" dirty="0">
+                <a:ln>
+                  <a:noFill/>
+                </a:ln>
+                <a:solidFill>
+                  <a:srgbClr val="000000"/>
+                </a:solidFill>
+                <a:effectLst/>
+                <a:latin typeface="Anek Telugu SemiBold" pitchFamily="2" charset="0"/>
+                <a:ea typeface="+mn-ea"/>
+                <a:cs typeface="Anek Telugu SemiBold" pitchFamily="2" charset="0"/>
+              </a:rPr>
+              <a:t>పలు నిందలు నను చుట్టినా</a:t>
             </a:r>
           </a:p>
           <a:p>
@@ -9970,35 +10030,7 @@
                 <a:ea typeface="+mn-ea"/>
                 <a:cs typeface="Anek Telugu SemiBold" pitchFamily="2" charset="0"/>
               </a:rPr>
-              <a:t>నీ ఉగ్రత తాళలేమయా –</a:t>
-            </a:r>
-          </a:p>
-          <a:p>
-            <a:pPr marL="0" marR="0" indent="0" algn="ctr" rtl="0" eaLnBrk="1" fontAlgn="auto" latinLnBrk="0" hangingPunct="1">
-              <a:lnSpc>
-                <a:spcPct val="150000"/>
-              </a:lnSpc>
-              <a:spcBef>
-                <a:spcPts val="0"/>
-              </a:spcBef>
-              <a:spcAft>
-                <a:spcPts val="0"/>
-              </a:spcAft>
-            </a:pPr>
-            <a:r>
-              <a:rPr lang="te-IN" sz="1300" b="0" i="0" kern="1200" spc="0" baseline="0" dirty="0">
-                <a:ln>
-                  <a:noFill/>
-                </a:ln>
-                <a:solidFill>
-                  <a:srgbClr val="000000"/>
-                </a:solidFill>
-                <a:effectLst/>
-                <a:latin typeface="Anek Telugu SemiBold" pitchFamily="2" charset="0"/>
-                <a:ea typeface="+mn-ea"/>
-                <a:cs typeface="Anek Telugu SemiBold" pitchFamily="2" charset="0"/>
-              </a:rPr>
-              <a:t>మేలు చేయగలవు నీవయా</a:t>
+              <a:t>ప్రియ ప్రభువే నా పరిహారి (2)</a:t>
             </a:r>
           </a:p>
         </p:txBody>
@@ -10062,7 +10094,7 @@
               </a:spcAft>
             </a:pPr>
             <a:r>
-              <a:rPr lang="te-IN" sz="1000" b="0" i="0" kern="1200" spc="0" baseline="0" dirty="0">
+              <a:rPr lang="te-IN" sz="1200" b="0" i="0" kern="1200" spc="0" baseline="0" dirty="0">
                 <a:ln>
                   <a:noFill/>
                 </a:ln>
@@ -10074,7 +10106,7 @@
                 <a:ea typeface="+mn-ea"/>
                 <a:cs typeface="Anek Telugu SemiBold" pitchFamily="2" charset="0"/>
               </a:rPr>
-              <a:t>జగములనేలే పరిపాలక</a:t>
+              <a:t>వందనం త్రియేకుడా - ఘన మహిమ నీకెగా (2)</a:t>
             </a:r>
           </a:p>
           <a:p>
@@ -10090,7 +10122,7 @@
               </a:spcAft>
             </a:pPr>
             <a:r>
-              <a:rPr lang="te-IN" sz="1000" b="0" i="0" kern="1200" spc="0" baseline="0" dirty="0">
+              <a:rPr lang="te-IN" sz="1200" b="0" i="0" kern="1200" spc="0" baseline="0" dirty="0">
                 <a:ln>
                   <a:noFill/>
                 </a:ln>
@@ -10102,7 +10134,7 @@
                 <a:ea typeface="+mn-ea"/>
                 <a:cs typeface="Anek Telugu SemiBold" pitchFamily="2" charset="0"/>
               </a:rPr>
-              <a:t>జగతికి నీవే ఆధారమా</a:t>
+              <a:t>ఏ పాటి వాడను యేసయ్యా, నన్ను కోరుకొంటివే</a:t>
             </a:r>
           </a:p>
           <a:p>
@@ -10118,7 +10150,7 @@
               </a:spcAft>
             </a:pPr>
             <a:r>
-              <a:rPr lang="te-IN" sz="1000" b="0" i="0" kern="1200" spc="0" baseline="0" dirty="0">
+              <a:rPr lang="te-IN" sz="1200" b="0" i="0" kern="1200" spc="0" baseline="0" dirty="0">
                 <a:ln>
                   <a:noFill/>
                 </a:ln>
@@ -10130,7 +10162,7 @@
                 <a:ea typeface="+mn-ea"/>
                 <a:cs typeface="Anek Telugu SemiBold" pitchFamily="2" charset="0"/>
               </a:rPr>
-              <a:t>ఆత్మతో మనసుతో స్తోత్ర గానము</a:t>
+              <a:t>ఏ పాటి దానను యేసయ్యా, నన్ను కోరుకొంటివే</a:t>
             </a:r>
           </a:p>
           <a:p>
@@ -10145,21 +10177,18 @@
                 <a:spcPts val="0"/>
               </a:spcAft>
             </a:pPr>
-            <a:r>
-              <a:rPr lang="te-IN" sz="1000" b="0" i="0" kern="1200" spc="0" baseline="0" dirty="0">
-                <a:ln>
-                  <a:noFill/>
-                </a:ln>
-                <a:solidFill>
-                  <a:srgbClr val="000000"/>
-                </a:solidFill>
-                <a:effectLst/>
-                <a:latin typeface="Anek Telugu SemiBold" pitchFamily="2" charset="0"/>
-                <a:ea typeface="+mn-ea"/>
-                <a:cs typeface="Anek Telugu SemiBold" pitchFamily="2" charset="0"/>
-              </a:rPr>
-              <a:t>పాడెద నిరతము ప్రేమగీతము</a:t>
-            </a:r>
+            <a:endParaRPr lang="te-IN" sz="1200" b="0" i="0" kern="1200" spc="0" baseline="0" dirty="0">
+              <a:ln>
+                <a:noFill/>
+              </a:ln>
+              <a:solidFill>
+                <a:srgbClr val="000000"/>
+              </a:solidFill>
+              <a:effectLst/>
+              <a:latin typeface="Anek Telugu SemiBold" pitchFamily="2" charset="0"/>
+              <a:ea typeface="+mn-ea"/>
+              <a:cs typeface="Anek Telugu SemiBold" pitchFamily="2" charset="0"/>
+            </a:endParaRPr>
           </a:p>
           <a:p>
             <a:pPr marL="0" marR="0" indent="0" algn="ctr" rtl="0" eaLnBrk="1" fontAlgn="auto" latinLnBrk="0" hangingPunct="1">
@@ -10174,7 +10203,7 @@
               </a:spcAft>
             </a:pPr>
             <a:r>
-              <a:rPr lang="te-IN" sz="1000" b="0" i="0" kern="1200" spc="0" baseline="0" dirty="0">
+              <a:rPr lang="en-IN" sz="1200" b="0" i="0" kern="1200" spc="0" baseline="0" dirty="0">
                 <a:ln>
                   <a:noFill/>
                 </a:ln>
@@ -10186,7 +10215,22 @@
                 <a:ea typeface="+mn-ea"/>
                 <a:cs typeface="Anek Telugu SemiBold" pitchFamily="2" charset="0"/>
               </a:rPr>
-              <a:t>యేసయ్య యేసయ్య నీ కృపా చాలయ్యా</a:t>
+              <a:t>1. </a:t>
+            </a:r>
+            <a:r>
+              <a:rPr lang="te-IN" sz="1200" b="0" i="0" kern="1200" spc="0" baseline="0" dirty="0">
+                <a:ln>
+                  <a:noFill/>
+                </a:ln>
+                <a:solidFill>
+                  <a:srgbClr val="000000"/>
+                </a:solidFill>
+                <a:effectLst/>
+                <a:latin typeface="Anek Telugu SemiBold" pitchFamily="2" charset="0"/>
+                <a:ea typeface="+mn-ea"/>
+                <a:cs typeface="Anek Telugu SemiBold" pitchFamily="2" charset="0"/>
+              </a:rPr>
+              <a:t>ఈవులెన్నెన్నో దయచేసితివి</a:t>
             </a:r>
           </a:p>
           <a:p>
@@ -10202,7 +10246,7 @@
               </a:spcAft>
             </a:pPr>
             <a:r>
-              <a:rPr lang="te-IN" sz="1000" b="0" i="0" kern="1200" spc="0" baseline="0" dirty="0">
+              <a:rPr lang="te-IN" sz="1200" b="0" i="0" kern="1200" spc="0" baseline="0" dirty="0">
                 <a:ln>
                   <a:noFill/>
                 </a:ln>
@@ -10214,9 +10258,78 @@
                 <a:ea typeface="+mn-ea"/>
                 <a:cs typeface="Anek Telugu SemiBold" pitchFamily="2" charset="0"/>
               </a:rPr>
-              <a:t>యేసయ్య యేసయ్య నీ ప్రేమే చాలయ్య</a:t>
-            </a:r>
-            <a:endParaRPr lang="en-IN" sz="1000" b="0" i="0" kern="1200" spc="0" baseline="0" dirty="0">
+              <a:t>నీ స్నేహమే నాకు స్థిరపరచితివి (2)</a:t>
+            </a:r>
+          </a:p>
+          <a:p>
+            <a:pPr marL="0" marR="0" indent="0" algn="ctr" rtl="0" eaLnBrk="1" fontAlgn="auto" latinLnBrk="0" hangingPunct="1">
+              <a:lnSpc>
+                <a:spcPct val="150000"/>
+              </a:lnSpc>
+              <a:spcBef>
+                <a:spcPts val="0"/>
+              </a:spcBef>
+              <a:spcAft>
+                <a:spcPts val="0"/>
+              </a:spcAft>
+            </a:pPr>
+            <a:r>
+              <a:rPr lang="te-IN" sz="1200" b="0" i="0" kern="1200" spc="0" baseline="0" dirty="0">
+                <a:ln>
+                  <a:noFill/>
+                </a:ln>
+                <a:solidFill>
+                  <a:srgbClr val="000000"/>
+                </a:solidFill>
+                <a:effectLst/>
+                <a:latin typeface="Anek Telugu SemiBold" pitchFamily="2" charset="0"/>
+                <a:ea typeface="+mn-ea"/>
+                <a:cs typeface="Anek Telugu SemiBold" pitchFamily="2" charset="0"/>
+              </a:rPr>
+              <a:t>నీ పాద సేవ చేయుట కన్నా</a:t>
+            </a:r>
+          </a:p>
+          <a:p>
+            <a:pPr marL="0" marR="0" indent="0" algn="ctr" rtl="0" eaLnBrk="1" fontAlgn="auto" latinLnBrk="0" hangingPunct="1">
+              <a:lnSpc>
+                <a:spcPct val="150000"/>
+              </a:lnSpc>
+              <a:spcBef>
+                <a:spcPts val="0"/>
+              </a:spcBef>
+              <a:spcAft>
+                <a:spcPts val="0"/>
+              </a:spcAft>
+            </a:pPr>
+            <a:r>
+              <a:rPr lang="te-IN" sz="1200" b="0" i="0" kern="1200" spc="0" baseline="0" dirty="0">
+                <a:ln>
+                  <a:noFill/>
+                </a:ln>
+                <a:solidFill>
+                  <a:srgbClr val="000000"/>
+                </a:solidFill>
+                <a:effectLst/>
+                <a:latin typeface="Anek Telugu SemiBold" pitchFamily="2" charset="0"/>
+                <a:ea typeface="+mn-ea"/>
+                <a:cs typeface="Anek Telugu SemiBold" pitchFamily="2" charset="0"/>
+              </a:rPr>
+              <a:t>విలువైన భాగ్యం లేదు (2) నాకూ</a:t>
+            </a:r>
+          </a:p>
+          <a:p>
+            <a:pPr marL="0" marR="0" indent="0" algn="ctr" rtl="0" eaLnBrk="1" fontAlgn="auto" latinLnBrk="0" hangingPunct="1">
+              <a:lnSpc>
+                <a:spcPct val="150000"/>
+              </a:lnSpc>
+              <a:spcBef>
+                <a:spcPts val="0"/>
+              </a:spcBef>
+              <a:spcAft>
+                <a:spcPts val="0"/>
+              </a:spcAft>
+            </a:pPr>
+            <a:endParaRPr lang="te-IN" sz="1200" b="0" i="0" kern="1200" spc="0" baseline="0" dirty="0">
               <a:ln>
                 <a:noFill/>
               </a:ln>
@@ -10241,18 +10354,36 @@
                 <a:spcPts val="0"/>
               </a:spcAft>
             </a:pPr>
-            <a:endParaRPr lang="te-IN" sz="1000" b="0" i="0" kern="1200" spc="0" baseline="0" dirty="0">
-              <a:ln>
-                <a:noFill/>
-              </a:ln>
-              <a:solidFill>
-                <a:srgbClr val="000000"/>
-              </a:solidFill>
-              <a:effectLst/>
-              <a:latin typeface="Anek Telugu SemiBold" pitchFamily="2" charset="0"/>
-              <a:ea typeface="+mn-ea"/>
-              <a:cs typeface="Anek Telugu SemiBold" pitchFamily="2" charset="0"/>
-            </a:endParaRPr>
+            <a:r>
+              <a:rPr lang="en-IN" sz="1200" b="0" i="0" kern="1200" spc="0" baseline="0" dirty="0">
+                <a:ln>
+                  <a:noFill/>
+                </a:ln>
+                <a:solidFill>
+                  <a:srgbClr val="000000"/>
+                </a:solidFill>
+                <a:effectLst/>
+                <a:latin typeface="Anek Telugu SemiBold" pitchFamily="2" charset="0"/>
+                <a:ea typeface="+mn-ea"/>
+                <a:cs typeface="Anek Telugu SemiBold" pitchFamily="2" charset="0"/>
+              </a:rPr>
+              <a:t>2. </a:t>
+            </a:r>
+            <a:r>
+              <a:rPr lang="te-IN" sz="1200" b="0" i="0" kern="1200" spc="0" baseline="0" dirty="0">
+                <a:ln>
+                  <a:noFill/>
+                </a:ln>
+                <a:solidFill>
+                  <a:srgbClr val="000000"/>
+                </a:solidFill>
+                <a:effectLst/>
+                <a:latin typeface="Anek Telugu SemiBold" pitchFamily="2" charset="0"/>
+                <a:ea typeface="+mn-ea"/>
+                <a:cs typeface="Anek Telugu SemiBold" pitchFamily="2" charset="0"/>
+              </a:rPr>
+              <a:t>అవసరతలు ఏవైన తీర్చెడి</a:t>
+            </a:r>
           </a:p>
           <a:p>
             <a:pPr marL="0" marR="0" indent="0" algn="ctr" rtl="0" eaLnBrk="1" fontAlgn="auto" latinLnBrk="0" hangingPunct="1">
@@ -10267,7 +10398,7 @@
               </a:spcAft>
             </a:pPr>
             <a:r>
-              <a:rPr lang="te-IN" sz="1000" b="0" i="0" kern="1200" spc="0" baseline="0" dirty="0">
+              <a:rPr lang="te-IN" sz="1200" b="0" i="0" kern="1200" spc="0" baseline="0" dirty="0">
                 <a:ln>
                   <a:noFill/>
                 </a:ln>
@@ -10279,37 +10410,7 @@
                 <a:ea typeface="+mn-ea"/>
                 <a:cs typeface="Anek Telugu SemiBold" pitchFamily="2" charset="0"/>
               </a:rPr>
-              <a:t>1. మహారాజుగా నా తోడువై</a:t>
-            </a:r>
-            <a:r>
-              <a:rPr lang="en-IN" sz="1000" b="0" i="0" kern="1200" spc="0" baseline="0" dirty="0">
-                <a:ln>
-                  <a:noFill/>
-                </a:ln>
-                <a:solidFill>
-                  <a:srgbClr val="000000"/>
-                </a:solidFill>
-                <a:effectLst/>
-                <a:latin typeface="Anek Telugu SemiBold" pitchFamily="2" charset="0"/>
-                <a:ea typeface="+mn-ea"/>
-                <a:cs typeface="Anek Telugu SemiBold" pitchFamily="2" charset="0"/>
-              </a:rPr>
-              <a:t> - </a:t>
-            </a:r>
-            <a:r>
-              <a:rPr lang="te-IN" sz="1000" b="0" i="0" kern="1200" spc="0" baseline="0" dirty="0">
-                <a:ln>
-                  <a:noFill/>
-                </a:ln>
-                <a:solidFill>
-                  <a:srgbClr val="000000"/>
-                </a:solidFill>
-                <a:effectLst/>
-                <a:latin typeface="Anek Telugu SemiBold" pitchFamily="2" charset="0"/>
-                <a:ea typeface="+mn-ea"/>
-                <a:cs typeface="Anek Telugu SemiBold" pitchFamily="2" charset="0"/>
-              </a:rPr>
-              <a:t>నిలిచావు ప్రతి స్థలమున</a:t>
+              <a:t>యెహోవా యీరే నీవే (2)</a:t>
             </a:r>
           </a:p>
           <a:p>
@@ -10325,7 +10426,7 @@
               </a:spcAft>
             </a:pPr>
             <a:r>
-              <a:rPr lang="te-IN" sz="1000" b="0" i="0" kern="1200" spc="0" baseline="0" dirty="0">
+              <a:rPr lang="te-IN" sz="1200" b="0" i="0" kern="1200" spc="0" baseline="0" dirty="0">
                 <a:ln>
                   <a:noFill/>
                 </a:ln>
@@ -10337,37 +10438,7 @@
                 <a:ea typeface="+mn-ea"/>
                 <a:cs typeface="Anek Telugu SemiBold" pitchFamily="2" charset="0"/>
               </a:rPr>
-              <a:t>నా భారము నీవు మోయగా</a:t>
-            </a:r>
-            <a:r>
-              <a:rPr lang="en-IN" sz="1000" b="0" i="0" kern="1200" spc="0" baseline="0" dirty="0">
-                <a:ln>
-                  <a:noFill/>
-                </a:ln>
-                <a:solidFill>
-                  <a:srgbClr val="000000"/>
-                </a:solidFill>
-                <a:effectLst/>
-                <a:latin typeface="Anek Telugu SemiBold" pitchFamily="2" charset="0"/>
-                <a:ea typeface="+mn-ea"/>
-                <a:cs typeface="Anek Telugu SemiBold" pitchFamily="2" charset="0"/>
-              </a:rPr>
-              <a:t> - </a:t>
-            </a:r>
-            <a:r>
-              <a:rPr lang="te-IN" sz="1000" b="0" i="0" kern="1200" spc="0" baseline="0" dirty="0">
-                <a:ln>
-                  <a:noFill/>
-                </a:ln>
-                <a:solidFill>
-                  <a:srgbClr val="000000"/>
-                </a:solidFill>
-                <a:effectLst/>
-                <a:latin typeface="Anek Telugu SemiBold" pitchFamily="2" charset="0"/>
-                <a:ea typeface="+mn-ea"/>
-                <a:cs typeface="Anek Telugu SemiBold" pitchFamily="2" charset="0"/>
-              </a:rPr>
-              <a:t>సులువాయే నా పాయనము</a:t>
+              <a:t>నా కోరికంతా ఏ క్షణమైనా</a:t>
             </a:r>
           </a:p>
           <a:p>
@@ -10383,7 +10454,7 @@
               </a:spcAft>
             </a:pPr>
             <a:r>
-              <a:rPr lang="te-IN" sz="1000" b="0" i="0" kern="1200" spc="0" baseline="0" dirty="0">
+              <a:rPr lang="te-IN" sz="1200" b="0" i="0" kern="1200" spc="0" baseline="0" dirty="0">
                 <a:ln>
                   <a:noFill/>
                 </a:ln>
@@ -10395,348 +10466,7 @@
                 <a:ea typeface="+mn-ea"/>
                 <a:cs typeface="Anek Telugu SemiBold" pitchFamily="2" charset="0"/>
               </a:rPr>
-              <a:t>నీ దయచేతనే కలిగిన క్షేమము –</a:t>
-            </a:r>
-            <a:r>
-              <a:rPr lang="en-IN" sz="1000" b="0" i="0" kern="1200" spc="0" baseline="0" dirty="0">
-                <a:ln>
-                  <a:noFill/>
-                </a:ln>
-                <a:solidFill>
-                  <a:srgbClr val="000000"/>
-                </a:solidFill>
-                <a:effectLst/>
-                <a:latin typeface="Anek Telugu SemiBold" pitchFamily="2" charset="0"/>
-                <a:ea typeface="+mn-ea"/>
-                <a:cs typeface="Anek Telugu SemiBold" pitchFamily="2" charset="0"/>
-              </a:rPr>
-              <a:t> </a:t>
-            </a:r>
-            <a:r>
-              <a:rPr lang="te-IN" sz="1000" b="0" i="0" kern="1200" spc="0" baseline="0" dirty="0">
-                <a:ln>
-                  <a:noFill/>
-                </a:ln>
-                <a:solidFill>
-                  <a:srgbClr val="000000"/>
-                </a:solidFill>
-                <a:effectLst/>
-                <a:latin typeface="Anek Telugu SemiBold" pitchFamily="2" charset="0"/>
-                <a:ea typeface="+mn-ea"/>
-                <a:cs typeface="Anek Telugu SemiBold" pitchFamily="2" charset="0"/>
-              </a:rPr>
-              <a:t>ఎన్నడు నను వీడదే (2)</a:t>
-            </a:r>
-          </a:p>
-          <a:p>
-            <a:pPr marL="0" marR="0" indent="0" algn="ctr" rtl="0" eaLnBrk="1" fontAlgn="auto" latinLnBrk="0" hangingPunct="1">
-              <a:lnSpc>
-                <a:spcPct val="150000"/>
-              </a:lnSpc>
-              <a:spcBef>
-                <a:spcPts val="0"/>
-              </a:spcBef>
-              <a:spcAft>
-                <a:spcPts val="0"/>
-              </a:spcAft>
-            </a:pPr>
-            <a:r>
-              <a:rPr lang="te-IN" sz="1000" b="0" i="0" kern="1200" spc="0" baseline="0" dirty="0">
-                <a:ln>
-                  <a:noFill/>
-                </a:ln>
-                <a:solidFill>
-                  <a:srgbClr val="000000"/>
-                </a:solidFill>
-                <a:effectLst/>
-                <a:latin typeface="Anek Telugu SemiBold" pitchFamily="2" charset="0"/>
-                <a:ea typeface="+mn-ea"/>
-                <a:cs typeface="Anek Telugu SemiBold" pitchFamily="2" charset="0"/>
-              </a:rPr>
-              <a:t>నీ సన్నిధిలో పొందిన మేలు –</a:t>
-            </a:r>
-          </a:p>
-          <a:p>
-            <a:pPr marL="0" marR="0" indent="0" algn="ctr" rtl="0" eaLnBrk="1" fontAlgn="auto" latinLnBrk="0" hangingPunct="1">
-              <a:lnSpc>
-                <a:spcPct val="150000"/>
-              </a:lnSpc>
-              <a:spcBef>
-                <a:spcPts val="0"/>
-              </a:spcBef>
-              <a:spcAft>
-                <a:spcPts val="0"/>
-              </a:spcAft>
-            </a:pPr>
-            <a:r>
-              <a:rPr lang="te-IN" sz="1000" b="0" i="0" kern="1200" spc="0" baseline="0" dirty="0">
-                <a:ln>
-                  <a:noFill/>
-                </a:ln>
-                <a:solidFill>
-                  <a:srgbClr val="000000"/>
-                </a:solidFill>
-                <a:effectLst/>
-                <a:latin typeface="Anek Telugu SemiBold" pitchFamily="2" charset="0"/>
-                <a:ea typeface="+mn-ea"/>
-                <a:cs typeface="Anek Telugu SemiBold" pitchFamily="2" charset="0"/>
-              </a:rPr>
-              <a:t>తరగని సౌభాగ్యమే  (2) || యేసయ్యా ||</a:t>
-            </a:r>
-          </a:p>
-          <a:p>
-            <a:pPr marL="0" marR="0" indent="0" algn="ctr" rtl="0" eaLnBrk="1" fontAlgn="auto" latinLnBrk="0" hangingPunct="1">
-              <a:lnSpc>
-                <a:spcPct val="150000"/>
-              </a:lnSpc>
-              <a:spcBef>
-                <a:spcPts val="0"/>
-              </a:spcBef>
-              <a:spcAft>
-                <a:spcPts val="0"/>
-              </a:spcAft>
-            </a:pPr>
-            <a:endParaRPr lang="te-IN" sz="1000" b="0" i="0" kern="1200" spc="0" baseline="0" dirty="0">
-              <a:ln>
-                <a:noFill/>
-              </a:ln>
-              <a:solidFill>
-                <a:srgbClr val="000000"/>
-              </a:solidFill>
-              <a:effectLst/>
-              <a:latin typeface="Anek Telugu SemiBold" pitchFamily="2" charset="0"/>
-              <a:ea typeface="+mn-ea"/>
-              <a:cs typeface="Anek Telugu SemiBold" pitchFamily="2" charset="0"/>
-            </a:endParaRPr>
-          </a:p>
-          <a:p>
-            <a:pPr marL="0" marR="0" indent="0" algn="ctr" rtl="0" eaLnBrk="1" fontAlgn="auto" latinLnBrk="0" hangingPunct="1">
-              <a:lnSpc>
-                <a:spcPct val="150000"/>
-              </a:lnSpc>
-              <a:spcBef>
-                <a:spcPts val="0"/>
-              </a:spcBef>
-              <a:spcAft>
-                <a:spcPts val="0"/>
-              </a:spcAft>
-            </a:pPr>
-            <a:r>
-              <a:rPr lang="te-IN" sz="1000" b="0" i="0" kern="1200" spc="0" baseline="0" dirty="0">
-                <a:ln>
-                  <a:noFill/>
-                </a:ln>
-                <a:solidFill>
-                  <a:srgbClr val="000000"/>
-                </a:solidFill>
-                <a:effectLst/>
-                <a:latin typeface="Anek Telugu SemiBold" pitchFamily="2" charset="0"/>
-                <a:ea typeface="+mn-ea"/>
-                <a:cs typeface="Anek Telugu SemiBold" pitchFamily="2" charset="0"/>
-              </a:rPr>
-              <a:t>2. సుకుమారుడా నీ చరితము</a:t>
-            </a:r>
-            <a:r>
-              <a:rPr lang="en-IN" sz="1000" b="0" i="0" kern="1200" spc="0" baseline="0" dirty="0">
-                <a:ln>
-                  <a:noFill/>
-                </a:ln>
-                <a:solidFill>
-                  <a:srgbClr val="000000"/>
-                </a:solidFill>
-                <a:effectLst/>
-                <a:latin typeface="Anek Telugu SemiBold" pitchFamily="2" charset="0"/>
-                <a:ea typeface="+mn-ea"/>
-                <a:cs typeface="Anek Telugu SemiBold" pitchFamily="2" charset="0"/>
-              </a:rPr>
-              <a:t> - </a:t>
-            </a:r>
-            <a:r>
-              <a:rPr lang="te-IN" sz="1000" b="0" i="0" kern="1200" spc="0" baseline="0" dirty="0">
-                <a:ln>
-                  <a:noFill/>
-                </a:ln>
-                <a:solidFill>
-                  <a:srgbClr val="000000"/>
-                </a:solidFill>
-                <a:effectLst/>
-                <a:latin typeface="Anek Telugu SemiBold" pitchFamily="2" charset="0"/>
-                <a:ea typeface="+mn-ea"/>
-                <a:cs typeface="Anek Telugu SemiBold" pitchFamily="2" charset="0"/>
-              </a:rPr>
-              <a:t>నేనెంత వివరింతును</a:t>
-            </a:r>
-          </a:p>
-          <a:p>
-            <a:pPr marL="0" marR="0" indent="0" algn="ctr" rtl="0" eaLnBrk="1" fontAlgn="auto" latinLnBrk="0" hangingPunct="1">
-              <a:lnSpc>
-                <a:spcPct val="150000"/>
-              </a:lnSpc>
-              <a:spcBef>
-                <a:spcPts val="0"/>
-              </a:spcBef>
-              <a:spcAft>
-                <a:spcPts val="0"/>
-              </a:spcAft>
-            </a:pPr>
-            <a:r>
-              <a:rPr lang="te-IN" sz="1000" b="0" i="0" kern="1200" spc="0" baseline="0" dirty="0">
-                <a:ln>
-                  <a:noFill/>
-                </a:ln>
-                <a:solidFill>
-                  <a:srgbClr val="000000"/>
-                </a:solidFill>
-                <a:effectLst/>
-                <a:latin typeface="Anek Telugu SemiBold" pitchFamily="2" charset="0"/>
-                <a:ea typeface="+mn-ea"/>
-                <a:cs typeface="Anek Telugu SemiBold" pitchFamily="2" charset="0"/>
-              </a:rPr>
-              <a:t>నీ మహిమను ప్రకటించగా</a:t>
-            </a:r>
-            <a:r>
-              <a:rPr lang="en-IN" sz="1000" b="0" i="0" kern="1200" spc="0" baseline="0" dirty="0">
-                <a:ln>
-                  <a:noFill/>
-                </a:ln>
-                <a:solidFill>
-                  <a:srgbClr val="000000"/>
-                </a:solidFill>
-                <a:effectLst/>
-                <a:latin typeface="Anek Telugu SemiBold" pitchFamily="2" charset="0"/>
-                <a:ea typeface="+mn-ea"/>
-                <a:cs typeface="Anek Telugu SemiBold" pitchFamily="2" charset="0"/>
-              </a:rPr>
-              <a:t> - </a:t>
-            </a:r>
-            <a:r>
-              <a:rPr lang="te-IN" sz="1000" b="0" i="0" kern="1200" spc="0" baseline="0" dirty="0">
-                <a:ln>
-                  <a:noFill/>
-                </a:ln>
-                <a:solidFill>
-                  <a:srgbClr val="000000"/>
-                </a:solidFill>
-                <a:effectLst/>
-                <a:latin typeface="Anek Telugu SemiBold" pitchFamily="2" charset="0"/>
-                <a:ea typeface="+mn-ea"/>
-                <a:cs typeface="Anek Telugu SemiBold" pitchFamily="2" charset="0"/>
-              </a:rPr>
-              <a:t>నేనెంతో ధన్యుడను</a:t>
-            </a:r>
-          </a:p>
-          <a:p>
-            <a:pPr marL="0" marR="0" indent="0" algn="ctr" rtl="0" eaLnBrk="1" fontAlgn="auto" latinLnBrk="0" hangingPunct="1">
-              <a:lnSpc>
-                <a:spcPct val="150000"/>
-              </a:lnSpc>
-              <a:spcBef>
-                <a:spcPts val="0"/>
-              </a:spcBef>
-              <a:spcAft>
-                <a:spcPts val="0"/>
-              </a:spcAft>
-            </a:pPr>
-            <a:r>
-              <a:rPr lang="te-IN" sz="1000" b="0" i="0" kern="1200" spc="0" baseline="0" dirty="0">
-                <a:ln>
-                  <a:noFill/>
-                </a:ln>
-                <a:solidFill>
-                  <a:srgbClr val="000000"/>
-                </a:solidFill>
-                <a:effectLst/>
-                <a:latin typeface="Anek Telugu SemiBold" pitchFamily="2" charset="0"/>
-                <a:ea typeface="+mn-ea"/>
-                <a:cs typeface="Anek Telugu SemiBold" pitchFamily="2" charset="0"/>
-              </a:rPr>
-              <a:t>ఘనులకు లేదే ఈ శుభతరుణం –</a:t>
-            </a:r>
-            <a:r>
-              <a:rPr lang="en-IN" sz="1000" b="0" i="0" kern="1200" spc="0" baseline="0" dirty="0">
-                <a:ln>
-                  <a:noFill/>
-                </a:ln>
-                <a:solidFill>
-                  <a:srgbClr val="000000"/>
-                </a:solidFill>
-                <a:effectLst/>
-                <a:latin typeface="Anek Telugu SemiBold" pitchFamily="2" charset="0"/>
-                <a:ea typeface="+mn-ea"/>
-                <a:cs typeface="Anek Telugu SemiBold" pitchFamily="2" charset="0"/>
-              </a:rPr>
-              <a:t> </a:t>
-            </a:r>
-            <a:r>
-              <a:rPr lang="te-IN" sz="1000" b="0" i="0" kern="1200" spc="0" baseline="0" dirty="0">
-                <a:ln>
-                  <a:noFill/>
-                </a:ln>
-                <a:solidFill>
-                  <a:srgbClr val="000000"/>
-                </a:solidFill>
-                <a:effectLst/>
-                <a:latin typeface="Anek Telugu SemiBold" pitchFamily="2" charset="0"/>
-                <a:ea typeface="+mn-ea"/>
-                <a:cs typeface="Anek Telugu SemiBold" pitchFamily="2" charset="0"/>
-              </a:rPr>
-              <a:t>నాకిది నీ భాగ్యమా (2)</a:t>
-            </a:r>
-          </a:p>
-          <a:p>
-            <a:pPr marL="0" marR="0" indent="0" algn="ctr" rtl="0" eaLnBrk="1" fontAlgn="auto" latinLnBrk="0" hangingPunct="1">
-              <a:lnSpc>
-                <a:spcPct val="150000"/>
-              </a:lnSpc>
-              <a:spcBef>
-                <a:spcPts val="0"/>
-              </a:spcBef>
-              <a:spcAft>
-                <a:spcPts val="0"/>
-              </a:spcAft>
-            </a:pPr>
-            <a:r>
-              <a:rPr lang="te-IN" sz="1000" b="0" i="0" kern="1200" spc="0" baseline="0" dirty="0">
-                <a:ln>
-                  <a:noFill/>
-                </a:ln>
-                <a:solidFill>
-                  <a:srgbClr val="000000"/>
-                </a:solidFill>
-                <a:effectLst/>
-                <a:latin typeface="Anek Telugu SemiBold" pitchFamily="2" charset="0"/>
-                <a:ea typeface="+mn-ea"/>
-                <a:cs typeface="Anek Telugu SemiBold" pitchFamily="2" charset="0"/>
-              </a:rPr>
-              <a:t>జీవితమంతా నీకర్పించి –</a:t>
-            </a:r>
-          </a:p>
-          <a:p>
-            <a:pPr marL="0" marR="0" indent="0" algn="ctr" rtl="0" eaLnBrk="1" fontAlgn="auto" latinLnBrk="0" hangingPunct="1">
-              <a:lnSpc>
-                <a:spcPct val="150000"/>
-              </a:lnSpc>
-              <a:spcBef>
-                <a:spcPts val="0"/>
-              </a:spcBef>
-              <a:spcAft>
-                <a:spcPts val="0"/>
-              </a:spcAft>
-            </a:pPr>
-            <a:r>
-              <a:rPr lang="te-IN" sz="1000" b="0" i="0" kern="1200" spc="0" baseline="0" dirty="0">
-                <a:ln>
-                  <a:noFill/>
-                </a:ln>
-                <a:solidFill>
-                  <a:srgbClr val="000000"/>
-                </a:solidFill>
-                <a:effectLst/>
-                <a:latin typeface="Anek Telugu SemiBold" pitchFamily="2" charset="0"/>
-                <a:ea typeface="+mn-ea"/>
-                <a:cs typeface="Anek Telugu SemiBold" pitchFamily="2" charset="0"/>
-              </a:rPr>
-              <a:t>నీ రుణము నే తీర్చనా (2)  || యేసయ్యా ||</a:t>
+              <a:t>నీవేగా నా యేసూ (2) ఆమెన్</a:t>
             </a:r>
           </a:p>
         </p:txBody>
@@ -10802,7 +10532,7 @@
                 <a:latin typeface="Anek Telugu SemiBold" pitchFamily="2" charset="0"/>
                 <a:cs typeface="Anek Telugu SemiBold" pitchFamily="2" charset="0"/>
               </a:rPr>
-              <a:t>నమ్మకమైన దేవుడవైన</a:t>
+              <a:t>నిను స్తుతించినా చాలు నా బ్రతుకు దినములో</a:t>
             </a:r>
           </a:p>
           <a:p>
@@ -10820,7 +10550,7 @@
                 <a:latin typeface="Anek Telugu SemiBold" pitchFamily="2" charset="0"/>
                 <a:cs typeface="Anek Telugu SemiBold" pitchFamily="2" charset="0"/>
               </a:rPr>
-              <a:t>నీవే చాలు యేసయ్యా (2)</a:t>
+              <a:t>నిను పొగిడినా చాలు నా గుండె గుడిలో (2)</a:t>
             </a:r>
           </a:p>
           <a:p>
@@ -10838,7 +10568,7 @@
                 <a:latin typeface="Anek Telugu SemiBold" pitchFamily="2" charset="0"/>
                 <a:cs typeface="Anek Telugu SemiBold" pitchFamily="2" charset="0"/>
               </a:rPr>
-              <a:t>నేనేమైయున్నా ఏ స్థితిలో ఉన్నా (2)</a:t>
+              <a:t>ఉన్నా లేకున్నా నా స్థితి గతులే మారినా</a:t>
             </a:r>
           </a:p>
           <a:p>
@@ -10856,7 +10586,25 @@
                 <a:latin typeface="Anek Telugu SemiBold" pitchFamily="2" charset="0"/>
                 <a:cs typeface="Anek Telugu SemiBold" pitchFamily="2" charset="0"/>
               </a:rPr>
-              <a:t>ఇంకేమి కోరుకోనయ్యా (2)</a:t>
+              <a:t>నీ సన్నిధిలో…</a:t>
+            </a:r>
+          </a:p>
+          <a:p>
+            <a:pPr algn="ctr">
+              <a:lnSpc>
+                <a:spcPct val="150000"/>
+              </a:lnSpc>
+            </a:pPr>
+            <a:r>
+              <a:rPr lang="te-IN" sz="1200" i="0" dirty="0">
+                <a:solidFill>
+                  <a:schemeClr val="tx1"/>
+                </a:solidFill>
+                <a:effectLst/>
+                <a:latin typeface="Anek Telugu SemiBold" pitchFamily="2" charset="0"/>
+                <a:cs typeface="Anek Telugu SemiBold" pitchFamily="2" charset="0"/>
+              </a:rPr>
+              <a:t>నీ సన్నిధిలో ఆనందించే భాగ్యమున్నా చాలు      ||నిను||</a:t>
             </a:r>
           </a:p>
           <a:p>
@@ -10900,7 +10648,7 @@
                 <a:latin typeface="Anek Telugu SemiBold" pitchFamily="2" charset="0"/>
                 <a:cs typeface="Anek Telugu SemiBold" pitchFamily="2" charset="0"/>
               </a:rPr>
-              <a:t>ఆప్తులైన వారే హాని చేయచూసినా</a:t>
+              <a:t>స్తుతులకు పాత్రుడవు నీవేనయ్యా</a:t>
             </a:r>
           </a:p>
           <a:p>
@@ -10918,7 +10666,7 @@
                 <a:latin typeface="Anek Telugu SemiBold" pitchFamily="2" charset="0"/>
                 <a:cs typeface="Anek Telugu SemiBold" pitchFamily="2" charset="0"/>
               </a:rPr>
-              <a:t>మిత్రులే నిలువకుండినా (2)</a:t>
+              <a:t>స్తోత్రార్హుడవు నీవేనయ్యా (2)</a:t>
             </a:r>
           </a:p>
           <a:p>
@@ -10936,25 +10684,7 @@
                 <a:latin typeface="Anek Telugu SemiBold" pitchFamily="2" charset="0"/>
                 <a:cs typeface="Anek Telugu SemiBold" pitchFamily="2" charset="0"/>
               </a:rPr>
-              <a:t>న్యాయము తీర్చే నీవు నాకుంటే (2)</a:t>
-            </a:r>
-          </a:p>
-          <a:p>
-            <a:pPr algn="ctr">
-              <a:lnSpc>
-                <a:spcPct val="150000"/>
-              </a:lnSpc>
-            </a:pPr>
-            <a:r>
-              <a:rPr lang="te-IN" sz="1200" i="0" dirty="0">
-                <a:solidFill>
-                  <a:schemeClr val="tx1"/>
-                </a:solidFill>
-                <a:effectLst/>
-                <a:latin typeface="Anek Telugu SemiBold" pitchFamily="2" charset="0"/>
-                <a:cs typeface="Anek Telugu SemiBold" pitchFamily="2" charset="0"/>
-              </a:rPr>
-              <a:t>చాలు యేసయ్యా (2)</a:t>
+              <a:t>నీవేనయ్యా నాకు నీవేనయ్యా (2)        ||నిను||</a:t>
             </a:r>
           </a:p>
           <a:p>
@@ -10998,7 +10728,7 @@
                 <a:latin typeface="Anek Telugu SemiBold" pitchFamily="2" charset="0"/>
                 <a:cs typeface="Anek Telugu SemiBold" pitchFamily="2" charset="0"/>
               </a:rPr>
-              <a:t>జ్ఞానమంత చూపి శక్తి ధారపోసినా</a:t>
+              <a:t>ప్రేమా స్వరూపుడవు నీవేనయ్యా</a:t>
             </a:r>
           </a:p>
           <a:p>
@@ -11016,7 +10746,7 @@
                 <a:latin typeface="Anek Telugu SemiBold" pitchFamily="2" charset="0"/>
                 <a:cs typeface="Anek Telugu SemiBold" pitchFamily="2" charset="0"/>
               </a:rPr>
-              <a:t>నష్టమే మిగులుచుండినా (2)</a:t>
+              <a:t>స్తోత్రార్హుడవు నీవేనయ్యా (2)</a:t>
             </a:r>
           </a:p>
           <a:p>
@@ -11034,25 +10764,7 @@
                 <a:latin typeface="Anek Telugu SemiBold" pitchFamily="2" charset="0"/>
                 <a:cs typeface="Anek Telugu SemiBold" pitchFamily="2" charset="0"/>
               </a:rPr>
-              <a:t>శాపము బాపే నీవు నాకుంటే (2)</a:t>
-            </a:r>
-          </a:p>
-          <a:p>
-            <a:pPr algn="ctr">
-              <a:lnSpc>
-                <a:spcPct val="150000"/>
-              </a:lnSpc>
-            </a:pPr>
-            <a:r>
-              <a:rPr lang="te-IN" sz="1200" i="0" dirty="0">
-                <a:solidFill>
-                  <a:schemeClr val="tx1"/>
-                </a:solidFill>
-                <a:effectLst/>
-                <a:latin typeface="Anek Telugu SemiBold" pitchFamily="2" charset="0"/>
-                <a:cs typeface="Anek Telugu SemiBold" pitchFamily="2" charset="0"/>
-              </a:rPr>
-              <a:t>చాలు యేసయ్యా (2)</a:t>
+              <a:t>నీవేనయ్యా నాకు నీవేనయ్యా (2)        ||నిను||</a:t>
             </a:r>
           </a:p>
         </p:txBody>
@@ -11116,19 +10828,19 @@
               </a:spcAft>
             </a:pPr>
             <a:r>
-              <a:rPr lang="te-IN" sz="950" b="0" i="0" kern="1200" spc="0" baseline="0" dirty="0">
+              <a:rPr lang="te-IN" sz="1050" b="0" i="0" kern="1200" spc="0" baseline="0" dirty="0">
                 <a:ln>
                   <a:noFill/>
                 </a:ln>
                 <a:solidFill>
-                  <a:srgbClr val="000000"/>
+                  <a:schemeClr val="tx1"/>
                 </a:solidFill>
                 <a:effectLst/>
                 <a:latin typeface="Anek Telugu SemiBold" pitchFamily="2" charset="0"/>
                 <a:ea typeface="+mn-ea"/>
                 <a:cs typeface="Anek Telugu SemiBold" pitchFamily="2" charset="0"/>
               </a:rPr>
-              <a:t>చాలునయా చాలునయా</a:t>
+              <a:t>ఎడబాయని నీ కృప</a:t>
             </a:r>
           </a:p>
           <a:p>
@@ -11144,19 +10856,19 @@
               </a:spcAft>
             </a:pPr>
             <a:r>
-              <a:rPr lang="te-IN" sz="950" b="0" i="0" kern="1200" spc="0" baseline="0" dirty="0">
+              <a:rPr lang="te-IN" sz="1050" b="0" i="0" kern="1200" spc="0" baseline="0" dirty="0">
                 <a:ln>
                   <a:noFill/>
                 </a:ln>
                 <a:solidFill>
-                  <a:srgbClr val="000000"/>
+                  <a:schemeClr val="tx1"/>
                 </a:solidFill>
                 <a:effectLst/>
                 <a:latin typeface="Anek Telugu SemiBold" pitchFamily="2" charset="0"/>
                 <a:ea typeface="+mn-ea"/>
                 <a:cs typeface="Anek Telugu SemiBold" pitchFamily="2" charset="0"/>
               </a:rPr>
-              <a:t>నీ కృప నాకు చాలునయా</a:t>
+              <a:t>నను విడువదు ఎన్నటికీ (2)</a:t>
             </a:r>
           </a:p>
           <a:p>
@@ -11172,19 +10884,19 @@
               </a:spcAft>
             </a:pPr>
             <a:r>
-              <a:rPr lang="te-IN" sz="950" b="0" i="0" kern="1200" spc="0" baseline="0" dirty="0">
+              <a:rPr lang="te-IN" sz="1050" b="0" i="0" kern="1200" spc="0" baseline="0" dirty="0">
                 <a:ln>
                   <a:noFill/>
                 </a:ln>
                 <a:solidFill>
-                  <a:srgbClr val="000000"/>
+                  <a:schemeClr val="tx1"/>
                 </a:solidFill>
                 <a:effectLst/>
                 <a:latin typeface="Anek Telugu SemiBold" pitchFamily="2" charset="0"/>
                 <a:ea typeface="+mn-ea"/>
                 <a:cs typeface="Anek Telugu SemiBold" pitchFamily="2" charset="0"/>
               </a:rPr>
-              <a:t>ప్రేమామయుడివై ప్రేమించావు</a:t>
+              <a:t>యేసయ్యా నీ ప్రేమానురాగం</a:t>
             </a:r>
           </a:p>
           <a:p>
@@ -11200,19 +10912,19 @@
               </a:spcAft>
             </a:pPr>
             <a:r>
-              <a:rPr lang="te-IN" sz="950" b="0" i="0" kern="1200" spc="0" baseline="0" dirty="0">
+              <a:rPr lang="te-IN" sz="1050" b="0" i="0" kern="1200" spc="0" baseline="0" dirty="0">
                 <a:ln>
                   <a:noFill/>
                 </a:ln>
                 <a:solidFill>
-                  <a:srgbClr val="000000"/>
+                  <a:schemeClr val="tx1"/>
                 </a:solidFill>
                 <a:effectLst/>
                 <a:latin typeface="Anek Telugu SemiBold" pitchFamily="2" charset="0"/>
                 <a:ea typeface="+mn-ea"/>
                 <a:cs typeface="Anek Telugu SemiBold" pitchFamily="2" charset="0"/>
               </a:rPr>
-              <a:t>కరుణా మయుడివై కరుణించావు</a:t>
+              <a:t>నను కాయును అనుక్షణం (2)</a:t>
             </a:r>
           </a:p>
           <a:p>
@@ -11227,21 +10939,18 @@
                 <a:spcPts val="0"/>
               </a:spcAft>
             </a:pPr>
-            <a:r>
-              <a:rPr lang="te-IN" sz="950" b="0" i="0" kern="1200" spc="0" baseline="0" dirty="0">
-                <a:ln>
-                  <a:noFill/>
-                </a:ln>
-                <a:solidFill>
-                  <a:srgbClr val="000000"/>
-                </a:solidFill>
-                <a:effectLst/>
-                <a:latin typeface="Anek Telugu SemiBold" pitchFamily="2" charset="0"/>
-                <a:ea typeface="+mn-ea"/>
-                <a:cs typeface="Anek Telugu SemiBold" pitchFamily="2" charset="0"/>
-              </a:rPr>
-              <a:t>తల్లిగ లాలించి తండ్రిగ ప్రేమించి</a:t>
-            </a:r>
+            <a:endParaRPr lang="te-IN" sz="1050" b="0" i="0" kern="1200" spc="0" baseline="0" dirty="0">
+              <a:ln>
+                <a:noFill/>
+              </a:ln>
+              <a:solidFill>
+                <a:schemeClr val="tx1"/>
+              </a:solidFill>
+              <a:effectLst/>
+              <a:latin typeface="Anek Telugu SemiBold" pitchFamily="2" charset="0"/>
+              <a:ea typeface="+mn-ea"/>
+              <a:cs typeface="Anek Telugu SemiBold" pitchFamily="2" charset="0"/>
+            </a:endParaRPr>
           </a:p>
           <a:p>
             <a:pPr marL="0" marR="0" indent="0" algn="ctr" rtl="0" eaLnBrk="1" fontAlgn="auto" latinLnBrk="0" hangingPunct="1">
@@ -11256,19 +10965,34 @@
               </a:spcAft>
             </a:pPr>
             <a:r>
-              <a:rPr lang="te-IN" sz="950" b="0" i="0" kern="1200" spc="0" baseline="0" dirty="0">
+              <a:rPr lang="en-IN" sz="1050" b="0" i="0" kern="1200" spc="0" baseline="0" dirty="0">
                 <a:ln>
                   <a:noFill/>
                 </a:ln>
                 <a:solidFill>
-                  <a:srgbClr val="000000"/>
+                  <a:schemeClr val="tx1"/>
                 </a:solidFill>
                 <a:effectLst/>
                 <a:latin typeface="Anek Telugu SemiBold" pitchFamily="2" charset="0"/>
                 <a:ea typeface="+mn-ea"/>
                 <a:cs typeface="Anek Telugu SemiBold" pitchFamily="2" charset="0"/>
               </a:rPr>
-              <a:t>ప్రేమా కరుణ నీ కృప చాలు</a:t>
+              <a:t>1. </a:t>
+            </a:r>
+            <a:r>
+              <a:rPr lang="te-IN" sz="1050" b="0" i="0" kern="1200" spc="0" baseline="0" dirty="0">
+                <a:ln>
+                  <a:noFill/>
+                </a:ln>
+                <a:solidFill>
+                  <a:schemeClr val="tx1"/>
+                </a:solidFill>
+                <a:effectLst/>
+                <a:latin typeface="Anek Telugu SemiBold" pitchFamily="2" charset="0"/>
+                <a:ea typeface="+mn-ea"/>
+                <a:cs typeface="Anek Telugu SemiBold" pitchFamily="2" charset="0"/>
+              </a:rPr>
+              <a:t>శోకపు లోయలలో – కష్టాల కడగండ్లలో</a:t>
             </a:r>
           </a:p>
           <a:p>
@@ -11283,18 +11007,21 @@
                 <a:spcPts val="0"/>
               </a:spcAft>
             </a:pPr>
-            <a:endParaRPr lang="te-IN" sz="950" b="0" i="0" kern="1200" spc="0" baseline="0" dirty="0">
-              <a:ln>
-                <a:noFill/>
-              </a:ln>
-              <a:solidFill>
-                <a:srgbClr val="000000"/>
-              </a:solidFill>
-              <a:effectLst/>
-              <a:latin typeface="Anek Telugu SemiBold" pitchFamily="2" charset="0"/>
-              <a:ea typeface="+mn-ea"/>
-              <a:cs typeface="Anek Telugu SemiBold" pitchFamily="2" charset="0"/>
-            </a:endParaRPr>
+            <a:r>
+              <a:rPr lang="te-IN" sz="1050" b="0" i="0" kern="1200" spc="0" baseline="0" dirty="0">
+                <a:ln>
+                  <a:noFill/>
+                </a:ln>
+                <a:solidFill>
+                  <a:schemeClr val="tx1"/>
+                </a:solidFill>
+                <a:effectLst/>
+                <a:latin typeface="Anek Telugu SemiBold" pitchFamily="2" charset="0"/>
+                <a:ea typeface="+mn-ea"/>
+                <a:cs typeface="Anek Telugu SemiBold" pitchFamily="2" charset="0"/>
+              </a:rPr>
+              <a:t>కడలేని కడలిలో – నిరాశ నిసృహలో (2)</a:t>
+            </a:r>
           </a:p>
           <a:p>
             <a:pPr marL="0" marR="0" indent="0" algn="ctr" rtl="0" eaLnBrk="1" fontAlgn="auto" latinLnBrk="0" hangingPunct="1">
@@ -11309,19 +11036,19 @@
               </a:spcAft>
             </a:pPr>
             <a:r>
-              <a:rPr lang="te-IN" sz="950" b="0" i="0" kern="1200" spc="0" baseline="0" dirty="0">
+              <a:rPr lang="te-IN" sz="1050" b="0" i="0" kern="1200" spc="0" baseline="0" dirty="0">
                 <a:ln>
                   <a:noFill/>
                 </a:ln>
                 <a:solidFill>
-                  <a:srgbClr val="000000"/>
+                  <a:schemeClr val="tx1"/>
                 </a:solidFill>
                 <a:effectLst/>
                 <a:latin typeface="Anek Telugu SemiBold" pitchFamily="2" charset="0"/>
                 <a:ea typeface="+mn-ea"/>
                 <a:cs typeface="Anek Telugu SemiBold" pitchFamily="2" charset="0"/>
               </a:rPr>
-              <a:t>1. జిగటగల ఊబిలో పడియుండగా</a:t>
+              <a:t>అర్ధమేకాని ఈ జీవితం</a:t>
             </a:r>
           </a:p>
           <a:p>
@@ -11337,19 +11064,19 @@
               </a:spcAft>
             </a:pPr>
             <a:r>
-              <a:rPr lang="te-IN" sz="950" b="0" i="0" kern="1200" spc="0" baseline="0" dirty="0">
+              <a:rPr lang="te-IN" sz="1050" b="0" i="0" kern="1200" spc="0" baseline="0" dirty="0">
                 <a:ln>
                   <a:noFill/>
                 </a:ln>
                 <a:solidFill>
-                  <a:srgbClr val="000000"/>
+                  <a:schemeClr val="tx1"/>
                 </a:solidFill>
                 <a:effectLst/>
                 <a:latin typeface="Anek Telugu SemiBold" pitchFamily="2" charset="0"/>
                 <a:ea typeface="+mn-ea"/>
                 <a:cs typeface="Anek Telugu SemiBold" pitchFamily="2" charset="0"/>
               </a:rPr>
-              <a:t>నా అడుగులు స్థిరపరచి నిలిపితివయ్యా</a:t>
+              <a:t>ఇక వ్యర్థమని నేననుకొనగ (2)</a:t>
             </a:r>
           </a:p>
           <a:p>
@@ -11365,19 +11092,19 @@
               </a:spcAft>
             </a:pPr>
             <a:r>
-              <a:rPr lang="te-IN" sz="950" b="0" i="0" kern="1200" spc="0" baseline="0" dirty="0">
+              <a:rPr lang="te-IN" sz="1050" b="0" i="0" kern="1200" spc="0" baseline="0" dirty="0">
                 <a:ln>
                   <a:noFill/>
                 </a:ln>
                 <a:solidFill>
-                  <a:srgbClr val="000000"/>
+                  <a:schemeClr val="tx1"/>
                 </a:solidFill>
                 <a:effectLst/>
                 <a:latin typeface="Anek Telugu SemiBold" pitchFamily="2" charset="0"/>
                 <a:ea typeface="+mn-ea"/>
                 <a:cs typeface="Anek Telugu SemiBold" pitchFamily="2" charset="0"/>
               </a:rPr>
-              <a:t>హిస్సోపుతో నన్ను కడుగుము యేసయ్యా</a:t>
+              <a:t>కృపా కనికరముగల దేవా</a:t>
             </a:r>
           </a:p>
           <a:p>
@@ -11393,19 +11120,19 @@
               </a:spcAft>
             </a:pPr>
             <a:r>
-              <a:rPr lang="te-IN" sz="950" b="0" i="0" kern="1200" spc="0" baseline="0" dirty="0">
+              <a:rPr lang="te-IN" sz="1050" b="0" i="0" kern="1200" spc="0" baseline="0" dirty="0">
                 <a:ln>
                   <a:noFill/>
                 </a:ln>
                 <a:solidFill>
-                  <a:srgbClr val="000000"/>
+                  <a:schemeClr val="tx1"/>
                 </a:solidFill>
                 <a:effectLst/>
                 <a:latin typeface="Anek Telugu SemiBold" pitchFamily="2" charset="0"/>
                 <a:ea typeface="+mn-ea"/>
                 <a:cs typeface="Anek Telugu SemiBold" pitchFamily="2" charset="0"/>
               </a:rPr>
-              <a:t>హిమము కంటెను తెల్లగ మార్చయ్యా</a:t>
+              <a:t>నా కష్టాల కడలిని దాటించితివి (2)</a:t>
             </a:r>
           </a:p>
           <a:p>
@@ -11420,21 +11147,18 @@
                 <a:spcPts val="0"/>
               </a:spcAft>
             </a:pPr>
-            <a:r>
-              <a:rPr lang="te-IN" sz="950" b="0" i="0" kern="1200" spc="0" baseline="0" dirty="0">
-                <a:ln>
-                  <a:noFill/>
-                </a:ln>
-                <a:solidFill>
-                  <a:srgbClr val="000000"/>
-                </a:solidFill>
-                <a:effectLst/>
-                <a:latin typeface="Anek Telugu SemiBold" pitchFamily="2" charset="0"/>
-                <a:ea typeface="+mn-ea"/>
-                <a:cs typeface="Anek Telugu SemiBold" pitchFamily="2" charset="0"/>
-              </a:rPr>
-              <a:t>నీకేమి చెల్లింతు నా మంచి మెస్సియ్యా</a:t>
-            </a:r>
+            <a:endParaRPr lang="te-IN" sz="1050" b="0" i="0" kern="1200" spc="0" baseline="0" dirty="0">
+              <a:ln>
+                <a:noFill/>
+              </a:ln>
+              <a:solidFill>
+                <a:schemeClr val="tx1"/>
+              </a:solidFill>
+              <a:effectLst/>
+              <a:latin typeface="Anek Telugu SemiBold" pitchFamily="2" charset="0"/>
+              <a:ea typeface="+mn-ea"/>
+              <a:cs typeface="Anek Telugu SemiBold" pitchFamily="2" charset="0"/>
+            </a:endParaRPr>
           </a:p>
           <a:p>
             <a:pPr marL="0" marR="0" indent="0" algn="ctr" rtl="0" eaLnBrk="1" fontAlgn="auto" latinLnBrk="0" hangingPunct="1">
@@ -11449,19 +11173,34 @@
               </a:spcAft>
             </a:pPr>
             <a:r>
-              <a:rPr lang="te-IN" sz="950" b="0" i="0" kern="1200" spc="0" baseline="0" dirty="0">
+              <a:rPr lang="en-IN" sz="1050" b="0" i="0" kern="1200" spc="0" baseline="0" dirty="0">
                 <a:ln>
                   <a:noFill/>
                 </a:ln>
                 <a:solidFill>
-                  <a:srgbClr val="000000"/>
+                  <a:schemeClr val="tx1"/>
                 </a:solidFill>
                 <a:effectLst/>
                 <a:latin typeface="Anek Telugu SemiBold" pitchFamily="2" charset="0"/>
                 <a:ea typeface="+mn-ea"/>
                 <a:cs typeface="Anek Telugu SemiBold" pitchFamily="2" charset="0"/>
               </a:rPr>
-              <a:t>నా జీవితమంత అర్పింతు నీకయ్యా</a:t>
+              <a:t>2. </a:t>
+            </a:r>
+            <a:r>
+              <a:rPr lang="te-IN" sz="1050" b="0" i="0" kern="1200" spc="0" baseline="0" dirty="0">
+                <a:ln>
+                  <a:noFill/>
+                </a:ln>
+                <a:solidFill>
+                  <a:schemeClr val="tx1"/>
+                </a:solidFill>
+                <a:effectLst/>
+                <a:latin typeface="Anek Telugu SemiBold" pitchFamily="2" charset="0"/>
+                <a:ea typeface="+mn-ea"/>
+                <a:cs typeface="Anek Telugu SemiBold" pitchFamily="2" charset="0"/>
+              </a:rPr>
+              <a:t>విశ్వాస పోరాటంలో – ఎదురాయె శోధనలు</a:t>
             </a:r>
           </a:p>
           <a:p>
@@ -11477,19 +11216,19 @@
               </a:spcAft>
             </a:pPr>
             <a:r>
-              <a:rPr lang="te-IN" sz="950" b="0" i="0" kern="1200" spc="0" baseline="0" dirty="0">
+              <a:rPr lang="te-IN" sz="1050" b="0" i="0" kern="1200" spc="0" baseline="0" dirty="0">
                 <a:ln>
                   <a:noFill/>
                 </a:ln>
                 <a:solidFill>
-                  <a:srgbClr val="000000"/>
+                  <a:schemeClr val="tx1"/>
                 </a:solidFill>
                 <a:effectLst/>
                 <a:latin typeface="Anek Telugu SemiBold" pitchFamily="2" charset="0"/>
                 <a:ea typeface="+mn-ea"/>
                 <a:cs typeface="Anek Telugu SemiBold" pitchFamily="2" charset="0"/>
               </a:rPr>
-              <a:t>ప్రేమా కరుణా నీ కృప చాలు</a:t>
+              <a:t>లోకాశల అలజడిలో – సడలితి విశ్వాసములో (2)</a:t>
             </a:r>
           </a:p>
           <a:p>
@@ -11504,18 +11243,21 @@
                 <a:spcPts val="0"/>
               </a:spcAft>
             </a:pPr>
-            <a:endParaRPr lang="te-IN" sz="950" b="0" i="0" kern="1200" spc="0" baseline="0" dirty="0">
-              <a:ln>
-                <a:noFill/>
-              </a:ln>
-              <a:solidFill>
-                <a:srgbClr val="000000"/>
-              </a:solidFill>
-              <a:effectLst/>
-              <a:latin typeface="Anek Telugu SemiBold" pitchFamily="2" charset="0"/>
-              <a:ea typeface="+mn-ea"/>
-              <a:cs typeface="Anek Telugu SemiBold" pitchFamily="2" charset="0"/>
-            </a:endParaRPr>
+            <a:r>
+              <a:rPr lang="te-IN" sz="1050" b="0" i="0" kern="1200" spc="0" baseline="0" dirty="0">
+                <a:ln>
+                  <a:noFill/>
+                </a:ln>
+                <a:solidFill>
+                  <a:schemeClr val="tx1"/>
+                </a:solidFill>
+                <a:effectLst/>
+                <a:latin typeface="Anek Telugu SemiBold" pitchFamily="2" charset="0"/>
+                <a:ea typeface="+mn-ea"/>
+                <a:cs typeface="Anek Telugu SemiBold" pitchFamily="2" charset="0"/>
+              </a:rPr>
+              <a:t>దుష్టుల క్షేమమునే చూచి</a:t>
+            </a:r>
           </a:p>
           <a:p>
             <a:pPr marL="0" marR="0" indent="0" algn="ctr" rtl="0" eaLnBrk="1" fontAlgn="auto" latinLnBrk="0" hangingPunct="1">
@@ -11530,19 +11272,19 @@
               </a:spcAft>
             </a:pPr>
             <a:r>
-              <a:rPr lang="te-IN" sz="950" b="0" i="0" kern="1200" spc="0" baseline="0" dirty="0">
+              <a:rPr lang="te-IN" sz="1050" b="0" i="0" kern="1200" spc="0" baseline="0" dirty="0">
                 <a:ln>
                   <a:noFill/>
                 </a:ln>
                 <a:solidFill>
-                  <a:srgbClr val="000000"/>
+                  <a:schemeClr val="tx1"/>
                 </a:solidFill>
                 <a:effectLst/>
                 <a:latin typeface="Anek Telugu SemiBold" pitchFamily="2" charset="0"/>
                 <a:ea typeface="+mn-ea"/>
                 <a:cs typeface="Anek Telugu SemiBold" pitchFamily="2" charset="0"/>
               </a:rPr>
-              <a:t>2. బంధువులు స్నేహితులు త్రోసేసినా</a:t>
+              <a:t>ఇక నీతి వ్యర్థమని అనుకొనగ (2)</a:t>
             </a:r>
           </a:p>
           <a:p>
@@ -11558,19 +11300,19 @@
               </a:spcAft>
             </a:pPr>
             <a:r>
-              <a:rPr lang="te-IN" sz="950" b="0" i="0" kern="1200" spc="0" baseline="0" dirty="0">
+              <a:rPr lang="te-IN" sz="1050" b="0" i="0" kern="1200" spc="0" baseline="0" dirty="0">
                 <a:ln>
                   <a:noFill/>
                 </a:ln>
                 <a:solidFill>
-                  <a:srgbClr val="000000"/>
+                  <a:schemeClr val="tx1"/>
                 </a:solidFill>
                 <a:effectLst/>
                 <a:latin typeface="Anek Telugu SemiBold" pitchFamily="2" charset="0"/>
                 <a:ea typeface="+mn-ea"/>
                 <a:cs typeface="Anek Telugu SemiBold" pitchFamily="2" charset="0"/>
               </a:rPr>
-              <a:t>తల్లిదండ్రులే నన్ను వెలివేసినా</a:t>
+              <a:t>దీర్ఘశాంతముగల దేవా</a:t>
             </a:r>
           </a:p>
           <a:p>
@@ -11586,103 +11328,19 @@
               </a:spcAft>
             </a:pPr>
             <a:r>
-              <a:rPr lang="te-IN" sz="950" b="0" i="0" kern="1200" spc="0" baseline="0" dirty="0">
+              <a:rPr lang="te-IN" sz="1050" b="0" i="0" kern="1200" spc="0" baseline="0" dirty="0">
                 <a:ln>
                   <a:noFill/>
                 </a:ln>
                 <a:solidFill>
-                  <a:srgbClr val="000000"/>
+                  <a:schemeClr val="tx1"/>
                 </a:solidFill>
                 <a:effectLst/>
                 <a:latin typeface="Anek Telugu SemiBold" pitchFamily="2" charset="0"/>
                 <a:ea typeface="+mn-ea"/>
                 <a:cs typeface="Anek Telugu SemiBold" pitchFamily="2" charset="0"/>
               </a:rPr>
-              <a:t>నన్ను నీవు విడువనె లేదయ్యా</a:t>
-            </a:r>
-          </a:p>
-          <a:p>
-            <a:pPr marL="0" marR="0" indent="0" algn="ctr" rtl="0" eaLnBrk="1" fontAlgn="auto" latinLnBrk="0" hangingPunct="1">
-              <a:lnSpc>
-                <a:spcPct val="150000"/>
-              </a:lnSpc>
-              <a:spcBef>
-                <a:spcPts val="0"/>
-              </a:spcBef>
-              <a:spcAft>
-                <a:spcPts val="0"/>
-              </a:spcAft>
-            </a:pPr>
-            <a:r>
-              <a:rPr lang="te-IN" sz="950" b="0" i="0" kern="1200" spc="0" baseline="0" dirty="0">
-                <a:ln>
-                  <a:noFill/>
-                </a:ln>
-                <a:solidFill>
-                  <a:srgbClr val="000000"/>
-                </a:solidFill>
-                <a:effectLst/>
-                <a:latin typeface="Anek Telugu SemiBold" pitchFamily="2" charset="0"/>
-                <a:ea typeface="+mn-ea"/>
-                <a:cs typeface="Anek Telugu SemiBold" pitchFamily="2" charset="0"/>
-              </a:rPr>
-              <a:t>మిన్నగ ప్రేమించి రక్షించినావయ్యా</a:t>
-            </a:r>
-          </a:p>
-          <a:p>
-            <a:pPr marL="0" marR="0" indent="0" algn="ctr" rtl="0" eaLnBrk="1" fontAlgn="auto" latinLnBrk="0" hangingPunct="1">
-              <a:lnSpc>
-                <a:spcPct val="150000"/>
-              </a:lnSpc>
-              <a:spcBef>
-                <a:spcPts val="0"/>
-              </a:spcBef>
-              <a:spcAft>
-                <a:spcPts val="0"/>
-              </a:spcAft>
-            </a:pPr>
-            <a:r>
-              <a:rPr lang="te-IN" sz="950" b="0" i="0" kern="1200" spc="0" baseline="0" dirty="0">
-                <a:ln>
-                  <a:noFill/>
-                </a:ln>
-                <a:solidFill>
-                  <a:srgbClr val="000000"/>
-                </a:solidFill>
-                <a:effectLst/>
-                <a:latin typeface="Anek Telugu SemiBold" pitchFamily="2" charset="0"/>
-                <a:ea typeface="+mn-ea"/>
-                <a:cs typeface="Anek Telugu SemiBold" pitchFamily="2" charset="0"/>
-              </a:rPr>
-              <a:t>నీకేమి చెల్లింతు నా మంచి మెస్సయ్యా</a:t>
-            </a:r>
-          </a:p>
-          <a:p>
-            <a:pPr marL="0" marR="0" indent="0" algn="ctr" rtl="0" eaLnBrk="1" fontAlgn="auto" latinLnBrk="0" hangingPunct="1">
-              <a:lnSpc>
-                <a:spcPct val="150000"/>
-              </a:lnSpc>
-              <a:spcBef>
-                <a:spcPts val="0"/>
-              </a:spcBef>
-              <a:spcAft>
-                <a:spcPts val="0"/>
-              </a:spcAft>
-            </a:pPr>
-            <a:r>
-              <a:rPr lang="te-IN" sz="950" b="0" i="0" kern="1200" spc="0" baseline="0" dirty="0">
-                <a:ln>
-                  <a:noFill/>
-                </a:ln>
-                <a:solidFill>
-                  <a:srgbClr val="000000"/>
-                </a:solidFill>
-                <a:effectLst/>
-                <a:latin typeface="Anek Telugu SemiBold" pitchFamily="2" charset="0"/>
-                <a:ea typeface="+mn-ea"/>
-                <a:cs typeface="Anek Telugu SemiBold" pitchFamily="2" charset="0"/>
-              </a:rPr>
-              <a:t>నీ సాక్షిగ నేను ఇల జీవింతునయ్యా</a:t>
+              <a:t>నా చేయి విడువక నడిపించితివి (2)</a:t>
             </a:r>
           </a:p>
         </p:txBody>
@@ -11770,7 +11428,7 @@
               </a:lnSpc>
             </a:pPr>
             <a:r>
-              <a:rPr lang="te-IN" sz="1050" i="0" dirty="0">
+              <a:rPr lang="te-IN" sz="1200" i="0" dirty="0">
                 <a:solidFill>
                   <a:schemeClr val="tx1"/>
                 </a:solidFill>
@@ -11778,91 +11436,7 @@
                 <a:latin typeface="Anek Telugu SemiBold" pitchFamily="2" charset="0"/>
                 <a:cs typeface="Anek Telugu SemiBold" pitchFamily="2" charset="0"/>
               </a:rPr>
-              <a:t>కృప కృప నీ కృప</a:t>
-            </a:r>
-            <a:br>
-              <a:rPr lang="te-IN" sz="1050" i="0" dirty="0">
-                <a:solidFill>
-                  <a:schemeClr val="tx1"/>
-                </a:solidFill>
-                <a:effectLst/>
-                <a:latin typeface="Anek Telugu SemiBold" pitchFamily="2" charset="0"/>
-                <a:cs typeface="Anek Telugu SemiBold" pitchFamily="2" charset="0"/>
-              </a:rPr>
-            </a:br>
-            <a:r>
-              <a:rPr lang="te-IN" sz="1050" i="0" dirty="0">
-                <a:solidFill>
-                  <a:schemeClr val="tx1"/>
-                </a:solidFill>
-                <a:effectLst/>
-                <a:latin typeface="Anek Telugu SemiBold" pitchFamily="2" charset="0"/>
-                <a:cs typeface="Anek Telugu SemiBold" pitchFamily="2" charset="0"/>
-              </a:rPr>
-              <a:t>కృప కృప క్రీస్తు కృప (2)</a:t>
-            </a:r>
-            <a:br>
-              <a:rPr lang="te-IN" sz="1050" i="0" dirty="0">
-                <a:solidFill>
-                  <a:schemeClr val="tx1"/>
-                </a:solidFill>
-                <a:effectLst/>
-                <a:latin typeface="Anek Telugu SemiBold" pitchFamily="2" charset="0"/>
-                <a:cs typeface="Anek Telugu SemiBold" pitchFamily="2" charset="0"/>
-              </a:rPr>
-            </a:br>
-            <a:r>
-              <a:rPr lang="te-IN" sz="1050" i="0" dirty="0">
-                <a:solidFill>
-                  <a:schemeClr val="tx1"/>
-                </a:solidFill>
-                <a:effectLst/>
-                <a:latin typeface="Anek Telugu SemiBold" pitchFamily="2" charset="0"/>
-                <a:cs typeface="Anek Telugu SemiBold" pitchFamily="2" charset="0"/>
-              </a:rPr>
-              <a:t>నేనైతే నీ కృపయందు</a:t>
-            </a:r>
-            <a:br>
-              <a:rPr lang="te-IN" sz="1050" i="0" dirty="0">
-                <a:solidFill>
-                  <a:schemeClr val="tx1"/>
-                </a:solidFill>
-                <a:effectLst/>
-                <a:latin typeface="Anek Telugu SemiBold" pitchFamily="2" charset="0"/>
-                <a:cs typeface="Anek Telugu SemiBold" pitchFamily="2" charset="0"/>
-              </a:rPr>
-            </a:br>
-            <a:r>
-              <a:rPr lang="te-IN" sz="1050" i="0" dirty="0">
-                <a:solidFill>
-                  <a:schemeClr val="tx1"/>
-                </a:solidFill>
-                <a:effectLst/>
-                <a:latin typeface="Anek Telugu SemiBold" pitchFamily="2" charset="0"/>
-                <a:cs typeface="Anek Telugu SemiBold" pitchFamily="2" charset="0"/>
-              </a:rPr>
-              <a:t>నమ్మికయుంచి యున్నాను</a:t>
-            </a:r>
-            <a:br>
-              <a:rPr lang="te-IN" sz="1050" i="0" dirty="0">
-                <a:solidFill>
-                  <a:schemeClr val="tx1"/>
-                </a:solidFill>
-                <a:effectLst/>
-                <a:latin typeface="Anek Telugu SemiBold" pitchFamily="2" charset="0"/>
-                <a:cs typeface="Anek Telugu SemiBold" pitchFamily="2" charset="0"/>
-              </a:rPr>
-            </a:br>
-            <a:r>
-              <a:rPr lang="te-IN" sz="1050" i="0" dirty="0">
-                <a:solidFill>
-                  <a:schemeClr val="tx1"/>
-                </a:solidFill>
-                <a:effectLst/>
-                <a:latin typeface="Anek Telugu SemiBold" pitchFamily="2" charset="0"/>
-                <a:cs typeface="Anek Telugu SemiBold" pitchFamily="2" charset="0"/>
-              </a:rPr>
-              <a:t>నా నమ్మికయుంచి యున్నాను (2)      </a:t>
+              <a:t>హల్లెలూయా స్తుతించి పాడి కీర్తింతును</a:t>
             </a:r>
           </a:p>
           <a:p>
@@ -11872,7 +11446,7 @@
               </a:lnSpc>
             </a:pPr>
             <a:r>
-              <a:rPr lang="te-IN" sz="1050" i="0" dirty="0">
+              <a:rPr lang="te-IN" sz="1200" i="0" dirty="0">
                 <a:solidFill>
                   <a:schemeClr val="tx1"/>
                 </a:solidFill>
@@ -11880,7 +11454,7 @@
                 <a:latin typeface="Anek Telugu SemiBold" pitchFamily="2" charset="0"/>
                 <a:cs typeface="Anek Telugu SemiBold" pitchFamily="2" charset="0"/>
               </a:rPr>
-              <a:t> </a:t>
+              <a:t>జీవము కంటే ఉత్తమమౌ నీ కృపను</a:t>
             </a:r>
           </a:p>
           <a:p>
@@ -11890,7 +11464,7 @@
               </a:lnSpc>
             </a:pPr>
             <a:r>
-              <a:rPr lang="en-IN" sz="1050" i="0" dirty="0">
+              <a:rPr lang="te-IN" sz="1200" i="0" dirty="0">
                 <a:solidFill>
                   <a:schemeClr val="tx1"/>
                 </a:solidFill>
@@ -11898,18 +11472,7 @@
                 <a:latin typeface="Anek Telugu SemiBold" pitchFamily="2" charset="0"/>
                 <a:cs typeface="Anek Telugu SemiBold" pitchFamily="2" charset="0"/>
               </a:rPr>
-              <a:t>1. </a:t>
-            </a:r>
-            <a:r>
-              <a:rPr lang="te-IN" sz="1050" i="0" dirty="0">
-                <a:solidFill>
-                  <a:schemeClr val="tx1"/>
-                </a:solidFill>
-                <a:effectLst/>
-                <a:latin typeface="Anek Telugu SemiBold" pitchFamily="2" charset="0"/>
-                <a:cs typeface="Anek Telugu SemiBold" pitchFamily="2" charset="0"/>
-              </a:rPr>
-              <a:t>కృపను గూర్చి న్యాయము గూర్చి</a:t>
+              <a:t>యేసయ్యా........ 4 హల్లెలూయా........ 4</a:t>
             </a:r>
           </a:p>
           <a:p>
@@ -11918,38 +11481,14 @@
                 <a:spcPct val="150000"/>
               </a:lnSpc>
             </a:pPr>
-            <a:r>
-              <a:rPr lang="te-IN" sz="1050" i="0" dirty="0">
-                <a:solidFill>
-                  <a:schemeClr val="tx1"/>
-                </a:solidFill>
-                <a:effectLst/>
-                <a:latin typeface="Anek Telugu SemiBold" pitchFamily="2" charset="0"/>
-                <a:cs typeface="Anek Telugu SemiBold" pitchFamily="2" charset="0"/>
-              </a:rPr>
-              <a:t> నేను పాడెదను</a:t>
-            </a:r>
-            <a:br>
-              <a:rPr lang="te-IN" sz="1050" i="0" dirty="0">
-                <a:solidFill>
-                  <a:schemeClr val="tx1"/>
-                </a:solidFill>
-                <a:effectLst/>
-                <a:latin typeface="Anek Telugu SemiBold" pitchFamily="2" charset="0"/>
-                <a:cs typeface="Anek Telugu SemiBold" pitchFamily="2" charset="0"/>
-              </a:rPr>
-            </a:br>
-            <a:r>
-              <a:rPr lang="te-IN" sz="1050" i="0" dirty="0">
-                <a:solidFill>
-                  <a:schemeClr val="tx1"/>
-                </a:solidFill>
-                <a:effectLst/>
-                <a:latin typeface="Anek Telugu SemiBold" pitchFamily="2" charset="0"/>
-                <a:cs typeface="Anek Telugu SemiBold" pitchFamily="2" charset="0"/>
-              </a:rPr>
-              <a:t>నీ సన్నిధిలో నిర్దోషముతో </a:t>
-            </a:r>
+            <a:endParaRPr lang="te-IN" sz="1200" i="0" dirty="0">
+              <a:solidFill>
+                <a:schemeClr val="tx1"/>
+              </a:solidFill>
+              <a:effectLst/>
+              <a:latin typeface="Anek Telugu SemiBold" pitchFamily="2" charset="0"/>
+              <a:cs typeface="Anek Telugu SemiBold" pitchFamily="2" charset="0"/>
+            </a:endParaRPr>
           </a:p>
           <a:p>
             <a:pPr algn="ctr">
@@ -11958,7 +11497,7 @@
               </a:lnSpc>
             </a:pPr>
             <a:r>
-              <a:rPr lang="te-IN" sz="1050" i="0" dirty="0">
+              <a:rPr lang="en-IN" sz="1200" i="0" dirty="0">
                 <a:solidFill>
                   <a:schemeClr val="tx1"/>
                 </a:solidFill>
@@ -11966,10 +11505,10 @@
                 <a:latin typeface="Anek Telugu SemiBold" pitchFamily="2" charset="0"/>
                 <a:cs typeface="Anek Telugu SemiBold" pitchFamily="2" charset="0"/>
               </a:rPr>
-              <a:t>నేను నడచెదను (2)</a:t>
-            </a:r>
-            <a:br>
-              <a:rPr lang="te-IN" sz="1050" i="0" dirty="0">
+              <a:t>1. </a:t>
+            </a:r>
+            <a:r>
+              <a:rPr lang="te-IN" sz="1200" i="0" dirty="0">
                 <a:solidFill>
                   <a:schemeClr val="tx1"/>
                 </a:solidFill>
@@ -11977,38 +11516,7 @@
                 <a:latin typeface="Anek Telugu SemiBold" pitchFamily="2" charset="0"/>
                 <a:cs typeface="Anek Telugu SemiBold" pitchFamily="2" charset="0"/>
               </a:rPr>
-            </a:br>
-            <a:r>
-              <a:rPr lang="te-IN" sz="1050" i="0" dirty="0">
-                <a:solidFill>
-                  <a:schemeClr val="tx1"/>
-                </a:solidFill>
-                <a:effectLst/>
-                <a:latin typeface="Anek Telugu SemiBold" pitchFamily="2" charset="0"/>
-                <a:cs typeface="Anek Telugu SemiBold" pitchFamily="2" charset="0"/>
-              </a:rPr>
-              <a:t>నీ కృపయే నాకు ఆధారం</a:t>
-            </a:r>
-            <a:br>
-              <a:rPr lang="te-IN" sz="1050" i="0" dirty="0">
-                <a:solidFill>
-                  <a:schemeClr val="tx1"/>
-                </a:solidFill>
-                <a:effectLst/>
-                <a:latin typeface="Anek Telugu SemiBold" pitchFamily="2" charset="0"/>
-                <a:cs typeface="Anek Telugu SemiBold" pitchFamily="2" charset="0"/>
-              </a:rPr>
-            </a:br>
-            <a:r>
-              <a:rPr lang="te-IN" sz="1050" i="0" dirty="0">
-                <a:solidFill>
-                  <a:schemeClr val="tx1"/>
-                </a:solidFill>
-                <a:effectLst/>
-                <a:latin typeface="Anek Telugu SemiBold" pitchFamily="2" charset="0"/>
-                <a:cs typeface="Anek Telugu SemiBold" pitchFamily="2" charset="0"/>
-              </a:rPr>
-              <a:t>      ఆ కృపయే నాకు ఆదరణ (2)       </a:t>
+              <a:t>బంధువులు స్నేహితులు ఎంతో మందుండగా</a:t>
             </a:r>
           </a:p>
           <a:p>
@@ -12018,7 +11526,7 @@
               </a:lnSpc>
             </a:pPr>
             <a:r>
-              <a:rPr lang="te-IN" sz="1050" i="0" dirty="0">
+              <a:rPr lang="te-IN" sz="1200" i="0" dirty="0">
                 <a:solidFill>
                   <a:schemeClr val="tx1"/>
                 </a:solidFill>
@@ -12026,7 +11534,7 @@
                 <a:latin typeface="Anek Telugu SemiBold" pitchFamily="2" charset="0"/>
                 <a:cs typeface="Anek Telugu SemiBold" pitchFamily="2" charset="0"/>
               </a:rPr>
-              <a:t> </a:t>
+              <a:t>ఎన్నో మారులు నేను ఒంటరినై యుంటిని -2</a:t>
             </a:r>
           </a:p>
           <a:p>
@@ -12036,7 +11544,7 @@
               </a:lnSpc>
             </a:pPr>
             <a:r>
-              <a:rPr lang="en-IN" sz="1050" i="0" dirty="0">
+              <a:rPr lang="te-IN" sz="1200" i="0" dirty="0">
                 <a:solidFill>
                   <a:schemeClr val="tx1"/>
                 </a:solidFill>
@@ -12044,18 +11552,7 @@
                 <a:latin typeface="Anek Telugu SemiBold" pitchFamily="2" charset="0"/>
                 <a:cs typeface="Anek Telugu SemiBold" pitchFamily="2" charset="0"/>
               </a:rPr>
-              <a:t>2. </a:t>
-            </a:r>
-            <a:r>
-              <a:rPr lang="te-IN" sz="1050" i="0" dirty="0">
-                <a:solidFill>
-                  <a:schemeClr val="tx1"/>
-                </a:solidFill>
-                <a:effectLst/>
-                <a:latin typeface="Anek Telugu SemiBold" pitchFamily="2" charset="0"/>
-                <a:cs typeface="Anek Telugu SemiBold" pitchFamily="2" charset="0"/>
-              </a:rPr>
-              <a:t>దీన దశలో నేన్నునప్పుడు </a:t>
+              <a:t>నా ఒంటరి తనములో మంచి స్నేహితునిగా </a:t>
             </a:r>
           </a:p>
           <a:p>
@@ -12065,7 +11562,7 @@
               </a:lnSpc>
             </a:pPr>
             <a:r>
-              <a:rPr lang="te-IN" sz="1050" i="0" dirty="0">
+              <a:rPr lang="te-IN" sz="1200" i="0" dirty="0">
                 <a:solidFill>
                   <a:schemeClr val="tx1"/>
                 </a:solidFill>
@@ -12073,28 +11570,7 @@
                 <a:latin typeface="Anek Telugu SemiBold" pitchFamily="2" charset="0"/>
                 <a:cs typeface="Anek Telugu SemiBold" pitchFamily="2" charset="0"/>
               </a:rPr>
-              <a:t>నను మరువనిది నీ కృప</a:t>
-            </a:r>
-            <a:br>
-              <a:rPr lang="te-IN" sz="1050" i="0" dirty="0">
-                <a:solidFill>
-                  <a:schemeClr val="tx1"/>
-                </a:solidFill>
-                <a:effectLst/>
-                <a:latin typeface="Anek Telugu SemiBold" pitchFamily="2" charset="0"/>
-                <a:cs typeface="Anek Telugu SemiBold" pitchFamily="2" charset="0"/>
-              </a:rPr>
-            </a:br>
-            <a:r>
-              <a:rPr lang="te-IN" sz="1050" i="0" dirty="0">
-                <a:solidFill>
-                  <a:schemeClr val="tx1"/>
-                </a:solidFill>
-                <a:effectLst/>
-                <a:latin typeface="Anek Telugu SemiBold" pitchFamily="2" charset="0"/>
-                <a:cs typeface="Anek Telugu SemiBold" pitchFamily="2" charset="0"/>
-              </a:rPr>
-              <a:t>నేనీ స్థితిలో ఉన్నానంటే </a:t>
+              <a:t>చెంత చేరినావే-చెలిమి పంచినావే</a:t>
             </a:r>
           </a:p>
           <a:p>
@@ -12104,7 +11580,7 @@
               </a:lnSpc>
             </a:pPr>
             <a:r>
-              <a:rPr lang="te-IN" sz="1050" i="0" dirty="0">
+              <a:rPr lang="te-IN" sz="1200" i="0" dirty="0">
                 <a:solidFill>
                   <a:schemeClr val="tx1"/>
                 </a:solidFill>
@@ -12112,10 +11588,32 @@
                 <a:latin typeface="Anek Telugu SemiBold" pitchFamily="2" charset="0"/>
                 <a:cs typeface="Anek Telugu SemiBold" pitchFamily="2" charset="0"/>
               </a:rPr>
-              <a:t>కేవలం అది నీ కృప (2)</a:t>
-            </a:r>
-            <a:br>
-              <a:rPr lang="te-IN" sz="1050" i="0" dirty="0">
+              <a:t>గుండెల నిండా నీవే - నిన్ను పాడని</a:t>
+            </a:r>
+          </a:p>
+          <a:p>
+            <a:pPr algn="ctr">
+              <a:lnSpc>
+                <a:spcPct val="150000"/>
+              </a:lnSpc>
+            </a:pPr>
+            <a:endParaRPr lang="te-IN" sz="1200" i="0" dirty="0">
+              <a:solidFill>
+                <a:schemeClr val="tx1"/>
+              </a:solidFill>
+              <a:effectLst/>
+              <a:latin typeface="Anek Telugu SemiBold" pitchFamily="2" charset="0"/>
+              <a:cs typeface="Anek Telugu SemiBold" pitchFamily="2" charset="0"/>
+            </a:endParaRPr>
+          </a:p>
+          <a:p>
+            <a:pPr algn="ctr">
+              <a:lnSpc>
+                <a:spcPct val="150000"/>
+              </a:lnSpc>
+            </a:pPr>
+            <a:r>
+              <a:rPr lang="en-IN" sz="1200" i="0" dirty="0">
                 <a:solidFill>
                   <a:schemeClr val="tx1"/>
                 </a:solidFill>
@@ -12123,9 +11621,10 @@
                 <a:latin typeface="Anek Telugu SemiBold" pitchFamily="2" charset="0"/>
                 <a:cs typeface="Anek Telugu SemiBold" pitchFamily="2" charset="0"/>
               </a:rPr>
-            </a:br>
-            <a:r>
-              <a:rPr lang="te-IN" sz="1050" i="0" dirty="0">
+              <a:t>2. </a:t>
+            </a:r>
+            <a:r>
+              <a:rPr lang="te-IN" sz="1200" i="0" dirty="0">
                 <a:solidFill>
                   <a:schemeClr val="tx1"/>
                 </a:solidFill>
@@ -12133,10 +11632,17 @@
                 <a:latin typeface="Anek Telugu SemiBold" pitchFamily="2" charset="0"/>
                 <a:cs typeface="Anek Telugu SemiBold" pitchFamily="2" charset="0"/>
               </a:rPr>
-              <a:t>నీ కృపయే నాకు ఆధారం</a:t>
-            </a:r>
-            <a:br>
-              <a:rPr lang="te-IN" sz="1050" i="0" dirty="0">
+              <a:t>నా జీవితంలో ఎండవానలు రాగా</a:t>
+            </a:r>
+          </a:p>
+          <a:p>
+            <a:pPr algn="ctr">
+              <a:lnSpc>
+                <a:spcPct val="150000"/>
+              </a:lnSpc>
+            </a:pPr>
+            <a:r>
+              <a:rPr lang="te-IN" sz="1200" i="0" dirty="0">
                 <a:solidFill>
                   <a:schemeClr val="tx1"/>
                 </a:solidFill>
@@ -12144,9 +11650,17 @@
                 <a:latin typeface="Anek Telugu SemiBold" pitchFamily="2" charset="0"/>
                 <a:cs typeface="Anek Telugu SemiBold" pitchFamily="2" charset="0"/>
               </a:rPr>
-            </a:br>
-            <a:r>
-              <a:rPr lang="te-IN" sz="1050" i="0" dirty="0">
+              <a:t>పగలు చీకటిని నేను అనుభవింపగా</a:t>
+            </a:r>
+          </a:p>
+          <a:p>
+            <a:pPr algn="ctr">
+              <a:lnSpc>
+                <a:spcPct val="150000"/>
+              </a:lnSpc>
+            </a:pPr>
+            <a:r>
+              <a:rPr lang="te-IN" sz="1200" i="0" dirty="0">
                 <a:solidFill>
                   <a:schemeClr val="tx1"/>
                 </a:solidFill>
@@ -12154,7 +11668,43 @@
                 <a:latin typeface="Anek Telugu SemiBold" pitchFamily="2" charset="0"/>
                 <a:cs typeface="Anek Telugu SemiBold" pitchFamily="2" charset="0"/>
               </a:rPr>
-              <a:t>      ఆ కృపయే నాకు ఆదరణ (2)</a:t>
+              <a:t>పగలు మేఘ స్థంబమై- రాత్రి అగ్ని స్థంబమై</a:t>
+            </a:r>
+          </a:p>
+          <a:p>
+            <a:pPr algn="ctr">
+              <a:lnSpc>
+                <a:spcPct val="150000"/>
+              </a:lnSpc>
+            </a:pPr>
+            <a:r>
+              <a:rPr lang="te-IN" sz="1200" i="0" dirty="0">
+                <a:solidFill>
+                  <a:schemeClr val="tx1"/>
+                </a:solidFill>
+                <a:effectLst/>
+                <a:latin typeface="Anek Telugu SemiBold" pitchFamily="2" charset="0"/>
+                <a:cs typeface="Anek Telugu SemiBold" pitchFamily="2" charset="0"/>
+              </a:rPr>
+              <a:t>ఆవరించి నావే- ఆదరించి నావే</a:t>
+            </a:r>
+          </a:p>
+          <a:p>
+            <a:pPr algn="ctr">
+              <a:lnSpc>
+                <a:spcPct val="150000"/>
+              </a:lnSpc>
+            </a:pPr>
+            <a:r>
+              <a:rPr lang="te-IN" sz="1200" i="0" dirty="0">
+                <a:solidFill>
+                  <a:schemeClr val="tx1"/>
+                </a:solidFill>
+                <a:effectLst/>
+                <a:latin typeface="Anek Telugu SemiBold" pitchFamily="2" charset="0"/>
+                <a:cs typeface="Anek Telugu SemiBold" pitchFamily="2" charset="0"/>
+              </a:rPr>
+              <a:t>కన్నీరు తుడచి నన్ను – ముద్దాడితివే</a:t>
             </a:r>
           </a:p>
         </p:txBody>
@@ -12218,7 +11768,7 @@
               </a:spcAft>
             </a:pPr>
             <a:r>
-              <a:rPr lang="te-IN" sz="1100" b="0" i="0" kern="1200" spc="0" baseline="0" dirty="0">
+              <a:rPr lang="te-IN" sz="1350" b="0" i="0" kern="1200" spc="0" baseline="0" dirty="0">
                 <a:ln>
                   <a:noFill/>
                 </a:ln>
@@ -12230,10 +11780,10 @@
                 <a:ea typeface="+mn-ea"/>
                 <a:cs typeface="Anek Telugu SemiBold" pitchFamily="2" charset="0"/>
               </a:rPr>
-              <a:t>యేసే నా పరిహారి  ప్రియ యేసే నా పరిహారి</a:t>
+              <a:t>శాశ్వతమైనది నీవు నాయెడ చూపిన కృప</a:t>
             </a:r>
             <a:br>
-              <a:rPr lang="te-IN" sz="1100" b="0" i="0" kern="1200" spc="0" baseline="0" dirty="0">
+              <a:rPr lang="te-IN" sz="1350" b="0" i="0" kern="1200" spc="0" baseline="0" dirty="0">
                 <a:ln>
                   <a:noFill/>
                 </a:ln>
@@ -12247,7 +11797,7 @@
               </a:rPr>
             </a:br>
             <a:r>
-              <a:rPr lang="te-IN" sz="1100" b="0" i="0" kern="1200" spc="0" baseline="0" dirty="0">
+              <a:rPr lang="te-IN" sz="1350" b="0" i="0" kern="1200" spc="0" baseline="0" dirty="0">
                 <a:ln>
                   <a:noFill/>
                 </a:ln>
@@ -12259,15 +11809,37 @@
                 <a:ea typeface="+mn-ea"/>
                 <a:cs typeface="Anek Telugu SemiBold" pitchFamily="2" charset="0"/>
               </a:rPr>
-              <a:t>నా జీవిత కాలమెల్ల</a:t>
-            </a:r>
-            <a:endParaRPr lang="en-IN" sz="1100" dirty="0">
-              <a:solidFill>
-                <a:srgbClr val="000000"/>
-              </a:solidFill>
-              <a:latin typeface="Anek Telugu SemiBold" pitchFamily="2" charset="0"/>
-              <a:cs typeface="Anek Telugu SemiBold" pitchFamily="2" charset="0"/>
-            </a:endParaRPr>
+              <a:t>అనుక్షణం నను కనుపాపవలె (2)</a:t>
+            </a:r>
+            <a:br>
+              <a:rPr lang="te-IN" sz="1350" b="0" i="0" kern="1200" spc="0" baseline="0" dirty="0">
+                <a:ln>
+                  <a:noFill/>
+                </a:ln>
+                <a:solidFill>
+                  <a:srgbClr val="000000"/>
+                </a:solidFill>
+                <a:effectLst/>
+                <a:latin typeface="Anek Telugu SemiBold" pitchFamily="2" charset="0"/>
+                <a:ea typeface="+mn-ea"/>
+                <a:cs typeface="Anek Telugu SemiBold" pitchFamily="2" charset="0"/>
+              </a:rPr>
+            </a:br>
+            <a:r>
+              <a:rPr lang="te-IN" sz="1350" b="0" i="0" kern="1200" spc="0" baseline="0" dirty="0">
+                <a:ln>
+                  <a:noFill/>
+                </a:ln>
+                <a:solidFill>
+                  <a:srgbClr val="000000"/>
+                </a:solidFill>
+                <a:effectLst/>
+                <a:latin typeface="Anek Telugu SemiBold" pitchFamily="2" charset="0"/>
+                <a:ea typeface="+mn-ea"/>
+                <a:cs typeface="Anek Telugu SemiBold" pitchFamily="2" charset="0"/>
+              </a:rPr>
+              <a:t>కాచిన కృప</a:t>
+            </a:r>
           </a:p>
           <a:p>
             <a:pPr marL="0" marR="0" indent="0" algn="ctr" rtl="0" eaLnBrk="1" fontAlgn="auto" latinLnBrk="0" hangingPunct="1">
@@ -12281,37 +11853,7 @@
                 <a:spcPts val="0"/>
               </a:spcAft>
             </a:pPr>
-            <a:r>
-              <a:rPr lang="te-IN" sz="1100" b="0" i="0" kern="1200" spc="0" baseline="0" dirty="0">
-                <a:ln>
-                  <a:noFill/>
-                </a:ln>
-                <a:solidFill>
-                  <a:srgbClr val="000000"/>
-                </a:solidFill>
-                <a:effectLst/>
-                <a:latin typeface="Anek Telugu SemiBold" pitchFamily="2" charset="0"/>
-                <a:ea typeface="+mn-ea"/>
-                <a:cs typeface="Anek Telugu SemiBold" pitchFamily="2" charset="0"/>
-              </a:rPr>
-              <a:t>ప్రియ ప్రభువే నా పరిహారి (2</a:t>
-            </a:r>
-            <a:r>
-              <a:rPr lang="en-IN" sz="1100" b="0" i="0" kern="1200" spc="0" baseline="0" dirty="0">
-                <a:ln>
-                  <a:noFill/>
-                </a:ln>
-                <a:solidFill>
-                  <a:srgbClr val="000000"/>
-                </a:solidFill>
-                <a:effectLst/>
-                <a:latin typeface="Anek Telugu SemiBold" pitchFamily="2" charset="0"/>
-                <a:ea typeface="+mn-ea"/>
-                <a:cs typeface="Anek Telugu SemiBold" pitchFamily="2" charset="0"/>
-              </a:rPr>
-              <a:t>)</a:t>
-            </a:r>
-            <a:endParaRPr lang="te-IN" sz="1100" b="0" i="0" kern="1200" spc="0" baseline="0" dirty="0">
+            <a:endParaRPr lang="te-IN" sz="1350" b="0" i="0" kern="1200" spc="0" baseline="0" dirty="0">
               <a:ln>
                 <a:noFill/>
               </a:ln>
@@ -12336,7 +11878,135 @@
                 <a:spcPts val="0"/>
               </a:spcAft>
             </a:pPr>
-            <a:endParaRPr lang="te-IN" sz="1100" b="0" i="0" kern="1200" spc="0" baseline="0" dirty="0">
+            <a:r>
+              <a:rPr lang="en-IN" sz="1350" b="0" i="0" kern="1200" spc="0" baseline="0" dirty="0">
+                <a:ln>
+                  <a:noFill/>
+                </a:ln>
+                <a:solidFill>
+                  <a:srgbClr val="000000"/>
+                </a:solidFill>
+                <a:effectLst/>
+                <a:latin typeface="Anek Telugu SemiBold" pitchFamily="2" charset="0"/>
+                <a:ea typeface="+mn-ea"/>
+                <a:cs typeface="Anek Telugu SemiBold" pitchFamily="2" charset="0"/>
+              </a:rPr>
+              <a:t>1. </a:t>
+            </a:r>
+            <a:r>
+              <a:rPr lang="te-IN" sz="1350" b="0" i="0" kern="1200" spc="0" baseline="0" dirty="0">
+                <a:ln>
+                  <a:noFill/>
+                </a:ln>
+                <a:solidFill>
+                  <a:srgbClr val="000000"/>
+                </a:solidFill>
+                <a:effectLst/>
+                <a:latin typeface="Anek Telugu SemiBold" pitchFamily="2" charset="0"/>
+                <a:ea typeface="+mn-ea"/>
+                <a:cs typeface="Anek Telugu SemiBold" pitchFamily="2" charset="0"/>
+              </a:rPr>
+              <a:t>నీకు బహుదూరమైన నన్ను</a:t>
+            </a:r>
+          </a:p>
+          <a:p>
+            <a:pPr marL="0" marR="0" indent="0" algn="ctr" rtl="0" eaLnBrk="1" fontAlgn="auto" latinLnBrk="0" hangingPunct="1">
+              <a:lnSpc>
+                <a:spcPct val="150000"/>
+              </a:lnSpc>
+              <a:spcBef>
+                <a:spcPts val="0"/>
+              </a:spcBef>
+              <a:spcAft>
+                <a:spcPts val="0"/>
+              </a:spcAft>
+            </a:pPr>
+            <a:r>
+              <a:rPr lang="te-IN" sz="1350" b="0" i="0" kern="1200" spc="0" baseline="0" dirty="0">
+                <a:ln>
+                  <a:noFill/>
+                </a:ln>
+                <a:solidFill>
+                  <a:srgbClr val="000000"/>
+                </a:solidFill>
+                <a:effectLst/>
+                <a:latin typeface="Anek Telugu SemiBold" pitchFamily="2" charset="0"/>
+                <a:ea typeface="+mn-ea"/>
+                <a:cs typeface="Anek Telugu SemiBold" pitchFamily="2" charset="0"/>
+              </a:rPr>
+              <a:t>చేరదీసిన నా తండ్రివి (2)</a:t>
+            </a:r>
+            <a:br>
+              <a:rPr lang="te-IN" sz="1350" b="0" i="0" kern="1200" spc="0" baseline="0" dirty="0">
+                <a:ln>
+                  <a:noFill/>
+                </a:ln>
+                <a:solidFill>
+                  <a:srgbClr val="000000"/>
+                </a:solidFill>
+                <a:effectLst/>
+                <a:latin typeface="Anek Telugu SemiBold" pitchFamily="2" charset="0"/>
+                <a:ea typeface="+mn-ea"/>
+                <a:cs typeface="Anek Telugu SemiBold" pitchFamily="2" charset="0"/>
+              </a:rPr>
+            </a:br>
+            <a:r>
+              <a:rPr lang="te-IN" sz="1350" b="0" i="0" kern="1200" spc="0" baseline="0" dirty="0">
+                <a:ln>
+                  <a:noFill/>
+                </a:ln>
+                <a:solidFill>
+                  <a:srgbClr val="000000"/>
+                </a:solidFill>
+                <a:effectLst/>
+                <a:latin typeface="Anek Telugu SemiBold" pitchFamily="2" charset="0"/>
+                <a:ea typeface="+mn-ea"/>
+                <a:cs typeface="Anek Telugu SemiBold" pitchFamily="2" charset="0"/>
+              </a:rPr>
+              <a:t>నిత్య సుఖశాంతియే</a:t>
+            </a:r>
+          </a:p>
+          <a:p>
+            <a:pPr marL="0" marR="0" indent="0" algn="ctr" rtl="0" eaLnBrk="1" fontAlgn="auto" latinLnBrk="0" hangingPunct="1">
+              <a:lnSpc>
+                <a:spcPct val="150000"/>
+              </a:lnSpc>
+              <a:spcBef>
+                <a:spcPts val="0"/>
+              </a:spcBef>
+              <a:spcAft>
+                <a:spcPts val="0"/>
+              </a:spcAft>
+            </a:pPr>
+            <a:r>
+              <a:rPr lang="te-IN" sz="1350" b="0" i="0" kern="1200" spc="0" baseline="0" dirty="0">
+                <a:ln>
+                  <a:noFill/>
+                </a:ln>
+                <a:solidFill>
+                  <a:srgbClr val="000000"/>
+                </a:solidFill>
+                <a:effectLst/>
+                <a:latin typeface="Anek Telugu SemiBold" pitchFamily="2" charset="0"/>
+                <a:ea typeface="+mn-ea"/>
+                <a:cs typeface="Anek Telugu SemiBold" pitchFamily="2" charset="0"/>
+              </a:rPr>
+              <a:t>నాకు నీదు కౌగిలిలో (2)</a:t>
+            </a:r>
+          </a:p>
+          <a:p>
+            <a:pPr marL="0" marR="0" indent="0" algn="ctr" rtl="0" eaLnBrk="1" fontAlgn="auto" latinLnBrk="0" hangingPunct="1">
+              <a:lnSpc>
+                <a:spcPct val="150000"/>
+              </a:lnSpc>
+              <a:spcBef>
+                <a:spcPts val="0"/>
+              </a:spcBef>
+              <a:spcAft>
+                <a:spcPts val="0"/>
+              </a:spcAft>
+            </a:pPr>
+            <a:endParaRPr lang="te-IN" sz="1350" b="0" i="0" kern="1200" spc="0" baseline="0" dirty="0">
               <a:ln>
                 <a:noFill/>
               </a:ln>
@@ -12362,7 +12032,7 @@
               </a:spcAft>
             </a:pPr>
             <a:r>
-              <a:rPr lang="te-IN" sz="1100" b="0" i="0" kern="1200" spc="0" baseline="0" dirty="0">
+              <a:rPr lang="en-IN" sz="1350" b="0" i="0" kern="1200" spc="0" baseline="0" dirty="0">
                 <a:ln>
                   <a:noFill/>
                 </a:ln>
@@ -12374,10 +12044,10 @@
                 <a:ea typeface="+mn-ea"/>
                 <a:cs typeface="Anek Telugu SemiBold" pitchFamily="2" charset="0"/>
               </a:rPr>
-              <a:t>     </a:t>
-            </a:r>
-            <a:r>
-              <a:rPr lang="en-IN" sz="1100" b="0" i="0" kern="1200" spc="0" baseline="0" dirty="0">
+              <a:t>2. </a:t>
+            </a:r>
+            <a:r>
+              <a:rPr lang="te-IN" sz="1350" b="0" i="0" kern="1200" spc="0" baseline="0" dirty="0">
                 <a:ln>
                   <a:noFill/>
                 </a:ln>
@@ -12389,22 +12059,7 @@
                 <a:ea typeface="+mn-ea"/>
                 <a:cs typeface="Anek Telugu SemiBold" pitchFamily="2" charset="0"/>
               </a:rPr>
-              <a:t>1. </a:t>
-            </a:r>
-            <a:r>
-              <a:rPr lang="te-IN" sz="1100" b="0" i="0" kern="1200" spc="0" baseline="0" dirty="0">
-                <a:ln>
-                  <a:noFill/>
-                </a:ln>
-                <a:solidFill>
-                  <a:srgbClr val="000000"/>
-                </a:solidFill>
-                <a:effectLst/>
-                <a:latin typeface="Anek Telugu SemiBold" pitchFamily="2" charset="0"/>
-                <a:ea typeface="+mn-ea"/>
-                <a:cs typeface="Anek Telugu SemiBold" pitchFamily="2" charset="0"/>
-              </a:rPr>
-              <a:t>ఎన్ని కష్టాలు కలిగిననూ</a:t>
+              <a:t>తల్లి తన బిడ్డలను మరచినా</a:t>
             </a:r>
           </a:p>
           <a:p>
@@ -12420,7 +12075,7 @@
               </a:spcAft>
             </a:pPr>
             <a:r>
-              <a:rPr lang="te-IN" sz="1100" b="0" i="0" kern="1200" spc="0" baseline="0" dirty="0">
+              <a:rPr lang="te-IN" sz="1350" b="0" i="0" kern="1200" spc="0" baseline="0" dirty="0">
                 <a:ln>
                   <a:noFill/>
                 </a:ln>
@@ -12432,7 +12087,36 @@
                 <a:ea typeface="+mn-ea"/>
                 <a:cs typeface="Anek Telugu SemiBold" pitchFamily="2" charset="0"/>
               </a:rPr>
-              <a:t>నన్ను కృంగించె భాదలెన్నో</a:t>
+              <a:t>నేను మరువలేనంటివే (2)</a:t>
+            </a:r>
+            <a:br>
+              <a:rPr lang="te-IN" sz="1350" b="0" i="0" kern="1200" spc="0" baseline="0" dirty="0">
+                <a:ln>
+                  <a:noFill/>
+                </a:ln>
+                <a:solidFill>
+                  <a:srgbClr val="000000"/>
+                </a:solidFill>
+                <a:effectLst/>
+                <a:latin typeface="Anek Telugu SemiBold" pitchFamily="2" charset="0"/>
+                <a:ea typeface="+mn-ea"/>
+                <a:cs typeface="Anek Telugu SemiBold" pitchFamily="2" charset="0"/>
+              </a:rPr>
+            </a:br>
+            <a:r>
+              <a:rPr lang="te-IN" sz="1350" b="0" i="0" kern="1200" spc="0" baseline="0" dirty="0">
+                <a:ln>
+                  <a:noFill/>
+                </a:ln>
+                <a:solidFill>
+                  <a:srgbClr val="000000"/>
+                </a:solidFill>
+                <a:effectLst/>
+                <a:latin typeface="Anek Telugu SemiBold" pitchFamily="2" charset="0"/>
+                <a:ea typeface="+mn-ea"/>
+                <a:cs typeface="Anek Telugu SemiBold" pitchFamily="2" charset="0"/>
+              </a:rPr>
+              <a:t>నీదు ముఖకాంతియే</a:t>
             </a:r>
           </a:p>
           <a:p>
@@ -12448,7 +12132,7 @@
               </a:spcAft>
             </a:pPr>
             <a:r>
-              <a:rPr lang="te-IN" sz="1100" b="0" i="0" kern="1200" spc="0" baseline="0" dirty="0">
+              <a:rPr lang="te-IN" sz="1350" b="0" i="0" kern="1200" spc="0" baseline="0" dirty="0">
                 <a:ln>
                   <a:noFill/>
                 </a:ln>
@@ -12460,342 +12144,7 @@
                 <a:ea typeface="+mn-ea"/>
                 <a:cs typeface="Anek Telugu SemiBold" pitchFamily="2" charset="0"/>
               </a:rPr>
-              <a:t>ఎన్ని నష్టాలు వాటిల్లినా </a:t>
-            </a:r>
-          </a:p>
-          <a:p>
-            <a:pPr marL="0" marR="0" indent="0" algn="ctr" rtl="0" eaLnBrk="1" fontAlgn="auto" latinLnBrk="0" hangingPunct="1">
-              <a:lnSpc>
-                <a:spcPct val="150000"/>
-              </a:lnSpc>
-              <a:spcBef>
-                <a:spcPts val="0"/>
-              </a:spcBef>
-              <a:spcAft>
-                <a:spcPts val="0"/>
-              </a:spcAft>
-            </a:pPr>
-            <a:r>
-              <a:rPr lang="te-IN" sz="1100" b="0" i="0" kern="1200" spc="0" baseline="0" dirty="0">
-                <a:ln>
-                  <a:noFill/>
-                </a:ln>
-                <a:solidFill>
-                  <a:srgbClr val="000000"/>
-                </a:solidFill>
-                <a:effectLst/>
-                <a:latin typeface="Anek Telugu SemiBold" pitchFamily="2" charset="0"/>
-                <a:ea typeface="+mn-ea"/>
-                <a:cs typeface="Anek Telugu SemiBold" pitchFamily="2" charset="0"/>
-              </a:rPr>
-              <a:t>             ప్రియ ప్రభువే నా పరిహారి (2)        </a:t>
-            </a:r>
-          </a:p>
-          <a:p>
-            <a:pPr marL="0" marR="0" indent="0" algn="ctr" rtl="0" eaLnBrk="1" fontAlgn="auto" latinLnBrk="0" hangingPunct="1">
-              <a:lnSpc>
-                <a:spcPct val="150000"/>
-              </a:lnSpc>
-              <a:spcBef>
-                <a:spcPts val="0"/>
-              </a:spcBef>
-              <a:spcAft>
-                <a:spcPts val="0"/>
-              </a:spcAft>
-            </a:pPr>
-            <a:endParaRPr lang="te-IN" sz="1100" b="0" i="0" kern="1200" spc="0" baseline="0" dirty="0">
-              <a:ln>
-                <a:noFill/>
-              </a:ln>
-              <a:solidFill>
-                <a:srgbClr val="000000"/>
-              </a:solidFill>
-              <a:effectLst/>
-              <a:latin typeface="Anek Telugu SemiBold" pitchFamily="2" charset="0"/>
-              <a:ea typeface="+mn-ea"/>
-              <a:cs typeface="Anek Telugu SemiBold" pitchFamily="2" charset="0"/>
-            </a:endParaRPr>
-          </a:p>
-          <a:p>
-            <a:pPr marL="0" marR="0" indent="0" algn="ctr" rtl="0" eaLnBrk="1" fontAlgn="auto" latinLnBrk="0" hangingPunct="1">
-              <a:lnSpc>
-                <a:spcPct val="150000"/>
-              </a:lnSpc>
-              <a:spcBef>
-                <a:spcPts val="0"/>
-              </a:spcBef>
-              <a:spcAft>
-                <a:spcPts val="0"/>
-              </a:spcAft>
-            </a:pPr>
-            <a:r>
-              <a:rPr lang="en-IN" sz="1100" b="0" i="0" kern="1200" spc="0" baseline="0" dirty="0">
-                <a:ln>
-                  <a:noFill/>
-                </a:ln>
-                <a:solidFill>
-                  <a:srgbClr val="000000"/>
-                </a:solidFill>
-                <a:effectLst/>
-                <a:latin typeface="Anek Telugu SemiBold" pitchFamily="2" charset="0"/>
-                <a:ea typeface="+mn-ea"/>
-                <a:cs typeface="Anek Telugu SemiBold" pitchFamily="2" charset="0"/>
-              </a:rPr>
-              <a:t>2. </a:t>
-            </a:r>
-            <a:r>
-              <a:rPr lang="te-IN" sz="1100" b="0" i="0" kern="1200" spc="0" baseline="0" dirty="0">
-                <a:ln>
-                  <a:noFill/>
-                </a:ln>
-                <a:solidFill>
-                  <a:srgbClr val="000000"/>
-                </a:solidFill>
-                <a:effectLst/>
-                <a:latin typeface="Anek Telugu SemiBold" pitchFamily="2" charset="0"/>
-                <a:ea typeface="+mn-ea"/>
-                <a:cs typeface="Anek Telugu SemiBold" pitchFamily="2" charset="0"/>
-              </a:rPr>
-              <a:t>నన్ను సాతాను వెంబడించినా</a:t>
-            </a:r>
-          </a:p>
-          <a:p>
-            <a:pPr marL="0" marR="0" indent="0" algn="ctr" rtl="0" eaLnBrk="1" fontAlgn="auto" latinLnBrk="0" hangingPunct="1">
-              <a:lnSpc>
-                <a:spcPct val="150000"/>
-              </a:lnSpc>
-              <a:spcBef>
-                <a:spcPts val="0"/>
-              </a:spcBef>
-              <a:spcAft>
-                <a:spcPts val="0"/>
-              </a:spcAft>
-            </a:pPr>
-            <a:r>
-              <a:rPr lang="te-IN" sz="1100" b="0" i="0" kern="1200" spc="0" baseline="0" dirty="0">
-                <a:ln>
-                  <a:noFill/>
-                </a:ln>
-                <a:solidFill>
-                  <a:srgbClr val="000000"/>
-                </a:solidFill>
-                <a:effectLst/>
-                <a:latin typeface="Anek Telugu SemiBold" pitchFamily="2" charset="0"/>
-                <a:ea typeface="+mn-ea"/>
-                <a:cs typeface="Anek Telugu SemiBold" pitchFamily="2" charset="0"/>
-              </a:rPr>
-              <a:t>నన్ను శత్రువు ఎదిరించినా (2)</a:t>
-            </a:r>
-            <a:br>
-              <a:rPr lang="te-IN" sz="1100" b="0" i="0" kern="1200" spc="0" baseline="0" dirty="0">
-                <a:ln>
-                  <a:noFill/>
-                </a:ln>
-                <a:solidFill>
-                  <a:srgbClr val="000000"/>
-                </a:solidFill>
-                <a:effectLst/>
-                <a:latin typeface="Anek Telugu SemiBold" pitchFamily="2" charset="0"/>
-                <a:ea typeface="+mn-ea"/>
-                <a:cs typeface="Anek Telugu SemiBold" pitchFamily="2" charset="0"/>
-              </a:rPr>
-            </a:br>
-            <a:r>
-              <a:rPr lang="te-IN" sz="1100" b="0" i="0" kern="1200" spc="0" baseline="0" dirty="0">
-                <a:ln>
-                  <a:noFill/>
-                </a:ln>
-                <a:solidFill>
-                  <a:srgbClr val="000000"/>
-                </a:solidFill>
-                <a:effectLst/>
-                <a:latin typeface="Anek Telugu SemiBold" pitchFamily="2" charset="0"/>
-                <a:ea typeface="+mn-ea"/>
-                <a:cs typeface="Anek Telugu SemiBold" pitchFamily="2" charset="0"/>
-              </a:rPr>
-              <a:t>పలు నిందలు నను చుట్టినా</a:t>
-            </a:r>
-          </a:p>
-          <a:p>
-            <a:pPr marL="0" marR="0" indent="0" algn="ctr" rtl="0" eaLnBrk="1" fontAlgn="auto" latinLnBrk="0" hangingPunct="1">
-              <a:lnSpc>
-                <a:spcPct val="150000"/>
-              </a:lnSpc>
-              <a:spcBef>
-                <a:spcPts val="0"/>
-              </a:spcBef>
-              <a:spcAft>
-                <a:spcPts val="0"/>
-              </a:spcAft>
-            </a:pPr>
-            <a:r>
-              <a:rPr lang="te-IN" sz="1100" b="0" i="0" kern="1200" spc="0" baseline="0" dirty="0">
-                <a:ln>
-                  <a:noFill/>
-                </a:ln>
-                <a:solidFill>
-                  <a:srgbClr val="000000"/>
-                </a:solidFill>
-                <a:effectLst/>
-                <a:latin typeface="Anek Telugu SemiBold" pitchFamily="2" charset="0"/>
-                <a:ea typeface="+mn-ea"/>
-                <a:cs typeface="Anek Telugu SemiBold" pitchFamily="2" charset="0"/>
-              </a:rPr>
-              <a:t>             ప్రియ ప్రభువే నా పరిహారి (2)          </a:t>
-            </a:r>
-          </a:p>
-          <a:p>
-            <a:pPr marL="0" marR="0" indent="0" algn="ctr" rtl="0" eaLnBrk="1" fontAlgn="auto" latinLnBrk="0" hangingPunct="1">
-              <a:lnSpc>
-                <a:spcPct val="150000"/>
-              </a:lnSpc>
-              <a:spcBef>
-                <a:spcPts val="0"/>
-              </a:spcBef>
-              <a:spcAft>
-                <a:spcPts val="0"/>
-              </a:spcAft>
-            </a:pPr>
-            <a:endParaRPr lang="te-IN" sz="1100" b="0" i="0" kern="1200" spc="0" baseline="0" dirty="0">
-              <a:ln>
-                <a:noFill/>
-              </a:ln>
-              <a:solidFill>
-                <a:srgbClr val="000000"/>
-              </a:solidFill>
-              <a:effectLst/>
-              <a:latin typeface="Anek Telugu SemiBold" pitchFamily="2" charset="0"/>
-              <a:ea typeface="+mn-ea"/>
-              <a:cs typeface="Anek Telugu SemiBold" pitchFamily="2" charset="0"/>
-            </a:endParaRPr>
-          </a:p>
-          <a:p>
-            <a:pPr marL="0" marR="0" indent="0" algn="ctr" rtl="0" eaLnBrk="1" fontAlgn="auto" latinLnBrk="0" hangingPunct="1">
-              <a:lnSpc>
-                <a:spcPct val="150000"/>
-              </a:lnSpc>
-              <a:spcBef>
-                <a:spcPts val="0"/>
-              </a:spcBef>
-              <a:spcAft>
-                <a:spcPts val="0"/>
-              </a:spcAft>
-            </a:pPr>
-            <a:r>
-              <a:rPr lang="en-IN" sz="1100" b="0" i="0" kern="1200" spc="0" baseline="0" dirty="0">
-                <a:ln>
-                  <a:noFill/>
-                </a:ln>
-                <a:solidFill>
-                  <a:srgbClr val="000000"/>
-                </a:solidFill>
-                <a:effectLst/>
-                <a:latin typeface="Anek Telugu SemiBold" pitchFamily="2" charset="0"/>
-                <a:ea typeface="+mn-ea"/>
-                <a:cs typeface="Anek Telugu SemiBold" pitchFamily="2" charset="0"/>
-              </a:rPr>
-              <a:t>3. </a:t>
-            </a:r>
-            <a:r>
-              <a:rPr lang="te-IN" sz="1100" b="0" i="0" kern="1200" spc="0" baseline="0" dirty="0">
-                <a:ln>
-                  <a:noFill/>
-                </a:ln>
-                <a:solidFill>
-                  <a:srgbClr val="000000"/>
-                </a:solidFill>
-                <a:effectLst/>
-                <a:latin typeface="Anek Telugu SemiBold" pitchFamily="2" charset="0"/>
-                <a:ea typeface="+mn-ea"/>
-                <a:cs typeface="Anek Telugu SemiBold" pitchFamily="2" charset="0"/>
-              </a:rPr>
-              <a:t>మణి మాన్యాలు లేకున్ననూ</a:t>
-            </a:r>
-          </a:p>
-          <a:p>
-            <a:pPr marL="0" marR="0" indent="0" algn="ctr" rtl="0" eaLnBrk="1" fontAlgn="auto" latinLnBrk="0" hangingPunct="1">
-              <a:lnSpc>
-                <a:spcPct val="150000"/>
-              </a:lnSpc>
-              <a:spcBef>
-                <a:spcPts val="0"/>
-              </a:spcBef>
-              <a:spcAft>
-                <a:spcPts val="0"/>
-              </a:spcAft>
-            </a:pPr>
-            <a:r>
-              <a:rPr lang="te-IN" sz="1100" b="0" i="0" kern="1200" spc="0" baseline="0" dirty="0">
-                <a:ln>
-                  <a:noFill/>
-                </a:ln>
-                <a:solidFill>
-                  <a:srgbClr val="000000"/>
-                </a:solidFill>
-                <a:effectLst/>
-                <a:latin typeface="Anek Telugu SemiBold" pitchFamily="2" charset="0"/>
-                <a:ea typeface="+mn-ea"/>
-                <a:cs typeface="Anek Telugu SemiBold" pitchFamily="2" charset="0"/>
-              </a:rPr>
-              <a:t>పలు వేదనలు వేధించినా (2)</a:t>
-            </a:r>
-            <a:br>
-              <a:rPr lang="te-IN" sz="1100" b="0" i="0" kern="1200" spc="0" baseline="0" dirty="0">
-                <a:ln>
-                  <a:noFill/>
-                </a:ln>
-                <a:solidFill>
-                  <a:srgbClr val="000000"/>
-                </a:solidFill>
-                <a:effectLst/>
-                <a:latin typeface="Anek Telugu SemiBold" pitchFamily="2" charset="0"/>
-                <a:ea typeface="+mn-ea"/>
-                <a:cs typeface="Anek Telugu SemiBold" pitchFamily="2" charset="0"/>
-              </a:rPr>
-            </a:br>
-            <a:r>
-              <a:rPr lang="te-IN" sz="1100" b="0" i="0" kern="1200" spc="0" baseline="0" dirty="0">
-                <a:ln>
-                  <a:noFill/>
-                </a:ln>
-                <a:solidFill>
-                  <a:srgbClr val="000000"/>
-                </a:solidFill>
-                <a:effectLst/>
-                <a:latin typeface="Anek Telugu SemiBold" pitchFamily="2" charset="0"/>
-                <a:ea typeface="+mn-ea"/>
-                <a:cs typeface="Anek Telugu SemiBold" pitchFamily="2" charset="0"/>
-              </a:rPr>
-              <a:t>నరులెల్లరు నను విడచినా</a:t>
-            </a:r>
-            <a:br>
-              <a:rPr lang="te-IN" sz="1100" b="0" i="0" kern="1200" spc="0" baseline="0" dirty="0">
-                <a:ln>
-                  <a:noFill/>
-                </a:ln>
-                <a:solidFill>
-                  <a:srgbClr val="000000"/>
-                </a:solidFill>
-                <a:effectLst/>
-                <a:latin typeface="Anek Telugu SemiBold" pitchFamily="2" charset="0"/>
-                <a:ea typeface="+mn-ea"/>
-                <a:cs typeface="Anek Telugu SemiBold" pitchFamily="2" charset="0"/>
-              </a:rPr>
-            </a:br>
-            <a:r>
-              <a:rPr lang="te-IN" sz="1100" b="0" i="0" kern="1200" spc="0" baseline="0" dirty="0">
-                <a:ln>
-                  <a:noFill/>
-                </a:ln>
-                <a:solidFill>
-                  <a:srgbClr val="000000"/>
-                </a:solidFill>
-                <a:effectLst/>
-                <a:latin typeface="Anek Telugu SemiBold" pitchFamily="2" charset="0"/>
-                <a:ea typeface="+mn-ea"/>
-                <a:cs typeface="Anek Telugu SemiBold" pitchFamily="2" charset="0"/>
-              </a:rPr>
-              <a:t>ప్రియ ప్రభువే నా పరిహారి (2)</a:t>
+              <a:t>నన్ను ఆదరించెనులే (2)</a:t>
             </a:r>
           </a:p>
         </p:txBody>
@@ -12853,7 +12202,7 @@
               </a:lnSpc>
             </a:pPr>
             <a:r>
-              <a:rPr lang="te-IN" sz="1100" i="0" dirty="0">
+              <a:rPr lang="te-IN" sz="1150" i="0" dirty="0">
                 <a:solidFill>
                   <a:schemeClr val="tx1"/>
                 </a:solidFill>
@@ -12861,7 +12210,7 @@
                 <a:latin typeface="Anek Telugu SemiBold" pitchFamily="2" charset="0"/>
                 <a:cs typeface="Anek Telugu SemiBold" pitchFamily="2" charset="0"/>
               </a:rPr>
-              <a:t>రాజా నీ సన్నిధిలోనే ఉంటానయ్య</a:t>
+              <a:t>స్తుతి గానమే పాడనా</a:t>
             </a:r>
           </a:p>
           <a:p>
@@ -12871,7 +12220,7 @@
               </a:lnSpc>
             </a:pPr>
             <a:r>
-              <a:rPr lang="te-IN" sz="1100" i="0" dirty="0">
+              <a:rPr lang="te-IN" sz="1150" i="0" dirty="0">
                 <a:solidFill>
                   <a:schemeClr val="tx1"/>
                 </a:solidFill>
@@ -12879,7 +12228,7 @@
                 <a:latin typeface="Anek Telugu SemiBold" pitchFamily="2" charset="0"/>
                 <a:cs typeface="Anek Telugu SemiBold" pitchFamily="2" charset="0"/>
               </a:rPr>
-              <a:t>మనసారా ఆరాధిస్తు బ్రతికేస్తానయ్య</a:t>
+              <a:t>జయగీతమే పాడనా (2)</a:t>
             </a:r>
           </a:p>
           <a:p>
@@ -12889,7 +12238,7 @@
               </a:lnSpc>
             </a:pPr>
             <a:r>
-              <a:rPr lang="te-IN" sz="1100" i="0" dirty="0">
+              <a:rPr lang="te-IN" sz="1150" i="0" dirty="0">
                 <a:solidFill>
                   <a:schemeClr val="tx1"/>
                 </a:solidFill>
@@ -12897,7 +12246,7 @@
                 <a:latin typeface="Anek Telugu SemiBold" pitchFamily="2" charset="0"/>
                 <a:cs typeface="Anek Telugu SemiBold" pitchFamily="2" charset="0"/>
               </a:rPr>
-              <a:t>నేనుండలేనయ్య నే బ్రతుకలేనయ్య</a:t>
+              <a:t>నా ఆధారమైయున్న</a:t>
             </a:r>
           </a:p>
           <a:p>
@@ -12907,7 +12256,7 @@
               </a:lnSpc>
             </a:pPr>
             <a:r>
-              <a:rPr lang="te-IN" sz="1100" i="0" dirty="0">
+              <a:rPr lang="te-IN" sz="1150" i="0" dirty="0">
                 <a:solidFill>
                   <a:schemeClr val="tx1"/>
                 </a:solidFill>
@@ -12915,7 +12264,7 @@
                 <a:latin typeface="Anek Telugu SemiBold" pitchFamily="2" charset="0"/>
                 <a:cs typeface="Anek Telugu SemiBold" pitchFamily="2" charset="0"/>
               </a:rPr>
-              <a:t>నీవే లేకుండా నేనుండలేనయ్య</a:t>
+              <a:t>యేసయ్యా నీకు – కృతజ్ఞుడనై</a:t>
             </a:r>
           </a:p>
           <a:p>
@@ -12925,7 +12274,7 @@
               </a:lnSpc>
             </a:pPr>
             <a:r>
-              <a:rPr lang="te-IN" sz="1100" i="0" dirty="0">
+              <a:rPr lang="te-IN" sz="1150" i="0" dirty="0">
                 <a:solidFill>
                   <a:schemeClr val="tx1"/>
                 </a:solidFill>
@@ -12933,7 +12282,7 @@
                 <a:latin typeface="Anek Telugu SemiBold" pitchFamily="2" charset="0"/>
                 <a:cs typeface="Anek Telugu SemiBold" pitchFamily="2" charset="0"/>
               </a:rPr>
-              <a:t>నీ తోడే లేకుండా నే బ్రతుకలేనయ్య</a:t>
+              <a:t>జీవితమంతయు సాక్షినై యుందును (2)</a:t>
             </a:r>
           </a:p>
           <a:p>
@@ -12942,7 +12291,7 @@
                 <a:spcPct val="150000"/>
               </a:lnSpc>
             </a:pPr>
-            <a:endParaRPr lang="te-IN" sz="1100" i="0" dirty="0">
+            <a:endParaRPr lang="te-IN" sz="1150" i="0" dirty="0">
               <a:solidFill>
                 <a:schemeClr val="tx1"/>
               </a:solidFill>
@@ -12958,7 +12307,7 @@
               </a:lnSpc>
             </a:pPr>
             <a:r>
-              <a:rPr lang="en-IN" sz="1100" i="0" dirty="0">
+              <a:rPr lang="en-IN" sz="1150" i="0" dirty="0">
                 <a:solidFill>
                   <a:schemeClr val="tx1"/>
                 </a:solidFill>
@@ -12969,7 +12318,7 @@
               <a:t>1. </a:t>
             </a:r>
             <a:r>
-              <a:rPr lang="te-IN" sz="1100" i="0" dirty="0">
+              <a:rPr lang="te-IN" sz="1150" i="0" dirty="0">
                 <a:solidFill>
                   <a:schemeClr val="tx1"/>
                 </a:solidFill>
@@ -12977,7 +12326,7 @@
                 <a:latin typeface="Anek Telugu SemiBold" pitchFamily="2" charset="0"/>
                 <a:cs typeface="Anek Telugu SemiBold" pitchFamily="2" charset="0"/>
               </a:rPr>
-              <a:t>నీ సన్నిధానములో సంపూర్ణ సంతోషం</a:t>
+              <a:t>నమ్మదగినవి నీ న్యాయ విధులు</a:t>
             </a:r>
           </a:p>
           <a:p>
@@ -12987,7 +12336,7 @@
               </a:lnSpc>
             </a:pPr>
             <a:r>
-              <a:rPr lang="te-IN" sz="1100" i="0" dirty="0">
+              <a:rPr lang="te-IN" sz="1150" i="0" dirty="0">
                 <a:solidFill>
                   <a:schemeClr val="tx1"/>
                 </a:solidFill>
@@ -12995,7 +12344,7 @@
                 <a:latin typeface="Anek Telugu SemiBold" pitchFamily="2" charset="0"/>
                 <a:cs typeface="Anek Telugu SemiBold" pitchFamily="2" charset="0"/>
               </a:rPr>
-              <a:t>ఆరాధించుకొనే విలువైన అవకాశం</a:t>
+              <a:t>మేలిమి బంగారు కంటే – ఎంతో కోరతగినవి (2)</a:t>
             </a:r>
           </a:p>
           <a:p>
@@ -13005,7 +12354,7 @@
               </a:lnSpc>
             </a:pPr>
             <a:r>
-              <a:rPr lang="te-IN" sz="1100" i="0" dirty="0">
+              <a:rPr lang="te-IN" sz="1150" i="0" dirty="0">
                 <a:solidFill>
                   <a:schemeClr val="tx1"/>
                 </a:solidFill>
@@ -13013,7 +12362,7 @@
                 <a:latin typeface="Anek Telugu SemiBold" pitchFamily="2" charset="0"/>
                 <a:cs typeface="Anek Telugu SemiBold" pitchFamily="2" charset="0"/>
               </a:rPr>
-              <a:t>కోల్పోయినవన్ని నాకు ఇచ్చుటకును</a:t>
+              <a:t>నీ ధర్మాసనము – నా హృదయములో</a:t>
             </a:r>
           </a:p>
           <a:p>
@@ -13023,7 +12372,7 @@
               </a:lnSpc>
             </a:pPr>
             <a:r>
-              <a:rPr lang="te-IN" sz="1100" i="0" dirty="0">
+              <a:rPr lang="te-IN" sz="1150" i="0" dirty="0">
                 <a:solidFill>
                   <a:schemeClr val="tx1"/>
                 </a:solidFill>
@@ -13031,7 +12380,7 @@
                 <a:latin typeface="Anek Telugu SemiBold" pitchFamily="2" charset="0"/>
                 <a:cs typeface="Anek Telugu SemiBold" pitchFamily="2" charset="0"/>
               </a:rPr>
-              <a:t>బాధల నుండి బ్రతికించుటకును</a:t>
+              <a:t>స్థాపించబడియున్నది – పరిశుద్ధాత్మునిచే (2)</a:t>
             </a:r>
           </a:p>
           <a:p>
@@ -13040,25 +12389,7 @@
                 <a:spcPct val="150000"/>
               </a:lnSpc>
             </a:pPr>
-            <a:r>
-              <a:rPr lang="te-IN" sz="1100" i="0" dirty="0">
-                <a:solidFill>
-                  <a:schemeClr val="tx1"/>
-                </a:solidFill>
-                <a:effectLst/>
-                <a:latin typeface="Anek Telugu SemiBold" pitchFamily="2" charset="0"/>
-                <a:cs typeface="Anek Telugu SemiBold" pitchFamily="2" charset="0"/>
-              </a:rPr>
-              <a:t>నీవే రాకపోతే నేనేమైపోదునో</a:t>
-            </a:r>
-          </a:p>
-          <a:p>
-            <a:pPr algn="ctr">
-              <a:lnSpc>
-                <a:spcPct val="150000"/>
-              </a:lnSpc>
-            </a:pPr>
-            <a:endParaRPr lang="te-IN" sz="1100" i="0" dirty="0">
+            <a:endParaRPr lang="te-IN" sz="1150" i="0" dirty="0">
               <a:solidFill>
                 <a:schemeClr val="tx1"/>
               </a:solidFill>
@@ -13074,7 +12405,7 @@
               </a:lnSpc>
             </a:pPr>
             <a:r>
-              <a:rPr lang="en-IN" sz="1100" i="0" dirty="0">
+              <a:rPr lang="en-IN" sz="1150" i="0" dirty="0">
                 <a:solidFill>
                   <a:schemeClr val="tx1"/>
                 </a:solidFill>
@@ -13085,7 +12416,7 @@
               <a:t>2. </a:t>
             </a:r>
             <a:r>
-              <a:rPr lang="te-IN" sz="1100" i="0" dirty="0">
+              <a:rPr lang="te-IN" sz="1150" i="0" dirty="0">
                 <a:solidFill>
                   <a:schemeClr val="tx1"/>
                 </a:solidFill>
@@ -13093,7 +12424,7 @@
                 <a:latin typeface="Anek Telugu SemiBold" pitchFamily="2" charset="0"/>
                 <a:cs typeface="Anek Telugu SemiBold" pitchFamily="2" charset="0"/>
               </a:rPr>
-              <a:t>ఒంటరి పోరు నన్ను విసిగించిన</a:t>
+              <a:t>శ్రేష్టమైనవి నీవిచ్చు వరములు</a:t>
             </a:r>
           </a:p>
           <a:p>
@@ -13103,7 +12434,7 @@
               </a:lnSpc>
             </a:pPr>
             <a:r>
-              <a:rPr lang="te-IN" sz="1100" i="0" dirty="0">
+              <a:rPr lang="te-IN" sz="1150" i="0" dirty="0">
                 <a:solidFill>
                   <a:schemeClr val="tx1"/>
                 </a:solidFill>
@@ -13111,7 +12442,7 @@
                 <a:latin typeface="Anek Telugu SemiBold" pitchFamily="2" charset="0"/>
                 <a:cs typeface="Anek Telugu SemiBold" pitchFamily="2" charset="0"/>
               </a:rPr>
-              <a:t>మనుషులెల్లరు నన్ను తప్పుపట్టినా</a:t>
+              <a:t>లౌకిక జ్ఞానము కంటే – ఎంతో ఉపయుక్తమైనవి (2)</a:t>
             </a:r>
           </a:p>
           <a:p>
@@ -13121,7 +12452,7 @@
               </a:lnSpc>
             </a:pPr>
             <a:r>
-              <a:rPr lang="te-IN" sz="1100" i="0" dirty="0">
+              <a:rPr lang="te-IN" sz="1150" i="0" dirty="0">
                 <a:solidFill>
                   <a:schemeClr val="tx1"/>
                 </a:solidFill>
@@ -13129,7 +12460,7 @@
                 <a:latin typeface="Anek Telugu SemiBold" pitchFamily="2" charset="0"/>
                 <a:cs typeface="Anek Telugu SemiBold" pitchFamily="2" charset="0"/>
               </a:rPr>
-              <a:t>ఒంటరివాడే వేయి మంది అన్నావు</a:t>
+              <a:t>నీ శ్రేష్టమైన – పరిచర్యలకై</a:t>
             </a:r>
           </a:p>
           <a:p>
@@ -13139,7 +12470,7 @@
               </a:lnSpc>
             </a:pPr>
             <a:r>
-              <a:rPr lang="te-IN" sz="1100" i="0" dirty="0">
+              <a:rPr lang="te-IN" sz="1150" i="0" dirty="0">
                 <a:solidFill>
                   <a:schemeClr val="tx1"/>
                 </a:solidFill>
@@ -13147,25 +12478,7 @@
                 <a:latin typeface="Anek Telugu SemiBold" pitchFamily="2" charset="0"/>
                 <a:cs typeface="Anek Telugu SemiBold" pitchFamily="2" charset="0"/>
               </a:rPr>
-              <a:t>నేనున్నానులే భయపడకు అన్నావు</a:t>
-            </a:r>
-          </a:p>
-          <a:p>
-            <a:pPr algn="ctr">
-              <a:lnSpc>
-                <a:spcPct val="150000"/>
-              </a:lnSpc>
-            </a:pPr>
-            <a:r>
-              <a:rPr lang="te-IN" sz="1100" i="0" dirty="0">
-                <a:solidFill>
-                  <a:schemeClr val="tx1"/>
-                </a:solidFill>
-                <a:effectLst/>
-                <a:latin typeface="Anek Telugu SemiBold" pitchFamily="2" charset="0"/>
-                <a:cs typeface="Anek Telugu SemiBold" pitchFamily="2" charset="0"/>
-              </a:rPr>
-              <a:t>నేనంటే నీకు ఇంత ప్రేమ ఏంటయ్య</a:t>
+              <a:t>కృపావరములతో నను – అలంకరించితివే (2)</a:t>
             </a:r>
           </a:p>
         </p:txBody>
@@ -13217,448 +12530,1039 @@
           <a:bodyPr rtlCol="0" anchor="ctr"/>
           <a:lstStyle/>
           <a:p>
-            <a:pPr marL="0" marR="0" indent="0" algn="ctr" rtl="0" eaLnBrk="1" fontAlgn="auto" latinLnBrk="0" hangingPunct="1">
+            <a:pPr algn="ctr">
               <a:lnSpc>
                 <a:spcPct val="150000"/>
               </a:lnSpc>
-              <a:spcBef>
-                <a:spcPts val="0"/>
-              </a:spcBef>
-              <a:spcAft>
-                <a:spcPts val="0"/>
-              </a:spcAft>
             </a:pPr>
             <a:r>
-              <a:rPr lang="te-IN" sz="1100" b="0" i="0" kern="1200" spc="0" baseline="0" dirty="0">
-                <a:ln>
-                  <a:noFill/>
-                </a:ln>
-                <a:solidFill>
-                  <a:srgbClr val="000000"/>
-                </a:solidFill>
-                <a:effectLst/>
-                <a:latin typeface="Anek Telugu SemiBold" pitchFamily="2" charset="0"/>
-                <a:ea typeface="+mn-ea"/>
-                <a:cs typeface="Anek Telugu SemiBold" pitchFamily="2" charset="0"/>
-              </a:rPr>
-              <a:t>నా ప్రాణమా నా అంతరంగమా </a:t>
-            </a:r>
-          </a:p>
-          <a:p>
-            <a:pPr marL="0" marR="0" indent="0" algn="ctr" rtl="0" eaLnBrk="1" fontAlgn="auto" latinLnBrk="0" hangingPunct="1">
+              <a:rPr lang="en-IN" sz="1300" dirty="0" err="1">
+                <a:solidFill>
+                  <a:schemeClr val="tx1"/>
+                </a:solidFill>
+                <a:latin typeface="Anek Telugu SemiBold" pitchFamily="2" charset="0"/>
+                <a:cs typeface="Anek Telugu SemiBold" pitchFamily="2" charset="0"/>
+              </a:rPr>
+              <a:t>యేసు</a:t>
+            </a:r>
+            <a:r>
+              <a:rPr lang="en-IN" sz="1300" dirty="0">
+                <a:solidFill>
+                  <a:schemeClr val="tx1"/>
+                </a:solidFill>
+                <a:latin typeface="Anek Telugu SemiBold" pitchFamily="2" charset="0"/>
+                <a:cs typeface="Anek Telugu SemiBold" pitchFamily="2" charset="0"/>
+              </a:rPr>
+              <a:t> </a:t>
+            </a:r>
+            <a:r>
+              <a:rPr lang="en-IN" sz="1300" dirty="0" err="1">
+                <a:solidFill>
+                  <a:schemeClr val="tx1"/>
+                </a:solidFill>
+                <a:latin typeface="Anek Telugu SemiBold" pitchFamily="2" charset="0"/>
+                <a:cs typeface="Anek Telugu SemiBold" pitchFamily="2" charset="0"/>
+              </a:rPr>
+              <a:t>నీవే</a:t>
+            </a:r>
+            <a:r>
+              <a:rPr lang="en-IN" sz="1300" dirty="0">
+                <a:solidFill>
+                  <a:schemeClr val="tx1"/>
+                </a:solidFill>
+                <a:latin typeface="Anek Telugu SemiBold" pitchFamily="2" charset="0"/>
+                <a:cs typeface="Anek Telugu SemiBold" pitchFamily="2" charset="0"/>
+              </a:rPr>
+              <a:t> </a:t>
+            </a:r>
+            <a:r>
+              <a:rPr lang="en-IN" sz="1300" dirty="0" err="1">
+                <a:solidFill>
+                  <a:schemeClr val="tx1"/>
+                </a:solidFill>
+                <a:latin typeface="Anek Telugu SemiBold" pitchFamily="2" charset="0"/>
+                <a:cs typeface="Anek Telugu SemiBold" pitchFamily="2" charset="0"/>
+              </a:rPr>
+              <a:t>కావాలయ్యా</a:t>
+            </a:r>
+            <a:r>
+              <a:rPr lang="en-IN" sz="1300" dirty="0">
+                <a:solidFill>
+                  <a:schemeClr val="tx1"/>
+                </a:solidFill>
+                <a:latin typeface="Anek Telugu SemiBold" pitchFamily="2" charset="0"/>
+                <a:cs typeface="Anek Telugu SemiBold" pitchFamily="2" charset="0"/>
+              </a:rPr>
+              <a:t> </a:t>
+            </a:r>
+          </a:p>
+          <a:p>
+            <a:pPr algn="ctr">
               <a:lnSpc>
                 <a:spcPct val="150000"/>
               </a:lnSpc>
-              <a:spcBef>
-                <a:spcPts val="0"/>
-              </a:spcBef>
-              <a:spcAft>
-                <a:spcPts val="0"/>
-              </a:spcAft>
             </a:pPr>
             <a:r>
-              <a:rPr lang="te-IN" sz="1100" b="0" i="0" kern="1200" spc="0" baseline="0" dirty="0">
-                <a:ln>
-                  <a:noFill/>
-                </a:ln>
-                <a:solidFill>
-                  <a:srgbClr val="000000"/>
-                </a:solidFill>
-                <a:effectLst/>
-                <a:latin typeface="Anek Telugu SemiBold" pitchFamily="2" charset="0"/>
-                <a:ea typeface="+mn-ea"/>
-                <a:cs typeface="Anek Telugu SemiBold" pitchFamily="2" charset="0"/>
-              </a:rPr>
-              <a:t>నాలో వున్న నా సమస్తమా (2)</a:t>
-            </a:r>
-          </a:p>
-          <a:p>
-            <a:pPr marL="0" marR="0" indent="0" algn="ctr" rtl="0" eaLnBrk="1" fontAlgn="auto" latinLnBrk="0" hangingPunct="1">
+              <a:rPr lang="en-IN" sz="1300" dirty="0" err="1">
+                <a:solidFill>
+                  <a:schemeClr val="tx1"/>
+                </a:solidFill>
+                <a:latin typeface="Anek Telugu SemiBold" pitchFamily="2" charset="0"/>
+                <a:cs typeface="Anek Telugu SemiBold" pitchFamily="2" charset="0"/>
+              </a:rPr>
+              <a:t>నాతో</a:t>
+            </a:r>
+            <a:r>
+              <a:rPr lang="en-IN" sz="1300" dirty="0">
+                <a:solidFill>
+                  <a:schemeClr val="tx1"/>
+                </a:solidFill>
+                <a:latin typeface="Anek Telugu SemiBold" pitchFamily="2" charset="0"/>
+                <a:cs typeface="Anek Telugu SemiBold" pitchFamily="2" charset="0"/>
+              </a:rPr>
+              <a:t> </a:t>
+            </a:r>
+            <a:r>
+              <a:rPr lang="en-IN" sz="1300" dirty="0" err="1">
+                <a:solidFill>
+                  <a:schemeClr val="tx1"/>
+                </a:solidFill>
+                <a:latin typeface="Anek Telugu SemiBold" pitchFamily="2" charset="0"/>
+                <a:cs typeface="Anek Telugu SemiBold" pitchFamily="2" charset="0"/>
+              </a:rPr>
+              <a:t>కూడ</a:t>
+            </a:r>
+            <a:r>
+              <a:rPr lang="en-IN" sz="1300" dirty="0">
+                <a:solidFill>
+                  <a:schemeClr val="tx1"/>
+                </a:solidFill>
+                <a:latin typeface="Anek Telugu SemiBold" pitchFamily="2" charset="0"/>
+                <a:cs typeface="Anek Telugu SemiBold" pitchFamily="2" charset="0"/>
+              </a:rPr>
+              <a:t> </a:t>
+            </a:r>
+            <a:r>
+              <a:rPr lang="en-IN" sz="1300" dirty="0" err="1">
+                <a:solidFill>
+                  <a:schemeClr val="tx1"/>
+                </a:solidFill>
+                <a:latin typeface="Anek Telugu SemiBold" pitchFamily="2" charset="0"/>
+                <a:cs typeface="Anek Telugu SemiBold" pitchFamily="2" charset="0"/>
+              </a:rPr>
+              <a:t>రావాలయ్యా</a:t>
+            </a:r>
+            <a:endParaRPr lang="en-IN" sz="1300" dirty="0">
+              <a:solidFill>
+                <a:schemeClr val="tx1"/>
+              </a:solidFill>
+              <a:latin typeface="Anek Telugu SemiBold" pitchFamily="2" charset="0"/>
+              <a:cs typeface="Anek Telugu SemiBold" pitchFamily="2" charset="0"/>
+            </a:endParaRPr>
+          </a:p>
+          <a:p>
+            <a:pPr algn="ctr">
               <a:lnSpc>
                 <a:spcPct val="150000"/>
               </a:lnSpc>
-              <a:spcBef>
-                <a:spcPts val="0"/>
-              </a:spcBef>
-              <a:spcAft>
-                <a:spcPts val="0"/>
-              </a:spcAft>
             </a:pPr>
             <a:r>
-              <a:rPr lang="te-IN" sz="1100" b="0" i="0" kern="1200" spc="0" baseline="0" dirty="0">
-                <a:ln>
-                  <a:noFill/>
-                </a:ln>
-                <a:solidFill>
-                  <a:srgbClr val="000000"/>
-                </a:solidFill>
-                <a:effectLst/>
-                <a:latin typeface="Anek Telugu SemiBold" pitchFamily="2" charset="0"/>
-                <a:ea typeface="+mn-ea"/>
-                <a:cs typeface="Anek Telugu SemiBold" pitchFamily="2" charset="0"/>
-              </a:rPr>
-              <a:t>యెహోవ చేసిన ఉపకారములలో</a:t>
-            </a:r>
-          </a:p>
-          <a:p>
-            <a:pPr marL="0" marR="0" indent="0" algn="ctr" rtl="0" eaLnBrk="1" fontAlgn="auto" latinLnBrk="0" hangingPunct="1">
+              <a:rPr lang="en-IN" sz="1300" dirty="0" err="1">
+                <a:solidFill>
+                  <a:schemeClr val="tx1"/>
+                </a:solidFill>
+                <a:latin typeface="Anek Telugu SemiBold" pitchFamily="2" charset="0"/>
+                <a:cs typeface="Anek Telugu SemiBold" pitchFamily="2" charset="0"/>
+              </a:rPr>
+              <a:t>ఘనుడ</a:t>
+            </a:r>
+            <a:r>
+              <a:rPr lang="en-IN" sz="1300" dirty="0">
+                <a:solidFill>
+                  <a:schemeClr val="tx1"/>
+                </a:solidFill>
+                <a:latin typeface="Anek Telugu SemiBold" pitchFamily="2" charset="0"/>
+                <a:cs typeface="Anek Telugu SemiBold" pitchFamily="2" charset="0"/>
+              </a:rPr>
+              <a:t> </a:t>
+            </a:r>
+            <a:r>
+              <a:rPr lang="en-IN" sz="1300" dirty="0" err="1">
+                <a:solidFill>
+                  <a:schemeClr val="tx1"/>
+                </a:solidFill>
+                <a:latin typeface="Anek Telugu SemiBold" pitchFamily="2" charset="0"/>
+                <a:cs typeface="Anek Telugu SemiBold" pitchFamily="2" charset="0"/>
+              </a:rPr>
+              <a:t>నీ</a:t>
+            </a:r>
+            <a:r>
+              <a:rPr lang="en-IN" sz="1300" dirty="0">
+                <a:solidFill>
+                  <a:schemeClr val="tx1"/>
+                </a:solidFill>
+                <a:latin typeface="Anek Telugu SemiBold" pitchFamily="2" charset="0"/>
+                <a:cs typeface="Anek Telugu SemiBold" pitchFamily="2" charset="0"/>
+              </a:rPr>
+              <a:t> </a:t>
+            </a:r>
+            <a:r>
+              <a:rPr lang="en-IN" sz="1300" dirty="0" err="1">
+                <a:solidFill>
+                  <a:schemeClr val="tx1"/>
+                </a:solidFill>
+                <a:latin typeface="Anek Telugu SemiBold" pitchFamily="2" charset="0"/>
+                <a:cs typeface="Anek Telugu SemiBold" pitchFamily="2" charset="0"/>
+              </a:rPr>
+              <a:t>దివ్య</a:t>
+            </a:r>
+            <a:r>
+              <a:rPr lang="en-IN" sz="1300" dirty="0">
+                <a:solidFill>
+                  <a:schemeClr val="tx1"/>
+                </a:solidFill>
+                <a:latin typeface="Anek Telugu SemiBold" pitchFamily="2" charset="0"/>
+                <a:cs typeface="Anek Telugu SemiBold" pitchFamily="2" charset="0"/>
+              </a:rPr>
+              <a:t> </a:t>
+            </a:r>
+            <a:r>
+              <a:rPr lang="en-IN" sz="1300" dirty="0" err="1">
+                <a:solidFill>
+                  <a:schemeClr val="tx1"/>
+                </a:solidFill>
+                <a:latin typeface="Anek Telugu SemiBold" pitchFamily="2" charset="0"/>
+                <a:cs typeface="Anek Telugu SemiBold" pitchFamily="2" charset="0"/>
+              </a:rPr>
+              <a:t>సన్నిధి</a:t>
+            </a:r>
+            <a:endParaRPr lang="en-IN" sz="1300" dirty="0">
+              <a:solidFill>
+                <a:schemeClr val="tx1"/>
+              </a:solidFill>
+              <a:latin typeface="Anek Telugu SemiBold" pitchFamily="2" charset="0"/>
+              <a:cs typeface="Anek Telugu SemiBold" pitchFamily="2" charset="0"/>
+            </a:endParaRPr>
+          </a:p>
+          <a:p>
+            <a:pPr algn="ctr">
               <a:lnSpc>
                 <a:spcPct val="150000"/>
               </a:lnSpc>
-              <a:spcBef>
-                <a:spcPts val="0"/>
-              </a:spcBef>
-              <a:spcAft>
-                <a:spcPts val="0"/>
-              </a:spcAft>
             </a:pPr>
             <a:r>
-              <a:rPr lang="te-IN" sz="1100" b="0" i="0" kern="1200" spc="0" baseline="0" dirty="0">
-                <a:ln>
-                  <a:noFill/>
-                </a:ln>
-                <a:solidFill>
-                  <a:srgbClr val="000000"/>
-                </a:solidFill>
-                <a:effectLst/>
-                <a:latin typeface="Anek Telugu SemiBold" pitchFamily="2" charset="0"/>
-                <a:ea typeface="+mn-ea"/>
-                <a:cs typeface="Anek Telugu SemiBold" pitchFamily="2" charset="0"/>
-              </a:rPr>
-              <a:t>దేనిని మరువక కొనియాడుమా (2)</a:t>
-            </a:r>
-          </a:p>
-          <a:p>
-            <a:pPr marL="0" marR="0" indent="0" algn="ctr" rtl="0" eaLnBrk="1" fontAlgn="auto" latinLnBrk="0" hangingPunct="1">
+              <a:rPr lang="en-IN" sz="1300" dirty="0">
+                <a:solidFill>
+                  <a:schemeClr val="tx1"/>
+                </a:solidFill>
+                <a:latin typeface="Anek Telugu SemiBold" pitchFamily="2" charset="0"/>
+                <a:cs typeface="Anek Telugu SemiBold" pitchFamily="2" charset="0"/>
+              </a:rPr>
+              <a:t> </a:t>
+            </a:r>
+            <a:r>
+              <a:rPr lang="en-IN" sz="1300" dirty="0" err="1">
+                <a:solidFill>
+                  <a:schemeClr val="tx1"/>
+                </a:solidFill>
+                <a:latin typeface="Anek Telugu SemiBold" pitchFamily="2" charset="0"/>
+                <a:cs typeface="Anek Telugu SemiBold" pitchFamily="2" charset="0"/>
+              </a:rPr>
+              <a:t>నను</a:t>
+            </a:r>
+            <a:r>
+              <a:rPr lang="en-IN" sz="1300" dirty="0">
+                <a:solidFill>
+                  <a:schemeClr val="tx1"/>
+                </a:solidFill>
+                <a:latin typeface="Anek Telugu SemiBold" pitchFamily="2" charset="0"/>
+                <a:cs typeface="Anek Telugu SemiBold" pitchFamily="2" charset="0"/>
+              </a:rPr>
+              <a:t> </a:t>
+            </a:r>
+            <a:r>
+              <a:rPr lang="en-IN" sz="1300" dirty="0" err="1">
+                <a:solidFill>
+                  <a:schemeClr val="tx1"/>
+                </a:solidFill>
+                <a:latin typeface="Anek Telugu SemiBold" pitchFamily="2" charset="0"/>
+                <a:cs typeface="Anek Telugu SemiBold" pitchFamily="2" charset="0"/>
+              </a:rPr>
+              <a:t>ఆదుకునే</a:t>
+            </a:r>
+            <a:r>
+              <a:rPr lang="en-IN" sz="1300" dirty="0">
+                <a:solidFill>
+                  <a:schemeClr val="tx1"/>
+                </a:solidFill>
+                <a:latin typeface="Anek Telugu SemiBold" pitchFamily="2" charset="0"/>
+                <a:cs typeface="Anek Telugu SemiBold" pitchFamily="2" charset="0"/>
+              </a:rPr>
+              <a:t> </a:t>
+            </a:r>
+            <a:r>
+              <a:rPr lang="en-IN" sz="1300" dirty="0" err="1">
+                <a:solidFill>
+                  <a:schemeClr val="tx1"/>
+                </a:solidFill>
+                <a:latin typeface="Anek Telugu SemiBold" pitchFamily="2" charset="0"/>
+                <a:cs typeface="Anek Telugu SemiBold" pitchFamily="2" charset="0"/>
+              </a:rPr>
+              <a:t>నా</a:t>
+            </a:r>
+            <a:r>
+              <a:rPr lang="en-IN" sz="1300" dirty="0">
+                <a:solidFill>
+                  <a:schemeClr val="tx1"/>
+                </a:solidFill>
+                <a:latin typeface="Anek Telugu SemiBold" pitchFamily="2" charset="0"/>
+                <a:cs typeface="Anek Telugu SemiBold" pitchFamily="2" charset="0"/>
+              </a:rPr>
+              <a:t> </a:t>
+            </a:r>
+            <a:r>
+              <a:rPr lang="en-IN" sz="1300" dirty="0" err="1">
+                <a:solidFill>
+                  <a:schemeClr val="tx1"/>
+                </a:solidFill>
+                <a:latin typeface="Anek Telugu SemiBold" pitchFamily="2" charset="0"/>
+                <a:cs typeface="Anek Telugu SemiBold" pitchFamily="2" charset="0"/>
+              </a:rPr>
+              <a:t>పెన్నిధి</a:t>
+            </a:r>
+            <a:endParaRPr lang="en-IN" sz="1300" dirty="0">
+              <a:solidFill>
+                <a:schemeClr val="tx1"/>
+              </a:solidFill>
+              <a:latin typeface="Anek Telugu SemiBold" pitchFamily="2" charset="0"/>
+              <a:cs typeface="Anek Telugu SemiBold" pitchFamily="2" charset="0"/>
+            </a:endParaRPr>
+          </a:p>
+          <a:p>
+            <a:pPr algn="ctr">
               <a:lnSpc>
                 <a:spcPct val="150000"/>
               </a:lnSpc>
-              <a:spcBef>
-                <a:spcPts val="0"/>
-              </a:spcBef>
-              <a:spcAft>
-                <a:spcPts val="0"/>
-              </a:spcAft>
             </a:pPr>
             <a:r>
-              <a:rPr lang="te-IN" sz="1100" b="0" i="0" kern="1200" spc="0" baseline="0" dirty="0">
-                <a:ln>
-                  <a:noFill/>
-                </a:ln>
-                <a:solidFill>
-                  <a:srgbClr val="000000"/>
-                </a:solidFill>
-                <a:effectLst/>
-                <a:latin typeface="Anek Telugu SemiBold" pitchFamily="2" charset="0"/>
-                <a:ea typeface="+mn-ea"/>
-                <a:cs typeface="Anek Telugu SemiBold" pitchFamily="2" charset="0"/>
-              </a:rPr>
-              <a:t>ఆ.. ఆ… ఆ.. ఆ… ఆ.. ఆ…</a:t>
-            </a:r>
-          </a:p>
-          <a:p>
-            <a:pPr marL="0" marR="0" indent="0" algn="ctr" rtl="0" eaLnBrk="1" fontAlgn="auto" latinLnBrk="0" hangingPunct="1">
+              <a:rPr lang="en-IN" sz="1300" dirty="0" err="1">
+                <a:solidFill>
+                  <a:schemeClr val="tx1"/>
+                </a:solidFill>
+                <a:latin typeface="Anek Telugu SemiBold" pitchFamily="2" charset="0"/>
+                <a:cs typeface="Anek Telugu SemiBold" pitchFamily="2" charset="0"/>
+              </a:rPr>
+              <a:t>నీవే</a:t>
+            </a:r>
+            <a:r>
+              <a:rPr lang="en-IN" sz="1300" dirty="0">
+                <a:solidFill>
+                  <a:schemeClr val="tx1"/>
+                </a:solidFill>
+                <a:latin typeface="Anek Telugu SemiBold" pitchFamily="2" charset="0"/>
+                <a:cs typeface="Anek Telugu SemiBold" pitchFamily="2" charset="0"/>
+              </a:rPr>
+              <a:t> </a:t>
+            </a:r>
+            <a:r>
+              <a:rPr lang="en-IN" sz="1300" dirty="0" err="1">
+                <a:solidFill>
+                  <a:schemeClr val="tx1"/>
+                </a:solidFill>
+                <a:latin typeface="Anek Telugu SemiBold" pitchFamily="2" charset="0"/>
+                <a:cs typeface="Anek Telugu SemiBold" pitchFamily="2" charset="0"/>
+              </a:rPr>
+              <a:t>కావాలయ్యా</a:t>
+            </a:r>
+            <a:r>
+              <a:rPr lang="en-IN" sz="1300" dirty="0">
+                <a:solidFill>
+                  <a:schemeClr val="tx1"/>
+                </a:solidFill>
+                <a:latin typeface="Anek Telugu SemiBold" pitchFamily="2" charset="0"/>
+                <a:cs typeface="Anek Telugu SemiBold" pitchFamily="2" charset="0"/>
+              </a:rPr>
+              <a:t> </a:t>
+            </a:r>
+            <a:r>
+              <a:rPr lang="en-IN" sz="1300" dirty="0" err="1">
+                <a:solidFill>
+                  <a:schemeClr val="tx1"/>
+                </a:solidFill>
+                <a:latin typeface="Anek Telugu SemiBold" pitchFamily="2" charset="0"/>
+                <a:cs typeface="Anek Telugu SemiBold" pitchFamily="2" charset="0"/>
+              </a:rPr>
+              <a:t>నాతో</a:t>
+            </a:r>
+            <a:r>
+              <a:rPr lang="en-IN" sz="1300" dirty="0">
+                <a:solidFill>
+                  <a:schemeClr val="tx1"/>
+                </a:solidFill>
+                <a:latin typeface="Anek Telugu SemiBold" pitchFamily="2" charset="0"/>
+                <a:cs typeface="Anek Telugu SemiBold" pitchFamily="2" charset="0"/>
+              </a:rPr>
+              <a:t> </a:t>
+            </a:r>
+            <a:r>
+              <a:rPr lang="en-IN" sz="1300" dirty="0" err="1">
+                <a:solidFill>
+                  <a:schemeClr val="tx1"/>
+                </a:solidFill>
+                <a:latin typeface="Anek Telugu SemiBold" pitchFamily="2" charset="0"/>
+                <a:cs typeface="Anek Telugu SemiBold" pitchFamily="2" charset="0"/>
+              </a:rPr>
+              <a:t>రావాలయ్యా</a:t>
+            </a:r>
+            <a:r>
+              <a:rPr lang="en-IN" sz="1300" dirty="0">
+                <a:solidFill>
+                  <a:schemeClr val="tx1"/>
+                </a:solidFill>
+                <a:latin typeface="Anek Telugu SemiBold" pitchFamily="2" charset="0"/>
+                <a:cs typeface="Anek Telugu SemiBold" pitchFamily="2" charset="0"/>
+              </a:rPr>
+              <a:t> </a:t>
+            </a:r>
+          </a:p>
+          <a:p>
+            <a:pPr algn="ctr">
               <a:lnSpc>
                 <a:spcPct val="150000"/>
               </a:lnSpc>
-              <a:spcBef>
-                <a:spcPts val="0"/>
-              </a:spcBef>
-              <a:spcAft>
-                <a:spcPts val="0"/>
-              </a:spcAft>
             </a:pPr>
-            <a:endParaRPr lang="te-IN" sz="1100" b="0" i="0" kern="1200" spc="0" baseline="0" dirty="0">
-              <a:ln>
-                <a:noFill/>
-              </a:ln>
+            <a:endParaRPr lang="en-IN" sz="1300" dirty="0">
               <a:solidFill>
-                <a:srgbClr val="000000"/>
+                <a:schemeClr val="tx1"/>
               </a:solidFill>
-              <a:effectLst/>
               <a:latin typeface="Anek Telugu SemiBold" pitchFamily="2" charset="0"/>
-              <a:ea typeface="+mn-ea"/>
               <a:cs typeface="Anek Telugu SemiBold" pitchFamily="2" charset="0"/>
             </a:endParaRPr>
           </a:p>
           <a:p>
-            <a:pPr marL="0" marR="0" indent="0" algn="ctr" rtl="0" eaLnBrk="1" fontAlgn="auto" latinLnBrk="0" hangingPunct="1">
+            <a:pPr algn="ctr">
               <a:lnSpc>
                 <a:spcPct val="150000"/>
               </a:lnSpc>
-              <a:spcBef>
-                <a:spcPts val="0"/>
-              </a:spcBef>
-              <a:spcAft>
-                <a:spcPts val="0"/>
-              </a:spcAft>
             </a:pPr>
             <a:r>
-              <a:rPr lang="en-IN" sz="1100" b="0" i="0" kern="1200" spc="0" baseline="0" dirty="0">
-                <a:ln>
-                  <a:noFill/>
-                </a:ln>
-                <a:solidFill>
-                  <a:srgbClr val="000000"/>
-                </a:solidFill>
-                <a:effectLst/>
-                <a:latin typeface="Anek Telugu SemiBold" pitchFamily="2" charset="0"/>
-                <a:ea typeface="+mn-ea"/>
+              <a:rPr lang="en-IN" sz="1300" dirty="0">
+                <a:solidFill>
+                  <a:schemeClr val="tx1"/>
+                </a:solidFill>
+                <a:latin typeface="Anek Telugu SemiBold" pitchFamily="2" charset="0"/>
                 <a:cs typeface="Anek Telugu SemiBold" pitchFamily="2" charset="0"/>
               </a:rPr>
               <a:t>1. </a:t>
             </a:r>
             <a:r>
-              <a:rPr lang="te-IN" sz="1100" b="0" i="0" kern="1200" spc="0" baseline="0" dirty="0">
-                <a:ln>
-                  <a:noFill/>
-                </a:ln>
-                <a:solidFill>
-                  <a:srgbClr val="000000"/>
-                </a:solidFill>
-                <a:effectLst/>
-                <a:latin typeface="Anek Telugu SemiBold" pitchFamily="2" charset="0"/>
-                <a:ea typeface="+mn-ea"/>
-                <a:cs typeface="Anek Telugu SemiBold" pitchFamily="2" charset="0"/>
-              </a:rPr>
-              <a:t>నీ దోషములన్ని క్షమియించువాడు </a:t>
-            </a:r>
-          </a:p>
-          <a:p>
-            <a:pPr marL="0" marR="0" indent="0" algn="ctr" rtl="0" eaLnBrk="1" fontAlgn="auto" latinLnBrk="0" hangingPunct="1">
+              <a:rPr lang="en-IN" sz="1300" dirty="0" err="1">
+                <a:solidFill>
+                  <a:schemeClr val="tx1"/>
+                </a:solidFill>
+                <a:latin typeface="Anek Telugu SemiBold" pitchFamily="2" charset="0"/>
+                <a:cs typeface="Anek Telugu SemiBold" pitchFamily="2" charset="0"/>
+              </a:rPr>
+              <a:t>నీవే</a:t>
+            </a:r>
+            <a:r>
+              <a:rPr lang="en-IN" sz="1300" dirty="0">
+                <a:solidFill>
+                  <a:schemeClr val="tx1"/>
+                </a:solidFill>
+                <a:latin typeface="Anek Telugu SemiBold" pitchFamily="2" charset="0"/>
+                <a:cs typeface="Anek Telugu SemiBold" pitchFamily="2" charset="0"/>
+              </a:rPr>
+              <a:t> </a:t>
+            </a:r>
+            <a:r>
+              <a:rPr lang="en-IN" sz="1300" dirty="0" err="1">
+                <a:solidFill>
+                  <a:schemeClr val="tx1"/>
+                </a:solidFill>
+                <a:latin typeface="Anek Telugu SemiBold" pitchFamily="2" charset="0"/>
+                <a:cs typeface="Anek Telugu SemiBold" pitchFamily="2" charset="0"/>
+              </a:rPr>
+              <a:t>నాతో</a:t>
+            </a:r>
+            <a:r>
+              <a:rPr lang="en-IN" sz="1300" dirty="0">
+                <a:solidFill>
+                  <a:schemeClr val="tx1"/>
+                </a:solidFill>
+                <a:latin typeface="Anek Telugu SemiBold" pitchFamily="2" charset="0"/>
+                <a:cs typeface="Anek Telugu SemiBold" pitchFamily="2" charset="0"/>
+              </a:rPr>
+              <a:t> </a:t>
+            </a:r>
+            <a:r>
+              <a:rPr lang="en-IN" sz="1300" dirty="0" err="1">
+                <a:solidFill>
+                  <a:schemeClr val="tx1"/>
+                </a:solidFill>
+                <a:latin typeface="Anek Telugu SemiBold" pitchFamily="2" charset="0"/>
+                <a:cs typeface="Anek Telugu SemiBold" pitchFamily="2" charset="0"/>
+              </a:rPr>
+              <a:t>వస్తే</a:t>
+            </a:r>
+            <a:r>
+              <a:rPr lang="en-IN" sz="1300" dirty="0">
+                <a:solidFill>
+                  <a:schemeClr val="tx1"/>
+                </a:solidFill>
+                <a:latin typeface="Anek Telugu SemiBold" pitchFamily="2" charset="0"/>
+                <a:cs typeface="Anek Telugu SemiBold" pitchFamily="2" charset="0"/>
+              </a:rPr>
+              <a:t> </a:t>
+            </a:r>
+            <a:r>
+              <a:rPr lang="en-IN" sz="1300" dirty="0" err="1">
+                <a:solidFill>
+                  <a:schemeClr val="tx1"/>
+                </a:solidFill>
+                <a:latin typeface="Anek Telugu SemiBold" pitchFamily="2" charset="0"/>
+                <a:cs typeface="Anek Telugu SemiBold" pitchFamily="2" charset="0"/>
+              </a:rPr>
+              <a:t>దిగులు</a:t>
+            </a:r>
+            <a:r>
+              <a:rPr lang="en-IN" sz="1300" dirty="0">
+                <a:solidFill>
+                  <a:schemeClr val="tx1"/>
+                </a:solidFill>
+                <a:latin typeface="Anek Telugu SemiBold" pitchFamily="2" charset="0"/>
+                <a:cs typeface="Anek Telugu SemiBold" pitchFamily="2" charset="0"/>
+              </a:rPr>
+              <a:t> </a:t>
+            </a:r>
+            <a:r>
+              <a:rPr lang="en-IN" sz="1300" dirty="0" err="1">
+                <a:solidFill>
+                  <a:schemeClr val="tx1"/>
+                </a:solidFill>
+                <a:latin typeface="Anek Telugu SemiBold" pitchFamily="2" charset="0"/>
+                <a:cs typeface="Anek Telugu SemiBold" pitchFamily="2" charset="0"/>
+              </a:rPr>
+              <a:t>నాకుండదు</a:t>
+            </a:r>
+            <a:endParaRPr lang="en-IN" sz="1300" dirty="0">
+              <a:solidFill>
+                <a:schemeClr val="tx1"/>
+              </a:solidFill>
+              <a:latin typeface="Anek Telugu SemiBold" pitchFamily="2" charset="0"/>
+              <a:cs typeface="Anek Telugu SemiBold" pitchFamily="2" charset="0"/>
+            </a:endParaRPr>
+          </a:p>
+          <a:p>
+            <a:pPr algn="ctr">
               <a:lnSpc>
                 <a:spcPct val="150000"/>
               </a:lnSpc>
-              <a:spcBef>
-                <a:spcPts val="0"/>
-              </a:spcBef>
-              <a:spcAft>
-                <a:spcPts val="0"/>
-              </a:spcAft>
             </a:pPr>
             <a:r>
-              <a:rPr lang="te-IN" sz="1100" b="0" i="0" kern="1200" spc="0" baseline="0" dirty="0">
-                <a:ln>
-                  <a:noFill/>
-                </a:ln>
-                <a:solidFill>
-                  <a:srgbClr val="000000"/>
-                </a:solidFill>
-                <a:effectLst/>
-                <a:latin typeface="Anek Telugu SemiBold" pitchFamily="2" charset="0"/>
-                <a:ea typeface="+mn-ea"/>
-                <a:cs typeface="Anek Telugu SemiBold" pitchFamily="2" charset="0"/>
-              </a:rPr>
-              <a:t>నీ పాపములన్ని పార ద్రోలువాడు (2)</a:t>
-            </a:r>
-          </a:p>
-          <a:p>
-            <a:pPr marL="0" marR="0" indent="0" algn="ctr" rtl="0" eaLnBrk="1" fontAlgn="auto" latinLnBrk="0" hangingPunct="1">
+              <a:rPr lang="en-IN" sz="1300" dirty="0" err="1">
+                <a:solidFill>
+                  <a:schemeClr val="tx1"/>
+                </a:solidFill>
+                <a:latin typeface="Anek Telugu SemiBold" pitchFamily="2" charset="0"/>
+                <a:cs typeface="Anek Telugu SemiBold" pitchFamily="2" charset="0"/>
+              </a:rPr>
+              <a:t>నీవే</a:t>
+            </a:r>
+            <a:r>
+              <a:rPr lang="en-IN" sz="1300" dirty="0">
+                <a:solidFill>
+                  <a:schemeClr val="tx1"/>
+                </a:solidFill>
+                <a:latin typeface="Anek Telugu SemiBold" pitchFamily="2" charset="0"/>
+                <a:cs typeface="Anek Telugu SemiBold" pitchFamily="2" charset="0"/>
+              </a:rPr>
+              <a:t> </a:t>
+            </a:r>
+            <a:r>
+              <a:rPr lang="en-IN" sz="1300" dirty="0" err="1">
+                <a:solidFill>
+                  <a:schemeClr val="tx1"/>
+                </a:solidFill>
+                <a:latin typeface="Anek Telugu SemiBold" pitchFamily="2" charset="0"/>
+                <a:cs typeface="Anek Telugu SemiBold" pitchFamily="2" charset="0"/>
+              </a:rPr>
+              <a:t>ఆజ్ఞాపిస్తే</a:t>
+            </a:r>
+            <a:r>
+              <a:rPr lang="en-IN" sz="1300" dirty="0">
+                <a:solidFill>
+                  <a:schemeClr val="tx1"/>
+                </a:solidFill>
+                <a:latin typeface="Anek Telugu SemiBold" pitchFamily="2" charset="0"/>
+                <a:cs typeface="Anek Telugu SemiBold" pitchFamily="2" charset="0"/>
+              </a:rPr>
+              <a:t> </a:t>
+            </a:r>
+            <a:r>
+              <a:rPr lang="en-IN" sz="1300" dirty="0" err="1">
+                <a:solidFill>
+                  <a:schemeClr val="tx1"/>
+                </a:solidFill>
+                <a:latin typeface="Anek Telugu SemiBold" pitchFamily="2" charset="0"/>
+                <a:cs typeface="Anek Telugu SemiBold" pitchFamily="2" charset="0"/>
+              </a:rPr>
+              <a:t>తెగులు</a:t>
+            </a:r>
+            <a:r>
+              <a:rPr lang="en-IN" sz="1300" dirty="0">
+                <a:solidFill>
+                  <a:schemeClr val="tx1"/>
+                </a:solidFill>
+                <a:latin typeface="Anek Telugu SemiBold" pitchFamily="2" charset="0"/>
+                <a:cs typeface="Anek Telugu SemiBold" pitchFamily="2" charset="0"/>
+              </a:rPr>
+              <a:t> </a:t>
+            </a:r>
+            <a:r>
+              <a:rPr lang="en-IN" sz="1300" dirty="0" err="1">
+                <a:solidFill>
+                  <a:schemeClr val="tx1"/>
+                </a:solidFill>
+                <a:latin typeface="Anek Telugu SemiBold" pitchFamily="2" charset="0"/>
+                <a:cs typeface="Anek Telugu SemiBold" pitchFamily="2" charset="0"/>
+              </a:rPr>
+              <a:t>నన్నంటదు</a:t>
+            </a:r>
+            <a:r>
+              <a:rPr lang="en-IN" sz="1300" dirty="0">
+                <a:solidFill>
+                  <a:schemeClr val="tx1"/>
+                </a:solidFill>
+                <a:latin typeface="Anek Telugu SemiBold" pitchFamily="2" charset="0"/>
+                <a:cs typeface="Anek Telugu SemiBold" pitchFamily="2" charset="0"/>
+              </a:rPr>
+              <a:t>  </a:t>
+            </a:r>
+          </a:p>
+          <a:p>
+            <a:pPr algn="ctr">
               <a:lnSpc>
                 <a:spcPct val="150000"/>
               </a:lnSpc>
-              <a:spcBef>
-                <a:spcPts val="0"/>
-              </a:spcBef>
-              <a:spcAft>
-                <a:spcPts val="0"/>
-              </a:spcAft>
             </a:pPr>
-            <a:r>
-              <a:rPr lang="te-IN" sz="1100" b="0" i="0" kern="1200" spc="0" baseline="0" dirty="0">
-                <a:ln>
-                  <a:noFill/>
-                </a:ln>
-                <a:solidFill>
-                  <a:srgbClr val="000000"/>
-                </a:solidFill>
-                <a:effectLst/>
-                <a:latin typeface="Anek Telugu SemiBold" pitchFamily="2" charset="0"/>
-                <a:ea typeface="+mn-ea"/>
-                <a:cs typeface="Anek Telugu SemiBold" pitchFamily="2" charset="0"/>
-              </a:rPr>
-              <a:t>పరమ వైద్యుడు ప్రభు యేసుడు </a:t>
-            </a:r>
-          </a:p>
-          <a:p>
-            <a:pPr marL="0" marR="0" indent="0" algn="ctr" rtl="0" eaLnBrk="1" fontAlgn="auto" latinLnBrk="0" hangingPunct="1">
+            <a:endParaRPr lang="en-IN" sz="1300" dirty="0">
+              <a:solidFill>
+                <a:schemeClr val="tx1"/>
+              </a:solidFill>
+              <a:latin typeface="Anek Telugu SemiBold" pitchFamily="2" charset="0"/>
+              <a:cs typeface="Anek Telugu SemiBold" pitchFamily="2" charset="0"/>
+            </a:endParaRPr>
+          </a:p>
+          <a:p>
+            <a:pPr algn="ctr">
               <a:lnSpc>
                 <a:spcPct val="150000"/>
               </a:lnSpc>
-              <a:spcBef>
-                <a:spcPts val="0"/>
-              </a:spcBef>
-              <a:spcAft>
-                <a:spcPts val="0"/>
-              </a:spcAft>
             </a:pPr>
             <a:r>
-              <a:rPr lang="te-IN" sz="1100" b="0" i="0" kern="1200" spc="0" baseline="0" dirty="0">
-                <a:ln>
-                  <a:noFill/>
-                </a:ln>
-                <a:solidFill>
-                  <a:srgbClr val="000000"/>
-                </a:solidFill>
-                <a:effectLst/>
-                <a:latin typeface="Anek Telugu SemiBold" pitchFamily="2" charset="0"/>
-                <a:ea typeface="+mn-ea"/>
-                <a:cs typeface="Anek Telugu SemiBold" pitchFamily="2" charset="0"/>
-              </a:rPr>
-              <a:t>పరిశుద్ధ నామమును సన్నుతించుమా (2)</a:t>
-            </a:r>
-          </a:p>
-          <a:p>
-            <a:pPr marL="0" marR="0" indent="0" algn="ctr" rtl="0" eaLnBrk="1" fontAlgn="auto" latinLnBrk="0" hangingPunct="1">
+              <a:rPr lang="en-IN" sz="1300" dirty="0">
+                <a:solidFill>
+                  <a:schemeClr val="tx1"/>
+                </a:solidFill>
+                <a:latin typeface="Anek Telugu SemiBold" pitchFamily="2" charset="0"/>
+                <a:cs typeface="Anek Telugu SemiBold" pitchFamily="2" charset="0"/>
+              </a:rPr>
+              <a:t>2. </a:t>
+            </a:r>
+            <a:r>
+              <a:rPr lang="en-IN" sz="1300" dirty="0" err="1">
+                <a:solidFill>
+                  <a:schemeClr val="tx1"/>
+                </a:solidFill>
+                <a:latin typeface="Anek Telugu SemiBold" pitchFamily="2" charset="0"/>
+                <a:cs typeface="Anek Telugu SemiBold" pitchFamily="2" charset="0"/>
+              </a:rPr>
+              <a:t>నీవే</a:t>
+            </a:r>
+            <a:r>
+              <a:rPr lang="en-IN" sz="1300" dirty="0">
+                <a:solidFill>
+                  <a:schemeClr val="tx1"/>
+                </a:solidFill>
+                <a:latin typeface="Anek Telugu SemiBold" pitchFamily="2" charset="0"/>
+                <a:cs typeface="Anek Telugu SemiBold" pitchFamily="2" charset="0"/>
+              </a:rPr>
+              <a:t> </a:t>
+            </a:r>
+            <a:r>
+              <a:rPr lang="en-IN" sz="1300" dirty="0" err="1">
+                <a:solidFill>
+                  <a:schemeClr val="tx1"/>
+                </a:solidFill>
+                <a:latin typeface="Anek Telugu SemiBold" pitchFamily="2" charset="0"/>
+                <a:cs typeface="Anek Telugu SemiBold" pitchFamily="2" charset="0"/>
+              </a:rPr>
+              <a:t>నాతో</a:t>
+            </a:r>
+            <a:r>
+              <a:rPr lang="en-IN" sz="1300" dirty="0">
+                <a:solidFill>
+                  <a:schemeClr val="tx1"/>
+                </a:solidFill>
+                <a:latin typeface="Anek Telugu SemiBold" pitchFamily="2" charset="0"/>
+                <a:cs typeface="Anek Telugu SemiBold" pitchFamily="2" charset="0"/>
+              </a:rPr>
+              <a:t> </a:t>
+            </a:r>
+            <a:r>
+              <a:rPr lang="en-IN" sz="1300" dirty="0" err="1">
+                <a:solidFill>
+                  <a:schemeClr val="tx1"/>
+                </a:solidFill>
+                <a:latin typeface="Anek Telugu SemiBold" pitchFamily="2" charset="0"/>
+                <a:cs typeface="Anek Telugu SemiBold" pitchFamily="2" charset="0"/>
+              </a:rPr>
+              <a:t>వస్తే</a:t>
+            </a:r>
+            <a:r>
+              <a:rPr lang="en-IN" sz="1300" dirty="0">
+                <a:solidFill>
+                  <a:schemeClr val="tx1"/>
+                </a:solidFill>
+                <a:latin typeface="Anek Telugu SemiBold" pitchFamily="2" charset="0"/>
+                <a:cs typeface="Anek Telugu SemiBold" pitchFamily="2" charset="0"/>
+              </a:rPr>
+              <a:t> </a:t>
+            </a:r>
+            <a:r>
+              <a:rPr lang="en-IN" sz="1300" dirty="0" err="1">
+                <a:solidFill>
+                  <a:schemeClr val="tx1"/>
+                </a:solidFill>
+                <a:latin typeface="Anek Telugu SemiBold" pitchFamily="2" charset="0"/>
+                <a:cs typeface="Anek Telugu SemiBold" pitchFamily="2" charset="0"/>
+              </a:rPr>
+              <a:t>కొరత</a:t>
+            </a:r>
+            <a:r>
+              <a:rPr lang="en-IN" sz="1300" dirty="0">
+                <a:solidFill>
+                  <a:schemeClr val="tx1"/>
+                </a:solidFill>
+                <a:latin typeface="Anek Telugu SemiBold" pitchFamily="2" charset="0"/>
+                <a:cs typeface="Anek Telugu SemiBold" pitchFamily="2" charset="0"/>
+              </a:rPr>
+              <a:t> </a:t>
+            </a:r>
+            <a:r>
+              <a:rPr lang="en-IN" sz="1300" dirty="0" err="1">
+                <a:solidFill>
+                  <a:schemeClr val="tx1"/>
+                </a:solidFill>
+                <a:latin typeface="Anek Telugu SemiBold" pitchFamily="2" charset="0"/>
+                <a:cs typeface="Anek Telugu SemiBold" pitchFamily="2" charset="0"/>
+              </a:rPr>
+              <a:t>నాకుండదు</a:t>
+            </a:r>
+            <a:endParaRPr lang="en-IN" sz="1300" dirty="0">
+              <a:solidFill>
+                <a:schemeClr val="tx1"/>
+              </a:solidFill>
+              <a:latin typeface="Anek Telugu SemiBold" pitchFamily="2" charset="0"/>
+              <a:cs typeface="Anek Telugu SemiBold" pitchFamily="2" charset="0"/>
+            </a:endParaRPr>
+          </a:p>
+          <a:p>
+            <a:pPr algn="ctr">
               <a:lnSpc>
                 <a:spcPct val="150000"/>
               </a:lnSpc>
-              <a:spcBef>
-                <a:spcPts val="0"/>
-              </a:spcBef>
-              <a:spcAft>
-                <a:spcPts val="0"/>
-              </a:spcAft>
             </a:pPr>
-            <a:endParaRPr lang="te-IN" sz="1100" b="0" i="0" kern="1200" spc="0" baseline="0" dirty="0">
-              <a:ln>
-                <a:noFill/>
-              </a:ln>
+            <a:r>
+              <a:rPr lang="en-IN" sz="1300" dirty="0" err="1">
+                <a:solidFill>
+                  <a:schemeClr val="tx1"/>
+                </a:solidFill>
+                <a:latin typeface="Anek Telugu SemiBold" pitchFamily="2" charset="0"/>
+                <a:cs typeface="Anek Telugu SemiBold" pitchFamily="2" charset="0"/>
+              </a:rPr>
+              <a:t>నీవే</a:t>
+            </a:r>
+            <a:r>
+              <a:rPr lang="en-IN" sz="1300" dirty="0">
+                <a:solidFill>
+                  <a:schemeClr val="tx1"/>
+                </a:solidFill>
+                <a:latin typeface="Anek Telugu SemiBold" pitchFamily="2" charset="0"/>
+                <a:cs typeface="Anek Telugu SemiBold" pitchFamily="2" charset="0"/>
+              </a:rPr>
+              <a:t> </a:t>
+            </a:r>
+            <a:r>
+              <a:rPr lang="en-IN" sz="1300" dirty="0" err="1">
+                <a:solidFill>
+                  <a:schemeClr val="tx1"/>
+                </a:solidFill>
+                <a:latin typeface="Anek Telugu SemiBold" pitchFamily="2" charset="0"/>
+                <a:cs typeface="Anek Telugu SemiBold" pitchFamily="2" charset="0"/>
+              </a:rPr>
+              <a:t>ఆజ్ఞాపిస్తే</a:t>
+            </a:r>
+            <a:r>
+              <a:rPr lang="en-IN" sz="1300" dirty="0">
+                <a:solidFill>
+                  <a:schemeClr val="tx1"/>
+                </a:solidFill>
+                <a:latin typeface="Anek Telugu SemiBold" pitchFamily="2" charset="0"/>
+                <a:cs typeface="Anek Telugu SemiBold" pitchFamily="2" charset="0"/>
+              </a:rPr>
+              <a:t> </a:t>
+            </a:r>
+            <a:r>
+              <a:rPr lang="en-IN" sz="1300" dirty="0" err="1">
+                <a:solidFill>
+                  <a:schemeClr val="tx1"/>
+                </a:solidFill>
+                <a:latin typeface="Anek Telugu SemiBold" pitchFamily="2" charset="0"/>
+                <a:cs typeface="Anek Telugu SemiBold" pitchFamily="2" charset="0"/>
+              </a:rPr>
+              <a:t>క్షయత</a:t>
+            </a:r>
+            <a:r>
+              <a:rPr lang="en-IN" sz="1300" dirty="0">
+                <a:solidFill>
+                  <a:schemeClr val="tx1"/>
+                </a:solidFill>
+                <a:latin typeface="Anek Telugu SemiBold" pitchFamily="2" charset="0"/>
+                <a:cs typeface="Anek Telugu SemiBold" pitchFamily="2" charset="0"/>
+              </a:rPr>
+              <a:t> </a:t>
+            </a:r>
+            <a:r>
+              <a:rPr lang="en-IN" sz="1300" dirty="0" err="1">
+                <a:solidFill>
+                  <a:schemeClr val="tx1"/>
+                </a:solidFill>
+                <a:latin typeface="Anek Telugu SemiBold" pitchFamily="2" charset="0"/>
+                <a:cs typeface="Anek Telugu SemiBold" pitchFamily="2" charset="0"/>
+              </a:rPr>
+              <a:t>నన్నంటదు</a:t>
+            </a:r>
+            <a:endParaRPr lang="en-IN" sz="1300" dirty="0">
               <a:solidFill>
-                <a:srgbClr val="000000"/>
+                <a:schemeClr val="tx1"/>
               </a:solidFill>
-              <a:effectLst/>
               <a:latin typeface="Anek Telugu SemiBold" pitchFamily="2" charset="0"/>
-              <a:ea typeface="+mn-ea"/>
               <a:cs typeface="Anek Telugu SemiBold" pitchFamily="2" charset="0"/>
             </a:endParaRPr>
           </a:p>
           <a:p>
-            <a:pPr marL="0" marR="0" indent="0" algn="ctr" rtl="0" eaLnBrk="1" fontAlgn="auto" latinLnBrk="0" hangingPunct="1">
+            <a:pPr algn="ctr">
               <a:lnSpc>
                 <a:spcPct val="150000"/>
               </a:lnSpc>
-              <a:spcBef>
-                <a:spcPts val="0"/>
-              </a:spcBef>
-              <a:spcAft>
-                <a:spcPts val="0"/>
-              </a:spcAft>
             </a:pPr>
-            <a:r>
-              <a:rPr lang="en-IN" sz="1100" b="0" i="0" kern="1200" spc="0" baseline="0" dirty="0">
-                <a:ln>
-                  <a:noFill/>
-                </a:ln>
-                <a:solidFill>
-                  <a:srgbClr val="000000"/>
-                </a:solidFill>
-                <a:effectLst/>
-                <a:latin typeface="Anek Telugu SemiBold" pitchFamily="2" charset="0"/>
-                <a:ea typeface="+mn-ea"/>
-                <a:cs typeface="Anek Telugu SemiBold" pitchFamily="2" charset="0"/>
-              </a:rPr>
-              <a:t>2. </a:t>
-            </a:r>
-            <a:r>
-              <a:rPr lang="te-IN" sz="1100" b="0" i="0" kern="1200" spc="0" baseline="0" dirty="0">
-                <a:ln>
-                  <a:noFill/>
-                </a:ln>
-                <a:solidFill>
-                  <a:srgbClr val="000000"/>
-                </a:solidFill>
-                <a:effectLst/>
-                <a:latin typeface="Anek Telugu SemiBold" pitchFamily="2" charset="0"/>
-                <a:ea typeface="+mn-ea"/>
-                <a:cs typeface="Anek Telugu SemiBold" pitchFamily="2" charset="0"/>
-              </a:rPr>
-              <a:t>సమాధిలోనుండి నీ ప్రాణమును </a:t>
-            </a:r>
-          </a:p>
-          <a:p>
-            <a:pPr marL="0" marR="0" indent="0" algn="ctr" rtl="0" eaLnBrk="1" fontAlgn="auto" latinLnBrk="0" hangingPunct="1">
+            <a:endParaRPr lang="en-IN" sz="1300" dirty="0">
+              <a:solidFill>
+                <a:schemeClr val="tx1"/>
+              </a:solidFill>
+              <a:latin typeface="Anek Telugu SemiBold" pitchFamily="2" charset="0"/>
+              <a:cs typeface="Anek Telugu SemiBold" pitchFamily="2" charset="0"/>
+            </a:endParaRPr>
+          </a:p>
+          <a:p>
+            <a:pPr algn="ctr">
               <a:lnSpc>
                 <a:spcPct val="150000"/>
               </a:lnSpc>
-              <a:spcBef>
-                <a:spcPts val="0"/>
-              </a:spcBef>
-              <a:spcAft>
-                <a:spcPts val="0"/>
-              </a:spcAft>
             </a:pPr>
             <a:r>
-              <a:rPr lang="te-IN" sz="1100" b="0" i="0" kern="1200" spc="0" baseline="0" dirty="0">
-                <a:ln>
-                  <a:noFill/>
-                </a:ln>
-                <a:solidFill>
-                  <a:srgbClr val="000000"/>
-                </a:solidFill>
-                <a:effectLst/>
-                <a:latin typeface="Anek Telugu SemiBold" pitchFamily="2" charset="0"/>
-                <a:ea typeface="+mn-ea"/>
-                <a:cs typeface="Anek Telugu SemiBold" pitchFamily="2" charset="0"/>
-              </a:rPr>
-              <a:t>విమోచించుచున్నాడు శ్రీయేసుడు (2)</a:t>
-            </a:r>
-          </a:p>
-          <a:p>
-            <a:pPr marL="0" marR="0" indent="0" algn="ctr" rtl="0" eaLnBrk="1" fontAlgn="auto" latinLnBrk="0" hangingPunct="1">
+              <a:rPr lang="en-IN" sz="1300" dirty="0">
+                <a:solidFill>
+                  <a:schemeClr val="tx1"/>
+                </a:solidFill>
+                <a:latin typeface="Anek Telugu SemiBold" pitchFamily="2" charset="0"/>
+                <a:cs typeface="Anek Telugu SemiBold" pitchFamily="2" charset="0"/>
+              </a:rPr>
+              <a:t> 3. </a:t>
+            </a:r>
+            <a:r>
+              <a:rPr lang="en-IN" sz="1300" dirty="0" err="1">
+                <a:solidFill>
+                  <a:schemeClr val="tx1"/>
+                </a:solidFill>
+                <a:latin typeface="Anek Telugu SemiBold" pitchFamily="2" charset="0"/>
+                <a:cs typeface="Anek Telugu SemiBold" pitchFamily="2" charset="0"/>
+              </a:rPr>
+              <a:t>నీవే</a:t>
+            </a:r>
+            <a:r>
+              <a:rPr lang="en-IN" sz="1300" dirty="0">
+                <a:solidFill>
+                  <a:schemeClr val="tx1"/>
+                </a:solidFill>
+                <a:latin typeface="Anek Telugu SemiBold" pitchFamily="2" charset="0"/>
+                <a:cs typeface="Anek Telugu SemiBold" pitchFamily="2" charset="0"/>
+              </a:rPr>
+              <a:t> </a:t>
+            </a:r>
+            <a:r>
+              <a:rPr lang="en-IN" sz="1300" dirty="0" err="1">
+                <a:solidFill>
+                  <a:schemeClr val="tx1"/>
+                </a:solidFill>
+                <a:latin typeface="Anek Telugu SemiBold" pitchFamily="2" charset="0"/>
+                <a:cs typeface="Anek Telugu SemiBold" pitchFamily="2" charset="0"/>
+              </a:rPr>
+              <a:t>నాతో</a:t>
+            </a:r>
+            <a:r>
+              <a:rPr lang="en-IN" sz="1300" dirty="0">
+                <a:solidFill>
+                  <a:schemeClr val="tx1"/>
+                </a:solidFill>
+                <a:latin typeface="Anek Telugu SemiBold" pitchFamily="2" charset="0"/>
+                <a:cs typeface="Anek Telugu SemiBold" pitchFamily="2" charset="0"/>
+              </a:rPr>
+              <a:t> </a:t>
+            </a:r>
+            <a:r>
+              <a:rPr lang="en-IN" sz="1300" dirty="0" err="1">
+                <a:solidFill>
+                  <a:schemeClr val="tx1"/>
+                </a:solidFill>
+                <a:latin typeface="Anek Telugu SemiBold" pitchFamily="2" charset="0"/>
+                <a:cs typeface="Anek Telugu SemiBold" pitchFamily="2" charset="0"/>
+              </a:rPr>
+              <a:t>వస్తే</a:t>
+            </a:r>
+            <a:r>
+              <a:rPr lang="en-IN" sz="1300" dirty="0">
+                <a:solidFill>
+                  <a:schemeClr val="tx1"/>
+                </a:solidFill>
+                <a:latin typeface="Anek Telugu SemiBold" pitchFamily="2" charset="0"/>
+                <a:cs typeface="Anek Telugu SemiBold" pitchFamily="2" charset="0"/>
+              </a:rPr>
+              <a:t> </a:t>
+            </a:r>
+            <a:r>
+              <a:rPr lang="en-IN" sz="1300" dirty="0" err="1">
+                <a:solidFill>
+                  <a:schemeClr val="tx1"/>
+                </a:solidFill>
+                <a:latin typeface="Anek Telugu SemiBold" pitchFamily="2" charset="0"/>
+                <a:cs typeface="Anek Telugu SemiBold" pitchFamily="2" charset="0"/>
+              </a:rPr>
+              <a:t>ఓటమి</a:t>
+            </a:r>
+            <a:r>
+              <a:rPr lang="en-IN" sz="1300" dirty="0">
+                <a:solidFill>
+                  <a:schemeClr val="tx1"/>
+                </a:solidFill>
+                <a:latin typeface="Anek Telugu SemiBold" pitchFamily="2" charset="0"/>
+                <a:cs typeface="Anek Telugu SemiBold" pitchFamily="2" charset="0"/>
+              </a:rPr>
+              <a:t> </a:t>
+            </a:r>
+            <a:r>
+              <a:rPr lang="en-IN" sz="1300" dirty="0" err="1">
+                <a:solidFill>
+                  <a:schemeClr val="tx1"/>
+                </a:solidFill>
+                <a:latin typeface="Anek Telugu SemiBold" pitchFamily="2" charset="0"/>
+                <a:cs typeface="Anek Telugu SemiBold" pitchFamily="2" charset="0"/>
+              </a:rPr>
+              <a:t>నాకుండదు</a:t>
+            </a:r>
+            <a:endParaRPr lang="en-IN" sz="1300" dirty="0">
+              <a:solidFill>
+                <a:schemeClr val="tx1"/>
+              </a:solidFill>
+              <a:latin typeface="Anek Telugu SemiBold" pitchFamily="2" charset="0"/>
+              <a:cs typeface="Anek Telugu SemiBold" pitchFamily="2" charset="0"/>
+            </a:endParaRPr>
+          </a:p>
+          <a:p>
+            <a:pPr algn="ctr">
               <a:lnSpc>
                 <a:spcPct val="150000"/>
               </a:lnSpc>
-              <a:spcBef>
-                <a:spcPts val="0"/>
-              </a:spcBef>
-              <a:spcAft>
-                <a:spcPts val="0"/>
-              </a:spcAft>
             </a:pPr>
             <a:r>
-              <a:rPr lang="te-IN" sz="1100" b="0" i="0" kern="1200" spc="0" baseline="0" dirty="0">
-                <a:ln>
-                  <a:noFill/>
-                </a:ln>
-                <a:solidFill>
-                  <a:srgbClr val="000000"/>
-                </a:solidFill>
-                <a:effectLst/>
-                <a:latin typeface="Anek Telugu SemiBold" pitchFamily="2" charset="0"/>
-                <a:ea typeface="+mn-ea"/>
-                <a:cs typeface="Anek Telugu SemiBold" pitchFamily="2" charset="0"/>
-              </a:rPr>
-              <a:t>కరుణా కటాక్షములను నీకు కిరీటముగా </a:t>
-            </a:r>
-          </a:p>
-          <a:p>
-            <a:pPr marL="0" marR="0" indent="0" algn="ctr" rtl="0" eaLnBrk="1" fontAlgn="auto" latinLnBrk="0" hangingPunct="1">
-              <a:lnSpc>
-                <a:spcPct val="150000"/>
-              </a:lnSpc>
-              <a:spcBef>
-                <a:spcPts val="0"/>
-              </a:spcBef>
-              <a:spcAft>
-                <a:spcPts val="0"/>
-              </a:spcAft>
-            </a:pPr>
-            <a:r>
-              <a:rPr lang="te-IN" sz="1100" b="0" i="0" kern="1200" spc="0" baseline="0" dirty="0">
-                <a:ln>
-                  <a:noFill/>
-                </a:ln>
-                <a:solidFill>
-                  <a:srgbClr val="000000"/>
-                </a:solidFill>
-                <a:effectLst/>
-                <a:latin typeface="Anek Telugu SemiBold" pitchFamily="2" charset="0"/>
-                <a:ea typeface="+mn-ea"/>
-                <a:cs typeface="Anek Telugu SemiBold" pitchFamily="2" charset="0"/>
-              </a:rPr>
-              <a:t>ధరియింపజేయును ప్రభు యేసుడు (2)</a:t>
-            </a:r>
+              <a:rPr lang="en-IN" sz="1300" dirty="0" err="1">
+                <a:solidFill>
+                  <a:schemeClr val="tx1"/>
+                </a:solidFill>
+                <a:latin typeface="Anek Telugu SemiBold" pitchFamily="2" charset="0"/>
+                <a:cs typeface="Anek Telugu SemiBold" pitchFamily="2" charset="0"/>
+              </a:rPr>
+              <a:t>నీవే</a:t>
+            </a:r>
+            <a:r>
+              <a:rPr lang="en-IN" sz="1300" dirty="0">
+                <a:solidFill>
+                  <a:schemeClr val="tx1"/>
+                </a:solidFill>
+                <a:latin typeface="Anek Telugu SemiBold" pitchFamily="2" charset="0"/>
+                <a:cs typeface="Anek Telugu SemiBold" pitchFamily="2" charset="0"/>
+              </a:rPr>
+              <a:t> </a:t>
+            </a:r>
+            <a:r>
+              <a:rPr lang="en-IN" sz="1300" dirty="0" err="1">
+                <a:solidFill>
+                  <a:schemeClr val="tx1"/>
+                </a:solidFill>
+                <a:latin typeface="Anek Telugu SemiBold" pitchFamily="2" charset="0"/>
+                <a:cs typeface="Anek Telugu SemiBold" pitchFamily="2" charset="0"/>
+              </a:rPr>
+              <a:t>ఆజ్ఞాపిస్తే</a:t>
+            </a:r>
+            <a:r>
+              <a:rPr lang="en-IN" sz="1300" dirty="0">
+                <a:solidFill>
+                  <a:schemeClr val="tx1"/>
+                </a:solidFill>
+                <a:latin typeface="Anek Telugu SemiBold" pitchFamily="2" charset="0"/>
+                <a:cs typeface="Anek Telugu SemiBold" pitchFamily="2" charset="0"/>
+              </a:rPr>
+              <a:t> </a:t>
+            </a:r>
+            <a:r>
+              <a:rPr lang="en-IN" sz="1300" dirty="0" err="1">
+                <a:solidFill>
+                  <a:schemeClr val="tx1"/>
+                </a:solidFill>
+                <a:latin typeface="Anek Telugu SemiBold" pitchFamily="2" charset="0"/>
+                <a:cs typeface="Anek Telugu SemiBold" pitchFamily="2" charset="0"/>
+              </a:rPr>
+              <a:t>చీకటి</a:t>
+            </a:r>
+            <a:r>
+              <a:rPr lang="en-IN" sz="1300" dirty="0">
+                <a:solidFill>
+                  <a:schemeClr val="tx1"/>
+                </a:solidFill>
+                <a:latin typeface="Anek Telugu SemiBold" pitchFamily="2" charset="0"/>
+                <a:cs typeface="Anek Telugu SemiBold" pitchFamily="2" charset="0"/>
+              </a:rPr>
+              <a:t> </a:t>
+            </a:r>
+            <a:r>
+              <a:rPr lang="en-IN" sz="1300" dirty="0" err="1">
+                <a:solidFill>
+                  <a:schemeClr val="tx1"/>
+                </a:solidFill>
+                <a:latin typeface="Anek Telugu SemiBold" pitchFamily="2" charset="0"/>
+                <a:cs typeface="Anek Telugu SemiBold" pitchFamily="2" charset="0"/>
+              </a:rPr>
+              <a:t>నన్నంటదు</a:t>
+            </a:r>
+            <a:endParaRPr lang="en-IN" sz="1300" dirty="0">
+              <a:solidFill>
+                <a:schemeClr val="tx1"/>
+              </a:solidFill>
+              <a:latin typeface="Anek Telugu SemiBold" pitchFamily="2" charset="0"/>
+              <a:cs typeface="Anek Telugu SemiBold" pitchFamily="2" charset="0"/>
+            </a:endParaRPr>
           </a:p>
         </p:txBody>
       </p:sp>

--- a/songsTemplate.pptx
+++ b/songsTemplate.pptx
@@ -135,12 +135,12 @@
   <pc:docChgLst>
     <pc:chgData name="Venu Yalapala" userId="9feb8bbceceecaca" providerId="LiveId" clId="{54B247B9-47FF-4355-BF58-C7E85F55D2E7}"/>
     <pc:docChg chg="undo redo custSel addSld delSld modSld modMainMaster">
-      <pc:chgData name="Venu Yalapala" userId="9feb8bbceceecaca" providerId="LiveId" clId="{54B247B9-47FF-4355-BF58-C7E85F55D2E7}" dt="2025-10-09T14:43:38.733" v="1145" actId="207"/>
+      <pc:chgData name="Venu Yalapala" userId="9feb8bbceceecaca" providerId="LiveId" clId="{54B247B9-47FF-4355-BF58-C7E85F55D2E7}" dt="2025-10-18T05:32:57.047" v="1294" actId="20577"/>
       <pc:docMkLst>
         <pc:docMk/>
       </pc:docMkLst>
       <pc:sldChg chg="addSp delSp modSp new mod">
-        <pc:chgData name="Venu Yalapala" userId="9feb8bbceceecaca" providerId="LiveId" clId="{54B247B9-47FF-4355-BF58-C7E85F55D2E7}" dt="2025-10-09T14:43:38.733" v="1145" actId="207"/>
+        <pc:chgData name="Venu Yalapala" userId="9feb8bbceceecaca" providerId="LiveId" clId="{54B247B9-47FF-4355-BF58-C7E85F55D2E7}" dt="2025-10-18T05:32:57.047" v="1294" actId="20577"/>
         <pc:sldMkLst>
           <pc:docMk/>
           <pc:sldMk cId="2235425515" sldId="256"/>
@@ -154,7 +154,7 @@
           </ac:spMkLst>
         </pc:spChg>
         <pc:spChg chg="add mod ord">
-          <ac:chgData name="Venu Yalapala" userId="9feb8bbceceecaca" providerId="LiveId" clId="{54B247B9-47FF-4355-BF58-C7E85F55D2E7}" dt="2025-10-09T14:37:19.926" v="1120" actId="20577"/>
+          <ac:chgData name="Venu Yalapala" userId="9feb8bbceceecaca" providerId="LiveId" clId="{54B247B9-47FF-4355-BF58-C7E85F55D2E7}" dt="2025-10-18T05:28:05.629" v="1174"/>
           <ac:spMkLst>
             <pc:docMk/>
             <pc:sldMk cId="2235425515" sldId="256"/>
@@ -162,7 +162,7 @@
           </ac:spMkLst>
         </pc:spChg>
         <pc:spChg chg="add mod">
-          <ac:chgData name="Venu Yalapala" userId="9feb8bbceceecaca" providerId="LiveId" clId="{54B247B9-47FF-4355-BF58-C7E85F55D2E7}" dt="2025-10-09T14:37:26" v="1126" actId="20577"/>
+          <ac:chgData name="Venu Yalapala" userId="9feb8bbceceecaca" providerId="LiveId" clId="{54B247B9-47FF-4355-BF58-C7E85F55D2E7}" dt="2025-10-18T05:32:57.047" v="1294" actId="20577"/>
           <ac:spMkLst>
             <pc:docMk/>
             <pc:sldMk cId="2235425515" sldId="256"/>
@@ -178,7 +178,7 @@
           </ac:spMkLst>
         </pc:spChg>
         <pc:spChg chg="add mod">
-          <ac:chgData name="Venu Yalapala" userId="9feb8bbceceecaca" providerId="LiveId" clId="{54B247B9-47FF-4355-BF58-C7E85F55D2E7}" dt="2025-10-09T14:37:38.952" v="1138" actId="20577"/>
+          <ac:chgData name="Venu Yalapala" userId="9feb8bbceceecaca" providerId="LiveId" clId="{54B247B9-47FF-4355-BF58-C7E85F55D2E7}" dt="2025-10-18T05:32:52.230" v="1288" actId="20577"/>
           <ac:spMkLst>
             <pc:docMk/>
             <pc:sldMk cId="2235425515" sldId="256"/>
@@ -186,7 +186,7 @@
           </ac:spMkLst>
         </pc:spChg>
         <pc:spChg chg="add mod">
-          <ac:chgData name="Venu Yalapala" userId="9feb8bbceceecaca" providerId="LiveId" clId="{54B247B9-47FF-4355-BF58-C7E85F55D2E7}" dt="2025-10-09T14:43:38.733" v="1145" actId="207"/>
+          <ac:chgData name="Venu Yalapala" userId="9feb8bbceceecaca" providerId="LiveId" clId="{54B247B9-47FF-4355-BF58-C7E85F55D2E7}" dt="2025-10-18T05:32:46.182" v="1282" actId="20577"/>
           <ac:spMkLst>
             <pc:docMk/>
             <pc:sldMk cId="2235425515" sldId="256"/>
@@ -218,13 +218,13 @@
         </pc:spChg>
       </pc:sldChg>
       <pc:sldChg chg="addSp modSp new mod">
-        <pc:chgData name="Venu Yalapala" userId="9feb8bbceceecaca" providerId="LiveId" clId="{54B247B9-47FF-4355-BF58-C7E85F55D2E7}" dt="2025-10-09T14:38:21.666" v="1144" actId="20577"/>
+        <pc:chgData name="Venu Yalapala" userId="9feb8bbceceecaca" providerId="LiveId" clId="{54B247B9-47FF-4355-BF58-C7E85F55D2E7}" dt="2025-10-18T05:32:37.186" v="1276" actId="20577"/>
         <pc:sldMkLst>
           <pc:docMk/>
           <pc:sldMk cId="2717619941" sldId="257"/>
         </pc:sldMkLst>
         <pc:spChg chg="add mod">
-          <ac:chgData name="Venu Yalapala" userId="9feb8bbceceecaca" providerId="LiveId" clId="{54B247B9-47FF-4355-BF58-C7E85F55D2E7}" dt="2025-10-09T14:38:21.666" v="1144" actId="20577"/>
+          <ac:chgData name="Venu Yalapala" userId="9feb8bbceceecaca" providerId="LiveId" clId="{54B247B9-47FF-4355-BF58-C7E85F55D2E7}" dt="2025-10-18T05:29:48.045" v="1221" actId="404"/>
           <ac:spMkLst>
             <pc:docMk/>
             <pc:sldMk cId="2717619941" sldId="257"/>
@@ -232,7 +232,7 @@
           </ac:spMkLst>
         </pc:spChg>
         <pc:spChg chg="add mod">
-          <ac:chgData name="Venu Yalapala" userId="9feb8bbceceecaca" providerId="LiveId" clId="{54B247B9-47FF-4355-BF58-C7E85F55D2E7}" dt="2025-10-09T14:33:26.967" v="1049" actId="20577"/>
+          <ac:chgData name="Venu Yalapala" userId="9feb8bbceceecaca" providerId="LiveId" clId="{54B247B9-47FF-4355-BF58-C7E85F55D2E7}" dt="2025-10-18T05:30:14.374" v="1236" actId="20577"/>
           <ac:spMkLst>
             <pc:docMk/>
             <pc:sldMk cId="2717619941" sldId="257"/>
@@ -240,7 +240,7 @@
           </ac:spMkLst>
         </pc:spChg>
         <pc:spChg chg="add mod">
-          <ac:chgData name="Venu Yalapala" userId="9feb8bbceceecaca" providerId="LiveId" clId="{54B247B9-47FF-4355-BF58-C7E85F55D2E7}" dt="2025-10-09T14:36:58.515" v="1114" actId="255"/>
+          <ac:chgData name="Venu Yalapala" userId="9feb8bbceceecaca" providerId="LiveId" clId="{54B247B9-47FF-4355-BF58-C7E85F55D2E7}" dt="2025-10-18T05:32:37.186" v="1276" actId="20577"/>
           <ac:spMkLst>
             <pc:docMk/>
             <pc:sldMk cId="2717619941" sldId="257"/>
@@ -248,7 +248,7 @@
           </ac:spMkLst>
         </pc:spChg>
         <pc:spChg chg="add mod">
-          <ac:chgData name="Venu Yalapala" userId="9feb8bbceceecaca" providerId="LiveId" clId="{54B247B9-47FF-4355-BF58-C7E85F55D2E7}" dt="2025-10-09T14:36:47.209" v="1113" actId="255"/>
+          <ac:chgData name="Venu Yalapala" userId="9feb8bbceceecaca" providerId="LiveId" clId="{54B247B9-47FF-4355-BF58-C7E85F55D2E7}" dt="2025-10-18T05:30:32.917" v="1245" actId="20577"/>
           <ac:spMkLst>
             <pc:docMk/>
             <pc:sldMk cId="2717619941" sldId="257"/>
@@ -1117,7 +1117,7 @@
           <a:p>
             <a:fld id="{0EEBF99D-A94C-4ACE-ABB7-ED5902A7DBE5}" type="datetimeFigureOut">
               <a:rPr lang="en-IN" smtClean="0"/>
-              <a:t>09-10-2025</a:t>
+              <a:t>18-10-2025</a:t>
             </a:fld>
             <a:endParaRPr lang="en-IN"/>
           </a:p>
@@ -1295,7 +1295,7 @@
           <a:p>
             <a:fld id="{6EA7C7CE-6F0C-4E71-B520-9461545357C0}" type="datetimeFigureOut">
               <a:rPr lang="en-IN" smtClean="0"/>
-              <a:t>09-10-2025</a:t>
+              <a:t>18-10-2025</a:t>
             </a:fld>
             <a:endParaRPr lang="en-IN"/>
           </a:p>
@@ -1695,7 +1695,7 @@
           <a:p>
             <a:fld id="{F1102B08-ED9E-409F-B95F-09CAA1DAF6E0}" type="datetimeFigureOut">
               <a:rPr lang="en-IN" smtClean="0"/>
-              <a:t>09-10-2025</a:t>
+              <a:t>18-10-2025</a:t>
             </a:fld>
             <a:endParaRPr lang="en-IN"/>
           </a:p>
@@ -1865,7 +1865,7 @@
           <a:p>
             <a:fld id="{F1102B08-ED9E-409F-B95F-09CAA1DAF6E0}" type="datetimeFigureOut">
               <a:rPr lang="en-IN" smtClean="0"/>
-              <a:t>09-10-2025</a:t>
+              <a:t>18-10-2025</a:t>
             </a:fld>
             <a:endParaRPr lang="en-IN"/>
           </a:p>
@@ -2045,7 +2045,7 @@
           <a:p>
             <a:fld id="{F1102B08-ED9E-409F-B95F-09CAA1DAF6E0}" type="datetimeFigureOut">
               <a:rPr lang="en-IN" smtClean="0"/>
-              <a:t>09-10-2025</a:t>
+              <a:t>18-10-2025</a:t>
             </a:fld>
             <a:endParaRPr lang="en-IN"/>
           </a:p>
@@ -2247,7 +2247,7 @@
             <a:fld id="{F1102B08-ED9E-409F-B95F-09CAA1DAF6E0}" type="datetimeFigureOut">
               <a:rPr lang="en-IN" sz="575" b="0" smtClean="0"/>
               <a:pPr/>
-              <a:t>09-10-2025</a:t>
+              <a:t>18-10-2025</a:t>
             </a:fld>
             <a:endParaRPr lang="en-IN" sz="575" b="0" dirty="0"/>
           </a:p>
@@ -5934,7 +5934,7 @@
             <a:fld id="{F1102B08-ED9E-409F-B95F-09CAA1DAF6E0}" type="datetimeFigureOut">
               <a:rPr lang="en-IN" sz="727" b="0" smtClean="0"/>
               <a:pPr/>
-              <a:t>09-10-2025</a:t>
+              <a:t>18-10-2025</a:t>
             </a:fld>
             <a:endParaRPr lang="en-IN" sz="727" b="0" dirty="0"/>
           </a:p>
@@ -6654,7 +6654,7 @@
             <a:fld id="{F1102B08-ED9E-409F-B95F-09CAA1DAF6E0}" type="datetimeFigureOut">
               <a:rPr lang="en-IN" sz="727" b="0" smtClean="0"/>
               <a:pPr/>
-              <a:t>09-10-2025</a:t>
+              <a:t>18-10-2025</a:t>
             </a:fld>
             <a:endParaRPr lang="en-IN" sz="727" b="0" dirty="0"/>
           </a:p>
@@ -7342,7 +7342,7 @@
           <a:p>
             <a:fld id="{F1102B08-ED9E-409F-B95F-09CAA1DAF6E0}" type="datetimeFigureOut">
               <a:rPr lang="en-IN" smtClean="0"/>
-              <a:t>09-10-2025</a:t>
+              <a:t>18-10-2025</a:t>
             </a:fld>
             <a:endParaRPr lang="en-IN"/>
           </a:p>
@@ -7586,7 +7586,7 @@
           <a:p>
             <a:fld id="{F1102B08-ED9E-409F-B95F-09CAA1DAF6E0}" type="datetimeFigureOut">
               <a:rPr lang="en-IN" smtClean="0"/>
-              <a:t>09-10-2025</a:t>
+              <a:t>18-10-2025</a:t>
             </a:fld>
             <a:endParaRPr lang="en-IN"/>
           </a:p>
@@ -7818,7 +7818,7 @@
           <a:p>
             <a:fld id="{F1102B08-ED9E-409F-B95F-09CAA1DAF6E0}" type="datetimeFigureOut">
               <a:rPr lang="en-IN" smtClean="0"/>
-              <a:t>09-10-2025</a:t>
+              <a:t>18-10-2025</a:t>
             </a:fld>
             <a:endParaRPr lang="en-IN"/>
           </a:p>
@@ -8185,7 +8185,7 @@
           <a:p>
             <a:fld id="{F1102B08-ED9E-409F-B95F-09CAA1DAF6E0}" type="datetimeFigureOut">
               <a:rPr lang="en-IN" smtClean="0"/>
-              <a:t>09-10-2025</a:t>
+              <a:t>18-10-2025</a:t>
             </a:fld>
             <a:endParaRPr lang="en-IN"/>
           </a:p>
@@ -8303,7 +8303,7 @@
           <a:p>
             <a:fld id="{F1102B08-ED9E-409F-B95F-09CAA1DAF6E0}" type="datetimeFigureOut">
               <a:rPr lang="en-IN" smtClean="0"/>
-              <a:t>09-10-2025</a:t>
+              <a:t>18-10-2025</a:t>
             </a:fld>
             <a:endParaRPr lang="en-IN"/>
           </a:p>
@@ -8398,7 +8398,7 @@
           <a:p>
             <a:fld id="{F1102B08-ED9E-409F-B95F-09CAA1DAF6E0}" type="datetimeFigureOut">
               <a:rPr lang="en-IN" smtClean="0"/>
-              <a:t>09-10-2025</a:t>
+              <a:t>18-10-2025</a:t>
             </a:fld>
             <a:endParaRPr lang="en-IN"/>
           </a:p>
@@ -8675,7 +8675,7 @@
           <a:p>
             <a:fld id="{F1102B08-ED9E-409F-B95F-09CAA1DAF6E0}" type="datetimeFigureOut">
               <a:rPr lang="en-IN" smtClean="0"/>
-              <a:t>09-10-2025</a:t>
+              <a:t>18-10-2025</a:t>
             </a:fld>
             <a:endParaRPr lang="en-IN"/>
           </a:p>
@@ -8932,7 +8932,7 @@
           <a:p>
             <a:fld id="{F1102B08-ED9E-409F-B95F-09CAA1DAF6E0}" type="datetimeFigureOut">
               <a:rPr lang="en-IN" smtClean="0"/>
-              <a:t>09-10-2025</a:t>
+              <a:t>18-10-2025</a:t>
             </a:fld>
             <a:endParaRPr lang="en-IN"/>
           </a:p>
@@ -9145,7 +9145,7 @@
           <a:p>
             <a:fld id="{F1102B08-ED9E-409F-B95F-09CAA1DAF6E0}" type="datetimeFigureOut">
               <a:rPr lang="en-IN" smtClean="0"/>
-              <a:t>09-10-2025</a:t>
+              <a:t>18-10-2025</a:t>
             </a:fld>
             <a:endParaRPr lang="en-IN"/>
           </a:p>
@@ -9640,7 +9640,7 @@
                 <a:ea typeface="+mn-ea"/>
                 <a:cs typeface="Anek Telugu SemiBold" pitchFamily="2" charset="0"/>
               </a:rPr>
-              <a:t>యేసే నా పరిహారి</a:t>
+              <a:t>మహోన్నతం మహిమాన్వితం </a:t>
             </a:r>
           </a:p>
           <a:p>
@@ -9668,36 +9668,7 @@
                 <a:ea typeface="+mn-ea"/>
                 <a:cs typeface="Anek Telugu SemiBold" pitchFamily="2" charset="0"/>
               </a:rPr>
-              <a:t>ప్రియ యేసే నా పరిహారి</a:t>
-            </a:r>
-            <a:br>
-              <a:rPr lang="te-IN" sz="1300" b="0" i="0" kern="1200" spc="0" baseline="0" dirty="0">
-                <a:ln>
-                  <a:noFill/>
-                </a:ln>
-                <a:solidFill>
-                  <a:srgbClr val="000000"/>
-                </a:solidFill>
-                <a:effectLst/>
-                <a:latin typeface="Anek Telugu SemiBold" pitchFamily="2" charset="0"/>
-                <a:ea typeface="+mn-ea"/>
-                <a:cs typeface="Anek Telugu SemiBold" pitchFamily="2" charset="0"/>
-              </a:rPr>
-            </a:br>
-            <a:r>
-              <a:rPr lang="te-IN" sz="1300" b="0" i="0" kern="1200" spc="0" baseline="0" dirty="0">
-                <a:ln>
-                  <a:noFill/>
-                </a:ln>
-                <a:solidFill>
-                  <a:srgbClr val="000000"/>
-                </a:solidFill>
-                <a:effectLst/>
-                <a:latin typeface="Anek Telugu SemiBold" pitchFamily="2" charset="0"/>
-                <a:ea typeface="+mn-ea"/>
-                <a:cs typeface="Anek Telugu SemiBold" pitchFamily="2" charset="0"/>
-              </a:rPr>
-              <a:t>నా జీవిత కాలమెల్ల</a:t>
+              <a:t>యేసయ్య నామం ఎంతో మధురం</a:t>
             </a:r>
           </a:p>
           <a:p>
@@ -9725,7 +9696,7 @@
                 <a:ea typeface="+mn-ea"/>
                 <a:cs typeface="Anek Telugu SemiBold" pitchFamily="2" charset="0"/>
               </a:rPr>
-              <a:t>ప్రియ ప్రభువే నా పరిహారి (2)</a:t>
+              <a:t> || మహోన్నతం ||</a:t>
             </a:r>
           </a:p>
           <a:p>
@@ -9766,21 +9737,6 @@
               </a:spcAft>
             </a:pPr>
             <a:r>
-              <a:rPr lang="en-IN" sz="1300" b="0" i="0" kern="1200" spc="0" baseline="0" dirty="0">
-                <a:ln>
-                  <a:noFill/>
-                </a:ln>
-                <a:solidFill>
-                  <a:srgbClr val="000000"/>
-                </a:solidFill>
-                <a:effectLst/>
-                <a:latin typeface="Anek Telugu SemiBold" pitchFamily="2" charset="0"/>
-                <a:ea typeface="+mn-ea"/>
-                <a:cs typeface="Anek Telugu SemiBold" pitchFamily="2" charset="0"/>
-              </a:rPr>
-              <a:t>1. </a:t>
-            </a:r>
-            <a:r>
               <a:rPr lang="te-IN" sz="1300" b="0" i="0" kern="1200" spc="0" baseline="0" dirty="0">
                 <a:ln>
                   <a:noFill/>
@@ -9793,7 +9749,7 @@
                 <a:ea typeface="+mn-ea"/>
                 <a:cs typeface="Anek Telugu SemiBold" pitchFamily="2" charset="0"/>
               </a:rPr>
-              <a:t>ఎన్ని కష్టాలు కలిగిననూ</a:t>
+              <a:t>1. ఈ నామమందే లోకరక్షణ </a:t>
             </a:r>
           </a:p>
           <a:p>
@@ -9821,7 +9777,7 @@
                 <a:ea typeface="+mn-ea"/>
                 <a:cs typeface="Anek Telugu SemiBold" pitchFamily="2" charset="0"/>
               </a:rPr>
-              <a:t>నన్ను కృంగించె భాదలెన్నో</a:t>
+              <a:t>లేదింక ఇలయే  నిరీక్షణ (2)</a:t>
             </a:r>
           </a:p>
           <a:p>
@@ -9849,7 +9805,7 @@
                 <a:ea typeface="+mn-ea"/>
                 <a:cs typeface="Anek Telugu SemiBold" pitchFamily="2" charset="0"/>
               </a:rPr>
-              <a:t>ఎన్ని నష్టాలు వాటిల్లినా </a:t>
+              <a:t>భరియించే నీ పాప శిక్షంతయు (2)</a:t>
             </a:r>
           </a:p>
           <a:p>
@@ -9877,7 +9833,7 @@
                 <a:ea typeface="+mn-ea"/>
                 <a:cs typeface="Anek Telugu SemiBold" pitchFamily="2" charset="0"/>
               </a:rPr>
-              <a:t>             ప్రియ ప్రభువే నా పరిహారి (2)        </a:t>
+              <a:t>నీకై ప్రసాదించే మోక్షం</a:t>
             </a:r>
           </a:p>
           <a:p>
@@ -9892,18 +9848,21 @@
                 <a:spcPts val="0"/>
               </a:spcAft>
             </a:pPr>
-            <a:endParaRPr lang="te-IN" sz="1300" b="0" i="0" kern="1200" spc="0" baseline="0" dirty="0">
-              <a:ln>
-                <a:noFill/>
-              </a:ln>
-              <a:solidFill>
-                <a:srgbClr val="000000"/>
-              </a:solidFill>
-              <a:effectLst/>
-              <a:latin typeface="Anek Telugu SemiBold" pitchFamily="2" charset="0"/>
-              <a:ea typeface="+mn-ea"/>
-              <a:cs typeface="Anek Telugu SemiBold" pitchFamily="2" charset="0"/>
-            </a:endParaRPr>
+            <a:r>
+              <a:rPr lang="te-IN" sz="1300" b="0" i="0" kern="1200" spc="0" baseline="0" dirty="0">
+                <a:ln>
+                  <a:noFill/>
+                </a:ln>
+                <a:solidFill>
+                  <a:srgbClr val="000000"/>
+                </a:solidFill>
+                <a:effectLst/>
+                <a:latin typeface="Anek Telugu SemiBold" pitchFamily="2" charset="0"/>
+                <a:ea typeface="+mn-ea"/>
+                <a:cs typeface="Anek Telugu SemiBold" pitchFamily="2" charset="0"/>
+              </a:rPr>
+              <a:t> || మహోన్నతం ||</a:t>
+            </a:r>
           </a:p>
           <a:p>
             <a:pPr marL="0" marR="0" indent="0" algn="ctr" rtl="0" eaLnBrk="1" fontAlgn="auto" latinLnBrk="0" hangingPunct="1">
@@ -9918,21 +9877,6 @@
               </a:spcAft>
             </a:pPr>
             <a:r>
-              <a:rPr lang="en-IN" sz="1300" b="0" i="0" kern="1200" spc="0" baseline="0" dirty="0">
-                <a:ln>
-                  <a:noFill/>
-                </a:ln>
-                <a:solidFill>
-                  <a:srgbClr val="000000"/>
-                </a:solidFill>
-                <a:effectLst/>
-                <a:latin typeface="Anek Telugu SemiBold" pitchFamily="2" charset="0"/>
-                <a:ea typeface="+mn-ea"/>
-                <a:cs typeface="Anek Telugu SemiBold" pitchFamily="2" charset="0"/>
-              </a:rPr>
-              <a:t>2. </a:t>
-            </a:r>
-            <a:r>
               <a:rPr lang="te-IN" sz="1300" b="0" i="0" kern="1200" spc="0" baseline="0" dirty="0">
                 <a:ln>
                   <a:noFill/>
@@ -9945,7 +9889,7 @@
                 <a:ea typeface="+mn-ea"/>
                 <a:cs typeface="Anek Telugu SemiBold" pitchFamily="2" charset="0"/>
               </a:rPr>
-              <a:t>నన్ను సాతాను వెంబడించినా</a:t>
+              <a:t> </a:t>
             </a:r>
           </a:p>
           <a:p>
@@ -9973,36 +9917,7 @@
                 <a:ea typeface="+mn-ea"/>
                 <a:cs typeface="Anek Telugu SemiBold" pitchFamily="2" charset="0"/>
               </a:rPr>
-              <a:t>నన్ను శత్రువు ఎదిరించినా (2)</a:t>
-            </a:r>
-            <a:br>
-              <a:rPr lang="te-IN" sz="1300" b="0" i="0" kern="1200" spc="0" baseline="0" dirty="0">
-                <a:ln>
-                  <a:noFill/>
-                </a:ln>
-                <a:solidFill>
-                  <a:srgbClr val="000000"/>
-                </a:solidFill>
-                <a:effectLst/>
-                <a:latin typeface="Anek Telugu SemiBold" pitchFamily="2" charset="0"/>
-                <a:ea typeface="+mn-ea"/>
-                <a:cs typeface="Anek Telugu SemiBold" pitchFamily="2" charset="0"/>
-              </a:rPr>
-            </a:br>
-            <a:r>
-              <a:rPr lang="te-IN" sz="1300" b="0" i="0" kern="1200" spc="0" baseline="0" dirty="0">
-                <a:ln>
-                  <a:noFill/>
-                </a:ln>
-                <a:solidFill>
-                  <a:srgbClr val="000000"/>
-                </a:solidFill>
-                <a:effectLst/>
-                <a:latin typeface="Anek Telugu SemiBold" pitchFamily="2" charset="0"/>
-                <a:ea typeface="+mn-ea"/>
-                <a:cs typeface="Anek Telugu SemiBold" pitchFamily="2" charset="0"/>
-              </a:rPr>
-              <a:t>పలు నిందలు నను చుట్టినా</a:t>
+              <a:t>2. నీ చీకటి బ్రతుకు మార్చే నామం </a:t>
             </a:r>
           </a:p>
           <a:p>
@@ -10030,7 +9945,91 @@
                 <a:ea typeface="+mn-ea"/>
                 <a:cs typeface="Anek Telugu SemiBold" pitchFamily="2" charset="0"/>
               </a:rPr>
-              <a:t>ప్రియ ప్రభువే నా పరిహారి (2)</a:t>
+              <a:t>ప్రతి నామము కన్నా పై నామము (2)</a:t>
+            </a:r>
+          </a:p>
+          <a:p>
+            <a:pPr marL="0" marR="0" indent="0" algn="ctr" rtl="0" eaLnBrk="1" fontAlgn="auto" latinLnBrk="0" hangingPunct="1">
+              <a:lnSpc>
+                <a:spcPct val="150000"/>
+              </a:lnSpc>
+              <a:spcBef>
+                <a:spcPts val="0"/>
+              </a:spcBef>
+              <a:spcAft>
+                <a:spcPts val="0"/>
+              </a:spcAft>
+            </a:pPr>
+            <a:r>
+              <a:rPr lang="te-IN" sz="1300" b="0" i="0" kern="1200" spc="0" baseline="0" dirty="0">
+                <a:ln>
+                  <a:noFill/>
+                </a:ln>
+                <a:solidFill>
+                  <a:srgbClr val="000000"/>
+                </a:solidFill>
+                <a:effectLst/>
+                <a:latin typeface="Anek Telugu SemiBold" pitchFamily="2" charset="0"/>
+                <a:ea typeface="+mn-ea"/>
+                <a:cs typeface="Anek Telugu SemiBold" pitchFamily="2" charset="0"/>
+              </a:rPr>
+              <a:t>లోకాన్ని తలక్రిందులు చేసే  నామం (2)</a:t>
+            </a:r>
+          </a:p>
+          <a:p>
+            <a:pPr marL="0" marR="0" indent="0" algn="ctr" rtl="0" eaLnBrk="1" fontAlgn="auto" latinLnBrk="0" hangingPunct="1">
+              <a:lnSpc>
+                <a:spcPct val="150000"/>
+              </a:lnSpc>
+              <a:spcBef>
+                <a:spcPts val="0"/>
+              </a:spcBef>
+              <a:spcAft>
+                <a:spcPts val="0"/>
+              </a:spcAft>
+            </a:pPr>
+            <a:r>
+              <a:rPr lang="te-IN" sz="1300" b="0" i="0" kern="1200" spc="0" baseline="0" dirty="0">
+                <a:ln>
+                  <a:noFill/>
+                </a:ln>
+                <a:solidFill>
+                  <a:srgbClr val="000000"/>
+                </a:solidFill>
+                <a:effectLst/>
+                <a:latin typeface="Anek Telugu SemiBold" pitchFamily="2" charset="0"/>
+                <a:ea typeface="+mn-ea"/>
+                <a:cs typeface="Anek Telugu SemiBold" pitchFamily="2" charset="0"/>
+              </a:rPr>
+              <a:t>ప్రపంచ శాంతికి ఆధారం</a:t>
+            </a:r>
+          </a:p>
+          <a:p>
+            <a:pPr marL="0" marR="0" indent="0" algn="ctr" rtl="0" eaLnBrk="1" fontAlgn="auto" latinLnBrk="0" hangingPunct="1">
+              <a:lnSpc>
+                <a:spcPct val="150000"/>
+              </a:lnSpc>
+              <a:spcBef>
+                <a:spcPts val="0"/>
+              </a:spcBef>
+              <a:spcAft>
+                <a:spcPts val="0"/>
+              </a:spcAft>
+            </a:pPr>
+            <a:r>
+              <a:rPr lang="te-IN" sz="1300" b="0" i="0" kern="1200" spc="0" baseline="0" dirty="0">
+                <a:ln>
+                  <a:noFill/>
+                </a:ln>
+                <a:solidFill>
+                  <a:srgbClr val="000000"/>
+                </a:solidFill>
+                <a:effectLst/>
+                <a:latin typeface="Anek Telugu SemiBold" pitchFamily="2" charset="0"/>
+                <a:ea typeface="+mn-ea"/>
+                <a:cs typeface="Anek Telugu SemiBold" pitchFamily="2" charset="0"/>
+              </a:rPr>
+              <a:t> || మహోన్నతం || </a:t>
             </a:r>
           </a:p>
         </p:txBody>
@@ -10094,7 +10093,7 @@
               </a:spcAft>
             </a:pPr>
             <a:r>
-              <a:rPr lang="te-IN" sz="1200" b="0" i="0" kern="1200" spc="0" baseline="0" dirty="0">
+              <a:rPr lang="te-IN" sz="1100" b="0" i="0" kern="1200" spc="0" baseline="0" dirty="0">
                 <a:ln>
                   <a:noFill/>
                 </a:ln>
@@ -10106,7 +10105,7 @@
                 <a:ea typeface="+mn-ea"/>
                 <a:cs typeface="Anek Telugu SemiBold" pitchFamily="2" charset="0"/>
               </a:rPr>
-              <a:t>వందనం త్రియేకుడా - ఘన మహిమ నీకెగా (2)</a:t>
+              <a:t>అత్యున్నత సింహాసనముపై ఆసీనుడా</a:t>
             </a:r>
           </a:p>
           <a:p>
@@ -10122,7 +10121,7 @@
               </a:spcAft>
             </a:pPr>
             <a:r>
-              <a:rPr lang="te-IN" sz="1200" b="0" i="0" kern="1200" spc="0" baseline="0" dirty="0">
+              <a:rPr lang="te-IN" sz="1100" b="0" i="0" kern="1200" spc="0" baseline="0" dirty="0">
                 <a:ln>
                   <a:noFill/>
                 </a:ln>
@@ -10134,7 +10133,7 @@
                 <a:ea typeface="+mn-ea"/>
                 <a:cs typeface="Anek Telugu SemiBold" pitchFamily="2" charset="0"/>
               </a:rPr>
-              <a:t>ఏ పాటి వాడను యేసయ్యా, నన్ను కోరుకొంటివే</a:t>
+              <a:t>దేవ దూతలు ఆరాధించు పరిశుద్ధుడా</a:t>
             </a:r>
           </a:p>
           <a:p>
@@ -10150,7 +10149,7 @@
               </a:spcAft>
             </a:pPr>
             <a:r>
-              <a:rPr lang="te-IN" sz="1200" b="0" i="0" kern="1200" spc="0" baseline="0" dirty="0">
+              <a:rPr lang="te-IN" sz="1100" b="0" i="0" kern="1200" spc="0" baseline="0" dirty="0">
                 <a:ln>
                   <a:noFill/>
                 </a:ln>
@@ -10162,7 +10161,7 @@
                 <a:ea typeface="+mn-ea"/>
                 <a:cs typeface="Anek Telugu SemiBold" pitchFamily="2" charset="0"/>
               </a:rPr>
-              <a:t>ఏ పాటి దానను యేసయ్యా, నన్ను కోరుకొంటివే</a:t>
+              <a:t>యేసయ్యా నా నిలువెల్ల నిండియున్నావు</a:t>
             </a:r>
           </a:p>
           <a:p>
@@ -10177,7 +10176,91 @@
                 <a:spcPts val="0"/>
               </a:spcAft>
             </a:pPr>
-            <a:endParaRPr lang="te-IN" sz="1200" b="0" i="0" kern="1200" spc="0" baseline="0" dirty="0">
+            <a:r>
+              <a:rPr lang="te-IN" sz="1100" b="0" i="0" kern="1200" spc="0" baseline="0" dirty="0">
+                <a:ln>
+                  <a:noFill/>
+                </a:ln>
+                <a:solidFill>
+                  <a:srgbClr val="000000"/>
+                </a:solidFill>
+                <a:effectLst/>
+                <a:latin typeface="Anek Telugu SemiBold" pitchFamily="2" charset="0"/>
+                <a:ea typeface="+mn-ea"/>
+                <a:cs typeface="Anek Telugu SemiBold" pitchFamily="2" charset="0"/>
+              </a:rPr>
+              <a:t>నా మనసార నీ సన్నిధిలో</a:t>
+            </a:r>
+          </a:p>
+          <a:p>
+            <a:pPr marL="0" marR="0" indent="0" algn="ctr" rtl="0" eaLnBrk="1" fontAlgn="auto" latinLnBrk="0" hangingPunct="1">
+              <a:lnSpc>
+                <a:spcPct val="150000"/>
+              </a:lnSpc>
+              <a:spcBef>
+                <a:spcPts val="0"/>
+              </a:spcBef>
+              <a:spcAft>
+                <a:spcPts val="0"/>
+              </a:spcAft>
+            </a:pPr>
+            <a:r>
+              <a:rPr lang="te-IN" sz="1100" b="0" i="0" kern="1200" spc="0" baseline="0" dirty="0">
+                <a:ln>
+                  <a:noFill/>
+                </a:ln>
+                <a:solidFill>
+                  <a:srgbClr val="000000"/>
+                </a:solidFill>
+                <a:effectLst/>
+                <a:latin typeface="Anek Telugu SemiBold" pitchFamily="2" charset="0"/>
+                <a:ea typeface="+mn-ea"/>
+                <a:cs typeface="Anek Telugu SemiBold" pitchFamily="2" charset="0"/>
+              </a:rPr>
+              <a:t>సాగిలపడి నమస్కారము చేసేదా</a:t>
+            </a:r>
+          </a:p>
+          <a:p>
+            <a:pPr marL="0" marR="0" indent="0" algn="ctr" rtl="0" eaLnBrk="1" fontAlgn="auto" latinLnBrk="0" hangingPunct="1">
+              <a:lnSpc>
+                <a:spcPct val="150000"/>
+              </a:lnSpc>
+              <a:spcBef>
+                <a:spcPts val="0"/>
+              </a:spcBef>
+              <a:spcAft>
+                <a:spcPts val="0"/>
+              </a:spcAft>
+            </a:pPr>
+            <a:r>
+              <a:rPr lang="te-IN" sz="1100" b="0" i="0" kern="1200" spc="0" baseline="0" dirty="0">
+                <a:ln>
+                  <a:noFill/>
+                </a:ln>
+                <a:solidFill>
+                  <a:srgbClr val="000000"/>
+                </a:solidFill>
+                <a:effectLst/>
+                <a:latin typeface="Anek Telugu SemiBold" pitchFamily="2" charset="0"/>
+                <a:ea typeface="+mn-ea"/>
+                <a:cs typeface="Anek Telugu SemiBold" pitchFamily="2" charset="0"/>
+              </a:rPr>
+              <a:t>సాగిలపడి నమస్కారము చేసేదా (2)</a:t>
+            </a:r>
+          </a:p>
+          <a:p>
+            <a:pPr marL="0" marR="0" indent="0" algn="ctr" rtl="0" eaLnBrk="1" fontAlgn="auto" latinLnBrk="0" hangingPunct="1">
+              <a:lnSpc>
+                <a:spcPct val="150000"/>
+              </a:lnSpc>
+              <a:spcBef>
+                <a:spcPts val="0"/>
+              </a:spcBef>
+              <a:spcAft>
+                <a:spcPts val="0"/>
+              </a:spcAft>
+            </a:pPr>
+            <a:endParaRPr lang="te-IN" sz="1100" b="0" i="0" kern="1200" spc="0" baseline="0" dirty="0">
               <a:ln>
                 <a:noFill/>
               </a:ln>
@@ -10203,7 +10286,7 @@
               </a:spcAft>
             </a:pPr>
             <a:r>
-              <a:rPr lang="en-IN" sz="1200" b="0" i="0" kern="1200" spc="0" baseline="0" dirty="0">
+              <a:rPr lang="en-IN" sz="1100" b="0" i="0" kern="1200" spc="0" baseline="0" dirty="0">
                 <a:ln>
                   <a:noFill/>
                 </a:ln>
@@ -10218,7 +10301,7 @@
               <a:t>1. </a:t>
             </a:r>
             <a:r>
-              <a:rPr lang="te-IN" sz="1200" b="0" i="0" kern="1200" spc="0" baseline="0" dirty="0">
+              <a:rPr lang="te-IN" sz="1100" b="0" i="0" kern="1200" spc="0" baseline="0" dirty="0">
                 <a:ln>
                   <a:noFill/>
                 </a:ln>
@@ -10230,7 +10313,7 @@
                 <a:ea typeface="+mn-ea"/>
                 <a:cs typeface="Anek Telugu SemiBold" pitchFamily="2" charset="0"/>
               </a:rPr>
-              <a:t>ఈవులెన్నెన్నో దయచేసితివి</a:t>
+              <a:t>ప్రతి వసంతము నీ దయా కిరీటమే</a:t>
             </a:r>
           </a:p>
           <a:p>
@@ -10246,7 +10329,7 @@
               </a:spcAft>
             </a:pPr>
             <a:r>
-              <a:rPr lang="te-IN" sz="1200" b="0" i="0" kern="1200" spc="0" baseline="0" dirty="0">
+              <a:rPr lang="te-IN" sz="1100" b="0" i="0" kern="1200" spc="0" baseline="0" dirty="0">
                 <a:ln>
                   <a:noFill/>
                 </a:ln>
@@ -10258,7 +10341,7 @@
                 <a:ea typeface="+mn-ea"/>
                 <a:cs typeface="Anek Telugu SemiBold" pitchFamily="2" charset="0"/>
               </a:rPr>
-              <a:t>నీ స్నేహమే నాకు స్థిరపరచితివి (2)</a:t>
+              <a:t>ప్రకృతి కలలన్నియు నీ మహిమను వివరించునే (2)</a:t>
             </a:r>
           </a:p>
           <a:p>
@@ -10274,7 +10357,7 @@
               </a:spcAft>
             </a:pPr>
             <a:r>
-              <a:rPr lang="te-IN" sz="1200" b="0" i="0" kern="1200" spc="0" baseline="0" dirty="0">
+              <a:rPr lang="te-IN" sz="1100" b="0" i="0" kern="1200" spc="0" baseline="0" dirty="0">
                 <a:ln>
                   <a:noFill/>
                 </a:ln>
@@ -10286,7 +10369,7 @@
                 <a:ea typeface="+mn-ea"/>
                 <a:cs typeface="Anek Telugu SemiBold" pitchFamily="2" charset="0"/>
               </a:rPr>
-              <a:t>నీ పాద సేవ చేయుట కన్నా</a:t>
+              <a:t>ప్రభువా నిన్నే ఆరాధించెద</a:t>
             </a:r>
           </a:p>
           <a:p>
@@ -10302,7 +10385,7 @@
               </a:spcAft>
             </a:pPr>
             <a:r>
-              <a:rPr lang="te-IN" sz="1200" b="0" i="0" kern="1200" spc="0" baseline="0" dirty="0">
+              <a:rPr lang="te-IN" sz="1100" b="0" i="0" kern="1200" spc="0" baseline="0" dirty="0">
                 <a:ln>
                   <a:noFill/>
                 </a:ln>
@@ -10314,7 +10397,7 @@
                 <a:ea typeface="+mn-ea"/>
                 <a:cs typeface="Anek Telugu SemiBold" pitchFamily="2" charset="0"/>
               </a:rPr>
-              <a:t>విలువైన భాగ్యం లేదు (2) నాకూ</a:t>
+              <a:t>కృతజ్ఞాతార్పణలతో – కృతజ్ఞాతార్పణలతో (2)         ||అత్యున్నత||</a:t>
             </a:r>
           </a:p>
           <a:p>
@@ -10329,7 +10412,7 @@
                 <a:spcPts val="0"/>
               </a:spcAft>
             </a:pPr>
-            <a:endParaRPr lang="te-IN" sz="1200" b="0" i="0" kern="1200" spc="0" baseline="0" dirty="0">
+            <a:endParaRPr lang="te-IN" sz="1100" b="0" i="0" kern="1200" spc="0" baseline="0" dirty="0">
               <a:ln>
                 <a:noFill/>
               </a:ln>
@@ -10355,7 +10438,7 @@
               </a:spcAft>
             </a:pPr>
             <a:r>
-              <a:rPr lang="en-IN" sz="1200" b="0" i="0" kern="1200" spc="0" baseline="0" dirty="0">
+              <a:rPr lang="en-IN" sz="1100" b="0" i="0" kern="1200" spc="0" baseline="0" dirty="0">
                 <a:ln>
                   <a:noFill/>
                 </a:ln>
@@ -10370,7 +10453,7 @@
               <a:t>2. </a:t>
             </a:r>
             <a:r>
-              <a:rPr lang="te-IN" sz="1200" b="0" i="0" kern="1200" spc="0" baseline="0" dirty="0">
+              <a:rPr lang="te-IN" sz="1100" b="0" i="0" kern="1200" spc="0" baseline="0" dirty="0">
                 <a:ln>
                   <a:noFill/>
                 </a:ln>
@@ -10382,7 +10465,7 @@
                 <a:ea typeface="+mn-ea"/>
                 <a:cs typeface="Anek Telugu SemiBold" pitchFamily="2" charset="0"/>
               </a:rPr>
-              <a:t>అవసరతలు ఏవైన తీర్చెడి</a:t>
+              <a:t>పరిమలించునే నా సాక్ష్య జీవితమే</a:t>
             </a:r>
           </a:p>
           <a:p>
@@ -10398,7 +10481,7 @@
               </a:spcAft>
             </a:pPr>
             <a:r>
-              <a:rPr lang="te-IN" sz="1200" b="0" i="0" kern="1200" spc="0" baseline="0" dirty="0">
+              <a:rPr lang="te-IN" sz="1100" b="0" i="0" kern="1200" spc="0" baseline="0" dirty="0">
                 <a:ln>
                   <a:noFill/>
                 </a:ln>
@@ -10410,7 +10493,7 @@
                 <a:ea typeface="+mn-ea"/>
                 <a:cs typeface="Anek Telugu SemiBold" pitchFamily="2" charset="0"/>
               </a:rPr>
-              <a:t>యెహోవా యీరే నీవే (2)</a:t>
+              <a:t>పరిశుద్ధాత్ముడు నన్ను నడిపించుచున్నందునే (2)</a:t>
             </a:r>
           </a:p>
           <a:p>
@@ -10426,7 +10509,7 @@
               </a:spcAft>
             </a:pPr>
             <a:r>
-              <a:rPr lang="te-IN" sz="1200" b="0" i="0" kern="1200" spc="0" baseline="0" dirty="0">
+              <a:rPr lang="te-IN" sz="1100" b="0" i="0" kern="1200" spc="0" baseline="0" dirty="0">
                 <a:ln>
                   <a:noFill/>
                 </a:ln>
@@ -10438,7 +10521,7 @@
                 <a:ea typeface="+mn-ea"/>
                 <a:cs typeface="Anek Telugu SemiBold" pitchFamily="2" charset="0"/>
               </a:rPr>
-              <a:t>నా కోరికంతా ఏ క్షణమైనా</a:t>
+              <a:t>పరిశుద్ధాత్మలో ఆనందించెద</a:t>
             </a:r>
           </a:p>
           <a:p>
@@ -10454,7 +10537,7 @@
               </a:spcAft>
             </a:pPr>
             <a:r>
-              <a:rPr lang="te-IN" sz="1200" b="0" i="0" kern="1200" spc="0" baseline="0" dirty="0">
+              <a:rPr lang="te-IN" sz="1100" b="0" i="0" kern="1200" spc="0" baseline="0" dirty="0">
                 <a:ln>
                   <a:noFill/>
                 </a:ln>
@@ -10466,7 +10549,7 @@
                 <a:ea typeface="+mn-ea"/>
                 <a:cs typeface="Anek Telugu SemiBold" pitchFamily="2" charset="0"/>
               </a:rPr>
-              <a:t>నీవేగా నా యేసూ (2) ఆమెన్</a:t>
+              <a:t>హర్ష ధ్వనులతో – హర్ష ధ్వనులతో (2)           ||అత్యున్నత||</a:t>
             </a:r>
           </a:p>
         </p:txBody>
@@ -10532,7 +10615,7 @@
                 <a:latin typeface="Anek Telugu SemiBold" pitchFamily="2" charset="0"/>
                 <a:cs typeface="Anek Telugu SemiBold" pitchFamily="2" charset="0"/>
               </a:rPr>
-              <a:t>నిను స్తుతించినా చాలు నా బ్రతుకు దినములో</a:t>
+              <a:t>నాదు రక్షక నీ మనసే ఉత్తమం </a:t>
             </a:r>
           </a:p>
           <a:p>
@@ -10550,7 +10633,7 @@
                 <a:latin typeface="Anek Telugu SemiBold" pitchFamily="2" charset="0"/>
                 <a:cs typeface="Anek Telugu SemiBold" pitchFamily="2" charset="0"/>
               </a:rPr>
-              <a:t>నిను పొగిడినా చాలు నా గుండె గుడిలో (2)</a:t>
+              <a:t>దినదినము నీతోనే వసియింతును</a:t>
             </a:r>
           </a:p>
           <a:p>
@@ -10568,7 +10651,7 @@
                 <a:latin typeface="Anek Telugu SemiBold" pitchFamily="2" charset="0"/>
                 <a:cs typeface="Anek Telugu SemiBold" pitchFamily="2" charset="0"/>
               </a:rPr>
-              <a:t>ఉన్నా లేకున్నా నా స్థితి గతులే మారినా</a:t>
+              <a:t>నేనేది పలికినను ఏమి చేసినను</a:t>
             </a:r>
           </a:p>
           <a:p>
@@ -10586,7 +10669,7 @@
                 <a:latin typeface="Anek Telugu SemiBold" pitchFamily="2" charset="0"/>
                 <a:cs typeface="Anek Telugu SemiBold" pitchFamily="2" charset="0"/>
               </a:rPr>
-              <a:t>నీ సన్నిధిలో…</a:t>
+              <a:t>నీ ప్రేమనే కనుపరుతును </a:t>
             </a:r>
           </a:p>
           <a:p>
@@ -10604,7 +10687,7 @@
                 <a:latin typeface="Anek Telugu SemiBold" pitchFamily="2" charset="0"/>
                 <a:cs typeface="Anek Telugu SemiBold" pitchFamily="2" charset="0"/>
               </a:rPr>
-              <a:t>నీ సన్నిధిలో ఆనందించే భాగ్యమున్నా చాలు      ||నిను||</a:t>
+              <a:t>నీ శక్తినే కొనియాడేదను</a:t>
             </a:r>
           </a:p>
           <a:p>
@@ -10648,7 +10731,7 @@
                 <a:latin typeface="Anek Telugu SemiBold" pitchFamily="2" charset="0"/>
                 <a:cs typeface="Anek Telugu SemiBold" pitchFamily="2" charset="0"/>
               </a:rPr>
-              <a:t>స్తుతులకు పాత్రుడవు నీవేనయ్యా</a:t>
+              <a:t>నా హృదిలో నీ వాక్యము నివసింపని</a:t>
             </a:r>
           </a:p>
           <a:p>
@@ -10666,7 +10749,7 @@
                 <a:latin typeface="Anek Telugu SemiBold" pitchFamily="2" charset="0"/>
                 <a:cs typeface="Anek Telugu SemiBold" pitchFamily="2" charset="0"/>
               </a:rPr>
-              <a:t>స్తోత్రార్హుడవు నీవేనయ్యా (2)</a:t>
+              <a:t>ప్రతిక్షణము ప్రతిదినము ధ్యానింతును</a:t>
             </a:r>
           </a:p>
           <a:p>
@@ -10684,7 +10767,25 @@
                 <a:latin typeface="Anek Telugu SemiBold" pitchFamily="2" charset="0"/>
                 <a:cs typeface="Anek Telugu SemiBold" pitchFamily="2" charset="0"/>
               </a:rPr>
-              <a:t>నీవేనయ్యా నాకు నీవేనయ్యా (2)        ||నిను||</a:t>
+              <a:t>లోకము నను విడచిన నీవు విడువలేదు</a:t>
+            </a:r>
+          </a:p>
+          <a:p>
+            <a:pPr algn="ctr">
+              <a:lnSpc>
+                <a:spcPct val="150000"/>
+              </a:lnSpc>
+            </a:pPr>
+            <a:r>
+              <a:rPr lang="te-IN" sz="1200" i="0" dirty="0">
+                <a:solidFill>
+                  <a:schemeClr val="tx1"/>
+                </a:solidFill>
+                <a:effectLst/>
+                <a:latin typeface="Anek Telugu SemiBold" pitchFamily="2" charset="0"/>
+                <a:cs typeface="Anek Telugu SemiBold" pitchFamily="2" charset="0"/>
+              </a:rPr>
+              <a:t>నాకు జయము జయము నీ శక్తితోనే</a:t>
             </a:r>
           </a:p>
           <a:p>
@@ -10728,7 +10829,7 @@
                 <a:latin typeface="Anek Telugu SemiBold" pitchFamily="2" charset="0"/>
                 <a:cs typeface="Anek Telugu SemiBold" pitchFamily="2" charset="0"/>
               </a:rPr>
-              <a:t>ప్రేమా స్వరూపుడవు నీవేనయ్యా</a:t>
+              <a:t>నా తండ్రి నా విభుడా పాలించుమా</a:t>
             </a:r>
           </a:p>
           <a:p>
@@ -10746,7 +10847,7 @@
                 <a:latin typeface="Anek Telugu SemiBold" pitchFamily="2" charset="0"/>
                 <a:cs typeface="Anek Telugu SemiBold" pitchFamily="2" charset="0"/>
               </a:rPr>
-              <a:t>స్తోత్రార్హుడవు నీవేనయ్యా (2)</a:t>
+              <a:t>ఆదరణ నా హ్రుదిలోనా నింపుమయా </a:t>
             </a:r>
           </a:p>
           <a:p>
@@ -10764,7 +10865,25 @@
                 <a:latin typeface="Anek Telugu SemiBold" pitchFamily="2" charset="0"/>
                 <a:cs typeface="Anek Telugu SemiBold" pitchFamily="2" charset="0"/>
               </a:rPr>
-              <a:t>నీవేనయ్యా నాకు నీవేనయ్యా (2)        ||నిను||</a:t>
+              <a:t>మనుజులు నను మరిచిన నీవు మరువలేదు </a:t>
+            </a:r>
+          </a:p>
+          <a:p>
+            <a:pPr algn="ctr">
+              <a:lnSpc>
+                <a:spcPct val="150000"/>
+              </a:lnSpc>
+            </a:pPr>
+            <a:r>
+              <a:rPr lang="te-IN" sz="1200" i="0" dirty="0">
+                <a:solidFill>
+                  <a:schemeClr val="tx1"/>
+                </a:solidFill>
+                <a:effectLst/>
+                <a:latin typeface="Anek Telugu SemiBold" pitchFamily="2" charset="0"/>
+                <a:cs typeface="Anek Telugu SemiBold" pitchFamily="2" charset="0"/>
+              </a:rPr>
+              <a:t>నాకు జయము జయము నీ ప్రేమతోనే</a:t>
             </a:r>
           </a:p>
         </p:txBody>
@@ -10828,19 +10947,15 @@
               </a:spcAft>
             </a:pPr>
             <a:r>
-              <a:rPr lang="te-IN" sz="1050" b="0" i="0" kern="1200" spc="0" baseline="0" dirty="0">
-                <a:ln>
-                  <a:noFill/>
-                </a:ln>
+              <a:rPr lang="te-IN" sz="1200" i="0" dirty="0">
                 <a:solidFill>
                   <a:schemeClr val="tx1"/>
                 </a:solidFill>
                 <a:effectLst/>
                 <a:latin typeface="Anek Telugu SemiBold" pitchFamily="2" charset="0"/>
-                <a:ea typeface="+mn-ea"/>
-                <a:cs typeface="Anek Telugu SemiBold" pitchFamily="2" charset="0"/>
-              </a:rPr>
-              <a:t>ఎడబాయని నీ కృప</a:t>
+                <a:cs typeface="Anek Telugu SemiBold" pitchFamily="2" charset="0"/>
+              </a:rPr>
+              <a:t>మహోన్నతుడా మా దేవా</a:t>
             </a:r>
           </a:p>
           <a:p>
@@ -10856,19 +10971,15 @@
               </a:spcAft>
             </a:pPr>
             <a:r>
-              <a:rPr lang="te-IN" sz="1050" b="0" i="0" kern="1200" spc="0" baseline="0" dirty="0">
-                <a:ln>
-                  <a:noFill/>
-                </a:ln>
+              <a:rPr lang="te-IN" sz="1200" i="0" dirty="0">
                 <a:solidFill>
                   <a:schemeClr val="tx1"/>
                 </a:solidFill>
                 <a:effectLst/>
                 <a:latin typeface="Anek Telugu SemiBold" pitchFamily="2" charset="0"/>
-                <a:ea typeface="+mn-ea"/>
-                <a:cs typeface="Anek Telugu SemiBold" pitchFamily="2" charset="0"/>
-              </a:rPr>
-              <a:t>నను విడువదు ఎన్నటికీ (2)</a:t>
+                <a:cs typeface="Anek Telugu SemiBold" pitchFamily="2" charset="0"/>
+              </a:rPr>
+              <a:t>సహాయకుడా యెహోవా (2)</a:t>
             </a:r>
           </a:p>
           <a:p>
@@ -10884,19 +10995,15 @@
               </a:spcAft>
             </a:pPr>
             <a:r>
-              <a:rPr lang="te-IN" sz="1050" b="0" i="0" kern="1200" spc="0" baseline="0" dirty="0">
-                <a:ln>
-                  <a:noFill/>
-                </a:ln>
+              <a:rPr lang="te-IN" sz="1200" i="0" dirty="0">
                 <a:solidFill>
                   <a:schemeClr val="tx1"/>
                 </a:solidFill>
                 <a:effectLst/>
                 <a:latin typeface="Anek Telugu SemiBold" pitchFamily="2" charset="0"/>
-                <a:ea typeface="+mn-ea"/>
-                <a:cs typeface="Anek Telugu SemiBold" pitchFamily="2" charset="0"/>
-              </a:rPr>
-              <a:t>యేసయ్యా నీ ప్రేమానురాగం</a:t>
+                <a:cs typeface="Anek Telugu SemiBold" pitchFamily="2" charset="0"/>
+              </a:rPr>
+              <a:t>ఉదయ కాలపు నైవేద్యము</a:t>
             </a:r>
           </a:p>
           <a:p>
@@ -10912,19 +11019,15 @@
               </a:spcAft>
             </a:pPr>
             <a:r>
-              <a:rPr lang="te-IN" sz="1050" b="0" i="0" kern="1200" spc="0" baseline="0" dirty="0">
-                <a:ln>
-                  <a:noFill/>
-                </a:ln>
+              <a:rPr lang="te-IN" sz="1200" i="0" dirty="0">
                 <a:solidFill>
                   <a:schemeClr val="tx1"/>
                 </a:solidFill>
                 <a:effectLst/>
                 <a:latin typeface="Anek Telugu SemiBold" pitchFamily="2" charset="0"/>
-                <a:ea typeface="+mn-ea"/>
-                <a:cs typeface="Anek Telugu SemiBold" pitchFamily="2" charset="0"/>
-              </a:rPr>
-              <a:t>నను కాయును అనుక్షణం (2)</a:t>
+                <a:cs typeface="Anek Telugu SemiBold" pitchFamily="2" charset="0"/>
+              </a:rPr>
+              <a:t>హృదయపూర్వక అర్పణము (2)</a:t>
             </a:r>
           </a:p>
           <a:p>
@@ -10939,16 +11042,60 @@
                 <a:spcPts val="0"/>
               </a:spcAft>
             </a:pPr>
-            <a:endParaRPr lang="te-IN" sz="1050" b="0" i="0" kern="1200" spc="0" baseline="0" dirty="0">
-              <a:ln>
-                <a:noFill/>
-              </a:ln>
+            <a:r>
+              <a:rPr lang="te-IN" sz="1200" i="0" dirty="0">
+                <a:solidFill>
+                  <a:schemeClr val="tx1"/>
+                </a:solidFill>
+                <a:effectLst/>
+                <a:latin typeface="Anek Telugu SemiBold" pitchFamily="2" charset="0"/>
+                <a:cs typeface="Anek Telugu SemiBold" pitchFamily="2" charset="0"/>
+              </a:rPr>
+              <a:t>మా స్తుతి నీకేనయ్యా</a:t>
+            </a:r>
+          </a:p>
+          <a:p>
+            <a:pPr marL="0" marR="0" indent="0" algn="ctr" rtl="0" eaLnBrk="1" fontAlgn="auto" latinLnBrk="0" hangingPunct="1">
+              <a:lnSpc>
+                <a:spcPct val="150000"/>
+              </a:lnSpc>
+              <a:spcBef>
+                <a:spcPts val="0"/>
+              </a:spcBef>
+              <a:spcAft>
+                <a:spcPts val="0"/>
+              </a:spcAft>
+            </a:pPr>
+            <a:r>
+              <a:rPr lang="te-IN" sz="1200" i="0" dirty="0">
+                <a:solidFill>
+                  <a:schemeClr val="tx1"/>
+                </a:solidFill>
+                <a:effectLst/>
+                <a:latin typeface="Anek Telugu SemiBold" pitchFamily="2" charset="0"/>
+                <a:cs typeface="Anek Telugu SemiBold" pitchFamily="2" charset="0"/>
+              </a:rPr>
+              <a:t>ఆరాధింతునయ్యా (2)          ||మహోన్నతుడా||</a:t>
+            </a:r>
+          </a:p>
+          <a:p>
+            <a:pPr marL="0" marR="0" indent="0" algn="ctr" rtl="0" eaLnBrk="1" fontAlgn="auto" latinLnBrk="0" hangingPunct="1">
+              <a:lnSpc>
+                <a:spcPct val="150000"/>
+              </a:lnSpc>
+              <a:spcBef>
+                <a:spcPts val="0"/>
+              </a:spcBef>
+              <a:spcAft>
+                <a:spcPts val="0"/>
+              </a:spcAft>
+            </a:pPr>
+            <a:endParaRPr lang="te-IN" sz="1200" i="0" dirty="0">
               <a:solidFill>
                 <a:schemeClr val="tx1"/>
               </a:solidFill>
               <a:effectLst/>
               <a:latin typeface="Anek Telugu SemiBold" pitchFamily="2" charset="0"/>
-              <a:ea typeface="+mn-ea"/>
               <a:cs typeface="Anek Telugu SemiBold" pitchFamily="2" charset="0"/>
             </a:endParaRPr>
           </a:p>
@@ -10965,34 +11112,26 @@
               </a:spcAft>
             </a:pPr>
             <a:r>
-              <a:rPr lang="en-IN" sz="1050" b="0" i="0" kern="1200" spc="0" baseline="0" dirty="0">
-                <a:ln>
-                  <a:noFill/>
-                </a:ln>
+              <a:rPr lang="en-IN" sz="1200" i="0" dirty="0">
                 <a:solidFill>
                   <a:schemeClr val="tx1"/>
                 </a:solidFill>
                 <a:effectLst/>
                 <a:latin typeface="Anek Telugu SemiBold" pitchFamily="2" charset="0"/>
-                <a:ea typeface="+mn-ea"/>
                 <a:cs typeface="Anek Telugu SemiBold" pitchFamily="2" charset="0"/>
               </a:rPr>
               <a:t>1. </a:t>
             </a:r>
             <a:r>
-              <a:rPr lang="te-IN" sz="1050" b="0" i="0" kern="1200" spc="0" baseline="0" dirty="0">
-                <a:ln>
-                  <a:noFill/>
-                </a:ln>
+              <a:rPr lang="te-IN" sz="1200" i="0" dirty="0">
                 <a:solidFill>
                   <a:schemeClr val="tx1"/>
                 </a:solidFill>
                 <a:effectLst/>
                 <a:latin typeface="Anek Telugu SemiBold" pitchFamily="2" charset="0"/>
-                <a:ea typeface="+mn-ea"/>
-                <a:cs typeface="Anek Telugu SemiBold" pitchFamily="2" charset="0"/>
-              </a:rPr>
-              <a:t>శోకపు లోయలలో – కష్టాల కడగండ్లలో</a:t>
+                <a:cs typeface="Anek Telugu SemiBold" pitchFamily="2" charset="0"/>
+              </a:rPr>
+              <a:t>అగ్నిని పోలిన నేత్రములు</a:t>
             </a:r>
           </a:p>
           <a:p>
@@ -11008,19 +11147,15 @@
               </a:spcAft>
             </a:pPr>
             <a:r>
-              <a:rPr lang="te-IN" sz="1050" b="0" i="0" kern="1200" spc="0" baseline="0" dirty="0">
-                <a:ln>
-                  <a:noFill/>
-                </a:ln>
+              <a:rPr lang="te-IN" sz="1200" i="0" dirty="0">
                 <a:solidFill>
                   <a:schemeClr val="tx1"/>
                 </a:solidFill>
                 <a:effectLst/>
                 <a:latin typeface="Anek Telugu SemiBold" pitchFamily="2" charset="0"/>
-                <a:ea typeface="+mn-ea"/>
-                <a:cs typeface="Anek Telugu SemiBold" pitchFamily="2" charset="0"/>
-              </a:rPr>
-              <a:t>కడలేని కడలిలో – నిరాశ నిసృహలో (2)</a:t>
+                <a:cs typeface="Anek Telugu SemiBold" pitchFamily="2" charset="0"/>
+              </a:rPr>
+              <a:t>అపరంజి వంటి పాదములు (2)</a:t>
             </a:r>
           </a:p>
           <a:p>
@@ -11036,19 +11171,15 @@
               </a:spcAft>
             </a:pPr>
             <a:r>
-              <a:rPr lang="te-IN" sz="1050" b="0" i="0" kern="1200" spc="0" baseline="0" dirty="0">
-                <a:ln>
-                  <a:noFill/>
-                </a:ln>
+              <a:rPr lang="te-IN" sz="1200" i="0" dirty="0">
                 <a:solidFill>
                   <a:schemeClr val="tx1"/>
                 </a:solidFill>
                 <a:effectLst/>
                 <a:latin typeface="Anek Telugu SemiBold" pitchFamily="2" charset="0"/>
-                <a:ea typeface="+mn-ea"/>
-                <a:cs typeface="Anek Telugu SemiBold" pitchFamily="2" charset="0"/>
-              </a:rPr>
-              <a:t>అర్ధమేకాని ఈ జీవితం</a:t>
+                <a:cs typeface="Anek Telugu SemiBold" pitchFamily="2" charset="0"/>
+              </a:rPr>
+              <a:t>అసమానమైన తేజో మహిమ</a:t>
             </a:r>
           </a:p>
           <a:p>
@@ -11064,19 +11195,15 @@
               </a:spcAft>
             </a:pPr>
             <a:r>
-              <a:rPr lang="te-IN" sz="1050" b="0" i="0" kern="1200" spc="0" baseline="0" dirty="0">
-                <a:ln>
-                  <a:noFill/>
-                </a:ln>
+              <a:rPr lang="te-IN" sz="1200" i="0" dirty="0">
                 <a:solidFill>
                   <a:schemeClr val="tx1"/>
                 </a:solidFill>
                 <a:effectLst/>
                 <a:latin typeface="Anek Telugu SemiBold" pitchFamily="2" charset="0"/>
-                <a:ea typeface="+mn-ea"/>
-                <a:cs typeface="Anek Telugu SemiBold" pitchFamily="2" charset="0"/>
-              </a:rPr>
-              <a:t>ఇక వ్యర్థమని నేననుకొనగ (2)</a:t>
+                <a:cs typeface="Anek Telugu SemiBold" pitchFamily="2" charset="0"/>
+              </a:rPr>
+              <a:t>కలిగిన ఓ ప్రభువా (2)          ||మా స్తుతి||</a:t>
             </a:r>
           </a:p>
           <a:p>
@@ -11091,21 +11218,14 @@
                 <a:spcPts val="0"/>
               </a:spcAft>
             </a:pPr>
-            <a:r>
-              <a:rPr lang="te-IN" sz="1050" b="0" i="0" kern="1200" spc="0" baseline="0" dirty="0">
-                <a:ln>
-                  <a:noFill/>
-                </a:ln>
-                <a:solidFill>
-                  <a:schemeClr val="tx1"/>
-                </a:solidFill>
-                <a:effectLst/>
-                <a:latin typeface="Anek Telugu SemiBold" pitchFamily="2" charset="0"/>
-                <a:ea typeface="+mn-ea"/>
-                <a:cs typeface="Anek Telugu SemiBold" pitchFamily="2" charset="0"/>
-              </a:rPr>
-              <a:t>కృపా కనికరముగల దేవా</a:t>
-            </a:r>
+            <a:endParaRPr lang="te-IN" sz="1200" i="0" dirty="0">
+              <a:solidFill>
+                <a:schemeClr val="tx1"/>
+              </a:solidFill>
+              <a:effectLst/>
+              <a:latin typeface="Anek Telugu SemiBold" pitchFamily="2" charset="0"/>
+              <a:cs typeface="Anek Telugu SemiBold" pitchFamily="2" charset="0"/>
+            </a:endParaRPr>
           </a:p>
           <a:p>
             <a:pPr marL="0" marR="0" indent="0" algn="ctr" rtl="0" eaLnBrk="1" fontAlgn="auto" latinLnBrk="0" hangingPunct="1">
@@ -11120,19 +11240,26 @@
               </a:spcAft>
             </a:pPr>
             <a:r>
-              <a:rPr lang="te-IN" sz="1050" b="0" i="0" kern="1200" spc="0" baseline="0" dirty="0">
-                <a:ln>
-                  <a:noFill/>
-                </a:ln>
+              <a:rPr lang="en-IN" sz="1200" i="0" dirty="0">
                 <a:solidFill>
                   <a:schemeClr val="tx1"/>
                 </a:solidFill>
                 <a:effectLst/>
                 <a:latin typeface="Anek Telugu SemiBold" pitchFamily="2" charset="0"/>
-                <a:ea typeface="+mn-ea"/>
-                <a:cs typeface="Anek Telugu SemiBold" pitchFamily="2" charset="0"/>
-              </a:rPr>
-              <a:t>నా కష్టాల కడలిని దాటించితివి (2)</a:t>
+                <a:cs typeface="Anek Telugu SemiBold" pitchFamily="2" charset="0"/>
+              </a:rPr>
+              <a:t>2. </a:t>
+            </a:r>
+            <a:r>
+              <a:rPr lang="te-IN" sz="1200" i="0" dirty="0">
+                <a:solidFill>
+                  <a:schemeClr val="tx1"/>
+                </a:solidFill>
+                <a:effectLst/>
+                <a:latin typeface="Anek Telugu SemiBold" pitchFamily="2" charset="0"/>
+                <a:cs typeface="Anek Telugu SemiBold" pitchFamily="2" charset="0"/>
+              </a:rPr>
+              <a:t>జలముల ధ్వని వంటి కంట స్వరం</a:t>
             </a:r>
           </a:p>
           <a:p>
@@ -11147,18 +11274,17 @@
                 <a:spcPts val="0"/>
               </a:spcAft>
             </a:pPr>
-            <a:endParaRPr lang="te-IN" sz="1050" b="0" i="0" kern="1200" spc="0" baseline="0" dirty="0">
-              <a:ln>
-                <a:noFill/>
-              </a:ln>
-              <a:solidFill>
-                <a:schemeClr val="tx1"/>
-              </a:solidFill>
-              <a:effectLst/>
-              <a:latin typeface="Anek Telugu SemiBold" pitchFamily="2" charset="0"/>
-              <a:ea typeface="+mn-ea"/>
-              <a:cs typeface="Anek Telugu SemiBold" pitchFamily="2" charset="0"/>
-            </a:endParaRPr>
+            <a:r>
+              <a:rPr lang="te-IN" sz="1200" i="0" dirty="0">
+                <a:solidFill>
+                  <a:schemeClr val="tx1"/>
+                </a:solidFill>
+                <a:effectLst/>
+                <a:latin typeface="Anek Telugu SemiBold" pitchFamily="2" charset="0"/>
+                <a:cs typeface="Anek Telugu SemiBold" pitchFamily="2" charset="0"/>
+              </a:rPr>
+              <a:t>నోటను రెండంచుల ఖడ్గం (2)</a:t>
+            </a:r>
           </a:p>
           <a:p>
             <a:pPr marL="0" marR="0" indent="0" algn="ctr" rtl="0" eaLnBrk="1" fontAlgn="auto" latinLnBrk="0" hangingPunct="1">
@@ -11173,34 +11299,15 @@
               </a:spcAft>
             </a:pPr>
             <a:r>
-              <a:rPr lang="en-IN" sz="1050" b="0" i="0" kern="1200" spc="0" baseline="0" dirty="0">
-                <a:ln>
-                  <a:noFill/>
-                </a:ln>
+              <a:rPr lang="te-IN" sz="1200" i="0" dirty="0">
                 <a:solidFill>
                   <a:schemeClr val="tx1"/>
                 </a:solidFill>
                 <a:effectLst/>
                 <a:latin typeface="Anek Telugu SemiBold" pitchFamily="2" charset="0"/>
-                <a:ea typeface="+mn-ea"/>
-                <a:cs typeface="Anek Telugu SemiBold" pitchFamily="2" charset="0"/>
-              </a:rPr>
-              <a:t>2. </a:t>
-            </a:r>
-            <a:r>
-              <a:rPr lang="te-IN" sz="1050" b="0" i="0" kern="1200" spc="0" baseline="0" dirty="0">
-                <a:ln>
-                  <a:noFill/>
-                </a:ln>
-                <a:solidFill>
-                  <a:schemeClr val="tx1"/>
-                </a:solidFill>
-                <a:effectLst/>
-                <a:latin typeface="Anek Telugu SemiBold" pitchFamily="2" charset="0"/>
-                <a:ea typeface="+mn-ea"/>
-                <a:cs typeface="Anek Telugu SemiBold" pitchFamily="2" charset="0"/>
-              </a:rPr>
-              <a:t>విశ్వాస పోరాటంలో – ఎదురాయె శోధనలు</a:t>
+                <a:cs typeface="Anek Telugu SemiBold" pitchFamily="2" charset="0"/>
+              </a:rPr>
+              <a:t>ఏడు నక్షత్రముల ఏడాత్మలను</a:t>
             </a:r>
           </a:p>
           <a:p>
@@ -11216,131 +11323,15 @@
               </a:spcAft>
             </a:pPr>
             <a:r>
-              <a:rPr lang="te-IN" sz="1050" b="0" i="0" kern="1200" spc="0" baseline="0" dirty="0">
-                <a:ln>
-                  <a:noFill/>
-                </a:ln>
+              <a:rPr lang="te-IN" sz="1200" i="0" dirty="0">
                 <a:solidFill>
                   <a:schemeClr val="tx1"/>
                 </a:solidFill>
                 <a:effectLst/>
                 <a:latin typeface="Anek Telugu SemiBold" pitchFamily="2" charset="0"/>
-                <a:ea typeface="+mn-ea"/>
-                <a:cs typeface="Anek Telugu SemiBold" pitchFamily="2" charset="0"/>
-              </a:rPr>
-              <a:t>లోకాశల అలజడిలో – సడలితి విశ్వాసములో (2)</a:t>
-            </a:r>
-          </a:p>
-          <a:p>
-            <a:pPr marL="0" marR="0" indent="0" algn="ctr" rtl="0" eaLnBrk="1" fontAlgn="auto" latinLnBrk="0" hangingPunct="1">
-              <a:lnSpc>
-                <a:spcPct val="150000"/>
-              </a:lnSpc>
-              <a:spcBef>
-                <a:spcPts val="0"/>
-              </a:spcBef>
-              <a:spcAft>
-                <a:spcPts val="0"/>
-              </a:spcAft>
-            </a:pPr>
-            <a:r>
-              <a:rPr lang="te-IN" sz="1050" b="0" i="0" kern="1200" spc="0" baseline="0" dirty="0">
-                <a:ln>
-                  <a:noFill/>
-                </a:ln>
-                <a:solidFill>
-                  <a:schemeClr val="tx1"/>
-                </a:solidFill>
-                <a:effectLst/>
-                <a:latin typeface="Anek Telugu SemiBold" pitchFamily="2" charset="0"/>
-                <a:ea typeface="+mn-ea"/>
-                <a:cs typeface="Anek Telugu SemiBold" pitchFamily="2" charset="0"/>
-              </a:rPr>
-              <a:t>దుష్టుల క్షేమమునే చూచి</a:t>
-            </a:r>
-          </a:p>
-          <a:p>
-            <a:pPr marL="0" marR="0" indent="0" algn="ctr" rtl="0" eaLnBrk="1" fontAlgn="auto" latinLnBrk="0" hangingPunct="1">
-              <a:lnSpc>
-                <a:spcPct val="150000"/>
-              </a:lnSpc>
-              <a:spcBef>
-                <a:spcPts val="0"/>
-              </a:spcBef>
-              <a:spcAft>
-                <a:spcPts val="0"/>
-              </a:spcAft>
-            </a:pPr>
-            <a:r>
-              <a:rPr lang="te-IN" sz="1050" b="0" i="0" kern="1200" spc="0" baseline="0" dirty="0">
-                <a:ln>
-                  <a:noFill/>
-                </a:ln>
-                <a:solidFill>
-                  <a:schemeClr val="tx1"/>
-                </a:solidFill>
-                <a:effectLst/>
-                <a:latin typeface="Anek Telugu SemiBold" pitchFamily="2" charset="0"/>
-                <a:ea typeface="+mn-ea"/>
-                <a:cs typeface="Anek Telugu SemiBold" pitchFamily="2" charset="0"/>
-              </a:rPr>
-              <a:t>ఇక నీతి వ్యర్థమని అనుకొనగ (2)</a:t>
-            </a:r>
-          </a:p>
-          <a:p>
-            <a:pPr marL="0" marR="0" indent="0" algn="ctr" rtl="0" eaLnBrk="1" fontAlgn="auto" latinLnBrk="0" hangingPunct="1">
-              <a:lnSpc>
-                <a:spcPct val="150000"/>
-              </a:lnSpc>
-              <a:spcBef>
-                <a:spcPts val="0"/>
-              </a:spcBef>
-              <a:spcAft>
-                <a:spcPts val="0"/>
-              </a:spcAft>
-            </a:pPr>
-            <a:r>
-              <a:rPr lang="te-IN" sz="1050" b="0" i="0" kern="1200" spc="0" baseline="0" dirty="0">
-                <a:ln>
-                  <a:noFill/>
-                </a:ln>
-                <a:solidFill>
-                  <a:schemeClr val="tx1"/>
-                </a:solidFill>
-                <a:effectLst/>
-                <a:latin typeface="Anek Telugu SemiBold" pitchFamily="2" charset="0"/>
-                <a:ea typeface="+mn-ea"/>
-                <a:cs typeface="Anek Telugu SemiBold" pitchFamily="2" charset="0"/>
-              </a:rPr>
-              <a:t>దీర్ఘశాంతముగల దేవా</a:t>
-            </a:r>
-          </a:p>
-          <a:p>
-            <a:pPr marL="0" marR="0" indent="0" algn="ctr" rtl="0" eaLnBrk="1" fontAlgn="auto" latinLnBrk="0" hangingPunct="1">
-              <a:lnSpc>
-                <a:spcPct val="150000"/>
-              </a:lnSpc>
-              <a:spcBef>
-                <a:spcPts val="0"/>
-              </a:spcBef>
-              <a:spcAft>
-                <a:spcPts val="0"/>
-              </a:spcAft>
-            </a:pPr>
-            <a:r>
-              <a:rPr lang="te-IN" sz="1050" b="0" i="0" kern="1200" spc="0" baseline="0" dirty="0">
-                <a:ln>
-                  <a:noFill/>
-                </a:ln>
-                <a:solidFill>
-                  <a:schemeClr val="tx1"/>
-                </a:solidFill>
-                <a:effectLst/>
-                <a:latin typeface="Anek Telugu SemiBold" pitchFamily="2" charset="0"/>
-                <a:ea typeface="+mn-ea"/>
-                <a:cs typeface="Anek Telugu SemiBold" pitchFamily="2" charset="0"/>
-              </a:rPr>
-              <a:t>నా చేయి విడువక నడిపించితివి (2)</a:t>
+                <a:cs typeface="Anek Telugu SemiBold" pitchFamily="2" charset="0"/>
+              </a:rPr>
+              <a:t>కలిగిన ఓ ప్రభువా (2)          ||మా స్తుతి||</a:t>
             </a:r>
           </a:p>
         </p:txBody>
@@ -11428,7 +11419,7 @@
               </a:lnSpc>
             </a:pPr>
             <a:r>
-              <a:rPr lang="te-IN" sz="1200" i="0" dirty="0">
+              <a:rPr lang="te-IN" sz="1000" i="0" dirty="0">
                 <a:solidFill>
                   <a:schemeClr val="tx1"/>
                 </a:solidFill>
@@ -11436,7 +11427,7 @@
                 <a:latin typeface="Anek Telugu SemiBold" pitchFamily="2" charset="0"/>
                 <a:cs typeface="Anek Telugu SemiBold" pitchFamily="2" charset="0"/>
               </a:rPr>
-              <a:t>హల్లెలూయా స్తుతించి పాడి కీర్తింతును</a:t>
+              <a:t>యేసయ్యా నీ కృప నాకు చాలయ్యా</a:t>
             </a:r>
           </a:p>
           <a:p>
@@ -11446,7 +11437,7 @@
               </a:lnSpc>
             </a:pPr>
             <a:r>
-              <a:rPr lang="te-IN" sz="1200" i="0" dirty="0">
+              <a:rPr lang="te-IN" sz="1000" i="0" dirty="0">
                 <a:solidFill>
                   <a:schemeClr val="tx1"/>
                 </a:solidFill>
@@ -11454,7 +11445,7 @@
                 <a:latin typeface="Anek Telugu SemiBold" pitchFamily="2" charset="0"/>
                 <a:cs typeface="Anek Telugu SemiBold" pitchFamily="2" charset="0"/>
               </a:rPr>
-              <a:t>జీవము కంటే ఉత్తమమౌ నీ కృపను</a:t>
+              <a:t>నీ కృప లేనిదే నే బ్రతుకలేనయ్యా</a:t>
             </a:r>
           </a:p>
           <a:p>
@@ -11464,7 +11455,7 @@
               </a:lnSpc>
             </a:pPr>
             <a:r>
-              <a:rPr lang="te-IN" sz="1200" i="0" dirty="0">
+              <a:rPr lang="te-IN" sz="1000" i="0" dirty="0">
                 <a:solidFill>
                   <a:schemeClr val="tx1"/>
                 </a:solidFill>
@@ -11472,7 +11463,7 @@
                 <a:latin typeface="Anek Telugu SemiBold" pitchFamily="2" charset="0"/>
                 <a:cs typeface="Anek Telugu SemiBold" pitchFamily="2" charset="0"/>
               </a:rPr>
-              <a:t>యేసయ్యా........ 4 హల్లెలూయా........ 4</a:t>
+              <a:t>నీ కృప లేని క్షణము – నీ దయ లేని క్షణము</a:t>
             </a:r>
           </a:p>
           <a:p>
@@ -11481,7 +11472,61 @@
                 <a:spcPct val="150000"/>
               </a:lnSpc>
             </a:pPr>
-            <a:endParaRPr lang="te-IN" sz="1200" i="0" dirty="0">
+            <a:r>
+              <a:rPr lang="te-IN" sz="1000" i="0" dirty="0">
+                <a:solidFill>
+                  <a:schemeClr val="tx1"/>
+                </a:solidFill>
+                <a:effectLst/>
+                <a:latin typeface="Anek Telugu SemiBold" pitchFamily="2" charset="0"/>
+                <a:cs typeface="Anek Telugu SemiBold" pitchFamily="2" charset="0"/>
+              </a:rPr>
+              <a:t>నేనూహించలేను యేసయ్యా (2)</a:t>
+            </a:r>
+          </a:p>
+          <a:p>
+            <a:pPr algn="ctr">
+              <a:lnSpc>
+                <a:spcPct val="150000"/>
+              </a:lnSpc>
+            </a:pPr>
+            <a:r>
+              <a:rPr lang="te-IN" sz="1000" i="0" dirty="0">
+                <a:solidFill>
+                  <a:schemeClr val="tx1"/>
+                </a:solidFill>
+                <a:effectLst/>
+                <a:latin typeface="Anek Telugu SemiBold" pitchFamily="2" charset="0"/>
+                <a:cs typeface="Anek Telugu SemiBold" pitchFamily="2" charset="0"/>
+              </a:rPr>
+              <a:t>యేసయ్యా నీ కృప నాకు చాలయ్యా</a:t>
+            </a:r>
+          </a:p>
+          <a:p>
+            <a:pPr algn="ctr">
+              <a:lnSpc>
+                <a:spcPct val="150000"/>
+              </a:lnSpc>
+            </a:pPr>
+            <a:r>
+              <a:rPr lang="te-IN" sz="1000" i="0" dirty="0">
+                <a:solidFill>
+                  <a:schemeClr val="tx1"/>
+                </a:solidFill>
+                <a:effectLst/>
+                <a:latin typeface="Anek Telugu SemiBold" pitchFamily="2" charset="0"/>
+                <a:cs typeface="Anek Telugu SemiBold" pitchFamily="2" charset="0"/>
+              </a:rPr>
+              <a:t>నీ కృప లేనిదే నేనుండలేనయ్యా (2) ||నీ కృప||</a:t>
+            </a:r>
+          </a:p>
+          <a:p>
+            <a:pPr algn="ctr">
+              <a:lnSpc>
+                <a:spcPct val="150000"/>
+              </a:lnSpc>
+            </a:pPr>
+            <a:endParaRPr lang="te-IN" sz="1000" i="0" dirty="0">
               <a:solidFill>
                 <a:schemeClr val="tx1"/>
               </a:solidFill>
@@ -11497,7 +11542,7 @@
               </a:lnSpc>
             </a:pPr>
             <a:r>
-              <a:rPr lang="en-IN" sz="1200" i="0" dirty="0">
+              <a:rPr lang="en-IN" sz="1000" i="0" dirty="0">
                 <a:solidFill>
                   <a:schemeClr val="tx1"/>
                 </a:solidFill>
@@ -11508,7 +11553,7 @@
               <a:t>1. </a:t>
             </a:r>
             <a:r>
-              <a:rPr lang="te-IN" sz="1200" i="0" dirty="0">
+              <a:rPr lang="te-IN" sz="1000" i="0" dirty="0">
                 <a:solidFill>
                   <a:schemeClr val="tx1"/>
                 </a:solidFill>
@@ -11516,7 +11561,7 @@
                 <a:latin typeface="Anek Telugu SemiBold" pitchFamily="2" charset="0"/>
                 <a:cs typeface="Anek Telugu SemiBold" pitchFamily="2" charset="0"/>
               </a:rPr>
-              <a:t>బంధువులు స్నేహితులు ఎంతో మందుండగా</a:t>
+              <a:t>మహిమను విడిచి మహిలోకి దిగి వచ్చి</a:t>
             </a:r>
           </a:p>
           <a:p>
@@ -11526,7 +11571,7 @@
               </a:lnSpc>
             </a:pPr>
             <a:r>
-              <a:rPr lang="te-IN" sz="1200" i="0" dirty="0">
+              <a:rPr lang="te-IN" sz="1000" i="0" dirty="0">
                 <a:solidFill>
                   <a:schemeClr val="tx1"/>
                 </a:solidFill>
@@ -11534,7 +11579,7 @@
                 <a:latin typeface="Anek Telugu SemiBold" pitchFamily="2" charset="0"/>
                 <a:cs typeface="Anek Telugu SemiBold" pitchFamily="2" charset="0"/>
               </a:rPr>
-              <a:t>ఎన్నో మారులు నేను ఒంటరినై యుంటిని -2</a:t>
+              <a:t>మార్గముగా మారి మనిషిగా మార్చావు</a:t>
             </a:r>
           </a:p>
           <a:p>
@@ -11544,7 +11589,7 @@
               </a:lnSpc>
             </a:pPr>
             <a:r>
-              <a:rPr lang="te-IN" sz="1200" i="0" dirty="0">
+              <a:rPr lang="te-IN" sz="1000" i="0" dirty="0">
                 <a:solidFill>
                   <a:schemeClr val="tx1"/>
                 </a:solidFill>
@@ -11552,7 +11597,7 @@
                 <a:latin typeface="Anek Telugu SemiBold" pitchFamily="2" charset="0"/>
                 <a:cs typeface="Anek Telugu SemiBold" pitchFamily="2" charset="0"/>
               </a:rPr>
-              <a:t>నా ఒంటరి తనములో మంచి స్నేహితునిగా </a:t>
+              <a:t>మహిని నీవు మాధుర్యముగా మార్చి</a:t>
             </a:r>
           </a:p>
           <a:p>
@@ -11562,7 +11607,7 @@
               </a:lnSpc>
             </a:pPr>
             <a:r>
-              <a:rPr lang="te-IN" sz="1200" i="0" dirty="0">
+              <a:rPr lang="te-IN" sz="1000" i="0" dirty="0">
                 <a:solidFill>
                   <a:schemeClr val="tx1"/>
                 </a:solidFill>
@@ -11570,7 +11615,7 @@
                 <a:latin typeface="Anek Telugu SemiBold" pitchFamily="2" charset="0"/>
                 <a:cs typeface="Anek Telugu SemiBold" pitchFamily="2" charset="0"/>
               </a:rPr>
-              <a:t>చెంత చేరినావే-చెలిమి పంచినావే</a:t>
+              <a:t>మాదిరి చూపి మరో రూపమిచ్చావు (2)</a:t>
             </a:r>
           </a:p>
           <a:p>
@@ -11580,7 +11625,7 @@
               </a:lnSpc>
             </a:pPr>
             <a:r>
-              <a:rPr lang="te-IN" sz="1200" i="0" dirty="0">
+              <a:rPr lang="te-IN" sz="1000" i="0" dirty="0">
                 <a:solidFill>
                   <a:schemeClr val="tx1"/>
                 </a:solidFill>
@@ -11588,7 +11633,7 @@
                 <a:latin typeface="Anek Telugu SemiBold" pitchFamily="2" charset="0"/>
                 <a:cs typeface="Anek Telugu SemiBold" pitchFamily="2" charset="0"/>
               </a:rPr>
-              <a:t>గుండెల నిండా నీవే - నిన్ను పాడని</a:t>
+              <a:t>మహిమలో నేను మహిమను పొంద</a:t>
             </a:r>
           </a:p>
           <a:p>
@@ -11597,7 +11642,25 @@
                 <a:spcPct val="150000"/>
               </a:lnSpc>
             </a:pPr>
-            <a:endParaRPr lang="te-IN" sz="1200" i="0" dirty="0">
+            <a:r>
+              <a:rPr lang="te-IN" sz="1000" i="0" dirty="0">
+                <a:solidFill>
+                  <a:schemeClr val="tx1"/>
+                </a:solidFill>
+                <a:effectLst/>
+                <a:latin typeface="Anek Telugu SemiBold" pitchFamily="2" charset="0"/>
+                <a:cs typeface="Anek Telugu SemiBold" pitchFamily="2" charset="0"/>
+              </a:rPr>
+              <a:t>మహిమగా మార్చింది నీ కృప (2) ||యేసయ్యా||</a:t>
+            </a:r>
+          </a:p>
+          <a:p>
+            <a:pPr algn="ctr">
+              <a:lnSpc>
+                <a:spcPct val="150000"/>
+              </a:lnSpc>
+            </a:pPr>
+            <a:endParaRPr lang="te-IN" sz="1000" i="0" dirty="0">
               <a:solidFill>
                 <a:schemeClr val="tx1"/>
               </a:solidFill>
@@ -11613,7 +11676,7 @@
               </a:lnSpc>
             </a:pPr>
             <a:r>
-              <a:rPr lang="en-IN" sz="1200" i="0" dirty="0">
+              <a:rPr lang="en-IN" sz="1000" i="0" dirty="0">
                 <a:solidFill>
                   <a:schemeClr val="tx1"/>
                 </a:solidFill>
@@ -11624,7 +11687,7 @@
               <a:t>2. </a:t>
             </a:r>
             <a:r>
-              <a:rPr lang="te-IN" sz="1200" i="0" dirty="0">
+              <a:rPr lang="te-IN" sz="1000" i="0" dirty="0">
                 <a:solidFill>
                   <a:schemeClr val="tx1"/>
                 </a:solidFill>
@@ -11632,7 +11695,7 @@
                 <a:latin typeface="Anek Telugu SemiBold" pitchFamily="2" charset="0"/>
                 <a:cs typeface="Anek Telugu SemiBold" pitchFamily="2" charset="0"/>
               </a:rPr>
-              <a:t>నా జీవితంలో ఎండవానలు రాగా</a:t>
+              <a:t>ఆజ్ఞల మార్గమున ఆశ్రయమును ఇచ్చి</a:t>
             </a:r>
           </a:p>
           <a:p>
@@ -11642,7 +11705,7 @@
               </a:lnSpc>
             </a:pPr>
             <a:r>
-              <a:rPr lang="te-IN" sz="1200" i="0" dirty="0">
+              <a:rPr lang="te-IN" sz="1000" i="0" dirty="0">
                 <a:solidFill>
                   <a:schemeClr val="tx1"/>
                 </a:solidFill>
@@ -11650,7 +11713,7 @@
                 <a:latin typeface="Anek Telugu SemiBold" pitchFamily="2" charset="0"/>
                 <a:cs typeface="Anek Telugu SemiBold" pitchFamily="2" charset="0"/>
               </a:rPr>
-              <a:t>పగలు చీకటిని నేను అనుభవింపగా</a:t>
+              <a:t>ఆపత్కాలమున ఆదుకొన్నావు</a:t>
             </a:r>
           </a:p>
           <a:p>
@@ -11660,7 +11723,7 @@
               </a:lnSpc>
             </a:pPr>
             <a:r>
-              <a:rPr lang="te-IN" sz="1200" i="0" dirty="0">
+              <a:rPr lang="te-IN" sz="1000" i="0" dirty="0">
                 <a:solidFill>
                   <a:schemeClr val="tx1"/>
                 </a:solidFill>
@@ -11668,7 +11731,7 @@
                 <a:latin typeface="Anek Telugu SemiBold" pitchFamily="2" charset="0"/>
                 <a:cs typeface="Anek Telugu SemiBold" pitchFamily="2" charset="0"/>
               </a:rPr>
-              <a:t>పగలు మేఘ స్థంబమై- రాత్రి అగ్ని స్థంబమై</a:t>
+              <a:t>ఆత్మీయులతో ఆనందింప చేసి</a:t>
             </a:r>
           </a:p>
           <a:p>
@@ -11678,7 +11741,7 @@
               </a:lnSpc>
             </a:pPr>
             <a:r>
-              <a:rPr lang="te-IN" sz="1200" i="0" dirty="0">
+              <a:rPr lang="te-IN" sz="1000" i="0" dirty="0">
                 <a:solidFill>
                   <a:schemeClr val="tx1"/>
                 </a:solidFill>
@@ -11686,7 +11749,7 @@
                 <a:latin typeface="Anek Telugu SemiBold" pitchFamily="2" charset="0"/>
                 <a:cs typeface="Anek Telugu SemiBold" pitchFamily="2" charset="0"/>
               </a:rPr>
-              <a:t>ఆవరించి నావే- ఆదరించి నావే</a:t>
+              <a:t>ఆనంద తైలముతో అభిషేకించావు (2)</a:t>
             </a:r>
           </a:p>
           <a:p>
@@ -11696,7 +11759,7 @@
               </a:lnSpc>
             </a:pPr>
             <a:r>
-              <a:rPr lang="te-IN" sz="1200" i="0" dirty="0">
+              <a:rPr lang="te-IN" sz="1000" i="0" dirty="0">
                 <a:solidFill>
                   <a:schemeClr val="tx1"/>
                 </a:solidFill>
@@ -11704,7 +11767,25 @@
                 <a:latin typeface="Anek Telugu SemiBold" pitchFamily="2" charset="0"/>
                 <a:cs typeface="Anek Telugu SemiBold" pitchFamily="2" charset="0"/>
               </a:rPr>
-              <a:t>కన్నీరు తుడచి నన్ను – ముద్దాడితివే</a:t>
+              <a:t>ఆశ తీర ఆరాధన చేసే</a:t>
+            </a:r>
+          </a:p>
+          <a:p>
+            <a:pPr algn="ctr">
+              <a:lnSpc>
+                <a:spcPct val="150000"/>
+              </a:lnSpc>
+            </a:pPr>
+            <a:r>
+              <a:rPr lang="te-IN" sz="1000" i="0" dirty="0">
+                <a:solidFill>
+                  <a:schemeClr val="tx1"/>
+                </a:solidFill>
+                <a:effectLst/>
+                <a:latin typeface="Anek Telugu SemiBold" pitchFamily="2" charset="0"/>
+                <a:cs typeface="Anek Telugu SemiBold" pitchFamily="2" charset="0"/>
+              </a:rPr>
+              <a:t>అదృష్టమిచ్చింది నీ కృప (2) ||యేసయ్యా||</a:t>
             </a:r>
           </a:p>
         </p:txBody>
@@ -11768,7 +11849,7 @@
               </a:spcAft>
             </a:pPr>
             <a:r>
-              <a:rPr lang="te-IN" sz="1350" b="0" i="0" kern="1200" spc="0" baseline="0" dirty="0">
+              <a:rPr lang="te-IN" sz="1000" b="0" i="0" kern="1200" spc="0" baseline="0" dirty="0">
                 <a:ln>
                   <a:noFill/>
                 </a:ln>
@@ -11780,65 +11861,7 @@
                 <a:ea typeface="+mn-ea"/>
                 <a:cs typeface="Anek Telugu SemiBold" pitchFamily="2" charset="0"/>
               </a:rPr>
-              <a:t>శాశ్వతమైనది నీవు నాయెడ చూపిన కృప</a:t>
-            </a:r>
-            <a:br>
-              <a:rPr lang="te-IN" sz="1350" b="0" i="0" kern="1200" spc="0" baseline="0" dirty="0">
-                <a:ln>
-                  <a:noFill/>
-                </a:ln>
-                <a:solidFill>
-                  <a:srgbClr val="000000"/>
-                </a:solidFill>
-                <a:effectLst/>
-                <a:latin typeface="Anek Telugu SemiBold" pitchFamily="2" charset="0"/>
-                <a:ea typeface="+mn-ea"/>
-                <a:cs typeface="Anek Telugu SemiBold" pitchFamily="2" charset="0"/>
-              </a:rPr>
-            </a:br>
-            <a:r>
-              <a:rPr lang="te-IN" sz="1350" b="0" i="0" kern="1200" spc="0" baseline="0" dirty="0">
-                <a:ln>
-                  <a:noFill/>
-                </a:ln>
-                <a:solidFill>
-                  <a:srgbClr val="000000"/>
-                </a:solidFill>
-                <a:effectLst/>
-                <a:latin typeface="Anek Telugu SemiBold" pitchFamily="2" charset="0"/>
-                <a:ea typeface="+mn-ea"/>
-                <a:cs typeface="Anek Telugu SemiBold" pitchFamily="2" charset="0"/>
-              </a:rPr>
-              <a:t>అనుక్షణం నను కనుపాపవలె (2)</a:t>
-            </a:r>
-            <a:br>
-              <a:rPr lang="te-IN" sz="1350" b="0" i="0" kern="1200" spc="0" baseline="0" dirty="0">
-                <a:ln>
-                  <a:noFill/>
-                </a:ln>
-                <a:solidFill>
-                  <a:srgbClr val="000000"/>
-                </a:solidFill>
-                <a:effectLst/>
-                <a:latin typeface="Anek Telugu SemiBold" pitchFamily="2" charset="0"/>
-                <a:ea typeface="+mn-ea"/>
-                <a:cs typeface="Anek Telugu SemiBold" pitchFamily="2" charset="0"/>
-              </a:rPr>
-            </a:br>
-            <a:r>
-              <a:rPr lang="te-IN" sz="1350" b="0" i="0" kern="1200" spc="0" baseline="0" dirty="0">
-                <a:ln>
-                  <a:noFill/>
-                </a:ln>
-                <a:solidFill>
-                  <a:srgbClr val="000000"/>
-                </a:solidFill>
-                <a:effectLst/>
-                <a:latin typeface="Anek Telugu SemiBold" pitchFamily="2" charset="0"/>
-                <a:ea typeface="+mn-ea"/>
-                <a:cs typeface="Anek Telugu SemiBold" pitchFamily="2" charset="0"/>
-              </a:rPr>
-              <a:t>కాచిన కృప</a:t>
+              <a:t>గడచిన కాలము కృపలో మమ్ము</a:t>
             </a:r>
           </a:p>
           <a:p>
@@ -11853,7 +11876,147 @@
                 <a:spcPts val="0"/>
               </a:spcAft>
             </a:pPr>
-            <a:endParaRPr lang="te-IN" sz="1350" b="0" i="0" kern="1200" spc="0" baseline="0" dirty="0">
+            <a:r>
+              <a:rPr lang="te-IN" sz="1000" b="0" i="0" kern="1200" spc="0" baseline="0" dirty="0">
+                <a:ln>
+                  <a:noFill/>
+                </a:ln>
+                <a:solidFill>
+                  <a:srgbClr val="000000"/>
+                </a:solidFill>
+                <a:effectLst/>
+                <a:latin typeface="Anek Telugu SemiBold" pitchFamily="2" charset="0"/>
+                <a:ea typeface="+mn-ea"/>
+                <a:cs typeface="Anek Telugu SemiBold" pitchFamily="2" charset="0"/>
+              </a:rPr>
+              <a:t>దాచిన దేవా నీకే స్తోత్రము</a:t>
+            </a:r>
+          </a:p>
+          <a:p>
+            <a:pPr marL="0" marR="0" indent="0" algn="ctr" rtl="0" eaLnBrk="1" fontAlgn="auto" latinLnBrk="0" hangingPunct="1">
+              <a:lnSpc>
+                <a:spcPct val="150000"/>
+              </a:lnSpc>
+              <a:spcBef>
+                <a:spcPts val="0"/>
+              </a:spcBef>
+              <a:spcAft>
+                <a:spcPts val="0"/>
+              </a:spcAft>
+            </a:pPr>
+            <a:r>
+              <a:rPr lang="te-IN" sz="1000" b="0" i="0" kern="1200" spc="0" baseline="0" dirty="0">
+                <a:ln>
+                  <a:noFill/>
+                </a:ln>
+                <a:solidFill>
+                  <a:srgbClr val="000000"/>
+                </a:solidFill>
+                <a:effectLst/>
+                <a:latin typeface="Anek Telugu SemiBold" pitchFamily="2" charset="0"/>
+                <a:ea typeface="+mn-ea"/>
+                <a:cs typeface="Anek Telugu SemiBold" pitchFamily="2" charset="0"/>
+              </a:rPr>
+              <a:t>పగలూ రేయి కనుపాపవలె</a:t>
+            </a:r>
+          </a:p>
+          <a:p>
+            <a:pPr marL="0" marR="0" indent="0" algn="ctr" rtl="0" eaLnBrk="1" fontAlgn="auto" latinLnBrk="0" hangingPunct="1">
+              <a:lnSpc>
+                <a:spcPct val="150000"/>
+              </a:lnSpc>
+              <a:spcBef>
+                <a:spcPts val="0"/>
+              </a:spcBef>
+              <a:spcAft>
+                <a:spcPts val="0"/>
+              </a:spcAft>
+            </a:pPr>
+            <a:r>
+              <a:rPr lang="te-IN" sz="1000" b="0" i="0" kern="1200" spc="0" baseline="0" dirty="0">
+                <a:ln>
+                  <a:noFill/>
+                </a:ln>
+                <a:solidFill>
+                  <a:srgbClr val="000000"/>
+                </a:solidFill>
+                <a:effectLst/>
+                <a:latin typeface="Anek Telugu SemiBold" pitchFamily="2" charset="0"/>
+                <a:ea typeface="+mn-ea"/>
+                <a:cs typeface="Anek Telugu SemiBold" pitchFamily="2" charset="0"/>
+              </a:rPr>
+              <a:t>కాచిన దేవా నీకే స్తోత్రము (2)</a:t>
+            </a:r>
+          </a:p>
+          <a:p>
+            <a:pPr marL="0" marR="0" indent="0" algn="ctr" rtl="0" eaLnBrk="1" fontAlgn="auto" latinLnBrk="0" hangingPunct="1">
+              <a:lnSpc>
+                <a:spcPct val="150000"/>
+              </a:lnSpc>
+              <a:spcBef>
+                <a:spcPts val="0"/>
+              </a:spcBef>
+              <a:spcAft>
+                <a:spcPts val="0"/>
+              </a:spcAft>
+            </a:pPr>
+            <a:r>
+              <a:rPr lang="te-IN" sz="1000" b="0" i="0" kern="1200" spc="0" baseline="0" dirty="0">
+                <a:ln>
+                  <a:noFill/>
+                </a:ln>
+                <a:solidFill>
+                  <a:srgbClr val="000000"/>
+                </a:solidFill>
+                <a:effectLst/>
+                <a:latin typeface="Anek Telugu SemiBold" pitchFamily="2" charset="0"/>
+                <a:ea typeface="+mn-ea"/>
+                <a:cs typeface="Anek Telugu SemiBold" pitchFamily="2" charset="0"/>
+              </a:rPr>
+              <a:t>మము దాచిన దేవా నీకే స్తోత్రము</a:t>
+            </a:r>
+          </a:p>
+          <a:p>
+            <a:pPr marL="0" marR="0" indent="0" algn="ctr" rtl="0" eaLnBrk="1" fontAlgn="auto" latinLnBrk="0" hangingPunct="1">
+              <a:lnSpc>
+                <a:spcPct val="150000"/>
+              </a:lnSpc>
+              <a:spcBef>
+                <a:spcPts val="0"/>
+              </a:spcBef>
+              <a:spcAft>
+                <a:spcPts val="0"/>
+              </a:spcAft>
+            </a:pPr>
+            <a:r>
+              <a:rPr lang="te-IN" sz="1000" b="0" i="0" kern="1200" spc="0" baseline="0" dirty="0">
+                <a:ln>
+                  <a:noFill/>
+                </a:ln>
+                <a:solidFill>
+                  <a:srgbClr val="000000"/>
+                </a:solidFill>
+                <a:effectLst/>
+                <a:latin typeface="Anek Telugu SemiBold" pitchFamily="2" charset="0"/>
+                <a:ea typeface="+mn-ea"/>
+                <a:cs typeface="Anek Telugu SemiBold" pitchFamily="2" charset="0"/>
+              </a:rPr>
+              <a:t>కాపాడిన దేవా నీకే స్తోత్రము (2)        ||గడచిన||</a:t>
+            </a:r>
+          </a:p>
+          <a:p>
+            <a:pPr marL="0" marR="0" indent="0" algn="ctr" rtl="0" eaLnBrk="1" fontAlgn="auto" latinLnBrk="0" hangingPunct="1">
+              <a:lnSpc>
+                <a:spcPct val="150000"/>
+              </a:lnSpc>
+              <a:spcBef>
+                <a:spcPts val="0"/>
+              </a:spcBef>
+              <a:spcAft>
+                <a:spcPts val="0"/>
+              </a:spcAft>
+            </a:pPr>
+            <a:endParaRPr lang="te-IN" sz="1000" b="0" i="0" kern="1200" spc="0" baseline="0" dirty="0">
               <a:ln>
                 <a:noFill/>
               </a:ln>
@@ -11879,7 +12042,7 @@
               </a:spcAft>
             </a:pPr>
             <a:r>
-              <a:rPr lang="en-IN" sz="1350" b="0" i="0" kern="1200" spc="0" baseline="0" dirty="0">
+              <a:rPr lang="en-IN" sz="1000" b="0" i="0" kern="1200" spc="0" baseline="0" dirty="0">
                 <a:ln>
                   <a:noFill/>
                 </a:ln>
@@ -11894,7 +12057,7 @@
               <a:t>1. </a:t>
             </a:r>
             <a:r>
-              <a:rPr lang="te-IN" sz="1350" b="0" i="0" kern="1200" spc="0" baseline="0" dirty="0">
+              <a:rPr lang="te-IN" sz="1000" b="0" i="0" kern="1200" spc="0" baseline="0" dirty="0">
                 <a:ln>
                   <a:noFill/>
                 </a:ln>
@@ -11906,7 +12069,7 @@
                 <a:ea typeface="+mn-ea"/>
                 <a:cs typeface="Anek Telugu SemiBold" pitchFamily="2" charset="0"/>
               </a:rPr>
-              <a:t>నీకు బహుదూరమైన నన్ను</a:t>
+              <a:t>కలత చెందిన కష్టకాలమున</a:t>
             </a:r>
           </a:p>
           <a:p>
@@ -11922,7 +12085,7 @@
               </a:spcAft>
             </a:pPr>
             <a:r>
-              <a:rPr lang="te-IN" sz="1350" b="0" i="0" kern="1200" spc="0" baseline="0" dirty="0">
+              <a:rPr lang="te-IN" sz="1000" b="0" i="0" kern="1200" spc="0" baseline="0" dirty="0">
                 <a:ln>
                   <a:noFill/>
                 </a:ln>
@@ -11934,36 +12097,7 @@
                 <a:ea typeface="+mn-ea"/>
                 <a:cs typeface="Anek Telugu SemiBold" pitchFamily="2" charset="0"/>
               </a:rPr>
-              <a:t>చేరదీసిన నా తండ్రివి (2)</a:t>
-            </a:r>
-            <a:br>
-              <a:rPr lang="te-IN" sz="1350" b="0" i="0" kern="1200" spc="0" baseline="0" dirty="0">
-                <a:ln>
-                  <a:noFill/>
-                </a:ln>
-                <a:solidFill>
-                  <a:srgbClr val="000000"/>
-                </a:solidFill>
-                <a:effectLst/>
-                <a:latin typeface="Anek Telugu SemiBold" pitchFamily="2" charset="0"/>
-                <a:ea typeface="+mn-ea"/>
-                <a:cs typeface="Anek Telugu SemiBold" pitchFamily="2" charset="0"/>
-              </a:rPr>
-            </a:br>
-            <a:r>
-              <a:rPr lang="te-IN" sz="1350" b="0" i="0" kern="1200" spc="0" baseline="0" dirty="0">
-                <a:ln>
-                  <a:noFill/>
-                </a:ln>
-                <a:solidFill>
-                  <a:srgbClr val="000000"/>
-                </a:solidFill>
-                <a:effectLst/>
-                <a:latin typeface="Anek Telugu SemiBold" pitchFamily="2" charset="0"/>
-                <a:ea typeface="+mn-ea"/>
-                <a:cs typeface="Anek Telugu SemiBold" pitchFamily="2" charset="0"/>
-              </a:rPr>
-              <a:t>నిత్య సుఖశాంతియే</a:t>
+              <a:t>కన్న తండ్రివై నను ఆదరించిన</a:t>
             </a:r>
           </a:p>
           <a:p>
@@ -11979,7 +12113,7 @@
               </a:spcAft>
             </a:pPr>
             <a:r>
-              <a:rPr lang="te-IN" sz="1350" b="0" i="0" kern="1200" spc="0" baseline="0" dirty="0">
+              <a:rPr lang="te-IN" sz="1000" b="0" i="0" kern="1200" spc="0" baseline="0" dirty="0">
                 <a:ln>
                   <a:noFill/>
                 </a:ln>
@@ -11991,7 +12125,7 @@
                 <a:ea typeface="+mn-ea"/>
                 <a:cs typeface="Anek Telugu SemiBold" pitchFamily="2" charset="0"/>
               </a:rPr>
-              <a:t>నాకు నీదు కౌగిలిలో (2)</a:t>
+              <a:t>కలుషము నాలో కానవచ్చినా</a:t>
             </a:r>
           </a:p>
           <a:p>
@@ -12006,7 +12140,91 @@
                 <a:spcPts val="0"/>
               </a:spcAft>
             </a:pPr>
-            <a:endParaRPr lang="te-IN" sz="1350" b="0" i="0" kern="1200" spc="0" baseline="0" dirty="0">
+            <a:r>
+              <a:rPr lang="te-IN" sz="1000" b="0" i="0" kern="1200" spc="0" baseline="0" dirty="0">
+                <a:ln>
+                  <a:noFill/>
+                </a:ln>
+                <a:solidFill>
+                  <a:srgbClr val="000000"/>
+                </a:solidFill>
+                <a:effectLst/>
+                <a:latin typeface="Anek Telugu SemiBold" pitchFamily="2" charset="0"/>
+                <a:ea typeface="+mn-ea"/>
+                <a:cs typeface="Anek Telugu SemiBold" pitchFamily="2" charset="0"/>
+              </a:rPr>
+              <a:t>కాదనక నను కరుణించిన (2)</a:t>
+            </a:r>
+          </a:p>
+          <a:p>
+            <a:pPr marL="0" marR="0" indent="0" algn="ctr" rtl="0" eaLnBrk="1" fontAlgn="auto" latinLnBrk="0" hangingPunct="1">
+              <a:lnSpc>
+                <a:spcPct val="150000"/>
+              </a:lnSpc>
+              <a:spcBef>
+                <a:spcPts val="0"/>
+              </a:spcBef>
+              <a:spcAft>
+                <a:spcPts val="0"/>
+              </a:spcAft>
+            </a:pPr>
+            <a:r>
+              <a:rPr lang="te-IN" sz="1000" b="0" i="0" kern="1200" spc="0" baseline="0" dirty="0">
+                <a:ln>
+                  <a:noFill/>
+                </a:ln>
+                <a:solidFill>
+                  <a:srgbClr val="000000"/>
+                </a:solidFill>
+                <a:effectLst/>
+                <a:latin typeface="Anek Telugu SemiBold" pitchFamily="2" charset="0"/>
+                <a:ea typeface="+mn-ea"/>
+                <a:cs typeface="Anek Telugu SemiBold" pitchFamily="2" charset="0"/>
+              </a:rPr>
+              <a:t>కరుణించిన దేవా నీకే స్తోత్రము</a:t>
+            </a:r>
+          </a:p>
+          <a:p>
+            <a:pPr marL="0" marR="0" indent="0" algn="ctr" rtl="0" eaLnBrk="1" fontAlgn="auto" latinLnBrk="0" hangingPunct="1">
+              <a:lnSpc>
+                <a:spcPct val="150000"/>
+              </a:lnSpc>
+              <a:spcBef>
+                <a:spcPts val="0"/>
+              </a:spcBef>
+              <a:spcAft>
+                <a:spcPts val="0"/>
+              </a:spcAft>
+            </a:pPr>
+            <a:r>
+              <a:rPr lang="te-IN" sz="1000" b="0" i="0" kern="1200" spc="0" baseline="0" dirty="0">
+                <a:ln>
+                  <a:noFill/>
+                </a:ln>
+                <a:solidFill>
+                  <a:srgbClr val="000000"/>
+                </a:solidFill>
+                <a:effectLst/>
+                <a:latin typeface="Anek Telugu SemiBold" pitchFamily="2" charset="0"/>
+                <a:ea typeface="+mn-ea"/>
+                <a:cs typeface="Anek Telugu SemiBold" pitchFamily="2" charset="0"/>
+              </a:rPr>
+              <a:t>కాపాడిన దేవా నీకే స్తోత్రము (2)       ||గడచిన||</a:t>
+            </a:r>
+          </a:p>
+          <a:p>
+            <a:pPr marL="0" marR="0" indent="0" algn="ctr" rtl="0" eaLnBrk="1" fontAlgn="auto" latinLnBrk="0" hangingPunct="1">
+              <a:lnSpc>
+                <a:spcPct val="150000"/>
+              </a:lnSpc>
+              <a:spcBef>
+                <a:spcPts val="0"/>
+              </a:spcBef>
+              <a:spcAft>
+                <a:spcPts val="0"/>
+              </a:spcAft>
+            </a:pPr>
+            <a:endParaRPr lang="te-IN" sz="1000" b="0" i="0" kern="1200" spc="0" baseline="0" dirty="0">
               <a:ln>
                 <a:noFill/>
               </a:ln>
@@ -12032,7 +12250,7 @@
               </a:spcAft>
             </a:pPr>
             <a:r>
-              <a:rPr lang="en-IN" sz="1350" b="0" i="0" kern="1200" spc="0" baseline="0" dirty="0">
+              <a:rPr lang="en-IN" sz="1000" b="0" i="0" kern="1200" spc="0" baseline="0" dirty="0">
                 <a:ln>
                   <a:noFill/>
                 </a:ln>
@@ -12047,7 +12265,7 @@
               <a:t>2. </a:t>
             </a:r>
             <a:r>
-              <a:rPr lang="te-IN" sz="1350" b="0" i="0" kern="1200" spc="0" baseline="0" dirty="0">
+              <a:rPr lang="te-IN" sz="1000" b="0" i="0" kern="1200" spc="0" baseline="0" dirty="0">
                 <a:ln>
                   <a:noFill/>
                 </a:ln>
@@ -12059,7 +12277,7 @@
                 <a:ea typeface="+mn-ea"/>
                 <a:cs typeface="Anek Telugu SemiBold" pitchFamily="2" charset="0"/>
               </a:rPr>
-              <a:t>తల్లి తన బిడ్డలను మరచినా</a:t>
+              <a:t>లోపములెన్నో దాగి ఉన్నను</a:t>
             </a:r>
           </a:p>
           <a:p>
@@ -12075,7 +12293,7 @@
               </a:spcAft>
             </a:pPr>
             <a:r>
-              <a:rPr lang="te-IN" sz="1350" b="0" i="0" kern="1200" spc="0" baseline="0" dirty="0">
+              <a:rPr lang="te-IN" sz="1000" b="0" i="0" kern="1200" spc="0" baseline="0" dirty="0">
                 <a:ln>
                   <a:noFill/>
                 </a:ln>
@@ -12087,36 +12305,7 @@
                 <a:ea typeface="+mn-ea"/>
                 <a:cs typeface="Anek Telugu SemiBold" pitchFamily="2" charset="0"/>
               </a:rPr>
-              <a:t>నేను మరువలేనంటివే (2)</a:t>
-            </a:r>
-            <a:br>
-              <a:rPr lang="te-IN" sz="1350" b="0" i="0" kern="1200" spc="0" baseline="0" dirty="0">
-                <a:ln>
-                  <a:noFill/>
-                </a:ln>
-                <a:solidFill>
-                  <a:srgbClr val="000000"/>
-                </a:solidFill>
-                <a:effectLst/>
-                <a:latin typeface="Anek Telugu SemiBold" pitchFamily="2" charset="0"/>
-                <a:ea typeface="+mn-ea"/>
-                <a:cs typeface="Anek Telugu SemiBold" pitchFamily="2" charset="0"/>
-              </a:rPr>
-            </a:br>
-            <a:r>
-              <a:rPr lang="te-IN" sz="1350" b="0" i="0" kern="1200" spc="0" baseline="0" dirty="0">
-                <a:ln>
-                  <a:noFill/>
-                </a:ln>
-                <a:solidFill>
-                  <a:srgbClr val="000000"/>
-                </a:solidFill>
-                <a:effectLst/>
-                <a:latin typeface="Anek Telugu SemiBold" pitchFamily="2" charset="0"/>
-                <a:ea typeface="+mn-ea"/>
-                <a:cs typeface="Anek Telugu SemiBold" pitchFamily="2" charset="0"/>
-              </a:rPr>
-              <a:t>నీదు ముఖకాంతియే</a:t>
+              <a:t>ధాతృత్వముతో నను నడిపించినా</a:t>
             </a:r>
           </a:p>
           <a:p>
@@ -12132,7 +12321,7 @@
               </a:spcAft>
             </a:pPr>
             <a:r>
-              <a:rPr lang="te-IN" sz="1350" b="0" i="0" kern="1200" spc="0" baseline="0" dirty="0">
+              <a:rPr lang="te-IN" sz="1000" b="0" i="0" kern="1200" spc="0" baseline="0" dirty="0">
                 <a:ln>
                   <a:noFill/>
                 </a:ln>
@@ -12144,7 +12333,91 @@
                 <a:ea typeface="+mn-ea"/>
                 <a:cs typeface="Anek Telugu SemiBold" pitchFamily="2" charset="0"/>
               </a:rPr>
-              <a:t>నన్ను ఆదరించెనులే (2)</a:t>
+              <a:t>అవిధేయతలే ఆవరించినా</a:t>
+            </a:r>
+          </a:p>
+          <a:p>
+            <a:pPr marL="0" marR="0" indent="0" algn="ctr" rtl="0" eaLnBrk="1" fontAlgn="auto" latinLnBrk="0" hangingPunct="1">
+              <a:lnSpc>
+                <a:spcPct val="150000"/>
+              </a:lnSpc>
+              <a:spcBef>
+                <a:spcPts val="0"/>
+              </a:spcBef>
+              <a:spcAft>
+                <a:spcPts val="0"/>
+              </a:spcAft>
+            </a:pPr>
+            <a:r>
+              <a:rPr lang="te-IN" sz="1000" b="0" i="0" kern="1200" spc="0" baseline="0" dirty="0">
+                <a:ln>
+                  <a:noFill/>
+                </a:ln>
+                <a:solidFill>
+                  <a:srgbClr val="000000"/>
+                </a:solidFill>
+                <a:effectLst/>
+                <a:latin typeface="Anek Telugu SemiBold" pitchFamily="2" charset="0"/>
+                <a:ea typeface="+mn-ea"/>
+                <a:cs typeface="Anek Telugu SemiBold" pitchFamily="2" charset="0"/>
+              </a:rPr>
+              <a:t>దీవెనలెన్నో దయచేసిన (2)</a:t>
+            </a:r>
+          </a:p>
+          <a:p>
+            <a:pPr marL="0" marR="0" indent="0" algn="ctr" rtl="0" eaLnBrk="1" fontAlgn="auto" latinLnBrk="0" hangingPunct="1">
+              <a:lnSpc>
+                <a:spcPct val="150000"/>
+              </a:lnSpc>
+              <a:spcBef>
+                <a:spcPts val="0"/>
+              </a:spcBef>
+              <a:spcAft>
+                <a:spcPts val="0"/>
+              </a:spcAft>
+            </a:pPr>
+            <a:r>
+              <a:rPr lang="te-IN" sz="1000" b="0" i="0" kern="1200" spc="0" baseline="0" dirty="0">
+                <a:ln>
+                  <a:noFill/>
+                </a:ln>
+                <a:solidFill>
+                  <a:srgbClr val="000000"/>
+                </a:solidFill>
+                <a:effectLst/>
+                <a:latin typeface="Anek Telugu SemiBold" pitchFamily="2" charset="0"/>
+                <a:ea typeface="+mn-ea"/>
+                <a:cs typeface="Anek Telugu SemiBold" pitchFamily="2" charset="0"/>
+              </a:rPr>
+              <a:t>దీవించిన దేవా నీకే స్తోత్రము</a:t>
+            </a:r>
+          </a:p>
+          <a:p>
+            <a:pPr marL="0" marR="0" indent="0" algn="ctr" rtl="0" eaLnBrk="1" fontAlgn="auto" latinLnBrk="0" hangingPunct="1">
+              <a:lnSpc>
+                <a:spcPct val="150000"/>
+              </a:lnSpc>
+              <a:spcBef>
+                <a:spcPts val="0"/>
+              </a:spcBef>
+              <a:spcAft>
+                <a:spcPts val="0"/>
+              </a:spcAft>
+            </a:pPr>
+            <a:r>
+              <a:rPr lang="te-IN" sz="1000" b="0" i="0" kern="1200" spc="0" baseline="0" dirty="0">
+                <a:ln>
+                  <a:noFill/>
+                </a:ln>
+                <a:solidFill>
+                  <a:srgbClr val="000000"/>
+                </a:solidFill>
+                <a:effectLst/>
+                <a:latin typeface="Anek Telugu SemiBold" pitchFamily="2" charset="0"/>
+                <a:ea typeface="+mn-ea"/>
+                <a:cs typeface="Anek Telugu SemiBold" pitchFamily="2" charset="0"/>
+              </a:rPr>
+              <a:t>దయచూపిన తండ్రి నీకే స్తోత్రము (2)        ||గడచిన||</a:t>
             </a:r>
           </a:p>
         </p:txBody>
@@ -12202,7 +12475,7 @@
               </a:lnSpc>
             </a:pPr>
             <a:r>
-              <a:rPr lang="te-IN" sz="1150" i="0" dirty="0">
+              <a:rPr lang="te-IN" sz="1200" i="0" dirty="0">
                 <a:solidFill>
                   <a:schemeClr val="tx1"/>
                 </a:solidFill>
@@ -12210,7 +12483,7 @@
                 <a:latin typeface="Anek Telugu SemiBold" pitchFamily="2" charset="0"/>
                 <a:cs typeface="Anek Telugu SemiBold" pitchFamily="2" charset="0"/>
               </a:rPr>
-              <a:t>స్తుతి గానమే పాడనా</a:t>
+              <a:t>ప్రాణేశ్వర – ప్రభు దైవకుమార</a:t>
             </a:r>
           </a:p>
           <a:p>
@@ -12220,7 +12493,7 @@
               </a:lnSpc>
             </a:pPr>
             <a:r>
-              <a:rPr lang="te-IN" sz="1150" i="0" dirty="0">
+              <a:rPr lang="te-IN" sz="1200" i="0" dirty="0">
                 <a:solidFill>
                   <a:schemeClr val="tx1"/>
                 </a:solidFill>
@@ -12228,7 +12501,7 @@
                 <a:latin typeface="Anek Telugu SemiBold" pitchFamily="2" charset="0"/>
                 <a:cs typeface="Anek Telugu SemiBold" pitchFamily="2" charset="0"/>
               </a:rPr>
-              <a:t>జయగీతమే పాడనా (2)</a:t>
+              <a:t>ప్రణుతింతును నిన్నే- ఆశతీర</a:t>
             </a:r>
           </a:p>
           <a:p>
@@ -12238,7 +12511,7 @@
               </a:lnSpc>
             </a:pPr>
             <a:r>
-              <a:rPr lang="te-IN" sz="1150" i="0" dirty="0">
+              <a:rPr lang="te-IN" sz="1200" i="0" dirty="0">
                 <a:solidFill>
                   <a:schemeClr val="tx1"/>
                 </a:solidFill>
@@ -12246,7 +12519,7 @@
                 <a:latin typeface="Anek Telugu SemiBold" pitchFamily="2" charset="0"/>
                 <a:cs typeface="Anek Telugu SemiBold" pitchFamily="2" charset="0"/>
               </a:rPr>
-              <a:t>నా ఆధారమైయున్న</a:t>
+              <a:t>ప్రాణేశ్వర – ప్రభు దైవకుమార</a:t>
             </a:r>
           </a:p>
           <a:p>
@@ -12255,43 +12528,7 @@
                 <a:spcPct val="150000"/>
               </a:lnSpc>
             </a:pPr>
-            <a:r>
-              <a:rPr lang="te-IN" sz="1150" i="0" dirty="0">
-                <a:solidFill>
-                  <a:schemeClr val="tx1"/>
-                </a:solidFill>
-                <a:effectLst/>
-                <a:latin typeface="Anek Telugu SemiBold" pitchFamily="2" charset="0"/>
-                <a:cs typeface="Anek Telugu SemiBold" pitchFamily="2" charset="0"/>
-              </a:rPr>
-              <a:t>యేసయ్యా నీకు – కృతజ్ఞుడనై</a:t>
-            </a:r>
-          </a:p>
-          <a:p>
-            <a:pPr algn="ctr">
-              <a:lnSpc>
-                <a:spcPct val="150000"/>
-              </a:lnSpc>
-            </a:pPr>
-            <a:r>
-              <a:rPr lang="te-IN" sz="1150" i="0" dirty="0">
-                <a:solidFill>
-                  <a:schemeClr val="tx1"/>
-                </a:solidFill>
-                <a:effectLst/>
-                <a:latin typeface="Anek Telugu SemiBold" pitchFamily="2" charset="0"/>
-                <a:cs typeface="Anek Telugu SemiBold" pitchFamily="2" charset="0"/>
-              </a:rPr>
-              <a:t>జీవితమంతయు సాక్షినై యుందును (2)</a:t>
-            </a:r>
-          </a:p>
-          <a:p>
-            <a:pPr algn="ctr">
-              <a:lnSpc>
-                <a:spcPct val="150000"/>
-              </a:lnSpc>
-            </a:pPr>
-            <a:endParaRPr lang="te-IN" sz="1150" i="0" dirty="0">
+            <a:endParaRPr lang="te-IN" sz="1200" i="0" dirty="0">
               <a:solidFill>
                 <a:schemeClr val="tx1"/>
               </a:solidFill>
@@ -12307,7 +12544,7 @@
               </a:lnSpc>
             </a:pPr>
             <a:r>
-              <a:rPr lang="en-IN" sz="1150" i="0" dirty="0">
+              <a:rPr lang="en-IN" sz="1200" i="0" dirty="0">
                 <a:solidFill>
                   <a:schemeClr val="tx1"/>
                 </a:solidFill>
@@ -12318,7 +12555,7 @@
               <a:t>1. </a:t>
             </a:r>
             <a:r>
-              <a:rPr lang="te-IN" sz="1150" i="0" dirty="0">
+              <a:rPr lang="te-IN" sz="1200" i="0" dirty="0">
                 <a:solidFill>
                   <a:schemeClr val="tx1"/>
                 </a:solidFill>
@@ -12326,70 +12563,9 @@
                 <a:latin typeface="Anek Telugu SemiBold" pitchFamily="2" charset="0"/>
                 <a:cs typeface="Anek Telugu SemiBold" pitchFamily="2" charset="0"/>
               </a:rPr>
-              <a:t>నమ్మదగినవి నీ న్యాయ విధులు</a:t>
-            </a:r>
-          </a:p>
-          <a:p>
-            <a:pPr algn="ctr">
-              <a:lnSpc>
-                <a:spcPct val="150000"/>
-              </a:lnSpc>
-            </a:pPr>
-            <a:r>
-              <a:rPr lang="te-IN" sz="1150" i="0" dirty="0">
-                <a:solidFill>
-                  <a:schemeClr val="tx1"/>
-                </a:solidFill>
-                <a:effectLst/>
-                <a:latin typeface="Anek Telugu SemiBold" pitchFamily="2" charset="0"/>
-                <a:cs typeface="Anek Telugu SemiBold" pitchFamily="2" charset="0"/>
-              </a:rPr>
-              <a:t>మేలిమి బంగారు కంటే – ఎంతో కోరతగినవి (2)</a:t>
-            </a:r>
-          </a:p>
-          <a:p>
-            <a:pPr algn="ctr">
-              <a:lnSpc>
-                <a:spcPct val="150000"/>
-              </a:lnSpc>
-            </a:pPr>
-            <a:r>
-              <a:rPr lang="te-IN" sz="1150" i="0" dirty="0">
-                <a:solidFill>
-                  <a:schemeClr val="tx1"/>
-                </a:solidFill>
-                <a:effectLst/>
-                <a:latin typeface="Anek Telugu SemiBold" pitchFamily="2" charset="0"/>
-                <a:cs typeface="Anek Telugu SemiBold" pitchFamily="2" charset="0"/>
-              </a:rPr>
-              <a:t>నీ ధర్మాసనము – నా హృదయములో</a:t>
-            </a:r>
-          </a:p>
-          <a:p>
-            <a:pPr algn="ctr">
-              <a:lnSpc>
-                <a:spcPct val="150000"/>
-              </a:lnSpc>
-            </a:pPr>
-            <a:r>
-              <a:rPr lang="te-IN" sz="1150" i="0" dirty="0">
-                <a:solidFill>
-                  <a:schemeClr val="tx1"/>
-                </a:solidFill>
-                <a:effectLst/>
-                <a:latin typeface="Anek Telugu SemiBold" pitchFamily="2" charset="0"/>
-                <a:cs typeface="Anek Telugu SemiBold" pitchFamily="2" charset="0"/>
-              </a:rPr>
-              <a:t>స్థాపించబడియున్నది – పరిశుద్ధాత్మునిచే (2)</a:t>
-            </a:r>
-          </a:p>
-          <a:p>
-            <a:pPr algn="ctr">
-              <a:lnSpc>
-                <a:spcPct val="150000"/>
-              </a:lnSpc>
-            </a:pPr>
-            <a:endParaRPr lang="te-IN" sz="1150" i="0" dirty="0">
+              <a:t>నా ఆత్మతో పాటలు పాడ –</a:t>
+            </a:r>
+            <a:endParaRPr lang="en-IN" sz="1200" i="0" dirty="0">
               <a:solidFill>
                 <a:schemeClr val="tx1"/>
               </a:solidFill>
@@ -12405,7 +12581,7 @@
               </a:lnSpc>
             </a:pPr>
             <a:r>
-              <a:rPr lang="en-IN" sz="1150" i="0" dirty="0">
+              <a:rPr lang="te-IN" sz="1200" i="0" dirty="0">
                 <a:solidFill>
                   <a:schemeClr val="tx1"/>
                 </a:solidFill>
@@ -12413,10 +12589,10 @@
                 <a:latin typeface="Anek Telugu SemiBold" pitchFamily="2" charset="0"/>
                 <a:cs typeface="Anek Telugu SemiBold" pitchFamily="2" charset="0"/>
               </a:rPr>
-              <a:t>2. </a:t>
-            </a:r>
-            <a:r>
-              <a:rPr lang="te-IN" sz="1150" i="0" dirty="0">
+              <a:t>నీ కృపలే నాకు హేతువులాయె -</a:t>
+            </a:r>
+            <a:r>
+              <a:rPr lang="en-IN" sz="1200" i="0" dirty="0">
                 <a:solidFill>
                   <a:schemeClr val="tx1"/>
                 </a:solidFill>
@@ -12424,7 +12600,18 @@
                 <a:latin typeface="Anek Telugu SemiBold" pitchFamily="2" charset="0"/>
                 <a:cs typeface="Anek Telugu SemiBold" pitchFamily="2" charset="0"/>
               </a:rPr>
-              <a:t>శ్రేష్టమైనవి నీవిచ్చు వరములు</a:t>
+              <a:t> </a:t>
+            </a:r>
+            <a:r>
+              <a:rPr lang="te-IN" sz="1200" i="0" dirty="0">
+                <a:solidFill>
+                  <a:schemeClr val="tx1"/>
+                </a:solidFill>
+                <a:effectLst/>
+                <a:latin typeface="Anek Telugu SemiBold" pitchFamily="2" charset="0"/>
+                <a:cs typeface="Anek Telugu SemiBold" pitchFamily="2" charset="0"/>
+              </a:rPr>
+              <a:t>2</a:t>
             </a:r>
           </a:p>
           <a:p>
@@ -12434,7 +12621,7 @@
               </a:lnSpc>
             </a:pPr>
             <a:r>
-              <a:rPr lang="te-IN" sz="1150" i="0" dirty="0">
+              <a:rPr lang="te-IN" sz="1200" i="0" dirty="0">
                 <a:solidFill>
                   <a:schemeClr val="tx1"/>
                 </a:solidFill>
@@ -12442,8 +12629,16 @@
                 <a:latin typeface="Anek Telugu SemiBold" pitchFamily="2" charset="0"/>
                 <a:cs typeface="Anek Telugu SemiBold" pitchFamily="2" charset="0"/>
               </a:rPr>
-              <a:t>లౌకిక జ్ఞానము కంటే – ఎంతో ఉపయుక్తమైనవి (2)</a:t>
-            </a:r>
+              <a:t>నిత్య నిబంధన నీతో చేసి –</a:t>
+            </a:r>
+            <a:endParaRPr lang="en-IN" sz="1200" i="0" dirty="0">
+              <a:solidFill>
+                <a:schemeClr val="tx1"/>
+              </a:solidFill>
+              <a:effectLst/>
+              <a:latin typeface="Anek Telugu SemiBold" pitchFamily="2" charset="0"/>
+              <a:cs typeface="Anek Telugu SemiBold" pitchFamily="2" charset="0"/>
+            </a:endParaRPr>
           </a:p>
           <a:p>
             <a:pPr algn="ctr">
@@ -12452,7 +12647,7 @@
               </a:lnSpc>
             </a:pPr>
             <a:r>
-              <a:rPr lang="te-IN" sz="1150" i="0" dirty="0">
+              <a:rPr lang="te-IN" sz="1200" i="0" dirty="0">
                 <a:solidFill>
                   <a:schemeClr val="tx1"/>
                 </a:solidFill>
@@ -12460,8 +12655,38 @@
                 <a:latin typeface="Anek Telugu SemiBold" pitchFamily="2" charset="0"/>
                 <a:cs typeface="Anek Telugu SemiBold" pitchFamily="2" charset="0"/>
               </a:rPr>
-              <a:t>నీ శ్రేష్టమైన – పరిచర్యలకై</a:t>
-            </a:r>
+              <a:t>నీ పాద సన్నిధి చేరియున్నానే -</a:t>
+            </a:r>
+            <a:r>
+              <a:rPr lang="en-IN" sz="1200" i="0" dirty="0">
+                <a:solidFill>
+                  <a:schemeClr val="tx1"/>
+                </a:solidFill>
+                <a:effectLst/>
+                <a:latin typeface="Anek Telugu SemiBold" pitchFamily="2" charset="0"/>
+                <a:cs typeface="Anek Telugu SemiBold" pitchFamily="2" charset="0"/>
+              </a:rPr>
+              <a:t> </a:t>
+            </a:r>
+            <a:r>
+              <a:rPr lang="te-IN" sz="1200" i="0" dirty="0">
+                <a:solidFill>
+                  <a:schemeClr val="tx1"/>
+                </a:solidFill>
+                <a:effectLst/>
+                <a:latin typeface="Anek Telugu SemiBold" pitchFamily="2" charset="0"/>
+                <a:cs typeface="Anek Telugu SemiBold" pitchFamily="2" charset="0"/>
+              </a:rPr>
+              <a:t>2</a:t>
+            </a:r>
+            <a:endParaRPr lang="en-IN" sz="1200" i="0" dirty="0">
+              <a:solidFill>
+                <a:schemeClr val="tx1"/>
+              </a:solidFill>
+              <a:effectLst/>
+              <a:latin typeface="Anek Telugu SemiBold" pitchFamily="2" charset="0"/>
+              <a:cs typeface="Anek Telugu SemiBold" pitchFamily="2" charset="0"/>
+            </a:endParaRPr>
           </a:p>
           <a:p>
             <a:pPr algn="ctr">
@@ -12470,7 +12695,7 @@
               </a:lnSpc>
             </a:pPr>
             <a:r>
-              <a:rPr lang="te-IN" sz="1150" i="0" dirty="0">
+              <a:rPr lang="te-IN" sz="1200" i="0" dirty="0">
                 <a:solidFill>
                   <a:schemeClr val="tx1"/>
                 </a:solidFill>
@@ -12478,7 +12703,177 @@
                 <a:latin typeface="Anek Telugu SemiBold" pitchFamily="2" charset="0"/>
                 <a:cs typeface="Anek Telugu SemiBold" pitchFamily="2" charset="0"/>
               </a:rPr>
-              <a:t>కృపావరములతో నను – అలంకరించితివే (2)</a:t>
+              <a:t>॥ ప్రాణేశ్వర ॥</a:t>
+            </a:r>
+            <a:endParaRPr lang="en-IN" sz="1200" i="0" dirty="0">
+              <a:solidFill>
+                <a:schemeClr val="tx1"/>
+              </a:solidFill>
+              <a:effectLst/>
+              <a:latin typeface="Anek Telugu SemiBold" pitchFamily="2" charset="0"/>
+              <a:cs typeface="Anek Telugu SemiBold" pitchFamily="2" charset="0"/>
+            </a:endParaRPr>
+          </a:p>
+          <a:p>
+            <a:pPr algn="ctr">
+              <a:lnSpc>
+                <a:spcPct val="150000"/>
+              </a:lnSpc>
+            </a:pPr>
+            <a:endParaRPr lang="te-IN" sz="1200" i="0" dirty="0">
+              <a:solidFill>
+                <a:schemeClr val="tx1"/>
+              </a:solidFill>
+              <a:effectLst/>
+              <a:latin typeface="Anek Telugu SemiBold" pitchFamily="2" charset="0"/>
+              <a:cs typeface="Anek Telugu SemiBold" pitchFamily="2" charset="0"/>
+            </a:endParaRPr>
+          </a:p>
+          <a:p>
+            <a:pPr algn="ctr">
+              <a:lnSpc>
+                <a:spcPct val="150000"/>
+              </a:lnSpc>
+            </a:pPr>
+            <a:r>
+              <a:rPr lang="en-IN" sz="1200" i="0" dirty="0">
+                <a:solidFill>
+                  <a:schemeClr val="tx1"/>
+                </a:solidFill>
+                <a:effectLst/>
+                <a:latin typeface="Anek Telugu SemiBold" pitchFamily="2" charset="0"/>
+                <a:cs typeface="Anek Telugu SemiBold" pitchFamily="2" charset="0"/>
+              </a:rPr>
+              <a:t>2. </a:t>
+            </a:r>
+            <a:r>
+              <a:rPr lang="te-IN" sz="1200" i="0" dirty="0">
+                <a:solidFill>
+                  <a:schemeClr val="tx1"/>
+                </a:solidFill>
+                <a:effectLst/>
+                <a:latin typeface="Anek Telugu SemiBold" pitchFamily="2" charset="0"/>
+                <a:cs typeface="Anek Telugu SemiBold" pitchFamily="2" charset="0"/>
+              </a:rPr>
+              <a:t>నా ఊటలన్నియు నీ యందేనని –</a:t>
+            </a:r>
+            <a:endParaRPr lang="en-IN" sz="1200" i="0" dirty="0">
+              <a:solidFill>
+                <a:schemeClr val="tx1"/>
+              </a:solidFill>
+              <a:effectLst/>
+              <a:latin typeface="Anek Telugu SemiBold" pitchFamily="2" charset="0"/>
+              <a:cs typeface="Anek Telugu SemiBold" pitchFamily="2" charset="0"/>
+            </a:endParaRPr>
+          </a:p>
+          <a:p>
+            <a:pPr algn="ctr">
+              <a:lnSpc>
+                <a:spcPct val="150000"/>
+              </a:lnSpc>
+            </a:pPr>
+            <a:r>
+              <a:rPr lang="te-IN" sz="1200" i="0" dirty="0">
+                <a:solidFill>
+                  <a:schemeClr val="tx1"/>
+                </a:solidFill>
+                <a:effectLst/>
+                <a:latin typeface="Anek Telugu SemiBold" pitchFamily="2" charset="0"/>
+                <a:cs typeface="Anek Telugu SemiBold" pitchFamily="2" charset="0"/>
+              </a:rPr>
+              <a:t>వాద్యము వాయించి పాడెదను -2</a:t>
+            </a:r>
+          </a:p>
+          <a:p>
+            <a:pPr algn="ctr">
+              <a:lnSpc>
+                <a:spcPct val="150000"/>
+              </a:lnSpc>
+            </a:pPr>
+            <a:r>
+              <a:rPr lang="te-IN" sz="1200" i="0" dirty="0">
+                <a:solidFill>
+                  <a:schemeClr val="tx1"/>
+                </a:solidFill>
+                <a:effectLst/>
+                <a:latin typeface="Anek Telugu SemiBold" pitchFamily="2" charset="0"/>
+                <a:cs typeface="Anek Telugu SemiBold" pitchFamily="2" charset="0"/>
+              </a:rPr>
+              <a:t>జీవిత కాలమంతా నిన్నే స్తుతించి –</a:t>
+            </a:r>
+            <a:endParaRPr lang="en-IN" sz="1200" i="0" dirty="0">
+              <a:solidFill>
+                <a:schemeClr val="tx1"/>
+              </a:solidFill>
+              <a:effectLst/>
+              <a:latin typeface="Anek Telugu SemiBold" pitchFamily="2" charset="0"/>
+              <a:cs typeface="Anek Telugu SemiBold" pitchFamily="2" charset="0"/>
+            </a:endParaRPr>
+          </a:p>
+          <a:p>
+            <a:pPr algn="ctr">
+              <a:lnSpc>
+                <a:spcPct val="150000"/>
+              </a:lnSpc>
+            </a:pPr>
+            <a:r>
+              <a:rPr lang="te-IN" sz="1200" i="0" dirty="0">
+                <a:solidFill>
+                  <a:schemeClr val="tx1"/>
+                </a:solidFill>
+                <a:effectLst/>
+                <a:latin typeface="Anek Telugu SemiBold" pitchFamily="2" charset="0"/>
+                <a:cs typeface="Anek Telugu SemiBold" pitchFamily="2" charset="0"/>
+              </a:rPr>
+              <a:t>సాగెద నూతన యెరూషలేము  -</a:t>
+            </a:r>
+            <a:r>
+              <a:rPr lang="en-IN" sz="1200" i="0" dirty="0">
+                <a:solidFill>
+                  <a:schemeClr val="tx1"/>
+                </a:solidFill>
+                <a:effectLst/>
+                <a:latin typeface="Anek Telugu SemiBold" pitchFamily="2" charset="0"/>
+                <a:cs typeface="Anek Telugu SemiBold" pitchFamily="2" charset="0"/>
+              </a:rPr>
+              <a:t> </a:t>
+            </a:r>
+            <a:r>
+              <a:rPr lang="te-IN" sz="1200" i="0" dirty="0">
+                <a:solidFill>
+                  <a:schemeClr val="tx1"/>
+                </a:solidFill>
+                <a:effectLst/>
+                <a:latin typeface="Anek Telugu SemiBold" pitchFamily="2" charset="0"/>
+                <a:cs typeface="Anek Telugu SemiBold" pitchFamily="2" charset="0"/>
+              </a:rPr>
+              <a:t>2</a:t>
+            </a:r>
+            <a:endParaRPr lang="en-IN" sz="1200" i="0" dirty="0">
+              <a:solidFill>
+                <a:schemeClr val="tx1"/>
+              </a:solidFill>
+              <a:effectLst/>
+              <a:latin typeface="Anek Telugu SemiBold" pitchFamily="2" charset="0"/>
+              <a:cs typeface="Anek Telugu SemiBold" pitchFamily="2" charset="0"/>
+            </a:endParaRPr>
+          </a:p>
+          <a:p>
+            <a:pPr algn="ctr">
+              <a:lnSpc>
+                <a:spcPct val="150000"/>
+              </a:lnSpc>
+            </a:pPr>
+            <a:r>
+              <a:rPr lang="te-IN" sz="1200" i="0" dirty="0">
+                <a:solidFill>
+                  <a:schemeClr val="tx1"/>
+                </a:solidFill>
+                <a:effectLst/>
+                <a:latin typeface="Anek Telugu SemiBold" pitchFamily="2" charset="0"/>
+                <a:cs typeface="Anek Telugu SemiBold" pitchFamily="2" charset="0"/>
+              </a:rPr>
+              <a:t>॥ ప్రాణేశ్వర ॥</a:t>
             </a:r>
           </a:p>
         </p:txBody>
@@ -12536,64 +12931,14 @@
               </a:lnSpc>
             </a:pPr>
             <a:r>
-              <a:rPr lang="en-IN" sz="1300" dirty="0" err="1">
+              <a:rPr lang="te-IN" sz="1300" dirty="0">
                 <a:solidFill>
                   <a:schemeClr val="tx1"/>
                 </a:solidFill>
                 <a:latin typeface="Anek Telugu SemiBold" pitchFamily="2" charset="0"/>
                 <a:cs typeface="Anek Telugu SemiBold" pitchFamily="2" charset="0"/>
               </a:rPr>
-              <a:t>యేసు</a:t>
-            </a:r>
-            <a:r>
-              <a:rPr lang="en-IN" sz="1300" dirty="0">
-                <a:solidFill>
-                  <a:schemeClr val="tx1"/>
-                </a:solidFill>
-                <a:latin typeface="Anek Telugu SemiBold" pitchFamily="2" charset="0"/>
-                <a:cs typeface="Anek Telugu SemiBold" pitchFamily="2" charset="0"/>
-              </a:rPr>
-              <a:t> </a:t>
-            </a:r>
-            <a:r>
-              <a:rPr lang="en-IN" sz="1300" dirty="0" err="1">
-                <a:solidFill>
-                  <a:schemeClr val="tx1"/>
-                </a:solidFill>
-                <a:latin typeface="Anek Telugu SemiBold" pitchFamily="2" charset="0"/>
-                <a:cs typeface="Anek Telugu SemiBold" pitchFamily="2" charset="0"/>
-              </a:rPr>
-              <a:t>నీవే</a:t>
-            </a:r>
-            <a:r>
-              <a:rPr lang="en-IN" sz="1300" dirty="0">
-                <a:solidFill>
-                  <a:schemeClr val="tx1"/>
-                </a:solidFill>
-                <a:latin typeface="Anek Telugu SemiBold" pitchFamily="2" charset="0"/>
-                <a:cs typeface="Anek Telugu SemiBold" pitchFamily="2" charset="0"/>
-              </a:rPr>
-              <a:t> </a:t>
-            </a:r>
-            <a:r>
-              <a:rPr lang="en-IN" sz="1300" dirty="0" err="1">
-                <a:solidFill>
-                  <a:schemeClr val="tx1"/>
-                </a:solidFill>
-                <a:latin typeface="Anek Telugu SemiBold" pitchFamily="2" charset="0"/>
-                <a:cs typeface="Anek Telugu SemiBold" pitchFamily="2" charset="0"/>
-              </a:rPr>
-              <a:t>కావాలయ్యా</a:t>
-            </a:r>
-            <a:r>
-              <a:rPr lang="en-IN" sz="1300" dirty="0">
-                <a:solidFill>
-                  <a:schemeClr val="tx1"/>
-                </a:solidFill>
-                <a:latin typeface="Anek Telugu SemiBold" pitchFamily="2" charset="0"/>
-                <a:cs typeface="Anek Telugu SemiBold" pitchFamily="2" charset="0"/>
-              </a:rPr>
-              <a:t> </a:t>
+              <a:t>ఎన్ని తలచినా ఏది అడిగినా</a:t>
             </a:r>
           </a:p>
           <a:p>
@@ -12603,56 +12948,57 @@
               </a:lnSpc>
             </a:pPr>
             <a:r>
-              <a:rPr lang="en-IN" sz="1300" dirty="0" err="1">
+              <a:rPr lang="te-IN" sz="1300" dirty="0">
                 <a:solidFill>
                   <a:schemeClr val="tx1"/>
                 </a:solidFill>
                 <a:latin typeface="Anek Telugu SemiBold" pitchFamily="2" charset="0"/>
                 <a:cs typeface="Anek Telugu SemiBold" pitchFamily="2" charset="0"/>
               </a:rPr>
-              <a:t>నాతో</a:t>
-            </a:r>
-            <a:r>
-              <a:rPr lang="en-IN" sz="1300" dirty="0">
+              <a:t>జరిగేది నీ చిత్తమే (2) ప్రభువా</a:t>
+            </a:r>
+          </a:p>
+          <a:p>
+            <a:pPr algn="ctr">
+              <a:lnSpc>
+                <a:spcPct val="150000"/>
+              </a:lnSpc>
+            </a:pPr>
+            <a:r>
+              <a:rPr lang="te-IN" sz="1300" dirty="0">
                 <a:solidFill>
                   <a:schemeClr val="tx1"/>
                 </a:solidFill>
                 <a:latin typeface="Anek Telugu SemiBold" pitchFamily="2" charset="0"/>
                 <a:cs typeface="Anek Telugu SemiBold" pitchFamily="2" charset="0"/>
               </a:rPr>
-              <a:t> </a:t>
-            </a:r>
-            <a:r>
-              <a:rPr lang="en-IN" sz="1300" dirty="0" err="1">
+              <a:t>నీ వాక్కుకై వేచియుంటిని</a:t>
+            </a:r>
+          </a:p>
+          <a:p>
+            <a:pPr algn="ctr">
+              <a:lnSpc>
+                <a:spcPct val="150000"/>
+              </a:lnSpc>
+            </a:pPr>
+            <a:r>
+              <a:rPr lang="te-IN" sz="1300" dirty="0">
                 <a:solidFill>
                   <a:schemeClr val="tx1"/>
                 </a:solidFill>
                 <a:latin typeface="Anek Telugu SemiBold" pitchFamily="2" charset="0"/>
                 <a:cs typeface="Anek Telugu SemiBold" pitchFamily="2" charset="0"/>
               </a:rPr>
-              <a:t>కూడ</a:t>
-            </a:r>
-            <a:r>
-              <a:rPr lang="en-IN" sz="1300" dirty="0">
-                <a:solidFill>
-                  <a:schemeClr val="tx1"/>
-                </a:solidFill>
-                <a:latin typeface="Anek Telugu SemiBold" pitchFamily="2" charset="0"/>
-                <a:cs typeface="Anek Telugu SemiBold" pitchFamily="2" charset="0"/>
-              </a:rPr>
-              <a:t> </a:t>
-            </a:r>
-            <a:r>
-              <a:rPr lang="en-IN" sz="1300" dirty="0" err="1">
-                <a:solidFill>
-                  <a:schemeClr val="tx1"/>
-                </a:solidFill>
-                <a:latin typeface="Anek Telugu SemiBold" pitchFamily="2" charset="0"/>
-                <a:cs typeface="Anek Telugu SemiBold" pitchFamily="2" charset="0"/>
-              </a:rPr>
-              <a:t>రావాలయ్యా</a:t>
-            </a:r>
-            <a:endParaRPr lang="en-IN" sz="1300" dirty="0">
+              <a:t>నా ప్రార్థన ఆలకించుమా (2) ప్రభువా</a:t>
+            </a:r>
+          </a:p>
+          <a:p>
+            <a:pPr algn="ctr">
+              <a:lnSpc>
+                <a:spcPct val="150000"/>
+              </a:lnSpc>
+            </a:pPr>
+            <a:endParaRPr lang="te-IN" sz="1300" dirty="0">
               <a:solidFill>
                 <a:schemeClr val="tx1"/>
               </a:solidFill>
@@ -12667,76 +13013,84 @@
               </a:lnSpc>
             </a:pPr>
             <a:r>
-              <a:rPr lang="en-IN" sz="1300" dirty="0" err="1">
+              <a:rPr lang="en-IN" sz="1300" dirty="0">
                 <a:solidFill>
                   <a:schemeClr val="tx1"/>
                 </a:solidFill>
                 <a:latin typeface="Anek Telugu SemiBold" pitchFamily="2" charset="0"/>
                 <a:cs typeface="Anek Telugu SemiBold" pitchFamily="2" charset="0"/>
               </a:rPr>
-              <a:t>ఘనుడ</a:t>
-            </a:r>
-            <a:r>
-              <a:rPr lang="en-IN" sz="1300" dirty="0">
+              <a:t>1. </a:t>
+            </a:r>
+            <a:r>
+              <a:rPr lang="te-IN" sz="1300" dirty="0">
                 <a:solidFill>
                   <a:schemeClr val="tx1"/>
                 </a:solidFill>
                 <a:latin typeface="Anek Telugu SemiBold" pitchFamily="2" charset="0"/>
                 <a:cs typeface="Anek Telugu SemiBold" pitchFamily="2" charset="0"/>
               </a:rPr>
-              <a:t> </a:t>
-            </a:r>
-            <a:r>
-              <a:rPr lang="en-IN" sz="1300" dirty="0" err="1">
+              <a:t>నీ తోడు లేక నీ ప్రేమ లేక</a:t>
+            </a:r>
+          </a:p>
+          <a:p>
+            <a:pPr algn="ctr">
+              <a:lnSpc>
+                <a:spcPct val="150000"/>
+              </a:lnSpc>
+            </a:pPr>
+            <a:r>
+              <a:rPr lang="te-IN" sz="1300" dirty="0">
                 <a:solidFill>
                   <a:schemeClr val="tx1"/>
                 </a:solidFill>
                 <a:latin typeface="Anek Telugu SemiBold" pitchFamily="2" charset="0"/>
                 <a:cs typeface="Anek Telugu SemiBold" pitchFamily="2" charset="0"/>
               </a:rPr>
-              <a:t>నీ</a:t>
-            </a:r>
-            <a:r>
-              <a:rPr lang="en-IN" sz="1300" dirty="0">
+              <a:t>ఇలలోన ఏ ప్రాణి నిలువలేదు (2)</a:t>
+            </a:r>
+          </a:p>
+          <a:p>
+            <a:pPr algn="ctr">
+              <a:lnSpc>
+                <a:spcPct val="150000"/>
+              </a:lnSpc>
+            </a:pPr>
+            <a:r>
+              <a:rPr lang="te-IN" sz="1300" dirty="0">
                 <a:solidFill>
                   <a:schemeClr val="tx1"/>
                 </a:solidFill>
                 <a:latin typeface="Anek Telugu SemiBold" pitchFamily="2" charset="0"/>
                 <a:cs typeface="Anek Telugu SemiBold" pitchFamily="2" charset="0"/>
               </a:rPr>
-              <a:t> </a:t>
-            </a:r>
-            <a:r>
-              <a:rPr lang="en-IN" sz="1300" dirty="0" err="1">
+              <a:t>అడవి పూవులే నీ ప్రేమ పొందగా (2)</a:t>
+            </a:r>
+          </a:p>
+          <a:p>
+            <a:pPr algn="ctr">
+              <a:lnSpc>
+                <a:spcPct val="150000"/>
+              </a:lnSpc>
+            </a:pPr>
+            <a:r>
+              <a:rPr lang="te-IN" sz="1300" dirty="0">
                 <a:solidFill>
                   <a:schemeClr val="tx1"/>
                 </a:solidFill>
                 <a:latin typeface="Anek Telugu SemiBold" pitchFamily="2" charset="0"/>
                 <a:cs typeface="Anek Telugu SemiBold" pitchFamily="2" charset="0"/>
               </a:rPr>
-              <a:t>దివ్య</a:t>
-            </a:r>
-            <a:r>
-              <a:rPr lang="en-IN" sz="1300" dirty="0">
-                <a:solidFill>
-                  <a:schemeClr val="tx1"/>
-                </a:solidFill>
-                <a:latin typeface="Anek Telugu SemiBold" pitchFamily="2" charset="0"/>
-                <a:cs typeface="Anek Telugu SemiBold" pitchFamily="2" charset="0"/>
-              </a:rPr>
-              <a:t> </a:t>
-            </a:r>
-            <a:r>
-              <a:rPr lang="en-IN" sz="1300" dirty="0" err="1">
-                <a:solidFill>
-                  <a:schemeClr val="tx1"/>
-                </a:solidFill>
-                <a:latin typeface="Anek Telugu SemiBold" pitchFamily="2" charset="0"/>
-                <a:cs typeface="Anek Telugu SemiBold" pitchFamily="2" charset="0"/>
-              </a:rPr>
-              <a:t>సన్నిధి</a:t>
-            </a:r>
-            <a:endParaRPr lang="en-IN" sz="1300" dirty="0">
+              <a:t>నా ప్రార్థన ఆలకించుమా (2) ప్రభువా      ||ఎన్ని||</a:t>
+            </a:r>
+          </a:p>
+          <a:p>
+            <a:pPr algn="ctr">
+              <a:lnSpc>
+                <a:spcPct val="150000"/>
+              </a:lnSpc>
+            </a:pPr>
+            <a:endParaRPr lang="te-IN" sz="1300" dirty="0">
               <a:solidFill>
                 <a:schemeClr val="tx1"/>
               </a:solidFill>
@@ -12758,85 +13112,18 @@
                 <a:latin typeface="Anek Telugu SemiBold" pitchFamily="2" charset="0"/>
                 <a:cs typeface="Anek Telugu SemiBold" pitchFamily="2" charset="0"/>
               </a:rPr>
-              <a:t> </a:t>
-            </a:r>
-            <a:r>
-              <a:rPr lang="en-IN" sz="1300" dirty="0" err="1">
+              <a:t>2. </a:t>
+            </a:r>
+            <a:r>
+              <a:rPr lang="te-IN" sz="1300" dirty="0">
                 <a:solidFill>
                   <a:schemeClr val="tx1"/>
                 </a:solidFill>
                 <a:latin typeface="Anek Telugu SemiBold" pitchFamily="2" charset="0"/>
                 <a:cs typeface="Anek Telugu SemiBold" pitchFamily="2" charset="0"/>
               </a:rPr>
-              <a:t>నను</a:t>
-            </a:r>
-            <a:r>
-              <a:rPr lang="en-IN" sz="1300" dirty="0">
-                <a:solidFill>
-                  <a:schemeClr val="tx1"/>
-                </a:solidFill>
-                <a:latin typeface="Anek Telugu SemiBold" pitchFamily="2" charset="0"/>
-                <a:cs typeface="Anek Telugu SemiBold" pitchFamily="2" charset="0"/>
-              </a:rPr>
-              <a:t> </a:t>
-            </a:r>
-            <a:r>
-              <a:rPr lang="en-IN" sz="1300" dirty="0" err="1">
-                <a:solidFill>
-                  <a:schemeClr val="tx1"/>
-                </a:solidFill>
-                <a:latin typeface="Anek Telugu SemiBold" pitchFamily="2" charset="0"/>
-                <a:cs typeface="Anek Telugu SemiBold" pitchFamily="2" charset="0"/>
-              </a:rPr>
-              <a:t>ఆదుకునే</a:t>
-            </a:r>
-            <a:r>
-              <a:rPr lang="en-IN" sz="1300" dirty="0">
-                <a:solidFill>
-                  <a:schemeClr val="tx1"/>
-                </a:solidFill>
-                <a:latin typeface="Anek Telugu SemiBold" pitchFamily="2" charset="0"/>
-                <a:cs typeface="Anek Telugu SemiBold" pitchFamily="2" charset="0"/>
-              </a:rPr>
-              <a:t> </a:t>
-            </a:r>
-            <a:r>
-              <a:rPr lang="en-IN" sz="1300" dirty="0" err="1">
-                <a:solidFill>
-                  <a:schemeClr val="tx1"/>
-                </a:solidFill>
-                <a:latin typeface="Anek Telugu SemiBold" pitchFamily="2" charset="0"/>
-                <a:cs typeface="Anek Telugu SemiBold" pitchFamily="2" charset="0"/>
-              </a:rPr>
-              <a:t>నా</a:t>
-            </a:r>
-            <a:r>
-              <a:rPr lang="en-IN" sz="1300" dirty="0">
-                <a:solidFill>
-                  <a:schemeClr val="tx1"/>
-                </a:solidFill>
-                <a:latin typeface="Anek Telugu SemiBold" pitchFamily="2" charset="0"/>
-                <a:cs typeface="Anek Telugu SemiBold" pitchFamily="2" charset="0"/>
-              </a:rPr>
-              <a:t> </a:t>
-            </a:r>
-            <a:r>
-              <a:rPr lang="en-IN" sz="1300" dirty="0" err="1">
-                <a:solidFill>
-                  <a:schemeClr val="tx1"/>
-                </a:solidFill>
-                <a:latin typeface="Anek Telugu SemiBold" pitchFamily="2" charset="0"/>
-                <a:cs typeface="Anek Telugu SemiBold" pitchFamily="2" charset="0"/>
-              </a:rPr>
-              <a:t>పెన్నిధి</a:t>
-            </a:r>
-            <a:endParaRPr lang="en-IN" sz="1300" dirty="0">
-              <a:solidFill>
-                <a:schemeClr val="tx1"/>
-              </a:solidFill>
-              <a:latin typeface="Anek Telugu SemiBold" pitchFamily="2" charset="0"/>
-              <a:cs typeface="Anek Telugu SemiBold" pitchFamily="2" charset="0"/>
-            </a:endParaRPr>
+              <a:t>నా ఇంటి దీపం నీవే అని తెలసి</a:t>
+            </a:r>
           </a:p>
           <a:p>
             <a:pPr algn="ctr">
@@ -12845,84 +13132,14 @@
               </a:lnSpc>
             </a:pPr>
             <a:r>
-              <a:rPr lang="en-IN" sz="1300" dirty="0" err="1">
+              <a:rPr lang="te-IN" sz="1300" dirty="0">
                 <a:solidFill>
                   <a:schemeClr val="tx1"/>
                 </a:solidFill>
                 <a:latin typeface="Anek Telugu SemiBold" pitchFamily="2" charset="0"/>
                 <a:cs typeface="Anek Telugu SemiBold" pitchFamily="2" charset="0"/>
               </a:rPr>
-              <a:t>నీవే</a:t>
-            </a:r>
-            <a:r>
-              <a:rPr lang="en-IN" sz="1300" dirty="0">
-                <a:solidFill>
-                  <a:schemeClr val="tx1"/>
-                </a:solidFill>
-                <a:latin typeface="Anek Telugu SemiBold" pitchFamily="2" charset="0"/>
-                <a:cs typeface="Anek Telugu SemiBold" pitchFamily="2" charset="0"/>
-              </a:rPr>
-              <a:t> </a:t>
-            </a:r>
-            <a:r>
-              <a:rPr lang="en-IN" sz="1300" dirty="0" err="1">
-                <a:solidFill>
-                  <a:schemeClr val="tx1"/>
-                </a:solidFill>
-                <a:latin typeface="Anek Telugu SemiBold" pitchFamily="2" charset="0"/>
-                <a:cs typeface="Anek Telugu SemiBold" pitchFamily="2" charset="0"/>
-              </a:rPr>
-              <a:t>కావాలయ్యా</a:t>
-            </a:r>
-            <a:r>
-              <a:rPr lang="en-IN" sz="1300" dirty="0">
-                <a:solidFill>
-                  <a:schemeClr val="tx1"/>
-                </a:solidFill>
-                <a:latin typeface="Anek Telugu SemiBold" pitchFamily="2" charset="0"/>
-                <a:cs typeface="Anek Telugu SemiBold" pitchFamily="2" charset="0"/>
-              </a:rPr>
-              <a:t> </a:t>
-            </a:r>
-            <a:r>
-              <a:rPr lang="en-IN" sz="1300" dirty="0" err="1">
-                <a:solidFill>
-                  <a:schemeClr val="tx1"/>
-                </a:solidFill>
-                <a:latin typeface="Anek Telugu SemiBold" pitchFamily="2" charset="0"/>
-                <a:cs typeface="Anek Telugu SemiBold" pitchFamily="2" charset="0"/>
-              </a:rPr>
-              <a:t>నాతో</a:t>
-            </a:r>
-            <a:r>
-              <a:rPr lang="en-IN" sz="1300" dirty="0">
-                <a:solidFill>
-                  <a:schemeClr val="tx1"/>
-                </a:solidFill>
-                <a:latin typeface="Anek Telugu SemiBold" pitchFamily="2" charset="0"/>
-                <a:cs typeface="Anek Telugu SemiBold" pitchFamily="2" charset="0"/>
-              </a:rPr>
-              <a:t> </a:t>
-            </a:r>
-            <a:r>
-              <a:rPr lang="en-IN" sz="1300" dirty="0" err="1">
-                <a:solidFill>
-                  <a:schemeClr val="tx1"/>
-                </a:solidFill>
-                <a:latin typeface="Anek Telugu SemiBold" pitchFamily="2" charset="0"/>
-                <a:cs typeface="Anek Telugu SemiBold" pitchFamily="2" charset="0"/>
-              </a:rPr>
-              <a:t>రావాలయ్యా</a:t>
-            </a:r>
-            <a:r>
-              <a:rPr lang="en-IN" sz="1300" dirty="0">
-                <a:solidFill>
-                  <a:schemeClr val="tx1"/>
-                </a:solidFill>
-                <a:latin typeface="Anek Telugu SemiBold" pitchFamily="2" charset="0"/>
-                <a:cs typeface="Anek Telugu SemiBold" pitchFamily="2" charset="0"/>
-              </a:rPr>
-              <a:t> </a:t>
+              <a:t>నా హృదయం నీ కొరకై పదిలపరచితి (2)</a:t>
             </a:r>
           </a:p>
           <a:p>
@@ -12931,13 +13148,16 @@
                 <a:spcPct val="150000"/>
               </a:lnSpc>
             </a:pPr>
-            <a:endParaRPr lang="en-IN" sz="1300" dirty="0">
-              <a:solidFill>
-                <a:schemeClr val="tx1"/>
-              </a:solidFill>
-              <a:latin typeface="Anek Telugu SemiBold" pitchFamily="2" charset="0"/>
-              <a:cs typeface="Anek Telugu SemiBold" pitchFamily="2" charset="0"/>
-            </a:endParaRPr>
+            <a:r>
+              <a:rPr lang="te-IN" sz="1300" dirty="0">
+                <a:solidFill>
+                  <a:schemeClr val="tx1"/>
+                </a:solidFill>
+                <a:latin typeface="Anek Telugu SemiBold" pitchFamily="2" charset="0"/>
+                <a:cs typeface="Anek Telugu SemiBold" pitchFamily="2" charset="0"/>
+              </a:rPr>
+              <a:t>ఆరిపోయిన నా వెలుగు దీపము (2)</a:t>
+            </a:r>
           </a:p>
           <a:p>
             <a:pPr algn="ctr">
@@ -12946,623 +13166,15 @@
               </a:lnSpc>
             </a:pPr>
             <a:r>
-              <a:rPr lang="en-IN" sz="1300" dirty="0">
+              <a:rPr lang="te-IN" sz="1300" dirty="0">
                 <a:solidFill>
                   <a:schemeClr val="tx1"/>
                 </a:solidFill>
                 <a:latin typeface="Anek Telugu SemiBold" pitchFamily="2" charset="0"/>
                 <a:cs typeface="Anek Telugu SemiBold" pitchFamily="2" charset="0"/>
               </a:rPr>
-              <a:t>1. </a:t>
-            </a:r>
-            <a:r>
-              <a:rPr lang="en-IN" sz="1300" dirty="0" err="1">
-                <a:solidFill>
-                  <a:schemeClr val="tx1"/>
-                </a:solidFill>
-                <a:latin typeface="Anek Telugu SemiBold" pitchFamily="2" charset="0"/>
-                <a:cs typeface="Anek Telugu SemiBold" pitchFamily="2" charset="0"/>
-              </a:rPr>
-              <a:t>నీవే</a:t>
-            </a:r>
-            <a:r>
-              <a:rPr lang="en-IN" sz="1300" dirty="0">
-                <a:solidFill>
-                  <a:schemeClr val="tx1"/>
-                </a:solidFill>
-                <a:latin typeface="Anek Telugu SemiBold" pitchFamily="2" charset="0"/>
-                <a:cs typeface="Anek Telugu SemiBold" pitchFamily="2" charset="0"/>
-              </a:rPr>
-              <a:t> </a:t>
-            </a:r>
-            <a:r>
-              <a:rPr lang="en-IN" sz="1300" dirty="0" err="1">
-                <a:solidFill>
-                  <a:schemeClr val="tx1"/>
-                </a:solidFill>
-                <a:latin typeface="Anek Telugu SemiBold" pitchFamily="2" charset="0"/>
-                <a:cs typeface="Anek Telugu SemiBold" pitchFamily="2" charset="0"/>
-              </a:rPr>
-              <a:t>నాతో</a:t>
-            </a:r>
-            <a:r>
-              <a:rPr lang="en-IN" sz="1300" dirty="0">
-                <a:solidFill>
-                  <a:schemeClr val="tx1"/>
-                </a:solidFill>
-                <a:latin typeface="Anek Telugu SemiBold" pitchFamily="2" charset="0"/>
-                <a:cs typeface="Anek Telugu SemiBold" pitchFamily="2" charset="0"/>
-              </a:rPr>
-              <a:t> </a:t>
-            </a:r>
-            <a:r>
-              <a:rPr lang="en-IN" sz="1300" dirty="0" err="1">
-                <a:solidFill>
-                  <a:schemeClr val="tx1"/>
-                </a:solidFill>
-                <a:latin typeface="Anek Telugu SemiBold" pitchFamily="2" charset="0"/>
-                <a:cs typeface="Anek Telugu SemiBold" pitchFamily="2" charset="0"/>
-              </a:rPr>
-              <a:t>వస్తే</a:t>
-            </a:r>
-            <a:r>
-              <a:rPr lang="en-IN" sz="1300" dirty="0">
-                <a:solidFill>
-                  <a:schemeClr val="tx1"/>
-                </a:solidFill>
-                <a:latin typeface="Anek Telugu SemiBold" pitchFamily="2" charset="0"/>
-                <a:cs typeface="Anek Telugu SemiBold" pitchFamily="2" charset="0"/>
-              </a:rPr>
-              <a:t> </a:t>
-            </a:r>
-            <a:r>
-              <a:rPr lang="en-IN" sz="1300" dirty="0" err="1">
-                <a:solidFill>
-                  <a:schemeClr val="tx1"/>
-                </a:solidFill>
-                <a:latin typeface="Anek Telugu SemiBold" pitchFamily="2" charset="0"/>
-                <a:cs typeface="Anek Telugu SemiBold" pitchFamily="2" charset="0"/>
-              </a:rPr>
-              <a:t>దిగులు</a:t>
-            </a:r>
-            <a:r>
-              <a:rPr lang="en-IN" sz="1300" dirty="0">
-                <a:solidFill>
-                  <a:schemeClr val="tx1"/>
-                </a:solidFill>
-                <a:latin typeface="Anek Telugu SemiBold" pitchFamily="2" charset="0"/>
-                <a:cs typeface="Anek Telugu SemiBold" pitchFamily="2" charset="0"/>
-              </a:rPr>
-              <a:t> </a:t>
-            </a:r>
-            <a:r>
-              <a:rPr lang="en-IN" sz="1300" dirty="0" err="1">
-                <a:solidFill>
-                  <a:schemeClr val="tx1"/>
-                </a:solidFill>
-                <a:latin typeface="Anek Telugu SemiBold" pitchFamily="2" charset="0"/>
-                <a:cs typeface="Anek Telugu SemiBold" pitchFamily="2" charset="0"/>
-              </a:rPr>
-              <a:t>నాకుండదు</a:t>
-            </a:r>
-            <a:endParaRPr lang="en-IN" sz="1300" dirty="0">
-              <a:solidFill>
-                <a:schemeClr val="tx1"/>
-              </a:solidFill>
-              <a:latin typeface="Anek Telugu SemiBold" pitchFamily="2" charset="0"/>
-              <a:cs typeface="Anek Telugu SemiBold" pitchFamily="2" charset="0"/>
-            </a:endParaRPr>
-          </a:p>
-          <a:p>
-            <a:pPr algn="ctr">
-              <a:lnSpc>
-                <a:spcPct val="150000"/>
-              </a:lnSpc>
-            </a:pPr>
-            <a:r>
-              <a:rPr lang="en-IN" sz="1300" dirty="0" err="1">
-                <a:solidFill>
-                  <a:schemeClr val="tx1"/>
-                </a:solidFill>
-                <a:latin typeface="Anek Telugu SemiBold" pitchFamily="2" charset="0"/>
-                <a:cs typeface="Anek Telugu SemiBold" pitchFamily="2" charset="0"/>
-              </a:rPr>
-              <a:t>నీవే</a:t>
-            </a:r>
-            <a:r>
-              <a:rPr lang="en-IN" sz="1300" dirty="0">
-                <a:solidFill>
-                  <a:schemeClr val="tx1"/>
-                </a:solidFill>
-                <a:latin typeface="Anek Telugu SemiBold" pitchFamily="2" charset="0"/>
-                <a:cs typeface="Anek Telugu SemiBold" pitchFamily="2" charset="0"/>
-              </a:rPr>
-              <a:t> </a:t>
-            </a:r>
-            <a:r>
-              <a:rPr lang="en-IN" sz="1300" dirty="0" err="1">
-                <a:solidFill>
-                  <a:schemeClr val="tx1"/>
-                </a:solidFill>
-                <a:latin typeface="Anek Telugu SemiBold" pitchFamily="2" charset="0"/>
-                <a:cs typeface="Anek Telugu SemiBold" pitchFamily="2" charset="0"/>
-              </a:rPr>
-              <a:t>ఆజ్ఞాపిస్తే</a:t>
-            </a:r>
-            <a:r>
-              <a:rPr lang="en-IN" sz="1300" dirty="0">
-                <a:solidFill>
-                  <a:schemeClr val="tx1"/>
-                </a:solidFill>
-                <a:latin typeface="Anek Telugu SemiBold" pitchFamily="2" charset="0"/>
-                <a:cs typeface="Anek Telugu SemiBold" pitchFamily="2" charset="0"/>
-              </a:rPr>
-              <a:t> </a:t>
-            </a:r>
-            <a:r>
-              <a:rPr lang="en-IN" sz="1300" dirty="0" err="1">
-                <a:solidFill>
-                  <a:schemeClr val="tx1"/>
-                </a:solidFill>
-                <a:latin typeface="Anek Telugu SemiBold" pitchFamily="2" charset="0"/>
-                <a:cs typeface="Anek Telugu SemiBold" pitchFamily="2" charset="0"/>
-              </a:rPr>
-              <a:t>తెగులు</a:t>
-            </a:r>
-            <a:r>
-              <a:rPr lang="en-IN" sz="1300" dirty="0">
-                <a:solidFill>
-                  <a:schemeClr val="tx1"/>
-                </a:solidFill>
-                <a:latin typeface="Anek Telugu SemiBold" pitchFamily="2" charset="0"/>
-                <a:cs typeface="Anek Telugu SemiBold" pitchFamily="2" charset="0"/>
-              </a:rPr>
-              <a:t> </a:t>
-            </a:r>
-            <a:r>
-              <a:rPr lang="en-IN" sz="1300" dirty="0" err="1">
-                <a:solidFill>
-                  <a:schemeClr val="tx1"/>
-                </a:solidFill>
-                <a:latin typeface="Anek Telugu SemiBold" pitchFamily="2" charset="0"/>
-                <a:cs typeface="Anek Telugu SemiBold" pitchFamily="2" charset="0"/>
-              </a:rPr>
-              <a:t>నన్నంటదు</a:t>
-            </a:r>
-            <a:r>
-              <a:rPr lang="en-IN" sz="1300" dirty="0">
-                <a:solidFill>
-                  <a:schemeClr val="tx1"/>
-                </a:solidFill>
-                <a:latin typeface="Anek Telugu SemiBold" pitchFamily="2" charset="0"/>
-                <a:cs typeface="Anek Telugu SemiBold" pitchFamily="2" charset="0"/>
-              </a:rPr>
-              <a:t>  </a:t>
-            </a:r>
-          </a:p>
-          <a:p>
-            <a:pPr algn="ctr">
-              <a:lnSpc>
-                <a:spcPct val="150000"/>
-              </a:lnSpc>
-            </a:pPr>
-            <a:endParaRPr lang="en-IN" sz="1300" dirty="0">
-              <a:solidFill>
-                <a:schemeClr val="tx1"/>
-              </a:solidFill>
-              <a:latin typeface="Anek Telugu SemiBold" pitchFamily="2" charset="0"/>
-              <a:cs typeface="Anek Telugu SemiBold" pitchFamily="2" charset="0"/>
-            </a:endParaRPr>
-          </a:p>
-          <a:p>
-            <a:pPr algn="ctr">
-              <a:lnSpc>
-                <a:spcPct val="150000"/>
-              </a:lnSpc>
-            </a:pPr>
-            <a:r>
-              <a:rPr lang="en-IN" sz="1300" dirty="0">
-                <a:solidFill>
-                  <a:schemeClr val="tx1"/>
-                </a:solidFill>
-                <a:latin typeface="Anek Telugu SemiBold" pitchFamily="2" charset="0"/>
-                <a:cs typeface="Anek Telugu SemiBold" pitchFamily="2" charset="0"/>
-              </a:rPr>
-              <a:t>2. </a:t>
-            </a:r>
-            <a:r>
-              <a:rPr lang="en-IN" sz="1300" dirty="0" err="1">
-                <a:solidFill>
-                  <a:schemeClr val="tx1"/>
-                </a:solidFill>
-                <a:latin typeface="Anek Telugu SemiBold" pitchFamily="2" charset="0"/>
-                <a:cs typeface="Anek Telugu SemiBold" pitchFamily="2" charset="0"/>
-              </a:rPr>
-              <a:t>నీవే</a:t>
-            </a:r>
-            <a:r>
-              <a:rPr lang="en-IN" sz="1300" dirty="0">
-                <a:solidFill>
-                  <a:schemeClr val="tx1"/>
-                </a:solidFill>
-                <a:latin typeface="Anek Telugu SemiBold" pitchFamily="2" charset="0"/>
-                <a:cs typeface="Anek Telugu SemiBold" pitchFamily="2" charset="0"/>
-              </a:rPr>
-              <a:t> </a:t>
-            </a:r>
-            <a:r>
-              <a:rPr lang="en-IN" sz="1300" dirty="0" err="1">
-                <a:solidFill>
-                  <a:schemeClr val="tx1"/>
-                </a:solidFill>
-                <a:latin typeface="Anek Telugu SemiBold" pitchFamily="2" charset="0"/>
-                <a:cs typeface="Anek Telugu SemiBold" pitchFamily="2" charset="0"/>
-              </a:rPr>
-              <a:t>నాతో</a:t>
-            </a:r>
-            <a:r>
-              <a:rPr lang="en-IN" sz="1300" dirty="0">
-                <a:solidFill>
-                  <a:schemeClr val="tx1"/>
-                </a:solidFill>
-                <a:latin typeface="Anek Telugu SemiBold" pitchFamily="2" charset="0"/>
-                <a:cs typeface="Anek Telugu SemiBold" pitchFamily="2" charset="0"/>
-              </a:rPr>
-              <a:t> </a:t>
-            </a:r>
-            <a:r>
-              <a:rPr lang="en-IN" sz="1300" dirty="0" err="1">
-                <a:solidFill>
-                  <a:schemeClr val="tx1"/>
-                </a:solidFill>
-                <a:latin typeface="Anek Telugu SemiBold" pitchFamily="2" charset="0"/>
-                <a:cs typeface="Anek Telugu SemiBold" pitchFamily="2" charset="0"/>
-              </a:rPr>
-              <a:t>వస్తే</a:t>
-            </a:r>
-            <a:r>
-              <a:rPr lang="en-IN" sz="1300" dirty="0">
-                <a:solidFill>
-                  <a:schemeClr val="tx1"/>
-                </a:solidFill>
-                <a:latin typeface="Anek Telugu SemiBold" pitchFamily="2" charset="0"/>
-                <a:cs typeface="Anek Telugu SemiBold" pitchFamily="2" charset="0"/>
-              </a:rPr>
-              <a:t> </a:t>
-            </a:r>
-            <a:r>
-              <a:rPr lang="en-IN" sz="1300" dirty="0" err="1">
-                <a:solidFill>
-                  <a:schemeClr val="tx1"/>
-                </a:solidFill>
-                <a:latin typeface="Anek Telugu SemiBold" pitchFamily="2" charset="0"/>
-                <a:cs typeface="Anek Telugu SemiBold" pitchFamily="2" charset="0"/>
-              </a:rPr>
-              <a:t>కొరత</a:t>
-            </a:r>
-            <a:r>
-              <a:rPr lang="en-IN" sz="1300" dirty="0">
-                <a:solidFill>
-                  <a:schemeClr val="tx1"/>
-                </a:solidFill>
-                <a:latin typeface="Anek Telugu SemiBold" pitchFamily="2" charset="0"/>
-                <a:cs typeface="Anek Telugu SemiBold" pitchFamily="2" charset="0"/>
-              </a:rPr>
-              <a:t> </a:t>
-            </a:r>
-            <a:r>
-              <a:rPr lang="en-IN" sz="1300" dirty="0" err="1">
-                <a:solidFill>
-                  <a:schemeClr val="tx1"/>
-                </a:solidFill>
-                <a:latin typeface="Anek Telugu SemiBold" pitchFamily="2" charset="0"/>
-                <a:cs typeface="Anek Telugu SemiBold" pitchFamily="2" charset="0"/>
-              </a:rPr>
-              <a:t>నాకుండదు</a:t>
-            </a:r>
-            <a:endParaRPr lang="en-IN" sz="1300" dirty="0">
-              <a:solidFill>
-                <a:schemeClr val="tx1"/>
-              </a:solidFill>
-              <a:latin typeface="Anek Telugu SemiBold" pitchFamily="2" charset="0"/>
-              <a:cs typeface="Anek Telugu SemiBold" pitchFamily="2" charset="0"/>
-            </a:endParaRPr>
-          </a:p>
-          <a:p>
-            <a:pPr algn="ctr">
-              <a:lnSpc>
-                <a:spcPct val="150000"/>
-              </a:lnSpc>
-            </a:pPr>
-            <a:r>
-              <a:rPr lang="en-IN" sz="1300" dirty="0" err="1">
-                <a:solidFill>
-                  <a:schemeClr val="tx1"/>
-                </a:solidFill>
-                <a:latin typeface="Anek Telugu SemiBold" pitchFamily="2" charset="0"/>
-                <a:cs typeface="Anek Telugu SemiBold" pitchFamily="2" charset="0"/>
-              </a:rPr>
-              <a:t>నీవే</a:t>
-            </a:r>
-            <a:r>
-              <a:rPr lang="en-IN" sz="1300" dirty="0">
-                <a:solidFill>
-                  <a:schemeClr val="tx1"/>
-                </a:solidFill>
-                <a:latin typeface="Anek Telugu SemiBold" pitchFamily="2" charset="0"/>
-                <a:cs typeface="Anek Telugu SemiBold" pitchFamily="2" charset="0"/>
-              </a:rPr>
-              <a:t> </a:t>
-            </a:r>
-            <a:r>
-              <a:rPr lang="en-IN" sz="1300" dirty="0" err="1">
-                <a:solidFill>
-                  <a:schemeClr val="tx1"/>
-                </a:solidFill>
-                <a:latin typeface="Anek Telugu SemiBold" pitchFamily="2" charset="0"/>
-                <a:cs typeface="Anek Telugu SemiBold" pitchFamily="2" charset="0"/>
-              </a:rPr>
-              <a:t>ఆజ్ఞాపిస్తే</a:t>
-            </a:r>
-            <a:r>
-              <a:rPr lang="en-IN" sz="1300" dirty="0">
-                <a:solidFill>
-                  <a:schemeClr val="tx1"/>
-                </a:solidFill>
-                <a:latin typeface="Anek Telugu SemiBold" pitchFamily="2" charset="0"/>
-                <a:cs typeface="Anek Telugu SemiBold" pitchFamily="2" charset="0"/>
-              </a:rPr>
-              <a:t> </a:t>
-            </a:r>
-            <a:r>
-              <a:rPr lang="en-IN" sz="1300" dirty="0" err="1">
-                <a:solidFill>
-                  <a:schemeClr val="tx1"/>
-                </a:solidFill>
-                <a:latin typeface="Anek Telugu SemiBold" pitchFamily="2" charset="0"/>
-                <a:cs typeface="Anek Telugu SemiBold" pitchFamily="2" charset="0"/>
-              </a:rPr>
-              <a:t>క్షయత</a:t>
-            </a:r>
-            <a:r>
-              <a:rPr lang="en-IN" sz="1300" dirty="0">
-                <a:solidFill>
-                  <a:schemeClr val="tx1"/>
-                </a:solidFill>
-                <a:latin typeface="Anek Telugu SemiBold" pitchFamily="2" charset="0"/>
-                <a:cs typeface="Anek Telugu SemiBold" pitchFamily="2" charset="0"/>
-              </a:rPr>
-              <a:t> </a:t>
-            </a:r>
-            <a:r>
-              <a:rPr lang="en-IN" sz="1300" dirty="0" err="1">
-                <a:solidFill>
-                  <a:schemeClr val="tx1"/>
-                </a:solidFill>
-                <a:latin typeface="Anek Telugu SemiBold" pitchFamily="2" charset="0"/>
-                <a:cs typeface="Anek Telugu SemiBold" pitchFamily="2" charset="0"/>
-              </a:rPr>
-              <a:t>నన్నంటదు</a:t>
-            </a:r>
-            <a:endParaRPr lang="en-IN" sz="1300" dirty="0">
-              <a:solidFill>
-                <a:schemeClr val="tx1"/>
-              </a:solidFill>
-              <a:latin typeface="Anek Telugu SemiBold" pitchFamily="2" charset="0"/>
-              <a:cs typeface="Anek Telugu SemiBold" pitchFamily="2" charset="0"/>
-            </a:endParaRPr>
-          </a:p>
-          <a:p>
-            <a:pPr algn="ctr">
-              <a:lnSpc>
-                <a:spcPct val="150000"/>
-              </a:lnSpc>
-            </a:pPr>
-            <a:endParaRPr lang="en-IN" sz="1300" dirty="0">
-              <a:solidFill>
-                <a:schemeClr val="tx1"/>
-              </a:solidFill>
-              <a:latin typeface="Anek Telugu SemiBold" pitchFamily="2" charset="0"/>
-              <a:cs typeface="Anek Telugu SemiBold" pitchFamily="2" charset="0"/>
-            </a:endParaRPr>
-          </a:p>
-          <a:p>
-            <a:pPr algn="ctr">
-              <a:lnSpc>
-                <a:spcPct val="150000"/>
-              </a:lnSpc>
-            </a:pPr>
-            <a:r>
-              <a:rPr lang="en-IN" sz="1300" dirty="0">
-                <a:solidFill>
-                  <a:schemeClr val="tx1"/>
-                </a:solidFill>
-                <a:latin typeface="Anek Telugu SemiBold" pitchFamily="2" charset="0"/>
-                <a:cs typeface="Anek Telugu SemiBold" pitchFamily="2" charset="0"/>
-              </a:rPr>
-              <a:t> 3. </a:t>
-            </a:r>
-            <a:r>
-              <a:rPr lang="en-IN" sz="1300" dirty="0" err="1">
-                <a:solidFill>
-                  <a:schemeClr val="tx1"/>
-                </a:solidFill>
-                <a:latin typeface="Anek Telugu SemiBold" pitchFamily="2" charset="0"/>
-                <a:cs typeface="Anek Telugu SemiBold" pitchFamily="2" charset="0"/>
-              </a:rPr>
-              <a:t>నీవే</a:t>
-            </a:r>
-            <a:r>
-              <a:rPr lang="en-IN" sz="1300" dirty="0">
-                <a:solidFill>
-                  <a:schemeClr val="tx1"/>
-                </a:solidFill>
-                <a:latin typeface="Anek Telugu SemiBold" pitchFamily="2" charset="0"/>
-                <a:cs typeface="Anek Telugu SemiBold" pitchFamily="2" charset="0"/>
-              </a:rPr>
-              <a:t> </a:t>
-            </a:r>
-            <a:r>
-              <a:rPr lang="en-IN" sz="1300" dirty="0" err="1">
-                <a:solidFill>
-                  <a:schemeClr val="tx1"/>
-                </a:solidFill>
-                <a:latin typeface="Anek Telugu SemiBold" pitchFamily="2" charset="0"/>
-                <a:cs typeface="Anek Telugu SemiBold" pitchFamily="2" charset="0"/>
-              </a:rPr>
-              <a:t>నాతో</a:t>
-            </a:r>
-            <a:r>
-              <a:rPr lang="en-IN" sz="1300" dirty="0">
-                <a:solidFill>
-                  <a:schemeClr val="tx1"/>
-                </a:solidFill>
-                <a:latin typeface="Anek Telugu SemiBold" pitchFamily="2" charset="0"/>
-                <a:cs typeface="Anek Telugu SemiBold" pitchFamily="2" charset="0"/>
-              </a:rPr>
-              <a:t> </a:t>
-            </a:r>
-            <a:r>
-              <a:rPr lang="en-IN" sz="1300" dirty="0" err="1">
-                <a:solidFill>
-                  <a:schemeClr val="tx1"/>
-                </a:solidFill>
-                <a:latin typeface="Anek Telugu SemiBold" pitchFamily="2" charset="0"/>
-                <a:cs typeface="Anek Telugu SemiBold" pitchFamily="2" charset="0"/>
-              </a:rPr>
-              <a:t>వస్తే</a:t>
-            </a:r>
-            <a:r>
-              <a:rPr lang="en-IN" sz="1300" dirty="0">
-                <a:solidFill>
-                  <a:schemeClr val="tx1"/>
-                </a:solidFill>
-                <a:latin typeface="Anek Telugu SemiBold" pitchFamily="2" charset="0"/>
-                <a:cs typeface="Anek Telugu SemiBold" pitchFamily="2" charset="0"/>
-              </a:rPr>
-              <a:t> </a:t>
-            </a:r>
-            <a:r>
-              <a:rPr lang="en-IN" sz="1300" dirty="0" err="1">
-                <a:solidFill>
-                  <a:schemeClr val="tx1"/>
-                </a:solidFill>
-                <a:latin typeface="Anek Telugu SemiBold" pitchFamily="2" charset="0"/>
-                <a:cs typeface="Anek Telugu SemiBold" pitchFamily="2" charset="0"/>
-              </a:rPr>
-              <a:t>ఓటమి</a:t>
-            </a:r>
-            <a:r>
-              <a:rPr lang="en-IN" sz="1300" dirty="0">
-                <a:solidFill>
-                  <a:schemeClr val="tx1"/>
-                </a:solidFill>
-                <a:latin typeface="Anek Telugu SemiBold" pitchFamily="2" charset="0"/>
-                <a:cs typeface="Anek Telugu SemiBold" pitchFamily="2" charset="0"/>
-              </a:rPr>
-              <a:t> </a:t>
-            </a:r>
-            <a:r>
-              <a:rPr lang="en-IN" sz="1300" dirty="0" err="1">
-                <a:solidFill>
-                  <a:schemeClr val="tx1"/>
-                </a:solidFill>
-                <a:latin typeface="Anek Telugu SemiBold" pitchFamily="2" charset="0"/>
-                <a:cs typeface="Anek Telugu SemiBold" pitchFamily="2" charset="0"/>
-              </a:rPr>
-              <a:t>నాకుండదు</a:t>
-            </a:r>
-            <a:endParaRPr lang="en-IN" sz="1300" dirty="0">
-              <a:solidFill>
-                <a:schemeClr val="tx1"/>
-              </a:solidFill>
-              <a:latin typeface="Anek Telugu SemiBold" pitchFamily="2" charset="0"/>
-              <a:cs typeface="Anek Telugu SemiBold" pitchFamily="2" charset="0"/>
-            </a:endParaRPr>
-          </a:p>
-          <a:p>
-            <a:pPr algn="ctr">
-              <a:lnSpc>
-                <a:spcPct val="150000"/>
-              </a:lnSpc>
-            </a:pPr>
-            <a:r>
-              <a:rPr lang="en-IN" sz="1300" dirty="0" err="1">
-                <a:solidFill>
-                  <a:schemeClr val="tx1"/>
-                </a:solidFill>
-                <a:latin typeface="Anek Telugu SemiBold" pitchFamily="2" charset="0"/>
-                <a:cs typeface="Anek Telugu SemiBold" pitchFamily="2" charset="0"/>
-              </a:rPr>
-              <a:t>నీవే</a:t>
-            </a:r>
-            <a:r>
-              <a:rPr lang="en-IN" sz="1300" dirty="0">
-                <a:solidFill>
-                  <a:schemeClr val="tx1"/>
-                </a:solidFill>
-                <a:latin typeface="Anek Telugu SemiBold" pitchFamily="2" charset="0"/>
-                <a:cs typeface="Anek Telugu SemiBold" pitchFamily="2" charset="0"/>
-              </a:rPr>
-              <a:t> </a:t>
-            </a:r>
-            <a:r>
-              <a:rPr lang="en-IN" sz="1300" dirty="0" err="1">
-                <a:solidFill>
-                  <a:schemeClr val="tx1"/>
-                </a:solidFill>
-                <a:latin typeface="Anek Telugu SemiBold" pitchFamily="2" charset="0"/>
-                <a:cs typeface="Anek Telugu SemiBold" pitchFamily="2" charset="0"/>
-              </a:rPr>
-              <a:t>ఆజ్ఞాపిస్తే</a:t>
-            </a:r>
-            <a:r>
-              <a:rPr lang="en-IN" sz="1300" dirty="0">
-                <a:solidFill>
-                  <a:schemeClr val="tx1"/>
-                </a:solidFill>
-                <a:latin typeface="Anek Telugu SemiBold" pitchFamily="2" charset="0"/>
-                <a:cs typeface="Anek Telugu SemiBold" pitchFamily="2" charset="0"/>
-              </a:rPr>
-              <a:t> </a:t>
-            </a:r>
-            <a:r>
-              <a:rPr lang="en-IN" sz="1300" dirty="0" err="1">
-                <a:solidFill>
-                  <a:schemeClr val="tx1"/>
-                </a:solidFill>
-                <a:latin typeface="Anek Telugu SemiBold" pitchFamily="2" charset="0"/>
-                <a:cs typeface="Anek Telugu SemiBold" pitchFamily="2" charset="0"/>
-              </a:rPr>
-              <a:t>చీకటి</a:t>
-            </a:r>
-            <a:r>
-              <a:rPr lang="en-IN" sz="1300" dirty="0">
-                <a:solidFill>
-                  <a:schemeClr val="tx1"/>
-                </a:solidFill>
-                <a:latin typeface="Anek Telugu SemiBold" pitchFamily="2" charset="0"/>
-                <a:cs typeface="Anek Telugu SemiBold" pitchFamily="2" charset="0"/>
-              </a:rPr>
-              <a:t> </a:t>
-            </a:r>
-            <a:r>
-              <a:rPr lang="en-IN" sz="1300" dirty="0" err="1">
-                <a:solidFill>
-                  <a:schemeClr val="tx1"/>
-                </a:solidFill>
-                <a:latin typeface="Anek Telugu SemiBold" pitchFamily="2" charset="0"/>
-                <a:cs typeface="Anek Telugu SemiBold" pitchFamily="2" charset="0"/>
-              </a:rPr>
-              <a:t>నన్నంటదు</a:t>
-            </a:r>
-            <a:endParaRPr lang="en-IN" sz="1300" dirty="0">
-              <a:solidFill>
-                <a:schemeClr val="tx1"/>
-              </a:solidFill>
-              <a:latin typeface="Anek Telugu SemiBold" pitchFamily="2" charset="0"/>
-              <a:cs typeface="Anek Telugu SemiBold" pitchFamily="2" charset="0"/>
-            </a:endParaRPr>
+              <a:t>వెలిగించుము నీ ప్రేమతో (2) ప్రభువా      ||ఎన్ని||</a:t>
+            </a:r>
           </a:p>
         </p:txBody>
       </p:sp>

--- a/songsTemplate.pptx
+++ b/songsTemplate.pptx
@@ -135,12 +135,12 @@
   <pc:docChgLst>
     <pc:chgData name="Venu Yalapala" userId="9feb8bbceceecaca" providerId="LiveId" clId="{54B247B9-47FF-4355-BF58-C7E85F55D2E7}"/>
     <pc:docChg chg="undo redo custSel addSld delSld modSld modMainMaster">
-      <pc:chgData name="Venu Yalapala" userId="9feb8bbceceecaca" providerId="LiveId" clId="{54B247B9-47FF-4355-BF58-C7E85F55D2E7}" dt="2025-10-18T05:32:57.047" v="1294" actId="20577"/>
+      <pc:chgData name="Venu Yalapala" userId="9feb8bbceceecaca" providerId="LiveId" clId="{54B247B9-47FF-4355-BF58-C7E85F55D2E7}" dt="2025-10-25T02:29:48.329" v="1448" actId="20577"/>
       <pc:docMkLst>
         <pc:docMk/>
       </pc:docMkLst>
       <pc:sldChg chg="addSp delSp modSp new mod">
-        <pc:chgData name="Venu Yalapala" userId="9feb8bbceceecaca" providerId="LiveId" clId="{54B247B9-47FF-4355-BF58-C7E85F55D2E7}" dt="2025-10-18T05:32:57.047" v="1294" actId="20577"/>
+        <pc:chgData name="Venu Yalapala" userId="9feb8bbceceecaca" providerId="LiveId" clId="{54B247B9-47FF-4355-BF58-C7E85F55D2E7}" dt="2025-10-25T02:26:54.752" v="1389" actId="20577"/>
         <pc:sldMkLst>
           <pc:docMk/>
           <pc:sldMk cId="2235425515" sldId="256"/>
@@ -154,7 +154,7 @@
           </ac:spMkLst>
         </pc:spChg>
         <pc:spChg chg="add mod ord">
-          <ac:chgData name="Venu Yalapala" userId="9feb8bbceceecaca" providerId="LiveId" clId="{54B247B9-47FF-4355-BF58-C7E85F55D2E7}" dt="2025-10-18T05:28:05.629" v="1174"/>
+          <ac:chgData name="Venu Yalapala" userId="9feb8bbceceecaca" providerId="LiveId" clId="{54B247B9-47FF-4355-BF58-C7E85F55D2E7}" dt="2025-10-25T02:26:01.081" v="1357" actId="404"/>
           <ac:spMkLst>
             <pc:docMk/>
             <pc:sldMk cId="2235425515" sldId="256"/>
@@ -162,7 +162,7 @@
           </ac:spMkLst>
         </pc:spChg>
         <pc:spChg chg="add mod">
-          <ac:chgData name="Venu Yalapala" userId="9feb8bbceceecaca" providerId="LiveId" clId="{54B247B9-47FF-4355-BF58-C7E85F55D2E7}" dt="2025-10-18T05:32:57.047" v="1294" actId="20577"/>
+          <ac:chgData name="Venu Yalapala" userId="9feb8bbceceecaca" providerId="LiveId" clId="{54B247B9-47FF-4355-BF58-C7E85F55D2E7}" dt="2025-10-25T02:26:54.752" v="1389" actId="20577"/>
           <ac:spMkLst>
             <pc:docMk/>
             <pc:sldMk cId="2235425515" sldId="256"/>
@@ -178,7 +178,7 @@
           </ac:spMkLst>
         </pc:spChg>
         <pc:spChg chg="add mod">
-          <ac:chgData name="Venu Yalapala" userId="9feb8bbceceecaca" providerId="LiveId" clId="{54B247B9-47FF-4355-BF58-C7E85F55D2E7}" dt="2025-10-18T05:32:52.230" v="1288" actId="20577"/>
+          <ac:chgData name="Venu Yalapala" userId="9feb8bbceceecaca" providerId="LiveId" clId="{54B247B9-47FF-4355-BF58-C7E85F55D2E7}" dt="2025-10-25T02:24:48.763" v="1327" actId="403"/>
           <ac:spMkLst>
             <pc:docMk/>
             <pc:sldMk cId="2235425515" sldId="256"/>
@@ -186,7 +186,7 @@
           </ac:spMkLst>
         </pc:spChg>
         <pc:spChg chg="add mod">
-          <ac:chgData name="Venu Yalapala" userId="9feb8bbceceecaca" providerId="LiveId" clId="{54B247B9-47FF-4355-BF58-C7E85F55D2E7}" dt="2025-10-18T05:32:46.182" v="1282" actId="20577"/>
+          <ac:chgData name="Venu Yalapala" userId="9feb8bbceceecaca" providerId="LiveId" clId="{54B247B9-47FF-4355-BF58-C7E85F55D2E7}" dt="2025-10-25T02:23:43.254" v="1299" actId="404"/>
           <ac:spMkLst>
             <pc:docMk/>
             <pc:sldMk cId="2235425515" sldId="256"/>
@@ -218,13 +218,13 @@
         </pc:spChg>
       </pc:sldChg>
       <pc:sldChg chg="addSp modSp new mod">
-        <pc:chgData name="Venu Yalapala" userId="9feb8bbceceecaca" providerId="LiveId" clId="{54B247B9-47FF-4355-BF58-C7E85F55D2E7}" dt="2025-10-18T05:32:37.186" v="1276" actId="20577"/>
+        <pc:chgData name="Venu Yalapala" userId="9feb8bbceceecaca" providerId="LiveId" clId="{54B247B9-47FF-4355-BF58-C7E85F55D2E7}" dt="2025-10-25T02:29:48.329" v="1448" actId="20577"/>
         <pc:sldMkLst>
           <pc:docMk/>
           <pc:sldMk cId="2717619941" sldId="257"/>
         </pc:sldMkLst>
         <pc:spChg chg="add mod">
-          <ac:chgData name="Venu Yalapala" userId="9feb8bbceceecaca" providerId="LiveId" clId="{54B247B9-47FF-4355-BF58-C7E85F55D2E7}" dt="2025-10-18T05:29:48.045" v="1221" actId="404"/>
+          <ac:chgData name="Venu Yalapala" userId="9feb8bbceceecaca" providerId="LiveId" clId="{54B247B9-47FF-4355-BF58-C7E85F55D2E7}" dt="2025-10-25T02:27:12.436" v="1399" actId="403"/>
           <ac:spMkLst>
             <pc:docMk/>
             <pc:sldMk cId="2717619941" sldId="257"/>
@@ -232,7 +232,7 @@
           </ac:spMkLst>
         </pc:spChg>
         <pc:spChg chg="add mod">
-          <ac:chgData name="Venu Yalapala" userId="9feb8bbceceecaca" providerId="LiveId" clId="{54B247B9-47FF-4355-BF58-C7E85F55D2E7}" dt="2025-10-18T05:30:14.374" v="1236" actId="20577"/>
+          <ac:chgData name="Venu Yalapala" userId="9feb8bbceceecaca" providerId="LiveId" clId="{54B247B9-47FF-4355-BF58-C7E85F55D2E7}" dt="2025-10-25T02:28:16.501" v="1407" actId="403"/>
           <ac:spMkLst>
             <pc:docMk/>
             <pc:sldMk cId="2717619941" sldId="257"/>
@@ -240,7 +240,7 @@
           </ac:spMkLst>
         </pc:spChg>
         <pc:spChg chg="add mod">
-          <ac:chgData name="Venu Yalapala" userId="9feb8bbceceecaca" providerId="LiveId" clId="{54B247B9-47FF-4355-BF58-C7E85F55D2E7}" dt="2025-10-18T05:32:37.186" v="1276" actId="20577"/>
+          <ac:chgData name="Venu Yalapala" userId="9feb8bbceceecaca" providerId="LiveId" clId="{54B247B9-47FF-4355-BF58-C7E85F55D2E7}" dt="2025-10-25T02:29:48.329" v="1448" actId="20577"/>
           <ac:spMkLst>
             <pc:docMk/>
             <pc:sldMk cId="2717619941" sldId="257"/>
@@ -248,7 +248,7 @@
           </ac:spMkLst>
         </pc:spChg>
         <pc:spChg chg="add mod">
-          <ac:chgData name="Venu Yalapala" userId="9feb8bbceceecaca" providerId="LiveId" clId="{54B247B9-47FF-4355-BF58-C7E85F55D2E7}" dt="2025-10-18T05:30:32.917" v="1245" actId="20577"/>
+          <ac:chgData name="Venu Yalapala" userId="9feb8bbceceecaca" providerId="LiveId" clId="{54B247B9-47FF-4355-BF58-C7E85F55D2E7}" dt="2025-10-25T02:29:26.122" v="1437" actId="255"/>
           <ac:spMkLst>
             <pc:docMk/>
             <pc:sldMk cId="2717619941" sldId="257"/>
@@ -1117,7 +1117,7 @@
           <a:p>
             <a:fld id="{0EEBF99D-A94C-4ACE-ABB7-ED5902A7DBE5}" type="datetimeFigureOut">
               <a:rPr lang="en-IN" smtClean="0"/>
-              <a:t>18-10-2025</a:t>
+              <a:t>25-10-2025</a:t>
             </a:fld>
             <a:endParaRPr lang="en-IN"/>
           </a:p>
@@ -1295,7 +1295,7 @@
           <a:p>
             <a:fld id="{6EA7C7CE-6F0C-4E71-B520-9461545357C0}" type="datetimeFigureOut">
               <a:rPr lang="en-IN" smtClean="0"/>
-              <a:t>18-10-2025</a:t>
+              <a:t>25-10-2025</a:t>
             </a:fld>
             <a:endParaRPr lang="en-IN"/>
           </a:p>
@@ -1695,7 +1695,7 @@
           <a:p>
             <a:fld id="{F1102B08-ED9E-409F-B95F-09CAA1DAF6E0}" type="datetimeFigureOut">
               <a:rPr lang="en-IN" smtClean="0"/>
-              <a:t>18-10-2025</a:t>
+              <a:t>25-10-2025</a:t>
             </a:fld>
             <a:endParaRPr lang="en-IN"/>
           </a:p>
@@ -1865,7 +1865,7 @@
           <a:p>
             <a:fld id="{F1102B08-ED9E-409F-B95F-09CAA1DAF6E0}" type="datetimeFigureOut">
               <a:rPr lang="en-IN" smtClean="0"/>
-              <a:t>18-10-2025</a:t>
+              <a:t>25-10-2025</a:t>
             </a:fld>
             <a:endParaRPr lang="en-IN"/>
           </a:p>
@@ -2045,7 +2045,7 @@
           <a:p>
             <a:fld id="{F1102B08-ED9E-409F-B95F-09CAA1DAF6E0}" type="datetimeFigureOut">
               <a:rPr lang="en-IN" smtClean="0"/>
-              <a:t>18-10-2025</a:t>
+              <a:t>25-10-2025</a:t>
             </a:fld>
             <a:endParaRPr lang="en-IN"/>
           </a:p>
@@ -2247,7 +2247,7 @@
             <a:fld id="{F1102B08-ED9E-409F-B95F-09CAA1DAF6E0}" type="datetimeFigureOut">
               <a:rPr lang="en-IN" sz="575" b="0" smtClean="0"/>
               <a:pPr/>
-              <a:t>18-10-2025</a:t>
+              <a:t>25-10-2025</a:t>
             </a:fld>
             <a:endParaRPr lang="en-IN" sz="575" b="0" dirty="0"/>
           </a:p>
@@ -5934,7 +5934,7 @@
             <a:fld id="{F1102B08-ED9E-409F-B95F-09CAA1DAF6E0}" type="datetimeFigureOut">
               <a:rPr lang="en-IN" sz="727" b="0" smtClean="0"/>
               <a:pPr/>
-              <a:t>18-10-2025</a:t>
+              <a:t>25-10-2025</a:t>
             </a:fld>
             <a:endParaRPr lang="en-IN" sz="727" b="0" dirty="0"/>
           </a:p>
@@ -6654,7 +6654,7 @@
             <a:fld id="{F1102B08-ED9E-409F-B95F-09CAA1DAF6E0}" type="datetimeFigureOut">
               <a:rPr lang="en-IN" sz="727" b="0" smtClean="0"/>
               <a:pPr/>
-              <a:t>18-10-2025</a:t>
+              <a:t>25-10-2025</a:t>
             </a:fld>
             <a:endParaRPr lang="en-IN" sz="727" b="0" dirty="0"/>
           </a:p>
@@ -7342,7 +7342,7 @@
           <a:p>
             <a:fld id="{F1102B08-ED9E-409F-B95F-09CAA1DAF6E0}" type="datetimeFigureOut">
               <a:rPr lang="en-IN" smtClean="0"/>
-              <a:t>18-10-2025</a:t>
+              <a:t>25-10-2025</a:t>
             </a:fld>
             <a:endParaRPr lang="en-IN"/>
           </a:p>
@@ -7586,7 +7586,7 @@
           <a:p>
             <a:fld id="{F1102B08-ED9E-409F-B95F-09CAA1DAF6E0}" type="datetimeFigureOut">
               <a:rPr lang="en-IN" smtClean="0"/>
-              <a:t>18-10-2025</a:t>
+              <a:t>25-10-2025</a:t>
             </a:fld>
             <a:endParaRPr lang="en-IN"/>
           </a:p>
@@ -7818,7 +7818,7 @@
           <a:p>
             <a:fld id="{F1102B08-ED9E-409F-B95F-09CAA1DAF6E0}" type="datetimeFigureOut">
               <a:rPr lang="en-IN" smtClean="0"/>
-              <a:t>18-10-2025</a:t>
+              <a:t>25-10-2025</a:t>
             </a:fld>
             <a:endParaRPr lang="en-IN"/>
           </a:p>
@@ -8185,7 +8185,7 @@
           <a:p>
             <a:fld id="{F1102B08-ED9E-409F-B95F-09CAA1DAF6E0}" type="datetimeFigureOut">
               <a:rPr lang="en-IN" smtClean="0"/>
-              <a:t>18-10-2025</a:t>
+              <a:t>25-10-2025</a:t>
             </a:fld>
             <a:endParaRPr lang="en-IN"/>
           </a:p>
@@ -8303,7 +8303,7 @@
           <a:p>
             <a:fld id="{F1102B08-ED9E-409F-B95F-09CAA1DAF6E0}" type="datetimeFigureOut">
               <a:rPr lang="en-IN" smtClean="0"/>
-              <a:t>18-10-2025</a:t>
+              <a:t>25-10-2025</a:t>
             </a:fld>
             <a:endParaRPr lang="en-IN"/>
           </a:p>
@@ -8398,7 +8398,7 @@
           <a:p>
             <a:fld id="{F1102B08-ED9E-409F-B95F-09CAA1DAF6E0}" type="datetimeFigureOut">
               <a:rPr lang="en-IN" smtClean="0"/>
-              <a:t>18-10-2025</a:t>
+              <a:t>25-10-2025</a:t>
             </a:fld>
             <a:endParaRPr lang="en-IN"/>
           </a:p>
@@ -8675,7 +8675,7 @@
           <a:p>
             <a:fld id="{F1102B08-ED9E-409F-B95F-09CAA1DAF6E0}" type="datetimeFigureOut">
               <a:rPr lang="en-IN" smtClean="0"/>
-              <a:t>18-10-2025</a:t>
+              <a:t>25-10-2025</a:t>
             </a:fld>
             <a:endParaRPr lang="en-IN"/>
           </a:p>
@@ -8932,7 +8932,7 @@
           <a:p>
             <a:fld id="{F1102B08-ED9E-409F-B95F-09CAA1DAF6E0}" type="datetimeFigureOut">
               <a:rPr lang="en-IN" smtClean="0"/>
-              <a:t>18-10-2025</a:t>
+              <a:t>25-10-2025</a:t>
             </a:fld>
             <a:endParaRPr lang="en-IN"/>
           </a:p>
@@ -9145,7 +9145,7 @@
           <a:p>
             <a:fld id="{F1102B08-ED9E-409F-B95F-09CAA1DAF6E0}" type="datetimeFigureOut">
               <a:rPr lang="en-IN" smtClean="0"/>
-              <a:t>18-10-2025</a:t>
+              <a:t>25-10-2025</a:t>
             </a:fld>
             <a:endParaRPr lang="en-IN"/>
           </a:p>
@@ -9628,7 +9628,7 @@
               </a:spcAft>
             </a:pPr>
             <a:r>
-              <a:rPr lang="te-IN" sz="1300" b="0" i="0" kern="1200" spc="0" baseline="0" dirty="0">
+              <a:rPr lang="te-IN" sz="1200" b="0" i="0" kern="1200" spc="0" baseline="0" dirty="0">
                 <a:ln>
                   <a:noFill/>
                 </a:ln>
@@ -9640,8 +9640,20 @@
                 <a:ea typeface="+mn-ea"/>
                 <a:cs typeface="Anek Telugu SemiBold" pitchFamily="2" charset="0"/>
               </a:rPr>
-              <a:t>మహోన్నతం మహిమాన్వితం </a:t>
-            </a:r>
+              <a:t>నీ ముఖము మనోహరము –</a:t>
+            </a:r>
+            <a:endParaRPr lang="en-IN" sz="1200" b="0" i="0" kern="1200" spc="0" baseline="0" dirty="0">
+              <a:ln>
+                <a:noFill/>
+              </a:ln>
+              <a:solidFill>
+                <a:srgbClr val="000000"/>
+              </a:solidFill>
+              <a:effectLst/>
+              <a:latin typeface="Anek Telugu SemiBold" pitchFamily="2" charset="0"/>
+              <a:ea typeface="+mn-ea"/>
+              <a:cs typeface="Anek Telugu SemiBold" pitchFamily="2" charset="0"/>
+            </a:endParaRPr>
           </a:p>
           <a:p>
             <a:pPr marL="0" marR="0" indent="0" algn="ctr" rtl="0" eaLnBrk="1" fontAlgn="auto" latinLnBrk="0" hangingPunct="1">
@@ -9656,7 +9668,7 @@
               </a:spcAft>
             </a:pPr>
             <a:r>
-              <a:rPr lang="te-IN" sz="1300" b="0" i="0" kern="1200" spc="0" baseline="0" dirty="0">
+              <a:rPr lang="te-IN" sz="1200" b="0" i="0" kern="1200" spc="0" baseline="0" dirty="0">
                 <a:ln>
                   <a:noFill/>
                 </a:ln>
@@ -9668,7 +9680,7 @@
                 <a:ea typeface="+mn-ea"/>
                 <a:cs typeface="Anek Telugu SemiBold" pitchFamily="2" charset="0"/>
               </a:rPr>
-              <a:t>యేసయ్య నామం ఎంతో మధురం</a:t>
+              <a:t>నీ స్వరము మాధుర్యము</a:t>
             </a:r>
           </a:p>
           <a:p>
@@ -9684,7 +9696,7 @@
               </a:spcAft>
             </a:pPr>
             <a:r>
-              <a:rPr lang="te-IN" sz="1300" b="0" i="0" kern="1200" spc="0" baseline="0" dirty="0">
+              <a:rPr lang="te-IN" sz="1200" b="0" i="0" kern="1200" spc="0" baseline="0" dirty="0">
                 <a:ln>
                   <a:noFill/>
                 </a:ln>
@@ -9696,7 +9708,7 @@
                 <a:ea typeface="+mn-ea"/>
                 <a:cs typeface="Anek Telugu SemiBold" pitchFamily="2" charset="0"/>
               </a:rPr>
-              <a:t> || మహోన్నతం ||</a:t>
+              <a:t>నీ పాదాలు అపరంజి మయము</a:t>
             </a:r>
           </a:p>
           <a:p>
@@ -9711,7 +9723,22 @@
                 <a:spcPts val="0"/>
               </a:spcAft>
             </a:pPr>
-            <a:endParaRPr lang="te-IN" sz="1300" b="0" i="0" kern="1200" spc="0" baseline="0" dirty="0">
+            <a:r>
+              <a:rPr lang="te-IN" sz="1200" b="0" i="0" kern="1200" spc="0" baseline="0" dirty="0">
+                <a:ln>
+                  <a:noFill/>
+                </a:ln>
+                <a:solidFill>
+                  <a:srgbClr val="000000"/>
+                </a:solidFill>
+                <a:effectLst/>
+                <a:latin typeface="Anek Telugu SemiBold" pitchFamily="2" charset="0"/>
+                <a:ea typeface="+mn-ea"/>
+                <a:cs typeface="Anek Telugu SemiBold" pitchFamily="2" charset="0"/>
+              </a:rPr>
+              <a:t>యేసయ్యా నా ప్రాణ ప్రియుడా –</a:t>
+            </a:r>
+            <a:endParaRPr lang="en-IN" sz="1200" b="0" i="0" kern="1200" spc="0" baseline="0" dirty="0">
               <a:ln>
                 <a:noFill/>
               </a:ln>
@@ -9737,7 +9764,7 @@
               </a:spcAft>
             </a:pPr>
             <a:r>
-              <a:rPr lang="te-IN" sz="1300" b="0" i="0" kern="1200" spc="0" baseline="0" dirty="0">
+              <a:rPr lang="te-IN" sz="1200" b="0" i="0" kern="1200" spc="0" baseline="0" dirty="0">
                 <a:ln>
                   <a:noFill/>
                 </a:ln>
@@ -9749,8 +9776,20 @@
                 <a:ea typeface="+mn-ea"/>
                 <a:cs typeface="Anek Telugu SemiBold" pitchFamily="2" charset="0"/>
               </a:rPr>
-              <a:t>1. ఈ నామమందే లోకరక్షణ </a:t>
-            </a:r>
+              <a:t>మనగలనా నిను వీడి క్షణమైన</a:t>
+            </a:r>
+            <a:endParaRPr lang="en-IN" sz="1200" b="0" i="0" kern="1200" spc="0" baseline="0" dirty="0">
+              <a:ln>
+                <a:noFill/>
+              </a:ln>
+              <a:solidFill>
+                <a:srgbClr val="000000"/>
+              </a:solidFill>
+              <a:effectLst/>
+              <a:latin typeface="Anek Telugu SemiBold" pitchFamily="2" charset="0"/>
+              <a:ea typeface="+mn-ea"/>
+              <a:cs typeface="Anek Telugu SemiBold" pitchFamily="2" charset="0"/>
+            </a:endParaRPr>
           </a:p>
           <a:p>
             <a:pPr marL="0" marR="0" indent="0" algn="ctr" rtl="0" eaLnBrk="1" fontAlgn="auto" latinLnBrk="0" hangingPunct="1">
@@ -9764,8 +9803,34 @@
                 <a:spcPts val="0"/>
               </a:spcAft>
             </a:pPr>
-            <a:r>
-              <a:rPr lang="te-IN" sz="1300" b="0" i="0" kern="1200" spc="0" baseline="0" dirty="0">
+            <a:endParaRPr lang="te-IN" sz="1200" b="0" i="0" kern="1200" spc="0" baseline="0" dirty="0">
+              <a:ln>
+                <a:noFill/>
+              </a:ln>
+              <a:solidFill>
+                <a:srgbClr val="000000"/>
+              </a:solidFill>
+              <a:effectLst/>
+              <a:latin typeface="Anek Telugu SemiBold" pitchFamily="2" charset="0"/>
+              <a:ea typeface="+mn-ea"/>
+              <a:cs typeface="Anek Telugu SemiBold" pitchFamily="2" charset="0"/>
+            </a:endParaRPr>
+          </a:p>
+          <a:p>
+            <a:pPr marL="228600" marR="0" indent="-228600" algn="ctr" rtl="0" eaLnBrk="1" fontAlgn="auto" latinLnBrk="0" hangingPunct="1">
+              <a:lnSpc>
+                <a:spcPct val="150000"/>
+              </a:lnSpc>
+              <a:spcBef>
+                <a:spcPts val="0"/>
+              </a:spcBef>
+              <a:spcAft>
+                <a:spcPts val="0"/>
+              </a:spcAft>
+              <a:buAutoNum type="arabicPeriod"/>
+            </a:pPr>
+            <a:r>
+              <a:rPr lang="te-IN" sz="1200" b="0" i="0" kern="1200" spc="0" baseline="0" dirty="0">
                 <a:ln>
                   <a:noFill/>
                 </a:ln>
@@ -9777,7 +9842,47 @@
                 <a:ea typeface="+mn-ea"/>
                 <a:cs typeface="Anek Telugu SemiBold" pitchFamily="2" charset="0"/>
               </a:rPr>
-              <a:t>లేదింక ఇలయే  నిరీక్షణ (2)</a:t>
+              <a:t>నీవే నాతోడువై నీవే నాజీవమై –</a:t>
+            </a:r>
+            <a:endParaRPr lang="en-IN" sz="1200" b="0" i="0" kern="1200" spc="0" baseline="0" dirty="0">
+              <a:ln>
+                <a:noFill/>
+              </a:ln>
+              <a:solidFill>
+                <a:srgbClr val="000000"/>
+              </a:solidFill>
+              <a:effectLst/>
+              <a:latin typeface="Anek Telugu SemiBold" pitchFamily="2" charset="0"/>
+              <a:ea typeface="+mn-ea"/>
+              <a:cs typeface="Anek Telugu SemiBold" pitchFamily="2" charset="0"/>
+            </a:endParaRPr>
+          </a:p>
+          <a:p>
+            <a:pPr marR="0" algn="ctr" rtl="0" eaLnBrk="1" fontAlgn="auto" latinLnBrk="0" hangingPunct="1">
+              <a:lnSpc>
+                <a:spcPct val="150000"/>
+              </a:lnSpc>
+              <a:spcBef>
+                <a:spcPts val="0"/>
+              </a:spcBef>
+              <a:spcAft>
+                <a:spcPts val="0"/>
+              </a:spcAft>
+            </a:pPr>
+            <a:r>
+              <a:rPr lang="te-IN" sz="1200" b="0" i="0" kern="1200" spc="0" baseline="0" dirty="0">
+                <a:ln>
+                  <a:noFill/>
+                </a:ln>
+                <a:solidFill>
+                  <a:srgbClr val="000000"/>
+                </a:solidFill>
+                <a:effectLst/>
+                <a:latin typeface="Anek Telugu SemiBold" pitchFamily="2" charset="0"/>
+                <a:ea typeface="+mn-ea"/>
+                <a:cs typeface="Anek Telugu SemiBold" pitchFamily="2" charset="0"/>
+              </a:rPr>
+              <a:t>నా హృదిలోన నిలిచిన జ్ణాపికవై</a:t>
             </a:r>
           </a:p>
           <a:p>
@@ -9793,7 +9898,7 @@
               </a:spcAft>
             </a:pPr>
             <a:r>
-              <a:rPr lang="te-IN" sz="1300" b="0" i="0" kern="1200" spc="0" baseline="0" dirty="0">
+              <a:rPr lang="te-IN" sz="1200" b="0" i="0" kern="1200" spc="0" baseline="0" dirty="0">
                 <a:ln>
                   <a:noFill/>
                 </a:ln>
@@ -9805,7 +9910,7 @@
                 <a:ea typeface="+mn-ea"/>
                 <a:cs typeface="Anek Telugu SemiBold" pitchFamily="2" charset="0"/>
               </a:rPr>
-              <a:t>భరియించే నీ పాప శిక్షంతయు (2)</a:t>
+              <a:t>అణువణువున నీకృప నిక్షిప్తమై –</a:t>
             </a:r>
           </a:p>
           <a:p>
@@ -9821,7 +9926,7 @@
               </a:spcAft>
             </a:pPr>
             <a:r>
-              <a:rPr lang="te-IN" sz="1300" b="0" i="0" kern="1200" spc="0" baseline="0" dirty="0">
+              <a:rPr lang="te-IN" sz="1200" b="0" i="0" kern="1200" spc="0" baseline="0" dirty="0">
                 <a:ln>
                   <a:noFill/>
                 </a:ln>
@@ -9833,7 +9938,7 @@
                 <a:ea typeface="+mn-ea"/>
                 <a:cs typeface="Anek Telugu SemiBold" pitchFamily="2" charset="0"/>
               </a:rPr>
-              <a:t>నీకై ప్రసాదించే మోక్షం</a:t>
+              <a:t>నను ఎన్నడు వీడని అనుబంధమై "యేసయ్య"</a:t>
             </a:r>
           </a:p>
           <a:p>
@@ -9848,21 +9953,18 @@
                 <a:spcPts val="0"/>
               </a:spcAft>
             </a:pPr>
-            <a:r>
-              <a:rPr lang="te-IN" sz="1300" b="0" i="0" kern="1200" spc="0" baseline="0" dirty="0">
-                <a:ln>
-                  <a:noFill/>
-                </a:ln>
-                <a:solidFill>
-                  <a:srgbClr val="000000"/>
-                </a:solidFill>
-                <a:effectLst/>
-                <a:latin typeface="Anek Telugu SemiBold" pitchFamily="2" charset="0"/>
-                <a:ea typeface="+mn-ea"/>
-                <a:cs typeface="Anek Telugu SemiBold" pitchFamily="2" charset="0"/>
-              </a:rPr>
-              <a:t> || మహోన్నతం ||</a:t>
-            </a:r>
+            <a:endParaRPr lang="te-IN" sz="1200" b="0" i="0" kern="1200" spc="0" baseline="0" dirty="0">
+              <a:ln>
+                <a:noFill/>
+              </a:ln>
+              <a:solidFill>
+                <a:srgbClr val="000000"/>
+              </a:solidFill>
+              <a:effectLst/>
+              <a:latin typeface="Anek Telugu SemiBold" pitchFamily="2" charset="0"/>
+              <a:ea typeface="+mn-ea"/>
+              <a:cs typeface="Anek Telugu SemiBold" pitchFamily="2" charset="0"/>
+            </a:endParaRPr>
           </a:p>
           <a:p>
             <a:pPr marL="0" marR="0" indent="0" algn="ctr" rtl="0" eaLnBrk="1" fontAlgn="auto" latinLnBrk="0" hangingPunct="1">
@@ -9877,7 +9979,7 @@
               </a:spcAft>
             </a:pPr>
             <a:r>
-              <a:rPr lang="te-IN" sz="1300" b="0" i="0" kern="1200" spc="0" baseline="0" dirty="0">
+              <a:rPr lang="te-IN" sz="1200" b="0" i="0" kern="1200" spc="0" baseline="0" dirty="0">
                 <a:ln>
                   <a:noFill/>
                 </a:ln>
@@ -9889,8 +9991,20 @@
                 <a:ea typeface="+mn-ea"/>
                 <a:cs typeface="Anek Telugu SemiBold" pitchFamily="2" charset="0"/>
               </a:rPr>
-              <a:t> </a:t>
-            </a:r>
+              <a:t>2. నీవే నా శైలమై నీవే నాశృంగమై </a:t>
+            </a:r>
+            <a:endParaRPr lang="en-IN" sz="1200" b="0" i="0" kern="1200" spc="0" baseline="0" dirty="0">
+              <a:ln>
+                <a:noFill/>
+              </a:ln>
+              <a:solidFill>
+                <a:srgbClr val="000000"/>
+              </a:solidFill>
+              <a:effectLst/>
+              <a:latin typeface="Anek Telugu SemiBold" pitchFamily="2" charset="0"/>
+              <a:ea typeface="+mn-ea"/>
+              <a:cs typeface="Anek Telugu SemiBold" pitchFamily="2" charset="0"/>
+            </a:endParaRPr>
           </a:p>
           <a:p>
             <a:pPr marL="0" marR="0" indent="0" algn="ctr" rtl="0" eaLnBrk="1" fontAlgn="auto" latinLnBrk="0" hangingPunct="1">
@@ -9905,7 +10019,7 @@
               </a:spcAft>
             </a:pPr>
             <a:r>
-              <a:rPr lang="te-IN" sz="1300" b="0" i="0" kern="1200" spc="0" baseline="0" dirty="0">
+              <a:rPr lang="te-IN" sz="1200" b="0" i="0" kern="1200" spc="0" baseline="0" dirty="0">
                 <a:ln>
                   <a:noFill/>
                 </a:ln>
@@ -9917,7 +10031,7 @@
                 <a:ea typeface="+mn-ea"/>
                 <a:cs typeface="Anek Telugu SemiBold" pitchFamily="2" charset="0"/>
               </a:rPr>
-              <a:t>2. నీ చీకటి బ్రతుకు మార్చే నామం </a:t>
+              <a:t> నా విజయానికే నీవు భుజబలమై</a:t>
             </a:r>
           </a:p>
           <a:p>
@@ -9933,7 +10047,7 @@
               </a:spcAft>
             </a:pPr>
             <a:r>
-              <a:rPr lang="te-IN" sz="1300" b="0" i="0" kern="1200" spc="0" baseline="0" dirty="0">
+              <a:rPr lang="te-IN" sz="1200" b="0" i="0" kern="1200" spc="0" baseline="0" dirty="0">
                 <a:ln>
                   <a:noFill/>
                 </a:ln>
@@ -9945,7 +10059,7 @@
                 <a:ea typeface="+mn-ea"/>
                 <a:cs typeface="Anek Telugu SemiBold" pitchFamily="2" charset="0"/>
               </a:rPr>
-              <a:t>ప్రతి నామము కన్నా పై నామము (2)</a:t>
+              <a:t>అనుక్షణమున శత్రువుకు ప్రత్యక్షమై –</a:t>
             </a:r>
           </a:p>
           <a:p>
@@ -9961,7 +10075,7 @@
               </a:spcAft>
             </a:pPr>
             <a:r>
-              <a:rPr lang="te-IN" sz="1300" b="0" i="0" kern="1200" spc="0" baseline="0" dirty="0">
+              <a:rPr lang="te-IN" sz="1200" b="0" i="0" kern="1200" spc="0" baseline="0" dirty="0">
                 <a:ln>
                   <a:noFill/>
                 </a:ln>
@@ -9973,63 +10087,7 @@
                 <a:ea typeface="+mn-ea"/>
                 <a:cs typeface="Anek Telugu SemiBold" pitchFamily="2" charset="0"/>
               </a:rPr>
-              <a:t>లోకాన్ని తలక్రిందులు చేసే  నామం (2)</a:t>
-            </a:r>
-          </a:p>
-          <a:p>
-            <a:pPr marL="0" marR="0" indent="0" algn="ctr" rtl="0" eaLnBrk="1" fontAlgn="auto" latinLnBrk="0" hangingPunct="1">
-              <a:lnSpc>
-                <a:spcPct val="150000"/>
-              </a:lnSpc>
-              <a:spcBef>
-                <a:spcPts val="0"/>
-              </a:spcBef>
-              <a:spcAft>
-                <a:spcPts val="0"/>
-              </a:spcAft>
-            </a:pPr>
-            <a:r>
-              <a:rPr lang="te-IN" sz="1300" b="0" i="0" kern="1200" spc="0" baseline="0" dirty="0">
-                <a:ln>
-                  <a:noFill/>
-                </a:ln>
-                <a:solidFill>
-                  <a:srgbClr val="000000"/>
-                </a:solidFill>
-                <a:effectLst/>
-                <a:latin typeface="Anek Telugu SemiBold" pitchFamily="2" charset="0"/>
-                <a:ea typeface="+mn-ea"/>
-                <a:cs typeface="Anek Telugu SemiBold" pitchFamily="2" charset="0"/>
-              </a:rPr>
-              <a:t>ప్రపంచ శాంతికి ఆధారం</a:t>
-            </a:r>
-          </a:p>
-          <a:p>
-            <a:pPr marL="0" marR="0" indent="0" algn="ctr" rtl="0" eaLnBrk="1" fontAlgn="auto" latinLnBrk="0" hangingPunct="1">
-              <a:lnSpc>
-                <a:spcPct val="150000"/>
-              </a:lnSpc>
-              <a:spcBef>
-                <a:spcPts val="0"/>
-              </a:spcBef>
-              <a:spcAft>
-                <a:spcPts val="0"/>
-              </a:spcAft>
-            </a:pPr>
-            <a:r>
-              <a:rPr lang="te-IN" sz="1300" b="0" i="0" kern="1200" spc="0" baseline="0" dirty="0">
-                <a:ln>
-                  <a:noFill/>
-                </a:ln>
-                <a:solidFill>
-                  <a:srgbClr val="000000"/>
-                </a:solidFill>
-                <a:effectLst/>
-                <a:latin typeface="Anek Telugu SemiBold" pitchFamily="2" charset="0"/>
-                <a:ea typeface="+mn-ea"/>
-                <a:cs typeface="Anek Telugu SemiBold" pitchFamily="2" charset="0"/>
-              </a:rPr>
-              <a:t> || మహోన్నతం || </a:t>
+              <a:t>నను వెనుదీయనీయక వెన్ను తట్టినావు "యేసయ్య"</a:t>
             </a:r>
           </a:p>
         </p:txBody>
@@ -10093,7 +10151,7 @@
               </a:spcAft>
             </a:pPr>
             <a:r>
-              <a:rPr lang="te-IN" sz="1100" b="0" i="0" kern="1200" spc="0" baseline="0" dirty="0">
+              <a:rPr lang="te-IN" sz="1400" b="0" i="0" kern="1200" spc="0" baseline="0" dirty="0">
                 <a:ln>
                   <a:noFill/>
                 </a:ln>
@@ -10105,8 +10163,49 @@
                 <a:ea typeface="+mn-ea"/>
                 <a:cs typeface="Anek Telugu SemiBold" pitchFamily="2" charset="0"/>
               </a:rPr>
-              <a:t>అత్యున్నత సింహాసనముపై ఆసీనుడా</a:t>
-            </a:r>
+              <a:t>ఇంత కాలం నీదు కృపలో కాచిన దేవా (2)</a:t>
+            </a:r>
+            <a:br>
+              <a:rPr lang="te-IN" sz="1400" b="0" i="0" kern="1200" spc="0" baseline="0" dirty="0">
+                <a:ln>
+                  <a:noFill/>
+                </a:ln>
+                <a:solidFill>
+                  <a:srgbClr val="000000"/>
+                </a:solidFill>
+                <a:effectLst/>
+                <a:latin typeface="Anek Telugu SemiBold" pitchFamily="2" charset="0"/>
+                <a:ea typeface="+mn-ea"/>
+                <a:cs typeface="Anek Telugu SemiBold" pitchFamily="2" charset="0"/>
+              </a:rPr>
+            </a:br>
+            <a:r>
+              <a:rPr lang="te-IN" sz="1400" b="0" i="0" kern="1200" spc="0" baseline="0" dirty="0">
+                <a:ln>
+                  <a:noFill/>
+                </a:ln>
+                <a:solidFill>
+                  <a:srgbClr val="000000"/>
+                </a:solidFill>
+                <a:effectLst/>
+                <a:latin typeface="Anek Telugu SemiBold" pitchFamily="2" charset="0"/>
+                <a:ea typeface="+mn-ea"/>
+                <a:cs typeface="Anek Telugu SemiBold" pitchFamily="2" charset="0"/>
+              </a:rPr>
+              <a:t>ఇకను కూడా మాకు తోడు</a:t>
+            </a:r>
+            <a:endParaRPr lang="en-IN" sz="1400" b="0" i="0" kern="1200" spc="0" baseline="0" dirty="0">
+              <a:ln>
+                <a:noFill/>
+              </a:ln>
+              <a:solidFill>
+                <a:srgbClr val="000000"/>
+              </a:solidFill>
+              <a:effectLst/>
+              <a:latin typeface="Anek Telugu SemiBold" pitchFamily="2" charset="0"/>
+              <a:ea typeface="+mn-ea"/>
+              <a:cs typeface="Anek Telugu SemiBold" pitchFamily="2" charset="0"/>
+            </a:endParaRPr>
           </a:p>
           <a:p>
             <a:pPr marL="0" marR="0" indent="0" algn="ctr" rtl="0" eaLnBrk="1" fontAlgn="auto" latinLnBrk="0" hangingPunct="1">
@@ -10121,7 +10220,7 @@
               </a:spcAft>
             </a:pPr>
             <a:r>
-              <a:rPr lang="te-IN" sz="1100" b="0" i="0" kern="1200" spc="0" baseline="0" dirty="0">
+              <a:rPr lang="te-IN" sz="1400" b="0" i="0" kern="1200" spc="0" baseline="0" dirty="0">
                 <a:ln>
                   <a:noFill/>
                 </a:ln>
@@ -10133,7 +10232,7 @@
                 <a:ea typeface="+mn-ea"/>
                 <a:cs typeface="Anek Telugu SemiBold" pitchFamily="2" charset="0"/>
               </a:rPr>
-              <a:t>దేవ దూతలు ఆరాధించు పరిశుద్ధుడా</a:t>
+              <a:t>నీడ నీవే కదా (2)        </a:t>
             </a:r>
           </a:p>
           <a:p>
@@ -10148,8 +10247,34 @@
                 <a:spcPts val="0"/>
               </a:spcAft>
             </a:pPr>
-            <a:r>
-              <a:rPr lang="te-IN" sz="1100" b="0" i="0" kern="1200" spc="0" baseline="0" dirty="0">
+            <a:endParaRPr lang="te-IN" sz="1400" b="0" i="0" kern="1200" spc="0" baseline="0" dirty="0">
+              <a:ln>
+                <a:noFill/>
+              </a:ln>
+              <a:solidFill>
+                <a:srgbClr val="000000"/>
+              </a:solidFill>
+              <a:effectLst/>
+              <a:latin typeface="Anek Telugu SemiBold" pitchFamily="2" charset="0"/>
+              <a:ea typeface="+mn-ea"/>
+              <a:cs typeface="Anek Telugu SemiBold" pitchFamily="2" charset="0"/>
+            </a:endParaRPr>
+          </a:p>
+          <a:p>
+            <a:pPr marL="228600" marR="0" indent="-228600" algn="ctr" rtl="0" eaLnBrk="1" fontAlgn="auto" latinLnBrk="0" hangingPunct="1">
+              <a:lnSpc>
+                <a:spcPct val="150000"/>
+              </a:lnSpc>
+              <a:spcBef>
+                <a:spcPts val="0"/>
+              </a:spcBef>
+              <a:spcAft>
+                <a:spcPts val="0"/>
+              </a:spcAft>
+              <a:buAutoNum type="arabicPeriod"/>
+            </a:pPr>
+            <a:r>
+              <a:rPr lang="te-IN" sz="1400" b="0" i="0" kern="1200" spc="0" baseline="0" dirty="0">
                 <a:ln>
                   <a:noFill/>
                 </a:ln>
@@ -10161,7 +10286,105 @@
                 <a:ea typeface="+mn-ea"/>
                 <a:cs typeface="Anek Telugu SemiBold" pitchFamily="2" charset="0"/>
               </a:rPr>
-              <a:t>యేసయ్యా నా నిలువెల్ల నిండియున్నావు</a:t>
+              <a:t>ఎన్ని ఏళ్ళు గడచినా –</a:t>
+            </a:r>
+            <a:endParaRPr lang="en-IN" sz="1400" b="0" i="0" kern="1200" spc="0" baseline="0" dirty="0">
+              <a:ln>
+                <a:noFill/>
+              </a:ln>
+              <a:solidFill>
+                <a:srgbClr val="000000"/>
+              </a:solidFill>
+              <a:effectLst/>
+              <a:latin typeface="Anek Telugu SemiBold" pitchFamily="2" charset="0"/>
+              <a:ea typeface="+mn-ea"/>
+              <a:cs typeface="Anek Telugu SemiBold" pitchFamily="2" charset="0"/>
+            </a:endParaRPr>
+          </a:p>
+          <a:p>
+            <a:pPr marR="0" algn="ctr" rtl="0" eaLnBrk="1" fontAlgn="auto" latinLnBrk="0" hangingPunct="1">
+              <a:lnSpc>
+                <a:spcPct val="150000"/>
+              </a:lnSpc>
+              <a:spcBef>
+                <a:spcPts val="0"/>
+              </a:spcBef>
+              <a:spcAft>
+                <a:spcPts val="0"/>
+              </a:spcAft>
+            </a:pPr>
+            <a:r>
+              <a:rPr lang="te-IN" sz="1400" b="0" i="0" kern="1200" spc="0" baseline="0" dirty="0">
+                <a:ln>
+                  <a:noFill/>
+                </a:ln>
+                <a:solidFill>
+                  <a:srgbClr val="000000"/>
+                </a:solidFill>
+                <a:effectLst/>
+                <a:latin typeface="Anek Telugu SemiBold" pitchFamily="2" charset="0"/>
+                <a:ea typeface="+mn-ea"/>
+                <a:cs typeface="Anek Telugu SemiBold" pitchFamily="2" charset="0"/>
+              </a:rPr>
+              <a:t>ఎన్ని తరాలు మారినా (2)</a:t>
+            </a:r>
+            <a:br>
+              <a:rPr lang="te-IN" sz="1400" b="0" i="0" kern="1200" spc="0" baseline="0" dirty="0">
+                <a:ln>
+                  <a:noFill/>
+                </a:ln>
+                <a:solidFill>
+                  <a:srgbClr val="000000"/>
+                </a:solidFill>
+                <a:effectLst/>
+                <a:latin typeface="Anek Telugu SemiBold" pitchFamily="2" charset="0"/>
+                <a:ea typeface="+mn-ea"/>
+                <a:cs typeface="Anek Telugu SemiBold" pitchFamily="2" charset="0"/>
+              </a:rPr>
+            </a:br>
+            <a:r>
+              <a:rPr lang="te-IN" sz="1400" b="0" i="0" kern="1200" spc="0" baseline="0" dirty="0">
+                <a:ln>
+                  <a:noFill/>
+                </a:ln>
+                <a:solidFill>
+                  <a:srgbClr val="000000"/>
+                </a:solidFill>
+                <a:effectLst/>
+                <a:latin typeface="Anek Telugu SemiBold" pitchFamily="2" charset="0"/>
+                <a:ea typeface="+mn-ea"/>
+                <a:cs typeface="Anek Telugu SemiBold" pitchFamily="2" charset="0"/>
+              </a:rPr>
+              <a:t>మారని వీడని ప్రేమే నీదయ్యా</a:t>
+            </a:r>
+            <a:br>
+              <a:rPr lang="te-IN" sz="1400" b="0" i="0" kern="1200" spc="0" baseline="0" dirty="0">
+                <a:ln>
+                  <a:noFill/>
+                </a:ln>
+                <a:solidFill>
+                  <a:srgbClr val="000000"/>
+                </a:solidFill>
+                <a:effectLst/>
+                <a:latin typeface="Anek Telugu SemiBold" pitchFamily="2" charset="0"/>
+                <a:ea typeface="+mn-ea"/>
+                <a:cs typeface="Anek Telugu SemiBold" pitchFamily="2" charset="0"/>
+              </a:rPr>
+            </a:br>
+            <a:r>
+              <a:rPr lang="te-IN" sz="1400" b="0" i="0" kern="1200" spc="0" baseline="0" dirty="0">
+                <a:ln>
+                  <a:noFill/>
+                </a:ln>
+                <a:solidFill>
+                  <a:srgbClr val="000000"/>
+                </a:solidFill>
+                <a:effectLst/>
+                <a:latin typeface="Anek Telugu SemiBold" pitchFamily="2" charset="0"/>
+                <a:ea typeface="+mn-ea"/>
+                <a:cs typeface="Anek Telugu SemiBold" pitchFamily="2" charset="0"/>
+              </a:rPr>
+              <a:t>మార్చిన నా జీవితం నీకే యేసయ్యా (2)  </a:t>
             </a:r>
           </a:p>
           <a:p>
@@ -10177,7 +10400,7 @@
               </a:spcAft>
             </a:pPr>
             <a:r>
-              <a:rPr lang="te-IN" sz="1100" b="0" i="0" kern="1200" spc="0" baseline="0" dirty="0">
+              <a:rPr lang="te-IN" sz="1400" b="0" i="0" kern="1200" spc="0" baseline="0" dirty="0">
                 <a:ln>
                   <a:noFill/>
                 </a:ln>
@@ -10189,7 +10412,7 @@
                 <a:ea typeface="+mn-ea"/>
                 <a:cs typeface="Anek Telugu SemiBold" pitchFamily="2" charset="0"/>
               </a:rPr>
-              <a:t>నా మనసార నీ సన్నిధిలో</a:t>
+              <a:t>       </a:t>
             </a:r>
           </a:p>
           <a:p>
@@ -10205,7 +10428,7 @@
               </a:spcAft>
             </a:pPr>
             <a:r>
-              <a:rPr lang="te-IN" sz="1100" b="0" i="0" kern="1200" spc="0" baseline="0" dirty="0">
+              <a:rPr lang="en-IN" sz="1400" b="0" i="0" kern="1200" spc="0" baseline="0" dirty="0">
                 <a:ln>
                   <a:noFill/>
                 </a:ln>
@@ -10217,8 +10440,35 @@
                 <a:ea typeface="+mn-ea"/>
                 <a:cs typeface="Anek Telugu SemiBold" pitchFamily="2" charset="0"/>
               </a:rPr>
-              <a:t>సాగిలపడి నమస్కారము చేసేదా</a:t>
-            </a:r>
+              <a:t>2. </a:t>
+            </a:r>
+            <a:r>
+              <a:rPr lang="te-IN" sz="1400" b="0" i="0" kern="1200" spc="0" baseline="0" dirty="0">
+                <a:ln>
+                  <a:noFill/>
+                </a:ln>
+                <a:solidFill>
+                  <a:srgbClr val="000000"/>
+                </a:solidFill>
+                <a:effectLst/>
+                <a:latin typeface="Anek Telugu SemiBold" pitchFamily="2" charset="0"/>
+                <a:ea typeface="+mn-ea"/>
+                <a:cs typeface="Anek Telugu SemiBold" pitchFamily="2" charset="0"/>
+              </a:rPr>
+              <a:t>నీవు చేసిన మేలులు –</a:t>
+            </a:r>
+            <a:endParaRPr lang="en-IN" sz="1400" b="0" i="0" kern="1200" spc="0" baseline="0" dirty="0">
+              <a:ln>
+                <a:noFill/>
+              </a:ln>
+              <a:solidFill>
+                <a:srgbClr val="000000"/>
+              </a:solidFill>
+              <a:effectLst/>
+              <a:latin typeface="Anek Telugu SemiBold" pitchFamily="2" charset="0"/>
+              <a:ea typeface="+mn-ea"/>
+              <a:cs typeface="Anek Telugu SemiBold" pitchFamily="2" charset="0"/>
+            </a:endParaRPr>
           </a:p>
           <a:p>
             <a:pPr marL="0" marR="0" indent="0" algn="ctr" rtl="0" eaLnBrk="1" fontAlgn="auto" latinLnBrk="0" hangingPunct="1">
@@ -10233,7 +10483,7 @@
               </a:spcAft>
             </a:pPr>
             <a:r>
-              <a:rPr lang="te-IN" sz="1100" b="0" i="0" kern="1200" spc="0" baseline="0" dirty="0">
+              <a:rPr lang="te-IN" sz="1400" b="0" i="0" kern="1200" spc="0" baseline="0" dirty="0">
                 <a:ln>
                   <a:noFill/>
                 </a:ln>
@@ -10245,48 +10495,10 @@
                 <a:ea typeface="+mn-ea"/>
                 <a:cs typeface="Anek Telugu SemiBold" pitchFamily="2" charset="0"/>
               </a:rPr>
-              <a:t>సాగిలపడి నమస్కారము చేసేదా (2)</a:t>
-            </a:r>
-          </a:p>
-          <a:p>
-            <a:pPr marL="0" marR="0" indent="0" algn="ctr" rtl="0" eaLnBrk="1" fontAlgn="auto" latinLnBrk="0" hangingPunct="1">
-              <a:lnSpc>
-                <a:spcPct val="150000"/>
-              </a:lnSpc>
-              <a:spcBef>
-                <a:spcPts val="0"/>
-              </a:spcBef>
-              <a:spcAft>
-                <a:spcPts val="0"/>
-              </a:spcAft>
-            </a:pPr>
-            <a:endParaRPr lang="te-IN" sz="1100" b="0" i="0" kern="1200" spc="0" baseline="0" dirty="0">
-              <a:ln>
-                <a:noFill/>
-              </a:ln>
-              <a:solidFill>
-                <a:srgbClr val="000000"/>
-              </a:solidFill>
-              <a:effectLst/>
-              <a:latin typeface="Anek Telugu SemiBold" pitchFamily="2" charset="0"/>
-              <a:ea typeface="+mn-ea"/>
-              <a:cs typeface="Anek Telugu SemiBold" pitchFamily="2" charset="0"/>
-            </a:endParaRPr>
-          </a:p>
-          <a:p>
-            <a:pPr marL="0" marR="0" indent="0" algn="ctr" rtl="0" eaLnBrk="1" fontAlgn="auto" latinLnBrk="0" hangingPunct="1">
-              <a:lnSpc>
-                <a:spcPct val="150000"/>
-              </a:lnSpc>
-              <a:spcBef>
-                <a:spcPts val="0"/>
-              </a:spcBef>
-              <a:spcAft>
-                <a:spcPts val="0"/>
-              </a:spcAft>
-            </a:pPr>
-            <a:r>
-              <a:rPr lang="en-IN" sz="1100" b="0" i="0" kern="1200" spc="0" baseline="0" dirty="0">
+              <a:t>తలచుకుందును అనుదినం (2)</a:t>
+            </a:r>
+            <a:br>
+              <a:rPr lang="te-IN" sz="1400" b="0" i="0" kern="1200" spc="0" baseline="0" dirty="0">
                 <a:ln>
                   <a:noFill/>
                 </a:ln>
@@ -10298,10 +10510,9 @@
                 <a:ea typeface="+mn-ea"/>
                 <a:cs typeface="Anek Telugu SemiBold" pitchFamily="2" charset="0"/>
               </a:rPr>
-              <a:t>1. </a:t>
-            </a:r>
-            <a:r>
-              <a:rPr lang="te-IN" sz="1100" b="0" i="0" kern="1200" spc="0" baseline="0" dirty="0">
+            </a:br>
+            <a:r>
+              <a:rPr lang="te-IN" sz="1400" b="0" i="0" kern="1200" spc="0" baseline="0" dirty="0">
                 <a:ln>
                   <a:noFill/>
                 </a:ln>
@@ -10313,23 +10524,10 @@
                 <a:ea typeface="+mn-ea"/>
                 <a:cs typeface="Anek Telugu SemiBold" pitchFamily="2" charset="0"/>
               </a:rPr>
-              <a:t>ప్రతి వసంతము నీ దయా కిరీటమే</a:t>
-            </a:r>
-          </a:p>
-          <a:p>
-            <a:pPr marL="0" marR="0" indent="0" algn="ctr" rtl="0" eaLnBrk="1" fontAlgn="auto" latinLnBrk="0" hangingPunct="1">
-              <a:lnSpc>
-                <a:spcPct val="150000"/>
-              </a:lnSpc>
-              <a:spcBef>
-                <a:spcPts val="0"/>
-              </a:spcBef>
-              <a:spcAft>
-                <a:spcPts val="0"/>
-              </a:spcAft>
-            </a:pPr>
-            <a:r>
-              <a:rPr lang="te-IN" sz="1100" b="0" i="0" kern="1200" spc="0" baseline="0" dirty="0">
+              <a:t>నా స్తుతి స్తోత్రము నీకే యేసయ్యా</a:t>
+            </a:r>
+            <a:br>
+              <a:rPr lang="te-IN" sz="1400" b="0" i="0" kern="1200" spc="0" baseline="0" dirty="0">
                 <a:ln>
                   <a:noFill/>
                 </a:ln>
@@ -10341,23 +10539,9 @@
                 <a:ea typeface="+mn-ea"/>
                 <a:cs typeface="Anek Telugu SemiBold" pitchFamily="2" charset="0"/>
               </a:rPr>
-              <a:t>ప్రకృతి కలలన్నియు నీ మహిమను వివరించునే (2)</a:t>
-            </a:r>
-          </a:p>
-          <a:p>
-            <a:pPr marL="0" marR="0" indent="0" algn="ctr" rtl="0" eaLnBrk="1" fontAlgn="auto" latinLnBrk="0" hangingPunct="1">
-              <a:lnSpc>
-                <a:spcPct val="150000"/>
-              </a:lnSpc>
-              <a:spcBef>
-                <a:spcPts val="0"/>
-              </a:spcBef>
-              <a:spcAft>
-                <a:spcPts val="0"/>
-              </a:spcAft>
-            </a:pPr>
-            <a:r>
-              <a:rPr lang="te-IN" sz="1100" b="0" i="0" kern="1200" spc="0" baseline="0" dirty="0">
+            </a:br>
+            <a:r>
+              <a:rPr lang="te-IN" sz="1400" b="0" i="0" kern="1200" spc="0" baseline="0" dirty="0">
                 <a:ln>
                   <a:noFill/>
                 </a:ln>
@@ -10369,187 +10553,7 @@
                 <a:ea typeface="+mn-ea"/>
                 <a:cs typeface="Anek Telugu SemiBold" pitchFamily="2" charset="0"/>
               </a:rPr>
-              <a:t>ప్రభువా నిన్నే ఆరాధించెద</a:t>
-            </a:r>
-          </a:p>
-          <a:p>
-            <a:pPr marL="0" marR="0" indent="0" algn="ctr" rtl="0" eaLnBrk="1" fontAlgn="auto" latinLnBrk="0" hangingPunct="1">
-              <a:lnSpc>
-                <a:spcPct val="150000"/>
-              </a:lnSpc>
-              <a:spcBef>
-                <a:spcPts val="0"/>
-              </a:spcBef>
-              <a:spcAft>
-                <a:spcPts val="0"/>
-              </a:spcAft>
-            </a:pPr>
-            <a:r>
-              <a:rPr lang="te-IN" sz="1100" b="0" i="0" kern="1200" spc="0" baseline="0" dirty="0">
-                <a:ln>
-                  <a:noFill/>
-                </a:ln>
-                <a:solidFill>
-                  <a:srgbClr val="000000"/>
-                </a:solidFill>
-                <a:effectLst/>
-                <a:latin typeface="Anek Telugu SemiBold" pitchFamily="2" charset="0"/>
-                <a:ea typeface="+mn-ea"/>
-                <a:cs typeface="Anek Telugu SemiBold" pitchFamily="2" charset="0"/>
-              </a:rPr>
-              <a:t>కృతజ్ఞాతార్పణలతో – కృతజ్ఞాతార్పణలతో (2)         ||అత్యున్నత||</a:t>
-            </a:r>
-          </a:p>
-          <a:p>
-            <a:pPr marL="0" marR="0" indent="0" algn="ctr" rtl="0" eaLnBrk="1" fontAlgn="auto" latinLnBrk="0" hangingPunct="1">
-              <a:lnSpc>
-                <a:spcPct val="150000"/>
-              </a:lnSpc>
-              <a:spcBef>
-                <a:spcPts val="0"/>
-              </a:spcBef>
-              <a:spcAft>
-                <a:spcPts val="0"/>
-              </a:spcAft>
-            </a:pPr>
-            <a:endParaRPr lang="te-IN" sz="1100" b="0" i="0" kern="1200" spc="0" baseline="0" dirty="0">
-              <a:ln>
-                <a:noFill/>
-              </a:ln>
-              <a:solidFill>
-                <a:srgbClr val="000000"/>
-              </a:solidFill>
-              <a:effectLst/>
-              <a:latin typeface="Anek Telugu SemiBold" pitchFamily="2" charset="0"/>
-              <a:ea typeface="+mn-ea"/>
-              <a:cs typeface="Anek Telugu SemiBold" pitchFamily="2" charset="0"/>
-            </a:endParaRPr>
-          </a:p>
-          <a:p>
-            <a:pPr marL="0" marR="0" indent="0" algn="ctr" rtl="0" eaLnBrk="1" fontAlgn="auto" latinLnBrk="0" hangingPunct="1">
-              <a:lnSpc>
-                <a:spcPct val="150000"/>
-              </a:lnSpc>
-              <a:spcBef>
-                <a:spcPts val="0"/>
-              </a:spcBef>
-              <a:spcAft>
-                <a:spcPts val="0"/>
-              </a:spcAft>
-            </a:pPr>
-            <a:r>
-              <a:rPr lang="en-IN" sz="1100" b="0" i="0" kern="1200" spc="0" baseline="0" dirty="0">
-                <a:ln>
-                  <a:noFill/>
-                </a:ln>
-                <a:solidFill>
-                  <a:srgbClr val="000000"/>
-                </a:solidFill>
-                <a:effectLst/>
-                <a:latin typeface="Anek Telugu SemiBold" pitchFamily="2" charset="0"/>
-                <a:ea typeface="+mn-ea"/>
-                <a:cs typeface="Anek Telugu SemiBold" pitchFamily="2" charset="0"/>
-              </a:rPr>
-              <a:t>2. </a:t>
-            </a:r>
-            <a:r>
-              <a:rPr lang="te-IN" sz="1100" b="0" i="0" kern="1200" spc="0" baseline="0" dirty="0">
-                <a:ln>
-                  <a:noFill/>
-                </a:ln>
-                <a:solidFill>
-                  <a:srgbClr val="000000"/>
-                </a:solidFill>
-                <a:effectLst/>
-                <a:latin typeface="Anek Telugu SemiBold" pitchFamily="2" charset="0"/>
-                <a:ea typeface="+mn-ea"/>
-                <a:cs typeface="Anek Telugu SemiBold" pitchFamily="2" charset="0"/>
-              </a:rPr>
-              <a:t>పరిమలించునే నా సాక్ష్య జీవితమే</a:t>
-            </a:r>
-          </a:p>
-          <a:p>
-            <a:pPr marL="0" marR="0" indent="0" algn="ctr" rtl="0" eaLnBrk="1" fontAlgn="auto" latinLnBrk="0" hangingPunct="1">
-              <a:lnSpc>
-                <a:spcPct val="150000"/>
-              </a:lnSpc>
-              <a:spcBef>
-                <a:spcPts val="0"/>
-              </a:spcBef>
-              <a:spcAft>
-                <a:spcPts val="0"/>
-              </a:spcAft>
-            </a:pPr>
-            <a:r>
-              <a:rPr lang="te-IN" sz="1100" b="0" i="0" kern="1200" spc="0" baseline="0" dirty="0">
-                <a:ln>
-                  <a:noFill/>
-                </a:ln>
-                <a:solidFill>
-                  <a:srgbClr val="000000"/>
-                </a:solidFill>
-                <a:effectLst/>
-                <a:latin typeface="Anek Telugu SemiBold" pitchFamily="2" charset="0"/>
-                <a:ea typeface="+mn-ea"/>
-                <a:cs typeface="Anek Telugu SemiBold" pitchFamily="2" charset="0"/>
-              </a:rPr>
-              <a:t>పరిశుద్ధాత్ముడు నన్ను నడిపించుచున్నందునే (2)</a:t>
-            </a:r>
-          </a:p>
-          <a:p>
-            <a:pPr marL="0" marR="0" indent="0" algn="ctr" rtl="0" eaLnBrk="1" fontAlgn="auto" latinLnBrk="0" hangingPunct="1">
-              <a:lnSpc>
-                <a:spcPct val="150000"/>
-              </a:lnSpc>
-              <a:spcBef>
-                <a:spcPts val="0"/>
-              </a:spcBef>
-              <a:spcAft>
-                <a:spcPts val="0"/>
-              </a:spcAft>
-            </a:pPr>
-            <a:r>
-              <a:rPr lang="te-IN" sz="1100" b="0" i="0" kern="1200" spc="0" baseline="0" dirty="0">
-                <a:ln>
-                  <a:noFill/>
-                </a:ln>
-                <a:solidFill>
-                  <a:srgbClr val="000000"/>
-                </a:solidFill>
-                <a:effectLst/>
-                <a:latin typeface="Anek Telugu SemiBold" pitchFamily="2" charset="0"/>
-                <a:ea typeface="+mn-ea"/>
-                <a:cs typeface="Anek Telugu SemiBold" pitchFamily="2" charset="0"/>
-              </a:rPr>
-              <a:t>పరిశుద్ధాత్మలో ఆనందించెద</a:t>
-            </a:r>
-          </a:p>
-          <a:p>
-            <a:pPr marL="0" marR="0" indent="0" algn="ctr" rtl="0" eaLnBrk="1" fontAlgn="auto" latinLnBrk="0" hangingPunct="1">
-              <a:lnSpc>
-                <a:spcPct val="150000"/>
-              </a:lnSpc>
-              <a:spcBef>
-                <a:spcPts val="0"/>
-              </a:spcBef>
-              <a:spcAft>
-                <a:spcPts val="0"/>
-              </a:spcAft>
-            </a:pPr>
-            <a:r>
-              <a:rPr lang="te-IN" sz="1100" b="0" i="0" kern="1200" spc="0" baseline="0" dirty="0">
-                <a:ln>
-                  <a:noFill/>
-                </a:ln>
-                <a:solidFill>
-                  <a:srgbClr val="000000"/>
-                </a:solidFill>
-                <a:effectLst/>
-                <a:latin typeface="Anek Telugu SemiBold" pitchFamily="2" charset="0"/>
-                <a:ea typeface="+mn-ea"/>
-                <a:cs typeface="Anek Telugu SemiBold" pitchFamily="2" charset="0"/>
-              </a:rPr>
-              <a:t>హర్ష ధ్వనులతో – హర్ష ధ్వనులతో (2)           ||అత్యున్నత||</a:t>
+              <a:t>వేరుగా ఏమియు చెల్లించలేనయ్యా (2)</a:t>
             </a:r>
           </a:p>
         </p:txBody>
@@ -10607,7 +10611,7 @@
               </a:lnSpc>
             </a:pPr>
             <a:r>
-              <a:rPr lang="te-IN" sz="1200" i="0" dirty="0">
+              <a:rPr lang="te-IN" sz="900" i="0" dirty="0">
                 <a:solidFill>
                   <a:schemeClr val="tx1"/>
                 </a:solidFill>
@@ -10615,7 +10619,7 @@
                 <a:latin typeface="Anek Telugu SemiBold" pitchFamily="2" charset="0"/>
                 <a:cs typeface="Anek Telugu SemiBold" pitchFamily="2" charset="0"/>
               </a:rPr>
-              <a:t>నాదు రక్షక నీ మనసే ఉత్తమం </a:t>
+              <a:t>నీవు లేని చోటేది యేసయ్యా</a:t>
             </a:r>
           </a:p>
           <a:p>
@@ -10625,7 +10629,7 @@
               </a:lnSpc>
             </a:pPr>
             <a:r>
-              <a:rPr lang="te-IN" sz="1200" i="0" dirty="0">
+              <a:rPr lang="te-IN" sz="900" i="0" dirty="0">
                 <a:solidFill>
                   <a:schemeClr val="tx1"/>
                 </a:solidFill>
@@ -10633,7 +10637,7 @@
                 <a:latin typeface="Anek Telugu SemiBold" pitchFamily="2" charset="0"/>
                 <a:cs typeface="Anek Telugu SemiBold" pitchFamily="2" charset="0"/>
               </a:rPr>
-              <a:t>దినదినము నీతోనే వసియింతును</a:t>
+              <a:t>నే దాగి క్షణముండలేనయ్యా</a:t>
             </a:r>
           </a:p>
           <a:p>
@@ -10643,7 +10647,7 @@
               </a:lnSpc>
             </a:pPr>
             <a:r>
-              <a:rPr lang="te-IN" sz="1200" i="0" dirty="0">
+              <a:rPr lang="te-IN" sz="900" i="0" dirty="0">
                 <a:solidFill>
                   <a:schemeClr val="tx1"/>
                 </a:solidFill>
@@ -10651,7 +10655,7 @@
                 <a:latin typeface="Anek Telugu SemiBold" pitchFamily="2" charset="0"/>
                 <a:cs typeface="Anek Telugu SemiBold" pitchFamily="2" charset="0"/>
               </a:rPr>
-              <a:t>నేనేది పలికినను ఏమి చేసినను</a:t>
+              <a:t>నీవు చూడని స్థలమేది యేసయ్యా</a:t>
             </a:r>
           </a:p>
           <a:p>
@@ -10661,7 +10665,7 @@
               </a:lnSpc>
             </a:pPr>
             <a:r>
-              <a:rPr lang="te-IN" sz="1200" i="0" dirty="0">
+              <a:rPr lang="te-IN" sz="900" i="0" dirty="0">
                 <a:solidFill>
                   <a:schemeClr val="tx1"/>
                 </a:solidFill>
@@ -10669,7 +10673,7 @@
                 <a:latin typeface="Anek Telugu SemiBold" pitchFamily="2" charset="0"/>
                 <a:cs typeface="Anek Telugu SemiBold" pitchFamily="2" charset="0"/>
               </a:rPr>
-              <a:t>నీ ప్రేమనే కనుపరుతును </a:t>
+              <a:t>కనుమరుగై నేనుండలేనయ్యా (2)</a:t>
             </a:r>
           </a:p>
           <a:p>
@@ -10679,7 +10683,7 @@
               </a:lnSpc>
             </a:pPr>
             <a:r>
-              <a:rPr lang="te-IN" sz="1200" i="0" dirty="0">
+              <a:rPr lang="te-IN" sz="900" i="0" dirty="0">
                 <a:solidFill>
                   <a:schemeClr val="tx1"/>
                 </a:solidFill>
@@ -10687,7 +10691,7 @@
                 <a:latin typeface="Anek Telugu SemiBold" pitchFamily="2" charset="0"/>
                 <a:cs typeface="Anek Telugu SemiBold" pitchFamily="2" charset="0"/>
               </a:rPr>
-              <a:t>నీ శక్తినే కొనియాడేదను</a:t>
+              <a:t>నీవు వినని మనవేది యేసయ్యా</a:t>
             </a:r>
           </a:p>
           <a:p>
@@ -10696,7 +10700,209 @@
                 <a:spcPct val="150000"/>
               </a:lnSpc>
             </a:pPr>
-            <a:endParaRPr lang="te-IN" sz="1200" i="0" dirty="0">
+            <a:r>
+              <a:rPr lang="te-IN" sz="900" i="0" dirty="0">
+                <a:solidFill>
+                  <a:schemeClr val="tx1"/>
+                </a:solidFill>
+                <a:effectLst/>
+                <a:latin typeface="Anek Telugu SemiBold" pitchFamily="2" charset="0"/>
+                <a:cs typeface="Anek Telugu SemiBold" pitchFamily="2" charset="0"/>
+              </a:rPr>
+              <a:t>నీవు తీర్చని భాద ఏది యేసయ్యా (2)</a:t>
+            </a:r>
+          </a:p>
+          <a:p>
+            <a:pPr algn="ctr">
+              <a:lnSpc>
+                <a:spcPct val="150000"/>
+              </a:lnSpc>
+            </a:pPr>
+            <a:r>
+              <a:rPr lang="te-IN" sz="900" i="0" dirty="0">
+                <a:solidFill>
+                  <a:schemeClr val="tx1"/>
+                </a:solidFill>
+                <a:effectLst/>
+                <a:latin typeface="Anek Telugu SemiBold" pitchFamily="2" charset="0"/>
+                <a:cs typeface="Anek Telugu SemiBold" pitchFamily="2" charset="0"/>
+              </a:rPr>
+              <a:t>నీవుంటే నా వెంట అదియే చాలయ్యా (4) ||నీవు లేని||</a:t>
+            </a:r>
+          </a:p>
+          <a:p>
+            <a:pPr algn="ctr">
+              <a:lnSpc>
+                <a:spcPct val="150000"/>
+              </a:lnSpc>
+            </a:pPr>
+            <a:endParaRPr lang="en-IN" sz="900" dirty="0">
+              <a:solidFill>
+                <a:schemeClr val="tx1"/>
+              </a:solidFill>
+              <a:latin typeface="Anek Telugu SemiBold" pitchFamily="2" charset="0"/>
+              <a:cs typeface="Anek Telugu SemiBold" pitchFamily="2" charset="0"/>
+            </a:endParaRPr>
+          </a:p>
+          <a:p>
+            <a:pPr algn="ctr">
+              <a:lnSpc>
+                <a:spcPct val="150000"/>
+              </a:lnSpc>
+            </a:pPr>
+            <a:r>
+              <a:rPr lang="te-IN" sz="900" i="0" dirty="0">
+                <a:solidFill>
+                  <a:schemeClr val="tx1"/>
+                </a:solidFill>
+                <a:effectLst/>
+                <a:latin typeface="Anek Telugu SemiBold" pitchFamily="2" charset="0"/>
+                <a:cs typeface="Anek Telugu SemiBold" pitchFamily="2" charset="0"/>
+              </a:rPr>
+              <a:t>1.కయీను కౄర పగకు బలియైన హేబేలు</a:t>
+            </a:r>
+          </a:p>
+          <a:p>
+            <a:pPr algn="ctr">
+              <a:lnSpc>
+                <a:spcPct val="150000"/>
+              </a:lnSpc>
+            </a:pPr>
+            <a:r>
+              <a:rPr lang="te-IN" sz="900" i="0" dirty="0">
+                <a:solidFill>
+                  <a:schemeClr val="tx1"/>
+                </a:solidFill>
+                <a:effectLst/>
+                <a:latin typeface="Anek Telugu SemiBold" pitchFamily="2" charset="0"/>
+                <a:cs typeface="Anek Telugu SemiBold" pitchFamily="2" charset="0"/>
+              </a:rPr>
+              <a:t>రక్తము పెట్టిన కేక విన్న దేవుడవు</a:t>
+            </a:r>
+          </a:p>
+          <a:p>
+            <a:pPr algn="ctr">
+              <a:lnSpc>
+                <a:spcPct val="150000"/>
+              </a:lnSpc>
+            </a:pPr>
+            <a:r>
+              <a:rPr lang="te-IN" sz="900" i="0" dirty="0">
+                <a:solidFill>
+                  <a:schemeClr val="tx1"/>
+                </a:solidFill>
+                <a:effectLst/>
+                <a:latin typeface="Anek Telugu SemiBold" pitchFamily="2" charset="0"/>
+                <a:cs typeface="Anek Telugu SemiBold" pitchFamily="2" charset="0"/>
+              </a:rPr>
+              <a:t>అన్నల ఉమ్మడి కుట్రకు గురియైన యోసేపు</a:t>
+            </a:r>
+          </a:p>
+          <a:p>
+            <a:pPr algn="ctr">
+              <a:lnSpc>
+                <a:spcPct val="150000"/>
+              </a:lnSpc>
+            </a:pPr>
+            <a:r>
+              <a:rPr lang="te-IN" sz="900" i="0" dirty="0">
+                <a:solidFill>
+                  <a:schemeClr val="tx1"/>
+                </a:solidFill>
+                <a:effectLst/>
+                <a:latin typeface="Anek Telugu SemiBold" pitchFamily="2" charset="0"/>
+                <a:cs typeface="Anek Telugu SemiBold" pitchFamily="2" charset="0"/>
+              </a:rPr>
+              <a:t>మరణ ఘోష గోతి నుండి విన్న దేవుడవు (2)</a:t>
+            </a:r>
+          </a:p>
+          <a:p>
+            <a:pPr algn="ctr">
+              <a:lnSpc>
+                <a:spcPct val="150000"/>
+              </a:lnSpc>
+            </a:pPr>
+            <a:r>
+              <a:rPr lang="te-IN" sz="900" i="0" dirty="0">
+                <a:solidFill>
+                  <a:schemeClr val="tx1"/>
+                </a:solidFill>
+                <a:effectLst/>
+                <a:latin typeface="Anek Telugu SemiBold" pitchFamily="2" charset="0"/>
+                <a:cs typeface="Anek Telugu SemiBold" pitchFamily="2" charset="0"/>
+              </a:rPr>
+              <a:t>చెవి యొగ్గి నా మొరను</a:t>
+            </a:r>
+          </a:p>
+          <a:p>
+            <a:pPr algn="ctr">
+              <a:lnSpc>
+                <a:spcPct val="150000"/>
+              </a:lnSpc>
+            </a:pPr>
+            <a:r>
+              <a:rPr lang="te-IN" sz="900" i="0" dirty="0">
+                <a:solidFill>
+                  <a:schemeClr val="tx1"/>
+                </a:solidFill>
+                <a:effectLst/>
+                <a:latin typeface="Anek Telugu SemiBold" pitchFamily="2" charset="0"/>
+                <a:cs typeface="Anek Telugu SemiBold" pitchFamily="2" charset="0"/>
+              </a:rPr>
+              <a:t>యేసయ్యా నీవు వినకుంటే</a:t>
+            </a:r>
+            <a:r>
+              <a:rPr lang="en-IN" sz="900" i="0" dirty="0">
+                <a:solidFill>
+                  <a:schemeClr val="tx1"/>
+                </a:solidFill>
+                <a:effectLst/>
+                <a:latin typeface="Anek Telugu SemiBold" pitchFamily="2" charset="0"/>
+                <a:cs typeface="Anek Telugu SemiBold" pitchFamily="2" charset="0"/>
+              </a:rPr>
+              <a:t> </a:t>
+            </a:r>
+            <a:r>
+              <a:rPr lang="te-IN" sz="900" i="0" dirty="0">
+                <a:solidFill>
+                  <a:schemeClr val="tx1"/>
+                </a:solidFill>
+                <a:effectLst/>
+                <a:latin typeface="Anek Telugu SemiBold" pitchFamily="2" charset="0"/>
+                <a:cs typeface="Anek Telugu SemiBold" pitchFamily="2" charset="0"/>
+              </a:rPr>
+              <a:t>నే బ్రతుకలేనయ్యా (2)</a:t>
+            </a:r>
+            <a:r>
+              <a:rPr lang="en-IN" sz="900" i="0" dirty="0">
+                <a:solidFill>
+                  <a:schemeClr val="tx1"/>
+                </a:solidFill>
+                <a:effectLst/>
+                <a:latin typeface="Anek Telugu SemiBold" pitchFamily="2" charset="0"/>
+                <a:cs typeface="Anek Telugu SemiBold" pitchFamily="2" charset="0"/>
+              </a:rPr>
+              <a:t> </a:t>
+            </a:r>
+            <a:r>
+              <a:rPr lang="te-IN" sz="900" i="0" dirty="0">
+                <a:solidFill>
+                  <a:schemeClr val="tx1"/>
+                </a:solidFill>
+                <a:effectLst/>
+                <a:latin typeface="Anek Telugu SemiBold" pitchFamily="2" charset="0"/>
+                <a:cs typeface="Anek Telugu SemiBold" pitchFamily="2" charset="0"/>
+              </a:rPr>
+              <a:t>|| నీవుంటే నా ||</a:t>
+            </a:r>
+          </a:p>
+          <a:p>
+            <a:pPr algn="ctr">
+              <a:lnSpc>
+                <a:spcPct val="150000"/>
+              </a:lnSpc>
+            </a:pPr>
+            <a:endParaRPr lang="te-IN" sz="900" i="0" dirty="0">
               <a:solidFill>
                 <a:schemeClr val="tx1"/>
               </a:solidFill>
@@ -10712,7 +10918,7 @@
               </a:lnSpc>
             </a:pPr>
             <a:r>
-              <a:rPr lang="en-IN" sz="1200" i="0" dirty="0">
+              <a:rPr lang="te-IN" sz="900" i="0" dirty="0">
                 <a:solidFill>
                   <a:schemeClr val="tx1"/>
                 </a:solidFill>
@@ -10720,18 +10926,7 @@
                 <a:latin typeface="Anek Telugu SemiBold" pitchFamily="2" charset="0"/>
                 <a:cs typeface="Anek Telugu SemiBold" pitchFamily="2" charset="0"/>
               </a:rPr>
-              <a:t>1. </a:t>
-            </a:r>
-            <a:r>
-              <a:rPr lang="te-IN" sz="1200" i="0" dirty="0">
-                <a:solidFill>
-                  <a:schemeClr val="tx1"/>
-                </a:solidFill>
-                <a:effectLst/>
-                <a:latin typeface="Anek Telugu SemiBold" pitchFamily="2" charset="0"/>
-                <a:cs typeface="Anek Telugu SemiBold" pitchFamily="2" charset="0"/>
-              </a:rPr>
-              <a:t>నా హృదిలో నీ వాక్యము నివసింపని</a:t>
+              <a:t>2.సౌలు ఈటె దాటికి గురియైన దావీదు</a:t>
             </a:r>
           </a:p>
           <a:p>
@@ -10741,7 +10936,7 @@
               </a:lnSpc>
             </a:pPr>
             <a:r>
-              <a:rPr lang="te-IN" sz="1200" i="0" dirty="0">
+              <a:rPr lang="te-IN" sz="900" i="0" dirty="0">
                 <a:solidFill>
                   <a:schemeClr val="tx1"/>
                 </a:solidFill>
@@ -10749,7 +10944,7 @@
                 <a:latin typeface="Anek Telugu SemiBold" pitchFamily="2" charset="0"/>
                 <a:cs typeface="Anek Telugu SemiBold" pitchFamily="2" charset="0"/>
               </a:rPr>
-              <a:t>ప్రతిక్షణము ప్రతిదినము ధ్యానింతును</a:t>
+              <a:t>ప్రాణము కాపాడి రక్షించిన దేవుడవు</a:t>
             </a:r>
           </a:p>
           <a:p>
@@ -10759,7 +10954,7 @@
               </a:lnSpc>
             </a:pPr>
             <a:r>
-              <a:rPr lang="te-IN" sz="1200" i="0" dirty="0">
+              <a:rPr lang="te-IN" sz="900" i="0" dirty="0">
                 <a:solidFill>
                   <a:schemeClr val="tx1"/>
                 </a:solidFill>
@@ -10767,7 +10962,7 @@
                 <a:latin typeface="Anek Telugu SemiBold" pitchFamily="2" charset="0"/>
                 <a:cs typeface="Anek Telugu SemiBold" pitchFamily="2" charset="0"/>
               </a:rPr>
-              <a:t>లోకము నను విడచిన నీవు విడువలేదు</a:t>
+              <a:t>సాతాను పన్నిన కీడుకు మొత్తబడిన యోబును</a:t>
             </a:r>
           </a:p>
           <a:p>
@@ -10777,7 +10972,7 @@
               </a:lnSpc>
             </a:pPr>
             <a:r>
-              <a:rPr lang="te-IN" sz="1200" i="0" dirty="0">
+              <a:rPr lang="te-IN" sz="900" i="0" dirty="0">
                 <a:solidFill>
                   <a:schemeClr val="tx1"/>
                 </a:solidFill>
@@ -10785,7 +10980,7 @@
                 <a:latin typeface="Anek Telugu SemiBold" pitchFamily="2" charset="0"/>
                 <a:cs typeface="Anek Telugu SemiBold" pitchFamily="2" charset="0"/>
               </a:rPr>
-              <a:t>నాకు జయము జయము నీ శక్తితోనే</a:t>
+              <a:t>గెలిపించి దీవెనలు కురిపించిన దేవుడవు (2)</a:t>
             </a:r>
           </a:p>
           <a:p>
@@ -10794,14 +10989,17 @@
                 <a:spcPct val="150000"/>
               </a:lnSpc>
             </a:pPr>
-            <a:endParaRPr lang="te-IN" sz="1200" i="0" dirty="0">
-              <a:solidFill>
-                <a:schemeClr val="tx1"/>
-              </a:solidFill>
-              <a:effectLst/>
-              <a:latin typeface="Anek Telugu SemiBold" pitchFamily="2" charset="0"/>
-              <a:cs typeface="Anek Telugu SemiBold" pitchFamily="2" charset="0"/>
-            </a:endParaRPr>
+            <a:r>
+              <a:rPr lang="te-IN" sz="900" i="0" dirty="0">
+                <a:solidFill>
+                  <a:schemeClr val="tx1"/>
+                </a:solidFill>
+                <a:effectLst/>
+                <a:latin typeface="Anek Telugu SemiBold" pitchFamily="2" charset="0"/>
+                <a:cs typeface="Anek Telugu SemiBold" pitchFamily="2" charset="0"/>
+              </a:rPr>
+              <a:t>నీ తోడు నీ నీడ</a:t>
+            </a:r>
           </a:p>
           <a:p>
             <a:pPr algn="ctr">
@@ -10810,7 +11008,7 @@
               </a:lnSpc>
             </a:pPr>
             <a:r>
-              <a:rPr lang="en-IN" sz="1200" i="0" dirty="0">
+              <a:rPr lang="te-IN" sz="900" i="0" dirty="0">
                 <a:solidFill>
                   <a:schemeClr val="tx1"/>
                 </a:solidFill>
@@ -10818,10 +11016,10 @@
                 <a:latin typeface="Anek Telugu SemiBold" pitchFamily="2" charset="0"/>
                 <a:cs typeface="Anek Telugu SemiBold" pitchFamily="2" charset="0"/>
               </a:rPr>
-              <a:t>2. </a:t>
-            </a:r>
-            <a:r>
-              <a:rPr lang="te-IN" sz="1200" i="0" dirty="0">
+              <a:t>యేసయ్యా నాకు లేకుంటే</a:t>
+            </a:r>
+            <a:r>
+              <a:rPr lang="en-IN" sz="900" i="0" dirty="0">
                 <a:solidFill>
                   <a:schemeClr val="tx1"/>
                 </a:solidFill>
@@ -10829,17 +11027,10 @@
                 <a:latin typeface="Anek Telugu SemiBold" pitchFamily="2" charset="0"/>
                 <a:cs typeface="Anek Telugu SemiBold" pitchFamily="2" charset="0"/>
               </a:rPr>
-              <a:t>నా తండ్రి నా విభుడా పాలించుమా</a:t>
-            </a:r>
-          </a:p>
-          <a:p>
-            <a:pPr algn="ctr">
-              <a:lnSpc>
-                <a:spcPct val="150000"/>
-              </a:lnSpc>
-            </a:pPr>
-            <a:r>
-              <a:rPr lang="te-IN" sz="1200" i="0" dirty="0">
+              <a:t> </a:t>
+            </a:r>
+            <a:r>
+              <a:rPr lang="te-IN" sz="900" i="0" dirty="0">
                 <a:solidFill>
                   <a:schemeClr val="tx1"/>
                 </a:solidFill>
@@ -10847,43 +11038,7 @@
                 <a:latin typeface="Anek Telugu SemiBold" pitchFamily="2" charset="0"/>
                 <a:cs typeface="Anek Telugu SemiBold" pitchFamily="2" charset="0"/>
               </a:rPr>
-              <a:t>ఆదరణ నా హ్రుదిలోనా నింపుమయా </a:t>
-            </a:r>
-          </a:p>
-          <a:p>
-            <a:pPr algn="ctr">
-              <a:lnSpc>
-                <a:spcPct val="150000"/>
-              </a:lnSpc>
-            </a:pPr>
-            <a:r>
-              <a:rPr lang="te-IN" sz="1200" i="0" dirty="0">
-                <a:solidFill>
-                  <a:schemeClr val="tx1"/>
-                </a:solidFill>
-                <a:effectLst/>
-                <a:latin typeface="Anek Telugu SemiBold" pitchFamily="2" charset="0"/>
-                <a:cs typeface="Anek Telugu SemiBold" pitchFamily="2" charset="0"/>
-              </a:rPr>
-              <a:t>మనుజులు నను మరిచిన నీవు మరువలేదు </a:t>
-            </a:r>
-          </a:p>
-          <a:p>
-            <a:pPr algn="ctr">
-              <a:lnSpc>
-                <a:spcPct val="150000"/>
-              </a:lnSpc>
-            </a:pPr>
-            <a:r>
-              <a:rPr lang="te-IN" sz="1200" i="0" dirty="0">
-                <a:solidFill>
-                  <a:schemeClr val="tx1"/>
-                </a:solidFill>
-                <a:effectLst/>
-                <a:latin typeface="Anek Telugu SemiBold" pitchFamily="2" charset="0"/>
-                <a:cs typeface="Anek Telugu SemiBold" pitchFamily="2" charset="0"/>
-              </a:rPr>
-              <a:t>నాకు జయము జయము నీ ప్రేమతోనే</a:t>
+              <a:t>నే జీవించలేనయ్యా (2) || నీవుంటే నా ||</a:t>
             </a:r>
           </a:p>
         </p:txBody>
@@ -10947,7 +11102,7 @@
               </a:spcAft>
             </a:pPr>
             <a:r>
-              <a:rPr lang="te-IN" sz="1200" i="0" dirty="0">
+              <a:rPr lang="te-IN" sz="1050" i="0" dirty="0">
                 <a:solidFill>
                   <a:schemeClr val="tx1"/>
                 </a:solidFill>
@@ -10955,7 +11110,7 @@
                 <a:latin typeface="Anek Telugu SemiBold" pitchFamily="2" charset="0"/>
                 <a:cs typeface="Anek Telugu SemiBold" pitchFamily="2" charset="0"/>
               </a:rPr>
-              <a:t>మహోన్నతుడా మా దేవా</a:t>
+              <a:t>కరుణ గల యేసయ్యా –</a:t>
             </a:r>
           </a:p>
           <a:p>
@@ -10971,7 +11126,7 @@
               </a:spcAft>
             </a:pPr>
             <a:r>
-              <a:rPr lang="te-IN" sz="1200" i="0" dirty="0">
+              <a:rPr lang="te-IN" sz="1050" i="0" dirty="0">
                 <a:solidFill>
                   <a:schemeClr val="tx1"/>
                 </a:solidFill>
@@ -10979,7 +11134,7 @@
                 <a:latin typeface="Anek Telugu SemiBold" pitchFamily="2" charset="0"/>
                 <a:cs typeface="Anek Telugu SemiBold" pitchFamily="2" charset="0"/>
               </a:rPr>
-              <a:t>సహాయకుడా యెహోవా (2)</a:t>
+              <a:t>ఈ జీవితానికి నీవే చాలునయ్యా (2)</a:t>
             </a:r>
           </a:p>
           <a:p>
@@ -10995,7 +11150,7 @@
               </a:spcAft>
             </a:pPr>
             <a:r>
-              <a:rPr lang="te-IN" sz="1200" i="0" dirty="0">
+              <a:rPr lang="te-IN" sz="1050" i="0" dirty="0">
                 <a:solidFill>
                   <a:schemeClr val="tx1"/>
                 </a:solidFill>
@@ -11003,7 +11158,7 @@
                 <a:latin typeface="Anek Telugu SemiBold" pitchFamily="2" charset="0"/>
                 <a:cs typeface="Anek Telugu SemiBold" pitchFamily="2" charset="0"/>
               </a:rPr>
-              <a:t>ఉదయ కాలపు నైవేద్యము</a:t>
+              <a:t>నీ ప్రేమే చూపకపోతే నేనేమైపోదునో (2)</a:t>
             </a:r>
           </a:p>
           <a:p>
@@ -11019,7 +11174,7 @@
               </a:spcAft>
             </a:pPr>
             <a:r>
-              <a:rPr lang="te-IN" sz="1200" i="0" dirty="0">
+              <a:rPr lang="te-IN" sz="1050" i="0" dirty="0">
                 <a:solidFill>
                   <a:schemeClr val="tx1"/>
                 </a:solidFill>
@@ -11027,7 +11182,7 @@
                 <a:latin typeface="Anek Telugu SemiBold" pitchFamily="2" charset="0"/>
                 <a:cs typeface="Anek Telugu SemiBold" pitchFamily="2" charset="0"/>
               </a:rPr>
-              <a:t>హృదయపూర్వక అర్పణము (2)</a:t>
+              <a:t>నీ కృపయే లేకపోతే – నాకు ఊపిరే లేదయ్యా (2)</a:t>
             </a:r>
           </a:p>
           <a:p>
@@ -11042,17 +11197,14 @@
                 <a:spcPts val="0"/>
               </a:spcAft>
             </a:pPr>
-            <a:r>
-              <a:rPr lang="te-IN" sz="1200" i="0" dirty="0">
-                <a:solidFill>
-                  <a:schemeClr val="tx1"/>
-                </a:solidFill>
-                <a:effectLst/>
-                <a:latin typeface="Anek Telugu SemiBold" pitchFamily="2" charset="0"/>
-                <a:cs typeface="Anek Telugu SemiBold" pitchFamily="2" charset="0"/>
-              </a:rPr>
-              <a:t>మా స్తుతి నీకేనయ్యా</a:t>
-            </a:r>
+            <a:endParaRPr lang="te-IN" sz="1050" i="0" dirty="0">
+              <a:solidFill>
+                <a:schemeClr val="tx1"/>
+              </a:solidFill>
+              <a:effectLst/>
+              <a:latin typeface="Anek Telugu SemiBold" pitchFamily="2" charset="0"/>
+              <a:cs typeface="Anek Telugu SemiBold" pitchFamily="2" charset="0"/>
+            </a:endParaRPr>
           </a:p>
           <a:p>
             <a:pPr marL="0" marR="0" indent="0" algn="ctr" rtl="0" eaLnBrk="1" fontAlgn="auto" latinLnBrk="0" hangingPunct="1">
@@ -11067,7 +11219,7 @@
               </a:spcAft>
             </a:pPr>
             <a:r>
-              <a:rPr lang="te-IN" sz="1200" i="0" dirty="0">
+              <a:rPr lang="te-IN" sz="1050" i="0" dirty="0">
                 <a:solidFill>
                   <a:schemeClr val="tx1"/>
                 </a:solidFill>
@@ -11075,7 +11227,7 @@
                 <a:latin typeface="Anek Telugu SemiBold" pitchFamily="2" charset="0"/>
                 <a:cs typeface="Anek Telugu SemiBold" pitchFamily="2" charset="0"/>
               </a:rPr>
-              <a:t>ఆరాధింతునయ్యా (2)          ||మహోన్నతుడా||</a:t>
+              <a:t>1) నా సొంత ఆలోచనలే – కలిగించెను నష్టము</a:t>
             </a:r>
           </a:p>
           <a:p>
@@ -11090,14 +11242,17 @@
                 <a:spcPts val="0"/>
               </a:spcAft>
             </a:pPr>
-            <a:endParaRPr lang="te-IN" sz="1200" i="0" dirty="0">
-              <a:solidFill>
-                <a:schemeClr val="tx1"/>
-              </a:solidFill>
-              <a:effectLst/>
-              <a:latin typeface="Anek Telugu SemiBold" pitchFamily="2" charset="0"/>
-              <a:cs typeface="Anek Telugu SemiBold" pitchFamily="2" charset="0"/>
-            </a:endParaRPr>
+            <a:r>
+              <a:rPr lang="te-IN" sz="1050" i="0" dirty="0">
+                <a:solidFill>
+                  <a:schemeClr val="tx1"/>
+                </a:solidFill>
+                <a:effectLst/>
+                <a:latin typeface="Anek Telugu SemiBold" pitchFamily="2" charset="0"/>
+                <a:cs typeface="Anek Telugu SemiBold" pitchFamily="2" charset="0"/>
+              </a:rPr>
+              <a:t>నీకు కలిగిన ఆలోచనలే – నాకు లాభమాయెను (2)</a:t>
+            </a:r>
           </a:p>
           <a:p>
             <a:pPr marL="0" marR="0" indent="0" algn="ctr" rtl="0" eaLnBrk="1" fontAlgn="auto" latinLnBrk="0" hangingPunct="1">
@@ -11112,7 +11267,7 @@
               </a:spcAft>
             </a:pPr>
             <a:r>
-              <a:rPr lang="en-IN" sz="1200" i="0" dirty="0">
+              <a:rPr lang="te-IN" sz="1050" i="0" dirty="0">
                 <a:solidFill>
                   <a:schemeClr val="tx1"/>
                 </a:solidFill>
@@ -11120,18 +11275,7 @@
                 <a:latin typeface="Anek Telugu SemiBold" pitchFamily="2" charset="0"/>
                 <a:cs typeface="Anek Telugu SemiBold" pitchFamily="2" charset="0"/>
               </a:rPr>
-              <a:t>1. </a:t>
-            </a:r>
-            <a:r>
-              <a:rPr lang="te-IN" sz="1200" i="0" dirty="0">
-                <a:solidFill>
-                  <a:schemeClr val="tx1"/>
-                </a:solidFill>
-                <a:effectLst/>
-                <a:latin typeface="Anek Telugu SemiBold" pitchFamily="2" charset="0"/>
-                <a:cs typeface="Anek Telugu SemiBold" pitchFamily="2" charset="0"/>
-              </a:rPr>
-              <a:t>అగ్నిని పోలిన నేత్రములు</a:t>
+              <a:t>ఆలోచన కర్త… ఆలోచన కర్త –</a:t>
             </a:r>
           </a:p>
           <a:p>
@@ -11147,7 +11291,7 @@
               </a:spcAft>
             </a:pPr>
             <a:r>
-              <a:rPr lang="te-IN" sz="1200" i="0" dirty="0">
+              <a:rPr lang="te-IN" sz="1050" i="0" dirty="0">
                 <a:solidFill>
                   <a:schemeClr val="tx1"/>
                 </a:solidFill>
@@ -11155,7 +11299,7 @@
                 <a:latin typeface="Anek Telugu SemiBold" pitchFamily="2" charset="0"/>
                 <a:cs typeface="Anek Telugu SemiBold" pitchFamily="2" charset="0"/>
               </a:rPr>
-              <a:t>అపరంజి వంటి పాదములు (2)</a:t>
+              <a:t>నీ ఆలోచనయే – నాకు క్షేమమయ్యా (2)</a:t>
             </a:r>
           </a:p>
           <a:p>
@@ -11171,7 +11315,7 @@
               </a:spcAft>
             </a:pPr>
             <a:r>
-              <a:rPr lang="te-IN" sz="1200" i="0" dirty="0">
+              <a:rPr lang="te-IN" sz="1050" i="0" dirty="0">
                 <a:solidFill>
                   <a:schemeClr val="tx1"/>
                 </a:solidFill>
@@ -11179,7 +11323,7 @@
                 <a:latin typeface="Anek Telugu SemiBold" pitchFamily="2" charset="0"/>
                 <a:cs typeface="Anek Telugu SemiBold" pitchFamily="2" charset="0"/>
               </a:rPr>
-              <a:t>అసమానమైన తేజో మహిమ</a:t>
+              <a:t>నీ ఆలోచనయే – నాకు క్షేమమయ్యా ..!</a:t>
             </a:r>
           </a:p>
           <a:p>
@@ -11195,7 +11339,7 @@
               </a:spcAft>
             </a:pPr>
             <a:r>
-              <a:rPr lang="te-IN" sz="1200" i="0" dirty="0">
+              <a:rPr lang="te-IN" sz="1050" i="0" dirty="0">
                 <a:solidFill>
                   <a:schemeClr val="tx1"/>
                 </a:solidFill>
@@ -11203,7 +11347,7 @@
                 <a:latin typeface="Anek Telugu SemiBold" pitchFamily="2" charset="0"/>
                 <a:cs typeface="Anek Telugu SemiBold" pitchFamily="2" charset="0"/>
               </a:rPr>
-              <a:t>కలిగిన ఓ ప్రభువా (2)          ||మా స్తుతి||</a:t>
+              <a:t>॥నీ ప్రేమే చూపకపోతే॥</a:t>
             </a:r>
           </a:p>
           <a:p>
@@ -11218,7 +11362,7 @@
                 <a:spcPts val="0"/>
               </a:spcAft>
             </a:pPr>
-            <a:endParaRPr lang="te-IN" sz="1200" i="0" dirty="0">
+            <a:endParaRPr lang="te-IN" sz="1050" i="0" dirty="0">
               <a:solidFill>
                 <a:schemeClr val="tx1"/>
               </a:solidFill>
@@ -11240,7 +11384,7 @@
               </a:spcAft>
             </a:pPr>
             <a:r>
-              <a:rPr lang="en-IN" sz="1200" i="0" dirty="0">
+              <a:rPr lang="te-IN" sz="1050" i="0" dirty="0">
                 <a:solidFill>
                   <a:schemeClr val="tx1"/>
                 </a:solidFill>
@@ -11248,18 +11392,7 @@
                 <a:latin typeface="Anek Telugu SemiBold" pitchFamily="2" charset="0"/>
                 <a:cs typeface="Anek Telugu SemiBold" pitchFamily="2" charset="0"/>
               </a:rPr>
-              <a:t>2. </a:t>
-            </a:r>
-            <a:r>
-              <a:rPr lang="te-IN" sz="1200" i="0" dirty="0">
-                <a:solidFill>
-                  <a:schemeClr val="tx1"/>
-                </a:solidFill>
-                <a:effectLst/>
-                <a:latin typeface="Anek Telugu SemiBold" pitchFamily="2" charset="0"/>
-                <a:cs typeface="Anek Telugu SemiBold" pitchFamily="2" charset="0"/>
-              </a:rPr>
-              <a:t>జలముల ధ్వని వంటి కంట స్వరం</a:t>
+              <a:t>2) నిన్ను నేను విడిచినా – విడువలేదు నీదు ప్రేమ</a:t>
             </a:r>
           </a:p>
           <a:p>
@@ -11275,7 +11408,7 @@
               </a:spcAft>
             </a:pPr>
             <a:r>
-              <a:rPr lang="te-IN" sz="1200" i="0" dirty="0">
+              <a:rPr lang="te-IN" sz="1050" i="0" dirty="0">
                 <a:solidFill>
                   <a:schemeClr val="tx1"/>
                 </a:solidFill>
@@ -11283,7 +11416,7 @@
                 <a:latin typeface="Anek Telugu SemiBold" pitchFamily="2" charset="0"/>
                 <a:cs typeface="Anek Telugu SemiBold" pitchFamily="2" charset="0"/>
               </a:rPr>
-              <a:t>నోటను రెండంచుల ఖడ్గం (2)</a:t>
+              <a:t>విడిచిపెట్టలేనివి ఉన్నా – విడిపించావు నన్ను(2)</a:t>
             </a:r>
           </a:p>
           <a:p>
@@ -11299,7 +11432,7 @@
               </a:spcAft>
             </a:pPr>
             <a:r>
-              <a:rPr lang="te-IN" sz="1200" i="0" dirty="0">
+              <a:rPr lang="te-IN" sz="1050" i="0" dirty="0">
                 <a:solidFill>
                   <a:schemeClr val="tx1"/>
                 </a:solidFill>
@@ -11307,7 +11440,7 @@
                 <a:latin typeface="Anek Telugu SemiBold" pitchFamily="2" charset="0"/>
                 <a:cs typeface="Anek Telugu SemiBold" pitchFamily="2" charset="0"/>
               </a:rPr>
-              <a:t>ఏడు నక్షత్రముల ఏడాత్మలను</a:t>
+              <a:t>విడువని విమోచకుడా… విడువని విమోచకుడా –</a:t>
             </a:r>
           </a:p>
           <a:p>
@@ -11323,7 +11456,7 @@
               </a:spcAft>
             </a:pPr>
             <a:r>
-              <a:rPr lang="te-IN" sz="1200" i="0" dirty="0">
+              <a:rPr lang="te-IN" sz="1050" i="0" dirty="0">
                 <a:solidFill>
                   <a:schemeClr val="tx1"/>
                 </a:solidFill>
@@ -11331,7 +11464,55 @@
                 <a:latin typeface="Anek Telugu SemiBold" pitchFamily="2" charset="0"/>
                 <a:cs typeface="Anek Telugu SemiBold" pitchFamily="2" charset="0"/>
               </a:rPr>
-              <a:t>కలిగిన ఓ ప్రభువా (2)          ||మా స్తుతి||</a:t>
+              <a:t>నీలోనే ఉండుట – నాకు క్షేమమయ్యా (2)</a:t>
+            </a:r>
+          </a:p>
+          <a:p>
+            <a:pPr marL="0" marR="0" indent="0" algn="ctr" rtl="0" eaLnBrk="1" fontAlgn="auto" latinLnBrk="0" hangingPunct="1">
+              <a:lnSpc>
+                <a:spcPct val="150000"/>
+              </a:lnSpc>
+              <a:spcBef>
+                <a:spcPts val="0"/>
+              </a:spcBef>
+              <a:spcAft>
+                <a:spcPts val="0"/>
+              </a:spcAft>
+            </a:pPr>
+            <a:r>
+              <a:rPr lang="te-IN" sz="1050" i="0" dirty="0">
+                <a:solidFill>
+                  <a:schemeClr val="tx1"/>
+                </a:solidFill>
+                <a:effectLst/>
+                <a:latin typeface="Anek Telugu SemiBold" pitchFamily="2" charset="0"/>
+                <a:cs typeface="Anek Telugu SemiBold" pitchFamily="2" charset="0"/>
+              </a:rPr>
+              <a:t>నీలోనే ఉండుట – నాకు క్షేమమయ్యా ..!</a:t>
+            </a:r>
+          </a:p>
+          <a:p>
+            <a:pPr marL="0" marR="0" indent="0" algn="ctr" rtl="0" eaLnBrk="1" fontAlgn="auto" latinLnBrk="0" hangingPunct="1">
+              <a:lnSpc>
+                <a:spcPct val="150000"/>
+              </a:lnSpc>
+              <a:spcBef>
+                <a:spcPts val="0"/>
+              </a:spcBef>
+              <a:spcAft>
+                <a:spcPts val="0"/>
+              </a:spcAft>
+            </a:pPr>
+            <a:r>
+              <a:rPr lang="te-IN" sz="1050" i="0" dirty="0">
+                <a:solidFill>
+                  <a:schemeClr val="tx1"/>
+                </a:solidFill>
+                <a:effectLst/>
+                <a:latin typeface="Anek Telugu SemiBold" pitchFamily="2" charset="0"/>
+                <a:cs typeface="Anek Telugu SemiBold" pitchFamily="2" charset="0"/>
+              </a:rPr>
+              <a:t>॥నీ ప్రేమే చూపకపోతే॥</a:t>
             </a:r>
           </a:p>
         </p:txBody>
@@ -11419,7 +11600,7 @@
               </a:lnSpc>
             </a:pPr>
             <a:r>
-              <a:rPr lang="te-IN" sz="1000" i="0" dirty="0">
+              <a:rPr lang="te-IN" sz="1600" i="0" dirty="0">
                 <a:solidFill>
                   <a:schemeClr val="tx1"/>
                 </a:solidFill>
@@ -11427,7 +11608,7 @@
                 <a:latin typeface="Anek Telugu SemiBold" pitchFamily="2" charset="0"/>
                 <a:cs typeface="Anek Telugu SemiBold" pitchFamily="2" charset="0"/>
               </a:rPr>
-              <a:t>యేసయ్యా నీ కృప నాకు చాలయ్యా</a:t>
+              <a:t>జీవనదిని నా హృదయములో</a:t>
             </a:r>
           </a:p>
           <a:p>
@@ -11437,7 +11618,7 @@
               </a:lnSpc>
             </a:pPr>
             <a:r>
-              <a:rPr lang="te-IN" sz="1000" i="0" dirty="0">
+              <a:rPr lang="te-IN" sz="1600" i="0" dirty="0">
                 <a:solidFill>
                   <a:schemeClr val="tx1"/>
                 </a:solidFill>
@@ -11445,7 +11626,7 @@
                 <a:latin typeface="Anek Telugu SemiBold" pitchFamily="2" charset="0"/>
                 <a:cs typeface="Anek Telugu SemiBold" pitchFamily="2" charset="0"/>
               </a:rPr>
-              <a:t>నీ కృప లేనిదే నే బ్రతుకలేనయ్యా</a:t>
+              <a:t>ప్రవహింప చేయుమయ్యా (2)</a:t>
             </a:r>
           </a:p>
           <a:p>
@@ -11454,79 +11635,7 @@
                 <a:spcPct val="150000"/>
               </a:lnSpc>
             </a:pPr>
-            <a:r>
-              <a:rPr lang="te-IN" sz="1000" i="0" dirty="0">
-                <a:solidFill>
-                  <a:schemeClr val="tx1"/>
-                </a:solidFill>
-                <a:effectLst/>
-                <a:latin typeface="Anek Telugu SemiBold" pitchFamily="2" charset="0"/>
-                <a:cs typeface="Anek Telugu SemiBold" pitchFamily="2" charset="0"/>
-              </a:rPr>
-              <a:t>నీ కృప లేని క్షణము – నీ దయ లేని క్షణము</a:t>
-            </a:r>
-          </a:p>
-          <a:p>
-            <a:pPr algn="ctr">
-              <a:lnSpc>
-                <a:spcPct val="150000"/>
-              </a:lnSpc>
-            </a:pPr>
-            <a:r>
-              <a:rPr lang="te-IN" sz="1000" i="0" dirty="0">
-                <a:solidFill>
-                  <a:schemeClr val="tx1"/>
-                </a:solidFill>
-                <a:effectLst/>
-                <a:latin typeface="Anek Telugu SemiBold" pitchFamily="2" charset="0"/>
-                <a:cs typeface="Anek Telugu SemiBold" pitchFamily="2" charset="0"/>
-              </a:rPr>
-              <a:t>నేనూహించలేను యేసయ్యా (2)</a:t>
-            </a:r>
-          </a:p>
-          <a:p>
-            <a:pPr algn="ctr">
-              <a:lnSpc>
-                <a:spcPct val="150000"/>
-              </a:lnSpc>
-            </a:pPr>
-            <a:r>
-              <a:rPr lang="te-IN" sz="1000" i="0" dirty="0">
-                <a:solidFill>
-                  <a:schemeClr val="tx1"/>
-                </a:solidFill>
-                <a:effectLst/>
-                <a:latin typeface="Anek Telugu SemiBold" pitchFamily="2" charset="0"/>
-                <a:cs typeface="Anek Telugu SemiBold" pitchFamily="2" charset="0"/>
-              </a:rPr>
-              <a:t>యేసయ్యా నీ కృప నాకు చాలయ్యా</a:t>
-            </a:r>
-          </a:p>
-          <a:p>
-            <a:pPr algn="ctr">
-              <a:lnSpc>
-                <a:spcPct val="150000"/>
-              </a:lnSpc>
-            </a:pPr>
-            <a:r>
-              <a:rPr lang="te-IN" sz="1000" i="0" dirty="0">
-                <a:solidFill>
-                  <a:schemeClr val="tx1"/>
-                </a:solidFill>
-                <a:effectLst/>
-                <a:latin typeface="Anek Telugu SemiBold" pitchFamily="2" charset="0"/>
-                <a:cs typeface="Anek Telugu SemiBold" pitchFamily="2" charset="0"/>
-              </a:rPr>
-              <a:t>నీ కృప లేనిదే నేనుండలేనయ్యా (2) ||నీ కృప||</a:t>
-            </a:r>
-          </a:p>
-          <a:p>
-            <a:pPr algn="ctr">
-              <a:lnSpc>
-                <a:spcPct val="150000"/>
-              </a:lnSpc>
-            </a:pPr>
-            <a:endParaRPr lang="te-IN" sz="1000" i="0" dirty="0">
+            <a:endParaRPr lang="te-IN" sz="1600" i="0" dirty="0">
               <a:solidFill>
                 <a:schemeClr val="tx1"/>
               </a:solidFill>
@@ -11542,7 +11651,7 @@
               </a:lnSpc>
             </a:pPr>
             <a:r>
-              <a:rPr lang="en-IN" sz="1000" i="0" dirty="0">
+              <a:rPr lang="te-IN" sz="1600" i="0" dirty="0">
                 <a:solidFill>
                   <a:schemeClr val="tx1"/>
                 </a:solidFill>
@@ -11550,18 +11659,7 @@
                 <a:latin typeface="Anek Telugu SemiBold" pitchFamily="2" charset="0"/>
                 <a:cs typeface="Anek Telugu SemiBold" pitchFamily="2" charset="0"/>
               </a:rPr>
-              <a:t>1. </a:t>
-            </a:r>
-            <a:r>
-              <a:rPr lang="te-IN" sz="1000" i="0" dirty="0">
-                <a:solidFill>
-                  <a:schemeClr val="tx1"/>
-                </a:solidFill>
-                <a:effectLst/>
-                <a:latin typeface="Anek Telugu SemiBold" pitchFamily="2" charset="0"/>
-                <a:cs typeface="Anek Telugu SemiBold" pitchFamily="2" charset="0"/>
-              </a:rPr>
-              <a:t>మహిమను విడిచి మహిలోకి దిగి వచ్చి</a:t>
+              <a:t>శరీర క్రియలన్నియు</a:t>
             </a:r>
           </a:p>
           <a:p>
@@ -11571,7 +11669,7 @@
               </a:lnSpc>
             </a:pPr>
             <a:r>
-              <a:rPr lang="te-IN" sz="1000" i="0" dirty="0">
+              <a:rPr lang="te-IN" sz="1600" i="0" dirty="0">
                 <a:solidFill>
                   <a:schemeClr val="tx1"/>
                 </a:solidFill>
@@ -11579,7 +11677,7 @@
                 <a:latin typeface="Anek Telugu SemiBold" pitchFamily="2" charset="0"/>
                 <a:cs typeface="Anek Telugu SemiBold" pitchFamily="2" charset="0"/>
               </a:rPr>
-              <a:t>మార్గముగా మారి మనిషిగా మార్చావు</a:t>
+              <a:t>నాలో నశియింప చేయుమయ్యా (2) </a:t>
             </a:r>
           </a:p>
           <a:p>
@@ -11588,79 +11686,7 @@
                 <a:spcPct val="150000"/>
               </a:lnSpc>
             </a:pPr>
-            <a:r>
-              <a:rPr lang="te-IN" sz="1000" i="0" dirty="0">
-                <a:solidFill>
-                  <a:schemeClr val="tx1"/>
-                </a:solidFill>
-                <a:effectLst/>
-                <a:latin typeface="Anek Telugu SemiBold" pitchFamily="2" charset="0"/>
-                <a:cs typeface="Anek Telugu SemiBold" pitchFamily="2" charset="0"/>
-              </a:rPr>
-              <a:t>మహిని నీవు మాధుర్యముగా మార్చి</a:t>
-            </a:r>
-          </a:p>
-          <a:p>
-            <a:pPr algn="ctr">
-              <a:lnSpc>
-                <a:spcPct val="150000"/>
-              </a:lnSpc>
-            </a:pPr>
-            <a:r>
-              <a:rPr lang="te-IN" sz="1000" i="0" dirty="0">
-                <a:solidFill>
-                  <a:schemeClr val="tx1"/>
-                </a:solidFill>
-                <a:effectLst/>
-                <a:latin typeface="Anek Telugu SemiBold" pitchFamily="2" charset="0"/>
-                <a:cs typeface="Anek Telugu SemiBold" pitchFamily="2" charset="0"/>
-              </a:rPr>
-              <a:t>మాదిరి చూపి మరో రూపమిచ్చావు (2)</a:t>
-            </a:r>
-          </a:p>
-          <a:p>
-            <a:pPr algn="ctr">
-              <a:lnSpc>
-                <a:spcPct val="150000"/>
-              </a:lnSpc>
-            </a:pPr>
-            <a:r>
-              <a:rPr lang="te-IN" sz="1000" i="0" dirty="0">
-                <a:solidFill>
-                  <a:schemeClr val="tx1"/>
-                </a:solidFill>
-                <a:effectLst/>
-                <a:latin typeface="Anek Telugu SemiBold" pitchFamily="2" charset="0"/>
-                <a:cs typeface="Anek Telugu SemiBold" pitchFamily="2" charset="0"/>
-              </a:rPr>
-              <a:t>మహిమలో నేను మహిమను పొంద</a:t>
-            </a:r>
-          </a:p>
-          <a:p>
-            <a:pPr algn="ctr">
-              <a:lnSpc>
-                <a:spcPct val="150000"/>
-              </a:lnSpc>
-            </a:pPr>
-            <a:r>
-              <a:rPr lang="te-IN" sz="1000" i="0" dirty="0">
-                <a:solidFill>
-                  <a:schemeClr val="tx1"/>
-                </a:solidFill>
-                <a:effectLst/>
-                <a:latin typeface="Anek Telugu SemiBold" pitchFamily="2" charset="0"/>
-                <a:cs typeface="Anek Telugu SemiBold" pitchFamily="2" charset="0"/>
-              </a:rPr>
-              <a:t>మహిమగా మార్చింది నీ కృప (2) ||యేసయ్యా||</a:t>
-            </a:r>
-          </a:p>
-          <a:p>
-            <a:pPr algn="ctr">
-              <a:lnSpc>
-                <a:spcPct val="150000"/>
-              </a:lnSpc>
-            </a:pPr>
-            <a:endParaRPr lang="te-IN" sz="1000" i="0" dirty="0">
+            <a:endParaRPr lang="te-IN" sz="1600" i="0" dirty="0">
               <a:solidFill>
                 <a:schemeClr val="tx1"/>
               </a:solidFill>
@@ -11676,7 +11702,7 @@
               </a:lnSpc>
             </a:pPr>
             <a:r>
-              <a:rPr lang="en-IN" sz="1000" i="0" dirty="0">
+              <a:rPr lang="te-IN" sz="1600" i="0" dirty="0">
                 <a:solidFill>
                   <a:schemeClr val="tx1"/>
                 </a:solidFill>
@@ -11684,18 +11710,7 @@
                 <a:latin typeface="Anek Telugu SemiBold" pitchFamily="2" charset="0"/>
                 <a:cs typeface="Anek Telugu SemiBold" pitchFamily="2" charset="0"/>
               </a:rPr>
-              <a:t>2. </a:t>
-            </a:r>
-            <a:r>
-              <a:rPr lang="te-IN" sz="1000" i="0" dirty="0">
-                <a:solidFill>
-                  <a:schemeClr val="tx1"/>
-                </a:solidFill>
-                <a:effectLst/>
-                <a:latin typeface="Anek Telugu SemiBold" pitchFamily="2" charset="0"/>
-                <a:cs typeface="Anek Telugu SemiBold" pitchFamily="2" charset="0"/>
-              </a:rPr>
-              <a:t>ఆజ్ఞల మార్గమున ఆశ్రయమును ఇచ్చి</a:t>
+              <a:t>బలహీన సమయములో</a:t>
             </a:r>
           </a:p>
           <a:p>
@@ -11705,7 +11720,7 @@
               </a:lnSpc>
             </a:pPr>
             <a:r>
-              <a:rPr lang="te-IN" sz="1000" i="0" dirty="0">
+              <a:rPr lang="te-IN" sz="1600" i="0" dirty="0">
                 <a:solidFill>
                   <a:schemeClr val="tx1"/>
                 </a:solidFill>
@@ -11713,7 +11728,7 @@
                 <a:latin typeface="Anek Telugu SemiBold" pitchFamily="2" charset="0"/>
                 <a:cs typeface="Anek Telugu SemiBold" pitchFamily="2" charset="0"/>
               </a:rPr>
-              <a:t>ఆపత్కాలమున ఆదుకొన్నావు</a:t>
+              <a:t>నీ బలము ప్రసాదించుము (2)</a:t>
             </a:r>
           </a:p>
           <a:p>
@@ -11722,17 +11737,14 @@
                 <a:spcPct val="150000"/>
               </a:lnSpc>
             </a:pPr>
-            <a:r>
-              <a:rPr lang="te-IN" sz="1000" i="0" dirty="0">
-                <a:solidFill>
-                  <a:schemeClr val="tx1"/>
-                </a:solidFill>
-                <a:effectLst/>
-                <a:latin typeface="Anek Telugu SemiBold" pitchFamily="2" charset="0"/>
-                <a:cs typeface="Anek Telugu SemiBold" pitchFamily="2" charset="0"/>
-              </a:rPr>
-              <a:t>ఆత్మీయులతో ఆనందింప చేసి</a:t>
-            </a:r>
+            <a:endParaRPr lang="te-IN" sz="1600" i="0" dirty="0">
+              <a:solidFill>
+                <a:schemeClr val="tx1"/>
+              </a:solidFill>
+              <a:effectLst/>
+              <a:latin typeface="Anek Telugu SemiBold" pitchFamily="2" charset="0"/>
+              <a:cs typeface="Anek Telugu SemiBold" pitchFamily="2" charset="0"/>
+            </a:endParaRPr>
           </a:p>
           <a:p>
             <a:pPr algn="ctr">
@@ -11741,7 +11753,7 @@
               </a:lnSpc>
             </a:pPr>
             <a:r>
-              <a:rPr lang="te-IN" sz="1000" i="0" dirty="0">
+              <a:rPr lang="te-IN" sz="1600" i="0" dirty="0">
                 <a:solidFill>
                   <a:schemeClr val="tx1"/>
                 </a:solidFill>
@@ -11749,7 +11761,7 @@
                 <a:latin typeface="Anek Telugu SemiBold" pitchFamily="2" charset="0"/>
                 <a:cs typeface="Anek Telugu SemiBold" pitchFamily="2" charset="0"/>
               </a:rPr>
-              <a:t>ఆనంద తైలముతో అభిషేకించావు (2)</a:t>
+              <a:t>ఆత్మీయ వరములతో</a:t>
             </a:r>
           </a:p>
           <a:p>
@@ -11759,7 +11771,7 @@
               </a:lnSpc>
             </a:pPr>
             <a:r>
-              <a:rPr lang="te-IN" sz="1000" i="0" dirty="0">
+              <a:rPr lang="te-IN" sz="1600" i="0" dirty="0">
                 <a:solidFill>
                   <a:schemeClr val="tx1"/>
                 </a:solidFill>
@@ -11767,25 +11779,7 @@
                 <a:latin typeface="Anek Telugu SemiBold" pitchFamily="2" charset="0"/>
                 <a:cs typeface="Anek Telugu SemiBold" pitchFamily="2" charset="0"/>
               </a:rPr>
-              <a:t>ఆశ తీర ఆరాధన చేసే</a:t>
-            </a:r>
-          </a:p>
-          <a:p>
-            <a:pPr algn="ctr">
-              <a:lnSpc>
-                <a:spcPct val="150000"/>
-              </a:lnSpc>
-            </a:pPr>
-            <a:r>
-              <a:rPr lang="te-IN" sz="1000" i="0" dirty="0">
-                <a:solidFill>
-                  <a:schemeClr val="tx1"/>
-                </a:solidFill>
-                <a:effectLst/>
-                <a:latin typeface="Anek Telugu SemiBold" pitchFamily="2" charset="0"/>
-                <a:cs typeface="Anek Telugu SemiBold" pitchFamily="2" charset="0"/>
-              </a:rPr>
-              <a:t>అదృష్టమిచ్చింది నీ కృప (2) ||యేసయ్యా||</a:t>
+              <a:t>నన్ను అభిషేకం చేయుమయ్యా </a:t>
             </a:r>
           </a:p>
         </p:txBody>
@@ -11849,7 +11843,7 @@
               </a:spcAft>
             </a:pPr>
             <a:r>
-              <a:rPr lang="te-IN" sz="1000" b="0" i="0" kern="1200" spc="0" baseline="0" dirty="0">
+              <a:rPr lang="te-IN" sz="1200" b="0" i="0" kern="1200" spc="0" baseline="0" dirty="0">
                 <a:ln>
                   <a:noFill/>
                 </a:ln>
@@ -11861,7 +11855,7 @@
                 <a:ea typeface="+mn-ea"/>
                 <a:cs typeface="Anek Telugu SemiBold" pitchFamily="2" charset="0"/>
               </a:rPr>
-              <a:t>గడచిన కాలము కృపలో మమ్ము</a:t>
+              <a:t>చాలిన దేవుడవు యేసు </a:t>
             </a:r>
           </a:p>
           <a:p>
@@ -11877,7 +11871,7 @@
               </a:spcAft>
             </a:pPr>
             <a:r>
-              <a:rPr lang="te-IN" sz="1000" b="0" i="0" kern="1200" spc="0" baseline="0" dirty="0">
+              <a:rPr lang="te-IN" sz="1200" b="0" i="0" kern="1200" spc="0" baseline="0" dirty="0">
                 <a:ln>
                   <a:noFill/>
                 </a:ln>
@@ -11889,7 +11883,7 @@
                 <a:ea typeface="+mn-ea"/>
                 <a:cs typeface="Anek Telugu SemiBold" pitchFamily="2" charset="0"/>
               </a:rPr>
-              <a:t>దాచిన దేవా నీకే స్తోత్రము</a:t>
+              <a:t>చాలిన దేవుడ నీవు</a:t>
             </a:r>
           </a:p>
           <a:p>
@@ -11905,7 +11899,7 @@
               </a:spcAft>
             </a:pPr>
             <a:r>
-              <a:rPr lang="te-IN" sz="1000" b="0" i="0" kern="1200" spc="0" baseline="0" dirty="0">
+              <a:rPr lang="te-IN" sz="1200" b="0" i="0" kern="1200" spc="0" baseline="0" dirty="0">
                 <a:ln>
                   <a:noFill/>
                 </a:ln>
@@ -11917,7 +11911,7 @@
                 <a:ea typeface="+mn-ea"/>
                 <a:cs typeface="Anek Telugu SemiBold" pitchFamily="2" charset="0"/>
               </a:rPr>
-              <a:t>పగలూ రేయి కనుపాపవలె</a:t>
+              <a:t>వ్యాధి బాధ సమయములో</a:t>
             </a:r>
           </a:p>
           <a:p>
@@ -11933,7 +11927,7 @@
               </a:spcAft>
             </a:pPr>
             <a:r>
-              <a:rPr lang="te-IN" sz="1000" b="0" i="0" kern="1200" spc="0" baseline="0" dirty="0">
+              <a:rPr lang="te-IN" sz="1200" b="0" i="0" kern="1200" spc="0" baseline="0" dirty="0">
                 <a:ln>
                   <a:noFill/>
                 </a:ln>
@@ -11945,7 +11939,7 @@
                 <a:ea typeface="+mn-ea"/>
                 <a:cs typeface="Anek Telugu SemiBold" pitchFamily="2" charset="0"/>
               </a:rPr>
-              <a:t>కాచిన దేవా నీకే స్తోత్రము (2)</a:t>
+              <a:t> కష్టసుడుల తరంగములో</a:t>
             </a:r>
           </a:p>
           <a:p>
@@ -11961,7 +11955,7 @@
               </a:spcAft>
             </a:pPr>
             <a:r>
-              <a:rPr lang="te-IN" sz="1000" b="0" i="0" kern="1200" spc="0" baseline="0" dirty="0">
+              <a:rPr lang="te-IN" sz="1200" b="0" i="0" kern="1200" spc="0" baseline="0" dirty="0">
                 <a:ln>
                   <a:noFill/>
                 </a:ln>
@@ -11973,7 +11967,7 @@
                 <a:ea typeface="+mn-ea"/>
                 <a:cs typeface="Anek Telugu SemiBold" pitchFamily="2" charset="0"/>
               </a:rPr>
-              <a:t>మము దాచిన దేవా నీకే స్తోత్రము</a:t>
+              <a:t>ఏమున్నా లేకున్నా ఏ స్ధితికైనా</a:t>
             </a:r>
           </a:p>
           <a:p>
@@ -11989,7 +11983,7 @@
               </a:spcAft>
             </a:pPr>
             <a:r>
-              <a:rPr lang="te-IN" sz="1000" b="0" i="0" kern="1200" spc="0" baseline="0" dirty="0">
+              <a:rPr lang="te-IN" sz="1200" b="0" i="0" kern="1200" spc="0" baseline="0" dirty="0">
                 <a:ln>
                   <a:noFill/>
                 </a:ln>
@@ -12001,7 +11995,7 @@
                 <a:ea typeface="+mn-ea"/>
                 <a:cs typeface="Anek Telugu SemiBold" pitchFamily="2" charset="0"/>
               </a:rPr>
-              <a:t>కాపాడిన దేవా నీకే స్తోత్రము (2)        ||గడచిన||</a:t>
+              <a:t> చాలిన దేవుడ నీవు</a:t>
             </a:r>
           </a:p>
           <a:p>
@@ -12016,7 +12010,7 @@
                 <a:spcPts val="0"/>
               </a:spcAft>
             </a:pPr>
-            <a:endParaRPr lang="te-IN" sz="1000" b="0" i="0" kern="1200" spc="0" baseline="0" dirty="0">
+            <a:endParaRPr lang="te-IN" sz="1200" b="0" i="0" kern="1200" spc="0" baseline="0" dirty="0">
               <a:ln>
                 <a:noFill/>
               </a:ln>
@@ -12042,7 +12036,7 @@
               </a:spcAft>
             </a:pPr>
             <a:r>
-              <a:rPr lang="en-IN" sz="1000" b="0" i="0" kern="1200" spc="0" baseline="0" dirty="0">
+              <a:rPr lang="te-IN" sz="1200" b="0" i="0" kern="1200" spc="0" baseline="0" dirty="0">
                 <a:ln>
                   <a:noFill/>
                 </a:ln>
@@ -12054,22 +12048,7 @@
                 <a:ea typeface="+mn-ea"/>
                 <a:cs typeface="Anek Telugu SemiBold" pitchFamily="2" charset="0"/>
               </a:rPr>
-              <a:t>1. </a:t>
-            </a:r>
-            <a:r>
-              <a:rPr lang="te-IN" sz="1000" b="0" i="0" kern="1200" spc="0" baseline="0" dirty="0">
-                <a:ln>
-                  <a:noFill/>
-                </a:ln>
-                <a:solidFill>
-                  <a:srgbClr val="000000"/>
-                </a:solidFill>
-                <a:effectLst/>
-                <a:latin typeface="Anek Telugu SemiBold" pitchFamily="2" charset="0"/>
-                <a:ea typeface="+mn-ea"/>
-                <a:cs typeface="Anek Telugu SemiBold" pitchFamily="2" charset="0"/>
-              </a:rPr>
-              <a:t>కలత చెందిన కష్టకాలమున</a:t>
+              <a:t>1. అంజూర చెట్లు పూయకున్నను</a:t>
             </a:r>
           </a:p>
           <a:p>
@@ -12085,7 +12064,7 @@
               </a:spcAft>
             </a:pPr>
             <a:r>
-              <a:rPr lang="te-IN" sz="1000" b="0" i="0" kern="1200" spc="0" baseline="0" dirty="0">
+              <a:rPr lang="te-IN" sz="1200" b="0" i="0" kern="1200" spc="0" baseline="0" dirty="0">
                 <a:ln>
                   <a:noFill/>
                 </a:ln>
@@ -12097,7 +12076,7 @@
                 <a:ea typeface="+mn-ea"/>
                 <a:cs typeface="Anek Telugu SemiBold" pitchFamily="2" charset="0"/>
               </a:rPr>
-              <a:t>కన్న తండ్రివై నను ఆదరించిన</a:t>
+              <a:t> ద్రాక్ష చెట్లు ఫలింపకున్నను</a:t>
             </a:r>
           </a:p>
           <a:p>
@@ -12113,7 +12092,7 @@
               </a:spcAft>
             </a:pPr>
             <a:r>
-              <a:rPr lang="te-IN" sz="1000" b="0" i="0" kern="1200" spc="0" baseline="0" dirty="0">
+              <a:rPr lang="te-IN" sz="1200" b="0" i="0" kern="1200" spc="0" baseline="0" dirty="0">
                 <a:ln>
                   <a:noFill/>
                 </a:ln>
@@ -12125,7 +12104,7 @@
                 <a:ea typeface="+mn-ea"/>
                 <a:cs typeface="Anek Telugu SemiBold" pitchFamily="2" charset="0"/>
               </a:rPr>
-              <a:t>కలుషము నాలో కానవచ్చినా</a:t>
+              <a:t>చేనులోని పైరు పండకపోయినను</a:t>
             </a:r>
           </a:p>
           <a:p>
@@ -12141,7 +12120,7 @@
               </a:spcAft>
             </a:pPr>
             <a:r>
-              <a:rPr lang="te-IN" sz="1000" b="0" i="0" kern="1200" spc="0" baseline="0" dirty="0">
+              <a:rPr lang="te-IN" sz="1200" b="0" i="0" kern="1200" spc="0" baseline="0" dirty="0">
                 <a:ln>
                   <a:noFill/>
                 </a:ln>
@@ -12153,7 +12132,7 @@
                 <a:ea typeface="+mn-ea"/>
                 <a:cs typeface="Anek Telugu SemiBold" pitchFamily="2" charset="0"/>
               </a:rPr>
-              <a:t>కాదనక నను కరుణించిన (2)</a:t>
+              <a:t>శాలలోని పశువులు లేక పోయినను</a:t>
             </a:r>
           </a:p>
           <a:p>
@@ -12168,21 +12147,18 @@
                 <a:spcPts val="0"/>
               </a:spcAft>
             </a:pPr>
-            <a:r>
-              <a:rPr lang="te-IN" sz="1000" b="0" i="0" kern="1200" spc="0" baseline="0" dirty="0">
-                <a:ln>
-                  <a:noFill/>
-                </a:ln>
-                <a:solidFill>
-                  <a:srgbClr val="000000"/>
-                </a:solidFill>
-                <a:effectLst/>
-                <a:latin typeface="Anek Telugu SemiBold" pitchFamily="2" charset="0"/>
-                <a:ea typeface="+mn-ea"/>
-                <a:cs typeface="Anek Telugu SemiBold" pitchFamily="2" charset="0"/>
-              </a:rPr>
-              <a:t>కరుణించిన దేవా నీకే స్తోత్రము</a:t>
-            </a:r>
+            <a:endParaRPr lang="te-IN" sz="1200" b="0" i="0" kern="1200" spc="0" baseline="0" dirty="0">
+              <a:ln>
+                <a:noFill/>
+              </a:ln>
+              <a:solidFill>
+                <a:srgbClr val="000000"/>
+              </a:solidFill>
+              <a:effectLst/>
+              <a:latin typeface="Anek Telugu SemiBold" pitchFamily="2" charset="0"/>
+              <a:ea typeface="+mn-ea"/>
+              <a:cs typeface="Anek Telugu SemiBold" pitchFamily="2" charset="0"/>
+            </a:endParaRPr>
           </a:p>
           <a:p>
             <a:pPr marL="0" marR="0" indent="0" algn="ctr" rtl="0" eaLnBrk="1" fontAlgn="auto" latinLnBrk="0" hangingPunct="1">
@@ -12197,7 +12173,7 @@
               </a:spcAft>
             </a:pPr>
             <a:r>
-              <a:rPr lang="te-IN" sz="1000" b="0" i="0" kern="1200" spc="0" baseline="0" dirty="0">
+              <a:rPr lang="te-IN" sz="1200" b="0" i="0" kern="1200" spc="0" baseline="0" dirty="0">
                 <a:ln>
                   <a:noFill/>
                 </a:ln>
@@ -12209,7 +12185,7 @@
                 <a:ea typeface="+mn-ea"/>
                 <a:cs typeface="Anek Telugu SemiBold" pitchFamily="2" charset="0"/>
               </a:rPr>
-              <a:t>కాపాడిన దేవా నీకే స్తోత్రము (2)       ||గడచిన||</a:t>
+              <a:t>2. గాఢాంధకారాన పయనించిన </a:t>
             </a:r>
           </a:p>
           <a:p>
@@ -12224,18 +12200,21 @@
                 <a:spcPts val="0"/>
               </a:spcAft>
             </a:pPr>
-            <a:endParaRPr lang="te-IN" sz="1000" b="0" i="0" kern="1200" spc="0" baseline="0" dirty="0">
-              <a:ln>
-                <a:noFill/>
-              </a:ln>
-              <a:solidFill>
-                <a:srgbClr val="000000"/>
-              </a:solidFill>
-              <a:effectLst/>
-              <a:latin typeface="Anek Telugu SemiBold" pitchFamily="2" charset="0"/>
-              <a:ea typeface="+mn-ea"/>
-              <a:cs typeface="Anek Telugu SemiBold" pitchFamily="2" charset="0"/>
-            </a:endParaRPr>
+            <a:r>
+              <a:rPr lang="te-IN" sz="1200" b="0" i="0" kern="1200" spc="0" baseline="0" dirty="0">
+                <a:ln>
+                  <a:noFill/>
+                </a:ln>
+                <a:solidFill>
+                  <a:srgbClr val="000000"/>
+                </a:solidFill>
+                <a:effectLst/>
+                <a:latin typeface="Anek Telugu SemiBold" pitchFamily="2" charset="0"/>
+                <a:ea typeface="+mn-ea"/>
+                <a:cs typeface="Anek Telugu SemiBold" pitchFamily="2" charset="0"/>
+              </a:rPr>
+              <a:t>పొంగు సాగరా లెదురైన</a:t>
+            </a:r>
           </a:p>
           <a:p>
             <a:pPr marL="0" marR="0" indent="0" algn="ctr" rtl="0" eaLnBrk="1" fontAlgn="auto" latinLnBrk="0" hangingPunct="1">
@@ -12250,7 +12229,7 @@
               </a:spcAft>
             </a:pPr>
             <a:r>
-              <a:rPr lang="en-IN" sz="1000" b="0" i="0" kern="1200" spc="0" baseline="0" dirty="0">
+              <a:rPr lang="te-IN" sz="1200" b="0" i="0" kern="1200" spc="0" baseline="0" dirty="0">
                 <a:ln>
                   <a:noFill/>
                 </a:ln>
@@ -12262,22 +12241,7 @@
                 <a:ea typeface="+mn-ea"/>
                 <a:cs typeface="Anek Telugu SemiBold" pitchFamily="2" charset="0"/>
               </a:rPr>
-              <a:t>2. </a:t>
-            </a:r>
-            <a:r>
-              <a:rPr lang="te-IN" sz="1000" b="0" i="0" kern="1200" spc="0" baseline="0" dirty="0">
-                <a:ln>
-                  <a:noFill/>
-                </a:ln>
-                <a:solidFill>
-                  <a:srgbClr val="000000"/>
-                </a:solidFill>
-                <a:effectLst/>
-                <a:latin typeface="Anek Telugu SemiBold" pitchFamily="2" charset="0"/>
-                <a:ea typeface="+mn-ea"/>
-                <a:cs typeface="Anek Telugu SemiBold" pitchFamily="2" charset="0"/>
-              </a:rPr>
-              <a:t>లోపములెన్నో దాగి ఉన్నను</a:t>
+              <a:t>లోకమంత ఒకటైన అన్యాయ తీర్పుకు గురిచేసిన</a:t>
             </a:r>
           </a:p>
           <a:p>
@@ -12293,7 +12257,7 @@
               </a:spcAft>
             </a:pPr>
             <a:r>
-              <a:rPr lang="te-IN" sz="1000" b="0" i="0" kern="1200" spc="0" baseline="0" dirty="0">
+              <a:rPr lang="te-IN" sz="1200" b="0" i="0" kern="1200" spc="0" baseline="0" dirty="0">
                 <a:ln>
                   <a:noFill/>
                 </a:ln>
@@ -12305,119 +12269,7 @@
                 <a:ea typeface="+mn-ea"/>
                 <a:cs typeface="Anek Telugu SemiBold" pitchFamily="2" charset="0"/>
               </a:rPr>
-              <a:t>ధాతృత్వముతో నను నడిపించినా</a:t>
-            </a:r>
-          </a:p>
-          <a:p>
-            <a:pPr marL="0" marR="0" indent="0" algn="ctr" rtl="0" eaLnBrk="1" fontAlgn="auto" latinLnBrk="0" hangingPunct="1">
-              <a:lnSpc>
-                <a:spcPct val="150000"/>
-              </a:lnSpc>
-              <a:spcBef>
-                <a:spcPts val="0"/>
-              </a:spcBef>
-              <a:spcAft>
-                <a:spcPts val="0"/>
-              </a:spcAft>
-            </a:pPr>
-            <a:r>
-              <a:rPr lang="te-IN" sz="1000" b="0" i="0" kern="1200" spc="0" baseline="0" dirty="0">
-                <a:ln>
-                  <a:noFill/>
-                </a:ln>
-                <a:solidFill>
-                  <a:srgbClr val="000000"/>
-                </a:solidFill>
-                <a:effectLst/>
-                <a:latin typeface="Anek Telugu SemiBold" pitchFamily="2" charset="0"/>
-                <a:ea typeface="+mn-ea"/>
-                <a:cs typeface="Anek Telugu SemiBold" pitchFamily="2" charset="0"/>
-              </a:rPr>
-              <a:t>అవిధేయతలే ఆవరించినా</a:t>
-            </a:r>
-          </a:p>
-          <a:p>
-            <a:pPr marL="0" marR="0" indent="0" algn="ctr" rtl="0" eaLnBrk="1" fontAlgn="auto" latinLnBrk="0" hangingPunct="1">
-              <a:lnSpc>
-                <a:spcPct val="150000"/>
-              </a:lnSpc>
-              <a:spcBef>
-                <a:spcPts val="0"/>
-              </a:spcBef>
-              <a:spcAft>
-                <a:spcPts val="0"/>
-              </a:spcAft>
-            </a:pPr>
-            <a:r>
-              <a:rPr lang="te-IN" sz="1000" b="0" i="0" kern="1200" spc="0" baseline="0" dirty="0">
-                <a:ln>
-                  <a:noFill/>
-                </a:ln>
-                <a:solidFill>
-                  <a:srgbClr val="000000"/>
-                </a:solidFill>
-                <a:effectLst/>
-                <a:latin typeface="Anek Telugu SemiBold" pitchFamily="2" charset="0"/>
-                <a:ea typeface="+mn-ea"/>
-                <a:cs typeface="Anek Telugu SemiBold" pitchFamily="2" charset="0"/>
-              </a:rPr>
-              <a:t>దీవెనలెన్నో దయచేసిన (2)</a:t>
-            </a:r>
-          </a:p>
-          <a:p>
-            <a:pPr marL="0" marR="0" indent="0" algn="ctr" rtl="0" eaLnBrk="1" fontAlgn="auto" latinLnBrk="0" hangingPunct="1">
-              <a:lnSpc>
-                <a:spcPct val="150000"/>
-              </a:lnSpc>
-              <a:spcBef>
-                <a:spcPts val="0"/>
-              </a:spcBef>
-              <a:spcAft>
-                <a:spcPts val="0"/>
-              </a:spcAft>
-            </a:pPr>
-            <a:r>
-              <a:rPr lang="te-IN" sz="1000" b="0" i="0" kern="1200" spc="0" baseline="0" dirty="0">
-                <a:ln>
-                  <a:noFill/>
-                </a:ln>
-                <a:solidFill>
-                  <a:srgbClr val="000000"/>
-                </a:solidFill>
-                <a:effectLst/>
-                <a:latin typeface="Anek Telugu SemiBold" pitchFamily="2" charset="0"/>
-                <a:ea typeface="+mn-ea"/>
-                <a:cs typeface="Anek Telugu SemiBold" pitchFamily="2" charset="0"/>
-              </a:rPr>
-              <a:t>దీవించిన దేవా నీకే స్తోత్రము</a:t>
-            </a:r>
-          </a:p>
-          <a:p>
-            <a:pPr marL="0" marR="0" indent="0" algn="ctr" rtl="0" eaLnBrk="1" fontAlgn="auto" latinLnBrk="0" hangingPunct="1">
-              <a:lnSpc>
-                <a:spcPct val="150000"/>
-              </a:lnSpc>
-              <a:spcBef>
-                <a:spcPts val="0"/>
-              </a:spcBef>
-              <a:spcAft>
-                <a:spcPts val="0"/>
-              </a:spcAft>
-            </a:pPr>
-            <a:r>
-              <a:rPr lang="te-IN" sz="1000" b="0" i="0" kern="1200" spc="0" baseline="0" dirty="0">
-                <a:ln>
-                  <a:noFill/>
-                </a:ln>
-                <a:solidFill>
-                  <a:srgbClr val="000000"/>
-                </a:solidFill>
-                <a:effectLst/>
-                <a:latin typeface="Anek Telugu SemiBold" pitchFamily="2" charset="0"/>
-                <a:ea typeface="+mn-ea"/>
-                <a:cs typeface="Anek Telugu SemiBold" pitchFamily="2" charset="0"/>
-              </a:rPr>
-              <a:t>దయచూపిన తండ్రి నీకే స్తోత్రము (2)        ||గడచిన||</a:t>
+              <a:t>సత్యము పలుకుటచే నష్టము కలిగినను</a:t>
             </a:r>
           </a:p>
         </p:txBody>
@@ -12483,7 +12335,7 @@
                 <a:latin typeface="Anek Telugu SemiBold" pitchFamily="2" charset="0"/>
                 <a:cs typeface="Anek Telugu SemiBold" pitchFamily="2" charset="0"/>
               </a:rPr>
-              <a:t>ప్రాణేశ్వర – ప్రభు దైవకుమార</a:t>
+              <a:t>హల్లెలూయ స్తుతి మహిమ</a:t>
             </a:r>
           </a:p>
           <a:p>
@@ -12501,7 +12353,7 @@
                 <a:latin typeface="Anek Telugu SemiBold" pitchFamily="2" charset="0"/>
                 <a:cs typeface="Anek Telugu SemiBold" pitchFamily="2" charset="0"/>
               </a:rPr>
-              <a:t>ప్రణుతింతును నిన్నే- ఆశతీర</a:t>
+              <a:t>ఎల్లప్పుడు దేవుని స్తుతించెదము (2)</a:t>
             </a:r>
           </a:p>
           <a:p>
@@ -12519,7 +12371,7 @@
                 <a:latin typeface="Anek Telugu SemiBold" pitchFamily="2" charset="0"/>
                 <a:cs typeface="Anek Telugu SemiBold" pitchFamily="2" charset="0"/>
               </a:rPr>
-              <a:t>ప్రాణేశ్వర – ప్రభు దైవకుమార</a:t>
+              <a:t>ఆ... హల్లెలూయా హల్లెలూయా హల్లెలూయా (2)</a:t>
             </a:r>
           </a:p>
           <a:p>
@@ -12563,16 +12415,8 @@
                 <a:latin typeface="Anek Telugu SemiBold" pitchFamily="2" charset="0"/>
                 <a:cs typeface="Anek Telugu SemiBold" pitchFamily="2" charset="0"/>
               </a:rPr>
-              <a:t>నా ఆత్మతో పాటలు పాడ –</a:t>
-            </a:r>
-            <a:endParaRPr lang="en-IN" sz="1200" i="0" dirty="0">
-              <a:solidFill>
-                <a:schemeClr val="tx1"/>
-              </a:solidFill>
-              <a:effectLst/>
-              <a:latin typeface="Anek Telugu SemiBold" pitchFamily="2" charset="0"/>
-              <a:cs typeface="Anek Telugu SemiBold" pitchFamily="2" charset="0"/>
-            </a:endParaRPr>
+              <a:t>అల సైన్యములకు అధిపతియైన</a:t>
+            </a:r>
           </a:p>
           <a:p>
             <a:pPr algn="ctr">
@@ -12589,29 +12433,7 @@
                 <a:latin typeface="Anek Telugu SemiBold" pitchFamily="2" charset="0"/>
                 <a:cs typeface="Anek Telugu SemiBold" pitchFamily="2" charset="0"/>
               </a:rPr>
-              <a:t>నీ కృపలే నాకు హేతువులాయె -</a:t>
-            </a: